--- a/ppt/chap-机器学习概述.pptx
+++ b/ppt/chap-机器学习概述.pptx
@@ -11,31 +11,31 @@
     <p:sldId id="256" r:id="rId2"/>
     <p:sldId id="448" r:id="rId3"/>
     <p:sldId id="468" r:id="rId4"/>
-    <p:sldId id="469" r:id="rId5"/>
-    <p:sldId id="506" r:id="rId6"/>
-    <p:sldId id="508" r:id="rId7"/>
-    <p:sldId id="509" r:id="rId8"/>
-    <p:sldId id="507" r:id="rId9"/>
-    <p:sldId id="470" r:id="rId10"/>
-    <p:sldId id="482" r:id="rId11"/>
-    <p:sldId id="486" r:id="rId12"/>
-    <p:sldId id="487" r:id="rId13"/>
-    <p:sldId id="483" r:id="rId14"/>
-    <p:sldId id="488" r:id="rId15"/>
-    <p:sldId id="473" r:id="rId16"/>
-    <p:sldId id="505" r:id="rId17"/>
-    <p:sldId id="474" r:id="rId18"/>
-    <p:sldId id="477" r:id="rId19"/>
-    <p:sldId id="478" r:id="rId20"/>
-    <p:sldId id="496" r:id="rId21"/>
-    <p:sldId id="497" r:id="rId22"/>
-    <p:sldId id="498" r:id="rId23"/>
-    <p:sldId id="504" r:id="rId24"/>
-    <p:sldId id="480" r:id="rId25"/>
-    <p:sldId id="481" r:id="rId26"/>
-    <p:sldId id="499" r:id="rId27"/>
-    <p:sldId id="500" r:id="rId28"/>
-    <p:sldId id="501" r:id="rId29"/>
+    <p:sldId id="511" r:id="rId5"/>
+    <p:sldId id="510" r:id="rId6"/>
+    <p:sldId id="469" r:id="rId7"/>
+    <p:sldId id="506" r:id="rId8"/>
+    <p:sldId id="508" r:id="rId9"/>
+    <p:sldId id="509" r:id="rId10"/>
+    <p:sldId id="507" r:id="rId11"/>
+    <p:sldId id="470" r:id="rId12"/>
+    <p:sldId id="482" r:id="rId13"/>
+    <p:sldId id="486" r:id="rId14"/>
+    <p:sldId id="487" r:id="rId15"/>
+    <p:sldId id="483" r:id="rId16"/>
+    <p:sldId id="488" r:id="rId17"/>
+    <p:sldId id="473" r:id="rId18"/>
+    <p:sldId id="505" r:id="rId19"/>
+    <p:sldId id="474" r:id="rId20"/>
+    <p:sldId id="477" r:id="rId21"/>
+    <p:sldId id="478" r:id="rId22"/>
+    <p:sldId id="496" r:id="rId23"/>
+    <p:sldId id="497" r:id="rId24"/>
+    <p:sldId id="498" r:id="rId25"/>
+    <p:sldId id="499" r:id="rId26"/>
+    <p:sldId id="504" r:id="rId27"/>
+    <p:sldId id="480" r:id="rId28"/>
+    <p:sldId id="481" r:id="rId29"/>
     <p:sldId id="502" r:id="rId30"/>
     <p:sldId id="503" r:id="rId31"/>
     <p:sldId id="447" r:id="rId32"/>
@@ -175,6 +175,8 @@
             <p14:sldId id="256"/>
             <p14:sldId id="448"/>
             <p14:sldId id="468"/>
+            <p14:sldId id="511"/>
+            <p14:sldId id="510"/>
             <p14:sldId id="469"/>
             <p14:sldId id="506"/>
             <p14:sldId id="508"/>
@@ -194,12 +196,10 @@
             <p14:sldId id="496"/>
             <p14:sldId id="497"/>
             <p14:sldId id="498"/>
+            <p14:sldId id="499"/>
             <p14:sldId id="504"/>
             <p14:sldId id="480"/>
             <p14:sldId id="481"/>
-            <p14:sldId id="499"/>
-            <p14:sldId id="500"/>
-            <p14:sldId id="501"/>
             <p14:sldId id="502"/>
             <p14:sldId id="503"/>
             <p14:sldId id="447"/>
@@ -4039,7 +4039,7 @@
               <a:pPr>
                 <a:defRPr/>
               </a:pPr>
-              <a:t>9/10/2018</a:t>
+              <a:t>9/13/2018</a:t>
             </a:fld>
             <a:endParaRPr lang="en-US" altLang="zh-CN"/>
           </a:p>
@@ -4708,7 +4708,7 @@
               <a:pPr>
                 <a:defRPr/>
               </a:pPr>
-              <a:t>4</a:t>
+              <a:t>6</a:t>
             </a:fld>
             <a:endParaRPr lang="en-US" altLang="zh-CN"/>
           </a:p>
@@ -4806,7 +4806,7 @@
               <a:pPr>
                 <a:defRPr/>
               </a:pPr>
-              <a:t>6</a:t>
+              <a:t>8</a:t>
             </a:fld>
             <a:endParaRPr lang="en-US" altLang="zh-CN"/>
           </a:p>
@@ -4908,7 +4908,7 @@
               <a:pPr>
                 <a:defRPr/>
               </a:pPr>
-              <a:t>17</a:t>
+              <a:t>19</a:t>
             </a:fld>
             <a:endParaRPr lang="en-US" altLang="zh-CN"/>
           </a:p>
@@ -5021,7 +5021,7 @@
               <a:pPr>
                 <a:defRPr/>
               </a:pPr>
-              <a:t>18</a:t>
+              <a:t>20</a:t>
             </a:fld>
             <a:endParaRPr lang="en-US" altLang="zh-CN"/>
           </a:p>
@@ -5134,7 +5134,7 @@
               <a:pPr>
                 <a:defRPr/>
               </a:pPr>
-              <a:t>24</a:t>
+              <a:t>27</a:t>
             </a:fld>
             <a:endParaRPr lang="en-US" altLang="zh-CN"/>
           </a:p>
@@ -5144,6 +5144,112 @@
     <p:extLst>
       <p:ext uri="{BB962C8B-B14F-4D97-AF65-F5344CB8AC3E}">
         <p14:creationId xmlns:p14="http://schemas.microsoft.com/office/powerpoint/2010/main" val="1348007591"/>
+      </p:ext>
+    </p:extLst>
+  </p:cSld>
+  <p:clrMapOvr>
+    <a:masterClrMapping/>
+  </p:clrMapOvr>
+</p:notes>
+</file>
+
+<file path=ppt/notesSlides/notesSlide7.xml><?xml version="1.0" encoding="utf-8"?>
+<p:notes xmlns:a="http://schemas.openxmlformats.org/drawingml/2006/main" xmlns:r="http://schemas.openxmlformats.org/officeDocument/2006/relationships" xmlns:p="http://schemas.openxmlformats.org/presentationml/2006/main">
+  <p:cSld>
+    <p:spTree>
+      <p:nvGrpSpPr>
+        <p:cNvPr id="1" name=""/>
+        <p:cNvGrpSpPr/>
+        <p:nvPr/>
+      </p:nvGrpSpPr>
+      <p:grpSpPr>
+        <a:xfrm>
+          <a:off x="0" y="0"/>
+          <a:ext cx="0" cy="0"/>
+          <a:chOff x="0" y="0"/>
+          <a:chExt cx="0" cy="0"/>
+        </a:xfrm>
+      </p:grpSpPr>
+      <p:sp>
+        <p:nvSpPr>
+          <p:cNvPr id="2" name="幻灯片图像占位符 1"/>
+          <p:cNvSpPr>
+            <a:spLocks noGrp="1" noRot="1" noChangeAspect="1"/>
+          </p:cNvSpPr>
+          <p:nvPr>
+            <p:ph type="sldImg"/>
+          </p:nvPr>
+        </p:nvSpPr>
+        <p:spPr/>
+      </p:sp>
+      <p:sp>
+        <p:nvSpPr>
+          <p:cNvPr id="3" name="备注占位符 2"/>
+          <p:cNvSpPr>
+            <a:spLocks noGrp="1"/>
+          </p:cNvSpPr>
+          <p:nvPr>
+            <p:ph type="body" idx="1"/>
+          </p:nvPr>
+        </p:nvSpPr>
+        <p:spPr/>
+        <p:txBody>
+          <a:bodyPr/>
+          <a:lstStyle/>
+          <a:p>
+            <a:r>
+              <a:rPr lang="zh-CN" altLang="en-US" dirty="0" smtClean="0"/>
+              <a:t>拉特马赫</a:t>
+            </a:r>
+            <a:r>
+              <a:rPr lang="en-US" altLang="zh-CN" dirty="0" smtClean="0"/>
+              <a:t>(</a:t>
+            </a:r>
+            <a:r>
+              <a:rPr lang="en-US" altLang="zh-CN" dirty="0" err="1" smtClean="0"/>
+              <a:t>Rademacher</a:t>
+            </a:r>
+            <a:r>
+              <a:rPr lang="en-US" altLang="zh-CN" dirty="0" smtClean="0"/>
+              <a:t>)</a:t>
+            </a:r>
+            <a:endParaRPr lang="zh-CN" altLang="en-US" dirty="0"/>
+          </a:p>
+        </p:txBody>
+      </p:sp>
+      <p:sp>
+        <p:nvSpPr>
+          <p:cNvPr id="4" name="灯片编号占位符 3"/>
+          <p:cNvSpPr>
+            <a:spLocks noGrp="1"/>
+          </p:cNvSpPr>
+          <p:nvPr>
+            <p:ph type="sldNum" sz="quarter" idx="10"/>
+          </p:nvPr>
+        </p:nvSpPr>
+        <p:spPr/>
+        <p:txBody>
+          <a:bodyPr/>
+          <a:lstStyle/>
+          <a:p>
+            <a:pPr>
+              <a:defRPr/>
+            </a:pPr>
+            <a:fld id="{B4C119E0-CEE4-4FF8-83B2-DC856A2C17CC}" type="slidenum">
+              <a:rPr lang="en-US" altLang="zh-CN" smtClean="0"/>
+              <a:pPr>
+                <a:defRPr/>
+              </a:pPr>
+              <a:t>30</a:t>
+            </a:fld>
+            <a:endParaRPr lang="en-US" altLang="zh-CN"/>
+          </a:p>
+        </p:txBody>
+      </p:sp>
+    </p:spTree>
+    <p:extLst>
+      <p:ext uri="{BB962C8B-B14F-4D97-AF65-F5344CB8AC3E}">
+        <p14:creationId xmlns:p14="http://schemas.microsoft.com/office/powerpoint/2010/main" val="2790133812"/>
       </p:ext>
     </p:extLst>
   </p:cSld>
@@ -6999,14 +7105,14 @@
           </a:ln>
           <a:extLst>
             <a:ext uri="{909E8E84-426E-40dd-AFC4-6F175D3DCCD1}">
-              <a14:hiddenFill xmlns:a14="http://schemas.microsoft.com/office/drawing/2010/main" xmlns="">
+              <a14:hiddenFill xmlns="" xmlns:a14="http://schemas.microsoft.com/office/drawing/2010/main">
                 <a:solidFill>
                   <a:srgbClr val="FFFFFF"/>
                 </a:solidFill>
               </a14:hiddenFill>
             </a:ext>
             <a:ext uri="{91240B29-F687-4f45-9708-019B960494DF}">
-              <a14:hiddenLine xmlns:a14="http://schemas.microsoft.com/office/drawing/2010/main" xmlns="" w="9525">
+              <a14:hiddenLine xmlns="" xmlns:a14="http://schemas.microsoft.com/office/drawing/2010/main" w="9525">
                 <a:solidFill>
                   <a:srgbClr val="000000"/>
                 </a:solidFill>
@@ -7057,14 +7163,14 @@
           </a:ln>
           <a:extLst>
             <a:ext uri="{909E8E84-426E-40dd-AFC4-6F175D3DCCD1}">
-              <a14:hiddenFill xmlns:a14="http://schemas.microsoft.com/office/drawing/2010/main" xmlns="">
+              <a14:hiddenFill xmlns="" xmlns:a14="http://schemas.microsoft.com/office/drawing/2010/main">
                 <a:solidFill>
                   <a:srgbClr val="FFFFFF"/>
                 </a:solidFill>
               </a14:hiddenFill>
             </a:ext>
             <a:ext uri="{91240B29-F687-4f45-9708-019B960494DF}">
-              <a14:hiddenLine xmlns:a14="http://schemas.microsoft.com/office/drawing/2010/main" xmlns="" w="9525">
+              <a14:hiddenLine xmlns="" xmlns:a14="http://schemas.microsoft.com/office/drawing/2010/main" w="9525">
                 <a:solidFill>
                   <a:srgbClr val="000000"/>
                 </a:solidFill>
@@ -7147,7 +7253,7 @@
           </a:ln>
           <a:extLst>
             <a:ext uri="{909E8E84-426E-40dd-AFC4-6F175D3DCCD1}">
-              <a14:hiddenFill xmlns:a14="http://schemas.microsoft.com/office/drawing/2010/main" xmlns="">
+              <a14:hiddenFill xmlns="" xmlns:a14="http://schemas.microsoft.com/office/drawing/2010/main">
                 <a:noFill/>
               </a14:hiddenFill>
             </a:ext>
@@ -7189,7 +7295,7 @@
           </a:ln>
           <a:extLst>
             <a:ext uri="{909E8E84-426E-40dd-AFC4-6F175D3DCCD1}">
-              <a14:hiddenFill xmlns:a14="http://schemas.microsoft.com/office/drawing/2010/main" xmlns="">
+              <a14:hiddenFill xmlns="" xmlns:a14="http://schemas.microsoft.com/office/drawing/2010/main">
                 <a:noFill/>
               </a14:hiddenFill>
             </a:ext>
@@ -8044,6 +8150,676 @@
           <a:p>
             <a:r>
               <a:rPr lang="zh-CN" altLang="en-US" dirty="0"/>
+              <a:t>交叉熵损失函数</a:t>
+            </a:r>
+            <a:endParaRPr lang="en-US" altLang="zh-CN" dirty="0"/>
+          </a:p>
+        </p:txBody>
+      </p:sp>
+      <p:sp>
+        <p:nvSpPr>
+          <p:cNvPr id="3" name="内容占位符 2"/>
+          <p:cNvSpPr>
+            <a:spLocks noGrp="1"/>
+          </p:cNvSpPr>
+          <p:nvPr>
+            <p:ph sz="quarter" idx="1"/>
+          </p:nvPr>
+        </p:nvSpPr>
+        <p:spPr/>
+        <p:txBody>
+          <a:bodyPr/>
+          <a:lstStyle/>
+          <a:p>
+            <a:pPr lvl="1"/>
+            <a:r>
+              <a:rPr lang="zh-CN" altLang="en-US" dirty="0" smtClean="0"/>
+              <a:t>负</a:t>
+            </a:r>
+            <a:r>
+              <a:rPr lang="zh-CN" altLang="en-US" dirty="0"/>
+              <a:t>对数似然</a:t>
+            </a:r>
+            <a:r>
+              <a:rPr lang="zh-CN" altLang="en-US" dirty="0" smtClean="0"/>
+              <a:t>损失函数</a:t>
+            </a:r>
+            <a:endParaRPr lang="en-US" altLang="zh-CN" dirty="0" smtClean="0"/>
+          </a:p>
+          <a:p>
+            <a:endParaRPr lang="en-US" altLang="zh-CN" dirty="0"/>
+          </a:p>
+          <a:p>
+            <a:pPr marL="205978" lvl="1" indent="0">
+              <a:buNone/>
+            </a:pPr>
+            <a:endParaRPr lang="en-US" altLang="zh-CN" dirty="0" smtClean="0"/>
+          </a:p>
+          <a:p>
+            <a:pPr lvl="1"/>
+            <a:r>
+              <a:rPr lang="zh-CN" altLang="en-US" dirty="0" smtClean="0"/>
+              <a:t>对于</a:t>
+            </a:r>
+            <a:r>
+              <a:rPr lang="zh-CN" altLang="en-US" dirty="0"/>
+              <a:t>一个三类分类问题，类别为</a:t>
+            </a:r>
+            <a:r>
+              <a:rPr lang="en-US" altLang="zh-CN" dirty="0"/>
+              <a:t>[0,0,1]</a:t>
+            </a:r>
+            <a:r>
+              <a:rPr lang="zh-CN" altLang="en-US" dirty="0"/>
+              <a:t>，预测的类别概率为</a:t>
+            </a:r>
+            <a:r>
+              <a:rPr lang="en-US" altLang="zh-CN" dirty="0"/>
+              <a:t>[0.3,0.3,0.4]</a:t>
+            </a:r>
+            <a:r>
+              <a:rPr lang="zh-CN" altLang="en-US" dirty="0" smtClean="0"/>
+              <a:t>，则</a:t>
+            </a:r>
+            <a:endParaRPr lang="en-US" altLang="zh-CN" dirty="0" smtClean="0"/>
+          </a:p>
+          <a:p>
+            <a:pPr lvl="1"/>
+            <a:endParaRPr lang="en-US" altLang="zh-CN" dirty="0" smtClean="0"/>
+          </a:p>
+          <a:p>
+            <a:endParaRPr lang="en-US" altLang="zh-CN" dirty="0"/>
+          </a:p>
+          <a:p>
+            <a:endParaRPr lang="en-US" altLang="zh-CN" dirty="0" smtClean="0"/>
+          </a:p>
+        </p:txBody>
+      </p:sp>
+      <p:pic>
+        <p:nvPicPr>
+          <p:cNvPr id="4" name="图片 3" descr="屏幕剪辑"/>
+          <p:cNvPicPr>
+            <a:picLocks noChangeAspect="1"/>
+          </p:cNvPicPr>
+          <p:nvPr/>
+        </p:nvPicPr>
+        <p:blipFill>
+          <a:blip r:embed="rId2">
+            <a:extLst>
+              <a:ext uri="{28A0092B-C50C-407E-A947-70E740481C1C}">
+                <a14:useLocalDpi xmlns:a14="http://schemas.microsoft.com/office/drawing/2010/main" val="0"/>
+              </a:ext>
+            </a:extLst>
+          </a:blip>
+          <a:stretch>
+            <a:fillRect/>
+          </a:stretch>
+        </p:blipFill>
+        <p:spPr>
+          <a:xfrm>
+            <a:off x="838200" y="5151944"/>
+            <a:ext cx="6456836" cy="1124064"/>
+          </a:xfrm>
+          <a:prstGeom prst="rect">
+            <a:avLst/>
+          </a:prstGeom>
+        </p:spPr>
+      </p:pic>
+      <p:pic>
+        <p:nvPicPr>
+          <p:cNvPr id="5" name="图片 4" descr="屏幕剪辑"/>
+          <p:cNvPicPr>
+            <a:picLocks noChangeAspect="1"/>
+          </p:cNvPicPr>
+          <p:nvPr/>
+        </p:nvPicPr>
+        <p:blipFill>
+          <a:blip r:embed="rId3">
+            <a:extLst>
+              <a:ext uri="{28A0092B-C50C-407E-A947-70E740481C1C}">
+                <a14:useLocalDpi xmlns:a14="http://schemas.microsoft.com/office/drawing/2010/main" val="0"/>
+              </a:ext>
+            </a:extLst>
+          </a:blip>
+          <a:stretch>
+            <a:fillRect/>
+          </a:stretch>
+        </p:blipFill>
+        <p:spPr>
+          <a:xfrm>
+            <a:off x="1714762" y="3470630"/>
+            <a:ext cx="4703712" cy="1762462"/>
+          </a:xfrm>
+          <a:prstGeom prst="rect">
+            <a:avLst/>
+          </a:prstGeom>
+        </p:spPr>
+      </p:pic>
+      <p:pic>
+        <p:nvPicPr>
+          <p:cNvPr id="6" name="图片 5" descr="屏幕剪辑"/>
+          <p:cNvPicPr>
+            <a:picLocks noChangeAspect="1"/>
+          </p:cNvPicPr>
+          <p:nvPr/>
+        </p:nvPicPr>
+        <p:blipFill>
+          <a:blip r:embed="rId4">
+            <a:extLst>
+              <a:ext uri="{28A0092B-C50C-407E-A947-70E740481C1C}">
+                <a14:useLocalDpi xmlns:a14="http://schemas.microsoft.com/office/drawing/2010/main" val="0"/>
+              </a:ext>
+            </a:extLst>
+          </a:blip>
+          <a:stretch>
+            <a:fillRect/>
+          </a:stretch>
+        </p:blipFill>
+        <p:spPr>
+          <a:xfrm>
+            <a:off x="2624223" y="1752600"/>
+            <a:ext cx="2884790" cy="647717"/>
+          </a:xfrm>
+          <a:prstGeom prst="rect">
+            <a:avLst/>
+          </a:prstGeom>
+        </p:spPr>
+      </p:pic>
+    </p:spTree>
+    <p:extLst>
+      <p:ext uri="{BB962C8B-B14F-4D97-AF65-F5344CB8AC3E}">
+        <p14:creationId xmlns:p14="http://schemas.microsoft.com/office/powerpoint/2010/main" val="2459107654"/>
+      </p:ext>
+    </p:extLst>
+  </p:cSld>
+  <p:clrMapOvr>
+    <a:masterClrMapping/>
+  </p:clrMapOvr>
+  <p:timing>
+    <p:tnLst>
+      <p:par>
+        <p:cTn id="1" dur="indefinite" restart="never" nodeType="tmRoot"/>
+      </p:par>
+    </p:tnLst>
+  </p:timing>
+</p:sld>
+</file>
+
+<file path=ppt/slides/slide11.xml><?xml version="1.0" encoding="utf-8"?>
+<p:sld xmlns:a="http://schemas.openxmlformats.org/drawingml/2006/main" xmlns:r="http://schemas.openxmlformats.org/officeDocument/2006/relationships" xmlns:p="http://schemas.openxmlformats.org/presentationml/2006/main">
+  <p:cSld>
+    <p:spTree>
+      <p:nvGrpSpPr>
+        <p:cNvPr id="1" name=""/>
+        <p:cNvGrpSpPr/>
+        <p:nvPr/>
+      </p:nvGrpSpPr>
+      <p:grpSpPr>
+        <a:xfrm>
+          <a:off x="0" y="0"/>
+          <a:ext cx="0" cy="0"/>
+          <a:chOff x="0" y="0"/>
+          <a:chExt cx="0" cy="0"/>
+        </a:xfrm>
+      </p:grpSpPr>
+      <p:sp>
+        <p:nvSpPr>
+          <p:cNvPr id="2" name="标题 1"/>
+          <p:cNvSpPr>
+            <a:spLocks noGrp="1"/>
+          </p:cNvSpPr>
+          <p:nvPr>
+            <p:ph type="title"/>
+          </p:nvPr>
+        </p:nvSpPr>
+        <p:spPr/>
+        <p:txBody>
+          <a:bodyPr/>
+          <a:lstStyle/>
+          <a:p>
+            <a:r>
+              <a:rPr lang="zh-CN" altLang="en-US" dirty="0" smtClean="0"/>
+              <a:t>参数学习</a:t>
+            </a:r>
+            <a:endParaRPr lang="zh-CN" altLang="en-US" dirty="0"/>
+          </a:p>
+        </p:txBody>
+      </p:sp>
+      <mc:AlternateContent xmlns:mc="http://schemas.openxmlformats.org/markup-compatibility/2006" xmlns:a14="http://schemas.microsoft.com/office/drawing/2010/main">
+        <mc:Choice Requires="a14">
+          <p:sp>
+            <p:nvSpPr>
+              <p:cNvPr id="3" name="内容占位符 2"/>
+              <p:cNvSpPr>
+                <a:spLocks noGrp="1"/>
+              </p:cNvSpPr>
+              <p:nvPr>
+                <p:ph sz="quarter" idx="1"/>
+              </p:nvPr>
+            </p:nvSpPr>
+            <p:spPr/>
+            <p:txBody>
+              <a:bodyPr/>
+              <a:lstStyle/>
+              <a:p>
+                <a:r>
+                  <a:rPr lang="zh-CN" altLang="en-US" sz="2800" dirty="0" smtClean="0"/>
+                  <a:t>期望风险未知，通过</a:t>
+                </a:r>
+                <a:r>
+                  <a:rPr lang="zh-CN" altLang="en-US" sz="2800" dirty="0" smtClean="0">
+                    <a:solidFill>
+                      <a:srgbClr val="FF0000"/>
+                    </a:solidFill>
+                  </a:rPr>
+                  <a:t>经验风险</a:t>
+                </a:r>
+                <a:r>
+                  <a:rPr lang="zh-CN" altLang="en-US" sz="2800" dirty="0" smtClean="0"/>
+                  <a:t>近似</a:t>
+                </a:r>
+                <a:endParaRPr lang="en-US" altLang="zh-CN" sz="2800" dirty="0" smtClean="0"/>
+              </a:p>
+              <a:p>
+                <a:pPr lvl="1"/>
+                <a:r>
+                  <a:rPr lang="zh-CN" altLang="en-US" sz="2000" dirty="0"/>
+                  <a:t>训练数据：</a:t>
+                </a:r>
+                <a14:m>
+                  <m:oMath xmlns:m="http://schemas.openxmlformats.org/officeDocument/2006/math">
+                    <m:r>
+                      <a:rPr lang="zh-CN" altLang="en-US" sz="2000" i="1" dirty="0">
+                        <a:latin typeface="Cambria Math" panose="02040503050406030204" pitchFamily="18" charset="0"/>
+                      </a:rPr>
+                      <m:t>𝒟</m:t>
+                    </m:r>
+                    <m:r>
+                      <a:rPr lang="en-US" altLang="zh-CN" sz="2000" dirty="0">
+                        <a:latin typeface="Cambria Math" panose="02040503050406030204" pitchFamily="18" charset="0"/>
+                      </a:rPr>
+                      <m:t>=</m:t>
+                    </m:r>
+                    <m:d>
+                      <m:dPr>
+                        <m:begChr m:val="{"/>
+                        <m:endChr m:val="}"/>
+                        <m:ctrlPr>
+                          <a:rPr lang="en-US" altLang="zh-CN" sz="2000" i="1" dirty="0">
+                            <a:latin typeface="Cambria Math" panose="02040503050406030204" pitchFamily="18" charset="0"/>
+                          </a:rPr>
+                        </m:ctrlPr>
+                      </m:dPr>
+                      <m:e>
+                        <m:sSup>
+                          <m:sSupPr>
+                            <m:ctrlPr>
+                              <a:rPr lang="en-US" altLang="zh-CN" sz="2000" i="1" dirty="0">
+                                <a:latin typeface="Cambria Math" panose="02040503050406030204" pitchFamily="18" charset="0"/>
+                              </a:rPr>
+                            </m:ctrlPr>
+                          </m:sSupPr>
+                          <m:e>
+                            <m:r>
+                              <m:rPr>
+                                <m:sty m:val="p"/>
+                              </m:rPr>
+                              <a:rPr lang="en-US" altLang="zh-CN" sz="2000" dirty="0">
+                                <a:latin typeface="Cambria Math" panose="02040503050406030204" pitchFamily="18" charset="0"/>
+                              </a:rPr>
+                              <m:t>x</m:t>
+                            </m:r>
+                          </m:e>
+                          <m:sup>
+                            <m:d>
+                              <m:dPr>
+                                <m:ctrlPr>
+                                  <a:rPr lang="en-US" altLang="zh-CN" sz="2000" i="1" dirty="0">
+                                    <a:latin typeface="Cambria Math" panose="02040503050406030204" pitchFamily="18" charset="0"/>
+                                  </a:rPr>
+                                </m:ctrlPr>
+                              </m:dPr>
+                              <m:e>
+                                <m:r>
+                                  <a:rPr lang="en-US" altLang="zh-CN" sz="2000" dirty="0">
+                                    <a:latin typeface="Cambria Math" panose="02040503050406030204" pitchFamily="18" charset="0"/>
+                                  </a:rPr>
+                                  <m:t>𝑖</m:t>
+                                </m:r>
+                              </m:e>
+                            </m:d>
+                          </m:sup>
+                        </m:sSup>
+                        <m:r>
+                          <a:rPr lang="en-US" altLang="zh-CN" sz="2000" dirty="0">
+                            <a:latin typeface="Cambria Math" panose="02040503050406030204" pitchFamily="18" charset="0"/>
+                          </a:rPr>
+                          <m:t>,</m:t>
+                        </m:r>
+                        <m:sSup>
+                          <m:sSupPr>
+                            <m:ctrlPr>
+                              <a:rPr lang="en-US" altLang="zh-CN" sz="2000" i="1" dirty="0">
+                                <a:latin typeface="Cambria Math" panose="02040503050406030204" pitchFamily="18" charset="0"/>
+                              </a:rPr>
+                            </m:ctrlPr>
+                          </m:sSupPr>
+                          <m:e>
+                            <m:r>
+                              <a:rPr lang="en-US" altLang="zh-CN" sz="2000" dirty="0">
+                                <a:latin typeface="Cambria Math" panose="02040503050406030204" pitchFamily="18" charset="0"/>
+                              </a:rPr>
+                              <m:t>𝑦</m:t>
+                            </m:r>
+                          </m:e>
+                          <m:sup>
+                            <m:d>
+                              <m:dPr>
+                                <m:ctrlPr>
+                                  <a:rPr lang="en-US" altLang="zh-CN" sz="2000" i="1" dirty="0">
+                                    <a:latin typeface="Cambria Math" panose="02040503050406030204" pitchFamily="18" charset="0"/>
+                                  </a:rPr>
+                                </m:ctrlPr>
+                              </m:dPr>
+                              <m:e>
+                                <m:r>
+                                  <a:rPr lang="en-US" altLang="zh-CN" sz="2000" dirty="0">
+                                    <a:latin typeface="Cambria Math" panose="02040503050406030204" pitchFamily="18" charset="0"/>
+                                  </a:rPr>
+                                  <m:t>𝑖</m:t>
+                                </m:r>
+                              </m:e>
+                            </m:d>
+                          </m:sup>
+                        </m:sSup>
+                      </m:e>
+                    </m:d>
+                    <m:r>
+                      <a:rPr lang="en-US" altLang="zh-CN" sz="2000" dirty="0">
+                        <a:latin typeface="Cambria Math" panose="02040503050406030204" pitchFamily="18" charset="0"/>
+                      </a:rPr>
+                      <m:t>, </m:t>
+                    </m:r>
+                    <m:r>
+                      <a:rPr lang="en-US" altLang="zh-CN" sz="2000" dirty="0">
+                        <a:latin typeface="Cambria Math" panose="02040503050406030204" pitchFamily="18" charset="0"/>
+                      </a:rPr>
+                      <m:t>𝑖</m:t>
+                    </m:r>
+                    <m:r>
+                      <a:rPr lang="en-US" altLang="zh-CN" sz="2000" dirty="0">
+                        <a:latin typeface="Cambria Math" panose="02040503050406030204" pitchFamily="18" charset="0"/>
+                      </a:rPr>
+                      <m:t>∈[1,</m:t>
+                    </m:r>
+                    <m:r>
+                      <a:rPr lang="en-US" altLang="zh-CN" sz="2000" dirty="0">
+                        <a:latin typeface="Cambria Math" panose="02040503050406030204" pitchFamily="18" charset="0"/>
+                      </a:rPr>
+                      <m:t>𝑁</m:t>
+                    </m:r>
+                    <m:r>
+                      <a:rPr lang="en-US" altLang="zh-CN" sz="2000" dirty="0">
+                        <a:latin typeface="Cambria Math" panose="02040503050406030204" pitchFamily="18" charset="0"/>
+                      </a:rPr>
+                      <m:t>]</m:t>
+                    </m:r>
+                  </m:oMath>
+                </a14:m>
+                <a:endParaRPr lang="en-US" altLang="zh-CN" sz="2000" dirty="0"/>
+              </a:p>
+              <a:p>
+                <a:pPr lvl="1"/>
+                <a:endParaRPr lang="en-US" altLang="zh-CN" sz="2000" dirty="0" smtClean="0"/>
+              </a:p>
+              <a:p>
+                <a:endParaRPr lang="en-US" altLang="zh-CN" sz="2800" dirty="0" smtClean="0"/>
+              </a:p>
+              <a:p>
+                <a:endParaRPr lang="en-US" altLang="zh-CN" sz="2800" dirty="0" smtClean="0">
+                  <a:solidFill>
+                    <a:srgbClr val="FF0000"/>
+                  </a:solidFill>
+                </a:endParaRPr>
+              </a:p>
+              <a:p>
+                <a:r>
+                  <a:rPr lang="zh-CN" altLang="en-US" sz="2800" dirty="0" smtClean="0">
+                    <a:solidFill>
+                      <a:srgbClr val="FF0000"/>
+                    </a:solidFill>
+                  </a:rPr>
+                  <a:t>经验风险最小</a:t>
+                </a:r>
+                <a:r>
+                  <a:rPr lang="zh-CN" altLang="en-US" sz="2800" dirty="0">
+                    <a:solidFill>
+                      <a:srgbClr val="FF0000"/>
+                    </a:solidFill>
+                  </a:rPr>
+                  <a:t>化</a:t>
+                </a:r>
+                <a:endParaRPr lang="en-US" altLang="zh-CN" sz="2800" dirty="0" smtClean="0">
+                  <a:solidFill>
+                    <a:srgbClr val="FF0000"/>
+                  </a:solidFill>
+                </a:endParaRPr>
+              </a:p>
+              <a:p>
+                <a:pPr lvl="1"/>
+                <a:r>
+                  <a:rPr lang="zh-CN" altLang="en-US" sz="2000" dirty="0" smtClean="0"/>
+                  <a:t>在</a:t>
+                </a:r>
+                <a:r>
+                  <a:rPr lang="zh-CN" altLang="en-US" sz="2000" dirty="0"/>
+                  <a:t>选择合适的风险函数后，我们寻找一个参数</a:t>
+                </a:r>
+                <a:r>
+                  <a:rPr lang="en-US" altLang="zh-CN" sz="2000" dirty="0" smtClean="0"/>
+                  <a:t>θ</a:t>
+                </a:r>
+                <a:r>
+                  <a:rPr lang="en-US" altLang="zh-CN" sz="2000" baseline="30000" dirty="0" smtClean="0"/>
+                  <a:t>∗</a:t>
+                </a:r>
+                <a:r>
+                  <a:rPr lang="en-US" altLang="zh-CN" sz="2000" dirty="0" smtClean="0"/>
+                  <a:t> </a:t>
+                </a:r>
+                <a:r>
+                  <a:rPr lang="zh-CN" altLang="en-US" sz="2000" dirty="0"/>
+                  <a:t>，</a:t>
+                </a:r>
+                <a:r>
+                  <a:rPr lang="zh-CN" altLang="en-US" sz="2000" dirty="0" smtClean="0"/>
+                  <a:t>使得经验风险</a:t>
+                </a:r>
+                <a:r>
+                  <a:rPr lang="zh-CN" altLang="en-US" sz="2000" dirty="0"/>
+                  <a:t>函数最小化</a:t>
+                </a:r>
+                <a:r>
+                  <a:rPr lang="zh-CN" altLang="en-US" sz="2000" dirty="0" smtClean="0"/>
+                  <a:t>。</a:t>
+                </a:r>
+                <a:endParaRPr lang="en-US" altLang="zh-CN" sz="2000" dirty="0"/>
+              </a:p>
+              <a:p>
+                <a:endParaRPr lang="en-US" altLang="zh-CN" sz="2800" dirty="0" smtClean="0"/>
+              </a:p>
+              <a:p>
+                <a:endParaRPr lang="en-US" altLang="zh-CN" sz="2800" dirty="0" smtClean="0"/>
+              </a:p>
+              <a:p>
+                <a:r>
+                  <a:rPr lang="zh-CN" altLang="en-US" sz="2800" dirty="0" smtClean="0"/>
+                  <a:t>机器学习问题转化</a:t>
+                </a:r>
+                <a:r>
+                  <a:rPr lang="zh-CN" altLang="en-US" sz="2800" dirty="0"/>
+                  <a:t>成为一个</a:t>
+                </a:r>
+                <a:r>
+                  <a:rPr lang="zh-CN" altLang="en-US" sz="2800" dirty="0">
+                    <a:solidFill>
+                      <a:srgbClr val="FF0000"/>
+                    </a:solidFill>
+                  </a:rPr>
+                  <a:t>最优化问题</a:t>
+                </a:r>
+              </a:p>
+            </p:txBody>
+          </p:sp>
+        </mc:Choice>
+        <mc:Fallback xmlns="">
+          <p:sp>
+            <p:nvSpPr>
+              <p:cNvPr id="3" name="内容占位符 2"/>
+              <p:cNvSpPr>
+                <a:spLocks noGrp="1" noRot="1" noChangeAspect="1" noMove="1" noResize="1" noEditPoints="1" noAdjustHandles="1" noChangeArrowheads="1" noChangeShapeType="1" noTextEdit="1"/>
+              </p:cNvSpPr>
+              <p:nvPr>
+                <p:ph sz="quarter" idx="1"/>
+              </p:nvPr>
+            </p:nvSpPr>
+            <p:spPr>
+              <a:blipFill>
+                <a:blip r:embed="rId2"/>
+                <a:stretch>
+                  <a:fillRect l="-741" t="-1235" r="-741" b="-2222"/>
+                </a:stretch>
+              </a:blipFill>
+            </p:spPr>
+            <p:txBody>
+              <a:bodyPr/>
+              <a:lstStyle/>
+              <a:p>
+                <a:r>
+                  <a:rPr lang="zh-CN" altLang="en-US">
+                    <a:noFill/>
+                  </a:rPr>
+                  <a:t> </a:t>
+                </a:r>
+              </a:p>
+            </p:txBody>
+          </p:sp>
+        </mc:Fallback>
+      </mc:AlternateContent>
+      <p:pic>
+        <p:nvPicPr>
+          <p:cNvPr id="7" name="图片 6" descr="屏幕剪辑"/>
+          <p:cNvPicPr>
+            <a:picLocks noChangeAspect="1"/>
+          </p:cNvPicPr>
+          <p:nvPr/>
+        </p:nvPicPr>
+        <p:blipFill>
+          <a:blip r:embed="rId3">
+            <a:extLst>
+              <a:ext uri="{28A0092B-C50C-407E-A947-70E740481C1C}">
+                <a14:useLocalDpi xmlns:a14="http://schemas.microsoft.com/office/drawing/2010/main" val="0"/>
+              </a:ext>
+            </a:extLst>
+          </a:blip>
+          <a:stretch>
+            <a:fillRect/>
+          </a:stretch>
+        </p:blipFill>
+        <p:spPr>
+          <a:xfrm>
+            <a:off x="1981200" y="2350532"/>
+            <a:ext cx="4433826" cy="911689"/>
+          </a:xfrm>
+          <a:prstGeom prst="rect">
+            <a:avLst/>
+          </a:prstGeom>
+        </p:spPr>
+      </p:pic>
+      <p:pic>
+        <p:nvPicPr>
+          <p:cNvPr id="8" name="图片 7" descr="屏幕剪辑"/>
+          <p:cNvPicPr>
+            <a:picLocks noChangeAspect="1"/>
+          </p:cNvPicPr>
+          <p:nvPr/>
+        </p:nvPicPr>
+        <p:blipFill>
+          <a:blip r:embed="rId4">
+            <a:extLst>
+              <a:ext uri="{28A0092B-C50C-407E-A947-70E740481C1C}">
+                <a14:useLocalDpi xmlns:a14="http://schemas.microsoft.com/office/drawing/2010/main" val="0"/>
+              </a:ext>
+            </a:extLst>
+          </a:blip>
+          <a:stretch>
+            <a:fillRect/>
+          </a:stretch>
+        </p:blipFill>
+        <p:spPr>
+          <a:xfrm>
+            <a:off x="2286000" y="4572000"/>
+            <a:ext cx="3227673" cy="848148"/>
+          </a:xfrm>
+          <a:prstGeom prst="rect">
+            <a:avLst/>
+          </a:prstGeom>
+        </p:spPr>
+      </p:pic>
+    </p:spTree>
+    <p:extLst>
+      <p:ext uri="{BB962C8B-B14F-4D97-AF65-F5344CB8AC3E}">
+        <p14:creationId xmlns:p14="http://schemas.microsoft.com/office/powerpoint/2010/main" val="3810509889"/>
+      </p:ext>
+    </p:extLst>
+  </p:cSld>
+  <p:clrMapOvr>
+    <a:masterClrMapping/>
+  </p:clrMapOvr>
+  <p:timing>
+    <p:tnLst>
+      <p:par>
+        <p:cTn id="1" dur="indefinite" restart="never" nodeType="tmRoot"/>
+      </p:par>
+    </p:tnLst>
+  </p:timing>
+</p:sld>
+</file>
+
+<file path=ppt/slides/slide12.xml><?xml version="1.0" encoding="utf-8"?>
+<p:sld xmlns:a="http://schemas.openxmlformats.org/drawingml/2006/main" xmlns:r="http://schemas.openxmlformats.org/officeDocument/2006/relationships" xmlns:p="http://schemas.openxmlformats.org/presentationml/2006/main">
+  <p:cSld>
+    <p:spTree>
+      <p:nvGrpSpPr>
+        <p:cNvPr id="1" name=""/>
+        <p:cNvGrpSpPr/>
+        <p:nvPr/>
+      </p:nvGrpSpPr>
+      <p:grpSpPr>
+        <a:xfrm>
+          <a:off x="0" y="0"/>
+          <a:ext cx="0" cy="0"/>
+          <a:chOff x="0" y="0"/>
+          <a:chExt cx="0" cy="0"/>
+        </a:xfrm>
+      </p:grpSpPr>
+      <p:sp>
+        <p:nvSpPr>
+          <p:cNvPr id="2" name="标题 1"/>
+          <p:cNvSpPr>
+            <a:spLocks noGrp="1"/>
+          </p:cNvSpPr>
+          <p:nvPr>
+            <p:ph type="title"/>
+          </p:nvPr>
+        </p:nvSpPr>
+        <p:spPr/>
+        <p:txBody>
+          <a:bodyPr/>
+          <a:lstStyle/>
+          <a:p>
+            <a:r>
+              <a:rPr lang="zh-CN" altLang="en-US" dirty="0"/>
               <a:t>优化：梯度</a:t>
             </a:r>
             <a:r>
@@ -8156,7 +8932,7 @@
 </p:sld>
 </file>
 
-<file path=ppt/slides/slide11.xml><?xml version="1.0" encoding="utf-8"?>
+<file path=ppt/slides/slide13.xml><?xml version="1.0" encoding="utf-8"?>
 <p:sld xmlns:a="http://schemas.openxmlformats.org/drawingml/2006/main" xmlns:r="http://schemas.openxmlformats.org/officeDocument/2006/relationships" xmlns:p="http://schemas.openxmlformats.org/presentationml/2006/main">
   <p:cSld>
     <p:spTree>
@@ -8302,7 +9078,7 @@
 </p:sld>
 </file>
 
-<file path=ppt/slides/slide12.xml><?xml version="1.0" encoding="utf-8"?>
+<file path=ppt/slides/slide14.xml><?xml version="1.0" encoding="utf-8"?>
 <p:sld xmlns:a="http://schemas.openxmlformats.org/drawingml/2006/main" xmlns:r="http://schemas.openxmlformats.org/officeDocument/2006/relationships" xmlns:p="http://schemas.openxmlformats.org/presentationml/2006/main">
   <p:cSld>
     <p:spTree>
@@ -8472,7 +9248,7 @@
 </p:sld>
 </file>
 
-<file path=ppt/slides/slide13.xml><?xml version="1.0" encoding="utf-8"?>
+<file path=ppt/slides/slide15.xml><?xml version="1.0" encoding="utf-8"?>
 <p:sld xmlns:a="http://schemas.openxmlformats.org/drawingml/2006/main" xmlns:r="http://schemas.openxmlformats.org/officeDocument/2006/relationships" xmlns:p="http://schemas.openxmlformats.org/presentationml/2006/main">
   <p:cSld>
     <p:spTree>
@@ -8560,7 +9336,7 @@
 </p:sld>
 </file>
 
-<file path=ppt/slides/slide14.xml><?xml version="1.0" encoding="utf-8"?>
+<file path=ppt/slides/slide16.xml><?xml version="1.0" encoding="utf-8"?>
 <p:sld xmlns:a="http://schemas.openxmlformats.org/drawingml/2006/main" xmlns:r="http://schemas.openxmlformats.org/officeDocument/2006/relationships" xmlns:p="http://schemas.openxmlformats.org/presentationml/2006/main">
   <p:cSld>
     <p:spTree>
@@ -8696,7 +9472,7 @@
 </p:sld>
 </file>
 
-<file path=ppt/slides/slide15.xml><?xml version="1.0" encoding="utf-8"?>
+<file path=ppt/slides/slide17.xml><?xml version="1.0" encoding="utf-8"?>
 <p:sld xmlns:a="http://schemas.openxmlformats.org/drawingml/2006/main" xmlns:r="http://schemas.openxmlformats.org/officeDocument/2006/relationships" xmlns:p="http://schemas.openxmlformats.org/presentationml/2006/main">
   <p:cSld>
     <p:spTree>
@@ -9105,7 +9881,7 @@
 </p:sld>
 </file>
 
-<file path=ppt/slides/slide16.xml><?xml version="1.0" encoding="utf-8"?>
+<file path=ppt/slides/slide18.xml><?xml version="1.0" encoding="utf-8"?>
 <p:sld xmlns:a="http://schemas.openxmlformats.org/drawingml/2006/main" xmlns:r="http://schemas.openxmlformats.org/officeDocument/2006/relationships" xmlns:p="http://schemas.openxmlformats.org/presentationml/2006/main">
   <p:cSld>
     <p:spTree>
@@ -9272,7 +10048,7 @@
 </p:sld>
 </file>
 
-<file path=ppt/slides/slide17.xml><?xml version="1.0" encoding="utf-8"?>
+<file path=ppt/slides/slide19.xml><?xml version="1.0" encoding="utf-8"?>
 <p:sld xmlns:a="http://schemas.openxmlformats.org/drawingml/2006/main" xmlns:r="http://schemas.openxmlformats.org/officeDocument/2006/relationships" xmlns:p="http://schemas.openxmlformats.org/presentationml/2006/main">
   <p:cSld>
     <p:spTree>
@@ -9792,7 +10568,817 @@
 </p:sld>
 </file>
 
-<file path=ppt/slides/slide18.xml><?xml version="1.0" encoding="utf-8"?>
+<file path=ppt/slides/slide2.xml><?xml version="1.0" encoding="utf-8"?>
+<p:sld xmlns:a="http://schemas.openxmlformats.org/drawingml/2006/main" xmlns:r="http://schemas.openxmlformats.org/officeDocument/2006/relationships" xmlns:p="http://schemas.openxmlformats.org/presentationml/2006/main">
+  <p:cSld>
+    <p:spTree>
+      <p:nvGrpSpPr>
+        <p:cNvPr id="1" name=""/>
+        <p:cNvGrpSpPr/>
+        <p:nvPr/>
+      </p:nvGrpSpPr>
+      <p:grpSpPr>
+        <a:xfrm>
+          <a:off x="0" y="0"/>
+          <a:ext cx="0" cy="0"/>
+          <a:chOff x="0" y="0"/>
+          <a:chExt cx="0" cy="0"/>
+        </a:xfrm>
+      </p:grpSpPr>
+      <p:sp>
+        <p:nvSpPr>
+          <p:cNvPr id="2" name="標題 1"/>
+          <p:cNvSpPr>
+            <a:spLocks noGrp="1"/>
+          </p:cNvSpPr>
+          <p:nvPr>
+            <p:ph type="title"/>
+          </p:nvPr>
+        </p:nvSpPr>
+        <p:spPr/>
+        <p:txBody>
+          <a:bodyPr/>
+          <a:lstStyle/>
+          <a:p>
+            <a:r>
+              <a:rPr lang="zh-CN" altLang="en-US" dirty="0" smtClean="0"/>
+              <a:t>机器学习 </a:t>
+            </a:r>
+            <a:r>
+              <a:rPr lang="en-US" altLang="zh-TW" dirty="0" smtClean="0"/>
+              <a:t>≈ </a:t>
+            </a:r>
+            <a:r>
+              <a:rPr lang="zh-CN" altLang="en-US" dirty="0" smtClean="0"/>
+              <a:t>构建一个映射函数</a:t>
+            </a:r>
+            <a:endParaRPr lang="zh-TW" altLang="en-US" dirty="0"/>
+          </a:p>
+        </p:txBody>
+      </p:sp>
+      <p:sp>
+        <p:nvSpPr>
+          <p:cNvPr id="3" name="內容版面配置區 2"/>
+          <p:cNvSpPr>
+            <a:spLocks noGrp="1"/>
+          </p:cNvSpPr>
+          <p:nvPr>
+            <p:ph sz="quarter" idx="1"/>
+          </p:nvPr>
+        </p:nvSpPr>
+        <p:spPr/>
+        <p:txBody>
+          <a:bodyPr>
+            <a:normAutofit/>
+          </a:bodyPr>
+          <a:lstStyle/>
+          <a:p>
+            <a:r>
+              <a:rPr lang="zh-CN" altLang="en-US" sz="3600" dirty="0" smtClean="0"/>
+              <a:t>语音识别</a:t>
+            </a:r>
+            <a:endParaRPr lang="en-US" altLang="zh-TW" sz="3600" dirty="0"/>
+          </a:p>
+          <a:p>
+            <a:endParaRPr lang="en-US" altLang="zh-TW" sz="3600" dirty="0"/>
+          </a:p>
+          <a:p>
+            <a:r>
+              <a:rPr lang="zh-CN" altLang="en-US" sz="3600" dirty="0" smtClean="0"/>
+              <a:t>图像识别</a:t>
+            </a:r>
+            <a:endParaRPr lang="en-US" altLang="zh-TW" sz="3600" dirty="0"/>
+          </a:p>
+          <a:p>
+            <a:endParaRPr lang="en-US" altLang="zh-TW" sz="3600" dirty="0"/>
+          </a:p>
+          <a:p>
+            <a:r>
+              <a:rPr lang="zh-CN" altLang="en-US" sz="3600" dirty="0" smtClean="0"/>
+              <a:t>围棋</a:t>
+            </a:r>
+            <a:endParaRPr lang="en-US" altLang="zh-CN" sz="3600" dirty="0" smtClean="0"/>
+          </a:p>
+          <a:p>
+            <a:endParaRPr lang="en-US" altLang="zh-TW" sz="3600" dirty="0"/>
+          </a:p>
+          <a:p>
+            <a:r>
+              <a:rPr lang="zh-CN" altLang="en-US" sz="3600" dirty="0" smtClean="0"/>
+              <a:t>对话系统</a:t>
+            </a:r>
+            <a:endParaRPr lang="zh-TW" altLang="en-US" sz="3600" dirty="0"/>
+          </a:p>
+        </p:txBody>
+      </p:sp>
+      <p:graphicFrame>
+        <p:nvGraphicFramePr>
+          <p:cNvPr id="4" name="Object 12"/>
+          <p:cNvGraphicFramePr>
+            <a:graphicFrameLocks noChangeAspect="1"/>
+          </p:cNvGraphicFramePr>
+          <p:nvPr>
+            <p:extLst/>
+          </p:nvPr>
+        </p:nvGraphicFramePr>
+        <p:xfrm>
+          <a:off x="2029665" y="1823150"/>
+          <a:ext cx="3822700" cy="460375"/>
+        </p:xfrm>
+        <a:graphic>
+          <a:graphicData uri="http://schemas.openxmlformats.org/presentationml/2006/ole">
+            <mc:AlternateContent xmlns:mc="http://schemas.openxmlformats.org/markup-compatibility/2006">
+              <mc:Choice xmlns:v="urn:schemas-microsoft-com:vml" Requires="v">
+                <p:oleObj spid="_x0000_s1190" name="方程式" r:id="rId3" imgW="1790640" imgH="215640" progId="Equation.3">
+                  <p:embed/>
+                </p:oleObj>
+              </mc:Choice>
+              <mc:Fallback>
+                <p:oleObj name="方程式" r:id="rId3" imgW="1790640" imgH="215640" progId="Equation.3">
+                  <p:embed/>
+                  <p:pic>
+                    <p:nvPicPr>
+                      <p:cNvPr id="4" name="Object 12"/>
+                      <p:cNvPicPr>
+                        <a:picLocks noChangeAspect="1" noChangeArrowheads="1"/>
+                      </p:cNvPicPr>
+                      <p:nvPr/>
+                    </p:nvPicPr>
+                    <p:blipFill>
+                      <a:blip r:embed="rId4"/>
+                      <a:srcRect/>
+                      <a:stretch>
+                        <a:fillRect/>
+                      </a:stretch>
+                    </p:blipFill>
+                    <p:spPr bwMode="auto">
+                      <a:xfrm>
+                        <a:off x="2029665" y="1823150"/>
+                        <a:ext cx="3822700" cy="460375"/>
+                      </a:xfrm>
+                      <a:prstGeom prst="rect">
+                        <a:avLst/>
+                      </a:prstGeom>
+                      <a:noFill/>
+                      <a:extLst>
+                        <a:ext uri="{909E8E84-426E-40DD-AFC4-6F175D3DCCD1}">
+                          <a14:hiddenFill xmlns:a14="http://schemas.microsoft.com/office/drawing/2010/main">
+                            <a:solidFill>
+                              <a:srgbClr val="FFFFFF"/>
+                            </a:solidFill>
+                          </a14:hiddenFill>
+                        </a:ext>
+                      </a:extLst>
+                    </p:spPr>
+                  </p:pic>
+                </p:oleObj>
+              </mc:Fallback>
+            </mc:AlternateContent>
+          </a:graphicData>
+        </a:graphic>
+      </p:graphicFrame>
+      <p:graphicFrame>
+        <p:nvGraphicFramePr>
+          <p:cNvPr id="5" name="Object 12"/>
+          <p:cNvGraphicFramePr>
+            <a:graphicFrameLocks noChangeAspect="1"/>
+          </p:cNvGraphicFramePr>
+          <p:nvPr>
+            <p:extLst/>
+          </p:nvPr>
+        </p:nvGraphicFramePr>
+        <p:xfrm>
+          <a:off x="1981200" y="3191520"/>
+          <a:ext cx="3822700" cy="460375"/>
+        </p:xfrm>
+        <a:graphic>
+          <a:graphicData uri="http://schemas.openxmlformats.org/presentationml/2006/ole">
+            <mc:AlternateContent xmlns:mc="http://schemas.openxmlformats.org/markup-compatibility/2006">
+              <mc:Choice xmlns:v="urn:schemas-microsoft-com:vml" Requires="v">
+                <p:oleObj spid="_x0000_s1191" name="方程式" r:id="rId5" imgW="1790640" imgH="215640" progId="Equation.3">
+                  <p:embed/>
+                </p:oleObj>
+              </mc:Choice>
+              <mc:Fallback>
+                <p:oleObj name="方程式" r:id="rId5" imgW="1790640" imgH="215640" progId="Equation.3">
+                  <p:embed/>
+                  <p:pic>
+                    <p:nvPicPr>
+                      <p:cNvPr id="5" name="Object 12"/>
+                      <p:cNvPicPr>
+                        <a:picLocks noChangeAspect="1" noChangeArrowheads="1"/>
+                      </p:cNvPicPr>
+                      <p:nvPr/>
+                    </p:nvPicPr>
+                    <p:blipFill>
+                      <a:blip r:embed="rId4"/>
+                      <a:srcRect/>
+                      <a:stretch>
+                        <a:fillRect/>
+                      </a:stretch>
+                    </p:blipFill>
+                    <p:spPr bwMode="auto">
+                      <a:xfrm>
+                        <a:off x="1981200" y="3191520"/>
+                        <a:ext cx="3822700" cy="460375"/>
+                      </a:xfrm>
+                      <a:prstGeom prst="rect">
+                        <a:avLst/>
+                      </a:prstGeom>
+                      <a:noFill/>
+                      <a:extLst>
+                        <a:ext uri="{909E8E84-426E-40DD-AFC4-6F175D3DCCD1}">
+                          <a14:hiddenFill xmlns:a14="http://schemas.microsoft.com/office/drawing/2010/main">
+                            <a:solidFill>
+                              <a:srgbClr val="FFFFFF"/>
+                            </a:solidFill>
+                          </a14:hiddenFill>
+                        </a:ext>
+                      </a:extLst>
+                    </p:spPr>
+                  </p:pic>
+                </p:oleObj>
+              </mc:Fallback>
+            </mc:AlternateContent>
+          </a:graphicData>
+        </a:graphic>
+      </p:graphicFrame>
+      <p:graphicFrame>
+        <p:nvGraphicFramePr>
+          <p:cNvPr id="6" name="Object 12"/>
+          <p:cNvGraphicFramePr>
+            <a:graphicFrameLocks noChangeAspect="1"/>
+          </p:cNvGraphicFramePr>
+          <p:nvPr>
+            <p:extLst/>
+          </p:nvPr>
+        </p:nvGraphicFramePr>
+        <p:xfrm>
+          <a:off x="1981200" y="4269454"/>
+          <a:ext cx="3822700" cy="460375"/>
+        </p:xfrm>
+        <a:graphic>
+          <a:graphicData uri="http://schemas.openxmlformats.org/presentationml/2006/ole">
+            <mc:AlternateContent xmlns:mc="http://schemas.openxmlformats.org/markup-compatibility/2006">
+              <mc:Choice xmlns:v="urn:schemas-microsoft-com:vml" Requires="v">
+                <p:oleObj spid="_x0000_s1192" name="方程式" r:id="rId6" imgW="1790640" imgH="215640" progId="Equation.3">
+                  <p:embed/>
+                </p:oleObj>
+              </mc:Choice>
+              <mc:Fallback>
+                <p:oleObj name="方程式" r:id="rId6" imgW="1790640" imgH="215640" progId="Equation.3">
+                  <p:embed/>
+                  <p:pic>
+                    <p:nvPicPr>
+                      <p:cNvPr id="6" name="Object 12"/>
+                      <p:cNvPicPr>
+                        <a:picLocks noChangeAspect="1" noChangeArrowheads="1"/>
+                      </p:cNvPicPr>
+                      <p:nvPr/>
+                    </p:nvPicPr>
+                    <p:blipFill>
+                      <a:blip r:embed="rId4"/>
+                      <a:srcRect/>
+                      <a:stretch>
+                        <a:fillRect/>
+                      </a:stretch>
+                    </p:blipFill>
+                    <p:spPr bwMode="auto">
+                      <a:xfrm>
+                        <a:off x="1981200" y="4269454"/>
+                        <a:ext cx="3822700" cy="460375"/>
+                      </a:xfrm>
+                      <a:prstGeom prst="rect">
+                        <a:avLst/>
+                      </a:prstGeom>
+                      <a:noFill/>
+                      <a:extLst>
+                        <a:ext uri="{909E8E84-426E-40DD-AFC4-6F175D3DCCD1}">
+                          <a14:hiddenFill xmlns:a14="http://schemas.microsoft.com/office/drawing/2010/main">
+                            <a:solidFill>
+                              <a:srgbClr val="FFFFFF"/>
+                            </a:solidFill>
+                          </a14:hiddenFill>
+                        </a:ext>
+                      </a:extLst>
+                    </p:spPr>
+                  </p:pic>
+                </p:oleObj>
+              </mc:Fallback>
+            </mc:AlternateContent>
+          </a:graphicData>
+        </a:graphic>
+      </p:graphicFrame>
+      <p:graphicFrame>
+        <p:nvGraphicFramePr>
+          <p:cNvPr id="7" name="Object 12"/>
+          <p:cNvGraphicFramePr>
+            <a:graphicFrameLocks noChangeAspect="1"/>
+          </p:cNvGraphicFramePr>
+          <p:nvPr>
+            <p:extLst/>
+          </p:nvPr>
+        </p:nvGraphicFramePr>
+        <p:xfrm>
+          <a:off x="2012029" y="5504931"/>
+          <a:ext cx="3578225" cy="460375"/>
+        </p:xfrm>
+        <a:graphic>
+          <a:graphicData uri="http://schemas.openxmlformats.org/presentationml/2006/ole">
+            <mc:AlternateContent xmlns:mc="http://schemas.openxmlformats.org/markup-compatibility/2006">
+              <mc:Choice xmlns:v="urn:schemas-microsoft-com:vml" Requires="v">
+                <p:oleObj spid="_x0000_s1193" name="方程式" r:id="rId7" imgW="1676160" imgH="215640" progId="Equation.3">
+                  <p:embed/>
+                </p:oleObj>
+              </mc:Choice>
+              <mc:Fallback>
+                <p:oleObj name="方程式" r:id="rId7" imgW="1676160" imgH="215640" progId="Equation.3">
+                  <p:embed/>
+                  <p:pic>
+                    <p:nvPicPr>
+                      <p:cNvPr id="7" name="Object 12"/>
+                      <p:cNvPicPr>
+                        <a:picLocks noChangeAspect="1" noChangeArrowheads="1"/>
+                      </p:cNvPicPr>
+                      <p:nvPr/>
+                    </p:nvPicPr>
+                    <p:blipFill>
+                      <a:blip r:embed="rId8"/>
+                      <a:srcRect/>
+                      <a:stretch>
+                        <a:fillRect/>
+                      </a:stretch>
+                    </p:blipFill>
+                    <p:spPr bwMode="auto">
+                      <a:xfrm>
+                        <a:off x="2012029" y="5504931"/>
+                        <a:ext cx="3578225" cy="460375"/>
+                      </a:xfrm>
+                      <a:prstGeom prst="rect">
+                        <a:avLst/>
+                      </a:prstGeom>
+                      <a:noFill/>
+                      <a:extLst>
+                        <a:ext uri="{909E8E84-426E-40DD-AFC4-6F175D3DCCD1}">
+                          <a14:hiddenFill xmlns:a14="http://schemas.microsoft.com/office/drawing/2010/main">
+                            <a:solidFill>
+                              <a:srgbClr val="FFFFFF"/>
+                            </a:solidFill>
+                          </a14:hiddenFill>
+                        </a:ext>
+                      </a:extLst>
+                    </p:spPr>
+                  </p:pic>
+                </p:oleObj>
+              </mc:Fallback>
+            </mc:AlternateContent>
+          </a:graphicData>
+        </a:graphic>
+      </p:graphicFrame>
+      <p:sp>
+        <p:nvSpPr>
+          <p:cNvPr id="8" name="文字方塊 7"/>
+          <p:cNvSpPr txBox="1"/>
+          <p:nvPr/>
+        </p:nvSpPr>
+        <p:spPr>
+          <a:xfrm>
+            <a:off x="5803900" y="3160097"/>
+            <a:ext cx="947054" cy="523220"/>
+          </a:xfrm>
+          <a:prstGeom prst="rect">
+            <a:avLst/>
+          </a:prstGeom>
+          <a:noFill/>
+        </p:spPr>
+        <p:txBody>
+          <a:bodyPr wrap="square" rtlCol="0">
+            <a:spAutoFit/>
+          </a:bodyPr>
+          <a:lstStyle/>
+          <a:p>
+            <a:r>
+              <a:rPr lang="en-US" altLang="zh-TW" sz="2800" dirty="0" smtClean="0"/>
+              <a:t>“</a:t>
+            </a:r>
+            <a:r>
+              <a:rPr lang="zh-CN" altLang="en-US" sz="2800" dirty="0"/>
+              <a:t>猫</a:t>
+            </a:r>
+            <a:r>
+              <a:rPr lang="en-US" altLang="zh-TW" sz="2800" dirty="0" smtClean="0"/>
+              <a:t>”</a:t>
+            </a:r>
+            <a:endParaRPr lang="zh-TW" altLang="en-US" sz="2800" dirty="0"/>
+          </a:p>
+        </p:txBody>
+      </p:sp>
+      <p:sp>
+        <p:nvSpPr>
+          <p:cNvPr id="9" name="文字方塊 8"/>
+          <p:cNvSpPr txBox="1"/>
+          <p:nvPr/>
+        </p:nvSpPr>
+        <p:spPr>
+          <a:xfrm>
+            <a:off x="5852364" y="1791967"/>
+            <a:ext cx="2898395" cy="523220"/>
+          </a:xfrm>
+          <a:prstGeom prst="rect">
+            <a:avLst/>
+          </a:prstGeom>
+          <a:noFill/>
+        </p:spPr>
+        <p:txBody>
+          <a:bodyPr wrap="square" rtlCol="0">
+            <a:spAutoFit/>
+          </a:bodyPr>
+          <a:lstStyle/>
+          <a:p>
+            <a:r>
+              <a:rPr lang="en-US" altLang="zh-TW" sz="2800" dirty="0" smtClean="0"/>
+              <a:t>“</a:t>
+            </a:r>
+            <a:r>
+              <a:rPr lang="zh-CN" altLang="en-US" sz="2800" dirty="0" smtClean="0"/>
+              <a:t>你好</a:t>
+            </a:r>
+            <a:r>
+              <a:rPr lang="en-US" altLang="zh-TW" sz="2800" dirty="0" smtClean="0"/>
+              <a:t>”</a:t>
+            </a:r>
+            <a:endParaRPr lang="zh-TW" altLang="en-US" sz="2800" dirty="0"/>
+          </a:p>
+        </p:txBody>
+      </p:sp>
+      <p:sp>
+        <p:nvSpPr>
+          <p:cNvPr id="10" name="文字方塊 9"/>
+          <p:cNvSpPr txBox="1"/>
+          <p:nvPr/>
+        </p:nvSpPr>
+        <p:spPr>
+          <a:xfrm>
+            <a:off x="5803901" y="4211765"/>
+            <a:ext cx="1239914" cy="523220"/>
+          </a:xfrm>
+          <a:prstGeom prst="rect">
+            <a:avLst/>
+          </a:prstGeom>
+          <a:noFill/>
+        </p:spPr>
+        <p:txBody>
+          <a:bodyPr wrap="square" rtlCol="0">
+            <a:spAutoFit/>
+          </a:bodyPr>
+          <a:lstStyle/>
+          <a:p>
+            <a:r>
+              <a:rPr lang="en-US" altLang="zh-TW" sz="2800" dirty="0"/>
+              <a:t>“5-5”</a:t>
+            </a:r>
+            <a:endParaRPr lang="zh-TW" altLang="en-US" sz="2800" dirty="0"/>
+          </a:p>
+        </p:txBody>
+      </p:sp>
+      <p:sp>
+        <p:nvSpPr>
+          <p:cNvPr id="11" name="文字方塊 10"/>
+          <p:cNvSpPr txBox="1"/>
+          <p:nvPr/>
+        </p:nvSpPr>
+        <p:spPr>
+          <a:xfrm>
+            <a:off x="5959707" y="5523781"/>
+            <a:ext cx="3031893" cy="523220"/>
+          </a:xfrm>
+          <a:prstGeom prst="rect">
+            <a:avLst/>
+          </a:prstGeom>
+          <a:noFill/>
+        </p:spPr>
+        <p:txBody>
+          <a:bodyPr wrap="square" rtlCol="0">
+            <a:spAutoFit/>
+          </a:bodyPr>
+          <a:lstStyle/>
+          <a:p>
+            <a:r>
+              <a:rPr lang="en-US" altLang="zh-TW" sz="2800" dirty="0" smtClean="0"/>
+              <a:t>“</a:t>
+            </a:r>
+            <a:r>
+              <a:rPr lang="zh-CN" altLang="en-US" sz="2800" dirty="0" smtClean="0"/>
+              <a:t>今天天气真不错</a:t>
+            </a:r>
+            <a:r>
+              <a:rPr lang="en-US" altLang="zh-TW" sz="2800" dirty="0" smtClean="0"/>
+              <a:t>”</a:t>
+            </a:r>
+            <a:endParaRPr lang="zh-TW" altLang="en-US" sz="2800" dirty="0"/>
+          </a:p>
+        </p:txBody>
+      </p:sp>
+      <p:pic>
+        <p:nvPicPr>
+          <p:cNvPr id="12" name="圖片 11"/>
+          <p:cNvPicPr>
+            <a:picLocks noChangeAspect="1"/>
+          </p:cNvPicPr>
+          <p:nvPr/>
+        </p:nvPicPr>
+        <p:blipFill>
+          <a:blip r:embed="rId9" cstate="print">
+            <a:extLst>
+              <a:ext uri="{28A0092B-C50C-407E-A947-70E740481C1C}">
+                <a14:useLocalDpi xmlns:a14="http://schemas.microsoft.com/office/drawing/2010/main" val="0"/>
+              </a:ext>
+            </a:extLst>
+          </a:blip>
+          <a:stretch>
+            <a:fillRect/>
+          </a:stretch>
+        </p:blipFill>
+        <p:spPr>
+          <a:xfrm>
+            <a:off x="2523351" y="1766681"/>
+            <a:ext cx="2921108" cy="516844"/>
+          </a:xfrm>
+          <a:prstGeom prst="rect">
+            <a:avLst/>
+          </a:prstGeom>
+        </p:spPr>
+      </p:pic>
+      <p:sp>
+        <p:nvSpPr>
+          <p:cNvPr id="15" name="矩形 14"/>
+          <p:cNvSpPr/>
+          <p:nvPr/>
+        </p:nvSpPr>
+        <p:spPr>
+          <a:xfrm>
+            <a:off x="2451141" y="5458130"/>
+            <a:ext cx="2659840" cy="523220"/>
+          </a:xfrm>
+          <a:prstGeom prst="rect">
+            <a:avLst/>
+          </a:prstGeom>
+        </p:spPr>
+        <p:txBody>
+          <a:bodyPr wrap="square">
+            <a:spAutoFit/>
+          </a:bodyPr>
+          <a:lstStyle/>
+          <a:p>
+            <a:pPr algn="ctr"/>
+            <a:r>
+              <a:rPr lang="en-US" altLang="zh-TW" sz="2800" dirty="0" smtClean="0"/>
+              <a:t>“</a:t>
+            </a:r>
+            <a:r>
+              <a:rPr lang="zh-CN" altLang="en-US" sz="2800" dirty="0" smtClean="0"/>
+              <a:t>你好</a:t>
+            </a:r>
+            <a:r>
+              <a:rPr lang="en-US" altLang="zh-TW" sz="2800" dirty="0" smtClean="0"/>
+              <a:t>”</a:t>
+            </a:r>
+            <a:endParaRPr lang="zh-TW" altLang="en-US" sz="2800" dirty="0"/>
+          </a:p>
+        </p:txBody>
+      </p:sp>
+      <p:pic>
+        <p:nvPicPr>
+          <p:cNvPr id="84994" name="Picture 2" descr="http://y2.ifengimg.com/a/2016_11/2c7ef418c729099.jpg"/>
+          <p:cNvPicPr>
+            <a:picLocks noChangeAspect="1" noChangeArrowheads="1"/>
+          </p:cNvPicPr>
+          <p:nvPr/>
+        </p:nvPicPr>
+        <p:blipFill>
+          <a:blip r:embed="rId10" cstate="print">
+            <a:extLst>
+              <a:ext uri="{28A0092B-C50C-407E-A947-70E740481C1C}">
+                <a14:useLocalDpi xmlns:a14="http://schemas.microsoft.com/office/drawing/2010/main" val="0"/>
+              </a:ext>
+            </a:extLst>
+          </a:blip>
+          <a:srcRect/>
+          <a:stretch>
+            <a:fillRect/>
+          </a:stretch>
+        </p:blipFill>
+        <p:spPr bwMode="auto">
+          <a:xfrm>
+            <a:off x="3308698" y="4094918"/>
+            <a:ext cx="1144109" cy="858082"/>
+          </a:xfrm>
+          <a:prstGeom prst="rect">
+            <a:avLst/>
+          </a:prstGeom>
+          <a:noFill/>
+          <a:extLst>
+            <a:ext uri="{909E8E84-426E-40DD-AFC4-6F175D3DCCD1}">
+              <a14:hiddenFill xmlns:a14="http://schemas.microsoft.com/office/drawing/2010/main">
+                <a:solidFill>
+                  <a:srgbClr val="FFFFFF"/>
+                </a:solidFill>
+              </a14:hiddenFill>
+            </a:ext>
+          </a:extLst>
+        </p:spPr>
+      </p:pic>
+      <p:sp>
+        <p:nvSpPr>
+          <p:cNvPr id="16" name="文字方塊 15"/>
+          <p:cNvSpPr txBox="1"/>
+          <p:nvPr/>
+        </p:nvSpPr>
+        <p:spPr>
+          <a:xfrm>
+            <a:off x="2372948" y="5939135"/>
+            <a:ext cx="2773299" cy="461665"/>
+          </a:xfrm>
+          <a:prstGeom prst="rect">
+            <a:avLst/>
+          </a:prstGeom>
+          <a:noFill/>
+        </p:spPr>
+        <p:txBody>
+          <a:bodyPr wrap="square" rtlCol="0">
+            <a:spAutoFit/>
+          </a:bodyPr>
+          <a:lstStyle/>
+          <a:p>
+            <a:pPr algn="ctr"/>
+            <a:r>
+              <a:rPr lang="zh-CN" altLang="en-US" sz="2400" dirty="0" smtClean="0">
+                <a:solidFill>
+                  <a:schemeClr val="accent2">
+                    <a:lumMod val="60000"/>
+                    <a:lumOff val="40000"/>
+                  </a:schemeClr>
+                </a:solidFill>
+              </a:rPr>
+              <a:t>用户输入</a:t>
+            </a:r>
+            <a:endParaRPr lang="zh-TW" altLang="en-US" sz="2400" dirty="0">
+              <a:solidFill>
+                <a:schemeClr val="accent2">
+                  <a:lumMod val="60000"/>
+                  <a:lumOff val="40000"/>
+                </a:schemeClr>
+              </a:solidFill>
+            </a:endParaRPr>
+          </a:p>
+        </p:txBody>
+      </p:sp>
+      <p:sp>
+        <p:nvSpPr>
+          <p:cNvPr id="19" name="文字方塊 18"/>
+          <p:cNvSpPr txBox="1"/>
+          <p:nvPr/>
+        </p:nvSpPr>
+        <p:spPr>
+          <a:xfrm>
+            <a:off x="5189174" y="5939134"/>
+            <a:ext cx="2773299" cy="461665"/>
+          </a:xfrm>
+          <a:prstGeom prst="rect">
+            <a:avLst/>
+          </a:prstGeom>
+          <a:noFill/>
+        </p:spPr>
+        <p:txBody>
+          <a:bodyPr wrap="square" rtlCol="0">
+            <a:spAutoFit/>
+          </a:bodyPr>
+          <a:lstStyle/>
+          <a:p>
+            <a:pPr algn="ctr"/>
+            <a:r>
+              <a:rPr lang="zh-CN" altLang="en-US" sz="2400" dirty="0" smtClean="0">
+                <a:solidFill>
+                  <a:schemeClr val="accent2">
+                    <a:lumMod val="60000"/>
+                    <a:lumOff val="40000"/>
+                  </a:schemeClr>
+                </a:solidFill>
+              </a:rPr>
+              <a:t>机器</a:t>
+            </a:r>
+            <a:endParaRPr lang="zh-TW" altLang="en-US" sz="2400" dirty="0">
+              <a:solidFill>
+                <a:schemeClr val="accent2">
+                  <a:lumMod val="60000"/>
+                  <a:lumOff val="40000"/>
+                </a:schemeClr>
+              </a:solidFill>
+            </a:endParaRPr>
+          </a:p>
+        </p:txBody>
+      </p:sp>
+      <p:pic>
+        <p:nvPicPr>
+          <p:cNvPr id="20" name="Picture 12" descr="https://encrypted-tbn1.gstatic.com/images?q=tbn:ANd9GcRcwlRKAlSIaCI4W5PRYVbuBQQXifF-56bFqAjh9DMe-_3Lh8_YKw"/>
+          <p:cNvPicPr>
+            <a:picLocks noChangeAspect="1" noChangeArrowheads="1"/>
+          </p:cNvPicPr>
+          <p:nvPr/>
+        </p:nvPicPr>
+        <p:blipFill>
+          <a:blip r:embed="rId11">
+            <a:extLst>
+              <a:ext uri="{28A0092B-C50C-407E-A947-70E740481C1C}">
+                <a14:useLocalDpi xmlns:a14="http://schemas.microsoft.com/office/drawing/2010/main" val="0"/>
+              </a:ext>
+            </a:extLst>
+          </a:blip>
+          <a:srcRect/>
+          <a:stretch>
+            <a:fillRect/>
+          </a:stretch>
+        </p:blipFill>
+        <p:spPr bwMode="auto">
+          <a:xfrm>
+            <a:off x="3349642" y="3046563"/>
+            <a:ext cx="1106043" cy="839637"/>
+          </a:xfrm>
+          <a:prstGeom prst="rect">
+            <a:avLst/>
+          </a:prstGeom>
+          <a:noFill/>
+          <a:extLst>
+            <a:ext uri="{909E8E84-426E-40DD-AFC4-6F175D3DCCD1}">
+              <a14:hiddenFill xmlns:a14="http://schemas.microsoft.com/office/drawing/2010/main">
+                <a:solidFill>
+                  <a:srgbClr val="FFFFFF"/>
+                </a:solidFill>
+              </a14:hiddenFill>
+            </a:ext>
+          </a:extLst>
+        </p:spPr>
+      </p:pic>
+      <p:sp>
+        <p:nvSpPr>
+          <p:cNvPr id="18" name="文字方塊 17"/>
+          <p:cNvSpPr txBox="1"/>
+          <p:nvPr/>
+        </p:nvSpPr>
+        <p:spPr>
+          <a:xfrm>
+            <a:off x="6600847" y="4242542"/>
+            <a:ext cx="2543153" cy="461665"/>
+          </a:xfrm>
+          <a:prstGeom prst="rect">
+            <a:avLst/>
+          </a:prstGeom>
+          <a:noFill/>
+        </p:spPr>
+        <p:txBody>
+          <a:bodyPr wrap="square" rtlCol="0">
+            <a:spAutoFit/>
+          </a:bodyPr>
+          <a:lstStyle/>
+          <a:p>
+            <a:pPr algn="ctr"/>
+            <a:r>
+              <a:rPr lang="en-US" altLang="zh-TW" sz="2400" dirty="0" smtClean="0"/>
+              <a:t>(</a:t>
+            </a:r>
+            <a:r>
+              <a:rPr lang="zh-CN" altLang="en-US" sz="2400" dirty="0" smtClean="0"/>
+              <a:t>落子位置</a:t>
+            </a:r>
+            <a:r>
+              <a:rPr lang="en-US" altLang="zh-TW" sz="2400" dirty="0" smtClean="0"/>
+              <a:t>)</a:t>
+            </a:r>
+            <a:endParaRPr lang="zh-TW" altLang="en-US" sz="2400" dirty="0"/>
+          </a:p>
+        </p:txBody>
+      </p:sp>
+    </p:spTree>
+    <p:extLst>
+      <p:ext uri="{BB962C8B-B14F-4D97-AF65-F5344CB8AC3E}">
+        <p14:creationId xmlns:p14="http://schemas.microsoft.com/office/powerpoint/2010/main" val="1999908609"/>
+      </p:ext>
+    </p:extLst>
+  </p:cSld>
+  <p:clrMapOvr>
+    <a:masterClrMapping/>
+  </p:clrMapOvr>
+  <p:timing>
+    <p:tnLst>
+      <p:par>
+        <p:cTn id="1" dur="indefinite" restart="never" nodeType="tmRoot"/>
+      </p:par>
+    </p:tnLst>
+  </p:timing>
+</p:sld>
+</file>
+
+<file path=ppt/slides/slide20.xml><?xml version="1.0" encoding="utf-8"?>
 <p:sld xmlns:a="http://schemas.openxmlformats.org/drawingml/2006/main" xmlns:r="http://schemas.openxmlformats.org/officeDocument/2006/relationships" xmlns:p="http://schemas.openxmlformats.org/presentationml/2006/main">
   <p:cSld>
     <p:spTree>
@@ -10007,7 +11593,7 @@
 </p:sld>
 </file>
 
-<file path=ppt/slides/slide19.xml><?xml version="1.0" encoding="utf-8"?>
+<file path=ppt/slides/slide21.xml><?xml version="1.0" encoding="utf-8"?>
 <p:sld xmlns:a="http://schemas.openxmlformats.org/drawingml/2006/main" xmlns:r="http://schemas.openxmlformats.org/officeDocument/2006/relationships" xmlns:p="http://schemas.openxmlformats.org/presentationml/2006/main">
   <p:cSld>
     <p:spTree>
@@ -10701,817 +12287,7 @@
 </p:sld>
 </file>
 
-<file path=ppt/slides/slide2.xml><?xml version="1.0" encoding="utf-8"?>
-<p:sld xmlns:a="http://schemas.openxmlformats.org/drawingml/2006/main" xmlns:r="http://schemas.openxmlformats.org/officeDocument/2006/relationships" xmlns:p="http://schemas.openxmlformats.org/presentationml/2006/main">
-  <p:cSld>
-    <p:spTree>
-      <p:nvGrpSpPr>
-        <p:cNvPr id="1" name=""/>
-        <p:cNvGrpSpPr/>
-        <p:nvPr/>
-      </p:nvGrpSpPr>
-      <p:grpSpPr>
-        <a:xfrm>
-          <a:off x="0" y="0"/>
-          <a:ext cx="0" cy="0"/>
-          <a:chOff x="0" y="0"/>
-          <a:chExt cx="0" cy="0"/>
-        </a:xfrm>
-      </p:grpSpPr>
-      <p:sp>
-        <p:nvSpPr>
-          <p:cNvPr id="2" name="標題 1"/>
-          <p:cNvSpPr>
-            <a:spLocks noGrp="1"/>
-          </p:cNvSpPr>
-          <p:nvPr>
-            <p:ph type="title"/>
-          </p:nvPr>
-        </p:nvSpPr>
-        <p:spPr/>
-        <p:txBody>
-          <a:bodyPr/>
-          <a:lstStyle/>
-          <a:p>
-            <a:r>
-              <a:rPr lang="zh-CN" altLang="en-US" dirty="0" smtClean="0"/>
-              <a:t>机器学习 </a:t>
-            </a:r>
-            <a:r>
-              <a:rPr lang="en-US" altLang="zh-TW" dirty="0" smtClean="0"/>
-              <a:t>≈ </a:t>
-            </a:r>
-            <a:r>
-              <a:rPr lang="zh-CN" altLang="en-US" dirty="0" smtClean="0"/>
-              <a:t>构建一个映射函数</a:t>
-            </a:r>
-            <a:endParaRPr lang="zh-TW" altLang="en-US" dirty="0"/>
-          </a:p>
-        </p:txBody>
-      </p:sp>
-      <p:sp>
-        <p:nvSpPr>
-          <p:cNvPr id="3" name="內容版面配置區 2"/>
-          <p:cNvSpPr>
-            <a:spLocks noGrp="1"/>
-          </p:cNvSpPr>
-          <p:nvPr>
-            <p:ph sz="quarter" idx="1"/>
-          </p:nvPr>
-        </p:nvSpPr>
-        <p:spPr/>
-        <p:txBody>
-          <a:bodyPr>
-            <a:normAutofit/>
-          </a:bodyPr>
-          <a:lstStyle/>
-          <a:p>
-            <a:r>
-              <a:rPr lang="zh-CN" altLang="en-US" sz="3600" dirty="0" smtClean="0"/>
-              <a:t>语音识别</a:t>
-            </a:r>
-            <a:endParaRPr lang="en-US" altLang="zh-TW" sz="3600" dirty="0"/>
-          </a:p>
-          <a:p>
-            <a:endParaRPr lang="en-US" altLang="zh-TW" sz="3600" dirty="0"/>
-          </a:p>
-          <a:p>
-            <a:r>
-              <a:rPr lang="zh-CN" altLang="en-US" sz="3600" dirty="0" smtClean="0"/>
-              <a:t>图像识别</a:t>
-            </a:r>
-            <a:endParaRPr lang="en-US" altLang="zh-TW" sz="3600" dirty="0"/>
-          </a:p>
-          <a:p>
-            <a:endParaRPr lang="en-US" altLang="zh-TW" sz="3600" dirty="0"/>
-          </a:p>
-          <a:p>
-            <a:r>
-              <a:rPr lang="zh-CN" altLang="en-US" sz="3600" dirty="0" smtClean="0"/>
-              <a:t>围棋</a:t>
-            </a:r>
-            <a:endParaRPr lang="en-US" altLang="zh-CN" sz="3600" dirty="0" smtClean="0"/>
-          </a:p>
-          <a:p>
-            <a:endParaRPr lang="en-US" altLang="zh-TW" sz="3600" dirty="0"/>
-          </a:p>
-          <a:p>
-            <a:r>
-              <a:rPr lang="zh-CN" altLang="en-US" sz="3600" dirty="0" smtClean="0"/>
-              <a:t>对话系统</a:t>
-            </a:r>
-            <a:endParaRPr lang="zh-TW" altLang="en-US" sz="3600" dirty="0"/>
-          </a:p>
-        </p:txBody>
-      </p:sp>
-      <p:graphicFrame>
-        <p:nvGraphicFramePr>
-          <p:cNvPr id="4" name="Object 12"/>
-          <p:cNvGraphicFramePr>
-            <a:graphicFrameLocks noChangeAspect="1"/>
-          </p:cNvGraphicFramePr>
-          <p:nvPr>
-            <p:extLst/>
-          </p:nvPr>
-        </p:nvGraphicFramePr>
-        <p:xfrm>
-          <a:off x="2029665" y="1823150"/>
-          <a:ext cx="3822700" cy="460375"/>
-        </p:xfrm>
-        <a:graphic>
-          <a:graphicData uri="http://schemas.openxmlformats.org/presentationml/2006/ole">
-            <mc:AlternateContent xmlns:mc="http://schemas.openxmlformats.org/markup-compatibility/2006">
-              <mc:Choice xmlns:v="urn:schemas-microsoft-com:vml" Requires="v">
-                <p:oleObj spid="_x0000_s1162" name="方程式" r:id="rId3" imgW="1790640" imgH="215640" progId="Equation.3">
-                  <p:embed/>
-                </p:oleObj>
-              </mc:Choice>
-              <mc:Fallback>
-                <p:oleObj name="方程式" r:id="rId3" imgW="1790640" imgH="215640" progId="Equation.3">
-                  <p:embed/>
-                  <p:pic>
-                    <p:nvPicPr>
-                      <p:cNvPr id="4" name="Object 12"/>
-                      <p:cNvPicPr>
-                        <a:picLocks noChangeAspect="1" noChangeArrowheads="1"/>
-                      </p:cNvPicPr>
-                      <p:nvPr/>
-                    </p:nvPicPr>
-                    <p:blipFill>
-                      <a:blip r:embed="rId4"/>
-                      <a:srcRect/>
-                      <a:stretch>
-                        <a:fillRect/>
-                      </a:stretch>
-                    </p:blipFill>
-                    <p:spPr bwMode="auto">
-                      <a:xfrm>
-                        <a:off x="2029665" y="1823150"/>
-                        <a:ext cx="3822700" cy="460375"/>
-                      </a:xfrm>
-                      <a:prstGeom prst="rect">
-                        <a:avLst/>
-                      </a:prstGeom>
-                      <a:noFill/>
-                      <a:extLst>
-                        <a:ext uri="{909E8E84-426E-40DD-AFC4-6F175D3DCCD1}">
-                          <a14:hiddenFill xmlns:a14="http://schemas.microsoft.com/office/drawing/2010/main">
-                            <a:solidFill>
-                              <a:srgbClr val="FFFFFF"/>
-                            </a:solidFill>
-                          </a14:hiddenFill>
-                        </a:ext>
-                      </a:extLst>
-                    </p:spPr>
-                  </p:pic>
-                </p:oleObj>
-              </mc:Fallback>
-            </mc:AlternateContent>
-          </a:graphicData>
-        </a:graphic>
-      </p:graphicFrame>
-      <p:graphicFrame>
-        <p:nvGraphicFramePr>
-          <p:cNvPr id="5" name="Object 12"/>
-          <p:cNvGraphicFramePr>
-            <a:graphicFrameLocks noChangeAspect="1"/>
-          </p:cNvGraphicFramePr>
-          <p:nvPr>
-            <p:extLst/>
-          </p:nvPr>
-        </p:nvGraphicFramePr>
-        <p:xfrm>
-          <a:off x="1981200" y="3191520"/>
-          <a:ext cx="3822700" cy="460375"/>
-        </p:xfrm>
-        <a:graphic>
-          <a:graphicData uri="http://schemas.openxmlformats.org/presentationml/2006/ole">
-            <mc:AlternateContent xmlns:mc="http://schemas.openxmlformats.org/markup-compatibility/2006">
-              <mc:Choice xmlns:v="urn:schemas-microsoft-com:vml" Requires="v">
-                <p:oleObj spid="_x0000_s1163" name="方程式" r:id="rId5" imgW="1790640" imgH="215640" progId="Equation.3">
-                  <p:embed/>
-                </p:oleObj>
-              </mc:Choice>
-              <mc:Fallback>
-                <p:oleObj name="方程式" r:id="rId5" imgW="1790640" imgH="215640" progId="Equation.3">
-                  <p:embed/>
-                  <p:pic>
-                    <p:nvPicPr>
-                      <p:cNvPr id="5" name="Object 12"/>
-                      <p:cNvPicPr>
-                        <a:picLocks noChangeAspect="1" noChangeArrowheads="1"/>
-                      </p:cNvPicPr>
-                      <p:nvPr/>
-                    </p:nvPicPr>
-                    <p:blipFill>
-                      <a:blip r:embed="rId4"/>
-                      <a:srcRect/>
-                      <a:stretch>
-                        <a:fillRect/>
-                      </a:stretch>
-                    </p:blipFill>
-                    <p:spPr bwMode="auto">
-                      <a:xfrm>
-                        <a:off x="1981200" y="3191520"/>
-                        <a:ext cx="3822700" cy="460375"/>
-                      </a:xfrm>
-                      <a:prstGeom prst="rect">
-                        <a:avLst/>
-                      </a:prstGeom>
-                      <a:noFill/>
-                      <a:extLst>
-                        <a:ext uri="{909E8E84-426E-40DD-AFC4-6F175D3DCCD1}">
-                          <a14:hiddenFill xmlns:a14="http://schemas.microsoft.com/office/drawing/2010/main">
-                            <a:solidFill>
-                              <a:srgbClr val="FFFFFF"/>
-                            </a:solidFill>
-                          </a14:hiddenFill>
-                        </a:ext>
-                      </a:extLst>
-                    </p:spPr>
-                  </p:pic>
-                </p:oleObj>
-              </mc:Fallback>
-            </mc:AlternateContent>
-          </a:graphicData>
-        </a:graphic>
-      </p:graphicFrame>
-      <p:graphicFrame>
-        <p:nvGraphicFramePr>
-          <p:cNvPr id="6" name="Object 12"/>
-          <p:cNvGraphicFramePr>
-            <a:graphicFrameLocks noChangeAspect="1"/>
-          </p:cNvGraphicFramePr>
-          <p:nvPr>
-            <p:extLst/>
-          </p:nvPr>
-        </p:nvGraphicFramePr>
-        <p:xfrm>
-          <a:off x="1981200" y="4269454"/>
-          <a:ext cx="3822700" cy="460375"/>
-        </p:xfrm>
-        <a:graphic>
-          <a:graphicData uri="http://schemas.openxmlformats.org/presentationml/2006/ole">
-            <mc:AlternateContent xmlns:mc="http://schemas.openxmlformats.org/markup-compatibility/2006">
-              <mc:Choice xmlns:v="urn:schemas-microsoft-com:vml" Requires="v">
-                <p:oleObj spid="_x0000_s1164" name="方程式" r:id="rId6" imgW="1790640" imgH="215640" progId="Equation.3">
-                  <p:embed/>
-                </p:oleObj>
-              </mc:Choice>
-              <mc:Fallback>
-                <p:oleObj name="方程式" r:id="rId6" imgW="1790640" imgH="215640" progId="Equation.3">
-                  <p:embed/>
-                  <p:pic>
-                    <p:nvPicPr>
-                      <p:cNvPr id="6" name="Object 12"/>
-                      <p:cNvPicPr>
-                        <a:picLocks noChangeAspect="1" noChangeArrowheads="1"/>
-                      </p:cNvPicPr>
-                      <p:nvPr/>
-                    </p:nvPicPr>
-                    <p:blipFill>
-                      <a:blip r:embed="rId4"/>
-                      <a:srcRect/>
-                      <a:stretch>
-                        <a:fillRect/>
-                      </a:stretch>
-                    </p:blipFill>
-                    <p:spPr bwMode="auto">
-                      <a:xfrm>
-                        <a:off x="1981200" y="4269454"/>
-                        <a:ext cx="3822700" cy="460375"/>
-                      </a:xfrm>
-                      <a:prstGeom prst="rect">
-                        <a:avLst/>
-                      </a:prstGeom>
-                      <a:noFill/>
-                      <a:extLst>
-                        <a:ext uri="{909E8E84-426E-40DD-AFC4-6F175D3DCCD1}">
-                          <a14:hiddenFill xmlns:a14="http://schemas.microsoft.com/office/drawing/2010/main">
-                            <a:solidFill>
-                              <a:srgbClr val="FFFFFF"/>
-                            </a:solidFill>
-                          </a14:hiddenFill>
-                        </a:ext>
-                      </a:extLst>
-                    </p:spPr>
-                  </p:pic>
-                </p:oleObj>
-              </mc:Fallback>
-            </mc:AlternateContent>
-          </a:graphicData>
-        </a:graphic>
-      </p:graphicFrame>
-      <p:graphicFrame>
-        <p:nvGraphicFramePr>
-          <p:cNvPr id="7" name="Object 12"/>
-          <p:cNvGraphicFramePr>
-            <a:graphicFrameLocks noChangeAspect="1"/>
-          </p:cNvGraphicFramePr>
-          <p:nvPr>
-            <p:extLst/>
-          </p:nvPr>
-        </p:nvGraphicFramePr>
-        <p:xfrm>
-          <a:off x="2012029" y="5504931"/>
-          <a:ext cx="3578225" cy="460375"/>
-        </p:xfrm>
-        <a:graphic>
-          <a:graphicData uri="http://schemas.openxmlformats.org/presentationml/2006/ole">
-            <mc:AlternateContent xmlns:mc="http://schemas.openxmlformats.org/markup-compatibility/2006">
-              <mc:Choice xmlns:v="urn:schemas-microsoft-com:vml" Requires="v">
-                <p:oleObj spid="_x0000_s1165" name="方程式" r:id="rId7" imgW="1676160" imgH="215640" progId="Equation.3">
-                  <p:embed/>
-                </p:oleObj>
-              </mc:Choice>
-              <mc:Fallback>
-                <p:oleObj name="方程式" r:id="rId7" imgW="1676160" imgH="215640" progId="Equation.3">
-                  <p:embed/>
-                  <p:pic>
-                    <p:nvPicPr>
-                      <p:cNvPr id="7" name="Object 12"/>
-                      <p:cNvPicPr>
-                        <a:picLocks noChangeAspect="1" noChangeArrowheads="1"/>
-                      </p:cNvPicPr>
-                      <p:nvPr/>
-                    </p:nvPicPr>
-                    <p:blipFill>
-                      <a:blip r:embed="rId8"/>
-                      <a:srcRect/>
-                      <a:stretch>
-                        <a:fillRect/>
-                      </a:stretch>
-                    </p:blipFill>
-                    <p:spPr bwMode="auto">
-                      <a:xfrm>
-                        <a:off x="2012029" y="5504931"/>
-                        <a:ext cx="3578225" cy="460375"/>
-                      </a:xfrm>
-                      <a:prstGeom prst="rect">
-                        <a:avLst/>
-                      </a:prstGeom>
-                      <a:noFill/>
-                      <a:extLst>
-                        <a:ext uri="{909E8E84-426E-40DD-AFC4-6F175D3DCCD1}">
-                          <a14:hiddenFill xmlns:a14="http://schemas.microsoft.com/office/drawing/2010/main">
-                            <a:solidFill>
-                              <a:srgbClr val="FFFFFF"/>
-                            </a:solidFill>
-                          </a14:hiddenFill>
-                        </a:ext>
-                      </a:extLst>
-                    </p:spPr>
-                  </p:pic>
-                </p:oleObj>
-              </mc:Fallback>
-            </mc:AlternateContent>
-          </a:graphicData>
-        </a:graphic>
-      </p:graphicFrame>
-      <p:sp>
-        <p:nvSpPr>
-          <p:cNvPr id="8" name="文字方塊 7"/>
-          <p:cNvSpPr txBox="1"/>
-          <p:nvPr/>
-        </p:nvSpPr>
-        <p:spPr>
-          <a:xfrm>
-            <a:off x="5803900" y="3160097"/>
-            <a:ext cx="947054" cy="523220"/>
-          </a:xfrm>
-          <a:prstGeom prst="rect">
-            <a:avLst/>
-          </a:prstGeom>
-          <a:noFill/>
-        </p:spPr>
-        <p:txBody>
-          <a:bodyPr wrap="square" rtlCol="0">
-            <a:spAutoFit/>
-          </a:bodyPr>
-          <a:lstStyle/>
-          <a:p>
-            <a:r>
-              <a:rPr lang="en-US" altLang="zh-TW" sz="2800" dirty="0" smtClean="0"/>
-              <a:t>“</a:t>
-            </a:r>
-            <a:r>
-              <a:rPr lang="zh-CN" altLang="en-US" sz="2800" dirty="0"/>
-              <a:t>猫</a:t>
-            </a:r>
-            <a:r>
-              <a:rPr lang="en-US" altLang="zh-TW" sz="2800" dirty="0" smtClean="0"/>
-              <a:t>”</a:t>
-            </a:r>
-            <a:endParaRPr lang="zh-TW" altLang="en-US" sz="2800" dirty="0"/>
-          </a:p>
-        </p:txBody>
-      </p:sp>
-      <p:sp>
-        <p:nvSpPr>
-          <p:cNvPr id="9" name="文字方塊 8"/>
-          <p:cNvSpPr txBox="1"/>
-          <p:nvPr/>
-        </p:nvSpPr>
-        <p:spPr>
-          <a:xfrm>
-            <a:off x="5852364" y="1791967"/>
-            <a:ext cx="2898395" cy="523220"/>
-          </a:xfrm>
-          <a:prstGeom prst="rect">
-            <a:avLst/>
-          </a:prstGeom>
-          <a:noFill/>
-        </p:spPr>
-        <p:txBody>
-          <a:bodyPr wrap="square" rtlCol="0">
-            <a:spAutoFit/>
-          </a:bodyPr>
-          <a:lstStyle/>
-          <a:p>
-            <a:r>
-              <a:rPr lang="en-US" altLang="zh-TW" sz="2800" dirty="0" smtClean="0"/>
-              <a:t>“</a:t>
-            </a:r>
-            <a:r>
-              <a:rPr lang="zh-CN" altLang="en-US" sz="2800" dirty="0" smtClean="0"/>
-              <a:t>你好</a:t>
-            </a:r>
-            <a:r>
-              <a:rPr lang="en-US" altLang="zh-TW" sz="2800" dirty="0" smtClean="0"/>
-              <a:t>”</a:t>
-            </a:r>
-            <a:endParaRPr lang="zh-TW" altLang="en-US" sz="2800" dirty="0"/>
-          </a:p>
-        </p:txBody>
-      </p:sp>
-      <p:sp>
-        <p:nvSpPr>
-          <p:cNvPr id="10" name="文字方塊 9"/>
-          <p:cNvSpPr txBox="1"/>
-          <p:nvPr/>
-        </p:nvSpPr>
-        <p:spPr>
-          <a:xfrm>
-            <a:off x="5803901" y="4211765"/>
-            <a:ext cx="1239914" cy="523220"/>
-          </a:xfrm>
-          <a:prstGeom prst="rect">
-            <a:avLst/>
-          </a:prstGeom>
-          <a:noFill/>
-        </p:spPr>
-        <p:txBody>
-          <a:bodyPr wrap="square" rtlCol="0">
-            <a:spAutoFit/>
-          </a:bodyPr>
-          <a:lstStyle/>
-          <a:p>
-            <a:r>
-              <a:rPr lang="en-US" altLang="zh-TW" sz="2800" dirty="0"/>
-              <a:t>“5-5”</a:t>
-            </a:r>
-            <a:endParaRPr lang="zh-TW" altLang="en-US" sz="2800" dirty="0"/>
-          </a:p>
-        </p:txBody>
-      </p:sp>
-      <p:sp>
-        <p:nvSpPr>
-          <p:cNvPr id="11" name="文字方塊 10"/>
-          <p:cNvSpPr txBox="1"/>
-          <p:nvPr/>
-        </p:nvSpPr>
-        <p:spPr>
-          <a:xfrm>
-            <a:off x="5959707" y="5523781"/>
-            <a:ext cx="3031893" cy="523220"/>
-          </a:xfrm>
-          <a:prstGeom prst="rect">
-            <a:avLst/>
-          </a:prstGeom>
-          <a:noFill/>
-        </p:spPr>
-        <p:txBody>
-          <a:bodyPr wrap="square" rtlCol="0">
-            <a:spAutoFit/>
-          </a:bodyPr>
-          <a:lstStyle/>
-          <a:p>
-            <a:r>
-              <a:rPr lang="en-US" altLang="zh-TW" sz="2800" dirty="0" smtClean="0"/>
-              <a:t>“</a:t>
-            </a:r>
-            <a:r>
-              <a:rPr lang="zh-CN" altLang="en-US" sz="2800" dirty="0" smtClean="0"/>
-              <a:t>今天天气真不错</a:t>
-            </a:r>
-            <a:r>
-              <a:rPr lang="en-US" altLang="zh-TW" sz="2800" dirty="0" smtClean="0"/>
-              <a:t>”</a:t>
-            </a:r>
-            <a:endParaRPr lang="zh-TW" altLang="en-US" sz="2800" dirty="0"/>
-          </a:p>
-        </p:txBody>
-      </p:sp>
-      <p:pic>
-        <p:nvPicPr>
-          <p:cNvPr id="12" name="圖片 11"/>
-          <p:cNvPicPr>
-            <a:picLocks noChangeAspect="1"/>
-          </p:cNvPicPr>
-          <p:nvPr/>
-        </p:nvPicPr>
-        <p:blipFill>
-          <a:blip r:embed="rId9" cstate="print">
-            <a:extLst>
-              <a:ext uri="{28A0092B-C50C-407E-A947-70E740481C1C}">
-                <a14:useLocalDpi xmlns:a14="http://schemas.microsoft.com/office/drawing/2010/main" val="0"/>
-              </a:ext>
-            </a:extLst>
-          </a:blip>
-          <a:stretch>
-            <a:fillRect/>
-          </a:stretch>
-        </p:blipFill>
-        <p:spPr>
-          <a:xfrm>
-            <a:off x="2523351" y="1766681"/>
-            <a:ext cx="2921108" cy="516844"/>
-          </a:xfrm>
-          <a:prstGeom prst="rect">
-            <a:avLst/>
-          </a:prstGeom>
-        </p:spPr>
-      </p:pic>
-      <p:sp>
-        <p:nvSpPr>
-          <p:cNvPr id="15" name="矩形 14"/>
-          <p:cNvSpPr/>
-          <p:nvPr/>
-        </p:nvSpPr>
-        <p:spPr>
-          <a:xfrm>
-            <a:off x="2451141" y="5458130"/>
-            <a:ext cx="2659840" cy="523220"/>
-          </a:xfrm>
-          <a:prstGeom prst="rect">
-            <a:avLst/>
-          </a:prstGeom>
-        </p:spPr>
-        <p:txBody>
-          <a:bodyPr wrap="square">
-            <a:spAutoFit/>
-          </a:bodyPr>
-          <a:lstStyle/>
-          <a:p>
-            <a:pPr algn="ctr"/>
-            <a:r>
-              <a:rPr lang="en-US" altLang="zh-TW" sz="2800" dirty="0" smtClean="0"/>
-              <a:t>“</a:t>
-            </a:r>
-            <a:r>
-              <a:rPr lang="zh-CN" altLang="en-US" sz="2800" dirty="0" smtClean="0"/>
-              <a:t>你好</a:t>
-            </a:r>
-            <a:r>
-              <a:rPr lang="en-US" altLang="zh-TW" sz="2800" dirty="0" smtClean="0"/>
-              <a:t>”</a:t>
-            </a:r>
-            <a:endParaRPr lang="zh-TW" altLang="en-US" sz="2800" dirty="0"/>
-          </a:p>
-        </p:txBody>
-      </p:sp>
-      <p:pic>
-        <p:nvPicPr>
-          <p:cNvPr id="84994" name="Picture 2" descr="http://y2.ifengimg.com/a/2016_11/2c7ef418c729099.jpg"/>
-          <p:cNvPicPr>
-            <a:picLocks noChangeAspect="1" noChangeArrowheads="1"/>
-          </p:cNvPicPr>
-          <p:nvPr/>
-        </p:nvPicPr>
-        <p:blipFill>
-          <a:blip r:embed="rId10" cstate="print">
-            <a:extLst>
-              <a:ext uri="{28A0092B-C50C-407E-A947-70E740481C1C}">
-                <a14:useLocalDpi xmlns:a14="http://schemas.microsoft.com/office/drawing/2010/main" val="0"/>
-              </a:ext>
-            </a:extLst>
-          </a:blip>
-          <a:srcRect/>
-          <a:stretch>
-            <a:fillRect/>
-          </a:stretch>
-        </p:blipFill>
-        <p:spPr bwMode="auto">
-          <a:xfrm>
-            <a:off x="3308698" y="4094918"/>
-            <a:ext cx="1144109" cy="858082"/>
-          </a:xfrm>
-          <a:prstGeom prst="rect">
-            <a:avLst/>
-          </a:prstGeom>
-          <a:noFill/>
-          <a:extLst>
-            <a:ext uri="{909E8E84-426E-40DD-AFC4-6F175D3DCCD1}">
-              <a14:hiddenFill xmlns:a14="http://schemas.microsoft.com/office/drawing/2010/main">
-                <a:solidFill>
-                  <a:srgbClr val="FFFFFF"/>
-                </a:solidFill>
-              </a14:hiddenFill>
-            </a:ext>
-          </a:extLst>
-        </p:spPr>
-      </p:pic>
-      <p:sp>
-        <p:nvSpPr>
-          <p:cNvPr id="16" name="文字方塊 15"/>
-          <p:cNvSpPr txBox="1"/>
-          <p:nvPr/>
-        </p:nvSpPr>
-        <p:spPr>
-          <a:xfrm>
-            <a:off x="2372948" y="5939135"/>
-            <a:ext cx="2773299" cy="461665"/>
-          </a:xfrm>
-          <a:prstGeom prst="rect">
-            <a:avLst/>
-          </a:prstGeom>
-          <a:noFill/>
-        </p:spPr>
-        <p:txBody>
-          <a:bodyPr wrap="square" rtlCol="0">
-            <a:spAutoFit/>
-          </a:bodyPr>
-          <a:lstStyle/>
-          <a:p>
-            <a:pPr algn="ctr"/>
-            <a:r>
-              <a:rPr lang="zh-CN" altLang="en-US" sz="2400" dirty="0" smtClean="0">
-                <a:solidFill>
-                  <a:schemeClr val="accent2">
-                    <a:lumMod val="60000"/>
-                    <a:lumOff val="40000"/>
-                  </a:schemeClr>
-                </a:solidFill>
-              </a:rPr>
-              <a:t>用户输入</a:t>
-            </a:r>
-            <a:endParaRPr lang="zh-TW" altLang="en-US" sz="2400" dirty="0">
-              <a:solidFill>
-                <a:schemeClr val="accent2">
-                  <a:lumMod val="60000"/>
-                  <a:lumOff val="40000"/>
-                </a:schemeClr>
-              </a:solidFill>
-            </a:endParaRPr>
-          </a:p>
-        </p:txBody>
-      </p:sp>
-      <p:sp>
-        <p:nvSpPr>
-          <p:cNvPr id="19" name="文字方塊 18"/>
-          <p:cNvSpPr txBox="1"/>
-          <p:nvPr/>
-        </p:nvSpPr>
-        <p:spPr>
-          <a:xfrm>
-            <a:off x="5189174" y="5939134"/>
-            <a:ext cx="2773299" cy="461665"/>
-          </a:xfrm>
-          <a:prstGeom prst="rect">
-            <a:avLst/>
-          </a:prstGeom>
-          <a:noFill/>
-        </p:spPr>
-        <p:txBody>
-          <a:bodyPr wrap="square" rtlCol="0">
-            <a:spAutoFit/>
-          </a:bodyPr>
-          <a:lstStyle/>
-          <a:p>
-            <a:pPr algn="ctr"/>
-            <a:r>
-              <a:rPr lang="zh-CN" altLang="en-US" sz="2400" dirty="0" smtClean="0">
-                <a:solidFill>
-                  <a:schemeClr val="accent2">
-                    <a:lumMod val="60000"/>
-                    <a:lumOff val="40000"/>
-                  </a:schemeClr>
-                </a:solidFill>
-              </a:rPr>
-              <a:t>机器</a:t>
-            </a:r>
-            <a:endParaRPr lang="zh-TW" altLang="en-US" sz="2400" dirty="0">
-              <a:solidFill>
-                <a:schemeClr val="accent2">
-                  <a:lumMod val="60000"/>
-                  <a:lumOff val="40000"/>
-                </a:schemeClr>
-              </a:solidFill>
-            </a:endParaRPr>
-          </a:p>
-        </p:txBody>
-      </p:sp>
-      <p:pic>
-        <p:nvPicPr>
-          <p:cNvPr id="20" name="Picture 12" descr="https://encrypted-tbn1.gstatic.com/images?q=tbn:ANd9GcRcwlRKAlSIaCI4W5PRYVbuBQQXifF-56bFqAjh9DMe-_3Lh8_YKw"/>
-          <p:cNvPicPr>
-            <a:picLocks noChangeAspect="1" noChangeArrowheads="1"/>
-          </p:cNvPicPr>
-          <p:nvPr/>
-        </p:nvPicPr>
-        <p:blipFill>
-          <a:blip r:embed="rId11">
-            <a:extLst>
-              <a:ext uri="{28A0092B-C50C-407E-A947-70E740481C1C}">
-                <a14:useLocalDpi xmlns:a14="http://schemas.microsoft.com/office/drawing/2010/main" val="0"/>
-              </a:ext>
-            </a:extLst>
-          </a:blip>
-          <a:srcRect/>
-          <a:stretch>
-            <a:fillRect/>
-          </a:stretch>
-        </p:blipFill>
-        <p:spPr bwMode="auto">
-          <a:xfrm>
-            <a:off x="3349642" y="3046563"/>
-            <a:ext cx="1106043" cy="839637"/>
-          </a:xfrm>
-          <a:prstGeom prst="rect">
-            <a:avLst/>
-          </a:prstGeom>
-          <a:noFill/>
-          <a:extLst>
-            <a:ext uri="{909E8E84-426E-40DD-AFC4-6F175D3DCCD1}">
-              <a14:hiddenFill xmlns:a14="http://schemas.microsoft.com/office/drawing/2010/main">
-                <a:solidFill>
-                  <a:srgbClr val="FFFFFF"/>
-                </a:solidFill>
-              </a14:hiddenFill>
-            </a:ext>
-          </a:extLst>
-        </p:spPr>
-      </p:pic>
-      <p:sp>
-        <p:nvSpPr>
-          <p:cNvPr id="18" name="文字方塊 17"/>
-          <p:cNvSpPr txBox="1"/>
-          <p:nvPr/>
-        </p:nvSpPr>
-        <p:spPr>
-          <a:xfrm>
-            <a:off x="6600847" y="4242542"/>
-            <a:ext cx="2543153" cy="461665"/>
-          </a:xfrm>
-          <a:prstGeom prst="rect">
-            <a:avLst/>
-          </a:prstGeom>
-          <a:noFill/>
-        </p:spPr>
-        <p:txBody>
-          <a:bodyPr wrap="square" rtlCol="0">
-            <a:spAutoFit/>
-          </a:bodyPr>
-          <a:lstStyle/>
-          <a:p>
-            <a:pPr algn="ctr"/>
-            <a:r>
-              <a:rPr lang="en-US" altLang="zh-TW" sz="2400" dirty="0" smtClean="0"/>
-              <a:t>(</a:t>
-            </a:r>
-            <a:r>
-              <a:rPr lang="zh-CN" altLang="en-US" sz="2400" dirty="0" smtClean="0"/>
-              <a:t>落子位置</a:t>
-            </a:r>
-            <a:r>
-              <a:rPr lang="en-US" altLang="zh-TW" sz="2400" dirty="0" smtClean="0"/>
-              <a:t>)</a:t>
-            </a:r>
-            <a:endParaRPr lang="zh-TW" altLang="en-US" sz="2400" dirty="0"/>
-          </a:p>
-        </p:txBody>
-      </p:sp>
-    </p:spTree>
-    <p:extLst>
-      <p:ext uri="{BB962C8B-B14F-4D97-AF65-F5344CB8AC3E}">
-        <p14:creationId xmlns:p14="http://schemas.microsoft.com/office/powerpoint/2010/main" val="1999908609"/>
-      </p:ext>
-    </p:extLst>
-  </p:cSld>
-  <p:clrMapOvr>
-    <a:masterClrMapping/>
-  </p:clrMapOvr>
-  <p:timing>
-    <p:tnLst>
-      <p:par>
-        <p:cTn id="1" dur="indefinite" restart="never" nodeType="tmRoot"/>
-      </p:par>
-    </p:tnLst>
-  </p:timing>
-</p:sld>
-</file>
-
-<file path=ppt/slides/slide20.xml><?xml version="1.0" encoding="utf-8"?>
+<file path=ppt/slides/slide22.xml><?xml version="1.0" encoding="utf-8"?>
 <p:sld xmlns:a="http://schemas.openxmlformats.org/drawingml/2006/main" xmlns:r="http://schemas.openxmlformats.org/officeDocument/2006/relationships" xmlns:p="http://schemas.openxmlformats.org/presentationml/2006/main">
   <p:cSld>
     <p:spTree>
@@ -11571,7 +12347,7 @@
 </p:sld>
 </file>
 
-<file path=ppt/slides/slide21.xml><?xml version="1.0" encoding="utf-8"?>
+<file path=ppt/slides/slide23.xml><?xml version="1.0" encoding="utf-8"?>
 <p:sld xmlns:a="http://schemas.openxmlformats.org/drawingml/2006/main" xmlns:r="http://schemas.openxmlformats.org/officeDocument/2006/relationships" xmlns:p="http://schemas.openxmlformats.org/presentationml/2006/main">
   <p:cSld>
     <p:spTree>
@@ -11778,7 +12554,7 @@
 </p:sld>
 </file>
 
-<file path=ppt/slides/slide22.xml><?xml version="1.0" encoding="utf-8"?>
+<file path=ppt/slides/slide24.xml><?xml version="1.0" encoding="utf-8"?>
 <p:sld xmlns:a="http://schemas.openxmlformats.org/drawingml/2006/main" xmlns:r="http://schemas.openxmlformats.org/officeDocument/2006/relationships" xmlns:p="http://schemas.openxmlformats.org/presentationml/2006/main">
   <p:cSld>
     <p:spTree>
@@ -11886,7 +12662,67 @@
 </p:sld>
 </file>
 
-<file path=ppt/slides/slide23.xml><?xml version="1.0" encoding="utf-8"?>
+<file path=ppt/slides/slide25.xml><?xml version="1.0" encoding="utf-8"?>
+<p:sld xmlns:a="http://schemas.openxmlformats.org/drawingml/2006/main" xmlns:r="http://schemas.openxmlformats.org/officeDocument/2006/relationships" xmlns:p="http://schemas.openxmlformats.org/presentationml/2006/main">
+  <p:cSld>
+    <p:spTree>
+      <p:nvGrpSpPr>
+        <p:cNvPr id="1" name=""/>
+        <p:cNvGrpSpPr/>
+        <p:nvPr/>
+      </p:nvGrpSpPr>
+      <p:grpSpPr>
+        <a:xfrm>
+          <a:off x="0" y="0"/>
+          <a:ext cx="0" cy="0"/>
+          <a:chOff x="0" y="0"/>
+          <a:chExt cx="0" cy="0"/>
+        </a:xfrm>
+      </p:grpSpPr>
+      <p:sp>
+        <p:nvSpPr>
+          <p:cNvPr id="2" name="标题 1"/>
+          <p:cNvSpPr>
+            <a:spLocks noGrp="1"/>
+          </p:cNvSpPr>
+          <p:nvPr>
+            <p:ph type="ctrTitle"/>
+          </p:nvPr>
+        </p:nvSpPr>
+        <p:spPr/>
+        <p:txBody>
+          <a:bodyPr/>
+          <a:lstStyle/>
+          <a:p>
+            <a:r>
+              <a:rPr lang="zh-CN" altLang="en-US" dirty="0" smtClean="0"/>
+              <a:t>机器学习的几个关键点</a:t>
+            </a:r>
+            <a:endParaRPr lang="zh-CN" altLang="en-US" dirty="0"/>
+          </a:p>
+        </p:txBody>
+      </p:sp>
+    </p:spTree>
+    <p:extLst>
+      <p:ext uri="{BB962C8B-B14F-4D97-AF65-F5344CB8AC3E}">
+        <p14:creationId xmlns:p14="http://schemas.microsoft.com/office/powerpoint/2010/main" val="1903843485"/>
+      </p:ext>
+    </p:extLst>
+  </p:cSld>
+  <p:clrMapOvr>
+    <a:masterClrMapping/>
+  </p:clrMapOvr>
+  <p:timing>
+    <p:tnLst>
+      <p:par>
+        <p:cTn id="1" dur="indefinite" restart="never" nodeType="tmRoot"/>
+      </p:par>
+    </p:tnLst>
+  </p:timing>
+</p:sld>
+</file>
+
+<file path=ppt/slides/slide26.xml><?xml version="1.0" encoding="utf-8"?>
 <p:sld xmlns:a="http://schemas.openxmlformats.org/drawingml/2006/main" xmlns:r="http://schemas.openxmlformats.org/officeDocument/2006/relationships" xmlns:p="http://schemas.openxmlformats.org/presentationml/2006/main">
   <p:cSld>
     <p:spTree>
@@ -12286,7 +13122,7 @@
 </p:sld>
 </file>
 
-<file path=ppt/slides/slide24.xml><?xml version="1.0" encoding="utf-8"?>
+<file path=ppt/slides/slide27.xml><?xml version="1.0" encoding="utf-8"?>
 <p:sld xmlns:a="http://schemas.openxmlformats.org/drawingml/2006/main" xmlns:r="http://schemas.openxmlformats.org/officeDocument/2006/relationships" xmlns:p="http://schemas.openxmlformats.org/presentationml/2006/main">
   <p:cSld>
     <p:spTree>
@@ -12569,7 +13405,7 @@
 </p:sld>
 </file>
 
-<file path=ppt/slides/slide25.xml><?xml version="1.0" encoding="utf-8"?>
+<file path=ppt/slides/slide28.xml><?xml version="1.0" encoding="utf-8"?>
 <p:sld xmlns:a="http://schemas.openxmlformats.org/drawingml/2006/main" xmlns:r="http://schemas.openxmlformats.org/officeDocument/2006/relationships" xmlns:p="http://schemas.openxmlformats.org/presentationml/2006/main">
   <p:cSld>
     <p:spTree>
@@ -12755,332 +13591,6 @@
     <p:extLst>
       <p:ext uri="{BB962C8B-B14F-4D97-AF65-F5344CB8AC3E}">
         <p14:creationId xmlns:p14="http://schemas.microsoft.com/office/powerpoint/2010/main" val="3225584536"/>
-      </p:ext>
-    </p:extLst>
-  </p:cSld>
-  <p:clrMapOvr>
-    <a:masterClrMapping/>
-  </p:clrMapOvr>
-  <p:timing>
-    <p:tnLst>
-      <p:par>
-        <p:cTn id="1" dur="indefinite" restart="never" nodeType="tmRoot"/>
-      </p:par>
-    </p:tnLst>
-  </p:timing>
-</p:sld>
-</file>
-
-<file path=ppt/slides/slide26.xml><?xml version="1.0" encoding="utf-8"?>
-<p:sld xmlns:a="http://schemas.openxmlformats.org/drawingml/2006/main" xmlns:r="http://schemas.openxmlformats.org/officeDocument/2006/relationships" xmlns:p="http://schemas.openxmlformats.org/presentationml/2006/main">
-  <p:cSld>
-    <p:spTree>
-      <p:nvGrpSpPr>
-        <p:cNvPr id="1" name=""/>
-        <p:cNvGrpSpPr/>
-        <p:nvPr/>
-      </p:nvGrpSpPr>
-      <p:grpSpPr>
-        <a:xfrm>
-          <a:off x="0" y="0"/>
-          <a:ext cx="0" cy="0"/>
-          <a:chOff x="0" y="0"/>
-          <a:chExt cx="0" cy="0"/>
-        </a:xfrm>
-      </p:grpSpPr>
-      <p:sp>
-        <p:nvSpPr>
-          <p:cNvPr id="2" name="标题 1"/>
-          <p:cNvSpPr>
-            <a:spLocks noGrp="1"/>
-          </p:cNvSpPr>
-          <p:nvPr>
-            <p:ph type="ctrTitle"/>
-          </p:nvPr>
-        </p:nvSpPr>
-        <p:spPr/>
-        <p:txBody>
-          <a:bodyPr/>
-          <a:lstStyle/>
-          <a:p>
-            <a:r>
-              <a:rPr lang="zh-CN" altLang="en-US" dirty="0" smtClean="0"/>
-              <a:t>机器学习的几个关键点</a:t>
-            </a:r>
-            <a:endParaRPr lang="zh-CN" altLang="en-US" dirty="0"/>
-          </a:p>
-        </p:txBody>
-      </p:sp>
-    </p:spTree>
-    <p:extLst>
-      <p:ext uri="{BB962C8B-B14F-4D97-AF65-F5344CB8AC3E}">
-        <p14:creationId xmlns:p14="http://schemas.microsoft.com/office/powerpoint/2010/main" val="1903843485"/>
-      </p:ext>
-    </p:extLst>
-  </p:cSld>
-  <p:clrMapOvr>
-    <a:masterClrMapping/>
-  </p:clrMapOvr>
-  <p:timing>
-    <p:tnLst>
-      <p:par>
-        <p:cTn id="1" dur="indefinite" restart="never" nodeType="tmRoot"/>
-      </p:par>
-    </p:tnLst>
-  </p:timing>
-</p:sld>
-</file>
-
-<file path=ppt/slides/slide27.xml><?xml version="1.0" encoding="utf-8"?>
-<p:sld xmlns:a="http://schemas.openxmlformats.org/drawingml/2006/main" xmlns:r="http://schemas.openxmlformats.org/officeDocument/2006/relationships" xmlns:p="http://schemas.openxmlformats.org/presentationml/2006/main">
-  <p:cSld>
-    <p:spTree>
-      <p:nvGrpSpPr>
-        <p:cNvPr id="1" name=""/>
-        <p:cNvGrpSpPr/>
-        <p:nvPr/>
-      </p:nvGrpSpPr>
-      <p:grpSpPr>
-        <a:xfrm>
-          <a:off x="0" y="0"/>
-          <a:ext cx="0" cy="0"/>
-          <a:chOff x="0" y="0"/>
-          <a:chExt cx="0" cy="0"/>
-        </a:xfrm>
-      </p:grpSpPr>
-      <p:sp>
-        <p:nvSpPr>
-          <p:cNvPr id="2" name="标题 1"/>
-          <p:cNvSpPr>
-            <a:spLocks noGrp="1"/>
-          </p:cNvSpPr>
-          <p:nvPr>
-            <p:ph type="title"/>
-          </p:nvPr>
-        </p:nvSpPr>
-        <p:spPr/>
-        <p:txBody>
-          <a:bodyPr/>
-          <a:lstStyle/>
-          <a:p>
-            <a:r>
-              <a:rPr lang="zh-CN" altLang="en-US" dirty="0" smtClean="0"/>
-              <a:t>常见的机器学习类型</a:t>
-            </a:r>
-            <a:endParaRPr lang="zh-CN" altLang="en-US" dirty="0"/>
-          </a:p>
-        </p:txBody>
-      </p:sp>
-      <p:pic>
-        <p:nvPicPr>
-          <p:cNvPr id="5" name="图片 4" descr="屏幕剪辑"/>
-          <p:cNvPicPr>
-            <a:picLocks noChangeAspect="1"/>
-          </p:cNvPicPr>
-          <p:nvPr/>
-        </p:nvPicPr>
-        <p:blipFill>
-          <a:blip r:embed="rId2">
-            <a:extLst>
-              <a:ext uri="{28A0092B-C50C-407E-A947-70E740481C1C}">
-                <a14:useLocalDpi xmlns:a14="http://schemas.microsoft.com/office/drawing/2010/main"/>
-              </a:ext>
-            </a:extLst>
-          </a:blip>
-          <a:stretch>
-            <a:fillRect/>
-          </a:stretch>
-        </p:blipFill>
-        <p:spPr>
-          <a:xfrm>
-            <a:off x="454737" y="1905000"/>
-            <a:ext cx="8232063" cy="3733800"/>
-          </a:xfrm>
-          <a:prstGeom prst="rect">
-            <a:avLst/>
-          </a:prstGeom>
-        </p:spPr>
-      </p:pic>
-    </p:spTree>
-    <p:extLst>
-      <p:ext uri="{BB962C8B-B14F-4D97-AF65-F5344CB8AC3E}">
-        <p14:creationId xmlns:p14="http://schemas.microsoft.com/office/powerpoint/2010/main" val="285547479"/>
-      </p:ext>
-    </p:extLst>
-  </p:cSld>
-  <p:clrMapOvr>
-    <a:masterClrMapping/>
-  </p:clrMapOvr>
-  <p:timing>
-    <p:tnLst>
-      <p:par>
-        <p:cTn id="1" dur="indefinite" restart="never" nodeType="tmRoot"/>
-      </p:par>
-    </p:tnLst>
-  </p:timing>
-</p:sld>
-</file>
-
-<file path=ppt/slides/slide28.xml><?xml version="1.0" encoding="utf-8"?>
-<p:sld xmlns:a="http://schemas.openxmlformats.org/drawingml/2006/main" xmlns:r="http://schemas.openxmlformats.org/officeDocument/2006/relationships" xmlns:p="http://schemas.openxmlformats.org/presentationml/2006/main">
-  <p:cSld>
-    <p:spTree>
-      <p:nvGrpSpPr>
-        <p:cNvPr id="1" name=""/>
-        <p:cNvGrpSpPr/>
-        <p:nvPr/>
-      </p:nvGrpSpPr>
-      <p:grpSpPr>
-        <a:xfrm>
-          <a:off x="0" y="0"/>
-          <a:ext cx="0" cy="0"/>
-          <a:chOff x="0" y="0"/>
-          <a:chExt cx="0" cy="0"/>
-        </a:xfrm>
-      </p:grpSpPr>
-      <p:sp>
-        <p:nvSpPr>
-          <p:cNvPr id="2" name="标题 1"/>
-          <p:cNvSpPr>
-            <a:spLocks noGrp="1"/>
-          </p:cNvSpPr>
-          <p:nvPr>
-            <p:ph type="title"/>
-          </p:nvPr>
-        </p:nvSpPr>
-        <p:spPr/>
-        <p:txBody>
-          <a:bodyPr/>
-          <a:lstStyle/>
-          <a:p>
-            <a:r>
-              <a:rPr lang="zh-CN" altLang="en-US" dirty="0" smtClean="0"/>
-              <a:t>常见的机器学习问题</a:t>
-            </a:r>
-            <a:endParaRPr lang="zh-CN" altLang="en-US" dirty="0"/>
-          </a:p>
-        </p:txBody>
-      </p:sp>
-      <p:pic>
-        <p:nvPicPr>
-          <p:cNvPr id="3" name="图片 2" descr="屏幕剪辑"/>
-          <p:cNvPicPr>
-            <a:picLocks noChangeAspect="1"/>
-          </p:cNvPicPr>
-          <p:nvPr/>
-        </p:nvPicPr>
-        <p:blipFill>
-          <a:blip r:embed="rId2">
-            <a:extLst>
-              <a:ext uri="{28A0092B-C50C-407E-A947-70E740481C1C}">
-                <a14:useLocalDpi xmlns:a14="http://schemas.microsoft.com/office/drawing/2010/main" val="0"/>
-              </a:ext>
-            </a:extLst>
-          </a:blip>
-          <a:stretch>
-            <a:fillRect/>
-          </a:stretch>
-        </p:blipFill>
-        <p:spPr>
-          <a:xfrm>
-            <a:off x="762000" y="2133600"/>
-            <a:ext cx="2966012" cy="2286000"/>
-          </a:xfrm>
-          <a:prstGeom prst="rect">
-            <a:avLst/>
-          </a:prstGeom>
-        </p:spPr>
-      </p:pic>
-      <p:sp>
-        <p:nvSpPr>
-          <p:cNvPr id="5" name="文本框 4"/>
-          <p:cNvSpPr txBox="1"/>
-          <p:nvPr/>
-        </p:nvSpPr>
-        <p:spPr>
-          <a:xfrm>
-            <a:off x="914399" y="4980214"/>
-            <a:ext cx="2362200" cy="523220"/>
-          </a:xfrm>
-          <a:prstGeom prst="rect">
-            <a:avLst/>
-          </a:prstGeom>
-          <a:noFill/>
-        </p:spPr>
-        <p:txBody>
-          <a:bodyPr wrap="square" rtlCol="0">
-            <a:spAutoFit/>
-          </a:bodyPr>
-          <a:lstStyle/>
-          <a:p>
-            <a:pPr algn="ctr"/>
-            <a:r>
-              <a:rPr lang="zh-CN" altLang="en-US" sz="2800" dirty="0" smtClean="0"/>
-              <a:t>分类</a:t>
-            </a:r>
-            <a:endParaRPr lang="zh-CN" altLang="en-US" sz="2800" dirty="0"/>
-          </a:p>
-        </p:txBody>
-      </p:sp>
-      <p:pic>
-        <p:nvPicPr>
-          <p:cNvPr id="8" name="图片 7"/>
-          <p:cNvPicPr>
-            <a:picLocks noChangeAspect="1"/>
-          </p:cNvPicPr>
-          <p:nvPr/>
-        </p:nvPicPr>
-        <p:blipFill>
-          <a:blip r:embed="rId3"/>
-          <a:stretch>
-            <a:fillRect/>
-          </a:stretch>
-        </p:blipFill>
-        <p:spPr>
-          <a:xfrm>
-            <a:off x="5029199" y="2895600"/>
-            <a:ext cx="3324225" cy="1371600"/>
-          </a:xfrm>
-          <a:prstGeom prst="rect">
-            <a:avLst/>
-          </a:prstGeom>
-        </p:spPr>
-      </p:pic>
-      <p:sp>
-        <p:nvSpPr>
-          <p:cNvPr id="9" name="文本框 8"/>
-          <p:cNvSpPr txBox="1"/>
-          <p:nvPr/>
-        </p:nvSpPr>
-        <p:spPr>
-          <a:xfrm>
-            <a:off x="5510211" y="4969328"/>
-            <a:ext cx="2362200" cy="523220"/>
-          </a:xfrm>
-          <a:prstGeom prst="rect">
-            <a:avLst/>
-          </a:prstGeom>
-          <a:noFill/>
-        </p:spPr>
-        <p:txBody>
-          <a:bodyPr wrap="square" rtlCol="0">
-            <a:spAutoFit/>
-          </a:bodyPr>
-          <a:lstStyle/>
-          <a:p>
-            <a:pPr algn="ctr"/>
-            <a:r>
-              <a:rPr lang="zh-CN" altLang="en-US" sz="2800" dirty="0" smtClean="0"/>
-              <a:t>聚类</a:t>
-            </a:r>
-            <a:endParaRPr lang="zh-CN" altLang="en-US" sz="2800" dirty="0"/>
-          </a:p>
-        </p:txBody>
-      </p:sp>
-    </p:spTree>
-    <p:extLst>
-      <p:ext uri="{BB962C8B-B14F-4D97-AF65-F5344CB8AC3E}">
-        <p14:creationId xmlns:p14="http://schemas.microsoft.com/office/powerpoint/2010/main" val="3778719881"/>
       </p:ext>
     </p:extLst>
   </p:cSld>
@@ -13922,8 +14432,8 @@
           </a:p>
         </p:txBody>
       </p:sp>
-      <mc:AlternateContent xmlns:mc="http://schemas.openxmlformats.org/markup-compatibility/2006">
-        <mc:Choice xmlns:a14="http://schemas.microsoft.com/office/drawing/2010/main" Requires="a14">
+      <mc:AlternateContent xmlns:mc="http://schemas.openxmlformats.org/markup-compatibility/2006" xmlns:a14="http://schemas.microsoft.com/office/drawing/2010/main">
+        <mc:Choice Requires="a14">
           <p:sp>
             <p:nvSpPr>
               <p:cNvPr id="3" name="内容占位符 2"/>
@@ -14069,7 +14579,7 @@
             </p:txBody>
           </p:sp>
         </mc:Choice>
-        <mc:Fallback>
+        <mc:Fallback xmlns="">
           <p:sp>
             <p:nvSpPr>
               <p:cNvPr id="3" name="内容占位符 2"/>
@@ -14082,7 +14592,7 @@
             </p:nvSpPr>
             <p:spPr>
               <a:blipFill>
-                <a:blip r:embed="rId2"/>
+                <a:blip r:embed="rId3"/>
                 <a:stretch>
                   <a:fillRect l="-741" t="-1605"/>
                 </a:stretch>
@@ -14112,7 +14622,7 @@
           <p:nvPr/>
         </p:nvPicPr>
         <p:blipFill>
-          <a:blip r:embed="rId3">
+          <a:blip r:embed="rId4">
             <a:extLst>
               <a:ext uri="{28A0092B-C50C-407E-A947-70E740481C1C}">
                 <a14:useLocalDpi xmlns:a14="http://schemas.microsoft.com/office/drawing/2010/main" val="0"/>
@@ -14227,6 +14737,272 @@
 </file>
 
 <file path=ppt/slides/slide4.xml><?xml version="1.0" encoding="utf-8"?>
+<p:sld xmlns:a="http://schemas.openxmlformats.org/drawingml/2006/main" xmlns:r="http://schemas.openxmlformats.org/officeDocument/2006/relationships" xmlns:p="http://schemas.openxmlformats.org/presentationml/2006/main">
+  <p:cSld>
+    <p:spTree>
+      <p:nvGrpSpPr>
+        <p:cNvPr id="1" name=""/>
+        <p:cNvGrpSpPr/>
+        <p:nvPr/>
+      </p:nvGrpSpPr>
+      <p:grpSpPr>
+        <a:xfrm>
+          <a:off x="0" y="0"/>
+          <a:ext cx="0" cy="0"/>
+          <a:chOff x="0" y="0"/>
+          <a:chExt cx="0" cy="0"/>
+        </a:xfrm>
+      </p:grpSpPr>
+      <p:sp>
+        <p:nvSpPr>
+          <p:cNvPr id="2" name="标题 1"/>
+          <p:cNvSpPr>
+            <a:spLocks noGrp="1"/>
+          </p:cNvSpPr>
+          <p:nvPr>
+            <p:ph type="title"/>
+          </p:nvPr>
+        </p:nvSpPr>
+        <p:spPr/>
+        <p:txBody>
+          <a:bodyPr/>
+          <a:lstStyle/>
+          <a:p>
+            <a:r>
+              <a:rPr lang="zh-CN" altLang="en-US" dirty="0" smtClean="0"/>
+              <a:t>常见的机器学习问题</a:t>
+            </a:r>
+            <a:endParaRPr lang="zh-CN" altLang="en-US" dirty="0"/>
+          </a:p>
+        </p:txBody>
+      </p:sp>
+      <p:pic>
+        <p:nvPicPr>
+          <p:cNvPr id="3" name="图片 2" descr="屏幕剪辑"/>
+          <p:cNvPicPr>
+            <a:picLocks noChangeAspect="1"/>
+          </p:cNvPicPr>
+          <p:nvPr/>
+        </p:nvPicPr>
+        <p:blipFill>
+          <a:blip r:embed="rId2">
+            <a:extLst>
+              <a:ext uri="{28A0092B-C50C-407E-A947-70E740481C1C}">
+                <a14:useLocalDpi xmlns:a14="http://schemas.microsoft.com/office/drawing/2010/main" val="0"/>
+              </a:ext>
+            </a:extLst>
+          </a:blip>
+          <a:stretch>
+            <a:fillRect/>
+          </a:stretch>
+        </p:blipFill>
+        <p:spPr>
+          <a:xfrm>
+            <a:off x="762000" y="2133600"/>
+            <a:ext cx="2966012" cy="2286000"/>
+          </a:xfrm>
+          <a:prstGeom prst="rect">
+            <a:avLst/>
+          </a:prstGeom>
+        </p:spPr>
+      </p:pic>
+      <p:sp>
+        <p:nvSpPr>
+          <p:cNvPr id="5" name="文本框 4"/>
+          <p:cNvSpPr txBox="1"/>
+          <p:nvPr/>
+        </p:nvSpPr>
+        <p:spPr>
+          <a:xfrm>
+            <a:off x="914399" y="4980214"/>
+            <a:ext cx="2362200" cy="523220"/>
+          </a:xfrm>
+          <a:prstGeom prst="rect">
+            <a:avLst/>
+          </a:prstGeom>
+          <a:noFill/>
+        </p:spPr>
+        <p:txBody>
+          <a:bodyPr wrap="square" rtlCol="0">
+            <a:spAutoFit/>
+          </a:bodyPr>
+          <a:lstStyle/>
+          <a:p>
+            <a:pPr algn="ctr"/>
+            <a:r>
+              <a:rPr lang="zh-CN" altLang="en-US" sz="2800" dirty="0" smtClean="0"/>
+              <a:t>分类</a:t>
+            </a:r>
+            <a:endParaRPr lang="zh-CN" altLang="en-US" sz="2800" dirty="0"/>
+          </a:p>
+        </p:txBody>
+      </p:sp>
+      <p:pic>
+        <p:nvPicPr>
+          <p:cNvPr id="8" name="图片 7"/>
+          <p:cNvPicPr>
+            <a:picLocks noChangeAspect="1"/>
+          </p:cNvPicPr>
+          <p:nvPr/>
+        </p:nvPicPr>
+        <p:blipFill>
+          <a:blip r:embed="rId3"/>
+          <a:stretch>
+            <a:fillRect/>
+          </a:stretch>
+        </p:blipFill>
+        <p:spPr>
+          <a:xfrm>
+            <a:off x="5029199" y="2895600"/>
+            <a:ext cx="3324225" cy="1371600"/>
+          </a:xfrm>
+          <a:prstGeom prst="rect">
+            <a:avLst/>
+          </a:prstGeom>
+        </p:spPr>
+      </p:pic>
+      <p:sp>
+        <p:nvSpPr>
+          <p:cNvPr id="9" name="文本框 8"/>
+          <p:cNvSpPr txBox="1"/>
+          <p:nvPr/>
+        </p:nvSpPr>
+        <p:spPr>
+          <a:xfrm>
+            <a:off x="5510211" y="4969328"/>
+            <a:ext cx="2362200" cy="523220"/>
+          </a:xfrm>
+          <a:prstGeom prst="rect">
+            <a:avLst/>
+          </a:prstGeom>
+          <a:noFill/>
+        </p:spPr>
+        <p:txBody>
+          <a:bodyPr wrap="square" rtlCol="0">
+            <a:spAutoFit/>
+          </a:bodyPr>
+          <a:lstStyle/>
+          <a:p>
+            <a:pPr algn="ctr"/>
+            <a:r>
+              <a:rPr lang="zh-CN" altLang="en-US" sz="2800" dirty="0" smtClean="0"/>
+              <a:t>聚类</a:t>
+            </a:r>
+            <a:endParaRPr lang="zh-CN" altLang="en-US" sz="2800" dirty="0"/>
+          </a:p>
+        </p:txBody>
+      </p:sp>
+    </p:spTree>
+    <p:extLst>
+      <p:ext uri="{BB962C8B-B14F-4D97-AF65-F5344CB8AC3E}">
+        <p14:creationId xmlns:p14="http://schemas.microsoft.com/office/powerpoint/2010/main" val="3191425230"/>
+      </p:ext>
+    </p:extLst>
+  </p:cSld>
+  <p:clrMapOvr>
+    <a:masterClrMapping/>
+  </p:clrMapOvr>
+  <p:timing>
+    <p:tnLst>
+      <p:par>
+        <p:cTn id="1" dur="indefinite" restart="never" nodeType="tmRoot"/>
+      </p:par>
+    </p:tnLst>
+  </p:timing>
+</p:sld>
+</file>
+
+<file path=ppt/slides/slide5.xml><?xml version="1.0" encoding="utf-8"?>
+<p:sld xmlns:a="http://schemas.openxmlformats.org/drawingml/2006/main" xmlns:r="http://schemas.openxmlformats.org/officeDocument/2006/relationships" xmlns:p="http://schemas.openxmlformats.org/presentationml/2006/main">
+  <p:cSld>
+    <p:spTree>
+      <p:nvGrpSpPr>
+        <p:cNvPr id="1" name=""/>
+        <p:cNvGrpSpPr/>
+        <p:nvPr/>
+      </p:nvGrpSpPr>
+      <p:grpSpPr>
+        <a:xfrm>
+          <a:off x="0" y="0"/>
+          <a:ext cx="0" cy="0"/>
+          <a:chOff x="0" y="0"/>
+          <a:chExt cx="0" cy="0"/>
+        </a:xfrm>
+      </p:grpSpPr>
+      <p:sp>
+        <p:nvSpPr>
+          <p:cNvPr id="2" name="标题 1"/>
+          <p:cNvSpPr>
+            <a:spLocks noGrp="1"/>
+          </p:cNvSpPr>
+          <p:nvPr>
+            <p:ph type="title"/>
+          </p:nvPr>
+        </p:nvSpPr>
+        <p:spPr/>
+        <p:txBody>
+          <a:bodyPr/>
+          <a:lstStyle/>
+          <a:p>
+            <a:r>
+              <a:rPr lang="zh-CN" altLang="en-US" dirty="0" smtClean="0"/>
+              <a:t>常见的机器学习类型</a:t>
+            </a:r>
+            <a:endParaRPr lang="zh-CN" altLang="en-US" dirty="0"/>
+          </a:p>
+        </p:txBody>
+      </p:sp>
+      <p:pic>
+        <p:nvPicPr>
+          <p:cNvPr id="5" name="图片 4" descr="屏幕剪辑"/>
+          <p:cNvPicPr>
+            <a:picLocks noChangeAspect="1"/>
+          </p:cNvPicPr>
+          <p:nvPr/>
+        </p:nvPicPr>
+        <p:blipFill>
+          <a:blip r:embed="rId2">
+            <a:extLst>
+              <a:ext uri="{28A0092B-C50C-407E-A947-70E740481C1C}">
+                <a14:useLocalDpi xmlns:a14="http://schemas.microsoft.com/office/drawing/2010/main"/>
+              </a:ext>
+            </a:extLst>
+          </a:blip>
+          <a:stretch>
+            <a:fillRect/>
+          </a:stretch>
+        </p:blipFill>
+        <p:spPr>
+          <a:xfrm>
+            <a:off x="454737" y="1905000"/>
+            <a:ext cx="8232063" cy="3733800"/>
+          </a:xfrm>
+          <a:prstGeom prst="rect">
+            <a:avLst/>
+          </a:prstGeom>
+        </p:spPr>
+      </p:pic>
+    </p:spTree>
+    <p:extLst>
+      <p:ext uri="{BB962C8B-B14F-4D97-AF65-F5344CB8AC3E}">
+        <p14:creationId xmlns:p14="http://schemas.microsoft.com/office/powerpoint/2010/main" val="2369954451"/>
+      </p:ext>
+    </p:extLst>
+  </p:cSld>
+  <p:clrMapOvr>
+    <a:masterClrMapping/>
+  </p:clrMapOvr>
+  <p:timing>
+    <p:tnLst>
+      <p:par>
+        <p:cTn id="1" dur="indefinite" restart="never" nodeType="tmRoot"/>
+      </p:par>
+    </p:tnLst>
+  </p:timing>
+</p:sld>
+</file>
+
+<file path=ppt/slides/slide6.xml><?xml version="1.0" encoding="utf-8"?>
 <p:sld xmlns:a="http://schemas.openxmlformats.org/drawingml/2006/main" xmlns:r="http://schemas.openxmlformats.org/officeDocument/2006/relationships" xmlns:p="http://schemas.openxmlformats.org/presentationml/2006/main">
   <p:cSld>
     <p:spTree>
@@ -14650,7 +15426,7 @@
 </p:sld>
 </file>
 
-<file path=ppt/slides/slide5.xml><?xml version="1.0" encoding="utf-8"?>
+<file path=ppt/slides/slide7.xml><?xml version="1.0" encoding="utf-8"?>
 <p:sld xmlns:a="http://schemas.openxmlformats.org/drawingml/2006/main" xmlns:r="http://schemas.openxmlformats.org/officeDocument/2006/relationships" xmlns:p="http://schemas.openxmlformats.org/presentationml/2006/main">
   <p:cSld>
     <p:spTree>
@@ -14816,7 +15592,7 @@
 </p:sld>
 </file>
 
-<file path=ppt/slides/slide6.xml><?xml version="1.0" encoding="utf-8"?>
+<file path=ppt/slides/slide8.xml><?xml version="1.0" encoding="utf-8"?>
 <p:sld xmlns:a="http://schemas.openxmlformats.org/drawingml/2006/main" xmlns:r="http://schemas.openxmlformats.org/officeDocument/2006/relationships" xmlns:p="http://schemas.openxmlformats.org/presentationml/2006/main">
   <p:cSld>
     <p:spTree>
@@ -14856,8 +15632,8 @@
           </a:p>
         </p:txBody>
       </p:sp>
-      <mc:AlternateContent xmlns:mc="http://schemas.openxmlformats.org/markup-compatibility/2006" xmlns:a14="http://schemas.microsoft.com/office/drawing/2010/main">
-        <mc:Choice Requires="a14">
+      <mc:AlternateContent xmlns:mc="http://schemas.openxmlformats.org/markup-compatibility/2006">
+        <mc:Choice xmlns:a14="http://schemas.microsoft.com/office/drawing/2010/main" Requires="a14">
           <p:sp>
             <p:nvSpPr>
               <p:cNvPr id="3" name="内容占位符 2"/>
@@ -14939,10 +15715,13 @@
                 <a:endParaRPr lang="en-US" altLang="zh-CN" dirty="0" smtClean="0"/>
               </a:p>
               <a:p>
-                <a:pPr lvl="1"/>
                 <a:r>
                   <a:rPr lang="zh-CN" altLang="en-US" dirty="0" smtClean="0"/>
-                  <a:t>真实条件概率</a:t>
+                  <a:t>真实</a:t>
+                </a:r>
+                <a:r>
+                  <a:rPr lang="zh-CN" altLang="en-US" dirty="0" smtClean="0"/>
+                  <a:t>条件概率</a:t>
                 </a:r>
                 <a14:m>
                   <m:oMath xmlns:m="http://schemas.openxmlformats.org/officeDocument/2006/math">
@@ -15006,80 +15785,13 @@
                 <a:endParaRPr lang="en-US" altLang="zh-CN" dirty="0" smtClean="0"/>
               </a:p>
               <a:p>
-                <a:pPr lvl="1"/>
                 <a:r>
                   <a:rPr lang="zh-CN" altLang="en-US" dirty="0" smtClean="0"/>
-                  <a:t>模型预测</a:t>
-                </a:r>
-                <a:r>
-                  <a:rPr lang="zh-CN" altLang="en-US" dirty="0"/>
-                  <a:t>条件</a:t>
+                  <a:t>如何</a:t>
                 </a:r>
                 <a:r>
                   <a:rPr lang="zh-CN" altLang="en-US" dirty="0" smtClean="0"/>
-                  <a:t>概率</a:t>
-                </a:r>
-                <a14:m>
-                  <m:oMath xmlns:m="http://schemas.openxmlformats.org/officeDocument/2006/math">
-                    <m:sSub>
-                      <m:sSubPr>
-                        <m:ctrlPr>
-                          <a:rPr lang="en-US" altLang="zh-CN" i="1">
-                            <a:latin typeface="Cambria Math" panose="02040503050406030204" pitchFamily="18" charset="0"/>
-                          </a:rPr>
-                        </m:ctrlPr>
-                      </m:sSubPr>
-                      <m:e>
-                        <m:r>
-                          <a:rPr lang="en-US" altLang="zh-CN" i="1">
-                            <a:latin typeface="Cambria Math" panose="02040503050406030204" pitchFamily="18" charset="0"/>
-                          </a:rPr>
-                          <m:t>𝑝</m:t>
-                        </m:r>
-                      </m:e>
-                      <m:sub>
-                        <m:r>
-                          <a:rPr lang="en-US" altLang="zh-CN" i="1">
-                            <a:latin typeface="Cambria Math" panose="02040503050406030204" pitchFamily="18" charset="0"/>
-                          </a:rPr>
-                          <m:t>𝜃</m:t>
-                        </m:r>
-                      </m:sub>
-                    </m:sSub>
-                    <m:d>
-                      <m:dPr>
-                        <m:ctrlPr>
-                          <a:rPr lang="en-US" altLang="zh-CN" i="1">
-                            <a:latin typeface="Cambria Math" panose="02040503050406030204" pitchFamily="18" charset="0"/>
-                          </a:rPr>
-                        </m:ctrlPr>
-                      </m:dPr>
-                      <m:e>
-                        <m:r>
-                          <a:rPr lang="en-US" altLang="zh-CN" i="1">
-                            <a:latin typeface="Cambria Math" panose="02040503050406030204" pitchFamily="18" charset="0"/>
-                          </a:rPr>
-                          <m:t>𝑦</m:t>
-                        </m:r>
-                      </m:e>
-                      <m:e>
-                        <m:r>
-                          <a:rPr lang="en-US" altLang="zh-CN" i="1">
-                            <a:latin typeface="Cambria Math" panose="02040503050406030204" pitchFamily="18" charset="0"/>
-                          </a:rPr>
-                          <m:t>𝑥</m:t>
-                        </m:r>
-                      </m:e>
-                    </m:d>
-                  </m:oMath>
-                </a14:m>
-                <a:endParaRPr lang="en-US" altLang="zh-CN" dirty="0" smtClean="0"/>
-              </a:p>
-              <a:p>
-                <a:pPr lvl="1"/>
-                <a:r>
-                  <a:rPr lang="zh-CN" altLang="en-US" dirty="0" smtClean="0"/>
-                  <a:t>如何衡量两个条件分布的差异？</a:t>
+                  <a:t>衡量两个条件分布的差异？</a:t>
                 </a:r>
                 <a:endParaRPr lang="en-US" altLang="zh-CN" dirty="0" smtClean="0"/>
               </a:p>
@@ -15101,7 +15813,7 @@
             </p:txBody>
           </p:sp>
         </mc:Choice>
-        <mc:Fallback xmlns="">
+        <mc:Fallback>
           <p:sp>
             <p:nvSpPr>
               <p:cNvPr id="3" name="内容占位符 2"/>
@@ -15915,7 +16627,7 @@
                                         <p:tgtEl>
                                           <p:spTgt spid="3">
                                             <p:txEl>
-                                              <p:pRg st="5" end="5"/>
+                                              <p:pRg st="4" end="4"/>
                                             </p:txEl>
                                           </p:spTgt>
                                         </p:tgtEl>
@@ -15933,7 +16645,7 @@
                                         <p:tgtEl>
                                           <p:spTgt spid="3">
                                             <p:txEl>
-                                              <p:pRg st="5" end="5"/>
+                                              <p:pRg st="4" end="4"/>
                                             </p:txEl>
                                           </p:spTgt>
                                         </p:tgtEl>
@@ -16101,7 +16813,7 @@
 </p:sld>
 </file>
 
-<file path=ppt/slides/slide7.xml><?xml version="1.0" encoding="utf-8"?>
+<file path=ppt/slides/slide9.xml><?xml version="1.0" encoding="utf-8"?>
 <p:sld xmlns:a="http://schemas.openxmlformats.org/drawingml/2006/main" xmlns:r="http://schemas.openxmlformats.org/officeDocument/2006/relationships" xmlns:p="http://schemas.openxmlformats.org/presentationml/2006/main">
   <p:cSld>
     <p:spTree>
@@ -16801,676 +17513,6 @@
 </p:sld>
 </file>
 
-<file path=ppt/slides/slide8.xml><?xml version="1.0" encoding="utf-8"?>
-<p:sld xmlns:a="http://schemas.openxmlformats.org/drawingml/2006/main" xmlns:r="http://schemas.openxmlformats.org/officeDocument/2006/relationships" xmlns:p="http://schemas.openxmlformats.org/presentationml/2006/main">
-  <p:cSld>
-    <p:spTree>
-      <p:nvGrpSpPr>
-        <p:cNvPr id="1" name=""/>
-        <p:cNvGrpSpPr/>
-        <p:nvPr/>
-      </p:nvGrpSpPr>
-      <p:grpSpPr>
-        <a:xfrm>
-          <a:off x="0" y="0"/>
-          <a:ext cx="0" cy="0"/>
-          <a:chOff x="0" y="0"/>
-          <a:chExt cx="0" cy="0"/>
-        </a:xfrm>
-      </p:grpSpPr>
-      <p:sp>
-        <p:nvSpPr>
-          <p:cNvPr id="2" name="标题 1"/>
-          <p:cNvSpPr>
-            <a:spLocks noGrp="1"/>
-          </p:cNvSpPr>
-          <p:nvPr>
-            <p:ph type="title"/>
-          </p:nvPr>
-        </p:nvSpPr>
-        <p:spPr/>
-        <p:txBody>
-          <a:bodyPr/>
-          <a:lstStyle/>
-          <a:p>
-            <a:r>
-              <a:rPr lang="zh-CN" altLang="en-US" dirty="0"/>
-              <a:t>交叉熵损失函数</a:t>
-            </a:r>
-            <a:endParaRPr lang="en-US" altLang="zh-CN" dirty="0"/>
-          </a:p>
-        </p:txBody>
-      </p:sp>
-      <p:sp>
-        <p:nvSpPr>
-          <p:cNvPr id="3" name="内容占位符 2"/>
-          <p:cNvSpPr>
-            <a:spLocks noGrp="1"/>
-          </p:cNvSpPr>
-          <p:nvPr>
-            <p:ph sz="quarter" idx="1"/>
-          </p:nvPr>
-        </p:nvSpPr>
-        <p:spPr/>
-        <p:txBody>
-          <a:bodyPr/>
-          <a:lstStyle/>
-          <a:p>
-            <a:pPr lvl="1"/>
-            <a:r>
-              <a:rPr lang="zh-CN" altLang="en-US" dirty="0" smtClean="0"/>
-              <a:t>负</a:t>
-            </a:r>
-            <a:r>
-              <a:rPr lang="zh-CN" altLang="en-US" dirty="0"/>
-              <a:t>对数似然</a:t>
-            </a:r>
-            <a:r>
-              <a:rPr lang="zh-CN" altLang="en-US" dirty="0" smtClean="0"/>
-              <a:t>损失函数</a:t>
-            </a:r>
-            <a:endParaRPr lang="en-US" altLang="zh-CN" dirty="0" smtClean="0"/>
-          </a:p>
-          <a:p>
-            <a:endParaRPr lang="en-US" altLang="zh-CN" dirty="0"/>
-          </a:p>
-          <a:p>
-            <a:pPr marL="205978" lvl="1" indent="0">
-              <a:buNone/>
-            </a:pPr>
-            <a:endParaRPr lang="en-US" altLang="zh-CN" dirty="0" smtClean="0"/>
-          </a:p>
-          <a:p>
-            <a:pPr lvl="1"/>
-            <a:r>
-              <a:rPr lang="zh-CN" altLang="en-US" dirty="0" smtClean="0"/>
-              <a:t>对于</a:t>
-            </a:r>
-            <a:r>
-              <a:rPr lang="zh-CN" altLang="en-US" dirty="0"/>
-              <a:t>一个三类分类问题，类别为</a:t>
-            </a:r>
-            <a:r>
-              <a:rPr lang="en-US" altLang="zh-CN" dirty="0"/>
-              <a:t>[0,0,1]</a:t>
-            </a:r>
-            <a:r>
-              <a:rPr lang="zh-CN" altLang="en-US" dirty="0"/>
-              <a:t>，预测的类别概率为</a:t>
-            </a:r>
-            <a:r>
-              <a:rPr lang="en-US" altLang="zh-CN" dirty="0"/>
-              <a:t>[0.3,0.3,0.4]</a:t>
-            </a:r>
-            <a:r>
-              <a:rPr lang="zh-CN" altLang="en-US" dirty="0" smtClean="0"/>
-              <a:t>，则</a:t>
-            </a:r>
-            <a:endParaRPr lang="en-US" altLang="zh-CN" dirty="0" smtClean="0"/>
-          </a:p>
-          <a:p>
-            <a:pPr lvl="1"/>
-            <a:endParaRPr lang="en-US" altLang="zh-CN" dirty="0" smtClean="0"/>
-          </a:p>
-          <a:p>
-            <a:endParaRPr lang="en-US" altLang="zh-CN" dirty="0"/>
-          </a:p>
-          <a:p>
-            <a:endParaRPr lang="en-US" altLang="zh-CN" dirty="0" smtClean="0"/>
-          </a:p>
-        </p:txBody>
-      </p:sp>
-      <p:pic>
-        <p:nvPicPr>
-          <p:cNvPr id="4" name="图片 3" descr="屏幕剪辑"/>
-          <p:cNvPicPr>
-            <a:picLocks noChangeAspect="1"/>
-          </p:cNvPicPr>
-          <p:nvPr/>
-        </p:nvPicPr>
-        <p:blipFill>
-          <a:blip r:embed="rId2">
-            <a:extLst>
-              <a:ext uri="{28A0092B-C50C-407E-A947-70E740481C1C}">
-                <a14:useLocalDpi xmlns:a14="http://schemas.microsoft.com/office/drawing/2010/main" val="0"/>
-              </a:ext>
-            </a:extLst>
-          </a:blip>
-          <a:stretch>
-            <a:fillRect/>
-          </a:stretch>
-        </p:blipFill>
-        <p:spPr>
-          <a:xfrm>
-            <a:off x="838200" y="5151944"/>
-            <a:ext cx="6456836" cy="1124064"/>
-          </a:xfrm>
-          <a:prstGeom prst="rect">
-            <a:avLst/>
-          </a:prstGeom>
-        </p:spPr>
-      </p:pic>
-      <p:pic>
-        <p:nvPicPr>
-          <p:cNvPr id="5" name="图片 4" descr="屏幕剪辑"/>
-          <p:cNvPicPr>
-            <a:picLocks noChangeAspect="1"/>
-          </p:cNvPicPr>
-          <p:nvPr/>
-        </p:nvPicPr>
-        <p:blipFill>
-          <a:blip r:embed="rId3">
-            <a:extLst>
-              <a:ext uri="{28A0092B-C50C-407E-A947-70E740481C1C}">
-                <a14:useLocalDpi xmlns:a14="http://schemas.microsoft.com/office/drawing/2010/main" val="0"/>
-              </a:ext>
-            </a:extLst>
-          </a:blip>
-          <a:stretch>
-            <a:fillRect/>
-          </a:stretch>
-        </p:blipFill>
-        <p:spPr>
-          <a:xfrm>
-            <a:off x="1714762" y="3470630"/>
-            <a:ext cx="4703712" cy="1762462"/>
-          </a:xfrm>
-          <a:prstGeom prst="rect">
-            <a:avLst/>
-          </a:prstGeom>
-        </p:spPr>
-      </p:pic>
-      <p:pic>
-        <p:nvPicPr>
-          <p:cNvPr id="6" name="图片 5" descr="屏幕剪辑"/>
-          <p:cNvPicPr>
-            <a:picLocks noChangeAspect="1"/>
-          </p:cNvPicPr>
-          <p:nvPr/>
-        </p:nvPicPr>
-        <p:blipFill>
-          <a:blip r:embed="rId4">
-            <a:extLst>
-              <a:ext uri="{28A0092B-C50C-407E-A947-70E740481C1C}">
-                <a14:useLocalDpi xmlns:a14="http://schemas.microsoft.com/office/drawing/2010/main" val="0"/>
-              </a:ext>
-            </a:extLst>
-          </a:blip>
-          <a:stretch>
-            <a:fillRect/>
-          </a:stretch>
-        </p:blipFill>
-        <p:spPr>
-          <a:xfrm>
-            <a:off x="2624223" y="1752600"/>
-            <a:ext cx="2884790" cy="647717"/>
-          </a:xfrm>
-          <a:prstGeom prst="rect">
-            <a:avLst/>
-          </a:prstGeom>
-        </p:spPr>
-      </p:pic>
-    </p:spTree>
-    <p:extLst>
-      <p:ext uri="{BB962C8B-B14F-4D97-AF65-F5344CB8AC3E}">
-        <p14:creationId xmlns:p14="http://schemas.microsoft.com/office/powerpoint/2010/main" val="2459107654"/>
-      </p:ext>
-    </p:extLst>
-  </p:cSld>
-  <p:clrMapOvr>
-    <a:masterClrMapping/>
-  </p:clrMapOvr>
-  <p:timing>
-    <p:tnLst>
-      <p:par>
-        <p:cTn id="1" dur="indefinite" restart="never" nodeType="tmRoot"/>
-      </p:par>
-    </p:tnLst>
-  </p:timing>
-</p:sld>
-</file>
-
-<file path=ppt/slides/slide9.xml><?xml version="1.0" encoding="utf-8"?>
-<p:sld xmlns:a="http://schemas.openxmlformats.org/drawingml/2006/main" xmlns:r="http://schemas.openxmlformats.org/officeDocument/2006/relationships" xmlns:p="http://schemas.openxmlformats.org/presentationml/2006/main">
-  <p:cSld>
-    <p:spTree>
-      <p:nvGrpSpPr>
-        <p:cNvPr id="1" name=""/>
-        <p:cNvGrpSpPr/>
-        <p:nvPr/>
-      </p:nvGrpSpPr>
-      <p:grpSpPr>
-        <a:xfrm>
-          <a:off x="0" y="0"/>
-          <a:ext cx="0" cy="0"/>
-          <a:chOff x="0" y="0"/>
-          <a:chExt cx="0" cy="0"/>
-        </a:xfrm>
-      </p:grpSpPr>
-      <p:sp>
-        <p:nvSpPr>
-          <p:cNvPr id="2" name="标题 1"/>
-          <p:cNvSpPr>
-            <a:spLocks noGrp="1"/>
-          </p:cNvSpPr>
-          <p:nvPr>
-            <p:ph type="title"/>
-          </p:nvPr>
-        </p:nvSpPr>
-        <p:spPr/>
-        <p:txBody>
-          <a:bodyPr/>
-          <a:lstStyle/>
-          <a:p>
-            <a:r>
-              <a:rPr lang="zh-CN" altLang="en-US" dirty="0" smtClean="0"/>
-              <a:t>参数学习</a:t>
-            </a:r>
-            <a:endParaRPr lang="zh-CN" altLang="en-US" dirty="0"/>
-          </a:p>
-        </p:txBody>
-      </p:sp>
-      <mc:AlternateContent xmlns:mc="http://schemas.openxmlformats.org/markup-compatibility/2006" xmlns:a14="http://schemas.microsoft.com/office/drawing/2010/main">
-        <mc:Choice Requires="a14">
-          <p:sp>
-            <p:nvSpPr>
-              <p:cNvPr id="3" name="内容占位符 2"/>
-              <p:cNvSpPr>
-                <a:spLocks noGrp="1"/>
-              </p:cNvSpPr>
-              <p:nvPr>
-                <p:ph sz="quarter" idx="1"/>
-              </p:nvPr>
-            </p:nvSpPr>
-            <p:spPr/>
-            <p:txBody>
-              <a:bodyPr/>
-              <a:lstStyle/>
-              <a:p>
-                <a:r>
-                  <a:rPr lang="zh-CN" altLang="en-US" sz="2800" dirty="0" smtClean="0"/>
-                  <a:t>期望风险未知，通过</a:t>
-                </a:r>
-                <a:r>
-                  <a:rPr lang="zh-CN" altLang="en-US" sz="2800" dirty="0" smtClean="0">
-                    <a:solidFill>
-                      <a:srgbClr val="FF0000"/>
-                    </a:solidFill>
-                  </a:rPr>
-                  <a:t>经验风险</a:t>
-                </a:r>
-                <a:r>
-                  <a:rPr lang="zh-CN" altLang="en-US" sz="2800" dirty="0" smtClean="0"/>
-                  <a:t>近似</a:t>
-                </a:r>
-                <a:endParaRPr lang="en-US" altLang="zh-CN" sz="2800" dirty="0" smtClean="0"/>
-              </a:p>
-              <a:p>
-                <a:pPr lvl="1"/>
-                <a:r>
-                  <a:rPr lang="zh-CN" altLang="en-US" sz="2000" dirty="0"/>
-                  <a:t>训练数据：</a:t>
-                </a:r>
-                <a14:m>
-                  <m:oMath xmlns:m="http://schemas.openxmlformats.org/officeDocument/2006/math">
-                    <m:r>
-                      <a:rPr lang="zh-CN" altLang="en-US" sz="2000" i="1" dirty="0">
-                        <a:latin typeface="Cambria Math" panose="02040503050406030204" pitchFamily="18" charset="0"/>
-                      </a:rPr>
-                      <m:t>𝒟</m:t>
-                    </m:r>
-                    <m:r>
-                      <a:rPr lang="en-US" altLang="zh-CN" sz="2000" dirty="0">
-                        <a:latin typeface="Cambria Math" panose="02040503050406030204" pitchFamily="18" charset="0"/>
-                      </a:rPr>
-                      <m:t>=</m:t>
-                    </m:r>
-                    <m:d>
-                      <m:dPr>
-                        <m:begChr m:val="{"/>
-                        <m:endChr m:val="}"/>
-                        <m:ctrlPr>
-                          <a:rPr lang="en-US" altLang="zh-CN" sz="2000" i="1" dirty="0">
-                            <a:latin typeface="Cambria Math" panose="02040503050406030204" pitchFamily="18" charset="0"/>
-                          </a:rPr>
-                        </m:ctrlPr>
-                      </m:dPr>
-                      <m:e>
-                        <m:sSup>
-                          <m:sSupPr>
-                            <m:ctrlPr>
-                              <a:rPr lang="en-US" altLang="zh-CN" sz="2000" i="1" dirty="0">
-                                <a:latin typeface="Cambria Math" panose="02040503050406030204" pitchFamily="18" charset="0"/>
-                              </a:rPr>
-                            </m:ctrlPr>
-                          </m:sSupPr>
-                          <m:e>
-                            <m:r>
-                              <m:rPr>
-                                <m:sty m:val="p"/>
-                              </m:rPr>
-                              <a:rPr lang="en-US" altLang="zh-CN" sz="2000" dirty="0">
-                                <a:latin typeface="Cambria Math" panose="02040503050406030204" pitchFamily="18" charset="0"/>
-                              </a:rPr>
-                              <m:t>x</m:t>
-                            </m:r>
-                          </m:e>
-                          <m:sup>
-                            <m:d>
-                              <m:dPr>
-                                <m:ctrlPr>
-                                  <a:rPr lang="en-US" altLang="zh-CN" sz="2000" i="1" dirty="0">
-                                    <a:latin typeface="Cambria Math" panose="02040503050406030204" pitchFamily="18" charset="0"/>
-                                  </a:rPr>
-                                </m:ctrlPr>
-                              </m:dPr>
-                              <m:e>
-                                <m:r>
-                                  <a:rPr lang="en-US" altLang="zh-CN" sz="2000" dirty="0">
-                                    <a:latin typeface="Cambria Math" panose="02040503050406030204" pitchFamily="18" charset="0"/>
-                                  </a:rPr>
-                                  <m:t>𝑖</m:t>
-                                </m:r>
-                              </m:e>
-                            </m:d>
-                          </m:sup>
-                        </m:sSup>
-                        <m:r>
-                          <a:rPr lang="en-US" altLang="zh-CN" sz="2000" dirty="0">
-                            <a:latin typeface="Cambria Math" panose="02040503050406030204" pitchFamily="18" charset="0"/>
-                          </a:rPr>
-                          <m:t>,</m:t>
-                        </m:r>
-                        <m:sSup>
-                          <m:sSupPr>
-                            <m:ctrlPr>
-                              <a:rPr lang="en-US" altLang="zh-CN" sz="2000" i="1" dirty="0">
-                                <a:latin typeface="Cambria Math" panose="02040503050406030204" pitchFamily="18" charset="0"/>
-                              </a:rPr>
-                            </m:ctrlPr>
-                          </m:sSupPr>
-                          <m:e>
-                            <m:r>
-                              <a:rPr lang="en-US" altLang="zh-CN" sz="2000" dirty="0">
-                                <a:latin typeface="Cambria Math" panose="02040503050406030204" pitchFamily="18" charset="0"/>
-                              </a:rPr>
-                              <m:t>𝑦</m:t>
-                            </m:r>
-                          </m:e>
-                          <m:sup>
-                            <m:d>
-                              <m:dPr>
-                                <m:ctrlPr>
-                                  <a:rPr lang="en-US" altLang="zh-CN" sz="2000" i="1" dirty="0">
-                                    <a:latin typeface="Cambria Math" panose="02040503050406030204" pitchFamily="18" charset="0"/>
-                                  </a:rPr>
-                                </m:ctrlPr>
-                              </m:dPr>
-                              <m:e>
-                                <m:r>
-                                  <a:rPr lang="en-US" altLang="zh-CN" sz="2000" dirty="0">
-                                    <a:latin typeface="Cambria Math" panose="02040503050406030204" pitchFamily="18" charset="0"/>
-                                  </a:rPr>
-                                  <m:t>𝑖</m:t>
-                                </m:r>
-                              </m:e>
-                            </m:d>
-                          </m:sup>
-                        </m:sSup>
-                      </m:e>
-                    </m:d>
-                    <m:r>
-                      <a:rPr lang="en-US" altLang="zh-CN" sz="2000" dirty="0">
-                        <a:latin typeface="Cambria Math" panose="02040503050406030204" pitchFamily="18" charset="0"/>
-                      </a:rPr>
-                      <m:t>, </m:t>
-                    </m:r>
-                    <m:r>
-                      <a:rPr lang="en-US" altLang="zh-CN" sz="2000" dirty="0">
-                        <a:latin typeface="Cambria Math" panose="02040503050406030204" pitchFamily="18" charset="0"/>
-                      </a:rPr>
-                      <m:t>𝑖</m:t>
-                    </m:r>
-                    <m:r>
-                      <a:rPr lang="en-US" altLang="zh-CN" sz="2000" dirty="0">
-                        <a:latin typeface="Cambria Math" panose="02040503050406030204" pitchFamily="18" charset="0"/>
-                      </a:rPr>
-                      <m:t>∈[1,</m:t>
-                    </m:r>
-                    <m:r>
-                      <a:rPr lang="en-US" altLang="zh-CN" sz="2000" dirty="0">
-                        <a:latin typeface="Cambria Math" panose="02040503050406030204" pitchFamily="18" charset="0"/>
-                      </a:rPr>
-                      <m:t>𝑁</m:t>
-                    </m:r>
-                    <m:r>
-                      <a:rPr lang="en-US" altLang="zh-CN" sz="2000" dirty="0">
-                        <a:latin typeface="Cambria Math" panose="02040503050406030204" pitchFamily="18" charset="0"/>
-                      </a:rPr>
-                      <m:t>]</m:t>
-                    </m:r>
-                  </m:oMath>
-                </a14:m>
-                <a:endParaRPr lang="en-US" altLang="zh-CN" sz="2000" dirty="0"/>
-              </a:p>
-              <a:p>
-                <a:pPr lvl="1"/>
-                <a:endParaRPr lang="en-US" altLang="zh-CN" sz="2000" dirty="0" smtClean="0"/>
-              </a:p>
-              <a:p>
-                <a:endParaRPr lang="en-US" altLang="zh-CN" sz="2800" dirty="0" smtClean="0"/>
-              </a:p>
-              <a:p>
-                <a:endParaRPr lang="en-US" altLang="zh-CN" sz="2800" dirty="0" smtClean="0">
-                  <a:solidFill>
-                    <a:srgbClr val="FF0000"/>
-                  </a:solidFill>
-                </a:endParaRPr>
-              </a:p>
-              <a:p>
-                <a:r>
-                  <a:rPr lang="zh-CN" altLang="en-US" sz="2800" dirty="0" smtClean="0">
-                    <a:solidFill>
-                      <a:srgbClr val="FF0000"/>
-                    </a:solidFill>
-                  </a:rPr>
-                  <a:t>经验风险最小</a:t>
-                </a:r>
-                <a:r>
-                  <a:rPr lang="zh-CN" altLang="en-US" sz="2800" dirty="0">
-                    <a:solidFill>
-                      <a:srgbClr val="FF0000"/>
-                    </a:solidFill>
-                  </a:rPr>
-                  <a:t>化</a:t>
-                </a:r>
-                <a:endParaRPr lang="en-US" altLang="zh-CN" sz="2800" dirty="0" smtClean="0">
-                  <a:solidFill>
-                    <a:srgbClr val="FF0000"/>
-                  </a:solidFill>
-                </a:endParaRPr>
-              </a:p>
-              <a:p>
-                <a:pPr lvl="1"/>
-                <a:r>
-                  <a:rPr lang="zh-CN" altLang="en-US" sz="2000" dirty="0" smtClean="0"/>
-                  <a:t>在</a:t>
-                </a:r>
-                <a:r>
-                  <a:rPr lang="zh-CN" altLang="en-US" sz="2000" dirty="0"/>
-                  <a:t>选择合适的风险函数后，我们寻找一个参数</a:t>
-                </a:r>
-                <a:r>
-                  <a:rPr lang="en-US" altLang="zh-CN" sz="2000" dirty="0" smtClean="0"/>
-                  <a:t>θ</a:t>
-                </a:r>
-                <a:r>
-                  <a:rPr lang="en-US" altLang="zh-CN" sz="2000" baseline="30000" dirty="0" smtClean="0"/>
-                  <a:t>∗</a:t>
-                </a:r>
-                <a:r>
-                  <a:rPr lang="en-US" altLang="zh-CN" sz="2000" dirty="0" smtClean="0"/>
-                  <a:t> </a:t>
-                </a:r>
-                <a:r>
-                  <a:rPr lang="zh-CN" altLang="en-US" sz="2000" dirty="0"/>
-                  <a:t>，</a:t>
-                </a:r>
-                <a:r>
-                  <a:rPr lang="zh-CN" altLang="en-US" sz="2000" dirty="0" smtClean="0"/>
-                  <a:t>使得经验风险</a:t>
-                </a:r>
-                <a:r>
-                  <a:rPr lang="zh-CN" altLang="en-US" sz="2000" dirty="0"/>
-                  <a:t>函数最小化</a:t>
-                </a:r>
-                <a:r>
-                  <a:rPr lang="zh-CN" altLang="en-US" sz="2000" dirty="0" smtClean="0"/>
-                  <a:t>。</a:t>
-                </a:r>
-                <a:endParaRPr lang="en-US" altLang="zh-CN" sz="2000" dirty="0"/>
-              </a:p>
-              <a:p>
-                <a:endParaRPr lang="en-US" altLang="zh-CN" sz="2800" dirty="0" smtClean="0"/>
-              </a:p>
-              <a:p>
-                <a:endParaRPr lang="en-US" altLang="zh-CN" sz="2800" dirty="0" smtClean="0"/>
-              </a:p>
-              <a:p>
-                <a:r>
-                  <a:rPr lang="zh-CN" altLang="en-US" sz="2800" dirty="0" smtClean="0"/>
-                  <a:t>机器学习问题转化</a:t>
-                </a:r>
-                <a:r>
-                  <a:rPr lang="zh-CN" altLang="en-US" sz="2800" dirty="0"/>
-                  <a:t>成为一个</a:t>
-                </a:r>
-                <a:r>
-                  <a:rPr lang="zh-CN" altLang="en-US" sz="2800" dirty="0">
-                    <a:solidFill>
-                      <a:srgbClr val="FF0000"/>
-                    </a:solidFill>
-                  </a:rPr>
-                  <a:t>最优化问题</a:t>
-                </a:r>
-              </a:p>
-            </p:txBody>
-          </p:sp>
-        </mc:Choice>
-        <mc:Fallback xmlns="">
-          <p:sp>
-            <p:nvSpPr>
-              <p:cNvPr id="3" name="内容占位符 2"/>
-              <p:cNvSpPr>
-                <a:spLocks noGrp="1" noRot="1" noChangeAspect="1" noMove="1" noResize="1" noEditPoints="1" noAdjustHandles="1" noChangeArrowheads="1" noChangeShapeType="1" noTextEdit="1"/>
-              </p:cNvSpPr>
-              <p:nvPr>
-                <p:ph sz="quarter" idx="1"/>
-              </p:nvPr>
-            </p:nvSpPr>
-            <p:spPr>
-              <a:blipFill>
-                <a:blip r:embed="rId2"/>
-                <a:stretch>
-                  <a:fillRect l="-741" t="-1235" r="-741" b="-2222"/>
-                </a:stretch>
-              </a:blipFill>
-            </p:spPr>
-            <p:txBody>
-              <a:bodyPr/>
-              <a:lstStyle/>
-              <a:p>
-                <a:r>
-                  <a:rPr lang="zh-CN" altLang="en-US">
-                    <a:noFill/>
-                  </a:rPr>
-                  <a:t> </a:t>
-                </a:r>
-              </a:p>
-            </p:txBody>
-          </p:sp>
-        </mc:Fallback>
-      </mc:AlternateContent>
-      <p:pic>
-        <p:nvPicPr>
-          <p:cNvPr id="7" name="图片 6" descr="屏幕剪辑"/>
-          <p:cNvPicPr>
-            <a:picLocks noChangeAspect="1"/>
-          </p:cNvPicPr>
-          <p:nvPr/>
-        </p:nvPicPr>
-        <p:blipFill>
-          <a:blip r:embed="rId3">
-            <a:extLst>
-              <a:ext uri="{28A0092B-C50C-407E-A947-70E740481C1C}">
-                <a14:useLocalDpi xmlns:a14="http://schemas.microsoft.com/office/drawing/2010/main" val="0"/>
-              </a:ext>
-            </a:extLst>
-          </a:blip>
-          <a:stretch>
-            <a:fillRect/>
-          </a:stretch>
-        </p:blipFill>
-        <p:spPr>
-          <a:xfrm>
-            <a:off x="1981200" y="2350532"/>
-            <a:ext cx="4433826" cy="911689"/>
-          </a:xfrm>
-          <a:prstGeom prst="rect">
-            <a:avLst/>
-          </a:prstGeom>
-        </p:spPr>
-      </p:pic>
-      <p:pic>
-        <p:nvPicPr>
-          <p:cNvPr id="8" name="图片 7" descr="屏幕剪辑"/>
-          <p:cNvPicPr>
-            <a:picLocks noChangeAspect="1"/>
-          </p:cNvPicPr>
-          <p:nvPr/>
-        </p:nvPicPr>
-        <p:blipFill>
-          <a:blip r:embed="rId4">
-            <a:extLst>
-              <a:ext uri="{28A0092B-C50C-407E-A947-70E740481C1C}">
-                <a14:useLocalDpi xmlns:a14="http://schemas.microsoft.com/office/drawing/2010/main" val="0"/>
-              </a:ext>
-            </a:extLst>
-          </a:blip>
-          <a:stretch>
-            <a:fillRect/>
-          </a:stretch>
-        </p:blipFill>
-        <p:spPr>
-          <a:xfrm>
-            <a:off x="2286000" y="4572000"/>
-            <a:ext cx="3227673" cy="848148"/>
-          </a:xfrm>
-          <a:prstGeom prst="rect">
-            <a:avLst/>
-          </a:prstGeom>
-        </p:spPr>
-      </p:pic>
-    </p:spTree>
-    <p:extLst>
-      <p:ext uri="{BB962C8B-B14F-4D97-AF65-F5344CB8AC3E}">
-        <p14:creationId xmlns:p14="http://schemas.microsoft.com/office/powerpoint/2010/main" val="3810509889"/>
-      </p:ext>
-    </p:extLst>
-  </p:cSld>
-  <p:clrMapOvr>
-    <a:masterClrMapping/>
-  </p:clrMapOvr>
-  <p:timing>
-    <p:tnLst>
-      <p:par>
-        <p:cTn id="1" dur="indefinite" restart="never" nodeType="tmRoot"/>
-      </p:par>
-    </p:tnLst>
-  </p:timing>
-</p:sld>
-</file>
-
 <file path=ppt/theme/theme1.xml><?xml version="1.0" encoding="utf-8"?>
 <a:theme xmlns:a="http://schemas.openxmlformats.org/drawingml/2006/main" name="Origin">
   <a:themeElements>

--- a/ppt/chap-机器学习概述.pptx
+++ b/ppt/chap-机器学习概述.pptx
@@ -1058,10 +1058,9 @@
         <a:p>
           <a:pPr rtl="0"/>
           <a:r>
-            <a:rPr lang="zh-CN" altLang="en-US" sz="2400" dirty="0" smtClean="0"/>
+            <a:rPr lang="zh-CN" altLang="en-US" sz="2400" dirty="0"/>
             <a:t>所有损害优化的方法都是正则化。</a:t>
           </a:r>
-          <a:endParaRPr lang="zh-CN" altLang="en-US" sz="2400" dirty="0"/>
         </a:p>
       </dgm:t>
     </dgm:pt>
@@ -1096,10 +1095,10 @@
         <a:p>
           <a:pPr rtl="0"/>
           <a:r>
-            <a:rPr lang="zh-CN" altLang="en-US" sz="2000" dirty="0" smtClean="0"/>
+            <a:rPr lang="zh-CN" altLang="en-US" sz="2000" dirty="0"/>
             <a:t>增加优化约束</a:t>
           </a:r>
-          <a:endParaRPr lang="en-US" altLang="zh-CN" sz="2000" dirty="0" smtClean="0"/>
+          <a:endParaRPr lang="en-US" altLang="zh-CN" sz="2000" dirty="0"/>
         </a:p>
       </dgm:t>
     </dgm:pt>
@@ -1134,10 +1133,9 @@
         <a:p>
           <a:pPr rtl="0"/>
           <a:r>
-            <a:rPr lang="zh-CN" altLang="en-US" sz="2000" dirty="0" smtClean="0"/>
+            <a:rPr lang="zh-CN" altLang="en-US" sz="2000" dirty="0"/>
             <a:t>干扰优化过程</a:t>
           </a:r>
-          <a:endParaRPr lang="zh-CN" altLang="en-US" sz="2000" dirty="0"/>
         </a:p>
       </dgm:t>
     </dgm:pt>
@@ -1175,13 +1173,6 @@
         </dgm:presLayoutVars>
       </dgm:prSet>
       <dgm:spPr/>
-      <dgm:t>
-        <a:bodyPr/>
-        <a:lstStyle/>
-        <a:p>
-          <a:endParaRPr lang="zh-CN" altLang="en-US"/>
-        </a:p>
-      </dgm:t>
     </dgm:pt>
     <dgm:pt modelId="{D8A5553F-946F-42F6-B0C2-579C504334D7}" type="pres">
       <dgm:prSet presAssocID="{5B2E383B-9F26-4DA9-983E-E153C7FFFA10}" presName="hierRoot1" presStyleCnt="0">
@@ -1202,24 +1193,10 @@
         </dgm:presLayoutVars>
       </dgm:prSet>
       <dgm:spPr/>
-      <dgm:t>
-        <a:bodyPr/>
-        <a:lstStyle/>
-        <a:p>
-          <a:endParaRPr lang="zh-CN" altLang="en-US"/>
-        </a:p>
-      </dgm:t>
     </dgm:pt>
     <dgm:pt modelId="{0A43440D-1F09-40F2-B6E7-0FC9C4298197}" type="pres">
       <dgm:prSet presAssocID="{5B2E383B-9F26-4DA9-983E-E153C7FFFA10}" presName="rootConnector1" presStyleLbl="node1" presStyleIdx="0" presStyleCnt="0"/>
       <dgm:spPr/>
-      <dgm:t>
-        <a:bodyPr/>
-        <a:lstStyle/>
-        <a:p>
-          <a:endParaRPr lang="zh-CN" altLang="en-US"/>
-        </a:p>
-      </dgm:t>
     </dgm:pt>
     <dgm:pt modelId="{5D01162B-4530-4E40-A0F9-1F982BE9578B}" type="pres">
       <dgm:prSet presAssocID="{5B2E383B-9F26-4DA9-983E-E153C7FFFA10}" presName="hierChild2" presStyleCnt="0"/>
@@ -1228,13 +1205,6 @@
     <dgm:pt modelId="{AF461715-315F-4B67-AE64-A74F48E9AF89}" type="pres">
       <dgm:prSet presAssocID="{40A169F2-70EE-4009-97A2-C1E2CA251AE8}" presName="Name37" presStyleLbl="parChTrans1D2" presStyleIdx="0" presStyleCnt="2"/>
       <dgm:spPr/>
-      <dgm:t>
-        <a:bodyPr/>
-        <a:lstStyle/>
-        <a:p>
-          <a:endParaRPr lang="zh-CN" altLang="en-US"/>
-        </a:p>
-      </dgm:t>
     </dgm:pt>
     <dgm:pt modelId="{10C067CD-E0A3-4180-9A83-FAE111F9A168}" type="pres">
       <dgm:prSet presAssocID="{DB307B8E-5B07-4FB9-927C-FCB1686BA255}" presName="hierRoot2" presStyleCnt="0">
@@ -1255,24 +1225,10 @@
         </dgm:presLayoutVars>
       </dgm:prSet>
       <dgm:spPr/>
-      <dgm:t>
-        <a:bodyPr/>
-        <a:lstStyle/>
-        <a:p>
-          <a:endParaRPr lang="zh-CN" altLang="en-US"/>
-        </a:p>
-      </dgm:t>
     </dgm:pt>
     <dgm:pt modelId="{3E20DBAE-BE56-4FE8-B27C-7A331CE5D7F0}" type="pres">
       <dgm:prSet presAssocID="{DB307B8E-5B07-4FB9-927C-FCB1686BA255}" presName="rootConnector" presStyleLbl="node2" presStyleIdx="0" presStyleCnt="2"/>
       <dgm:spPr/>
-      <dgm:t>
-        <a:bodyPr/>
-        <a:lstStyle/>
-        <a:p>
-          <a:endParaRPr lang="zh-CN" altLang="en-US"/>
-        </a:p>
-      </dgm:t>
     </dgm:pt>
     <dgm:pt modelId="{65DB62D2-7EC5-482F-AC65-C0B9E2943960}" type="pres">
       <dgm:prSet presAssocID="{DB307B8E-5B07-4FB9-927C-FCB1686BA255}" presName="hierChild4" presStyleCnt="0"/>
@@ -1285,13 +1241,6 @@
     <dgm:pt modelId="{E5BF9C94-5509-4F79-AC82-D0991D6614CC}" type="pres">
       <dgm:prSet presAssocID="{013B59AA-A8DF-4C7C-9DB4-7BB8FC4371C0}" presName="Name37" presStyleLbl="parChTrans1D2" presStyleIdx="1" presStyleCnt="2"/>
       <dgm:spPr/>
-      <dgm:t>
-        <a:bodyPr/>
-        <a:lstStyle/>
-        <a:p>
-          <a:endParaRPr lang="zh-CN" altLang="en-US"/>
-        </a:p>
-      </dgm:t>
     </dgm:pt>
     <dgm:pt modelId="{1C1CF193-258F-4481-B8DE-A7777F3305D8}" type="pres">
       <dgm:prSet presAssocID="{3A66B05C-C306-4566-ADB4-BD58EF99E13F}" presName="hierRoot2" presStyleCnt="0">
@@ -1312,24 +1261,10 @@
         </dgm:presLayoutVars>
       </dgm:prSet>
       <dgm:spPr/>
-      <dgm:t>
-        <a:bodyPr/>
-        <a:lstStyle/>
-        <a:p>
-          <a:endParaRPr lang="zh-CN" altLang="en-US"/>
-        </a:p>
-      </dgm:t>
     </dgm:pt>
     <dgm:pt modelId="{9A3819C4-B074-4F09-9908-28A73234B65F}" type="pres">
       <dgm:prSet presAssocID="{3A66B05C-C306-4566-ADB4-BD58EF99E13F}" presName="rootConnector" presStyleLbl="node2" presStyleIdx="1" presStyleCnt="2"/>
       <dgm:spPr/>
-      <dgm:t>
-        <a:bodyPr/>
-        <a:lstStyle/>
-        <a:p>
-          <a:endParaRPr lang="zh-CN" altLang="en-US"/>
-        </a:p>
-      </dgm:t>
     </dgm:pt>
     <dgm:pt modelId="{137C4903-F1AB-4060-9A22-B1B7A38EE454}" type="pres">
       <dgm:prSet presAssocID="{3A66B05C-C306-4566-ADB4-BD58EF99E13F}" presName="hierChild4" presStyleCnt="0"/>
@@ -1345,18 +1280,18 @@
     </dgm:pt>
   </dgm:ptLst>
   <dgm:cxnLst>
-    <dgm:cxn modelId="{F98C9DC3-DA36-491B-BE8A-49718298771D}" type="presOf" srcId="{013B59AA-A8DF-4C7C-9DB4-7BB8FC4371C0}" destId="{E5BF9C94-5509-4F79-AC82-D0991D6614CC}" srcOrd="0" destOrd="0" presId="urn:microsoft.com/office/officeart/2005/8/layout/orgChart1"/>
-    <dgm:cxn modelId="{B37680F7-BA20-4DD0-BBFC-22FFC6988DAB}" srcId="{5B2E383B-9F26-4DA9-983E-E153C7FFFA10}" destId="{3A66B05C-C306-4566-ADB4-BD58EF99E13F}" srcOrd="1" destOrd="0" parTransId="{013B59AA-A8DF-4C7C-9DB4-7BB8FC4371C0}" sibTransId="{C0EB23F3-E30C-4600-81D9-825401C2251F}"/>
-    <dgm:cxn modelId="{C81B5CC3-E7EF-4012-9950-B3EC99F54573}" srcId="{F6FB202F-FB08-4046-B511-8154FB49289C}" destId="{5B2E383B-9F26-4DA9-983E-E153C7FFFA10}" srcOrd="0" destOrd="0" parTransId="{0BDF28E4-3DD2-49C4-ADA0-8A4D042CDCAA}" sibTransId="{1C7A80F1-86C4-424F-9840-90BCB07D654B}"/>
+    <dgm:cxn modelId="{36FB4D0B-6E75-4594-9473-CB7A73DE5504}" type="presOf" srcId="{3A66B05C-C306-4566-ADB4-BD58EF99E13F}" destId="{7509D6B6-898D-4FC7-8441-00720BF18D07}" srcOrd="0" destOrd="0" presId="urn:microsoft.com/office/officeart/2005/8/layout/orgChart1"/>
     <dgm:cxn modelId="{6654731C-A0C1-47C8-838A-15E501E44BA8}" type="presOf" srcId="{DB307B8E-5B07-4FB9-927C-FCB1686BA255}" destId="{3E20DBAE-BE56-4FE8-B27C-7A331CE5D7F0}" srcOrd="1" destOrd="0" presId="urn:microsoft.com/office/officeart/2005/8/layout/orgChart1"/>
     <dgm:cxn modelId="{427C0627-9AAC-4073-AE52-5F3B8739AC38}" type="presOf" srcId="{40A169F2-70EE-4009-97A2-C1E2CA251AE8}" destId="{AF461715-315F-4B67-AE64-A74F48E9AF89}" srcOrd="0" destOrd="0" presId="urn:microsoft.com/office/officeart/2005/8/layout/orgChart1"/>
-    <dgm:cxn modelId="{31C936BC-FB27-4336-980E-9471750D1238}" type="presOf" srcId="{5B2E383B-9F26-4DA9-983E-E153C7FFFA10}" destId="{0A43440D-1F09-40F2-B6E7-0FC9C4298197}" srcOrd="1" destOrd="0" presId="urn:microsoft.com/office/officeart/2005/8/layout/orgChart1"/>
     <dgm:cxn modelId="{C368E529-D3E7-482C-9A8D-1C3C5958F504}" type="presOf" srcId="{5B2E383B-9F26-4DA9-983E-E153C7FFFA10}" destId="{D05EC9E0-8F5D-45CB-A733-A5612A87189B}" srcOrd="0" destOrd="0" presId="urn:microsoft.com/office/officeart/2005/8/layout/orgChart1"/>
-    <dgm:cxn modelId="{E85F0AE4-1E42-488C-8540-8269B15AB553}" type="presOf" srcId="{F6FB202F-FB08-4046-B511-8154FB49289C}" destId="{674A3CB7-FDA9-44AE-915F-54F6508BD0EE}" srcOrd="0" destOrd="0" presId="urn:microsoft.com/office/officeart/2005/8/layout/orgChart1"/>
-    <dgm:cxn modelId="{95258471-3EC3-4E26-A09A-7D644341A566}" type="presOf" srcId="{DB307B8E-5B07-4FB9-927C-FCB1686BA255}" destId="{D2B477F3-791F-46FC-A50D-FA3601860E25}" srcOrd="0" destOrd="0" presId="urn:microsoft.com/office/officeart/2005/8/layout/orgChart1"/>
     <dgm:cxn modelId="{7195E82B-8D5F-4392-B8BE-4E0E1FF07FAB}" type="presOf" srcId="{3A66B05C-C306-4566-ADB4-BD58EF99E13F}" destId="{9A3819C4-B074-4F09-9908-28A73234B65F}" srcOrd="1" destOrd="0" presId="urn:microsoft.com/office/officeart/2005/8/layout/orgChart1"/>
     <dgm:cxn modelId="{DA53CB38-9F6B-4C21-BD28-D1F63551230E}" srcId="{5B2E383B-9F26-4DA9-983E-E153C7FFFA10}" destId="{DB307B8E-5B07-4FB9-927C-FCB1686BA255}" srcOrd="0" destOrd="0" parTransId="{40A169F2-70EE-4009-97A2-C1E2CA251AE8}" sibTransId="{A9229453-57E9-4A0C-9186-0D49225E969E}"/>
-    <dgm:cxn modelId="{36FB4D0B-6E75-4594-9473-CB7A73DE5504}" type="presOf" srcId="{3A66B05C-C306-4566-ADB4-BD58EF99E13F}" destId="{7509D6B6-898D-4FC7-8441-00720BF18D07}" srcOrd="0" destOrd="0" presId="urn:microsoft.com/office/officeart/2005/8/layout/orgChart1"/>
+    <dgm:cxn modelId="{95258471-3EC3-4E26-A09A-7D644341A566}" type="presOf" srcId="{DB307B8E-5B07-4FB9-927C-FCB1686BA255}" destId="{D2B477F3-791F-46FC-A50D-FA3601860E25}" srcOrd="0" destOrd="0" presId="urn:microsoft.com/office/officeart/2005/8/layout/orgChart1"/>
+    <dgm:cxn modelId="{31C936BC-FB27-4336-980E-9471750D1238}" type="presOf" srcId="{5B2E383B-9F26-4DA9-983E-E153C7FFFA10}" destId="{0A43440D-1F09-40F2-B6E7-0FC9C4298197}" srcOrd="1" destOrd="0" presId="urn:microsoft.com/office/officeart/2005/8/layout/orgChart1"/>
+    <dgm:cxn modelId="{C81B5CC3-E7EF-4012-9950-B3EC99F54573}" srcId="{F6FB202F-FB08-4046-B511-8154FB49289C}" destId="{5B2E383B-9F26-4DA9-983E-E153C7FFFA10}" srcOrd="0" destOrd="0" parTransId="{0BDF28E4-3DD2-49C4-ADA0-8A4D042CDCAA}" sibTransId="{1C7A80F1-86C4-424F-9840-90BCB07D654B}"/>
+    <dgm:cxn modelId="{F98C9DC3-DA36-491B-BE8A-49718298771D}" type="presOf" srcId="{013B59AA-A8DF-4C7C-9DB4-7BB8FC4371C0}" destId="{E5BF9C94-5509-4F79-AC82-D0991D6614CC}" srcOrd="0" destOrd="0" presId="urn:microsoft.com/office/officeart/2005/8/layout/orgChart1"/>
+    <dgm:cxn modelId="{E85F0AE4-1E42-488C-8540-8269B15AB553}" type="presOf" srcId="{F6FB202F-FB08-4046-B511-8154FB49289C}" destId="{674A3CB7-FDA9-44AE-915F-54F6508BD0EE}" srcOrd="0" destOrd="0" presId="urn:microsoft.com/office/officeart/2005/8/layout/orgChart1"/>
+    <dgm:cxn modelId="{B37680F7-BA20-4DD0-BBFC-22FFC6988DAB}" srcId="{5B2E383B-9F26-4DA9-983E-E153C7FFFA10}" destId="{3A66B05C-C306-4566-ADB4-BD58EF99E13F}" srcOrd="1" destOrd="0" parTransId="{013B59AA-A8DF-4C7C-9DB4-7BB8FC4371C0}" sibTransId="{C0EB23F3-E30C-4600-81D9-825401C2251F}"/>
     <dgm:cxn modelId="{2FA9753B-29B0-493D-92E5-557749249353}" type="presParOf" srcId="{674A3CB7-FDA9-44AE-915F-54F6508BD0EE}" destId="{D8A5553F-946F-42F6-B0C2-579C504334D7}" srcOrd="0" destOrd="0" presId="urn:microsoft.com/office/officeart/2005/8/layout/orgChart1"/>
     <dgm:cxn modelId="{B0DF0D19-AFBB-43CD-A198-CC1DE0405EFE}" type="presParOf" srcId="{D8A5553F-946F-42F6-B0C2-579C504334D7}" destId="{D50CC31B-43F6-4201-B273-994815EA301A}" srcOrd="0" destOrd="0" presId="urn:microsoft.com/office/officeart/2005/8/layout/orgChart1"/>
     <dgm:cxn modelId="{F9AE60C6-B311-4649-8FD4-D97CB622E98D}" type="presParOf" srcId="{D50CC31B-43F6-4201-B273-994815EA301A}" destId="{D05EC9E0-8F5D-45CB-A733-A5612A87189B}" srcOrd="0" destOrd="0" presId="urn:microsoft.com/office/officeart/2005/8/layout/orgChart1"/>
@@ -1573,7 +1508,7 @@
         </a:bodyPr>
         <a:lstStyle/>
         <a:p>
-          <a:pPr lvl="0" algn="ctr" defTabSz="1066800" rtl="0">
+          <a:pPr marL="0" lvl="0" indent="0" algn="ctr" defTabSz="1066800" rtl="0">
             <a:lnSpc>
               <a:spcPct val="90000"/>
             </a:lnSpc>
@@ -1583,12 +1518,12 @@
             <a:spcAft>
               <a:spcPct val="35000"/>
             </a:spcAft>
+            <a:buNone/>
           </a:pPr>
           <a:r>
-            <a:rPr lang="zh-CN" altLang="en-US" sz="2400" kern="1200" dirty="0" smtClean="0"/>
+            <a:rPr lang="zh-CN" altLang="en-US" sz="2400" kern="1200" dirty="0"/>
             <a:t>所有损害优化的方法都是正则化。</a:t>
           </a:r>
-          <a:endParaRPr lang="zh-CN" altLang="en-US" sz="2400" kern="1200" dirty="0"/>
         </a:p>
       </dsp:txBody>
       <dsp:txXfrm>
@@ -1651,7 +1586,7 @@
         </a:bodyPr>
         <a:lstStyle/>
         <a:p>
-          <a:pPr lvl="0" algn="ctr" defTabSz="889000" rtl="0">
+          <a:pPr marL="0" lvl="0" indent="0" algn="ctr" defTabSz="889000" rtl="0">
             <a:lnSpc>
               <a:spcPct val="90000"/>
             </a:lnSpc>
@@ -1661,12 +1596,13 @@
             <a:spcAft>
               <a:spcPct val="35000"/>
             </a:spcAft>
+            <a:buNone/>
           </a:pPr>
           <a:r>
-            <a:rPr lang="zh-CN" altLang="en-US" sz="2000" kern="1200" dirty="0" smtClean="0"/>
+            <a:rPr lang="zh-CN" altLang="en-US" sz="2000" kern="1200" dirty="0"/>
             <a:t>增加优化约束</a:t>
           </a:r>
-          <a:endParaRPr lang="en-US" altLang="zh-CN" sz="2000" kern="1200" dirty="0" smtClean="0"/>
+          <a:endParaRPr lang="en-US" altLang="zh-CN" sz="2000" kern="1200" dirty="0"/>
         </a:p>
       </dsp:txBody>
       <dsp:txXfrm>
@@ -1729,7 +1665,7 @@
         </a:bodyPr>
         <a:lstStyle/>
         <a:p>
-          <a:pPr lvl="0" algn="ctr" defTabSz="889000" rtl="0">
+          <a:pPr marL="0" lvl="0" indent="0" algn="ctr" defTabSz="889000" rtl="0">
             <a:lnSpc>
               <a:spcPct val="90000"/>
             </a:lnSpc>
@@ -1739,12 +1675,12 @@
             <a:spcAft>
               <a:spcPct val="35000"/>
             </a:spcAft>
+            <a:buNone/>
           </a:pPr>
           <a:r>
-            <a:rPr lang="zh-CN" altLang="en-US" sz="2000" kern="1200" dirty="0" smtClean="0"/>
+            <a:rPr lang="zh-CN" altLang="en-US" sz="2000" kern="1200" dirty="0"/>
             <a:t>干扰优化过程</a:t>
           </a:r>
-          <a:endParaRPr lang="zh-CN" altLang="en-US" sz="2000" kern="1200" dirty="0"/>
         </a:p>
       </dsp:txBody>
       <dsp:txXfrm>
@@ -4039,7 +3975,7 @@
               <a:pPr>
                 <a:defRPr/>
               </a:pPr>
-              <a:t>9/13/2018</a:t>
+              <a:t>10/29/2018</a:t>
             </a:fld>
             <a:endParaRPr lang="en-US" altLang="zh-CN"/>
           </a:p>
@@ -4106,38 +4042,37 @@
           <a:p>
             <a:pPr lvl="0"/>
             <a:r>
-              <a:rPr lang="en-US" noProof="0" smtClean="0"/>
+              <a:rPr lang="en-US" noProof="0"/>
               <a:t>Click to edit Master text styles</a:t>
             </a:r>
           </a:p>
           <a:p>
             <a:pPr lvl="1"/>
             <a:r>
-              <a:rPr lang="en-US" noProof="0" smtClean="0"/>
+              <a:rPr lang="en-US" noProof="0"/>
               <a:t>Second level</a:t>
             </a:r>
           </a:p>
           <a:p>
             <a:pPr lvl="2"/>
             <a:r>
-              <a:rPr lang="en-US" noProof="0" smtClean="0"/>
+              <a:rPr lang="en-US" noProof="0"/>
               <a:t>Third level</a:t>
             </a:r>
           </a:p>
           <a:p>
             <a:pPr lvl="3"/>
             <a:r>
-              <a:rPr lang="en-US" noProof="0" smtClean="0"/>
+              <a:rPr lang="en-US" noProof="0"/>
               <a:t>Fourth level</a:t>
             </a:r>
           </a:p>
           <a:p>
             <a:pPr lvl="4"/>
             <a:r>
-              <a:rPr lang="en-US" noProof="0" smtClean="0"/>
+              <a:rPr lang="en-US" noProof="0"/>
               <a:t>Fifth level</a:t>
             </a:r>
-            <a:endParaRPr lang="en-US" noProof="0"/>
           </a:p>
         </p:txBody>
       </p:sp>
@@ -4772,14 +4707,13 @@
           <a:lstStyle/>
           <a:p>
             <a:r>
-              <a:rPr lang="en-US" altLang="zh-CN" dirty="0" err="1" smtClean="0"/>
+              <a:rPr lang="en-US" altLang="zh-CN" dirty="0" err="1"/>
               <a:t>ppt</a:t>
             </a:r>
             <a:r>
-              <a:rPr lang="zh-CN" altLang="en-US" dirty="0" smtClean="0"/>
+              <a:rPr lang="zh-CN" altLang="en-US" dirty="0"/>
               <a:t>有错</a:t>
             </a:r>
-            <a:endParaRPr lang="zh-CN" altLang="en-US" dirty="0"/>
           </a:p>
         </p:txBody>
       </p:sp>
@@ -4870,18 +4804,17 @@
           <a:lstStyle/>
           <a:p>
             <a:r>
-              <a:rPr lang="zh-CN" altLang="en-US" dirty="0" smtClean="0"/>
+              <a:rPr lang="zh-CN" altLang="en-US" dirty="0"/>
               <a:t>泛化错误可以衡量一个机器学习模型是否可以很好地泛化到未知数据。机器学习的目标是减少泛化错误。</a:t>
             </a:r>
             <a:r>
-              <a:rPr lang="en-US" altLang="zh-CN" dirty="0" smtClean="0"/>
+              <a:rPr lang="en-US" altLang="zh-CN" dirty="0"/>
               <a:t>%</a:t>
             </a:r>
             <a:r>
-              <a:rPr lang="zh-CN" altLang="en-US" dirty="0" smtClean="0"/>
+              <a:rPr lang="zh-CN" altLang="en-US" dirty="0"/>
               <a:t>泛化错误一般表现为一个模型在训练集和测试集上错误率的。</a:t>
             </a:r>
-            <a:endParaRPr lang="zh-CN" altLang="en-US" dirty="0"/>
           </a:p>
         </p:txBody>
       </p:sp>
@@ -4973,25 +4906,25 @@
           <a:p>
             <a:pPr lvl="1"/>
             <a:r>
-              <a:rPr lang="en-US" altLang="zh-CN" dirty="0" smtClean="0"/>
+              <a:rPr lang="en-US" altLang="zh-CN" dirty="0"/>
               <a:t>L1/L2</a:t>
             </a:r>
             <a:r>
-              <a:rPr lang="zh-CN" altLang="en-US" dirty="0" smtClean="0"/>
+              <a:rPr lang="zh-CN" altLang="en-US" dirty="0"/>
               <a:t>正则化</a:t>
             </a:r>
-            <a:endParaRPr lang="en-US" altLang="zh-CN" dirty="0" smtClean="0"/>
+            <a:endParaRPr lang="en-US" altLang="zh-CN" dirty="0"/>
           </a:p>
           <a:p>
             <a:pPr lvl="1"/>
             <a:r>
-              <a:rPr lang="en-US" altLang="zh-CN" dirty="0" smtClean="0"/>
+              <a:rPr lang="en-US" altLang="zh-CN" dirty="0"/>
               <a:t>Dropout</a:t>
             </a:r>
           </a:p>
           <a:p>
             <a:pPr lvl="1"/>
-            <a:endParaRPr lang="zh-CN" altLang="en-US" dirty="0" smtClean="0"/>
+            <a:endParaRPr lang="zh-CN" altLang="en-US" dirty="0"/>
           </a:p>
           <a:p>
             <a:endParaRPr lang="zh-CN" altLang="en-US" dirty="0"/>
@@ -5102,7 +5035,7 @@
               <a:defRPr/>
             </a:pPr>
             <a:r>
-              <a:rPr lang="zh-CN" altLang="en-US" dirty="0" smtClean="0"/>
+              <a:rPr lang="zh-CN" altLang="en-US" dirty="0"/>
               <a:t>如果在验证集上的错误率不再下降，就停止迭代。</a:t>
             </a:r>
           </a:p>
@@ -5198,19 +5131,19 @@
           <a:lstStyle/>
           <a:p>
             <a:r>
-              <a:rPr lang="zh-CN" altLang="en-US" dirty="0" smtClean="0"/>
+              <a:rPr lang="zh-CN" altLang="en-US" dirty="0"/>
               <a:t>拉特马赫</a:t>
             </a:r>
             <a:r>
-              <a:rPr lang="en-US" altLang="zh-CN" dirty="0" smtClean="0"/>
+              <a:rPr lang="en-US" altLang="zh-CN" dirty="0"/>
               <a:t>(</a:t>
             </a:r>
             <a:r>
-              <a:rPr lang="en-US" altLang="zh-CN" dirty="0" err="1" smtClean="0"/>
+              <a:rPr lang="en-US" altLang="zh-CN" dirty="0" err="1"/>
               <a:t>Rademacher</a:t>
             </a:r>
             <a:r>
-              <a:rPr lang="en-US" altLang="zh-CN" dirty="0" smtClean="0"/>
+              <a:rPr lang="en-US" altLang="zh-CN" dirty="0"/>
               <a:t>)</a:t>
             </a:r>
             <a:endParaRPr lang="zh-CN" altLang="en-US" dirty="0"/>
@@ -5417,7 +5350,7 @@
             <a:pPr algn="ctr" eaLnBrk="1" hangingPunct="1">
               <a:defRPr/>
             </a:pPr>
-            <a:endParaRPr lang="zh-CN" altLang="zh-CN" smtClean="0">
+            <a:endParaRPr lang="zh-CN" altLang="zh-CN">
               <a:solidFill>
                 <a:srgbClr val="FFFFFF"/>
               </a:solidFill>
@@ -5566,7 +5499,7 @@
             <a:pPr algn="ctr" eaLnBrk="1" hangingPunct="1">
               <a:defRPr/>
             </a:pPr>
-            <a:endParaRPr lang="zh-CN" altLang="zh-CN" sz="3600" smtClean="0">
+            <a:endParaRPr lang="zh-CN" altLang="zh-CN" sz="3600">
               <a:solidFill>
                 <a:srgbClr val="FFFFFF"/>
               </a:solidFill>
@@ -5715,7 +5648,7 @@
             <a:pPr algn="ctr" eaLnBrk="1" hangingPunct="1">
               <a:defRPr/>
             </a:pPr>
-            <a:endParaRPr lang="zh-CN" altLang="zh-CN" smtClean="0">
+            <a:endParaRPr lang="zh-CN" altLang="zh-CN">
               <a:solidFill>
                 <a:srgbClr val="FFFFFF"/>
               </a:solidFill>
@@ -5864,7 +5797,7 @@
             <a:pPr algn="ctr" eaLnBrk="1" hangingPunct="1">
               <a:defRPr/>
             </a:pPr>
-            <a:endParaRPr lang="zh-CN" altLang="zh-CN" smtClean="0">
+            <a:endParaRPr lang="zh-CN" altLang="zh-CN">
               <a:solidFill>
                 <a:srgbClr val="FFFFFF"/>
               </a:solidFill>
@@ -6015,13 +5948,6 @@
   <p:clrMapOvr>
     <a:masterClrMapping/>
   </p:clrMapOvr>
-  <p:timing>
-    <p:tnLst>
-      <p:par>
-        <p:cTn id="1" dur="indefinite" restart="never" nodeType="tmRoot"/>
-      </p:par>
-    </p:tnLst>
-  </p:timing>
 </p:sldLayout>
 </file>
 
@@ -6183,7 +6109,7 @@
             <a:pPr algn="ctr" eaLnBrk="1" hangingPunct="1">
               <a:defRPr/>
             </a:pPr>
-            <a:endParaRPr lang="zh-CN" altLang="zh-CN" smtClean="0">
+            <a:endParaRPr lang="zh-CN" altLang="zh-CN">
               <a:solidFill>
                 <a:srgbClr val="FFFFFF"/>
               </a:solidFill>
@@ -6332,7 +6258,7 @@
             <a:pPr algn="ctr" eaLnBrk="1" hangingPunct="1">
               <a:defRPr/>
             </a:pPr>
-            <a:endParaRPr lang="zh-CN" altLang="zh-CN" smtClean="0">
+            <a:endParaRPr lang="zh-CN" altLang="zh-CN">
               <a:solidFill>
                 <a:srgbClr val="FFFFFF"/>
               </a:solidFill>
@@ -6384,13 +6310,6 @@
   <p:clrMapOvr>
     <a:masterClrMapping/>
   </p:clrMapOvr>
-  <p:timing>
-    <p:tnLst>
-      <p:par>
-        <p:cTn id="1" dur="indefinite" restart="never" nodeType="tmRoot"/>
-      </p:par>
-    </p:tnLst>
-  </p:timing>
 </p:sldLayout>
 </file>
 
@@ -6434,10 +6353,9 @@
           </a:lstStyle>
           <a:p>
             <a:r>
-              <a:rPr lang="en-US" dirty="0" smtClean="0"/>
+              <a:rPr lang="en-US" dirty="0"/>
               <a:t>Click to edit Master title style</a:t>
             </a:r>
-            <a:endParaRPr lang="en-US" dirty="0"/>
           </a:p>
         </p:txBody>
       </p:sp>
@@ -6494,38 +6412,37 @@
           <a:p>
             <a:pPr lvl="0"/>
             <a:r>
-              <a:rPr lang="en-US" dirty="0" smtClean="0"/>
+              <a:rPr lang="en-US" dirty="0"/>
               <a:t>Click to edit Master text styles</a:t>
             </a:r>
           </a:p>
           <a:p>
             <a:pPr lvl="1"/>
             <a:r>
-              <a:rPr lang="en-US" dirty="0" smtClean="0"/>
+              <a:rPr lang="en-US" dirty="0"/>
               <a:t>Second level</a:t>
             </a:r>
           </a:p>
           <a:p>
             <a:pPr lvl="2"/>
             <a:r>
-              <a:rPr lang="en-US" dirty="0" smtClean="0"/>
+              <a:rPr lang="en-US" dirty="0"/>
               <a:t>Third level</a:t>
             </a:r>
           </a:p>
           <a:p>
             <a:pPr lvl="3"/>
             <a:r>
-              <a:rPr lang="en-US" dirty="0" smtClean="0"/>
+              <a:rPr lang="en-US" dirty="0"/>
               <a:t>Fourth level</a:t>
             </a:r>
           </a:p>
           <a:p>
             <a:pPr lvl="4"/>
             <a:r>
-              <a:rPr lang="en-US" dirty="0" smtClean="0"/>
+              <a:rPr lang="en-US" dirty="0"/>
               <a:t>Fifth level</a:t>
             </a:r>
-            <a:endParaRPr lang="en-US" dirty="0"/>
           </a:p>
         </p:txBody>
       </p:sp>
@@ -6539,13 +6456,6 @@
   <p:clrMapOvr>
     <a:masterClrMapping/>
   </p:clrMapOvr>
-  <p:timing>
-    <p:tnLst>
-      <p:par>
-        <p:cTn id="1" dur="indefinite" restart="never" nodeType="tmRoot"/>
-      </p:par>
-    </p:tnLst>
-  </p:timing>
 </p:sldLayout>
 </file>
 
@@ -6589,7 +6499,7 @@
           </a:lstStyle>
           <a:p>
             <a:r>
-              <a:rPr lang="en-US" altLang="zh-CN" dirty="0" smtClean="0"/>
+              <a:rPr lang="en-US" altLang="zh-CN" dirty="0"/>
               <a:t>Click to edit Master title style</a:t>
             </a:r>
             <a:endParaRPr lang="zh-CN" altLang="en-US" dirty="0"/>
@@ -6606,13 +6516,6 @@
   <p:clrMapOvr>
     <a:masterClrMapping/>
   </p:clrMapOvr>
-  <p:timing>
-    <p:tnLst>
-      <p:par>
-        <p:cTn id="1" dur="indefinite" restart="never" nodeType="tmRoot"/>
-      </p:par>
-    </p:tnLst>
-  </p:timing>
 </p:sldLayout>
 </file>
 
@@ -6654,10 +6557,9 @@
           <a:lstStyle/>
           <a:p>
             <a:r>
-              <a:rPr lang="en-US" dirty="0" smtClean="0"/>
+              <a:rPr lang="en-US" dirty="0"/>
               <a:t>Click to edit Master title style</a:t>
             </a:r>
-            <a:endParaRPr lang="en-US" dirty="0"/>
           </a:p>
         </p:txBody>
       </p:sp>
@@ -6683,38 +6585,37 @@
           <a:p>
             <a:pPr lvl="0"/>
             <a:r>
-              <a:rPr lang="en-US" dirty="0" smtClean="0"/>
+              <a:rPr lang="en-US" dirty="0"/>
               <a:t>Click to edit Master text styles</a:t>
             </a:r>
           </a:p>
           <a:p>
             <a:pPr lvl="1"/>
             <a:r>
-              <a:rPr lang="en-US" dirty="0" smtClean="0"/>
+              <a:rPr lang="en-US" dirty="0"/>
               <a:t>Second level</a:t>
             </a:r>
           </a:p>
           <a:p>
             <a:pPr lvl="2"/>
             <a:r>
-              <a:rPr lang="en-US" dirty="0" smtClean="0"/>
+              <a:rPr lang="en-US" dirty="0"/>
               <a:t>Third level</a:t>
             </a:r>
           </a:p>
           <a:p>
             <a:pPr lvl="3"/>
             <a:r>
-              <a:rPr lang="en-US" dirty="0" smtClean="0"/>
+              <a:rPr lang="en-US" dirty="0"/>
               <a:t>Fourth level</a:t>
             </a:r>
           </a:p>
           <a:p>
             <a:pPr lvl="4"/>
             <a:r>
-              <a:rPr lang="en-US" dirty="0" smtClean="0"/>
+              <a:rPr lang="en-US" dirty="0"/>
               <a:t>Fifth level</a:t>
             </a:r>
-            <a:endParaRPr lang="en-US" dirty="0"/>
           </a:p>
         </p:txBody>
       </p:sp>
@@ -6740,38 +6641,37 @@
           <a:p>
             <a:pPr lvl="0"/>
             <a:r>
-              <a:rPr lang="en-US" dirty="0" smtClean="0"/>
+              <a:rPr lang="en-US" dirty="0"/>
               <a:t>Click to edit Master text styles</a:t>
             </a:r>
           </a:p>
           <a:p>
             <a:pPr lvl="1"/>
             <a:r>
-              <a:rPr lang="en-US" dirty="0" smtClean="0"/>
+              <a:rPr lang="en-US" dirty="0"/>
               <a:t>Second level</a:t>
             </a:r>
           </a:p>
           <a:p>
             <a:pPr lvl="2"/>
             <a:r>
-              <a:rPr lang="en-US" dirty="0" smtClean="0"/>
+              <a:rPr lang="en-US" dirty="0"/>
               <a:t>Third level</a:t>
             </a:r>
           </a:p>
           <a:p>
             <a:pPr lvl="3"/>
             <a:r>
-              <a:rPr lang="en-US" dirty="0" smtClean="0"/>
+              <a:rPr lang="en-US" dirty="0"/>
               <a:t>Fourth level</a:t>
             </a:r>
           </a:p>
           <a:p>
             <a:pPr lvl="4"/>
             <a:r>
-              <a:rPr lang="en-US" dirty="0" smtClean="0"/>
+              <a:rPr lang="en-US" dirty="0"/>
               <a:t>Fifth level</a:t>
             </a:r>
-            <a:endParaRPr lang="en-US" dirty="0"/>
           </a:p>
         </p:txBody>
       </p:sp>
@@ -6785,13 +6685,6 @@
   <p:clrMapOvr>
     <a:masterClrMapping/>
   </p:clrMapOvr>
-  <p:timing>
-    <p:tnLst>
-      <p:par>
-        <p:cTn id="1" dur="indefinite" restart="never" nodeType="tmRoot"/>
-      </p:par>
-    </p:tnLst>
-  </p:timing>
 </p:sldLayout>
 </file>
 
@@ -6833,10 +6726,9 @@
           <a:lstStyle/>
           <a:p>
             <a:r>
-              <a:rPr lang="en-US" dirty="0" smtClean="0"/>
+              <a:rPr lang="en-US" dirty="0"/>
               <a:t>Click to edit Master title style</a:t>
             </a:r>
-            <a:endParaRPr lang="en-US" dirty="0"/>
           </a:p>
         </p:txBody>
       </p:sp>
@@ -6862,38 +6754,37 @@
           <a:p>
             <a:pPr lvl="0"/>
             <a:r>
-              <a:rPr lang="en-US" dirty="0" smtClean="0"/>
+              <a:rPr lang="en-US" dirty="0"/>
               <a:t>Click to edit Master text styles</a:t>
             </a:r>
           </a:p>
           <a:p>
             <a:pPr lvl="1"/>
             <a:r>
-              <a:rPr lang="en-US" dirty="0" smtClean="0"/>
+              <a:rPr lang="en-US" dirty="0"/>
               <a:t>Second level</a:t>
             </a:r>
           </a:p>
           <a:p>
             <a:pPr lvl="2"/>
             <a:r>
-              <a:rPr lang="en-US" dirty="0" smtClean="0"/>
+              <a:rPr lang="en-US" dirty="0"/>
               <a:t>Third level</a:t>
             </a:r>
           </a:p>
           <a:p>
             <a:pPr lvl="3"/>
             <a:r>
-              <a:rPr lang="en-US" dirty="0" smtClean="0"/>
+              <a:rPr lang="en-US" dirty="0"/>
               <a:t>Fourth level</a:t>
             </a:r>
           </a:p>
           <a:p>
             <a:pPr lvl="4"/>
             <a:r>
-              <a:rPr lang="en-US" dirty="0" smtClean="0"/>
+              <a:rPr lang="en-US" dirty="0"/>
               <a:t>Fifth level</a:t>
             </a:r>
-            <a:endParaRPr lang="en-US" dirty="0"/>
           </a:p>
         </p:txBody>
       </p:sp>
@@ -6937,13 +6828,6 @@
   <p:clrMapOvr>
     <a:masterClrMapping/>
   </p:clrMapOvr>
-  <p:timing>
-    <p:tnLst>
-      <p:par>
-        <p:cTn id="1" dur="indefinite" restart="never" nodeType="tmRoot"/>
-      </p:par>
-    </p:tnLst>
-  </p:timing>
 </p:sldLayout>
 </file>
 
@@ -6974,13 +6858,6 @@
   <p:clrMapOvr>
     <a:masterClrMapping/>
   </p:clrMapOvr>
-  <p:timing>
-    <p:tnLst>
-      <p:par>
-        <p:cTn id="1" dur="indefinite" restart="never" nodeType="tmRoot"/>
-      </p:par>
-    </p:tnLst>
-  </p:timing>
 </p:sldLayout>
 </file>
 
@@ -7023,7 +6900,7 @@
           <a:lstStyle/>
           <a:p>
             <a:r>
-              <a:rPr lang="zh-CN" altLang="en-US" sz="3600" dirty="0" smtClean="0">
+              <a:rPr lang="zh-CN" altLang="en-US" sz="3600" dirty="0">
                 <a:latin typeface="华文楷体" panose="02010600040101010101" pitchFamily="2" charset="-122"/>
                 <a:ea typeface="华文楷体" panose="02010600040101010101" pitchFamily="2" charset="-122"/>
               </a:rPr>
@@ -7046,13 +6923,6 @@
   <p:clrMapOvr>
     <a:masterClrMapping/>
   </p:clrMapOvr>
-  <p:timing>
-    <p:tnLst>
-      <p:par>
-        <p:cTn id="1" dur="indefinite" restart="never" nodeType="tmRoot"/>
-      </p:par>
-    </p:tnLst>
-  </p:timing>
 </p:sldLayout>
 </file>
 
@@ -7105,14 +6975,14 @@
           </a:ln>
           <a:extLst>
             <a:ext uri="{909E8E84-426E-40dd-AFC4-6F175D3DCCD1}">
-              <a14:hiddenFill xmlns="" xmlns:a14="http://schemas.microsoft.com/office/drawing/2010/main">
+              <a14:hiddenFill xmlns:a14="http://schemas.microsoft.com/office/drawing/2010/main" xmlns="">
                 <a:solidFill>
                   <a:srgbClr val="FFFFFF"/>
                 </a:solidFill>
               </a14:hiddenFill>
             </a:ext>
             <a:ext uri="{91240B29-F687-4f45-9708-019B960494DF}">
-              <a14:hiddenLine xmlns="" xmlns:a14="http://schemas.microsoft.com/office/drawing/2010/main" w="9525">
+              <a14:hiddenLine xmlns:a14="http://schemas.microsoft.com/office/drawing/2010/main" xmlns="" w="9525">
                 <a:solidFill>
                   <a:srgbClr val="000000"/>
                 </a:solidFill>
@@ -7133,7 +7003,7 @@
           <a:p>
             <a:pPr lvl="0"/>
             <a:r>
-              <a:rPr lang="en-US" altLang="zh-CN" dirty="0" smtClean="0"/>
+              <a:rPr lang="en-US" altLang="zh-CN" dirty="0"/>
               <a:t>Click to edit Master title style</a:t>
             </a:r>
           </a:p>
@@ -7163,14 +7033,14 @@
           </a:ln>
           <a:extLst>
             <a:ext uri="{909E8E84-426E-40dd-AFC4-6F175D3DCCD1}">
-              <a14:hiddenFill xmlns="" xmlns:a14="http://schemas.microsoft.com/office/drawing/2010/main">
+              <a14:hiddenFill xmlns:a14="http://schemas.microsoft.com/office/drawing/2010/main" xmlns="">
                 <a:solidFill>
                   <a:srgbClr val="FFFFFF"/>
                 </a:solidFill>
               </a14:hiddenFill>
             </a:ext>
             <a:ext uri="{91240B29-F687-4f45-9708-019B960494DF}">
-              <a14:hiddenLine xmlns="" xmlns:a14="http://schemas.microsoft.com/office/drawing/2010/main" w="9525">
+              <a14:hiddenLine xmlns:a14="http://schemas.microsoft.com/office/drawing/2010/main" xmlns="" w="9525">
                 <a:solidFill>
                   <a:srgbClr val="000000"/>
                 </a:solidFill>
@@ -7191,35 +7061,35 @@
           <a:p>
             <a:pPr lvl="0"/>
             <a:r>
-              <a:rPr lang="en-US" altLang="zh-CN" dirty="0" smtClean="0"/>
+              <a:rPr lang="en-US" altLang="zh-CN" dirty="0"/>
               <a:t>Click to edit Master text styles</a:t>
             </a:r>
           </a:p>
           <a:p>
             <a:pPr lvl="1"/>
             <a:r>
-              <a:rPr lang="en-US" altLang="zh-CN" dirty="0" smtClean="0"/>
+              <a:rPr lang="en-US" altLang="zh-CN" dirty="0"/>
               <a:t>Second level</a:t>
             </a:r>
           </a:p>
           <a:p>
             <a:pPr lvl="2"/>
             <a:r>
-              <a:rPr lang="en-US" altLang="zh-CN" dirty="0" smtClean="0"/>
+              <a:rPr lang="en-US" altLang="zh-CN" dirty="0"/>
               <a:t>Third level</a:t>
             </a:r>
           </a:p>
           <a:p>
             <a:pPr lvl="3"/>
             <a:r>
-              <a:rPr lang="en-US" altLang="zh-CN" dirty="0" smtClean="0"/>
+              <a:rPr lang="en-US" altLang="zh-CN" dirty="0"/>
               <a:t>Fourth level</a:t>
             </a:r>
           </a:p>
           <a:p>
             <a:pPr lvl="4"/>
             <a:r>
-              <a:rPr lang="en-US" altLang="zh-CN" dirty="0" smtClean="0"/>
+              <a:rPr lang="en-US" altLang="zh-CN" dirty="0"/>
               <a:t>Fifth level</a:t>
             </a:r>
           </a:p>
@@ -7253,7 +7123,7 @@
           </a:ln>
           <a:extLst>
             <a:ext uri="{909E8E84-426E-40dd-AFC4-6F175D3DCCD1}">
-              <a14:hiddenFill xmlns="" xmlns:a14="http://schemas.microsoft.com/office/drawing/2010/main">
+              <a14:hiddenFill xmlns:a14="http://schemas.microsoft.com/office/drawing/2010/main" xmlns="">
                 <a:noFill/>
               </a14:hiddenFill>
             </a:ext>
@@ -7295,7 +7165,7 @@
           </a:ln>
           <a:extLst>
             <a:ext uri="{909E8E84-426E-40dd-AFC4-6F175D3DCCD1}">
-              <a14:hiddenFill xmlns="" xmlns:a14="http://schemas.microsoft.com/office/drawing/2010/main">
+              <a14:hiddenFill xmlns:a14="http://schemas.microsoft.com/office/drawing/2010/main" xmlns="">
                 <a:noFill/>
               </a14:hiddenFill>
             </a:ext>
@@ -7465,21 +7335,21 @@
               <a:defRPr/>
             </a:pPr>
             <a:r>
-              <a:rPr lang="en-US" altLang="zh-CN" sz="1400" dirty="0" smtClean="0">
+              <a:rPr lang="en-US" altLang="zh-CN" sz="1400" dirty="0">
                 <a:latin typeface="+mn-ea"/>
                 <a:ea typeface="+mn-ea"/>
               </a:rPr>
               <a:t>《</a:t>
             </a:r>
             <a:r>
-              <a:rPr lang="zh-CN" altLang="en-US" sz="1400" dirty="0" smtClean="0">
+              <a:rPr lang="zh-CN" altLang="en-US" sz="1400" dirty="0">
                 <a:latin typeface="+mn-ea"/>
                 <a:ea typeface="+mn-ea"/>
               </a:rPr>
               <a:t>神经网络与深度学习</a:t>
             </a:r>
             <a:r>
-              <a:rPr lang="en-US" altLang="zh-CN" sz="1400" dirty="0" smtClean="0">
+              <a:rPr lang="en-US" altLang="zh-CN" sz="1400" dirty="0">
                 <a:latin typeface="+mn-ea"/>
                 <a:ea typeface="+mn-ea"/>
               </a:rPr>
@@ -7554,13 +7424,6 @@
     <p:sldLayoutId id="2147483830" r:id="rId7"/>
     <p:sldLayoutId id="2147483829" r:id="rId8"/>
   </p:sldLayoutIdLst>
-  <p:timing>
-    <p:tnLst>
-      <p:par>
-        <p:cTn id="1" dur="indefinite" restart="never" nodeType="tmRoot"/>
-      </p:par>
-    </p:tnLst>
-  </p:timing>
   <p:hf hdr="0" ftr="0" dt="0"/>
   <p:txStyles>
     <p:titleStyle>
@@ -8038,15 +7901,15 @@
           <a:lstStyle/>
           <a:p>
             <a:r>
-              <a:rPr lang="en-US" altLang="zh-CN" dirty="0" smtClean="0"/>
+              <a:rPr lang="en-US" altLang="zh-CN" dirty="0"/>
               <a:t>《</a:t>
             </a:r>
             <a:r>
-              <a:rPr lang="zh-CN" altLang="en-US" dirty="0" smtClean="0"/>
+              <a:rPr lang="zh-CN" altLang="en-US" dirty="0"/>
               <a:t>神经网络与深度学习</a:t>
             </a:r>
             <a:r>
-              <a:rPr lang="en-US" altLang="zh-CN" dirty="0" smtClean="0"/>
+              <a:rPr lang="en-US" altLang="zh-CN" dirty="0"/>
               <a:t>》</a:t>
             </a:r>
             <a:endParaRPr lang="zh-CN" altLang="en-US" dirty="0"/>
@@ -8069,27 +7932,15 @@
           <a:lstStyle/>
           <a:p>
             <a:r>
-              <a:rPr lang="en-US" altLang="zh-CN" dirty="0" smtClean="0">
-                <a:hlinkClick r:id="rId3"/>
-              </a:rPr>
-              <a:t>https</a:t>
-            </a:r>
-            <a:r>
               <a:rPr lang="en-US" altLang="zh-CN" dirty="0">
                 <a:hlinkClick r:id="rId3"/>
               </a:rPr>
-              <a:t>://nndl.github.io</a:t>
-            </a:r>
-            <a:r>
-              <a:rPr lang="en-US" altLang="zh-CN" dirty="0" smtClean="0">
-                <a:hlinkClick r:id="rId3"/>
-              </a:rPr>
-              <a:t>/</a:t>
-            </a:r>
-            <a:endParaRPr lang="en-US" altLang="zh-CN" dirty="0" smtClean="0"/>
-          </a:p>
-          <a:p>
-            <a:endParaRPr lang="en-US" altLang="zh-CN" dirty="0" smtClean="0"/>
+              <a:t>https://nndl.github.io/</a:t>
+            </a:r>
+            <a:endParaRPr lang="en-US" altLang="zh-CN" dirty="0"/>
+          </a:p>
+          <a:p>
+            <a:endParaRPr lang="en-US" altLang="zh-CN" dirty="0"/>
           </a:p>
         </p:txBody>
       </p:sp>
@@ -8098,21 +7949,6 @@
   <p:clrMapOvr>
     <a:masterClrMapping/>
   </p:clrMapOvr>
-  <mc:AlternateContent xmlns:mc="http://schemas.openxmlformats.org/markup-compatibility/2006" xmlns:p14="http://schemas.microsoft.com/office/powerpoint/2010/main">
-    <mc:Choice Requires="p14">
-      <p:transition spd="slow" p14:dur="2000"/>
-    </mc:Choice>
-    <mc:Fallback xmlns="">
-      <p:transition spd="slow"/>
-    </mc:Fallback>
-  </mc:AlternateContent>
-  <p:timing>
-    <p:tnLst>
-      <p:par>
-        <p:cTn id="1" dur="indefinite" restart="never" nodeType="tmRoot"/>
-      </p:par>
-    </p:tnLst>
-  </p:timing>
 </p:sld>
 </file>
 
@@ -8173,18 +8009,10 @@
           <a:p>
             <a:pPr lvl="1"/>
             <a:r>
-              <a:rPr lang="zh-CN" altLang="en-US" dirty="0" smtClean="0"/>
-              <a:t>负</a:t>
-            </a:r>
-            <a:r>
               <a:rPr lang="zh-CN" altLang="en-US" dirty="0"/>
-              <a:t>对数似然</a:t>
-            </a:r>
-            <a:r>
-              <a:rPr lang="zh-CN" altLang="en-US" dirty="0" smtClean="0"/>
-              <a:t>损失函数</a:t>
-            </a:r>
-            <a:endParaRPr lang="en-US" altLang="zh-CN" dirty="0" smtClean="0"/>
+              <a:t>负对数似然损失函数</a:t>
+            </a:r>
+            <a:endParaRPr lang="en-US" altLang="zh-CN" dirty="0"/>
           </a:p>
           <a:p>
             <a:endParaRPr lang="en-US" altLang="zh-CN" dirty="0"/>
@@ -8193,17 +8021,13 @@
             <a:pPr marL="205978" lvl="1" indent="0">
               <a:buNone/>
             </a:pPr>
-            <a:endParaRPr lang="en-US" altLang="zh-CN" dirty="0" smtClean="0"/>
+            <a:endParaRPr lang="en-US" altLang="zh-CN" dirty="0"/>
           </a:p>
           <a:p>
             <a:pPr lvl="1"/>
             <a:r>
-              <a:rPr lang="zh-CN" altLang="en-US" dirty="0" smtClean="0"/>
-              <a:t>对于</a:t>
-            </a:r>
-            <a:r>
               <a:rPr lang="zh-CN" altLang="en-US" dirty="0"/>
-              <a:t>一个三类分类问题，类别为</a:t>
+              <a:t>对于一个三类分类问题，类别为</a:t>
             </a:r>
             <a:r>
               <a:rPr lang="en-US" altLang="zh-CN" dirty="0"/>
@@ -8218,20 +8042,20 @@
               <a:t>[0.3,0.3,0.4]</a:t>
             </a:r>
             <a:r>
-              <a:rPr lang="zh-CN" altLang="en-US" dirty="0" smtClean="0"/>
+              <a:rPr lang="zh-CN" altLang="en-US" dirty="0"/>
               <a:t>，则</a:t>
             </a:r>
-            <a:endParaRPr lang="en-US" altLang="zh-CN" dirty="0" smtClean="0"/>
+            <a:endParaRPr lang="en-US" altLang="zh-CN" dirty="0"/>
           </a:p>
           <a:p>
             <a:pPr lvl="1"/>
-            <a:endParaRPr lang="en-US" altLang="zh-CN" dirty="0" smtClean="0"/>
-          </a:p>
-          <a:p>
             <a:endParaRPr lang="en-US" altLang="zh-CN" dirty="0"/>
           </a:p>
           <a:p>
-            <a:endParaRPr lang="en-US" altLang="zh-CN" dirty="0" smtClean="0"/>
+            <a:endParaRPr lang="en-US" altLang="zh-CN" dirty="0"/>
+          </a:p>
+          <a:p>
+            <a:endParaRPr lang="en-US" altLang="zh-CN" dirty="0"/>
           </a:p>
         </p:txBody>
       </p:sp>
@@ -8335,13 +8159,6 @@
   <p:clrMapOvr>
     <a:masterClrMapping/>
   </p:clrMapOvr>
-  <p:timing>
-    <p:tnLst>
-      <p:par>
-        <p:cTn id="1" dur="indefinite" restart="never" nodeType="tmRoot"/>
-      </p:par>
-    </p:tnLst>
-  </p:timing>
 </p:sld>
 </file>
 
@@ -8378,10 +8195,9 @@
           <a:lstStyle/>
           <a:p>
             <a:r>
-              <a:rPr lang="zh-CN" altLang="en-US" dirty="0" smtClean="0"/>
+              <a:rPr lang="zh-CN" altLang="en-US" dirty="0"/>
               <a:t>参数学习</a:t>
             </a:r>
-            <a:endParaRPr lang="zh-CN" altLang="en-US" dirty="0"/>
           </a:p>
         </p:txBody>
       </p:sp>
@@ -8403,11 +8219,11 @@
               <a:lstStyle/>
               <a:p>
                 <a:r>
-                  <a:rPr lang="zh-CN" altLang="en-US" sz="2800" dirty="0" smtClean="0"/>
+                  <a:rPr lang="zh-CN" altLang="en-US" sz="2800" dirty="0"/>
                   <a:t>期望风险未知，通过</a:t>
                 </a:r>
                 <a:r>
-                  <a:rPr lang="zh-CN" altLang="en-US" sz="2800" dirty="0" smtClean="0">
+                  <a:rPr lang="zh-CN" altLang="en-US" sz="2800" dirty="0">
                     <a:solidFill>
                       <a:srgbClr val="FF0000"/>
                     </a:solidFill>
@@ -8415,10 +8231,10 @@
                   <a:t>经验风险</a:t>
                 </a:r>
                 <a:r>
-                  <a:rPr lang="zh-CN" altLang="en-US" sz="2800" dirty="0" smtClean="0"/>
+                  <a:rPr lang="zh-CN" altLang="en-US" sz="2800" dirty="0"/>
                   <a:t>近似</a:t>
                 </a:r>
-                <a:endParaRPr lang="en-US" altLang="zh-CN" sz="2800" dirty="0" smtClean="0"/>
+                <a:endParaRPr lang="en-US" altLang="zh-CN" sz="2800" dirty="0"/>
               </a:p>
               <a:p>
                 <a:pPr lvl="1"/>
@@ -8570,13 +8386,13 @@
               </a:p>
               <a:p>
                 <a:pPr lvl="1"/>
-                <a:endParaRPr lang="en-US" altLang="zh-CN" sz="2000" dirty="0" smtClean="0"/>
+                <a:endParaRPr lang="en-US" altLang="zh-CN" sz="2000" dirty="0"/>
               </a:p>
               <a:p>
-                <a:endParaRPr lang="en-US" altLang="zh-CN" sz="2800" dirty="0" smtClean="0"/>
+                <a:endParaRPr lang="en-US" altLang="zh-CN" sz="2800" dirty="0"/>
               </a:p>
               <a:p>
-                <a:endParaRPr lang="en-US" altLang="zh-CN" sz="2800" dirty="0" smtClean="0">
+                <a:endParaRPr lang="en-US" altLang="zh-CN" sz="2800" dirty="0">
                   <a:solidFill>
                     <a:srgbClr val="FF0000"/>
                   </a:solidFill>
@@ -8584,22 +8400,14 @@
               </a:p>
               <a:p>
                 <a:r>
-                  <a:rPr lang="zh-CN" altLang="en-US" sz="2800" dirty="0" smtClean="0">
-                    <a:solidFill>
-                      <a:srgbClr val="FF0000"/>
-                    </a:solidFill>
-                  </a:rPr>
-                  <a:t>经验风险最小</a:t>
-                </a:r>
-                <a:r>
                   <a:rPr lang="zh-CN" altLang="en-US" sz="2800" dirty="0">
                     <a:solidFill>
                       <a:srgbClr val="FF0000"/>
                     </a:solidFill>
                   </a:rPr>
-                  <a:t>化</a:t>
+                  <a:t>经验风险最小化</a:t>
                 </a:r>
-                <a:endParaRPr lang="en-US" altLang="zh-CN" sz="2800" dirty="0" smtClean="0">
+                <a:endParaRPr lang="en-US" altLang="zh-CN" sz="2800" dirty="0">
                   <a:solidFill>
                     <a:srgbClr val="FF0000"/>
                   </a:solidFill>
@@ -8608,57 +8416,37 @@
               <a:p>
                 <a:pPr lvl="1"/>
                 <a:r>
-                  <a:rPr lang="zh-CN" altLang="en-US" sz="2000" dirty="0" smtClean="0"/>
-                  <a:t>在</a:t>
+                  <a:rPr lang="zh-CN" altLang="en-US" sz="2000" dirty="0"/>
+                  <a:t>在选择合适的风险函数后，我们寻找一个参数</a:t>
                 </a:r>
                 <a:r>
-                  <a:rPr lang="zh-CN" altLang="en-US" sz="2000" dirty="0"/>
-                  <a:t>选择合适的风险函数后，我们寻找一个参数</a:t>
-                </a:r>
-                <a:r>
-                  <a:rPr lang="en-US" altLang="zh-CN" sz="2000" dirty="0" smtClean="0"/>
+                  <a:rPr lang="en-US" altLang="zh-CN" sz="2000" dirty="0"/>
                   <a:t>θ</a:t>
                 </a:r>
                 <a:r>
-                  <a:rPr lang="en-US" altLang="zh-CN" sz="2000" baseline="30000" dirty="0" smtClean="0"/>
+                  <a:rPr lang="en-US" altLang="zh-CN" sz="2000" baseline="30000" dirty="0"/>
                   <a:t>∗</a:t>
                 </a:r>
                 <a:r>
-                  <a:rPr lang="en-US" altLang="zh-CN" sz="2000" dirty="0" smtClean="0"/>
+                  <a:rPr lang="en-US" altLang="zh-CN" sz="2000" dirty="0"/>
                   <a:t> </a:t>
                 </a:r>
                 <a:r>
                   <a:rPr lang="zh-CN" altLang="en-US" sz="2000" dirty="0"/>
-                  <a:t>，</a:t>
-                </a:r>
-                <a:r>
-                  <a:rPr lang="zh-CN" altLang="en-US" sz="2000" dirty="0" smtClean="0"/>
-                  <a:t>使得经验风险</a:t>
-                </a:r>
-                <a:r>
-                  <a:rPr lang="zh-CN" altLang="en-US" sz="2000" dirty="0"/>
-                  <a:t>函数最小化</a:t>
-                </a:r>
-                <a:r>
-                  <a:rPr lang="zh-CN" altLang="en-US" sz="2000" dirty="0" smtClean="0"/>
-                  <a:t>。</a:t>
+                  <a:t>，使得经验风险函数最小化。</a:t>
                 </a:r>
                 <a:endParaRPr lang="en-US" altLang="zh-CN" sz="2000" dirty="0"/>
               </a:p>
               <a:p>
-                <a:endParaRPr lang="en-US" altLang="zh-CN" sz="2800" dirty="0" smtClean="0"/>
+                <a:endParaRPr lang="en-US" altLang="zh-CN" sz="2800" dirty="0"/>
               </a:p>
               <a:p>
-                <a:endParaRPr lang="en-US" altLang="zh-CN" sz="2800" dirty="0" smtClean="0"/>
+                <a:endParaRPr lang="en-US" altLang="zh-CN" sz="2800" dirty="0"/>
               </a:p>
               <a:p>
                 <a:r>
-                  <a:rPr lang="zh-CN" altLang="en-US" sz="2800" dirty="0" smtClean="0"/>
-                  <a:t>机器学习问题转化</a:t>
-                </a:r>
-                <a:r>
                   <a:rPr lang="zh-CN" altLang="en-US" sz="2800" dirty="0"/>
-                  <a:t>成为一个</a:t>
+                  <a:t>机器学习问题转化成为一个</a:t>
                 </a:r>
                 <a:r>
                   <a:rPr lang="zh-CN" altLang="en-US" sz="2800" dirty="0">
@@ -8776,13 +8564,6 @@
   <p:clrMapOvr>
     <a:masterClrMapping/>
   </p:clrMapOvr>
-  <p:timing>
-    <p:tnLst>
-      <p:par>
-        <p:cTn id="1" dur="indefinite" restart="never" nodeType="tmRoot"/>
-      </p:par>
-    </p:tnLst>
-  </p:timing>
 </p:sld>
 </file>
 
@@ -8820,13 +8601,8 @@
           <a:p>
             <a:r>
               <a:rPr lang="zh-CN" altLang="en-US" dirty="0"/>
-              <a:t>优化：梯度</a:t>
-            </a:r>
-            <a:r>
-              <a:rPr lang="zh-CN" altLang="en-US" dirty="0" smtClean="0"/>
-              <a:t>下降法</a:t>
-            </a:r>
-            <a:endParaRPr lang="zh-CN" altLang="en-US" dirty="0"/>
+              <a:t>优化：梯度下降法</a:t>
+            </a:r>
           </a:p>
         </p:txBody>
       </p:sp>
@@ -8922,13 +8698,6 @@
   <p:clrMapOvr>
     <a:masterClrMapping/>
   </p:clrMapOvr>
-  <p:timing>
-    <p:tnLst>
-      <p:par>
-        <p:cTn id="1" dur="indefinite" restart="never" nodeType="tmRoot"/>
-      </p:par>
-    </p:tnLst>
-  </p:timing>
 </p:sld>
 </file>
 
@@ -9068,13 +8837,6 @@
   <p:clrMapOvr>
     <a:masterClrMapping/>
   </p:clrMapOvr>
-  <p:timing>
-    <p:tnLst>
-      <p:par>
-        <p:cTn id="1" dur="indefinite" restart="never" nodeType="tmRoot"/>
-      </p:par>
-    </p:tnLst>
-  </p:timing>
 </p:sld>
 </file>
 
@@ -9150,33 +8912,21 @@
             </a:r>
             <a:r>
               <a:rPr lang="zh-CN" altLang="en-US" dirty="0"/>
-              <a:t>）也叫增量梯度下降</a:t>
-            </a:r>
-            <a:r>
-              <a:rPr lang="zh-CN" altLang="en-US" dirty="0" smtClean="0"/>
-              <a:t>，每个</a:t>
-            </a:r>
-            <a:r>
-              <a:rPr lang="zh-CN" altLang="en-US" dirty="0"/>
-              <a:t>样本都进行</a:t>
-            </a:r>
-            <a:r>
-              <a:rPr lang="zh-CN" altLang="en-US" dirty="0" smtClean="0"/>
-              <a:t>更新</a:t>
-            </a:r>
-            <a:endParaRPr lang="en-US" altLang="zh-CN" dirty="0" smtClean="0"/>
-          </a:p>
-          <a:p>
+              <a:t>）也叫增量梯度下降，每个样本都进行更新</a:t>
+            </a:r>
             <a:endParaRPr lang="en-US" altLang="zh-CN" dirty="0"/>
           </a:p>
           <a:p>
-            <a:endParaRPr lang="en-US" altLang="zh-CN" dirty="0" smtClean="0"/>
-          </a:p>
-          <a:p>
             <a:endParaRPr lang="en-US" altLang="zh-CN" dirty="0"/>
           </a:p>
           <a:p>
-            <a:endParaRPr lang="en-US" altLang="zh-CN" dirty="0" smtClean="0"/>
+            <a:endParaRPr lang="en-US" altLang="zh-CN" dirty="0"/>
+          </a:p>
+          <a:p>
+            <a:endParaRPr lang="en-US" altLang="zh-CN" dirty="0"/>
+          </a:p>
+          <a:p>
+            <a:endParaRPr lang="en-US" altLang="zh-CN" dirty="0"/>
           </a:p>
           <a:p>
             <a:r>
@@ -9238,13 +8988,6 @@
   <p:clrMapOvr>
     <a:masterClrMapping/>
   </p:clrMapOvr>
-  <p:timing>
-    <p:tnLst>
-      <p:par>
-        <p:cTn id="1" dur="indefinite" restart="never" nodeType="tmRoot"/>
-      </p:par>
-    </p:tnLst>
-  </p:timing>
 </p:sld>
 </file>
 
@@ -9326,13 +9069,6 @@
   <p:clrMapOvr>
     <a:masterClrMapping/>
   </p:clrMapOvr>
-  <p:timing>
-    <p:tnLst>
-      <p:par>
-        <p:cTn id="1" dur="indefinite" restart="never" nodeType="tmRoot"/>
-      </p:par>
-    </p:tnLst>
-  </p:timing>
 </p:sld>
 </file>
 
@@ -9399,26 +9135,9 @@
               <a:t>Validation Dataset</a:t>
             </a:r>
             <a:r>
-              <a:rPr lang="zh-CN" altLang="en-US" dirty="0" smtClean="0"/>
-              <a:t>）来</a:t>
-            </a:r>
-            <a:r>
               <a:rPr lang="zh-CN" altLang="en-US" dirty="0"/>
-              <a:t>测试每一次迭代的参数在验证集上</a:t>
-            </a:r>
-            <a:r>
-              <a:rPr lang="zh-CN" altLang="en-US" dirty="0" smtClean="0"/>
-              <a:t>是否最</a:t>
-            </a:r>
-            <a:r>
-              <a:rPr lang="zh-CN" altLang="en-US" dirty="0"/>
-              <a:t>优。如果在验证集上的错误率不再下降，就停止迭代</a:t>
-            </a:r>
-            <a:r>
-              <a:rPr lang="zh-CN" altLang="en-US" dirty="0" smtClean="0"/>
-              <a:t>。</a:t>
-            </a:r>
-            <a:endParaRPr lang="zh-CN" altLang="en-US" dirty="0"/>
+              <a:t>）来测试每一次迭代的参数在验证集上是否最优。如果在验证集上的错误率不再下降，就停止迭代。</a:t>
+            </a:r>
           </a:p>
         </p:txBody>
       </p:sp>
@@ -9462,13 +9181,6 @@
   <p:clrMapOvr>
     <a:masterClrMapping/>
   </p:clrMapOvr>
-  <p:timing>
-    <p:tnLst>
-      <p:par>
-        <p:cTn id="1" dur="indefinite" restart="never" nodeType="tmRoot"/>
-      </p:par>
-    </p:tnLst>
-  </p:timing>
 </p:sld>
 </file>
 
@@ -9557,18 +9269,17 @@
           <a:lstStyle/>
           <a:p>
             <a:r>
-              <a:rPr lang="zh-CN" altLang="en-US" sz="3200" dirty="0" smtClean="0"/>
+              <a:rPr lang="zh-CN" altLang="en-US" sz="3200" dirty="0"/>
               <a:t>机器学习 </a:t>
             </a:r>
             <a:r>
-              <a:rPr lang="en-US" altLang="zh-CN" sz="3200" dirty="0" smtClean="0"/>
+              <a:rPr lang="en-US" altLang="zh-CN" sz="3200" dirty="0"/>
               <a:t>= </a:t>
             </a:r>
             <a:r>
-              <a:rPr lang="zh-CN" altLang="en-US" sz="3200" dirty="0" smtClean="0"/>
+              <a:rPr lang="zh-CN" altLang="en-US" sz="3200" dirty="0"/>
               <a:t>优化？</a:t>
             </a:r>
-            <a:endParaRPr lang="zh-CN" altLang="en-US" sz="3200" dirty="0"/>
           </a:p>
         </p:txBody>
       </p:sp>
@@ -9686,10 +9397,9 @@
               <a:t>NO</a:t>
             </a:r>
             <a:r>
-              <a:rPr lang="zh-CN" altLang="en-US" sz="2400" dirty="0" smtClean="0"/>
+              <a:rPr lang="zh-CN" altLang="en-US" sz="2400" dirty="0"/>
               <a:t>！</a:t>
             </a:r>
-            <a:endParaRPr lang="zh-CN" altLang="en-US" sz="2400" dirty="0"/>
           </a:p>
         </p:txBody>
       </p:sp>
@@ -9937,19 +9647,7 @@
           <a:p>
             <a:r>
               <a:rPr lang="zh-CN" altLang="en-US" dirty="0"/>
-              <a:t>过</a:t>
-            </a:r>
-            <a:r>
-              <a:rPr lang="zh-CN" altLang="en-US" dirty="0" smtClean="0"/>
-              <a:t>拟合：</a:t>
-            </a:r>
-            <a:r>
-              <a:rPr lang="zh-CN" altLang="en-US" dirty="0" smtClean="0">
-                <a:solidFill>
-                  <a:srgbClr val="FF0000"/>
-                </a:solidFill>
-              </a:rPr>
-              <a:t>经验风险</a:t>
+              <a:t>过拟合：</a:t>
             </a:r>
             <a:r>
               <a:rPr lang="zh-CN" altLang="en-US" dirty="0">
@@ -9957,43 +9655,19 @@
                   <a:srgbClr val="FF0000"/>
                 </a:solidFill>
               </a:rPr>
-              <a:t>最小化原则</a:t>
+              <a:t>经验风险最小化原则</a:t>
             </a:r>
             <a:r>
               <a:rPr lang="zh-CN" altLang="en-US" dirty="0"/>
-              <a:t>很容易导致模型在训练集上错误率很低，但是在</a:t>
-            </a:r>
-            <a:r>
-              <a:rPr lang="zh-CN" altLang="en-US" dirty="0" smtClean="0"/>
-              <a:t>未知</a:t>
-            </a:r>
+              <a:t>很容易导致模型在训练集上错误率很低，但是在未知数据上错误率很高。</a:t>
+            </a:r>
+            <a:endParaRPr lang="en-US" altLang="zh-CN" dirty="0"/>
+          </a:p>
+          <a:p>
+            <a:pPr lvl="1"/>
             <a:r>
               <a:rPr lang="zh-CN" altLang="en-US" dirty="0"/>
-              <a:t>数据上错误率很高</a:t>
-            </a:r>
-            <a:r>
-              <a:rPr lang="zh-CN" altLang="en-US" dirty="0" smtClean="0"/>
-              <a:t>。</a:t>
-            </a:r>
-            <a:endParaRPr lang="en-US" altLang="zh-CN" dirty="0" smtClean="0"/>
-          </a:p>
-          <a:p>
-            <a:pPr lvl="1"/>
-            <a:r>
-              <a:rPr lang="zh-CN" altLang="en-US" dirty="0" smtClean="0"/>
-              <a:t>过</a:t>
-            </a:r>
-            <a:r>
-              <a:rPr lang="zh-CN" altLang="en-US" dirty="0"/>
-              <a:t>拟合问题往往是由于</a:t>
-            </a:r>
-            <a:r>
-              <a:rPr lang="zh-CN" altLang="en-US" dirty="0" smtClean="0"/>
-              <a:t>训练</a:t>
-            </a:r>
-            <a:r>
-              <a:rPr lang="zh-CN" altLang="en-US" dirty="0"/>
-              <a:t>数据少和噪声等原因造成的。</a:t>
+              <a:t>过拟合问题往往是由于训练数据少和噪声等原因造成的。</a:t>
             </a:r>
           </a:p>
         </p:txBody>
@@ -10038,13 +9712,6 @@
   <p:clrMapOvr>
     <a:masterClrMapping/>
   </p:clrMapOvr>
-  <p:timing>
-    <p:tnLst>
-      <p:par>
-        <p:cTn id="1" dur="indefinite" restart="never" nodeType="tmRoot"/>
-      </p:par>
-    </p:tnLst>
-  </p:timing>
 </p:sld>
 </file>
 
@@ -10081,10 +9748,9 @@
           <a:lstStyle/>
           <a:p>
             <a:r>
-              <a:rPr lang="zh-CN" altLang="en-US" dirty="0" smtClean="0"/>
+              <a:rPr lang="zh-CN" altLang="en-US" dirty="0"/>
               <a:t>泛化错误</a:t>
             </a:r>
-            <a:endParaRPr lang="zh-CN" altLang="en-US" dirty="0"/>
           </a:p>
         </p:txBody>
       </p:sp>
@@ -10601,15 +10267,15 @@
           <a:lstStyle/>
           <a:p>
             <a:r>
-              <a:rPr lang="zh-CN" altLang="en-US" dirty="0" smtClean="0"/>
+              <a:rPr lang="zh-CN" altLang="en-US" dirty="0"/>
               <a:t>机器学习 </a:t>
             </a:r>
             <a:r>
-              <a:rPr lang="en-US" altLang="zh-TW" dirty="0" smtClean="0"/>
+              <a:rPr lang="en-US" altLang="zh-TW" dirty="0"/>
               <a:t>≈ </a:t>
             </a:r>
             <a:r>
-              <a:rPr lang="zh-CN" altLang="en-US" dirty="0" smtClean="0"/>
+              <a:rPr lang="zh-CN" altLang="en-US" dirty="0"/>
               <a:t>构建一个映射函数</a:t>
             </a:r>
             <a:endParaRPr lang="zh-TW" altLang="en-US" dirty="0"/>
@@ -10634,7 +10300,7 @@
           <a:lstStyle/>
           <a:p>
             <a:r>
-              <a:rPr lang="zh-CN" altLang="en-US" sz="3600" dirty="0" smtClean="0"/>
+              <a:rPr lang="zh-CN" altLang="en-US" sz="3600" dirty="0"/>
               <a:t>语音识别</a:t>
             </a:r>
             <a:endParaRPr lang="en-US" altLang="zh-TW" sz="3600" dirty="0"/>
@@ -10644,7 +10310,7 @@
           </a:p>
           <a:p>
             <a:r>
-              <a:rPr lang="zh-CN" altLang="en-US" sz="3600" dirty="0" smtClean="0"/>
+              <a:rPr lang="zh-CN" altLang="en-US" sz="3600" dirty="0"/>
               <a:t>图像识别</a:t>
             </a:r>
             <a:endParaRPr lang="en-US" altLang="zh-TW" sz="3600" dirty="0"/>
@@ -10654,17 +10320,17 @@
           </a:p>
           <a:p>
             <a:r>
-              <a:rPr lang="zh-CN" altLang="en-US" sz="3600" dirty="0" smtClean="0"/>
+              <a:rPr lang="zh-CN" altLang="en-US" sz="3600" dirty="0"/>
               <a:t>围棋</a:t>
             </a:r>
-            <a:endParaRPr lang="en-US" altLang="zh-CN" sz="3600" dirty="0" smtClean="0"/>
+            <a:endParaRPr lang="en-US" altLang="zh-CN" sz="3600" dirty="0"/>
           </a:p>
           <a:p>
             <a:endParaRPr lang="en-US" altLang="zh-TW" sz="3600" dirty="0"/>
           </a:p>
           <a:p>
             <a:r>
-              <a:rPr lang="zh-CN" altLang="en-US" sz="3600" dirty="0" smtClean="0"/>
+              <a:rPr lang="zh-CN" altLang="en-US" sz="3600" dirty="0"/>
               <a:t>对话系统</a:t>
             </a:r>
             <a:endParaRPr lang="zh-TW" altLang="en-US" sz="3600" dirty="0"/>
@@ -10689,7 +10355,7 @@
           <a:graphicData uri="http://schemas.openxmlformats.org/presentationml/2006/ole">
             <mc:AlternateContent xmlns:mc="http://schemas.openxmlformats.org/markup-compatibility/2006">
               <mc:Choice xmlns:v="urn:schemas-microsoft-com:vml" Requires="v">
-                <p:oleObj spid="_x0000_s1190" name="方程式" r:id="rId3" imgW="1790640" imgH="215640" progId="Equation.3">
+                <p:oleObj spid="_x0000_s1194" name="方程式" r:id="rId3" imgW="1790640" imgH="215640" progId="Equation.3">
                   <p:embed/>
                 </p:oleObj>
               </mc:Choice>
@@ -10755,7 +10421,7 @@
           <a:graphicData uri="http://schemas.openxmlformats.org/presentationml/2006/ole">
             <mc:AlternateContent xmlns:mc="http://schemas.openxmlformats.org/markup-compatibility/2006">
               <mc:Choice xmlns:v="urn:schemas-microsoft-com:vml" Requires="v">
-                <p:oleObj spid="_x0000_s1191" name="方程式" r:id="rId5" imgW="1790640" imgH="215640" progId="Equation.3">
+                <p:oleObj spid="_x0000_s1195" name="方程式" r:id="rId5" imgW="1790640" imgH="215640" progId="Equation.3">
                   <p:embed/>
                 </p:oleObj>
               </mc:Choice>
@@ -10821,7 +10487,7 @@
           <a:graphicData uri="http://schemas.openxmlformats.org/presentationml/2006/ole">
             <mc:AlternateContent xmlns:mc="http://schemas.openxmlformats.org/markup-compatibility/2006">
               <mc:Choice xmlns:v="urn:schemas-microsoft-com:vml" Requires="v">
-                <p:oleObj spid="_x0000_s1192" name="方程式" r:id="rId6" imgW="1790640" imgH="215640" progId="Equation.3">
+                <p:oleObj spid="_x0000_s1196" name="方程式" r:id="rId6" imgW="1790640" imgH="215640" progId="Equation.3">
                   <p:embed/>
                 </p:oleObj>
               </mc:Choice>
@@ -10887,7 +10553,7 @@
           <a:graphicData uri="http://schemas.openxmlformats.org/presentationml/2006/ole">
             <mc:AlternateContent xmlns:mc="http://schemas.openxmlformats.org/markup-compatibility/2006">
               <mc:Choice xmlns:v="urn:schemas-microsoft-com:vml" Requires="v">
-                <p:oleObj spid="_x0000_s1193" name="方程式" r:id="rId7" imgW="1676160" imgH="215640" progId="Equation.3">
+                <p:oleObj spid="_x0000_s1197" name="方程式" r:id="rId7" imgW="1676160" imgH="215640" progId="Equation.3">
                   <p:embed/>
                 </p:oleObj>
               </mc:Choice>
@@ -10958,7 +10624,7 @@
           <a:lstStyle/>
           <a:p>
             <a:r>
-              <a:rPr lang="en-US" altLang="zh-TW" sz="2800" dirty="0" smtClean="0"/>
+              <a:rPr lang="en-US" altLang="zh-TW" sz="2800" dirty="0"/>
               <a:t>“</a:t>
             </a:r>
             <a:r>
@@ -10966,7 +10632,7 @@
               <a:t>猫</a:t>
             </a:r>
             <a:r>
-              <a:rPr lang="en-US" altLang="zh-TW" sz="2800" dirty="0" smtClean="0"/>
+              <a:rPr lang="en-US" altLang="zh-TW" sz="2800" dirty="0"/>
               <a:t>”</a:t>
             </a:r>
             <a:endParaRPr lang="zh-TW" altLang="en-US" sz="2800" dirty="0"/>
@@ -10996,15 +10662,15 @@
           <a:lstStyle/>
           <a:p>
             <a:r>
-              <a:rPr lang="en-US" altLang="zh-TW" sz="2800" dirty="0" smtClean="0"/>
+              <a:rPr lang="en-US" altLang="zh-TW" sz="2800" dirty="0"/>
               <a:t>“</a:t>
             </a:r>
             <a:r>
-              <a:rPr lang="zh-CN" altLang="en-US" sz="2800" dirty="0" smtClean="0"/>
+              <a:rPr lang="zh-CN" altLang="en-US" sz="2800" dirty="0"/>
               <a:t>你好</a:t>
             </a:r>
             <a:r>
-              <a:rPr lang="en-US" altLang="zh-TW" sz="2800" dirty="0" smtClean="0"/>
+              <a:rPr lang="en-US" altLang="zh-TW" sz="2800" dirty="0"/>
               <a:t>”</a:t>
             </a:r>
             <a:endParaRPr lang="zh-TW" altLang="en-US" sz="2800" dirty="0"/>
@@ -11064,15 +10730,15 @@
           <a:lstStyle/>
           <a:p>
             <a:r>
-              <a:rPr lang="en-US" altLang="zh-TW" sz="2800" dirty="0" smtClean="0"/>
+              <a:rPr lang="en-US" altLang="zh-TW" sz="2800" dirty="0"/>
               <a:t>“</a:t>
             </a:r>
             <a:r>
-              <a:rPr lang="zh-CN" altLang="en-US" sz="2800" dirty="0" smtClean="0"/>
+              <a:rPr lang="zh-CN" altLang="en-US" sz="2800" dirty="0"/>
               <a:t>今天天气真不错</a:t>
             </a:r>
             <a:r>
-              <a:rPr lang="en-US" altLang="zh-TW" sz="2800" dirty="0" smtClean="0"/>
+              <a:rPr lang="en-US" altLang="zh-TW" sz="2800" dirty="0"/>
               <a:t>”</a:t>
             </a:r>
             <a:endParaRPr lang="zh-TW" altLang="en-US" sz="2800" dirty="0"/>
@@ -11132,15 +10798,15 @@
           <a:p>
             <a:pPr algn="ctr"/>
             <a:r>
-              <a:rPr lang="en-US" altLang="zh-TW" sz="2800" dirty="0" smtClean="0"/>
+              <a:rPr lang="en-US" altLang="zh-TW" sz="2800" dirty="0"/>
               <a:t>“</a:t>
             </a:r>
             <a:r>
-              <a:rPr lang="zh-CN" altLang="en-US" sz="2800" dirty="0" smtClean="0"/>
+              <a:rPr lang="zh-CN" altLang="en-US" sz="2800" dirty="0"/>
               <a:t>你好</a:t>
             </a:r>
             <a:r>
-              <a:rPr lang="en-US" altLang="zh-TW" sz="2800" dirty="0" smtClean="0"/>
+              <a:rPr lang="en-US" altLang="zh-TW" sz="2800" dirty="0"/>
               <a:t>”</a:t>
             </a:r>
             <a:endParaRPr lang="zh-TW" altLang="en-US" sz="2800" dirty="0"/>
@@ -11212,7 +10878,7 @@
           <a:p>
             <a:pPr algn="ctr"/>
             <a:r>
-              <a:rPr lang="zh-CN" altLang="en-US" sz="2400" dirty="0" smtClean="0">
+              <a:rPr lang="zh-CN" altLang="en-US" sz="2400" dirty="0">
                 <a:solidFill>
                   <a:schemeClr val="accent2">
                     <a:lumMod val="60000"/>
@@ -11257,7 +10923,7 @@
           <a:p>
             <a:pPr algn="ctr"/>
             <a:r>
-              <a:rPr lang="zh-CN" altLang="en-US" sz="2400" dirty="0" smtClean="0">
+              <a:rPr lang="zh-CN" altLang="en-US" sz="2400" dirty="0">
                 <a:solidFill>
                   <a:schemeClr val="accent2">
                     <a:lumMod val="60000"/>
@@ -11343,15 +11009,15 @@
           <a:p>
             <a:pPr algn="ctr"/>
             <a:r>
-              <a:rPr lang="en-US" altLang="zh-TW" sz="2400" dirty="0" smtClean="0"/>
+              <a:rPr lang="en-US" altLang="zh-TW" sz="2400" dirty="0"/>
               <a:t>(</a:t>
             </a:r>
             <a:r>
-              <a:rPr lang="zh-CN" altLang="en-US" sz="2400" dirty="0" smtClean="0"/>
+              <a:rPr lang="zh-CN" altLang="en-US" sz="2400" dirty="0"/>
               <a:t>落子位置</a:t>
             </a:r>
             <a:r>
-              <a:rPr lang="en-US" altLang="zh-TW" sz="2400" dirty="0" smtClean="0"/>
+              <a:rPr lang="en-US" altLang="zh-TW" sz="2400" dirty="0"/>
               <a:t>)</a:t>
             </a:r>
             <a:endParaRPr lang="zh-TW" altLang="en-US" sz="2400" dirty="0"/>
@@ -11368,13 +11034,6 @@
   <p:clrMapOvr>
     <a:masterClrMapping/>
   </p:clrMapOvr>
-  <p:timing>
-    <p:tnLst>
-      <p:par>
-        <p:cTn id="1" dur="indefinite" restart="never" nodeType="tmRoot"/>
-      </p:par>
-    </p:tnLst>
-  </p:timing>
 </p:sld>
 </file>
 
@@ -11452,10 +11111,9 @@
           <a:lstStyle/>
           <a:p>
             <a:r>
-              <a:rPr lang="zh-CN" altLang="en-US" dirty="0" smtClean="0"/>
+              <a:rPr lang="zh-CN" altLang="en-US" dirty="0"/>
               <a:t>如何减少泛化错误？</a:t>
             </a:r>
-            <a:endParaRPr lang="zh-CN" altLang="en-US" dirty="0"/>
           </a:p>
         </p:txBody>
       </p:sp>
@@ -11566,7 +11224,7 @@
           <a:lstStyle/>
           <a:p>
             <a:r>
-              <a:rPr lang="zh-CN" altLang="en-US" sz="2400" dirty="0" smtClean="0"/>
+              <a:rPr lang="zh-CN" altLang="en-US" sz="2400" dirty="0"/>
               <a:t>经验风险最小</a:t>
             </a:r>
             <a:endParaRPr lang="en-US" altLang="zh-CN" sz="2400" dirty="0"/>
@@ -11583,13 +11241,6 @@
   <p:clrMapOvr>
     <a:masterClrMapping/>
   </p:clrMapOvr>
-  <p:timing>
-    <p:tnLst>
-      <p:par>
-        <p:cTn id="1" dur="indefinite" restart="never" nodeType="tmRoot"/>
-      </p:par>
-    </p:tnLst>
-  </p:timing>
 </p:sld>
 </file>
 
@@ -11626,7 +11277,7 @@
           <a:lstStyle/>
           <a:p>
             <a:r>
-              <a:rPr lang="zh-CN" altLang="en-US" dirty="0" smtClean="0"/>
+              <a:rPr lang="zh-CN" altLang="en-US" dirty="0"/>
               <a:t>正则化（</a:t>
             </a:r>
             <a:r>
@@ -11634,10 +11285,9 @@
               <a:t>regularization</a:t>
             </a:r>
             <a:r>
-              <a:rPr lang="zh-CN" altLang="en-US" dirty="0" smtClean="0"/>
+              <a:rPr lang="zh-CN" altLang="en-US" dirty="0"/>
               <a:t>）</a:t>
             </a:r>
-            <a:endParaRPr lang="zh-CN" altLang="en-US" dirty="0"/>
           </a:p>
         </p:txBody>
       </p:sp>
@@ -11757,7 +11407,7 @@
           <a:p>
             <a:pPr algn="ctr"/>
             <a:r>
-              <a:rPr lang="en-US" altLang="zh-CN" sz="1600" dirty="0" smtClean="0">
+              <a:rPr lang="en-US" altLang="zh-CN" sz="1600" dirty="0">
                 <a:solidFill>
                   <a:srgbClr val="FF0000"/>
                 </a:solidFill>
@@ -11765,18 +11415,13 @@
               <a:t>L1/L2</a:t>
             </a:r>
             <a:r>
-              <a:rPr lang="zh-CN" altLang="en-US" sz="1600" dirty="0" smtClean="0">
+              <a:rPr lang="zh-CN" altLang="en-US" sz="1600" dirty="0">
                 <a:solidFill>
                   <a:srgbClr val="FF0000"/>
                 </a:solidFill>
               </a:rPr>
               <a:t>约束、数据增强</a:t>
             </a:r>
-            <a:endParaRPr lang="zh-CN" altLang="en-US" sz="1600" dirty="0">
-              <a:solidFill>
-                <a:srgbClr val="FF0000"/>
-              </a:solidFill>
-            </a:endParaRPr>
           </a:p>
         </p:txBody>
       </p:sp>
@@ -11804,14 +11449,14 @@
           <a:p>
             <a:pPr algn="ctr"/>
             <a:r>
-              <a:rPr lang="zh-CN" altLang="en-US" sz="1600" dirty="0" smtClean="0">
+              <a:rPr lang="zh-CN" altLang="en-US" sz="1600" dirty="0">
                 <a:solidFill>
                   <a:srgbClr val="FF0000"/>
                 </a:solidFill>
               </a:rPr>
               <a:t>权重衰减、随机梯度下降、提前停止</a:t>
             </a:r>
-            <a:endParaRPr lang="en-US" altLang="zh-CN" sz="1600" dirty="0" smtClean="0">
+            <a:endParaRPr lang="en-US" altLang="zh-CN" sz="1600" dirty="0">
               <a:solidFill>
                 <a:srgbClr val="FF0000"/>
               </a:solidFill>
@@ -12320,10 +11965,9 @@
           <a:lstStyle/>
           <a:p>
             <a:r>
-              <a:rPr lang="zh-CN" altLang="en-US" dirty="0" smtClean="0"/>
+              <a:rPr lang="zh-CN" altLang="en-US" dirty="0"/>
               <a:t>线性回归</a:t>
             </a:r>
-            <a:endParaRPr lang="zh-CN" altLang="en-US" dirty="0"/>
           </a:p>
         </p:txBody>
       </p:sp>
@@ -12337,13 +11981,6 @@
   <p:clrMapOvr>
     <a:masterClrMapping/>
   </p:clrMapOvr>
-  <p:timing>
-    <p:tnLst>
-      <p:par>
-        <p:cTn id="1" dur="indefinite" restart="never" nodeType="tmRoot"/>
-      </p:par>
-    </p:tnLst>
-  </p:timing>
 </p:sld>
 </file>
 
@@ -12410,25 +12047,21 @@
           <a:lstStyle/>
           <a:p>
             <a:r>
-              <a:rPr lang="zh-CN" altLang="en-US" dirty="0" smtClean="0"/>
+              <a:rPr lang="zh-CN" altLang="en-US" dirty="0"/>
               <a:t>模型：</a:t>
             </a:r>
-            <a:endParaRPr lang="en-US" altLang="zh-CN" dirty="0" smtClean="0"/>
-          </a:p>
-          <a:p>
             <a:endParaRPr lang="en-US" altLang="zh-CN" dirty="0"/>
           </a:p>
           <a:p>
+            <a:endParaRPr lang="en-US" altLang="zh-CN" dirty="0"/>
+          </a:p>
+          <a:p>
             <a:pPr lvl="1"/>
             <a:r>
               <a:rPr lang="zh-CN" altLang="en-US" sz="2000" dirty="0"/>
-              <a:t>增广权重向量和增广</a:t>
-            </a:r>
-            <a:r>
-              <a:rPr lang="zh-CN" altLang="en-US" sz="2000" dirty="0" smtClean="0"/>
-              <a:t>特征向量</a:t>
-            </a:r>
-            <a:endParaRPr lang="en-US" altLang="zh-CN" sz="2000" dirty="0" smtClean="0"/>
+              <a:t>增广权重向量和增广特征向量</a:t>
+            </a:r>
+            <a:endParaRPr lang="en-US" altLang="zh-CN" sz="2000" dirty="0"/>
           </a:p>
           <a:p>
             <a:pPr lvl="1"/>
@@ -12436,7 +12069,7 @@
           </a:p>
           <a:p>
             <a:pPr lvl="1"/>
-            <a:endParaRPr lang="en-US" altLang="zh-CN" sz="2000" dirty="0" smtClean="0"/>
+            <a:endParaRPr lang="en-US" altLang="zh-CN" sz="2000" dirty="0"/>
           </a:p>
           <a:p>
             <a:pPr lvl="1"/>
@@ -12544,13 +12177,6 @@
   <p:clrMapOvr>
     <a:masterClrMapping/>
   </p:clrMapOvr>
-  <p:timing>
-    <p:tnLst>
-      <p:par>
-        <p:cTn id="1" dur="indefinite" restart="never" nodeType="tmRoot"/>
-      </p:par>
-    </p:tnLst>
-  </p:timing>
 </p:sld>
 </file>
 
@@ -12587,10 +12213,9 @@
           <a:lstStyle/>
           <a:p>
             <a:r>
-              <a:rPr lang="zh-CN" altLang="en-US" dirty="0" smtClean="0"/>
+              <a:rPr lang="zh-CN" altLang="en-US" dirty="0"/>
               <a:t>优化方法</a:t>
             </a:r>
-            <a:endParaRPr lang="zh-CN" altLang="en-US" dirty="0"/>
           </a:p>
         </p:txBody>
       </p:sp>
@@ -12610,35 +12235,30 @@
           <a:lstStyle/>
           <a:p>
             <a:r>
-              <a:rPr lang="zh-CN" altLang="en-US" dirty="0" smtClean="0"/>
+              <a:rPr lang="zh-CN" altLang="en-US" dirty="0"/>
               <a:t>经验风险最小化（最小二乘法）</a:t>
             </a:r>
-            <a:endParaRPr lang="en-US" altLang="zh-CN" dirty="0" smtClean="0"/>
+            <a:endParaRPr lang="en-US" altLang="zh-CN" dirty="0"/>
           </a:p>
           <a:p>
             <a:r>
               <a:rPr lang="zh-CN" altLang="en-US" dirty="0"/>
               <a:t>结构风险最小化（岭回归）</a:t>
             </a:r>
-            <a:endParaRPr lang="en-US" altLang="zh-CN" dirty="0" smtClean="0"/>
-          </a:p>
-          <a:p>
-            <a:r>
-              <a:rPr lang="zh-CN" altLang="en-US" dirty="0" smtClean="0"/>
+            <a:endParaRPr lang="en-US" altLang="zh-CN" dirty="0"/>
+          </a:p>
+          <a:p>
+            <a:r>
+              <a:rPr lang="zh-CN" altLang="en-US" dirty="0"/>
               <a:t>最大似然估计</a:t>
             </a:r>
-            <a:endParaRPr lang="en-US" altLang="zh-CN" dirty="0" smtClean="0"/>
+            <a:endParaRPr lang="en-US" altLang="zh-CN" dirty="0"/>
           </a:p>
           <a:p>
             <a:r>
               <a:rPr lang="zh-CN" altLang="en-US" dirty="0"/>
-              <a:t>最大</a:t>
-            </a:r>
-            <a:r>
-              <a:rPr lang="zh-CN" altLang="en-US" dirty="0" smtClean="0"/>
-              <a:t>后验估计</a:t>
-            </a:r>
-            <a:endParaRPr lang="zh-CN" altLang="en-US" dirty="0"/>
+              <a:t>最大后验估计</a:t>
+            </a:r>
           </a:p>
         </p:txBody>
       </p:sp>
@@ -12652,13 +12272,6 @@
   <p:clrMapOvr>
     <a:masterClrMapping/>
   </p:clrMapOvr>
-  <p:timing>
-    <p:tnLst>
-      <p:par>
-        <p:cTn id="1" dur="indefinite" restart="never" nodeType="tmRoot"/>
-      </p:par>
-    </p:tnLst>
-  </p:timing>
 </p:sld>
 </file>
 
@@ -12695,10 +12308,9 @@
           <a:lstStyle/>
           <a:p>
             <a:r>
-              <a:rPr lang="zh-CN" altLang="en-US" dirty="0" smtClean="0"/>
+              <a:rPr lang="zh-CN" altLang="en-US" dirty="0"/>
               <a:t>机器学习的几个关键点</a:t>
             </a:r>
-            <a:endParaRPr lang="zh-CN" altLang="en-US" dirty="0"/>
           </a:p>
         </p:txBody>
       </p:sp>
@@ -12712,13 +12324,6 @@
   <p:clrMapOvr>
     <a:masterClrMapping/>
   </p:clrMapOvr>
-  <p:timing>
-    <p:tnLst>
-      <p:par>
-        <p:cTn id="1" dur="indefinite" restart="never" nodeType="tmRoot"/>
-      </p:par>
-    </p:tnLst>
-  </p:timing>
 </p:sld>
 </file>
 
@@ -12755,10 +12360,9 @@
           <a:lstStyle/>
           <a:p>
             <a:r>
-              <a:rPr lang="zh-CN" altLang="en-US" dirty="0" smtClean="0"/>
+              <a:rPr lang="zh-CN" altLang="en-US" dirty="0"/>
               <a:t>如何选择一个合适的模型？</a:t>
             </a:r>
-            <a:endParaRPr lang="zh-CN" altLang="en-US" dirty="0"/>
           </a:p>
         </p:txBody>
       </p:sp>
@@ -12778,89 +12382,33 @@
           <a:lstStyle/>
           <a:p>
             <a:r>
-              <a:rPr lang="zh-CN" altLang="en-US" dirty="0" smtClean="0"/>
+              <a:rPr lang="zh-CN" altLang="en-US" dirty="0"/>
               <a:t>模型选择</a:t>
             </a:r>
-            <a:endParaRPr lang="en-US" altLang="zh-CN" dirty="0" smtClean="0"/>
+            <a:endParaRPr lang="en-US" altLang="zh-CN" dirty="0"/>
           </a:p>
           <a:p>
             <a:pPr lvl="1"/>
             <a:r>
-              <a:rPr lang="zh-CN" altLang="en-US" dirty="0" smtClean="0"/>
-              <a:t>拟合</a:t>
-            </a:r>
-            <a:r>
               <a:rPr lang="zh-CN" altLang="en-US" dirty="0"/>
-              <a:t>能力强的模型一般复杂度会比较高，</a:t>
-            </a:r>
-            <a:r>
-              <a:rPr lang="zh-CN" altLang="en-US" dirty="0" smtClean="0"/>
-              <a:t>容易过</a:t>
-            </a:r>
+              <a:t>拟合能力强的模型一般复杂度会比较高，容易过拟合。</a:t>
+            </a:r>
+            <a:endParaRPr lang="en-US" altLang="zh-CN" dirty="0"/>
+          </a:p>
+          <a:p>
+            <a:pPr lvl="1"/>
             <a:r>
               <a:rPr lang="zh-CN" altLang="en-US" dirty="0"/>
-              <a:t>拟合</a:t>
-            </a:r>
-            <a:r>
-              <a:rPr lang="zh-CN" altLang="en-US" dirty="0" smtClean="0"/>
-              <a:t>。</a:t>
-            </a:r>
-            <a:endParaRPr lang="en-US" altLang="zh-CN" dirty="0" smtClean="0"/>
-          </a:p>
-          <a:p>
-            <a:pPr lvl="1"/>
-            <a:r>
-              <a:rPr lang="zh-CN" altLang="en-US" dirty="0" smtClean="0"/>
-              <a:t>如果</a:t>
-            </a:r>
+              <a:t>如果限制模型复杂度，降低拟合能力，可能会欠拟合。</a:t>
+            </a:r>
+            <a:endParaRPr lang="en-US" altLang="zh-CN" dirty="0"/>
+          </a:p>
+          <a:p>
             <a:r>
               <a:rPr lang="zh-CN" altLang="en-US" dirty="0"/>
-              <a:t>限制</a:t>
-            </a:r>
-            <a:r>
-              <a:rPr lang="zh-CN" altLang="en-US" dirty="0" smtClean="0"/>
-              <a:t>模型复杂</a:t>
-            </a:r>
-            <a:r>
-              <a:rPr lang="zh-CN" altLang="en-US" dirty="0"/>
-              <a:t>度，</a:t>
-            </a:r>
-            <a:r>
-              <a:rPr lang="zh-CN" altLang="en-US" dirty="0" smtClean="0"/>
-              <a:t>降低拟合</a:t>
-            </a:r>
-            <a:r>
-              <a:rPr lang="zh-CN" altLang="en-US" dirty="0"/>
-              <a:t>能力</a:t>
-            </a:r>
-            <a:r>
-              <a:rPr lang="zh-CN" altLang="en-US" dirty="0" smtClean="0"/>
-              <a:t>，可能会欠</a:t>
-            </a:r>
-            <a:r>
-              <a:rPr lang="zh-CN" altLang="en-US" dirty="0"/>
-              <a:t>拟合</a:t>
-            </a:r>
-            <a:r>
-              <a:rPr lang="zh-CN" altLang="en-US" dirty="0" smtClean="0"/>
-              <a:t>。</a:t>
-            </a:r>
-            <a:endParaRPr lang="en-US" altLang="zh-CN" dirty="0" smtClean="0"/>
-          </a:p>
-          <a:p>
-            <a:r>
-              <a:rPr lang="zh-CN" altLang="en-US" dirty="0" smtClean="0"/>
-              <a:t>偏差</a:t>
-            </a:r>
-            <a:r>
-              <a:rPr lang="zh-CN" altLang="en-US" dirty="0"/>
-              <a:t>与</a:t>
-            </a:r>
-            <a:r>
-              <a:rPr lang="zh-CN" altLang="en-US" dirty="0" smtClean="0"/>
-              <a:t>方差分解</a:t>
-            </a:r>
-            <a:endParaRPr lang="en-US" altLang="zh-CN" dirty="0" smtClean="0"/>
+              <a:t>偏差与方差分解</a:t>
+            </a:r>
+            <a:endParaRPr lang="en-US" altLang="zh-CN" dirty="0"/>
           </a:p>
           <a:p>
             <a:pPr lvl="1"/>
@@ -13112,13 +12660,6 @@
   <p:clrMapOvr>
     <a:masterClrMapping/>
   </p:clrMapOvr>
-  <p:timing>
-    <p:tnLst>
-      <p:par>
-        <p:cTn id="1" dur="indefinite" restart="never" nodeType="tmRoot"/>
-      </p:par>
-    </p:tnLst>
-  </p:timing>
 </p:sld>
 </file>
 
@@ -13155,10 +12696,9 @@
           <a:lstStyle/>
           <a:p>
             <a:r>
-              <a:rPr lang="zh-CN" altLang="en-US" dirty="0" smtClean="0"/>
+              <a:rPr lang="zh-CN" altLang="en-US" dirty="0"/>
               <a:t>模型选择：偏差与方差</a:t>
             </a:r>
-            <a:endParaRPr lang="zh-CN" altLang="en-US" dirty="0"/>
           </a:p>
         </p:txBody>
       </p:sp>
@@ -13465,48 +13005,32 @@
           <a:lstStyle/>
           <a:p>
             <a:r>
-              <a:rPr lang="zh-CN" altLang="en-US" dirty="0" smtClean="0"/>
+              <a:rPr lang="zh-CN" altLang="en-US" dirty="0"/>
               <a:t>集成模型</a:t>
             </a:r>
-            <a:endParaRPr lang="en-US" altLang="zh-CN" dirty="0" smtClean="0"/>
-          </a:p>
-          <a:p>
             <a:endParaRPr lang="en-US" altLang="zh-CN" dirty="0"/>
           </a:p>
           <a:p>
-            <a:endParaRPr lang="en-US" altLang="zh-CN" dirty="0" smtClean="0"/>
+            <a:endParaRPr lang="en-US" altLang="zh-CN" dirty="0"/>
+          </a:p>
+          <a:p>
+            <a:endParaRPr lang="en-US" altLang="zh-CN" dirty="0"/>
           </a:p>
           <a:p>
             <a:pPr lvl="1"/>
             <a:r>
-              <a:rPr lang="zh-CN" altLang="en-US" dirty="0" smtClean="0"/>
-              <a:t>通过</a:t>
-            </a:r>
-            <a:r>
               <a:rPr lang="zh-CN" altLang="en-US" dirty="0"/>
-              <a:t>多个高方差模型的平均来降低</a:t>
-            </a:r>
-            <a:r>
-              <a:rPr lang="zh-CN" altLang="en-US" dirty="0" smtClean="0"/>
-              <a:t>方差。</a:t>
-            </a:r>
-            <a:endParaRPr lang="en-US" altLang="zh-CN" dirty="0" smtClean="0"/>
-          </a:p>
-          <a:p>
+              <a:t>通过多个高方差模型的平均来降低方差。</a:t>
+            </a:r>
             <a:endParaRPr lang="en-US" altLang="zh-CN" dirty="0"/>
           </a:p>
           <a:p>
+            <a:endParaRPr lang="en-US" altLang="zh-CN" dirty="0"/>
+          </a:p>
+          <a:p>
             <a:r>
               <a:rPr lang="zh-CN" altLang="en-US" dirty="0"/>
-              <a:t>集成模型的期望</a:t>
-            </a:r>
-            <a:r>
-              <a:rPr lang="zh-CN" altLang="en-US" dirty="0" smtClean="0"/>
-              <a:t>错误大于</a:t>
-            </a:r>
-            <a:r>
-              <a:rPr lang="zh-CN" altLang="en-US" dirty="0"/>
-              <a:t>等于所有模型的平均期望错误的</a:t>
+              <a:t>集成模型的期望错误大于等于所有模型的平均期望错误的</a:t>
             </a:r>
             <a:r>
               <a:rPr lang="en-US" altLang="zh-CN" dirty="0"/>
@@ -13514,15 +13038,7 @@
             </a:r>
             <a:r>
               <a:rPr lang="zh-CN" altLang="en-US" dirty="0"/>
-              <a:t>，小于</a:t>
-            </a:r>
-            <a:r>
-              <a:rPr lang="zh-CN" altLang="en-US" dirty="0" smtClean="0"/>
-              <a:t>等于所有</a:t>
-            </a:r>
-            <a:r>
-              <a:rPr lang="zh-CN" altLang="en-US" dirty="0"/>
-              <a:t>模型的平均期望错误。</a:t>
+              <a:t>，小于等于所有模型的平均期望错误。</a:t>
             </a:r>
           </a:p>
         </p:txBody>
@@ -13597,13 +13113,6 @@
   <p:clrMapOvr>
     <a:masterClrMapping/>
   </p:clrMapOvr>
-  <p:timing>
-    <p:tnLst>
-      <p:par>
-        <p:cTn id="1" dur="indefinite" restart="never" nodeType="tmRoot"/>
-      </p:par>
-    </p:tnLst>
-  </p:timing>
 </p:sld>
 </file>
 
@@ -13640,19 +13149,15 @@
           <a:lstStyle/>
           <a:p>
             <a:r>
-              <a:rPr lang="en-US" altLang="zh-CN" dirty="0" smtClean="0"/>
+              <a:rPr lang="en-US" altLang="zh-CN" dirty="0"/>
               <a:t>PAC</a:t>
             </a:r>
             <a:r>
-              <a:rPr lang="zh-CN" altLang="en-US" dirty="0" smtClean="0"/>
+              <a:rPr lang="zh-CN" altLang="en-US" dirty="0"/>
               <a:t>学习</a:t>
             </a:r>
-            <a:r>
-              <a:rPr lang="en-US" altLang="zh-CN" dirty="0" smtClean="0"/>
-              <a:t/>
-            </a:r>
             <a:br>
-              <a:rPr lang="en-US" altLang="zh-CN" dirty="0" smtClean="0"/>
+              <a:rPr lang="en-US" altLang="zh-CN" dirty="0"/>
             </a:br>
             <a:r>
               <a:rPr lang="en-US" altLang="zh-CN" sz="2400" dirty="0">
@@ -13660,15 +13165,7 @@
                   <a:srgbClr val="FF0000"/>
                 </a:solidFill>
               </a:rPr>
-              <a:t>Probably Approximately </a:t>
-            </a:r>
-            <a:r>
-              <a:rPr lang="en-US" altLang="zh-CN" sz="2400" dirty="0" smtClean="0">
-                <a:solidFill>
-                  <a:srgbClr val="FF0000"/>
-                </a:solidFill>
-              </a:rPr>
-              <a:t>Correct</a:t>
+              <a:t>Probably Approximately Correct</a:t>
             </a:r>
             <a:endParaRPr lang="zh-CN" altLang="en-US" dirty="0">
               <a:solidFill>
@@ -13702,16 +13199,8 @@
               <a:t>|D|</a:t>
             </a:r>
             <a:r>
-              <a:rPr lang="zh-CN" altLang="en-US" dirty="0" smtClean="0"/>
-              <a:t>趋向无穷大</a:t>
-            </a:r>
-            <a:r>
               <a:rPr lang="zh-CN" altLang="en-US" dirty="0"/>
-              <a:t>时，泛化错误</a:t>
-            </a:r>
-            <a:r>
-              <a:rPr lang="zh-CN" altLang="en-US" dirty="0" smtClean="0"/>
-              <a:t>趋向于</a:t>
+              <a:t>趋向无穷大时，泛化错误趋向于</a:t>
             </a:r>
             <a:r>
               <a:rPr lang="en-US" altLang="zh-CN" dirty="0"/>
@@ -13719,27 +13208,15 @@
             </a:r>
             <a:r>
               <a:rPr lang="zh-CN" altLang="en-US" dirty="0"/>
-              <a:t>，</a:t>
-            </a:r>
-            <a:r>
-              <a:rPr lang="zh-CN" altLang="en-US" dirty="0" smtClean="0"/>
-              <a:t>即经验风险</a:t>
-            </a:r>
-            <a:r>
-              <a:rPr lang="zh-CN" altLang="en-US" dirty="0"/>
-              <a:t>趋近于期望风险</a:t>
-            </a:r>
-            <a:r>
-              <a:rPr lang="zh-CN" altLang="en-US" dirty="0" smtClean="0"/>
-              <a:t>。</a:t>
-            </a:r>
-            <a:endParaRPr lang="en-US" altLang="zh-CN" dirty="0" smtClean="0"/>
-          </a:p>
-          <a:p>
+              <a:t>，即经验风险趋近于期望风险。</a:t>
+            </a:r>
             <a:endParaRPr lang="en-US" altLang="zh-CN" dirty="0"/>
           </a:p>
           <a:p>
-            <a:endParaRPr lang="en-US" altLang="zh-CN" dirty="0" smtClean="0"/>
+            <a:endParaRPr lang="en-US" altLang="zh-CN" dirty="0"/>
+          </a:p>
+          <a:p>
+            <a:endParaRPr lang="en-US" altLang="zh-CN" dirty="0"/>
           </a:p>
           <a:p>
             <a:r>
@@ -13844,23 +13321,7 @@
                   <a:srgbClr val="FF0000"/>
                 </a:solidFill>
               </a:rPr>
-              <a:t>近似</a:t>
-            </a:r>
-            <a:r>
-              <a:rPr lang="zh-CN" altLang="en-US" dirty="0" smtClean="0">
-                <a:solidFill>
-                  <a:srgbClr val="FF0000"/>
-                </a:solidFill>
-              </a:rPr>
-              <a:t>正确，</a:t>
-            </a:r>
-            <a:r>
-              <a:rPr lang="el-GR" altLang="zh-CN" dirty="0" smtClean="0">
-                <a:solidFill>
-                  <a:srgbClr val="FF0000"/>
-                </a:solidFill>
-              </a:rPr>
-              <a:t>0 </a:t>
+              <a:t>近似正确，</a:t>
             </a:r>
             <a:r>
               <a:rPr lang="el-GR" altLang="zh-CN" dirty="0">
@@ -13868,18 +13329,10 @@
                   <a:srgbClr val="FF0000"/>
                 </a:solidFill>
               </a:rPr>
-              <a:t>&lt; ϵ </a:t>
-            </a:r>
-            <a:r>
-              <a:rPr lang="el-GR" altLang="zh-CN" dirty="0" smtClean="0">
-                <a:solidFill>
-                  <a:srgbClr val="FF0000"/>
-                </a:solidFill>
-              </a:rPr>
-              <a:t>&lt;</a:t>
-            </a:r>
-            <a:r>
-              <a:rPr lang="en-US" altLang="zh-CN" dirty="0" smtClean="0">
+              <a:t>0 &lt; ϵ &lt;</a:t>
+            </a:r>
+            <a:r>
+              <a:rPr lang="en-US" altLang="zh-CN" dirty="0">
                 <a:solidFill>
                   <a:srgbClr val="FF0000"/>
                 </a:solidFill>
@@ -13986,7 +13439,7 @@
           <a:lstStyle/>
           <a:p>
             <a:r>
-              <a:rPr lang="zh-CN" altLang="en-US" dirty="0" smtClean="0">
+              <a:rPr lang="zh-CN" altLang="en-US" dirty="0">
                 <a:solidFill>
                   <a:srgbClr val="FF0000"/>
                 </a:solidFill>
@@ -13994,31 +13447,15 @@
               <a:t>可能，</a:t>
             </a:r>
             <a:r>
-              <a:rPr lang="el-GR" altLang="zh-CN" dirty="0" smtClean="0">
-                <a:solidFill>
-                  <a:srgbClr val="FF0000"/>
-                </a:solidFill>
-              </a:rPr>
-              <a:t>0 </a:t>
-            </a:r>
-            <a:r>
               <a:rPr lang="el-GR" altLang="zh-CN" dirty="0">
                 <a:solidFill>
                   <a:srgbClr val="FF0000"/>
                 </a:solidFill>
               </a:rPr>
-              <a:t>&lt; δ </a:t>
-            </a:r>
-            <a:r>
-              <a:rPr lang="el-GR" altLang="zh-CN" dirty="0" smtClean="0">
-                <a:solidFill>
-                  <a:srgbClr val="FF0000"/>
-                </a:solidFill>
-              </a:rPr>
-              <a:t>&lt;</a:t>
-            </a:r>
-            <a:r>
-              <a:rPr lang="en-US" altLang="zh-CN" dirty="0" smtClean="0">
+              <a:t>0 &lt; δ &lt;</a:t>
+            </a:r>
+            <a:r>
+              <a:rPr lang="en-US" altLang="zh-CN" dirty="0">
                 <a:solidFill>
                   <a:srgbClr val="FF0000"/>
                 </a:solidFill>
@@ -14043,13 +13480,6 @@
   <p:clrMapOvr>
     <a:masterClrMapping/>
   </p:clrMapOvr>
-  <p:timing>
-    <p:tnLst>
-      <p:par>
-        <p:cTn id="1" dur="indefinite" restart="never" nodeType="tmRoot"/>
-      </p:par>
-    </p:tnLst>
-  </p:timing>
 </p:sld>
 </file>
 
@@ -14141,7 +13571,7 @@
           <a:lstStyle/>
           <a:p>
             <a:pPr algn="ctr"/>
-            <a:endParaRPr lang="en-US" altLang="zh-CN" sz="2400" dirty="0" smtClean="0"/>
+            <a:endParaRPr lang="en-US" altLang="zh-CN" sz="2400" dirty="0"/>
           </a:p>
           <a:p>
             <a:pPr algn="ctr"/>
@@ -14172,19 +13602,19 @@
           <a:lstStyle/>
           <a:p>
             <a:r>
-              <a:rPr lang="zh-CN" altLang="en-US" dirty="0" smtClean="0"/>
+              <a:rPr lang="zh-CN" altLang="en-US" dirty="0"/>
               <a:t>独立同分布 </a:t>
             </a:r>
             <a:r>
-              <a:rPr lang="en-US" altLang="zh-CN" dirty="0" smtClean="0"/>
+              <a:rPr lang="en-US" altLang="zh-CN" dirty="0"/>
               <a:t>p(</a:t>
             </a:r>
             <a:r>
-              <a:rPr lang="en-US" altLang="zh-CN" dirty="0" err="1" smtClean="0"/>
+              <a:rPr lang="en-US" altLang="zh-CN" dirty="0" err="1"/>
               <a:t>x,y</a:t>
             </a:r>
             <a:r>
-              <a:rPr lang="en-US" altLang="zh-CN" dirty="0" smtClean="0"/>
+              <a:rPr lang="en-US" altLang="zh-CN" dirty="0"/>
               <a:t>)</a:t>
             </a:r>
             <a:endParaRPr lang="zh-CN" altLang="en-US" dirty="0"/>
@@ -14243,15 +13673,7 @@
           <a:p>
             <a:r>
               <a:rPr lang="zh-CN" altLang="en-US" sz="2000" dirty="0"/>
-              <a:t>机器学习：从数据中获得决策（预测）</a:t>
-            </a:r>
-            <a:r>
-              <a:rPr lang="zh-CN" altLang="en-US" sz="2000" dirty="0" smtClean="0"/>
-              <a:t>函数使得</a:t>
-            </a:r>
-            <a:r>
-              <a:rPr lang="zh-CN" altLang="en-US" sz="2000" dirty="0"/>
-              <a:t>机器可以根据数据进行自动学习，通过算法使得机器能从大量历史数据中学习规律从而对新的样本做决策。</a:t>
+              <a:t>机器学习：从数据中获得决策（预测）函数使得机器可以根据数据进行自动学习，通过算法使得机器能从大量历史数据中学习规律从而对新的样本做决策。</a:t>
             </a:r>
             <a:endParaRPr lang="en-US" altLang="zh-CN" sz="2000" dirty="0"/>
           </a:p>
@@ -14425,10 +13847,9 @@
           <a:lstStyle/>
           <a:p>
             <a:r>
-              <a:rPr lang="zh-CN" altLang="en-US" dirty="0" smtClean="0"/>
+              <a:rPr lang="zh-CN" altLang="en-US" dirty="0"/>
               <a:t>样本复杂度</a:t>
             </a:r>
-            <a:endParaRPr lang="zh-CN" altLang="en-US" dirty="0"/>
           </a:p>
         </p:txBody>
       </p:sp>
@@ -14459,33 +13880,21 @@
                 </a:r>
                 <a:r>
                   <a:rPr lang="zh-CN" altLang="en-US" dirty="0"/>
-                  <a:t>，可以反过来</a:t>
+                  <a:t>，可以反过来计算出样本复杂度为</a:t>
                 </a:r>
-                <a:r>
-                  <a:rPr lang="zh-CN" altLang="en-US" dirty="0" smtClean="0"/>
-                  <a:t>计算</a:t>
-                </a:r>
-                <a:r>
-                  <a:rPr lang="zh-CN" altLang="en-US" dirty="0"/>
-                  <a:t>出样本复杂度</a:t>
-                </a:r>
-                <a:r>
-                  <a:rPr lang="zh-CN" altLang="en-US" dirty="0" smtClean="0"/>
-                  <a:t>为</a:t>
-                </a:r>
-                <a:endParaRPr lang="en-US" altLang="zh-CN" dirty="0" smtClean="0"/>
+                <a:endParaRPr lang="en-US" altLang="zh-CN" dirty="0"/>
               </a:p>
               <a:p>
                 <a:endParaRPr lang="en-US" altLang="zh-CN" dirty="0"/>
               </a:p>
               <a:p>
                 <a:pPr lvl="1"/>
-                <a:endParaRPr lang="en-US" altLang="zh-CN" dirty="0" smtClean="0"/>
+                <a:endParaRPr lang="en-US" altLang="zh-CN" dirty="0"/>
               </a:p>
               <a:p>
                 <a:pPr lvl="1"/>
                 <a:r>
-                  <a:rPr lang="zh-CN" altLang="en-US" dirty="0" smtClean="0"/>
+                  <a:rPr lang="zh-CN" altLang="en-US" dirty="0"/>
                   <a:t>其中</a:t>
                 </a:r>
                 <a:r>
@@ -14509,71 +13918,46 @@
                 </a:r>
                 <a:r>
                   <a:rPr lang="zh-CN" altLang="en-US" dirty="0"/>
-                  <a:t>为假设空间的</a:t>
+                  <a:t>为假设空间的大小，可以用</a:t>
                 </a:r>
                 <a:r>
-                  <a:rPr lang="zh-CN" altLang="en-US" dirty="0" smtClean="0"/>
-                  <a:t>大小，可以用</a:t>
-                </a:r>
-                <a:r>
-                  <a:rPr lang="en-US" altLang="zh-CN" dirty="0" err="1" smtClean="0"/>
+                  <a:rPr lang="en-US" altLang="zh-CN" dirty="0" err="1"/>
                   <a:t>Rademacher</a:t>
                 </a:r>
                 <a:r>
-                  <a:rPr lang="zh-CN" altLang="en-US" dirty="0" smtClean="0"/>
+                  <a:rPr lang="zh-CN" altLang="en-US" dirty="0"/>
                   <a:t>复杂性或</a:t>
                 </a:r>
                 <a:r>
-                  <a:rPr lang="en-US" altLang="zh-CN" dirty="0" smtClean="0"/>
+                  <a:rPr lang="en-US" altLang="zh-CN" dirty="0"/>
                   <a:t>VC</a:t>
                 </a:r>
                 <a:r>
-                  <a:rPr lang="zh-CN" altLang="en-US" dirty="0" smtClean="0"/>
+                  <a:rPr lang="zh-CN" altLang="en-US" dirty="0"/>
                   <a:t>维来衡量。</a:t>
                 </a:r>
-                <a:endParaRPr lang="zh-CN" altLang="en-US" dirty="0"/>
               </a:p>
               <a:p>
-                <a:endParaRPr lang="en-US" altLang="zh-CN" dirty="0" smtClean="0"/>
+                <a:endParaRPr lang="en-US" altLang="zh-CN" dirty="0"/>
               </a:p>
               <a:p>
                 <a:r>
-                  <a:rPr lang="en-US" altLang="zh-CN" sz="2400" dirty="0" smtClean="0"/>
+                  <a:rPr lang="en-US" altLang="zh-CN" sz="2400" dirty="0"/>
                   <a:t>PAC</a:t>
                 </a:r>
                 <a:r>
-                  <a:rPr lang="zh-CN" altLang="en-US" sz="2400" dirty="0" smtClean="0"/>
-                  <a:t>学习理论可以帮助分析一个机器学习方法在什么条件下可以学习到</a:t>
+                  <a:rPr lang="zh-CN" altLang="en-US" sz="2400" dirty="0"/>
+                  <a:t>学习理论可以帮助分析一个机器学习方法在什么条件下可以学习到一个近似正确的分类器。</a:t>
                 </a:r>
-                <a:r>
-                  <a:rPr lang="zh-CN" altLang="en-US" sz="2400" dirty="0"/>
-                  <a:t>一个近似正确的分类器</a:t>
-                </a:r>
-                <a:r>
-                  <a:rPr lang="zh-CN" altLang="en-US" sz="2400" dirty="0" smtClean="0"/>
-                  <a:t>。</a:t>
-                </a:r>
-                <a:endParaRPr lang="en-US" altLang="zh-CN" sz="2400" dirty="0" smtClean="0"/>
+                <a:endParaRPr lang="en-US" altLang="zh-CN" sz="2400" dirty="0"/>
               </a:p>
               <a:p>
-                <a:endParaRPr lang="en-US" altLang="zh-CN" sz="2400" dirty="0" smtClean="0"/>
+                <a:endParaRPr lang="en-US" altLang="zh-CN" sz="2400" dirty="0"/>
               </a:p>
               <a:p>
                 <a:r>
-                  <a:rPr lang="zh-CN" altLang="en-US" sz="2400" dirty="0" smtClean="0"/>
-                  <a:t>如果</a:t>
-                </a:r>
-                <a:r>
                   <a:rPr lang="zh-CN" altLang="en-US" sz="2400" dirty="0"/>
-                  <a:t>希望模型的假设</a:t>
-                </a:r>
-                <a:r>
-                  <a:rPr lang="zh-CN" altLang="en-US" sz="2400" dirty="0" smtClean="0"/>
-                  <a:t>空间越</a:t>
-                </a:r>
-                <a:r>
-                  <a:rPr lang="zh-CN" altLang="en-US" sz="2400" dirty="0"/>
-                  <a:t>大，泛化错误越小，其需要的样本数量越多。</a:t>
+                  <a:t>如果希望模型的假设空间越大，泛化错误越小，其需要的样本数量越多。</a:t>
                 </a:r>
               </a:p>
             </p:txBody>
@@ -14653,13 +14037,6 @@
   <p:clrMapOvr>
     <a:masterClrMapping/>
   </p:clrMapOvr>
-  <p:timing>
-    <p:tnLst>
-      <p:par>
-        <p:cTn id="1" dur="indefinite" restart="never" nodeType="tmRoot"/>
-      </p:par>
-    </p:tnLst>
-  </p:timing>
 </p:sld>
 </file>
 
@@ -14718,21 +14095,6 @@
   <p:clrMapOvr>
     <a:masterClrMapping/>
   </p:clrMapOvr>
-  <mc:AlternateContent xmlns:mc="http://schemas.openxmlformats.org/markup-compatibility/2006" xmlns:p14="http://schemas.microsoft.com/office/powerpoint/2010/main">
-    <mc:Choice Requires="p14">
-      <p:transition spd="slow" p14:dur="2000"/>
-    </mc:Choice>
-    <mc:Fallback xmlns="">
-      <p:transition spd="slow"/>
-    </mc:Fallback>
-  </mc:AlternateContent>
-  <p:timing>
-    <p:tnLst>
-      <p:par>
-        <p:cTn id="1" dur="indefinite" restart="never" nodeType="tmRoot"/>
-      </p:par>
-    </p:tnLst>
-  </p:timing>
 </p:sld>
 </file>
 
@@ -14769,10 +14131,9 @@
           <a:lstStyle/>
           <a:p>
             <a:r>
-              <a:rPr lang="zh-CN" altLang="en-US" dirty="0" smtClean="0"/>
+              <a:rPr lang="zh-CN" altLang="en-US" dirty="0"/>
               <a:t>常见的机器学习问题</a:t>
             </a:r>
-            <a:endParaRPr lang="zh-CN" altLang="en-US" dirty="0"/>
           </a:p>
         </p:txBody>
       </p:sp>
@@ -14830,10 +14191,9 @@
           <a:p>
             <a:pPr algn="ctr"/>
             <a:r>
-              <a:rPr lang="zh-CN" altLang="en-US" sz="2800" dirty="0" smtClean="0"/>
+              <a:rPr lang="zh-CN" altLang="en-US" sz="2800" dirty="0"/>
               <a:t>分类</a:t>
             </a:r>
-            <a:endParaRPr lang="zh-CN" altLang="en-US" sz="2800" dirty="0"/>
           </a:p>
         </p:txBody>
       </p:sp>
@@ -14885,10 +14245,9 @@
           <a:p>
             <a:pPr algn="ctr"/>
             <a:r>
-              <a:rPr lang="zh-CN" altLang="en-US" sz="2800" dirty="0" smtClean="0"/>
+              <a:rPr lang="zh-CN" altLang="en-US" sz="2800" dirty="0"/>
               <a:t>聚类</a:t>
             </a:r>
-            <a:endParaRPr lang="zh-CN" altLang="en-US" sz="2800" dirty="0"/>
           </a:p>
         </p:txBody>
       </p:sp>
@@ -14902,13 +14261,6 @@
   <p:clrMapOvr>
     <a:masterClrMapping/>
   </p:clrMapOvr>
-  <p:timing>
-    <p:tnLst>
-      <p:par>
-        <p:cTn id="1" dur="indefinite" restart="never" nodeType="tmRoot"/>
-      </p:par>
-    </p:tnLst>
-  </p:timing>
 </p:sld>
 </file>
 
@@ -14945,10 +14297,9 @@
           <a:lstStyle/>
           <a:p>
             <a:r>
-              <a:rPr lang="zh-CN" altLang="en-US" dirty="0" smtClean="0"/>
+              <a:rPr lang="zh-CN" altLang="en-US" dirty="0"/>
               <a:t>常见的机器学习类型</a:t>
             </a:r>
-            <a:endParaRPr lang="zh-CN" altLang="en-US" dirty="0"/>
           </a:p>
         </p:txBody>
       </p:sp>
@@ -14992,13 +14343,6 @@
   <p:clrMapOvr>
     <a:masterClrMapping/>
   </p:clrMapOvr>
-  <p:timing>
-    <p:tnLst>
-      <p:par>
-        <p:cTn id="1" dur="indefinite" restart="never" nodeType="tmRoot"/>
-      </p:par>
-    </p:tnLst>
-  </p:timing>
 </p:sld>
 </file>
 
@@ -15035,10 +14379,9 @@
           <a:lstStyle/>
           <a:p>
             <a:r>
-              <a:rPr lang="zh-CN" altLang="en-US" dirty="0" smtClean="0"/>
+              <a:rPr lang="zh-CN" altLang="en-US" dirty="0"/>
               <a:t>机器学习的三要素</a:t>
             </a:r>
-            <a:endParaRPr lang="zh-CN" altLang="en-US" dirty="0"/>
           </a:p>
         </p:txBody>
       </p:sp>
@@ -15060,47 +14403,34 @@
               <a:lstStyle/>
               <a:p>
                 <a:r>
-                  <a:rPr lang="zh-CN" altLang="en-US" dirty="0" smtClean="0">
+                  <a:rPr lang="zh-CN" altLang="en-US" dirty="0">
                     <a:solidFill>
                       <a:srgbClr val="FF0000"/>
                     </a:solidFill>
                   </a:rPr>
                   <a:t>模型</a:t>
                 </a:r>
-                <a:endParaRPr lang="zh-CN" altLang="en-US" dirty="0">
-                  <a:solidFill>
-                    <a:srgbClr val="FF0000"/>
-                  </a:solidFill>
-                </a:endParaRPr>
               </a:p>
               <a:p>
                 <a:pPr lvl="1"/>
                 <a:r>
-                  <a:rPr lang="zh-CN" altLang="en-US" dirty="0" smtClean="0"/>
+                  <a:rPr lang="zh-CN" altLang="en-US" dirty="0"/>
                   <a:t>线性方法：</a:t>
                 </a:r>
-                <a:endParaRPr lang="en-US" altLang="zh-CN" dirty="0" smtClean="0"/>
+                <a:endParaRPr lang="en-US" altLang="zh-CN" dirty="0"/>
               </a:p>
               <a:p>
                 <a:pPr lvl="1"/>
                 <a:r>
-                  <a:rPr lang="zh-CN" altLang="en-US" dirty="0" smtClean="0"/>
-                  <a:t>广义</a:t>
+                  <a:rPr lang="zh-CN" altLang="en-US" dirty="0"/>
+                  <a:t>广义线性方法：</a:t>
                 </a:r>
-                <a:r>
-                  <a:rPr lang="zh-CN" altLang="en-US" dirty="0"/>
-                  <a:t>线性方法</a:t>
-                </a:r>
-                <a:r>
-                  <a:rPr lang="zh-CN" altLang="en-US" dirty="0" smtClean="0"/>
-                  <a:t>：</a:t>
-                </a:r>
-                <a:endParaRPr lang="en-US" altLang="zh-CN" dirty="0" smtClean="0"/>
+                <a:endParaRPr lang="en-US" altLang="zh-CN" dirty="0"/>
               </a:p>
               <a:p>
                 <a:pPr lvl="2"/>
                 <a:r>
-                  <a:rPr lang="zh-CN" altLang="en-US" dirty="0" smtClean="0"/>
+                  <a:rPr lang="zh-CN" altLang="en-US" dirty="0"/>
                   <a:t>如果</a:t>
                 </a:r>
                 <a14:m>
@@ -15136,12 +14466,8 @@
                   </m:oMath>
                 </a14:m>
                 <a:r>
-                  <a:rPr lang="zh-CN" altLang="en-US" dirty="0" smtClean="0"/>
-                  <a:t>为</a:t>
-                </a:r>
-                <a:r>
                   <a:rPr lang="zh-CN" altLang="en-US" dirty="0"/>
-                  <a:t>可学习的非线性基函数，</a:t>
+                  <a:t>为可学习的非线性基函数，</a:t>
                 </a:r>
                 <a14:m>
                   <m:oMath xmlns:m="http://schemas.openxmlformats.org/officeDocument/2006/math">
@@ -15190,21 +14516,12 @@
                   </m:oMath>
                 </a14:m>
                 <a:r>
-                  <a:rPr lang="zh-CN" altLang="en-US" dirty="0" smtClean="0"/>
-                  <a:t>就</a:t>
+                  <a:rPr lang="zh-CN" altLang="en-US" dirty="0"/>
+                  <a:t>就等价于神经网络。</a:t>
                 </a:r>
-                <a:r>
-                  <a:rPr lang="zh-CN" altLang="en-US" dirty="0"/>
-                  <a:t>等价于</a:t>
-                </a:r>
-                <a:r>
-                  <a:rPr lang="zh-CN" altLang="en-US" dirty="0" smtClean="0"/>
-                  <a:t>神经网络。</a:t>
-                </a:r>
-                <a:endParaRPr lang="zh-CN" altLang="en-US" dirty="0"/>
               </a:p>
               <a:p>
-                <a:endParaRPr lang="en-US" altLang="zh-CN" dirty="0" smtClean="0">
+                <a:endParaRPr lang="en-US" altLang="zh-CN" dirty="0">
                   <a:solidFill>
                     <a:srgbClr val="FF0000"/>
                   </a:solidFill>
@@ -15212,14 +14529,14 @@
               </a:p>
               <a:p>
                 <a:r>
-                  <a:rPr lang="zh-CN" altLang="en-US" dirty="0" smtClean="0">
+                  <a:rPr lang="zh-CN" altLang="en-US" dirty="0">
                     <a:solidFill>
                       <a:srgbClr val="FF0000"/>
                     </a:solidFill>
                   </a:rPr>
                   <a:t>学习准则</a:t>
                 </a:r>
-                <a:endParaRPr lang="en-US" altLang="zh-CN" dirty="0" smtClean="0">
+                <a:endParaRPr lang="en-US" altLang="zh-CN" dirty="0">
                   <a:solidFill>
                     <a:srgbClr val="FF0000"/>
                   </a:solidFill>
@@ -15228,21 +14545,21 @@
               <a:p>
                 <a:pPr lvl="1"/>
                 <a:r>
-                  <a:rPr lang="zh-CN" altLang="en-US" dirty="0" smtClean="0">
+                  <a:rPr lang="zh-CN" altLang="en-US" dirty="0">
                     <a:solidFill>
                       <a:schemeClr val="tx1"/>
                     </a:solidFill>
                   </a:rPr>
                   <a:t>期望风险</a:t>
                 </a:r>
-                <a:endParaRPr lang="en-US" altLang="zh-CN" dirty="0" smtClean="0">
+                <a:endParaRPr lang="en-US" altLang="zh-CN" dirty="0">
                   <a:solidFill>
                     <a:schemeClr val="tx1"/>
                   </a:solidFill>
                 </a:endParaRPr>
               </a:p>
               <a:p>
-                <a:endParaRPr lang="en-US" altLang="zh-CN" dirty="0" smtClean="0">
+                <a:endParaRPr lang="en-US" altLang="zh-CN" dirty="0">
                   <a:solidFill>
                     <a:srgbClr val="FF0000"/>
                   </a:solidFill>
@@ -15250,14 +14567,14 @@
               </a:p>
               <a:p>
                 <a:r>
-                  <a:rPr lang="zh-CN" altLang="en-US" dirty="0" smtClean="0">
+                  <a:rPr lang="zh-CN" altLang="en-US" dirty="0">
                     <a:solidFill>
                       <a:srgbClr val="FF0000"/>
                     </a:solidFill>
                   </a:rPr>
                   <a:t>优化</a:t>
                 </a:r>
-                <a:endParaRPr lang="en-US" altLang="zh-CN" dirty="0" smtClean="0">
+                <a:endParaRPr lang="en-US" altLang="zh-CN" dirty="0">
                   <a:solidFill>
                     <a:srgbClr val="FF0000"/>
                   </a:solidFill>
@@ -15266,18 +14583,13 @@
               <a:p>
                 <a:pPr lvl="1"/>
                 <a:r>
-                  <a:rPr lang="zh-CN" altLang="en-US" dirty="0" smtClean="0">
+                  <a:rPr lang="zh-CN" altLang="en-US" dirty="0">
                     <a:solidFill>
                       <a:schemeClr val="tx1"/>
                     </a:solidFill>
                   </a:rPr>
                   <a:t>梯度下降</a:t>
                 </a:r>
-                <a:endParaRPr lang="zh-CN" altLang="en-US" dirty="0">
-                  <a:solidFill>
-                    <a:schemeClr val="tx1"/>
-                  </a:solidFill>
-                </a:endParaRPr>
               </a:p>
             </p:txBody>
           </p:sp>
@@ -15416,13 +14728,6 @@
   <p:clrMapOvr>
     <a:masterClrMapping/>
   </p:clrMapOvr>
-  <p:timing>
-    <p:tnLst>
-      <p:par>
-        <p:cTn id="1" dur="indefinite" restart="never" nodeType="tmRoot"/>
-      </p:par>
-    </p:tnLst>
-  </p:timing>
 </p:sld>
 </file>
 
@@ -15459,10 +14764,9 @@
           <a:lstStyle/>
           <a:p>
             <a:r>
-              <a:rPr lang="zh-CN" altLang="en-US" dirty="0" smtClean="0"/>
+              <a:rPr lang="zh-CN" altLang="en-US" dirty="0"/>
               <a:t>损失函数</a:t>
             </a:r>
-            <a:endParaRPr lang="zh-CN" altLang="en-US" dirty="0"/>
           </a:p>
         </p:txBody>
       </p:sp>
@@ -15486,20 +14790,20 @@
               <a:t>0-1</a:t>
             </a:r>
             <a:r>
-              <a:rPr lang="zh-CN" altLang="en-US" dirty="0" smtClean="0"/>
+              <a:rPr lang="zh-CN" altLang="en-US" dirty="0"/>
               <a:t>损失函数</a:t>
             </a:r>
-            <a:endParaRPr lang="en-US" altLang="zh-CN" dirty="0" smtClean="0"/>
-          </a:p>
-          <a:p>
             <a:endParaRPr lang="en-US" altLang="zh-CN" dirty="0"/>
           </a:p>
           <a:p>
-            <a:endParaRPr lang="en-US" altLang="zh-CN" dirty="0" smtClean="0"/>
-          </a:p>
-          <a:p>
-            <a:r>
-              <a:rPr lang="zh-CN" altLang="en-US" dirty="0" smtClean="0"/>
+            <a:endParaRPr lang="en-US" altLang="zh-CN" dirty="0"/>
+          </a:p>
+          <a:p>
+            <a:endParaRPr lang="en-US" altLang="zh-CN" dirty="0"/>
+          </a:p>
+          <a:p>
+            <a:r>
+              <a:rPr lang="zh-CN" altLang="en-US" dirty="0"/>
               <a:t>平方损失函数</a:t>
             </a:r>
             <a:endParaRPr lang="en-US" altLang="zh-CN" dirty="0"/>
@@ -15582,13 +14886,6 @@
   <p:clrMapOvr>
     <a:masterClrMapping/>
   </p:clrMapOvr>
-  <p:timing>
-    <p:tnLst>
-      <p:par>
-        <p:cTn id="1" dur="indefinite" restart="never" nodeType="tmRoot"/>
-      </p:par>
-    </p:tnLst>
-  </p:timing>
 </p:sld>
 </file>
 
@@ -15625,15 +14922,14 @@
           <a:lstStyle/>
           <a:p>
             <a:r>
-              <a:rPr lang="zh-CN" altLang="en-US" dirty="0" smtClean="0"/>
+              <a:rPr lang="zh-CN" altLang="en-US" dirty="0"/>
               <a:t>后验概率的损失函数</a:t>
             </a:r>
-            <a:endParaRPr lang="zh-CN" altLang="en-US" dirty="0"/>
           </a:p>
         </p:txBody>
       </p:sp>
-      <mc:AlternateContent xmlns:mc="http://schemas.openxmlformats.org/markup-compatibility/2006">
-        <mc:Choice xmlns:a14="http://schemas.microsoft.com/office/drawing/2010/main" Requires="a14">
+      <mc:AlternateContent xmlns:mc="http://schemas.openxmlformats.org/markup-compatibility/2006" xmlns:a14="http://schemas.microsoft.com/office/drawing/2010/main">
+        <mc:Choice Requires="a14">
           <p:sp>
             <p:nvSpPr>
               <p:cNvPr id="3" name="内容占位符 2"/>
@@ -15712,16 +15008,12 @@
                     </m:r>
                   </m:oMath>
                 </a14:m>
-                <a:endParaRPr lang="en-US" altLang="zh-CN" dirty="0" smtClean="0"/>
+                <a:endParaRPr lang="en-US" altLang="zh-CN" dirty="0"/>
               </a:p>
               <a:p>
                 <a:r>
-                  <a:rPr lang="zh-CN" altLang="en-US" dirty="0" smtClean="0"/>
-                  <a:t>真实</a:t>
-                </a:r>
-                <a:r>
-                  <a:rPr lang="zh-CN" altLang="en-US" dirty="0" smtClean="0"/>
-                  <a:t>条件概率</a:t>
+                  <a:rPr lang="zh-CN" altLang="en-US" dirty="0"/>
+                  <a:t>真实条件概率</a:t>
                 </a:r>
                 <a14:m>
                   <m:oMath xmlns:m="http://schemas.openxmlformats.org/officeDocument/2006/math">
@@ -15782,38 +15074,33 @@
                     </m:r>
                   </m:oMath>
                 </a14:m>
-                <a:endParaRPr lang="en-US" altLang="zh-CN" dirty="0" smtClean="0"/>
+                <a:endParaRPr lang="en-US" altLang="zh-CN" dirty="0"/>
               </a:p>
               <a:p>
                 <a:r>
-                  <a:rPr lang="zh-CN" altLang="en-US" dirty="0" smtClean="0"/>
-                  <a:t>如何</a:t>
+                  <a:rPr lang="zh-CN" altLang="en-US" dirty="0"/>
+                  <a:t>如何衡量两个条件分布的差异？</a:t>
                 </a:r>
-                <a:r>
-                  <a:rPr lang="zh-CN" altLang="en-US" dirty="0" smtClean="0"/>
-                  <a:t>衡量两个条件分布的差异？</a:t>
-                </a:r>
-                <a:endParaRPr lang="en-US" altLang="zh-CN" dirty="0" smtClean="0"/>
+                <a:endParaRPr lang="en-US" altLang="zh-CN" dirty="0"/>
               </a:p>
               <a:p>
                 <a:pPr lvl="1"/>
-                <a:endParaRPr lang="en-US" altLang="zh-CN" dirty="0" smtClean="0"/>
+                <a:endParaRPr lang="en-US" altLang="zh-CN" dirty="0"/>
               </a:p>
               <a:p>
                 <a:r>
-                  <a:rPr lang="en-US" altLang="zh-CN" dirty="0" smtClean="0"/>
+                  <a:rPr lang="en-US" altLang="zh-CN" dirty="0"/>
                   <a:t>KL</a:t>
                 </a:r>
                 <a:r>
-                  <a:rPr lang="zh-CN" altLang="en-US" dirty="0" smtClean="0"/>
+                  <a:rPr lang="zh-CN" altLang="en-US" dirty="0"/>
                   <a:t>散度</a:t>
                 </a:r>
-                <a:endParaRPr lang="zh-CN" altLang="en-US" dirty="0"/>
               </a:p>
             </p:txBody>
           </p:sp>
         </mc:Choice>
-        <mc:Fallback>
+        <mc:Fallback xmlns="">
           <p:sp>
             <p:nvSpPr>
               <p:cNvPr id="3" name="内容占位符 2"/>
@@ -16904,7 +16191,7 @@
               <a:lstStyle/>
               <a:p>
                 <a:r>
-                  <a:rPr lang="zh-CN" altLang="en-US" dirty="0" smtClean="0">
+                  <a:rPr lang="zh-CN" altLang="en-US" dirty="0">
                     <a:solidFill>
                       <a:srgbClr val="FF0000"/>
                     </a:solidFill>
@@ -17066,20 +16353,12 @@
               <a:lstStyle/>
               <a:p>
                 <a:r>
-                  <a:rPr lang="zh-CN" altLang="en-US" dirty="0" smtClean="0">
-                    <a:solidFill>
-                      <a:srgbClr val="FF0000"/>
-                    </a:solidFill>
-                  </a:rPr>
-                  <a:t>预测</a:t>
-                </a:r>
-                <a:r>
                   <a:rPr lang="zh-CN" altLang="en-US" dirty="0">
                     <a:solidFill>
                       <a:srgbClr val="FF0000"/>
                     </a:solidFill>
                   </a:rPr>
-                  <a:t>概率的负对数</a:t>
+                  <a:t>预测概率的负对数</a:t>
                 </a:r>
                 <a14:m>
                   <m:oMath xmlns:m="http://schemas.openxmlformats.org/officeDocument/2006/math">
@@ -17503,13 +16782,6 @@
   <p:clrMapOvr>
     <a:masterClrMapping/>
   </p:clrMapOvr>
-  <p:timing>
-    <p:tnLst>
-      <p:par>
-        <p:cTn id="1" dur="indefinite" restart="never" nodeType="tmRoot"/>
-      </p:par>
-    </p:tnLst>
-  </p:timing>
 </p:sld>
 </file>
 

--- a/ppt/chap-机器学习概述.pptx
+++ b/ppt/chap-机器学习概述.pptx
@@ -5,40 +5,41 @@
     <p:sldMasterId id="2147483756" r:id="rId1"/>
   </p:sldMasterIdLst>
   <p:notesMasterIdLst>
-    <p:notesMasterId r:id="rId33"/>
+    <p:notesMasterId r:id="rId34"/>
   </p:notesMasterIdLst>
   <p:sldIdLst>
     <p:sldId id="256" r:id="rId2"/>
     <p:sldId id="448" r:id="rId3"/>
     <p:sldId id="468" r:id="rId4"/>
     <p:sldId id="511" r:id="rId5"/>
-    <p:sldId id="510" r:id="rId6"/>
-    <p:sldId id="469" r:id="rId7"/>
-    <p:sldId id="513" r:id="rId8"/>
-    <p:sldId id="512" r:id="rId9"/>
-    <p:sldId id="506" r:id="rId10"/>
-    <p:sldId id="508" r:id="rId11"/>
-    <p:sldId id="509" r:id="rId12"/>
-    <p:sldId id="507" r:id="rId13"/>
-    <p:sldId id="482" r:id="rId14"/>
-    <p:sldId id="486" r:id="rId15"/>
-    <p:sldId id="487" r:id="rId16"/>
-    <p:sldId id="483" r:id="rId17"/>
-    <p:sldId id="488" r:id="rId18"/>
-    <p:sldId id="473" r:id="rId19"/>
-    <p:sldId id="505" r:id="rId20"/>
-    <p:sldId id="474" r:id="rId21"/>
-    <p:sldId id="477" r:id="rId22"/>
-    <p:sldId id="478" r:id="rId23"/>
-    <p:sldId id="496" r:id="rId24"/>
-    <p:sldId id="498" r:id="rId25"/>
+    <p:sldId id="469" r:id="rId6"/>
+    <p:sldId id="708" r:id="rId7"/>
+    <p:sldId id="512" r:id="rId8"/>
+    <p:sldId id="506" r:id="rId9"/>
+    <p:sldId id="514" r:id="rId10"/>
+    <p:sldId id="482" r:id="rId11"/>
+    <p:sldId id="486" r:id="rId12"/>
+    <p:sldId id="487" r:id="rId13"/>
+    <p:sldId id="483" r:id="rId14"/>
+    <p:sldId id="488" r:id="rId15"/>
+    <p:sldId id="473" r:id="rId16"/>
+    <p:sldId id="505" r:id="rId17"/>
+    <p:sldId id="474" r:id="rId18"/>
+    <p:sldId id="477" r:id="rId19"/>
+    <p:sldId id="478" r:id="rId20"/>
+    <p:sldId id="496" r:id="rId21"/>
+    <p:sldId id="709" r:id="rId22"/>
+    <p:sldId id="498" r:id="rId23"/>
+    <p:sldId id="710" r:id="rId24"/>
+    <p:sldId id="510" r:id="rId25"/>
     <p:sldId id="499" r:id="rId26"/>
     <p:sldId id="504" r:id="rId27"/>
     <p:sldId id="480" r:id="rId28"/>
     <p:sldId id="481" r:id="rId29"/>
     <p:sldId id="502" r:id="rId30"/>
     <p:sldId id="503" r:id="rId31"/>
-    <p:sldId id="447" r:id="rId32"/>
+    <p:sldId id="711" r:id="rId32"/>
+    <p:sldId id="447" r:id="rId33"/>
   </p:sldIdLst>
   <p:sldSz cx="9144000" cy="6858000" type="screen4x3"/>
   <p:notesSz cx="6858000" cy="9144000"/>
@@ -176,14 +177,11 @@
             <p14:sldId id="448"/>
             <p14:sldId id="468"/>
             <p14:sldId id="511"/>
-            <p14:sldId id="510"/>
             <p14:sldId id="469"/>
-            <p14:sldId id="513"/>
+            <p14:sldId id="708"/>
             <p14:sldId id="512"/>
             <p14:sldId id="506"/>
-            <p14:sldId id="508"/>
-            <p14:sldId id="509"/>
-            <p14:sldId id="507"/>
+            <p14:sldId id="514"/>
             <p14:sldId id="482"/>
             <p14:sldId id="486"/>
             <p14:sldId id="487"/>
@@ -195,13 +193,17 @@
             <p14:sldId id="477"/>
             <p14:sldId id="478"/>
             <p14:sldId id="496"/>
+            <p14:sldId id="709"/>
             <p14:sldId id="498"/>
+            <p14:sldId id="710"/>
+            <p14:sldId id="510"/>
             <p14:sldId id="499"/>
             <p14:sldId id="504"/>
             <p14:sldId id="480"/>
             <p14:sldId id="481"/>
             <p14:sldId id="502"/>
             <p14:sldId id="503"/>
+            <p14:sldId id="711"/>
             <p14:sldId id="447"/>
           </p14:sldIdLst>
         </p14:section>
@@ -3975,7 +3977,7 @@
               <a:pPr>
                 <a:defRPr/>
               </a:pPr>
-              <a:t>3/15/2019</a:t>
+              <a:t>7/14/2019</a:t>
             </a:fld>
             <a:endParaRPr lang="en-US" altLang="zh-CN"/>
           </a:p>
@@ -4643,7 +4645,7 @@
               <a:pPr>
                 <a:defRPr/>
               </a:pPr>
-              <a:t>6</a:t>
+              <a:t>5</a:t>
             </a:fld>
             <a:endParaRPr lang="en-US" altLang="zh-CN"/>
           </a:p>
@@ -4707,12 +4709,16 @@
           <a:lstStyle/>
           <a:p>
             <a:r>
-              <a:rPr lang="en-US" altLang="zh-CN" dirty="0" err="1"/>
-              <a:t>ppt</a:t>
-            </a:r>
-            <a:r>
               <a:rPr lang="zh-CN" altLang="en-US" dirty="0"/>
-              <a:t>有错</a:t>
+              <a:t>泛化错误可以衡量一个机器学习模型是否可以很好地泛化到未知数据。机器学习的目标是减少泛化错误。</a:t>
+            </a:r>
+            <a:r>
+              <a:rPr lang="en-US" altLang="zh-CN" dirty="0"/>
+              <a:t>%</a:t>
+            </a:r>
+            <a:r>
+              <a:rPr lang="zh-CN" altLang="en-US" dirty="0"/>
+              <a:t>泛化错误一般表现为一个模型在训练集和测试集上错误率的。</a:t>
             </a:r>
           </a:p>
         </p:txBody>
@@ -4740,7 +4746,7 @@
               <a:pPr>
                 <a:defRPr/>
               </a:pPr>
-              <a:t>10</a:t>
+              <a:t>17</a:t>
             </a:fld>
             <a:endParaRPr lang="en-US" altLang="zh-CN"/>
           </a:p>
@@ -4749,7 +4755,7 @@
     </p:spTree>
     <p:extLst>
       <p:ext uri="{BB962C8B-B14F-4D97-AF65-F5344CB8AC3E}">
-        <p14:creationId xmlns:p14="http://schemas.microsoft.com/office/powerpoint/2010/main" val="2044818182"/>
+        <p14:creationId xmlns:p14="http://schemas.microsoft.com/office/powerpoint/2010/main" val="860779603"/>
       </p:ext>
     </p:extLst>
   </p:cSld>
@@ -4803,18 +4809,30 @@
           <a:bodyPr/>
           <a:lstStyle/>
           <a:p>
+            <a:pPr lvl="1"/>
+            <a:r>
+              <a:rPr lang="en-US" altLang="zh-CN" dirty="0"/>
+              <a:t>L1/L2</a:t>
+            </a:r>
             <a:r>
               <a:rPr lang="zh-CN" altLang="en-US" dirty="0"/>
-              <a:t>泛化错误可以衡量一个机器学习模型是否可以很好地泛化到未知数据。机器学习的目标是减少泛化错误。</a:t>
-            </a:r>
+              <a:t>正则化</a:t>
+            </a:r>
+            <a:endParaRPr lang="en-US" altLang="zh-CN" dirty="0"/>
+          </a:p>
+          <a:p>
+            <a:pPr lvl="1"/>
             <a:r>
               <a:rPr lang="en-US" altLang="zh-CN" dirty="0"/>
-              <a:t>%</a:t>
-            </a:r>
-            <a:r>
-              <a:rPr lang="zh-CN" altLang="en-US" dirty="0"/>
-              <a:t>泛化错误一般表现为一个模型在训练集和测试集上错误率的。</a:t>
-            </a:r>
+              <a:t>Dropout</a:t>
+            </a:r>
+          </a:p>
+          <a:p>
+            <a:pPr lvl="1"/>
+            <a:endParaRPr lang="zh-CN" altLang="en-US" dirty="0"/>
+          </a:p>
+          <a:p>
+            <a:endParaRPr lang="zh-CN" altLang="en-US" dirty="0"/>
           </a:p>
         </p:txBody>
       </p:sp>
@@ -4841,7 +4859,7 @@
               <a:pPr>
                 <a:defRPr/>
               </a:pPr>
-              <a:t>20</a:t>
+              <a:t>18</a:t>
             </a:fld>
             <a:endParaRPr lang="en-US" altLang="zh-CN"/>
           </a:p>
@@ -4850,7 +4868,7 @@
     </p:spTree>
     <p:extLst>
       <p:ext uri="{BB962C8B-B14F-4D97-AF65-F5344CB8AC3E}">
-        <p14:creationId xmlns:p14="http://schemas.microsoft.com/office/powerpoint/2010/main" val="860779603"/>
+        <p14:creationId xmlns:p14="http://schemas.microsoft.com/office/powerpoint/2010/main" val="3711283956"/>
       </p:ext>
     </p:extLst>
   </p:cSld>
@@ -4904,29 +4922,6 @@
           <a:bodyPr/>
           <a:lstStyle/>
           <a:p>
-            <a:pPr lvl="1"/>
-            <a:r>
-              <a:rPr lang="en-US" altLang="zh-CN" dirty="0"/>
-              <a:t>L1/L2</a:t>
-            </a:r>
-            <a:r>
-              <a:rPr lang="zh-CN" altLang="en-US" dirty="0"/>
-              <a:t>正则化</a:t>
-            </a:r>
-            <a:endParaRPr lang="en-US" altLang="zh-CN" dirty="0"/>
-          </a:p>
-          <a:p>
-            <a:pPr lvl="1"/>
-            <a:r>
-              <a:rPr lang="en-US" altLang="zh-CN" dirty="0"/>
-              <a:t>Dropout</a:t>
-            </a:r>
-          </a:p>
-          <a:p>
-            <a:pPr lvl="1"/>
-            <a:endParaRPr lang="zh-CN" altLang="en-US" dirty="0"/>
-          </a:p>
-          <a:p>
             <a:endParaRPr lang="zh-CN" altLang="en-US" dirty="0"/>
           </a:p>
         </p:txBody>
@@ -4938,7 +4933,7 @@
             <a:spLocks noGrp="1"/>
           </p:cNvSpPr>
           <p:nvPr>
-            <p:ph type="sldNum" sz="quarter" idx="10"/>
+            <p:ph type="sldNum" sz="quarter" idx="5"/>
           </p:nvPr>
         </p:nvSpPr>
         <p:spPr/>
@@ -4954,7 +4949,7 @@
               <a:pPr>
                 <a:defRPr/>
               </a:pPr>
-              <a:t>21</a:t>
+              <a:t>23</a:t>
             </a:fld>
             <a:endParaRPr lang="en-US" altLang="zh-CN"/>
           </a:p>
@@ -4963,7 +4958,7 @@
     </p:spTree>
     <p:extLst>
       <p:ext uri="{BB962C8B-B14F-4D97-AF65-F5344CB8AC3E}">
-        <p14:creationId xmlns:p14="http://schemas.microsoft.com/office/powerpoint/2010/main" val="3711283956"/>
+        <p14:creationId xmlns:p14="http://schemas.microsoft.com/office/powerpoint/2010/main" val="2975548170"/>
       </p:ext>
     </p:extLst>
   </p:cSld>
@@ -7986,2112 +7981,6 @@
           <a:p>
             <a:r>
               <a:rPr lang="zh-CN" altLang="en-US" dirty="0"/>
-              <a:t>后验概率的损失函数</a:t>
-            </a:r>
-          </a:p>
-        </p:txBody>
-      </p:sp>
-      <mc:AlternateContent xmlns:mc="http://schemas.openxmlformats.org/markup-compatibility/2006" xmlns:a14="http://schemas.microsoft.com/office/drawing/2010/main">
-        <mc:Choice Requires="a14">
-          <p:sp>
-            <p:nvSpPr>
-              <p:cNvPr id="3" name="内容占位符 2"/>
-              <p:cNvSpPr>
-                <a:spLocks noGrp="1"/>
-              </p:cNvSpPr>
-              <p:nvPr>
-                <p:ph sz="quarter" idx="1"/>
-              </p:nvPr>
-            </p:nvSpPr>
-            <p:spPr/>
-            <p:txBody>
-              <a:bodyPr/>
-              <a:lstStyle/>
-              <a:p>
-                <a:r>
-                  <a:rPr lang="zh-CN" altLang="en-US" dirty="0"/>
-                  <a:t>直接建模条件概率</a:t>
-                </a:r>
-                <a14:m>
-                  <m:oMath xmlns:m="http://schemas.openxmlformats.org/officeDocument/2006/math">
-                    <m:sSub>
-                      <m:sSubPr>
-                        <m:ctrlPr>
-                          <a:rPr lang="en-US" altLang="zh-CN" i="1">
-                            <a:latin typeface="Cambria Math" panose="02040503050406030204" pitchFamily="18" charset="0"/>
-                          </a:rPr>
-                        </m:ctrlPr>
-                      </m:sSubPr>
-                      <m:e>
-                        <m:r>
-                          <a:rPr lang="en-US" altLang="zh-CN" i="1">
-                            <a:latin typeface="Cambria Math" panose="02040503050406030204" pitchFamily="18" charset="0"/>
-                          </a:rPr>
-                          <m:t>𝑝</m:t>
-                        </m:r>
-                      </m:e>
-                      <m:sub>
-                        <m:r>
-                          <a:rPr lang="en-US" altLang="zh-CN" i="1">
-                            <a:latin typeface="Cambria Math" panose="02040503050406030204" pitchFamily="18" charset="0"/>
-                          </a:rPr>
-                          <m:t>𝜃</m:t>
-                        </m:r>
-                      </m:sub>
-                    </m:sSub>
-                    <m:r>
-                      <a:rPr lang="en-US" altLang="zh-CN" i="1">
-                        <a:latin typeface="Cambria Math" panose="02040503050406030204" pitchFamily="18" charset="0"/>
-                      </a:rPr>
-                      <m:t>(</m:t>
-                    </m:r>
-                    <m:r>
-                      <a:rPr lang="en-US" altLang="zh-CN" i="1">
-                        <a:latin typeface="Cambria Math" panose="02040503050406030204" pitchFamily="18" charset="0"/>
-                      </a:rPr>
-                      <m:t>𝑦</m:t>
-                    </m:r>
-                    <m:r>
-                      <a:rPr lang="en-US" altLang="zh-CN" i="1">
-                        <a:latin typeface="Cambria Math" panose="02040503050406030204" pitchFamily="18" charset="0"/>
-                      </a:rPr>
-                      <m:t>|</m:t>
-                    </m:r>
-                    <m:r>
-                      <a:rPr lang="en-US" altLang="zh-CN" i="1">
-                        <a:latin typeface="Cambria Math" panose="02040503050406030204" pitchFamily="18" charset="0"/>
-                      </a:rPr>
-                      <m:t>𝑥</m:t>
-                    </m:r>
-                    <m:r>
-                      <a:rPr lang="en-US" altLang="zh-CN" i="1">
-                        <a:latin typeface="Cambria Math" panose="02040503050406030204" pitchFamily="18" charset="0"/>
-                      </a:rPr>
-                      <m:t>)</m:t>
-                    </m:r>
-                  </m:oMath>
-                </a14:m>
-                <a:endParaRPr lang="en-US" altLang="zh-CN" dirty="0"/>
-              </a:p>
-              <a:p>
-                <a:r>
-                  <a:rPr lang="zh-CN" altLang="en-US" dirty="0"/>
-                  <a:t>真实条件概率</a:t>
-                </a:r>
-                <a14:m>
-                  <m:oMath xmlns:m="http://schemas.openxmlformats.org/officeDocument/2006/math">
-                    <m:sSub>
-                      <m:sSubPr>
-                        <m:ctrlPr>
-                          <a:rPr lang="en-US" altLang="zh-CN" b="0" i="1" smtClean="0">
-                            <a:latin typeface="Cambria Math" panose="02040503050406030204" pitchFamily="18" charset="0"/>
-                          </a:rPr>
-                        </m:ctrlPr>
-                      </m:sSubPr>
-                      <m:e>
-                        <m:r>
-                          <a:rPr lang="en-US" altLang="zh-CN" b="0" i="1" smtClean="0">
-                            <a:latin typeface="Cambria Math" panose="02040503050406030204" pitchFamily="18" charset="0"/>
-                          </a:rPr>
-                          <m:t>𝑝</m:t>
-                        </m:r>
-                      </m:e>
-                      <m:sub>
-                        <m:r>
-                          <a:rPr lang="en-US" altLang="zh-CN" b="0" i="1" smtClean="0">
-                            <a:latin typeface="Cambria Math" panose="02040503050406030204" pitchFamily="18" charset="0"/>
-                          </a:rPr>
-                          <m:t>𝑟</m:t>
-                        </m:r>
-                      </m:sub>
-                    </m:sSub>
-                    <m:r>
-                      <a:rPr lang="en-US" altLang="zh-CN" b="0" i="1" smtClean="0">
-                        <a:latin typeface="Cambria Math" panose="02040503050406030204" pitchFamily="18" charset="0"/>
-                      </a:rPr>
-                      <m:t>(</m:t>
-                    </m:r>
-                    <m:r>
-                      <a:rPr lang="en-US" altLang="zh-CN" b="0" i="1" smtClean="0">
-                        <a:latin typeface="Cambria Math" panose="02040503050406030204" pitchFamily="18" charset="0"/>
-                      </a:rPr>
-                      <m:t>𝑦</m:t>
-                    </m:r>
-                    <m:r>
-                      <a:rPr lang="en-US" altLang="zh-CN" b="0" i="1" smtClean="0">
-                        <a:latin typeface="Cambria Math" panose="02040503050406030204" pitchFamily="18" charset="0"/>
-                      </a:rPr>
-                      <m:t>|</m:t>
-                    </m:r>
-                    <m:r>
-                      <a:rPr lang="en-US" altLang="zh-CN" b="0" i="1" smtClean="0">
-                        <a:latin typeface="Cambria Math" panose="02040503050406030204" pitchFamily="18" charset="0"/>
-                      </a:rPr>
-                      <m:t>𝑥</m:t>
-                    </m:r>
-                    <m:r>
-                      <a:rPr lang="en-US" altLang="zh-CN" b="0" i="1" smtClean="0">
-                        <a:latin typeface="Cambria Math" panose="02040503050406030204" pitchFamily="18" charset="0"/>
-                      </a:rPr>
-                      <m:t>)</m:t>
-                    </m:r>
-                  </m:oMath>
-                </a14:m>
-                <a:endParaRPr lang="en-US" altLang="zh-CN" dirty="0"/>
-              </a:p>
-              <a:p>
-                <a:r>
-                  <a:rPr lang="zh-CN" altLang="en-US" dirty="0"/>
-                  <a:t>如何衡量两个条件分布的差异？</a:t>
-                </a:r>
-                <a:endParaRPr lang="en-US" altLang="zh-CN" dirty="0"/>
-              </a:p>
-              <a:p>
-                <a:pPr lvl="1"/>
-                <a:endParaRPr lang="en-US" altLang="zh-CN" dirty="0"/>
-              </a:p>
-              <a:p>
-                <a:r>
-                  <a:rPr lang="en-US" altLang="zh-CN" dirty="0"/>
-                  <a:t>KL</a:t>
-                </a:r>
-                <a:r>
-                  <a:rPr lang="zh-CN" altLang="en-US" dirty="0"/>
-                  <a:t>散度</a:t>
-                </a:r>
-              </a:p>
-            </p:txBody>
-          </p:sp>
-        </mc:Choice>
-        <mc:Fallback xmlns="">
-          <p:sp>
-            <p:nvSpPr>
-              <p:cNvPr id="3" name="内容占位符 2"/>
-              <p:cNvSpPr>
-                <a:spLocks noGrp="1" noRot="1" noChangeAspect="1" noMove="1" noResize="1" noEditPoints="1" noAdjustHandles="1" noChangeArrowheads="1" noChangeShapeType="1" noTextEdit="1"/>
-              </p:cNvSpPr>
-              <p:nvPr>
-                <p:ph sz="quarter" idx="1"/>
-              </p:nvPr>
-            </p:nvSpPr>
-            <p:spPr>
-              <a:blipFill>
-                <a:blip r:embed="rId3"/>
-                <a:stretch>
-                  <a:fillRect l="-741" t="-1235"/>
-                </a:stretch>
-              </a:blipFill>
-            </p:spPr>
-            <p:txBody>
-              <a:bodyPr/>
-              <a:lstStyle/>
-              <a:p>
-                <a:r>
-                  <a:rPr lang="zh-CN" altLang="en-US">
-                    <a:noFill/>
-                  </a:rPr>
-                  <a:t> </a:t>
-                </a:r>
-              </a:p>
-            </p:txBody>
-          </p:sp>
-        </mc:Fallback>
-      </mc:AlternateContent>
-      <mc:AlternateContent xmlns:mc="http://schemas.openxmlformats.org/markup-compatibility/2006" xmlns:a14="http://schemas.microsoft.com/office/drawing/2010/main">
-        <mc:Choice Requires="a14">
-          <p:sp>
-            <p:nvSpPr>
-              <p:cNvPr id="4" name="文本框 3"/>
-              <p:cNvSpPr txBox="1"/>
-              <p:nvPr/>
-            </p:nvSpPr>
-            <p:spPr>
-              <a:xfrm>
-                <a:off x="1752600" y="3645413"/>
-                <a:ext cx="4901150" cy="1088439"/>
-              </a:xfrm>
-              <a:prstGeom prst="rect">
-                <a:avLst/>
-              </a:prstGeom>
-              <a:noFill/>
-            </p:spPr>
-            <p:txBody>
-              <a:bodyPr wrap="none" lIns="0" tIns="0" rIns="0" bIns="0" rtlCol="0">
-                <a:spAutoFit/>
-              </a:bodyPr>
-              <a:lstStyle/>
-              <a:p>
-                <a:pPr/>
-                <a14:m>
-                  <m:oMathPara xmlns:m="http://schemas.openxmlformats.org/officeDocument/2006/math">
-                    <m:oMathParaPr>
-                      <m:jc m:val="centerGroup"/>
-                    </m:oMathParaPr>
-                    <m:oMath xmlns:m="http://schemas.openxmlformats.org/officeDocument/2006/math">
-                      <m:sSub>
-                        <m:sSubPr>
-                          <m:ctrlPr>
-                            <a:rPr lang="en-US" altLang="zh-CN" b="0" i="1" smtClean="0">
-                              <a:latin typeface="Cambria Math" panose="02040503050406030204" pitchFamily="18" charset="0"/>
-                            </a:rPr>
-                          </m:ctrlPr>
-                        </m:sSubPr>
-                        <m:e>
-                          <m:r>
-                            <m:rPr>
-                              <m:sty m:val="p"/>
-                            </m:rPr>
-                            <a:rPr lang="en-US" altLang="zh-CN" i="1" smtClean="0">
-                              <a:latin typeface="Cambria Math" panose="02040503050406030204" pitchFamily="18" charset="0"/>
-                            </a:rPr>
-                            <m:t>D</m:t>
-                          </m:r>
-                        </m:e>
-                        <m:sub>
-                          <m:r>
-                            <m:rPr>
-                              <m:sty m:val="p"/>
-                            </m:rPr>
-                            <a:rPr lang="en-US" altLang="zh-CN" b="0" i="0" smtClean="0">
-                              <a:latin typeface="Cambria Math" panose="02040503050406030204" pitchFamily="18" charset="0"/>
-                            </a:rPr>
-                            <m:t>kl</m:t>
-                          </m:r>
-                        </m:sub>
-                      </m:sSub>
-                      <m:d>
-                        <m:dPr>
-                          <m:ctrlPr>
-                            <a:rPr lang="en-US" altLang="zh-CN" b="0" i="1" smtClean="0">
-                              <a:latin typeface="Cambria Math" panose="02040503050406030204" pitchFamily="18" charset="0"/>
-                            </a:rPr>
-                          </m:ctrlPr>
-                        </m:dPr>
-                        <m:e>
-                          <m:sSub>
-                            <m:sSubPr>
-                              <m:ctrlPr>
-                                <a:rPr lang="en-US" altLang="zh-CN" i="1">
-                                  <a:latin typeface="Cambria Math" panose="02040503050406030204" pitchFamily="18" charset="0"/>
-                                </a:rPr>
-                              </m:ctrlPr>
-                            </m:sSubPr>
-                            <m:e>
-                              <m:r>
-                                <a:rPr lang="en-US" altLang="zh-CN" i="1">
-                                  <a:latin typeface="Cambria Math" panose="02040503050406030204" pitchFamily="18" charset="0"/>
-                                </a:rPr>
-                                <m:t>𝑝</m:t>
-                              </m:r>
-                            </m:e>
-                            <m:sub>
-                              <m:r>
-                                <a:rPr lang="en-US" altLang="zh-CN" i="1">
-                                  <a:latin typeface="Cambria Math" panose="02040503050406030204" pitchFamily="18" charset="0"/>
-                                </a:rPr>
-                                <m:t>𝑟</m:t>
-                              </m:r>
-                            </m:sub>
-                          </m:sSub>
-                          <m:d>
-                            <m:dPr>
-                              <m:ctrlPr>
-                                <a:rPr lang="en-US" altLang="zh-CN" i="1">
-                                  <a:latin typeface="Cambria Math" panose="02040503050406030204" pitchFamily="18" charset="0"/>
-                                </a:rPr>
-                              </m:ctrlPr>
-                            </m:dPr>
-                            <m:e>
-                              <m:r>
-                                <a:rPr lang="en-US" altLang="zh-CN" i="1">
-                                  <a:latin typeface="Cambria Math" panose="02040503050406030204" pitchFamily="18" charset="0"/>
-                                </a:rPr>
-                                <m:t>𝑦</m:t>
-                              </m:r>
-                            </m:e>
-                            <m:e>
-                              <m:r>
-                                <a:rPr lang="en-US" altLang="zh-CN" i="1">
-                                  <a:latin typeface="Cambria Math" panose="02040503050406030204" pitchFamily="18" charset="0"/>
-                                </a:rPr>
-                                <m:t>𝑥</m:t>
-                              </m:r>
-                            </m:e>
-                          </m:d>
-                        </m:e>
-                        <m:e>
-                          <m:r>
-                            <a:rPr lang="en-US" altLang="zh-CN" b="0" i="1" smtClean="0">
-                              <a:latin typeface="Cambria Math" panose="02040503050406030204" pitchFamily="18" charset="0"/>
-                            </a:rPr>
-                            <m:t>|</m:t>
-                          </m:r>
-                          <m:sSub>
-                            <m:sSubPr>
-                              <m:ctrlPr>
-                                <a:rPr lang="en-US" altLang="zh-CN" i="1">
-                                  <a:latin typeface="Cambria Math" panose="02040503050406030204" pitchFamily="18" charset="0"/>
-                                </a:rPr>
-                              </m:ctrlPr>
-                            </m:sSubPr>
-                            <m:e>
-                              <m:r>
-                                <a:rPr lang="en-US" altLang="zh-CN" i="1">
-                                  <a:latin typeface="Cambria Math" panose="02040503050406030204" pitchFamily="18" charset="0"/>
-                                </a:rPr>
-                                <m:t>𝑝</m:t>
-                              </m:r>
-                            </m:e>
-                            <m:sub>
-                              <m:r>
-                                <a:rPr lang="en-US" altLang="zh-CN" b="0" i="1" smtClean="0">
-                                  <a:latin typeface="Cambria Math" panose="02040503050406030204" pitchFamily="18" charset="0"/>
-                                </a:rPr>
-                                <m:t>𝜃</m:t>
-                              </m:r>
-                            </m:sub>
-                          </m:sSub>
-                          <m:d>
-                            <m:dPr>
-                              <m:ctrlPr>
-                                <a:rPr lang="en-US" altLang="zh-CN" i="1">
-                                  <a:latin typeface="Cambria Math" panose="02040503050406030204" pitchFamily="18" charset="0"/>
-                                </a:rPr>
-                              </m:ctrlPr>
-                            </m:dPr>
-                            <m:e>
-                              <m:r>
-                                <a:rPr lang="en-US" altLang="zh-CN" i="1">
-                                  <a:latin typeface="Cambria Math" panose="02040503050406030204" pitchFamily="18" charset="0"/>
-                                </a:rPr>
-                                <m:t>𝑦</m:t>
-                              </m:r>
-                            </m:e>
-                            <m:e>
-                              <m:r>
-                                <a:rPr lang="en-US" altLang="zh-CN" i="1">
-                                  <a:latin typeface="Cambria Math" panose="02040503050406030204" pitchFamily="18" charset="0"/>
-                                </a:rPr>
-                                <m:t>𝑥</m:t>
-                              </m:r>
-                            </m:e>
-                          </m:d>
-                        </m:e>
-                      </m:d>
-                      <m:r>
-                        <a:rPr lang="en-US" altLang="zh-CN" b="0" i="1" smtClean="0">
-                          <a:latin typeface="Cambria Math" panose="02040503050406030204" pitchFamily="18" charset="0"/>
-                        </a:rPr>
-                        <m:t>=</m:t>
-                      </m:r>
-                      <m:nary>
-                        <m:naryPr>
-                          <m:chr m:val="∑"/>
-                          <m:ctrlPr>
-                            <a:rPr lang="en-US" altLang="zh-CN" b="0" i="1" smtClean="0">
-                              <a:latin typeface="Cambria Math" panose="02040503050406030204" pitchFamily="18" charset="0"/>
-                            </a:rPr>
-                          </m:ctrlPr>
-                        </m:naryPr>
-                        <m:sub>
-                          <m:r>
-                            <a:rPr lang="en-US" altLang="zh-CN" b="0" i="1" smtClean="0">
-                              <a:latin typeface="Cambria Math" panose="02040503050406030204" pitchFamily="18" charset="0"/>
-                            </a:rPr>
-                            <m:t>𝑦</m:t>
-                          </m:r>
-                          <m:r>
-                            <a:rPr lang="en-US" altLang="zh-CN" b="0" i="1" smtClean="0">
-                              <a:latin typeface="Cambria Math" panose="02040503050406030204" pitchFamily="18" charset="0"/>
-                            </a:rPr>
-                            <m:t>=1</m:t>
-                          </m:r>
-                        </m:sub>
-                        <m:sup>
-                          <m:r>
-                            <a:rPr lang="en-US" altLang="zh-CN" b="0" i="1" smtClean="0">
-                              <a:latin typeface="Cambria Math" panose="02040503050406030204" pitchFamily="18" charset="0"/>
-                            </a:rPr>
-                            <m:t>𝐶</m:t>
-                          </m:r>
-                        </m:sup>
-                        <m:e>
-                          <m:sSub>
-                            <m:sSubPr>
-                              <m:ctrlPr>
-                                <a:rPr lang="en-US" altLang="zh-CN" i="1">
-                                  <a:latin typeface="Cambria Math" panose="02040503050406030204" pitchFamily="18" charset="0"/>
-                                </a:rPr>
-                              </m:ctrlPr>
-                            </m:sSubPr>
-                            <m:e>
-                              <m:r>
-                                <a:rPr lang="en-US" altLang="zh-CN" i="1">
-                                  <a:latin typeface="Cambria Math" panose="02040503050406030204" pitchFamily="18" charset="0"/>
-                                </a:rPr>
-                                <m:t>𝑝</m:t>
-                              </m:r>
-                            </m:e>
-                            <m:sub>
-                              <m:r>
-                                <a:rPr lang="en-US" altLang="zh-CN" i="1">
-                                  <a:latin typeface="Cambria Math" panose="02040503050406030204" pitchFamily="18" charset="0"/>
-                                </a:rPr>
-                                <m:t>𝑟</m:t>
-                              </m:r>
-                            </m:sub>
-                          </m:sSub>
-                          <m:d>
-                            <m:dPr>
-                              <m:ctrlPr>
-                                <a:rPr lang="en-US" altLang="zh-CN" i="1">
-                                  <a:latin typeface="Cambria Math" panose="02040503050406030204" pitchFamily="18" charset="0"/>
-                                </a:rPr>
-                              </m:ctrlPr>
-                            </m:dPr>
-                            <m:e>
-                              <m:r>
-                                <a:rPr lang="en-US" altLang="zh-CN" i="1">
-                                  <a:latin typeface="Cambria Math" panose="02040503050406030204" pitchFamily="18" charset="0"/>
-                                </a:rPr>
-                                <m:t>𝑦</m:t>
-                              </m:r>
-                            </m:e>
-                            <m:e>
-                              <m:r>
-                                <a:rPr lang="en-US" altLang="zh-CN" i="1">
-                                  <a:latin typeface="Cambria Math" panose="02040503050406030204" pitchFamily="18" charset="0"/>
-                                </a:rPr>
-                                <m:t>𝑥</m:t>
-                              </m:r>
-                            </m:e>
-                          </m:d>
-                          <m:func>
-                            <m:funcPr>
-                              <m:ctrlPr>
-                                <a:rPr lang="en-US" altLang="zh-CN" b="0" i="1" smtClean="0">
-                                  <a:latin typeface="Cambria Math" panose="02040503050406030204" pitchFamily="18" charset="0"/>
-                                </a:rPr>
-                              </m:ctrlPr>
-                            </m:funcPr>
-                            <m:fName>
-                              <m:r>
-                                <m:rPr>
-                                  <m:sty m:val="p"/>
-                                </m:rPr>
-                                <a:rPr lang="en-US" altLang="zh-CN" b="0" i="0" smtClean="0">
-                                  <a:latin typeface="Cambria Math" panose="02040503050406030204" pitchFamily="18" charset="0"/>
-                                </a:rPr>
-                                <m:t>log</m:t>
-                              </m:r>
-                            </m:fName>
-                            <m:e>
-                              <m:f>
-                                <m:fPr>
-                                  <m:ctrlPr>
-                                    <a:rPr lang="en-US" altLang="zh-CN" i="1">
-                                      <a:latin typeface="Cambria Math" panose="02040503050406030204" pitchFamily="18" charset="0"/>
-                                    </a:rPr>
-                                  </m:ctrlPr>
-                                </m:fPr>
-                                <m:num>
-                                  <m:sSub>
-                                    <m:sSubPr>
-                                      <m:ctrlPr>
-                                        <a:rPr lang="en-US" altLang="zh-CN" i="1">
-                                          <a:latin typeface="Cambria Math" panose="02040503050406030204" pitchFamily="18" charset="0"/>
-                                        </a:rPr>
-                                      </m:ctrlPr>
-                                    </m:sSubPr>
-                                    <m:e>
-                                      <m:r>
-                                        <a:rPr lang="en-US" altLang="zh-CN" i="1">
-                                          <a:latin typeface="Cambria Math" panose="02040503050406030204" pitchFamily="18" charset="0"/>
-                                        </a:rPr>
-                                        <m:t>𝑝</m:t>
-                                      </m:r>
-                                    </m:e>
-                                    <m:sub>
-                                      <m:r>
-                                        <a:rPr lang="en-US" altLang="zh-CN" b="0" i="1" smtClean="0">
-                                          <a:latin typeface="Cambria Math" panose="02040503050406030204" pitchFamily="18" charset="0"/>
-                                        </a:rPr>
-                                        <m:t>𝑟</m:t>
-                                      </m:r>
-                                    </m:sub>
-                                  </m:sSub>
-                                  <m:d>
-                                    <m:dPr>
-                                      <m:ctrlPr>
-                                        <a:rPr lang="en-US" altLang="zh-CN" i="1">
-                                          <a:latin typeface="Cambria Math" panose="02040503050406030204" pitchFamily="18" charset="0"/>
-                                        </a:rPr>
-                                      </m:ctrlPr>
-                                    </m:dPr>
-                                    <m:e>
-                                      <m:r>
-                                        <a:rPr lang="en-US" altLang="zh-CN" i="1">
-                                          <a:latin typeface="Cambria Math" panose="02040503050406030204" pitchFamily="18" charset="0"/>
-                                        </a:rPr>
-                                        <m:t>𝑦</m:t>
-                                      </m:r>
-                                    </m:e>
-                                    <m:e>
-                                      <m:r>
-                                        <a:rPr lang="en-US" altLang="zh-CN" i="1">
-                                          <a:latin typeface="Cambria Math" panose="02040503050406030204" pitchFamily="18" charset="0"/>
-                                        </a:rPr>
-                                        <m:t>𝑥</m:t>
-                                      </m:r>
-                                    </m:e>
-                                  </m:d>
-                                </m:num>
-                                <m:den>
-                                  <m:sSub>
-                                    <m:sSubPr>
-                                      <m:ctrlPr>
-                                        <a:rPr lang="en-US" altLang="zh-CN" i="1">
-                                          <a:latin typeface="Cambria Math" panose="02040503050406030204" pitchFamily="18" charset="0"/>
-                                        </a:rPr>
-                                      </m:ctrlPr>
-                                    </m:sSubPr>
-                                    <m:e>
-                                      <m:r>
-                                        <a:rPr lang="en-US" altLang="zh-CN" i="1">
-                                          <a:latin typeface="Cambria Math" panose="02040503050406030204" pitchFamily="18" charset="0"/>
-                                        </a:rPr>
-                                        <m:t>𝑝</m:t>
-                                      </m:r>
-                                    </m:e>
-                                    <m:sub>
-                                      <m:r>
-                                        <a:rPr lang="en-US" altLang="zh-CN" i="1">
-                                          <a:latin typeface="Cambria Math" panose="02040503050406030204" pitchFamily="18" charset="0"/>
-                                        </a:rPr>
-                                        <m:t>𝜃</m:t>
-                                      </m:r>
-                                    </m:sub>
-                                  </m:sSub>
-                                  <m:d>
-                                    <m:dPr>
-                                      <m:ctrlPr>
-                                        <a:rPr lang="en-US" altLang="zh-CN" i="1">
-                                          <a:latin typeface="Cambria Math" panose="02040503050406030204" pitchFamily="18" charset="0"/>
-                                        </a:rPr>
-                                      </m:ctrlPr>
-                                    </m:dPr>
-                                    <m:e>
-                                      <m:r>
-                                        <a:rPr lang="en-US" altLang="zh-CN" i="1">
-                                          <a:latin typeface="Cambria Math" panose="02040503050406030204" pitchFamily="18" charset="0"/>
-                                        </a:rPr>
-                                        <m:t>𝑦</m:t>
-                                      </m:r>
-                                    </m:e>
-                                    <m:e>
-                                      <m:r>
-                                        <a:rPr lang="en-US" altLang="zh-CN" i="1">
-                                          <a:latin typeface="Cambria Math" panose="02040503050406030204" pitchFamily="18" charset="0"/>
-                                        </a:rPr>
-                                        <m:t>𝑥</m:t>
-                                      </m:r>
-                                    </m:e>
-                                  </m:d>
-                                </m:den>
-                              </m:f>
-                            </m:e>
-                          </m:func>
-                        </m:e>
-                      </m:nary>
-                    </m:oMath>
-                  </m:oMathPara>
-                </a14:m>
-                <a:endParaRPr lang="en-US" altLang="zh-CN" dirty="0"/>
-              </a:p>
-              <a:p>
-                <a:endParaRPr lang="en-US" altLang="zh-CN" dirty="0"/>
-              </a:p>
-            </p:txBody>
-          </p:sp>
-        </mc:Choice>
-        <mc:Fallback xmlns="">
-          <p:sp>
-            <p:nvSpPr>
-              <p:cNvPr id="4" name="文本框 3"/>
-              <p:cNvSpPr txBox="1">
-                <a:spLocks noRot="1" noChangeAspect="1" noMove="1" noResize="1" noEditPoints="1" noAdjustHandles="1" noChangeArrowheads="1" noChangeShapeType="1" noTextEdit="1"/>
-              </p:cNvSpPr>
-              <p:nvPr/>
-            </p:nvSpPr>
-            <p:spPr>
-              <a:xfrm>
-                <a:off x="1752600" y="3645413"/>
-                <a:ext cx="4901150" cy="1088439"/>
-              </a:xfrm>
-              <a:prstGeom prst="rect">
-                <a:avLst/>
-              </a:prstGeom>
-              <a:blipFill>
-                <a:blip r:embed="rId5"/>
-                <a:stretch>
-                  <a:fillRect/>
-                </a:stretch>
-              </a:blipFill>
-            </p:spPr>
-            <p:txBody>
-              <a:bodyPr/>
-              <a:lstStyle/>
-              <a:p>
-                <a:r>
-                  <a:rPr lang="zh-CN" altLang="en-US">
-                    <a:noFill/>
-                  </a:rPr>
-                  <a:t> </a:t>
-                </a:r>
-              </a:p>
-            </p:txBody>
-          </p:sp>
-        </mc:Fallback>
-      </mc:AlternateContent>
-      <mc:AlternateContent xmlns:mc="http://schemas.openxmlformats.org/markup-compatibility/2006" xmlns:a14="http://schemas.microsoft.com/office/drawing/2010/main">
-        <mc:Choice Requires="a14">
-          <p:sp>
-            <p:nvSpPr>
-              <p:cNvPr id="5" name="文本框 4"/>
-              <p:cNvSpPr txBox="1"/>
-              <p:nvPr/>
-            </p:nvSpPr>
-            <p:spPr>
-              <a:xfrm>
-                <a:off x="3938907" y="4697111"/>
-                <a:ext cx="2816092" cy="1088439"/>
-              </a:xfrm>
-              <a:prstGeom prst="rect">
-                <a:avLst/>
-              </a:prstGeom>
-              <a:noFill/>
-            </p:spPr>
-            <p:txBody>
-              <a:bodyPr wrap="none" lIns="0" tIns="0" rIns="0" bIns="0" rtlCol="0">
-                <a:spAutoFit/>
-              </a:bodyPr>
-              <a:lstStyle/>
-              <a:p>
-                <a:pPr/>
-                <a14:m>
-                  <m:oMathPara xmlns:m="http://schemas.openxmlformats.org/officeDocument/2006/math">
-                    <m:oMathParaPr>
-                      <m:jc m:val="centerGroup"/>
-                    </m:oMathParaPr>
-                    <m:oMath xmlns:m="http://schemas.openxmlformats.org/officeDocument/2006/math">
-                      <m:r>
-                        <a:rPr lang="en-US" altLang="zh-CN" b="0" i="1" smtClean="0">
-                          <a:latin typeface="Cambria Math" panose="02040503050406030204" pitchFamily="18" charset="0"/>
-                          <a:ea typeface="Cambria Math" panose="02040503050406030204" pitchFamily="18" charset="0"/>
-                        </a:rPr>
-                        <m:t>∝−</m:t>
-                      </m:r>
-                      <m:nary>
-                        <m:naryPr>
-                          <m:chr m:val="∑"/>
-                          <m:ctrlPr>
-                            <a:rPr lang="en-US" altLang="zh-CN" b="0" i="1" smtClean="0">
-                              <a:latin typeface="Cambria Math" panose="02040503050406030204" pitchFamily="18" charset="0"/>
-                            </a:rPr>
-                          </m:ctrlPr>
-                        </m:naryPr>
-                        <m:sub>
-                          <m:r>
-                            <a:rPr lang="en-US" altLang="zh-CN" b="0" i="1" smtClean="0">
-                              <a:latin typeface="Cambria Math" panose="02040503050406030204" pitchFamily="18" charset="0"/>
-                            </a:rPr>
-                            <m:t>𝑦</m:t>
-                          </m:r>
-                          <m:r>
-                            <a:rPr lang="en-US" altLang="zh-CN" b="0" i="1" smtClean="0">
-                              <a:latin typeface="Cambria Math" panose="02040503050406030204" pitchFamily="18" charset="0"/>
-                            </a:rPr>
-                            <m:t>=1</m:t>
-                          </m:r>
-                        </m:sub>
-                        <m:sup>
-                          <m:r>
-                            <a:rPr lang="en-US" altLang="zh-CN" b="0" i="1" smtClean="0">
-                              <a:latin typeface="Cambria Math" panose="02040503050406030204" pitchFamily="18" charset="0"/>
-                            </a:rPr>
-                            <m:t>𝐶</m:t>
-                          </m:r>
-                        </m:sup>
-                        <m:e>
-                          <m:sSub>
-                            <m:sSubPr>
-                              <m:ctrlPr>
-                                <a:rPr lang="en-US" altLang="zh-CN" i="1">
-                                  <a:latin typeface="Cambria Math" panose="02040503050406030204" pitchFamily="18" charset="0"/>
-                                </a:rPr>
-                              </m:ctrlPr>
-                            </m:sSubPr>
-                            <m:e>
-                              <m:r>
-                                <a:rPr lang="en-US" altLang="zh-CN" i="1">
-                                  <a:latin typeface="Cambria Math" panose="02040503050406030204" pitchFamily="18" charset="0"/>
-                                </a:rPr>
-                                <m:t>𝑝</m:t>
-                              </m:r>
-                            </m:e>
-                            <m:sub>
-                              <m:r>
-                                <a:rPr lang="en-US" altLang="zh-CN" i="1">
-                                  <a:latin typeface="Cambria Math" panose="02040503050406030204" pitchFamily="18" charset="0"/>
-                                </a:rPr>
-                                <m:t>𝑟</m:t>
-                              </m:r>
-                            </m:sub>
-                          </m:sSub>
-                          <m:d>
-                            <m:dPr>
-                              <m:ctrlPr>
-                                <a:rPr lang="en-US" altLang="zh-CN" i="1">
-                                  <a:latin typeface="Cambria Math" panose="02040503050406030204" pitchFamily="18" charset="0"/>
-                                </a:rPr>
-                              </m:ctrlPr>
-                            </m:dPr>
-                            <m:e>
-                              <m:r>
-                                <a:rPr lang="en-US" altLang="zh-CN" i="1">
-                                  <a:latin typeface="Cambria Math" panose="02040503050406030204" pitchFamily="18" charset="0"/>
-                                </a:rPr>
-                                <m:t>𝑦</m:t>
-                              </m:r>
-                            </m:e>
-                            <m:e>
-                              <m:r>
-                                <a:rPr lang="en-US" altLang="zh-CN" i="1">
-                                  <a:latin typeface="Cambria Math" panose="02040503050406030204" pitchFamily="18" charset="0"/>
-                                </a:rPr>
-                                <m:t>𝑥</m:t>
-                              </m:r>
-                            </m:e>
-                          </m:d>
-                          <m:func>
-                            <m:funcPr>
-                              <m:ctrlPr>
-                                <a:rPr lang="en-US" altLang="zh-CN" b="0" i="1" smtClean="0">
-                                  <a:latin typeface="Cambria Math" panose="02040503050406030204" pitchFamily="18" charset="0"/>
-                                </a:rPr>
-                              </m:ctrlPr>
-                            </m:funcPr>
-                            <m:fName>
-                              <m:r>
-                                <m:rPr>
-                                  <m:sty m:val="p"/>
-                                </m:rPr>
-                                <a:rPr lang="en-US" altLang="zh-CN" b="0" i="0" smtClean="0">
-                                  <a:latin typeface="Cambria Math" panose="02040503050406030204" pitchFamily="18" charset="0"/>
-                                </a:rPr>
-                                <m:t>log</m:t>
-                              </m:r>
-                            </m:fName>
-                            <m:e>
-                              <m:sSub>
-                                <m:sSubPr>
-                                  <m:ctrlPr>
-                                    <a:rPr lang="en-US" altLang="zh-CN" i="1">
-                                      <a:latin typeface="Cambria Math" panose="02040503050406030204" pitchFamily="18" charset="0"/>
-                                    </a:rPr>
-                                  </m:ctrlPr>
-                                </m:sSubPr>
-                                <m:e>
-                                  <m:r>
-                                    <a:rPr lang="en-US" altLang="zh-CN" i="1">
-                                      <a:latin typeface="Cambria Math" panose="02040503050406030204" pitchFamily="18" charset="0"/>
-                                    </a:rPr>
-                                    <m:t>𝑝</m:t>
-                                  </m:r>
-                                </m:e>
-                                <m:sub>
-                                  <m:r>
-                                    <a:rPr lang="en-US" altLang="zh-CN" i="1">
-                                      <a:latin typeface="Cambria Math" panose="02040503050406030204" pitchFamily="18" charset="0"/>
-                                    </a:rPr>
-                                    <m:t>𝜃</m:t>
-                                  </m:r>
-                                </m:sub>
-                              </m:sSub>
-                              <m:d>
-                                <m:dPr>
-                                  <m:ctrlPr>
-                                    <a:rPr lang="en-US" altLang="zh-CN" i="1">
-                                      <a:latin typeface="Cambria Math" panose="02040503050406030204" pitchFamily="18" charset="0"/>
-                                    </a:rPr>
-                                  </m:ctrlPr>
-                                </m:dPr>
-                                <m:e>
-                                  <m:r>
-                                    <a:rPr lang="en-US" altLang="zh-CN" i="1">
-                                      <a:latin typeface="Cambria Math" panose="02040503050406030204" pitchFamily="18" charset="0"/>
-                                    </a:rPr>
-                                    <m:t>𝑦</m:t>
-                                  </m:r>
-                                </m:e>
-                                <m:e>
-                                  <m:r>
-                                    <a:rPr lang="en-US" altLang="zh-CN" i="1">
-                                      <a:latin typeface="Cambria Math" panose="02040503050406030204" pitchFamily="18" charset="0"/>
-                                    </a:rPr>
-                                    <m:t>𝑥</m:t>
-                                  </m:r>
-                                </m:e>
-                              </m:d>
-                            </m:e>
-                          </m:func>
-                        </m:e>
-                      </m:nary>
-                    </m:oMath>
-                  </m:oMathPara>
-                </a14:m>
-                <a:endParaRPr lang="en-US" altLang="zh-CN" dirty="0"/>
-              </a:p>
-              <a:p>
-                <a:endParaRPr lang="en-US" altLang="zh-CN" dirty="0"/>
-              </a:p>
-            </p:txBody>
-          </p:sp>
-        </mc:Choice>
-        <mc:Fallback xmlns="">
-          <p:sp>
-            <p:nvSpPr>
-              <p:cNvPr id="5" name="文本框 4"/>
-              <p:cNvSpPr txBox="1">
-                <a:spLocks noRot="1" noChangeAspect="1" noMove="1" noResize="1" noEditPoints="1" noAdjustHandles="1" noChangeArrowheads="1" noChangeShapeType="1" noTextEdit="1"/>
-              </p:cNvSpPr>
-              <p:nvPr/>
-            </p:nvSpPr>
-            <p:spPr>
-              <a:xfrm>
-                <a:off x="3938907" y="4697111"/>
-                <a:ext cx="2816092" cy="1088439"/>
-              </a:xfrm>
-              <a:prstGeom prst="rect">
-                <a:avLst/>
-              </a:prstGeom>
-              <a:blipFill>
-                <a:blip r:embed="rId6"/>
-                <a:stretch>
-                  <a:fillRect/>
-                </a:stretch>
-              </a:blipFill>
-            </p:spPr>
-            <p:txBody>
-              <a:bodyPr/>
-              <a:lstStyle/>
-              <a:p>
-                <a:r>
-                  <a:rPr lang="zh-CN" altLang="en-US">
-                    <a:noFill/>
-                  </a:rPr>
-                  <a:t> </a:t>
-                </a:r>
-              </a:p>
-            </p:txBody>
-          </p:sp>
-        </mc:Fallback>
-      </mc:AlternateContent>
-      <p:sp>
-        <p:nvSpPr>
-          <p:cNvPr id="6" name="矩形 5"/>
-          <p:cNvSpPr/>
-          <p:nvPr/>
-        </p:nvSpPr>
-        <p:spPr>
-          <a:xfrm>
-            <a:off x="4319907" y="5823650"/>
-            <a:ext cx="2253228" cy="369332"/>
-          </a:xfrm>
-          <a:prstGeom prst="rect">
-            <a:avLst/>
-          </a:prstGeom>
-        </p:spPr>
-        <p:txBody>
-          <a:bodyPr wrap="square">
-            <a:spAutoFit/>
-          </a:bodyPr>
-          <a:lstStyle/>
-          <a:p>
-            <a:pPr algn="ctr"/>
-            <a:r>
-              <a:rPr lang="zh-CN" altLang="en-US" dirty="0">
-                <a:solidFill>
-                  <a:srgbClr val="FF0000"/>
-                </a:solidFill>
-              </a:rPr>
-              <a:t>交叉熵损失</a:t>
-            </a:r>
-            <a:endParaRPr lang="zh-CN" altLang="en-US" dirty="0"/>
-          </a:p>
-        </p:txBody>
-      </p:sp>
-    </p:spTree>
-    <p:extLst>
-      <p:ext uri="{BB962C8B-B14F-4D97-AF65-F5344CB8AC3E}">
-        <p14:creationId xmlns:p14="http://schemas.microsoft.com/office/powerpoint/2010/main" val="1311918289"/>
-      </p:ext>
-    </p:extLst>
-  </p:cSld>
-  <p:clrMapOvr>
-    <a:masterClrMapping/>
-  </p:clrMapOvr>
-  <p:timing>
-    <p:tnLst>
-      <p:par>
-        <p:cTn id="1" dur="indefinite" restart="never" nodeType="tmRoot">
-          <p:childTnLst>
-            <p:seq concurrent="1" nextAc="seek">
-              <p:cTn id="2" dur="indefinite" nodeType="mainSeq">
-                <p:childTnLst>
-                  <p:par>
-                    <p:cTn id="3" fill="hold">
-                      <p:stCondLst>
-                        <p:cond delay="indefinite"/>
-                      </p:stCondLst>
-                      <p:childTnLst>
-                        <p:par>
-                          <p:cTn id="4" fill="hold">
-                            <p:stCondLst>
-                              <p:cond delay="0"/>
-                            </p:stCondLst>
-                            <p:childTnLst>
-                              <p:par>
-                                <p:cTn id="5" presetID="10" presetClass="entr" presetSubtype="0" fill="hold" nodeType="clickEffect">
-                                  <p:stCondLst>
-                                    <p:cond delay="0"/>
-                                  </p:stCondLst>
-                                  <p:childTnLst>
-                                    <p:set>
-                                      <p:cBhvr>
-                                        <p:cTn id="6" dur="1" fill="hold">
-                                          <p:stCondLst>
-                                            <p:cond delay="0"/>
-                                          </p:stCondLst>
-                                        </p:cTn>
-                                        <p:tgtEl>
-                                          <p:spTgt spid="3">
-                                            <p:txEl>
-                                              <p:pRg st="4" end="4"/>
-                                            </p:txEl>
-                                          </p:spTgt>
-                                        </p:tgtEl>
-                                        <p:attrNameLst>
-                                          <p:attrName>style.visibility</p:attrName>
-                                        </p:attrNameLst>
-                                      </p:cBhvr>
-                                      <p:to>
-                                        <p:strVal val="visible"/>
-                                      </p:to>
-                                    </p:set>
-                                    <p:animEffect transition="in" filter="fade">
-                                      <p:cBhvr>
-                                        <p:cTn id="7" dur="500"/>
-                                        <p:tgtEl>
-                                          <p:spTgt spid="3">
-                                            <p:txEl>
-                                              <p:pRg st="4" end="4"/>
-                                            </p:txEl>
-                                          </p:spTgt>
-                                        </p:tgtEl>
-                                      </p:cBhvr>
-                                    </p:animEffect>
-                                  </p:childTnLst>
-                                </p:cTn>
-                              </p:par>
-                              <p:par>
-                                <p:cTn id="8" presetID="10" presetClass="entr" presetSubtype="0" fill="hold" grpId="0" nodeType="withEffect">
-                                  <p:stCondLst>
-                                    <p:cond delay="0"/>
-                                  </p:stCondLst>
-                                  <p:childTnLst>
-                                    <p:set>
-                                      <p:cBhvr>
-                                        <p:cTn id="9" dur="1" fill="hold">
-                                          <p:stCondLst>
-                                            <p:cond delay="0"/>
-                                          </p:stCondLst>
-                                        </p:cTn>
-                                        <p:tgtEl>
-                                          <p:spTgt spid="4"/>
-                                        </p:tgtEl>
-                                        <p:attrNameLst>
-                                          <p:attrName>style.visibility</p:attrName>
-                                        </p:attrNameLst>
-                                      </p:cBhvr>
-                                      <p:to>
-                                        <p:strVal val="visible"/>
-                                      </p:to>
-                                    </p:set>
-                                    <p:animEffect transition="in" filter="fade">
-                                      <p:cBhvr>
-                                        <p:cTn id="10" dur="500"/>
-                                        <p:tgtEl>
-                                          <p:spTgt spid="4"/>
-                                        </p:tgtEl>
-                                      </p:cBhvr>
-                                    </p:animEffect>
-                                  </p:childTnLst>
-                                </p:cTn>
-                              </p:par>
-                            </p:childTnLst>
-                          </p:cTn>
-                        </p:par>
-                      </p:childTnLst>
-                    </p:cTn>
-                  </p:par>
-                  <p:par>
-                    <p:cTn id="11" fill="hold">
-                      <p:stCondLst>
-                        <p:cond delay="indefinite"/>
-                      </p:stCondLst>
-                      <p:childTnLst>
-                        <p:par>
-                          <p:cTn id="12" fill="hold">
-                            <p:stCondLst>
-                              <p:cond delay="0"/>
-                            </p:stCondLst>
-                            <p:childTnLst>
-                              <p:par>
-                                <p:cTn id="13" presetID="10" presetClass="entr" presetSubtype="0" fill="hold" grpId="0" nodeType="clickEffect">
-                                  <p:stCondLst>
-                                    <p:cond delay="0"/>
-                                  </p:stCondLst>
-                                  <p:childTnLst>
-                                    <p:set>
-                                      <p:cBhvr>
-                                        <p:cTn id="14" dur="1" fill="hold">
-                                          <p:stCondLst>
-                                            <p:cond delay="0"/>
-                                          </p:stCondLst>
-                                        </p:cTn>
-                                        <p:tgtEl>
-                                          <p:spTgt spid="5"/>
-                                        </p:tgtEl>
-                                        <p:attrNameLst>
-                                          <p:attrName>style.visibility</p:attrName>
-                                        </p:attrNameLst>
-                                      </p:cBhvr>
-                                      <p:to>
-                                        <p:strVal val="visible"/>
-                                      </p:to>
-                                    </p:set>
-                                    <p:animEffect transition="in" filter="fade">
-                                      <p:cBhvr>
-                                        <p:cTn id="15" dur="500"/>
-                                        <p:tgtEl>
-                                          <p:spTgt spid="5"/>
-                                        </p:tgtEl>
-                                      </p:cBhvr>
-                                    </p:animEffect>
-                                  </p:childTnLst>
-                                </p:cTn>
-                              </p:par>
-                              <p:par>
-                                <p:cTn id="16" presetID="10" presetClass="entr" presetSubtype="0" fill="hold" grpId="0" nodeType="withEffect">
-                                  <p:stCondLst>
-                                    <p:cond delay="0"/>
-                                  </p:stCondLst>
-                                  <p:childTnLst>
-                                    <p:set>
-                                      <p:cBhvr>
-                                        <p:cTn id="17" dur="1" fill="hold">
-                                          <p:stCondLst>
-                                            <p:cond delay="0"/>
-                                          </p:stCondLst>
-                                        </p:cTn>
-                                        <p:tgtEl>
-                                          <p:spTgt spid="6"/>
-                                        </p:tgtEl>
-                                        <p:attrNameLst>
-                                          <p:attrName>style.visibility</p:attrName>
-                                        </p:attrNameLst>
-                                      </p:cBhvr>
-                                      <p:to>
-                                        <p:strVal val="visible"/>
-                                      </p:to>
-                                    </p:set>
-                                    <p:animEffect transition="in" filter="fade">
-                                      <p:cBhvr>
-                                        <p:cTn id="18" dur="500"/>
-                                        <p:tgtEl>
-                                          <p:spTgt spid="6"/>
-                                        </p:tgtEl>
-                                      </p:cBhvr>
-                                    </p:animEffect>
-                                  </p:childTnLst>
-                                </p:cTn>
-                              </p:par>
-                            </p:childTnLst>
-                          </p:cTn>
-                        </p:par>
-                      </p:childTnLst>
-                    </p:cTn>
-                  </p:par>
-                </p:childTnLst>
-              </p:cTn>
-              <p:prevCondLst>
-                <p:cond evt="onPrev" delay="0">
-                  <p:tgtEl>
-                    <p:sldTgt/>
-                  </p:tgtEl>
-                </p:cond>
-              </p:prevCondLst>
-              <p:nextCondLst>
-                <p:cond evt="onNext" delay="0">
-                  <p:tgtEl>
-                    <p:sldTgt/>
-                  </p:tgtEl>
-                </p:cond>
-              </p:nextCondLst>
-            </p:seq>
-          </p:childTnLst>
-        </p:cTn>
-      </p:par>
-    </p:tnLst>
-    <p:bldLst>
-      <p:bldP spid="4" grpId="0"/>
-      <p:bldP spid="5" grpId="0"/>
-      <p:bldP spid="6" grpId="0"/>
-    </p:bldLst>
-  </p:timing>
-</p:sld>
-</file>
-
-<file path=ppt/slides/slide11.xml><?xml version="1.0" encoding="utf-8"?>
-<p:sld xmlns:a="http://schemas.openxmlformats.org/drawingml/2006/main" xmlns:r="http://schemas.openxmlformats.org/officeDocument/2006/relationships" xmlns:p="http://schemas.openxmlformats.org/presentationml/2006/main">
-  <p:cSld>
-    <p:spTree>
-      <p:nvGrpSpPr>
-        <p:cNvPr id="1" name=""/>
-        <p:cNvGrpSpPr/>
-        <p:nvPr/>
-      </p:nvGrpSpPr>
-      <p:grpSpPr>
-        <a:xfrm>
-          <a:off x="0" y="0"/>
-          <a:ext cx="0" cy="0"/>
-          <a:chOff x="0" y="0"/>
-          <a:chExt cx="0" cy="0"/>
-        </a:xfrm>
-      </p:grpSpPr>
-      <p:pic>
-        <p:nvPicPr>
-          <p:cNvPr id="7" name="图片 6"/>
-          <p:cNvPicPr>
-            <a:picLocks noChangeAspect="1"/>
-          </p:cNvPicPr>
-          <p:nvPr/>
-        </p:nvPicPr>
-        <p:blipFill>
-          <a:blip r:embed="rId2"/>
-          <a:stretch>
-            <a:fillRect/>
-          </a:stretch>
-        </p:blipFill>
-        <p:spPr>
-          <a:xfrm>
-            <a:off x="1219200" y="3200400"/>
-            <a:ext cx="6278154" cy="2899909"/>
-          </a:xfrm>
-          <a:prstGeom prst="rect">
-            <a:avLst/>
-          </a:prstGeom>
-        </p:spPr>
-      </p:pic>
-      <p:sp>
-        <p:nvSpPr>
-          <p:cNvPr id="2" name="标题 1"/>
-          <p:cNvSpPr>
-            <a:spLocks noGrp="1"/>
-          </p:cNvSpPr>
-          <p:nvPr>
-            <p:ph type="title"/>
-          </p:nvPr>
-        </p:nvSpPr>
-        <p:spPr/>
-        <p:txBody>
-          <a:bodyPr/>
-          <a:lstStyle/>
-          <a:p>
-            <a:r>
-              <a:rPr lang="zh-CN" altLang="en-US" dirty="0">
-                <a:solidFill>
-                  <a:srgbClr val="FF0000"/>
-                </a:solidFill>
-              </a:rPr>
-              <a:t>交叉熵损失</a:t>
-            </a:r>
-          </a:p>
-        </p:txBody>
-      </p:sp>
-      <mc:AlternateContent xmlns:mc="http://schemas.openxmlformats.org/markup-compatibility/2006" xmlns:a14="http://schemas.microsoft.com/office/drawing/2010/main">
-        <mc:Choice Requires="a14">
-          <p:sp>
-            <p:nvSpPr>
-              <p:cNvPr id="4" name="矩形 3"/>
-              <p:cNvSpPr/>
-              <p:nvPr/>
-            </p:nvSpPr>
-            <p:spPr>
-              <a:xfrm>
-                <a:off x="1600200" y="2599297"/>
-                <a:ext cx="1862176" cy="369332"/>
-              </a:xfrm>
-              <a:prstGeom prst="rect">
-                <a:avLst/>
-              </a:prstGeom>
-            </p:spPr>
-            <p:txBody>
-              <a:bodyPr wrap="none">
-                <a:spAutoFit/>
-              </a:bodyPr>
-              <a:lstStyle/>
-              <a:p>
-                <a:r>
-                  <a:rPr lang="zh-CN" altLang="en-US" dirty="0">
-                    <a:solidFill>
-                      <a:srgbClr val="FF0000"/>
-                    </a:solidFill>
-                  </a:rPr>
-                  <a:t>真实概率</a:t>
-                </a:r>
-                <a14:m>
-                  <m:oMath xmlns:m="http://schemas.openxmlformats.org/officeDocument/2006/math">
-                    <m:sSub>
-                      <m:sSubPr>
-                        <m:ctrlPr>
-                          <a:rPr lang="en-US" altLang="zh-CN" i="1">
-                            <a:solidFill>
-                              <a:srgbClr val="FF0000"/>
-                            </a:solidFill>
-                            <a:latin typeface="Cambria Math" panose="02040503050406030204" pitchFamily="18" charset="0"/>
-                          </a:rPr>
-                        </m:ctrlPr>
-                      </m:sSubPr>
-                      <m:e>
-                        <m:r>
-                          <a:rPr lang="en-US" altLang="zh-CN" i="1">
-                            <a:solidFill>
-                              <a:srgbClr val="FF0000"/>
-                            </a:solidFill>
-                            <a:latin typeface="Cambria Math" panose="02040503050406030204" pitchFamily="18" charset="0"/>
-                          </a:rPr>
-                          <m:t>𝑝</m:t>
-                        </m:r>
-                      </m:e>
-                      <m:sub>
-                        <m:r>
-                          <a:rPr lang="en-US" altLang="zh-CN" i="1">
-                            <a:solidFill>
-                              <a:srgbClr val="FF0000"/>
-                            </a:solidFill>
-                            <a:latin typeface="Cambria Math" panose="02040503050406030204" pitchFamily="18" charset="0"/>
-                          </a:rPr>
-                          <m:t>𝑟</m:t>
-                        </m:r>
-                      </m:sub>
-                    </m:sSub>
-                    <m:r>
-                      <a:rPr lang="en-US" altLang="zh-CN" i="1">
-                        <a:solidFill>
-                          <a:srgbClr val="FF0000"/>
-                        </a:solidFill>
-                        <a:latin typeface="Cambria Math" panose="02040503050406030204" pitchFamily="18" charset="0"/>
-                      </a:rPr>
-                      <m:t>(</m:t>
-                    </m:r>
-                    <m:r>
-                      <a:rPr lang="en-US" altLang="zh-CN" i="1">
-                        <a:solidFill>
-                          <a:srgbClr val="FF0000"/>
-                        </a:solidFill>
-                        <a:latin typeface="Cambria Math" panose="02040503050406030204" pitchFamily="18" charset="0"/>
-                      </a:rPr>
-                      <m:t>𝑦</m:t>
-                    </m:r>
-                    <m:r>
-                      <a:rPr lang="en-US" altLang="zh-CN" i="1">
-                        <a:solidFill>
-                          <a:srgbClr val="FF0000"/>
-                        </a:solidFill>
-                        <a:latin typeface="Cambria Math" panose="02040503050406030204" pitchFamily="18" charset="0"/>
-                      </a:rPr>
-                      <m:t>|</m:t>
-                    </m:r>
-                    <m:r>
-                      <a:rPr lang="en-US" altLang="zh-CN" i="1">
-                        <a:solidFill>
-                          <a:srgbClr val="FF0000"/>
-                        </a:solidFill>
-                        <a:latin typeface="Cambria Math" panose="02040503050406030204" pitchFamily="18" charset="0"/>
-                      </a:rPr>
-                      <m:t>𝑥</m:t>
-                    </m:r>
-                    <m:r>
-                      <a:rPr lang="en-US" altLang="zh-CN" i="1">
-                        <a:solidFill>
-                          <a:srgbClr val="FF0000"/>
-                        </a:solidFill>
-                        <a:latin typeface="Cambria Math" panose="02040503050406030204" pitchFamily="18" charset="0"/>
-                      </a:rPr>
-                      <m:t>)</m:t>
-                    </m:r>
-                  </m:oMath>
-                </a14:m>
-                <a:endParaRPr lang="en-US" altLang="zh-CN" dirty="0">
-                  <a:solidFill>
-                    <a:srgbClr val="FF0000"/>
-                  </a:solidFill>
-                </a:endParaRPr>
-              </a:p>
-            </p:txBody>
-          </p:sp>
-        </mc:Choice>
-        <mc:Fallback xmlns="">
-          <p:sp>
-            <p:nvSpPr>
-              <p:cNvPr id="4" name="矩形 3"/>
-              <p:cNvSpPr>
-                <a:spLocks noRot="1" noChangeAspect="1" noMove="1" noResize="1" noEditPoints="1" noAdjustHandles="1" noChangeArrowheads="1" noChangeShapeType="1" noTextEdit="1"/>
-              </p:cNvSpPr>
-              <p:nvPr/>
-            </p:nvSpPr>
-            <p:spPr>
-              <a:xfrm>
-                <a:off x="1600200" y="2599297"/>
-                <a:ext cx="1862176" cy="369332"/>
-              </a:xfrm>
-              <a:prstGeom prst="rect">
-                <a:avLst/>
-              </a:prstGeom>
-              <a:blipFill>
-                <a:blip r:embed="rId3"/>
-                <a:stretch>
-                  <a:fillRect l="-2951" t="-6557" r="-656" b="-26230"/>
-                </a:stretch>
-              </a:blipFill>
-            </p:spPr>
-            <p:txBody>
-              <a:bodyPr/>
-              <a:lstStyle/>
-              <a:p>
-                <a:r>
-                  <a:rPr lang="zh-CN" altLang="en-US">
-                    <a:noFill/>
-                  </a:rPr>
-                  <a:t> </a:t>
-                </a:r>
-              </a:p>
-            </p:txBody>
-          </p:sp>
-        </mc:Fallback>
-      </mc:AlternateContent>
-      <mc:AlternateContent xmlns:mc="http://schemas.openxmlformats.org/markup-compatibility/2006" xmlns:a14="http://schemas.microsoft.com/office/drawing/2010/main">
-        <mc:Choice Requires="a14">
-          <p:sp>
-            <p:nvSpPr>
-              <p:cNvPr id="8" name="矩形 7"/>
-              <p:cNvSpPr/>
-              <p:nvPr/>
-            </p:nvSpPr>
-            <p:spPr>
-              <a:xfrm>
-                <a:off x="4876800" y="2599297"/>
-                <a:ext cx="3314241" cy="369332"/>
-              </a:xfrm>
-              <a:prstGeom prst="rect">
-                <a:avLst/>
-              </a:prstGeom>
-            </p:spPr>
-            <p:txBody>
-              <a:bodyPr wrap="none">
-                <a:spAutoFit/>
-              </a:bodyPr>
-              <a:lstStyle/>
-              <a:p>
-                <a:r>
-                  <a:rPr lang="zh-CN" altLang="en-US" dirty="0">
-                    <a:solidFill>
-                      <a:srgbClr val="FF0000"/>
-                    </a:solidFill>
-                  </a:rPr>
-                  <a:t>预测概率的负对数</a:t>
-                </a:r>
-                <a14:m>
-                  <m:oMath xmlns:m="http://schemas.openxmlformats.org/officeDocument/2006/math">
-                    <m:func>
-                      <m:funcPr>
-                        <m:ctrlPr>
-                          <a:rPr lang="en-US" altLang="zh-CN" b="0" i="1" smtClean="0">
-                            <a:solidFill>
-                              <a:srgbClr val="FF0000"/>
-                            </a:solidFill>
-                            <a:latin typeface="Cambria Math" panose="02040503050406030204" pitchFamily="18" charset="0"/>
-                          </a:rPr>
-                        </m:ctrlPr>
-                      </m:funcPr>
-                      <m:fName>
-                        <m:r>
-                          <a:rPr lang="en-US" altLang="zh-CN" b="0" i="0" smtClean="0">
-                            <a:solidFill>
-                              <a:srgbClr val="FF0000"/>
-                            </a:solidFill>
-                            <a:latin typeface="Cambria Math" panose="02040503050406030204" pitchFamily="18" charset="0"/>
-                          </a:rPr>
-                          <m:t>−</m:t>
-                        </m:r>
-                        <m:r>
-                          <m:rPr>
-                            <m:sty m:val="p"/>
-                          </m:rPr>
-                          <a:rPr lang="en-US" altLang="zh-CN" b="0" i="0" smtClean="0">
-                            <a:solidFill>
-                              <a:srgbClr val="FF0000"/>
-                            </a:solidFill>
-                            <a:latin typeface="Cambria Math" panose="02040503050406030204" pitchFamily="18" charset="0"/>
-                          </a:rPr>
-                          <m:t>log</m:t>
-                        </m:r>
-                      </m:fName>
-                      <m:e>
-                        <m:sSub>
-                          <m:sSubPr>
-                            <m:ctrlPr>
-                              <a:rPr lang="en-US" altLang="zh-CN" i="1">
-                                <a:solidFill>
-                                  <a:srgbClr val="FF0000"/>
-                                </a:solidFill>
-                                <a:latin typeface="Cambria Math" panose="02040503050406030204" pitchFamily="18" charset="0"/>
-                              </a:rPr>
-                            </m:ctrlPr>
-                          </m:sSubPr>
-                          <m:e>
-                            <m:r>
-                              <a:rPr lang="en-US" altLang="zh-CN" i="1">
-                                <a:solidFill>
-                                  <a:srgbClr val="FF0000"/>
-                                </a:solidFill>
-                                <a:latin typeface="Cambria Math" panose="02040503050406030204" pitchFamily="18" charset="0"/>
-                              </a:rPr>
-                              <m:t>𝑝</m:t>
-                            </m:r>
-                          </m:e>
-                          <m:sub>
-                            <m:r>
-                              <a:rPr lang="en-US" altLang="zh-CN" i="1">
-                                <a:solidFill>
-                                  <a:srgbClr val="FF0000"/>
-                                </a:solidFill>
-                                <a:latin typeface="Cambria Math" panose="02040503050406030204" pitchFamily="18" charset="0"/>
-                              </a:rPr>
-                              <m:t>𝜃</m:t>
-                            </m:r>
-                          </m:sub>
-                        </m:sSub>
-                        <m:r>
-                          <a:rPr lang="en-US" altLang="zh-CN" i="1">
-                            <a:solidFill>
-                              <a:srgbClr val="FF0000"/>
-                            </a:solidFill>
-                            <a:latin typeface="Cambria Math" panose="02040503050406030204" pitchFamily="18" charset="0"/>
-                          </a:rPr>
-                          <m:t>(</m:t>
-                        </m:r>
-                        <m:r>
-                          <a:rPr lang="en-US" altLang="zh-CN" i="1">
-                            <a:solidFill>
-                              <a:srgbClr val="FF0000"/>
-                            </a:solidFill>
-                            <a:latin typeface="Cambria Math" panose="02040503050406030204" pitchFamily="18" charset="0"/>
-                          </a:rPr>
-                          <m:t>𝑦</m:t>
-                        </m:r>
-                        <m:r>
-                          <a:rPr lang="en-US" altLang="zh-CN" i="1">
-                            <a:solidFill>
-                              <a:srgbClr val="FF0000"/>
-                            </a:solidFill>
-                            <a:latin typeface="Cambria Math" panose="02040503050406030204" pitchFamily="18" charset="0"/>
-                          </a:rPr>
-                          <m:t>|</m:t>
-                        </m:r>
-                        <m:r>
-                          <a:rPr lang="en-US" altLang="zh-CN" i="1">
-                            <a:solidFill>
-                              <a:srgbClr val="FF0000"/>
-                            </a:solidFill>
-                            <a:latin typeface="Cambria Math" panose="02040503050406030204" pitchFamily="18" charset="0"/>
-                          </a:rPr>
-                          <m:t>𝑥</m:t>
-                        </m:r>
-                        <m:r>
-                          <a:rPr lang="en-US" altLang="zh-CN" i="1">
-                            <a:solidFill>
-                              <a:srgbClr val="FF0000"/>
-                            </a:solidFill>
-                            <a:latin typeface="Cambria Math" panose="02040503050406030204" pitchFamily="18" charset="0"/>
-                          </a:rPr>
-                          <m:t>)</m:t>
-                        </m:r>
-                      </m:e>
-                    </m:func>
-                  </m:oMath>
-                </a14:m>
-                <a:endParaRPr lang="zh-CN" altLang="en-US" dirty="0">
-                  <a:solidFill>
-                    <a:srgbClr val="FF0000"/>
-                  </a:solidFill>
-                </a:endParaRPr>
-              </a:p>
-            </p:txBody>
-          </p:sp>
-        </mc:Choice>
-        <mc:Fallback xmlns="">
-          <p:sp>
-            <p:nvSpPr>
-              <p:cNvPr id="8" name="矩形 7"/>
-              <p:cNvSpPr>
-                <a:spLocks noRot="1" noChangeAspect="1" noMove="1" noResize="1" noEditPoints="1" noAdjustHandles="1" noChangeArrowheads="1" noChangeShapeType="1" noTextEdit="1"/>
-              </p:cNvSpPr>
-              <p:nvPr/>
-            </p:nvSpPr>
-            <p:spPr>
-              <a:xfrm>
-                <a:off x="4876800" y="2599297"/>
-                <a:ext cx="3314241" cy="369332"/>
-              </a:xfrm>
-              <a:prstGeom prst="rect">
-                <a:avLst/>
-              </a:prstGeom>
-              <a:blipFill>
-                <a:blip r:embed="rId4"/>
-                <a:stretch>
-                  <a:fillRect l="-1471" t="-6557" r="-184" b="-26230"/>
-                </a:stretch>
-              </a:blipFill>
-            </p:spPr>
-            <p:txBody>
-              <a:bodyPr/>
-              <a:lstStyle/>
-              <a:p>
-                <a:r>
-                  <a:rPr lang="zh-CN" altLang="en-US">
-                    <a:noFill/>
-                  </a:rPr>
-                  <a:t> </a:t>
-                </a:r>
-              </a:p>
-            </p:txBody>
-          </p:sp>
-        </mc:Fallback>
-      </mc:AlternateContent>
-      <mc:AlternateContent xmlns:mc="http://schemas.openxmlformats.org/markup-compatibility/2006" xmlns:a14="http://schemas.microsoft.com/office/drawing/2010/main">
-        <mc:Choice Requires="a14">
-          <p:sp>
-            <p:nvSpPr>
-              <p:cNvPr id="11" name="文本框 10"/>
-              <p:cNvSpPr txBox="1"/>
-              <p:nvPr/>
-            </p:nvSpPr>
-            <p:spPr>
-              <a:xfrm>
-                <a:off x="2950231" y="1394972"/>
-                <a:ext cx="2816092" cy="1088439"/>
-              </a:xfrm>
-              <a:prstGeom prst="rect">
-                <a:avLst/>
-              </a:prstGeom>
-              <a:noFill/>
-            </p:spPr>
-            <p:txBody>
-              <a:bodyPr wrap="none" lIns="0" tIns="0" rIns="0" bIns="0" rtlCol="0">
-                <a:spAutoFit/>
-              </a:bodyPr>
-              <a:lstStyle/>
-              <a:p>
-                <a:pPr/>
-                <a14:m>
-                  <m:oMathPara xmlns:m="http://schemas.openxmlformats.org/officeDocument/2006/math">
-                    <m:oMathParaPr>
-                      <m:jc m:val="centerGroup"/>
-                    </m:oMathParaPr>
-                    <m:oMath xmlns:m="http://schemas.openxmlformats.org/officeDocument/2006/math">
-                      <m:r>
-                        <a:rPr lang="en-US" altLang="zh-CN" b="0" i="1" smtClean="0">
-                          <a:latin typeface="Cambria Math" panose="02040503050406030204" pitchFamily="18" charset="0"/>
-                          <a:ea typeface="Cambria Math" panose="02040503050406030204" pitchFamily="18" charset="0"/>
-                        </a:rPr>
-                        <m:t>−</m:t>
-                      </m:r>
-                      <m:nary>
-                        <m:naryPr>
-                          <m:chr m:val="∑"/>
-                          <m:ctrlPr>
-                            <a:rPr lang="en-US" altLang="zh-CN" b="0" i="1" smtClean="0">
-                              <a:latin typeface="Cambria Math" panose="02040503050406030204" pitchFamily="18" charset="0"/>
-                            </a:rPr>
-                          </m:ctrlPr>
-                        </m:naryPr>
-                        <m:sub>
-                          <m:r>
-                            <a:rPr lang="en-US" altLang="zh-CN" b="0" i="1" smtClean="0">
-                              <a:latin typeface="Cambria Math" panose="02040503050406030204" pitchFamily="18" charset="0"/>
-                            </a:rPr>
-                            <m:t>𝑦</m:t>
-                          </m:r>
-                          <m:r>
-                            <a:rPr lang="en-US" altLang="zh-CN" b="0" i="1" smtClean="0">
-                              <a:latin typeface="Cambria Math" panose="02040503050406030204" pitchFamily="18" charset="0"/>
-                            </a:rPr>
-                            <m:t>=1</m:t>
-                          </m:r>
-                        </m:sub>
-                        <m:sup>
-                          <m:r>
-                            <a:rPr lang="en-US" altLang="zh-CN" b="0" i="1" smtClean="0">
-                              <a:latin typeface="Cambria Math" panose="02040503050406030204" pitchFamily="18" charset="0"/>
-                            </a:rPr>
-                            <m:t>𝐶</m:t>
-                          </m:r>
-                        </m:sup>
-                        <m:e>
-                          <m:sSub>
-                            <m:sSubPr>
-                              <m:ctrlPr>
-                                <a:rPr lang="en-US" altLang="zh-CN" i="1">
-                                  <a:latin typeface="Cambria Math" panose="02040503050406030204" pitchFamily="18" charset="0"/>
-                                </a:rPr>
-                              </m:ctrlPr>
-                            </m:sSubPr>
-                            <m:e>
-                              <m:r>
-                                <a:rPr lang="en-US" altLang="zh-CN" i="1">
-                                  <a:latin typeface="Cambria Math" panose="02040503050406030204" pitchFamily="18" charset="0"/>
-                                </a:rPr>
-                                <m:t>𝑝</m:t>
-                              </m:r>
-                            </m:e>
-                            <m:sub>
-                              <m:r>
-                                <a:rPr lang="en-US" altLang="zh-CN" i="1">
-                                  <a:latin typeface="Cambria Math" panose="02040503050406030204" pitchFamily="18" charset="0"/>
-                                </a:rPr>
-                                <m:t>𝑟</m:t>
-                              </m:r>
-                            </m:sub>
-                          </m:sSub>
-                          <m:d>
-                            <m:dPr>
-                              <m:ctrlPr>
-                                <a:rPr lang="en-US" altLang="zh-CN" i="1">
-                                  <a:latin typeface="Cambria Math" panose="02040503050406030204" pitchFamily="18" charset="0"/>
-                                </a:rPr>
-                              </m:ctrlPr>
-                            </m:dPr>
-                            <m:e>
-                              <m:r>
-                                <a:rPr lang="en-US" altLang="zh-CN" i="1">
-                                  <a:latin typeface="Cambria Math" panose="02040503050406030204" pitchFamily="18" charset="0"/>
-                                </a:rPr>
-                                <m:t>𝑦</m:t>
-                              </m:r>
-                            </m:e>
-                            <m:e>
-                              <m:r>
-                                <a:rPr lang="en-US" altLang="zh-CN" i="1">
-                                  <a:latin typeface="Cambria Math" panose="02040503050406030204" pitchFamily="18" charset="0"/>
-                                </a:rPr>
-                                <m:t>𝑥</m:t>
-                              </m:r>
-                            </m:e>
-                          </m:d>
-                          <m:func>
-                            <m:funcPr>
-                              <m:ctrlPr>
-                                <a:rPr lang="en-US" altLang="zh-CN" b="0" i="1" smtClean="0">
-                                  <a:latin typeface="Cambria Math" panose="02040503050406030204" pitchFamily="18" charset="0"/>
-                                </a:rPr>
-                              </m:ctrlPr>
-                            </m:funcPr>
-                            <m:fName>
-                              <m:r>
-                                <m:rPr>
-                                  <m:sty m:val="p"/>
-                                </m:rPr>
-                                <a:rPr lang="en-US" altLang="zh-CN" b="0" i="0" smtClean="0">
-                                  <a:latin typeface="Cambria Math" panose="02040503050406030204" pitchFamily="18" charset="0"/>
-                                </a:rPr>
-                                <m:t>log</m:t>
-                              </m:r>
-                            </m:fName>
-                            <m:e>
-                              <m:sSub>
-                                <m:sSubPr>
-                                  <m:ctrlPr>
-                                    <a:rPr lang="en-US" altLang="zh-CN" i="1">
-                                      <a:latin typeface="Cambria Math" panose="02040503050406030204" pitchFamily="18" charset="0"/>
-                                    </a:rPr>
-                                  </m:ctrlPr>
-                                </m:sSubPr>
-                                <m:e>
-                                  <m:r>
-                                    <a:rPr lang="en-US" altLang="zh-CN" i="1">
-                                      <a:latin typeface="Cambria Math" panose="02040503050406030204" pitchFamily="18" charset="0"/>
-                                    </a:rPr>
-                                    <m:t>𝑝</m:t>
-                                  </m:r>
-                                </m:e>
-                                <m:sub>
-                                  <m:r>
-                                    <a:rPr lang="en-US" altLang="zh-CN" i="1">
-                                      <a:latin typeface="Cambria Math" panose="02040503050406030204" pitchFamily="18" charset="0"/>
-                                    </a:rPr>
-                                    <m:t>𝜃</m:t>
-                                  </m:r>
-                                </m:sub>
-                              </m:sSub>
-                              <m:d>
-                                <m:dPr>
-                                  <m:ctrlPr>
-                                    <a:rPr lang="en-US" altLang="zh-CN" i="1">
-                                      <a:latin typeface="Cambria Math" panose="02040503050406030204" pitchFamily="18" charset="0"/>
-                                    </a:rPr>
-                                  </m:ctrlPr>
-                                </m:dPr>
-                                <m:e>
-                                  <m:r>
-                                    <a:rPr lang="en-US" altLang="zh-CN" i="1">
-                                      <a:latin typeface="Cambria Math" panose="02040503050406030204" pitchFamily="18" charset="0"/>
-                                    </a:rPr>
-                                    <m:t>𝑦</m:t>
-                                  </m:r>
-                                </m:e>
-                                <m:e>
-                                  <m:r>
-                                    <a:rPr lang="en-US" altLang="zh-CN" i="1">
-                                      <a:latin typeface="Cambria Math" panose="02040503050406030204" pitchFamily="18" charset="0"/>
-                                    </a:rPr>
-                                    <m:t>𝑥</m:t>
-                                  </m:r>
-                                </m:e>
-                              </m:d>
-                            </m:e>
-                          </m:func>
-                        </m:e>
-                      </m:nary>
-                    </m:oMath>
-                  </m:oMathPara>
-                </a14:m>
-                <a:endParaRPr lang="en-US" altLang="zh-CN" dirty="0"/>
-              </a:p>
-              <a:p>
-                <a:endParaRPr lang="en-US" altLang="zh-CN" dirty="0"/>
-              </a:p>
-            </p:txBody>
-          </p:sp>
-        </mc:Choice>
-        <mc:Fallback xmlns="">
-          <p:sp>
-            <p:nvSpPr>
-              <p:cNvPr id="11" name="文本框 10"/>
-              <p:cNvSpPr txBox="1">
-                <a:spLocks noRot="1" noChangeAspect="1" noMove="1" noResize="1" noEditPoints="1" noAdjustHandles="1" noChangeArrowheads="1" noChangeShapeType="1" noTextEdit="1"/>
-              </p:cNvSpPr>
-              <p:nvPr/>
-            </p:nvSpPr>
-            <p:spPr>
-              <a:xfrm>
-                <a:off x="2950231" y="1394972"/>
-                <a:ext cx="2816092" cy="1088439"/>
-              </a:xfrm>
-              <a:prstGeom prst="rect">
-                <a:avLst/>
-              </a:prstGeom>
-              <a:blipFill>
-                <a:blip r:embed="rId5"/>
-                <a:stretch>
-                  <a:fillRect/>
-                </a:stretch>
-              </a:blipFill>
-            </p:spPr>
-            <p:txBody>
-              <a:bodyPr/>
-              <a:lstStyle/>
-              <a:p>
-                <a:r>
-                  <a:rPr lang="zh-CN" altLang="en-US">
-                    <a:noFill/>
-                  </a:rPr>
-                  <a:t> </a:t>
-                </a:r>
-              </a:p>
-            </p:txBody>
-          </p:sp>
-        </mc:Fallback>
-      </mc:AlternateContent>
-    </p:spTree>
-    <p:extLst>
-      <p:ext uri="{BB962C8B-B14F-4D97-AF65-F5344CB8AC3E}">
-        <p14:creationId xmlns:p14="http://schemas.microsoft.com/office/powerpoint/2010/main" val="183622287"/>
-      </p:ext>
-    </p:extLst>
-  </p:cSld>
-  <p:clrMapOvr>
-    <a:masterClrMapping/>
-  </p:clrMapOvr>
-</p:sld>
-</file>
-
-<file path=ppt/slides/slide12.xml><?xml version="1.0" encoding="utf-8"?>
-<p:sld xmlns:a="http://schemas.openxmlformats.org/drawingml/2006/main" xmlns:r="http://schemas.openxmlformats.org/officeDocument/2006/relationships" xmlns:p="http://schemas.openxmlformats.org/presentationml/2006/main">
-  <p:cSld>
-    <p:spTree>
-      <p:nvGrpSpPr>
-        <p:cNvPr id="1" name=""/>
-        <p:cNvGrpSpPr/>
-        <p:nvPr/>
-      </p:nvGrpSpPr>
-      <p:grpSpPr>
-        <a:xfrm>
-          <a:off x="0" y="0"/>
-          <a:ext cx="0" cy="0"/>
-          <a:chOff x="0" y="0"/>
-          <a:chExt cx="0" cy="0"/>
-        </a:xfrm>
-      </p:grpSpPr>
-      <p:sp>
-        <p:nvSpPr>
-          <p:cNvPr id="2" name="标题 1"/>
-          <p:cNvSpPr>
-            <a:spLocks noGrp="1"/>
-          </p:cNvSpPr>
-          <p:nvPr>
-            <p:ph type="title"/>
-          </p:nvPr>
-        </p:nvSpPr>
-        <p:spPr/>
-        <p:txBody>
-          <a:bodyPr/>
-          <a:lstStyle/>
-          <a:p>
-            <a:r>
-              <a:rPr lang="zh-CN" altLang="en-US" dirty="0"/>
-              <a:t>交叉熵损失函数</a:t>
-            </a:r>
-            <a:endParaRPr lang="en-US" altLang="zh-CN" dirty="0"/>
-          </a:p>
-        </p:txBody>
-      </p:sp>
-      <p:sp>
-        <p:nvSpPr>
-          <p:cNvPr id="3" name="内容占位符 2"/>
-          <p:cNvSpPr>
-            <a:spLocks noGrp="1"/>
-          </p:cNvSpPr>
-          <p:nvPr>
-            <p:ph sz="quarter" idx="1"/>
-          </p:nvPr>
-        </p:nvSpPr>
-        <p:spPr/>
-        <p:txBody>
-          <a:bodyPr/>
-          <a:lstStyle/>
-          <a:p>
-            <a:pPr lvl="1"/>
-            <a:r>
-              <a:rPr lang="zh-CN" altLang="en-US" dirty="0"/>
-              <a:t>负对数似然损失函数</a:t>
-            </a:r>
-            <a:endParaRPr lang="en-US" altLang="zh-CN" dirty="0"/>
-          </a:p>
-          <a:p>
-            <a:endParaRPr lang="en-US" altLang="zh-CN" dirty="0"/>
-          </a:p>
-          <a:p>
-            <a:pPr marL="205978" lvl="1" indent="0">
-              <a:buNone/>
-            </a:pPr>
-            <a:endParaRPr lang="en-US" altLang="zh-CN" dirty="0"/>
-          </a:p>
-          <a:p>
-            <a:pPr lvl="1"/>
-            <a:r>
-              <a:rPr lang="zh-CN" altLang="en-US" dirty="0"/>
-              <a:t>对于一个三类分类问题，类别为</a:t>
-            </a:r>
-            <a:r>
-              <a:rPr lang="en-US" altLang="zh-CN" dirty="0"/>
-              <a:t>[0,0,1]</a:t>
-            </a:r>
-            <a:r>
-              <a:rPr lang="zh-CN" altLang="en-US" dirty="0"/>
-              <a:t>，预测的类别概率为</a:t>
-            </a:r>
-            <a:r>
-              <a:rPr lang="en-US" altLang="zh-CN" dirty="0"/>
-              <a:t>[0.3,0.3,0.4]</a:t>
-            </a:r>
-            <a:r>
-              <a:rPr lang="zh-CN" altLang="en-US" dirty="0"/>
-              <a:t>，则</a:t>
-            </a:r>
-            <a:endParaRPr lang="en-US" altLang="zh-CN" dirty="0"/>
-          </a:p>
-          <a:p>
-            <a:pPr lvl="1"/>
-            <a:endParaRPr lang="en-US" altLang="zh-CN" dirty="0"/>
-          </a:p>
-          <a:p>
-            <a:endParaRPr lang="en-US" altLang="zh-CN" dirty="0"/>
-          </a:p>
-          <a:p>
-            <a:endParaRPr lang="en-US" altLang="zh-CN" dirty="0"/>
-          </a:p>
-        </p:txBody>
-      </p:sp>
-      <p:pic>
-        <p:nvPicPr>
-          <p:cNvPr id="4" name="图片 3" descr="屏幕剪辑"/>
-          <p:cNvPicPr>
-            <a:picLocks noChangeAspect="1"/>
-          </p:cNvPicPr>
-          <p:nvPr/>
-        </p:nvPicPr>
-        <p:blipFill>
-          <a:blip r:embed="rId2">
-            <a:extLst>
-              <a:ext uri="{28A0092B-C50C-407E-A947-70E740481C1C}">
-                <a14:useLocalDpi xmlns:a14="http://schemas.microsoft.com/office/drawing/2010/main" val="0"/>
-              </a:ext>
-            </a:extLst>
-          </a:blip>
-          <a:stretch>
-            <a:fillRect/>
-          </a:stretch>
-        </p:blipFill>
-        <p:spPr>
-          <a:xfrm>
-            <a:off x="838200" y="5151944"/>
-            <a:ext cx="6456836" cy="1124064"/>
-          </a:xfrm>
-          <a:prstGeom prst="rect">
-            <a:avLst/>
-          </a:prstGeom>
-        </p:spPr>
-      </p:pic>
-      <p:pic>
-        <p:nvPicPr>
-          <p:cNvPr id="5" name="图片 4" descr="屏幕剪辑"/>
-          <p:cNvPicPr>
-            <a:picLocks noChangeAspect="1"/>
-          </p:cNvPicPr>
-          <p:nvPr/>
-        </p:nvPicPr>
-        <p:blipFill>
-          <a:blip r:embed="rId3">
-            <a:extLst>
-              <a:ext uri="{28A0092B-C50C-407E-A947-70E740481C1C}">
-                <a14:useLocalDpi xmlns:a14="http://schemas.microsoft.com/office/drawing/2010/main" val="0"/>
-              </a:ext>
-            </a:extLst>
-          </a:blip>
-          <a:stretch>
-            <a:fillRect/>
-          </a:stretch>
-        </p:blipFill>
-        <p:spPr>
-          <a:xfrm>
-            <a:off x="1714762" y="3470630"/>
-            <a:ext cx="4703712" cy="1762462"/>
-          </a:xfrm>
-          <a:prstGeom prst="rect">
-            <a:avLst/>
-          </a:prstGeom>
-        </p:spPr>
-      </p:pic>
-      <p:pic>
-        <p:nvPicPr>
-          <p:cNvPr id="6" name="图片 5" descr="屏幕剪辑"/>
-          <p:cNvPicPr>
-            <a:picLocks noChangeAspect="1"/>
-          </p:cNvPicPr>
-          <p:nvPr/>
-        </p:nvPicPr>
-        <p:blipFill>
-          <a:blip r:embed="rId4">
-            <a:extLst>
-              <a:ext uri="{28A0092B-C50C-407E-A947-70E740481C1C}">
-                <a14:useLocalDpi xmlns:a14="http://schemas.microsoft.com/office/drawing/2010/main" val="0"/>
-              </a:ext>
-            </a:extLst>
-          </a:blip>
-          <a:stretch>
-            <a:fillRect/>
-          </a:stretch>
-        </p:blipFill>
-        <p:spPr>
-          <a:xfrm>
-            <a:off x="2624223" y="1752600"/>
-            <a:ext cx="2884790" cy="647717"/>
-          </a:xfrm>
-          <a:prstGeom prst="rect">
-            <a:avLst/>
-          </a:prstGeom>
-        </p:spPr>
-      </p:pic>
-    </p:spTree>
-    <p:extLst>
-      <p:ext uri="{BB962C8B-B14F-4D97-AF65-F5344CB8AC3E}">
-        <p14:creationId xmlns:p14="http://schemas.microsoft.com/office/powerpoint/2010/main" val="2459107654"/>
-      </p:ext>
-    </p:extLst>
-  </p:cSld>
-  <p:clrMapOvr>
-    <a:masterClrMapping/>
-  </p:clrMapOvr>
-</p:sld>
-</file>
-
-<file path=ppt/slides/slide13.xml><?xml version="1.0" encoding="utf-8"?>
-<p:sld xmlns:a="http://schemas.openxmlformats.org/drawingml/2006/main" xmlns:r="http://schemas.openxmlformats.org/officeDocument/2006/relationships" xmlns:p="http://schemas.openxmlformats.org/presentationml/2006/main">
-  <p:cSld>
-    <p:spTree>
-      <p:nvGrpSpPr>
-        <p:cNvPr id="1" name=""/>
-        <p:cNvGrpSpPr/>
-        <p:nvPr/>
-      </p:nvGrpSpPr>
-      <p:grpSpPr>
-        <a:xfrm>
-          <a:off x="0" y="0"/>
-          <a:ext cx="0" cy="0"/>
-          <a:chOff x="0" y="0"/>
-          <a:chExt cx="0" cy="0"/>
-        </a:xfrm>
-      </p:grpSpPr>
-      <p:sp>
-        <p:nvSpPr>
-          <p:cNvPr id="2" name="标题 1"/>
-          <p:cNvSpPr>
-            <a:spLocks noGrp="1"/>
-          </p:cNvSpPr>
-          <p:nvPr>
-            <p:ph type="title"/>
-          </p:nvPr>
-        </p:nvSpPr>
-        <p:spPr/>
-        <p:txBody>
-          <a:bodyPr/>
-          <a:lstStyle/>
-          <a:p>
-            <a:r>
-              <a:rPr lang="zh-CN" altLang="en-US" dirty="0"/>
               <a:t>优化：梯度下降法</a:t>
             </a:r>
           </a:p>
@@ -10192,7 +8081,7 @@
 </p:sld>
 </file>
 
-<file path=ppt/slides/slide14.xml><?xml version="1.0" encoding="utf-8"?>
+<file path=ppt/slides/slide11.xml><?xml version="1.0" encoding="utf-8"?>
 <p:sld xmlns:a="http://schemas.openxmlformats.org/drawingml/2006/main" xmlns:r="http://schemas.openxmlformats.org/officeDocument/2006/relationships" xmlns:p="http://schemas.openxmlformats.org/presentationml/2006/main">
   <p:cSld>
     <p:spTree>
@@ -10331,7 +8220,7 @@
 </p:sld>
 </file>
 
-<file path=ppt/slides/slide15.xml><?xml version="1.0" encoding="utf-8"?>
+<file path=ppt/slides/slide12.xml><?xml version="1.0" encoding="utf-8"?>
 <p:sld xmlns:a="http://schemas.openxmlformats.org/drawingml/2006/main" xmlns:r="http://schemas.openxmlformats.org/officeDocument/2006/relationships" xmlns:p="http://schemas.openxmlformats.org/presentationml/2006/main">
   <p:cSld>
     <p:spTree>
@@ -10478,7 +8367,7 @@
 </p:sld>
 </file>
 
-<file path=ppt/slides/slide16.xml><?xml version="1.0" encoding="utf-8"?>
+<file path=ppt/slides/slide13.xml><?xml version="1.0" encoding="utf-8"?>
 <p:sld xmlns:a="http://schemas.openxmlformats.org/drawingml/2006/main" xmlns:r="http://schemas.openxmlformats.org/officeDocument/2006/relationships" xmlns:p="http://schemas.openxmlformats.org/presentationml/2006/main">
   <p:cSld>
     <p:spTree>
@@ -10559,7 +8448,7 @@
 </p:sld>
 </file>
 
-<file path=ppt/slides/slide17.xml><?xml version="1.0" encoding="utf-8"?>
+<file path=ppt/slides/slide14.xml><?xml version="1.0" encoding="utf-8"?>
 <p:sld xmlns:a="http://schemas.openxmlformats.org/drawingml/2006/main" xmlns:r="http://schemas.openxmlformats.org/officeDocument/2006/relationships" xmlns:p="http://schemas.openxmlformats.org/presentationml/2006/main">
   <p:cSld>
     <p:spTree>
@@ -10671,7 +8560,7 @@
 </p:sld>
 </file>
 
-<file path=ppt/slides/slide18.xml><?xml version="1.0" encoding="utf-8"?>
+<file path=ppt/slides/slide15.xml><?xml version="1.0" encoding="utf-8"?>
 <p:sld xmlns:a="http://schemas.openxmlformats.org/drawingml/2006/main" xmlns:r="http://schemas.openxmlformats.org/officeDocument/2006/relationships" xmlns:p="http://schemas.openxmlformats.org/presentationml/2006/main">
   <p:cSld>
     <p:spTree>
@@ -11078,7 +8967,7 @@
 </p:sld>
 </file>
 
-<file path=ppt/slides/slide19.xml><?xml version="1.0" encoding="utf-8"?>
+<file path=ppt/slides/slide16.xml><?xml version="1.0" encoding="utf-8"?>
 <p:sld xmlns:a="http://schemas.openxmlformats.org/drawingml/2006/main" xmlns:r="http://schemas.openxmlformats.org/officeDocument/2006/relationships" xmlns:p="http://schemas.openxmlformats.org/presentationml/2006/main">
   <p:cSld>
     <p:spTree>
@@ -11202,810 +9091,7 @@
 </p:sld>
 </file>
 
-<file path=ppt/slides/slide2.xml><?xml version="1.0" encoding="utf-8"?>
-<p:sld xmlns:a="http://schemas.openxmlformats.org/drawingml/2006/main" xmlns:r="http://schemas.openxmlformats.org/officeDocument/2006/relationships" xmlns:p="http://schemas.openxmlformats.org/presentationml/2006/main">
-  <p:cSld>
-    <p:spTree>
-      <p:nvGrpSpPr>
-        <p:cNvPr id="1" name=""/>
-        <p:cNvGrpSpPr/>
-        <p:nvPr/>
-      </p:nvGrpSpPr>
-      <p:grpSpPr>
-        <a:xfrm>
-          <a:off x="0" y="0"/>
-          <a:ext cx="0" cy="0"/>
-          <a:chOff x="0" y="0"/>
-          <a:chExt cx="0" cy="0"/>
-        </a:xfrm>
-      </p:grpSpPr>
-      <p:sp>
-        <p:nvSpPr>
-          <p:cNvPr id="2" name="標題 1"/>
-          <p:cNvSpPr>
-            <a:spLocks noGrp="1"/>
-          </p:cNvSpPr>
-          <p:nvPr>
-            <p:ph type="title"/>
-          </p:nvPr>
-        </p:nvSpPr>
-        <p:spPr/>
-        <p:txBody>
-          <a:bodyPr/>
-          <a:lstStyle/>
-          <a:p>
-            <a:r>
-              <a:rPr lang="zh-CN" altLang="en-US" dirty="0"/>
-              <a:t>机器学习 </a:t>
-            </a:r>
-            <a:r>
-              <a:rPr lang="en-US" altLang="zh-TW" dirty="0"/>
-              <a:t>≈ </a:t>
-            </a:r>
-            <a:r>
-              <a:rPr lang="zh-CN" altLang="en-US" dirty="0"/>
-              <a:t>构建一个映射函数</a:t>
-            </a:r>
-            <a:endParaRPr lang="zh-TW" altLang="en-US" dirty="0"/>
-          </a:p>
-        </p:txBody>
-      </p:sp>
-      <p:sp>
-        <p:nvSpPr>
-          <p:cNvPr id="3" name="內容版面配置區 2"/>
-          <p:cNvSpPr>
-            <a:spLocks noGrp="1"/>
-          </p:cNvSpPr>
-          <p:nvPr>
-            <p:ph sz="quarter" idx="1"/>
-          </p:nvPr>
-        </p:nvSpPr>
-        <p:spPr/>
-        <p:txBody>
-          <a:bodyPr>
-            <a:normAutofit/>
-          </a:bodyPr>
-          <a:lstStyle/>
-          <a:p>
-            <a:r>
-              <a:rPr lang="zh-CN" altLang="en-US" sz="3600" dirty="0"/>
-              <a:t>语音识别</a:t>
-            </a:r>
-            <a:endParaRPr lang="en-US" altLang="zh-TW" sz="3600" dirty="0"/>
-          </a:p>
-          <a:p>
-            <a:endParaRPr lang="en-US" altLang="zh-TW" sz="3600" dirty="0"/>
-          </a:p>
-          <a:p>
-            <a:r>
-              <a:rPr lang="zh-CN" altLang="en-US" sz="3600" dirty="0"/>
-              <a:t>图像识别</a:t>
-            </a:r>
-            <a:endParaRPr lang="en-US" altLang="zh-TW" sz="3600" dirty="0"/>
-          </a:p>
-          <a:p>
-            <a:endParaRPr lang="en-US" altLang="zh-TW" sz="3600" dirty="0"/>
-          </a:p>
-          <a:p>
-            <a:r>
-              <a:rPr lang="zh-CN" altLang="en-US" sz="3600" dirty="0"/>
-              <a:t>围棋</a:t>
-            </a:r>
-            <a:endParaRPr lang="en-US" altLang="zh-CN" sz="3600" dirty="0"/>
-          </a:p>
-          <a:p>
-            <a:endParaRPr lang="en-US" altLang="zh-TW" sz="3600" dirty="0"/>
-          </a:p>
-          <a:p>
-            <a:r>
-              <a:rPr lang="zh-CN" altLang="en-US" sz="3600" dirty="0"/>
-              <a:t>对话系统</a:t>
-            </a:r>
-            <a:endParaRPr lang="zh-TW" altLang="en-US" sz="3600" dirty="0"/>
-          </a:p>
-        </p:txBody>
-      </p:sp>
-      <p:graphicFrame>
-        <p:nvGraphicFramePr>
-          <p:cNvPr id="4" name="Object 12"/>
-          <p:cNvGraphicFramePr>
-            <a:graphicFrameLocks noChangeAspect="1"/>
-          </p:cNvGraphicFramePr>
-          <p:nvPr>
-            <p:extLst/>
-          </p:nvPr>
-        </p:nvGraphicFramePr>
-        <p:xfrm>
-          <a:off x="2029665" y="1823150"/>
-          <a:ext cx="3822700" cy="460375"/>
-        </p:xfrm>
-        <a:graphic>
-          <a:graphicData uri="http://schemas.openxmlformats.org/presentationml/2006/ole">
-            <mc:AlternateContent xmlns:mc="http://schemas.openxmlformats.org/markup-compatibility/2006">
-              <mc:Choice xmlns:v="urn:schemas-microsoft-com:vml" Requires="v">
-                <p:oleObj spid="_x0000_s1206" name="方程式" r:id="rId3" imgW="1790640" imgH="215640" progId="Equation.3">
-                  <p:embed/>
-                </p:oleObj>
-              </mc:Choice>
-              <mc:Fallback>
-                <p:oleObj name="方程式" r:id="rId3" imgW="1790640" imgH="215640" progId="Equation.3">
-                  <p:embed/>
-                  <p:pic>
-                    <p:nvPicPr>
-                      <p:cNvPr id="4" name="Object 12"/>
-                      <p:cNvPicPr>
-                        <a:picLocks noChangeAspect="1" noChangeArrowheads="1"/>
-                      </p:cNvPicPr>
-                      <p:nvPr/>
-                    </p:nvPicPr>
-                    <p:blipFill>
-                      <a:blip r:embed="rId4"/>
-                      <a:srcRect/>
-                      <a:stretch>
-                        <a:fillRect/>
-                      </a:stretch>
-                    </p:blipFill>
-                    <p:spPr bwMode="auto">
-                      <a:xfrm>
-                        <a:off x="2029665" y="1823150"/>
-                        <a:ext cx="3822700" cy="460375"/>
-                      </a:xfrm>
-                      <a:prstGeom prst="rect">
-                        <a:avLst/>
-                      </a:prstGeom>
-                      <a:noFill/>
-                      <a:extLst>
-                        <a:ext uri="{909E8E84-426E-40DD-AFC4-6F175D3DCCD1}">
-                          <a14:hiddenFill xmlns:a14="http://schemas.microsoft.com/office/drawing/2010/main">
-                            <a:solidFill>
-                              <a:srgbClr val="FFFFFF"/>
-                            </a:solidFill>
-                          </a14:hiddenFill>
-                        </a:ext>
-                      </a:extLst>
-                    </p:spPr>
-                  </p:pic>
-                </p:oleObj>
-              </mc:Fallback>
-            </mc:AlternateContent>
-          </a:graphicData>
-        </a:graphic>
-      </p:graphicFrame>
-      <p:graphicFrame>
-        <p:nvGraphicFramePr>
-          <p:cNvPr id="5" name="Object 12"/>
-          <p:cNvGraphicFramePr>
-            <a:graphicFrameLocks noChangeAspect="1"/>
-          </p:cNvGraphicFramePr>
-          <p:nvPr>
-            <p:extLst/>
-          </p:nvPr>
-        </p:nvGraphicFramePr>
-        <p:xfrm>
-          <a:off x="1981200" y="3191520"/>
-          <a:ext cx="3822700" cy="460375"/>
-        </p:xfrm>
-        <a:graphic>
-          <a:graphicData uri="http://schemas.openxmlformats.org/presentationml/2006/ole">
-            <mc:AlternateContent xmlns:mc="http://schemas.openxmlformats.org/markup-compatibility/2006">
-              <mc:Choice xmlns:v="urn:schemas-microsoft-com:vml" Requires="v">
-                <p:oleObj spid="_x0000_s1207" name="方程式" r:id="rId5" imgW="1790640" imgH="215640" progId="Equation.3">
-                  <p:embed/>
-                </p:oleObj>
-              </mc:Choice>
-              <mc:Fallback>
-                <p:oleObj name="方程式" r:id="rId5" imgW="1790640" imgH="215640" progId="Equation.3">
-                  <p:embed/>
-                  <p:pic>
-                    <p:nvPicPr>
-                      <p:cNvPr id="5" name="Object 12"/>
-                      <p:cNvPicPr>
-                        <a:picLocks noChangeAspect="1" noChangeArrowheads="1"/>
-                      </p:cNvPicPr>
-                      <p:nvPr/>
-                    </p:nvPicPr>
-                    <p:blipFill>
-                      <a:blip r:embed="rId4"/>
-                      <a:srcRect/>
-                      <a:stretch>
-                        <a:fillRect/>
-                      </a:stretch>
-                    </p:blipFill>
-                    <p:spPr bwMode="auto">
-                      <a:xfrm>
-                        <a:off x="1981200" y="3191520"/>
-                        <a:ext cx="3822700" cy="460375"/>
-                      </a:xfrm>
-                      <a:prstGeom prst="rect">
-                        <a:avLst/>
-                      </a:prstGeom>
-                      <a:noFill/>
-                      <a:extLst>
-                        <a:ext uri="{909E8E84-426E-40DD-AFC4-6F175D3DCCD1}">
-                          <a14:hiddenFill xmlns:a14="http://schemas.microsoft.com/office/drawing/2010/main">
-                            <a:solidFill>
-                              <a:srgbClr val="FFFFFF"/>
-                            </a:solidFill>
-                          </a14:hiddenFill>
-                        </a:ext>
-                      </a:extLst>
-                    </p:spPr>
-                  </p:pic>
-                </p:oleObj>
-              </mc:Fallback>
-            </mc:AlternateContent>
-          </a:graphicData>
-        </a:graphic>
-      </p:graphicFrame>
-      <p:graphicFrame>
-        <p:nvGraphicFramePr>
-          <p:cNvPr id="6" name="Object 12"/>
-          <p:cNvGraphicFramePr>
-            <a:graphicFrameLocks noChangeAspect="1"/>
-          </p:cNvGraphicFramePr>
-          <p:nvPr>
-            <p:extLst/>
-          </p:nvPr>
-        </p:nvGraphicFramePr>
-        <p:xfrm>
-          <a:off x="1981200" y="4269454"/>
-          <a:ext cx="3822700" cy="460375"/>
-        </p:xfrm>
-        <a:graphic>
-          <a:graphicData uri="http://schemas.openxmlformats.org/presentationml/2006/ole">
-            <mc:AlternateContent xmlns:mc="http://schemas.openxmlformats.org/markup-compatibility/2006">
-              <mc:Choice xmlns:v="urn:schemas-microsoft-com:vml" Requires="v">
-                <p:oleObj spid="_x0000_s1208" name="方程式" r:id="rId6" imgW="1790640" imgH="215640" progId="Equation.3">
-                  <p:embed/>
-                </p:oleObj>
-              </mc:Choice>
-              <mc:Fallback>
-                <p:oleObj name="方程式" r:id="rId6" imgW="1790640" imgH="215640" progId="Equation.3">
-                  <p:embed/>
-                  <p:pic>
-                    <p:nvPicPr>
-                      <p:cNvPr id="6" name="Object 12"/>
-                      <p:cNvPicPr>
-                        <a:picLocks noChangeAspect="1" noChangeArrowheads="1"/>
-                      </p:cNvPicPr>
-                      <p:nvPr/>
-                    </p:nvPicPr>
-                    <p:blipFill>
-                      <a:blip r:embed="rId4"/>
-                      <a:srcRect/>
-                      <a:stretch>
-                        <a:fillRect/>
-                      </a:stretch>
-                    </p:blipFill>
-                    <p:spPr bwMode="auto">
-                      <a:xfrm>
-                        <a:off x="1981200" y="4269454"/>
-                        <a:ext cx="3822700" cy="460375"/>
-                      </a:xfrm>
-                      <a:prstGeom prst="rect">
-                        <a:avLst/>
-                      </a:prstGeom>
-                      <a:noFill/>
-                      <a:extLst>
-                        <a:ext uri="{909E8E84-426E-40DD-AFC4-6F175D3DCCD1}">
-                          <a14:hiddenFill xmlns:a14="http://schemas.microsoft.com/office/drawing/2010/main">
-                            <a:solidFill>
-                              <a:srgbClr val="FFFFFF"/>
-                            </a:solidFill>
-                          </a14:hiddenFill>
-                        </a:ext>
-                      </a:extLst>
-                    </p:spPr>
-                  </p:pic>
-                </p:oleObj>
-              </mc:Fallback>
-            </mc:AlternateContent>
-          </a:graphicData>
-        </a:graphic>
-      </p:graphicFrame>
-      <p:graphicFrame>
-        <p:nvGraphicFramePr>
-          <p:cNvPr id="7" name="Object 12"/>
-          <p:cNvGraphicFramePr>
-            <a:graphicFrameLocks noChangeAspect="1"/>
-          </p:cNvGraphicFramePr>
-          <p:nvPr>
-            <p:extLst/>
-          </p:nvPr>
-        </p:nvGraphicFramePr>
-        <p:xfrm>
-          <a:off x="2012029" y="5504931"/>
-          <a:ext cx="3578225" cy="460375"/>
-        </p:xfrm>
-        <a:graphic>
-          <a:graphicData uri="http://schemas.openxmlformats.org/presentationml/2006/ole">
-            <mc:AlternateContent xmlns:mc="http://schemas.openxmlformats.org/markup-compatibility/2006">
-              <mc:Choice xmlns:v="urn:schemas-microsoft-com:vml" Requires="v">
-                <p:oleObj spid="_x0000_s1209" name="方程式" r:id="rId7" imgW="1676160" imgH="215640" progId="Equation.3">
-                  <p:embed/>
-                </p:oleObj>
-              </mc:Choice>
-              <mc:Fallback>
-                <p:oleObj name="方程式" r:id="rId7" imgW="1676160" imgH="215640" progId="Equation.3">
-                  <p:embed/>
-                  <p:pic>
-                    <p:nvPicPr>
-                      <p:cNvPr id="7" name="Object 12"/>
-                      <p:cNvPicPr>
-                        <a:picLocks noChangeAspect="1" noChangeArrowheads="1"/>
-                      </p:cNvPicPr>
-                      <p:nvPr/>
-                    </p:nvPicPr>
-                    <p:blipFill>
-                      <a:blip r:embed="rId8"/>
-                      <a:srcRect/>
-                      <a:stretch>
-                        <a:fillRect/>
-                      </a:stretch>
-                    </p:blipFill>
-                    <p:spPr bwMode="auto">
-                      <a:xfrm>
-                        <a:off x="2012029" y="5504931"/>
-                        <a:ext cx="3578225" cy="460375"/>
-                      </a:xfrm>
-                      <a:prstGeom prst="rect">
-                        <a:avLst/>
-                      </a:prstGeom>
-                      <a:noFill/>
-                      <a:extLst>
-                        <a:ext uri="{909E8E84-426E-40DD-AFC4-6F175D3DCCD1}">
-                          <a14:hiddenFill xmlns:a14="http://schemas.microsoft.com/office/drawing/2010/main">
-                            <a:solidFill>
-                              <a:srgbClr val="FFFFFF"/>
-                            </a:solidFill>
-                          </a14:hiddenFill>
-                        </a:ext>
-                      </a:extLst>
-                    </p:spPr>
-                  </p:pic>
-                </p:oleObj>
-              </mc:Fallback>
-            </mc:AlternateContent>
-          </a:graphicData>
-        </a:graphic>
-      </p:graphicFrame>
-      <p:sp>
-        <p:nvSpPr>
-          <p:cNvPr id="8" name="文字方塊 7"/>
-          <p:cNvSpPr txBox="1"/>
-          <p:nvPr/>
-        </p:nvSpPr>
-        <p:spPr>
-          <a:xfrm>
-            <a:off x="5803900" y="3160097"/>
-            <a:ext cx="947054" cy="523220"/>
-          </a:xfrm>
-          <a:prstGeom prst="rect">
-            <a:avLst/>
-          </a:prstGeom>
-          <a:noFill/>
-        </p:spPr>
-        <p:txBody>
-          <a:bodyPr wrap="square" rtlCol="0">
-            <a:spAutoFit/>
-          </a:bodyPr>
-          <a:lstStyle/>
-          <a:p>
-            <a:r>
-              <a:rPr lang="en-US" altLang="zh-TW" sz="2800" dirty="0"/>
-              <a:t>“</a:t>
-            </a:r>
-            <a:r>
-              <a:rPr lang="zh-CN" altLang="en-US" sz="2800" dirty="0"/>
-              <a:t>猫</a:t>
-            </a:r>
-            <a:r>
-              <a:rPr lang="en-US" altLang="zh-TW" sz="2800" dirty="0"/>
-              <a:t>”</a:t>
-            </a:r>
-            <a:endParaRPr lang="zh-TW" altLang="en-US" sz="2800" dirty="0"/>
-          </a:p>
-        </p:txBody>
-      </p:sp>
-      <p:sp>
-        <p:nvSpPr>
-          <p:cNvPr id="9" name="文字方塊 8"/>
-          <p:cNvSpPr txBox="1"/>
-          <p:nvPr/>
-        </p:nvSpPr>
-        <p:spPr>
-          <a:xfrm>
-            <a:off x="5852364" y="1791967"/>
-            <a:ext cx="2898395" cy="523220"/>
-          </a:xfrm>
-          <a:prstGeom prst="rect">
-            <a:avLst/>
-          </a:prstGeom>
-          <a:noFill/>
-        </p:spPr>
-        <p:txBody>
-          <a:bodyPr wrap="square" rtlCol="0">
-            <a:spAutoFit/>
-          </a:bodyPr>
-          <a:lstStyle/>
-          <a:p>
-            <a:r>
-              <a:rPr lang="en-US" altLang="zh-TW" sz="2800" dirty="0"/>
-              <a:t>“</a:t>
-            </a:r>
-            <a:r>
-              <a:rPr lang="zh-CN" altLang="en-US" sz="2800" dirty="0"/>
-              <a:t>你好</a:t>
-            </a:r>
-            <a:r>
-              <a:rPr lang="en-US" altLang="zh-TW" sz="2800" dirty="0"/>
-              <a:t>”</a:t>
-            </a:r>
-            <a:endParaRPr lang="zh-TW" altLang="en-US" sz="2800" dirty="0"/>
-          </a:p>
-        </p:txBody>
-      </p:sp>
-      <p:sp>
-        <p:nvSpPr>
-          <p:cNvPr id="10" name="文字方塊 9"/>
-          <p:cNvSpPr txBox="1"/>
-          <p:nvPr/>
-        </p:nvSpPr>
-        <p:spPr>
-          <a:xfrm>
-            <a:off x="5803901" y="4211765"/>
-            <a:ext cx="1239914" cy="523220"/>
-          </a:xfrm>
-          <a:prstGeom prst="rect">
-            <a:avLst/>
-          </a:prstGeom>
-          <a:noFill/>
-        </p:spPr>
-        <p:txBody>
-          <a:bodyPr wrap="square" rtlCol="0">
-            <a:spAutoFit/>
-          </a:bodyPr>
-          <a:lstStyle/>
-          <a:p>
-            <a:r>
-              <a:rPr lang="en-US" altLang="zh-TW" sz="2800" dirty="0"/>
-              <a:t>“5-5”</a:t>
-            </a:r>
-            <a:endParaRPr lang="zh-TW" altLang="en-US" sz="2800" dirty="0"/>
-          </a:p>
-        </p:txBody>
-      </p:sp>
-      <p:sp>
-        <p:nvSpPr>
-          <p:cNvPr id="11" name="文字方塊 10"/>
-          <p:cNvSpPr txBox="1"/>
-          <p:nvPr/>
-        </p:nvSpPr>
-        <p:spPr>
-          <a:xfrm>
-            <a:off x="5959707" y="5523781"/>
-            <a:ext cx="3031893" cy="523220"/>
-          </a:xfrm>
-          <a:prstGeom prst="rect">
-            <a:avLst/>
-          </a:prstGeom>
-          <a:noFill/>
-        </p:spPr>
-        <p:txBody>
-          <a:bodyPr wrap="square" rtlCol="0">
-            <a:spAutoFit/>
-          </a:bodyPr>
-          <a:lstStyle/>
-          <a:p>
-            <a:r>
-              <a:rPr lang="en-US" altLang="zh-TW" sz="2800" dirty="0"/>
-              <a:t>“</a:t>
-            </a:r>
-            <a:r>
-              <a:rPr lang="zh-CN" altLang="en-US" sz="2800" dirty="0"/>
-              <a:t>今天天气真不错</a:t>
-            </a:r>
-            <a:r>
-              <a:rPr lang="en-US" altLang="zh-TW" sz="2800" dirty="0"/>
-              <a:t>”</a:t>
-            </a:r>
-            <a:endParaRPr lang="zh-TW" altLang="en-US" sz="2800" dirty="0"/>
-          </a:p>
-        </p:txBody>
-      </p:sp>
-      <p:pic>
-        <p:nvPicPr>
-          <p:cNvPr id="12" name="圖片 11"/>
-          <p:cNvPicPr>
-            <a:picLocks noChangeAspect="1"/>
-          </p:cNvPicPr>
-          <p:nvPr/>
-        </p:nvPicPr>
-        <p:blipFill>
-          <a:blip r:embed="rId9" cstate="print">
-            <a:extLst>
-              <a:ext uri="{28A0092B-C50C-407E-A947-70E740481C1C}">
-                <a14:useLocalDpi xmlns:a14="http://schemas.microsoft.com/office/drawing/2010/main" val="0"/>
-              </a:ext>
-            </a:extLst>
-          </a:blip>
-          <a:stretch>
-            <a:fillRect/>
-          </a:stretch>
-        </p:blipFill>
-        <p:spPr>
-          <a:xfrm>
-            <a:off x="2523351" y="1766681"/>
-            <a:ext cx="2921108" cy="516844"/>
-          </a:xfrm>
-          <a:prstGeom prst="rect">
-            <a:avLst/>
-          </a:prstGeom>
-        </p:spPr>
-      </p:pic>
-      <p:sp>
-        <p:nvSpPr>
-          <p:cNvPr id="15" name="矩形 14"/>
-          <p:cNvSpPr/>
-          <p:nvPr/>
-        </p:nvSpPr>
-        <p:spPr>
-          <a:xfrm>
-            <a:off x="2451141" y="5458130"/>
-            <a:ext cx="2659840" cy="523220"/>
-          </a:xfrm>
-          <a:prstGeom prst="rect">
-            <a:avLst/>
-          </a:prstGeom>
-        </p:spPr>
-        <p:txBody>
-          <a:bodyPr wrap="square">
-            <a:spAutoFit/>
-          </a:bodyPr>
-          <a:lstStyle/>
-          <a:p>
-            <a:pPr algn="ctr"/>
-            <a:r>
-              <a:rPr lang="en-US" altLang="zh-TW" sz="2800" dirty="0"/>
-              <a:t>“</a:t>
-            </a:r>
-            <a:r>
-              <a:rPr lang="zh-CN" altLang="en-US" sz="2800" dirty="0"/>
-              <a:t>你好</a:t>
-            </a:r>
-            <a:r>
-              <a:rPr lang="en-US" altLang="zh-TW" sz="2800" dirty="0"/>
-              <a:t>”</a:t>
-            </a:r>
-            <a:endParaRPr lang="zh-TW" altLang="en-US" sz="2800" dirty="0"/>
-          </a:p>
-        </p:txBody>
-      </p:sp>
-      <p:pic>
-        <p:nvPicPr>
-          <p:cNvPr id="84994" name="Picture 2" descr="http://y2.ifengimg.com/a/2016_11/2c7ef418c729099.jpg"/>
-          <p:cNvPicPr>
-            <a:picLocks noChangeAspect="1" noChangeArrowheads="1"/>
-          </p:cNvPicPr>
-          <p:nvPr/>
-        </p:nvPicPr>
-        <p:blipFill>
-          <a:blip r:embed="rId10" cstate="print">
-            <a:extLst>
-              <a:ext uri="{28A0092B-C50C-407E-A947-70E740481C1C}">
-                <a14:useLocalDpi xmlns:a14="http://schemas.microsoft.com/office/drawing/2010/main" val="0"/>
-              </a:ext>
-            </a:extLst>
-          </a:blip>
-          <a:srcRect/>
-          <a:stretch>
-            <a:fillRect/>
-          </a:stretch>
-        </p:blipFill>
-        <p:spPr bwMode="auto">
-          <a:xfrm>
-            <a:off x="3308698" y="4094918"/>
-            <a:ext cx="1144109" cy="858082"/>
-          </a:xfrm>
-          <a:prstGeom prst="rect">
-            <a:avLst/>
-          </a:prstGeom>
-          <a:noFill/>
-          <a:extLst>
-            <a:ext uri="{909E8E84-426E-40DD-AFC4-6F175D3DCCD1}">
-              <a14:hiddenFill xmlns:a14="http://schemas.microsoft.com/office/drawing/2010/main">
-                <a:solidFill>
-                  <a:srgbClr val="FFFFFF"/>
-                </a:solidFill>
-              </a14:hiddenFill>
-            </a:ext>
-          </a:extLst>
-        </p:spPr>
-      </p:pic>
-      <p:sp>
-        <p:nvSpPr>
-          <p:cNvPr id="16" name="文字方塊 15"/>
-          <p:cNvSpPr txBox="1"/>
-          <p:nvPr/>
-        </p:nvSpPr>
-        <p:spPr>
-          <a:xfrm>
-            <a:off x="2372948" y="5939135"/>
-            <a:ext cx="2773299" cy="461665"/>
-          </a:xfrm>
-          <a:prstGeom prst="rect">
-            <a:avLst/>
-          </a:prstGeom>
-          <a:noFill/>
-        </p:spPr>
-        <p:txBody>
-          <a:bodyPr wrap="square" rtlCol="0">
-            <a:spAutoFit/>
-          </a:bodyPr>
-          <a:lstStyle/>
-          <a:p>
-            <a:pPr algn="ctr"/>
-            <a:r>
-              <a:rPr lang="zh-CN" altLang="en-US" sz="2400" dirty="0">
-                <a:solidFill>
-                  <a:schemeClr val="accent2">
-                    <a:lumMod val="60000"/>
-                    <a:lumOff val="40000"/>
-                  </a:schemeClr>
-                </a:solidFill>
-              </a:rPr>
-              <a:t>用户输入</a:t>
-            </a:r>
-            <a:endParaRPr lang="zh-TW" altLang="en-US" sz="2400" dirty="0">
-              <a:solidFill>
-                <a:schemeClr val="accent2">
-                  <a:lumMod val="60000"/>
-                  <a:lumOff val="40000"/>
-                </a:schemeClr>
-              </a:solidFill>
-            </a:endParaRPr>
-          </a:p>
-        </p:txBody>
-      </p:sp>
-      <p:sp>
-        <p:nvSpPr>
-          <p:cNvPr id="19" name="文字方塊 18"/>
-          <p:cNvSpPr txBox="1"/>
-          <p:nvPr/>
-        </p:nvSpPr>
-        <p:spPr>
-          <a:xfrm>
-            <a:off x="5189174" y="5939134"/>
-            <a:ext cx="2773299" cy="461665"/>
-          </a:xfrm>
-          <a:prstGeom prst="rect">
-            <a:avLst/>
-          </a:prstGeom>
-          <a:noFill/>
-        </p:spPr>
-        <p:txBody>
-          <a:bodyPr wrap="square" rtlCol="0">
-            <a:spAutoFit/>
-          </a:bodyPr>
-          <a:lstStyle/>
-          <a:p>
-            <a:pPr algn="ctr"/>
-            <a:r>
-              <a:rPr lang="zh-CN" altLang="en-US" sz="2400" dirty="0">
-                <a:solidFill>
-                  <a:schemeClr val="accent2">
-                    <a:lumMod val="60000"/>
-                    <a:lumOff val="40000"/>
-                  </a:schemeClr>
-                </a:solidFill>
-              </a:rPr>
-              <a:t>机器</a:t>
-            </a:r>
-            <a:endParaRPr lang="zh-TW" altLang="en-US" sz="2400" dirty="0">
-              <a:solidFill>
-                <a:schemeClr val="accent2">
-                  <a:lumMod val="60000"/>
-                  <a:lumOff val="40000"/>
-                </a:schemeClr>
-              </a:solidFill>
-            </a:endParaRPr>
-          </a:p>
-        </p:txBody>
-      </p:sp>
-      <p:pic>
-        <p:nvPicPr>
-          <p:cNvPr id="20" name="Picture 12" descr="https://encrypted-tbn1.gstatic.com/images?q=tbn:ANd9GcRcwlRKAlSIaCI4W5PRYVbuBQQXifF-56bFqAjh9DMe-_3Lh8_YKw"/>
-          <p:cNvPicPr>
-            <a:picLocks noChangeAspect="1" noChangeArrowheads="1"/>
-          </p:cNvPicPr>
-          <p:nvPr/>
-        </p:nvPicPr>
-        <p:blipFill>
-          <a:blip r:embed="rId11">
-            <a:extLst>
-              <a:ext uri="{28A0092B-C50C-407E-A947-70E740481C1C}">
-                <a14:useLocalDpi xmlns:a14="http://schemas.microsoft.com/office/drawing/2010/main" val="0"/>
-              </a:ext>
-            </a:extLst>
-          </a:blip>
-          <a:srcRect/>
-          <a:stretch>
-            <a:fillRect/>
-          </a:stretch>
-        </p:blipFill>
-        <p:spPr bwMode="auto">
-          <a:xfrm>
-            <a:off x="3349642" y="3046563"/>
-            <a:ext cx="1106043" cy="839637"/>
-          </a:xfrm>
-          <a:prstGeom prst="rect">
-            <a:avLst/>
-          </a:prstGeom>
-          <a:noFill/>
-          <a:extLst>
-            <a:ext uri="{909E8E84-426E-40DD-AFC4-6F175D3DCCD1}">
-              <a14:hiddenFill xmlns:a14="http://schemas.microsoft.com/office/drawing/2010/main">
-                <a:solidFill>
-                  <a:srgbClr val="FFFFFF"/>
-                </a:solidFill>
-              </a14:hiddenFill>
-            </a:ext>
-          </a:extLst>
-        </p:spPr>
-      </p:pic>
-      <p:sp>
-        <p:nvSpPr>
-          <p:cNvPr id="18" name="文字方塊 17"/>
-          <p:cNvSpPr txBox="1"/>
-          <p:nvPr/>
-        </p:nvSpPr>
-        <p:spPr>
-          <a:xfrm>
-            <a:off x="6600847" y="4242542"/>
-            <a:ext cx="2543153" cy="461665"/>
-          </a:xfrm>
-          <a:prstGeom prst="rect">
-            <a:avLst/>
-          </a:prstGeom>
-          <a:noFill/>
-        </p:spPr>
-        <p:txBody>
-          <a:bodyPr wrap="square" rtlCol="0">
-            <a:spAutoFit/>
-          </a:bodyPr>
-          <a:lstStyle/>
-          <a:p>
-            <a:pPr algn="ctr"/>
-            <a:r>
-              <a:rPr lang="en-US" altLang="zh-TW" sz="2400" dirty="0"/>
-              <a:t>(</a:t>
-            </a:r>
-            <a:r>
-              <a:rPr lang="zh-CN" altLang="en-US" sz="2400" dirty="0"/>
-              <a:t>落子位置</a:t>
-            </a:r>
-            <a:r>
-              <a:rPr lang="en-US" altLang="zh-TW" sz="2400" dirty="0"/>
-              <a:t>)</a:t>
-            </a:r>
-            <a:endParaRPr lang="zh-TW" altLang="en-US" sz="2400" dirty="0"/>
-          </a:p>
-        </p:txBody>
-      </p:sp>
-    </p:spTree>
-    <p:extLst>
-      <p:ext uri="{BB962C8B-B14F-4D97-AF65-F5344CB8AC3E}">
-        <p14:creationId xmlns:p14="http://schemas.microsoft.com/office/powerpoint/2010/main" val="1999908609"/>
-      </p:ext>
-    </p:extLst>
-  </p:cSld>
-  <p:clrMapOvr>
-    <a:masterClrMapping/>
-  </p:clrMapOvr>
-</p:sld>
-</file>
-
-<file path=ppt/slides/slide20.xml><?xml version="1.0" encoding="utf-8"?>
+<file path=ppt/slides/slide17.xml><?xml version="1.0" encoding="utf-8"?>
 <p:sld xmlns:a="http://schemas.openxmlformats.org/drawingml/2006/main" xmlns:r="http://schemas.openxmlformats.org/officeDocument/2006/relationships" xmlns:p="http://schemas.openxmlformats.org/presentationml/2006/main">
   <p:cSld>
     <p:spTree>
@@ -12524,7 +9610,7 @@
 </p:sld>
 </file>
 
-<file path=ppt/slides/slide21.xml><?xml version="1.0" encoding="utf-8"?>
+<file path=ppt/slides/slide18.xml><?xml version="1.0" encoding="utf-8"?>
 <p:sld xmlns:a="http://schemas.openxmlformats.org/drawingml/2006/main" xmlns:r="http://schemas.openxmlformats.org/officeDocument/2006/relationships" xmlns:p="http://schemas.openxmlformats.org/presentationml/2006/main">
   <p:cSld>
     <p:spTree>
@@ -12731,7 +9817,7 @@
 </p:sld>
 </file>
 
-<file path=ppt/slides/slide22.xml><?xml version="1.0" encoding="utf-8"?>
+<file path=ppt/slides/slide19.xml><?xml version="1.0" encoding="utf-8"?>
 <p:sld xmlns:a="http://schemas.openxmlformats.org/drawingml/2006/main" xmlns:r="http://schemas.openxmlformats.org/officeDocument/2006/relationships" xmlns:p="http://schemas.openxmlformats.org/presentationml/2006/main">
   <p:cSld>
     <p:spTree>
@@ -13419,7 +10505,810 @@
 </p:sld>
 </file>
 
-<file path=ppt/slides/slide23.xml><?xml version="1.0" encoding="utf-8"?>
+<file path=ppt/slides/slide2.xml><?xml version="1.0" encoding="utf-8"?>
+<p:sld xmlns:a="http://schemas.openxmlformats.org/drawingml/2006/main" xmlns:r="http://schemas.openxmlformats.org/officeDocument/2006/relationships" xmlns:p="http://schemas.openxmlformats.org/presentationml/2006/main">
+  <p:cSld>
+    <p:spTree>
+      <p:nvGrpSpPr>
+        <p:cNvPr id="1" name=""/>
+        <p:cNvGrpSpPr/>
+        <p:nvPr/>
+      </p:nvGrpSpPr>
+      <p:grpSpPr>
+        <a:xfrm>
+          <a:off x="0" y="0"/>
+          <a:ext cx="0" cy="0"/>
+          <a:chOff x="0" y="0"/>
+          <a:chExt cx="0" cy="0"/>
+        </a:xfrm>
+      </p:grpSpPr>
+      <p:sp>
+        <p:nvSpPr>
+          <p:cNvPr id="2" name="標題 1"/>
+          <p:cNvSpPr>
+            <a:spLocks noGrp="1"/>
+          </p:cNvSpPr>
+          <p:nvPr>
+            <p:ph type="title"/>
+          </p:nvPr>
+        </p:nvSpPr>
+        <p:spPr/>
+        <p:txBody>
+          <a:bodyPr/>
+          <a:lstStyle/>
+          <a:p>
+            <a:r>
+              <a:rPr lang="zh-CN" altLang="en-US" dirty="0"/>
+              <a:t>机器学习 </a:t>
+            </a:r>
+            <a:r>
+              <a:rPr lang="en-US" altLang="zh-TW" dirty="0"/>
+              <a:t>≈ </a:t>
+            </a:r>
+            <a:r>
+              <a:rPr lang="zh-CN" altLang="en-US" dirty="0"/>
+              <a:t>构建一个映射函数</a:t>
+            </a:r>
+            <a:endParaRPr lang="zh-TW" altLang="en-US" dirty="0"/>
+          </a:p>
+        </p:txBody>
+      </p:sp>
+      <p:sp>
+        <p:nvSpPr>
+          <p:cNvPr id="3" name="內容版面配置區 2"/>
+          <p:cNvSpPr>
+            <a:spLocks noGrp="1"/>
+          </p:cNvSpPr>
+          <p:nvPr>
+            <p:ph sz="quarter" idx="1"/>
+          </p:nvPr>
+        </p:nvSpPr>
+        <p:spPr/>
+        <p:txBody>
+          <a:bodyPr>
+            <a:normAutofit/>
+          </a:bodyPr>
+          <a:lstStyle/>
+          <a:p>
+            <a:r>
+              <a:rPr lang="zh-CN" altLang="en-US" sz="3600" dirty="0"/>
+              <a:t>语音识别</a:t>
+            </a:r>
+            <a:endParaRPr lang="en-US" altLang="zh-TW" sz="3600" dirty="0"/>
+          </a:p>
+          <a:p>
+            <a:endParaRPr lang="en-US" altLang="zh-TW" sz="3600" dirty="0"/>
+          </a:p>
+          <a:p>
+            <a:r>
+              <a:rPr lang="zh-CN" altLang="en-US" sz="3600" dirty="0"/>
+              <a:t>图像识别</a:t>
+            </a:r>
+            <a:endParaRPr lang="en-US" altLang="zh-TW" sz="3600" dirty="0"/>
+          </a:p>
+          <a:p>
+            <a:endParaRPr lang="en-US" altLang="zh-TW" sz="3600" dirty="0"/>
+          </a:p>
+          <a:p>
+            <a:r>
+              <a:rPr lang="zh-CN" altLang="en-US" sz="3600" dirty="0"/>
+              <a:t>围棋</a:t>
+            </a:r>
+            <a:endParaRPr lang="en-US" altLang="zh-CN" sz="3600" dirty="0"/>
+          </a:p>
+          <a:p>
+            <a:endParaRPr lang="en-US" altLang="zh-TW" sz="3600" dirty="0"/>
+          </a:p>
+          <a:p>
+            <a:r>
+              <a:rPr lang="zh-CN" altLang="en-US" sz="3600" dirty="0"/>
+              <a:t>对话系统</a:t>
+            </a:r>
+            <a:endParaRPr lang="zh-TW" altLang="en-US" sz="3600" dirty="0"/>
+          </a:p>
+        </p:txBody>
+      </p:sp>
+      <p:graphicFrame>
+        <p:nvGraphicFramePr>
+          <p:cNvPr id="4" name="Object 12"/>
+          <p:cNvGraphicFramePr>
+            <a:graphicFrameLocks noChangeAspect="1"/>
+          </p:cNvGraphicFramePr>
+          <p:nvPr>
+            <p:extLst/>
+          </p:nvPr>
+        </p:nvGraphicFramePr>
+        <p:xfrm>
+          <a:off x="2029665" y="1823150"/>
+          <a:ext cx="3822700" cy="460375"/>
+        </p:xfrm>
+        <a:graphic>
+          <a:graphicData uri="http://schemas.openxmlformats.org/presentationml/2006/ole">
+            <mc:AlternateContent xmlns:mc="http://schemas.openxmlformats.org/markup-compatibility/2006">
+              <mc:Choice xmlns:v="urn:schemas-microsoft-com:vml" Requires="v">
+                <p:oleObj spid="_x0000_s1270" name="方程式" r:id="rId3" imgW="1790640" imgH="215640" progId="Equation.3">
+                  <p:embed/>
+                </p:oleObj>
+              </mc:Choice>
+              <mc:Fallback>
+                <p:oleObj name="方程式" r:id="rId3" imgW="1790640" imgH="215640" progId="Equation.3">
+                  <p:embed/>
+                  <p:pic>
+                    <p:nvPicPr>
+                      <p:cNvPr id="4" name="Object 12"/>
+                      <p:cNvPicPr>
+                        <a:picLocks noChangeAspect="1" noChangeArrowheads="1"/>
+                      </p:cNvPicPr>
+                      <p:nvPr/>
+                    </p:nvPicPr>
+                    <p:blipFill>
+                      <a:blip r:embed="rId4"/>
+                      <a:srcRect/>
+                      <a:stretch>
+                        <a:fillRect/>
+                      </a:stretch>
+                    </p:blipFill>
+                    <p:spPr bwMode="auto">
+                      <a:xfrm>
+                        <a:off x="2029665" y="1823150"/>
+                        <a:ext cx="3822700" cy="460375"/>
+                      </a:xfrm>
+                      <a:prstGeom prst="rect">
+                        <a:avLst/>
+                      </a:prstGeom>
+                      <a:noFill/>
+                      <a:extLst>
+                        <a:ext uri="{909E8E84-426E-40DD-AFC4-6F175D3DCCD1}">
+                          <a14:hiddenFill xmlns:a14="http://schemas.microsoft.com/office/drawing/2010/main">
+                            <a:solidFill>
+                              <a:srgbClr val="FFFFFF"/>
+                            </a:solidFill>
+                          </a14:hiddenFill>
+                        </a:ext>
+                      </a:extLst>
+                    </p:spPr>
+                  </p:pic>
+                </p:oleObj>
+              </mc:Fallback>
+            </mc:AlternateContent>
+          </a:graphicData>
+        </a:graphic>
+      </p:graphicFrame>
+      <p:graphicFrame>
+        <p:nvGraphicFramePr>
+          <p:cNvPr id="5" name="Object 12"/>
+          <p:cNvGraphicFramePr>
+            <a:graphicFrameLocks noChangeAspect="1"/>
+          </p:cNvGraphicFramePr>
+          <p:nvPr>
+            <p:extLst/>
+          </p:nvPr>
+        </p:nvGraphicFramePr>
+        <p:xfrm>
+          <a:off x="1981200" y="3191520"/>
+          <a:ext cx="3822700" cy="460375"/>
+        </p:xfrm>
+        <a:graphic>
+          <a:graphicData uri="http://schemas.openxmlformats.org/presentationml/2006/ole">
+            <mc:AlternateContent xmlns:mc="http://schemas.openxmlformats.org/markup-compatibility/2006">
+              <mc:Choice xmlns:v="urn:schemas-microsoft-com:vml" Requires="v">
+                <p:oleObj spid="_x0000_s1271" name="方程式" r:id="rId5" imgW="1790640" imgH="215640" progId="Equation.3">
+                  <p:embed/>
+                </p:oleObj>
+              </mc:Choice>
+              <mc:Fallback>
+                <p:oleObj name="方程式" r:id="rId5" imgW="1790640" imgH="215640" progId="Equation.3">
+                  <p:embed/>
+                  <p:pic>
+                    <p:nvPicPr>
+                      <p:cNvPr id="5" name="Object 12"/>
+                      <p:cNvPicPr>
+                        <a:picLocks noChangeAspect="1" noChangeArrowheads="1"/>
+                      </p:cNvPicPr>
+                      <p:nvPr/>
+                    </p:nvPicPr>
+                    <p:blipFill>
+                      <a:blip r:embed="rId4"/>
+                      <a:srcRect/>
+                      <a:stretch>
+                        <a:fillRect/>
+                      </a:stretch>
+                    </p:blipFill>
+                    <p:spPr bwMode="auto">
+                      <a:xfrm>
+                        <a:off x="1981200" y="3191520"/>
+                        <a:ext cx="3822700" cy="460375"/>
+                      </a:xfrm>
+                      <a:prstGeom prst="rect">
+                        <a:avLst/>
+                      </a:prstGeom>
+                      <a:noFill/>
+                      <a:extLst>
+                        <a:ext uri="{909E8E84-426E-40DD-AFC4-6F175D3DCCD1}">
+                          <a14:hiddenFill xmlns:a14="http://schemas.microsoft.com/office/drawing/2010/main">
+                            <a:solidFill>
+                              <a:srgbClr val="FFFFFF"/>
+                            </a:solidFill>
+                          </a14:hiddenFill>
+                        </a:ext>
+                      </a:extLst>
+                    </p:spPr>
+                  </p:pic>
+                </p:oleObj>
+              </mc:Fallback>
+            </mc:AlternateContent>
+          </a:graphicData>
+        </a:graphic>
+      </p:graphicFrame>
+      <p:graphicFrame>
+        <p:nvGraphicFramePr>
+          <p:cNvPr id="6" name="Object 12"/>
+          <p:cNvGraphicFramePr>
+            <a:graphicFrameLocks noChangeAspect="1"/>
+          </p:cNvGraphicFramePr>
+          <p:nvPr>
+            <p:extLst/>
+          </p:nvPr>
+        </p:nvGraphicFramePr>
+        <p:xfrm>
+          <a:off x="1981200" y="4269454"/>
+          <a:ext cx="3822700" cy="460375"/>
+        </p:xfrm>
+        <a:graphic>
+          <a:graphicData uri="http://schemas.openxmlformats.org/presentationml/2006/ole">
+            <mc:AlternateContent xmlns:mc="http://schemas.openxmlformats.org/markup-compatibility/2006">
+              <mc:Choice xmlns:v="urn:schemas-microsoft-com:vml" Requires="v">
+                <p:oleObj spid="_x0000_s1272" name="方程式" r:id="rId6" imgW="1790640" imgH="215640" progId="Equation.3">
+                  <p:embed/>
+                </p:oleObj>
+              </mc:Choice>
+              <mc:Fallback>
+                <p:oleObj name="方程式" r:id="rId6" imgW="1790640" imgH="215640" progId="Equation.3">
+                  <p:embed/>
+                  <p:pic>
+                    <p:nvPicPr>
+                      <p:cNvPr id="6" name="Object 12"/>
+                      <p:cNvPicPr>
+                        <a:picLocks noChangeAspect="1" noChangeArrowheads="1"/>
+                      </p:cNvPicPr>
+                      <p:nvPr/>
+                    </p:nvPicPr>
+                    <p:blipFill>
+                      <a:blip r:embed="rId4"/>
+                      <a:srcRect/>
+                      <a:stretch>
+                        <a:fillRect/>
+                      </a:stretch>
+                    </p:blipFill>
+                    <p:spPr bwMode="auto">
+                      <a:xfrm>
+                        <a:off x="1981200" y="4269454"/>
+                        <a:ext cx="3822700" cy="460375"/>
+                      </a:xfrm>
+                      <a:prstGeom prst="rect">
+                        <a:avLst/>
+                      </a:prstGeom>
+                      <a:noFill/>
+                      <a:extLst>
+                        <a:ext uri="{909E8E84-426E-40DD-AFC4-6F175D3DCCD1}">
+                          <a14:hiddenFill xmlns:a14="http://schemas.microsoft.com/office/drawing/2010/main">
+                            <a:solidFill>
+                              <a:srgbClr val="FFFFFF"/>
+                            </a:solidFill>
+                          </a14:hiddenFill>
+                        </a:ext>
+                      </a:extLst>
+                    </p:spPr>
+                  </p:pic>
+                </p:oleObj>
+              </mc:Fallback>
+            </mc:AlternateContent>
+          </a:graphicData>
+        </a:graphic>
+      </p:graphicFrame>
+      <p:graphicFrame>
+        <p:nvGraphicFramePr>
+          <p:cNvPr id="7" name="Object 12"/>
+          <p:cNvGraphicFramePr>
+            <a:graphicFrameLocks noChangeAspect="1"/>
+          </p:cNvGraphicFramePr>
+          <p:nvPr>
+            <p:extLst/>
+          </p:nvPr>
+        </p:nvGraphicFramePr>
+        <p:xfrm>
+          <a:off x="2012029" y="5504931"/>
+          <a:ext cx="3578225" cy="460375"/>
+        </p:xfrm>
+        <a:graphic>
+          <a:graphicData uri="http://schemas.openxmlformats.org/presentationml/2006/ole">
+            <mc:AlternateContent xmlns:mc="http://schemas.openxmlformats.org/markup-compatibility/2006">
+              <mc:Choice xmlns:v="urn:schemas-microsoft-com:vml" Requires="v">
+                <p:oleObj spid="_x0000_s1273" name="方程式" r:id="rId7" imgW="1676160" imgH="215640" progId="Equation.3">
+                  <p:embed/>
+                </p:oleObj>
+              </mc:Choice>
+              <mc:Fallback>
+                <p:oleObj name="方程式" r:id="rId7" imgW="1676160" imgH="215640" progId="Equation.3">
+                  <p:embed/>
+                  <p:pic>
+                    <p:nvPicPr>
+                      <p:cNvPr id="7" name="Object 12"/>
+                      <p:cNvPicPr>
+                        <a:picLocks noChangeAspect="1" noChangeArrowheads="1"/>
+                      </p:cNvPicPr>
+                      <p:nvPr/>
+                    </p:nvPicPr>
+                    <p:blipFill>
+                      <a:blip r:embed="rId8"/>
+                      <a:srcRect/>
+                      <a:stretch>
+                        <a:fillRect/>
+                      </a:stretch>
+                    </p:blipFill>
+                    <p:spPr bwMode="auto">
+                      <a:xfrm>
+                        <a:off x="2012029" y="5504931"/>
+                        <a:ext cx="3578225" cy="460375"/>
+                      </a:xfrm>
+                      <a:prstGeom prst="rect">
+                        <a:avLst/>
+                      </a:prstGeom>
+                      <a:noFill/>
+                      <a:extLst>
+                        <a:ext uri="{909E8E84-426E-40DD-AFC4-6F175D3DCCD1}">
+                          <a14:hiddenFill xmlns:a14="http://schemas.microsoft.com/office/drawing/2010/main">
+                            <a:solidFill>
+                              <a:srgbClr val="FFFFFF"/>
+                            </a:solidFill>
+                          </a14:hiddenFill>
+                        </a:ext>
+                      </a:extLst>
+                    </p:spPr>
+                  </p:pic>
+                </p:oleObj>
+              </mc:Fallback>
+            </mc:AlternateContent>
+          </a:graphicData>
+        </a:graphic>
+      </p:graphicFrame>
+      <p:sp>
+        <p:nvSpPr>
+          <p:cNvPr id="8" name="文字方塊 7"/>
+          <p:cNvSpPr txBox="1"/>
+          <p:nvPr/>
+        </p:nvSpPr>
+        <p:spPr>
+          <a:xfrm>
+            <a:off x="5803900" y="3160097"/>
+            <a:ext cx="947054" cy="523220"/>
+          </a:xfrm>
+          <a:prstGeom prst="rect">
+            <a:avLst/>
+          </a:prstGeom>
+          <a:noFill/>
+        </p:spPr>
+        <p:txBody>
+          <a:bodyPr wrap="square" rtlCol="0">
+            <a:spAutoFit/>
+          </a:bodyPr>
+          <a:lstStyle/>
+          <a:p>
+            <a:r>
+              <a:rPr lang="en-US" altLang="zh-TW" sz="2800" dirty="0"/>
+              <a:t>“</a:t>
+            </a:r>
+            <a:r>
+              <a:rPr lang="zh-CN" altLang="en-US" sz="2800" dirty="0"/>
+              <a:t>猫</a:t>
+            </a:r>
+            <a:r>
+              <a:rPr lang="en-US" altLang="zh-TW" sz="2800" dirty="0"/>
+              <a:t>”</a:t>
+            </a:r>
+            <a:endParaRPr lang="zh-TW" altLang="en-US" sz="2800" dirty="0"/>
+          </a:p>
+        </p:txBody>
+      </p:sp>
+      <p:sp>
+        <p:nvSpPr>
+          <p:cNvPr id="9" name="文字方塊 8"/>
+          <p:cNvSpPr txBox="1"/>
+          <p:nvPr/>
+        </p:nvSpPr>
+        <p:spPr>
+          <a:xfrm>
+            <a:off x="5852364" y="1791967"/>
+            <a:ext cx="2898395" cy="523220"/>
+          </a:xfrm>
+          <a:prstGeom prst="rect">
+            <a:avLst/>
+          </a:prstGeom>
+          <a:noFill/>
+        </p:spPr>
+        <p:txBody>
+          <a:bodyPr wrap="square" rtlCol="0">
+            <a:spAutoFit/>
+          </a:bodyPr>
+          <a:lstStyle/>
+          <a:p>
+            <a:r>
+              <a:rPr lang="en-US" altLang="zh-TW" sz="2800" dirty="0"/>
+              <a:t>“</a:t>
+            </a:r>
+            <a:r>
+              <a:rPr lang="zh-CN" altLang="en-US" sz="2800" dirty="0"/>
+              <a:t>你好</a:t>
+            </a:r>
+            <a:r>
+              <a:rPr lang="en-US" altLang="zh-TW" sz="2800" dirty="0"/>
+              <a:t>”</a:t>
+            </a:r>
+            <a:endParaRPr lang="zh-TW" altLang="en-US" sz="2800" dirty="0"/>
+          </a:p>
+        </p:txBody>
+      </p:sp>
+      <p:sp>
+        <p:nvSpPr>
+          <p:cNvPr id="10" name="文字方塊 9"/>
+          <p:cNvSpPr txBox="1"/>
+          <p:nvPr/>
+        </p:nvSpPr>
+        <p:spPr>
+          <a:xfrm>
+            <a:off x="5803901" y="4211765"/>
+            <a:ext cx="1239914" cy="523220"/>
+          </a:xfrm>
+          <a:prstGeom prst="rect">
+            <a:avLst/>
+          </a:prstGeom>
+          <a:noFill/>
+        </p:spPr>
+        <p:txBody>
+          <a:bodyPr wrap="square" rtlCol="0">
+            <a:spAutoFit/>
+          </a:bodyPr>
+          <a:lstStyle/>
+          <a:p>
+            <a:r>
+              <a:rPr lang="en-US" altLang="zh-TW" sz="2800" dirty="0"/>
+              <a:t>“5-5”</a:t>
+            </a:r>
+            <a:endParaRPr lang="zh-TW" altLang="en-US" sz="2800" dirty="0"/>
+          </a:p>
+        </p:txBody>
+      </p:sp>
+      <p:sp>
+        <p:nvSpPr>
+          <p:cNvPr id="11" name="文字方塊 10"/>
+          <p:cNvSpPr txBox="1"/>
+          <p:nvPr/>
+        </p:nvSpPr>
+        <p:spPr>
+          <a:xfrm>
+            <a:off x="5959707" y="5523781"/>
+            <a:ext cx="3031893" cy="523220"/>
+          </a:xfrm>
+          <a:prstGeom prst="rect">
+            <a:avLst/>
+          </a:prstGeom>
+          <a:noFill/>
+        </p:spPr>
+        <p:txBody>
+          <a:bodyPr wrap="square" rtlCol="0">
+            <a:spAutoFit/>
+          </a:bodyPr>
+          <a:lstStyle/>
+          <a:p>
+            <a:r>
+              <a:rPr lang="en-US" altLang="zh-TW" sz="2800" dirty="0"/>
+              <a:t>“</a:t>
+            </a:r>
+            <a:r>
+              <a:rPr lang="zh-CN" altLang="en-US" sz="2800" dirty="0"/>
+              <a:t>今天天气真不错</a:t>
+            </a:r>
+            <a:r>
+              <a:rPr lang="en-US" altLang="zh-TW" sz="2800" dirty="0"/>
+              <a:t>”</a:t>
+            </a:r>
+            <a:endParaRPr lang="zh-TW" altLang="en-US" sz="2800" dirty="0"/>
+          </a:p>
+        </p:txBody>
+      </p:sp>
+      <p:pic>
+        <p:nvPicPr>
+          <p:cNvPr id="12" name="圖片 11"/>
+          <p:cNvPicPr>
+            <a:picLocks noChangeAspect="1"/>
+          </p:cNvPicPr>
+          <p:nvPr/>
+        </p:nvPicPr>
+        <p:blipFill>
+          <a:blip r:embed="rId9" cstate="print">
+            <a:extLst>
+              <a:ext uri="{28A0092B-C50C-407E-A947-70E740481C1C}">
+                <a14:useLocalDpi xmlns:a14="http://schemas.microsoft.com/office/drawing/2010/main" val="0"/>
+              </a:ext>
+            </a:extLst>
+          </a:blip>
+          <a:stretch>
+            <a:fillRect/>
+          </a:stretch>
+        </p:blipFill>
+        <p:spPr>
+          <a:xfrm>
+            <a:off x="2523351" y="1766681"/>
+            <a:ext cx="2921108" cy="516844"/>
+          </a:xfrm>
+          <a:prstGeom prst="rect">
+            <a:avLst/>
+          </a:prstGeom>
+        </p:spPr>
+      </p:pic>
+      <p:sp>
+        <p:nvSpPr>
+          <p:cNvPr id="15" name="矩形 14"/>
+          <p:cNvSpPr/>
+          <p:nvPr/>
+        </p:nvSpPr>
+        <p:spPr>
+          <a:xfrm>
+            <a:off x="2451141" y="5458130"/>
+            <a:ext cx="2659840" cy="523220"/>
+          </a:xfrm>
+          <a:prstGeom prst="rect">
+            <a:avLst/>
+          </a:prstGeom>
+        </p:spPr>
+        <p:txBody>
+          <a:bodyPr wrap="square">
+            <a:spAutoFit/>
+          </a:bodyPr>
+          <a:lstStyle/>
+          <a:p>
+            <a:pPr algn="ctr"/>
+            <a:r>
+              <a:rPr lang="en-US" altLang="zh-TW" sz="2800" dirty="0"/>
+              <a:t>“</a:t>
+            </a:r>
+            <a:r>
+              <a:rPr lang="zh-CN" altLang="en-US" sz="2800" dirty="0"/>
+              <a:t>你好</a:t>
+            </a:r>
+            <a:r>
+              <a:rPr lang="en-US" altLang="zh-TW" sz="2800" dirty="0"/>
+              <a:t>”</a:t>
+            </a:r>
+            <a:endParaRPr lang="zh-TW" altLang="en-US" sz="2800" dirty="0"/>
+          </a:p>
+        </p:txBody>
+      </p:sp>
+      <p:pic>
+        <p:nvPicPr>
+          <p:cNvPr id="84994" name="Picture 2" descr="http://y2.ifengimg.com/a/2016_11/2c7ef418c729099.jpg"/>
+          <p:cNvPicPr>
+            <a:picLocks noChangeAspect="1" noChangeArrowheads="1"/>
+          </p:cNvPicPr>
+          <p:nvPr/>
+        </p:nvPicPr>
+        <p:blipFill>
+          <a:blip r:embed="rId10" cstate="print">
+            <a:extLst>
+              <a:ext uri="{28A0092B-C50C-407E-A947-70E740481C1C}">
+                <a14:useLocalDpi xmlns:a14="http://schemas.microsoft.com/office/drawing/2010/main" val="0"/>
+              </a:ext>
+            </a:extLst>
+          </a:blip>
+          <a:srcRect/>
+          <a:stretch>
+            <a:fillRect/>
+          </a:stretch>
+        </p:blipFill>
+        <p:spPr bwMode="auto">
+          <a:xfrm>
+            <a:off x="3308698" y="4094918"/>
+            <a:ext cx="1144109" cy="858082"/>
+          </a:xfrm>
+          <a:prstGeom prst="rect">
+            <a:avLst/>
+          </a:prstGeom>
+          <a:noFill/>
+          <a:extLst>
+            <a:ext uri="{909E8E84-426E-40DD-AFC4-6F175D3DCCD1}">
+              <a14:hiddenFill xmlns:a14="http://schemas.microsoft.com/office/drawing/2010/main">
+                <a:solidFill>
+                  <a:srgbClr val="FFFFFF"/>
+                </a:solidFill>
+              </a14:hiddenFill>
+            </a:ext>
+          </a:extLst>
+        </p:spPr>
+      </p:pic>
+      <p:sp>
+        <p:nvSpPr>
+          <p:cNvPr id="16" name="文字方塊 15"/>
+          <p:cNvSpPr txBox="1"/>
+          <p:nvPr/>
+        </p:nvSpPr>
+        <p:spPr>
+          <a:xfrm>
+            <a:off x="2372948" y="5939135"/>
+            <a:ext cx="2773299" cy="461665"/>
+          </a:xfrm>
+          <a:prstGeom prst="rect">
+            <a:avLst/>
+          </a:prstGeom>
+          <a:noFill/>
+        </p:spPr>
+        <p:txBody>
+          <a:bodyPr wrap="square" rtlCol="0">
+            <a:spAutoFit/>
+          </a:bodyPr>
+          <a:lstStyle/>
+          <a:p>
+            <a:pPr algn="ctr"/>
+            <a:r>
+              <a:rPr lang="zh-CN" altLang="en-US" sz="2400" dirty="0">
+                <a:solidFill>
+                  <a:schemeClr val="accent2">
+                    <a:lumMod val="60000"/>
+                    <a:lumOff val="40000"/>
+                  </a:schemeClr>
+                </a:solidFill>
+              </a:rPr>
+              <a:t>用户输入</a:t>
+            </a:r>
+            <a:endParaRPr lang="zh-TW" altLang="en-US" sz="2400" dirty="0">
+              <a:solidFill>
+                <a:schemeClr val="accent2">
+                  <a:lumMod val="60000"/>
+                  <a:lumOff val="40000"/>
+                </a:schemeClr>
+              </a:solidFill>
+            </a:endParaRPr>
+          </a:p>
+        </p:txBody>
+      </p:sp>
+      <p:sp>
+        <p:nvSpPr>
+          <p:cNvPr id="19" name="文字方塊 18"/>
+          <p:cNvSpPr txBox="1"/>
+          <p:nvPr/>
+        </p:nvSpPr>
+        <p:spPr>
+          <a:xfrm>
+            <a:off x="5189174" y="5939134"/>
+            <a:ext cx="2773299" cy="461665"/>
+          </a:xfrm>
+          <a:prstGeom prst="rect">
+            <a:avLst/>
+          </a:prstGeom>
+          <a:noFill/>
+        </p:spPr>
+        <p:txBody>
+          <a:bodyPr wrap="square" rtlCol="0">
+            <a:spAutoFit/>
+          </a:bodyPr>
+          <a:lstStyle/>
+          <a:p>
+            <a:pPr algn="ctr"/>
+            <a:r>
+              <a:rPr lang="zh-CN" altLang="en-US" sz="2400" dirty="0">
+                <a:solidFill>
+                  <a:schemeClr val="accent2">
+                    <a:lumMod val="60000"/>
+                    <a:lumOff val="40000"/>
+                  </a:schemeClr>
+                </a:solidFill>
+              </a:rPr>
+              <a:t>机器</a:t>
+            </a:r>
+            <a:endParaRPr lang="zh-TW" altLang="en-US" sz="2400" dirty="0">
+              <a:solidFill>
+                <a:schemeClr val="accent2">
+                  <a:lumMod val="60000"/>
+                  <a:lumOff val="40000"/>
+                </a:schemeClr>
+              </a:solidFill>
+            </a:endParaRPr>
+          </a:p>
+        </p:txBody>
+      </p:sp>
+      <p:pic>
+        <p:nvPicPr>
+          <p:cNvPr id="20" name="Picture 12" descr="https://encrypted-tbn1.gstatic.com/images?q=tbn:ANd9GcRcwlRKAlSIaCI4W5PRYVbuBQQXifF-56bFqAjh9DMe-_3Lh8_YKw"/>
+          <p:cNvPicPr>
+            <a:picLocks noChangeAspect="1" noChangeArrowheads="1"/>
+          </p:cNvPicPr>
+          <p:nvPr/>
+        </p:nvPicPr>
+        <p:blipFill>
+          <a:blip r:embed="rId11">
+            <a:extLst>
+              <a:ext uri="{28A0092B-C50C-407E-A947-70E740481C1C}">
+                <a14:useLocalDpi xmlns:a14="http://schemas.microsoft.com/office/drawing/2010/main" val="0"/>
+              </a:ext>
+            </a:extLst>
+          </a:blip>
+          <a:srcRect/>
+          <a:stretch>
+            <a:fillRect/>
+          </a:stretch>
+        </p:blipFill>
+        <p:spPr bwMode="auto">
+          <a:xfrm>
+            <a:off x="3349642" y="3046563"/>
+            <a:ext cx="1106043" cy="839637"/>
+          </a:xfrm>
+          <a:prstGeom prst="rect">
+            <a:avLst/>
+          </a:prstGeom>
+          <a:noFill/>
+          <a:extLst>
+            <a:ext uri="{909E8E84-426E-40DD-AFC4-6F175D3DCCD1}">
+              <a14:hiddenFill xmlns:a14="http://schemas.microsoft.com/office/drawing/2010/main">
+                <a:solidFill>
+                  <a:srgbClr val="FFFFFF"/>
+                </a:solidFill>
+              </a14:hiddenFill>
+            </a:ext>
+          </a:extLst>
+        </p:spPr>
+      </p:pic>
+      <p:sp>
+        <p:nvSpPr>
+          <p:cNvPr id="18" name="文字方塊 17"/>
+          <p:cNvSpPr txBox="1"/>
+          <p:nvPr/>
+        </p:nvSpPr>
+        <p:spPr>
+          <a:xfrm>
+            <a:off x="6600847" y="4242542"/>
+            <a:ext cx="2543153" cy="461665"/>
+          </a:xfrm>
+          <a:prstGeom prst="rect">
+            <a:avLst/>
+          </a:prstGeom>
+          <a:noFill/>
+        </p:spPr>
+        <p:txBody>
+          <a:bodyPr wrap="square" rtlCol="0">
+            <a:spAutoFit/>
+          </a:bodyPr>
+          <a:lstStyle/>
+          <a:p>
+            <a:pPr algn="ctr"/>
+            <a:r>
+              <a:rPr lang="en-US" altLang="zh-TW" sz="2400" dirty="0"/>
+              <a:t>(</a:t>
+            </a:r>
+            <a:r>
+              <a:rPr lang="zh-CN" altLang="en-US" sz="2400" dirty="0"/>
+              <a:t>落子位置</a:t>
+            </a:r>
+            <a:r>
+              <a:rPr lang="en-US" altLang="zh-TW" sz="2400" dirty="0"/>
+              <a:t>)</a:t>
+            </a:r>
+            <a:endParaRPr lang="zh-TW" altLang="en-US" sz="2400" dirty="0"/>
+          </a:p>
+        </p:txBody>
+      </p:sp>
+    </p:spTree>
+    <p:extLst>
+      <p:ext uri="{BB962C8B-B14F-4D97-AF65-F5344CB8AC3E}">
+        <p14:creationId xmlns:p14="http://schemas.microsoft.com/office/powerpoint/2010/main" val="1999908609"/>
+      </p:ext>
+    </p:extLst>
+  </p:cSld>
+  <p:clrMapOvr>
+    <a:masterClrMapping/>
+  </p:clrMapOvr>
+</p:sld>
+</file>
+
+<file path=ppt/slides/slide20.xml><?xml version="1.0" encoding="utf-8"?>
 <p:sld xmlns:a="http://schemas.openxmlformats.org/drawingml/2006/main" xmlns:r="http://schemas.openxmlformats.org/officeDocument/2006/relationships" xmlns:p="http://schemas.openxmlformats.org/presentationml/2006/main">
   <p:cSld>
     <p:spTree>
@@ -13462,6 +11351,681 @@
     <p:extLst>
       <p:ext uri="{BB962C8B-B14F-4D97-AF65-F5344CB8AC3E}">
         <p14:creationId xmlns:p14="http://schemas.microsoft.com/office/powerpoint/2010/main" val="880106237"/>
+      </p:ext>
+    </p:extLst>
+  </p:cSld>
+  <p:clrMapOvr>
+    <a:masterClrMapping/>
+  </p:clrMapOvr>
+</p:sld>
+</file>
+
+<file path=ppt/slides/slide21.xml><?xml version="1.0" encoding="utf-8"?>
+<p:sld xmlns:a="http://schemas.openxmlformats.org/drawingml/2006/main" xmlns:r="http://schemas.openxmlformats.org/officeDocument/2006/relationships" xmlns:p="http://schemas.openxmlformats.org/presentationml/2006/main">
+  <p:cSld>
+    <p:spTree>
+      <p:nvGrpSpPr>
+        <p:cNvPr id="1" name=""/>
+        <p:cNvGrpSpPr/>
+        <p:nvPr/>
+      </p:nvGrpSpPr>
+      <p:grpSpPr>
+        <a:xfrm>
+          <a:off x="0" y="0"/>
+          <a:ext cx="0" cy="0"/>
+          <a:chOff x="0" y="0"/>
+          <a:chExt cx="0" cy="0"/>
+        </a:xfrm>
+      </p:grpSpPr>
+      <p:sp>
+        <p:nvSpPr>
+          <p:cNvPr id="2" name="标题 1"/>
+          <p:cNvSpPr>
+            <a:spLocks noGrp="1"/>
+          </p:cNvSpPr>
+          <p:nvPr>
+            <p:ph type="title"/>
+          </p:nvPr>
+        </p:nvSpPr>
+        <p:spPr/>
+        <p:txBody>
+          <a:bodyPr/>
+          <a:lstStyle/>
+          <a:p>
+            <a:r>
+              <a:rPr lang="zh-CN" altLang="en-US" dirty="0"/>
+              <a:t>线性回归（</a:t>
+            </a:r>
+            <a:r>
+              <a:rPr lang="en-US" altLang="zh-CN" dirty="0"/>
+              <a:t>Linear Regression</a:t>
+            </a:r>
+            <a:r>
+              <a:rPr lang="zh-CN" altLang="en-US" dirty="0"/>
+              <a:t>）</a:t>
+            </a:r>
+          </a:p>
+        </p:txBody>
+      </p:sp>
+      <p:sp>
+        <p:nvSpPr>
+          <p:cNvPr id="3" name="内容占位符 2"/>
+          <p:cNvSpPr>
+            <a:spLocks noGrp="1"/>
+          </p:cNvSpPr>
+          <p:nvPr>
+            <p:ph sz="quarter" idx="1"/>
+          </p:nvPr>
+        </p:nvSpPr>
+        <p:spPr/>
+        <p:txBody>
+          <a:bodyPr/>
+          <a:lstStyle/>
+          <a:p>
+            <a:r>
+              <a:rPr lang="zh-CN" altLang="en-US" dirty="0"/>
+              <a:t>模型：</a:t>
+            </a:r>
+            <a:endParaRPr lang="en-US" altLang="zh-CN" dirty="0"/>
+          </a:p>
+          <a:p>
+            <a:endParaRPr lang="en-US" altLang="zh-CN" dirty="0"/>
+          </a:p>
+          <a:p>
+            <a:pPr lvl="1"/>
+            <a:r>
+              <a:rPr lang="zh-CN" altLang="en-US" sz="2000" dirty="0"/>
+              <a:t>增广权重向量和增广特征向量</a:t>
+            </a:r>
+            <a:endParaRPr lang="en-US" altLang="zh-CN" sz="2000" dirty="0"/>
+          </a:p>
+          <a:p>
+            <a:pPr lvl="1"/>
+            <a:endParaRPr lang="en-US" altLang="zh-CN" sz="2000" dirty="0"/>
+          </a:p>
+          <a:p>
+            <a:pPr lvl="1"/>
+            <a:endParaRPr lang="en-US" altLang="zh-CN" sz="2000" dirty="0"/>
+          </a:p>
+          <a:p>
+            <a:pPr lvl="1"/>
+            <a:endParaRPr lang="en-US" altLang="zh-CN" sz="2000" dirty="0"/>
+          </a:p>
+        </p:txBody>
+      </p:sp>
+      <p:pic>
+        <p:nvPicPr>
+          <p:cNvPr id="4" name="图片 3" descr="屏幕剪辑"/>
+          <p:cNvPicPr>
+            <a:picLocks noChangeAspect="1"/>
+          </p:cNvPicPr>
+          <p:nvPr/>
+        </p:nvPicPr>
+        <p:blipFill>
+          <a:blip r:embed="rId2">
+            <a:extLst>
+              <a:ext uri="{28A0092B-C50C-407E-A947-70E740481C1C}">
+                <a14:useLocalDpi xmlns:a14="http://schemas.microsoft.com/office/drawing/2010/main" val="0"/>
+              </a:ext>
+            </a:extLst>
+          </a:blip>
+          <a:stretch>
+            <a:fillRect/>
+          </a:stretch>
+        </p:blipFill>
+        <p:spPr>
+          <a:xfrm>
+            <a:off x="2209800" y="1371600"/>
+            <a:ext cx="3530989" cy="711278"/>
+          </a:xfrm>
+          <a:prstGeom prst="rect">
+            <a:avLst/>
+          </a:prstGeom>
+        </p:spPr>
+      </p:pic>
+      <p:pic>
+        <p:nvPicPr>
+          <p:cNvPr id="6" name="图片 5" descr="屏幕剪辑"/>
+          <p:cNvPicPr>
+            <a:picLocks noChangeAspect="1"/>
+          </p:cNvPicPr>
+          <p:nvPr/>
+        </p:nvPicPr>
+        <p:blipFill>
+          <a:blip r:embed="rId3" cstate="print">
+            <a:extLst>
+              <a:ext uri="{28A0092B-C50C-407E-A947-70E740481C1C}">
+                <a14:useLocalDpi xmlns:a14="http://schemas.microsoft.com/office/drawing/2010/main" val="0"/>
+              </a:ext>
+            </a:extLst>
+          </a:blip>
+          <a:stretch>
+            <a:fillRect/>
+          </a:stretch>
+        </p:blipFill>
+        <p:spPr>
+          <a:xfrm>
+            <a:off x="4724400" y="2341496"/>
+            <a:ext cx="4136354" cy="2477857"/>
+          </a:xfrm>
+          <a:prstGeom prst="rect">
+            <a:avLst/>
+          </a:prstGeom>
+        </p:spPr>
+      </p:pic>
+      <p:pic>
+        <p:nvPicPr>
+          <p:cNvPr id="8" name="图片 7">
+            <a:extLst>
+              <a:ext uri="{FF2B5EF4-FFF2-40B4-BE49-F238E27FC236}">
+                <a16:creationId xmlns:a16="http://schemas.microsoft.com/office/drawing/2014/main" id="{F98F1448-C769-48EB-8457-F97B008DE2D8}"/>
+              </a:ext>
+            </a:extLst>
+          </p:cNvPr>
+          <p:cNvPicPr>
+            <a:picLocks noChangeAspect="1"/>
+          </p:cNvPicPr>
+          <p:nvPr/>
+        </p:nvPicPr>
+        <p:blipFill>
+          <a:blip r:embed="rId4">
+            <a:extLst>
+              <a:ext uri="{28A0092B-C50C-407E-A947-70E740481C1C}">
+                <a14:useLocalDpi xmlns:a14="http://schemas.microsoft.com/office/drawing/2010/main" val="0"/>
+              </a:ext>
+            </a:extLst>
+          </a:blip>
+          <a:stretch>
+            <a:fillRect/>
+          </a:stretch>
+        </p:blipFill>
+        <p:spPr>
+          <a:xfrm>
+            <a:off x="1022073" y="2638672"/>
+            <a:ext cx="2972128" cy="3518288"/>
+          </a:xfrm>
+          <a:prstGeom prst="rect">
+            <a:avLst/>
+          </a:prstGeom>
+        </p:spPr>
+      </p:pic>
+      <p:pic>
+        <p:nvPicPr>
+          <p:cNvPr id="10" name="图片 9">
+            <a:extLst>
+              <a:ext uri="{FF2B5EF4-FFF2-40B4-BE49-F238E27FC236}">
+                <a16:creationId xmlns:a16="http://schemas.microsoft.com/office/drawing/2014/main" id="{CC056916-B3B4-4F51-97A8-0E3CC43C78E6}"/>
+              </a:ext>
+            </a:extLst>
+          </p:cNvPr>
+          <p:cNvPicPr>
+            <a:picLocks noChangeAspect="1"/>
+          </p:cNvPicPr>
+          <p:nvPr/>
+        </p:nvPicPr>
+        <p:blipFill>
+          <a:blip r:embed="rId5">
+            <a:extLst>
+              <a:ext uri="{28A0092B-C50C-407E-A947-70E740481C1C}">
+                <a14:useLocalDpi xmlns:a14="http://schemas.microsoft.com/office/drawing/2010/main" val="0"/>
+              </a:ext>
+            </a:extLst>
+          </a:blip>
+          <a:stretch>
+            <a:fillRect/>
+          </a:stretch>
+        </p:blipFill>
+        <p:spPr>
+          <a:xfrm>
+            <a:off x="5121727" y="5220976"/>
+            <a:ext cx="2025071" cy="835647"/>
+          </a:xfrm>
+          <a:prstGeom prst="rect">
+            <a:avLst/>
+          </a:prstGeom>
+        </p:spPr>
+      </p:pic>
+      <p:cxnSp>
+        <p:nvCxnSpPr>
+          <p:cNvPr id="12" name="直接箭头连接符 11">
+            <a:extLst>
+              <a:ext uri="{FF2B5EF4-FFF2-40B4-BE49-F238E27FC236}">
+                <a16:creationId xmlns:a16="http://schemas.microsoft.com/office/drawing/2014/main" id="{D7FCDBA0-9F43-416C-B38D-E36995208622}"/>
+              </a:ext>
+            </a:extLst>
+          </p:cNvPr>
+          <p:cNvCxnSpPr/>
+          <p:nvPr/>
+        </p:nvCxnSpPr>
+        <p:spPr>
+          <a:xfrm>
+            <a:off x="4191000" y="5638800"/>
+            <a:ext cx="609600" cy="0"/>
+          </a:xfrm>
+          <a:prstGeom prst="straightConnector1">
+            <a:avLst/>
+          </a:prstGeom>
+          <a:ln>
+            <a:tailEnd type="triangle"/>
+          </a:ln>
+        </p:spPr>
+        <p:style>
+          <a:lnRef idx="3">
+            <a:schemeClr val="accent2"/>
+          </a:lnRef>
+          <a:fillRef idx="0">
+            <a:schemeClr val="accent2"/>
+          </a:fillRef>
+          <a:effectRef idx="2">
+            <a:schemeClr val="accent2"/>
+          </a:effectRef>
+          <a:fontRef idx="minor">
+            <a:schemeClr val="tx1"/>
+          </a:fontRef>
+        </p:style>
+      </p:cxnSp>
+    </p:spTree>
+    <p:extLst>
+      <p:ext uri="{BB962C8B-B14F-4D97-AF65-F5344CB8AC3E}">
+        <p14:creationId xmlns:p14="http://schemas.microsoft.com/office/powerpoint/2010/main" val="3403562650"/>
+      </p:ext>
+    </p:extLst>
+  </p:cSld>
+  <p:clrMapOvr>
+    <a:masterClrMapping/>
+  </p:clrMapOvr>
+</p:sld>
+</file>
+
+<file path=ppt/slides/slide22.xml><?xml version="1.0" encoding="utf-8"?>
+<p:sld xmlns:a="http://schemas.openxmlformats.org/drawingml/2006/main" xmlns:r="http://schemas.openxmlformats.org/officeDocument/2006/relationships" xmlns:p="http://schemas.openxmlformats.org/presentationml/2006/main">
+  <p:cSld>
+    <p:spTree>
+      <p:nvGrpSpPr>
+        <p:cNvPr id="1" name=""/>
+        <p:cNvGrpSpPr/>
+        <p:nvPr/>
+      </p:nvGrpSpPr>
+      <p:grpSpPr>
+        <a:xfrm>
+          <a:off x="0" y="0"/>
+          <a:ext cx="0" cy="0"/>
+          <a:chOff x="0" y="0"/>
+          <a:chExt cx="0" cy="0"/>
+        </a:xfrm>
+      </p:grpSpPr>
+      <p:sp>
+        <p:nvSpPr>
+          <p:cNvPr id="2" name="标题 1"/>
+          <p:cNvSpPr>
+            <a:spLocks noGrp="1"/>
+          </p:cNvSpPr>
+          <p:nvPr>
+            <p:ph type="title"/>
+          </p:nvPr>
+        </p:nvSpPr>
+        <p:spPr/>
+        <p:txBody>
+          <a:bodyPr/>
+          <a:lstStyle/>
+          <a:p>
+            <a:r>
+              <a:rPr lang="zh-CN" altLang="en-US" dirty="0"/>
+              <a:t>优化方法</a:t>
+            </a:r>
+          </a:p>
+        </p:txBody>
+      </p:sp>
+      <p:sp>
+        <p:nvSpPr>
+          <p:cNvPr id="3" name="内容占位符 2"/>
+          <p:cNvSpPr>
+            <a:spLocks noGrp="1"/>
+          </p:cNvSpPr>
+          <p:nvPr>
+            <p:ph sz="quarter" idx="1"/>
+          </p:nvPr>
+        </p:nvSpPr>
+        <p:spPr/>
+        <p:txBody>
+          <a:bodyPr/>
+          <a:lstStyle/>
+          <a:p>
+            <a:r>
+              <a:rPr lang="zh-CN" altLang="en-US" dirty="0"/>
+              <a:t>经验风险最小化（最小二乘法）</a:t>
+            </a:r>
+            <a:endParaRPr lang="en-US" altLang="zh-CN" dirty="0"/>
+          </a:p>
+          <a:p>
+            <a:r>
+              <a:rPr lang="zh-CN" altLang="en-US" dirty="0"/>
+              <a:t>结构风险最小化（岭回归）</a:t>
+            </a:r>
+            <a:endParaRPr lang="en-US" altLang="zh-CN" dirty="0"/>
+          </a:p>
+          <a:p>
+            <a:r>
+              <a:rPr lang="zh-CN" altLang="en-US" dirty="0"/>
+              <a:t>最大似然估计</a:t>
+            </a:r>
+            <a:endParaRPr lang="en-US" altLang="zh-CN" dirty="0"/>
+          </a:p>
+          <a:p>
+            <a:r>
+              <a:rPr lang="zh-CN" altLang="en-US" dirty="0"/>
+              <a:t>最大后验估计</a:t>
+            </a:r>
+          </a:p>
+        </p:txBody>
+      </p:sp>
+    </p:spTree>
+    <p:extLst>
+      <p:ext uri="{BB962C8B-B14F-4D97-AF65-F5344CB8AC3E}">
+        <p14:creationId xmlns:p14="http://schemas.microsoft.com/office/powerpoint/2010/main" val="1429739643"/>
+      </p:ext>
+    </p:extLst>
+  </p:cSld>
+  <p:clrMapOvr>
+    <a:masterClrMapping/>
+  </p:clrMapOvr>
+</p:sld>
+</file>
+
+<file path=ppt/slides/slide23.xml><?xml version="1.0" encoding="utf-8"?>
+<p:sld xmlns:a="http://schemas.openxmlformats.org/drawingml/2006/main" xmlns:r="http://schemas.openxmlformats.org/officeDocument/2006/relationships" xmlns:p="http://schemas.openxmlformats.org/presentationml/2006/main">
+  <p:cSld>
+    <p:spTree>
+      <p:nvGrpSpPr>
+        <p:cNvPr id="1" name=""/>
+        <p:cNvGrpSpPr/>
+        <p:nvPr/>
+      </p:nvGrpSpPr>
+      <p:grpSpPr>
+        <a:xfrm>
+          <a:off x="0" y="0"/>
+          <a:ext cx="0" cy="0"/>
+          <a:chOff x="0" y="0"/>
+          <a:chExt cx="0" cy="0"/>
+        </a:xfrm>
+      </p:grpSpPr>
+      <p:sp>
+        <p:nvSpPr>
+          <p:cNvPr id="2" name="标题 1">
+            <a:extLst>
+              <a:ext uri="{FF2B5EF4-FFF2-40B4-BE49-F238E27FC236}">
+                <a16:creationId xmlns:a16="http://schemas.microsoft.com/office/drawing/2014/main" id="{EB1AFBEE-5D6F-4A1E-AD09-2FAFD35E9F69}"/>
+              </a:ext>
+            </a:extLst>
+          </p:cNvPr>
+          <p:cNvSpPr>
+            <a:spLocks noGrp="1"/>
+          </p:cNvSpPr>
+          <p:nvPr>
+            <p:ph type="title"/>
+          </p:nvPr>
+        </p:nvSpPr>
+        <p:spPr/>
+        <p:txBody>
+          <a:bodyPr/>
+          <a:lstStyle/>
+          <a:p>
+            <a:r>
+              <a:rPr lang="zh-CN" altLang="en-US" dirty="0"/>
+              <a:t>经验风险最小化</a:t>
+            </a:r>
+          </a:p>
+        </p:txBody>
+      </p:sp>
+      <p:sp>
+        <p:nvSpPr>
+          <p:cNvPr id="3" name="内容占位符 2">
+            <a:extLst>
+              <a:ext uri="{FF2B5EF4-FFF2-40B4-BE49-F238E27FC236}">
+                <a16:creationId xmlns:a16="http://schemas.microsoft.com/office/drawing/2014/main" id="{FE728021-B224-40BC-94A8-4A34B43A3E63}"/>
+              </a:ext>
+            </a:extLst>
+          </p:cNvPr>
+          <p:cNvSpPr>
+            <a:spLocks noGrp="1"/>
+          </p:cNvSpPr>
+          <p:nvPr>
+            <p:ph sz="quarter" idx="1"/>
+          </p:nvPr>
+        </p:nvSpPr>
+        <p:spPr/>
+        <p:txBody>
+          <a:bodyPr/>
+          <a:lstStyle/>
+          <a:p>
+            <a:r>
+              <a:rPr lang="zh-CN" altLang="en-US" dirty="0"/>
+              <a:t>模型</a:t>
+            </a:r>
+            <a:endParaRPr lang="en-US" altLang="zh-CN" dirty="0"/>
+          </a:p>
+          <a:p>
+            <a:endParaRPr lang="en-US" altLang="zh-CN" dirty="0"/>
+          </a:p>
+          <a:p>
+            <a:endParaRPr lang="en-US" altLang="zh-CN" dirty="0"/>
+          </a:p>
+          <a:p>
+            <a:r>
+              <a:rPr lang="zh-CN" altLang="en-US" dirty="0"/>
+              <a:t>学习准则</a:t>
+            </a:r>
+            <a:endParaRPr lang="en-US" altLang="zh-CN" dirty="0"/>
+          </a:p>
+          <a:p>
+            <a:endParaRPr lang="en-US" altLang="zh-CN" dirty="0"/>
+          </a:p>
+          <a:p>
+            <a:endParaRPr lang="en-US" altLang="zh-CN" dirty="0"/>
+          </a:p>
+          <a:p>
+            <a:endParaRPr lang="en-US" altLang="zh-CN" dirty="0"/>
+          </a:p>
+          <a:p>
+            <a:endParaRPr lang="en-US" altLang="zh-CN" dirty="0"/>
+          </a:p>
+          <a:p>
+            <a:endParaRPr lang="en-US" altLang="zh-CN" dirty="0"/>
+          </a:p>
+          <a:p>
+            <a:r>
+              <a:rPr lang="zh-CN" altLang="en-US" dirty="0"/>
+              <a:t>优化</a:t>
+            </a:r>
+            <a:endParaRPr lang="en-US" altLang="zh-CN" dirty="0"/>
+          </a:p>
+          <a:p>
+            <a:endParaRPr lang="en-US" altLang="zh-CN" dirty="0"/>
+          </a:p>
+          <a:p>
+            <a:pPr lvl="1"/>
+            <a:endParaRPr lang="zh-CN" altLang="en-US" dirty="0"/>
+          </a:p>
+        </p:txBody>
+      </p:sp>
+      <p:pic>
+        <p:nvPicPr>
+          <p:cNvPr id="5" name="图片 4">
+            <a:extLst>
+              <a:ext uri="{FF2B5EF4-FFF2-40B4-BE49-F238E27FC236}">
+                <a16:creationId xmlns:a16="http://schemas.microsoft.com/office/drawing/2014/main" id="{FC999F56-D6C4-4DA3-BB24-EA14A1616E38}"/>
+              </a:ext>
+            </a:extLst>
+          </p:cNvPr>
+          <p:cNvPicPr>
+            <a:picLocks noChangeAspect="1"/>
+          </p:cNvPicPr>
+          <p:nvPr/>
+        </p:nvPicPr>
+        <p:blipFill>
+          <a:blip r:embed="rId3"/>
+          <a:stretch>
+            <a:fillRect/>
+          </a:stretch>
+        </p:blipFill>
+        <p:spPr>
+          <a:xfrm>
+            <a:off x="1828800" y="1447800"/>
+            <a:ext cx="2895600" cy="714375"/>
+          </a:xfrm>
+          <a:prstGeom prst="rect">
+            <a:avLst/>
+          </a:prstGeom>
+        </p:spPr>
+      </p:pic>
+      <p:pic>
+        <p:nvPicPr>
+          <p:cNvPr id="7" name="图片 6">
+            <a:extLst>
+              <a:ext uri="{FF2B5EF4-FFF2-40B4-BE49-F238E27FC236}">
+                <a16:creationId xmlns:a16="http://schemas.microsoft.com/office/drawing/2014/main" id="{86BBA2B6-ED83-4379-B852-D1167446F506}"/>
+              </a:ext>
+            </a:extLst>
+          </p:cNvPr>
+          <p:cNvPicPr>
+            <a:picLocks noChangeAspect="1"/>
+          </p:cNvPicPr>
+          <p:nvPr/>
+        </p:nvPicPr>
+        <p:blipFill>
+          <a:blip r:embed="rId4">
+            <a:extLst>
+              <a:ext uri="{28A0092B-C50C-407E-A947-70E740481C1C}">
+                <a14:useLocalDpi xmlns:a14="http://schemas.microsoft.com/office/drawing/2010/main" val="0"/>
+              </a:ext>
+            </a:extLst>
+          </a:blip>
+          <a:stretch>
+            <a:fillRect/>
+          </a:stretch>
+        </p:blipFill>
+        <p:spPr>
+          <a:xfrm>
+            <a:off x="2438400" y="2539864"/>
+            <a:ext cx="3581400" cy="2296431"/>
+          </a:xfrm>
+          <a:prstGeom prst="rect">
+            <a:avLst/>
+          </a:prstGeom>
+        </p:spPr>
+      </p:pic>
+      <p:pic>
+        <p:nvPicPr>
+          <p:cNvPr id="9" name="图片 8">
+            <a:extLst>
+              <a:ext uri="{FF2B5EF4-FFF2-40B4-BE49-F238E27FC236}">
+                <a16:creationId xmlns:a16="http://schemas.microsoft.com/office/drawing/2014/main" id="{142D1BA6-1548-44F7-B667-213B1736144D}"/>
+              </a:ext>
+            </a:extLst>
+          </p:cNvPr>
+          <p:cNvPicPr>
+            <a:picLocks noChangeAspect="1"/>
+          </p:cNvPicPr>
+          <p:nvPr/>
+        </p:nvPicPr>
+        <p:blipFill>
+          <a:blip r:embed="rId5">
+            <a:extLst>
+              <a:ext uri="{28A0092B-C50C-407E-A947-70E740481C1C}">
+                <a14:useLocalDpi xmlns:a14="http://schemas.microsoft.com/office/drawing/2010/main" val="0"/>
+              </a:ext>
+            </a:extLst>
+          </a:blip>
+          <a:stretch>
+            <a:fillRect/>
+          </a:stretch>
+        </p:blipFill>
+        <p:spPr>
+          <a:xfrm>
+            <a:off x="2743200" y="5284299"/>
+            <a:ext cx="1981200" cy="1053998"/>
+          </a:xfrm>
+          <a:prstGeom prst="rect">
+            <a:avLst/>
+          </a:prstGeom>
+        </p:spPr>
+      </p:pic>
+      <p:pic>
+        <p:nvPicPr>
+          <p:cNvPr id="11" name="图片 10">
+            <a:extLst>
+              <a:ext uri="{FF2B5EF4-FFF2-40B4-BE49-F238E27FC236}">
+                <a16:creationId xmlns:a16="http://schemas.microsoft.com/office/drawing/2014/main" id="{D587942F-0A59-4A6F-83EA-497447F834C8}"/>
+              </a:ext>
+            </a:extLst>
+          </p:cNvPr>
+          <p:cNvPicPr>
+            <a:picLocks noChangeAspect="1"/>
+          </p:cNvPicPr>
+          <p:nvPr/>
+        </p:nvPicPr>
+        <p:blipFill>
+          <a:blip r:embed="rId6">
+            <a:extLst>
+              <a:ext uri="{28A0092B-C50C-407E-A947-70E740481C1C}">
+                <a14:useLocalDpi xmlns:a14="http://schemas.microsoft.com/office/drawing/2010/main" val="0"/>
+              </a:ext>
+            </a:extLst>
+          </a:blip>
+          <a:stretch>
+            <a:fillRect/>
+          </a:stretch>
+        </p:blipFill>
+        <p:spPr>
+          <a:xfrm>
+            <a:off x="6235430" y="4953000"/>
+            <a:ext cx="2451370" cy="1058450"/>
+          </a:xfrm>
+          <a:prstGeom prst="rect">
+            <a:avLst/>
+          </a:prstGeom>
+        </p:spPr>
+      </p:pic>
+      <p:pic>
+        <p:nvPicPr>
+          <p:cNvPr id="13" name="图片 12">
+            <a:extLst>
+              <a:ext uri="{FF2B5EF4-FFF2-40B4-BE49-F238E27FC236}">
+                <a16:creationId xmlns:a16="http://schemas.microsoft.com/office/drawing/2014/main" id="{A461D68A-4D78-4500-80A3-8048125EE9AF}"/>
+              </a:ext>
+            </a:extLst>
+          </p:cNvPr>
+          <p:cNvPicPr>
+            <a:picLocks noChangeAspect="1"/>
+          </p:cNvPicPr>
+          <p:nvPr/>
+        </p:nvPicPr>
+        <p:blipFill>
+          <a:blip r:embed="rId7">
+            <a:extLst>
+              <a:ext uri="{28A0092B-C50C-407E-A947-70E740481C1C}">
+                <a14:useLocalDpi xmlns:a14="http://schemas.microsoft.com/office/drawing/2010/main" val="0"/>
+              </a:ext>
+            </a:extLst>
+          </a:blip>
+          <a:stretch>
+            <a:fillRect/>
+          </a:stretch>
+        </p:blipFill>
+        <p:spPr>
+          <a:xfrm>
+            <a:off x="2057400" y="1498985"/>
+            <a:ext cx="1852995" cy="687993"/>
+          </a:xfrm>
+          <a:prstGeom prst="rect">
+            <a:avLst/>
+          </a:prstGeom>
+        </p:spPr>
+      </p:pic>
+    </p:spTree>
+    <p:extLst>
+      <p:ext uri="{BB962C8B-B14F-4D97-AF65-F5344CB8AC3E}">
+        <p14:creationId xmlns:p14="http://schemas.microsoft.com/office/powerpoint/2010/main" val="1483125816"/>
       </p:ext>
     </p:extLst>
   </p:cSld>
@@ -13505,58 +12069,45 @@
           <a:p>
             <a:r>
               <a:rPr lang="zh-CN" altLang="en-US" dirty="0"/>
-              <a:t>优化方法</a:t>
+              <a:t>常见的机器学习类型</a:t>
             </a:r>
           </a:p>
         </p:txBody>
       </p:sp>
-      <p:sp>
-        <p:nvSpPr>
-          <p:cNvPr id="3" name="内容占位符 2"/>
-          <p:cNvSpPr>
-            <a:spLocks noGrp="1"/>
-          </p:cNvSpPr>
-          <p:nvPr>
-            <p:ph sz="quarter" idx="1"/>
-          </p:nvPr>
-        </p:nvSpPr>
-        <p:spPr/>
-        <p:txBody>
-          <a:bodyPr/>
-          <a:lstStyle/>
-          <a:p>
-            <a:r>
-              <a:rPr lang="zh-CN" altLang="en-US" dirty="0"/>
-              <a:t>经验风险最小化（最小二乘法）</a:t>
-            </a:r>
-            <a:endParaRPr lang="en-US" altLang="zh-CN" dirty="0"/>
-          </a:p>
-          <a:p>
-            <a:r>
-              <a:rPr lang="zh-CN" altLang="en-US" dirty="0"/>
-              <a:t>结构风险最小化（岭回归）</a:t>
-            </a:r>
-            <a:endParaRPr lang="en-US" altLang="zh-CN" dirty="0"/>
-          </a:p>
-          <a:p>
-            <a:r>
-              <a:rPr lang="zh-CN" altLang="en-US" dirty="0"/>
-              <a:t>最大似然估计</a:t>
-            </a:r>
-            <a:endParaRPr lang="en-US" altLang="zh-CN" dirty="0"/>
-          </a:p>
-          <a:p>
-            <a:r>
-              <a:rPr lang="zh-CN" altLang="en-US" dirty="0"/>
-              <a:t>最大后验估计</a:t>
-            </a:r>
-          </a:p>
-        </p:txBody>
-      </p:sp>
+      <p:pic>
+        <p:nvPicPr>
+          <p:cNvPr id="5" name="图片 4" descr="屏幕剪辑"/>
+          <p:cNvPicPr>
+            <a:picLocks noChangeAspect="1"/>
+          </p:cNvPicPr>
+          <p:nvPr/>
+        </p:nvPicPr>
+        <p:blipFill>
+          <a:blip r:embed="rId2">
+            <a:extLst>
+              <a:ext uri="{28A0092B-C50C-407E-A947-70E740481C1C}">
+                <a14:useLocalDpi xmlns:a14="http://schemas.microsoft.com/office/drawing/2010/main"/>
+              </a:ext>
+            </a:extLst>
+          </a:blip>
+          <a:stretch>
+            <a:fillRect/>
+          </a:stretch>
+        </p:blipFill>
+        <p:spPr>
+          <a:xfrm>
+            <a:off x="454737" y="1905000"/>
+            <a:ext cx="8232063" cy="3733800"/>
+          </a:xfrm>
+          <a:prstGeom prst="rect">
+            <a:avLst/>
+          </a:prstGeom>
+        </p:spPr>
+      </p:pic>
     </p:spTree>
     <p:extLst>
       <p:ext uri="{BB962C8B-B14F-4D97-AF65-F5344CB8AC3E}">
-        <p14:creationId xmlns:p14="http://schemas.microsoft.com/office/powerpoint/2010/main" val="1429739643"/>
+        <p14:creationId xmlns:p14="http://schemas.microsoft.com/office/powerpoint/2010/main" val="3224615076"/>
       </p:ext>
     </p:extLst>
   </p:cSld>
@@ -15350,6 +13901,167 @@
       </p:grpSpPr>
       <p:sp>
         <p:nvSpPr>
+          <p:cNvPr id="2" name="标题 1">
+            <a:extLst>
+              <a:ext uri="{FF2B5EF4-FFF2-40B4-BE49-F238E27FC236}">
+                <a16:creationId xmlns:a16="http://schemas.microsoft.com/office/drawing/2014/main" id="{5B6B9AA1-8118-4327-9DA0-3691A0EB56B0}"/>
+              </a:ext>
+            </a:extLst>
+          </p:cNvPr>
+          <p:cNvSpPr>
+            <a:spLocks noGrp="1"/>
+          </p:cNvSpPr>
+          <p:nvPr>
+            <p:ph type="title"/>
+          </p:nvPr>
+        </p:nvSpPr>
+        <p:spPr/>
+        <p:txBody>
+          <a:bodyPr/>
+          <a:lstStyle/>
+          <a:p>
+            <a:r>
+              <a:rPr lang="zh-CN" altLang="en-US"/>
+              <a:t>课后作业</a:t>
+            </a:r>
+            <a:endParaRPr lang="zh-CN" altLang="en-US" dirty="0"/>
+          </a:p>
+        </p:txBody>
+      </p:sp>
+      <p:sp>
+        <p:nvSpPr>
+          <p:cNvPr id="3" name="内容占位符 2">
+            <a:extLst>
+              <a:ext uri="{FF2B5EF4-FFF2-40B4-BE49-F238E27FC236}">
+                <a16:creationId xmlns:a16="http://schemas.microsoft.com/office/drawing/2014/main" id="{06FFE951-5F67-4851-9343-226A8D06AC1C}"/>
+              </a:ext>
+            </a:extLst>
+          </p:cNvPr>
+          <p:cNvSpPr>
+            <a:spLocks noGrp="1"/>
+          </p:cNvSpPr>
+          <p:nvPr>
+            <p:ph sz="quarter" idx="1"/>
+          </p:nvPr>
+        </p:nvSpPr>
+        <p:spPr/>
+        <p:txBody>
+          <a:bodyPr/>
+          <a:lstStyle/>
+          <a:p>
+            <a:r>
+              <a:rPr lang="zh-CN" altLang="en-US" dirty="0">
+                <a:hlinkClick r:id="rId2"/>
+              </a:rPr>
+              <a:t>掌握知识点</a:t>
+            </a:r>
+            <a:endParaRPr lang="en-US" altLang="zh-CN" dirty="0">
+              <a:hlinkClick r:id="rId2"/>
+            </a:endParaRPr>
+          </a:p>
+          <a:p>
+            <a:pPr lvl="1"/>
+            <a:r>
+              <a:rPr lang="zh-CN" altLang="en-US" dirty="0">
+                <a:hlinkClick r:id="rId2"/>
+              </a:rPr>
+              <a:t>矩阵微分</a:t>
+            </a:r>
+            <a:endParaRPr lang="en-US" altLang="zh-CN" dirty="0">
+              <a:hlinkClick r:id="rId2"/>
+            </a:endParaRPr>
+          </a:p>
+          <a:p>
+            <a:pPr lvl="1"/>
+            <a:r>
+              <a:rPr lang="zh-CN" altLang="en-US" dirty="0">
+                <a:hlinkClick r:id="rId2"/>
+              </a:rPr>
+              <a:t>概率论</a:t>
+            </a:r>
+            <a:endParaRPr lang="en-US" altLang="zh-CN" dirty="0">
+              <a:hlinkClick r:id="rId2"/>
+            </a:endParaRPr>
+          </a:p>
+          <a:p>
+            <a:pPr lvl="1"/>
+            <a:r>
+              <a:rPr lang="zh-CN" altLang="en-US" dirty="0">
+                <a:hlinkClick r:id="rId2"/>
+              </a:rPr>
+              <a:t>信息论</a:t>
+            </a:r>
+            <a:endParaRPr lang="en-US" altLang="zh-CN" dirty="0">
+              <a:hlinkClick r:id="rId2"/>
+            </a:endParaRPr>
+          </a:p>
+          <a:p>
+            <a:pPr lvl="1"/>
+            <a:r>
+              <a:rPr lang="zh-CN" altLang="en-US" dirty="0">
+                <a:hlinkClick r:id="rId2"/>
+              </a:rPr>
+              <a:t>约束优化</a:t>
+            </a:r>
+            <a:endParaRPr lang="en-US" altLang="zh-CN" dirty="0">
+              <a:hlinkClick r:id="rId2"/>
+            </a:endParaRPr>
+          </a:p>
+          <a:p>
+            <a:r>
+              <a:rPr lang="zh-CN" altLang="en-US" dirty="0">
+                <a:hlinkClick r:id="rId2"/>
+              </a:rPr>
+              <a:t>练习</a:t>
+            </a:r>
+            <a:endParaRPr lang="en-US" altLang="zh-CN" dirty="0">
+              <a:hlinkClick r:id="rId2"/>
+            </a:endParaRPr>
+          </a:p>
+          <a:p>
+            <a:pPr lvl="1"/>
+            <a:r>
+              <a:rPr lang="en-US" altLang="zh-CN" dirty="0">
+                <a:hlinkClick r:id="rId2"/>
+              </a:rPr>
+              <a:t>https://github.com/nndl/exercise/tree/master/for_chapter_3_linear_regression</a:t>
+            </a:r>
+            <a:endParaRPr lang="zh-CN" altLang="en-US" dirty="0"/>
+          </a:p>
+        </p:txBody>
+      </p:sp>
+    </p:spTree>
+    <p:extLst>
+      <p:ext uri="{BB962C8B-B14F-4D97-AF65-F5344CB8AC3E}">
+        <p14:creationId xmlns:p14="http://schemas.microsoft.com/office/powerpoint/2010/main" val="346742456"/>
+      </p:ext>
+    </p:extLst>
+  </p:cSld>
+  <p:clrMapOvr>
+    <a:masterClrMapping/>
+  </p:clrMapOvr>
+</p:sld>
+</file>
+
+<file path=ppt/slides/slide32.xml><?xml version="1.0" encoding="utf-8"?>
+<p:sld xmlns:a="http://schemas.openxmlformats.org/drawingml/2006/main" xmlns:r="http://schemas.openxmlformats.org/officeDocument/2006/relationships" xmlns:p="http://schemas.openxmlformats.org/presentationml/2006/main">
+  <p:cSld>
+    <p:spTree>
+      <p:nvGrpSpPr>
+        <p:cNvPr id="1" name=""/>
+        <p:cNvGrpSpPr/>
+        <p:nvPr/>
+      </p:nvGrpSpPr>
+      <p:grpSpPr>
+        <a:xfrm>
+          <a:off x="0" y="0"/>
+          <a:ext cx="0" cy="0"/>
+          <a:chOff x="0" y="0"/>
+          <a:chExt cx="0" cy="0"/>
+        </a:xfrm>
+      </p:grpSpPr>
+      <p:sp>
+        <p:nvSpPr>
           <p:cNvPr id="2" name="矩形 1"/>
           <p:cNvSpPr/>
           <p:nvPr/>
@@ -15556,88 +14268,6 @@
 </file>
 
 <file path=ppt/slides/slide5.xml><?xml version="1.0" encoding="utf-8"?>
-<p:sld xmlns:a="http://schemas.openxmlformats.org/drawingml/2006/main" xmlns:r="http://schemas.openxmlformats.org/officeDocument/2006/relationships" xmlns:p="http://schemas.openxmlformats.org/presentationml/2006/main">
-  <p:cSld>
-    <p:spTree>
-      <p:nvGrpSpPr>
-        <p:cNvPr id="1" name=""/>
-        <p:cNvGrpSpPr/>
-        <p:nvPr/>
-      </p:nvGrpSpPr>
-      <p:grpSpPr>
-        <a:xfrm>
-          <a:off x="0" y="0"/>
-          <a:ext cx="0" cy="0"/>
-          <a:chOff x="0" y="0"/>
-          <a:chExt cx="0" cy="0"/>
-        </a:xfrm>
-      </p:grpSpPr>
-      <p:sp>
-        <p:nvSpPr>
-          <p:cNvPr id="2" name="标题 1"/>
-          <p:cNvSpPr>
-            <a:spLocks noGrp="1"/>
-          </p:cNvSpPr>
-          <p:nvPr>
-            <p:ph type="title"/>
-          </p:nvPr>
-        </p:nvSpPr>
-        <p:spPr/>
-        <p:txBody>
-          <a:bodyPr/>
-          <a:lstStyle/>
-          <a:p>
-            <a:r>
-              <a:rPr lang="zh-CN" altLang="en-US" dirty="0"/>
-              <a:t>常见的机器学习类型</a:t>
-            </a:r>
-          </a:p>
-        </p:txBody>
-      </p:sp>
-      <p:pic>
-        <p:nvPicPr>
-          <p:cNvPr id="5" name="图片 4" descr="屏幕剪辑"/>
-          <p:cNvPicPr>
-            <a:picLocks noChangeAspect="1"/>
-          </p:cNvPicPr>
-          <p:nvPr/>
-        </p:nvPicPr>
-        <p:blipFill>
-          <a:blip r:embed="rId2">
-            <a:extLst>
-              <a:ext uri="{28A0092B-C50C-407E-A947-70E740481C1C}">
-                <a14:useLocalDpi xmlns:a14="http://schemas.microsoft.com/office/drawing/2010/main"/>
-              </a:ext>
-            </a:extLst>
-          </a:blip>
-          <a:stretch>
-            <a:fillRect/>
-          </a:stretch>
-        </p:blipFill>
-        <p:spPr>
-          <a:xfrm>
-            <a:off x="454737" y="1905000"/>
-            <a:ext cx="8232063" cy="3733800"/>
-          </a:xfrm>
-          <a:prstGeom prst="rect">
-            <a:avLst/>
-          </a:prstGeom>
-        </p:spPr>
-      </p:pic>
-    </p:spTree>
-    <p:extLst>
-      <p:ext uri="{BB962C8B-B14F-4D97-AF65-F5344CB8AC3E}">
-        <p14:creationId xmlns:p14="http://schemas.microsoft.com/office/powerpoint/2010/main" val="2369954451"/>
-      </p:ext>
-    </p:extLst>
-  </p:cSld>
-  <p:clrMapOvr>
-    <a:masterClrMapping/>
-  </p:clrMapOvr>
-</p:sld>
-</file>
-
-<file path=ppt/slides/slide6.xml><?xml version="1.0" encoding="utf-8"?>
 <p:sld xmlns:a="http://schemas.openxmlformats.org/drawingml/2006/main" xmlns:r="http://schemas.openxmlformats.org/officeDocument/2006/relationships" xmlns:p="http://schemas.openxmlformats.org/presentationml/2006/main">
   <p:cSld>
     <p:spTree>
@@ -16022,7 +14652,7 @@
 </p:sld>
 </file>
 
-<file path=ppt/slides/slide7.xml><?xml version="1.0" encoding="utf-8"?>
+<file path=ppt/slides/slide6.xml><?xml version="1.0" encoding="utf-8"?>
 <p:sld xmlns:a="http://schemas.openxmlformats.org/drawingml/2006/main" xmlns:r="http://schemas.openxmlformats.org/officeDocument/2006/relationships" xmlns:p="http://schemas.openxmlformats.org/presentationml/2006/main">
   <p:cSld>
     <p:spTree>
@@ -16061,8 +14691,8 @@
           </a:p>
         </p:txBody>
       </p:sp>
-      <mc:AlternateContent xmlns:mc="http://schemas.openxmlformats.org/markup-compatibility/2006" xmlns:a14="http://schemas.microsoft.com/office/drawing/2010/main">
-        <mc:Choice Requires="a14">
+      <mc:AlternateContent xmlns:mc="http://schemas.openxmlformats.org/markup-compatibility/2006">
+        <mc:Choice xmlns:a14="http://schemas.microsoft.com/office/drawing/2010/main" Requires="a14">
           <p:sp>
             <p:nvSpPr>
               <p:cNvPr id="3" name="内容占位符 2"/>
@@ -16079,11 +14709,11 @@
               <a:lstStyle/>
               <a:p>
                 <a:r>
-                  <a:rPr lang="zh-CN" altLang="en-US" sz="2800" dirty="0"/>
+                  <a:rPr lang="zh-CN" altLang="en-US" dirty="0"/>
                   <a:t>期望风险未知，通过</a:t>
                 </a:r>
                 <a:r>
-                  <a:rPr lang="zh-CN" altLang="en-US" sz="2800" dirty="0">
+                  <a:rPr lang="zh-CN" altLang="en-US" dirty="0">
                     <a:solidFill>
                       <a:srgbClr val="FF0000"/>
                     </a:solidFill>
@@ -16091,27 +14721,27 @@
                   <a:t>经验风险</a:t>
                 </a:r>
                 <a:r>
-                  <a:rPr lang="zh-CN" altLang="en-US" sz="2800" dirty="0"/>
+                  <a:rPr lang="zh-CN" altLang="en-US" dirty="0"/>
                   <a:t>近似</a:t>
                 </a:r>
-                <a:endParaRPr lang="en-US" altLang="zh-CN" sz="2800" dirty="0"/>
+                <a:endParaRPr lang="en-US" altLang="zh-CN" dirty="0"/>
               </a:p>
               <a:p>
                 <a:pPr lvl="1"/>
                 <a:r>
-                  <a:rPr lang="zh-CN" altLang="en-US" sz="2000" dirty="0"/>
+                  <a:rPr lang="zh-CN" altLang="en-US" dirty="0"/>
                   <a:t>训练数据：</a:t>
                 </a:r>
                 <a14:m>
                   <m:oMath xmlns:m="http://schemas.openxmlformats.org/officeDocument/2006/math">
                     <m:r>
-                      <a:rPr lang="zh-CN" altLang="en-US" sz="2000" i="1" dirty="0">
+                      <a:rPr lang="zh-CN" altLang="en-US" i="1" dirty="0">
                         <a:latin typeface="Cambria Math" panose="02040503050406030204" pitchFamily="18" charset="0"/>
                       </a:rPr>
                       <m:t>𝒟</m:t>
                     </m:r>
                     <m:r>
-                      <a:rPr lang="en-US" altLang="zh-CN" sz="2000" dirty="0">
+                      <a:rPr lang="en-US" altLang="zh-CN" dirty="0">
                         <a:latin typeface="Cambria Math" panose="02040503050406030204" pitchFamily="18" charset="0"/>
                       </a:rPr>
                       <m:t>=</m:t>
@@ -16121,7 +14751,7 @@
                         <m:begChr m:val="{"/>
                         <m:endChr m:val="}"/>
                         <m:ctrlPr>
-                          <a:rPr lang="en-US" altLang="zh-CN" sz="2000" i="1" dirty="0">
+                          <a:rPr lang="en-US" altLang="zh-CN" i="1" dirty="0">
                             <a:latin typeface="Cambria Math" panose="02040503050406030204" pitchFamily="18" charset="0"/>
                           </a:rPr>
                         </m:ctrlPr>
@@ -16130,7 +14760,7 @@
                         <m:sSup>
                           <m:sSupPr>
                             <m:ctrlPr>
-                              <a:rPr lang="en-US" altLang="zh-CN" sz="2000" i="1" dirty="0">
+                              <a:rPr lang="en-US" altLang="zh-CN" i="1" dirty="0">
                                 <a:latin typeface="Cambria Math" panose="02040503050406030204" pitchFamily="18" charset="0"/>
                               </a:rPr>
                             </m:ctrlPr>
@@ -16140,7 +14770,7 @@
                               <m:rPr>
                                 <m:sty m:val="p"/>
                               </m:rPr>
-                              <a:rPr lang="en-US" altLang="zh-CN" sz="2000" dirty="0">
+                              <a:rPr lang="en-US" altLang="zh-CN" dirty="0">
                                 <a:latin typeface="Cambria Math" panose="02040503050406030204" pitchFamily="18" charset="0"/>
                               </a:rPr>
                               <m:t>x</m:t>
@@ -16150,24 +14780,27 @@
                             <m:d>
                               <m:dPr>
                                 <m:ctrlPr>
-                                  <a:rPr lang="en-US" altLang="zh-CN" sz="2000" i="1" dirty="0">
+                                  <a:rPr lang="en-US" altLang="zh-CN" i="1" dirty="0">
                                     <a:latin typeface="Cambria Math" panose="02040503050406030204" pitchFamily="18" charset="0"/>
                                   </a:rPr>
                                 </m:ctrlPr>
                               </m:dPr>
                               <m:e>
                                 <m:r>
-                                  <a:rPr lang="en-US" altLang="zh-CN" sz="2000" dirty="0">
+                                  <m:rPr>
+                                    <m:sty m:val="p"/>
+                                  </m:rPr>
+                                  <a:rPr lang="en-US" altLang="zh-CN" i="1" dirty="0">
                                     <a:latin typeface="Cambria Math" panose="02040503050406030204" pitchFamily="18" charset="0"/>
                                   </a:rPr>
-                                  <m:t>𝑖</m:t>
+                                  <m:t>n</m:t>
                                 </m:r>
                               </m:e>
                             </m:d>
                           </m:sup>
                         </m:sSup>
                         <m:r>
-                          <a:rPr lang="en-US" altLang="zh-CN" sz="2000" dirty="0">
+                          <a:rPr lang="en-US" altLang="zh-CN" dirty="0">
                             <a:latin typeface="Cambria Math" panose="02040503050406030204" pitchFamily="18" charset="0"/>
                           </a:rPr>
                           <m:t>,</m:t>
@@ -16175,14 +14808,14 @@
                         <m:sSup>
                           <m:sSupPr>
                             <m:ctrlPr>
-                              <a:rPr lang="en-US" altLang="zh-CN" sz="2000" i="1" dirty="0">
+                              <a:rPr lang="en-US" altLang="zh-CN" i="1" dirty="0">
                                 <a:latin typeface="Cambria Math" panose="02040503050406030204" pitchFamily="18" charset="0"/>
                               </a:rPr>
                             </m:ctrlPr>
                           </m:sSupPr>
                           <m:e>
                             <m:r>
-                              <a:rPr lang="en-US" altLang="zh-CN" sz="2000" dirty="0">
+                              <a:rPr lang="en-US" altLang="zh-CN" dirty="0">
                                 <a:latin typeface="Cambria Math" panose="02040503050406030204" pitchFamily="18" charset="0"/>
                               </a:rPr>
                               <m:t>𝑦</m:t>
@@ -16192,17 +14825,20 @@
                             <m:d>
                               <m:dPr>
                                 <m:ctrlPr>
-                                  <a:rPr lang="en-US" altLang="zh-CN" sz="2000" i="1" dirty="0">
+                                  <a:rPr lang="en-US" altLang="zh-CN" i="1" dirty="0">
                                     <a:latin typeface="Cambria Math" panose="02040503050406030204" pitchFamily="18" charset="0"/>
                                   </a:rPr>
                                 </m:ctrlPr>
                               </m:dPr>
                               <m:e>
                                 <m:r>
-                                  <a:rPr lang="en-US" altLang="zh-CN" sz="2000" dirty="0">
+                                  <m:rPr>
+                                    <m:sty m:val="p"/>
+                                  </m:rPr>
+                                  <a:rPr lang="en-US" altLang="zh-CN" i="1" dirty="0">
                                     <a:latin typeface="Cambria Math" panose="02040503050406030204" pitchFamily="18" charset="0"/>
                                   </a:rPr>
-                                  <m:t>𝑖</m:t>
+                                  <m:t>n</m:t>
                                 </m:r>
                               </m:e>
                             </m:d>
@@ -16211,63 +14847,59 @@
                       </m:e>
                     </m:d>
                     <m:r>
-                      <a:rPr lang="en-US" altLang="zh-CN" sz="2000" dirty="0">
+                      <a:rPr lang="en-US" altLang="zh-CN" dirty="0">
                         <a:latin typeface="Cambria Math" panose="02040503050406030204" pitchFamily="18" charset="0"/>
                       </a:rPr>
                       <m:t>, </m:t>
                     </m:r>
                     <m:r>
-                      <a:rPr lang="en-US" altLang="zh-CN" sz="2000" dirty="0">
+                      <a:rPr lang="en-US" altLang="zh-CN" dirty="0">
                         <a:latin typeface="Cambria Math" panose="02040503050406030204" pitchFamily="18" charset="0"/>
                       </a:rPr>
                       <m:t>𝑖</m:t>
                     </m:r>
                     <m:r>
-                      <a:rPr lang="en-US" altLang="zh-CN" sz="2000" dirty="0">
+                      <a:rPr lang="en-US" altLang="zh-CN" dirty="0">
                         <a:latin typeface="Cambria Math" panose="02040503050406030204" pitchFamily="18" charset="0"/>
                       </a:rPr>
                       <m:t>∈[1,</m:t>
                     </m:r>
                     <m:r>
-                      <a:rPr lang="en-US" altLang="zh-CN" sz="2000" dirty="0">
+                      <a:rPr lang="en-US" altLang="zh-CN" dirty="0">
                         <a:latin typeface="Cambria Math" panose="02040503050406030204" pitchFamily="18" charset="0"/>
                       </a:rPr>
                       <m:t>𝑁</m:t>
                     </m:r>
                     <m:r>
-                      <a:rPr lang="en-US" altLang="zh-CN" sz="2000" dirty="0">
+                      <a:rPr lang="en-US" altLang="zh-CN" dirty="0">
                         <a:latin typeface="Cambria Math" panose="02040503050406030204" pitchFamily="18" charset="0"/>
                       </a:rPr>
                       <m:t>]</m:t>
                     </m:r>
                   </m:oMath>
                 </a14:m>
-                <a:endParaRPr lang="en-US" altLang="zh-CN" sz="2000" dirty="0"/>
+                <a:endParaRPr lang="en-US" altLang="zh-CN" dirty="0"/>
               </a:p>
               <a:p>
                 <a:pPr lvl="1"/>
-                <a:endParaRPr lang="en-US" altLang="zh-CN" sz="2000" dirty="0"/>
+                <a:endParaRPr lang="en-US" altLang="zh-CN" dirty="0"/>
               </a:p>
               <a:p>
-                <a:endParaRPr lang="en-US" altLang="zh-CN" sz="2800" dirty="0"/>
+                <a:endParaRPr lang="en-US" altLang="zh-CN" dirty="0"/>
               </a:p>
               <a:p>
-                <a:endParaRPr lang="en-US" altLang="zh-CN" sz="2800" dirty="0">
-                  <a:solidFill>
-                    <a:srgbClr val="FF0000"/>
-                  </a:solidFill>
-                </a:endParaRPr>
+                <a:endParaRPr lang="en-US" altLang="zh-CN" dirty="0"/>
               </a:p>
               <a:p>
                 <a:r>
-                  <a:rPr lang="zh-CN" altLang="en-US" sz="2800" dirty="0">
+                  <a:rPr lang="zh-CN" altLang="en-US" dirty="0">
                     <a:solidFill>
                       <a:srgbClr val="FF0000"/>
                     </a:solidFill>
                   </a:rPr>
                   <a:t>经验风险最小化</a:t>
                 </a:r>
-                <a:endParaRPr lang="en-US" altLang="zh-CN" sz="2800" dirty="0">
+                <a:endParaRPr lang="en-US" altLang="zh-CN" dirty="0">
                   <a:solidFill>
                     <a:srgbClr val="FF0000"/>
                   </a:solidFill>
@@ -16276,40 +14908,43 @@
               <a:p>
                 <a:pPr lvl="1"/>
                 <a:r>
-                  <a:rPr lang="zh-CN" altLang="en-US" sz="2000" dirty="0"/>
+                  <a:rPr lang="zh-CN" altLang="en-US" dirty="0"/>
                   <a:t>在选择合适的风险函数后，我们寻找一个参数</a:t>
                 </a:r>
                 <a:r>
-                  <a:rPr lang="en-US" altLang="zh-CN" sz="2000" dirty="0"/>
+                  <a:rPr lang="en-US" altLang="zh-CN" dirty="0"/>
                   <a:t>θ</a:t>
                 </a:r>
                 <a:r>
-                  <a:rPr lang="en-US" altLang="zh-CN" sz="2000" baseline="30000" dirty="0"/>
+                  <a:rPr lang="en-US" altLang="zh-CN" baseline="30000" dirty="0"/>
                   <a:t>∗</a:t>
                 </a:r>
                 <a:r>
-                  <a:rPr lang="en-US" altLang="zh-CN" sz="2000" dirty="0"/>
+                  <a:rPr lang="en-US" altLang="zh-CN" dirty="0"/>
                   <a:t> </a:t>
                 </a:r>
                 <a:r>
-                  <a:rPr lang="zh-CN" altLang="en-US" sz="2000" dirty="0"/>
+                  <a:rPr lang="zh-CN" altLang="en-US" dirty="0"/>
                   <a:t>，使得经验风险函数最小化。</a:t>
                 </a:r>
-                <a:endParaRPr lang="en-US" altLang="zh-CN" sz="2000" dirty="0"/>
+                <a:endParaRPr lang="en-US" altLang="zh-CN" dirty="0"/>
               </a:p>
               <a:p>
-                <a:endParaRPr lang="en-US" altLang="zh-CN" sz="2800" dirty="0"/>
+                <a:endParaRPr lang="en-US" altLang="zh-CN" dirty="0"/>
               </a:p>
               <a:p>
-                <a:endParaRPr lang="en-US" altLang="zh-CN" sz="2800" dirty="0"/>
+                <a:pPr marL="0" indent="0">
+                  <a:buNone/>
+                </a:pPr>
+                <a:endParaRPr lang="en-US" altLang="zh-CN" dirty="0"/>
               </a:p>
               <a:p>
                 <a:r>
-                  <a:rPr lang="zh-CN" altLang="en-US" sz="2800" dirty="0"/>
+                  <a:rPr lang="zh-CN" altLang="en-US" dirty="0"/>
                   <a:t>机器学习问题转化成为一个</a:t>
                 </a:r>
                 <a:r>
-                  <a:rPr lang="zh-CN" altLang="en-US" sz="2800" dirty="0">
+                  <a:rPr lang="zh-CN" altLang="en-US" dirty="0">
                     <a:solidFill>
                       <a:srgbClr val="FF0000"/>
                     </a:solidFill>
@@ -16320,7 +14955,7 @@
             </p:txBody>
           </p:sp>
         </mc:Choice>
-        <mc:Fallback xmlns="">
+        <mc:Fallback>
           <p:sp>
             <p:nvSpPr>
               <p:cNvPr id="3" name="内容占位符 2"/>
@@ -16335,7 +14970,7 @@
               <a:blipFill>
                 <a:blip r:embed="rId2"/>
                 <a:stretch>
-                  <a:fillRect l="-741" t="-1235" r="-741" b="-2222"/>
+                  <a:fillRect l="-741" t="-1235" r="-963" b="-7284"/>
                 </a:stretch>
               </a:blipFill>
             </p:spPr>
@@ -16406,7 +15041,7 @@
         </p:blipFill>
         <p:spPr>
           <a:xfrm>
-            <a:off x="2286000" y="4572000"/>
+            <a:off x="2438400" y="4876800"/>
             <a:ext cx="3227673" cy="848148"/>
           </a:xfrm>
           <a:prstGeom prst="rect">
@@ -16417,7 +15052,7 @@
     </p:spTree>
     <p:extLst>
       <p:ext uri="{BB962C8B-B14F-4D97-AF65-F5344CB8AC3E}">
-        <p14:creationId xmlns:p14="http://schemas.microsoft.com/office/powerpoint/2010/main" val="326815446"/>
+        <p14:creationId xmlns:p14="http://schemas.microsoft.com/office/powerpoint/2010/main" val="2316915158"/>
       </p:ext>
     </p:extLst>
   </p:cSld>
@@ -16427,7 +15062,7 @@
 </p:sld>
 </file>
 
-<file path=ppt/slides/slide8.xml><?xml version="1.0" encoding="utf-8"?>
+<file path=ppt/slides/slide7.xml><?xml version="1.0" encoding="utf-8"?>
 <p:sld xmlns:a="http://schemas.openxmlformats.org/drawingml/2006/main" xmlns:r="http://schemas.openxmlformats.org/officeDocument/2006/relationships" xmlns:p="http://schemas.openxmlformats.org/presentationml/2006/main">
   <p:cSld>
     <p:spTree>
@@ -16623,7 +15258,7 @@
 </p:sld>
 </file>
 
-<file path=ppt/slides/slide9.xml><?xml version="1.0" encoding="utf-8"?>
+<file path=ppt/slides/slide8.xml><?xml version="1.0" encoding="utf-8"?>
 <p:sld xmlns:a="http://schemas.openxmlformats.org/drawingml/2006/main" xmlns:r="http://schemas.openxmlformats.org/officeDocument/2006/relationships" xmlns:p="http://schemas.openxmlformats.org/presentationml/2006/main">
   <p:cSld>
     <p:spTree>
@@ -16772,6 +15407,186 @@
     <p:extLst>
       <p:ext uri="{BB962C8B-B14F-4D97-AF65-F5344CB8AC3E}">
         <p14:creationId xmlns:p14="http://schemas.microsoft.com/office/powerpoint/2010/main" val="2729636745"/>
+      </p:ext>
+    </p:extLst>
+  </p:cSld>
+  <p:clrMapOvr>
+    <a:masterClrMapping/>
+  </p:clrMapOvr>
+</p:sld>
+</file>
+
+<file path=ppt/slides/slide9.xml><?xml version="1.0" encoding="utf-8"?>
+<p:sld xmlns:a="http://schemas.openxmlformats.org/drawingml/2006/main" xmlns:r="http://schemas.openxmlformats.org/officeDocument/2006/relationships" xmlns:p="http://schemas.openxmlformats.org/presentationml/2006/main">
+  <p:cSld>
+    <p:spTree>
+      <p:nvGrpSpPr>
+        <p:cNvPr id="1" name=""/>
+        <p:cNvGrpSpPr/>
+        <p:nvPr/>
+      </p:nvGrpSpPr>
+      <p:grpSpPr>
+        <a:xfrm>
+          <a:off x="0" y="0"/>
+          <a:ext cx="0" cy="0"/>
+          <a:chOff x="0" y="0"/>
+          <a:chExt cx="0" cy="0"/>
+        </a:xfrm>
+      </p:grpSpPr>
+      <p:sp>
+        <p:nvSpPr>
+          <p:cNvPr id="2" name="标题 1">
+            <a:extLst>
+              <a:ext uri="{FF2B5EF4-FFF2-40B4-BE49-F238E27FC236}">
+                <a16:creationId xmlns:a16="http://schemas.microsoft.com/office/drawing/2014/main" id="{B1E53FA7-7FB8-4D95-8FA4-C7D615F2E010}"/>
+              </a:ext>
+            </a:extLst>
+          </p:cNvPr>
+          <p:cNvSpPr>
+            <a:spLocks noGrp="1"/>
+          </p:cNvSpPr>
+          <p:nvPr>
+            <p:ph type="title"/>
+          </p:nvPr>
+        </p:nvSpPr>
+        <p:spPr/>
+        <p:txBody>
+          <a:bodyPr/>
+          <a:lstStyle/>
+          <a:p>
+            <a:r>
+              <a:rPr lang="zh-CN" altLang="en-US" dirty="0"/>
+              <a:t>最优化问题</a:t>
+            </a:r>
+          </a:p>
+        </p:txBody>
+      </p:sp>
+      <p:sp>
+        <p:nvSpPr>
+          <p:cNvPr id="3" name="内容占位符 2">
+            <a:extLst>
+              <a:ext uri="{FF2B5EF4-FFF2-40B4-BE49-F238E27FC236}">
+                <a16:creationId xmlns:a16="http://schemas.microsoft.com/office/drawing/2014/main" id="{DC8119A3-864A-4564-B3F8-34845335EA8C}"/>
+              </a:ext>
+            </a:extLst>
+          </p:cNvPr>
+          <p:cNvSpPr>
+            <a:spLocks noGrp="1"/>
+          </p:cNvSpPr>
+          <p:nvPr>
+            <p:ph sz="quarter" idx="1"/>
+          </p:nvPr>
+        </p:nvSpPr>
+        <p:spPr/>
+        <p:txBody>
+          <a:bodyPr/>
+          <a:lstStyle/>
+          <a:p>
+            <a:r>
+              <a:rPr lang="zh-CN" altLang="en-US" dirty="0"/>
+              <a:t>机器学习问题转化成为一个</a:t>
+            </a:r>
+            <a:r>
+              <a:rPr lang="zh-CN" altLang="en-US" dirty="0">
+                <a:solidFill>
+                  <a:srgbClr val="FF0000"/>
+                </a:solidFill>
+              </a:rPr>
+              <a:t>最优化问题</a:t>
+            </a:r>
+          </a:p>
+          <a:p>
+            <a:endParaRPr lang="zh-CN" altLang="en-US" dirty="0"/>
+          </a:p>
+        </p:txBody>
+      </p:sp>
+      <p:pic>
+        <p:nvPicPr>
+          <p:cNvPr id="5" name="图片 4">
+            <a:extLst>
+              <a:ext uri="{FF2B5EF4-FFF2-40B4-BE49-F238E27FC236}">
+                <a16:creationId xmlns:a16="http://schemas.microsoft.com/office/drawing/2014/main" id="{234B176D-1EA5-431A-97AD-7D714A6B2813}"/>
+              </a:ext>
+            </a:extLst>
+          </p:cNvPr>
+          <p:cNvPicPr>
+            <a:picLocks noChangeAspect="1"/>
+          </p:cNvPicPr>
+          <p:nvPr/>
+        </p:nvPicPr>
+        <p:blipFill>
+          <a:blip r:embed="rId2">
+            <a:extLst>
+              <a:ext uri="{28A0092B-C50C-407E-A947-70E740481C1C}">
+                <a14:useLocalDpi xmlns:a14="http://schemas.microsoft.com/office/drawing/2010/main" val="0"/>
+              </a:ext>
+            </a:extLst>
+          </a:blip>
+          <a:stretch>
+            <a:fillRect/>
+          </a:stretch>
+        </p:blipFill>
+        <p:spPr>
+          <a:xfrm>
+            <a:off x="3474725" y="5218375"/>
+            <a:ext cx="1981200" cy="630382"/>
+          </a:xfrm>
+          <a:prstGeom prst="rect">
+            <a:avLst/>
+          </a:prstGeom>
+        </p:spPr>
+      </p:pic>
+      <p:pic>
+        <p:nvPicPr>
+          <p:cNvPr id="2052" name="Picture 4" descr="https://qph.fs.quoracdn.net/main-qimg-f848fbbcbf279aadeacb7bd9850d5ed1">
+            <a:extLst>
+              <a:ext uri="{FF2B5EF4-FFF2-40B4-BE49-F238E27FC236}">
+                <a16:creationId xmlns:a16="http://schemas.microsoft.com/office/drawing/2014/main" id="{D00EB245-16DE-433A-81D1-900C3820FCC5}"/>
+              </a:ext>
+            </a:extLst>
+          </p:cNvPr>
+          <p:cNvPicPr>
+            <a:picLocks noChangeAspect="1" noChangeArrowheads="1"/>
+          </p:cNvPicPr>
+          <p:nvPr/>
+        </p:nvPicPr>
+        <p:blipFill>
+          <a:blip r:embed="rId3">
+            <a:extLst>
+              <a:ext uri="{28A0092B-C50C-407E-A947-70E740481C1C}">
+                <a14:useLocalDpi xmlns:a14="http://schemas.microsoft.com/office/drawing/2010/main" val="0"/>
+              </a:ext>
+            </a:extLst>
+          </a:blip>
+          <a:srcRect/>
+          <a:stretch>
+            <a:fillRect/>
+          </a:stretch>
+        </p:blipFill>
+        <p:spPr bwMode="auto">
+          <a:xfrm>
+            <a:off x="1219200" y="2072324"/>
+            <a:ext cx="6492251" cy="2608118"/>
+          </a:xfrm>
+          <a:prstGeom prst="rect">
+            <a:avLst/>
+          </a:prstGeom>
+          <a:noFill/>
+          <a:extLst>
+            <a:ext uri="{909E8E84-426E-40DD-AFC4-6F175D3DCCD1}">
+              <a14:hiddenFill xmlns:a14="http://schemas.microsoft.com/office/drawing/2010/main">
+                <a:solidFill>
+                  <a:srgbClr val="FFFFFF"/>
+                </a:solidFill>
+              </a14:hiddenFill>
+            </a:ext>
+          </a:extLst>
+        </p:spPr>
+      </p:pic>
+    </p:spTree>
+    <p:extLst>
+      <p:ext uri="{BB962C8B-B14F-4D97-AF65-F5344CB8AC3E}">
+        <p14:creationId xmlns:p14="http://schemas.microsoft.com/office/powerpoint/2010/main" val="91802028"/>
       </p:ext>
     </p:extLst>
   </p:cSld>

--- a/ppt/chap-机器学习概述.pptx
+++ b/ppt/chap-机器学习概述.pptx
@@ -3977,7 +3977,7 @@
               <a:pPr>
                 <a:defRPr/>
               </a:pPr>
-              <a:t>7/14/2019</a:t>
+              <a:t>7/25/2019</a:t>
             </a:fld>
             <a:endParaRPr lang="en-US" altLang="zh-CN"/>
           </a:p>
@@ -10626,7 +10626,7 @@
           <a:graphicData uri="http://schemas.openxmlformats.org/presentationml/2006/ole">
             <mc:AlternateContent xmlns:mc="http://schemas.openxmlformats.org/markup-compatibility/2006">
               <mc:Choice xmlns:v="urn:schemas-microsoft-com:vml" Requires="v">
-                <p:oleObj spid="_x0000_s1270" name="方程式" r:id="rId3" imgW="1790640" imgH="215640" progId="Equation.3">
+                <p:oleObj spid="_x0000_s1274" name="方程式" r:id="rId3" imgW="1790640" imgH="215640" progId="Equation.3">
                   <p:embed/>
                 </p:oleObj>
               </mc:Choice>
@@ -10692,7 +10692,7 @@
           <a:graphicData uri="http://schemas.openxmlformats.org/presentationml/2006/ole">
             <mc:AlternateContent xmlns:mc="http://schemas.openxmlformats.org/markup-compatibility/2006">
               <mc:Choice xmlns:v="urn:schemas-microsoft-com:vml" Requires="v">
-                <p:oleObj spid="_x0000_s1271" name="方程式" r:id="rId5" imgW="1790640" imgH="215640" progId="Equation.3">
+                <p:oleObj spid="_x0000_s1275" name="方程式" r:id="rId5" imgW="1790640" imgH="215640" progId="Equation.3">
                   <p:embed/>
                 </p:oleObj>
               </mc:Choice>
@@ -10758,7 +10758,7 @@
           <a:graphicData uri="http://schemas.openxmlformats.org/presentationml/2006/ole">
             <mc:AlternateContent xmlns:mc="http://schemas.openxmlformats.org/markup-compatibility/2006">
               <mc:Choice xmlns:v="urn:schemas-microsoft-com:vml" Requires="v">
-                <p:oleObj spid="_x0000_s1272" name="方程式" r:id="rId6" imgW="1790640" imgH="215640" progId="Equation.3">
+                <p:oleObj spid="_x0000_s1276" name="方程式" r:id="rId6" imgW="1790640" imgH="215640" progId="Equation.3">
                   <p:embed/>
                 </p:oleObj>
               </mc:Choice>
@@ -10824,7 +10824,7 @@
           <a:graphicData uri="http://schemas.openxmlformats.org/presentationml/2006/ole">
             <mc:AlternateContent xmlns:mc="http://schemas.openxmlformats.org/markup-compatibility/2006">
               <mc:Choice xmlns:v="urn:schemas-microsoft-com:vml" Requires="v">
-                <p:oleObj spid="_x0000_s1273" name="方程式" r:id="rId7" imgW="1676160" imgH="215640" progId="Equation.3">
+                <p:oleObj spid="_x0000_s1277" name="方程式" r:id="rId7" imgW="1676160" imgH="215640" progId="Equation.3">
                   <p:embed/>
                 </p:oleObj>
               </mc:Choice>
@@ -13950,10 +13950,43 @@
           <a:lstStyle/>
           <a:p>
             <a:r>
-              <a:rPr lang="zh-CN" altLang="en-US" dirty="0">
-                <a:hlinkClick r:id="rId2"/>
-              </a:rPr>
+              <a:rPr lang="zh-CN" altLang="en-US" dirty="0"/>
               <a:t>掌握知识点</a:t>
+            </a:r>
+          </a:p>
+          <a:p>
+            <a:pPr lvl="1"/>
+            <a:r>
+              <a:rPr lang="zh-CN" altLang="en-US" dirty="0"/>
+              <a:t>矩阵微分</a:t>
+            </a:r>
+          </a:p>
+          <a:p>
+            <a:pPr lvl="1"/>
+            <a:r>
+              <a:rPr lang="zh-CN" altLang="en-US" dirty="0"/>
+              <a:t>概率论</a:t>
+            </a:r>
+          </a:p>
+          <a:p>
+            <a:pPr lvl="1"/>
+            <a:r>
+              <a:rPr lang="zh-CN" altLang="en-US" dirty="0"/>
+              <a:t>信息论</a:t>
+            </a:r>
+          </a:p>
+          <a:p>
+            <a:pPr lvl="1"/>
+            <a:r>
+              <a:rPr lang="zh-CN" altLang="en-US" dirty="0"/>
+              <a:t>约束优化</a:t>
+            </a:r>
+            <a:endParaRPr lang="en-US" altLang="zh-CN" dirty="0"/>
+          </a:p>
+          <a:p>
+            <a:r>
+              <a:rPr lang="zh-CN" altLang="en-US" dirty="0"/>
+              <a:t>编程练习</a:t>
             </a:r>
             <a:endParaRPr lang="en-US" altLang="zh-CN" dirty="0">
               <a:hlinkClick r:id="rId2"/>
@@ -13962,71 +13995,14 @@
           <a:p>
             <a:pPr lvl="1"/>
             <a:r>
-              <a:rPr lang="zh-CN" altLang="en-US" dirty="0">
-                <a:hlinkClick r:id="rId2"/>
+              <a:rPr lang="en-US" altLang="zh-CN" dirty="0">
+                <a:hlinkClick r:id="rId3" tooltip="chap2_linear_regression"/>
               </a:rPr>
-              <a:t>矩阵微分</a:t>
+              <a:t>chap2_linear_regression</a:t>
             </a:r>
             <a:endParaRPr lang="en-US" altLang="zh-CN" dirty="0">
               <a:hlinkClick r:id="rId2"/>
             </a:endParaRPr>
-          </a:p>
-          <a:p>
-            <a:pPr lvl="1"/>
-            <a:r>
-              <a:rPr lang="zh-CN" altLang="en-US" dirty="0">
-                <a:hlinkClick r:id="rId2"/>
-              </a:rPr>
-              <a:t>概率论</a:t>
-            </a:r>
-            <a:endParaRPr lang="en-US" altLang="zh-CN" dirty="0">
-              <a:hlinkClick r:id="rId2"/>
-            </a:endParaRPr>
-          </a:p>
-          <a:p>
-            <a:pPr lvl="1"/>
-            <a:r>
-              <a:rPr lang="zh-CN" altLang="en-US" dirty="0">
-                <a:hlinkClick r:id="rId2"/>
-              </a:rPr>
-              <a:t>信息论</a:t>
-            </a:r>
-            <a:endParaRPr lang="en-US" altLang="zh-CN" dirty="0">
-              <a:hlinkClick r:id="rId2"/>
-            </a:endParaRPr>
-          </a:p>
-          <a:p>
-            <a:pPr lvl="1"/>
-            <a:r>
-              <a:rPr lang="zh-CN" altLang="en-US" dirty="0">
-                <a:hlinkClick r:id="rId2"/>
-              </a:rPr>
-              <a:t>约束优化</a:t>
-            </a:r>
-            <a:endParaRPr lang="en-US" altLang="zh-CN" dirty="0">
-              <a:hlinkClick r:id="rId2"/>
-            </a:endParaRPr>
-          </a:p>
-          <a:p>
-            <a:r>
-              <a:rPr lang="zh-CN" altLang="en-US" dirty="0">
-                <a:hlinkClick r:id="rId2"/>
-              </a:rPr>
-              <a:t>练习</a:t>
-            </a:r>
-            <a:endParaRPr lang="en-US" altLang="zh-CN" dirty="0">
-              <a:hlinkClick r:id="rId2"/>
-            </a:endParaRPr>
-          </a:p>
-          <a:p>
-            <a:pPr lvl="1"/>
-            <a:r>
-              <a:rPr lang="en-US" altLang="zh-CN" dirty="0">
-                <a:hlinkClick r:id="rId2"/>
-              </a:rPr>
-              <a:t>https://github.com/nndl/exercise/tree/master/for_chapter_3_linear_regression</a:t>
-            </a:r>
-            <a:endParaRPr lang="zh-CN" altLang="en-US" dirty="0"/>
           </a:p>
         </p:txBody>
       </p:sp>
@@ -14691,8 +14667,8 @@
           </a:p>
         </p:txBody>
       </p:sp>
-      <mc:AlternateContent xmlns:mc="http://schemas.openxmlformats.org/markup-compatibility/2006">
-        <mc:Choice xmlns:a14="http://schemas.microsoft.com/office/drawing/2010/main" Requires="a14">
+      <mc:AlternateContent xmlns:mc="http://schemas.openxmlformats.org/markup-compatibility/2006" xmlns:a14="http://schemas.microsoft.com/office/drawing/2010/main">
+        <mc:Choice Requires="a14">
           <p:sp>
             <p:nvSpPr>
               <p:cNvPr id="3" name="内容占位符 2"/>
@@ -14955,7 +14931,7 @@
             </p:txBody>
           </p:sp>
         </mc:Choice>
-        <mc:Fallback>
+        <mc:Fallback xmlns="">
           <p:sp>
             <p:nvSpPr>
               <p:cNvPr id="3" name="内容占位符 2"/>

--- a/ppt/chap-机器学习概述.pptx
+++ b/ppt/chap-机器学习概述.pptx
@@ -5,7 +5,7 @@
     <p:sldMasterId id="2147483756" r:id="rId1"/>
   </p:sldMasterIdLst>
   <p:notesMasterIdLst>
-    <p:notesMasterId r:id="rId34"/>
+    <p:notesMasterId r:id="rId36"/>
   </p:notesMasterIdLst>
   <p:sldIdLst>
     <p:sldId id="256" r:id="rId2"/>
@@ -38,8 +38,10 @@
     <p:sldId id="481" r:id="rId29"/>
     <p:sldId id="502" r:id="rId30"/>
     <p:sldId id="503" r:id="rId31"/>
-    <p:sldId id="711" r:id="rId32"/>
-    <p:sldId id="447" r:id="rId33"/>
+    <p:sldId id="712" r:id="rId32"/>
+    <p:sldId id="713" r:id="rId33"/>
+    <p:sldId id="711" r:id="rId34"/>
+    <p:sldId id="447" r:id="rId35"/>
   </p:sldIdLst>
   <p:sldSz cx="9144000" cy="6858000" type="screen4x3"/>
   <p:notesSz cx="6858000" cy="9144000"/>
@@ -203,6 +205,8 @@
             <p14:sldId id="481"/>
             <p14:sldId id="502"/>
             <p14:sldId id="503"/>
+            <p14:sldId id="712"/>
+            <p14:sldId id="713"/>
             <p14:sldId id="711"/>
             <p14:sldId id="447"/>
           </p14:sldIdLst>
@@ -10626,7 +10630,7 @@
           <a:graphicData uri="http://schemas.openxmlformats.org/presentationml/2006/ole">
             <mc:AlternateContent xmlns:mc="http://schemas.openxmlformats.org/markup-compatibility/2006">
               <mc:Choice xmlns:v="urn:schemas-microsoft-com:vml" Requires="v">
-                <p:oleObj spid="_x0000_s1274" name="方程式" r:id="rId3" imgW="1790640" imgH="215640" progId="Equation.3">
+                <p:oleObj spid="_x0000_s1282" name="方程式" r:id="rId3" imgW="1790640" imgH="215640" progId="Equation.3">
                   <p:embed/>
                 </p:oleObj>
               </mc:Choice>
@@ -10692,7 +10696,7 @@
           <a:graphicData uri="http://schemas.openxmlformats.org/presentationml/2006/ole">
             <mc:AlternateContent xmlns:mc="http://schemas.openxmlformats.org/markup-compatibility/2006">
               <mc:Choice xmlns:v="urn:schemas-microsoft-com:vml" Requires="v">
-                <p:oleObj spid="_x0000_s1275" name="方程式" r:id="rId5" imgW="1790640" imgH="215640" progId="Equation.3">
+                <p:oleObj spid="_x0000_s1283" name="方程式" r:id="rId5" imgW="1790640" imgH="215640" progId="Equation.3">
                   <p:embed/>
                 </p:oleObj>
               </mc:Choice>
@@ -10758,7 +10762,7 @@
           <a:graphicData uri="http://schemas.openxmlformats.org/presentationml/2006/ole">
             <mc:AlternateContent xmlns:mc="http://schemas.openxmlformats.org/markup-compatibility/2006">
               <mc:Choice xmlns:v="urn:schemas-microsoft-com:vml" Requires="v">
-                <p:oleObj spid="_x0000_s1276" name="方程式" r:id="rId6" imgW="1790640" imgH="215640" progId="Equation.3">
+                <p:oleObj spid="_x0000_s1284" name="方程式" r:id="rId6" imgW="1790640" imgH="215640" progId="Equation.3">
                   <p:embed/>
                 </p:oleObj>
               </mc:Choice>
@@ -10824,7 +10828,7 @@
           <a:graphicData uri="http://schemas.openxmlformats.org/presentationml/2006/ole">
             <mc:AlternateContent xmlns:mc="http://schemas.openxmlformats.org/markup-compatibility/2006">
               <mc:Choice xmlns:v="urn:schemas-microsoft-com:vml" Requires="v">
-                <p:oleObj spid="_x0000_s1277" name="方程式" r:id="rId7" imgW="1676160" imgH="215640" progId="Equation.3">
+                <p:oleObj spid="_x0000_s1285" name="方程式" r:id="rId7" imgW="1676160" imgH="215640" progId="Equation.3">
                   <p:embed/>
                 </p:oleObj>
               </mc:Choice>
@@ -13904,6 +13908,215 @@
           <p:cNvPr id="2" name="标题 1">
             <a:extLst>
               <a:ext uri="{FF2B5EF4-FFF2-40B4-BE49-F238E27FC236}">
+                <a16:creationId xmlns:a16="http://schemas.microsoft.com/office/drawing/2014/main" id="{8A32D3A5-4633-470B-8FAA-B256435103B8}"/>
+              </a:ext>
+            </a:extLst>
+          </p:cNvPr>
+          <p:cNvSpPr>
+            <a:spLocks noGrp="1"/>
+          </p:cNvSpPr>
+          <p:nvPr>
+            <p:ph type="ctrTitle"/>
+          </p:nvPr>
+        </p:nvSpPr>
+        <p:spPr/>
+        <p:txBody>
+          <a:bodyPr/>
+          <a:lstStyle/>
+          <a:p>
+            <a:r>
+              <a:rPr lang="zh-CN" altLang="en-US" dirty="0"/>
+              <a:t>常用的定理</a:t>
+            </a:r>
+          </a:p>
+        </p:txBody>
+      </p:sp>
+    </p:spTree>
+    <p:extLst>
+      <p:ext uri="{BB962C8B-B14F-4D97-AF65-F5344CB8AC3E}">
+        <p14:creationId xmlns:p14="http://schemas.microsoft.com/office/powerpoint/2010/main" val="4214661137"/>
+      </p:ext>
+    </p:extLst>
+  </p:cSld>
+  <p:clrMapOvr>
+    <a:masterClrMapping/>
+  </p:clrMapOvr>
+</p:sld>
+</file>
+
+<file path=ppt/slides/slide32.xml><?xml version="1.0" encoding="utf-8"?>
+<p:sld xmlns:a="http://schemas.openxmlformats.org/drawingml/2006/main" xmlns:r="http://schemas.openxmlformats.org/officeDocument/2006/relationships" xmlns:p="http://schemas.openxmlformats.org/presentationml/2006/main">
+  <p:cSld>
+    <p:spTree>
+      <p:nvGrpSpPr>
+        <p:cNvPr id="1" name=""/>
+        <p:cNvGrpSpPr/>
+        <p:nvPr/>
+      </p:nvGrpSpPr>
+      <p:grpSpPr>
+        <a:xfrm>
+          <a:off x="0" y="0"/>
+          <a:ext cx="0" cy="0"/>
+          <a:chOff x="0" y="0"/>
+          <a:chExt cx="0" cy="0"/>
+        </a:xfrm>
+      </p:grpSpPr>
+      <p:sp>
+        <p:nvSpPr>
+          <p:cNvPr id="3" name="标题 2">
+            <a:extLst>
+              <a:ext uri="{FF2B5EF4-FFF2-40B4-BE49-F238E27FC236}">
+                <a16:creationId xmlns:a16="http://schemas.microsoft.com/office/drawing/2014/main" id="{BDC66698-B80A-4D1B-8D74-401ECC133D24}"/>
+              </a:ext>
+            </a:extLst>
+          </p:cNvPr>
+          <p:cNvSpPr>
+            <a:spLocks noGrp="1"/>
+          </p:cNvSpPr>
+          <p:nvPr>
+            <p:ph type="title"/>
+          </p:nvPr>
+        </p:nvSpPr>
+        <p:spPr/>
+        <p:txBody>
+          <a:bodyPr/>
+          <a:lstStyle/>
+          <a:p>
+            <a:r>
+              <a:rPr lang="zh-CN" altLang="en-US" dirty="0"/>
+              <a:t>没有免费午餐定理（</a:t>
+            </a:r>
+            <a:r>
+              <a:rPr lang="en-US" altLang="zh-CN" dirty="0"/>
+              <a:t>No Free Lunch Theorem</a:t>
+            </a:r>
+            <a:r>
+              <a:rPr lang="zh-CN" altLang="en-US" dirty="0"/>
+              <a:t>，</a:t>
+            </a:r>
+            <a:r>
+              <a:rPr lang="en-US" altLang="zh-CN" dirty="0"/>
+              <a:t>NFL</a:t>
+            </a:r>
+            <a:r>
+              <a:rPr lang="zh-CN" altLang="en-US" dirty="0"/>
+              <a:t>）</a:t>
+            </a:r>
+            <a:endParaRPr lang="en-US" altLang="zh-CN" dirty="0"/>
+          </a:p>
+        </p:txBody>
+      </p:sp>
+      <p:sp>
+        <p:nvSpPr>
+          <p:cNvPr id="4" name="内容占位符 3">
+            <a:extLst>
+              <a:ext uri="{FF2B5EF4-FFF2-40B4-BE49-F238E27FC236}">
+                <a16:creationId xmlns:a16="http://schemas.microsoft.com/office/drawing/2014/main" id="{941630B4-0CEF-4C2F-8F32-30E389C98F00}"/>
+              </a:ext>
+            </a:extLst>
+          </p:cNvPr>
+          <p:cNvSpPr>
+            <a:spLocks noGrp="1"/>
+          </p:cNvSpPr>
+          <p:nvPr>
+            <p:ph sz="quarter" idx="1"/>
+          </p:nvPr>
+        </p:nvSpPr>
+        <p:spPr/>
+        <p:txBody>
+          <a:bodyPr/>
+          <a:lstStyle/>
+          <a:p>
+            <a:r>
+              <a:rPr lang="zh-CN" altLang="en-US" dirty="0"/>
+              <a:t>对于基于迭代的最优化算法，不存在某种算法对所有问题（有限的搜索空间内）都有效。如果一个算法对某些问题有效，那么它一定在另外一些问题上比纯随机搜索算法更差。</a:t>
+            </a:r>
+          </a:p>
+        </p:txBody>
+      </p:sp>
+      <p:pic>
+        <p:nvPicPr>
+          <p:cNvPr id="2050" name="Picture 2" descr="Image result for æ²¡æå+è´¹åé¤å®ç">
+            <a:extLst>
+              <a:ext uri="{FF2B5EF4-FFF2-40B4-BE49-F238E27FC236}">
+                <a16:creationId xmlns:a16="http://schemas.microsoft.com/office/drawing/2014/main" id="{549BE71C-35C6-4F66-A637-B5441F3B60F0}"/>
+              </a:ext>
+            </a:extLst>
+          </p:cNvPr>
+          <p:cNvPicPr>
+            <a:picLocks noChangeAspect="1" noChangeArrowheads="1"/>
+          </p:cNvPicPr>
+          <p:nvPr/>
+        </p:nvPicPr>
+        <p:blipFill>
+          <a:blip r:embed="rId2">
+            <a:extLst>
+              <a:ext uri="{28A0092B-C50C-407E-A947-70E740481C1C}">
+                <a14:useLocalDpi xmlns:a14="http://schemas.microsoft.com/office/drawing/2010/main" val="0"/>
+              </a:ext>
+            </a:extLst>
+          </a:blip>
+          <a:srcRect/>
+          <a:stretch>
+            <a:fillRect/>
+          </a:stretch>
+        </p:blipFill>
+        <p:spPr bwMode="auto">
+          <a:xfrm>
+            <a:off x="2514600" y="3400926"/>
+            <a:ext cx="3595688" cy="2693295"/>
+          </a:xfrm>
+          <a:prstGeom prst="rect">
+            <a:avLst/>
+          </a:prstGeom>
+          <a:noFill/>
+          <a:extLst>
+            <a:ext uri="{909E8E84-426E-40DD-AFC4-6F175D3DCCD1}">
+              <a14:hiddenFill xmlns:a14="http://schemas.microsoft.com/office/drawing/2010/main">
+                <a:solidFill>
+                  <a:srgbClr val="FFFFFF"/>
+                </a:solidFill>
+              </a14:hiddenFill>
+            </a:ext>
+          </a:extLst>
+        </p:spPr>
+      </p:pic>
+    </p:spTree>
+    <p:extLst>
+      <p:ext uri="{BB962C8B-B14F-4D97-AF65-F5344CB8AC3E}">
+        <p14:creationId xmlns:p14="http://schemas.microsoft.com/office/powerpoint/2010/main" val="1463019274"/>
+      </p:ext>
+    </p:extLst>
+  </p:cSld>
+  <p:clrMapOvr>
+    <a:masterClrMapping/>
+  </p:clrMapOvr>
+</p:sld>
+</file>
+
+<file path=ppt/slides/slide33.xml><?xml version="1.0" encoding="utf-8"?>
+<p:sld xmlns:a="http://schemas.openxmlformats.org/drawingml/2006/main" xmlns:r="http://schemas.openxmlformats.org/officeDocument/2006/relationships" xmlns:p="http://schemas.openxmlformats.org/presentationml/2006/main">
+  <p:cSld>
+    <p:spTree>
+      <p:nvGrpSpPr>
+        <p:cNvPr id="1" name=""/>
+        <p:cNvGrpSpPr/>
+        <p:nvPr/>
+      </p:nvGrpSpPr>
+      <p:grpSpPr>
+        <a:xfrm>
+          <a:off x="0" y="0"/>
+          <a:ext cx="0" cy="0"/>
+          <a:chOff x="0" y="0"/>
+          <a:chExt cx="0" cy="0"/>
+        </a:xfrm>
+      </p:grpSpPr>
+      <p:sp>
+        <p:nvSpPr>
+          <p:cNvPr id="2" name="标题 1">
+            <a:extLst>
+              <a:ext uri="{FF2B5EF4-FFF2-40B4-BE49-F238E27FC236}">
                 <a16:creationId xmlns:a16="http://schemas.microsoft.com/office/drawing/2014/main" id="{5B6B9AA1-8118-4327-9DA0-3691A0EB56B0}"/>
               </a:ext>
             </a:extLst>
@@ -14019,7 +14232,7 @@
 </p:sld>
 </file>
 
-<file path=ppt/slides/slide32.xml><?xml version="1.0" encoding="utf-8"?>
+<file path=ppt/slides/slide34.xml><?xml version="1.0" encoding="utf-8"?>
 <p:sld xmlns:a="http://schemas.openxmlformats.org/drawingml/2006/main" xmlns:r="http://schemas.openxmlformats.org/officeDocument/2006/relationships" xmlns:p="http://schemas.openxmlformats.org/presentationml/2006/main">
   <p:cSld>
     <p:spTree>

--- a/ppt/chap-机器学习概述.pptx
+++ b/ppt/chap-机器学习概述.pptx
@@ -5,7 +5,7 @@
     <p:sldMasterId id="2147483756" r:id="rId1"/>
   </p:sldMasterIdLst>
   <p:notesMasterIdLst>
-    <p:notesMasterId r:id="rId36"/>
+    <p:notesMasterId r:id="rId45"/>
   </p:notesMasterIdLst>
   <p:sldIdLst>
     <p:sldId id="256" r:id="rId2"/>
@@ -21,27 +21,36 @@
     <p:sldId id="486" r:id="rId12"/>
     <p:sldId id="487" r:id="rId13"/>
     <p:sldId id="483" r:id="rId14"/>
-    <p:sldId id="488" r:id="rId15"/>
-    <p:sldId id="473" r:id="rId16"/>
-    <p:sldId id="505" r:id="rId17"/>
-    <p:sldId id="474" r:id="rId18"/>
-    <p:sldId id="477" r:id="rId19"/>
-    <p:sldId id="478" r:id="rId20"/>
+    <p:sldId id="473" r:id="rId15"/>
+    <p:sldId id="505" r:id="rId16"/>
+    <p:sldId id="474" r:id="rId17"/>
+    <p:sldId id="477" r:id="rId18"/>
+    <p:sldId id="478" r:id="rId19"/>
+    <p:sldId id="488" r:id="rId20"/>
     <p:sldId id="496" r:id="rId21"/>
     <p:sldId id="709" r:id="rId22"/>
     <p:sldId id="498" r:id="rId23"/>
     <p:sldId id="710" r:id="rId24"/>
-    <p:sldId id="510" r:id="rId25"/>
-    <p:sldId id="499" r:id="rId26"/>
-    <p:sldId id="504" r:id="rId27"/>
-    <p:sldId id="480" r:id="rId28"/>
-    <p:sldId id="481" r:id="rId29"/>
-    <p:sldId id="502" r:id="rId30"/>
-    <p:sldId id="503" r:id="rId31"/>
-    <p:sldId id="712" r:id="rId32"/>
-    <p:sldId id="713" r:id="rId33"/>
-    <p:sldId id="711" r:id="rId34"/>
-    <p:sldId id="447" r:id="rId35"/>
+    <p:sldId id="719" r:id="rId25"/>
+    <p:sldId id="720" r:id="rId26"/>
+    <p:sldId id="722" r:id="rId27"/>
+    <p:sldId id="721" r:id="rId28"/>
+    <p:sldId id="714" r:id="rId29"/>
+    <p:sldId id="715" r:id="rId30"/>
+    <p:sldId id="716" r:id="rId31"/>
+    <p:sldId id="717" r:id="rId32"/>
+    <p:sldId id="718" r:id="rId33"/>
+    <p:sldId id="499" r:id="rId34"/>
+    <p:sldId id="510" r:id="rId35"/>
+    <p:sldId id="504" r:id="rId36"/>
+    <p:sldId id="480" r:id="rId37"/>
+    <p:sldId id="481" r:id="rId38"/>
+    <p:sldId id="502" r:id="rId39"/>
+    <p:sldId id="503" r:id="rId40"/>
+    <p:sldId id="712" r:id="rId41"/>
+    <p:sldId id="713" r:id="rId42"/>
+    <p:sldId id="711" r:id="rId43"/>
+    <p:sldId id="447" r:id="rId44"/>
   </p:sldIdLst>
   <p:sldSz cx="9144000" cy="6858000" type="screen4x3"/>
   <p:notesSz cx="6858000" cy="9144000"/>
@@ -188,18 +197,27 @@
             <p14:sldId id="486"/>
             <p14:sldId id="487"/>
             <p14:sldId id="483"/>
-            <p14:sldId id="488"/>
             <p14:sldId id="473"/>
             <p14:sldId id="505"/>
             <p14:sldId id="474"/>
             <p14:sldId id="477"/>
             <p14:sldId id="478"/>
+            <p14:sldId id="488"/>
             <p14:sldId id="496"/>
             <p14:sldId id="709"/>
             <p14:sldId id="498"/>
             <p14:sldId id="710"/>
+            <p14:sldId id="719"/>
+            <p14:sldId id="720"/>
+            <p14:sldId id="722"/>
+            <p14:sldId id="721"/>
+            <p14:sldId id="714"/>
+            <p14:sldId id="715"/>
+            <p14:sldId id="716"/>
+            <p14:sldId id="717"/>
+            <p14:sldId id="718"/>
+            <p14:sldId id="499"/>
             <p14:sldId id="510"/>
-            <p14:sldId id="499"/>
             <p14:sldId id="504"/>
             <p14:sldId id="480"/>
             <p14:sldId id="481"/>
@@ -3981,7 +3999,7 @@
               <a:pPr>
                 <a:defRPr/>
               </a:pPr>
-              <a:t>7/25/2019</a:t>
+              <a:t>9/19/2019</a:t>
             </a:fld>
             <a:endParaRPr lang="en-US" altLang="zh-CN"/>
           </a:p>
@@ -4750,7 +4768,7 @@
               <a:pPr>
                 <a:defRPr/>
               </a:pPr>
-              <a:t>17</a:t>
+              <a:t>16</a:t>
             </a:fld>
             <a:endParaRPr lang="en-US" altLang="zh-CN"/>
           </a:p>
@@ -4863,7 +4881,7 @@
               <a:pPr>
                 <a:defRPr/>
               </a:pPr>
-              <a:t>18</a:t>
+              <a:t>17</a:t>
             </a:fld>
             <a:endParaRPr lang="en-US" altLang="zh-CN"/>
           </a:p>
@@ -5066,7 +5084,7 @@
               <a:pPr>
                 <a:defRPr/>
               </a:pPr>
-              <a:t>27</a:t>
+              <a:t>36</a:t>
             </a:fld>
             <a:endParaRPr lang="en-US" altLang="zh-CN"/>
           </a:p>
@@ -5172,7 +5190,7 @@
               <a:pPr>
                 <a:defRPr/>
               </a:pPr>
-              <a:t>30</a:t>
+              <a:t>39</a:t>
             </a:fld>
             <a:endParaRPr lang="en-US" altLang="zh-CN"/>
           </a:p>
@@ -7985,7 +8003,15 @@
           <a:p>
             <a:r>
               <a:rPr lang="zh-CN" altLang="en-US" dirty="0"/>
-              <a:t>优化：梯度下降法</a:t>
+              <a:t>梯度下降法（</a:t>
+            </a:r>
+            <a:r>
+              <a:rPr lang="en-US" altLang="zh-CN" dirty="0"/>
+              <a:t> Gradient Descent </a:t>
+            </a:r>
+            <a:r>
+              <a:rPr lang="zh-CN" altLang="en-US" dirty="0"/>
+              <a:t>）</a:t>
             </a:r>
           </a:p>
         </p:txBody>
@@ -8013,8 +8039,8 @@
         </p:blipFill>
         <p:spPr bwMode="auto">
           <a:xfrm>
-            <a:off x="457200" y="1993771"/>
-            <a:ext cx="3857625" cy="3971925"/>
+            <a:off x="758825" y="1543373"/>
+            <a:ext cx="3129762" cy="3222496"/>
           </a:xfrm>
           <a:prstGeom prst="rect">
             <a:avLst/>
@@ -8054,8 +8080,8 @@
         </p:blipFill>
         <p:spPr bwMode="auto">
           <a:xfrm>
-            <a:off x="4822825" y="2024075"/>
-            <a:ext cx="3355975" cy="3328009"/>
+            <a:off x="5230876" y="1371600"/>
+            <a:ext cx="3048614" cy="3023209"/>
           </a:xfrm>
           <a:prstGeom prst="rect">
             <a:avLst/>
@@ -8072,6 +8098,88 @@
           </a:extLst>
         </p:spPr>
       </p:pic>
+      <p:pic>
+        <p:nvPicPr>
+          <p:cNvPr id="5" name="图片 4" descr="屏幕剪辑">
+            <a:extLst>
+              <a:ext uri="{FF2B5EF4-FFF2-40B4-BE49-F238E27FC236}">
+                <a16:creationId xmlns:a16="http://schemas.microsoft.com/office/drawing/2014/main" id="{3ECF805E-BB37-4D74-8900-0139FDD4BF8C}"/>
+              </a:ext>
+            </a:extLst>
+          </p:cNvPr>
+          <p:cNvPicPr>
+            <a:picLocks noChangeAspect="1"/>
+          </p:cNvPicPr>
+          <p:nvPr/>
+        </p:nvPicPr>
+        <p:blipFill>
+          <a:blip r:embed="rId4">
+            <a:extLst>
+              <a:ext uri="{28A0092B-C50C-407E-A947-70E740481C1C}">
+                <a14:useLocalDpi xmlns:a14="http://schemas.microsoft.com/office/drawing/2010/main"/>
+              </a:ext>
+            </a:extLst>
+          </a:blip>
+          <a:stretch>
+            <a:fillRect/>
+          </a:stretch>
+        </p:blipFill>
+        <p:spPr>
+          <a:xfrm>
+            <a:off x="2057400" y="5011259"/>
+            <a:ext cx="3468441" cy="1303575"/>
+          </a:xfrm>
+          <a:prstGeom prst="rect">
+            <a:avLst/>
+          </a:prstGeom>
+        </p:spPr>
+      </p:pic>
+      <p:sp>
+        <p:nvSpPr>
+          <p:cNvPr id="6" name="矩形 5">
+            <a:extLst>
+              <a:ext uri="{FF2B5EF4-FFF2-40B4-BE49-F238E27FC236}">
+                <a16:creationId xmlns:a16="http://schemas.microsoft.com/office/drawing/2014/main" id="{25B25AD8-6117-4EBF-B8BE-5F7805878416}"/>
+              </a:ext>
+            </a:extLst>
+          </p:cNvPr>
+          <p:cNvSpPr/>
+          <p:nvPr/>
+        </p:nvSpPr>
+        <p:spPr>
+          <a:xfrm>
+            <a:off x="4572000" y="4826593"/>
+            <a:ext cx="4800600" cy="369332"/>
+          </a:xfrm>
+          <a:prstGeom prst="rect">
+            <a:avLst/>
+          </a:prstGeom>
+        </p:spPr>
+        <p:txBody>
+          <a:bodyPr wrap="square">
+            <a:spAutoFit/>
+          </a:bodyPr>
+          <a:lstStyle/>
+          <a:p>
+            <a:r>
+              <a:rPr lang="zh-CN" altLang="en-US" dirty="0"/>
+              <a:t>搜索步长α中也叫作</a:t>
+            </a:r>
+            <a:r>
+              <a:rPr lang="zh-CN" altLang="en-US" dirty="0">
+                <a:solidFill>
+                  <a:srgbClr val="FF0000"/>
+                </a:solidFill>
+              </a:rPr>
+              <a:t>学习率</a:t>
+            </a:r>
+            <a:r>
+              <a:rPr lang="zh-CN" altLang="en-US" dirty="0"/>
+              <a:t>（Learning Rate）</a:t>
+            </a:r>
+          </a:p>
+        </p:txBody>
+      </p:sp>
     </p:spTree>
     <p:extLst>
       <p:ext uri="{BB962C8B-B14F-4D97-AF65-F5344CB8AC3E}">
@@ -8119,7 +8227,7 @@
           <a:p>
             <a:r>
               <a:rPr lang="zh-CN" altLang="en-US" dirty="0"/>
-              <a:t>批量梯度下降法</a:t>
+              <a:t>学习率是十分重要的超参数！</a:t>
             </a:r>
           </a:p>
         </p:txBody>
@@ -8148,69 +8256,94 @@
         </p:blipFill>
         <p:spPr>
           <a:xfrm>
-            <a:off x="4772025" y="1828800"/>
-            <a:ext cx="4371975" cy="3943350"/>
+            <a:off x="3352800" y="3922745"/>
+            <a:ext cx="2786270" cy="2513106"/>
           </a:xfrm>
         </p:spPr>
       </p:pic>
       <p:pic>
         <p:nvPicPr>
-          <p:cNvPr id="6" name="图片 5" descr="屏幕剪辑"/>
+          <p:cNvPr id="8" name="Picture 2" descr="Goldilocks of learning rates">
+            <a:extLst>
+              <a:ext uri="{FF2B5EF4-FFF2-40B4-BE49-F238E27FC236}">
+                <a16:creationId xmlns:a16="http://schemas.microsoft.com/office/drawing/2014/main" id="{B7BE837F-7116-42B7-BCA8-A881B17871D0}"/>
+              </a:ext>
+            </a:extLst>
+          </p:cNvPr>
           <p:cNvPicPr>
-            <a:picLocks noChangeAspect="1"/>
+            <a:picLocks noChangeAspect="1" noChangeArrowheads="1"/>
           </p:cNvPicPr>
           <p:nvPr/>
         </p:nvPicPr>
         <p:blipFill>
-          <a:blip r:embed="rId3">
+          <a:blip r:embed="rId3" cstate="print">
             <a:extLst>
               <a:ext uri="{28A0092B-C50C-407E-A947-70E740481C1C}">
-                <a14:useLocalDpi xmlns:a14="http://schemas.microsoft.com/office/drawing/2010/main"/>
+                <a14:useLocalDpi xmlns:a14="http://schemas.microsoft.com/office/drawing/2010/main" val="0"/>
               </a:ext>
             </a:extLst>
           </a:blip>
+          <a:srcRect/>
           <a:stretch>
             <a:fillRect/>
           </a:stretch>
         </p:blipFill>
-        <p:spPr>
+        <p:spPr bwMode="auto">
           <a:xfrm>
-            <a:off x="457200" y="1808584"/>
-            <a:ext cx="4258269" cy="1600423"/>
+            <a:off x="1905000" y="1333237"/>
+            <a:ext cx="6152827" cy="2386356"/>
           </a:xfrm>
           <a:prstGeom prst="rect">
             <a:avLst/>
           </a:prstGeom>
+          <a:noFill/>
+          <a:extLst>
+            <a:ext uri="{909E8E84-426E-40DD-AFC4-6F175D3DCCD1}">
+              <a14:hiddenFill xmlns:a14="http://schemas.microsoft.com/office/drawing/2010/main">
+                <a:solidFill>
+                  <a:srgbClr val="FFFFFF"/>
+                </a:solidFill>
+              </a14:hiddenFill>
+            </a:ext>
+          </a:extLst>
         </p:spPr>
       </p:pic>
-      <p:sp>
-        <p:nvSpPr>
-          <p:cNvPr id="7" name="矩形 6"/>
-          <p:cNvSpPr/>
+      <p:cxnSp>
+        <p:nvCxnSpPr>
+          <p:cNvPr id="5" name="直接连接符 4">
+            <a:extLst>
+              <a:ext uri="{FF2B5EF4-FFF2-40B4-BE49-F238E27FC236}">
+                <a16:creationId xmlns:a16="http://schemas.microsoft.com/office/drawing/2014/main" id="{3CD3507E-4DC7-41BF-A0F6-5E7CF3B1F0D6}"/>
+              </a:ext>
+            </a:extLst>
+          </p:cNvPr>
+          <p:cNvCxnSpPr/>
           <p:nvPr/>
-        </p:nvSpPr>
+        </p:nvCxnSpPr>
         <p:spPr>
           <a:xfrm>
-            <a:off x="300334" y="4419600"/>
-            <a:ext cx="4572000" cy="954107"/>
+            <a:off x="783535" y="3719593"/>
+            <a:ext cx="7772400" cy="0"/>
           </a:xfrm>
-          <a:prstGeom prst="rect">
+          <a:prstGeom prst="line">
             <a:avLst/>
           </a:prstGeom>
         </p:spPr>
-        <p:txBody>
-          <a:bodyPr>
-            <a:spAutoFit/>
-          </a:bodyPr>
-          <a:lstStyle/>
-          <a:p>
-            <a:r>
-              <a:rPr lang="zh-CN" altLang="en-US" sz="2800" dirty="0"/>
-              <a:t>搜索步长α中也叫作学习率（Learning Rate）</a:t>
-            </a:r>
-          </a:p>
-        </p:txBody>
-      </p:sp>
+        <p:style>
+          <a:lnRef idx="1">
+            <a:schemeClr val="accent1"/>
+          </a:lnRef>
+          <a:fillRef idx="0">
+            <a:schemeClr val="accent1"/>
+          </a:fillRef>
+          <a:effectRef idx="0">
+            <a:schemeClr val="accent1"/>
+          </a:effectRef>
+          <a:fontRef idx="minor">
+            <a:schemeClr val="tx1"/>
+          </a:fontRef>
+        </p:style>
+      </p:cxnSp>
     </p:spTree>
     <p:extLst>
       <p:ext uri="{BB962C8B-B14F-4D97-AF65-F5344CB8AC3E}">
@@ -8318,7 +8451,7 @@
               <a:t>小批量（</a:t>
             </a:r>
             <a:r>
-              <a:rPr lang="en-US" altLang="zh-CN"/>
+              <a:rPr lang="en-US" altLang="zh-CN" dirty="0"/>
               <a:t>Mini-Batch</a:t>
             </a:r>
             <a:r>
@@ -8350,7 +8483,7 @@
         </p:blipFill>
         <p:spPr>
           <a:xfrm>
-            <a:off x="1981200" y="3048000"/>
+            <a:off x="2362200" y="2667000"/>
             <a:ext cx="4219303" cy="914400"/>
           </a:xfrm>
           <a:prstGeom prst="rect">
@@ -8412,13 +8545,17 @@
       </p:sp>
       <p:pic>
         <p:nvPicPr>
-          <p:cNvPr id="4" name="内容占位符 3" descr="屏幕剪辑"/>
+          <p:cNvPr id="5" name="图片 4">
+            <a:extLst>
+              <a:ext uri="{FF2B5EF4-FFF2-40B4-BE49-F238E27FC236}">
+                <a16:creationId xmlns:a16="http://schemas.microsoft.com/office/drawing/2014/main" id="{BA5ED8D7-8712-49FF-911A-87C282C6E77F}"/>
+              </a:ext>
+            </a:extLst>
+          </p:cNvPr>
           <p:cNvPicPr>
-            <a:picLocks noGrp="1" noChangeAspect="1"/>
+            <a:picLocks noChangeAspect="1"/>
           </p:cNvPicPr>
-          <p:nvPr>
-            <p:ph sz="quarter" idx="4294967295"/>
-          </p:nvPr>
+          <p:nvPr/>
         </p:nvPicPr>
         <p:blipFill>
           <a:blip r:embed="rId2">
@@ -8434,11 +8571,111 @@
         </p:blipFill>
         <p:spPr>
           <a:xfrm>
-            <a:off x="533400" y="1752600"/>
-            <a:ext cx="7315200" cy="4221340"/>
+            <a:off x="1600200" y="1752600"/>
+            <a:ext cx="5221559" cy="3211322"/>
           </a:xfrm>
+          <a:prstGeom prst="rect">
+            <a:avLst/>
+          </a:prstGeom>
         </p:spPr>
       </p:pic>
+      <p:sp>
+        <p:nvSpPr>
+          <p:cNvPr id="6" name="矩形 5">
+            <a:extLst>
+              <a:ext uri="{FF2B5EF4-FFF2-40B4-BE49-F238E27FC236}">
+                <a16:creationId xmlns:a16="http://schemas.microsoft.com/office/drawing/2014/main" id="{10B65755-16B3-445F-A299-45036EEB96AC}"/>
+              </a:ext>
+            </a:extLst>
+          </p:cNvPr>
+          <p:cNvSpPr/>
+          <p:nvPr/>
+        </p:nvSpPr>
+        <p:spPr>
+          <a:xfrm>
+            <a:off x="2590800" y="4343400"/>
+            <a:ext cx="3124200" cy="381000"/>
+          </a:xfrm>
+          <a:prstGeom prst="rect">
+            <a:avLst/>
+          </a:prstGeom>
+          <a:noFill/>
+        </p:spPr>
+        <p:style>
+          <a:lnRef idx="2">
+            <a:schemeClr val="accent2"/>
+          </a:lnRef>
+          <a:fillRef idx="1">
+            <a:schemeClr val="lt1"/>
+          </a:fillRef>
+          <a:effectRef idx="0">
+            <a:schemeClr val="accent2"/>
+          </a:effectRef>
+          <a:fontRef idx="minor">
+            <a:schemeClr val="dk1"/>
+          </a:fontRef>
+        </p:style>
+        <p:txBody>
+          <a:bodyPr wrap="none" rtlCol="0" anchor="ctr">
+            <a:spAutoFit/>
+          </a:bodyPr>
+          <a:lstStyle/>
+          <a:p>
+            <a:pPr algn="ctr"/>
+            <a:endParaRPr lang="zh-CN" altLang="en-US" sz="2400" dirty="0"/>
+          </a:p>
+        </p:txBody>
+      </p:sp>
+      <p:sp>
+        <p:nvSpPr>
+          <p:cNvPr id="7" name="爆炸形: 8 pt  6">
+            <a:extLst>
+              <a:ext uri="{FF2B5EF4-FFF2-40B4-BE49-F238E27FC236}">
+                <a16:creationId xmlns:a16="http://schemas.microsoft.com/office/drawing/2014/main" id="{2A9221C0-8547-41B7-A5CC-58ACE5324E79}"/>
+              </a:ext>
+            </a:extLst>
+          </p:cNvPr>
+          <p:cNvSpPr/>
+          <p:nvPr/>
+        </p:nvSpPr>
+        <p:spPr>
+          <a:xfrm>
+            <a:off x="5959973" y="3505200"/>
+            <a:ext cx="1723571" cy="1296591"/>
+          </a:xfrm>
+          <a:prstGeom prst="irregularSeal1">
+            <a:avLst/>
+          </a:prstGeom>
+        </p:spPr>
+        <p:style>
+          <a:lnRef idx="2">
+            <a:schemeClr val="accent2"/>
+          </a:lnRef>
+          <a:fillRef idx="1">
+            <a:schemeClr val="lt1"/>
+          </a:fillRef>
+          <a:effectRef idx="0">
+            <a:schemeClr val="accent2"/>
+          </a:effectRef>
+          <a:fontRef idx="minor">
+            <a:schemeClr val="dk1"/>
+          </a:fontRef>
+        </p:style>
+        <p:txBody>
+          <a:bodyPr wrap="none" rtlCol="0" anchor="ctr">
+            <a:spAutoFit/>
+          </a:bodyPr>
+          <a:lstStyle/>
+          <a:p>
+            <a:pPr algn="ctr"/>
+            <a:r>
+              <a:rPr lang="en-US" altLang="zh-CN" sz="2400" dirty="0"/>
+              <a:t>Why?</a:t>
+            </a:r>
+            <a:endParaRPr lang="zh-CN" altLang="en-US" sz="2400" dirty="0"/>
+          </a:p>
+        </p:txBody>
+      </p:sp>
     </p:spTree>
     <p:extLst>
       <p:ext uri="{BB962C8B-B14F-4D97-AF65-F5344CB8AC3E}">
@@ -8449,122 +8686,132 @@
   <p:clrMapOvr>
     <a:masterClrMapping/>
   </p:clrMapOvr>
+  <p:timing>
+    <p:tnLst>
+      <p:par>
+        <p:cTn id="1" dur="indefinite" restart="never" nodeType="tmRoot">
+          <p:childTnLst>
+            <p:seq concurrent="1" nextAc="seek">
+              <p:cTn id="2" dur="indefinite" nodeType="mainSeq">
+                <p:childTnLst>
+                  <p:par>
+                    <p:cTn id="3" fill="hold">
+                      <p:stCondLst>
+                        <p:cond delay="indefinite"/>
+                      </p:stCondLst>
+                      <p:childTnLst>
+                        <p:par>
+                          <p:cTn id="4" fill="hold">
+                            <p:stCondLst>
+                              <p:cond delay="0"/>
+                            </p:stCondLst>
+                            <p:childTnLst>
+                              <p:par>
+                                <p:cTn id="5" presetID="10" presetClass="entr" presetSubtype="0" fill="hold" grpId="0" nodeType="clickEffect">
+                                  <p:stCondLst>
+                                    <p:cond delay="0"/>
+                                  </p:stCondLst>
+                                  <p:childTnLst>
+                                    <p:set>
+                                      <p:cBhvr>
+                                        <p:cTn id="6" dur="1" fill="hold">
+                                          <p:stCondLst>
+                                            <p:cond delay="0"/>
+                                          </p:stCondLst>
+                                        </p:cTn>
+                                        <p:tgtEl>
+                                          <p:spTgt spid="7"/>
+                                        </p:tgtEl>
+                                        <p:attrNameLst>
+                                          <p:attrName>style.visibility</p:attrName>
+                                        </p:attrNameLst>
+                                      </p:cBhvr>
+                                      <p:to>
+                                        <p:strVal val="visible"/>
+                                      </p:to>
+                                    </p:set>
+                                    <p:animEffect transition="in" filter="fade">
+                                      <p:cBhvr>
+                                        <p:cTn id="7" dur="500"/>
+                                        <p:tgtEl>
+                                          <p:spTgt spid="7"/>
+                                        </p:tgtEl>
+                                      </p:cBhvr>
+                                    </p:animEffect>
+                                  </p:childTnLst>
+                                </p:cTn>
+                              </p:par>
+                              <p:par>
+                                <p:cTn id="8" presetID="10" presetClass="entr" presetSubtype="0" fill="hold" grpId="0" nodeType="withEffect">
+                                  <p:stCondLst>
+                                    <p:cond delay="0"/>
+                                  </p:stCondLst>
+                                  <p:childTnLst>
+                                    <p:set>
+                                      <p:cBhvr>
+                                        <p:cTn id="9" dur="1" fill="hold">
+                                          <p:stCondLst>
+                                            <p:cond delay="0"/>
+                                          </p:stCondLst>
+                                        </p:cTn>
+                                        <p:tgtEl>
+                                          <p:spTgt spid="6"/>
+                                        </p:tgtEl>
+                                        <p:attrNameLst>
+                                          <p:attrName>style.visibility</p:attrName>
+                                        </p:attrNameLst>
+                                      </p:cBhvr>
+                                      <p:to>
+                                        <p:strVal val="visible"/>
+                                      </p:to>
+                                    </p:set>
+                                    <p:animEffect transition="in" filter="fade">
+                                      <p:cBhvr>
+                                        <p:cTn id="10" dur="500"/>
+                                        <p:tgtEl>
+                                          <p:spTgt spid="6"/>
+                                        </p:tgtEl>
+                                      </p:cBhvr>
+                                    </p:animEffect>
+                                  </p:childTnLst>
+                                </p:cTn>
+                              </p:par>
+                            </p:childTnLst>
+                          </p:cTn>
+                        </p:par>
+                      </p:childTnLst>
+                    </p:cTn>
+                  </p:par>
+                </p:childTnLst>
+              </p:cTn>
+              <p:prevCondLst>
+                <p:cond evt="onPrev" delay="0">
+                  <p:tgtEl>
+                    <p:sldTgt/>
+                  </p:tgtEl>
+                </p:cond>
+              </p:prevCondLst>
+              <p:nextCondLst>
+                <p:cond evt="onNext" delay="0">
+                  <p:tgtEl>
+                    <p:sldTgt/>
+                  </p:tgtEl>
+                </p:cond>
+              </p:nextCondLst>
+            </p:seq>
+          </p:childTnLst>
+        </p:cTn>
+      </p:par>
+    </p:tnLst>
+    <p:bldLst>
+      <p:bldP spid="6" grpId="0" animBg="1"/>
+      <p:bldP spid="7" grpId="0" animBg="1"/>
+    </p:bldLst>
+  </p:timing>
 </p:sld>
 </file>
 
 <file path=ppt/slides/slide14.xml><?xml version="1.0" encoding="utf-8"?>
-<p:sld xmlns:a="http://schemas.openxmlformats.org/drawingml/2006/main" xmlns:r="http://schemas.openxmlformats.org/officeDocument/2006/relationships" xmlns:p="http://schemas.openxmlformats.org/presentationml/2006/main">
-  <p:cSld>
-    <p:spTree>
-      <p:nvGrpSpPr>
-        <p:cNvPr id="1" name=""/>
-        <p:cNvGrpSpPr/>
-        <p:nvPr/>
-      </p:nvGrpSpPr>
-      <p:grpSpPr>
-        <a:xfrm>
-          <a:off x="0" y="0"/>
-          <a:ext cx="0" cy="0"/>
-          <a:chOff x="0" y="0"/>
-          <a:chExt cx="0" cy="0"/>
-        </a:xfrm>
-      </p:grpSpPr>
-      <p:sp>
-        <p:nvSpPr>
-          <p:cNvPr id="2" name="标题 1"/>
-          <p:cNvSpPr>
-            <a:spLocks noGrp="1"/>
-          </p:cNvSpPr>
-          <p:nvPr>
-            <p:ph type="title"/>
-          </p:nvPr>
-        </p:nvSpPr>
-        <p:spPr/>
-        <p:txBody>
-          <a:bodyPr/>
-          <a:lstStyle/>
-          <a:p>
-            <a:r>
-              <a:rPr lang="zh-CN" altLang="en-US" dirty="0"/>
-              <a:t>提前停止</a:t>
-            </a:r>
-          </a:p>
-        </p:txBody>
-      </p:sp>
-      <p:sp>
-        <p:nvSpPr>
-          <p:cNvPr id="3" name="内容占位符 2"/>
-          <p:cNvSpPr>
-            <a:spLocks noGrp="1"/>
-          </p:cNvSpPr>
-          <p:nvPr>
-            <p:ph sz="quarter" idx="1"/>
-          </p:nvPr>
-        </p:nvSpPr>
-        <p:spPr/>
-        <p:txBody>
-          <a:bodyPr/>
-          <a:lstStyle/>
-          <a:p>
-            <a:r>
-              <a:rPr lang="zh-CN" altLang="en-US" dirty="0"/>
-              <a:t>我们使用一个验证集（</a:t>
-            </a:r>
-            <a:r>
-              <a:rPr lang="en-US" altLang="zh-CN" dirty="0"/>
-              <a:t>Validation Dataset</a:t>
-            </a:r>
-            <a:r>
-              <a:rPr lang="zh-CN" altLang="en-US" dirty="0"/>
-              <a:t>）来测试每一次迭代的参数在验证集上是否最优。如果在验证集上的错误率不再下降，就停止迭代。</a:t>
-            </a:r>
-          </a:p>
-        </p:txBody>
-      </p:sp>
-      <p:pic>
-        <p:nvPicPr>
-          <p:cNvPr id="4" name="图片 3" descr="屏幕剪辑"/>
-          <p:cNvPicPr>
-            <a:picLocks noChangeAspect="1"/>
-          </p:cNvPicPr>
-          <p:nvPr/>
-        </p:nvPicPr>
-        <p:blipFill>
-          <a:blip r:embed="rId2">
-            <a:extLst>
-              <a:ext uri="{28A0092B-C50C-407E-A947-70E740481C1C}">
-                <a14:useLocalDpi xmlns:a14="http://schemas.microsoft.com/office/drawing/2010/main"/>
-              </a:ext>
-            </a:extLst>
-          </a:blip>
-          <a:stretch>
-            <a:fillRect/>
-          </a:stretch>
-        </p:blipFill>
-        <p:spPr>
-          <a:xfrm>
-            <a:off x="2438400" y="3052886"/>
-            <a:ext cx="3906056" cy="3164723"/>
-          </a:xfrm>
-          <a:prstGeom prst="rect">
-            <a:avLst/>
-          </a:prstGeom>
-        </p:spPr>
-      </p:pic>
-    </p:spTree>
-    <p:extLst>
-      <p:ext uri="{BB962C8B-B14F-4D97-AF65-F5344CB8AC3E}">
-        <p14:creationId xmlns:p14="http://schemas.microsoft.com/office/powerpoint/2010/main" val="2550150695"/>
-      </p:ext>
-    </p:extLst>
-  </p:cSld>
-  <p:clrMapOvr>
-    <a:masterClrMapping/>
-  </p:clrMapOvr>
-</p:sld>
-</file>
-
-<file path=ppt/slides/slide15.xml><?xml version="1.0" encoding="utf-8"?>
 <p:sld xmlns:a="http://schemas.openxmlformats.org/drawingml/2006/main" xmlns:r="http://schemas.openxmlformats.org/officeDocument/2006/relationships" xmlns:p="http://schemas.openxmlformats.org/presentationml/2006/main">
   <p:cSld>
     <p:spTree>
@@ -8971,7 +9218,7 @@
 </p:sld>
 </file>
 
-<file path=ppt/slides/slide16.xml><?xml version="1.0" encoding="utf-8"?>
+<file path=ppt/slides/slide15.xml><?xml version="1.0" encoding="utf-8"?>
 <p:sld xmlns:a="http://schemas.openxmlformats.org/drawingml/2006/main" xmlns:r="http://schemas.openxmlformats.org/officeDocument/2006/relationships" xmlns:p="http://schemas.openxmlformats.org/presentationml/2006/main">
   <p:cSld>
     <p:spTree>
@@ -9095,7 +9342,7 @@
 </p:sld>
 </file>
 
-<file path=ppt/slides/slide17.xml><?xml version="1.0" encoding="utf-8"?>
+<file path=ppt/slides/slide16.xml><?xml version="1.0" encoding="utf-8"?>
 <p:sld xmlns:a="http://schemas.openxmlformats.org/drawingml/2006/main" xmlns:r="http://schemas.openxmlformats.org/officeDocument/2006/relationships" xmlns:p="http://schemas.openxmlformats.org/presentationml/2006/main">
   <p:cSld>
     <p:spTree>
@@ -9614,7 +9861,7 @@
 </p:sld>
 </file>
 
-<file path=ppt/slides/slide18.xml><?xml version="1.0" encoding="utf-8"?>
+<file path=ppt/slides/slide17.xml><?xml version="1.0" encoding="utf-8"?>
 <p:sld xmlns:a="http://schemas.openxmlformats.org/drawingml/2006/main" xmlns:r="http://schemas.openxmlformats.org/officeDocument/2006/relationships" xmlns:p="http://schemas.openxmlformats.org/presentationml/2006/main">
   <p:cSld>
     <p:spTree>
@@ -9821,7 +10068,7 @@
 </p:sld>
 </file>
 
-<file path=ppt/slides/slide19.xml><?xml version="1.0" encoding="utf-8"?>
+<file path=ppt/slides/slide18.xml><?xml version="1.0" encoding="utf-8"?>
 <p:sld xmlns:a="http://schemas.openxmlformats.org/drawingml/2006/main" xmlns:r="http://schemas.openxmlformats.org/officeDocument/2006/relationships" xmlns:p="http://schemas.openxmlformats.org/presentationml/2006/main">
   <p:cSld>
     <p:spTree>
@@ -9930,36 +10177,6 @@
           </a:extLst>
         </p:spPr>
       </p:pic>
-      <p:pic>
-        <p:nvPicPr>
-          <p:cNvPr id="8" name="图片 7" descr="屏幕剪辑"/>
-          <p:cNvPicPr>
-            <a:picLocks noChangeAspect="1"/>
-          </p:cNvPicPr>
-          <p:nvPr/>
-        </p:nvPicPr>
-        <p:blipFill>
-          <a:blip r:embed="rId8">
-            <a:extLst>
-              <a:ext uri="{28A0092B-C50C-407E-A947-70E740481C1C}">
-                <a14:useLocalDpi xmlns:a14="http://schemas.microsoft.com/office/drawing/2010/main"/>
-              </a:ext>
-            </a:extLst>
-          </a:blip>
-          <a:stretch>
-            <a:fillRect/>
-          </a:stretch>
-        </p:blipFill>
-        <p:spPr>
-          <a:xfrm>
-            <a:off x="5181403" y="3657600"/>
-            <a:ext cx="3048197" cy="2469678"/>
-          </a:xfrm>
-          <a:prstGeom prst="rect">
-            <a:avLst/>
-          </a:prstGeom>
-        </p:spPr>
-      </p:pic>
       <p:sp>
         <p:nvSpPr>
           <p:cNvPr id="2" name="文本框 1"/>
@@ -10048,6 +10265,42 @@
           </a:p>
         </p:txBody>
       </p:sp>
+      <p:pic>
+        <p:nvPicPr>
+          <p:cNvPr id="9" name="图片 8">
+            <a:extLst>
+              <a:ext uri="{FF2B5EF4-FFF2-40B4-BE49-F238E27FC236}">
+                <a16:creationId xmlns:a16="http://schemas.microsoft.com/office/drawing/2014/main" id="{91201476-BF74-4A7A-864E-DA3D2C0D2CFF}"/>
+              </a:ext>
+            </a:extLst>
+          </p:cNvPr>
+          <p:cNvPicPr>
+            <a:picLocks noChangeAspect="1"/>
+          </p:cNvPicPr>
+          <p:nvPr/>
+        </p:nvPicPr>
+        <p:blipFill>
+          <a:blip r:embed="rId8">
+            <a:extLst>
+              <a:ext uri="{28A0092B-C50C-407E-A947-70E740481C1C}">
+                <a14:useLocalDpi xmlns:a14="http://schemas.microsoft.com/office/drawing/2010/main" val="0"/>
+              </a:ext>
+            </a:extLst>
+          </a:blip>
+          <a:stretch>
+            <a:fillRect/>
+          </a:stretch>
+        </p:blipFill>
+        <p:spPr>
+          <a:xfrm>
+            <a:off x="4766820" y="3575782"/>
+            <a:ext cx="3382775" cy="2616511"/>
+          </a:xfrm>
+          <a:prstGeom prst="rect">
+            <a:avLst/>
+          </a:prstGeom>
+        </p:spPr>
+      </p:pic>
     </p:spTree>
     <p:extLst>
       <p:ext uri="{BB962C8B-B14F-4D97-AF65-F5344CB8AC3E}">
@@ -10357,7 +10610,7 @@
                                 </p:cTn>
                               </p:par>
                               <p:par>
-                                <p:cTn id="27" presetID="10" presetClass="entr" presetSubtype="0" fill="hold" nodeType="withEffect">
+                                <p:cTn id="27" presetID="10" presetClass="entr" presetSubtype="0" fill="hold" grpId="0" nodeType="withEffect">
                                   <p:stCondLst>
                                     <p:cond delay="0"/>
                                   </p:stCondLst>
@@ -10365,41 +10618,6 @@
                                     <p:set>
                                       <p:cBhvr>
                                         <p:cTn id="28" dur="1" fill="hold">
-                                          <p:stCondLst>
-                                            <p:cond delay="0"/>
-                                          </p:stCondLst>
-                                        </p:cTn>
-                                        <p:tgtEl>
-                                          <p:spTgt spid="8"/>
-                                        </p:tgtEl>
-                                        <p:attrNameLst>
-                                          <p:attrName>style.visibility</p:attrName>
-                                        </p:attrNameLst>
-                                      </p:cBhvr>
-                                      <p:to>
-                                        <p:strVal val="visible"/>
-                                      </p:to>
-                                    </p:set>
-                                    <p:animEffect transition="in" filter="fade">
-                                      <p:cBhvr>
-                                        <p:cTn id="29" dur="500"/>
-                                        <p:tgtEl>
-                                          <p:spTgt spid="8"/>
-                                        </p:tgtEl>
-                                      </p:cBhvr>
-                                    </p:animEffect>
-                                  </p:childTnLst>
-                                </p:cTn>
-                              </p:par>
-                              <p:par>
-                                <p:cTn id="30" presetID="10" presetClass="entr" presetSubtype="0" fill="hold" grpId="0" nodeType="withEffect">
-                                  <p:stCondLst>
-                                    <p:cond delay="0"/>
-                                  </p:stCondLst>
-                                  <p:childTnLst>
-                                    <p:set>
-                                      <p:cBhvr>
-                                        <p:cTn id="31" dur="1" fill="hold">
                                           <p:stCondLst>
                                             <p:cond delay="0"/>
                                           </p:stCondLst>
@@ -10417,7 +10635,7 @@
                                     </p:set>
                                     <p:animEffect transition="in" filter="fade">
                                       <p:cBhvr>
-                                        <p:cTn id="32" dur="500"/>
+                                        <p:cTn id="29" dur="500"/>
                                         <p:tgtEl>
                                           <p:spTgt spid="7"/>
                                         </p:tgtEl>
@@ -10427,14 +10645,14 @@
                                 </p:cTn>
                               </p:par>
                               <p:par>
-                                <p:cTn id="33" presetID="10" presetClass="entr" presetSubtype="0" fill="hold" grpId="0" nodeType="withEffect">
+                                <p:cTn id="30" presetID="10" presetClass="entr" presetSubtype="0" fill="hold" grpId="0" nodeType="withEffect">
                                   <p:stCondLst>
                                     <p:cond delay="0"/>
                                   </p:stCondLst>
                                   <p:childTnLst>
                                     <p:set>
                                       <p:cBhvr>
-                                        <p:cTn id="34" dur="1" fill="hold">
+                                        <p:cTn id="31" dur="1" fill="hold">
                                           <p:stCondLst>
                                             <p:cond delay="0"/>
                                           </p:stCondLst>
@@ -10456,7 +10674,7 @@
                                     </p:set>
                                     <p:animEffect transition="in" filter="fade">
                                       <p:cBhvr>
-                                        <p:cTn id="35" dur="500"/>
+                                        <p:cTn id="32" dur="500"/>
                                         <p:tgtEl>
                                           <p:spTgt spid="5">
                                             <p:graphicEl>
@@ -10509,6 +10727,124 @@
 </p:sld>
 </file>
 
+<file path=ppt/slides/slide19.xml><?xml version="1.0" encoding="utf-8"?>
+<p:sld xmlns:a="http://schemas.openxmlformats.org/drawingml/2006/main" xmlns:r="http://schemas.openxmlformats.org/officeDocument/2006/relationships" xmlns:p="http://schemas.openxmlformats.org/presentationml/2006/main">
+  <p:cSld>
+    <p:spTree>
+      <p:nvGrpSpPr>
+        <p:cNvPr id="1" name=""/>
+        <p:cNvGrpSpPr/>
+        <p:nvPr/>
+      </p:nvGrpSpPr>
+      <p:grpSpPr>
+        <a:xfrm>
+          <a:off x="0" y="0"/>
+          <a:ext cx="0" cy="0"/>
+          <a:chOff x="0" y="0"/>
+          <a:chExt cx="0" cy="0"/>
+        </a:xfrm>
+      </p:grpSpPr>
+      <p:sp>
+        <p:nvSpPr>
+          <p:cNvPr id="2" name="标题 1"/>
+          <p:cNvSpPr>
+            <a:spLocks noGrp="1"/>
+          </p:cNvSpPr>
+          <p:nvPr>
+            <p:ph type="title"/>
+          </p:nvPr>
+        </p:nvSpPr>
+        <p:spPr/>
+        <p:txBody>
+          <a:bodyPr/>
+          <a:lstStyle/>
+          <a:p>
+            <a:r>
+              <a:rPr lang="zh-CN" altLang="en-US" dirty="0"/>
+              <a:t>提前停止</a:t>
+            </a:r>
+          </a:p>
+        </p:txBody>
+      </p:sp>
+      <p:sp>
+        <p:nvSpPr>
+          <p:cNvPr id="3" name="内容占位符 2"/>
+          <p:cNvSpPr>
+            <a:spLocks noGrp="1"/>
+          </p:cNvSpPr>
+          <p:nvPr>
+            <p:ph sz="quarter" idx="1"/>
+          </p:nvPr>
+        </p:nvSpPr>
+        <p:spPr/>
+        <p:txBody>
+          <a:bodyPr/>
+          <a:lstStyle/>
+          <a:p>
+            <a:r>
+              <a:rPr lang="zh-CN" altLang="en-US" dirty="0"/>
+              <a:t>我们使用一个验证集（</a:t>
+            </a:r>
+            <a:r>
+              <a:rPr lang="en-US" altLang="zh-CN" dirty="0"/>
+              <a:t>Validation Dataset</a:t>
+            </a:r>
+            <a:r>
+              <a:rPr lang="zh-CN" altLang="en-US" dirty="0"/>
+              <a:t>）来测试每一次迭代的参数在验证集上是否最优。如果在验证集上的错误率不再下降，就停止迭代。</a:t>
+            </a:r>
+          </a:p>
+        </p:txBody>
+      </p:sp>
+      <p:pic>
+        <p:nvPicPr>
+          <p:cNvPr id="6" name="图片 5">
+            <a:extLst>
+              <a:ext uri="{FF2B5EF4-FFF2-40B4-BE49-F238E27FC236}">
+                <a16:creationId xmlns:a16="http://schemas.microsoft.com/office/drawing/2014/main" id="{9B4C6C85-9731-4873-9728-3ADCB2B71AF1}"/>
+              </a:ext>
+            </a:extLst>
+          </p:cNvPr>
+          <p:cNvPicPr>
+            <a:picLocks noChangeAspect="1"/>
+          </p:cNvPicPr>
+          <p:nvPr/>
+        </p:nvPicPr>
+        <p:blipFill>
+          <a:blip r:embed="rId2">
+            <a:extLst>
+              <a:ext uri="{28A0092B-C50C-407E-A947-70E740481C1C}">
+                <a14:useLocalDpi xmlns:a14="http://schemas.microsoft.com/office/drawing/2010/main" val="0"/>
+              </a:ext>
+            </a:extLst>
+          </a:blip>
+          <a:stretch>
+            <a:fillRect/>
+          </a:stretch>
+        </p:blipFill>
+        <p:spPr>
+          <a:xfrm>
+            <a:off x="2743200" y="3124200"/>
+            <a:ext cx="3382775" cy="2616511"/>
+          </a:xfrm>
+          <a:prstGeom prst="rect">
+            <a:avLst/>
+          </a:prstGeom>
+        </p:spPr>
+      </p:pic>
+    </p:spTree>
+    <p:extLst>
+      <p:ext uri="{BB962C8B-B14F-4D97-AF65-F5344CB8AC3E}">
+        <p14:creationId xmlns:p14="http://schemas.microsoft.com/office/powerpoint/2010/main" val="3963563661"/>
+      </p:ext>
+    </p:extLst>
+  </p:cSld>
+  <p:clrMapOvr>
+    <a:masterClrMapping/>
+  </p:clrMapOvr>
+</p:sld>
+</file>
+
 <file path=ppt/slides/slide2.xml><?xml version="1.0" encoding="utf-8"?>
 <p:sld xmlns:a="http://schemas.openxmlformats.org/drawingml/2006/main" xmlns:r="http://schemas.openxmlformats.org/officeDocument/2006/relationships" xmlns:p="http://schemas.openxmlformats.org/presentationml/2006/main">
   <p:cSld>
@@ -10630,7 +10966,7 @@
           <a:graphicData uri="http://schemas.openxmlformats.org/presentationml/2006/ole">
             <mc:AlternateContent xmlns:mc="http://schemas.openxmlformats.org/markup-compatibility/2006">
               <mc:Choice xmlns:v="urn:schemas-microsoft-com:vml" Requires="v">
-                <p:oleObj spid="_x0000_s1282" name="方程式" r:id="rId3" imgW="1790640" imgH="215640" progId="Equation.3">
+                <p:oleObj spid="_x0000_s1394" name="方程式" r:id="rId3" imgW="1790640" imgH="215640" progId="Equation.3">
                   <p:embed/>
                 </p:oleObj>
               </mc:Choice>
@@ -10696,7 +11032,7 @@
           <a:graphicData uri="http://schemas.openxmlformats.org/presentationml/2006/ole">
             <mc:AlternateContent xmlns:mc="http://schemas.openxmlformats.org/markup-compatibility/2006">
               <mc:Choice xmlns:v="urn:schemas-microsoft-com:vml" Requires="v">
-                <p:oleObj spid="_x0000_s1283" name="方程式" r:id="rId5" imgW="1790640" imgH="215640" progId="Equation.3">
+                <p:oleObj spid="_x0000_s1395" name="方程式" r:id="rId5" imgW="1790640" imgH="215640" progId="Equation.3">
                   <p:embed/>
                 </p:oleObj>
               </mc:Choice>
@@ -10762,7 +11098,7 @@
           <a:graphicData uri="http://schemas.openxmlformats.org/presentationml/2006/ole">
             <mc:AlternateContent xmlns:mc="http://schemas.openxmlformats.org/markup-compatibility/2006">
               <mc:Choice xmlns:v="urn:schemas-microsoft-com:vml" Requires="v">
-                <p:oleObj spid="_x0000_s1284" name="方程式" r:id="rId6" imgW="1790640" imgH="215640" progId="Equation.3">
+                <p:oleObj spid="_x0000_s1396" name="方程式" r:id="rId6" imgW="1790640" imgH="215640" progId="Equation.3">
                   <p:embed/>
                 </p:oleObj>
               </mc:Choice>
@@ -10828,7 +11164,7 @@
           <a:graphicData uri="http://schemas.openxmlformats.org/presentationml/2006/ole">
             <mc:AlternateContent xmlns:mc="http://schemas.openxmlformats.org/markup-compatibility/2006">
               <mc:Choice xmlns:v="urn:schemas-microsoft-com:vml" Requires="v">
-                <p:oleObj spid="_x0000_s1285" name="方程式" r:id="rId7" imgW="1676160" imgH="215640" progId="Equation.3">
+                <p:oleObj spid="_x0000_s1397" name="方程式" r:id="rId7" imgW="1676160" imgH="215640" progId="Equation.3">
                   <p:embed/>
                 </p:oleObj>
               </mc:Choice>
@@ -12058,6 +12394,2405 @@
       </p:grpSpPr>
       <p:sp>
         <p:nvSpPr>
+          <p:cNvPr id="2" name="标题 1">
+            <a:extLst>
+              <a:ext uri="{FF2B5EF4-FFF2-40B4-BE49-F238E27FC236}">
+                <a16:creationId xmlns:a16="http://schemas.microsoft.com/office/drawing/2014/main" id="{E4594DFF-B57D-4562-9B3B-FE0793F2BBD4}"/>
+              </a:ext>
+            </a:extLst>
+          </p:cNvPr>
+          <p:cNvSpPr>
+            <a:spLocks noGrp="1"/>
+          </p:cNvSpPr>
+          <p:nvPr>
+            <p:ph type="title"/>
+          </p:nvPr>
+        </p:nvSpPr>
+        <p:spPr/>
+        <p:txBody>
+          <a:bodyPr/>
+          <a:lstStyle/>
+          <a:p>
+            <a:r>
+              <a:rPr lang="zh-CN" altLang="en-US" sz="3200" dirty="0"/>
+              <a:t>似然（</a:t>
+            </a:r>
+            <a:r>
+              <a:rPr lang="en-US" altLang="zh-CN" sz="3200" dirty="0"/>
+              <a:t>Likelihood</a:t>
+            </a:r>
+            <a:r>
+              <a:rPr lang="zh-CN" altLang="en-US" sz="3200" dirty="0"/>
+              <a:t>）</a:t>
+            </a:r>
+          </a:p>
+        </p:txBody>
+      </p:sp>
+      <p:pic>
+        <p:nvPicPr>
+          <p:cNvPr id="4" name="图片 3">
+            <a:extLst>
+              <a:ext uri="{FF2B5EF4-FFF2-40B4-BE49-F238E27FC236}">
+                <a16:creationId xmlns:a16="http://schemas.microsoft.com/office/drawing/2014/main" id="{D6358610-621A-46E6-A5D9-46ED248FBA8E}"/>
+              </a:ext>
+            </a:extLst>
+          </p:cNvPr>
+          <p:cNvPicPr>
+            <a:picLocks noChangeAspect="1"/>
+          </p:cNvPicPr>
+          <p:nvPr/>
+        </p:nvPicPr>
+        <p:blipFill>
+          <a:blip r:embed="rId2">
+            <a:extLst>
+              <a:ext uri="{28A0092B-C50C-407E-A947-70E740481C1C}">
+                <a14:useLocalDpi xmlns:a14="http://schemas.microsoft.com/office/drawing/2010/main" val="0"/>
+              </a:ext>
+            </a:extLst>
+          </a:blip>
+          <a:stretch>
+            <a:fillRect/>
+          </a:stretch>
+        </p:blipFill>
+        <p:spPr>
+          <a:xfrm>
+            <a:off x="1371600" y="2057364"/>
+            <a:ext cx="5911097" cy="2743272"/>
+          </a:xfrm>
+          <a:prstGeom prst="rect">
+            <a:avLst/>
+          </a:prstGeom>
+        </p:spPr>
+      </p:pic>
+    </p:spTree>
+    <p:extLst>
+      <p:ext uri="{BB962C8B-B14F-4D97-AF65-F5344CB8AC3E}">
+        <p14:creationId xmlns:p14="http://schemas.microsoft.com/office/powerpoint/2010/main" val="2730152580"/>
+      </p:ext>
+    </p:extLst>
+  </p:cSld>
+  <p:clrMapOvr>
+    <a:masterClrMapping/>
+  </p:clrMapOvr>
+</p:sld>
+</file>
+
+<file path=ppt/slides/slide25.xml><?xml version="1.0" encoding="utf-8"?>
+<p:sld xmlns:a="http://schemas.openxmlformats.org/drawingml/2006/main" xmlns:r="http://schemas.openxmlformats.org/officeDocument/2006/relationships" xmlns:p="http://schemas.openxmlformats.org/presentationml/2006/main">
+  <p:cSld>
+    <p:spTree>
+      <p:nvGrpSpPr>
+        <p:cNvPr id="1" name=""/>
+        <p:cNvGrpSpPr/>
+        <p:nvPr/>
+      </p:nvGrpSpPr>
+      <p:grpSpPr>
+        <a:xfrm>
+          <a:off x="0" y="0"/>
+          <a:ext cx="0" cy="0"/>
+          <a:chOff x="0" y="0"/>
+          <a:chExt cx="0" cy="0"/>
+        </a:xfrm>
+      </p:grpSpPr>
+      <p:sp>
+        <p:nvSpPr>
+          <p:cNvPr id="2" name="标题 1">
+            <a:extLst>
+              <a:ext uri="{FF2B5EF4-FFF2-40B4-BE49-F238E27FC236}">
+                <a16:creationId xmlns:a16="http://schemas.microsoft.com/office/drawing/2014/main" id="{E4594DFF-B57D-4562-9B3B-FE0793F2BBD4}"/>
+              </a:ext>
+            </a:extLst>
+          </p:cNvPr>
+          <p:cNvSpPr>
+            <a:spLocks noGrp="1"/>
+          </p:cNvSpPr>
+          <p:nvPr>
+            <p:ph type="title"/>
+          </p:nvPr>
+        </p:nvSpPr>
+        <p:spPr/>
+        <p:txBody>
+          <a:bodyPr/>
+          <a:lstStyle/>
+          <a:p>
+            <a:r>
+              <a:rPr lang="zh-CN" altLang="en-US" sz="3200" dirty="0"/>
+              <a:t>从概率角度来看线性回归</a:t>
+            </a:r>
+          </a:p>
+        </p:txBody>
+      </p:sp>
+      <mc:AlternateContent xmlns:mc="http://schemas.openxmlformats.org/markup-compatibility/2006">
+        <mc:Choice xmlns:a14="http://schemas.microsoft.com/office/drawing/2010/main" Requires="a14">
+          <p:sp>
+            <p:nvSpPr>
+              <p:cNvPr id="3" name="内容占位符 2">
+                <a:extLst>
+                  <a:ext uri="{FF2B5EF4-FFF2-40B4-BE49-F238E27FC236}">
+                    <a16:creationId xmlns:a16="http://schemas.microsoft.com/office/drawing/2014/main" id="{2E2822B5-77C7-4830-8D48-3E985B6DB9DA}"/>
+                  </a:ext>
+                </a:extLst>
+              </p:cNvPr>
+              <p:cNvSpPr>
+                <a:spLocks noGrp="1"/>
+              </p:cNvSpPr>
+              <p:nvPr>
+                <p:ph sz="quarter" idx="1"/>
+              </p:nvPr>
+            </p:nvSpPr>
+            <p:spPr/>
+            <p:txBody>
+              <a:bodyPr/>
+              <a:lstStyle/>
+              <a:p>
+                <a:r>
+                  <a:rPr lang="zh-CN" altLang="en-US" dirty="0"/>
+                  <a:t>假设标签</a:t>
+                </a:r>
+                <a:r>
+                  <a:rPr lang="en-US" altLang="zh-CN" dirty="0"/>
+                  <a:t>y</a:t>
+                </a:r>
+                <a:r>
+                  <a:rPr lang="zh-CN" altLang="en-US" dirty="0"/>
+                  <a:t>为一个随机变量，其服从以均值为</a:t>
+                </a:r>
+                <a14:m>
+                  <m:oMath xmlns:m="http://schemas.openxmlformats.org/officeDocument/2006/math">
+                    <m:r>
+                      <a:rPr lang="en-US" altLang="zh-CN" i="1" dirty="0" smtClean="0">
+                        <a:latin typeface="Cambria Math" panose="02040503050406030204" pitchFamily="18" charset="0"/>
+                      </a:rPr>
+                      <m:t>𝑓</m:t>
+                    </m:r>
+                    <m:r>
+                      <a:rPr lang="en-US" altLang="zh-CN" i="1" dirty="0" smtClean="0">
+                        <a:latin typeface="Cambria Math" panose="02040503050406030204" pitchFamily="18" charset="0"/>
+                      </a:rPr>
+                      <m:t>(</m:t>
+                    </m:r>
+                    <m:r>
+                      <a:rPr lang="en-US" altLang="zh-CN" i="1" dirty="0" err="1">
+                        <a:latin typeface="Cambria Math" panose="02040503050406030204" pitchFamily="18" charset="0"/>
+                      </a:rPr>
+                      <m:t>𝑥</m:t>
+                    </m:r>
+                    <m:r>
+                      <a:rPr lang="en-US" altLang="zh-CN" i="1" dirty="0" err="1">
+                        <a:latin typeface="Cambria Math" panose="02040503050406030204" pitchFamily="18" charset="0"/>
+                      </a:rPr>
+                      <m:t>;</m:t>
+                    </m:r>
+                    <m:r>
+                      <a:rPr lang="en-US" altLang="zh-CN" i="1" dirty="0" err="1">
+                        <a:latin typeface="Cambria Math" panose="02040503050406030204" pitchFamily="18" charset="0"/>
+                      </a:rPr>
+                      <m:t>𝑤</m:t>
+                    </m:r>
+                    <m:r>
+                      <a:rPr lang="en-US" altLang="zh-CN" i="1" dirty="0">
+                        <a:latin typeface="Cambria Math" panose="02040503050406030204" pitchFamily="18" charset="0"/>
+                      </a:rPr>
+                      <m:t>) = </m:t>
+                    </m:r>
+                    <m:sSup>
+                      <m:sSupPr>
+                        <m:ctrlPr>
+                          <a:rPr lang="en-US" altLang="zh-CN" b="0" i="1" dirty="0" smtClean="0">
+                            <a:latin typeface="Cambria Math" panose="02040503050406030204" pitchFamily="18" charset="0"/>
+                          </a:rPr>
+                        </m:ctrlPr>
+                      </m:sSupPr>
+                      <m:e>
+                        <m:r>
+                          <a:rPr lang="en-US" altLang="zh-CN" i="1" dirty="0">
+                            <a:latin typeface="Cambria Math" panose="02040503050406030204" pitchFamily="18" charset="0"/>
+                          </a:rPr>
+                          <m:t>𝑤</m:t>
+                        </m:r>
+                      </m:e>
+                      <m:sup>
+                        <m:r>
+                          <a:rPr lang="en-US" altLang="zh-CN" i="1" dirty="0">
+                            <a:latin typeface="Cambria Math" panose="02040503050406030204" pitchFamily="18" charset="0"/>
+                          </a:rPr>
+                          <m:t>𝑇</m:t>
+                        </m:r>
+                      </m:sup>
+                    </m:sSup>
+                    <m:r>
+                      <a:rPr lang="en-US" altLang="zh-CN" i="1" dirty="0">
+                        <a:latin typeface="Cambria Math" panose="02040503050406030204" pitchFamily="18" charset="0"/>
+                      </a:rPr>
+                      <m:t>𝑥</m:t>
+                    </m:r>
+                  </m:oMath>
+                </a14:m>
+                <a:r>
+                  <a:rPr lang="zh-CN" altLang="en-US" dirty="0"/>
+                  <a:t>，方差为</a:t>
+                </a:r>
+                <a14:m>
+                  <m:oMath xmlns:m="http://schemas.openxmlformats.org/officeDocument/2006/math">
+                    <m:sSup>
+                      <m:sSupPr>
+                        <m:ctrlPr>
+                          <a:rPr lang="en-US" altLang="zh-CN" b="0" i="1" dirty="0" smtClean="0">
+                            <a:latin typeface="Cambria Math" panose="02040503050406030204" pitchFamily="18" charset="0"/>
+                          </a:rPr>
+                        </m:ctrlPr>
+                      </m:sSupPr>
+                      <m:e>
+                        <m:r>
+                          <a:rPr lang="en-US" altLang="zh-CN" i="1" dirty="0" smtClean="0">
+                            <a:latin typeface="Cambria Math" panose="02040503050406030204" pitchFamily="18" charset="0"/>
+                          </a:rPr>
+                          <m:t>𝜎</m:t>
+                        </m:r>
+                      </m:e>
+                      <m:sup>
+                        <m:r>
+                          <a:rPr lang="en-US" altLang="zh-CN" i="1" dirty="0" smtClean="0">
+                            <a:latin typeface="Cambria Math" panose="02040503050406030204" pitchFamily="18" charset="0"/>
+                          </a:rPr>
+                          <m:t>2</m:t>
+                        </m:r>
+                      </m:sup>
+                    </m:sSup>
+                  </m:oMath>
+                </a14:m>
+                <a:r>
+                  <a:rPr lang="en-US" altLang="zh-CN" dirty="0"/>
+                  <a:t> </a:t>
+                </a:r>
+                <a:r>
+                  <a:rPr lang="zh-CN" altLang="en-US" dirty="0"/>
+                  <a:t>的高斯分布。</a:t>
+                </a:r>
+                <a:endParaRPr lang="en-US" altLang="zh-CN" dirty="0"/>
+              </a:p>
+              <a:p>
+                <a:endParaRPr lang="en-US" altLang="zh-CN" dirty="0"/>
+              </a:p>
+              <a:p>
+                <a:endParaRPr lang="en-US" altLang="zh-CN" dirty="0"/>
+              </a:p>
+              <a:p>
+                <a:endParaRPr lang="en-US" altLang="zh-CN" dirty="0"/>
+              </a:p>
+            </p:txBody>
+          </p:sp>
+        </mc:Choice>
+        <mc:Fallback>
+          <p:sp>
+            <p:nvSpPr>
+              <p:cNvPr id="3" name="内容占位符 2">
+                <a:extLst>
+                  <a:ext uri="{FF2B5EF4-FFF2-40B4-BE49-F238E27FC236}">
+                    <a16:creationId xmlns:a16="http://schemas.microsoft.com/office/drawing/2014/main" id="{2E2822B5-77C7-4830-8D48-3E985B6DB9DA}"/>
+                  </a:ext>
+                </a:extLst>
+              </p:cNvPr>
+              <p:cNvSpPr>
+                <a:spLocks noGrp="1" noRot="1" noChangeAspect="1" noMove="1" noResize="1" noEditPoints="1" noAdjustHandles="1" noChangeArrowheads="1" noChangeShapeType="1" noTextEdit="1"/>
+              </p:cNvSpPr>
+              <p:nvPr>
+                <p:ph sz="quarter" idx="1"/>
+              </p:nvPr>
+            </p:nvSpPr>
+            <p:spPr>
+              <a:blipFill>
+                <a:blip r:embed="rId2"/>
+                <a:stretch>
+                  <a:fillRect l="-741" t="-1235"/>
+                </a:stretch>
+              </a:blipFill>
+            </p:spPr>
+            <p:txBody>
+              <a:bodyPr/>
+              <a:lstStyle/>
+              <a:p>
+                <a:r>
+                  <a:rPr lang="zh-CN" altLang="en-US">
+                    <a:noFill/>
+                  </a:rPr>
+                  <a:t> </a:t>
+                </a:r>
+              </a:p>
+            </p:txBody>
+          </p:sp>
+        </mc:Fallback>
+      </mc:AlternateContent>
+      <p:pic>
+        <p:nvPicPr>
+          <p:cNvPr id="8" name="图片 7">
+            <a:extLst>
+              <a:ext uri="{FF2B5EF4-FFF2-40B4-BE49-F238E27FC236}">
+                <a16:creationId xmlns:a16="http://schemas.microsoft.com/office/drawing/2014/main" id="{AB8CFD09-2F83-4FE7-B283-AB9B9782B2AF}"/>
+              </a:ext>
+            </a:extLst>
+          </p:cNvPr>
+          <p:cNvPicPr>
+            <a:picLocks noChangeAspect="1"/>
+          </p:cNvPicPr>
+          <p:nvPr/>
+        </p:nvPicPr>
+        <p:blipFill>
+          <a:blip r:embed="rId3">
+            <a:extLst>
+              <a:ext uri="{28A0092B-C50C-407E-A947-70E740481C1C}">
+                <a14:useLocalDpi xmlns:a14="http://schemas.microsoft.com/office/drawing/2010/main" val="0"/>
+              </a:ext>
+            </a:extLst>
+          </a:blip>
+          <a:stretch>
+            <a:fillRect/>
+          </a:stretch>
+        </p:blipFill>
+        <p:spPr>
+          <a:xfrm>
+            <a:off x="2286000" y="2209800"/>
+            <a:ext cx="4245560" cy="1066005"/>
+          </a:xfrm>
+          <a:prstGeom prst="rect">
+            <a:avLst/>
+          </a:prstGeom>
+        </p:spPr>
+      </p:pic>
+      <p:pic>
+        <p:nvPicPr>
+          <p:cNvPr id="16" name="图片 15">
+            <a:extLst>
+              <a:ext uri="{FF2B5EF4-FFF2-40B4-BE49-F238E27FC236}">
+                <a16:creationId xmlns:a16="http://schemas.microsoft.com/office/drawing/2014/main" id="{43846430-DE21-4AFC-963B-29E2009227EF}"/>
+              </a:ext>
+            </a:extLst>
+          </p:cNvPr>
+          <p:cNvPicPr>
+            <a:picLocks noChangeAspect="1"/>
+          </p:cNvPicPr>
+          <p:nvPr/>
+        </p:nvPicPr>
+        <p:blipFill>
+          <a:blip r:embed="rId4"/>
+          <a:stretch>
+            <a:fillRect/>
+          </a:stretch>
+        </p:blipFill>
+        <p:spPr>
+          <a:xfrm>
+            <a:off x="1752600" y="3275805"/>
+            <a:ext cx="4953000" cy="3063491"/>
+          </a:xfrm>
+          <a:prstGeom prst="rect">
+            <a:avLst/>
+          </a:prstGeom>
+        </p:spPr>
+      </p:pic>
+    </p:spTree>
+    <p:extLst>
+      <p:ext uri="{BB962C8B-B14F-4D97-AF65-F5344CB8AC3E}">
+        <p14:creationId xmlns:p14="http://schemas.microsoft.com/office/powerpoint/2010/main" val="278512200"/>
+      </p:ext>
+    </p:extLst>
+  </p:cSld>
+  <p:clrMapOvr>
+    <a:masterClrMapping/>
+  </p:clrMapOvr>
+</p:sld>
+</file>
+
+<file path=ppt/slides/slide26.xml><?xml version="1.0" encoding="utf-8"?>
+<p:sld xmlns:a="http://schemas.openxmlformats.org/drawingml/2006/main" xmlns:r="http://schemas.openxmlformats.org/officeDocument/2006/relationships" xmlns:p="http://schemas.openxmlformats.org/presentationml/2006/main">
+  <p:cSld>
+    <p:spTree>
+      <p:nvGrpSpPr>
+        <p:cNvPr id="1" name=""/>
+        <p:cNvGrpSpPr/>
+        <p:nvPr/>
+      </p:nvGrpSpPr>
+      <p:grpSpPr>
+        <a:xfrm>
+          <a:off x="0" y="0"/>
+          <a:ext cx="0" cy="0"/>
+          <a:chOff x="0" y="0"/>
+          <a:chExt cx="0" cy="0"/>
+        </a:xfrm>
+      </p:grpSpPr>
+      <p:sp>
+        <p:nvSpPr>
+          <p:cNvPr id="2" name="标题 1">
+            <a:extLst>
+              <a:ext uri="{FF2B5EF4-FFF2-40B4-BE49-F238E27FC236}">
+                <a16:creationId xmlns:a16="http://schemas.microsoft.com/office/drawing/2014/main" id="{E4594DFF-B57D-4562-9B3B-FE0793F2BBD4}"/>
+              </a:ext>
+            </a:extLst>
+          </p:cNvPr>
+          <p:cNvSpPr>
+            <a:spLocks noGrp="1"/>
+          </p:cNvSpPr>
+          <p:nvPr>
+            <p:ph type="title"/>
+          </p:nvPr>
+        </p:nvSpPr>
+        <p:spPr/>
+        <p:txBody>
+          <a:bodyPr/>
+          <a:lstStyle/>
+          <a:p>
+            <a:r>
+              <a:rPr lang="zh-CN" altLang="en-US" sz="3200" dirty="0"/>
+              <a:t>线性回归中的似然函数</a:t>
+            </a:r>
+          </a:p>
+        </p:txBody>
+      </p:sp>
+      <p:sp>
+        <p:nvSpPr>
+          <p:cNvPr id="3" name="内容占位符 2">
+            <a:extLst>
+              <a:ext uri="{FF2B5EF4-FFF2-40B4-BE49-F238E27FC236}">
+                <a16:creationId xmlns:a16="http://schemas.microsoft.com/office/drawing/2014/main" id="{2E2822B5-77C7-4830-8D48-3E985B6DB9DA}"/>
+              </a:ext>
+            </a:extLst>
+          </p:cNvPr>
+          <p:cNvSpPr>
+            <a:spLocks noGrp="1"/>
+          </p:cNvSpPr>
+          <p:nvPr>
+            <p:ph sz="quarter" idx="1"/>
+          </p:nvPr>
+        </p:nvSpPr>
+        <p:spPr/>
+        <p:txBody>
+          <a:bodyPr/>
+          <a:lstStyle/>
+          <a:p>
+            <a:endParaRPr lang="en-US" altLang="zh-CN" dirty="0"/>
+          </a:p>
+          <a:p>
+            <a:endParaRPr lang="en-US" altLang="zh-CN" dirty="0"/>
+          </a:p>
+          <a:p>
+            <a:r>
+              <a:rPr lang="zh-CN" altLang="en-US" dirty="0"/>
+              <a:t>参数</a:t>
+            </a:r>
+            <a:r>
+              <a:rPr lang="en-US" altLang="zh-CN" dirty="0"/>
+              <a:t>w</a:t>
+            </a:r>
+            <a:r>
+              <a:rPr lang="zh-CN" altLang="en-US" dirty="0"/>
+              <a:t>在训练集</a:t>
+            </a:r>
+            <a:r>
+              <a:rPr lang="en-US" altLang="zh-CN" dirty="0"/>
+              <a:t>D</a:t>
+            </a:r>
+            <a:r>
+              <a:rPr lang="zh-CN" altLang="en-US" dirty="0"/>
+              <a:t>上的</a:t>
+            </a:r>
+            <a:r>
+              <a:rPr lang="zh-CN" altLang="en-US" dirty="0">
+                <a:solidFill>
+                  <a:srgbClr val="FF0000"/>
+                </a:solidFill>
+              </a:rPr>
+              <a:t>似然函数</a:t>
+            </a:r>
+            <a:r>
+              <a:rPr lang="zh-CN" altLang="en-US" dirty="0"/>
+              <a:t>（</a:t>
+            </a:r>
+            <a:r>
+              <a:rPr lang="en-US" altLang="zh-CN" dirty="0"/>
+              <a:t>Likelihood</a:t>
+            </a:r>
+            <a:r>
+              <a:rPr lang="zh-CN" altLang="en-US" dirty="0"/>
+              <a:t>）为</a:t>
+            </a:r>
+          </a:p>
+        </p:txBody>
+      </p:sp>
+      <p:pic>
+        <p:nvPicPr>
+          <p:cNvPr id="12" name="图片 11">
+            <a:extLst>
+              <a:ext uri="{FF2B5EF4-FFF2-40B4-BE49-F238E27FC236}">
+                <a16:creationId xmlns:a16="http://schemas.microsoft.com/office/drawing/2014/main" id="{D1E37732-21D4-47D2-B92A-7552651063D2}"/>
+              </a:ext>
+            </a:extLst>
+          </p:cNvPr>
+          <p:cNvPicPr>
+            <a:picLocks noChangeAspect="1"/>
+          </p:cNvPicPr>
+          <p:nvPr/>
+        </p:nvPicPr>
+        <p:blipFill>
+          <a:blip r:embed="rId2">
+            <a:extLst>
+              <a:ext uri="{28A0092B-C50C-407E-A947-70E740481C1C}">
+                <a14:useLocalDpi xmlns:a14="http://schemas.microsoft.com/office/drawing/2010/main" val="0"/>
+              </a:ext>
+            </a:extLst>
+          </a:blip>
+          <a:stretch>
+            <a:fillRect/>
+          </a:stretch>
+        </p:blipFill>
+        <p:spPr>
+          <a:xfrm>
+            <a:off x="2667000" y="3200400"/>
+            <a:ext cx="3399121" cy="1370682"/>
+          </a:xfrm>
+          <a:prstGeom prst="rect">
+            <a:avLst/>
+          </a:prstGeom>
+        </p:spPr>
+      </p:pic>
+    </p:spTree>
+    <p:extLst>
+      <p:ext uri="{BB962C8B-B14F-4D97-AF65-F5344CB8AC3E}">
+        <p14:creationId xmlns:p14="http://schemas.microsoft.com/office/powerpoint/2010/main" val="101921430"/>
+      </p:ext>
+    </p:extLst>
+  </p:cSld>
+  <p:clrMapOvr>
+    <a:masterClrMapping/>
+  </p:clrMapOvr>
+</p:sld>
+</file>
+
+<file path=ppt/slides/slide27.xml><?xml version="1.0" encoding="utf-8"?>
+<p:sld xmlns:a="http://schemas.openxmlformats.org/drawingml/2006/main" xmlns:r="http://schemas.openxmlformats.org/officeDocument/2006/relationships" xmlns:p="http://schemas.openxmlformats.org/presentationml/2006/main">
+  <p:cSld>
+    <p:spTree>
+      <p:nvGrpSpPr>
+        <p:cNvPr id="1" name=""/>
+        <p:cNvGrpSpPr/>
+        <p:nvPr/>
+      </p:nvGrpSpPr>
+      <p:grpSpPr>
+        <a:xfrm>
+          <a:off x="0" y="0"/>
+          <a:ext cx="0" cy="0"/>
+          <a:chOff x="0" y="0"/>
+          <a:chExt cx="0" cy="0"/>
+        </a:xfrm>
+      </p:grpSpPr>
+      <p:sp>
+        <p:nvSpPr>
+          <p:cNvPr id="2" name="标题 1">
+            <a:extLst>
+              <a:ext uri="{FF2B5EF4-FFF2-40B4-BE49-F238E27FC236}">
+                <a16:creationId xmlns:a16="http://schemas.microsoft.com/office/drawing/2014/main" id="{E4594DFF-B57D-4562-9B3B-FE0793F2BBD4}"/>
+              </a:ext>
+            </a:extLst>
+          </p:cNvPr>
+          <p:cNvSpPr>
+            <a:spLocks noGrp="1"/>
+          </p:cNvSpPr>
+          <p:nvPr>
+            <p:ph type="title"/>
+          </p:nvPr>
+        </p:nvSpPr>
+        <p:spPr/>
+        <p:txBody>
+          <a:bodyPr/>
+          <a:lstStyle/>
+          <a:p>
+            <a:r>
+              <a:rPr lang="zh-CN" altLang="en-US" sz="3200" dirty="0"/>
+              <a:t>最大似然估计</a:t>
+            </a:r>
+          </a:p>
+        </p:txBody>
+      </p:sp>
+      <p:sp>
+        <p:nvSpPr>
+          <p:cNvPr id="3" name="内容占位符 2">
+            <a:extLst>
+              <a:ext uri="{FF2B5EF4-FFF2-40B4-BE49-F238E27FC236}">
+                <a16:creationId xmlns:a16="http://schemas.microsoft.com/office/drawing/2014/main" id="{2E2822B5-77C7-4830-8D48-3E985B6DB9DA}"/>
+              </a:ext>
+            </a:extLst>
+          </p:cNvPr>
+          <p:cNvSpPr>
+            <a:spLocks noGrp="1"/>
+          </p:cNvSpPr>
+          <p:nvPr>
+            <p:ph sz="quarter" idx="1"/>
+          </p:nvPr>
+        </p:nvSpPr>
+        <p:spPr/>
+        <p:txBody>
+          <a:bodyPr/>
+          <a:lstStyle/>
+          <a:p>
+            <a:r>
+              <a:rPr lang="zh-CN" altLang="en-US" dirty="0"/>
+              <a:t>最大似然估计（</a:t>
+            </a:r>
+            <a:r>
+              <a:rPr lang="en-US" altLang="zh-CN" dirty="0"/>
+              <a:t>Maximum Likelihood Estimate</a:t>
+            </a:r>
+            <a:r>
+              <a:rPr lang="zh-CN" altLang="en-US" dirty="0"/>
+              <a:t>，</a:t>
+            </a:r>
+            <a:r>
+              <a:rPr lang="en-US" altLang="zh-CN" dirty="0"/>
+              <a:t>MLE</a:t>
+            </a:r>
+            <a:r>
+              <a:rPr lang="zh-CN" altLang="en-US" dirty="0"/>
+              <a:t>）</a:t>
+            </a:r>
+            <a:endParaRPr lang="en-US" altLang="zh-CN" dirty="0"/>
+          </a:p>
+          <a:p>
+            <a:pPr lvl="1"/>
+            <a:r>
+              <a:rPr lang="zh-CN" altLang="en-US" dirty="0"/>
+              <a:t>是指找到一组参数</a:t>
+            </a:r>
+            <a:r>
+              <a:rPr lang="en-US" altLang="zh-CN" dirty="0"/>
+              <a:t>w</a:t>
+            </a:r>
+            <a:r>
+              <a:rPr lang="zh-CN" altLang="en-US" dirty="0"/>
+              <a:t>使得似然函数</a:t>
+            </a:r>
+            <a:r>
+              <a:rPr lang="en-US" altLang="zh-CN" dirty="0"/>
+              <a:t>p(</a:t>
+            </a:r>
+            <a:r>
+              <a:rPr lang="en-US" altLang="zh-CN" dirty="0" err="1"/>
+              <a:t>y|X;w,σ</a:t>
+            </a:r>
+            <a:r>
+              <a:rPr lang="en-US" altLang="zh-CN" dirty="0"/>
+              <a:t>)</a:t>
+            </a:r>
+            <a:r>
+              <a:rPr lang="zh-CN" altLang="en-US" dirty="0"/>
+              <a:t>最大</a:t>
+            </a:r>
+          </a:p>
+        </p:txBody>
+      </p:sp>
+      <p:pic>
+        <p:nvPicPr>
+          <p:cNvPr id="7" name="图片 6">
+            <a:extLst>
+              <a:ext uri="{FF2B5EF4-FFF2-40B4-BE49-F238E27FC236}">
+                <a16:creationId xmlns:a16="http://schemas.microsoft.com/office/drawing/2014/main" id="{C0C337FE-C557-44CD-986B-30593E18DB66}"/>
+              </a:ext>
+            </a:extLst>
+          </p:cNvPr>
+          <p:cNvPicPr>
+            <a:picLocks noChangeAspect="1"/>
+          </p:cNvPicPr>
+          <p:nvPr/>
+        </p:nvPicPr>
+        <p:blipFill>
+          <a:blip r:embed="rId2">
+            <a:extLst>
+              <a:ext uri="{28A0092B-C50C-407E-A947-70E740481C1C}">
+                <a14:useLocalDpi xmlns:a14="http://schemas.microsoft.com/office/drawing/2010/main" val="0"/>
+              </a:ext>
+            </a:extLst>
+          </a:blip>
+          <a:stretch>
+            <a:fillRect/>
+          </a:stretch>
+        </p:blipFill>
+        <p:spPr>
+          <a:xfrm>
+            <a:off x="2895600" y="3352800"/>
+            <a:ext cx="2841246" cy="778349"/>
+          </a:xfrm>
+          <a:prstGeom prst="rect">
+            <a:avLst/>
+          </a:prstGeom>
+        </p:spPr>
+      </p:pic>
+      <p:pic>
+        <p:nvPicPr>
+          <p:cNvPr id="10" name="图片 9">
+            <a:extLst>
+              <a:ext uri="{FF2B5EF4-FFF2-40B4-BE49-F238E27FC236}">
+                <a16:creationId xmlns:a16="http://schemas.microsoft.com/office/drawing/2014/main" id="{A4D137A2-F60A-410E-89FE-EECA53CE7BF3}"/>
+              </a:ext>
+            </a:extLst>
+          </p:cNvPr>
+          <p:cNvPicPr>
+            <a:picLocks noChangeAspect="1"/>
+          </p:cNvPicPr>
+          <p:nvPr/>
+        </p:nvPicPr>
+        <p:blipFill>
+          <a:blip r:embed="rId3">
+            <a:extLst>
+              <a:ext uri="{28A0092B-C50C-407E-A947-70E740481C1C}">
+                <a14:useLocalDpi xmlns:a14="http://schemas.microsoft.com/office/drawing/2010/main" val="0"/>
+              </a:ext>
+            </a:extLst>
+          </a:blip>
+          <a:stretch>
+            <a:fillRect/>
+          </a:stretch>
+        </p:blipFill>
+        <p:spPr>
+          <a:xfrm>
+            <a:off x="3091548" y="4786063"/>
+            <a:ext cx="2645298" cy="669489"/>
+          </a:xfrm>
+          <a:prstGeom prst="rect">
+            <a:avLst/>
+          </a:prstGeom>
+        </p:spPr>
+      </p:pic>
+      <p:sp>
+        <p:nvSpPr>
+          <p:cNvPr id="11" name="箭头: 下 10">
+            <a:extLst>
+              <a:ext uri="{FF2B5EF4-FFF2-40B4-BE49-F238E27FC236}">
+                <a16:creationId xmlns:a16="http://schemas.microsoft.com/office/drawing/2014/main" id="{E6F21715-D51F-4CD8-AED4-C89281686FA5}"/>
+              </a:ext>
+            </a:extLst>
+          </p:cNvPr>
+          <p:cNvSpPr/>
+          <p:nvPr/>
+        </p:nvSpPr>
+        <p:spPr>
+          <a:xfrm>
+            <a:off x="4038600" y="4267200"/>
+            <a:ext cx="381000" cy="381000"/>
+          </a:xfrm>
+          <a:prstGeom prst="downArrow">
+            <a:avLst/>
+          </a:prstGeom>
+        </p:spPr>
+        <p:style>
+          <a:lnRef idx="2">
+            <a:schemeClr val="dk1"/>
+          </a:lnRef>
+          <a:fillRef idx="1">
+            <a:schemeClr val="lt1"/>
+          </a:fillRef>
+          <a:effectRef idx="0">
+            <a:schemeClr val="dk1"/>
+          </a:effectRef>
+          <a:fontRef idx="minor">
+            <a:schemeClr val="dk1"/>
+          </a:fontRef>
+        </p:style>
+        <p:txBody>
+          <a:bodyPr wrap="none" rtlCol="0" anchor="ctr">
+            <a:spAutoFit/>
+          </a:bodyPr>
+          <a:lstStyle/>
+          <a:p>
+            <a:pPr algn="ctr"/>
+            <a:endParaRPr lang="zh-CN" altLang="en-US" sz="2400" dirty="0"/>
+          </a:p>
+        </p:txBody>
+      </p:sp>
+    </p:spTree>
+    <p:extLst>
+      <p:ext uri="{BB962C8B-B14F-4D97-AF65-F5344CB8AC3E}">
+        <p14:creationId xmlns:p14="http://schemas.microsoft.com/office/powerpoint/2010/main" val="1274740380"/>
+      </p:ext>
+    </p:extLst>
+  </p:cSld>
+  <p:clrMapOvr>
+    <a:masterClrMapping/>
+  </p:clrMapOvr>
+</p:sld>
+</file>
+
+<file path=ppt/slides/slide28.xml><?xml version="1.0" encoding="utf-8"?>
+<p:sld xmlns:a="http://schemas.openxmlformats.org/drawingml/2006/main" xmlns:r="http://schemas.openxmlformats.org/officeDocument/2006/relationships" xmlns:p="http://schemas.openxmlformats.org/presentationml/2006/main">
+  <p:cSld>
+    <p:spTree>
+      <p:nvGrpSpPr>
+        <p:cNvPr id="1" name=""/>
+        <p:cNvGrpSpPr/>
+        <p:nvPr/>
+      </p:nvGrpSpPr>
+      <p:grpSpPr>
+        <a:xfrm>
+          <a:off x="0" y="0"/>
+          <a:ext cx="0" cy="0"/>
+          <a:chOff x="0" y="0"/>
+          <a:chExt cx="0" cy="0"/>
+        </a:xfrm>
+      </p:grpSpPr>
+      <p:sp>
+        <p:nvSpPr>
+          <p:cNvPr id="2" name="标题 1">
+            <a:extLst>
+              <a:ext uri="{FF2B5EF4-FFF2-40B4-BE49-F238E27FC236}">
+                <a16:creationId xmlns:a16="http://schemas.microsoft.com/office/drawing/2014/main" id="{E5048382-34A0-4731-84F6-2FF294E05885}"/>
+              </a:ext>
+            </a:extLst>
+          </p:cNvPr>
+          <p:cNvSpPr>
+            <a:spLocks noGrp="1"/>
+          </p:cNvSpPr>
+          <p:nvPr>
+            <p:ph type="title"/>
+          </p:nvPr>
+        </p:nvSpPr>
+        <p:spPr/>
+        <p:txBody>
+          <a:bodyPr/>
+          <a:lstStyle/>
+          <a:p>
+            <a:r>
+              <a:rPr lang="zh-CN" altLang="en-US" dirty="0"/>
+              <a:t>一个例子：</a:t>
+            </a:r>
+            <a:r>
+              <a:rPr lang="en-US" altLang="zh-CN" dirty="0"/>
+              <a:t>Polynomial Curve Fitting</a:t>
+            </a:r>
+            <a:endParaRPr lang="zh-CN" altLang="en-US" dirty="0"/>
+          </a:p>
+        </p:txBody>
+      </p:sp>
+      <p:pic>
+        <p:nvPicPr>
+          <p:cNvPr id="4" name="图片 3">
+            <a:extLst>
+              <a:ext uri="{FF2B5EF4-FFF2-40B4-BE49-F238E27FC236}">
+                <a16:creationId xmlns:a16="http://schemas.microsoft.com/office/drawing/2014/main" id="{B9842612-B6C2-4539-B85D-351DFCB7CDA8}"/>
+              </a:ext>
+            </a:extLst>
+          </p:cNvPr>
+          <p:cNvPicPr>
+            <a:picLocks noChangeAspect="1"/>
+          </p:cNvPicPr>
+          <p:nvPr/>
+        </p:nvPicPr>
+        <p:blipFill>
+          <a:blip r:embed="rId2" cstate="print">
+            <a:extLst>
+              <a:ext uri="{28A0092B-C50C-407E-A947-70E740481C1C}">
+                <a14:useLocalDpi xmlns:a14="http://schemas.microsoft.com/office/drawing/2010/main" val="0"/>
+              </a:ext>
+            </a:extLst>
+          </a:blip>
+          <a:stretch>
+            <a:fillRect/>
+          </a:stretch>
+        </p:blipFill>
+        <p:spPr>
+          <a:xfrm>
+            <a:off x="2226545" y="1321613"/>
+            <a:ext cx="4323196" cy="3067132"/>
+          </a:xfrm>
+          <a:prstGeom prst="rect">
+            <a:avLst/>
+          </a:prstGeom>
+        </p:spPr>
+      </p:pic>
+      <p:sp>
+        <p:nvSpPr>
+          <p:cNvPr id="5" name="文本框 4">
+            <a:extLst>
+              <a:ext uri="{FF2B5EF4-FFF2-40B4-BE49-F238E27FC236}">
+                <a16:creationId xmlns:a16="http://schemas.microsoft.com/office/drawing/2014/main" id="{C72C4345-0B86-4C90-B83D-827E6427FC14}"/>
+              </a:ext>
+            </a:extLst>
+          </p:cNvPr>
+          <p:cNvSpPr txBox="1"/>
+          <p:nvPr/>
+        </p:nvSpPr>
+        <p:spPr>
+          <a:xfrm>
+            <a:off x="4575875" y="152400"/>
+            <a:ext cx="3707105" cy="369332"/>
+          </a:xfrm>
+          <a:prstGeom prst="rect">
+            <a:avLst/>
+          </a:prstGeom>
+          <a:noFill/>
+        </p:spPr>
+        <p:txBody>
+          <a:bodyPr wrap="none" rtlCol="0">
+            <a:spAutoFit/>
+          </a:bodyPr>
+          <a:lstStyle/>
+          <a:p>
+            <a:r>
+              <a:rPr lang="en-US" altLang="zh-CN" dirty="0">
+                <a:solidFill>
+                  <a:srgbClr val="FFC000"/>
+                </a:solidFill>
+              </a:rPr>
+              <a:t>From chapter 1 of Bishop’s PRML.</a:t>
+            </a:r>
+            <a:endParaRPr lang="zh-CN" altLang="en-US" dirty="0">
+              <a:solidFill>
+                <a:srgbClr val="FFC000"/>
+              </a:solidFill>
+            </a:endParaRPr>
+          </a:p>
+        </p:txBody>
+      </p:sp>
+      <p:pic>
+        <p:nvPicPr>
+          <p:cNvPr id="7" name="图片 6">
+            <a:extLst>
+              <a:ext uri="{FF2B5EF4-FFF2-40B4-BE49-F238E27FC236}">
+                <a16:creationId xmlns:a16="http://schemas.microsoft.com/office/drawing/2014/main" id="{2E93E068-B5B8-4EAF-9DC4-95754EC48BA9}"/>
+              </a:ext>
+            </a:extLst>
+          </p:cNvPr>
+          <p:cNvPicPr>
+            <a:picLocks noChangeAspect="1"/>
+          </p:cNvPicPr>
+          <p:nvPr/>
+        </p:nvPicPr>
+        <p:blipFill>
+          <a:blip r:embed="rId3" cstate="print">
+            <a:extLst>
+              <a:ext uri="{28A0092B-C50C-407E-A947-70E740481C1C}">
+                <a14:useLocalDpi xmlns:a14="http://schemas.microsoft.com/office/drawing/2010/main" val="0"/>
+              </a:ext>
+            </a:extLst>
+          </a:blip>
+          <a:stretch>
+            <a:fillRect/>
+          </a:stretch>
+        </p:blipFill>
+        <p:spPr>
+          <a:xfrm>
+            <a:off x="2438400" y="4495447"/>
+            <a:ext cx="4871446" cy="789964"/>
+          </a:xfrm>
+          <a:prstGeom prst="rect">
+            <a:avLst/>
+          </a:prstGeom>
+        </p:spPr>
+      </p:pic>
+      <p:sp>
+        <p:nvSpPr>
+          <p:cNvPr id="8" name="文本框 7">
+            <a:extLst>
+              <a:ext uri="{FF2B5EF4-FFF2-40B4-BE49-F238E27FC236}">
+                <a16:creationId xmlns:a16="http://schemas.microsoft.com/office/drawing/2014/main" id="{4824B9AE-3AE4-4F05-8110-C7D1F8FD3819}"/>
+              </a:ext>
+            </a:extLst>
+          </p:cNvPr>
+          <p:cNvSpPr txBox="1"/>
+          <p:nvPr/>
+        </p:nvSpPr>
+        <p:spPr>
+          <a:xfrm>
+            <a:off x="838200" y="4777674"/>
+            <a:ext cx="646331" cy="369332"/>
+          </a:xfrm>
+          <a:prstGeom prst="rect">
+            <a:avLst/>
+          </a:prstGeom>
+          <a:noFill/>
+        </p:spPr>
+        <p:txBody>
+          <a:bodyPr wrap="none" rtlCol="0">
+            <a:spAutoFit/>
+          </a:bodyPr>
+          <a:lstStyle/>
+          <a:p>
+            <a:r>
+              <a:rPr lang="zh-CN" altLang="en-US" dirty="0"/>
+              <a:t>模型</a:t>
+            </a:r>
+          </a:p>
+        </p:txBody>
+      </p:sp>
+      <p:sp>
+        <p:nvSpPr>
+          <p:cNvPr id="9" name="文本框 8">
+            <a:extLst>
+              <a:ext uri="{FF2B5EF4-FFF2-40B4-BE49-F238E27FC236}">
+                <a16:creationId xmlns:a16="http://schemas.microsoft.com/office/drawing/2014/main" id="{A9EF1202-D3E2-4759-8DB3-428F7A3D2E54}"/>
+              </a:ext>
+            </a:extLst>
+          </p:cNvPr>
+          <p:cNvSpPr txBox="1"/>
+          <p:nvPr/>
+        </p:nvSpPr>
+        <p:spPr>
+          <a:xfrm>
+            <a:off x="685800" y="5638800"/>
+            <a:ext cx="1107996" cy="369332"/>
+          </a:xfrm>
+          <a:prstGeom prst="rect">
+            <a:avLst/>
+          </a:prstGeom>
+          <a:noFill/>
+        </p:spPr>
+        <p:txBody>
+          <a:bodyPr wrap="none" rtlCol="0">
+            <a:spAutoFit/>
+          </a:bodyPr>
+          <a:lstStyle/>
+          <a:p>
+            <a:r>
+              <a:rPr lang="zh-CN" altLang="en-US" dirty="0"/>
+              <a:t>损失函数</a:t>
+            </a:r>
+          </a:p>
+        </p:txBody>
+      </p:sp>
+      <p:pic>
+        <p:nvPicPr>
+          <p:cNvPr id="11" name="图片 10">
+            <a:extLst>
+              <a:ext uri="{FF2B5EF4-FFF2-40B4-BE49-F238E27FC236}">
+                <a16:creationId xmlns:a16="http://schemas.microsoft.com/office/drawing/2014/main" id="{45FCE238-D700-488D-9FED-3C53B8C4E336}"/>
+              </a:ext>
+            </a:extLst>
+          </p:cNvPr>
+          <p:cNvPicPr>
+            <a:picLocks noChangeAspect="1"/>
+          </p:cNvPicPr>
+          <p:nvPr/>
+        </p:nvPicPr>
+        <p:blipFill>
+          <a:blip r:embed="rId4" cstate="print">
+            <a:extLst>
+              <a:ext uri="{28A0092B-C50C-407E-A947-70E740481C1C}">
+                <a14:useLocalDpi xmlns:a14="http://schemas.microsoft.com/office/drawing/2010/main" val="0"/>
+              </a:ext>
+            </a:extLst>
+          </a:blip>
+          <a:stretch>
+            <a:fillRect/>
+          </a:stretch>
+        </p:blipFill>
+        <p:spPr>
+          <a:xfrm>
+            <a:off x="2465522" y="5479215"/>
+            <a:ext cx="3453606" cy="850837"/>
+          </a:xfrm>
+          <a:prstGeom prst="rect">
+            <a:avLst/>
+          </a:prstGeom>
+        </p:spPr>
+      </p:pic>
+    </p:spTree>
+    <p:extLst>
+      <p:ext uri="{BB962C8B-B14F-4D97-AF65-F5344CB8AC3E}">
+        <p14:creationId xmlns:p14="http://schemas.microsoft.com/office/powerpoint/2010/main" val="1757074688"/>
+      </p:ext>
+    </p:extLst>
+  </p:cSld>
+  <p:clrMapOvr>
+    <a:masterClrMapping/>
+  </p:clrMapOvr>
+</p:sld>
+</file>
+
+<file path=ppt/slides/slide29.xml><?xml version="1.0" encoding="utf-8"?>
+<p:sld xmlns:a="http://schemas.openxmlformats.org/drawingml/2006/main" xmlns:r="http://schemas.openxmlformats.org/officeDocument/2006/relationships" xmlns:p="http://schemas.openxmlformats.org/presentationml/2006/main">
+  <p:cSld>
+    <p:spTree>
+      <p:nvGrpSpPr>
+        <p:cNvPr id="1" name=""/>
+        <p:cNvGrpSpPr/>
+        <p:nvPr/>
+      </p:nvGrpSpPr>
+      <p:grpSpPr>
+        <a:xfrm>
+          <a:off x="0" y="0"/>
+          <a:ext cx="0" cy="0"/>
+          <a:chOff x="0" y="0"/>
+          <a:chExt cx="0" cy="0"/>
+        </a:xfrm>
+      </p:grpSpPr>
+      <p:sp>
+        <p:nvSpPr>
+          <p:cNvPr id="2" name="标题 1">
+            <a:extLst>
+              <a:ext uri="{FF2B5EF4-FFF2-40B4-BE49-F238E27FC236}">
+                <a16:creationId xmlns:a16="http://schemas.microsoft.com/office/drawing/2014/main" id="{DBD7AAEC-2B57-4116-B2B2-DE029C812AEE}"/>
+              </a:ext>
+            </a:extLst>
+          </p:cNvPr>
+          <p:cNvSpPr>
+            <a:spLocks noGrp="1"/>
+          </p:cNvSpPr>
+          <p:nvPr>
+            <p:ph type="title"/>
+          </p:nvPr>
+        </p:nvSpPr>
+        <p:spPr/>
+        <p:txBody>
+          <a:bodyPr/>
+          <a:lstStyle/>
+          <a:p>
+            <a:r>
+              <a:rPr lang="en-US" altLang="zh-CN" dirty="0"/>
+              <a:t>Which Degree of Polynomial?</a:t>
+            </a:r>
+            <a:endParaRPr lang="zh-CN" altLang="en-US" dirty="0"/>
+          </a:p>
+        </p:txBody>
+      </p:sp>
+      <p:pic>
+        <p:nvPicPr>
+          <p:cNvPr id="4" name="图片 3">
+            <a:extLst>
+              <a:ext uri="{FF2B5EF4-FFF2-40B4-BE49-F238E27FC236}">
+                <a16:creationId xmlns:a16="http://schemas.microsoft.com/office/drawing/2014/main" id="{F96B57CC-7830-4B3E-BC33-96C9DF7706A5}"/>
+              </a:ext>
+            </a:extLst>
+          </p:cNvPr>
+          <p:cNvPicPr>
+            <a:picLocks noChangeAspect="1"/>
+          </p:cNvPicPr>
+          <p:nvPr/>
+        </p:nvPicPr>
+        <p:blipFill>
+          <a:blip r:embed="rId2">
+            <a:extLst>
+              <a:ext uri="{28A0092B-C50C-407E-A947-70E740481C1C}">
+                <a14:useLocalDpi xmlns:a14="http://schemas.microsoft.com/office/drawing/2010/main" val="0"/>
+              </a:ext>
+            </a:extLst>
+          </a:blip>
+          <a:stretch>
+            <a:fillRect/>
+          </a:stretch>
+        </p:blipFill>
+        <p:spPr>
+          <a:xfrm>
+            <a:off x="533400" y="1676400"/>
+            <a:ext cx="5562599" cy="3991865"/>
+          </a:xfrm>
+          <a:prstGeom prst="rect">
+            <a:avLst/>
+          </a:prstGeom>
+        </p:spPr>
+      </p:pic>
+      <p:sp>
+        <p:nvSpPr>
+          <p:cNvPr id="6" name="矩形 5">
+            <a:extLst>
+              <a:ext uri="{FF2B5EF4-FFF2-40B4-BE49-F238E27FC236}">
+                <a16:creationId xmlns:a16="http://schemas.microsoft.com/office/drawing/2014/main" id="{5C8719B8-0B39-4587-931C-2E4672AC3F42}"/>
+              </a:ext>
+            </a:extLst>
+          </p:cNvPr>
+          <p:cNvSpPr/>
+          <p:nvPr/>
+        </p:nvSpPr>
+        <p:spPr>
+          <a:xfrm>
+            <a:off x="6267465" y="1981200"/>
+            <a:ext cx="2712089" cy="369332"/>
+          </a:xfrm>
+          <a:prstGeom prst="rect">
+            <a:avLst/>
+          </a:prstGeom>
+        </p:spPr>
+        <p:txBody>
+          <a:bodyPr wrap="none">
+            <a:spAutoFit/>
+          </a:bodyPr>
+          <a:lstStyle/>
+          <a:p>
+            <a:r>
+              <a:rPr lang="en-US" altLang="zh-CN" dirty="0">
+                <a:solidFill>
+                  <a:srgbClr val="000000"/>
+                </a:solidFill>
+                <a:latin typeface="CMR10"/>
+              </a:rPr>
+              <a:t>A </a:t>
+            </a:r>
+            <a:r>
+              <a:rPr lang="en-US" altLang="zh-CN" dirty="0">
+                <a:solidFill>
+                  <a:srgbClr val="FF0000"/>
+                </a:solidFill>
+                <a:latin typeface="CMR10"/>
+              </a:rPr>
+              <a:t>model selection </a:t>
+            </a:r>
+            <a:r>
+              <a:rPr lang="en-US" altLang="zh-CN" dirty="0">
+                <a:solidFill>
+                  <a:srgbClr val="000000"/>
+                </a:solidFill>
+                <a:latin typeface="CMR10"/>
+              </a:rPr>
+              <a:t>problem</a:t>
+            </a:r>
+            <a:endParaRPr lang="zh-CN" altLang="en-US" dirty="0"/>
+          </a:p>
+        </p:txBody>
+      </p:sp>
+      <p:sp>
+        <p:nvSpPr>
+          <p:cNvPr id="7" name="矩形 6">
+            <a:extLst>
+              <a:ext uri="{FF2B5EF4-FFF2-40B4-BE49-F238E27FC236}">
+                <a16:creationId xmlns:a16="http://schemas.microsoft.com/office/drawing/2014/main" id="{538C87D5-8731-4585-BEF9-5317BCD1E3FB}"/>
+              </a:ext>
+            </a:extLst>
+          </p:cNvPr>
+          <p:cNvSpPr/>
+          <p:nvPr/>
+        </p:nvSpPr>
+        <p:spPr>
+          <a:xfrm>
+            <a:off x="4191000" y="5715000"/>
+            <a:ext cx="3507563" cy="369332"/>
+          </a:xfrm>
+          <a:prstGeom prst="rect">
+            <a:avLst/>
+          </a:prstGeom>
+        </p:spPr>
+        <p:txBody>
+          <a:bodyPr wrap="none">
+            <a:spAutoFit/>
+          </a:bodyPr>
+          <a:lstStyle/>
+          <a:p>
+            <a:r>
+              <a:rPr lang="en-US" altLang="zh-CN" dirty="0">
+                <a:solidFill>
+                  <a:srgbClr val="000000"/>
+                </a:solidFill>
+                <a:latin typeface="CMMI10"/>
+              </a:rPr>
+              <a:t>M </a:t>
+            </a:r>
+            <a:r>
+              <a:rPr lang="en-US" altLang="zh-CN" dirty="0">
+                <a:solidFill>
+                  <a:srgbClr val="000000"/>
+                </a:solidFill>
+                <a:latin typeface="CMR10"/>
+              </a:rPr>
+              <a:t>= 9 </a:t>
+            </a:r>
+            <a:r>
+              <a:rPr lang="zh-CN" altLang="en-US" dirty="0">
+                <a:solidFill>
+                  <a:srgbClr val="000000"/>
+                </a:solidFill>
+                <a:latin typeface="CMSY10"/>
+              </a:rPr>
+              <a:t>→</a:t>
+            </a:r>
+            <a:r>
+              <a:rPr lang="en-US" altLang="zh-CN" dirty="0">
+                <a:solidFill>
+                  <a:srgbClr val="000000"/>
+                </a:solidFill>
+                <a:latin typeface="CMSY10"/>
+              </a:rPr>
+              <a:t> </a:t>
+            </a:r>
+            <a:r>
+              <a:rPr lang="en-US" altLang="zh-CN" dirty="0">
+                <a:solidFill>
+                  <a:srgbClr val="000000"/>
+                </a:solidFill>
+                <a:latin typeface="CMMI10"/>
+              </a:rPr>
+              <a:t>E</a:t>
+            </a:r>
+            <a:r>
+              <a:rPr lang="en-US" altLang="zh-CN" dirty="0">
+                <a:solidFill>
+                  <a:srgbClr val="000000"/>
+                </a:solidFill>
+                <a:latin typeface="CMR10"/>
+              </a:rPr>
+              <a:t>(</a:t>
+            </a:r>
+            <a:r>
+              <a:rPr lang="en-US" altLang="zh-CN" dirty="0">
+                <a:solidFill>
+                  <a:srgbClr val="000000"/>
+                </a:solidFill>
+                <a:latin typeface="CMMIB10"/>
+              </a:rPr>
+              <a:t>w</a:t>
+            </a:r>
+            <a:r>
+              <a:rPr lang="en-US" altLang="zh-CN" dirty="0">
+                <a:solidFill>
+                  <a:srgbClr val="000000"/>
+                </a:solidFill>
+                <a:latin typeface="CMR10"/>
+              </a:rPr>
+              <a:t>) = 0: This is </a:t>
+            </a:r>
+            <a:r>
+              <a:rPr lang="en-US" altLang="zh-CN" dirty="0">
+                <a:solidFill>
+                  <a:srgbClr val="FF0000"/>
+                </a:solidFill>
+                <a:latin typeface="CMR10"/>
+              </a:rPr>
+              <a:t>overfitting</a:t>
+            </a:r>
+            <a:endParaRPr lang="zh-CN" altLang="en-US" dirty="0">
+              <a:solidFill>
+                <a:srgbClr val="FF0000"/>
+              </a:solidFill>
+            </a:endParaRPr>
+          </a:p>
+        </p:txBody>
+      </p:sp>
+    </p:spTree>
+    <p:extLst>
+      <p:ext uri="{BB962C8B-B14F-4D97-AF65-F5344CB8AC3E}">
+        <p14:creationId xmlns:p14="http://schemas.microsoft.com/office/powerpoint/2010/main" val="2908011471"/>
+      </p:ext>
+    </p:extLst>
+  </p:cSld>
+  <p:clrMapOvr>
+    <a:masterClrMapping/>
+  </p:clrMapOvr>
+</p:sld>
+</file>
+
+<file path=ppt/slides/slide3.xml><?xml version="1.0" encoding="utf-8"?>
+<p:sld xmlns:a="http://schemas.openxmlformats.org/drawingml/2006/main" xmlns:r="http://schemas.openxmlformats.org/officeDocument/2006/relationships" xmlns:p="http://schemas.openxmlformats.org/presentationml/2006/main">
+  <p:cSld>
+    <p:spTree>
+      <p:nvGrpSpPr>
+        <p:cNvPr id="1" name=""/>
+        <p:cNvGrpSpPr/>
+        <p:nvPr/>
+      </p:nvGrpSpPr>
+      <p:grpSpPr>
+        <a:xfrm>
+          <a:off x="0" y="0"/>
+          <a:ext cx="0" cy="0"/>
+          <a:chOff x="0" y="0"/>
+          <a:chExt cx="0" cy="0"/>
+        </a:xfrm>
+      </p:grpSpPr>
+      <p:sp>
+        <p:nvSpPr>
+          <p:cNvPr id="2" name="标题 1"/>
+          <p:cNvSpPr>
+            <a:spLocks noGrp="1"/>
+          </p:cNvSpPr>
+          <p:nvPr>
+            <p:ph type="title"/>
+          </p:nvPr>
+        </p:nvSpPr>
+        <p:spPr/>
+        <p:txBody>
+          <a:bodyPr/>
+          <a:lstStyle/>
+          <a:p>
+            <a:r>
+              <a:rPr lang="zh-CN" altLang="en-US" dirty="0"/>
+              <a:t>什么是机器学习？</a:t>
+            </a:r>
+          </a:p>
+        </p:txBody>
+      </p:sp>
+      <p:pic>
+        <p:nvPicPr>
+          <p:cNvPr id="3" name="图片 2"/>
+          <p:cNvPicPr>
+            <a:picLocks noChangeAspect="1"/>
+          </p:cNvPicPr>
+          <p:nvPr/>
+        </p:nvPicPr>
+        <p:blipFill>
+          <a:blip r:embed="rId2"/>
+          <a:stretch>
+            <a:fillRect/>
+          </a:stretch>
+        </p:blipFill>
+        <p:spPr>
+          <a:xfrm>
+            <a:off x="156635" y="2895600"/>
+            <a:ext cx="8530165" cy="2667000"/>
+          </a:xfrm>
+          <a:prstGeom prst="rect">
+            <a:avLst/>
+          </a:prstGeom>
+        </p:spPr>
+      </p:pic>
+      <p:sp>
+        <p:nvSpPr>
+          <p:cNvPr id="5" name="矩形 4"/>
+          <p:cNvSpPr/>
+          <p:nvPr/>
+        </p:nvSpPr>
+        <p:spPr>
+          <a:xfrm>
+            <a:off x="3398460" y="3505200"/>
+            <a:ext cx="1519765" cy="830997"/>
+          </a:xfrm>
+          <a:prstGeom prst="rect">
+            <a:avLst/>
+          </a:prstGeom>
+          <a:solidFill>
+            <a:schemeClr val="bg1"/>
+          </a:solidFill>
+        </p:spPr>
+        <p:txBody>
+          <a:bodyPr wrap="square" rtlCol="0" anchor="ctr">
+            <a:spAutoFit/>
+          </a:bodyPr>
+          <a:lstStyle/>
+          <a:p>
+            <a:pPr algn="ctr"/>
+            <a:endParaRPr lang="en-US" altLang="zh-CN" sz="2400" dirty="0"/>
+          </a:p>
+          <a:p>
+            <a:pPr algn="ctr"/>
+            <a:endParaRPr lang="zh-CN" altLang="en-US" sz="2400" dirty="0"/>
+          </a:p>
+        </p:txBody>
+      </p:sp>
+      <p:sp>
+        <p:nvSpPr>
+          <p:cNvPr id="6" name="文本框 5"/>
+          <p:cNvSpPr txBox="1"/>
+          <p:nvPr/>
+        </p:nvSpPr>
+        <p:spPr>
+          <a:xfrm>
+            <a:off x="381000" y="5562600"/>
+            <a:ext cx="1980029" cy="369332"/>
+          </a:xfrm>
+          <a:prstGeom prst="rect">
+            <a:avLst/>
+          </a:prstGeom>
+          <a:noFill/>
+        </p:spPr>
+        <p:txBody>
+          <a:bodyPr wrap="none" rtlCol="0">
+            <a:spAutoFit/>
+          </a:bodyPr>
+          <a:lstStyle/>
+          <a:p>
+            <a:r>
+              <a:rPr lang="zh-CN" altLang="en-US" dirty="0"/>
+              <a:t>独立同分布 </a:t>
+            </a:r>
+            <a:r>
+              <a:rPr lang="en-US" altLang="zh-CN" dirty="0"/>
+              <a:t>p(</a:t>
+            </a:r>
+            <a:r>
+              <a:rPr lang="en-US" altLang="zh-CN" dirty="0" err="1"/>
+              <a:t>x,y</a:t>
+            </a:r>
+            <a:r>
+              <a:rPr lang="en-US" altLang="zh-CN" dirty="0"/>
+              <a:t>)</a:t>
+            </a:r>
+            <a:endParaRPr lang="zh-CN" altLang="en-US" dirty="0"/>
+          </a:p>
+        </p:txBody>
+      </p:sp>
+      <p:sp>
+        <p:nvSpPr>
+          <p:cNvPr id="4" name="矩形 3"/>
+          <p:cNvSpPr/>
+          <p:nvPr/>
+        </p:nvSpPr>
+        <p:spPr>
+          <a:xfrm>
+            <a:off x="149378" y="4299466"/>
+            <a:ext cx="6251422" cy="1796534"/>
+          </a:xfrm>
+          <a:prstGeom prst="rect">
+            <a:avLst/>
+          </a:prstGeom>
+          <a:solidFill>
+            <a:schemeClr val="bg1"/>
+          </a:solidFill>
+        </p:spPr>
+        <p:txBody>
+          <a:bodyPr wrap="square" rtlCol="0" anchor="ctr">
+            <a:spAutoFit/>
+          </a:bodyPr>
+          <a:lstStyle/>
+          <a:p>
+            <a:pPr algn="ctr"/>
+            <a:endParaRPr lang="zh-CN" altLang="en-US" sz="2400" dirty="0"/>
+          </a:p>
+        </p:txBody>
+      </p:sp>
+      <p:sp>
+        <p:nvSpPr>
+          <p:cNvPr id="7" name="矩形 6"/>
+          <p:cNvSpPr/>
+          <p:nvPr/>
+        </p:nvSpPr>
+        <p:spPr>
+          <a:xfrm>
+            <a:off x="762000" y="1279653"/>
+            <a:ext cx="7924800" cy="1015663"/>
+          </a:xfrm>
+          <a:prstGeom prst="rect">
+            <a:avLst/>
+          </a:prstGeom>
+        </p:spPr>
+        <p:txBody>
+          <a:bodyPr wrap="square">
+            <a:spAutoFit/>
+          </a:bodyPr>
+          <a:lstStyle/>
+          <a:p>
+            <a:r>
+              <a:rPr lang="zh-CN" altLang="en-US" sz="2000" dirty="0"/>
+              <a:t>机器学习：从数据中获得决策（预测）函数使得机器可以根据数据进行自动学习，通过算法使得机器能从大量历史数据中学习规律从而对新的样本做决策。</a:t>
+            </a:r>
+            <a:endParaRPr lang="en-US" altLang="zh-CN" sz="2000" dirty="0"/>
+          </a:p>
+        </p:txBody>
+      </p:sp>
+    </p:spTree>
+    <p:extLst>
+      <p:ext uri="{BB962C8B-B14F-4D97-AF65-F5344CB8AC3E}">
+        <p14:creationId xmlns:p14="http://schemas.microsoft.com/office/powerpoint/2010/main" val="1559860817"/>
+      </p:ext>
+    </p:extLst>
+  </p:cSld>
+  <p:clrMapOvr>
+    <a:masterClrMapping/>
+  </p:clrMapOvr>
+  <p:timing>
+    <p:tnLst>
+      <p:par>
+        <p:cTn id="1" dur="indefinite" restart="never" nodeType="tmRoot">
+          <p:childTnLst>
+            <p:seq concurrent="1" nextAc="seek">
+              <p:cTn id="2" dur="indefinite" nodeType="mainSeq">
+                <p:childTnLst>
+                  <p:par>
+                    <p:cTn id="3" fill="hold">
+                      <p:stCondLst>
+                        <p:cond delay="indefinite"/>
+                      </p:stCondLst>
+                      <p:childTnLst>
+                        <p:par>
+                          <p:cTn id="4" fill="hold">
+                            <p:stCondLst>
+                              <p:cond delay="0"/>
+                            </p:stCondLst>
+                            <p:childTnLst>
+                              <p:par>
+                                <p:cTn id="5" presetID="10" presetClass="exit" presetSubtype="0" fill="hold" grpId="0" nodeType="clickEffect">
+                                  <p:stCondLst>
+                                    <p:cond delay="0"/>
+                                  </p:stCondLst>
+                                  <p:childTnLst>
+                                    <p:animEffect transition="out" filter="fade">
+                                      <p:cBhvr>
+                                        <p:cTn id="6" dur="500"/>
+                                        <p:tgtEl>
+                                          <p:spTgt spid="4"/>
+                                        </p:tgtEl>
+                                      </p:cBhvr>
+                                    </p:animEffect>
+                                    <p:set>
+                                      <p:cBhvr>
+                                        <p:cTn id="7" dur="1" fill="hold">
+                                          <p:stCondLst>
+                                            <p:cond delay="499"/>
+                                          </p:stCondLst>
+                                        </p:cTn>
+                                        <p:tgtEl>
+                                          <p:spTgt spid="4"/>
+                                        </p:tgtEl>
+                                        <p:attrNameLst>
+                                          <p:attrName>style.visibility</p:attrName>
+                                        </p:attrNameLst>
+                                      </p:cBhvr>
+                                      <p:to>
+                                        <p:strVal val="hidden"/>
+                                      </p:to>
+                                    </p:set>
+                                  </p:childTnLst>
+                                </p:cTn>
+                              </p:par>
+                              <p:par>
+                                <p:cTn id="8" presetID="10" presetClass="exit" presetSubtype="0" fill="hold" grpId="0" nodeType="withEffect">
+                                  <p:stCondLst>
+                                    <p:cond delay="0"/>
+                                  </p:stCondLst>
+                                  <p:childTnLst>
+                                    <p:animEffect transition="out" filter="fade">
+                                      <p:cBhvr>
+                                        <p:cTn id="9" dur="500"/>
+                                        <p:tgtEl>
+                                          <p:spTgt spid="5"/>
+                                        </p:tgtEl>
+                                      </p:cBhvr>
+                                    </p:animEffect>
+                                    <p:set>
+                                      <p:cBhvr>
+                                        <p:cTn id="10" dur="1" fill="hold">
+                                          <p:stCondLst>
+                                            <p:cond delay="499"/>
+                                          </p:stCondLst>
+                                        </p:cTn>
+                                        <p:tgtEl>
+                                          <p:spTgt spid="5"/>
+                                        </p:tgtEl>
+                                        <p:attrNameLst>
+                                          <p:attrName>style.visibility</p:attrName>
+                                        </p:attrNameLst>
+                                      </p:cBhvr>
+                                      <p:to>
+                                        <p:strVal val="hidden"/>
+                                      </p:to>
+                                    </p:set>
+                                  </p:childTnLst>
+                                </p:cTn>
+                              </p:par>
+                            </p:childTnLst>
+                          </p:cTn>
+                        </p:par>
+                      </p:childTnLst>
+                    </p:cTn>
+                  </p:par>
+                </p:childTnLst>
+              </p:cTn>
+              <p:prevCondLst>
+                <p:cond evt="onPrev" delay="0">
+                  <p:tgtEl>
+                    <p:sldTgt/>
+                  </p:tgtEl>
+                </p:cond>
+              </p:prevCondLst>
+              <p:nextCondLst>
+                <p:cond evt="onNext" delay="0">
+                  <p:tgtEl>
+                    <p:sldTgt/>
+                  </p:tgtEl>
+                </p:cond>
+              </p:nextCondLst>
+            </p:seq>
+          </p:childTnLst>
+        </p:cTn>
+      </p:par>
+    </p:tnLst>
+    <p:bldLst>
+      <p:bldP spid="5" grpId="0" animBg="1"/>
+      <p:bldP spid="4" grpId="0" animBg="1"/>
+    </p:bldLst>
+  </p:timing>
+</p:sld>
+</file>
+
+<file path=ppt/slides/slide30.xml><?xml version="1.0" encoding="utf-8"?>
+<p:sld xmlns:a="http://schemas.openxmlformats.org/drawingml/2006/main" xmlns:r="http://schemas.openxmlformats.org/officeDocument/2006/relationships" xmlns:p="http://schemas.openxmlformats.org/presentationml/2006/main">
+  <p:cSld>
+    <p:spTree>
+      <p:nvGrpSpPr>
+        <p:cNvPr id="1" name=""/>
+        <p:cNvGrpSpPr/>
+        <p:nvPr/>
+      </p:nvGrpSpPr>
+      <p:grpSpPr>
+        <a:xfrm>
+          <a:off x="0" y="0"/>
+          <a:ext cx="0" cy="0"/>
+          <a:chOff x="0" y="0"/>
+          <a:chExt cx="0" cy="0"/>
+        </a:xfrm>
+      </p:grpSpPr>
+      <p:sp>
+        <p:nvSpPr>
+          <p:cNvPr id="2" name="标题 1">
+            <a:extLst>
+              <a:ext uri="{FF2B5EF4-FFF2-40B4-BE49-F238E27FC236}">
+                <a16:creationId xmlns:a16="http://schemas.microsoft.com/office/drawing/2014/main" id="{DA2FB6E1-B296-453F-B9E0-0DF7C65B7FAC}"/>
+              </a:ext>
+            </a:extLst>
+          </p:cNvPr>
+          <p:cNvSpPr>
+            <a:spLocks noGrp="1"/>
+          </p:cNvSpPr>
+          <p:nvPr>
+            <p:ph type="title"/>
+          </p:nvPr>
+        </p:nvSpPr>
+        <p:spPr/>
+        <p:txBody>
+          <a:bodyPr/>
+          <a:lstStyle/>
+          <a:p>
+            <a:r>
+              <a:rPr lang="en-US" altLang="zh-CN" sz="3200" dirty="0"/>
+              <a:t>Controlling Overfitting: Regularization</a:t>
+            </a:r>
+            <a:endParaRPr lang="zh-CN" altLang="en-US" sz="3200" dirty="0"/>
+          </a:p>
+        </p:txBody>
+      </p:sp>
+      <p:pic>
+        <p:nvPicPr>
+          <p:cNvPr id="5" name="图片 4">
+            <a:extLst>
+              <a:ext uri="{FF2B5EF4-FFF2-40B4-BE49-F238E27FC236}">
+                <a16:creationId xmlns:a16="http://schemas.microsoft.com/office/drawing/2014/main" id="{4C7B1B81-BB50-483A-9665-F15AF4CA9A01}"/>
+              </a:ext>
+            </a:extLst>
+          </p:cNvPr>
+          <p:cNvPicPr>
+            <a:picLocks noChangeAspect="1"/>
+          </p:cNvPicPr>
+          <p:nvPr/>
+        </p:nvPicPr>
+        <p:blipFill>
+          <a:blip r:embed="rId2">
+            <a:extLst>
+              <a:ext uri="{28A0092B-C50C-407E-A947-70E740481C1C}">
+                <a14:useLocalDpi xmlns:a14="http://schemas.microsoft.com/office/drawing/2010/main" val="0"/>
+              </a:ext>
+            </a:extLst>
+          </a:blip>
+          <a:stretch>
+            <a:fillRect/>
+          </a:stretch>
+        </p:blipFill>
+        <p:spPr>
+          <a:xfrm>
+            <a:off x="1020443" y="1600200"/>
+            <a:ext cx="7103114" cy="2579982"/>
+          </a:xfrm>
+          <a:prstGeom prst="rect">
+            <a:avLst/>
+          </a:prstGeom>
+        </p:spPr>
+      </p:pic>
+      <p:sp>
+        <p:nvSpPr>
+          <p:cNvPr id="6" name="矩形 5">
+            <a:extLst>
+              <a:ext uri="{FF2B5EF4-FFF2-40B4-BE49-F238E27FC236}">
+                <a16:creationId xmlns:a16="http://schemas.microsoft.com/office/drawing/2014/main" id="{DBBE9B64-84A4-449F-B0BB-64645307B788}"/>
+              </a:ext>
+            </a:extLst>
+          </p:cNvPr>
+          <p:cNvSpPr/>
+          <p:nvPr/>
+        </p:nvSpPr>
+        <p:spPr>
+          <a:xfrm>
+            <a:off x="1371600" y="4231887"/>
+            <a:ext cx="6673312" cy="369332"/>
+          </a:xfrm>
+          <a:prstGeom prst="rect">
+            <a:avLst/>
+          </a:prstGeom>
+        </p:spPr>
+        <p:txBody>
+          <a:bodyPr wrap="square">
+            <a:spAutoFit/>
+          </a:bodyPr>
+          <a:lstStyle/>
+          <a:p>
+            <a:r>
+              <a:rPr lang="en-US" altLang="zh-CN" dirty="0">
+                <a:solidFill>
+                  <a:srgbClr val="FF0000"/>
+                </a:solidFill>
+                <a:latin typeface="CMR10"/>
+              </a:rPr>
+              <a:t>As order of polynomial </a:t>
+            </a:r>
+            <a:r>
+              <a:rPr lang="en-US" altLang="zh-CN" dirty="0">
+                <a:solidFill>
+                  <a:srgbClr val="FF0000"/>
+                </a:solidFill>
+                <a:latin typeface="CMMI10"/>
+              </a:rPr>
+              <a:t>M </a:t>
+            </a:r>
+            <a:r>
+              <a:rPr lang="en-US" altLang="zh-CN" dirty="0">
+                <a:solidFill>
+                  <a:srgbClr val="FF0000"/>
+                </a:solidFill>
+                <a:latin typeface="CMR10"/>
+              </a:rPr>
+              <a:t>increases, so do coefficient magnitudes!</a:t>
+            </a:r>
+            <a:endParaRPr lang="zh-CN" altLang="en-US" dirty="0">
+              <a:solidFill>
+                <a:srgbClr val="FF0000"/>
+              </a:solidFill>
+            </a:endParaRPr>
+          </a:p>
+        </p:txBody>
+      </p:sp>
+      <p:pic>
+        <p:nvPicPr>
+          <p:cNvPr id="8" name="图片 7">
+            <a:extLst>
+              <a:ext uri="{FF2B5EF4-FFF2-40B4-BE49-F238E27FC236}">
+                <a16:creationId xmlns:a16="http://schemas.microsoft.com/office/drawing/2014/main" id="{F09A38BF-84E0-4850-A31E-9A7FEAC08092}"/>
+              </a:ext>
+            </a:extLst>
+          </p:cNvPr>
+          <p:cNvPicPr>
+            <a:picLocks noChangeAspect="1"/>
+          </p:cNvPicPr>
+          <p:nvPr/>
+        </p:nvPicPr>
+        <p:blipFill>
+          <a:blip r:embed="rId3" cstate="print">
+            <a:extLst>
+              <a:ext uri="{28A0092B-C50C-407E-A947-70E740481C1C}">
+                <a14:useLocalDpi xmlns:a14="http://schemas.microsoft.com/office/drawing/2010/main" val="0"/>
+              </a:ext>
+            </a:extLst>
+          </a:blip>
+          <a:stretch>
+            <a:fillRect/>
+          </a:stretch>
+        </p:blipFill>
+        <p:spPr>
+          <a:xfrm>
+            <a:off x="2653267" y="5181600"/>
+            <a:ext cx="3837466" cy="832812"/>
+          </a:xfrm>
+          <a:prstGeom prst="rect">
+            <a:avLst/>
+          </a:prstGeom>
+        </p:spPr>
+      </p:pic>
+      <p:sp>
+        <p:nvSpPr>
+          <p:cNvPr id="9" name="文本框 8">
+            <a:extLst>
+              <a:ext uri="{FF2B5EF4-FFF2-40B4-BE49-F238E27FC236}">
+                <a16:creationId xmlns:a16="http://schemas.microsoft.com/office/drawing/2014/main" id="{9057A9B0-F316-4B03-A8B8-1EC61BA160D0}"/>
+              </a:ext>
+            </a:extLst>
+          </p:cNvPr>
+          <p:cNvSpPr txBox="1"/>
+          <p:nvPr/>
+        </p:nvSpPr>
+        <p:spPr>
+          <a:xfrm>
+            <a:off x="5562600" y="5829746"/>
+            <a:ext cx="2262158" cy="369332"/>
+          </a:xfrm>
+          <a:prstGeom prst="rect">
+            <a:avLst/>
+          </a:prstGeom>
+          <a:noFill/>
+        </p:spPr>
+        <p:txBody>
+          <a:bodyPr wrap="none" rtlCol="0">
+            <a:spAutoFit/>
+          </a:bodyPr>
+          <a:lstStyle/>
+          <a:p>
+            <a:r>
+              <a:rPr lang="zh-CN" altLang="en-US" dirty="0">
+                <a:solidFill>
+                  <a:srgbClr val="FF0000"/>
+                </a:solidFill>
+              </a:rPr>
+              <a:t>对大的系数进行惩罚</a:t>
+            </a:r>
+          </a:p>
+        </p:txBody>
+      </p:sp>
+    </p:spTree>
+    <p:extLst>
+      <p:ext uri="{BB962C8B-B14F-4D97-AF65-F5344CB8AC3E}">
+        <p14:creationId xmlns:p14="http://schemas.microsoft.com/office/powerpoint/2010/main" val="3253750970"/>
+      </p:ext>
+    </p:extLst>
+  </p:cSld>
+  <p:clrMapOvr>
+    <a:masterClrMapping/>
+  </p:clrMapOvr>
+  <p:timing>
+    <p:tnLst>
+      <p:par>
+        <p:cTn id="1" dur="indefinite" restart="never" nodeType="tmRoot">
+          <p:childTnLst>
+            <p:seq concurrent="1" nextAc="seek">
+              <p:cTn id="2" dur="indefinite" nodeType="mainSeq">
+                <p:childTnLst>
+                  <p:par>
+                    <p:cTn id="3" fill="hold">
+                      <p:stCondLst>
+                        <p:cond delay="indefinite"/>
+                      </p:stCondLst>
+                      <p:childTnLst>
+                        <p:par>
+                          <p:cTn id="4" fill="hold">
+                            <p:stCondLst>
+                              <p:cond delay="0"/>
+                            </p:stCondLst>
+                            <p:childTnLst>
+                              <p:par>
+                                <p:cTn id="5" presetID="10" presetClass="entr" presetSubtype="0" fill="hold" nodeType="clickEffect">
+                                  <p:stCondLst>
+                                    <p:cond delay="0"/>
+                                  </p:stCondLst>
+                                  <p:childTnLst>
+                                    <p:set>
+                                      <p:cBhvr>
+                                        <p:cTn id="6" dur="1" fill="hold">
+                                          <p:stCondLst>
+                                            <p:cond delay="0"/>
+                                          </p:stCondLst>
+                                        </p:cTn>
+                                        <p:tgtEl>
+                                          <p:spTgt spid="8"/>
+                                        </p:tgtEl>
+                                        <p:attrNameLst>
+                                          <p:attrName>style.visibility</p:attrName>
+                                        </p:attrNameLst>
+                                      </p:cBhvr>
+                                      <p:to>
+                                        <p:strVal val="visible"/>
+                                      </p:to>
+                                    </p:set>
+                                    <p:animEffect transition="in" filter="fade">
+                                      <p:cBhvr>
+                                        <p:cTn id="7" dur="500"/>
+                                        <p:tgtEl>
+                                          <p:spTgt spid="8"/>
+                                        </p:tgtEl>
+                                      </p:cBhvr>
+                                    </p:animEffect>
+                                  </p:childTnLst>
+                                </p:cTn>
+                              </p:par>
+                              <p:par>
+                                <p:cTn id="8" presetID="10" presetClass="entr" presetSubtype="0" fill="hold" grpId="0" nodeType="withEffect">
+                                  <p:stCondLst>
+                                    <p:cond delay="0"/>
+                                  </p:stCondLst>
+                                  <p:childTnLst>
+                                    <p:set>
+                                      <p:cBhvr>
+                                        <p:cTn id="9" dur="1" fill="hold">
+                                          <p:stCondLst>
+                                            <p:cond delay="0"/>
+                                          </p:stCondLst>
+                                        </p:cTn>
+                                        <p:tgtEl>
+                                          <p:spTgt spid="9"/>
+                                        </p:tgtEl>
+                                        <p:attrNameLst>
+                                          <p:attrName>style.visibility</p:attrName>
+                                        </p:attrNameLst>
+                                      </p:cBhvr>
+                                      <p:to>
+                                        <p:strVal val="visible"/>
+                                      </p:to>
+                                    </p:set>
+                                    <p:animEffect transition="in" filter="fade">
+                                      <p:cBhvr>
+                                        <p:cTn id="10" dur="500"/>
+                                        <p:tgtEl>
+                                          <p:spTgt spid="9"/>
+                                        </p:tgtEl>
+                                      </p:cBhvr>
+                                    </p:animEffect>
+                                  </p:childTnLst>
+                                </p:cTn>
+                              </p:par>
+                            </p:childTnLst>
+                          </p:cTn>
+                        </p:par>
+                      </p:childTnLst>
+                    </p:cTn>
+                  </p:par>
+                </p:childTnLst>
+              </p:cTn>
+              <p:prevCondLst>
+                <p:cond evt="onPrev" delay="0">
+                  <p:tgtEl>
+                    <p:sldTgt/>
+                  </p:tgtEl>
+                </p:cond>
+              </p:prevCondLst>
+              <p:nextCondLst>
+                <p:cond evt="onNext" delay="0">
+                  <p:tgtEl>
+                    <p:sldTgt/>
+                  </p:tgtEl>
+                </p:cond>
+              </p:nextCondLst>
+            </p:seq>
+          </p:childTnLst>
+        </p:cTn>
+      </p:par>
+    </p:tnLst>
+    <p:bldLst>
+      <p:bldP spid="9" grpId="0"/>
+    </p:bldLst>
+  </p:timing>
+</p:sld>
+</file>
+
+<file path=ppt/slides/slide31.xml><?xml version="1.0" encoding="utf-8"?>
+<p:sld xmlns:a="http://schemas.openxmlformats.org/drawingml/2006/main" xmlns:r="http://schemas.openxmlformats.org/officeDocument/2006/relationships" xmlns:p="http://schemas.openxmlformats.org/presentationml/2006/main">
+  <p:cSld>
+    <p:spTree>
+      <p:nvGrpSpPr>
+        <p:cNvPr id="1" name=""/>
+        <p:cNvGrpSpPr/>
+        <p:nvPr/>
+      </p:nvGrpSpPr>
+      <p:grpSpPr>
+        <a:xfrm>
+          <a:off x="0" y="0"/>
+          <a:ext cx="0" cy="0"/>
+          <a:chOff x="0" y="0"/>
+          <a:chExt cx="0" cy="0"/>
+        </a:xfrm>
+      </p:grpSpPr>
+      <p:sp>
+        <p:nvSpPr>
+          <p:cNvPr id="2" name="标题 1">
+            <a:extLst>
+              <a:ext uri="{FF2B5EF4-FFF2-40B4-BE49-F238E27FC236}">
+                <a16:creationId xmlns:a16="http://schemas.microsoft.com/office/drawing/2014/main" id="{DA2FB6E1-B296-453F-B9E0-0DF7C65B7FAC}"/>
+              </a:ext>
+            </a:extLst>
+          </p:cNvPr>
+          <p:cNvSpPr>
+            <a:spLocks noGrp="1"/>
+          </p:cNvSpPr>
+          <p:nvPr>
+            <p:ph type="title"/>
+          </p:nvPr>
+        </p:nvSpPr>
+        <p:spPr/>
+        <p:txBody>
+          <a:bodyPr/>
+          <a:lstStyle/>
+          <a:p>
+            <a:r>
+              <a:rPr lang="en-US" altLang="zh-CN" sz="3200" dirty="0"/>
+              <a:t>Controlling Overfitting: Regularization</a:t>
+            </a:r>
+            <a:endParaRPr lang="zh-CN" altLang="en-US" sz="3200" dirty="0"/>
+          </a:p>
+        </p:txBody>
+      </p:sp>
+      <p:pic>
+        <p:nvPicPr>
+          <p:cNvPr id="8" name="图片 7">
+            <a:extLst>
+              <a:ext uri="{FF2B5EF4-FFF2-40B4-BE49-F238E27FC236}">
+                <a16:creationId xmlns:a16="http://schemas.microsoft.com/office/drawing/2014/main" id="{F09A38BF-84E0-4850-A31E-9A7FEAC08092}"/>
+              </a:ext>
+            </a:extLst>
+          </p:cNvPr>
+          <p:cNvPicPr>
+            <a:picLocks noChangeAspect="1"/>
+          </p:cNvPicPr>
+          <p:nvPr/>
+        </p:nvPicPr>
+        <p:blipFill>
+          <a:blip r:embed="rId2" cstate="print">
+            <a:extLst>
+              <a:ext uri="{28A0092B-C50C-407E-A947-70E740481C1C}">
+                <a14:useLocalDpi xmlns:a14="http://schemas.microsoft.com/office/drawing/2010/main" val="0"/>
+              </a:ext>
+            </a:extLst>
+          </a:blip>
+          <a:stretch>
+            <a:fillRect/>
+          </a:stretch>
+        </p:blipFill>
+        <p:spPr>
+          <a:xfrm>
+            <a:off x="2653267" y="1447800"/>
+            <a:ext cx="3837466" cy="832812"/>
+          </a:xfrm>
+          <a:prstGeom prst="rect">
+            <a:avLst/>
+          </a:prstGeom>
+        </p:spPr>
+      </p:pic>
+      <p:pic>
+        <p:nvPicPr>
+          <p:cNvPr id="7" name="图片 6">
+            <a:extLst>
+              <a:ext uri="{FF2B5EF4-FFF2-40B4-BE49-F238E27FC236}">
+                <a16:creationId xmlns:a16="http://schemas.microsoft.com/office/drawing/2014/main" id="{0A3877A5-0302-4B68-8442-1D6317004D93}"/>
+              </a:ext>
+            </a:extLst>
+          </p:cNvPr>
+          <p:cNvPicPr>
+            <a:picLocks noChangeAspect="1"/>
+          </p:cNvPicPr>
+          <p:nvPr/>
+        </p:nvPicPr>
+        <p:blipFill>
+          <a:blip r:embed="rId3">
+            <a:extLst>
+              <a:ext uri="{28A0092B-C50C-407E-A947-70E740481C1C}">
+                <a14:useLocalDpi xmlns:a14="http://schemas.microsoft.com/office/drawing/2010/main" val="0"/>
+              </a:ext>
+            </a:extLst>
+          </a:blip>
+          <a:stretch>
+            <a:fillRect/>
+          </a:stretch>
+        </p:blipFill>
+        <p:spPr>
+          <a:xfrm>
+            <a:off x="5181600" y="2667000"/>
+            <a:ext cx="3352888" cy="2487451"/>
+          </a:xfrm>
+          <a:prstGeom prst="rect">
+            <a:avLst/>
+          </a:prstGeom>
+        </p:spPr>
+      </p:pic>
+      <p:pic>
+        <p:nvPicPr>
+          <p:cNvPr id="11" name="图片 10">
+            <a:extLst>
+              <a:ext uri="{FF2B5EF4-FFF2-40B4-BE49-F238E27FC236}">
+                <a16:creationId xmlns:a16="http://schemas.microsoft.com/office/drawing/2014/main" id="{312F5BC5-4437-46EE-91B7-55E1ABEE30BE}"/>
+              </a:ext>
+            </a:extLst>
+          </p:cNvPr>
+          <p:cNvPicPr>
+            <a:picLocks noChangeAspect="1"/>
+          </p:cNvPicPr>
+          <p:nvPr/>
+        </p:nvPicPr>
+        <p:blipFill>
+          <a:blip r:embed="rId4" cstate="print">
+            <a:extLst>
+              <a:ext uri="{28A0092B-C50C-407E-A947-70E740481C1C}">
+                <a14:useLocalDpi xmlns:a14="http://schemas.microsoft.com/office/drawing/2010/main" val="0"/>
+              </a:ext>
+            </a:extLst>
+          </a:blip>
+          <a:stretch>
+            <a:fillRect/>
+          </a:stretch>
+        </p:blipFill>
+        <p:spPr>
+          <a:xfrm>
+            <a:off x="228600" y="3124200"/>
+            <a:ext cx="4897893" cy="1862238"/>
+          </a:xfrm>
+          <a:prstGeom prst="rect">
+            <a:avLst/>
+          </a:prstGeom>
+        </p:spPr>
+      </p:pic>
+    </p:spTree>
+    <p:extLst>
+      <p:ext uri="{BB962C8B-B14F-4D97-AF65-F5344CB8AC3E}">
+        <p14:creationId xmlns:p14="http://schemas.microsoft.com/office/powerpoint/2010/main" val="1965304503"/>
+      </p:ext>
+    </p:extLst>
+  </p:cSld>
+  <p:clrMapOvr>
+    <a:masterClrMapping/>
+  </p:clrMapOvr>
+</p:sld>
+</file>
+
+<file path=ppt/slides/slide32.xml><?xml version="1.0" encoding="utf-8"?>
+<p:sld xmlns:a="http://schemas.openxmlformats.org/drawingml/2006/main" xmlns:r="http://schemas.openxmlformats.org/officeDocument/2006/relationships" xmlns:p="http://schemas.openxmlformats.org/presentationml/2006/main">
+  <p:cSld>
+    <p:spTree>
+      <p:nvGrpSpPr>
+        <p:cNvPr id="1" name=""/>
+        <p:cNvGrpSpPr/>
+        <p:nvPr/>
+      </p:nvGrpSpPr>
+      <p:grpSpPr>
+        <a:xfrm>
+          <a:off x="0" y="0"/>
+          <a:ext cx="0" cy="0"/>
+          <a:chOff x="0" y="0"/>
+          <a:chExt cx="0" cy="0"/>
+        </a:xfrm>
+      </p:grpSpPr>
+      <p:sp>
+        <p:nvSpPr>
+          <p:cNvPr id="2" name="标题 1">
+            <a:extLst>
+              <a:ext uri="{FF2B5EF4-FFF2-40B4-BE49-F238E27FC236}">
+                <a16:creationId xmlns:a16="http://schemas.microsoft.com/office/drawing/2014/main" id="{DA2FB6E1-B296-453F-B9E0-0DF7C65B7FAC}"/>
+              </a:ext>
+            </a:extLst>
+          </p:cNvPr>
+          <p:cNvSpPr>
+            <a:spLocks noGrp="1"/>
+          </p:cNvSpPr>
+          <p:nvPr>
+            <p:ph type="title"/>
+          </p:nvPr>
+        </p:nvSpPr>
+        <p:spPr/>
+        <p:txBody>
+          <a:bodyPr/>
+          <a:lstStyle/>
+          <a:p>
+            <a:r>
+              <a:rPr lang="en-US" altLang="zh-CN" sz="3200" dirty="0"/>
+              <a:t>Controlling Overfitting: </a:t>
+            </a:r>
+            <a:r>
+              <a:rPr lang="en-US" altLang="zh-CN" dirty="0"/>
+              <a:t>Dataset size</a:t>
+            </a:r>
+            <a:endParaRPr lang="zh-CN" altLang="en-US" sz="3200" dirty="0"/>
+          </a:p>
+        </p:txBody>
+      </p:sp>
+      <p:pic>
+        <p:nvPicPr>
+          <p:cNvPr id="6" name="图片 5">
+            <a:extLst>
+              <a:ext uri="{FF2B5EF4-FFF2-40B4-BE49-F238E27FC236}">
+                <a16:creationId xmlns:a16="http://schemas.microsoft.com/office/drawing/2014/main" id="{407D6E8A-5296-4C95-8D48-2946AFEA4B9D}"/>
+              </a:ext>
+            </a:extLst>
+          </p:cNvPr>
+          <p:cNvPicPr>
+            <a:picLocks noChangeAspect="1"/>
+          </p:cNvPicPr>
+          <p:nvPr/>
+        </p:nvPicPr>
+        <p:blipFill>
+          <a:blip r:embed="rId2">
+            <a:extLst>
+              <a:ext uri="{28A0092B-C50C-407E-A947-70E740481C1C}">
+                <a14:useLocalDpi xmlns:a14="http://schemas.microsoft.com/office/drawing/2010/main" val="0"/>
+              </a:ext>
+            </a:extLst>
+          </a:blip>
+          <a:stretch>
+            <a:fillRect/>
+          </a:stretch>
+        </p:blipFill>
+        <p:spPr>
+          <a:xfrm>
+            <a:off x="691141" y="2286000"/>
+            <a:ext cx="7761717" cy="2808588"/>
+          </a:xfrm>
+          <a:prstGeom prst="rect">
+            <a:avLst/>
+          </a:prstGeom>
+        </p:spPr>
+      </p:pic>
+    </p:spTree>
+    <p:extLst>
+      <p:ext uri="{BB962C8B-B14F-4D97-AF65-F5344CB8AC3E}">
+        <p14:creationId xmlns:p14="http://schemas.microsoft.com/office/powerpoint/2010/main" val="3842225637"/>
+      </p:ext>
+    </p:extLst>
+  </p:cSld>
+  <p:clrMapOvr>
+    <a:masterClrMapping/>
+  </p:clrMapOvr>
+</p:sld>
+</file>
+
+<file path=ppt/slides/slide33.xml><?xml version="1.0" encoding="utf-8"?>
+<p:sld xmlns:a="http://schemas.openxmlformats.org/drawingml/2006/main" xmlns:r="http://schemas.openxmlformats.org/officeDocument/2006/relationships" xmlns:p="http://schemas.openxmlformats.org/presentationml/2006/main">
+  <p:cSld>
+    <p:spTree>
+      <p:nvGrpSpPr>
+        <p:cNvPr id="1" name=""/>
+        <p:cNvGrpSpPr/>
+        <p:nvPr/>
+      </p:nvGrpSpPr>
+      <p:grpSpPr>
+        <a:xfrm>
+          <a:off x="0" y="0"/>
+          <a:ext cx="0" cy="0"/>
+          <a:chOff x="0" y="0"/>
+          <a:chExt cx="0" cy="0"/>
+        </a:xfrm>
+      </p:grpSpPr>
+      <p:sp>
+        <p:nvSpPr>
+          <p:cNvPr id="2" name="标题 1"/>
+          <p:cNvSpPr>
+            <a:spLocks noGrp="1"/>
+          </p:cNvSpPr>
+          <p:nvPr>
+            <p:ph type="ctrTitle"/>
+          </p:nvPr>
+        </p:nvSpPr>
+        <p:spPr/>
+        <p:txBody>
+          <a:bodyPr/>
+          <a:lstStyle/>
+          <a:p>
+            <a:r>
+              <a:rPr lang="zh-CN" altLang="en-US" dirty="0"/>
+              <a:t>机器学习的几个关键点</a:t>
+            </a:r>
+          </a:p>
+        </p:txBody>
+      </p:sp>
+    </p:spTree>
+    <p:extLst>
+      <p:ext uri="{BB962C8B-B14F-4D97-AF65-F5344CB8AC3E}">
+        <p14:creationId xmlns:p14="http://schemas.microsoft.com/office/powerpoint/2010/main" val="1903843485"/>
+      </p:ext>
+    </p:extLst>
+  </p:cSld>
+  <p:clrMapOvr>
+    <a:masterClrMapping/>
+  </p:clrMapOvr>
+</p:sld>
+</file>
+
+<file path=ppt/slides/slide34.xml><?xml version="1.0" encoding="utf-8"?>
+<p:sld xmlns:a="http://schemas.openxmlformats.org/drawingml/2006/main" xmlns:r="http://schemas.openxmlformats.org/officeDocument/2006/relationships" xmlns:p="http://schemas.openxmlformats.org/presentationml/2006/main">
+  <p:cSld>
+    <p:spTree>
+      <p:nvGrpSpPr>
+        <p:cNvPr id="1" name=""/>
+        <p:cNvGrpSpPr/>
+        <p:nvPr/>
+      </p:nvGrpSpPr>
+      <p:grpSpPr>
+        <a:xfrm>
+          <a:off x="0" y="0"/>
+          <a:ext cx="0" cy="0"/>
+          <a:chOff x="0" y="0"/>
+          <a:chExt cx="0" cy="0"/>
+        </a:xfrm>
+      </p:grpSpPr>
+      <p:sp>
+        <p:nvSpPr>
           <p:cNvPr id="2" name="标题 1"/>
           <p:cNvSpPr>
             <a:spLocks noGrp="1"/>
@@ -12121,59 +14856,7 @@
 </p:sld>
 </file>
 
-<file path=ppt/slides/slide25.xml><?xml version="1.0" encoding="utf-8"?>
-<p:sld xmlns:a="http://schemas.openxmlformats.org/drawingml/2006/main" xmlns:r="http://schemas.openxmlformats.org/officeDocument/2006/relationships" xmlns:p="http://schemas.openxmlformats.org/presentationml/2006/main">
-  <p:cSld>
-    <p:spTree>
-      <p:nvGrpSpPr>
-        <p:cNvPr id="1" name=""/>
-        <p:cNvGrpSpPr/>
-        <p:nvPr/>
-      </p:nvGrpSpPr>
-      <p:grpSpPr>
-        <a:xfrm>
-          <a:off x="0" y="0"/>
-          <a:ext cx="0" cy="0"/>
-          <a:chOff x="0" y="0"/>
-          <a:chExt cx="0" cy="0"/>
-        </a:xfrm>
-      </p:grpSpPr>
-      <p:sp>
-        <p:nvSpPr>
-          <p:cNvPr id="2" name="标题 1"/>
-          <p:cNvSpPr>
-            <a:spLocks noGrp="1"/>
-          </p:cNvSpPr>
-          <p:nvPr>
-            <p:ph type="ctrTitle"/>
-          </p:nvPr>
-        </p:nvSpPr>
-        <p:spPr/>
-        <p:txBody>
-          <a:bodyPr/>
-          <a:lstStyle/>
-          <a:p>
-            <a:r>
-              <a:rPr lang="zh-CN" altLang="en-US" dirty="0"/>
-              <a:t>机器学习的几个关键点</a:t>
-            </a:r>
-          </a:p>
-        </p:txBody>
-      </p:sp>
-    </p:spTree>
-    <p:extLst>
-      <p:ext uri="{BB962C8B-B14F-4D97-AF65-F5344CB8AC3E}">
-        <p14:creationId xmlns:p14="http://schemas.microsoft.com/office/powerpoint/2010/main" val="1903843485"/>
-      </p:ext>
-    </p:extLst>
-  </p:cSld>
-  <p:clrMapOvr>
-    <a:masterClrMapping/>
-  </p:clrMapOvr>
-</p:sld>
-</file>
-
-<file path=ppt/slides/slide26.xml><?xml version="1.0" encoding="utf-8"?>
+<file path=ppt/slides/slide35.xml><?xml version="1.0" encoding="utf-8"?>
 <p:sld xmlns:a="http://schemas.openxmlformats.org/drawingml/2006/main" xmlns:r="http://schemas.openxmlformats.org/officeDocument/2006/relationships" xmlns:p="http://schemas.openxmlformats.org/presentationml/2006/main">
   <p:cSld>
     <p:spTree>
@@ -12509,7 +15192,7 @@
 </p:sld>
 </file>
 
-<file path=ppt/slides/slide27.xml><?xml version="1.0" encoding="utf-8"?>
+<file path=ppt/slides/slide36.xml><?xml version="1.0" encoding="utf-8"?>
 <p:sld xmlns:a="http://schemas.openxmlformats.org/drawingml/2006/main" xmlns:r="http://schemas.openxmlformats.org/officeDocument/2006/relationships" xmlns:p="http://schemas.openxmlformats.org/presentationml/2006/main">
   <p:cSld>
     <p:spTree>
@@ -12791,7 +15474,7 @@
 </p:sld>
 </file>
 
-<file path=ppt/slides/slide28.xml><?xml version="1.0" encoding="utf-8"?>
+<file path=ppt/slides/slide37.xml><?xml version="1.0" encoding="utf-8"?>
 <p:sld xmlns:a="http://schemas.openxmlformats.org/drawingml/2006/main" xmlns:r="http://schemas.openxmlformats.org/officeDocument/2006/relationships" xmlns:p="http://schemas.openxmlformats.org/presentationml/2006/main">
   <p:cSld>
     <p:spTree>
@@ -12962,7 +15645,7 @@
 </p:sld>
 </file>
 
-<file path=ppt/slides/slide29.xml><?xml version="1.0" encoding="utf-8"?>
+<file path=ppt/slides/slide38.xml><?xml version="1.0" encoding="utf-8"?>
 <p:sld xmlns:a="http://schemas.openxmlformats.org/drawingml/2006/main" xmlns:r="http://schemas.openxmlformats.org/officeDocument/2006/relationships" xmlns:p="http://schemas.openxmlformats.org/presentationml/2006/main">
   <p:cSld>
     <p:spTree>
@@ -13329,338 +16012,7 @@
 </p:sld>
 </file>
 
-<file path=ppt/slides/slide3.xml><?xml version="1.0" encoding="utf-8"?>
-<p:sld xmlns:a="http://schemas.openxmlformats.org/drawingml/2006/main" xmlns:r="http://schemas.openxmlformats.org/officeDocument/2006/relationships" xmlns:p="http://schemas.openxmlformats.org/presentationml/2006/main">
-  <p:cSld>
-    <p:spTree>
-      <p:nvGrpSpPr>
-        <p:cNvPr id="1" name=""/>
-        <p:cNvGrpSpPr/>
-        <p:nvPr/>
-      </p:nvGrpSpPr>
-      <p:grpSpPr>
-        <a:xfrm>
-          <a:off x="0" y="0"/>
-          <a:ext cx="0" cy="0"/>
-          <a:chOff x="0" y="0"/>
-          <a:chExt cx="0" cy="0"/>
-        </a:xfrm>
-      </p:grpSpPr>
-      <p:sp>
-        <p:nvSpPr>
-          <p:cNvPr id="2" name="标题 1"/>
-          <p:cNvSpPr>
-            <a:spLocks noGrp="1"/>
-          </p:cNvSpPr>
-          <p:nvPr>
-            <p:ph type="title"/>
-          </p:nvPr>
-        </p:nvSpPr>
-        <p:spPr/>
-        <p:txBody>
-          <a:bodyPr/>
-          <a:lstStyle/>
-          <a:p>
-            <a:r>
-              <a:rPr lang="zh-CN" altLang="en-US" dirty="0"/>
-              <a:t>什么是机器学习？</a:t>
-            </a:r>
-          </a:p>
-        </p:txBody>
-      </p:sp>
-      <p:pic>
-        <p:nvPicPr>
-          <p:cNvPr id="3" name="图片 2"/>
-          <p:cNvPicPr>
-            <a:picLocks noChangeAspect="1"/>
-          </p:cNvPicPr>
-          <p:nvPr/>
-        </p:nvPicPr>
-        <p:blipFill>
-          <a:blip r:embed="rId2"/>
-          <a:stretch>
-            <a:fillRect/>
-          </a:stretch>
-        </p:blipFill>
-        <p:spPr>
-          <a:xfrm>
-            <a:off x="156635" y="2895600"/>
-            <a:ext cx="8530165" cy="2667000"/>
-          </a:xfrm>
-          <a:prstGeom prst="rect">
-            <a:avLst/>
-          </a:prstGeom>
-        </p:spPr>
-      </p:pic>
-      <p:sp>
-        <p:nvSpPr>
-          <p:cNvPr id="5" name="矩形 4"/>
-          <p:cNvSpPr/>
-          <p:nvPr/>
-        </p:nvSpPr>
-        <p:spPr>
-          <a:xfrm>
-            <a:off x="3398460" y="3505200"/>
-            <a:ext cx="1519765" cy="830997"/>
-          </a:xfrm>
-          <a:prstGeom prst="rect">
-            <a:avLst/>
-          </a:prstGeom>
-          <a:solidFill>
-            <a:schemeClr val="bg1"/>
-          </a:solidFill>
-        </p:spPr>
-        <p:txBody>
-          <a:bodyPr wrap="square" rtlCol="0" anchor="ctr">
-            <a:spAutoFit/>
-          </a:bodyPr>
-          <a:lstStyle/>
-          <a:p>
-            <a:pPr algn="ctr"/>
-            <a:endParaRPr lang="en-US" altLang="zh-CN" sz="2400" dirty="0"/>
-          </a:p>
-          <a:p>
-            <a:pPr algn="ctr"/>
-            <a:endParaRPr lang="zh-CN" altLang="en-US" sz="2400" dirty="0"/>
-          </a:p>
-        </p:txBody>
-      </p:sp>
-      <p:sp>
-        <p:nvSpPr>
-          <p:cNvPr id="6" name="文本框 5"/>
-          <p:cNvSpPr txBox="1"/>
-          <p:nvPr/>
-        </p:nvSpPr>
-        <p:spPr>
-          <a:xfrm>
-            <a:off x="381000" y="5562600"/>
-            <a:ext cx="1980029" cy="369332"/>
-          </a:xfrm>
-          <a:prstGeom prst="rect">
-            <a:avLst/>
-          </a:prstGeom>
-          <a:noFill/>
-        </p:spPr>
-        <p:txBody>
-          <a:bodyPr wrap="none" rtlCol="0">
-            <a:spAutoFit/>
-          </a:bodyPr>
-          <a:lstStyle/>
-          <a:p>
-            <a:r>
-              <a:rPr lang="zh-CN" altLang="en-US" dirty="0"/>
-              <a:t>独立同分布 </a:t>
-            </a:r>
-            <a:r>
-              <a:rPr lang="en-US" altLang="zh-CN" dirty="0"/>
-              <a:t>p(</a:t>
-            </a:r>
-            <a:r>
-              <a:rPr lang="en-US" altLang="zh-CN" dirty="0" err="1"/>
-              <a:t>x,y</a:t>
-            </a:r>
-            <a:r>
-              <a:rPr lang="en-US" altLang="zh-CN" dirty="0"/>
-              <a:t>)</a:t>
-            </a:r>
-            <a:endParaRPr lang="zh-CN" altLang="en-US" dirty="0"/>
-          </a:p>
-        </p:txBody>
-      </p:sp>
-      <p:sp>
-        <p:nvSpPr>
-          <p:cNvPr id="4" name="矩形 3"/>
-          <p:cNvSpPr/>
-          <p:nvPr/>
-        </p:nvSpPr>
-        <p:spPr>
-          <a:xfrm>
-            <a:off x="149378" y="4299466"/>
-            <a:ext cx="6251422" cy="1796534"/>
-          </a:xfrm>
-          <a:prstGeom prst="rect">
-            <a:avLst/>
-          </a:prstGeom>
-          <a:solidFill>
-            <a:schemeClr val="bg1"/>
-          </a:solidFill>
-        </p:spPr>
-        <p:txBody>
-          <a:bodyPr wrap="square" rtlCol="0" anchor="ctr">
-            <a:spAutoFit/>
-          </a:bodyPr>
-          <a:lstStyle/>
-          <a:p>
-            <a:pPr algn="ctr"/>
-            <a:endParaRPr lang="zh-CN" altLang="en-US" sz="2400" dirty="0"/>
-          </a:p>
-        </p:txBody>
-      </p:sp>
-      <p:sp>
-        <p:nvSpPr>
-          <p:cNvPr id="7" name="矩形 6"/>
-          <p:cNvSpPr/>
-          <p:nvPr/>
-        </p:nvSpPr>
-        <p:spPr>
-          <a:xfrm>
-            <a:off x="762000" y="1279653"/>
-            <a:ext cx="7924800" cy="1015663"/>
-          </a:xfrm>
-          <a:prstGeom prst="rect">
-            <a:avLst/>
-          </a:prstGeom>
-        </p:spPr>
-        <p:txBody>
-          <a:bodyPr wrap="square">
-            <a:spAutoFit/>
-          </a:bodyPr>
-          <a:lstStyle/>
-          <a:p>
-            <a:r>
-              <a:rPr lang="zh-CN" altLang="en-US" sz="2000" dirty="0"/>
-              <a:t>机器学习：从数据中获得决策（预测）函数使得机器可以根据数据进行自动学习，通过算法使得机器能从大量历史数据中学习规律从而对新的样本做决策。</a:t>
-            </a:r>
-            <a:endParaRPr lang="en-US" altLang="zh-CN" sz="2000" dirty="0"/>
-          </a:p>
-        </p:txBody>
-      </p:sp>
-    </p:spTree>
-    <p:extLst>
-      <p:ext uri="{BB962C8B-B14F-4D97-AF65-F5344CB8AC3E}">
-        <p14:creationId xmlns:p14="http://schemas.microsoft.com/office/powerpoint/2010/main" val="1559860817"/>
-      </p:ext>
-    </p:extLst>
-  </p:cSld>
-  <p:clrMapOvr>
-    <a:masterClrMapping/>
-  </p:clrMapOvr>
-  <p:timing>
-    <p:tnLst>
-      <p:par>
-        <p:cTn id="1" dur="indefinite" restart="never" nodeType="tmRoot">
-          <p:childTnLst>
-            <p:seq concurrent="1" nextAc="seek">
-              <p:cTn id="2" dur="indefinite" nodeType="mainSeq">
-                <p:childTnLst>
-                  <p:par>
-                    <p:cTn id="3" fill="hold">
-                      <p:stCondLst>
-                        <p:cond delay="indefinite"/>
-                      </p:stCondLst>
-                      <p:childTnLst>
-                        <p:par>
-                          <p:cTn id="4" fill="hold">
-                            <p:stCondLst>
-                              <p:cond delay="0"/>
-                            </p:stCondLst>
-                            <p:childTnLst>
-                              <p:par>
-                                <p:cTn id="5" presetID="10" presetClass="exit" presetSubtype="0" fill="hold" grpId="0" nodeType="clickEffect">
-                                  <p:stCondLst>
-                                    <p:cond delay="0"/>
-                                  </p:stCondLst>
-                                  <p:childTnLst>
-                                    <p:animEffect transition="out" filter="fade">
-                                      <p:cBhvr>
-                                        <p:cTn id="6" dur="500"/>
-                                        <p:tgtEl>
-                                          <p:spTgt spid="4"/>
-                                        </p:tgtEl>
-                                      </p:cBhvr>
-                                    </p:animEffect>
-                                    <p:set>
-                                      <p:cBhvr>
-                                        <p:cTn id="7" dur="1" fill="hold">
-                                          <p:stCondLst>
-                                            <p:cond delay="499"/>
-                                          </p:stCondLst>
-                                        </p:cTn>
-                                        <p:tgtEl>
-                                          <p:spTgt spid="4"/>
-                                        </p:tgtEl>
-                                        <p:attrNameLst>
-                                          <p:attrName>style.visibility</p:attrName>
-                                        </p:attrNameLst>
-                                      </p:cBhvr>
-                                      <p:to>
-                                        <p:strVal val="hidden"/>
-                                      </p:to>
-                                    </p:set>
-                                  </p:childTnLst>
-                                </p:cTn>
-                              </p:par>
-                              <p:par>
-                                <p:cTn id="8" presetID="10" presetClass="exit" presetSubtype="0" fill="hold" grpId="0" nodeType="withEffect">
-                                  <p:stCondLst>
-                                    <p:cond delay="0"/>
-                                  </p:stCondLst>
-                                  <p:childTnLst>
-                                    <p:animEffect transition="out" filter="fade">
-                                      <p:cBhvr>
-                                        <p:cTn id="9" dur="500"/>
-                                        <p:tgtEl>
-                                          <p:spTgt spid="5"/>
-                                        </p:tgtEl>
-                                      </p:cBhvr>
-                                    </p:animEffect>
-                                    <p:set>
-                                      <p:cBhvr>
-                                        <p:cTn id="10" dur="1" fill="hold">
-                                          <p:stCondLst>
-                                            <p:cond delay="499"/>
-                                          </p:stCondLst>
-                                        </p:cTn>
-                                        <p:tgtEl>
-                                          <p:spTgt spid="5"/>
-                                        </p:tgtEl>
-                                        <p:attrNameLst>
-                                          <p:attrName>style.visibility</p:attrName>
-                                        </p:attrNameLst>
-                                      </p:cBhvr>
-                                      <p:to>
-                                        <p:strVal val="hidden"/>
-                                      </p:to>
-                                    </p:set>
-                                  </p:childTnLst>
-                                </p:cTn>
-                              </p:par>
-                            </p:childTnLst>
-                          </p:cTn>
-                        </p:par>
-                      </p:childTnLst>
-                    </p:cTn>
-                  </p:par>
-                </p:childTnLst>
-              </p:cTn>
-              <p:prevCondLst>
-                <p:cond evt="onPrev" delay="0">
-                  <p:tgtEl>
-                    <p:sldTgt/>
-                  </p:tgtEl>
-                </p:cond>
-              </p:prevCondLst>
-              <p:nextCondLst>
-                <p:cond evt="onNext" delay="0">
-                  <p:tgtEl>
-                    <p:sldTgt/>
-                  </p:tgtEl>
-                </p:cond>
-              </p:nextCondLst>
-            </p:seq>
-          </p:childTnLst>
-        </p:cTn>
-      </p:par>
-    </p:tnLst>
-    <p:bldLst>
-      <p:bldP spid="5" grpId="0" animBg="1"/>
-      <p:bldP spid="4" grpId="0" animBg="1"/>
-    </p:bldLst>
-  </p:timing>
-</p:sld>
-</file>
-
-<file path=ppt/slides/slide30.xml><?xml version="1.0" encoding="utf-8"?>
+<file path=ppt/slides/slide39.xml><?xml version="1.0" encoding="utf-8"?>
 <p:sld xmlns:a="http://schemas.openxmlformats.org/drawingml/2006/main" xmlns:r="http://schemas.openxmlformats.org/officeDocument/2006/relationships" xmlns:p="http://schemas.openxmlformats.org/presentationml/2006/main">
   <p:cSld>
     <p:spTree>
@@ -13886,7 +16238,173 @@
 </p:sld>
 </file>
 
-<file path=ppt/slides/slide31.xml><?xml version="1.0" encoding="utf-8"?>
+<file path=ppt/slides/slide4.xml><?xml version="1.0" encoding="utf-8"?>
+<p:sld xmlns:a="http://schemas.openxmlformats.org/drawingml/2006/main" xmlns:r="http://schemas.openxmlformats.org/officeDocument/2006/relationships" xmlns:p="http://schemas.openxmlformats.org/presentationml/2006/main">
+  <p:cSld>
+    <p:spTree>
+      <p:nvGrpSpPr>
+        <p:cNvPr id="1" name=""/>
+        <p:cNvGrpSpPr/>
+        <p:nvPr/>
+      </p:nvGrpSpPr>
+      <p:grpSpPr>
+        <a:xfrm>
+          <a:off x="0" y="0"/>
+          <a:ext cx="0" cy="0"/>
+          <a:chOff x="0" y="0"/>
+          <a:chExt cx="0" cy="0"/>
+        </a:xfrm>
+      </p:grpSpPr>
+      <p:sp>
+        <p:nvSpPr>
+          <p:cNvPr id="2" name="标题 1"/>
+          <p:cNvSpPr>
+            <a:spLocks noGrp="1"/>
+          </p:cNvSpPr>
+          <p:nvPr>
+            <p:ph type="title"/>
+          </p:nvPr>
+        </p:nvSpPr>
+        <p:spPr/>
+        <p:txBody>
+          <a:bodyPr/>
+          <a:lstStyle/>
+          <a:p>
+            <a:r>
+              <a:rPr lang="zh-CN" altLang="en-US" dirty="0"/>
+              <a:t>常见的机器学习问题</a:t>
+            </a:r>
+          </a:p>
+        </p:txBody>
+      </p:sp>
+      <p:pic>
+        <p:nvPicPr>
+          <p:cNvPr id="3" name="图片 2" descr="屏幕剪辑"/>
+          <p:cNvPicPr>
+            <a:picLocks noChangeAspect="1"/>
+          </p:cNvPicPr>
+          <p:nvPr/>
+        </p:nvPicPr>
+        <p:blipFill>
+          <a:blip r:embed="rId2">
+            <a:extLst>
+              <a:ext uri="{28A0092B-C50C-407E-A947-70E740481C1C}">
+                <a14:useLocalDpi xmlns:a14="http://schemas.microsoft.com/office/drawing/2010/main" val="0"/>
+              </a:ext>
+            </a:extLst>
+          </a:blip>
+          <a:stretch>
+            <a:fillRect/>
+          </a:stretch>
+        </p:blipFill>
+        <p:spPr>
+          <a:xfrm>
+            <a:off x="762000" y="2133600"/>
+            <a:ext cx="2966012" cy="2286000"/>
+          </a:xfrm>
+          <a:prstGeom prst="rect">
+            <a:avLst/>
+          </a:prstGeom>
+        </p:spPr>
+      </p:pic>
+      <p:sp>
+        <p:nvSpPr>
+          <p:cNvPr id="5" name="文本框 4"/>
+          <p:cNvSpPr txBox="1"/>
+          <p:nvPr/>
+        </p:nvSpPr>
+        <p:spPr>
+          <a:xfrm>
+            <a:off x="914399" y="4980214"/>
+            <a:ext cx="2362200" cy="523220"/>
+          </a:xfrm>
+          <a:prstGeom prst="rect">
+            <a:avLst/>
+          </a:prstGeom>
+          <a:noFill/>
+        </p:spPr>
+        <p:txBody>
+          <a:bodyPr wrap="square" rtlCol="0">
+            <a:spAutoFit/>
+          </a:bodyPr>
+          <a:lstStyle/>
+          <a:p>
+            <a:pPr algn="ctr"/>
+            <a:r>
+              <a:rPr lang="zh-CN" altLang="en-US" sz="2800" dirty="0"/>
+              <a:t>分类</a:t>
+            </a:r>
+          </a:p>
+        </p:txBody>
+      </p:sp>
+      <p:pic>
+        <p:nvPicPr>
+          <p:cNvPr id="8" name="图片 7"/>
+          <p:cNvPicPr>
+            <a:picLocks noChangeAspect="1"/>
+          </p:cNvPicPr>
+          <p:nvPr/>
+        </p:nvPicPr>
+        <p:blipFill>
+          <a:blip r:embed="rId3"/>
+          <a:stretch>
+            <a:fillRect/>
+          </a:stretch>
+        </p:blipFill>
+        <p:spPr>
+          <a:xfrm>
+            <a:off x="5029199" y="2895600"/>
+            <a:ext cx="3324225" cy="1371600"/>
+          </a:xfrm>
+          <a:prstGeom prst="rect">
+            <a:avLst/>
+          </a:prstGeom>
+        </p:spPr>
+      </p:pic>
+      <p:sp>
+        <p:nvSpPr>
+          <p:cNvPr id="9" name="文本框 8"/>
+          <p:cNvSpPr txBox="1"/>
+          <p:nvPr/>
+        </p:nvSpPr>
+        <p:spPr>
+          <a:xfrm>
+            <a:off x="5510211" y="4969328"/>
+            <a:ext cx="2362200" cy="523220"/>
+          </a:xfrm>
+          <a:prstGeom prst="rect">
+            <a:avLst/>
+          </a:prstGeom>
+          <a:noFill/>
+        </p:spPr>
+        <p:txBody>
+          <a:bodyPr wrap="square" rtlCol="0">
+            <a:spAutoFit/>
+          </a:bodyPr>
+          <a:lstStyle/>
+          <a:p>
+            <a:pPr algn="ctr"/>
+            <a:r>
+              <a:rPr lang="zh-CN" altLang="en-US" sz="2800" dirty="0"/>
+              <a:t>聚类</a:t>
+            </a:r>
+          </a:p>
+        </p:txBody>
+      </p:sp>
+    </p:spTree>
+    <p:extLst>
+      <p:ext uri="{BB962C8B-B14F-4D97-AF65-F5344CB8AC3E}">
+        <p14:creationId xmlns:p14="http://schemas.microsoft.com/office/powerpoint/2010/main" val="3191425230"/>
+      </p:ext>
+    </p:extLst>
+  </p:cSld>
+  <p:clrMapOvr>
+    <a:masterClrMapping/>
+  </p:clrMapOvr>
+</p:sld>
+</file>
+
+<file path=ppt/slides/slide40.xml><?xml version="1.0" encoding="utf-8"?>
 <p:sld xmlns:a="http://schemas.openxmlformats.org/drawingml/2006/main" xmlns:r="http://schemas.openxmlformats.org/officeDocument/2006/relationships" xmlns:p="http://schemas.openxmlformats.org/presentationml/2006/main">
   <p:cSld>
     <p:spTree>
@@ -13944,7 +16462,7 @@
 </p:sld>
 </file>
 
-<file path=ppt/slides/slide32.xml><?xml version="1.0" encoding="utf-8"?>
+<file path=ppt/slides/slide41.xml><?xml version="1.0" encoding="utf-8"?>
 <p:sld xmlns:a="http://schemas.openxmlformats.org/drawingml/2006/main" xmlns:r="http://schemas.openxmlformats.org/officeDocument/2006/relationships" xmlns:p="http://schemas.openxmlformats.org/presentationml/2006/main">
   <p:cSld>
     <p:spTree>
@@ -14095,7 +16613,7 @@
 </p:sld>
 </file>
 
-<file path=ppt/slides/slide33.xml><?xml version="1.0" encoding="utf-8"?>
+<file path=ppt/slides/slide42.xml><?xml version="1.0" encoding="utf-8"?>
 <p:sld xmlns:a="http://schemas.openxmlformats.org/drawingml/2006/main" xmlns:r="http://schemas.openxmlformats.org/officeDocument/2006/relationships" xmlns:p="http://schemas.openxmlformats.org/presentationml/2006/main">
   <p:cSld>
     <p:spTree>
@@ -14232,7 +16750,7 @@
 </p:sld>
 </file>
 
-<file path=ppt/slides/slide34.xml><?xml version="1.0" encoding="utf-8"?>
+<file path=ppt/slides/slide43.xml><?xml version="1.0" encoding="utf-8"?>
 <p:sld xmlns:a="http://schemas.openxmlformats.org/drawingml/2006/main" xmlns:r="http://schemas.openxmlformats.org/officeDocument/2006/relationships" xmlns:p="http://schemas.openxmlformats.org/presentationml/2006/main">
   <p:cSld>
     <p:spTree>
@@ -14281,172 +16799,6 @@
     <p:extLst>
       <p:ext uri="{BB962C8B-B14F-4D97-AF65-F5344CB8AC3E}">
         <p14:creationId xmlns:p14="http://schemas.microsoft.com/office/powerpoint/2010/main" val="1784997421"/>
-      </p:ext>
-    </p:extLst>
-  </p:cSld>
-  <p:clrMapOvr>
-    <a:masterClrMapping/>
-  </p:clrMapOvr>
-</p:sld>
-</file>
-
-<file path=ppt/slides/slide4.xml><?xml version="1.0" encoding="utf-8"?>
-<p:sld xmlns:a="http://schemas.openxmlformats.org/drawingml/2006/main" xmlns:r="http://schemas.openxmlformats.org/officeDocument/2006/relationships" xmlns:p="http://schemas.openxmlformats.org/presentationml/2006/main">
-  <p:cSld>
-    <p:spTree>
-      <p:nvGrpSpPr>
-        <p:cNvPr id="1" name=""/>
-        <p:cNvGrpSpPr/>
-        <p:nvPr/>
-      </p:nvGrpSpPr>
-      <p:grpSpPr>
-        <a:xfrm>
-          <a:off x="0" y="0"/>
-          <a:ext cx="0" cy="0"/>
-          <a:chOff x="0" y="0"/>
-          <a:chExt cx="0" cy="0"/>
-        </a:xfrm>
-      </p:grpSpPr>
-      <p:sp>
-        <p:nvSpPr>
-          <p:cNvPr id="2" name="标题 1"/>
-          <p:cNvSpPr>
-            <a:spLocks noGrp="1"/>
-          </p:cNvSpPr>
-          <p:nvPr>
-            <p:ph type="title"/>
-          </p:nvPr>
-        </p:nvSpPr>
-        <p:spPr/>
-        <p:txBody>
-          <a:bodyPr/>
-          <a:lstStyle/>
-          <a:p>
-            <a:r>
-              <a:rPr lang="zh-CN" altLang="en-US" dirty="0"/>
-              <a:t>常见的机器学习问题</a:t>
-            </a:r>
-          </a:p>
-        </p:txBody>
-      </p:sp>
-      <p:pic>
-        <p:nvPicPr>
-          <p:cNvPr id="3" name="图片 2" descr="屏幕剪辑"/>
-          <p:cNvPicPr>
-            <a:picLocks noChangeAspect="1"/>
-          </p:cNvPicPr>
-          <p:nvPr/>
-        </p:nvPicPr>
-        <p:blipFill>
-          <a:blip r:embed="rId2">
-            <a:extLst>
-              <a:ext uri="{28A0092B-C50C-407E-A947-70E740481C1C}">
-                <a14:useLocalDpi xmlns:a14="http://schemas.microsoft.com/office/drawing/2010/main" val="0"/>
-              </a:ext>
-            </a:extLst>
-          </a:blip>
-          <a:stretch>
-            <a:fillRect/>
-          </a:stretch>
-        </p:blipFill>
-        <p:spPr>
-          <a:xfrm>
-            <a:off x="762000" y="2133600"/>
-            <a:ext cx="2966012" cy="2286000"/>
-          </a:xfrm>
-          <a:prstGeom prst="rect">
-            <a:avLst/>
-          </a:prstGeom>
-        </p:spPr>
-      </p:pic>
-      <p:sp>
-        <p:nvSpPr>
-          <p:cNvPr id="5" name="文本框 4"/>
-          <p:cNvSpPr txBox="1"/>
-          <p:nvPr/>
-        </p:nvSpPr>
-        <p:spPr>
-          <a:xfrm>
-            <a:off x="914399" y="4980214"/>
-            <a:ext cx="2362200" cy="523220"/>
-          </a:xfrm>
-          <a:prstGeom prst="rect">
-            <a:avLst/>
-          </a:prstGeom>
-          <a:noFill/>
-        </p:spPr>
-        <p:txBody>
-          <a:bodyPr wrap="square" rtlCol="0">
-            <a:spAutoFit/>
-          </a:bodyPr>
-          <a:lstStyle/>
-          <a:p>
-            <a:pPr algn="ctr"/>
-            <a:r>
-              <a:rPr lang="zh-CN" altLang="en-US" sz="2800" dirty="0"/>
-              <a:t>分类</a:t>
-            </a:r>
-          </a:p>
-        </p:txBody>
-      </p:sp>
-      <p:pic>
-        <p:nvPicPr>
-          <p:cNvPr id="8" name="图片 7"/>
-          <p:cNvPicPr>
-            <a:picLocks noChangeAspect="1"/>
-          </p:cNvPicPr>
-          <p:nvPr/>
-        </p:nvPicPr>
-        <p:blipFill>
-          <a:blip r:embed="rId3"/>
-          <a:stretch>
-            <a:fillRect/>
-          </a:stretch>
-        </p:blipFill>
-        <p:spPr>
-          <a:xfrm>
-            <a:off x="5029199" y="2895600"/>
-            <a:ext cx="3324225" cy="1371600"/>
-          </a:xfrm>
-          <a:prstGeom prst="rect">
-            <a:avLst/>
-          </a:prstGeom>
-        </p:spPr>
-      </p:pic>
-      <p:sp>
-        <p:nvSpPr>
-          <p:cNvPr id="9" name="文本框 8"/>
-          <p:cNvSpPr txBox="1"/>
-          <p:nvPr/>
-        </p:nvSpPr>
-        <p:spPr>
-          <a:xfrm>
-            <a:off x="5510211" y="4969328"/>
-            <a:ext cx="2362200" cy="523220"/>
-          </a:xfrm>
-          <a:prstGeom prst="rect">
-            <a:avLst/>
-          </a:prstGeom>
-          <a:noFill/>
-        </p:spPr>
-        <p:txBody>
-          <a:bodyPr wrap="square" rtlCol="0">
-            <a:spAutoFit/>
-          </a:bodyPr>
-          <a:lstStyle/>
-          <a:p>
-            <a:pPr algn="ctr"/>
-            <a:r>
-              <a:rPr lang="zh-CN" altLang="en-US" sz="2800" dirty="0"/>
-              <a:t>聚类</a:t>
-            </a:r>
-          </a:p>
-        </p:txBody>
-      </p:sp>
-    </p:spTree>
-    <p:extLst>
-      <p:ext uri="{BB962C8B-B14F-4D97-AF65-F5344CB8AC3E}">
-        <p14:creationId xmlns:p14="http://schemas.microsoft.com/office/powerpoint/2010/main" val="3191425230"/>
       </p:ext>
     </p:extLst>
   </p:cSld>

--- a/ppt/chap-机器学习概述.pptx
+++ b/ppt/chap-机器学习概述.pptx
@@ -5,54 +5,56 @@
     <p:sldMasterId id="2147483756" r:id="rId1"/>
   </p:sldMasterIdLst>
   <p:notesMasterIdLst>
-    <p:notesMasterId r:id="rId45"/>
+    <p:notesMasterId r:id="rId47"/>
   </p:notesMasterIdLst>
   <p:sldIdLst>
     <p:sldId id="256" r:id="rId2"/>
-    <p:sldId id="448" r:id="rId3"/>
-    <p:sldId id="468" r:id="rId4"/>
-    <p:sldId id="511" r:id="rId5"/>
-    <p:sldId id="469" r:id="rId6"/>
-    <p:sldId id="708" r:id="rId7"/>
-    <p:sldId id="512" r:id="rId8"/>
-    <p:sldId id="506" r:id="rId9"/>
-    <p:sldId id="514" r:id="rId10"/>
-    <p:sldId id="482" r:id="rId11"/>
-    <p:sldId id="486" r:id="rId12"/>
-    <p:sldId id="487" r:id="rId13"/>
-    <p:sldId id="483" r:id="rId14"/>
-    <p:sldId id="473" r:id="rId15"/>
-    <p:sldId id="505" r:id="rId16"/>
-    <p:sldId id="474" r:id="rId17"/>
-    <p:sldId id="477" r:id="rId18"/>
-    <p:sldId id="478" r:id="rId19"/>
-    <p:sldId id="488" r:id="rId20"/>
-    <p:sldId id="496" r:id="rId21"/>
-    <p:sldId id="709" r:id="rId22"/>
-    <p:sldId id="498" r:id="rId23"/>
-    <p:sldId id="710" r:id="rId24"/>
-    <p:sldId id="719" r:id="rId25"/>
-    <p:sldId id="720" r:id="rId26"/>
-    <p:sldId id="722" r:id="rId27"/>
-    <p:sldId id="721" r:id="rId28"/>
-    <p:sldId id="714" r:id="rId29"/>
-    <p:sldId id="715" r:id="rId30"/>
-    <p:sldId id="716" r:id="rId31"/>
-    <p:sldId id="717" r:id="rId32"/>
-    <p:sldId id="718" r:id="rId33"/>
-    <p:sldId id="499" r:id="rId34"/>
-    <p:sldId id="510" r:id="rId35"/>
-    <p:sldId id="504" r:id="rId36"/>
-    <p:sldId id="480" r:id="rId37"/>
-    <p:sldId id="481" r:id="rId38"/>
-    <p:sldId id="502" r:id="rId39"/>
-    <p:sldId id="503" r:id="rId40"/>
-    <p:sldId id="712" r:id="rId41"/>
-    <p:sldId id="713" r:id="rId42"/>
-    <p:sldId id="711" r:id="rId43"/>
-    <p:sldId id="447" r:id="rId44"/>
+    <p:sldId id="723" r:id="rId3"/>
+    <p:sldId id="448" r:id="rId4"/>
+    <p:sldId id="466" r:id="rId5"/>
+    <p:sldId id="468" r:id="rId6"/>
+    <p:sldId id="511" r:id="rId7"/>
+    <p:sldId id="469" r:id="rId8"/>
+    <p:sldId id="708" r:id="rId9"/>
+    <p:sldId id="512" r:id="rId10"/>
+    <p:sldId id="506" r:id="rId11"/>
+    <p:sldId id="514" r:id="rId12"/>
+    <p:sldId id="482" r:id="rId13"/>
+    <p:sldId id="486" r:id="rId14"/>
+    <p:sldId id="487" r:id="rId15"/>
+    <p:sldId id="483" r:id="rId16"/>
+    <p:sldId id="473" r:id="rId17"/>
+    <p:sldId id="505" r:id="rId18"/>
+    <p:sldId id="474" r:id="rId19"/>
+    <p:sldId id="477" r:id="rId20"/>
+    <p:sldId id="478" r:id="rId21"/>
+    <p:sldId id="488" r:id="rId22"/>
+    <p:sldId id="496" r:id="rId23"/>
+    <p:sldId id="709" r:id="rId24"/>
+    <p:sldId id="498" r:id="rId25"/>
+    <p:sldId id="710" r:id="rId26"/>
+    <p:sldId id="719" r:id="rId27"/>
+    <p:sldId id="720" r:id="rId28"/>
+    <p:sldId id="722" r:id="rId29"/>
+    <p:sldId id="721" r:id="rId30"/>
+    <p:sldId id="714" r:id="rId31"/>
+    <p:sldId id="715" r:id="rId32"/>
+    <p:sldId id="716" r:id="rId33"/>
+    <p:sldId id="717" r:id="rId34"/>
+    <p:sldId id="718" r:id="rId35"/>
+    <p:sldId id="499" r:id="rId36"/>
+    <p:sldId id="510" r:id="rId37"/>
+    <p:sldId id="504" r:id="rId38"/>
+    <p:sldId id="480" r:id="rId39"/>
+    <p:sldId id="481" r:id="rId40"/>
+    <p:sldId id="502" r:id="rId41"/>
+    <p:sldId id="503" r:id="rId42"/>
+    <p:sldId id="712" r:id="rId43"/>
+    <p:sldId id="713" r:id="rId44"/>
+    <p:sldId id="711" r:id="rId45"/>
+    <p:sldId id="447" r:id="rId46"/>
   </p:sldIdLst>
-  <p:sldSz cx="9144000" cy="6858000" type="screen4x3"/>
+  <p:sldSz cx="12192000" cy="6858000"/>
   <p:notesSz cx="6858000" cy="9144000"/>
   <p:defaultTextStyle>
     <a:defPPr>
@@ -185,7 +187,9 @@
         <p14:section name="默认节" id="{F7C6C2FB-27F1-4C54-84AD-CB6625FEB4C3}">
           <p14:sldIdLst>
             <p14:sldId id="256"/>
+            <p14:sldId id="723"/>
             <p14:sldId id="448"/>
+            <p14:sldId id="466"/>
             <p14:sldId id="468"/>
             <p14:sldId id="511"/>
             <p14:sldId id="469"/>
@@ -238,7 +242,7 @@
             <a:srgbClr val="A4A3A4"/>
           </p15:clr>
         </p15:guide>
-        <p15:guide id="2" pos="2880" userDrawn="1">
+        <p15:guide id="2" pos="3840" userDrawn="1">
           <p15:clr>
             <a:srgbClr val="A4A3A4"/>
           </p15:clr>
@@ -3999,7 +4003,7 @@
               <a:pPr>
                 <a:defRPr/>
               </a:pPr>
-              <a:t>9/19/2019</a:t>
+              <a:t>11/29/2019</a:t>
             </a:fld>
             <a:endParaRPr lang="en-US" altLang="zh-CN"/>
           </a:p>
@@ -4017,8 +4021,8 @@
         </p:nvSpPr>
         <p:spPr>
           <a:xfrm>
-            <a:off x="1143000" y="685800"/>
-            <a:ext cx="4572000" cy="3429000"/>
+            <a:off x="381000" y="685800"/>
+            <a:ext cx="6096000" cy="3429000"/>
           </a:xfrm>
           <a:prstGeom prst="rect">
             <a:avLst/>
@@ -4349,8 +4353,8 @@
         </p:nvSpPr>
         <p:spPr>
           <a:xfrm>
-            <a:off x="1143000" y="685800"/>
-            <a:ext cx="4572000" cy="3429000"/>
+            <a:off x="381000" y="685800"/>
+            <a:ext cx="6096000" cy="3429000"/>
           </a:xfrm>
         </p:spPr>
       </p:sp>
@@ -4442,7 +4446,12 @@
             <p:ph type="sldImg"/>
           </p:nvPr>
         </p:nvSpPr>
-        <p:spPr/>
+        <p:spPr>
+          <a:xfrm>
+            <a:off x="381000" y="685800"/>
+            <a:ext cx="6096000" cy="3429000"/>
+          </a:xfrm>
+        </p:spPr>
       </p:sp>
       <mc:AlternateContent xmlns:mc="http://schemas.openxmlformats.org/markup-compatibility/2006" xmlns:a14="http://schemas.microsoft.com/office/drawing/2010/main">
         <mc:Choice Requires="a14">
@@ -4667,7 +4676,7 @@
               <a:pPr>
                 <a:defRPr/>
               </a:pPr>
-              <a:t>5</a:t>
+              <a:t>7</a:t>
             </a:fld>
             <a:endParaRPr lang="en-US" altLang="zh-CN"/>
           </a:p>
@@ -4713,7 +4722,12 @@
             <p:ph type="sldImg"/>
           </p:nvPr>
         </p:nvSpPr>
-        <p:spPr/>
+        <p:spPr>
+          <a:xfrm>
+            <a:off x="381000" y="685800"/>
+            <a:ext cx="6096000" cy="3429000"/>
+          </a:xfrm>
+        </p:spPr>
       </p:sp>
       <p:sp>
         <p:nvSpPr>
@@ -4768,7 +4782,7 @@
               <a:pPr>
                 <a:defRPr/>
               </a:pPr>
-              <a:t>16</a:t>
+              <a:t>18</a:t>
             </a:fld>
             <a:endParaRPr lang="en-US" altLang="zh-CN"/>
           </a:p>
@@ -4814,7 +4828,12 @@
             <p:ph type="sldImg"/>
           </p:nvPr>
         </p:nvSpPr>
-        <p:spPr/>
+        <p:spPr>
+          <a:xfrm>
+            <a:off x="381000" y="685800"/>
+            <a:ext cx="6096000" cy="3429000"/>
+          </a:xfrm>
+        </p:spPr>
       </p:sp>
       <p:sp>
         <p:nvSpPr>
@@ -4881,7 +4900,7 @@
               <a:pPr>
                 <a:defRPr/>
               </a:pPr>
-              <a:t>17</a:t>
+              <a:t>19</a:t>
             </a:fld>
             <a:endParaRPr lang="en-US" altLang="zh-CN"/>
           </a:p>
@@ -4927,7 +4946,12 @@
             <p:ph type="sldImg"/>
           </p:nvPr>
         </p:nvSpPr>
-        <p:spPr/>
+        <p:spPr>
+          <a:xfrm>
+            <a:off x="381000" y="685800"/>
+            <a:ext cx="6096000" cy="3429000"/>
+          </a:xfrm>
+        </p:spPr>
       </p:sp>
       <p:sp>
         <p:nvSpPr>
@@ -4971,7 +4995,7 @@
               <a:pPr>
                 <a:defRPr/>
               </a:pPr>
-              <a:t>23</a:t>
+              <a:t>25</a:t>
             </a:fld>
             <a:endParaRPr lang="en-US" altLang="zh-CN"/>
           </a:p>
@@ -5017,7 +5041,12 @@
             <p:ph type="sldImg"/>
           </p:nvPr>
         </p:nvSpPr>
-        <p:spPr/>
+        <p:spPr>
+          <a:xfrm>
+            <a:off x="381000" y="685800"/>
+            <a:ext cx="6096000" cy="3429000"/>
+          </a:xfrm>
+        </p:spPr>
       </p:sp>
       <p:sp>
         <p:nvSpPr>
@@ -5084,7 +5113,7 @@
               <a:pPr>
                 <a:defRPr/>
               </a:pPr>
-              <a:t>36</a:t>
+              <a:t>38</a:t>
             </a:fld>
             <a:endParaRPr lang="en-US" altLang="zh-CN"/>
           </a:p>
@@ -5130,7 +5159,12 @@
             <p:ph type="sldImg"/>
           </p:nvPr>
         </p:nvSpPr>
-        <p:spPr/>
+        <p:spPr>
+          <a:xfrm>
+            <a:off x="381000" y="685800"/>
+            <a:ext cx="6096000" cy="3429000"/>
+          </a:xfrm>
+        </p:spPr>
       </p:sp>
       <p:sp>
         <p:nvSpPr>
@@ -5190,7 +5224,7 @@
               <a:pPr>
                 <a:defRPr/>
               </a:pPr>
-              <a:t>39</a:t>
+              <a:t>41</a:t>
             </a:fld>
             <a:endParaRPr lang="en-US" altLang="zh-CN"/>
           </a:p>
@@ -5234,8 +5268,8 @@
         </p:nvSpPr>
         <p:spPr>
           <a:xfrm>
-            <a:off x="749300" y="2438402"/>
-            <a:ext cx="7315200" cy="1956197"/>
+            <a:off x="999067" y="2438403"/>
+            <a:ext cx="9753600" cy="1956197"/>
           </a:xfrm>
           <a:prstGeom prst="rect">
             <a:avLst/>
@@ -5383,8 +5417,8 @@
         </p:nvSpPr>
         <p:spPr>
           <a:xfrm>
-            <a:off x="228600" y="673895"/>
-            <a:ext cx="5410200" cy="719623"/>
+            <a:off x="304800" y="673896"/>
+            <a:ext cx="7213600" cy="719623"/>
           </a:xfrm>
           <a:prstGeom prst="rect">
             <a:avLst/>
@@ -5532,8 +5566,8 @@
         </p:nvSpPr>
         <p:spPr>
           <a:xfrm>
-            <a:off x="749300" y="2438402"/>
-            <a:ext cx="228600" cy="1956197"/>
+            <a:off x="999067" y="2438403"/>
+            <a:ext cx="304800" cy="1956197"/>
           </a:xfrm>
           <a:prstGeom prst="rect">
             <a:avLst/>
@@ -5681,8 +5715,8 @@
         </p:nvSpPr>
         <p:spPr>
           <a:xfrm>
-            <a:off x="269854" y="665099"/>
-            <a:ext cx="140865" cy="731230"/>
+            <a:off x="359806" y="665099"/>
+            <a:ext cx="187820" cy="731230"/>
           </a:xfrm>
           <a:prstGeom prst="rect">
             <a:avLst/>
@@ -5834,8 +5868,8 @@
         </p:nvSpPr>
         <p:spPr>
           <a:xfrm>
-            <a:off x="1063625" y="2676526"/>
-            <a:ext cx="6858000" cy="1514475"/>
+            <a:off x="1418167" y="2676527"/>
+            <a:ext cx="9144000" cy="1514475"/>
           </a:xfrm>
         </p:spPr>
         <p:txBody>
@@ -5868,8 +5902,8 @@
         </p:nvSpPr>
         <p:spPr>
           <a:xfrm>
-            <a:off x="422254" y="726666"/>
-            <a:ext cx="5140347" cy="568735"/>
+            <a:off x="563006" y="726666"/>
+            <a:ext cx="6853796" cy="568735"/>
           </a:xfrm>
         </p:spPr>
         <p:txBody>
@@ -5928,8 +5962,8 @@
         </p:nvSpPr>
         <p:spPr>
           <a:xfrm>
-            <a:off x="2209801" y="4800600"/>
-            <a:ext cx="5053013" cy="1600200"/>
+            <a:off x="2946402" y="4800600"/>
+            <a:ext cx="6737351" cy="1600200"/>
           </a:xfrm>
         </p:spPr>
         <p:txBody>
@@ -5993,8 +6027,8 @@
         </p:nvSpPr>
         <p:spPr>
           <a:xfrm>
-            <a:off x="749300" y="2438402"/>
-            <a:ext cx="7315200" cy="1956197"/>
+            <a:off x="999067" y="2438403"/>
+            <a:ext cx="9753600" cy="1956197"/>
           </a:xfrm>
           <a:prstGeom prst="rect">
             <a:avLst/>
@@ -6142,8 +6176,8 @@
         </p:nvSpPr>
         <p:spPr>
           <a:xfrm>
-            <a:off x="749300" y="2438402"/>
-            <a:ext cx="228600" cy="1956197"/>
+            <a:off x="999067" y="2438403"/>
+            <a:ext cx="304800" cy="1956197"/>
           </a:xfrm>
           <a:prstGeom prst="rect">
             <a:avLst/>
@@ -6295,8 +6329,8 @@
         </p:nvSpPr>
         <p:spPr>
           <a:xfrm>
-            <a:off x="1063625" y="2676526"/>
-            <a:ext cx="6858000" cy="1514475"/>
+            <a:off x="1418167" y="2676527"/>
+            <a:ext cx="9144000" cy="1514475"/>
           </a:xfrm>
         </p:spPr>
         <p:txBody>
@@ -6388,8 +6422,8 @@
         </p:nvSpPr>
         <p:spPr>
           <a:xfrm>
-            <a:off x="457200" y="1219200"/>
-            <a:ext cx="8229600" cy="4937760"/>
+            <a:off x="609600" y="1219200"/>
+            <a:ext cx="10972800" cy="4937760"/>
           </a:xfrm>
         </p:spPr>
         <p:txBody>
@@ -6565,8 +6599,8 @@
         </p:nvSpPr>
         <p:spPr>
           <a:xfrm>
-            <a:off x="457200" y="228600"/>
-            <a:ext cx="8229600" cy="914400"/>
+            <a:off x="609600" y="228600"/>
+            <a:ext cx="10972800" cy="914400"/>
           </a:xfrm>
         </p:spPr>
         <p:txBody>
@@ -6592,8 +6626,8 @@
         </p:nvSpPr>
         <p:spPr>
           <a:xfrm>
-            <a:off x="457200" y="1219200"/>
-            <a:ext cx="4041648" cy="4937760"/>
+            <a:off x="609600" y="1219200"/>
+            <a:ext cx="5388864" cy="4937760"/>
           </a:xfrm>
         </p:spPr>
         <p:txBody>
@@ -6648,8 +6682,8 @@
         </p:nvSpPr>
         <p:spPr>
           <a:xfrm>
-            <a:off x="4632198" y="1216152"/>
-            <a:ext cx="4041648" cy="4937760"/>
+            <a:off x="6176264" y="1216152"/>
+            <a:ext cx="5388864" cy="4937760"/>
           </a:xfrm>
         </p:spPr>
         <p:txBody>
@@ -6734,8 +6768,8 @@
         </p:nvSpPr>
         <p:spPr>
           <a:xfrm>
-            <a:off x="457200" y="228600"/>
-            <a:ext cx="8229600" cy="914400"/>
+            <a:off x="609600" y="228600"/>
+            <a:ext cx="10972800" cy="914400"/>
           </a:xfrm>
         </p:spPr>
         <p:txBody>
@@ -6761,8 +6795,8 @@
         </p:nvSpPr>
         <p:spPr>
           <a:xfrm>
-            <a:off x="457200" y="1219200"/>
-            <a:ext cx="4724400" cy="4937760"/>
+            <a:off x="609600" y="1219200"/>
+            <a:ext cx="6299200" cy="4937760"/>
           </a:xfrm>
         </p:spPr>
         <p:txBody>
@@ -6813,7 +6847,7 @@
         </p:nvCxnSpPr>
         <p:spPr>
           <a:xfrm>
-            <a:off x="5334000" y="1219200"/>
+            <a:off x="7112000" y="1219200"/>
             <a:ext cx="0" cy="4937760"/>
           </a:xfrm>
           <a:prstGeom prst="line">
@@ -6903,8 +6937,8 @@
         </p:nvSpPr>
         <p:spPr>
           <a:xfrm>
-            <a:off x="3657600" y="3048002"/>
-            <a:ext cx="2286000" cy="646331"/>
+            <a:off x="4876800" y="3048003"/>
+            <a:ext cx="3048000" cy="646331"/>
           </a:xfrm>
           <a:prstGeom prst="rect">
             <a:avLst/>
@@ -6980,8 +7014,8 @@
         </p:nvSpPr>
         <p:spPr bwMode="auto">
           <a:xfrm>
-            <a:off x="457200" y="152400"/>
-            <a:ext cx="8229600" cy="990600"/>
+            <a:off x="609600" y="152400"/>
+            <a:ext cx="10972800" cy="990600"/>
           </a:xfrm>
           <a:prstGeom prst="rect">
             <a:avLst/>
@@ -7038,8 +7072,8 @@
         </p:nvSpPr>
         <p:spPr bwMode="auto">
           <a:xfrm>
-            <a:off x="457200" y="1219200"/>
-            <a:ext cx="8229600" cy="4910138"/>
+            <a:off x="609600" y="1219200"/>
+            <a:ext cx="10972800" cy="4910138"/>
           </a:xfrm>
           <a:prstGeom prst="rect">
             <a:avLst/>
@@ -7122,8 +7156,8 @@
         </p:nvSpPr>
         <p:spPr bwMode="auto">
           <a:xfrm>
-            <a:off x="457200" y="1143000"/>
-            <a:ext cx="8229600" cy="0"/>
+            <a:off x="609600" y="1143000"/>
+            <a:ext cx="10972800" cy="0"/>
           </a:xfrm>
           <a:prstGeom prst="line">
             <a:avLst/>
@@ -7164,8 +7198,8 @@
         </p:nvSpPr>
         <p:spPr bwMode="auto">
           <a:xfrm>
-            <a:off x="457200" y="6353175"/>
-            <a:ext cx="8229600" cy="0"/>
+            <a:off x="609600" y="6353175"/>
+            <a:ext cx="10972800" cy="0"/>
           </a:xfrm>
           <a:prstGeom prst="line">
             <a:avLst/>
@@ -7209,8 +7243,8 @@
         </p:nvSpPr>
         <p:spPr>
           <a:xfrm>
-            <a:off x="3048000" y="6362436"/>
-            <a:ext cx="2971800" cy="365125"/>
+            <a:off x="4064000" y="6362437"/>
+            <a:ext cx="3962400" cy="365125"/>
           </a:xfrm>
           <a:prstGeom prst="rect">
             <a:avLst/>
@@ -7387,7 +7421,7 @@
         </p:nvSpPr>
         <p:spPr>
           <a:xfrm>
-            <a:off x="8229600" y="6362436"/>
+            <a:off x="10972800" y="6362437"/>
             <a:ext cx="375424" cy="307777"/>
           </a:xfrm>
           <a:prstGeom prst="rect">
@@ -8003,6 +8037,344 @@
           <a:p>
             <a:r>
               <a:rPr lang="zh-CN" altLang="en-US" dirty="0"/>
+              <a:t>损失函数</a:t>
+            </a:r>
+          </a:p>
+        </p:txBody>
+      </p:sp>
+      <p:sp>
+        <p:nvSpPr>
+          <p:cNvPr id="3" name="内容占位符 2"/>
+          <p:cNvSpPr>
+            <a:spLocks noGrp="1"/>
+          </p:cNvSpPr>
+          <p:nvPr>
+            <p:ph sz="quarter" idx="1"/>
+          </p:nvPr>
+        </p:nvSpPr>
+        <p:spPr/>
+        <p:txBody>
+          <a:bodyPr/>
+          <a:lstStyle/>
+          <a:p>
+            <a:r>
+              <a:rPr lang="en-US" altLang="zh-CN" dirty="0"/>
+              <a:t>0-1</a:t>
+            </a:r>
+            <a:r>
+              <a:rPr lang="zh-CN" altLang="en-US" dirty="0"/>
+              <a:t>损失函数</a:t>
+            </a:r>
+            <a:endParaRPr lang="en-US" altLang="zh-CN" dirty="0"/>
+          </a:p>
+          <a:p>
+            <a:endParaRPr lang="en-US" altLang="zh-CN" dirty="0"/>
+          </a:p>
+          <a:p>
+            <a:endParaRPr lang="en-US" altLang="zh-CN" dirty="0"/>
+          </a:p>
+          <a:p>
+            <a:r>
+              <a:rPr lang="zh-CN" altLang="en-US" dirty="0"/>
+              <a:t>平方损失函数</a:t>
+            </a:r>
+            <a:endParaRPr lang="en-US" altLang="zh-CN" dirty="0"/>
+          </a:p>
+          <a:p>
+            <a:pPr marL="0" indent="0">
+              <a:buNone/>
+            </a:pPr>
+            <a:endParaRPr lang="en-US" altLang="zh-CN" dirty="0"/>
+          </a:p>
+        </p:txBody>
+      </p:sp>
+      <p:pic>
+        <p:nvPicPr>
+          <p:cNvPr id="4" name="图片 3" descr="屏幕剪辑"/>
+          <p:cNvPicPr>
+            <a:picLocks noChangeAspect="1"/>
+          </p:cNvPicPr>
+          <p:nvPr/>
+        </p:nvPicPr>
+        <p:blipFill>
+          <a:blip r:embed="rId2">
+            <a:extLst>
+              <a:ext uri="{28A0092B-C50C-407E-A947-70E740481C1C}">
+                <a14:useLocalDpi xmlns:a14="http://schemas.microsoft.com/office/drawing/2010/main"/>
+              </a:ext>
+            </a:extLst>
+          </a:blip>
+          <a:stretch>
+            <a:fillRect/>
+          </a:stretch>
+        </p:blipFill>
+        <p:spPr>
+          <a:xfrm>
+            <a:off x="3886200" y="1676400"/>
+            <a:ext cx="3629532" cy="990738"/>
+          </a:xfrm>
+          <a:prstGeom prst="rect">
+            <a:avLst/>
+          </a:prstGeom>
+        </p:spPr>
+      </p:pic>
+      <p:pic>
+        <p:nvPicPr>
+          <p:cNvPr id="5" name="图片 4" descr="屏幕剪辑"/>
+          <p:cNvPicPr>
+            <a:picLocks noChangeAspect="1"/>
+          </p:cNvPicPr>
+          <p:nvPr/>
+        </p:nvPicPr>
+        <p:blipFill>
+          <a:blip r:embed="rId3">
+            <a:extLst>
+              <a:ext uri="{28A0092B-C50C-407E-A947-70E740481C1C}">
+                <a14:useLocalDpi xmlns:a14="http://schemas.microsoft.com/office/drawing/2010/main"/>
+              </a:ext>
+            </a:extLst>
+          </a:blip>
+          <a:stretch>
+            <a:fillRect/>
+          </a:stretch>
+        </p:blipFill>
+        <p:spPr>
+          <a:xfrm>
+            <a:off x="4267200" y="3916680"/>
+            <a:ext cx="3200400" cy="665683"/>
+          </a:xfrm>
+          <a:prstGeom prst="rect">
+            <a:avLst/>
+          </a:prstGeom>
+        </p:spPr>
+      </p:pic>
+    </p:spTree>
+    <p:extLst>
+      <p:ext uri="{BB962C8B-B14F-4D97-AF65-F5344CB8AC3E}">
+        <p14:creationId xmlns:p14="http://schemas.microsoft.com/office/powerpoint/2010/main" val="2729636745"/>
+      </p:ext>
+    </p:extLst>
+  </p:cSld>
+  <p:clrMapOvr>
+    <a:masterClrMapping/>
+  </p:clrMapOvr>
+</p:sld>
+</file>
+
+<file path=ppt/slides/slide11.xml><?xml version="1.0" encoding="utf-8"?>
+<p:sld xmlns:a="http://schemas.openxmlformats.org/drawingml/2006/main" xmlns:r="http://schemas.openxmlformats.org/officeDocument/2006/relationships" xmlns:p="http://schemas.openxmlformats.org/presentationml/2006/main">
+  <p:cSld>
+    <p:spTree>
+      <p:nvGrpSpPr>
+        <p:cNvPr id="1" name=""/>
+        <p:cNvGrpSpPr/>
+        <p:nvPr/>
+      </p:nvGrpSpPr>
+      <p:grpSpPr>
+        <a:xfrm>
+          <a:off x="0" y="0"/>
+          <a:ext cx="0" cy="0"/>
+          <a:chOff x="0" y="0"/>
+          <a:chExt cx="0" cy="0"/>
+        </a:xfrm>
+      </p:grpSpPr>
+      <p:sp>
+        <p:nvSpPr>
+          <p:cNvPr id="2" name="标题 1">
+            <a:extLst>
+              <a:ext uri="{FF2B5EF4-FFF2-40B4-BE49-F238E27FC236}">
+                <a16:creationId xmlns:a16="http://schemas.microsoft.com/office/drawing/2014/main" id="{B1E53FA7-7FB8-4D95-8FA4-C7D615F2E010}"/>
+              </a:ext>
+            </a:extLst>
+          </p:cNvPr>
+          <p:cNvSpPr>
+            <a:spLocks noGrp="1"/>
+          </p:cNvSpPr>
+          <p:nvPr>
+            <p:ph type="title"/>
+          </p:nvPr>
+        </p:nvSpPr>
+        <p:spPr/>
+        <p:txBody>
+          <a:bodyPr/>
+          <a:lstStyle/>
+          <a:p>
+            <a:r>
+              <a:rPr lang="zh-CN" altLang="en-US" dirty="0"/>
+              <a:t>最优化问题</a:t>
+            </a:r>
+          </a:p>
+        </p:txBody>
+      </p:sp>
+      <p:sp>
+        <p:nvSpPr>
+          <p:cNvPr id="3" name="内容占位符 2">
+            <a:extLst>
+              <a:ext uri="{FF2B5EF4-FFF2-40B4-BE49-F238E27FC236}">
+                <a16:creationId xmlns:a16="http://schemas.microsoft.com/office/drawing/2014/main" id="{DC8119A3-864A-4564-B3F8-34845335EA8C}"/>
+              </a:ext>
+            </a:extLst>
+          </p:cNvPr>
+          <p:cNvSpPr>
+            <a:spLocks noGrp="1"/>
+          </p:cNvSpPr>
+          <p:nvPr>
+            <p:ph sz="quarter" idx="1"/>
+          </p:nvPr>
+        </p:nvSpPr>
+        <p:spPr/>
+        <p:txBody>
+          <a:bodyPr/>
+          <a:lstStyle/>
+          <a:p>
+            <a:r>
+              <a:rPr lang="zh-CN" altLang="en-US" dirty="0"/>
+              <a:t>机器学习问题转化成为一个</a:t>
+            </a:r>
+            <a:r>
+              <a:rPr lang="zh-CN" altLang="en-US" dirty="0">
+                <a:solidFill>
+                  <a:srgbClr val="FF0000"/>
+                </a:solidFill>
+              </a:rPr>
+              <a:t>最优化问题</a:t>
+            </a:r>
+          </a:p>
+          <a:p>
+            <a:endParaRPr lang="zh-CN" altLang="en-US" dirty="0"/>
+          </a:p>
+        </p:txBody>
+      </p:sp>
+      <p:pic>
+        <p:nvPicPr>
+          <p:cNvPr id="5" name="图片 4">
+            <a:extLst>
+              <a:ext uri="{FF2B5EF4-FFF2-40B4-BE49-F238E27FC236}">
+                <a16:creationId xmlns:a16="http://schemas.microsoft.com/office/drawing/2014/main" id="{234B176D-1EA5-431A-97AD-7D714A6B2813}"/>
+              </a:ext>
+            </a:extLst>
+          </p:cNvPr>
+          <p:cNvPicPr>
+            <a:picLocks noChangeAspect="1"/>
+          </p:cNvPicPr>
+          <p:nvPr/>
+        </p:nvPicPr>
+        <p:blipFill>
+          <a:blip r:embed="rId2">
+            <a:extLst>
+              <a:ext uri="{28A0092B-C50C-407E-A947-70E740481C1C}">
+                <a14:useLocalDpi xmlns:a14="http://schemas.microsoft.com/office/drawing/2010/main" val="0"/>
+              </a:ext>
+            </a:extLst>
+          </a:blip>
+          <a:stretch>
+            <a:fillRect/>
+          </a:stretch>
+        </p:blipFill>
+        <p:spPr>
+          <a:xfrm>
+            <a:off x="4998725" y="5218375"/>
+            <a:ext cx="1981200" cy="630382"/>
+          </a:xfrm>
+          <a:prstGeom prst="rect">
+            <a:avLst/>
+          </a:prstGeom>
+        </p:spPr>
+      </p:pic>
+      <p:pic>
+        <p:nvPicPr>
+          <p:cNvPr id="2052" name="Picture 4" descr="https://qph.fs.quoracdn.net/main-qimg-f848fbbcbf279aadeacb7bd9850d5ed1">
+            <a:extLst>
+              <a:ext uri="{FF2B5EF4-FFF2-40B4-BE49-F238E27FC236}">
+                <a16:creationId xmlns:a16="http://schemas.microsoft.com/office/drawing/2014/main" id="{D00EB245-16DE-433A-81D1-900C3820FCC5}"/>
+              </a:ext>
+            </a:extLst>
+          </p:cNvPr>
+          <p:cNvPicPr>
+            <a:picLocks noChangeAspect="1" noChangeArrowheads="1"/>
+          </p:cNvPicPr>
+          <p:nvPr/>
+        </p:nvPicPr>
+        <p:blipFill>
+          <a:blip r:embed="rId3">
+            <a:extLst>
+              <a:ext uri="{28A0092B-C50C-407E-A947-70E740481C1C}">
+                <a14:useLocalDpi xmlns:a14="http://schemas.microsoft.com/office/drawing/2010/main" val="0"/>
+              </a:ext>
+            </a:extLst>
+          </a:blip>
+          <a:srcRect/>
+          <a:stretch>
+            <a:fillRect/>
+          </a:stretch>
+        </p:blipFill>
+        <p:spPr bwMode="auto">
+          <a:xfrm>
+            <a:off x="2743201" y="2072324"/>
+            <a:ext cx="6492251" cy="2608118"/>
+          </a:xfrm>
+          <a:prstGeom prst="rect">
+            <a:avLst/>
+          </a:prstGeom>
+          <a:noFill/>
+          <a:extLst>
+            <a:ext uri="{909E8E84-426E-40DD-AFC4-6F175D3DCCD1}">
+              <a14:hiddenFill xmlns:a14="http://schemas.microsoft.com/office/drawing/2010/main">
+                <a:solidFill>
+                  <a:srgbClr val="FFFFFF"/>
+                </a:solidFill>
+              </a14:hiddenFill>
+            </a:ext>
+          </a:extLst>
+        </p:spPr>
+      </p:pic>
+    </p:spTree>
+    <p:extLst>
+      <p:ext uri="{BB962C8B-B14F-4D97-AF65-F5344CB8AC3E}">
+        <p14:creationId xmlns:p14="http://schemas.microsoft.com/office/powerpoint/2010/main" val="91802028"/>
+      </p:ext>
+    </p:extLst>
+  </p:cSld>
+  <p:clrMapOvr>
+    <a:masterClrMapping/>
+  </p:clrMapOvr>
+</p:sld>
+</file>
+
+<file path=ppt/slides/slide12.xml><?xml version="1.0" encoding="utf-8"?>
+<p:sld xmlns:a="http://schemas.openxmlformats.org/drawingml/2006/main" xmlns:r="http://schemas.openxmlformats.org/officeDocument/2006/relationships" xmlns:p="http://schemas.openxmlformats.org/presentationml/2006/main">
+  <p:cSld>
+    <p:spTree>
+      <p:nvGrpSpPr>
+        <p:cNvPr id="1" name=""/>
+        <p:cNvGrpSpPr/>
+        <p:nvPr/>
+      </p:nvGrpSpPr>
+      <p:grpSpPr>
+        <a:xfrm>
+          <a:off x="0" y="0"/>
+          <a:ext cx="0" cy="0"/>
+          <a:chOff x="0" y="0"/>
+          <a:chExt cx="0" cy="0"/>
+        </a:xfrm>
+      </p:grpSpPr>
+      <p:sp>
+        <p:nvSpPr>
+          <p:cNvPr id="2" name="标题 1"/>
+          <p:cNvSpPr>
+            <a:spLocks noGrp="1"/>
+          </p:cNvSpPr>
+          <p:nvPr>
+            <p:ph type="title"/>
+          </p:nvPr>
+        </p:nvSpPr>
+        <p:spPr/>
+        <p:txBody>
+          <a:bodyPr/>
+          <a:lstStyle/>
+          <a:p>
+            <a:r>
+              <a:rPr lang="zh-CN" altLang="en-US" dirty="0"/>
               <a:t>梯度下降法（</a:t>
             </a:r>
             <a:r>
@@ -8039,7 +8411,7 @@
         </p:blipFill>
         <p:spPr bwMode="auto">
           <a:xfrm>
-            <a:off x="758825" y="1543373"/>
+            <a:off x="2282825" y="1543373"/>
             <a:ext cx="3129762" cy="3222496"/>
           </a:xfrm>
           <a:prstGeom prst="rect">
@@ -8080,7 +8452,7 @@
         </p:blipFill>
         <p:spPr bwMode="auto">
           <a:xfrm>
-            <a:off x="5230876" y="1371600"/>
+            <a:off x="6754876" y="1371601"/>
             <a:ext cx="3048614" cy="3023209"/>
           </a:xfrm>
           <a:prstGeom prst="rect">
@@ -8126,7 +8498,7 @@
         </p:blipFill>
         <p:spPr>
           <a:xfrm>
-            <a:off x="2057400" y="5011259"/>
+            <a:off x="3581401" y="5011260"/>
             <a:ext cx="3468441" cy="1303575"/>
           </a:xfrm>
           <a:prstGeom prst="rect">
@@ -8148,7 +8520,7 @@
         </p:nvSpPr>
         <p:spPr>
           <a:xfrm>
-            <a:off x="4572000" y="4826593"/>
+            <a:off x="6096000" y="4826593"/>
             <a:ext cx="4800600" cy="369332"/>
           </a:xfrm>
           <a:prstGeom prst="rect">
@@ -8184,317 +8556,6 @@
     <p:extLst>
       <p:ext uri="{BB962C8B-B14F-4D97-AF65-F5344CB8AC3E}">
         <p14:creationId xmlns:p14="http://schemas.microsoft.com/office/powerpoint/2010/main" val="2470619648"/>
-      </p:ext>
-    </p:extLst>
-  </p:cSld>
-  <p:clrMapOvr>
-    <a:masterClrMapping/>
-  </p:clrMapOvr>
-</p:sld>
-</file>
-
-<file path=ppt/slides/slide11.xml><?xml version="1.0" encoding="utf-8"?>
-<p:sld xmlns:a="http://schemas.openxmlformats.org/drawingml/2006/main" xmlns:r="http://schemas.openxmlformats.org/officeDocument/2006/relationships" xmlns:p="http://schemas.openxmlformats.org/presentationml/2006/main">
-  <p:cSld>
-    <p:spTree>
-      <p:nvGrpSpPr>
-        <p:cNvPr id="1" name=""/>
-        <p:cNvGrpSpPr/>
-        <p:nvPr/>
-      </p:nvGrpSpPr>
-      <p:grpSpPr>
-        <a:xfrm>
-          <a:off x="0" y="0"/>
-          <a:ext cx="0" cy="0"/>
-          <a:chOff x="0" y="0"/>
-          <a:chExt cx="0" cy="0"/>
-        </a:xfrm>
-      </p:grpSpPr>
-      <p:sp>
-        <p:nvSpPr>
-          <p:cNvPr id="2" name="标题 1"/>
-          <p:cNvSpPr>
-            <a:spLocks noGrp="1"/>
-          </p:cNvSpPr>
-          <p:nvPr>
-            <p:ph type="title"/>
-          </p:nvPr>
-        </p:nvSpPr>
-        <p:spPr/>
-        <p:txBody>
-          <a:bodyPr/>
-          <a:lstStyle/>
-          <a:p>
-            <a:r>
-              <a:rPr lang="zh-CN" altLang="en-US" dirty="0"/>
-              <a:t>学习率是十分重要的超参数！</a:t>
-            </a:r>
-          </a:p>
-        </p:txBody>
-      </p:sp>
-      <p:pic>
-        <p:nvPicPr>
-          <p:cNvPr id="4" name="内容占位符 3"/>
-          <p:cNvPicPr>
-            <a:picLocks noGrp="1" noChangeAspect="1"/>
-          </p:cNvPicPr>
-          <p:nvPr>
-            <p:ph sz="quarter" idx="1"/>
-          </p:nvPr>
-        </p:nvPicPr>
-        <p:blipFill>
-          <a:blip r:embed="rId2">
-            <a:extLst>
-              <a:ext uri="{28A0092B-C50C-407E-A947-70E740481C1C}">
-                <a14:useLocalDpi xmlns:a14="http://schemas.microsoft.com/office/drawing/2010/main"/>
-              </a:ext>
-            </a:extLst>
-          </a:blip>
-          <a:stretch>
-            <a:fillRect/>
-          </a:stretch>
-        </p:blipFill>
-        <p:spPr>
-          <a:xfrm>
-            <a:off x="3352800" y="3922745"/>
-            <a:ext cx="2786270" cy="2513106"/>
-          </a:xfrm>
-        </p:spPr>
-      </p:pic>
-      <p:pic>
-        <p:nvPicPr>
-          <p:cNvPr id="8" name="Picture 2" descr="Goldilocks of learning rates">
-            <a:extLst>
-              <a:ext uri="{FF2B5EF4-FFF2-40B4-BE49-F238E27FC236}">
-                <a16:creationId xmlns:a16="http://schemas.microsoft.com/office/drawing/2014/main" id="{B7BE837F-7116-42B7-BCA8-A881B17871D0}"/>
-              </a:ext>
-            </a:extLst>
-          </p:cNvPr>
-          <p:cNvPicPr>
-            <a:picLocks noChangeAspect="1" noChangeArrowheads="1"/>
-          </p:cNvPicPr>
-          <p:nvPr/>
-        </p:nvPicPr>
-        <p:blipFill>
-          <a:blip r:embed="rId3" cstate="print">
-            <a:extLst>
-              <a:ext uri="{28A0092B-C50C-407E-A947-70E740481C1C}">
-                <a14:useLocalDpi xmlns:a14="http://schemas.microsoft.com/office/drawing/2010/main" val="0"/>
-              </a:ext>
-            </a:extLst>
-          </a:blip>
-          <a:srcRect/>
-          <a:stretch>
-            <a:fillRect/>
-          </a:stretch>
-        </p:blipFill>
-        <p:spPr bwMode="auto">
-          <a:xfrm>
-            <a:off x="1905000" y="1333237"/>
-            <a:ext cx="6152827" cy="2386356"/>
-          </a:xfrm>
-          <a:prstGeom prst="rect">
-            <a:avLst/>
-          </a:prstGeom>
-          <a:noFill/>
-          <a:extLst>
-            <a:ext uri="{909E8E84-426E-40DD-AFC4-6F175D3DCCD1}">
-              <a14:hiddenFill xmlns:a14="http://schemas.microsoft.com/office/drawing/2010/main">
-                <a:solidFill>
-                  <a:srgbClr val="FFFFFF"/>
-                </a:solidFill>
-              </a14:hiddenFill>
-            </a:ext>
-          </a:extLst>
-        </p:spPr>
-      </p:pic>
-      <p:cxnSp>
-        <p:nvCxnSpPr>
-          <p:cNvPr id="5" name="直接连接符 4">
-            <a:extLst>
-              <a:ext uri="{FF2B5EF4-FFF2-40B4-BE49-F238E27FC236}">
-                <a16:creationId xmlns:a16="http://schemas.microsoft.com/office/drawing/2014/main" id="{3CD3507E-4DC7-41BF-A0F6-5E7CF3B1F0D6}"/>
-              </a:ext>
-            </a:extLst>
-          </p:cNvPr>
-          <p:cNvCxnSpPr/>
-          <p:nvPr/>
-        </p:nvCxnSpPr>
-        <p:spPr>
-          <a:xfrm>
-            <a:off x="783535" y="3719593"/>
-            <a:ext cx="7772400" cy="0"/>
-          </a:xfrm>
-          <a:prstGeom prst="line">
-            <a:avLst/>
-          </a:prstGeom>
-        </p:spPr>
-        <p:style>
-          <a:lnRef idx="1">
-            <a:schemeClr val="accent1"/>
-          </a:lnRef>
-          <a:fillRef idx="0">
-            <a:schemeClr val="accent1"/>
-          </a:fillRef>
-          <a:effectRef idx="0">
-            <a:schemeClr val="accent1"/>
-          </a:effectRef>
-          <a:fontRef idx="minor">
-            <a:schemeClr val="tx1"/>
-          </a:fontRef>
-        </p:style>
-      </p:cxnSp>
-    </p:spTree>
-    <p:extLst>
-      <p:ext uri="{BB962C8B-B14F-4D97-AF65-F5344CB8AC3E}">
-        <p14:creationId xmlns:p14="http://schemas.microsoft.com/office/powerpoint/2010/main" val="537238711"/>
-      </p:ext>
-    </p:extLst>
-  </p:cSld>
-  <p:clrMapOvr>
-    <a:masterClrMapping/>
-  </p:clrMapOvr>
-</p:sld>
-</file>
-
-<file path=ppt/slides/slide12.xml><?xml version="1.0" encoding="utf-8"?>
-<p:sld xmlns:a="http://schemas.openxmlformats.org/drawingml/2006/main" xmlns:r="http://schemas.openxmlformats.org/officeDocument/2006/relationships" xmlns:p="http://schemas.openxmlformats.org/presentationml/2006/main">
-  <p:cSld>
-    <p:spTree>
-      <p:nvGrpSpPr>
-        <p:cNvPr id="1" name=""/>
-        <p:cNvGrpSpPr/>
-        <p:nvPr/>
-      </p:nvGrpSpPr>
-      <p:grpSpPr>
-        <a:xfrm>
-          <a:off x="0" y="0"/>
-          <a:ext cx="0" cy="0"/>
-          <a:chOff x="0" y="0"/>
-          <a:chExt cx="0" cy="0"/>
-        </a:xfrm>
-      </p:grpSpPr>
-      <p:sp>
-        <p:nvSpPr>
-          <p:cNvPr id="2" name="标题 1"/>
-          <p:cNvSpPr>
-            <a:spLocks noGrp="1"/>
-          </p:cNvSpPr>
-          <p:nvPr>
-            <p:ph type="title"/>
-          </p:nvPr>
-        </p:nvSpPr>
-        <p:spPr/>
-        <p:txBody>
-          <a:bodyPr/>
-          <a:lstStyle/>
-          <a:p>
-            <a:r>
-              <a:rPr lang="zh-CN" altLang="en-US" dirty="0"/>
-              <a:t>随机梯度下降法</a:t>
-            </a:r>
-          </a:p>
-        </p:txBody>
-      </p:sp>
-      <p:sp>
-        <p:nvSpPr>
-          <p:cNvPr id="3" name="内容占位符 2"/>
-          <p:cNvSpPr>
-            <a:spLocks noGrp="1"/>
-          </p:cNvSpPr>
-          <p:nvPr>
-            <p:ph sz="quarter" idx="1"/>
-          </p:nvPr>
-        </p:nvSpPr>
-        <p:spPr/>
-        <p:txBody>
-          <a:bodyPr/>
-          <a:lstStyle/>
-          <a:p>
-            <a:r>
-              <a:rPr lang="zh-CN" altLang="en-US" dirty="0"/>
-              <a:t>随机梯度下降法（</a:t>
-            </a:r>
-            <a:r>
-              <a:rPr lang="en-US" altLang="zh-CN" dirty="0"/>
-              <a:t>Stochastic Gradient Descent</a:t>
-            </a:r>
-            <a:r>
-              <a:rPr lang="zh-CN" altLang="en-US" dirty="0"/>
-              <a:t>，</a:t>
-            </a:r>
-            <a:r>
-              <a:rPr lang="en-US" altLang="zh-CN" dirty="0"/>
-              <a:t>SGD</a:t>
-            </a:r>
-            <a:r>
-              <a:rPr lang="zh-CN" altLang="en-US" dirty="0"/>
-              <a:t>）也叫增量梯度下降，每个样本都进行更新</a:t>
-            </a:r>
-            <a:endParaRPr lang="en-US" altLang="zh-CN" dirty="0"/>
-          </a:p>
-          <a:p>
-            <a:endParaRPr lang="en-US" altLang="zh-CN" dirty="0"/>
-          </a:p>
-          <a:p>
-            <a:endParaRPr lang="en-US" altLang="zh-CN" dirty="0"/>
-          </a:p>
-          <a:p>
-            <a:endParaRPr lang="en-US" altLang="zh-CN" dirty="0"/>
-          </a:p>
-          <a:p>
-            <a:endParaRPr lang="en-US" altLang="zh-CN" dirty="0"/>
-          </a:p>
-          <a:p>
-            <a:r>
-              <a:rPr lang="zh-CN" altLang="en-US" dirty="0"/>
-              <a:t>小批量（</a:t>
-            </a:r>
-            <a:r>
-              <a:rPr lang="en-US" altLang="zh-CN" dirty="0"/>
-              <a:t>Mini-Batch</a:t>
-            </a:r>
-            <a:r>
-              <a:rPr lang="zh-CN" altLang="en-US" dirty="0"/>
-              <a:t>）随机梯度下降法</a:t>
-            </a:r>
-          </a:p>
-        </p:txBody>
-      </p:sp>
-      <p:pic>
-        <p:nvPicPr>
-          <p:cNvPr id="4" name="图片 3" descr="屏幕剪辑"/>
-          <p:cNvPicPr>
-            <a:picLocks noChangeAspect="1"/>
-          </p:cNvPicPr>
-          <p:nvPr/>
-        </p:nvPicPr>
-        <p:blipFill>
-          <a:blip r:embed="rId2">
-            <a:extLst>
-              <a:ext uri="{28A0092B-C50C-407E-A947-70E740481C1C}">
-                <a14:useLocalDpi xmlns:a14="http://schemas.microsoft.com/office/drawing/2010/main"/>
-              </a:ext>
-            </a:extLst>
-          </a:blip>
-          <a:stretch>
-            <a:fillRect/>
-          </a:stretch>
-        </p:blipFill>
-        <p:spPr>
-          <a:xfrm>
-            <a:off x="2362200" y="2667000"/>
-            <a:ext cx="4219303" cy="914400"/>
-          </a:xfrm>
-          <a:prstGeom prst="rect">
-            <a:avLst/>
-          </a:prstGeom>
-        </p:spPr>
-      </p:pic>
-    </p:spTree>
-    <p:extLst>
-      <p:ext uri="{BB962C8B-B14F-4D97-AF65-F5344CB8AC3E}">
-        <p14:creationId xmlns:p14="http://schemas.microsoft.com/office/powerpoint/2010/main" val="4175883759"/>
       </p:ext>
     </p:extLst>
   </p:cSld>
@@ -8538,6 +8599,317 @@
           <a:p>
             <a:r>
               <a:rPr lang="zh-CN" altLang="en-US" dirty="0"/>
+              <a:t>学习率是十分重要的超参数！</a:t>
+            </a:r>
+          </a:p>
+        </p:txBody>
+      </p:sp>
+      <p:pic>
+        <p:nvPicPr>
+          <p:cNvPr id="4" name="内容占位符 3"/>
+          <p:cNvPicPr>
+            <a:picLocks noGrp="1" noChangeAspect="1"/>
+          </p:cNvPicPr>
+          <p:nvPr>
+            <p:ph sz="quarter" idx="1"/>
+          </p:nvPr>
+        </p:nvPicPr>
+        <p:blipFill>
+          <a:blip r:embed="rId2">
+            <a:extLst>
+              <a:ext uri="{28A0092B-C50C-407E-A947-70E740481C1C}">
+                <a14:useLocalDpi xmlns:a14="http://schemas.microsoft.com/office/drawing/2010/main"/>
+              </a:ext>
+            </a:extLst>
+          </a:blip>
+          <a:stretch>
+            <a:fillRect/>
+          </a:stretch>
+        </p:blipFill>
+        <p:spPr>
+          <a:xfrm>
+            <a:off x="4876800" y="3922745"/>
+            <a:ext cx="2786270" cy="2513106"/>
+          </a:xfrm>
+        </p:spPr>
+      </p:pic>
+      <p:pic>
+        <p:nvPicPr>
+          <p:cNvPr id="8" name="Picture 2" descr="Goldilocks of learning rates">
+            <a:extLst>
+              <a:ext uri="{FF2B5EF4-FFF2-40B4-BE49-F238E27FC236}">
+                <a16:creationId xmlns:a16="http://schemas.microsoft.com/office/drawing/2014/main" id="{B7BE837F-7116-42B7-BCA8-A881B17871D0}"/>
+              </a:ext>
+            </a:extLst>
+          </p:cNvPr>
+          <p:cNvPicPr>
+            <a:picLocks noChangeAspect="1" noChangeArrowheads="1"/>
+          </p:cNvPicPr>
+          <p:nvPr/>
+        </p:nvPicPr>
+        <p:blipFill>
+          <a:blip r:embed="rId3" cstate="print">
+            <a:extLst>
+              <a:ext uri="{28A0092B-C50C-407E-A947-70E740481C1C}">
+                <a14:useLocalDpi xmlns:a14="http://schemas.microsoft.com/office/drawing/2010/main" val="0"/>
+              </a:ext>
+            </a:extLst>
+          </a:blip>
+          <a:srcRect/>
+          <a:stretch>
+            <a:fillRect/>
+          </a:stretch>
+        </p:blipFill>
+        <p:spPr bwMode="auto">
+          <a:xfrm>
+            <a:off x="3429001" y="1333237"/>
+            <a:ext cx="6152827" cy="2386356"/>
+          </a:xfrm>
+          <a:prstGeom prst="rect">
+            <a:avLst/>
+          </a:prstGeom>
+          <a:noFill/>
+          <a:extLst>
+            <a:ext uri="{909E8E84-426E-40DD-AFC4-6F175D3DCCD1}">
+              <a14:hiddenFill xmlns:a14="http://schemas.microsoft.com/office/drawing/2010/main">
+                <a:solidFill>
+                  <a:srgbClr val="FFFFFF"/>
+                </a:solidFill>
+              </a14:hiddenFill>
+            </a:ext>
+          </a:extLst>
+        </p:spPr>
+      </p:pic>
+      <p:cxnSp>
+        <p:nvCxnSpPr>
+          <p:cNvPr id="5" name="直接连接符 4">
+            <a:extLst>
+              <a:ext uri="{FF2B5EF4-FFF2-40B4-BE49-F238E27FC236}">
+                <a16:creationId xmlns:a16="http://schemas.microsoft.com/office/drawing/2014/main" id="{3CD3507E-4DC7-41BF-A0F6-5E7CF3B1F0D6}"/>
+              </a:ext>
+            </a:extLst>
+          </p:cNvPr>
+          <p:cNvCxnSpPr/>
+          <p:nvPr/>
+        </p:nvCxnSpPr>
+        <p:spPr>
+          <a:xfrm>
+            <a:off x="2307535" y="3719593"/>
+            <a:ext cx="7772400" cy="0"/>
+          </a:xfrm>
+          <a:prstGeom prst="line">
+            <a:avLst/>
+          </a:prstGeom>
+        </p:spPr>
+        <p:style>
+          <a:lnRef idx="1">
+            <a:schemeClr val="accent1"/>
+          </a:lnRef>
+          <a:fillRef idx="0">
+            <a:schemeClr val="accent1"/>
+          </a:fillRef>
+          <a:effectRef idx="0">
+            <a:schemeClr val="accent1"/>
+          </a:effectRef>
+          <a:fontRef idx="minor">
+            <a:schemeClr val="tx1"/>
+          </a:fontRef>
+        </p:style>
+      </p:cxnSp>
+    </p:spTree>
+    <p:extLst>
+      <p:ext uri="{BB962C8B-B14F-4D97-AF65-F5344CB8AC3E}">
+        <p14:creationId xmlns:p14="http://schemas.microsoft.com/office/powerpoint/2010/main" val="537238711"/>
+      </p:ext>
+    </p:extLst>
+  </p:cSld>
+  <p:clrMapOvr>
+    <a:masterClrMapping/>
+  </p:clrMapOvr>
+</p:sld>
+</file>
+
+<file path=ppt/slides/slide14.xml><?xml version="1.0" encoding="utf-8"?>
+<p:sld xmlns:a="http://schemas.openxmlformats.org/drawingml/2006/main" xmlns:r="http://schemas.openxmlformats.org/officeDocument/2006/relationships" xmlns:p="http://schemas.openxmlformats.org/presentationml/2006/main">
+  <p:cSld>
+    <p:spTree>
+      <p:nvGrpSpPr>
+        <p:cNvPr id="1" name=""/>
+        <p:cNvGrpSpPr/>
+        <p:nvPr/>
+      </p:nvGrpSpPr>
+      <p:grpSpPr>
+        <a:xfrm>
+          <a:off x="0" y="0"/>
+          <a:ext cx="0" cy="0"/>
+          <a:chOff x="0" y="0"/>
+          <a:chExt cx="0" cy="0"/>
+        </a:xfrm>
+      </p:grpSpPr>
+      <p:sp>
+        <p:nvSpPr>
+          <p:cNvPr id="2" name="标题 1"/>
+          <p:cNvSpPr>
+            <a:spLocks noGrp="1"/>
+          </p:cNvSpPr>
+          <p:nvPr>
+            <p:ph type="title"/>
+          </p:nvPr>
+        </p:nvSpPr>
+        <p:spPr/>
+        <p:txBody>
+          <a:bodyPr/>
+          <a:lstStyle/>
+          <a:p>
+            <a:r>
+              <a:rPr lang="zh-CN" altLang="en-US" dirty="0"/>
+              <a:t>随机梯度下降法</a:t>
+            </a:r>
+          </a:p>
+        </p:txBody>
+      </p:sp>
+      <p:sp>
+        <p:nvSpPr>
+          <p:cNvPr id="3" name="内容占位符 2"/>
+          <p:cNvSpPr>
+            <a:spLocks noGrp="1"/>
+          </p:cNvSpPr>
+          <p:nvPr>
+            <p:ph sz="quarter" idx="1"/>
+          </p:nvPr>
+        </p:nvSpPr>
+        <p:spPr/>
+        <p:txBody>
+          <a:bodyPr/>
+          <a:lstStyle/>
+          <a:p>
+            <a:r>
+              <a:rPr lang="zh-CN" altLang="en-US" dirty="0"/>
+              <a:t>随机梯度下降法（</a:t>
+            </a:r>
+            <a:r>
+              <a:rPr lang="en-US" altLang="zh-CN" dirty="0"/>
+              <a:t>Stochastic Gradient Descent</a:t>
+            </a:r>
+            <a:r>
+              <a:rPr lang="zh-CN" altLang="en-US" dirty="0"/>
+              <a:t>，</a:t>
+            </a:r>
+            <a:r>
+              <a:rPr lang="en-US" altLang="zh-CN" dirty="0"/>
+              <a:t>SGD</a:t>
+            </a:r>
+            <a:r>
+              <a:rPr lang="zh-CN" altLang="en-US" dirty="0"/>
+              <a:t>）也叫增量梯度下降，每个样本都进行更新</a:t>
+            </a:r>
+            <a:endParaRPr lang="en-US" altLang="zh-CN" dirty="0"/>
+          </a:p>
+          <a:p>
+            <a:endParaRPr lang="en-US" altLang="zh-CN" dirty="0"/>
+          </a:p>
+          <a:p>
+            <a:endParaRPr lang="en-US" altLang="zh-CN" dirty="0"/>
+          </a:p>
+          <a:p>
+            <a:endParaRPr lang="en-US" altLang="zh-CN" dirty="0"/>
+          </a:p>
+          <a:p>
+            <a:endParaRPr lang="en-US" altLang="zh-CN" dirty="0"/>
+          </a:p>
+          <a:p>
+            <a:r>
+              <a:rPr lang="zh-CN" altLang="en-US" dirty="0"/>
+              <a:t>小批量（</a:t>
+            </a:r>
+            <a:r>
+              <a:rPr lang="en-US" altLang="zh-CN" dirty="0"/>
+              <a:t>Mini-Batch</a:t>
+            </a:r>
+            <a:r>
+              <a:rPr lang="zh-CN" altLang="en-US" dirty="0"/>
+              <a:t>）随机梯度下降法</a:t>
+            </a:r>
+          </a:p>
+        </p:txBody>
+      </p:sp>
+      <p:pic>
+        <p:nvPicPr>
+          <p:cNvPr id="4" name="图片 3" descr="屏幕剪辑"/>
+          <p:cNvPicPr>
+            <a:picLocks noChangeAspect="1"/>
+          </p:cNvPicPr>
+          <p:nvPr/>
+        </p:nvPicPr>
+        <p:blipFill>
+          <a:blip r:embed="rId2">
+            <a:extLst>
+              <a:ext uri="{28A0092B-C50C-407E-A947-70E740481C1C}">
+                <a14:useLocalDpi xmlns:a14="http://schemas.microsoft.com/office/drawing/2010/main"/>
+              </a:ext>
+            </a:extLst>
+          </a:blip>
+          <a:stretch>
+            <a:fillRect/>
+          </a:stretch>
+        </p:blipFill>
+        <p:spPr>
+          <a:xfrm>
+            <a:off x="3886201" y="2667000"/>
+            <a:ext cx="4219303" cy="914400"/>
+          </a:xfrm>
+          <a:prstGeom prst="rect">
+            <a:avLst/>
+          </a:prstGeom>
+        </p:spPr>
+      </p:pic>
+    </p:spTree>
+    <p:extLst>
+      <p:ext uri="{BB962C8B-B14F-4D97-AF65-F5344CB8AC3E}">
+        <p14:creationId xmlns:p14="http://schemas.microsoft.com/office/powerpoint/2010/main" val="4175883759"/>
+      </p:ext>
+    </p:extLst>
+  </p:cSld>
+  <p:clrMapOvr>
+    <a:masterClrMapping/>
+  </p:clrMapOvr>
+</p:sld>
+</file>
+
+<file path=ppt/slides/slide15.xml><?xml version="1.0" encoding="utf-8"?>
+<p:sld xmlns:a="http://schemas.openxmlformats.org/drawingml/2006/main" xmlns:r="http://schemas.openxmlformats.org/officeDocument/2006/relationships" xmlns:p="http://schemas.openxmlformats.org/presentationml/2006/main">
+  <p:cSld>
+    <p:spTree>
+      <p:nvGrpSpPr>
+        <p:cNvPr id="1" name=""/>
+        <p:cNvGrpSpPr/>
+        <p:nvPr/>
+      </p:nvGrpSpPr>
+      <p:grpSpPr>
+        <a:xfrm>
+          <a:off x="0" y="0"/>
+          <a:ext cx="0" cy="0"/>
+          <a:chOff x="0" y="0"/>
+          <a:chExt cx="0" cy="0"/>
+        </a:xfrm>
+      </p:grpSpPr>
+      <p:sp>
+        <p:nvSpPr>
+          <p:cNvPr id="2" name="标题 1"/>
+          <p:cNvSpPr>
+            <a:spLocks noGrp="1"/>
+          </p:cNvSpPr>
+          <p:nvPr>
+            <p:ph type="title"/>
+          </p:nvPr>
+        </p:nvSpPr>
+        <p:spPr/>
+        <p:txBody>
+          <a:bodyPr/>
+          <a:lstStyle/>
+          <a:p>
+            <a:r>
+              <a:rPr lang="zh-CN" altLang="en-US" dirty="0"/>
               <a:t> 随机梯度下降法</a:t>
             </a:r>
           </a:p>
@@ -8571,7 +8943,7 @@
         </p:blipFill>
         <p:spPr>
           <a:xfrm>
-            <a:off x="1600200" y="1752600"/>
+            <a:off x="3124201" y="1752600"/>
             <a:ext cx="5221559" cy="3211322"/>
           </a:xfrm>
           <a:prstGeom prst="rect">
@@ -8593,8 +8965,8 @@
         </p:nvSpPr>
         <p:spPr>
           <a:xfrm>
-            <a:off x="2590800" y="4343400"/>
-            <a:ext cx="3124200" cy="381000"/>
+            <a:off x="5584535" y="4303069"/>
+            <a:ext cx="184731" cy="461665"/>
           </a:xfrm>
           <a:prstGeom prst="rect">
             <a:avLst/>
@@ -8640,7 +9012,7 @@
         </p:nvSpPr>
         <p:spPr>
           <a:xfrm>
-            <a:off x="5959973" y="3505200"/>
+            <a:off x="7483974" y="3505201"/>
             <a:ext cx="1723571" cy="1296591"/>
           </a:xfrm>
           <a:prstGeom prst="irregularSeal1">
@@ -8811,7 +9183,7 @@
 </p:sld>
 </file>
 
-<file path=ppt/slides/slide14.xml><?xml version="1.0" encoding="utf-8"?>
+<file path=ppt/slides/slide16.xml><?xml version="1.0" encoding="utf-8"?>
 <p:sld xmlns:a="http://schemas.openxmlformats.org/drawingml/2006/main" xmlns:r="http://schemas.openxmlformats.org/officeDocument/2006/relationships" xmlns:p="http://schemas.openxmlformats.org/presentationml/2006/main">
   <p:cSld>
     <p:spTree>
@@ -8866,7 +9238,7 @@
         </p:nvSpPr>
         <p:spPr>
           <a:xfrm>
-            <a:off x="2286000" y="1524000"/>
+            <a:off x="3810000" y="1524001"/>
             <a:ext cx="3657600" cy="584775"/>
           </a:xfrm>
           <a:prstGeom prst="rect">
@@ -8932,7 +9304,7 @@
         </p:blipFill>
         <p:spPr>
           <a:xfrm>
-            <a:off x="533400" y="2362200"/>
+            <a:off x="2057401" y="2362201"/>
             <a:ext cx="7957665" cy="2117339"/>
           </a:xfrm>
           <a:prstGeom prst="rect">
@@ -8948,7 +9320,7 @@
         </p:nvSpPr>
         <p:spPr>
           <a:xfrm>
-            <a:off x="2305396" y="4778431"/>
+            <a:off x="3829396" y="4778431"/>
             <a:ext cx="4572000" cy="923330"/>
           </a:xfrm>
           <a:prstGeom prst="rect">
@@ -8989,7 +9361,7 @@
         </p:nvSpPr>
         <p:spPr>
           <a:xfrm>
-            <a:off x="5181600" y="1204690"/>
+            <a:off x="6705600" y="1204690"/>
             <a:ext cx="2209026" cy="1037630"/>
           </a:xfrm>
           <a:prstGeom prst="irregularSeal2">
@@ -9218,7 +9590,7 @@
 </p:sld>
 </file>
 
-<file path=ppt/slides/slide15.xml><?xml version="1.0" encoding="utf-8"?>
+<file path=ppt/slides/slide17.xml><?xml version="1.0" encoding="utf-8"?>
 <p:sld xmlns:a="http://schemas.openxmlformats.org/drawingml/2006/main" xmlns:r="http://schemas.openxmlformats.org/officeDocument/2006/relationships" xmlns:p="http://schemas.openxmlformats.org/presentationml/2006/main">
   <p:cSld>
     <p:spTree>
@@ -9321,7 +9693,7 @@
         </p:blipFill>
         <p:spPr>
           <a:xfrm>
-            <a:off x="1066800" y="3719564"/>
+            <a:off x="2590800" y="3719564"/>
             <a:ext cx="6307494" cy="2524482"/>
           </a:xfrm>
           <a:prstGeom prst="rect">
@@ -9342,7 +9714,7 @@
 </p:sld>
 </file>
 
-<file path=ppt/slides/slide16.xml><?xml version="1.0" encoding="utf-8"?>
+<file path=ppt/slides/slide18.xml><?xml version="1.0" encoding="utf-8"?>
 <p:sld xmlns:a="http://schemas.openxmlformats.org/drawingml/2006/main" xmlns:r="http://schemas.openxmlformats.org/officeDocument/2006/relationships" xmlns:p="http://schemas.openxmlformats.org/presentationml/2006/main">
   <p:cSld>
     <p:spTree>
@@ -9403,7 +9775,7 @@
         </p:blipFill>
         <p:spPr>
           <a:xfrm>
-            <a:off x="603160" y="2115674"/>
+            <a:off x="2127160" y="2115675"/>
             <a:ext cx="3696216" cy="543001"/>
           </a:xfrm>
           <a:prstGeom prst="rect">
@@ -9419,7 +9791,7 @@
         </p:nvSpPr>
         <p:spPr>
           <a:xfrm>
-            <a:off x="1427043" y="1415430"/>
+            <a:off x="2951044" y="1415430"/>
             <a:ext cx="1620957" cy="523220"/>
           </a:xfrm>
           <a:prstGeom prst="rect">
@@ -9448,7 +9820,7 @@
         </p:nvSpPr>
         <p:spPr>
           <a:xfrm>
-            <a:off x="6126862" y="1338554"/>
+            <a:off x="7650863" y="1338554"/>
             <a:ext cx="1620957" cy="523220"/>
           </a:xfrm>
           <a:prstGeom prst="rect">
@@ -9477,7 +9849,7 @@
         </p:nvSpPr>
         <p:spPr>
           <a:xfrm>
-            <a:off x="3400617" y="5652548"/>
+            <a:off x="4924618" y="5652548"/>
             <a:ext cx="1620957" cy="523220"/>
           </a:xfrm>
           <a:prstGeom prst="rect">
@@ -9528,7 +9900,7 @@
         </p:blipFill>
         <p:spPr>
           <a:xfrm>
-            <a:off x="1295400" y="2768804"/>
+            <a:off x="2819400" y="2768805"/>
             <a:ext cx="2377538" cy="2179639"/>
           </a:xfrm>
           <a:prstGeom prst="rect">
@@ -9559,7 +9931,7 @@
         </p:blipFill>
         <p:spPr bwMode="auto">
           <a:xfrm>
-            <a:off x="5364862" y="2992043"/>
+            <a:off x="6888862" y="2992044"/>
             <a:ext cx="2978150" cy="2233613"/>
           </a:xfrm>
           <a:prstGeom prst="rect">
@@ -9577,8 +9949,8 @@
           </a:extLst>
         </p:spPr>
       </p:pic>
-      <mc:AlternateContent xmlns:mc="http://schemas.openxmlformats.org/markup-compatibility/2006" xmlns:a14="http://schemas.microsoft.com/office/drawing/2010/main">
-        <mc:Choice Requires="a14">
+      <mc:AlternateContent xmlns:mc="http://schemas.openxmlformats.org/markup-compatibility/2006">
+        <mc:Choice xmlns:a14="http://schemas.microsoft.com/office/drawing/2010/main" Requires="a14">
           <p:sp>
             <p:nvSpPr>
               <p:cNvPr id="12" name="矩形 11"/>
@@ -9587,7 +9959,7 @@
             </p:nvSpPr>
             <p:spPr>
               <a:xfrm>
-                <a:off x="3962400" y="3601017"/>
+                <a:off x="5486401" y="3601018"/>
                 <a:ext cx="973343" cy="1015663"/>
               </a:xfrm>
               <a:prstGeom prst="rect">
@@ -9608,7 +9980,7 @@
                     </m:oMathParaPr>
                     <m:oMath xmlns:m="http://schemas.openxmlformats.org/officeDocument/2006/math">
                       <m:r>
-                        <a:rPr lang="zh-CN" altLang="en-US" sz="6000" i="1" dirty="0" smtClean="0">
+                        <a:rPr lang="zh-CN" altLang="en-US" sz="6000" i="1" dirty="0">
                           <a:solidFill>
                             <a:srgbClr val="FF0000"/>
                           </a:solidFill>
@@ -9628,7 +10000,7 @@
             </p:txBody>
           </p:sp>
         </mc:Choice>
-        <mc:Fallback xmlns="">
+        <mc:Fallback>
           <p:sp>
             <p:nvSpPr>
               <p:cNvPr id="12" name="矩形 11"/>
@@ -9639,14 +10011,14 @@
             </p:nvSpPr>
             <p:spPr>
               <a:xfrm>
-                <a:off x="3962400" y="3601017"/>
+                <a:off x="5486401" y="3601018"/>
                 <a:ext cx="973343" cy="1015663"/>
               </a:xfrm>
               <a:prstGeom prst="rect">
                 <a:avLst/>
               </a:prstGeom>
               <a:blipFill>
-                <a:blip r:embed="rId8"/>
+                <a:blip r:embed="rId6"/>
                 <a:stretch>
                   <a:fillRect/>
                 </a:stretch>
@@ -9676,7 +10048,7 @@
           <p:nvPr/>
         </p:nvPicPr>
         <p:blipFill>
-          <a:blip r:embed="rId9">
+          <a:blip r:embed="rId7">
             <a:extLst>
               <a:ext uri="{28A0092B-C50C-407E-A947-70E740481C1C}">
                 <a14:useLocalDpi xmlns:a14="http://schemas.microsoft.com/office/drawing/2010/main" val="0"/>
@@ -9689,7 +10061,7 @@
         </p:blipFill>
         <p:spPr>
           <a:xfrm>
-            <a:off x="5482427" y="1974108"/>
+            <a:off x="7006427" y="1974108"/>
             <a:ext cx="2909826" cy="598322"/>
           </a:xfrm>
           <a:prstGeom prst="rect">
@@ -9706,7 +10078,7 @@
           <p:nvPr/>
         </p:nvPicPr>
         <p:blipFill>
-          <a:blip r:embed="rId10">
+          <a:blip r:embed="rId8">
             <a:extLst>
               <a:ext uri="{28A0092B-C50C-407E-A947-70E740481C1C}">
                 <a14:useLocalDpi xmlns:a14="http://schemas.microsoft.com/office/drawing/2010/main" val="0"/>
@@ -9719,7 +10091,7 @@
         </p:blipFill>
         <p:spPr>
           <a:xfrm>
-            <a:off x="2734513" y="5214724"/>
+            <a:off x="4258514" y="5214725"/>
             <a:ext cx="3129725" cy="473541"/>
           </a:xfrm>
           <a:prstGeom prst="rect">
@@ -9861,7 +10233,7 @@
 </p:sld>
 </file>
 
-<file path=ppt/slides/slide17.xml><?xml version="1.0" encoding="utf-8"?>
+<file path=ppt/slides/slide19.xml><?xml version="1.0" encoding="utf-8"?>
 <p:sld xmlns:a="http://schemas.openxmlformats.org/drawingml/2006/main" xmlns:r="http://schemas.openxmlformats.org/officeDocument/2006/relationships" xmlns:p="http://schemas.openxmlformats.org/presentationml/2006/main">
   <p:cSld>
     <p:spTree>
@@ -9901,7 +10273,7 @@
         </p:blipFill>
         <p:spPr bwMode="auto">
           <a:xfrm flipH="1">
-            <a:off x="1203325" y="2825750"/>
+            <a:off x="2727325" y="2825751"/>
             <a:ext cx="6737350" cy="3368675"/>
           </a:xfrm>
           <a:prstGeom prst="rect">
@@ -9949,7 +10321,7 @@
         </p:nvSpPr>
         <p:spPr>
           <a:xfrm>
-            <a:off x="4876799" y="1600201"/>
+            <a:off x="6400800" y="1600201"/>
             <a:ext cx="1723549" cy="707886"/>
           </a:xfrm>
           <a:prstGeom prst="rect">
@@ -9977,7 +10349,7 @@
         </p:nvSpPr>
         <p:spPr>
           <a:xfrm>
-            <a:off x="2514600" y="1600200"/>
+            <a:off x="4038600" y="1600200"/>
             <a:ext cx="1210588" cy="707886"/>
           </a:xfrm>
           <a:prstGeom prst="rect">
@@ -10005,7 +10377,7 @@
         </p:nvSpPr>
         <p:spPr>
           <a:xfrm>
-            <a:off x="4684439" y="2138442"/>
+            <a:off x="6208439" y="2138443"/>
             <a:ext cx="2339102" cy="461665"/>
           </a:xfrm>
           <a:prstGeom prst="rect">
@@ -10034,7 +10406,7 @@
         </p:nvSpPr>
         <p:spPr>
           <a:xfrm>
-            <a:off x="2301728" y="2138442"/>
+            <a:off x="3825729" y="2138443"/>
             <a:ext cx="2031325" cy="461665"/>
           </a:xfrm>
           <a:prstGeom prst="rect">
@@ -10068,7 +10440,164 @@
 </p:sld>
 </file>
 
-<file path=ppt/slides/slide18.xml><?xml version="1.0" encoding="utf-8"?>
+<file path=ppt/slides/slide2.xml><?xml version="1.0" encoding="utf-8"?>
+<p:sld xmlns:a="http://schemas.openxmlformats.org/drawingml/2006/main" xmlns:r="http://schemas.openxmlformats.org/officeDocument/2006/relationships" xmlns:p="http://schemas.openxmlformats.org/presentationml/2006/main">
+  <p:cSld>
+    <p:spTree>
+      <p:nvGrpSpPr>
+        <p:cNvPr id="1" name=""/>
+        <p:cNvGrpSpPr/>
+        <p:nvPr/>
+      </p:nvGrpSpPr>
+      <p:grpSpPr>
+        <a:xfrm>
+          <a:off x="0" y="0"/>
+          <a:ext cx="0" cy="0"/>
+          <a:chOff x="0" y="0"/>
+          <a:chExt cx="0" cy="0"/>
+        </a:xfrm>
+      </p:grpSpPr>
+      <p:sp>
+        <p:nvSpPr>
+          <p:cNvPr id="2" name="标题 1">
+            <a:extLst>
+              <a:ext uri="{FF2B5EF4-FFF2-40B4-BE49-F238E27FC236}">
+                <a16:creationId xmlns:a16="http://schemas.microsoft.com/office/drawing/2014/main" id="{ACB6DC18-8714-4A33-AE48-218B03A5A098}"/>
+              </a:ext>
+            </a:extLst>
+          </p:cNvPr>
+          <p:cNvSpPr>
+            <a:spLocks noGrp="1"/>
+          </p:cNvSpPr>
+          <p:nvPr>
+            <p:ph type="title"/>
+          </p:nvPr>
+        </p:nvSpPr>
+        <p:spPr/>
+        <p:txBody>
+          <a:bodyPr/>
+          <a:lstStyle/>
+          <a:p>
+            <a:r>
+              <a:rPr lang="zh-CN" altLang="en-US" dirty="0"/>
+              <a:t>教学内容</a:t>
+            </a:r>
+          </a:p>
+        </p:txBody>
+      </p:sp>
+      <p:sp>
+        <p:nvSpPr>
+          <p:cNvPr id="3" name="内容占位符 2">
+            <a:extLst>
+              <a:ext uri="{FF2B5EF4-FFF2-40B4-BE49-F238E27FC236}">
+                <a16:creationId xmlns:a16="http://schemas.microsoft.com/office/drawing/2014/main" id="{AD1FBE78-11B0-4016-AC29-9A4845FDE103}"/>
+              </a:ext>
+            </a:extLst>
+          </p:cNvPr>
+          <p:cNvSpPr>
+            <a:spLocks noGrp="1"/>
+          </p:cNvSpPr>
+          <p:nvPr>
+            <p:ph sz="quarter" idx="1"/>
+          </p:nvPr>
+        </p:nvSpPr>
+        <p:spPr/>
+        <p:txBody>
+          <a:bodyPr/>
+          <a:lstStyle/>
+          <a:p>
+            <a:r>
+              <a:rPr lang="zh-CN" altLang="en-US" dirty="0"/>
+              <a:t>机器学习</a:t>
+            </a:r>
+            <a:endParaRPr lang="en-US" altLang="zh-CN" dirty="0"/>
+          </a:p>
+          <a:p>
+            <a:pPr lvl="1"/>
+            <a:r>
+              <a:rPr lang="zh-CN" altLang="en-US" dirty="0"/>
+              <a:t>概念</a:t>
+            </a:r>
+            <a:endParaRPr lang="en-US" altLang="zh-CN" dirty="0"/>
+          </a:p>
+          <a:p>
+            <a:pPr lvl="1"/>
+            <a:r>
+              <a:rPr lang="zh-CN" altLang="en-US" dirty="0"/>
+              <a:t>原理</a:t>
+            </a:r>
+            <a:endParaRPr lang="en-US" altLang="zh-CN" dirty="0"/>
+          </a:p>
+          <a:p>
+            <a:r>
+              <a:rPr lang="zh-CN" altLang="en-US" dirty="0"/>
+              <a:t>线性回归</a:t>
+            </a:r>
+            <a:endParaRPr lang="en-US" altLang="zh-CN" dirty="0"/>
+          </a:p>
+          <a:p>
+            <a:pPr lvl="1"/>
+            <a:r>
+              <a:rPr lang="zh-CN" altLang="en-US" dirty="0"/>
+              <a:t>定义</a:t>
+            </a:r>
+            <a:endParaRPr lang="en-US" altLang="zh-CN" dirty="0"/>
+          </a:p>
+          <a:p>
+            <a:pPr lvl="1"/>
+            <a:r>
+              <a:rPr lang="zh-CN" altLang="en-US" dirty="0"/>
+              <a:t>最小均方误差</a:t>
+            </a:r>
+            <a:endParaRPr lang="en-US" altLang="zh-CN" dirty="0"/>
+          </a:p>
+          <a:p>
+            <a:pPr lvl="1"/>
+            <a:r>
+              <a:rPr lang="zh-CN" altLang="en-US" dirty="0"/>
+              <a:t>最大似然估计</a:t>
+            </a:r>
+            <a:endParaRPr lang="en-US" altLang="zh-CN" dirty="0"/>
+          </a:p>
+          <a:p>
+            <a:pPr lvl="1"/>
+            <a:r>
+              <a:rPr lang="zh-CN" altLang="en-US" dirty="0"/>
+              <a:t>最大后验估计</a:t>
+            </a:r>
+            <a:endParaRPr lang="en-US" altLang="zh-CN" dirty="0"/>
+          </a:p>
+          <a:p>
+            <a:r>
+              <a:rPr lang="zh-CN" altLang="en-US" dirty="0"/>
+              <a:t>机器学习的几个关键点</a:t>
+            </a:r>
+            <a:endParaRPr lang="en-US" altLang="zh-CN" dirty="0"/>
+          </a:p>
+          <a:p>
+            <a:pPr lvl="1"/>
+            <a:endParaRPr lang="en-US" altLang="zh-CN" dirty="0"/>
+          </a:p>
+          <a:p>
+            <a:pPr lvl="1"/>
+            <a:endParaRPr lang="zh-CN" altLang="en-US" dirty="0"/>
+          </a:p>
+        </p:txBody>
+      </p:sp>
+    </p:spTree>
+    <p:extLst>
+      <p:ext uri="{BB962C8B-B14F-4D97-AF65-F5344CB8AC3E}">
+        <p14:creationId xmlns:p14="http://schemas.microsoft.com/office/powerpoint/2010/main" val="370502069"/>
+      </p:ext>
+    </p:extLst>
+  </p:cSld>
+  <p:clrMapOvr>
+    <a:masterClrMapping/>
+  </p:clrMapOvr>
+</p:sld>
+</file>
+
+<file path=ppt/slides/slide20.xml><?xml version="1.0" encoding="utf-8"?>
 <p:sld xmlns:a="http://schemas.openxmlformats.org/drawingml/2006/main" xmlns:r="http://schemas.openxmlformats.org/officeDocument/2006/relationships" xmlns:p="http://schemas.openxmlformats.org/presentationml/2006/main">
   <p:cSld>
     <p:spTree>
@@ -10127,7 +10656,7 @@
           </p:nvPr>
         </p:nvGraphicFramePr>
         <p:xfrm>
-          <a:off x="1143000" y="1066800"/>
+          <a:off x="2667000" y="1066800"/>
           <a:ext cx="6705600" cy="1981200"/>
         </p:xfrm>
         <a:graphic>
@@ -10159,7 +10688,7 @@
         </p:blipFill>
         <p:spPr bwMode="auto">
           <a:xfrm>
-            <a:off x="685800" y="3544517"/>
+            <a:off x="2209800" y="3544517"/>
             <a:ext cx="3481828" cy="2664566"/>
           </a:xfrm>
           <a:prstGeom prst="rect">
@@ -10185,7 +10714,7 @@
         </p:nvSpPr>
         <p:spPr>
           <a:xfrm>
-            <a:off x="1620640" y="2971800"/>
+            <a:off x="3144640" y="2971800"/>
             <a:ext cx="2133918" cy="338554"/>
           </a:xfrm>
           <a:prstGeom prst="rect">
@@ -10227,7 +10756,7 @@
         </p:nvSpPr>
         <p:spPr>
           <a:xfrm>
-            <a:off x="4724400" y="2971800"/>
+            <a:off x="6248400" y="2971801"/>
             <a:ext cx="3467616" cy="584775"/>
           </a:xfrm>
           <a:prstGeom prst="rect">
@@ -10293,7 +10822,7 @@
         </p:blipFill>
         <p:spPr>
           <a:xfrm>
-            <a:off x="4766820" y="3575782"/>
+            <a:off x="6290821" y="3575783"/>
             <a:ext cx="3382775" cy="2616511"/>
           </a:xfrm>
           <a:prstGeom prst="rect">
@@ -10727,979 +11256,6 @@
 </p:sld>
 </file>
 
-<file path=ppt/slides/slide19.xml><?xml version="1.0" encoding="utf-8"?>
-<p:sld xmlns:a="http://schemas.openxmlformats.org/drawingml/2006/main" xmlns:r="http://schemas.openxmlformats.org/officeDocument/2006/relationships" xmlns:p="http://schemas.openxmlformats.org/presentationml/2006/main">
-  <p:cSld>
-    <p:spTree>
-      <p:nvGrpSpPr>
-        <p:cNvPr id="1" name=""/>
-        <p:cNvGrpSpPr/>
-        <p:nvPr/>
-      </p:nvGrpSpPr>
-      <p:grpSpPr>
-        <a:xfrm>
-          <a:off x="0" y="0"/>
-          <a:ext cx="0" cy="0"/>
-          <a:chOff x="0" y="0"/>
-          <a:chExt cx="0" cy="0"/>
-        </a:xfrm>
-      </p:grpSpPr>
-      <p:sp>
-        <p:nvSpPr>
-          <p:cNvPr id="2" name="标题 1"/>
-          <p:cNvSpPr>
-            <a:spLocks noGrp="1"/>
-          </p:cNvSpPr>
-          <p:nvPr>
-            <p:ph type="title"/>
-          </p:nvPr>
-        </p:nvSpPr>
-        <p:spPr/>
-        <p:txBody>
-          <a:bodyPr/>
-          <a:lstStyle/>
-          <a:p>
-            <a:r>
-              <a:rPr lang="zh-CN" altLang="en-US" dirty="0"/>
-              <a:t>提前停止</a:t>
-            </a:r>
-          </a:p>
-        </p:txBody>
-      </p:sp>
-      <p:sp>
-        <p:nvSpPr>
-          <p:cNvPr id="3" name="内容占位符 2"/>
-          <p:cNvSpPr>
-            <a:spLocks noGrp="1"/>
-          </p:cNvSpPr>
-          <p:nvPr>
-            <p:ph sz="quarter" idx="1"/>
-          </p:nvPr>
-        </p:nvSpPr>
-        <p:spPr/>
-        <p:txBody>
-          <a:bodyPr/>
-          <a:lstStyle/>
-          <a:p>
-            <a:r>
-              <a:rPr lang="zh-CN" altLang="en-US" dirty="0"/>
-              <a:t>我们使用一个验证集（</a:t>
-            </a:r>
-            <a:r>
-              <a:rPr lang="en-US" altLang="zh-CN" dirty="0"/>
-              <a:t>Validation Dataset</a:t>
-            </a:r>
-            <a:r>
-              <a:rPr lang="zh-CN" altLang="en-US" dirty="0"/>
-              <a:t>）来测试每一次迭代的参数在验证集上是否最优。如果在验证集上的错误率不再下降，就停止迭代。</a:t>
-            </a:r>
-          </a:p>
-        </p:txBody>
-      </p:sp>
-      <p:pic>
-        <p:nvPicPr>
-          <p:cNvPr id="6" name="图片 5">
-            <a:extLst>
-              <a:ext uri="{FF2B5EF4-FFF2-40B4-BE49-F238E27FC236}">
-                <a16:creationId xmlns:a16="http://schemas.microsoft.com/office/drawing/2014/main" id="{9B4C6C85-9731-4873-9728-3ADCB2B71AF1}"/>
-              </a:ext>
-            </a:extLst>
-          </p:cNvPr>
-          <p:cNvPicPr>
-            <a:picLocks noChangeAspect="1"/>
-          </p:cNvPicPr>
-          <p:nvPr/>
-        </p:nvPicPr>
-        <p:blipFill>
-          <a:blip r:embed="rId2">
-            <a:extLst>
-              <a:ext uri="{28A0092B-C50C-407E-A947-70E740481C1C}">
-                <a14:useLocalDpi xmlns:a14="http://schemas.microsoft.com/office/drawing/2010/main" val="0"/>
-              </a:ext>
-            </a:extLst>
-          </a:blip>
-          <a:stretch>
-            <a:fillRect/>
-          </a:stretch>
-        </p:blipFill>
-        <p:spPr>
-          <a:xfrm>
-            <a:off x="2743200" y="3124200"/>
-            <a:ext cx="3382775" cy="2616511"/>
-          </a:xfrm>
-          <a:prstGeom prst="rect">
-            <a:avLst/>
-          </a:prstGeom>
-        </p:spPr>
-      </p:pic>
-    </p:spTree>
-    <p:extLst>
-      <p:ext uri="{BB962C8B-B14F-4D97-AF65-F5344CB8AC3E}">
-        <p14:creationId xmlns:p14="http://schemas.microsoft.com/office/powerpoint/2010/main" val="3963563661"/>
-      </p:ext>
-    </p:extLst>
-  </p:cSld>
-  <p:clrMapOvr>
-    <a:masterClrMapping/>
-  </p:clrMapOvr>
-</p:sld>
-</file>
-
-<file path=ppt/slides/slide2.xml><?xml version="1.0" encoding="utf-8"?>
-<p:sld xmlns:a="http://schemas.openxmlformats.org/drawingml/2006/main" xmlns:r="http://schemas.openxmlformats.org/officeDocument/2006/relationships" xmlns:p="http://schemas.openxmlformats.org/presentationml/2006/main">
-  <p:cSld>
-    <p:spTree>
-      <p:nvGrpSpPr>
-        <p:cNvPr id="1" name=""/>
-        <p:cNvGrpSpPr/>
-        <p:nvPr/>
-      </p:nvGrpSpPr>
-      <p:grpSpPr>
-        <a:xfrm>
-          <a:off x="0" y="0"/>
-          <a:ext cx="0" cy="0"/>
-          <a:chOff x="0" y="0"/>
-          <a:chExt cx="0" cy="0"/>
-        </a:xfrm>
-      </p:grpSpPr>
-      <p:sp>
-        <p:nvSpPr>
-          <p:cNvPr id="2" name="標題 1"/>
-          <p:cNvSpPr>
-            <a:spLocks noGrp="1"/>
-          </p:cNvSpPr>
-          <p:nvPr>
-            <p:ph type="title"/>
-          </p:nvPr>
-        </p:nvSpPr>
-        <p:spPr/>
-        <p:txBody>
-          <a:bodyPr/>
-          <a:lstStyle/>
-          <a:p>
-            <a:r>
-              <a:rPr lang="zh-CN" altLang="en-US" dirty="0"/>
-              <a:t>机器学习 </a:t>
-            </a:r>
-            <a:r>
-              <a:rPr lang="en-US" altLang="zh-TW" dirty="0"/>
-              <a:t>≈ </a:t>
-            </a:r>
-            <a:r>
-              <a:rPr lang="zh-CN" altLang="en-US" dirty="0"/>
-              <a:t>构建一个映射函数</a:t>
-            </a:r>
-            <a:endParaRPr lang="zh-TW" altLang="en-US" dirty="0"/>
-          </a:p>
-        </p:txBody>
-      </p:sp>
-      <p:sp>
-        <p:nvSpPr>
-          <p:cNvPr id="3" name="內容版面配置區 2"/>
-          <p:cNvSpPr>
-            <a:spLocks noGrp="1"/>
-          </p:cNvSpPr>
-          <p:nvPr>
-            <p:ph sz="quarter" idx="1"/>
-          </p:nvPr>
-        </p:nvSpPr>
-        <p:spPr/>
-        <p:txBody>
-          <a:bodyPr>
-            <a:normAutofit/>
-          </a:bodyPr>
-          <a:lstStyle/>
-          <a:p>
-            <a:r>
-              <a:rPr lang="zh-CN" altLang="en-US" sz="3600" dirty="0"/>
-              <a:t>语音识别</a:t>
-            </a:r>
-            <a:endParaRPr lang="en-US" altLang="zh-TW" sz="3600" dirty="0"/>
-          </a:p>
-          <a:p>
-            <a:endParaRPr lang="en-US" altLang="zh-TW" sz="3600" dirty="0"/>
-          </a:p>
-          <a:p>
-            <a:r>
-              <a:rPr lang="zh-CN" altLang="en-US" sz="3600" dirty="0"/>
-              <a:t>图像识别</a:t>
-            </a:r>
-            <a:endParaRPr lang="en-US" altLang="zh-TW" sz="3600" dirty="0"/>
-          </a:p>
-          <a:p>
-            <a:endParaRPr lang="en-US" altLang="zh-TW" sz="3600" dirty="0"/>
-          </a:p>
-          <a:p>
-            <a:r>
-              <a:rPr lang="zh-CN" altLang="en-US" sz="3600" dirty="0"/>
-              <a:t>围棋</a:t>
-            </a:r>
-            <a:endParaRPr lang="en-US" altLang="zh-CN" sz="3600" dirty="0"/>
-          </a:p>
-          <a:p>
-            <a:endParaRPr lang="en-US" altLang="zh-TW" sz="3600" dirty="0"/>
-          </a:p>
-          <a:p>
-            <a:r>
-              <a:rPr lang="zh-CN" altLang="en-US" sz="3600" dirty="0"/>
-              <a:t>对话系统</a:t>
-            </a:r>
-            <a:endParaRPr lang="zh-TW" altLang="en-US" sz="3600" dirty="0"/>
-          </a:p>
-        </p:txBody>
-      </p:sp>
-      <p:graphicFrame>
-        <p:nvGraphicFramePr>
-          <p:cNvPr id="4" name="Object 12"/>
-          <p:cNvGraphicFramePr>
-            <a:graphicFrameLocks noChangeAspect="1"/>
-          </p:cNvGraphicFramePr>
-          <p:nvPr>
-            <p:extLst/>
-          </p:nvPr>
-        </p:nvGraphicFramePr>
-        <p:xfrm>
-          <a:off x="2029665" y="1823150"/>
-          <a:ext cx="3822700" cy="460375"/>
-        </p:xfrm>
-        <a:graphic>
-          <a:graphicData uri="http://schemas.openxmlformats.org/presentationml/2006/ole">
-            <mc:AlternateContent xmlns:mc="http://schemas.openxmlformats.org/markup-compatibility/2006">
-              <mc:Choice xmlns:v="urn:schemas-microsoft-com:vml" Requires="v">
-                <p:oleObj spid="_x0000_s1394" name="方程式" r:id="rId3" imgW="1790640" imgH="215640" progId="Equation.3">
-                  <p:embed/>
-                </p:oleObj>
-              </mc:Choice>
-              <mc:Fallback>
-                <p:oleObj name="方程式" r:id="rId3" imgW="1790640" imgH="215640" progId="Equation.3">
-                  <p:embed/>
-                  <p:pic>
-                    <p:nvPicPr>
-                      <p:cNvPr id="4" name="Object 12"/>
-                      <p:cNvPicPr>
-                        <a:picLocks noChangeAspect="1" noChangeArrowheads="1"/>
-                      </p:cNvPicPr>
-                      <p:nvPr/>
-                    </p:nvPicPr>
-                    <p:blipFill>
-                      <a:blip r:embed="rId4"/>
-                      <a:srcRect/>
-                      <a:stretch>
-                        <a:fillRect/>
-                      </a:stretch>
-                    </p:blipFill>
-                    <p:spPr bwMode="auto">
-                      <a:xfrm>
-                        <a:off x="2029665" y="1823150"/>
-                        <a:ext cx="3822700" cy="460375"/>
-                      </a:xfrm>
-                      <a:prstGeom prst="rect">
-                        <a:avLst/>
-                      </a:prstGeom>
-                      <a:noFill/>
-                      <a:extLst>
-                        <a:ext uri="{909E8E84-426E-40DD-AFC4-6F175D3DCCD1}">
-                          <a14:hiddenFill xmlns:a14="http://schemas.microsoft.com/office/drawing/2010/main">
-                            <a:solidFill>
-                              <a:srgbClr val="FFFFFF"/>
-                            </a:solidFill>
-                          </a14:hiddenFill>
-                        </a:ext>
-                      </a:extLst>
-                    </p:spPr>
-                  </p:pic>
-                </p:oleObj>
-              </mc:Fallback>
-            </mc:AlternateContent>
-          </a:graphicData>
-        </a:graphic>
-      </p:graphicFrame>
-      <p:graphicFrame>
-        <p:nvGraphicFramePr>
-          <p:cNvPr id="5" name="Object 12"/>
-          <p:cNvGraphicFramePr>
-            <a:graphicFrameLocks noChangeAspect="1"/>
-          </p:cNvGraphicFramePr>
-          <p:nvPr>
-            <p:extLst/>
-          </p:nvPr>
-        </p:nvGraphicFramePr>
-        <p:xfrm>
-          <a:off x="1981200" y="3191520"/>
-          <a:ext cx="3822700" cy="460375"/>
-        </p:xfrm>
-        <a:graphic>
-          <a:graphicData uri="http://schemas.openxmlformats.org/presentationml/2006/ole">
-            <mc:AlternateContent xmlns:mc="http://schemas.openxmlformats.org/markup-compatibility/2006">
-              <mc:Choice xmlns:v="urn:schemas-microsoft-com:vml" Requires="v">
-                <p:oleObj spid="_x0000_s1395" name="方程式" r:id="rId5" imgW="1790640" imgH="215640" progId="Equation.3">
-                  <p:embed/>
-                </p:oleObj>
-              </mc:Choice>
-              <mc:Fallback>
-                <p:oleObj name="方程式" r:id="rId5" imgW="1790640" imgH="215640" progId="Equation.3">
-                  <p:embed/>
-                  <p:pic>
-                    <p:nvPicPr>
-                      <p:cNvPr id="5" name="Object 12"/>
-                      <p:cNvPicPr>
-                        <a:picLocks noChangeAspect="1" noChangeArrowheads="1"/>
-                      </p:cNvPicPr>
-                      <p:nvPr/>
-                    </p:nvPicPr>
-                    <p:blipFill>
-                      <a:blip r:embed="rId4"/>
-                      <a:srcRect/>
-                      <a:stretch>
-                        <a:fillRect/>
-                      </a:stretch>
-                    </p:blipFill>
-                    <p:spPr bwMode="auto">
-                      <a:xfrm>
-                        <a:off x="1981200" y="3191520"/>
-                        <a:ext cx="3822700" cy="460375"/>
-                      </a:xfrm>
-                      <a:prstGeom prst="rect">
-                        <a:avLst/>
-                      </a:prstGeom>
-                      <a:noFill/>
-                      <a:extLst>
-                        <a:ext uri="{909E8E84-426E-40DD-AFC4-6F175D3DCCD1}">
-                          <a14:hiddenFill xmlns:a14="http://schemas.microsoft.com/office/drawing/2010/main">
-                            <a:solidFill>
-                              <a:srgbClr val="FFFFFF"/>
-                            </a:solidFill>
-                          </a14:hiddenFill>
-                        </a:ext>
-                      </a:extLst>
-                    </p:spPr>
-                  </p:pic>
-                </p:oleObj>
-              </mc:Fallback>
-            </mc:AlternateContent>
-          </a:graphicData>
-        </a:graphic>
-      </p:graphicFrame>
-      <p:graphicFrame>
-        <p:nvGraphicFramePr>
-          <p:cNvPr id="6" name="Object 12"/>
-          <p:cNvGraphicFramePr>
-            <a:graphicFrameLocks noChangeAspect="1"/>
-          </p:cNvGraphicFramePr>
-          <p:nvPr>
-            <p:extLst/>
-          </p:nvPr>
-        </p:nvGraphicFramePr>
-        <p:xfrm>
-          <a:off x="1981200" y="4269454"/>
-          <a:ext cx="3822700" cy="460375"/>
-        </p:xfrm>
-        <a:graphic>
-          <a:graphicData uri="http://schemas.openxmlformats.org/presentationml/2006/ole">
-            <mc:AlternateContent xmlns:mc="http://schemas.openxmlformats.org/markup-compatibility/2006">
-              <mc:Choice xmlns:v="urn:schemas-microsoft-com:vml" Requires="v">
-                <p:oleObj spid="_x0000_s1396" name="方程式" r:id="rId6" imgW="1790640" imgH="215640" progId="Equation.3">
-                  <p:embed/>
-                </p:oleObj>
-              </mc:Choice>
-              <mc:Fallback>
-                <p:oleObj name="方程式" r:id="rId6" imgW="1790640" imgH="215640" progId="Equation.3">
-                  <p:embed/>
-                  <p:pic>
-                    <p:nvPicPr>
-                      <p:cNvPr id="6" name="Object 12"/>
-                      <p:cNvPicPr>
-                        <a:picLocks noChangeAspect="1" noChangeArrowheads="1"/>
-                      </p:cNvPicPr>
-                      <p:nvPr/>
-                    </p:nvPicPr>
-                    <p:blipFill>
-                      <a:blip r:embed="rId4"/>
-                      <a:srcRect/>
-                      <a:stretch>
-                        <a:fillRect/>
-                      </a:stretch>
-                    </p:blipFill>
-                    <p:spPr bwMode="auto">
-                      <a:xfrm>
-                        <a:off x="1981200" y="4269454"/>
-                        <a:ext cx="3822700" cy="460375"/>
-                      </a:xfrm>
-                      <a:prstGeom prst="rect">
-                        <a:avLst/>
-                      </a:prstGeom>
-                      <a:noFill/>
-                      <a:extLst>
-                        <a:ext uri="{909E8E84-426E-40DD-AFC4-6F175D3DCCD1}">
-                          <a14:hiddenFill xmlns:a14="http://schemas.microsoft.com/office/drawing/2010/main">
-                            <a:solidFill>
-                              <a:srgbClr val="FFFFFF"/>
-                            </a:solidFill>
-                          </a14:hiddenFill>
-                        </a:ext>
-                      </a:extLst>
-                    </p:spPr>
-                  </p:pic>
-                </p:oleObj>
-              </mc:Fallback>
-            </mc:AlternateContent>
-          </a:graphicData>
-        </a:graphic>
-      </p:graphicFrame>
-      <p:graphicFrame>
-        <p:nvGraphicFramePr>
-          <p:cNvPr id="7" name="Object 12"/>
-          <p:cNvGraphicFramePr>
-            <a:graphicFrameLocks noChangeAspect="1"/>
-          </p:cNvGraphicFramePr>
-          <p:nvPr>
-            <p:extLst/>
-          </p:nvPr>
-        </p:nvGraphicFramePr>
-        <p:xfrm>
-          <a:off x="2012029" y="5504931"/>
-          <a:ext cx="3578225" cy="460375"/>
-        </p:xfrm>
-        <a:graphic>
-          <a:graphicData uri="http://schemas.openxmlformats.org/presentationml/2006/ole">
-            <mc:AlternateContent xmlns:mc="http://schemas.openxmlformats.org/markup-compatibility/2006">
-              <mc:Choice xmlns:v="urn:schemas-microsoft-com:vml" Requires="v">
-                <p:oleObj spid="_x0000_s1397" name="方程式" r:id="rId7" imgW="1676160" imgH="215640" progId="Equation.3">
-                  <p:embed/>
-                </p:oleObj>
-              </mc:Choice>
-              <mc:Fallback>
-                <p:oleObj name="方程式" r:id="rId7" imgW="1676160" imgH="215640" progId="Equation.3">
-                  <p:embed/>
-                  <p:pic>
-                    <p:nvPicPr>
-                      <p:cNvPr id="7" name="Object 12"/>
-                      <p:cNvPicPr>
-                        <a:picLocks noChangeAspect="1" noChangeArrowheads="1"/>
-                      </p:cNvPicPr>
-                      <p:nvPr/>
-                    </p:nvPicPr>
-                    <p:blipFill>
-                      <a:blip r:embed="rId8"/>
-                      <a:srcRect/>
-                      <a:stretch>
-                        <a:fillRect/>
-                      </a:stretch>
-                    </p:blipFill>
-                    <p:spPr bwMode="auto">
-                      <a:xfrm>
-                        <a:off x="2012029" y="5504931"/>
-                        <a:ext cx="3578225" cy="460375"/>
-                      </a:xfrm>
-                      <a:prstGeom prst="rect">
-                        <a:avLst/>
-                      </a:prstGeom>
-                      <a:noFill/>
-                      <a:extLst>
-                        <a:ext uri="{909E8E84-426E-40DD-AFC4-6F175D3DCCD1}">
-                          <a14:hiddenFill xmlns:a14="http://schemas.microsoft.com/office/drawing/2010/main">
-                            <a:solidFill>
-                              <a:srgbClr val="FFFFFF"/>
-                            </a:solidFill>
-                          </a14:hiddenFill>
-                        </a:ext>
-                      </a:extLst>
-                    </p:spPr>
-                  </p:pic>
-                </p:oleObj>
-              </mc:Fallback>
-            </mc:AlternateContent>
-          </a:graphicData>
-        </a:graphic>
-      </p:graphicFrame>
-      <p:sp>
-        <p:nvSpPr>
-          <p:cNvPr id="8" name="文字方塊 7"/>
-          <p:cNvSpPr txBox="1"/>
-          <p:nvPr/>
-        </p:nvSpPr>
-        <p:spPr>
-          <a:xfrm>
-            <a:off x="5803900" y="3160097"/>
-            <a:ext cx="947054" cy="523220"/>
-          </a:xfrm>
-          <a:prstGeom prst="rect">
-            <a:avLst/>
-          </a:prstGeom>
-          <a:noFill/>
-        </p:spPr>
-        <p:txBody>
-          <a:bodyPr wrap="square" rtlCol="0">
-            <a:spAutoFit/>
-          </a:bodyPr>
-          <a:lstStyle/>
-          <a:p>
-            <a:r>
-              <a:rPr lang="en-US" altLang="zh-TW" sz="2800" dirty="0"/>
-              <a:t>“</a:t>
-            </a:r>
-            <a:r>
-              <a:rPr lang="zh-CN" altLang="en-US" sz="2800" dirty="0"/>
-              <a:t>猫</a:t>
-            </a:r>
-            <a:r>
-              <a:rPr lang="en-US" altLang="zh-TW" sz="2800" dirty="0"/>
-              <a:t>”</a:t>
-            </a:r>
-            <a:endParaRPr lang="zh-TW" altLang="en-US" sz="2800" dirty="0"/>
-          </a:p>
-        </p:txBody>
-      </p:sp>
-      <p:sp>
-        <p:nvSpPr>
-          <p:cNvPr id="9" name="文字方塊 8"/>
-          <p:cNvSpPr txBox="1"/>
-          <p:nvPr/>
-        </p:nvSpPr>
-        <p:spPr>
-          <a:xfrm>
-            <a:off x="5852364" y="1791967"/>
-            <a:ext cx="2898395" cy="523220"/>
-          </a:xfrm>
-          <a:prstGeom prst="rect">
-            <a:avLst/>
-          </a:prstGeom>
-          <a:noFill/>
-        </p:spPr>
-        <p:txBody>
-          <a:bodyPr wrap="square" rtlCol="0">
-            <a:spAutoFit/>
-          </a:bodyPr>
-          <a:lstStyle/>
-          <a:p>
-            <a:r>
-              <a:rPr lang="en-US" altLang="zh-TW" sz="2800" dirty="0"/>
-              <a:t>“</a:t>
-            </a:r>
-            <a:r>
-              <a:rPr lang="zh-CN" altLang="en-US" sz="2800" dirty="0"/>
-              <a:t>你好</a:t>
-            </a:r>
-            <a:r>
-              <a:rPr lang="en-US" altLang="zh-TW" sz="2800" dirty="0"/>
-              <a:t>”</a:t>
-            </a:r>
-            <a:endParaRPr lang="zh-TW" altLang="en-US" sz="2800" dirty="0"/>
-          </a:p>
-        </p:txBody>
-      </p:sp>
-      <p:sp>
-        <p:nvSpPr>
-          <p:cNvPr id="10" name="文字方塊 9"/>
-          <p:cNvSpPr txBox="1"/>
-          <p:nvPr/>
-        </p:nvSpPr>
-        <p:spPr>
-          <a:xfrm>
-            <a:off x="5803901" y="4211765"/>
-            <a:ext cx="1239914" cy="523220"/>
-          </a:xfrm>
-          <a:prstGeom prst="rect">
-            <a:avLst/>
-          </a:prstGeom>
-          <a:noFill/>
-        </p:spPr>
-        <p:txBody>
-          <a:bodyPr wrap="square" rtlCol="0">
-            <a:spAutoFit/>
-          </a:bodyPr>
-          <a:lstStyle/>
-          <a:p>
-            <a:r>
-              <a:rPr lang="en-US" altLang="zh-TW" sz="2800" dirty="0"/>
-              <a:t>“5-5”</a:t>
-            </a:r>
-            <a:endParaRPr lang="zh-TW" altLang="en-US" sz="2800" dirty="0"/>
-          </a:p>
-        </p:txBody>
-      </p:sp>
-      <p:sp>
-        <p:nvSpPr>
-          <p:cNvPr id="11" name="文字方塊 10"/>
-          <p:cNvSpPr txBox="1"/>
-          <p:nvPr/>
-        </p:nvSpPr>
-        <p:spPr>
-          <a:xfrm>
-            <a:off x="5959707" y="5523781"/>
-            <a:ext cx="3031893" cy="523220"/>
-          </a:xfrm>
-          <a:prstGeom prst="rect">
-            <a:avLst/>
-          </a:prstGeom>
-          <a:noFill/>
-        </p:spPr>
-        <p:txBody>
-          <a:bodyPr wrap="square" rtlCol="0">
-            <a:spAutoFit/>
-          </a:bodyPr>
-          <a:lstStyle/>
-          <a:p>
-            <a:r>
-              <a:rPr lang="en-US" altLang="zh-TW" sz="2800" dirty="0"/>
-              <a:t>“</a:t>
-            </a:r>
-            <a:r>
-              <a:rPr lang="zh-CN" altLang="en-US" sz="2800" dirty="0"/>
-              <a:t>今天天气真不错</a:t>
-            </a:r>
-            <a:r>
-              <a:rPr lang="en-US" altLang="zh-TW" sz="2800" dirty="0"/>
-              <a:t>”</a:t>
-            </a:r>
-            <a:endParaRPr lang="zh-TW" altLang="en-US" sz="2800" dirty="0"/>
-          </a:p>
-        </p:txBody>
-      </p:sp>
-      <p:pic>
-        <p:nvPicPr>
-          <p:cNvPr id="12" name="圖片 11"/>
-          <p:cNvPicPr>
-            <a:picLocks noChangeAspect="1"/>
-          </p:cNvPicPr>
-          <p:nvPr/>
-        </p:nvPicPr>
-        <p:blipFill>
-          <a:blip r:embed="rId9" cstate="print">
-            <a:extLst>
-              <a:ext uri="{28A0092B-C50C-407E-A947-70E740481C1C}">
-                <a14:useLocalDpi xmlns:a14="http://schemas.microsoft.com/office/drawing/2010/main" val="0"/>
-              </a:ext>
-            </a:extLst>
-          </a:blip>
-          <a:stretch>
-            <a:fillRect/>
-          </a:stretch>
-        </p:blipFill>
-        <p:spPr>
-          <a:xfrm>
-            <a:off x="2523351" y="1766681"/>
-            <a:ext cx="2921108" cy="516844"/>
-          </a:xfrm>
-          <a:prstGeom prst="rect">
-            <a:avLst/>
-          </a:prstGeom>
-        </p:spPr>
-      </p:pic>
-      <p:sp>
-        <p:nvSpPr>
-          <p:cNvPr id="15" name="矩形 14"/>
-          <p:cNvSpPr/>
-          <p:nvPr/>
-        </p:nvSpPr>
-        <p:spPr>
-          <a:xfrm>
-            <a:off x="2451141" y="5458130"/>
-            <a:ext cx="2659840" cy="523220"/>
-          </a:xfrm>
-          <a:prstGeom prst="rect">
-            <a:avLst/>
-          </a:prstGeom>
-        </p:spPr>
-        <p:txBody>
-          <a:bodyPr wrap="square">
-            <a:spAutoFit/>
-          </a:bodyPr>
-          <a:lstStyle/>
-          <a:p>
-            <a:pPr algn="ctr"/>
-            <a:r>
-              <a:rPr lang="en-US" altLang="zh-TW" sz="2800" dirty="0"/>
-              <a:t>“</a:t>
-            </a:r>
-            <a:r>
-              <a:rPr lang="zh-CN" altLang="en-US" sz="2800" dirty="0"/>
-              <a:t>你好</a:t>
-            </a:r>
-            <a:r>
-              <a:rPr lang="en-US" altLang="zh-TW" sz="2800" dirty="0"/>
-              <a:t>”</a:t>
-            </a:r>
-            <a:endParaRPr lang="zh-TW" altLang="en-US" sz="2800" dirty="0"/>
-          </a:p>
-        </p:txBody>
-      </p:sp>
-      <p:pic>
-        <p:nvPicPr>
-          <p:cNvPr id="84994" name="Picture 2" descr="http://y2.ifengimg.com/a/2016_11/2c7ef418c729099.jpg"/>
-          <p:cNvPicPr>
-            <a:picLocks noChangeAspect="1" noChangeArrowheads="1"/>
-          </p:cNvPicPr>
-          <p:nvPr/>
-        </p:nvPicPr>
-        <p:blipFill>
-          <a:blip r:embed="rId10" cstate="print">
-            <a:extLst>
-              <a:ext uri="{28A0092B-C50C-407E-A947-70E740481C1C}">
-                <a14:useLocalDpi xmlns:a14="http://schemas.microsoft.com/office/drawing/2010/main" val="0"/>
-              </a:ext>
-            </a:extLst>
-          </a:blip>
-          <a:srcRect/>
-          <a:stretch>
-            <a:fillRect/>
-          </a:stretch>
-        </p:blipFill>
-        <p:spPr bwMode="auto">
-          <a:xfrm>
-            <a:off x="3308698" y="4094918"/>
-            <a:ext cx="1144109" cy="858082"/>
-          </a:xfrm>
-          <a:prstGeom prst="rect">
-            <a:avLst/>
-          </a:prstGeom>
-          <a:noFill/>
-          <a:extLst>
-            <a:ext uri="{909E8E84-426E-40DD-AFC4-6F175D3DCCD1}">
-              <a14:hiddenFill xmlns:a14="http://schemas.microsoft.com/office/drawing/2010/main">
-                <a:solidFill>
-                  <a:srgbClr val="FFFFFF"/>
-                </a:solidFill>
-              </a14:hiddenFill>
-            </a:ext>
-          </a:extLst>
-        </p:spPr>
-      </p:pic>
-      <p:sp>
-        <p:nvSpPr>
-          <p:cNvPr id="16" name="文字方塊 15"/>
-          <p:cNvSpPr txBox="1"/>
-          <p:nvPr/>
-        </p:nvSpPr>
-        <p:spPr>
-          <a:xfrm>
-            <a:off x="2372948" y="5939135"/>
-            <a:ext cx="2773299" cy="461665"/>
-          </a:xfrm>
-          <a:prstGeom prst="rect">
-            <a:avLst/>
-          </a:prstGeom>
-          <a:noFill/>
-        </p:spPr>
-        <p:txBody>
-          <a:bodyPr wrap="square" rtlCol="0">
-            <a:spAutoFit/>
-          </a:bodyPr>
-          <a:lstStyle/>
-          <a:p>
-            <a:pPr algn="ctr"/>
-            <a:r>
-              <a:rPr lang="zh-CN" altLang="en-US" sz="2400" dirty="0">
-                <a:solidFill>
-                  <a:schemeClr val="accent2">
-                    <a:lumMod val="60000"/>
-                    <a:lumOff val="40000"/>
-                  </a:schemeClr>
-                </a:solidFill>
-              </a:rPr>
-              <a:t>用户输入</a:t>
-            </a:r>
-            <a:endParaRPr lang="zh-TW" altLang="en-US" sz="2400" dirty="0">
-              <a:solidFill>
-                <a:schemeClr val="accent2">
-                  <a:lumMod val="60000"/>
-                  <a:lumOff val="40000"/>
-                </a:schemeClr>
-              </a:solidFill>
-            </a:endParaRPr>
-          </a:p>
-        </p:txBody>
-      </p:sp>
-      <p:sp>
-        <p:nvSpPr>
-          <p:cNvPr id="19" name="文字方塊 18"/>
-          <p:cNvSpPr txBox="1"/>
-          <p:nvPr/>
-        </p:nvSpPr>
-        <p:spPr>
-          <a:xfrm>
-            <a:off x="5189174" y="5939134"/>
-            <a:ext cx="2773299" cy="461665"/>
-          </a:xfrm>
-          <a:prstGeom prst="rect">
-            <a:avLst/>
-          </a:prstGeom>
-          <a:noFill/>
-        </p:spPr>
-        <p:txBody>
-          <a:bodyPr wrap="square" rtlCol="0">
-            <a:spAutoFit/>
-          </a:bodyPr>
-          <a:lstStyle/>
-          <a:p>
-            <a:pPr algn="ctr"/>
-            <a:r>
-              <a:rPr lang="zh-CN" altLang="en-US" sz="2400" dirty="0">
-                <a:solidFill>
-                  <a:schemeClr val="accent2">
-                    <a:lumMod val="60000"/>
-                    <a:lumOff val="40000"/>
-                  </a:schemeClr>
-                </a:solidFill>
-              </a:rPr>
-              <a:t>机器</a:t>
-            </a:r>
-            <a:endParaRPr lang="zh-TW" altLang="en-US" sz="2400" dirty="0">
-              <a:solidFill>
-                <a:schemeClr val="accent2">
-                  <a:lumMod val="60000"/>
-                  <a:lumOff val="40000"/>
-                </a:schemeClr>
-              </a:solidFill>
-            </a:endParaRPr>
-          </a:p>
-        </p:txBody>
-      </p:sp>
-      <p:pic>
-        <p:nvPicPr>
-          <p:cNvPr id="20" name="Picture 12" descr="https://encrypted-tbn1.gstatic.com/images?q=tbn:ANd9GcRcwlRKAlSIaCI4W5PRYVbuBQQXifF-56bFqAjh9DMe-_3Lh8_YKw"/>
-          <p:cNvPicPr>
-            <a:picLocks noChangeAspect="1" noChangeArrowheads="1"/>
-          </p:cNvPicPr>
-          <p:nvPr/>
-        </p:nvPicPr>
-        <p:blipFill>
-          <a:blip r:embed="rId11">
-            <a:extLst>
-              <a:ext uri="{28A0092B-C50C-407E-A947-70E740481C1C}">
-                <a14:useLocalDpi xmlns:a14="http://schemas.microsoft.com/office/drawing/2010/main" val="0"/>
-              </a:ext>
-            </a:extLst>
-          </a:blip>
-          <a:srcRect/>
-          <a:stretch>
-            <a:fillRect/>
-          </a:stretch>
-        </p:blipFill>
-        <p:spPr bwMode="auto">
-          <a:xfrm>
-            <a:off x="3349642" y="3046563"/>
-            <a:ext cx="1106043" cy="839637"/>
-          </a:xfrm>
-          <a:prstGeom prst="rect">
-            <a:avLst/>
-          </a:prstGeom>
-          <a:noFill/>
-          <a:extLst>
-            <a:ext uri="{909E8E84-426E-40DD-AFC4-6F175D3DCCD1}">
-              <a14:hiddenFill xmlns:a14="http://schemas.microsoft.com/office/drawing/2010/main">
-                <a:solidFill>
-                  <a:srgbClr val="FFFFFF"/>
-                </a:solidFill>
-              </a14:hiddenFill>
-            </a:ext>
-          </a:extLst>
-        </p:spPr>
-      </p:pic>
-      <p:sp>
-        <p:nvSpPr>
-          <p:cNvPr id="18" name="文字方塊 17"/>
-          <p:cNvSpPr txBox="1"/>
-          <p:nvPr/>
-        </p:nvSpPr>
-        <p:spPr>
-          <a:xfrm>
-            <a:off x="6600847" y="4242542"/>
-            <a:ext cx="2543153" cy="461665"/>
-          </a:xfrm>
-          <a:prstGeom prst="rect">
-            <a:avLst/>
-          </a:prstGeom>
-          <a:noFill/>
-        </p:spPr>
-        <p:txBody>
-          <a:bodyPr wrap="square" rtlCol="0">
-            <a:spAutoFit/>
-          </a:bodyPr>
-          <a:lstStyle/>
-          <a:p>
-            <a:pPr algn="ctr"/>
-            <a:r>
-              <a:rPr lang="en-US" altLang="zh-TW" sz="2400" dirty="0"/>
-              <a:t>(</a:t>
-            </a:r>
-            <a:r>
-              <a:rPr lang="zh-CN" altLang="en-US" sz="2400" dirty="0"/>
-              <a:t>落子位置</a:t>
-            </a:r>
-            <a:r>
-              <a:rPr lang="en-US" altLang="zh-TW" sz="2400" dirty="0"/>
-              <a:t>)</a:t>
-            </a:r>
-            <a:endParaRPr lang="zh-TW" altLang="en-US" sz="2400" dirty="0"/>
-          </a:p>
-        </p:txBody>
-      </p:sp>
-    </p:spTree>
-    <p:extLst>
-      <p:ext uri="{BB962C8B-B14F-4D97-AF65-F5344CB8AC3E}">
-        <p14:creationId xmlns:p14="http://schemas.microsoft.com/office/powerpoint/2010/main" val="1999908609"/>
-      </p:ext>
-    </p:extLst>
-  </p:cSld>
-  <p:clrMapOvr>
-    <a:masterClrMapping/>
-  </p:clrMapOvr>
-</p:sld>
-</file>
-
-<file path=ppt/slides/slide20.xml><?xml version="1.0" encoding="utf-8"?>
-<p:sld xmlns:a="http://schemas.openxmlformats.org/drawingml/2006/main" xmlns:r="http://schemas.openxmlformats.org/officeDocument/2006/relationships" xmlns:p="http://schemas.openxmlformats.org/presentationml/2006/main">
-  <p:cSld>
-    <p:spTree>
-      <p:nvGrpSpPr>
-        <p:cNvPr id="1" name=""/>
-        <p:cNvGrpSpPr/>
-        <p:nvPr/>
-      </p:nvGrpSpPr>
-      <p:grpSpPr>
-        <a:xfrm>
-          <a:off x="0" y="0"/>
-          <a:ext cx="0" cy="0"/>
-          <a:chOff x="0" y="0"/>
-          <a:chExt cx="0" cy="0"/>
-        </a:xfrm>
-      </p:grpSpPr>
-      <p:sp>
-        <p:nvSpPr>
-          <p:cNvPr id="2" name="标题 1"/>
-          <p:cNvSpPr>
-            <a:spLocks noGrp="1"/>
-          </p:cNvSpPr>
-          <p:nvPr>
-            <p:ph type="ctrTitle"/>
-          </p:nvPr>
-        </p:nvSpPr>
-        <p:spPr/>
-        <p:txBody>
-          <a:bodyPr/>
-          <a:lstStyle/>
-          <a:p>
-            <a:r>
-              <a:rPr lang="zh-CN" altLang="en-US" dirty="0"/>
-              <a:t>线性回归</a:t>
-            </a:r>
-          </a:p>
-        </p:txBody>
-      </p:sp>
-    </p:spTree>
-    <p:extLst>
-      <p:ext uri="{BB962C8B-B14F-4D97-AF65-F5344CB8AC3E}">
-        <p14:creationId xmlns:p14="http://schemas.microsoft.com/office/powerpoint/2010/main" val="880106237"/>
-      </p:ext>
-    </p:extLst>
-  </p:cSld>
-  <p:clrMapOvr>
-    <a:masterClrMapping/>
-  </p:clrMapOvr>
-</p:sld>
-</file>
-
 <file path=ppt/slides/slide21.xml><?xml version="1.0" encoding="utf-8"?>
 <p:sld xmlns:a="http://schemas.openxmlformats.org/drawingml/2006/main" xmlns:r="http://schemas.openxmlformats.org/officeDocument/2006/relationships" xmlns:p="http://schemas.openxmlformats.org/presentationml/2006/main">
   <p:cSld>
@@ -11734,6 +11290,176 @@
           <a:p>
             <a:r>
               <a:rPr lang="zh-CN" altLang="en-US" dirty="0"/>
+              <a:t>提前停止</a:t>
+            </a:r>
+          </a:p>
+        </p:txBody>
+      </p:sp>
+      <p:sp>
+        <p:nvSpPr>
+          <p:cNvPr id="3" name="内容占位符 2"/>
+          <p:cNvSpPr>
+            <a:spLocks noGrp="1"/>
+          </p:cNvSpPr>
+          <p:nvPr>
+            <p:ph sz="quarter" idx="1"/>
+          </p:nvPr>
+        </p:nvSpPr>
+        <p:spPr/>
+        <p:txBody>
+          <a:bodyPr/>
+          <a:lstStyle/>
+          <a:p>
+            <a:r>
+              <a:rPr lang="zh-CN" altLang="en-US" dirty="0"/>
+              <a:t>我们使用一个验证集（</a:t>
+            </a:r>
+            <a:r>
+              <a:rPr lang="en-US" altLang="zh-CN" dirty="0"/>
+              <a:t>Validation Dataset</a:t>
+            </a:r>
+            <a:r>
+              <a:rPr lang="zh-CN" altLang="en-US" dirty="0"/>
+              <a:t>）来测试每一次迭代的参数在验证集上是否最优。如果在验证集上的错误率不再下降，就停止迭代。</a:t>
+            </a:r>
+          </a:p>
+        </p:txBody>
+      </p:sp>
+      <p:pic>
+        <p:nvPicPr>
+          <p:cNvPr id="6" name="图片 5">
+            <a:extLst>
+              <a:ext uri="{FF2B5EF4-FFF2-40B4-BE49-F238E27FC236}">
+                <a16:creationId xmlns:a16="http://schemas.microsoft.com/office/drawing/2014/main" id="{9B4C6C85-9731-4873-9728-3ADCB2B71AF1}"/>
+              </a:ext>
+            </a:extLst>
+          </p:cNvPr>
+          <p:cNvPicPr>
+            <a:picLocks noChangeAspect="1"/>
+          </p:cNvPicPr>
+          <p:nvPr/>
+        </p:nvPicPr>
+        <p:blipFill>
+          <a:blip r:embed="rId2">
+            <a:extLst>
+              <a:ext uri="{28A0092B-C50C-407E-A947-70E740481C1C}">
+                <a14:useLocalDpi xmlns:a14="http://schemas.microsoft.com/office/drawing/2010/main" val="0"/>
+              </a:ext>
+            </a:extLst>
+          </a:blip>
+          <a:stretch>
+            <a:fillRect/>
+          </a:stretch>
+        </p:blipFill>
+        <p:spPr>
+          <a:xfrm>
+            <a:off x="4267201" y="3124201"/>
+            <a:ext cx="3382775" cy="2616511"/>
+          </a:xfrm>
+          <a:prstGeom prst="rect">
+            <a:avLst/>
+          </a:prstGeom>
+        </p:spPr>
+      </p:pic>
+    </p:spTree>
+    <p:extLst>
+      <p:ext uri="{BB962C8B-B14F-4D97-AF65-F5344CB8AC3E}">
+        <p14:creationId xmlns:p14="http://schemas.microsoft.com/office/powerpoint/2010/main" val="3963563661"/>
+      </p:ext>
+    </p:extLst>
+  </p:cSld>
+  <p:clrMapOvr>
+    <a:masterClrMapping/>
+  </p:clrMapOvr>
+</p:sld>
+</file>
+
+<file path=ppt/slides/slide22.xml><?xml version="1.0" encoding="utf-8"?>
+<p:sld xmlns:a="http://schemas.openxmlformats.org/drawingml/2006/main" xmlns:r="http://schemas.openxmlformats.org/officeDocument/2006/relationships" xmlns:p="http://schemas.openxmlformats.org/presentationml/2006/main">
+  <p:cSld>
+    <p:spTree>
+      <p:nvGrpSpPr>
+        <p:cNvPr id="1" name=""/>
+        <p:cNvGrpSpPr/>
+        <p:nvPr/>
+      </p:nvGrpSpPr>
+      <p:grpSpPr>
+        <a:xfrm>
+          <a:off x="0" y="0"/>
+          <a:ext cx="0" cy="0"/>
+          <a:chOff x="0" y="0"/>
+          <a:chExt cx="0" cy="0"/>
+        </a:xfrm>
+      </p:grpSpPr>
+      <p:sp>
+        <p:nvSpPr>
+          <p:cNvPr id="2" name="标题 1"/>
+          <p:cNvSpPr>
+            <a:spLocks noGrp="1"/>
+          </p:cNvSpPr>
+          <p:nvPr>
+            <p:ph type="ctrTitle"/>
+          </p:nvPr>
+        </p:nvSpPr>
+        <p:spPr/>
+        <p:txBody>
+          <a:bodyPr/>
+          <a:lstStyle/>
+          <a:p>
+            <a:r>
+              <a:rPr lang="zh-CN" altLang="en-US" dirty="0"/>
+              <a:t>线性回归</a:t>
+            </a:r>
+          </a:p>
+        </p:txBody>
+      </p:sp>
+    </p:spTree>
+    <p:extLst>
+      <p:ext uri="{BB962C8B-B14F-4D97-AF65-F5344CB8AC3E}">
+        <p14:creationId xmlns:p14="http://schemas.microsoft.com/office/powerpoint/2010/main" val="880106237"/>
+      </p:ext>
+    </p:extLst>
+  </p:cSld>
+  <p:clrMapOvr>
+    <a:masterClrMapping/>
+  </p:clrMapOvr>
+</p:sld>
+</file>
+
+<file path=ppt/slides/slide23.xml><?xml version="1.0" encoding="utf-8"?>
+<p:sld xmlns:a="http://schemas.openxmlformats.org/drawingml/2006/main" xmlns:r="http://schemas.openxmlformats.org/officeDocument/2006/relationships" xmlns:p="http://schemas.openxmlformats.org/presentationml/2006/main">
+  <p:cSld>
+    <p:spTree>
+      <p:nvGrpSpPr>
+        <p:cNvPr id="1" name=""/>
+        <p:cNvGrpSpPr/>
+        <p:nvPr/>
+      </p:nvGrpSpPr>
+      <p:grpSpPr>
+        <a:xfrm>
+          <a:off x="0" y="0"/>
+          <a:ext cx="0" cy="0"/>
+          <a:chOff x="0" y="0"/>
+          <a:chExt cx="0" cy="0"/>
+        </a:xfrm>
+      </p:grpSpPr>
+      <p:sp>
+        <p:nvSpPr>
+          <p:cNvPr id="2" name="标题 1"/>
+          <p:cNvSpPr>
+            <a:spLocks noGrp="1"/>
+          </p:cNvSpPr>
+          <p:nvPr>
+            <p:ph type="title"/>
+          </p:nvPr>
+        </p:nvSpPr>
+        <p:spPr/>
+        <p:txBody>
+          <a:bodyPr/>
+          <a:lstStyle/>
+          <a:p>
+            <a:r>
+              <a:rPr lang="zh-CN" altLang="en-US" dirty="0"/>
               <a:t>线性回归（</a:t>
             </a:r>
             <a:r>
@@ -11815,7 +11541,7 @@
         </p:blipFill>
         <p:spPr>
           <a:xfrm>
-            <a:off x="2209800" y="1371600"/>
+            <a:off x="3733801" y="1371600"/>
             <a:ext cx="3530989" cy="711278"/>
           </a:xfrm>
           <a:prstGeom prst="rect">
@@ -11845,7 +11571,7 @@
         </p:blipFill>
         <p:spPr>
           <a:xfrm>
-            <a:off x="4724400" y="2341496"/>
+            <a:off x="6248400" y="2341497"/>
             <a:ext cx="4136354" cy="2477857"/>
           </a:xfrm>
           <a:prstGeom prst="rect">
@@ -11881,7 +11607,7 @@
         </p:blipFill>
         <p:spPr>
           <a:xfrm>
-            <a:off x="1022073" y="2638672"/>
+            <a:off x="2546073" y="2638672"/>
             <a:ext cx="2972128" cy="3518288"/>
           </a:xfrm>
           <a:prstGeom prst="rect">
@@ -11917,7 +11643,7 @@
         </p:blipFill>
         <p:spPr>
           <a:xfrm>
-            <a:off x="5121727" y="5220976"/>
+            <a:off x="6645728" y="5220977"/>
             <a:ext cx="2025071" cy="835647"/>
           </a:xfrm>
           <a:prstGeom prst="rect">
@@ -11939,7 +11665,7 @@
         </p:nvCxnSpPr>
         <p:spPr>
           <a:xfrm>
-            <a:off x="4191000" y="5638800"/>
+            <a:off x="5715000" y="5638800"/>
             <a:ext cx="609600" cy="0"/>
           </a:xfrm>
           <a:prstGeom prst="straightConnector1">
@@ -11977,7 +11703,7 @@
 </p:sld>
 </file>
 
-<file path=ppt/slides/slide22.xml><?xml version="1.0" encoding="utf-8"?>
+<file path=ppt/slides/slide24.xml><?xml version="1.0" encoding="utf-8"?>
 <p:sld xmlns:a="http://schemas.openxmlformats.org/drawingml/2006/main" xmlns:r="http://schemas.openxmlformats.org/officeDocument/2006/relationships" xmlns:p="http://schemas.openxmlformats.org/presentationml/2006/main">
   <p:cSld>
     <p:spTree>
@@ -12072,7 +11798,7 @@
 </p:sld>
 </file>
 
-<file path=ppt/slides/slide23.xml><?xml version="1.0" encoding="utf-8"?>
+<file path=ppt/slides/slide25.xml><?xml version="1.0" encoding="utf-8"?>
 <p:sld xmlns:a="http://schemas.openxmlformats.org/drawingml/2006/main" xmlns:r="http://schemas.openxmlformats.org/officeDocument/2006/relationships" xmlns:p="http://schemas.openxmlformats.org/presentationml/2006/main">
   <p:cSld>
     <p:spTree>
@@ -12210,7 +11936,7 @@
         </p:blipFill>
         <p:spPr>
           <a:xfrm>
-            <a:off x="1828800" y="1447800"/>
+            <a:off x="3352800" y="1447801"/>
             <a:ext cx="2895600" cy="714375"/>
           </a:xfrm>
           <a:prstGeom prst="rect">
@@ -12246,7 +11972,7 @@
         </p:blipFill>
         <p:spPr>
           <a:xfrm>
-            <a:off x="2438400" y="2539864"/>
+            <a:off x="3962400" y="2539865"/>
             <a:ext cx="3581400" cy="2296431"/>
           </a:xfrm>
           <a:prstGeom prst="rect">
@@ -12282,7 +12008,7 @@
         </p:blipFill>
         <p:spPr>
           <a:xfrm>
-            <a:off x="2743200" y="5284299"/>
+            <a:off x="4267200" y="5284299"/>
             <a:ext cx="1981200" cy="1053998"/>
           </a:xfrm>
           <a:prstGeom prst="rect">
@@ -12318,7 +12044,7 @@
         </p:blipFill>
         <p:spPr>
           <a:xfrm>
-            <a:off x="6235430" y="4953000"/>
+            <a:off x="7759430" y="4953000"/>
             <a:ext cx="2451370" cy="1058450"/>
           </a:xfrm>
           <a:prstGeom prst="rect">
@@ -12354,7 +12080,7 @@
         </p:blipFill>
         <p:spPr>
           <a:xfrm>
-            <a:off x="2057400" y="1498985"/>
+            <a:off x="3581401" y="1498986"/>
             <a:ext cx="1852995" cy="687993"/>
           </a:xfrm>
           <a:prstGeom prst="rect">
@@ -12375,7 +12101,7 @@
 </p:sld>
 </file>
 
-<file path=ppt/slides/slide24.xml><?xml version="1.0" encoding="utf-8"?>
+<file path=ppt/slides/slide26.xml><?xml version="1.0" encoding="utf-8"?>
 <p:sld xmlns:a="http://schemas.openxmlformats.org/drawingml/2006/main" xmlns:r="http://schemas.openxmlformats.org/officeDocument/2006/relationships" xmlns:p="http://schemas.openxmlformats.org/presentationml/2006/main">
   <p:cSld>
     <p:spTree>
@@ -12456,7 +12182,7 @@
         </p:blipFill>
         <p:spPr>
           <a:xfrm>
-            <a:off x="1371600" y="2057364"/>
+            <a:off x="2895601" y="2057364"/>
             <a:ext cx="5911097" cy="2743272"/>
           </a:xfrm>
           <a:prstGeom prst="rect">
@@ -12477,7 +12203,7 @@
 </p:sld>
 </file>
 
-<file path=ppt/slides/slide25.xml><?xml version="1.0" encoding="utf-8"?>
+<file path=ppt/slides/slide27.xml><?xml version="1.0" encoding="utf-8"?>
 <p:sld xmlns:a="http://schemas.openxmlformats.org/drawingml/2006/main" xmlns:r="http://schemas.openxmlformats.org/officeDocument/2006/relationships" xmlns:p="http://schemas.openxmlformats.org/presentationml/2006/main">
   <p:cSld>
     <p:spTree>
@@ -12522,8 +12248,8 @@
           </a:p>
         </p:txBody>
       </p:sp>
-      <mc:AlternateContent xmlns:mc="http://schemas.openxmlformats.org/markup-compatibility/2006">
-        <mc:Choice xmlns:a14="http://schemas.microsoft.com/office/drawing/2010/main" Requires="a14">
+      <mc:AlternateContent xmlns:mc="http://schemas.openxmlformats.org/markup-compatibility/2006" xmlns:a14="http://schemas.microsoft.com/office/drawing/2010/main">
+        <mc:Choice Requires="a14">
           <p:sp>
             <p:nvSpPr>
               <p:cNvPr id="3" name="内容占位符 2">
@@ -12683,7 +12409,7 @@
             </p:txBody>
           </p:sp>
         </mc:Choice>
-        <mc:Fallback>
+        <mc:Fallback xmlns="">
           <p:sp>
             <p:nvSpPr>
               <p:cNvPr id="3" name="内容占位符 2">
@@ -12751,7 +12477,7 @@
         </p:blipFill>
         <p:spPr>
           <a:xfrm>
-            <a:off x="2286000" y="2209800"/>
+            <a:off x="3810000" y="2209801"/>
             <a:ext cx="4245560" cy="1066005"/>
           </a:xfrm>
           <a:prstGeom prst="rect">
@@ -12781,7 +12507,7 @@
         </p:blipFill>
         <p:spPr>
           <a:xfrm>
-            <a:off x="1752600" y="3275805"/>
+            <a:off x="3276600" y="3275806"/>
             <a:ext cx="4953000" cy="3063491"/>
           </a:xfrm>
           <a:prstGeom prst="rect">
@@ -12802,7 +12528,7 @@
 </p:sld>
 </file>
 
-<file path=ppt/slides/slide26.xml><?xml version="1.0" encoding="utf-8"?>
+<file path=ppt/slides/slide28.xml><?xml version="1.0" encoding="utf-8"?>
 <p:sld xmlns:a="http://schemas.openxmlformats.org/drawingml/2006/main" xmlns:r="http://schemas.openxmlformats.org/officeDocument/2006/relationships" xmlns:p="http://schemas.openxmlformats.org/presentationml/2006/main">
   <p:cSld>
     <p:spTree>
@@ -12945,7 +12671,7 @@
         </p:blipFill>
         <p:spPr>
           <a:xfrm>
-            <a:off x="2667000" y="3200400"/>
+            <a:off x="4191001" y="3200400"/>
             <a:ext cx="3399121" cy="1370682"/>
           </a:xfrm>
           <a:prstGeom prst="rect">
@@ -12966,7 +12692,7 @@
 </p:sld>
 </file>
 
-<file path=ppt/slides/slide27.xml><?xml version="1.0" encoding="utf-8"?>
+<file path=ppt/slides/slide29.xml><?xml version="1.0" encoding="utf-8"?>
 <p:sld xmlns:a="http://schemas.openxmlformats.org/drawingml/2006/main" xmlns:r="http://schemas.openxmlformats.org/officeDocument/2006/relationships" xmlns:p="http://schemas.openxmlformats.org/presentationml/2006/main">
   <p:cSld>
     <p:spTree>
@@ -13115,7 +12841,7 @@
         </p:blipFill>
         <p:spPr>
           <a:xfrm>
-            <a:off x="2895600" y="3352800"/>
+            <a:off x="4419600" y="3352801"/>
             <a:ext cx="2841246" cy="778349"/>
           </a:xfrm>
           <a:prstGeom prst="rect">
@@ -13151,7 +12877,7 @@
         </p:blipFill>
         <p:spPr>
           <a:xfrm>
-            <a:off x="3091548" y="4786063"/>
+            <a:off x="4615548" y="4786064"/>
             <a:ext cx="2645298" cy="669489"/>
           </a:xfrm>
           <a:prstGeom prst="rect">
@@ -13173,8 +12899,8 @@
         </p:nvSpPr>
         <p:spPr>
           <a:xfrm>
-            <a:off x="4038600" y="4267200"/>
-            <a:ext cx="381000" cy="381000"/>
+            <a:off x="5569620" y="4182219"/>
+            <a:ext cx="366960" cy="550962"/>
           </a:xfrm>
           <a:prstGeom prst="downArrow">
             <a:avLst/>
@@ -13218,7 +12944,810 @@
 </p:sld>
 </file>
 
-<file path=ppt/slides/slide28.xml><?xml version="1.0" encoding="utf-8"?>
+<file path=ppt/slides/slide3.xml><?xml version="1.0" encoding="utf-8"?>
+<p:sld xmlns:a="http://schemas.openxmlformats.org/drawingml/2006/main" xmlns:r="http://schemas.openxmlformats.org/officeDocument/2006/relationships" xmlns:p="http://schemas.openxmlformats.org/presentationml/2006/main">
+  <p:cSld>
+    <p:spTree>
+      <p:nvGrpSpPr>
+        <p:cNvPr id="1" name=""/>
+        <p:cNvGrpSpPr/>
+        <p:nvPr/>
+      </p:nvGrpSpPr>
+      <p:grpSpPr>
+        <a:xfrm>
+          <a:off x="0" y="0"/>
+          <a:ext cx="0" cy="0"/>
+          <a:chOff x="0" y="0"/>
+          <a:chExt cx="0" cy="0"/>
+        </a:xfrm>
+      </p:grpSpPr>
+      <p:sp>
+        <p:nvSpPr>
+          <p:cNvPr id="2" name="標題 1"/>
+          <p:cNvSpPr>
+            <a:spLocks noGrp="1"/>
+          </p:cNvSpPr>
+          <p:nvPr>
+            <p:ph type="title"/>
+          </p:nvPr>
+        </p:nvSpPr>
+        <p:spPr/>
+        <p:txBody>
+          <a:bodyPr/>
+          <a:lstStyle/>
+          <a:p>
+            <a:r>
+              <a:rPr lang="zh-CN" altLang="en-US" dirty="0"/>
+              <a:t>机器学习 </a:t>
+            </a:r>
+            <a:r>
+              <a:rPr lang="en-US" altLang="zh-TW" dirty="0"/>
+              <a:t>≈ </a:t>
+            </a:r>
+            <a:r>
+              <a:rPr lang="zh-CN" altLang="en-US" dirty="0"/>
+              <a:t>构建一个映射函数</a:t>
+            </a:r>
+            <a:endParaRPr lang="zh-TW" altLang="en-US" dirty="0"/>
+          </a:p>
+        </p:txBody>
+      </p:sp>
+      <p:sp>
+        <p:nvSpPr>
+          <p:cNvPr id="3" name="內容版面配置區 2"/>
+          <p:cNvSpPr>
+            <a:spLocks noGrp="1"/>
+          </p:cNvSpPr>
+          <p:nvPr>
+            <p:ph sz="quarter" idx="1"/>
+          </p:nvPr>
+        </p:nvSpPr>
+        <p:spPr/>
+        <p:txBody>
+          <a:bodyPr>
+            <a:normAutofit/>
+          </a:bodyPr>
+          <a:lstStyle/>
+          <a:p>
+            <a:r>
+              <a:rPr lang="zh-CN" altLang="en-US" sz="3600" dirty="0"/>
+              <a:t>语音识别</a:t>
+            </a:r>
+            <a:endParaRPr lang="en-US" altLang="zh-TW" sz="3600" dirty="0"/>
+          </a:p>
+          <a:p>
+            <a:endParaRPr lang="en-US" altLang="zh-TW" sz="3600" dirty="0"/>
+          </a:p>
+          <a:p>
+            <a:r>
+              <a:rPr lang="zh-CN" altLang="en-US" sz="3600" dirty="0"/>
+              <a:t>图像识别</a:t>
+            </a:r>
+            <a:endParaRPr lang="en-US" altLang="zh-TW" sz="3600" dirty="0"/>
+          </a:p>
+          <a:p>
+            <a:endParaRPr lang="en-US" altLang="zh-TW" sz="3600" dirty="0"/>
+          </a:p>
+          <a:p>
+            <a:r>
+              <a:rPr lang="zh-CN" altLang="en-US" sz="3600" dirty="0"/>
+              <a:t>围棋</a:t>
+            </a:r>
+            <a:endParaRPr lang="en-US" altLang="zh-CN" sz="3600" dirty="0"/>
+          </a:p>
+          <a:p>
+            <a:endParaRPr lang="en-US" altLang="zh-TW" sz="3600" dirty="0"/>
+          </a:p>
+          <a:p>
+            <a:r>
+              <a:rPr lang="zh-CN" altLang="en-US" sz="3600" dirty="0"/>
+              <a:t>对话系统</a:t>
+            </a:r>
+            <a:endParaRPr lang="zh-TW" altLang="en-US" sz="3600" dirty="0"/>
+          </a:p>
+        </p:txBody>
+      </p:sp>
+      <p:graphicFrame>
+        <p:nvGraphicFramePr>
+          <p:cNvPr id="4" name="Object 12"/>
+          <p:cNvGraphicFramePr>
+            <a:graphicFrameLocks noChangeAspect="1"/>
+          </p:cNvGraphicFramePr>
+          <p:nvPr>
+            <p:extLst/>
+          </p:nvPr>
+        </p:nvGraphicFramePr>
+        <p:xfrm>
+          <a:off x="3553665" y="1823151"/>
+          <a:ext cx="3822700" cy="460375"/>
+        </p:xfrm>
+        <a:graphic>
+          <a:graphicData uri="http://schemas.openxmlformats.org/presentationml/2006/ole">
+            <mc:AlternateContent xmlns:mc="http://schemas.openxmlformats.org/markup-compatibility/2006">
+              <mc:Choice xmlns:v="urn:schemas-microsoft-com:vml" Requires="v">
+                <p:oleObj spid="_x0000_s1426" name="方程式" r:id="rId3" imgW="1790640" imgH="215640" progId="Equation.3">
+                  <p:embed/>
+                </p:oleObj>
+              </mc:Choice>
+              <mc:Fallback>
+                <p:oleObj name="方程式" r:id="rId3" imgW="1790640" imgH="215640" progId="Equation.3">
+                  <p:embed/>
+                  <p:pic>
+                    <p:nvPicPr>
+                      <p:cNvPr id="4" name="Object 12"/>
+                      <p:cNvPicPr>
+                        <a:picLocks noChangeAspect="1" noChangeArrowheads="1"/>
+                      </p:cNvPicPr>
+                      <p:nvPr/>
+                    </p:nvPicPr>
+                    <p:blipFill>
+                      <a:blip r:embed="rId4"/>
+                      <a:srcRect/>
+                      <a:stretch>
+                        <a:fillRect/>
+                      </a:stretch>
+                    </p:blipFill>
+                    <p:spPr bwMode="auto">
+                      <a:xfrm>
+                        <a:off x="3553665" y="1823151"/>
+                        <a:ext cx="3822700" cy="460375"/>
+                      </a:xfrm>
+                      <a:prstGeom prst="rect">
+                        <a:avLst/>
+                      </a:prstGeom>
+                      <a:noFill/>
+                      <a:extLst>
+                        <a:ext uri="{909E8E84-426E-40DD-AFC4-6F175D3DCCD1}">
+                          <a14:hiddenFill xmlns:a14="http://schemas.microsoft.com/office/drawing/2010/main">
+                            <a:solidFill>
+                              <a:srgbClr val="FFFFFF"/>
+                            </a:solidFill>
+                          </a14:hiddenFill>
+                        </a:ext>
+                      </a:extLst>
+                    </p:spPr>
+                  </p:pic>
+                </p:oleObj>
+              </mc:Fallback>
+            </mc:AlternateContent>
+          </a:graphicData>
+        </a:graphic>
+      </p:graphicFrame>
+      <p:graphicFrame>
+        <p:nvGraphicFramePr>
+          <p:cNvPr id="5" name="Object 12"/>
+          <p:cNvGraphicFramePr>
+            <a:graphicFrameLocks noChangeAspect="1"/>
+          </p:cNvGraphicFramePr>
+          <p:nvPr>
+            <p:extLst/>
+          </p:nvPr>
+        </p:nvGraphicFramePr>
+        <p:xfrm>
+          <a:off x="3505200" y="3191521"/>
+          <a:ext cx="3822700" cy="460375"/>
+        </p:xfrm>
+        <a:graphic>
+          <a:graphicData uri="http://schemas.openxmlformats.org/presentationml/2006/ole">
+            <mc:AlternateContent xmlns:mc="http://schemas.openxmlformats.org/markup-compatibility/2006">
+              <mc:Choice xmlns:v="urn:schemas-microsoft-com:vml" Requires="v">
+                <p:oleObj spid="_x0000_s1427" name="方程式" r:id="rId5" imgW="1790640" imgH="215640" progId="Equation.3">
+                  <p:embed/>
+                </p:oleObj>
+              </mc:Choice>
+              <mc:Fallback>
+                <p:oleObj name="方程式" r:id="rId5" imgW="1790640" imgH="215640" progId="Equation.3">
+                  <p:embed/>
+                  <p:pic>
+                    <p:nvPicPr>
+                      <p:cNvPr id="5" name="Object 12"/>
+                      <p:cNvPicPr>
+                        <a:picLocks noChangeAspect="1" noChangeArrowheads="1"/>
+                      </p:cNvPicPr>
+                      <p:nvPr/>
+                    </p:nvPicPr>
+                    <p:blipFill>
+                      <a:blip r:embed="rId4"/>
+                      <a:srcRect/>
+                      <a:stretch>
+                        <a:fillRect/>
+                      </a:stretch>
+                    </p:blipFill>
+                    <p:spPr bwMode="auto">
+                      <a:xfrm>
+                        <a:off x="3505200" y="3191521"/>
+                        <a:ext cx="3822700" cy="460375"/>
+                      </a:xfrm>
+                      <a:prstGeom prst="rect">
+                        <a:avLst/>
+                      </a:prstGeom>
+                      <a:noFill/>
+                      <a:extLst>
+                        <a:ext uri="{909E8E84-426E-40DD-AFC4-6F175D3DCCD1}">
+                          <a14:hiddenFill xmlns:a14="http://schemas.microsoft.com/office/drawing/2010/main">
+                            <a:solidFill>
+                              <a:srgbClr val="FFFFFF"/>
+                            </a:solidFill>
+                          </a14:hiddenFill>
+                        </a:ext>
+                      </a:extLst>
+                    </p:spPr>
+                  </p:pic>
+                </p:oleObj>
+              </mc:Fallback>
+            </mc:AlternateContent>
+          </a:graphicData>
+        </a:graphic>
+      </p:graphicFrame>
+      <p:graphicFrame>
+        <p:nvGraphicFramePr>
+          <p:cNvPr id="6" name="Object 12"/>
+          <p:cNvGraphicFramePr>
+            <a:graphicFrameLocks noChangeAspect="1"/>
+          </p:cNvGraphicFramePr>
+          <p:nvPr>
+            <p:extLst/>
+          </p:nvPr>
+        </p:nvGraphicFramePr>
+        <p:xfrm>
+          <a:off x="3505200" y="4269455"/>
+          <a:ext cx="3822700" cy="460375"/>
+        </p:xfrm>
+        <a:graphic>
+          <a:graphicData uri="http://schemas.openxmlformats.org/presentationml/2006/ole">
+            <mc:AlternateContent xmlns:mc="http://schemas.openxmlformats.org/markup-compatibility/2006">
+              <mc:Choice xmlns:v="urn:schemas-microsoft-com:vml" Requires="v">
+                <p:oleObj spid="_x0000_s1428" name="方程式" r:id="rId6" imgW="1790640" imgH="215640" progId="Equation.3">
+                  <p:embed/>
+                </p:oleObj>
+              </mc:Choice>
+              <mc:Fallback>
+                <p:oleObj name="方程式" r:id="rId6" imgW="1790640" imgH="215640" progId="Equation.3">
+                  <p:embed/>
+                  <p:pic>
+                    <p:nvPicPr>
+                      <p:cNvPr id="6" name="Object 12"/>
+                      <p:cNvPicPr>
+                        <a:picLocks noChangeAspect="1" noChangeArrowheads="1"/>
+                      </p:cNvPicPr>
+                      <p:nvPr/>
+                    </p:nvPicPr>
+                    <p:blipFill>
+                      <a:blip r:embed="rId4"/>
+                      <a:srcRect/>
+                      <a:stretch>
+                        <a:fillRect/>
+                      </a:stretch>
+                    </p:blipFill>
+                    <p:spPr bwMode="auto">
+                      <a:xfrm>
+                        <a:off x="3505200" y="4269455"/>
+                        <a:ext cx="3822700" cy="460375"/>
+                      </a:xfrm>
+                      <a:prstGeom prst="rect">
+                        <a:avLst/>
+                      </a:prstGeom>
+                      <a:noFill/>
+                      <a:extLst>
+                        <a:ext uri="{909E8E84-426E-40DD-AFC4-6F175D3DCCD1}">
+                          <a14:hiddenFill xmlns:a14="http://schemas.microsoft.com/office/drawing/2010/main">
+                            <a:solidFill>
+                              <a:srgbClr val="FFFFFF"/>
+                            </a:solidFill>
+                          </a14:hiddenFill>
+                        </a:ext>
+                      </a:extLst>
+                    </p:spPr>
+                  </p:pic>
+                </p:oleObj>
+              </mc:Fallback>
+            </mc:AlternateContent>
+          </a:graphicData>
+        </a:graphic>
+      </p:graphicFrame>
+      <p:graphicFrame>
+        <p:nvGraphicFramePr>
+          <p:cNvPr id="7" name="Object 12"/>
+          <p:cNvGraphicFramePr>
+            <a:graphicFrameLocks noChangeAspect="1"/>
+          </p:cNvGraphicFramePr>
+          <p:nvPr>
+            <p:extLst/>
+          </p:nvPr>
+        </p:nvGraphicFramePr>
+        <p:xfrm>
+          <a:off x="3536030" y="5504932"/>
+          <a:ext cx="3578225" cy="460375"/>
+        </p:xfrm>
+        <a:graphic>
+          <a:graphicData uri="http://schemas.openxmlformats.org/presentationml/2006/ole">
+            <mc:AlternateContent xmlns:mc="http://schemas.openxmlformats.org/markup-compatibility/2006">
+              <mc:Choice xmlns:v="urn:schemas-microsoft-com:vml" Requires="v">
+                <p:oleObj spid="_x0000_s1429" name="方程式" r:id="rId7" imgW="1676160" imgH="215640" progId="Equation.3">
+                  <p:embed/>
+                </p:oleObj>
+              </mc:Choice>
+              <mc:Fallback>
+                <p:oleObj name="方程式" r:id="rId7" imgW="1676160" imgH="215640" progId="Equation.3">
+                  <p:embed/>
+                  <p:pic>
+                    <p:nvPicPr>
+                      <p:cNvPr id="7" name="Object 12"/>
+                      <p:cNvPicPr>
+                        <a:picLocks noChangeAspect="1" noChangeArrowheads="1"/>
+                      </p:cNvPicPr>
+                      <p:nvPr/>
+                    </p:nvPicPr>
+                    <p:blipFill>
+                      <a:blip r:embed="rId8"/>
+                      <a:srcRect/>
+                      <a:stretch>
+                        <a:fillRect/>
+                      </a:stretch>
+                    </p:blipFill>
+                    <p:spPr bwMode="auto">
+                      <a:xfrm>
+                        <a:off x="3536030" y="5504932"/>
+                        <a:ext cx="3578225" cy="460375"/>
+                      </a:xfrm>
+                      <a:prstGeom prst="rect">
+                        <a:avLst/>
+                      </a:prstGeom>
+                      <a:noFill/>
+                      <a:extLst>
+                        <a:ext uri="{909E8E84-426E-40DD-AFC4-6F175D3DCCD1}">
+                          <a14:hiddenFill xmlns:a14="http://schemas.microsoft.com/office/drawing/2010/main">
+                            <a:solidFill>
+                              <a:srgbClr val="FFFFFF"/>
+                            </a:solidFill>
+                          </a14:hiddenFill>
+                        </a:ext>
+                      </a:extLst>
+                    </p:spPr>
+                  </p:pic>
+                </p:oleObj>
+              </mc:Fallback>
+            </mc:AlternateContent>
+          </a:graphicData>
+        </a:graphic>
+      </p:graphicFrame>
+      <p:sp>
+        <p:nvSpPr>
+          <p:cNvPr id="8" name="文字方塊 7"/>
+          <p:cNvSpPr txBox="1"/>
+          <p:nvPr/>
+        </p:nvSpPr>
+        <p:spPr>
+          <a:xfrm>
+            <a:off x="7327900" y="3160097"/>
+            <a:ext cx="947054" cy="523220"/>
+          </a:xfrm>
+          <a:prstGeom prst="rect">
+            <a:avLst/>
+          </a:prstGeom>
+          <a:noFill/>
+        </p:spPr>
+        <p:txBody>
+          <a:bodyPr wrap="square" rtlCol="0">
+            <a:spAutoFit/>
+          </a:bodyPr>
+          <a:lstStyle/>
+          <a:p>
+            <a:r>
+              <a:rPr lang="en-US" altLang="zh-TW" sz="2800" dirty="0"/>
+              <a:t>“</a:t>
+            </a:r>
+            <a:r>
+              <a:rPr lang="zh-CN" altLang="en-US" sz="2800" dirty="0"/>
+              <a:t>猫</a:t>
+            </a:r>
+            <a:r>
+              <a:rPr lang="en-US" altLang="zh-TW" sz="2800" dirty="0"/>
+              <a:t>”</a:t>
+            </a:r>
+            <a:endParaRPr lang="zh-TW" altLang="en-US" sz="2800" dirty="0"/>
+          </a:p>
+        </p:txBody>
+      </p:sp>
+      <p:sp>
+        <p:nvSpPr>
+          <p:cNvPr id="9" name="文字方塊 8"/>
+          <p:cNvSpPr txBox="1"/>
+          <p:nvPr/>
+        </p:nvSpPr>
+        <p:spPr>
+          <a:xfrm>
+            <a:off x="7376365" y="1791967"/>
+            <a:ext cx="2898395" cy="523220"/>
+          </a:xfrm>
+          <a:prstGeom prst="rect">
+            <a:avLst/>
+          </a:prstGeom>
+          <a:noFill/>
+        </p:spPr>
+        <p:txBody>
+          <a:bodyPr wrap="square" rtlCol="0">
+            <a:spAutoFit/>
+          </a:bodyPr>
+          <a:lstStyle/>
+          <a:p>
+            <a:r>
+              <a:rPr lang="en-US" altLang="zh-TW" sz="2800" dirty="0"/>
+              <a:t>“</a:t>
+            </a:r>
+            <a:r>
+              <a:rPr lang="zh-CN" altLang="en-US" sz="2800" dirty="0"/>
+              <a:t>你好</a:t>
+            </a:r>
+            <a:r>
+              <a:rPr lang="en-US" altLang="zh-TW" sz="2800" dirty="0"/>
+              <a:t>”</a:t>
+            </a:r>
+            <a:endParaRPr lang="zh-TW" altLang="en-US" sz="2800" dirty="0"/>
+          </a:p>
+        </p:txBody>
+      </p:sp>
+      <p:sp>
+        <p:nvSpPr>
+          <p:cNvPr id="10" name="文字方塊 9"/>
+          <p:cNvSpPr txBox="1"/>
+          <p:nvPr/>
+        </p:nvSpPr>
+        <p:spPr>
+          <a:xfrm>
+            <a:off x="7327901" y="4211765"/>
+            <a:ext cx="1239914" cy="523220"/>
+          </a:xfrm>
+          <a:prstGeom prst="rect">
+            <a:avLst/>
+          </a:prstGeom>
+          <a:noFill/>
+        </p:spPr>
+        <p:txBody>
+          <a:bodyPr wrap="square" rtlCol="0">
+            <a:spAutoFit/>
+          </a:bodyPr>
+          <a:lstStyle/>
+          <a:p>
+            <a:r>
+              <a:rPr lang="en-US" altLang="zh-TW" sz="2800" dirty="0"/>
+              <a:t>“5-5”</a:t>
+            </a:r>
+            <a:endParaRPr lang="zh-TW" altLang="en-US" sz="2800" dirty="0"/>
+          </a:p>
+        </p:txBody>
+      </p:sp>
+      <p:sp>
+        <p:nvSpPr>
+          <p:cNvPr id="11" name="文字方塊 10"/>
+          <p:cNvSpPr txBox="1"/>
+          <p:nvPr/>
+        </p:nvSpPr>
+        <p:spPr>
+          <a:xfrm>
+            <a:off x="7483708" y="5523781"/>
+            <a:ext cx="3031893" cy="523220"/>
+          </a:xfrm>
+          <a:prstGeom prst="rect">
+            <a:avLst/>
+          </a:prstGeom>
+          <a:noFill/>
+        </p:spPr>
+        <p:txBody>
+          <a:bodyPr wrap="square" rtlCol="0">
+            <a:spAutoFit/>
+          </a:bodyPr>
+          <a:lstStyle/>
+          <a:p>
+            <a:r>
+              <a:rPr lang="en-US" altLang="zh-TW" sz="2800" dirty="0"/>
+              <a:t>“</a:t>
+            </a:r>
+            <a:r>
+              <a:rPr lang="zh-CN" altLang="en-US" sz="2800" dirty="0"/>
+              <a:t>今天天气真不错</a:t>
+            </a:r>
+            <a:r>
+              <a:rPr lang="en-US" altLang="zh-TW" sz="2800" dirty="0"/>
+              <a:t>”</a:t>
+            </a:r>
+            <a:endParaRPr lang="zh-TW" altLang="en-US" sz="2800" dirty="0"/>
+          </a:p>
+        </p:txBody>
+      </p:sp>
+      <p:pic>
+        <p:nvPicPr>
+          <p:cNvPr id="12" name="圖片 11"/>
+          <p:cNvPicPr>
+            <a:picLocks noChangeAspect="1"/>
+          </p:cNvPicPr>
+          <p:nvPr/>
+        </p:nvPicPr>
+        <p:blipFill>
+          <a:blip r:embed="rId9" cstate="print">
+            <a:extLst>
+              <a:ext uri="{28A0092B-C50C-407E-A947-70E740481C1C}">
+                <a14:useLocalDpi xmlns:a14="http://schemas.microsoft.com/office/drawing/2010/main" val="0"/>
+              </a:ext>
+            </a:extLst>
+          </a:blip>
+          <a:stretch>
+            <a:fillRect/>
+          </a:stretch>
+        </p:blipFill>
+        <p:spPr>
+          <a:xfrm>
+            <a:off x="4047351" y="1766681"/>
+            <a:ext cx="2921108" cy="516844"/>
+          </a:xfrm>
+          <a:prstGeom prst="rect">
+            <a:avLst/>
+          </a:prstGeom>
+        </p:spPr>
+      </p:pic>
+      <p:sp>
+        <p:nvSpPr>
+          <p:cNvPr id="15" name="矩形 14"/>
+          <p:cNvSpPr/>
+          <p:nvPr/>
+        </p:nvSpPr>
+        <p:spPr>
+          <a:xfrm>
+            <a:off x="3975141" y="5458130"/>
+            <a:ext cx="2659840" cy="523220"/>
+          </a:xfrm>
+          <a:prstGeom prst="rect">
+            <a:avLst/>
+          </a:prstGeom>
+        </p:spPr>
+        <p:txBody>
+          <a:bodyPr wrap="square">
+            <a:spAutoFit/>
+          </a:bodyPr>
+          <a:lstStyle/>
+          <a:p>
+            <a:pPr algn="ctr"/>
+            <a:r>
+              <a:rPr lang="en-US" altLang="zh-TW" sz="2800" dirty="0"/>
+              <a:t>“</a:t>
+            </a:r>
+            <a:r>
+              <a:rPr lang="zh-CN" altLang="en-US" sz="2800" dirty="0"/>
+              <a:t>你好</a:t>
+            </a:r>
+            <a:r>
+              <a:rPr lang="en-US" altLang="zh-TW" sz="2800" dirty="0"/>
+              <a:t>”</a:t>
+            </a:r>
+            <a:endParaRPr lang="zh-TW" altLang="en-US" sz="2800" dirty="0"/>
+          </a:p>
+        </p:txBody>
+      </p:sp>
+      <p:pic>
+        <p:nvPicPr>
+          <p:cNvPr id="84994" name="Picture 2" descr="http://y2.ifengimg.com/a/2016_11/2c7ef418c729099.jpg"/>
+          <p:cNvPicPr>
+            <a:picLocks noChangeAspect="1" noChangeArrowheads="1"/>
+          </p:cNvPicPr>
+          <p:nvPr/>
+        </p:nvPicPr>
+        <p:blipFill>
+          <a:blip r:embed="rId10" cstate="print">
+            <a:extLst>
+              <a:ext uri="{28A0092B-C50C-407E-A947-70E740481C1C}">
+                <a14:useLocalDpi xmlns:a14="http://schemas.microsoft.com/office/drawing/2010/main" val="0"/>
+              </a:ext>
+            </a:extLst>
+          </a:blip>
+          <a:srcRect/>
+          <a:stretch>
+            <a:fillRect/>
+          </a:stretch>
+        </p:blipFill>
+        <p:spPr bwMode="auto">
+          <a:xfrm>
+            <a:off x="4832699" y="4094918"/>
+            <a:ext cx="1144109" cy="858082"/>
+          </a:xfrm>
+          <a:prstGeom prst="rect">
+            <a:avLst/>
+          </a:prstGeom>
+          <a:noFill/>
+          <a:extLst>
+            <a:ext uri="{909E8E84-426E-40DD-AFC4-6F175D3DCCD1}">
+              <a14:hiddenFill xmlns:a14="http://schemas.microsoft.com/office/drawing/2010/main">
+                <a:solidFill>
+                  <a:srgbClr val="FFFFFF"/>
+                </a:solidFill>
+              </a14:hiddenFill>
+            </a:ext>
+          </a:extLst>
+        </p:spPr>
+      </p:pic>
+      <p:sp>
+        <p:nvSpPr>
+          <p:cNvPr id="16" name="文字方塊 15"/>
+          <p:cNvSpPr txBox="1"/>
+          <p:nvPr/>
+        </p:nvSpPr>
+        <p:spPr>
+          <a:xfrm>
+            <a:off x="3896949" y="5939136"/>
+            <a:ext cx="2773299" cy="461665"/>
+          </a:xfrm>
+          <a:prstGeom prst="rect">
+            <a:avLst/>
+          </a:prstGeom>
+          <a:noFill/>
+        </p:spPr>
+        <p:txBody>
+          <a:bodyPr wrap="square" rtlCol="0">
+            <a:spAutoFit/>
+          </a:bodyPr>
+          <a:lstStyle/>
+          <a:p>
+            <a:pPr algn="ctr"/>
+            <a:r>
+              <a:rPr lang="zh-CN" altLang="en-US" sz="2400" dirty="0">
+                <a:solidFill>
+                  <a:schemeClr val="accent2">
+                    <a:lumMod val="60000"/>
+                    <a:lumOff val="40000"/>
+                  </a:schemeClr>
+                </a:solidFill>
+              </a:rPr>
+              <a:t>用户输入</a:t>
+            </a:r>
+            <a:endParaRPr lang="zh-TW" altLang="en-US" sz="2400" dirty="0">
+              <a:solidFill>
+                <a:schemeClr val="accent2">
+                  <a:lumMod val="60000"/>
+                  <a:lumOff val="40000"/>
+                </a:schemeClr>
+              </a:solidFill>
+            </a:endParaRPr>
+          </a:p>
+        </p:txBody>
+      </p:sp>
+      <p:sp>
+        <p:nvSpPr>
+          <p:cNvPr id="19" name="文字方塊 18"/>
+          <p:cNvSpPr txBox="1"/>
+          <p:nvPr/>
+        </p:nvSpPr>
+        <p:spPr>
+          <a:xfrm>
+            <a:off x="6713175" y="5939135"/>
+            <a:ext cx="2773299" cy="461665"/>
+          </a:xfrm>
+          <a:prstGeom prst="rect">
+            <a:avLst/>
+          </a:prstGeom>
+          <a:noFill/>
+        </p:spPr>
+        <p:txBody>
+          <a:bodyPr wrap="square" rtlCol="0">
+            <a:spAutoFit/>
+          </a:bodyPr>
+          <a:lstStyle/>
+          <a:p>
+            <a:pPr algn="ctr"/>
+            <a:r>
+              <a:rPr lang="zh-CN" altLang="en-US" sz="2400" dirty="0">
+                <a:solidFill>
+                  <a:schemeClr val="accent2">
+                    <a:lumMod val="60000"/>
+                    <a:lumOff val="40000"/>
+                  </a:schemeClr>
+                </a:solidFill>
+              </a:rPr>
+              <a:t>机器</a:t>
+            </a:r>
+            <a:endParaRPr lang="zh-TW" altLang="en-US" sz="2400" dirty="0">
+              <a:solidFill>
+                <a:schemeClr val="accent2">
+                  <a:lumMod val="60000"/>
+                  <a:lumOff val="40000"/>
+                </a:schemeClr>
+              </a:solidFill>
+            </a:endParaRPr>
+          </a:p>
+        </p:txBody>
+      </p:sp>
+      <p:pic>
+        <p:nvPicPr>
+          <p:cNvPr id="20" name="Picture 12" descr="https://encrypted-tbn1.gstatic.com/images?q=tbn:ANd9GcRcwlRKAlSIaCI4W5PRYVbuBQQXifF-56bFqAjh9DMe-_3Lh8_YKw"/>
+          <p:cNvPicPr>
+            <a:picLocks noChangeAspect="1" noChangeArrowheads="1"/>
+          </p:cNvPicPr>
+          <p:nvPr/>
+        </p:nvPicPr>
+        <p:blipFill>
+          <a:blip r:embed="rId11">
+            <a:extLst>
+              <a:ext uri="{28A0092B-C50C-407E-A947-70E740481C1C}">
+                <a14:useLocalDpi xmlns:a14="http://schemas.microsoft.com/office/drawing/2010/main" val="0"/>
+              </a:ext>
+            </a:extLst>
+          </a:blip>
+          <a:srcRect/>
+          <a:stretch>
+            <a:fillRect/>
+          </a:stretch>
+        </p:blipFill>
+        <p:spPr bwMode="auto">
+          <a:xfrm>
+            <a:off x="4873643" y="3046564"/>
+            <a:ext cx="1106043" cy="839637"/>
+          </a:xfrm>
+          <a:prstGeom prst="rect">
+            <a:avLst/>
+          </a:prstGeom>
+          <a:noFill/>
+          <a:extLst>
+            <a:ext uri="{909E8E84-426E-40DD-AFC4-6F175D3DCCD1}">
+              <a14:hiddenFill xmlns:a14="http://schemas.microsoft.com/office/drawing/2010/main">
+                <a:solidFill>
+                  <a:srgbClr val="FFFFFF"/>
+                </a:solidFill>
+              </a14:hiddenFill>
+            </a:ext>
+          </a:extLst>
+        </p:spPr>
+      </p:pic>
+      <p:sp>
+        <p:nvSpPr>
+          <p:cNvPr id="18" name="文字方塊 17"/>
+          <p:cNvSpPr txBox="1"/>
+          <p:nvPr/>
+        </p:nvSpPr>
+        <p:spPr>
+          <a:xfrm>
+            <a:off x="8124848" y="4242543"/>
+            <a:ext cx="2543153" cy="461665"/>
+          </a:xfrm>
+          <a:prstGeom prst="rect">
+            <a:avLst/>
+          </a:prstGeom>
+          <a:noFill/>
+        </p:spPr>
+        <p:txBody>
+          <a:bodyPr wrap="square" rtlCol="0">
+            <a:spAutoFit/>
+          </a:bodyPr>
+          <a:lstStyle/>
+          <a:p>
+            <a:pPr algn="ctr"/>
+            <a:r>
+              <a:rPr lang="en-US" altLang="zh-TW" sz="2400" dirty="0"/>
+              <a:t>(</a:t>
+            </a:r>
+            <a:r>
+              <a:rPr lang="zh-CN" altLang="en-US" sz="2400" dirty="0"/>
+              <a:t>落子位置</a:t>
+            </a:r>
+            <a:r>
+              <a:rPr lang="en-US" altLang="zh-TW" sz="2400" dirty="0"/>
+              <a:t>)</a:t>
+            </a:r>
+            <a:endParaRPr lang="zh-TW" altLang="en-US" sz="2400" dirty="0"/>
+          </a:p>
+        </p:txBody>
+      </p:sp>
+    </p:spTree>
+    <p:extLst>
+      <p:ext uri="{BB962C8B-B14F-4D97-AF65-F5344CB8AC3E}">
+        <p14:creationId xmlns:p14="http://schemas.microsoft.com/office/powerpoint/2010/main" val="1999908609"/>
+      </p:ext>
+    </p:extLst>
+  </p:cSld>
+  <p:clrMapOvr>
+    <a:masterClrMapping/>
+  </p:clrMapOvr>
+</p:sld>
+</file>
+
+<file path=ppt/slides/slide30.xml><?xml version="1.0" encoding="utf-8"?>
 <p:sld xmlns:a="http://schemas.openxmlformats.org/drawingml/2006/main" xmlns:r="http://schemas.openxmlformats.org/officeDocument/2006/relationships" xmlns:p="http://schemas.openxmlformats.org/presentationml/2006/main">
   <p:cSld>
     <p:spTree>
@@ -13296,7 +13825,7 @@
         </p:blipFill>
         <p:spPr>
           <a:xfrm>
-            <a:off x="2226545" y="1321613"/>
+            <a:off x="3750545" y="1321613"/>
             <a:ext cx="4323196" cy="3067132"/>
           </a:xfrm>
           <a:prstGeom prst="rect">
@@ -13318,7 +13847,7 @@
         </p:nvSpPr>
         <p:spPr>
           <a:xfrm>
-            <a:off x="4575875" y="152400"/>
+            <a:off x="6099876" y="152400"/>
             <a:ext cx="3707105" cy="369332"/>
           </a:xfrm>
           <a:prstGeom prst="rect">
@@ -13376,7 +13905,7 @@
         </p:blipFill>
         <p:spPr>
           <a:xfrm>
-            <a:off x="2438400" y="4495447"/>
+            <a:off x="3962400" y="4495447"/>
             <a:ext cx="4871446" cy="789964"/>
           </a:xfrm>
           <a:prstGeom prst="rect">
@@ -13398,7 +13927,7 @@
         </p:nvSpPr>
         <p:spPr>
           <a:xfrm>
-            <a:off x="838200" y="4777674"/>
+            <a:off x="2362201" y="4777674"/>
             <a:ext cx="646331" cy="369332"/>
           </a:xfrm>
           <a:prstGeom prst="rect">
@@ -13433,7 +13962,7 @@
         </p:nvSpPr>
         <p:spPr>
           <a:xfrm>
-            <a:off x="685800" y="5638800"/>
+            <a:off x="2209800" y="5638800"/>
             <a:ext cx="1107996" cy="369332"/>
           </a:xfrm>
           <a:prstGeom prst="rect">
@@ -13482,7 +14011,7 @@
         </p:blipFill>
         <p:spPr>
           <a:xfrm>
-            <a:off x="2465522" y="5479215"/>
+            <a:off x="3989522" y="5479216"/>
             <a:ext cx="3453606" cy="850837"/>
           </a:xfrm>
           <a:prstGeom prst="rect">
@@ -13503,7 +14032,7 @@
 </p:sld>
 </file>
 
-<file path=ppt/slides/slide29.xml><?xml version="1.0" encoding="utf-8"?>
+<file path=ppt/slides/slide31.xml><?xml version="1.0" encoding="utf-8"?>
 <p:sld xmlns:a="http://schemas.openxmlformats.org/drawingml/2006/main" xmlns:r="http://schemas.openxmlformats.org/officeDocument/2006/relationships" xmlns:p="http://schemas.openxmlformats.org/presentationml/2006/main">
   <p:cSld>
     <p:spTree>
@@ -13577,7 +14106,7 @@
         </p:blipFill>
         <p:spPr>
           <a:xfrm>
-            <a:off x="533400" y="1676400"/>
+            <a:off x="2057401" y="1676401"/>
             <a:ext cx="5562599" cy="3991865"/>
           </a:xfrm>
           <a:prstGeom prst="rect">
@@ -13599,7 +14128,7 @@
         </p:nvSpPr>
         <p:spPr>
           <a:xfrm>
-            <a:off x="6267465" y="1981200"/>
+            <a:off x="7791466" y="1981200"/>
             <a:ext cx="2712089" cy="369332"/>
           </a:xfrm>
           <a:prstGeom prst="rect">
@@ -13657,7 +14186,7 @@
         </p:nvSpPr>
         <p:spPr>
           <a:xfrm>
-            <a:off x="4191000" y="5715000"/>
+            <a:off x="5715001" y="5715000"/>
             <a:ext cx="3507563" cy="369332"/>
           </a:xfrm>
           <a:prstGeom prst="rect">
@@ -13772,338 +14301,7 @@
 </p:sld>
 </file>
 
-<file path=ppt/slides/slide3.xml><?xml version="1.0" encoding="utf-8"?>
-<p:sld xmlns:a="http://schemas.openxmlformats.org/drawingml/2006/main" xmlns:r="http://schemas.openxmlformats.org/officeDocument/2006/relationships" xmlns:p="http://schemas.openxmlformats.org/presentationml/2006/main">
-  <p:cSld>
-    <p:spTree>
-      <p:nvGrpSpPr>
-        <p:cNvPr id="1" name=""/>
-        <p:cNvGrpSpPr/>
-        <p:nvPr/>
-      </p:nvGrpSpPr>
-      <p:grpSpPr>
-        <a:xfrm>
-          <a:off x="0" y="0"/>
-          <a:ext cx="0" cy="0"/>
-          <a:chOff x="0" y="0"/>
-          <a:chExt cx="0" cy="0"/>
-        </a:xfrm>
-      </p:grpSpPr>
-      <p:sp>
-        <p:nvSpPr>
-          <p:cNvPr id="2" name="标题 1"/>
-          <p:cNvSpPr>
-            <a:spLocks noGrp="1"/>
-          </p:cNvSpPr>
-          <p:nvPr>
-            <p:ph type="title"/>
-          </p:nvPr>
-        </p:nvSpPr>
-        <p:spPr/>
-        <p:txBody>
-          <a:bodyPr/>
-          <a:lstStyle/>
-          <a:p>
-            <a:r>
-              <a:rPr lang="zh-CN" altLang="en-US" dirty="0"/>
-              <a:t>什么是机器学习？</a:t>
-            </a:r>
-          </a:p>
-        </p:txBody>
-      </p:sp>
-      <p:pic>
-        <p:nvPicPr>
-          <p:cNvPr id="3" name="图片 2"/>
-          <p:cNvPicPr>
-            <a:picLocks noChangeAspect="1"/>
-          </p:cNvPicPr>
-          <p:nvPr/>
-        </p:nvPicPr>
-        <p:blipFill>
-          <a:blip r:embed="rId2"/>
-          <a:stretch>
-            <a:fillRect/>
-          </a:stretch>
-        </p:blipFill>
-        <p:spPr>
-          <a:xfrm>
-            <a:off x="156635" y="2895600"/>
-            <a:ext cx="8530165" cy="2667000"/>
-          </a:xfrm>
-          <a:prstGeom prst="rect">
-            <a:avLst/>
-          </a:prstGeom>
-        </p:spPr>
-      </p:pic>
-      <p:sp>
-        <p:nvSpPr>
-          <p:cNvPr id="5" name="矩形 4"/>
-          <p:cNvSpPr/>
-          <p:nvPr/>
-        </p:nvSpPr>
-        <p:spPr>
-          <a:xfrm>
-            <a:off x="3398460" y="3505200"/>
-            <a:ext cx="1519765" cy="830997"/>
-          </a:xfrm>
-          <a:prstGeom prst="rect">
-            <a:avLst/>
-          </a:prstGeom>
-          <a:solidFill>
-            <a:schemeClr val="bg1"/>
-          </a:solidFill>
-        </p:spPr>
-        <p:txBody>
-          <a:bodyPr wrap="square" rtlCol="0" anchor="ctr">
-            <a:spAutoFit/>
-          </a:bodyPr>
-          <a:lstStyle/>
-          <a:p>
-            <a:pPr algn="ctr"/>
-            <a:endParaRPr lang="en-US" altLang="zh-CN" sz="2400" dirty="0"/>
-          </a:p>
-          <a:p>
-            <a:pPr algn="ctr"/>
-            <a:endParaRPr lang="zh-CN" altLang="en-US" sz="2400" dirty="0"/>
-          </a:p>
-        </p:txBody>
-      </p:sp>
-      <p:sp>
-        <p:nvSpPr>
-          <p:cNvPr id="6" name="文本框 5"/>
-          <p:cNvSpPr txBox="1"/>
-          <p:nvPr/>
-        </p:nvSpPr>
-        <p:spPr>
-          <a:xfrm>
-            <a:off x="381000" y="5562600"/>
-            <a:ext cx="1980029" cy="369332"/>
-          </a:xfrm>
-          <a:prstGeom prst="rect">
-            <a:avLst/>
-          </a:prstGeom>
-          <a:noFill/>
-        </p:spPr>
-        <p:txBody>
-          <a:bodyPr wrap="none" rtlCol="0">
-            <a:spAutoFit/>
-          </a:bodyPr>
-          <a:lstStyle/>
-          <a:p>
-            <a:r>
-              <a:rPr lang="zh-CN" altLang="en-US" dirty="0"/>
-              <a:t>独立同分布 </a:t>
-            </a:r>
-            <a:r>
-              <a:rPr lang="en-US" altLang="zh-CN" dirty="0"/>
-              <a:t>p(</a:t>
-            </a:r>
-            <a:r>
-              <a:rPr lang="en-US" altLang="zh-CN" dirty="0" err="1"/>
-              <a:t>x,y</a:t>
-            </a:r>
-            <a:r>
-              <a:rPr lang="en-US" altLang="zh-CN" dirty="0"/>
-              <a:t>)</a:t>
-            </a:r>
-            <a:endParaRPr lang="zh-CN" altLang="en-US" dirty="0"/>
-          </a:p>
-        </p:txBody>
-      </p:sp>
-      <p:sp>
-        <p:nvSpPr>
-          <p:cNvPr id="4" name="矩形 3"/>
-          <p:cNvSpPr/>
-          <p:nvPr/>
-        </p:nvSpPr>
-        <p:spPr>
-          <a:xfrm>
-            <a:off x="149378" y="4299466"/>
-            <a:ext cx="6251422" cy="1796534"/>
-          </a:xfrm>
-          <a:prstGeom prst="rect">
-            <a:avLst/>
-          </a:prstGeom>
-          <a:solidFill>
-            <a:schemeClr val="bg1"/>
-          </a:solidFill>
-        </p:spPr>
-        <p:txBody>
-          <a:bodyPr wrap="square" rtlCol="0" anchor="ctr">
-            <a:spAutoFit/>
-          </a:bodyPr>
-          <a:lstStyle/>
-          <a:p>
-            <a:pPr algn="ctr"/>
-            <a:endParaRPr lang="zh-CN" altLang="en-US" sz="2400" dirty="0"/>
-          </a:p>
-        </p:txBody>
-      </p:sp>
-      <p:sp>
-        <p:nvSpPr>
-          <p:cNvPr id="7" name="矩形 6"/>
-          <p:cNvSpPr/>
-          <p:nvPr/>
-        </p:nvSpPr>
-        <p:spPr>
-          <a:xfrm>
-            <a:off x="762000" y="1279653"/>
-            <a:ext cx="7924800" cy="1015663"/>
-          </a:xfrm>
-          <a:prstGeom prst="rect">
-            <a:avLst/>
-          </a:prstGeom>
-        </p:spPr>
-        <p:txBody>
-          <a:bodyPr wrap="square">
-            <a:spAutoFit/>
-          </a:bodyPr>
-          <a:lstStyle/>
-          <a:p>
-            <a:r>
-              <a:rPr lang="zh-CN" altLang="en-US" sz="2000" dirty="0"/>
-              <a:t>机器学习：从数据中获得决策（预测）函数使得机器可以根据数据进行自动学习，通过算法使得机器能从大量历史数据中学习规律从而对新的样本做决策。</a:t>
-            </a:r>
-            <a:endParaRPr lang="en-US" altLang="zh-CN" sz="2000" dirty="0"/>
-          </a:p>
-        </p:txBody>
-      </p:sp>
-    </p:spTree>
-    <p:extLst>
-      <p:ext uri="{BB962C8B-B14F-4D97-AF65-F5344CB8AC3E}">
-        <p14:creationId xmlns:p14="http://schemas.microsoft.com/office/powerpoint/2010/main" val="1559860817"/>
-      </p:ext>
-    </p:extLst>
-  </p:cSld>
-  <p:clrMapOvr>
-    <a:masterClrMapping/>
-  </p:clrMapOvr>
-  <p:timing>
-    <p:tnLst>
-      <p:par>
-        <p:cTn id="1" dur="indefinite" restart="never" nodeType="tmRoot">
-          <p:childTnLst>
-            <p:seq concurrent="1" nextAc="seek">
-              <p:cTn id="2" dur="indefinite" nodeType="mainSeq">
-                <p:childTnLst>
-                  <p:par>
-                    <p:cTn id="3" fill="hold">
-                      <p:stCondLst>
-                        <p:cond delay="indefinite"/>
-                      </p:stCondLst>
-                      <p:childTnLst>
-                        <p:par>
-                          <p:cTn id="4" fill="hold">
-                            <p:stCondLst>
-                              <p:cond delay="0"/>
-                            </p:stCondLst>
-                            <p:childTnLst>
-                              <p:par>
-                                <p:cTn id="5" presetID="10" presetClass="exit" presetSubtype="0" fill="hold" grpId="0" nodeType="clickEffect">
-                                  <p:stCondLst>
-                                    <p:cond delay="0"/>
-                                  </p:stCondLst>
-                                  <p:childTnLst>
-                                    <p:animEffect transition="out" filter="fade">
-                                      <p:cBhvr>
-                                        <p:cTn id="6" dur="500"/>
-                                        <p:tgtEl>
-                                          <p:spTgt spid="4"/>
-                                        </p:tgtEl>
-                                      </p:cBhvr>
-                                    </p:animEffect>
-                                    <p:set>
-                                      <p:cBhvr>
-                                        <p:cTn id="7" dur="1" fill="hold">
-                                          <p:stCondLst>
-                                            <p:cond delay="499"/>
-                                          </p:stCondLst>
-                                        </p:cTn>
-                                        <p:tgtEl>
-                                          <p:spTgt spid="4"/>
-                                        </p:tgtEl>
-                                        <p:attrNameLst>
-                                          <p:attrName>style.visibility</p:attrName>
-                                        </p:attrNameLst>
-                                      </p:cBhvr>
-                                      <p:to>
-                                        <p:strVal val="hidden"/>
-                                      </p:to>
-                                    </p:set>
-                                  </p:childTnLst>
-                                </p:cTn>
-                              </p:par>
-                              <p:par>
-                                <p:cTn id="8" presetID="10" presetClass="exit" presetSubtype="0" fill="hold" grpId="0" nodeType="withEffect">
-                                  <p:stCondLst>
-                                    <p:cond delay="0"/>
-                                  </p:stCondLst>
-                                  <p:childTnLst>
-                                    <p:animEffect transition="out" filter="fade">
-                                      <p:cBhvr>
-                                        <p:cTn id="9" dur="500"/>
-                                        <p:tgtEl>
-                                          <p:spTgt spid="5"/>
-                                        </p:tgtEl>
-                                      </p:cBhvr>
-                                    </p:animEffect>
-                                    <p:set>
-                                      <p:cBhvr>
-                                        <p:cTn id="10" dur="1" fill="hold">
-                                          <p:stCondLst>
-                                            <p:cond delay="499"/>
-                                          </p:stCondLst>
-                                        </p:cTn>
-                                        <p:tgtEl>
-                                          <p:spTgt spid="5"/>
-                                        </p:tgtEl>
-                                        <p:attrNameLst>
-                                          <p:attrName>style.visibility</p:attrName>
-                                        </p:attrNameLst>
-                                      </p:cBhvr>
-                                      <p:to>
-                                        <p:strVal val="hidden"/>
-                                      </p:to>
-                                    </p:set>
-                                  </p:childTnLst>
-                                </p:cTn>
-                              </p:par>
-                            </p:childTnLst>
-                          </p:cTn>
-                        </p:par>
-                      </p:childTnLst>
-                    </p:cTn>
-                  </p:par>
-                </p:childTnLst>
-              </p:cTn>
-              <p:prevCondLst>
-                <p:cond evt="onPrev" delay="0">
-                  <p:tgtEl>
-                    <p:sldTgt/>
-                  </p:tgtEl>
-                </p:cond>
-              </p:prevCondLst>
-              <p:nextCondLst>
-                <p:cond evt="onNext" delay="0">
-                  <p:tgtEl>
-                    <p:sldTgt/>
-                  </p:tgtEl>
-                </p:cond>
-              </p:nextCondLst>
-            </p:seq>
-          </p:childTnLst>
-        </p:cTn>
-      </p:par>
-    </p:tnLst>
-    <p:bldLst>
-      <p:bldP spid="5" grpId="0" animBg="1"/>
-      <p:bldP spid="4" grpId="0" animBg="1"/>
-    </p:bldLst>
-  </p:timing>
-</p:sld>
-</file>
-
-<file path=ppt/slides/slide30.xml><?xml version="1.0" encoding="utf-8"?>
+<file path=ppt/slides/slide32.xml><?xml version="1.0" encoding="utf-8"?>
 <p:sld xmlns:a="http://schemas.openxmlformats.org/drawingml/2006/main" xmlns:r="http://schemas.openxmlformats.org/officeDocument/2006/relationships" xmlns:p="http://schemas.openxmlformats.org/presentationml/2006/main">
   <p:cSld>
     <p:spTree>
@@ -14177,7 +14375,7 @@
         </p:blipFill>
         <p:spPr>
           <a:xfrm>
-            <a:off x="1020443" y="1600200"/>
+            <a:off x="2544443" y="1600200"/>
             <a:ext cx="7103114" cy="2579982"/>
           </a:xfrm>
           <a:prstGeom prst="rect">
@@ -14199,7 +14397,7 @@
         </p:nvSpPr>
         <p:spPr>
           <a:xfrm>
-            <a:off x="1371600" y="4231887"/>
+            <a:off x="2895600" y="4231887"/>
             <a:ext cx="6673312" cy="369332"/>
           </a:xfrm>
           <a:prstGeom prst="rect">
@@ -14275,7 +14473,7 @@
         </p:blipFill>
         <p:spPr>
           <a:xfrm>
-            <a:off x="2653267" y="5181600"/>
+            <a:off x="4177267" y="5181600"/>
             <a:ext cx="3837466" cy="832812"/>
           </a:xfrm>
           <a:prstGeom prst="rect">
@@ -14297,7 +14495,7 @@
         </p:nvSpPr>
         <p:spPr>
           <a:xfrm>
-            <a:off x="5562600" y="5829746"/>
+            <a:off x="7086600" y="5829746"/>
             <a:ext cx="2262158" cy="369332"/>
           </a:xfrm>
           <a:prstGeom prst="rect">
@@ -14456,7 +14654,7 @@
 </p:sld>
 </file>
 
-<file path=ppt/slides/slide31.xml><?xml version="1.0" encoding="utf-8"?>
+<file path=ppt/slides/slide33.xml><?xml version="1.0" encoding="utf-8"?>
 <p:sld xmlns:a="http://schemas.openxmlformats.org/drawingml/2006/main" xmlns:r="http://schemas.openxmlformats.org/officeDocument/2006/relationships" xmlns:p="http://schemas.openxmlformats.org/presentationml/2006/main">
   <p:cSld>
     <p:spTree>
@@ -14530,7 +14728,7 @@
         </p:blipFill>
         <p:spPr>
           <a:xfrm>
-            <a:off x="2653267" y="1447800"/>
+            <a:off x="4177267" y="1447800"/>
             <a:ext cx="3837466" cy="832812"/>
           </a:xfrm>
           <a:prstGeom prst="rect">
@@ -14566,7 +14764,7 @@
         </p:blipFill>
         <p:spPr>
           <a:xfrm>
-            <a:off x="5181600" y="2667000"/>
+            <a:off x="6705600" y="2667001"/>
             <a:ext cx="3352888" cy="2487451"/>
           </a:xfrm>
           <a:prstGeom prst="rect">
@@ -14602,7 +14800,7 @@
         </p:blipFill>
         <p:spPr>
           <a:xfrm>
-            <a:off x="228600" y="3124200"/>
+            <a:off x="1752601" y="3124200"/>
             <a:ext cx="4897893" cy="1862238"/>
           </a:xfrm>
           <a:prstGeom prst="rect">
@@ -14623,7 +14821,7 @@
 </p:sld>
 </file>
 
-<file path=ppt/slides/slide32.xml><?xml version="1.0" encoding="utf-8"?>
+<file path=ppt/slides/slide34.xml><?xml version="1.0" encoding="utf-8"?>
 <p:sld xmlns:a="http://schemas.openxmlformats.org/drawingml/2006/main" xmlns:r="http://schemas.openxmlformats.org/officeDocument/2006/relationships" xmlns:p="http://schemas.openxmlformats.org/presentationml/2006/main">
   <p:cSld>
     <p:spTree>
@@ -14701,7 +14899,7 @@
         </p:blipFill>
         <p:spPr>
           <a:xfrm>
-            <a:off x="691141" y="2286000"/>
+            <a:off x="2215142" y="2286000"/>
             <a:ext cx="7761717" cy="2808588"/>
           </a:xfrm>
           <a:prstGeom prst="rect">
@@ -14713,140 +14911,6 @@
     <p:extLst>
       <p:ext uri="{BB962C8B-B14F-4D97-AF65-F5344CB8AC3E}">
         <p14:creationId xmlns:p14="http://schemas.microsoft.com/office/powerpoint/2010/main" val="3842225637"/>
-      </p:ext>
-    </p:extLst>
-  </p:cSld>
-  <p:clrMapOvr>
-    <a:masterClrMapping/>
-  </p:clrMapOvr>
-</p:sld>
-</file>
-
-<file path=ppt/slides/slide33.xml><?xml version="1.0" encoding="utf-8"?>
-<p:sld xmlns:a="http://schemas.openxmlformats.org/drawingml/2006/main" xmlns:r="http://schemas.openxmlformats.org/officeDocument/2006/relationships" xmlns:p="http://schemas.openxmlformats.org/presentationml/2006/main">
-  <p:cSld>
-    <p:spTree>
-      <p:nvGrpSpPr>
-        <p:cNvPr id="1" name=""/>
-        <p:cNvGrpSpPr/>
-        <p:nvPr/>
-      </p:nvGrpSpPr>
-      <p:grpSpPr>
-        <a:xfrm>
-          <a:off x="0" y="0"/>
-          <a:ext cx="0" cy="0"/>
-          <a:chOff x="0" y="0"/>
-          <a:chExt cx="0" cy="0"/>
-        </a:xfrm>
-      </p:grpSpPr>
-      <p:sp>
-        <p:nvSpPr>
-          <p:cNvPr id="2" name="标题 1"/>
-          <p:cNvSpPr>
-            <a:spLocks noGrp="1"/>
-          </p:cNvSpPr>
-          <p:nvPr>
-            <p:ph type="ctrTitle"/>
-          </p:nvPr>
-        </p:nvSpPr>
-        <p:spPr/>
-        <p:txBody>
-          <a:bodyPr/>
-          <a:lstStyle/>
-          <a:p>
-            <a:r>
-              <a:rPr lang="zh-CN" altLang="en-US" dirty="0"/>
-              <a:t>机器学习的几个关键点</a:t>
-            </a:r>
-          </a:p>
-        </p:txBody>
-      </p:sp>
-    </p:spTree>
-    <p:extLst>
-      <p:ext uri="{BB962C8B-B14F-4D97-AF65-F5344CB8AC3E}">
-        <p14:creationId xmlns:p14="http://schemas.microsoft.com/office/powerpoint/2010/main" val="1903843485"/>
-      </p:ext>
-    </p:extLst>
-  </p:cSld>
-  <p:clrMapOvr>
-    <a:masterClrMapping/>
-  </p:clrMapOvr>
-</p:sld>
-</file>
-
-<file path=ppt/slides/slide34.xml><?xml version="1.0" encoding="utf-8"?>
-<p:sld xmlns:a="http://schemas.openxmlformats.org/drawingml/2006/main" xmlns:r="http://schemas.openxmlformats.org/officeDocument/2006/relationships" xmlns:p="http://schemas.openxmlformats.org/presentationml/2006/main">
-  <p:cSld>
-    <p:spTree>
-      <p:nvGrpSpPr>
-        <p:cNvPr id="1" name=""/>
-        <p:cNvGrpSpPr/>
-        <p:nvPr/>
-      </p:nvGrpSpPr>
-      <p:grpSpPr>
-        <a:xfrm>
-          <a:off x="0" y="0"/>
-          <a:ext cx="0" cy="0"/>
-          <a:chOff x="0" y="0"/>
-          <a:chExt cx="0" cy="0"/>
-        </a:xfrm>
-      </p:grpSpPr>
-      <p:sp>
-        <p:nvSpPr>
-          <p:cNvPr id="2" name="标题 1"/>
-          <p:cNvSpPr>
-            <a:spLocks noGrp="1"/>
-          </p:cNvSpPr>
-          <p:nvPr>
-            <p:ph type="title"/>
-          </p:nvPr>
-        </p:nvSpPr>
-        <p:spPr/>
-        <p:txBody>
-          <a:bodyPr/>
-          <a:lstStyle/>
-          <a:p>
-            <a:r>
-              <a:rPr lang="zh-CN" altLang="en-US" dirty="0"/>
-              <a:t>常见的机器学习类型</a:t>
-            </a:r>
-          </a:p>
-        </p:txBody>
-      </p:sp>
-      <p:pic>
-        <p:nvPicPr>
-          <p:cNvPr id="5" name="图片 4" descr="屏幕剪辑"/>
-          <p:cNvPicPr>
-            <a:picLocks noChangeAspect="1"/>
-          </p:cNvPicPr>
-          <p:nvPr/>
-        </p:nvPicPr>
-        <p:blipFill>
-          <a:blip r:embed="rId2">
-            <a:extLst>
-              <a:ext uri="{28A0092B-C50C-407E-A947-70E740481C1C}">
-                <a14:useLocalDpi xmlns:a14="http://schemas.microsoft.com/office/drawing/2010/main"/>
-              </a:ext>
-            </a:extLst>
-          </a:blip>
-          <a:stretch>
-            <a:fillRect/>
-          </a:stretch>
-        </p:blipFill>
-        <p:spPr>
-          <a:xfrm>
-            <a:off x="454737" y="1905000"/>
-            <a:ext cx="8232063" cy="3733800"/>
-          </a:xfrm>
-          <a:prstGeom prst="rect">
-            <a:avLst/>
-          </a:prstGeom>
-        </p:spPr>
-      </p:pic>
-    </p:spTree>
-    <p:extLst>
-      <p:ext uri="{BB962C8B-B14F-4D97-AF65-F5344CB8AC3E}">
-        <p14:creationId xmlns:p14="http://schemas.microsoft.com/office/powerpoint/2010/main" val="3224615076"/>
       </p:ext>
     </p:extLst>
   </p:cSld>
@@ -14880,7 +14944,7 @@
             <a:spLocks noGrp="1"/>
           </p:cNvSpPr>
           <p:nvPr>
-            <p:ph type="title"/>
+            <p:ph type="ctrTitle"/>
           </p:nvPr>
         </p:nvSpPr>
         <p:spPr/>
@@ -14890,299 +14954,15 @@
           <a:p>
             <a:r>
               <a:rPr lang="zh-CN" altLang="en-US" dirty="0"/>
-              <a:t>如何选择一个合适的模型？</a:t>
+              <a:t>机器学习的几个关键点</a:t>
             </a:r>
           </a:p>
         </p:txBody>
       </p:sp>
-      <p:sp>
-        <p:nvSpPr>
-          <p:cNvPr id="3" name="内容占位符 2"/>
-          <p:cNvSpPr>
-            <a:spLocks noGrp="1"/>
-          </p:cNvSpPr>
-          <p:nvPr>
-            <p:ph sz="quarter" idx="1"/>
-          </p:nvPr>
-        </p:nvSpPr>
-        <p:spPr/>
-        <p:txBody>
-          <a:bodyPr/>
-          <a:lstStyle/>
-          <a:p>
-            <a:r>
-              <a:rPr lang="zh-CN" altLang="en-US" dirty="0"/>
-              <a:t>模型选择</a:t>
-            </a:r>
-            <a:endParaRPr lang="en-US" altLang="zh-CN" dirty="0"/>
-          </a:p>
-          <a:p>
-            <a:pPr lvl="1"/>
-            <a:r>
-              <a:rPr lang="zh-CN" altLang="en-US" dirty="0"/>
-              <a:t>拟合能力强的模型一般复杂度会比较高，容易过拟合。</a:t>
-            </a:r>
-            <a:endParaRPr lang="en-US" altLang="zh-CN" dirty="0"/>
-          </a:p>
-          <a:p>
-            <a:pPr lvl="1"/>
-            <a:r>
-              <a:rPr lang="zh-CN" altLang="en-US" dirty="0"/>
-              <a:t>如果限制模型复杂度，降低拟合能力，可能会欠拟合。</a:t>
-            </a:r>
-            <a:endParaRPr lang="en-US" altLang="zh-CN" dirty="0"/>
-          </a:p>
-          <a:p>
-            <a:r>
-              <a:rPr lang="zh-CN" altLang="en-US" dirty="0"/>
-              <a:t>偏差与方差分解</a:t>
-            </a:r>
-            <a:endParaRPr lang="en-US" altLang="zh-CN" dirty="0"/>
-          </a:p>
-          <a:p>
-            <a:pPr lvl="1"/>
-            <a:r>
-              <a:rPr lang="zh-CN" altLang="en-US" dirty="0"/>
-              <a:t>期望错误可以分解为</a:t>
-            </a:r>
-          </a:p>
-        </p:txBody>
-      </p:sp>
-      <p:pic>
-        <p:nvPicPr>
-          <p:cNvPr id="4" name="图片 3" descr="屏幕剪辑"/>
-          <p:cNvPicPr>
-            <a:picLocks noChangeAspect="1"/>
-          </p:cNvPicPr>
-          <p:nvPr/>
-        </p:nvPicPr>
-        <p:blipFill>
-          <a:blip r:embed="rId2">
-            <a:extLst>
-              <a:ext uri="{28A0092B-C50C-407E-A947-70E740481C1C}">
-                <a14:useLocalDpi xmlns:a14="http://schemas.microsoft.com/office/drawing/2010/main" val="0"/>
-              </a:ext>
-            </a:extLst>
-          </a:blip>
-          <a:stretch>
-            <a:fillRect/>
-          </a:stretch>
-        </p:blipFill>
-        <p:spPr>
-          <a:xfrm>
-            <a:off x="2072678" y="3409676"/>
-            <a:ext cx="4422538" cy="715743"/>
-          </a:xfrm>
-          <a:prstGeom prst="rect">
-            <a:avLst/>
-          </a:prstGeom>
-        </p:spPr>
-      </p:pic>
-      <p:pic>
-        <p:nvPicPr>
-          <p:cNvPr id="7" name="图片 6" descr="屏幕剪辑"/>
-          <p:cNvPicPr>
-            <a:picLocks noChangeAspect="1"/>
-          </p:cNvPicPr>
-          <p:nvPr/>
-        </p:nvPicPr>
-        <p:blipFill>
-          <a:blip r:embed="rId3">
-            <a:extLst>
-              <a:ext uri="{28A0092B-C50C-407E-A947-70E740481C1C}">
-                <a14:useLocalDpi xmlns:a14="http://schemas.microsoft.com/office/drawing/2010/main" val="0"/>
-              </a:ext>
-            </a:extLst>
-          </a:blip>
-          <a:stretch>
-            <a:fillRect/>
-          </a:stretch>
-        </p:blipFill>
-        <p:spPr>
-          <a:xfrm>
-            <a:off x="5700960" y="4572000"/>
-            <a:ext cx="2985840" cy="474760"/>
-          </a:xfrm>
-          <a:prstGeom prst="rect">
-            <a:avLst/>
-          </a:prstGeom>
-        </p:spPr>
-      </p:pic>
-      <p:pic>
-        <p:nvPicPr>
-          <p:cNvPr id="8" name="图片 7" descr="屏幕剪辑"/>
-          <p:cNvPicPr>
-            <a:picLocks noChangeAspect="1"/>
-          </p:cNvPicPr>
-          <p:nvPr/>
-        </p:nvPicPr>
-        <p:blipFill>
-          <a:blip r:embed="rId4">
-            <a:extLst>
-              <a:ext uri="{28A0092B-C50C-407E-A947-70E740481C1C}">
-                <a14:useLocalDpi xmlns:a14="http://schemas.microsoft.com/office/drawing/2010/main" val="0"/>
-              </a:ext>
-            </a:extLst>
-          </a:blip>
-          <a:stretch>
-            <a:fillRect/>
-          </a:stretch>
-        </p:blipFill>
-        <p:spPr>
-          <a:xfrm>
-            <a:off x="337076" y="4684772"/>
-            <a:ext cx="2942473" cy="720264"/>
-          </a:xfrm>
-          <a:prstGeom prst="rect">
-            <a:avLst/>
-          </a:prstGeom>
-        </p:spPr>
-      </p:pic>
-      <p:pic>
-        <p:nvPicPr>
-          <p:cNvPr id="9" name="图片 8" descr="屏幕剪辑"/>
-          <p:cNvPicPr>
-            <a:picLocks noChangeAspect="1"/>
-          </p:cNvPicPr>
-          <p:nvPr/>
-        </p:nvPicPr>
-        <p:blipFill>
-          <a:blip r:embed="rId5">
-            <a:extLst>
-              <a:ext uri="{28A0092B-C50C-407E-A947-70E740481C1C}">
-                <a14:useLocalDpi xmlns:a14="http://schemas.microsoft.com/office/drawing/2010/main" val="0"/>
-              </a:ext>
-            </a:extLst>
-          </a:blip>
-          <a:stretch>
-            <a:fillRect/>
-          </a:stretch>
-        </p:blipFill>
-        <p:spPr>
-          <a:xfrm>
-            <a:off x="3210987" y="5474292"/>
-            <a:ext cx="3264694" cy="643446"/>
-          </a:xfrm>
-          <a:prstGeom prst="rect">
-            <a:avLst/>
-          </a:prstGeom>
-        </p:spPr>
-      </p:pic>
-      <p:cxnSp>
-        <p:nvCxnSpPr>
-          <p:cNvPr id="11" name="直接连接符 10"/>
-          <p:cNvCxnSpPr>
-            <a:endCxn id="7" idx="0"/>
-          </p:cNvCxnSpPr>
-          <p:nvPr/>
-        </p:nvCxnSpPr>
-        <p:spPr>
-          <a:xfrm>
-            <a:off x="6324600" y="4045951"/>
-            <a:ext cx="869280" cy="526049"/>
-          </a:xfrm>
-          <a:prstGeom prst="line">
-            <a:avLst/>
-          </a:prstGeom>
-          <a:ln w="28575">
-            <a:solidFill>
-              <a:srgbClr val="FF0000"/>
-            </a:solidFill>
-          </a:ln>
-        </p:spPr>
-        <p:style>
-          <a:lnRef idx="1">
-            <a:schemeClr val="accent1"/>
-          </a:lnRef>
-          <a:fillRef idx="0">
-            <a:schemeClr val="accent1"/>
-          </a:fillRef>
-          <a:effectRef idx="0">
-            <a:schemeClr val="accent1"/>
-          </a:effectRef>
-          <a:fontRef idx="minor">
-            <a:schemeClr val="tx1"/>
-          </a:fontRef>
-        </p:style>
-      </p:cxnSp>
-      <p:cxnSp>
-        <p:nvCxnSpPr>
-          <p:cNvPr id="12" name="直接连接符 11"/>
-          <p:cNvCxnSpPr>
-            <a:endCxn id="8" idx="0"/>
-          </p:cNvCxnSpPr>
-          <p:nvPr/>
-        </p:nvCxnSpPr>
-        <p:spPr>
-          <a:xfrm flipH="1">
-            <a:off x="1808313" y="4125419"/>
-            <a:ext cx="1812876" cy="559353"/>
-          </a:xfrm>
-          <a:prstGeom prst="line">
-            <a:avLst/>
-          </a:prstGeom>
-          <a:ln w="28575">
-            <a:solidFill>
-              <a:srgbClr val="FF0000"/>
-            </a:solidFill>
-          </a:ln>
-        </p:spPr>
-        <p:style>
-          <a:lnRef idx="1">
-            <a:schemeClr val="accent1"/>
-          </a:lnRef>
-          <a:fillRef idx="0">
-            <a:schemeClr val="accent1"/>
-          </a:fillRef>
-          <a:effectRef idx="0">
-            <a:schemeClr val="accent1"/>
-          </a:effectRef>
-          <a:fontRef idx="minor">
-            <a:schemeClr val="tx1"/>
-          </a:fontRef>
-        </p:style>
-      </p:cxnSp>
-      <p:cxnSp>
-        <p:nvCxnSpPr>
-          <p:cNvPr id="15" name="直接连接符 14"/>
-          <p:cNvCxnSpPr>
-            <a:endCxn id="9" idx="0"/>
-          </p:cNvCxnSpPr>
-          <p:nvPr/>
-        </p:nvCxnSpPr>
-        <p:spPr>
-          <a:xfrm flipH="1">
-            <a:off x="4843334" y="4045951"/>
-            <a:ext cx="371099" cy="1428341"/>
-          </a:xfrm>
-          <a:prstGeom prst="line">
-            <a:avLst/>
-          </a:prstGeom>
-          <a:ln w="28575">
-            <a:solidFill>
-              <a:srgbClr val="FF0000"/>
-            </a:solidFill>
-          </a:ln>
-        </p:spPr>
-        <p:style>
-          <a:lnRef idx="1">
-            <a:schemeClr val="accent1"/>
-          </a:lnRef>
-          <a:fillRef idx="0">
-            <a:schemeClr val="accent1"/>
-          </a:fillRef>
-          <a:effectRef idx="0">
-            <a:schemeClr val="accent1"/>
-          </a:effectRef>
-          <a:fontRef idx="minor">
-            <a:schemeClr val="tx1"/>
-          </a:fontRef>
-        </p:style>
-      </p:cxnSp>
     </p:spTree>
     <p:extLst>
       <p:ext uri="{BB962C8B-B14F-4D97-AF65-F5344CB8AC3E}">
-        <p14:creationId xmlns:p14="http://schemas.microsoft.com/office/powerpoint/2010/main" val="3189492323"/>
+        <p14:creationId xmlns:p14="http://schemas.microsoft.com/office/powerpoint/2010/main" val="1903843485"/>
       </p:ext>
     </p:extLst>
   </p:cSld>
@@ -15226,6 +15006,424 @@
           <a:p>
             <a:r>
               <a:rPr lang="zh-CN" altLang="en-US" dirty="0"/>
+              <a:t>常见的机器学习类型</a:t>
+            </a:r>
+          </a:p>
+        </p:txBody>
+      </p:sp>
+      <p:pic>
+        <p:nvPicPr>
+          <p:cNvPr id="5" name="图片 4" descr="屏幕剪辑"/>
+          <p:cNvPicPr>
+            <a:picLocks noChangeAspect="1"/>
+          </p:cNvPicPr>
+          <p:nvPr/>
+        </p:nvPicPr>
+        <p:blipFill>
+          <a:blip r:embed="rId2">
+            <a:extLst>
+              <a:ext uri="{28A0092B-C50C-407E-A947-70E740481C1C}">
+                <a14:useLocalDpi xmlns:a14="http://schemas.microsoft.com/office/drawing/2010/main"/>
+              </a:ext>
+            </a:extLst>
+          </a:blip>
+          <a:stretch>
+            <a:fillRect/>
+          </a:stretch>
+        </p:blipFill>
+        <p:spPr>
+          <a:xfrm>
+            <a:off x="1978738" y="1905000"/>
+            <a:ext cx="8232063" cy="3733800"/>
+          </a:xfrm>
+          <a:prstGeom prst="rect">
+            <a:avLst/>
+          </a:prstGeom>
+        </p:spPr>
+      </p:pic>
+    </p:spTree>
+    <p:extLst>
+      <p:ext uri="{BB962C8B-B14F-4D97-AF65-F5344CB8AC3E}">
+        <p14:creationId xmlns:p14="http://schemas.microsoft.com/office/powerpoint/2010/main" val="3224615076"/>
+      </p:ext>
+    </p:extLst>
+  </p:cSld>
+  <p:clrMapOvr>
+    <a:masterClrMapping/>
+  </p:clrMapOvr>
+</p:sld>
+</file>
+
+<file path=ppt/slides/slide37.xml><?xml version="1.0" encoding="utf-8"?>
+<p:sld xmlns:a="http://schemas.openxmlformats.org/drawingml/2006/main" xmlns:r="http://schemas.openxmlformats.org/officeDocument/2006/relationships" xmlns:p="http://schemas.openxmlformats.org/presentationml/2006/main">
+  <p:cSld>
+    <p:spTree>
+      <p:nvGrpSpPr>
+        <p:cNvPr id="1" name=""/>
+        <p:cNvGrpSpPr/>
+        <p:nvPr/>
+      </p:nvGrpSpPr>
+      <p:grpSpPr>
+        <a:xfrm>
+          <a:off x="0" y="0"/>
+          <a:ext cx="0" cy="0"/>
+          <a:chOff x="0" y="0"/>
+          <a:chExt cx="0" cy="0"/>
+        </a:xfrm>
+      </p:grpSpPr>
+      <p:sp>
+        <p:nvSpPr>
+          <p:cNvPr id="2" name="标题 1"/>
+          <p:cNvSpPr>
+            <a:spLocks noGrp="1"/>
+          </p:cNvSpPr>
+          <p:nvPr>
+            <p:ph type="title"/>
+          </p:nvPr>
+        </p:nvSpPr>
+        <p:spPr/>
+        <p:txBody>
+          <a:bodyPr/>
+          <a:lstStyle/>
+          <a:p>
+            <a:r>
+              <a:rPr lang="zh-CN" altLang="en-US" dirty="0"/>
+              <a:t>如何选择一个合适的模型？</a:t>
+            </a:r>
+          </a:p>
+        </p:txBody>
+      </p:sp>
+      <p:sp>
+        <p:nvSpPr>
+          <p:cNvPr id="3" name="内容占位符 2"/>
+          <p:cNvSpPr>
+            <a:spLocks noGrp="1"/>
+          </p:cNvSpPr>
+          <p:nvPr>
+            <p:ph sz="quarter" idx="1"/>
+          </p:nvPr>
+        </p:nvSpPr>
+        <p:spPr/>
+        <p:txBody>
+          <a:bodyPr/>
+          <a:lstStyle/>
+          <a:p>
+            <a:r>
+              <a:rPr lang="zh-CN" altLang="en-US" dirty="0"/>
+              <a:t>模型选择</a:t>
+            </a:r>
+            <a:endParaRPr lang="en-US" altLang="zh-CN" dirty="0"/>
+          </a:p>
+          <a:p>
+            <a:pPr lvl="1"/>
+            <a:r>
+              <a:rPr lang="zh-CN" altLang="en-US" dirty="0"/>
+              <a:t>拟合能力强的模型一般复杂度会比较高，容易过拟合。</a:t>
+            </a:r>
+            <a:endParaRPr lang="en-US" altLang="zh-CN" dirty="0"/>
+          </a:p>
+          <a:p>
+            <a:pPr lvl="1"/>
+            <a:r>
+              <a:rPr lang="zh-CN" altLang="en-US" dirty="0"/>
+              <a:t>如果限制模型复杂度，降低拟合能力，可能会欠拟合。</a:t>
+            </a:r>
+            <a:endParaRPr lang="en-US" altLang="zh-CN" dirty="0"/>
+          </a:p>
+          <a:p>
+            <a:r>
+              <a:rPr lang="zh-CN" altLang="en-US" dirty="0"/>
+              <a:t>偏差与方差分解</a:t>
+            </a:r>
+            <a:endParaRPr lang="en-US" altLang="zh-CN" dirty="0"/>
+          </a:p>
+          <a:p>
+            <a:pPr lvl="1"/>
+            <a:r>
+              <a:rPr lang="zh-CN" altLang="en-US" dirty="0"/>
+              <a:t>期望错误可以分解为</a:t>
+            </a:r>
+          </a:p>
+        </p:txBody>
+      </p:sp>
+      <p:pic>
+        <p:nvPicPr>
+          <p:cNvPr id="4" name="图片 3" descr="屏幕剪辑"/>
+          <p:cNvPicPr>
+            <a:picLocks noChangeAspect="1"/>
+          </p:cNvPicPr>
+          <p:nvPr/>
+        </p:nvPicPr>
+        <p:blipFill>
+          <a:blip r:embed="rId2">
+            <a:extLst>
+              <a:ext uri="{28A0092B-C50C-407E-A947-70E740481C1C}">
+                <a14:useLocalDpi xmlns:a14="http://schemas.microsoft.com/office/drawing/2010/main" val="0"/>
+              </a:ext>
+            </a:extLst>
+          </a:blip>
+          <a:stretch>
+            <a:fillRect/>
+          </a:stretch>
+        </p:blipFill>
+        <p:spPr>
+          <a:xfrm>
+            <a:off x="3596678" y="3409677"/>
+            <a:ext cx="4422538" cy="715743"/>
+          </a:xfrm>
+          <a:prstGeom prst="rect">
+            <a:avLst/>
+          </a:prstGeom>
+        </p:spPr>
+      </p:pic>
+      <p:pic>
+        <p:nvPicPr>
+          <p:cNvPr id="7" name="图片 6" descr="屏幕剪辑"/>
+          <p:cNvPicPr>
+            <a:picLocks noChangeAspect="1"/>
+          </p:cNvPicPr>
+          <p:nvPr/>
+        </p:nvPicPr>
+        <p:blipFill>
+          <a:blip r:embed="rId3">
+            <a:extLst>
+              <a:ext uri="{28A0092B-C50C-407E-A947-70E740481C1C}">
+                <a14:useLocalDpi xmlns:a14="http://schemas.microsoft.com/office/drawing/2010/main" val="0"/>
+              </a:ext>
+            </a:extLst>
+          </a:blip>
+          <a:stretch>
+            <a:fillRect/>
+          </a:stretch>
+        </p:blipFill>
+        <p:spPr>
+          <a:xfrm>
+            <a:off x="7224960" y="4572000"/>
+            <a:ext cx="2985840" cy="474760"/>
+          </a:xfrm>
+          <a:prstGeom prst="rect">
+            <a:avLst/>
+          </a:prstGeom>
+        </p:spPr>
+      </p:pic>
+      <p:pic>
+        <p:nvPicPr>
+          <p:cNvPr id="8" name="图片 7" descr="屏幕剪辑"/>
+          <p:cNvPicPr>
+            <a:picLocks noChangeAspect="1"/>
+          </p:cNvPicPr>
+          <p:nvPr/>
+        </p:nvPicPr>
+        <p:blipFill>
+          <a:blip r:embed="rId4">
+            <a:extLst>
+              <a:ext uri="{28A0092B-C50C-407E-A947-70E740481C1C}">
+                <a14:useLocalDpi xmlns:a14="http://schemas.microsoft.com/office/drawing/2010/main" val="0"/>
+              </a:ext>
+            </a:extLst>
+          </a:blip>
+          <a:stretch>
+            <a:fillRect/>
+          </a:stretch>
+        </p:blipFill>
+        <p:spPr>
+          <a:xfrm>
+            <a:off x="1861077" y="4684772"/>
+            <a:ext cx="2942473" cy="720264"/>
+          </a:xfrm>
+          <a:prstGeom prst="rect">
+            <a:avLst/>
+          </a:prstGeom>
+        </p:spPr>
+      </p:pic>
+      <p:pic>
+        <p:nvPicPr>
+          <p:cNvPr id="9" name="图片 8" descr="屏幕剪辑"/>
+          <p:cNvPicPr>
+            <a:picLocks noChangeAspect="1"/>
+          </p:cNvPicPr>
+          <p:nvPr/>
+        </p:nvPicPr>
+        <p:blipFill>
+          <a:blip r:embed="rId5">
+            <a:extLst>
+              <a:ext uri="{28A0092B-C50C-407E-A947-70E740481C1C}">
+                <a14:useLocalDpi xmlns:a14="http://schemas.microsoft.com/office/drawing/2010/main" val="0"/>
+              </a:ext>
+            </a:extLst>
+          </a:blip>
+          <a:stretch>
+            <a:fillRect/>
+          </a:stretch>
+        </p:blipFill>
+        <p:spPr>
+          <a:xfrm>
+            <a:off x="4734987" y="5474292"/>
+            <a:ext cx="3264694" cy="643446"/>
+          </a:xfrm>
+          <a:prstGeom prst="rect">
+            <a:avLst/>
+          </a:prstGeom>
+        </p:spPr>
+      </p:pic>
+      <p:cxnSp>
+        <p:nvCxnSpPr>
+          <p:cNvPr id="11" name="直接连接符 10"/>
+          <p:cNvCxnSpPr>
+            <a:endCxn id="7" idx="0"/>
+          </p:cNvCxnSpPr>
+          <p:nvPr/>
+        </p:nvCxnSpPr>
+        <p:spPr>
+          <a:xfrm>
+            <a:off x="7848600" y="4045952"/>
+            <a:ext cx="869280" cy="526049"/>
+          </a:xfrm>
+          <a:prstGeom prst="line">
+            <a:avLst/>
+          </a:prstGeom>
+          <a:ln w="28575">
+            <a:solidFill>
+              <a:srgbClr val="FF0000"/>
+            </a:solidFill>
+          </a:ln>
+        </p:spPr>
+        <p:style>
+          <a:lnRef idx="1">
+            <a:schemeClr val="accent1"/>
+          </a:lnRef>
+          <a:fillRef idx="0">
+            <a:schemeClr val="accent1"/>
+          </a:fillRef>
+          <a:effectRef idx="0">
+            <a:schemeClr val="accent1"/>
+          </a:effectRef>
+          <a:fontRef idx="minor">
+            <a:schemeClr val="tx1"/>
+          </a:fontRef>
+        </p:style>
+      </p:cxnSp>
+      <p:cxnSp>
+        <p:nvCxnSpPr>
+          <p:cNvPr id="12" name="直接连接符 11"/>
+          <p:cNvCxnSpPr>
+            <a:endCxn id="8" idx="0"/>
+          </p:cNvCxnSpPr>
+          <p:nvPr/>
+        </p:nvCxnSpPr>
+        <p:spPr>
+          <a:xfrm flipH="1">
+            <a:off x="3332313" y="4125420"/>
+            <a:ext cx="1812876" cy="559353"/>
+          </a:xfrm>
+          <a:prstGeom prst="line">
+            <a:avLst/>
+          </a:prstGeom>
+          <a:ln w="28575">
+            <a:solidFill>
+              <a:srgbClr val="FF0000"/>
+            </a:solidFill>
+          </a:ln>
+        </p:spPr>
+        <p:style>
+          <a:lnRef idx="1">
+            <a:schemeClr val="accent1"/>
+          </a:lnRef>
+          <a:fillRef idx="0">
+            <a:schemeClr val="accent1"/>
+          </a:fillRef>
+          <a:effectRef idx="0">
+            <a:schemeClr val="accent1"/>
+          </a:effectRef>
+          <a:fontRef idx="minor">
+            <a:schemeClr val="tx1"/>
+          </a:fontRef>
+        </p:style>
+      </p:cxnSp>
+      <p:cxnSp>
+        <p:nvCxnSpPr>
+          <p:cNvPr id="15" name="直接连接符 14"/>
+          <p:cNvCxnSpPr>
+            <a:endCxn id="9" idx="0"/>
+          </p:cNvCxnSpPr>
+          <p:nvPr/>
+        </p:nvCxnSpPr>
+        <p:spPr>
+          <a:xfrm flipH="1">
+            <a:off x="6367335" y="4045952"/>
+            <a:ext cx="371099" cy="1428341"/>
+          </a:xfrm>
+          <a:prstGeom prst="line">
+            <a:avLst/>
+          </a:prstGeom>
+          <a:ln w="28575">
+            <a:solidFill>
+              <a:srgbClr val="FF0000"/>
+            </a:solidFill>
+          </a:ln>
+        </p:spPr>
+        <p:style>
+          <a:lnRef idx="1">
+            <a:schemeClr val="accent1"/>
+          </a:lnRef>
+          <a:fillRef idx="0">
+            <a:schemeClr val="accent1"/>
+          </a:fillRef>
+          <a:effectRef idx="0">
+            <a:schemeClr val="accent1"/>
+          </a:effectRef>
+          <a:fontRef idx="minor">
+            <a:schemeClr val="tx1"/>
+          </a:fontRef>
+        </p:style>
+      </p:cxnSp>
+    </p:spTree>
+    <p:extLst>
+      <p:ext uri="{BB962C8B-B14F-4D97-AF65-F5344CB8AC3E}">
+        <p14:creationId xmlns:p14="http://schemas.microsoft.com/office/powerpoint/2010/main" val="3189492323"/>
+      </p:ext>
+    </p:extLst>
+  </p:cSld>
+  <p:clrMapOvr>
+    <a:masterClrMapping/>
+  </p:clrMapOvr>
+</p:sld>
+</file>
+
+<file path=ppt/slides/slide38.xml><?xml version="1.0" encoding="utf-8"?>
+<p:sld xmlns:a="http://schemas.openxmlformats.org/drawingml/2006/main" xmlns:r="http://schemas.openxmlformats.org/officeDocument/2006/relationships" xmlns:p="http://schemas.openxmlformats.org/presentationml/2006/main">
+  <p:cSld>
+    <p:spTree>
+      <p:nvGrpSpPr>
+        <p:cNvPr id="1" name=""/>
+        <p:cNvGrpSpPr/>
+        <p:nvPr/>
+      </p:nvGrpSpPr>
+      <p:grpSpPr>
+        <a:xfrm>
+          <a:off x="0" y="0"/>
+          <a:ext cx="0" cy="0"/>
+          <a:chOff x="0" y="0"/>
+          <a:chExt cx="0" cy="0"/>
+        </a:xfrm>
+      </p:grpSpPr>
+      <p:sp>
+        <p:nvSpPr>
+          <p:cNvPr id="2" name="标题 1"/>
+          <p:cNvSpPr>
+            <a:spLocks noGrp="1"/>
+          </p:cNvSpPr>
+          <p:nvPr>
+            <p:ph type="title"/>
+          </p:nvPr>
+        </p:nvSpPr>
+        <p:spPr/>
+        <p:txBody>
+          <a:bodyPr/>
+          <a:lstStyle/>
+          <a:p>
+            <a:r>
+              <a:rPr lang="zh-CN" altLang="en-US" dirty="0"/>
               <a:t>模型选择：偏差与方差</a:t>
             </a:r>
           </a:p>
@@ -15253,7 +15451,7 @@
         </p:blipFill>
         <p:spPr>
           <a:xfrm>
-            <a:off x="11710" y="1600200"/>
+            <a:off x="1535710" y="1600200"/>
             <a:ext cx="4560290" cy="4114800"/>
           </a:xfrm>
           <a:prstGeom prst="rect">
@@ -15269,8 +15467,8 @@
         </p:nvSpPr>
         <p:spPr>
           <a:xfrm>
-            <a:off x="164109" y="1676399"/>
-            <a:ext cx="2362200" cy="2057399"/>
+            <a:off x="1688109" y="2474267"/>
+            <a:ext cx="2362200" cy="461665"/>
           </a:xfrm>
           <a:prstGeom prst="rect">
             <a:avLst/>
@@ -15314,7 +15512,7 @@
         </p:blipFill>
         <p:spPr>
           <a:xfrm>
-            <a:off x="4561114" y="2332700"/>
+            <a:off x="6085114" y="2332701"/>
             <a:ext cx="4384138" cy="2802195"/>
           </a:xfrm>
           <a:prstGeom prst="rect">
@@ -15474,7 +15672,7 @@
 </p:sld>
 </file>
 
-<file path=ppt/slides/slide37.xml><?xml version="1.0" encoding="utf-8"?>
+<file path=ppt/slides/slide39.xml><?xml version="1.0" encoding="utf-8"?>
 <p:sld xmlns:a="http://schemas.openxmlformats.org/drawingml/2006/main" xmlns:r="http://schemas.openxmlformats.org/officeDocument/2006/relationships" xmlns:p="http://schemas.openxmlformats.org/presentationml/2006/main">
   <p:cSld>
     <p:spTree>
@@ -15525,7 +15723,7 @@
         </p:nvSpPr>
         <p:spPr>
           <a:xfrm>
-            <a:off x="438150" y="1219200"/>
+            <a:off x="1962150" y="1219200"/>
             <a:ext cx="8229600" cy="4937760"/>
           </a:xfrm>
         </p:spPr>
@@ -15594,7 +15792,7 @@
         </p:blipFill>
         <p:spPr>
           <a:xfrm>
-            <a:off x="2438400" y="1676400"/>
+            <a:off x="3962401" y="1676400"/>
             <a:ext cx="2770487" cy="827336"/>
           </a:xfrm>
           <a:prstGeom prst="rect">
@@ -15624,7 +15822,7 @@
         </p:blipFill>
         <p:spPr>
           <a:xfrm>
-            <a:off x="2209800" y="4800600"/>
+            <a:off x="3733800" y="4800600"/>
             <a:ext cx="3929862" cy="758642"/>
           </a:xfrm>
           <a:prstGeom prst="rect">
@@ -15645,7 +15843,7 @@
 </p:sld>
 </file>
 
-<file path=ppt/slides/slide38.xml><?xml version="1.0" encoding="utf-8"?>
+<file path=ppt/slides/slide4.xml><?xml version="1.0" encoding="utf-8"?>
 <p:sld xmlns:a="http://schemas.openxmlformats.org/drawingml/2006/main" xmlns:r="http://schemas.openxmlformats.org/officeDocument/2006/relationships" xmlns:p="http://schemas.openxmlformats.org/presentationml/2006/main">
   <p:cSld>
     <p:spTree>
@@ -15678,6 +15876,171 @@
           <a:lstStyle/>
           <a:p>
             <a:r>
+              <a:rPr lang="zh-CN" altLang="en-US"/>
+              <a:t>为什么要“机器学习”？</a:t>
+            </a:r>
+            <a:endParaRPr lang="zh-CN" altLang="en-US" dirty="0"/>
+          </a:p>
+        </p:txBody>
+      </p:sp>
+      <p:sp>
+        <p:nvSpPr>
+          <p:cNvPr id="7" name="内容占位符 6">
+            <a:extLst>
+              <a:ext uri="{FF2B5EF4-FFF2-40B4-BE49-F238E27FC236}">
+                <a16:creationId xmlns:a16="http://schemas.microsoft.com/office/drawing/2014/main" id="{BF8B0512-B0CF-4489-A60A-6CFA645B4EF1}"/>
+              </a:ext>
+            </a:extLst>
+          </p:cNvPr>
+          <p:cNvSpPr>
+            <a:spLocks noGrp="1"/>
+          </p:cNvSpPr>
+          <p:nvPr>
+            <p:ph sz="quarter" idx="1"/>
+          </p:nvPr>
+        </p:nvSpPr>
+        <p:spPr/>
+        <p:txBody>
+          <a:bodyPr/>
+          <a:lstStyle/>
+          <a:p>
+            <a:r>
+              <a:rPr lang="zh-CN" altLang="en-US" dirty="0"/>
+              <a:t>现实世界的问题都比较复杂</a:t>
+            </a:r>
+            <a:endParaRPr lang="en-US" altLang="zh-CN" dirty="0"/>
+          </a:p>
+          <a:p>
+            <a:pPr lvl="1"/>
+            <a:r>
+              <a:rPr lang="zh-CN" altLang="en-US" dirty="0"/>
+              <a:t>很难通过规则来手工实现</a:t>
+            </a:r>
+            <a:endParaRPr lang="en-US" altLang="zh-CN" dirty="0"/>
+          </a:p>
+          <a:p>
+            <a:pPr lvl="1"/>
+            <a:endParaRPr lang="en-US" altLang="zh-CN" dirty="0"/>
+          </a:p>
+        </p:txBody>
+      </p:sp>
+      <p:pic>
+        <p:nvPicPr>
+          <p:cNvPr id="3" name="图片 2" descr="屏幕剪辑"/>
+          <p:cNvPicPr>
+            <a:picLocks noChangeAspect="1"/>
+          </p:cNvPicPr>
+          <p:nvPr/>
+        </p:nvPicPr>
+        <p:blipFill>
+          <a:blip r:embed="rId2">
+            <a:extLst>
+              <a:ext uri="{28A0092B-C50C-407E-A947-70E740481C1C}">
+                <a14:useLocalDpi xmlns:a14="http://schemas.microsoft.com/office/drawing/2010/main"/>
+              </a:ext>
+            </a:extLst>
+          </a:blip>
+          <a:stretch>
+            <a:fillRect/>
+          </a:stretch>
+        </p:blipFill>
+        <p:spPr>
+          <a:xfrm>
+            <a:off x="7290365" y="1538271"/>
+            <a:ext cx="4153009" cy="1534926"/>
+          </a:xfrm>
+          <a:prstGeom prst="rect">
+            <a:avLst/>
+          </a:prstGeom>
+        </p:spPr>
+      </p:pic>
+      <p:pic>
+        <p:nvPicPr>
+          <p:cNvPr id="3074" name="Picture 2" descr="âPattern Recognition handwrite numberâçå¾çæç´¢ç»æ"/>
+          <p:cNvPicPr>
+            <a:picLocks noChangeAspect="1" noChangeArrowheads="1"/>
+          </p:cNvPicPr>
+          <p:nvPr/>
+        </p:nvPicPr>
+        <p:blipFill>
+          <a:blip r:embed="rId3">
+            <a:extLst>
+              <a:ext uri="{28A0092B-C50C-407E-A947-70E740481C1C}">
+                <a14:useLocalDpi xmlns:a14="http://schemas.microsoft.com/office/drawing/2010/main"/>
+              </a:ext>
+            </a:extLst>
+          </a:blip>
+          <a:srcRect/>
+          <a:stretch>
+            <a:fillRect/>
+          </a:stretch>
+        </p:blipFill>
+        <p:spPr bwMode="auto">
+          <a:xfrm>
+            <a:off x="7772400" y="3581400"/>
+            <a:ext cx="3670974" cy="2164168"/>
+          </a:xfrm>
+          <a:prstGeom prst="rect">
+            <a:avLst/>
+          </a:prstGeom>
+          <a:noFill/>
+          <a:extLst>
+            <a:ext uri="{909E8E84-426E-40DD-AFC4-6F175D3DCCD1}">
+              <a14:hiddenFill xmlns:a14="http://schemas.microsoft.com/office/drawing/2010/main">
+                <a:solidFill>
+                  <a:srgbClr val="FFFFFF"/>
+                </a:solidFill>
+              </a14:hiddenFill>
+            </a:ext>
+          </a:extLst>
+        </p:spPr>
+      </p:pic>
+    </p:spTree>
+    <p:extLst>
+      <p:ext uri="{BB962C8B-B14F-4D97-AF65-F5344CB8AC3E}">
+        <p14:creationId xmlns:p14="http://schemas.microsoft.com/office/powerpoint/2010/main" val="4186337664"/>
+      </p:ext>
+    </p:extLst>
+  </p:cSld>
+  <p:clrMapOvr>
+    <a:masterClrMapping/>
+  </p:clrMapOvr>
+</p:sld>
+</file>
+
+<file path=ppt/slides/slide40.xml><?xml version="1.0" encoding="utf-8"?>
+<p:sld xmlns:a="http://schemas.openxmlformats.org/drawingml/2006/main" xmlns:r="http://schemas.openxmlformats.org/officeDocument/2006/relationships" xmlns:p="http://schemas.openxmlformats.org/presentationml/2006/main">
+  <p:cSld>
+    <p:spTree>
+      <p:nvGrpSpPr>
+        <p:cNvPr id="1" name=""/>
+        <p:cNvGrpSpPr/>
+        <p:nvPr/>
+      </p:nvGrpSpPr>
+      <p:grpSpPr>
+        <a:xfrm>
+          <a:off x="0" y="0"/>
+          <a:ext cx="0" cy="0"/>
+          <a:chOff x="0" y="0"/>
+          <a:chExt cx="0" cy="0"/>
+        </a:xfrm>
+      </p:grpSpPr>
+      <p:sp>
+        <p:nvSpPr>
+          <p:cNvPr id="2" name="标题 1"/>
+          <p:cNvSpPr>
+            <a:spLocks noGrp="1"/>
+          </p:cNvSpPr>
+          <p:nvPr>
+            <p:ph type="title"/>
+          </p:nvPr>
+        </p:nvSpPr>
+        <p:spPr/>
+        <p:txBody>
+          <a:bodyPr/>
+          <a:lstStyle/>
+          <a:p>
+            <a:r>
               <a:rPr lang="en-US" altLang="zh-CN" dirty="0"/>
               <a:t>PAC</a:t>
             </a:r>
@@ -15785,7 +16148,7 @@
         </p:blipFill>
         <p:spPr>
           <a:xfrm>
-            <a:off x="2819400" y="2286000"/>
+            <a:off x="4343400" y="2286000"/>
             <a:ext cx="3309344" cy="609616"/>
           </a:xfrm>
           <a:prstGeom prst="rect">
@@ -15815,7 +16178,7 @@
         </p:blipFill>
         <p:spPr>
           <a:xfrm>
-            <a:off x="2438400" y="3810000"/>
+            <a:off x="3962401" y="3810000"/>
             <a:ext cx="4521591" cy="883920"/>
           </a:xfrm>
           <a:prstGeom prst="rect">
@@ -15831,7 +16194,7 @@
         </p:nvSpPr>
         <p:spPr>
           <a:xfrm>
-            <a:off x="3616404" y="4693920"/>
+            <a:off x="5140404" y="4693920"/>
             <a:ext cx="2351926" cy="369332"/>
           </a:xfrm>
           <a:prstGeom prst="rect">
@@ -15884,7 +16247,7 @@
         </p:nvCxnSpPr>
         <p:spPr>
           <a:xfrm>
-            <a:off x="3048000" y="4693920"/>
+            <a:off x="4572000" y="4693920"/>
             <a:ext cx="2438400" cy="0"/>
           </a:xfrm>
           <a:prstGeom prst="line">
@@ -15919,7 +16282,7 @@
         </p:nvCxnSpPr>
         <p:spPr>
           <a:xfrm flipV="1">
-            <a:off x="2590800" y="5063252"/>
+            <a:off x="4114800" y="5063252"/>
             <a:ext cx="4572000" cy="34834"/>
           </a:xfrm>
           <a:prstGeom prst="line">
@@ -15954,7 +16317,7 @@
         </p:nvSpPr>
         <p:spPr>
           <a:xfrm>
-            <a:off x="4378404" y="5180092"/>
+            <a:off x="5902404" y="5180092"/>
             <a:ext cx="2098596" cy="369332"/>
           </a:xfrm>
           <a:prstGeom prst="rect">
@@ -16012,7 +16375,7 @@
 </p:sld>
 </file>
 
-<file path=ppt/slides/slide39.xml><?xml version="1.0" encoding="utf-8"?>
+<file path=ppt/slides/slide41.xml><?xml version="1.0" encoding="utf-8"?>
 <p:sld xmlns:a="http://schemas.openxmlformats.org/drawingml/2006/main" xmlns:r="http://schemas.openxmlformats.org/officeDocument/2006/relationships" xmlns:p="http://schemas.openxmlformats.org/presentationml/2006/main">
   <p:cSld>
     <p:spTree>
@@ -16217,7 +16580,7 @@
         </p:blipFill>
         <p:spPr>
           <a:xfrm>
-            <a:off x="2286000" y="1752600"/>
+            <a:off x="3810000" y="1752600"/>
             <a:ext cx="3787588" cy="762000"/>
           </a:xfrm>
           <a:prstGeom prst="rect">
@@ -16238,173 +16601,7 @@
 </p:sld>
 </file>
 
-<file path=ppt/slides/slide4.xml><?xml version="1.0" encoding="utf-8"?>
-<p:sld xmlns:a="http://schemas.openxmlformats.org/drawingml/2006/main" xmlns:r="http://schemas.openxmlformats.org/officeDocument/2006/relationships" xmlns:p="http://schemas.openxmlformats.org/presentationml/2006/main">
-  <p:cSld>
-    <p:spTree>
-      <p:nvGrpSpPr>
-        <p:cNvPr id="1" name=""/>
-        <p:cNvGrpSpPr/>
-        <p:nvPr/>
-      </p:nvGrpSpPr>
-      <p:grpSpPr>
-        <a:xfrm>
-          <a:off x="0" y="0"/>
-          <a:ext cx="0" cy="0"/>
-          <a:chOff x="0" y="0"/>
-          <a:chExt cx="0" cy="0"/>
-        </a:xfrm>
-      </p:grpSpPr>
-      <p:sp>
-        <p:nvSpPr>
-          <p:cNvPr id="2" name="标题 1"/>
-          <p:cNvSpPr>
-            <a:spLocks noGrp="1"/>
-          </p:cNvSpPr>
-          <p:nvPr>
-            <p:ph type="title"/>
-          </p:nvPr>
-        </p:nvSpPr>
-        <p:spPr/>
-        <p:txBody>
-          <a:bodyPr/>
-          <a:lstStyle/>
-          <a:p>
-            <a:r>
-              <a:rPr lang="zh-CN" altLang="en-US" dirty="0"/>
-              <a:t>常见的机器学习问题</a:t>
-            </a:r>
-          </a:p>
-        </p:txBody>
-      </p:sp>
-      <p:pic>
-        <p:nvPicPr>
-          <p:cNvPr id="3" name="图片 2" descr="屏幕剪辑"/>
-          <p:cNvPicPr>
-            <a:picLocks noChangeAspect="1"/>
-          </p:cNvPicPr>
-          <p:nvPr/>
-        </p:nvPicPr>
-        <p:blipFill>
-          <a:blip r:embed="rId2">
-            <a:extLst>
-              <a:ext uri="{28A0092B-C50C-407E-A947-70E740481C1C}">
-                <a14:useLocalDpi xmlns:a14="http://schemas.microsoft.com/office/drawing/2010/main" val="0"/>
-              </a:ext>
-            </a:extLst>
-          </a:blip>
-          <a:stretch>
-            <a:fillRect/>
-          </a:stretch>
-        </p:blipFill>
-        <p:spPr>
-          <a:xfrm>
-            <a:off x="762000" y="2133600"/>
-            <a:ext cx="2966012" cy="2286000"/>
-          </a:xfrm>
-          <a:prstGeom prst="rect">
-            <a:avLst/>
-          </a:prstGeom>
-        </p:spPr>
-      </p:pic>
-      <p:sp>
-        <p:nvSpPr>
-          <p:cNvPr id="5" name="文本框 4"/>
-          <p:cNvSpPr txBox="1"/>
-          <p:nvPr/>
-        </p:nvSpPr>
-        <p:spPr>
-          <a:xfrm>
-            <a:off x="914399" y="4980214"/>
-            <a:ext cx="2362200" cy="523220"/>
-          </a:xfrm>
-          <a:prstGeom prst="rect">
-            <a:avLst/>
-          </a:prstGeom>
-          <a:noFill/>
-        </p:spPr>
-        <p:txBody>
-          <a:bodyPr wrap="square" rtlCol="0">
-            <a:spAutoFit/>
-          </a:bodyPr>
-          <a:lstStyle/>
-          <a:p>
-            <a:pPr algn="ctr"/>
-            <a:r>
-              <a:rPr lang="zh-CN" altLang="en-US" sz="2800" dirty="0"/>
-              <a:t>分类</a:t>
-            </a:r>
-          </a:p>
-        </p:txBody>
-      </p:sp>
-      <p:pic>
-        <p:nvPicPr>
-          <p:cNvPr id="8" name="图片 7"/>
-          <p:cNvPicPr>
-            <a:picLocks noChangeAspect="1"/>
-          </p:cNvPicPr>
-          <p:nvPr/>
-        </p:nvPicPr>
-        <p:blipFill>
-          <a:blip r:embed="rId3"/>
-          <a:stretch>
-            <a:fillRect/>
-          </a:stretch>
-        </p:blipFill>
-        <p:spPr>
-          <a:xfrm>
-            <a:off x="5029199" y="2895600"/>
-            <a:ext cx="3324225" cy="1371600"/>
-          </a:xfrm>
-          <a:prstGeom prst="rect">
-            <a:avLst/>
-          </a:prstGeom>
-        </p:spPr>
-      </p:pic>
-      <p:sp>
-        <p:nvSpPr>
-          <p:cNvPr id="9" name="文本框 8"/>
-          <p:cNvSpPr txBox="1"/>
-          <p:nvPr/>
-        </p:nvSpPr>
-        <p:spPr>
-          <a:xfrm>
-            <a:off x="5510211" y="4969328"/>
-            <a:ext cx="2362200" cy="523220"/>
-          </a:xfrm>
-          <a:prstGeom prst="rect">
-            <a:avLst/>
-          </a:prstGeom>
-          <a:noFill/>
-        </p:spPr>
-        <p:txBody>
-          <a:bodyPr wrap="square" rtlCol="0">
-            <a:spAutoFit/>
-          </a:bodyPr>
-          <a:lstStyle/>
-          <a:p>
-            <a:pPr algn="ctr"/>
-            <a:r>
-              <a:rPr lang="zh-CN" altLang="en-US" sz="2800" dirty="0"/>
-              <a:t>聚类</a:t>
-            </a:r>
-          </a:p>
-        </p:txBody>
-      </p:sp>
-    </p:spTree>
-    <p:extLst>
-      <p:ext uri="{BB962C8B-B14F-4D97-AF65-F5344CB8AC3E}">
-        <p14:creationId xmlns:p14="http://schemas.microsoft.com/office/powerpoint/2010/main" val="3191425230"/>
-      </p:ext>
-    </p:extLst>
-  </p:cSld>
-  <p:clrMapOvr>
-    <a:masterClrMapping/>
-  </p:clrMapOvr>
-</p:sld>
-</file>
-
-<file path=ppt/slides/slide40.xml><?xml version="1.0" encoding="utf-8"?>
+<file path=ppt/slides/slide42.xml><?xml version="1.0" encoding="utf-8"?>
 <p:sld xmlns:a="http://schemas.openxmlformats.org/drawingml/2006/main" xmlns:r="http://schemas.openxmlformats.org/officeDocument/2006/relationships" xmlns:p="http://schemas.openxmlformats.org/presentationml/2006/main">
   <p:cSld>
     <p:spTree>
@@ -16462,7 +16659,7 @@
 </p:sld>
 </file>
 
-<file path=ppt/slides/slide41.xml><?xml version="1.0" encoding="utf-8"?>
+<file path=ppt/slides/slide43.xml><?xml version="1.0" encoding="utf-8"?>
 <p:sld xmlns:a="http://schemas.openxmlformats.org/drawingml/2006/main" xmlns:r="http://schemas.openxmlformats.org/officeDocument/2006/relationships" xmlns:p="http://schemas.openxmlformats.org/presentationml/2006/main">
   <p:cSld>
     <p:spTree>
@@ -16582,7 +16779,7 @@
         </p:blipFill>
         <p:spPr bwMode="auto">
           <a:xfrm>
-            <a:off x="2514600" y="3400926"/>
+            <a:off x="4038600" y="3400927"/>
             <a:ext cx="3595688" cy="2693295"/>
           </a:xfrm>
           <a:prstGeom prst="rect">
@@ -16613,7 +16810,7 @@
 </p:sld>
 </file>
 
-<file path=ppt/slides/slide42.xml><?xml version="1.0" encoding="utf-8"?>
+<file path=ppt/slides/slide44.xml><?xml version="1.0" encoding="utf-8"?>
 <p:sld xmlns:a="http://schemas.openxmlformats.org/drawingml/2006/main" xmlns:r="http://schemas.openxmlformats.org/officeDocument/2006/relationships" xmlns:p="http://schemas.openxmlformats.org/presentationml/2006/main">
   <p:cSld>
     <p:spTree>
@@ -16750,7 +16947,7 @@
 </p:sld>
 </file>
 
-<file path=ppt/slides/slide43.xml><?xml version="1.0" encoding="utf-8"?>
+<file path=ppt/slides/slide45.xml><?xml version="1.0" encoding="utf-8"?>
 <p:sld xmlns:a="http://schemas.openxmlformats.org/drawingml/2006/main" xmlns:r="http://schemas.openxmlformats.org/officeDocument/2006/relationships" xmlns:p="http://schemas.openxmlformats.org/presentationml/2006/main">
   <p:cSld>
     <p:spTree>
@@ -16775,7 +16972,7 @@
         </p:nvSpPr>
         <p:spPr>
           <a:xfrm>
-            <a:off x="3352800" y="4038600"/>
+            <a:off x="4876800" y="4038600"/>
             <a:ext cx="2313454" cy="369332"/>
           </a:xfrm>
           <a:prstGeom prst="rect">
@@ -16841,9 +17038,356 @@
           <a:lstStyle/>
           <a:p>
             <a:r>
+              <a:rPr lang="zh-CN" altLang="en-US"/>
+              <a:t>什么是机器学习？</a:t>
+            </a:r>
+            <a:endParaRPr lang="zh-CN" altLang="en-US" dirty="0"/>
+          </a:p>
+        </p:txBody>
+      </p:sp>
+      <p:sp>
+        <p:nvSpPr>
+          <p:cNvPr id="6" name="文本框 5"/>
+          <p:cNvSpPr txBox="1"/>
+          <p:nvPr/>
+        </p:nvSpPr>
+        <p:spPr>
+          <a:xfrm>
+            <a:off x="2438400" y="5231218"/>
+            <a:ext cx="1980029" cy="369332"/>
+          </a:xfrm>
+          <a:prstGeom prst="rect">
+            <a:avLst/>
+          </a:prstGeom>
+          <a:noFill/>
+        </p:spPr>
+        <p:txBody>
+          <a:bodyPr wrap="none" rtlCol="0">
+            <a:spAutoFit/>
+          </a:bodyPr>
+          <a:lstStyle/>
+          <a:p>
+            <a:r>
+              <a:rPr lang="zh-CN" altLang="en-US" dirty="0">
+                <a:solidFill>
+                  <a:srgbClr val="FF0000"/>
+                </a:solidFill>
+              </a:rPr>
+              <a:t>独立同分布 </a:t>
+            </a:r>
+            <a:r>
+              <a:rPr lang="en-US" altLang="zh-CN" dirty="0">
+                <a:solidFill>
+                  <a:srgbClr val="FF0000"/>
+                </a:solidFill>
+              </a:rPr>
+              <a:t>p(</a:t>
+            </a:r>
+            <a:r>
+              <a:rPr lang="en-US" altLang="zh-CN" dirty="0" err="1">
+                <a:solidFill>
+                  <a:srgbClr val="FF0000"/>
+                </a:solidFill>
+              </a:rPr>
+              <a:t>x,y</a:t>
+            </a:r>
+            <a:r>
+              <a:rPr lang="en-US" altLang="zh-CN" dirty="0">
+                <a:solidFill>
+                  <a:srgbClr val="FF0000"/>
+                </a:solidFill>
+              </a:rPr>
+              <a:t>)</a:t>
+            </a:r>
+            <a:endParaRPr lang="zh-CN" altLang="en-US" dirty="0">
+              <a:solidFill>
+                <a:srgbClr val="FF0000"/>
+              </a:solidFill>
+            </a:endParaRPr>
+          </a:p>
+        </p:txBody>
+      </p:sp>
+      <p:sp>
+        <p:nvSpPr>
+          <p:cNvPr id="7" name="矩形 6"/>
+          <p:cNvSpPr/>
+          <p:nvPr/>
+        </p:nvSpPr>
+        <p:spPr>
+          <a:xfrm>
+            <a:off x="2286000" y="1279654"/>
+            <a:ext cx="7924800" cy="1015663"/>
+          </a:xfrm>
+          <a:prstGeom prst="rect">
+            <a:avLst/>
+          </a:prstGeom>
+        </p:spPr>
+        <p:txBody>
+          <a:bodyPr wrap="square">
+            <a:spAutoFit/>
+          </a:bodyPr>
+          <a:lstStyle/>
+          <a:p>
+            <a:r>
+              <a:rPr lang="zh-CN" altLang="en-US" sz="2000" dirty="0"/>
+              <a:t>机器学习：从数据中获得决策（预测）函数使得机器可以根据数据进行自动学习，通过算法使得机器能从大量历史数据中学习规律从而对新的样本做决策。</a:t>
+            </a:r>
+            <a:endParaRPr lang="en-US" altLang="zh-CN" sz="2000" dirty="0"/>
+          </a:p>
+        </p:txBody>
+      </p:sp>
+      <p:pic>
+        <p:nvPicPr>
+          <p:cNvPr id="9" name="图片 8">
+            <a:extLst>
+              <a:ext uri="{FF2B5EF4-FFF2-40B4-BE49-F238E27FC236}">
+                <a16:creationId xmlns:a16="http://schemas.microsoft.com/office/drawing/2014/main" id="{AD1E55F4-CCBD-4EB9-B7FC-D063FD23CC43}"/>
+              </a:ext>
+            </a:extLst>
+          </p:cNvPr>
+          <p:cNvPicPr>
+            <a:picLocks noChangeAspect="1"/>
+          </p:cNvPicPr>
+          <p:nvPr/>
+        </p:nvPicPr>
+        <p:blipFill>
+          <a:blip r:embed="rId2">
+            <a:extLst>
+              <a:ext uri="{28A0092B-C50C-407E-A947-70E740481C1C}">
+                <a14:useLocalDpi xmlns:a14="http://schemas.microsoft.com/office/drawing/2010/main" val="0"/>
+              </a:ext>
+            </a:extLst>
+          </a:blip>
+          <a:stretch>
+            <a:fillRect/>
+          </a:stretch>
+        </p:blipFill>
+        <p:spPr>
+          <a:xfrm>
+            <a:off x="2220585" y="2743200"/>
+            <a:ext cx="7750831" cy="2264288"/>
+          </a:xfrm>
+          <a:prstGeom prst="rect">
+            <a:avLst/>
+          </a:prstGeom>
+        </p:spPr>
+      </p:pic>
+    </p:spTree>
+    <p:extLst>
+      <p:ext uri="{BB962C8B-B14F-4D97-AF65-F5344CB8AC3E}">
+        <p14:creationId xmlns:p14="http://schemas.microsoft.com/office/powerpoint/2010/main" val="1559860817"/>
+      </p:ext>
+    </p:extLst>
+  </p:cSld>
+  <p:clrMapOvr>
+    <a:masterClrMapping/>
+  </p:clrMapOvr>
+</p:sld>
+</file>
+
+<file path=ppt/slides/slide6.xml><?xml version="1.0" encoding="utf-8"?>
+<p:sld xmlns:a="http://schemas.openxmlformats.org/drawingml/2006/main" xmlns:r="http://schemas.openxmlformats.org/officeDocument/2006/relationships" xmlns:p="http://schemas.openxmlformats.org/presentationml/2006/main">
+  <p:cSld>
+    <p:spTree>
+      <p:nvGrpSpPr>
+        <p:cNvPr id="1" name=""/>
+        <p:cNvGrpSpPr/>
+        <p:nvPr/>
+      </p:nvGrpSpPr>
+      <p:grpSpPr>
+        <a:xfrm>
+          <a:off x="0" y="0"/>
+          <a:ext cx="0" cy="0"/>
+          <a:chOff x="0" y="0"/>
+          <a:chExt cx="0" cy="0"/>
+        </a:xfrm>
+      </p:grpSpPr>
+      <p:sp>
+        <p:nvSpPr>
+          <p:cNvPr id="2" name="标题 1"/>
+          <p:cNvSpPr>
+            <a:spLocks noGrp="1"/>
+          </p:cNvSpPr>
+          <p:nvPr>
+            <p:ph type="title"/>
+          </p:nvPr>
+        </p:nvSpPr>
+        <p:spPr/>
+        <p:txBody>
+          <a:bodyPr/>
+          <a:lstStyle/>
+          <a:p>
+            <a:r>
               <a:rPr lang="zh-CN" altLang="en-US" dirty="0"/>
+              <a:t>常见的机器学习问题</a:t>
+            </a:r>
+          </a:p>
+        </p:txBody>
+      </p:sp>
+      <p:pic>
+        <p:nvPicPr>
+          <p:cNvPr id="3" name="图片 2" descr="屏幕剪辑"/>
+          <p:cNvPicPr>
+            <a:picLocks noChangeAspect="1"/>
+          </p:cNvPicPr>
+          <p:nvPr/>
+        </p:nvPicPr>
+        <p:blipFill>
+          <a:blip r:embed="rId2">
+            <a:extLst>
+              <a:ext uri="{28A0092B-C50C-407E-A947-70E740481C1C}">
+                <a14:useLocalDpi xmlns:a14="http://schemas.microsoft.com/office/drawing/2010/main" val="0"/>
+              </a:ext>
+            </a:extLst>
+          </a:blip>
+          <a:stretch>
+            <a:fillRect/>
+          </a:stretch>
+        </p:blipFill>
+        <p:spPr>
+          <a:xfrm>
+            <a:off x="2286000" y="2133600"/>
+            <a:ext cx="2966012" cy="2286000"/>
+          </a:xfrm>
+          <a:prstGeom prst="rect">
+            <a:avLst/>
+          </a:prstGeom>
+        </p:spPr>
+      </p:pic>
+      <p:sp>
+        <p:nvSpPr>
+          <p:cNvPr id="5" name="文本框 4"/>
+          <p:cNvSpPr txBox="1"/>
+          <p:nvPr/>
+        </p:nvSpPr>
+        <p:spPr>
+          <a:xfrm>
+            <a:off x="2438399" y="4980214"/>
+            <a:ext cx="2362200" cy="523220"/>
+          </a:xfrm>
+          <a:prstGeom prst="rect">
+            <a:avLst/>
+          </a:prstGeom>
+          <a:noFill/>
+        </p:spPr>
+        <p:txBody>
+          <a:bodyPr wrap="square" rtlCol="0">
+            <a:spAutoFit/>
+          </a:bodyPr>
+          <a:lstStyle/>
+          <a:p>
+            <a:pPr algn="ctr"/>
+            <a:r>
+              <a:rPr lang="zh-CN" altLang="en-US" sz="2800" dirty="0"/>
+              <a:t>分类</a:t>
+            </a:r>
+          </a:p>
+        </p:txBody>
+      </p:sp>
+      <p:pic>
+        <p:nvPicPr>
+          <p:cNvPr id="8" name="图片 7"/>
+          <p:cNvPicPr>
+            <a:picLocks noChangeAspect="1"/>
+          </p:cNvPicPr>
+          <p:nvPr/>
+        </p:nvPicPr>
+        <p:blipFill>
+          <a:blip r:embed="rId3"/>
+          <a:stretch>
+            <a:fillRect/>
+          </a:stretch>
+        </p:blipFill>
+        <p:spPr>
+          <a:xfrm>
+            <a:off x="6553200" y="2895600"/>
+            <a:ext cx="3324225" cy="1371600"/>
+          </a:xfrm>
+          <a:prstGeom prst="rect">
+            <a:avLst/>
+          </a:prstGeom>
+        </p:spPr>
+      </p:pic>
+      <p:sp>
+        <p:nvSpPr>
+          <p:cNvPr id="9" name="文本框 8"/>
+          <p:cNvSpPr txBox="1"/>
+          <p:nvPr/>
+        </p:nvSpPr>
+        <p:spPr>
+          <a:xfrm>
+            <a:off x="7034211" y="4969328"/>
+            <a:ext cx="2362200" cy="523220"/>
+          </a:xfrm>
+          <a:prstGeom prst="rect">
+            <a:avLst/>
+          </a:prstGeom>
+          <a:noFill/>
+        </p:spPr>
+        <p:txBody>
+          <a:bodyPr wrap="square" rtlCol="0">
+            <a:spAutoFit/>
+          </a:bodyPr>
+          <a:lstStyle/>
+          <a:p>
+            <a:pPr algn="ctr"/>
+            <a:r>
+              <a:rPr lang="zh-CN" altLang="en-US" sz="2800" dirty="0"/>
+              <a:t>聚类</a:t>
+            </a:r>
+          </a:p>
+        </p:txBody>
+      </p:sp>
+    </p:spTree>
+    <p:extLst>
+      <p:ext uri="{BB962C8B-B14F-4D97-AF65-F5344CB8AC3E}">
+        <p14:creationId xmlns:p14="http://schemas.microsoft.com/office/powerpoint/2010/main" val="3191425230"/>
+      </p:ext>
+    </p:extLst>
+  </p:cSld>
+  <p:clrMapOvr>
+    <a:masterClrMapping/>
+  </p:clrMapOvr>
+</p:sld>
+</file>
+
+<file path=ppt/slides/slide7.xml><?xml version="1.0" encoding="utf-8"?>
+<p:sld xmlns:a="http://schemas.openxmlformats.org/drawingml/2006/main" xmlns:r="http://schemas.openxmlformats.org/officeDocument/2006/relationships" xmlns:p="http://schemas.openxmlformats.org/presentationml/2006/main">
+  <p:cSld>
+    <p:spTree>
+      <p:nvGrpSpPr>
+        <p:cNvPr id="1" name=""/>
+        <p:cNvGrpSpPr/>
+        <p:nvPr/>
+      </p:nvGrpSpPr>
+      <p:grpSpPr>
+        <a:xfrm>
+          <a:off x="0" y="0"/>
+          <a:ext cx="0" cy="0"/>
+          <a:chOff x="0" y="0"/>
+          <a:chExt cx="0" cy="0"/>
+        </a:xfrm>
+      </p:grpSpPr>
+      <p:sp>
+        <p:nvSpPr>
+          <p:cNvPr id="2" name="标题 1"/>
+          <p:cNvSpPr>
+            <a:spLocks noGrp="1"/>
+          </p:cNvSpPr>
+          <p:nvPr>
+            <p:ph type="title"/>
+          </p:nvPr>
+        </p:nvSpPr>
+        <p:spPr/>
+        <p:txBody>
+          <a:bodyPr/>
+          <a:lstStyle/>
+          <a:p>
+            <a:r>
+              <a:rPr lang="zh-CN" altLang="en-US"/>
               <a:t>机器学习的三要素</a:t>
             </a:r>
+            <a:endParaRPr lang="zh-CN" altLang="en-US" dirty="0"/>
           </a:p>
         </p:txBody>
       </p:sp>
@@ -16865,11 +17409,7 @@
               <a:lstStyle/>
               <a:p>
                 <a:r>
-                  <a:rPr lang="zh-CN" altLang="en-US" dirty="0">
-                    <a:solidFill>
-                      <a:srgbClr val="FF0000"/>
-                    </a:solidFill>
-                  </a:rPr>
+                  <a:rPr lang="zh-CN" altLang="en-US" dirty="0"/>
                   <a:t>模型</a:t>
                 </a:r>
               </a:p>
@@ -16951,7 +17491,7 @@
                       <m:rPr>
                         <m:nor/>
                       </m:rPr>
-                      <a:rPr lang="en-US" altLang="zh-CN" b="1" dirty="0"/>
+                      <a:rPr lang="en-US" altLang="zh-CN" dirty="0"/>
                       <m:t>x</m:t>
                     </m:r>
                     <m:r>
@@ -16983,73 +17523,37 @@
                 </a:r>
               </a:p>
               <a:p>
-                <a:endParaRPr lang="en-US" altLang="zh-CN" dirty="0">
-                  <a:solidFill>
-                    <a:srgbClr val="FF0000"/>
-                  </a:solidFill>
-                </a:endParaRPr>
+                <a:endParaRPr lang="en-US" altLang="zh-CN" dirty="0"/>
               </a:p>
               <a:p>
                 <a:r>
-                  <a:rPr lang="zh-CN" altLang="en-US" dirty="0">
-                    <a:solidFill>
-                      <a:srgbClr val="FF0000"/>
-                    </a:solidFill>
-                  </a:rPr>
+                  <a:rPr lang="zh-CN" altLang="en-US" dirty="0"/>
                   <a:t>学习准则</a:t>
                 </a:r>
-                <a:endParaRPr lang="en-US" altLang="zh-CN" dirty="0">
-                  <a:solidFill>
-                    <a:srgbClr val="FF0000"/>
-                  </a:solidFill>
-                </a:endParaRPr>
+                <a:endParaRPr lang="en-US" altLang="zh-CN" dirty="0"/>
               </a:p>
               <a:p>
                 <a:pPr lvl="1"/>
                 <a:r>
-                  <a:rPr lang="zh-CN" altLang="en-US" dirty="0">
-                    <a:solidFill>
-                      <a:schemeClr val="tx1"/>
-                    </a:solidFill>
-                  </a:rPr>
+                  <a:rPr lang="zh-CN" altLang="en-US" dirty="0"/>
                   <a:t>期望风险</a:t>
                 </a:r>
-                <a:endParaRPr lang="en-US" altLang="zh-CN" dirty="0">
-                  <a:solidFill>
-                    <a:schemeClr val="tx1"/>
-                  </a:solidFill>
-                </a:endParaRPr>
+                <a:endParaRPr lang="en-US" altLang="zh-CN" dirty="0"/>
               </a:p>
               <a:p>
-                <a:endParaRPr lang="en-US" altLang="zh-CN" dirty="0">
-                  <a:solidFill>
-                    <a:srgbClr val="FF0000"/>
-                  </a:solidFill>
-                </a:endParaRPr>
+                <a:endParaRPr lang="en-US" altLang="zh-CN" dirty="0"/>
               </a:p>
               <a:p>
                 <a:r>
-                  <a:rPr lang="zh-CN" altLang="en-US" dirty="0">
-                    <a:solidFill>
-                      <a:srgbClr val="FF0000"/>
-                    </a:solidFill>
-                  </a:rPr>
+                  <a:rPr lang="zh-CN" altLang="en-US" dirty="0"/>
                   <a:t>优化</a:t>
                 </a:r>
-                <a:endParaRPr lang="en-US" altLang="zh-CN" dirty="0">
-                  <a:solidFill>
-                    <a:srgbClr val="FF0000"/>
-                  </a:solidFill>
-                </a:endParaRPr>
+                <a:endParaRPr lang="en-US" altLang="zh-CN" dirty="0"/>
               </a:p>
               <a:p>
                 <a:pPr lvl="1"/>
                 <a:r>
-                  <a:rPr lang="zh-CN" altLang="en-US" dirty="0">
-                    <a:solidFill>
-                      <a:schemeClr val="tx1"/>
-                    </a:solidFill>
-                  </a:rPr>
+                  <a:rPr lang="zh-CN" altLang="en-US" dirty="0"/>
                   <a:t>梯度下降</a:t>
                 </a:r>
               </a:p>
@@ -17112,7 +17616,7 @@
         </p:blipFill>
         <p:spPr>
           <a:xfrm>
-            <a:off x="2895600" y="4495800"/>
+            <a:off x="4419601" y="4495801"/>
             <a:ext cx="4219401" cy="619861"/>
           </a:xfrm>
           <a:prstGeom prst="rect">
@@ -17142,7 +17646,7 @@
         </p:blipFill>
         <p:spPr>
           <a:xfrm>
-            <a:off x="2514600" y="1600200"/>
+            <a:off x="4038600" y="1539499"/>
             <a:ext cx="2299412" cy="496083"/>
           </a:xfrm>
           <a:prstGeom prst="rect">
@@ -17172,7 +17676,7 @@
         </p:blipFill>
         <p:spPr>
           <a:xfrm>
-            <a:off x="3048000" y="2115222"/>
+            <a:off x="4038600" y="2111782"/>
             <a:ext cx="2664696" cy="399377"/>
           </a:xfrm>
           <a:prstGeom prst="rect">
@@ -17193,7 +17697,7 @@
 </p:sld>
 </file>
 
-<file path=ppt/slides/slide6.xml><?xml version="1.0" encoding="utf-8"?>
+<file path=ppt/slides/slide8.xml><?xml version="1.0" encoding="utf-8"?>
 <p:sld xmlns:a="http://schemas.openxmlformats.org/drawingml/2006/main" xmlns:r="http://schemas.openxmlformats.org/officeDocument/2006/relationships" xmlns:p="http://schemas.openxmlformats.org/presentationml/2006/main">
   <p:cSld>
     <p:spTree>
@@ -17552,7 +18056,7 @@
         </p:blipFill>
         <p:spPr>
           <a:xfrm>
-            <a:off x="1981200" y="2350532"/>
+            <a:off x="3505200" y="2350533"/>
             <a:ext cx="4433826" cy="911689"/>
           </a:xfrm>
           <a:prstGeom prst="rect">
@@ -17582,7 +18086,7 @@
         </p:blipFill>
         <p:spPr>
           <a:xfrm>
-            <a:off x="2438400" y="4876800"/>
+            <a:off x="4191000" y="4572000"/>
             <a:ext cx="3227673" cy="848148"/>
           </a:xfrm>
           <a:prstGeom prst="rect">
@@ -17603,7 +18107,7 @@
 </p:sld>
 </file>
 
-<file path=ppt/slides/slide7.xml><?xml version="1.0" encoding="utf-8"?>
+<file path=ppt/slides/slide9.xml><?xml version="1.0" encoding="utf-8"?>
 <p:sld xmlns:a="http://schemas.openxmlformats.org/drawingml/2006/main" xmlns:r="http://schemas.openxmlformats.org/officeDocument/2006/relationships" xmlns:p="http://schemas.openxmlformats.org/presentationml/2006/main">
   <p:cSld>
     <p:spTree>
@@ -17718,7 +18222,7 @@
         </p:blipFill>
         <p:spPr>
           <a:xfrm>
-            <a:off x="2209800" y="1371600"/>
+            <a:off x="3733801" y="1371600"/>
             <a:ext cx="3530989" cy="711278"/>
           </a:xfrm>
           <a:prstGeom prst="rect">
@@ -17748,7 +18252,7 @@
         </p:blipFill>
         <p:spPr>
           <a:xfrm>
-            <a:off x="4543498" y="2180591"/>
+            <a:off x="6067498" y="2180591"/>
             <a:ext cx="2743200" cy="672084"/>
           </a:xfrm>
           <a:prstGeom prst="rect">
@@ -17778,7 +18282,7 @@
         </p:blipFill>
         <p:spPr>
           <a:xfrm>
-            <a:off x="1524000" y="2971800"/>
+            <a:off x="3048000" y="2971800"/>
             <a:ext cx="5126954" cy="3071270"/>
           </a:xfrm>
           <a:prstGeom prst="rect">
@@ -17790,344 +18294,6 @@
     <p:extLst>
       <p:ext uri="{BB962C8B-B14F-4D97-AF65-F5344CB8AC3E}">
         <p14:creationId xmlns:p14="http://schemas.microsoft.com/office/powerpoint/2010/main" val="3755236446"/>
-      </p:ext>
-    </p:extLst>
-  </p:cSld>
-  <p:clrMapOvr>
-    <a:masterClrMapping/>
-  </p:clrMapOvr>
-</p:sld>
-</file>
-
-<file path=ppt/slides/slide8.xml><?xml version="1.0" encoding="utf-8"?>
-<p:sld xmlns:a="http://schemas.openxmlformats.org/drawingml/2006/main" xmlns:r="http://schemas.openxmlformats.org/officeDocument/2006/relationships" xmlns:p="http://schemas.openxmlformats.org/presentationml/2006/main">
-  <p:cSld>
-    <p:spTree>
-      <p:nvGrpSpPr>
-        <p:cNvPr id="1" name=""/>
-        <p:cNvGrpSpPr/>
-        <p:nvPr/>
-      </p:nvGrpSpPr>
-      <p:grpSpPr>
-        <a:xfrm>
-          <a:off x="0" y="0"/>
-          <a:ext cx="0" cy="0"/>
-          <a:chOff x="0" y="0"/>
-          <a:chExt cx="0" cy="0"/>
-        </a:xfrm>
-      </p:grpSpPr>
-      <p:sp>
-        <p:nvSpPr>
-          <p:cNvPr id="2" name="标题 1"/>
-          <p:cNvSpPr>
-            <a:spLocks noGrp="1"/>
-          </p:cNvSpPr>
-          <p:nvPr>
-            <p:ph type="title"/>
-          </p:nvPr>
-        </p:nvSpPr>
-        <p:spPr/>
-        <p:txBody>
-          <a:bodyPr/>
-          <a:lstStyle/>
-          <a:p>
-            <a:r>
-              <a:rPr lang="zh-CN" altLang="en-US" dirty="0"/>
-              <a:t>损失函数</a:t>
-            </a:r>
-          </a:p>
-        </p:txBody>
-      </p:sp>
-      <p:sp>
-        <p:nvSpPr>
-          <p:cNvPr id="3" name="内容占位符 2"/>
-          <p:cNvSpPr>
-            <a:spLocks noGrp="1"/>
-          </p:cNvSpPr>
-          <p:nvPr>
-            <p:ph sz="quarter" idx="1"/>
-          </p:nvPr>
-        </p:nvSpPr>
-        <p:spPr/>
-        <p:txBody>
-          <a:bodyPr/>
-          <a:lstStyle/>
-          <a:p>
-            <a:r>
-              <a:rPr lang="en-US" altLang="zh-CN" dirty="0"/>
-              <a:t>0-1</a:t>
-            </a:r>
-            <a:r>
-              <a:rPr lang="zh-CN" altLang="en-US" dirty="0"/>
-              <a:t>损失函数</a:t>
-            </a:r>
-            <a:endParaRPr lang="en-US" altLang="zh-CN" dirty="0"/>
-          </a:p>
-          <a:p>
-            <a:endParaRPr lang="en-US" altLang="zh-CN" dirty="0"/>
-          </a:p>
-          <a:p>
-            <a:endParaRPr lang="en-US" altLang="zh-CN" dirty="0"/>
-          </a:p>
-          <a:p>
-            <a:r>
-              <a:rPr lang="zh-CN" altLang="en-US" dirty="0"/>
-              <a:t>平方损失函数</a:t>
-            </a:r>
-            <a:endParaRPr lang="en-US" altLang="zh-CN" dirty="0"/>
-          </a:p>
-          <a:p>
-            <a:pPr marL="0" indent="0">
-              <a:buNone/>
-            </a:pPr>
-            <a:endParaRPr lang="en-US" altLang="zh-CN" dirty="0"/>
-          </a:p>
-        </p:txBody>
-      </p:sp>
-      <p:pic>
-        <p:nvPicPr>
-          <p:cNvPr id="4" name="图片 3" descr="屏幕剪辑"/>
-          <p:cNvPicPr>
-            <a:picLocks noChangeAspect="1"/>
-          </p:cNvPicPr>
-          <p:nvPr/>
-        </p:nvPicPr>
-        <p:blipFill>
-          <a:blip r:embed="rId2">
-            <a:extLst>
-              <a:ext uri="{28A0092B-C50C-407E-A947-70E740481C1C}">
-                <a14:useLocalDpi xmlns:a14="http://schemas.microsoft.com/office/drawing/2010/main"/>
-              </a:ext>
-            </a:extLst>
-          </a:blip>
-          <a:stretch>
-            <a:fillRect/>
-          </a:stretch>
-        </p:blipFill>
-        <p:spPr>
-          <a:xfrm>
-            <a:off x="2362200" y="1676400"/>
-            <a:ext cx="3629532" cy="990738"/>
-          </a:xfrm>
-          <a:prstGeom prst="rect">
-            <a:avLst/>
-          </a:prstGeom>
-        </p:spPr>
-      </p:pic>
-      <p:pic>
-        <p:nvPicPr>
-          <p:cNvPr id="5" name="图片 4" descr="屏幕剪辑"/>
-          <p:cNvPicPr>
-            <a:picLocks noChangeAspect="1"/>
-          </p:cNvPicPr>
-          <p:nvPr/>
-        </p:nvPicPr>
-        <p:blipFill>
-          <a:blip r:embed="rId3">
-            <a:extLst>
-              <a:ext uri="{28A0092B-C50C-407E-A947-70E740481C1C}">
-                <a14:useLocalDpi xmlns:a14="http://schemas.microsoft.com/office/drawing/2010/main"/>
-              </a:ext>
-            </a:extLst>
-          </a:blip>
-          <a:stretch>
-            <a:fillRect/>
-          </a:stretch>
-        </p:blipFill>
-        <p:spPr>
-          <a:xfrm>
-            <a:off x="2743200" y="3916679"/>
-            <a:ext cx="3200400" cy="665683"/>
-          </a:xfrm>
-          <a:prstGeom prst="rect">
-            <a:avLst/>
-          </a:prstGeom>
-        </p:spPr>
-      </p:pic>
-    </p:spTree>
-    <p:extLst>
-      <p:ext uri="{BB962C8B-B14F-4D97-AF65-F5344CB8AC3E}">
-        <p14:creationId xmlns:p14="http://schemas.microsoft.com/office/powerpoint/2010/main" val="2729636745"/>
-      </p:ext>
-    </p:extLst>
-  </p:cSld>
-  <p:clrMapOvr>
-    <a:masterClrMapping/>
-  </p:clrMapOvr>
-</p:sld>
-</file>
-
-<file path=ppt/slides/slide9.xml><?xml version="1.0" encoding="utf-8"?>
-<p:sld xmlns:a="http://schemas.openxmlformats.org/drawingml/2006/main" xmlns:r="http://schemas.openxmlformats.org/officeDocument/2006/relationships" xmlns:p="http://schemas.openxmlformats.org/presentationml/2006/main">
-  <p:cSld>
-    <p:spTree>
-      <p:nvGrpSpPr>
-        <p:cNvPr id="1" name=""/>
-        <p:cNvGrpSpPr/>
-        <p:nvPr/>
-      </p:nvGrpSpPr>
-      <p:grpSpPr>
-        <a:xfrm>
-          <a:off x="0" y="0"/>
-          <a:ext cx="0" cy="0"/>
-          <a:chOff x="0" y="0"/>
-          <a:chExt cx="0" cy="0"/>
-        </a:xfrm>
-      </p:grpSpPr>
-      <p:sp>
-        <p:nvSpPr>
-          <p:cNvPr id="2" name="标题 1">
-            <a:extLst>
-              <a:ext uri="{FF2B5EF4-FFF2-40B4-BE49-F238E27FC236}">
-                <a16:creationId xmlns:a16="http://schemas.microsoft.com/office/drawing/2014/main" id="{B1E53FA7-7FB8-4D95-8FA4-C7D615F2E010}"/>
-              </a:ext>
-            </a:extLst>
-          </p:cNvPr>
-          <p:cNvSpPr>
-            <a:spLocks noGrp="1"/>
-          </p:cNvSpPr>
-          <p:nvPr>
-            <p:ph type="title"/>
-          </p:nvPr>
-        </p:nvSpPr>
-        <p:spPr/>
-        <p:txBody>
-          <a:bodyPr/>
-          <a:lstStyle/>
-          <a:p>
-            <a:r>
-              <a:rPr lang="zh-CN" altLang="en-US" dirty="0"/>
-              <a:t>最优化问题</a:t>
-            </a:r>
-          </a:p>
-        </p:txBody>
-      </p:sp>
-      <p:sp>
-        <p:nvSpPr>
-          <p:cNvPr id="3" name="内容占位符 2">
-            <a:extLst>
-              <a:ext uri="{FF2B5EF4-FFF2-40B4-BE49-F238E27FC236}">
-                <a16:creationId xmlns:a16="http://schemas.microsoft.com/office/drawing/2014/main" id="{DC8119A3-864A-4564-B3F8-34845335EA8C}"/>
-              </a:ext>
-            </a:extLst>
-          </p:cNvPr>
-          <p:cNvSpPr>
-            <a:spLocks noGrp="1"/>
-          </p:cNvSpPr>
-          <p:nvPr>
-            <p:ph sz="quarter" idx="1"/>
-          </p:nvPr>
-        </p:nvSpPr>
-        <p:spPr/>
-        <p:txBody>
-          <a:bodyPr/>
-          <a:lstStyle/>
-          <a:p>
-            <a:r>
-              <a:rPr lang="zh-CN" altLang="en-US" dirty="0"/>
-              <a:t>机器学习问题转化成为一个</a:t>
-            </a:r>
-            <a:r>
-              <a:rPr lang="zh-CN" altLang="en-US" dirty="0">
-                <a:solidFill>
-                  <a:srgbClr val="FF0000"/>
-                </a:solidFill>
-              </a:rPr>
-              <a:t>最优化问题</a:t>
-            </a:r>
-          </a:p>
-          <a:p>
-            <a:endParaRPr lang="zh-CN" altLang="en-US" dirty="0"/>
-          </a:p>
-        </p:txBody>
-      </p:sp>
-      <p:pic>
-        <p:nvPicPr>
-          <p:cNvPr id="5" name="图片 4">
-            <a:extLst>
-              <a:ext uri="{FF2B5EF4-FFF2-40B4-BE49-F238E27FC236}">
-                <a16:creationId xmlns:a16="http://schemas.microsoft.com/office/drawing/2014/main" id="{234B176D-1EA5-431A-97AD-7D714A6B2813}"/>
-              </a:ext>
-            </a:extLst>
-          </p:cNvPr>
-          <p:cNvPicPr>
-            <a:picLocks noChangeAspect="1"/>
-          </p:cNvPicPr>
-          <p:nvPr/>
-        </p:nvPicPr>
-        <p:blipFill>
-          <a:blip r:embed="rId2">
-            <a:extLst>
-              <a:ext uri="{28A0092B-C50C-407E-A947-70E740481C1C}">
-                <a14:useLocalDpi xmlns:a14="http://schemas.microsoft.com/office/drawing/2010/main" val="0"/>
-              </a:ext>
-            </a:extLst>
-          </a:blip>
-          <a:stretch>
-            <a:fillRect/>
-          </a:stretch>
-        </p:blipFill>
-        <p:spPr>
-          <a:xfrm>
-            <a:off x="3474725" y="5218375"/>
-            <a:ext cx="1981200" cy="630382"/>
-          </a:xfrm>
-          <a:prstGeom prst="rect">
-            <a:avLst/>
-          </a:prstGeom>
-        </p:spPr>
-      </p:pic>
-      <p:pic>
-        <p:nvPicPr>
-          <p:cNvPr id="2052" name="Picture 4" descr="https://qph.fs.quoracdn.net/main-qimg-f848fbbcbf279aadeacb7bd9850d5ed1">
-            <a:extLst>
-              <a:ext uri="{FF2B5EF4-FFF2-40B4-BE49-F238E27FC236}">
-                <a16:creationId xmlns:a16="http://schemas.microsoft.com/office/drawing/2014/main" id="{D00EB245-16DE-433A-81D1-900C3820FCC5}"/>
-              </a:ext>
-            </a:extLst>
-          </p:cNvPr>
-          <p:cNvPicPr>
-            <a:picLocks noChangeAspect="1" noChangeArrowheads="1"/>
-          </p:cNvPicPr>
-          <p:nvPr/>
-        </p:nvPicPr>
-        <p:blipFill>
-          <a:blip r:embed="rId3">
-            <a:extLst>
-              <a:ext uri="{28A0092B-C50C-407E-A947-70E740481C1C}">
-                <a14:useLocalDpi xmlns:a14="http://schemas.microsoft.com/office/drawing/2010/main" val="0"/>
-              </a:ext>
-            </a:extLst>
-          </a:blip>
-          <a:srcRect/>
-          <a:stretch>
-            <a:fillRect/>
-          </a:stretch>
-        </p:blipFill>
-        <p:spPr bwMode="auto">
-          <a:xfrm>
-            <a:off x="1219200" y="2072324"/>
-            <a:ext cx="6492251" cy="2608118"/>
-          </a:xfrm>
-          <a:prstGeom prst="rect">
-            <a:avLst/>
-          </a:prstGeom>
-          <a:noFill/>
-          <a:extLst>
-            <a:ext uri="{909E8E84-426E-40DD-AFC4-6F175D3DCCD1}">
-              <a14:hiddenFill xmlns:a14="http://schemas.microsoft.com/office/drawing/2010/main">
-                <a:solidFill>
-                  <a:srgbClr val="FFFFFF"/>
-                </a:solidFill>
-              </a14:hiddenFill>
-            </a:ext>
-          </a:extLst>
-        </p:spPr>
-      </p:pic>
-    </p:spTree>
-    <p:extLst>
-      <p:ext uri="{BB962C8B-B14F-4D97-AF65-F5344CB8AC3E}">
-        <p14:creationId xmlns:p14="http://schemas.microsoft.com/office/powerpoint/2010/main" val="91802028"/>
       </p:ext>
     </p:extLst>
   </p:cSld>

--- a/ppt/chap-机器学习概述.pptx
+++ b/ppt/chap-机器学习概述.pptx
@@ -5,7 +5,7 @@
     <p:sldMasterId id="2147483756" r:id="rId1"/>
   </p:sldMasterIdLst>
   <p:notesMasterIdLst>
-    <p:notesMasterId r:id="rId47"/>
+    <p:notesMasterId r:id="rId60"/>
   </p:notesMasterIdLst>
   <p:sldIdLst>
     <p:sldId id="256" r:id="rId2"/>
@@ -13,11 +13,11 @@
     <p:sldId id="448" r:id="rId4"/>
     <p:sldId id="466" r:id="rId5"/>
     <p:sldId id="468" r:id="rId6"/>
-    <p:sldId id="511" r:id="rId7"/>
-    <p:sldId id="469" r:id="rId8"/>
-    <p:sldId id="708" r:id="rId9"/>
-    <p:sldId id="512" r:id="rId10"/>
-    <p:sldId id="506" r:id="rId11"/>
+    <p:sldId id="469" r:id="rId7"/>
+    <p:sldId id="511" r:id="rId8"/>
+    <p:sldId id="512" r:id="rId9"/>
+    <p:sldId id="506" r:id="rId10"/>
+    <p:sldId id="708" r:id="rId11"/>
     <p:sldId id="514" r:id="rId12"/>
     <p:sldId id="482" r:id="rId13"/>
     <p:sldId id="486" r:id="rId14"/>
@@ -32,27 +32,40 @@
     <p:sldId id="496" r:id="rId23"/>
     <p:sldId id="709" r:id="rId24"/>
     <p:sldId id="498" r:id="rId25"/>
-    <p:sldId id="710" r:id="rId26"/>
-    <p:sldId id="719" r:id="rId27"/>
-    <p:sldId id="720" r:id="rId28"/>
-    <p:sldId id="722" r:id="rId29"/>
-    <p:sldId id="721" r:id="rId30"/>
-    <p:sldId id="714" r:id="rId31"/>
-    <p:sldId id="715" r:id="rId32"/>
-    <p:sldId id="716" r:id="rId33"/>
-    <p:sldId id="717" r:id="rId34"/>
-    <p:sldId id="718" r:id="rId35"/>
-    <p:sldId id="499" r:id="rId36"/>
-    <p:sldId id="510" r:id="rId37"/>
-    <p:sldId id="504" r:id="rId38"/>
-    <p:sldId id="480" r:id="rId39"/>
-    <p:sldId id="481" r:id="rId40"/>
-    <p:sldId id="502" r:id="rId41"/>
-    <p:sldId id="503" r:id="rId42"/>
-    <p:sldId id="712" r:id="rId43"/>
-    <p:sldId id="713" r:id="rId44"/>
-    <p:sldId id="711" r:id="rId45"/>
-    <p:sldId id="447" r:id="rId46"/>
+    <p:sldId id="724" r:id="rId26"/>
+    <p:sldId id="727" r:id="rId27"/>
+    <p:sldId id="710" r:id="rId28"/>
+    <p:sldId id="728" r:id="rId29"/>
+    <p:sldId id="1303" r:id="rId30"/>
+    <p:sldId id="725" r:id="rId31"/>
+    <p:sldId id="1298" r:id="rId32"/>
+    <p:sldId id="1299" r:id="rId33"/>
+    <p:sldId id="1300" r:id="rId34"/>
+    <p:sldId id="1301" r:id="rId35"/>
+    <p:sldId id="719" r:id="rId36"/>
+    <p:sldId id="720" r:id="rId37"/>
+    <p:sldId id="722" r:id="rId38"/>
+    <p:sldId id="721" r:id="rId39"/>
+    <p:sldId id="726" r:id="rId40"/>
+    <p:sldId id="1304" r:id="rId41"/>
+    <p:sldId id="1305" r:id="rId42"/>
+    <p:sldId id="1306" r:id="rId43"/>
+    <p:sldId id="714" r:id="rId44"/>
+    <p:sldId id="715" r:id="rId45"/>
+    <p:sldId id="716" r:id="rId46"/>
+    <p:sldId id="717" r:id="rId47"/>
+    <p:sldId id="718" r:id="rId48"/>
+    <p:sldId id="499" r:id="rId49"/>
+    <p:sldId id="510" r:id="rId50"/>
+    <p:sldId id="504" r:id="rId51"/>
+    <p:sldId id="480" r:id="rId52"/>
+    <p:sldId id="481" r:id="rId53"/>
+    <p:sldId id="502" r:id="rId54"/>
+    <p:sldId id="503" r:id="rId55"/>
+    <p:sldId id="712" r:id="rId56"/>
+    <p:sldId id="713" r:id="rId57"/>
+    <p:sldId id="711" r:id="rId58"/>
+    <p:sldId id="447" r:id="rId59"/>
   </p:sldIdLst>
   <p:sldSz cx="12192000" cy="6858000"/>
   <p:notesSz cx="6858000" cy="9144000"/>
@@ -191,11 +204,11 @@
             <p14:sldId id="448"/>
             <p14:sldId id="466"/>
             <p14:sldId id="468"/>
+            <p14:sldId id="469"/>
             <p14:sldId id="511"/>
-            <p14:sldId id="469"/>
-            <p14:sldId id="708"/>
             <p14:sldId id="512"/>
             <p14:sldId id="506"/>
+            <p14:sldId id="708"/>
             <p14:sldId id="514"/>
             <p14:sldId id="482"/>
             <p14:sldId id="486"/>
@@ -210,11 +223,24 @@
             <p14:sldId id="496"/>
             <p14:sldId id="709"/>
             <p14:sldId id="498"/>
+            <p14:sldId id="724"/>
+            <p14:sldId id="727"/>
             <p14:sldId id="710"/>
+            <p14:sldId id="728"/>
+            <p14:sldId id="1303"/>
+            <p14:sldId id="725"/>
+            <p14:sldId id="1298"/>
+            <p14:sldId id="1299"/>
+            <p14:sldId id="1300"/>
+            <p14:sldId id="1301"/>
             <p14:sldId id="719"/>
             <p14:sldId id="720"/>
             <p14:sldId id="722"/>
             <p14:sldId id="721"/>
+            <p14:sldId id="726"/>
+            <p14:sldId id="1304"/>
+            <p14:sldId id="1305"/>
+            <p14:sldId id="1306"/>
             <p14:sldId id="714"/>
             <p14:sldId id="715"/>
             <p14:sldId id="716"/>
@@ -1345,7 +1371,7 @@
   <dgm:whole/>
   <dgm:extLst>
     <a:ext uri="http://schemas.microsoft.com/office/drawing/2008/diagram">
-      <dsp:dataModelExt xmlns:dsp="http://schemas.microsoft.com/office/drawing/2008/diagram" relId="rId6" minVer="http://schemas.openxmlformats.org/drawingml/2006/diagram"/>
+      <dsp:dataModelExt xmlns:dsp="http://schemas.microsoft.com/office/drawing/2008/diagram" relId="rId7" minVer="http://schemas.openxmlformats.org/drawingml/2006/diagram"/>
     </a:ext>
   </dgm:extLst>
 </dgm:dataModel>
@@ -4003,7 +4029,7 @@
               <a:pPr>
                 <a:defRPr/>
               </a:pPr>
-              <a:t>11/29/2019</a:t>
+              <a:t>3/7/2020</a:t>
             </a:fld>
             <a:endParaRPr lang="en-US" altLang="zh-CN"/>
           </a:p>
@@ -4676,7 +4702,7 @@
               <a:pPr>
                 <a:defRPr/>
               </a:pPr>
-              <a:t>7</a:t>
+              <a:t>6</a:t>
             </a:fld>
             <a:endParaRPr lang="en-US" altLang="zh-CN"/>
           </a:p>
@@ -4995,7 +5021,7 @@
               <a:pPr>
                 <a:defRPr/>
               </a:pPr>
-              <a:t>25</a:t>
+              <a:t>27</a:t>
             </a:fld>
             <a:endParaRPr lang="en-US" altLang="zh-CN"/>
           </a:p>
@@ -5063,30 +5089,18 @@
           <a:bodyPr/>
           <a:lstStyle/>
           <a:p>
-            <a:pPr marL="0" marR="0" indent="0" algn="l" defTabSz="914400" rtl="0" eaLnBrk="0" fontAlgn="base" latinLnBrk="0" hangingPunct="0">
-              <a:lnSpc>
-                <a:spcPct val="100000"/>
-              </a:lnSpc>
-              <a:spcBef>
-                <a:spcPct val="30000"/>
-              </a:spcBef>
-              <a:spcAft>
-                <a:spcPct val="0"/>
-              </a:spcAft>
-              <a:buClrTx/>
-              <a:buSzTx/>
-              <a:buFontTx/>
-              <a:buNone/>
-              <a:tabLst/>
-              <a:defRPr/>
-            </a:pPr>
+            <a:r>
+              <a:rPr lang="en-US" altLang="zh-CN" dirty="0"/>
+              <a:t>p(</a:t>
+            </a:r>
+            <a:r>
+              <a:rPr lang="en-US" altLang="zh-CN" dirty="0" err="1"/>
+              <a:t>x|y</a:t>
+            </a:r>
             <a:r>
               <a:rPr lang="zh-CN" altLang="en-US" dirty="0"/>
-              <a:t>如果在验证集上的错误率不再下降，就停止迭代。</a:t>
-            </a:r>
-          </a:p>
-          <a:p>
-            <a:endParaRPr lang="zh-CN" altLang="en-US" dirty="0"/>
+              <a:t>）</a:t>
+            </a:r>
           </a:p>
         </p:txBody>
       </p:sp>
@@ -5097,7 +5111,7 @@
             <a:spLocks noGrp="1"/>
           </p:cNvSpPr>
           <p:nvPr>
-            <p:ph type="sldNum" sz="quarter" idx="10"/>
+            <p:ph type="sldNum" sz="quarter" idx="5"/>
           </p:nvPr>
         </p:nvSpPr>
         <p:spPr/>
@@ -5113,7 +5127,7 @@
               <a:pPr>
                 <a:defRPr/>
               </a:pPr>
-              <a:t>38</a:t>
+              <a:t>33</a:t>
             </a:fld>
             <a:endParaRPr lang="en-US" altLang="zh-CN"/>
           </a:p>
@@ -5122,7 +5136,7 @@
     </p:spTree>
     <p:extLst>
       <p:ext uri="{BB962C8B-B14F-4D97-AF65-F5344CB8AC3E}">
-        <p14:creationId xmlns:p14="http://schemas.microsoft.com/office/powerpoint/2010/main" val="1348007591"/>
+        <p14:creationId xmlns:p14="http://schemas.microsoft.com/office/powerpoint/2010/main" val="2180428161"/>
       </p:ext>
     </p:extLst>
   </p:cSld>
@@ -5181,22 +5195,29 @@
           <a:bodyPr/>
           <a:lstStyle/>
           <a:p>
+            <a:pPr marL="0" marR="0" indent="0" algn="l" defTabSz="914400" rtl="0" eaLnBrk="0" fontAlgn="base" latinLnBrk="0" hangingPunct="0">
+              <a:lnSpc>
+                <a:spcPct val="100000"/>
+              </a:lnSpc>
+              <a:spcBef>
+                <a:spcPct val="30000"/>
+              </a:spcBef>
+              <a:spcAft>
+                <a:spcPct val="0"/>
+              </a:spcAft>
+              <a:buClrTx/>
+              <a:buSzTx/>
+              <a:buFontTx/>
+              <a:buNone/>
+              <a:tabLst/>
+              <a:defRPr/>
+            </a:pPr>
             <a:r>
               <a:rPr lang="zh-CN" altLang="en-US" dirty="0"/>
-              <a:t>拉特马赫</a:t>
-            </a:r>
-            <a:r>
-              <a:rPr lang="en-US" altLang="zh-CN" dirty="0"/>
-              <a:t>(</a:t>
-            </a:r>
-            <a:r>
-              <a:rPr lang="en-US" altLang="zh-CN" dirty="0" err="1"/>
-              <a:t>Rademacher</a:t>
-            </a:r>
-            <a:r>
-              <a:rPr lang="en-US" altLang="zh-CN" dirty="0"/>
-              <a:t>)</a:t>
-            </a:r>
+              <a:t>如果在验证集上的错误率不再下降，就停止迭代。</a:t>
+            </a:r>
+          </a:p>
+          <a:p>
             <a:endParaRPr lang="zh-CN" altLang="en-US" dirty="0"/>
           </a:p>
         </p:txBody>
@@ -5224,7 +5245,118 @@
               <a:pPr>
                 <a:defRPr/>
               </a:pPr>
-              <a:t>41</a:t>
+              <a:t>51</a:t>
+            </a:fld>
+            <a:endParaRPr lang="en-US" altLang="zh-CN"/>
+          </a:p>
+        </p:txBody>
+      </p:sp>
+    </p:spTree>
+    <p:extLst>
+      <p:ext uri="{BB962C8B-B14F-4D97-AF65-F5344CB8AC3E}">
+        <p14:creationId xmlns:p14="http://schemas.microsoft.com/office/powerpoint/2010/main" val="1348007591"/>
+      </p:ext>
+    </p:extLst>
+  </p:cSld>
+  <p:clrMapOvr>
+    <a:masterClrMapping/>
+  </p:clrMapOvr>
+</p:notes>
+</file>
+
+<file path=ppt/notesSlides/notesSlide8.xml><?xml version="1.0" encoding="utf-8"?>
+<p:notes xmlns:a="http://schemas.openxmlformats.org/drawingml/2006/main" xmlns:r="http://schemas.openxmlformats.org/officeDocument/2006/relationships" xmlns:p="http://schemas.openxmlformats.org/presentationml/2006/main">
+  <p:cSld>
+    <p:spTree>
+      <p:nvGrpSpPr>
+        <p:cNvPr id="1" name=""/>
+        <p:cNvGrpSpPr/>
+        <p:nvPr/>
+      </p:nvGrpSpPr>
+      <p:grpSpPr>
+        <a:xfrm>
+          <a:off x="0" y="0"/>
+          <a:ext cx="0" cy="0"/>
+          <a:chOff x="0" y="0"/>
+          <a:chExt cx="0" cy="0"/>
+        </a:xfrm>
+      </p:grpSpPr>
+      <p:sp>
+        <p:nvSpPr>
+          <p:cNvPr id="2" name="幻灯片图像占位符 1"/>
+          <p:cNvSpPr>
+            <a:spLocks noGrp="1" noRot="1" noChangeAspect="1"/>
+          </p:cNvSpPr>
+          <p:nvPr>
+            <p:ph type="sldImg"/>
+          </p:nvPr>
+        </p:nvSpPr>
+        <p:spPr>
+          <a:xfrm>
+            <a:off x="381000" y="685800"/>
+            <a:ext cx="6096000" cy="3429000"/>
+          </a:xfrm>
+        </p:spPr>
+      </p:sp>
+      <p:sp>
+        <p:nvSpPr>
+          <p:cNvPr id="3" name="备注占位符 2"/>
+          <p:cNvSpPr>
+            <a:spLocks noGrp="1"/>
+          </p:cNvSpPr>
+          <p:nvPr>
+            <p:ph type="body" idx="1"/>
+          </p:nvPr>
+        </p:nvSpPr>
+        <p:spPr/>
+        <p:txBody>
+          <a:bodyPr/>
+          <a:lstStyle/>
+          <a:p>
+            <a:r>
+              <a:rPr lang="zh-CN" altLang="en-US" dirty="0"/>
+              <a:t>拉特马赫</a:t>
+            </a:r>
+            <a:r>
+              <a:rPr lang="en-US" altLang="zh-CN" dirty="0"/>
+              <a:t>(</a:t>
+            </a:r>
+            <a:r>
+              <a:rPr lang="en-US" altLang="zh-CN" dirty="0" err="1"/>
+              <a:t>Rademacher</a:t>
+            </a:r>
+            <a:r>
+              <a:rPr lang="en-US" altLang="zh-CN" dirty="0"/>
+              <a:t>)</a:t>
+            </a:r>
+            <a:endParaRPr lang="zh-CN" altLang="en-US" dirty="0"/>
+          </a:p>
+        </p:txBody>
+      </p:sp>
+      <p:sp>
+        <p:nvSpPr>
+          <p:cNvPr id="4" name="灯片编号占位符 3"/>
+          <p:cNvSpPr>
+            <a:spLocks noGrp="1"/>
+          </p:cNvSpPr>
+          <p:nvPr>
+            <p:ph type="sldNum" sz="quarter" idx="10"/>
+          </p:nvPr>
+        </p:nvSpPr>
+        <p:spPr/>
+        <p:txBody>
+          <a:bodyPr/>
+          <a:lstStyle/>
+          <a:p>
+            <a:pPr>
+              <a:defRPr/>
+            </a:pPr>
+            <a:fld id="{B4C119E0-CEE4-4FF8-83B2-DC856A2C17CC}" type="slidenum">
+              <a:rPr lang="en-US" altLang="zh-CN" smtClean="0"/>
+              <a:pPr>
+                <a:defRPr/>
+              </a:pPr>
+              <a:t>54</a:t>
             </a:fld>
             <a:endParaRPr lang="en-US" altLang="zh-CN"/>
           </a:p>
@@ -7623,7 +7755,7 @@
         <a:buChar char=""/>
         <a:defRPr lang="en-US" altLang="zh-CN" sz="2800" kern="1200" dirty="0" smtClean="0">
           <a:solidFill>
-            <a:schemeClr val="tx2"/>
+            <a:schemeClr val="accent2"/>
           </a:solidFill>
           <a:latin typeface="+mn-ea"/>
           <a:ea typeface="+mn-ea"/>
@@ -8037,70 +8169,322 @@
           <a:p>
             <a:r>
               <a:rPr lang="zh-CN" altLang="en-US" dirty="0"/>
-              <a:t>损失函数</a:t>
+              <a:t>学习准则</a:t>
             </a:r>
           </a:p>
         </p:txBody>
       </p:sp>
-      <p:sp>
-        <p:nvSpPr>
-          <p:cNvPr id="3" name="内容占位符 2"/>
-          <p:cNvSpPr>
-            <a:spLocks noGrp="1"/>
-          </p:cNvSpPr>
-          <p:nvPr>
-            <p:ph sz="quarter" idx="1"/>
-          </p:nvPr>
-        </p:nvSpPr>
-        <p:spPr/>
-        <p:txBody>
-          <a:bodyPr/>
-          <a:lstStyle/>
-          <a:p>
-            <a:r>
-              <a:rPr lang="en-US" altLang="zh-CN" dirty="0"/>
-              <a:t>0-1</a:t>
-            </a:r>
-            <a:r>
-              <a:rPr lang="zh-CN" altLang="en-US" dirty="0"/>
-              <a:t>损失函数</a:t>
-            </a:r>
-            <a:endParaRPr lang="en-US" altLang="zh-CN" dirty="0"/>
-          </a:p>
-          <a:p>
-            <a:endParaRPr lang="en-US" altLang="zh-CN" dirty="0"/>
-          </a:p>
-          <a:p>
-            <a:endParaRPr lang="en-US" altLang="zh-CN" dirty="0"/>
-          </a:p>
-          <a:p>
-            <a:r>
-              <a:rPr lang="zh-CN" altLang="en-US" dirty="0"/>
-              <a:t>平方损失函数</a:t>
-            </a:r>
-            <a:endParaRPr lang="en-US" altLang="zh-CN" dirty="0"/>
-          </a:p>
-          <a:p>
-            <a:pPr marL="0" indent="0">
-              <a:buNone/>
-            </a:pPr>
-            <a:endParaRPr lang="en-US" altLang="zh-CN" dirty="0"/>
-          </a:p>
-        </p:txBody>
-      </p:sp>
+      <mc:AlternateContent xmlns:mc="http://schemas.openxmlformats.org/markup-compatibility/2006" xmlns:a14="http://schemas.microsoft.com/office/drawing/2010/main">
+        <mc:Choice Requires="a14">
+          <p:sp>
+            <p:nvSpPr>
+              <p:cNvPr id="3" name="内容占位符 2"/>
+              <p:cNvSpPr>
+                <a:spLocks noGrp="1"/>
+              </p:cNvSpPr>
+              <p:nvPr>
+                <p:ph sz="quarter" idx="1"/>
+              </p:nvPr>
+            </p:nvSpPr>
+            <p:spPr/>
+            <p:txBody>
+              <a:bodyPr/>
+              <a:lstStyle/>
+              <a:p>
+                <a:r>
+                  <a:rPr lang="zh-CN" altLang="en-US" dirty="0"/>
+                  <a:t>期望风险未知，通过</a:t>
+                </a:r>
+                <a:r>
+                  <a:rPr lang="zh-CN" altLang="en-US" dirty="0">
+                    <a:solidFill>
+                      <a:srgbClr val="FF0000"/>
+                    </a:solidFill>
+                  </a:rPr>
+                  <a:t>经验风险</a:t>
+                </a:r>
+                <a:r>
+                  <a:rPr lang="zh-CN" altLang="en-US" dirty="0"/>
+                  <a:t>近似</a:t>
+                </a:r>
+                <a:endParaRPr lang="en-US" altLang="zh-CN" dirty="0"/>
+              </a:p>
+              <a:p>
+                <a:pPr lvl="1"/>
+                <a:r>
+                  <a:rPr lang="zh-CN" altLang="en-US" dirty="0"/>
+                  <a:t>训练数据：</a:t>
+                </a:r>
+                <a14:m>
+                  <m:oMath xmlns:m="http://schemas.openxmlformats.org/officeDocument/2006/math">
+                    <m:r>
+                      <a:rPr lang="zh-CN" altLang="en-US" i="1" dirty="0">
+                        <a:latin typeface="Cambria Math" panose="02040503050406030204" pitchFamily="18" charset="0"/>
+                      </a:rPr>
+                      <m:t>𝒟</m:t>
+                    </m:r>
+                    <m:r>
+                      <a:rPr lang="en-US" altLang="zh-CN" dirty="0">
+                        <a:latin typeface="Cambria Math" panose="02040503050406030204" pitchFamily="18" charset="0"/>
+                      </a:rPr>
+                      <m:t>=</m:t>
+                    </m:r>
+                    <m:d>
+                      <m:dPr>
+                        <m:begChr m:val="{"/>
+                        <m:endChr m:val="}"/>
+                        <m:ctrlPr>
+                          <a:rPr lang="en-US" altLang="zh-CN" i="1" dirty="0">
+                            <a:latin typeface="Cambria Math" panose="02040503050406030204" pitchFamily="18" charset="0"/>
+                          </a:rPr>
+                        </m:ctrlPr>
+                      </m:dPr>
+                      <m:e>
+                        <m:sSup>
+                          <m:sSupPr>
+                            <m:ctrlPr>
+                              <a:rPr lang="en-US" altLang="zh-CN" i="1" dirty="0">
+                                <a:latin typeface="Cambria Math" panose="02040503050406030204" pitchFamily="18" charset="0"/>
+                              </a:rPr>
+                            </m:ctrlPr>
+                          </m:sSupPr>
+                          <m:e>
+                            <m:r>
+                              <m:rPr>
+                                <m:sty m:val="p"/>
+                              </m:rPr>
+                              <a:rPr lang="en-US" altLang="zh-CN" dirty="0">
+                                <a:latin typeface="Cambria Math" panose="02040503050406030204" pitchFamily="18" charset="0"/>
+                              </a:rPr>
+                              <m:t>x</m:t>
+                            </m:r>
+                          </m:e>
+                          <m:sup>
+                            <m:d>
+                              <m:dPr>
+                                <m:ctrlPr>
+                                  <a:rPr lang="en-US" altLang="zh-CN" i="1" dirty="0">
+                                    <a:latin typeface="Cambria Math" panose="02040503050406030204" pitchFamily="18" charset="0"/>
+                                  </a:rPr>
+                                </m:ctrlPr>
+                              </m:dPr>
+                              <m:e>
+                                <m:r>
+                                  <m:rPr>
+                                    <m:sty m:val="p"/>
+                                  </m:rPr>
+                                  <a:rPr lang="en-US" altLang="zh-CN" i="1" dirty="0">
+                                    <a:latin typeface="Cambria Math" panose="02040503050406030204" pitchFamily="18" charset="0"/>
+                                  </a:rPr>
+                                  <m:t>n</m:t>
+                                </m:r>
+                              </m:e>
+                            </m:d>
+                          </m:sup>
+                        </m:sSup>
+                        <m:r>
+                          <a:rPr lang="en-US" altLang="zh-CN" dirty="0">
+                            <a:latin typeface="Cambria Math" panose="02040503050406030204" pitchFamily="18" charset="0"/>
+                          </a:rPr>
+                          <m:t>,</m:t>
+                        </m:r>
+                        <m:sSup>
+                          <m:sSupPr>
+                            <m:ctrlPr>
+                              <a:rPr lang="en-US" altLang="zh-CN" i="1" dirty="0">
+                                <a:latin typeface="Cambria Math" panose="02040503050406030204" pitchFamily="18" charset="0"/>
+                              </a:rPr>
+                            </m:ctrlPr>
+                          </m:sSupPr>
+                          <m:e>
+                            <m:r>
+                              <a:rPr lang="en-US" altLang="zh-CN" dirty="0">
+                                <a:latin typeface="Cambria Math" panose="02040503050406030204" pitchFamily="18" charset="0"/>
+                              </a:rPr>
+                              <m:t>𝑦</m:t>
+                            </m:r>
+                          </m:e>
+                          <m:sup>
+                            <m:d>
+                              <m:dPr>
+                                <m:ctrlPr>
+                                  <a:rPr lang="en-US" altLang="zh-CN" i="1" dirty="0">
+                                    <a:latin typeface="Cambria Math" panose="02040503050406030204" pitchFamily="18" charset="0"/>
+                                  </a:rPr>
+                                </m:ctrlPr>
+                              </m:dPr>
+                              <m:e>
+                                <m:r>
+                                  <m:rPr>
+                                    <m:sty m:val="p"/>
+                                  </m:rPr>
+                                  <a:rPr lang="en-US" altLang="zh-CN" i="1" dirty="0">
+                                    <a:latin typeface="Cambria Math" panose="02040503050406030204" pitchFamily="18" charset="0"/>
+                                  </a:rPr>
+                                  <m:t>n</m:t>
+                                </m:r>
+                              </m:e>
+                            </m:d>
+                          </m:sup>
+                        </m:sSup>
+                      </m:e>
+                    </m:d>
+                    <m:r>
+                      <a:rPr lang="en-US" altLang="zh-CN" dirty="0">
+                        <a:latin typeface="Cambria Math" panose="02040503050406030204" pitchFamily="18" charset="0"/>
+                      </a:rPr>
+                      <m:t>, </m:t>
+                    </m:r>
+                    <m:r>
+                      <a:rPr lang="en-US" altLang="zh-CN" dirty="0">
+                        <a:latin typeface="Cambria Math" panose="02040503050406030204" pitchFamily="18" charset="0"/>
+                      </a:rPr>
+                      <m:t>𝑖</m:t>
+                    </m:r>
+                    <m:r>
+                      <a:rPr lang="en-US" altLang="zh-CN" dirty="0">
+                        <a:latin typeface="Cambria Math" panose="02040503050406030204" pitchFamily="18" charset="0"/>
+                      </a:rPr>
+                      <m:t>∈[1,</m:t>
+                    </m:r>
+                    <m:r>
+                      <a:rPr lang="en-US" altLang="zh-CN" dirty="0">
+                        <a:latin typeface="Cambria Math" panose="02040503050406030204" pitchFamily="18" charset="0"/>
+                      </a:rPr>
+                      <m:t>𝑁</m:t>
+                    </m:r>
+                    <m:r>
+                      <a:rPr lang="en-US" altLang="zh-CN" dirty="0">
+                        <a:latin typeface="Cambria Math" panose="02040503050406030204" pitchFamily="18" charset="0"/>
+                      </a:rPr>
+                      <m:t>]</m:t>
+                    </m:r>
+                  </m:oMath>
+                </a14:m>
+                <a:endParaRPr lang="en-US" altLang="zh-CN" dirty="0"/>
+              </a:p>
+              <a:p>
+                <a:pPr lvl="1"/>
+                <a:endParaRPr lang="en-US" altLang="zh-CN" dirty="0"/>
+              </a:p>
+              <a:p>
+                <a:endParaRPr lang="en-US" altLang="zh-CN" dirty="0"/>
+              </a:p>
+              <a:p>
+                <a:endParaRPr lang="en-US" altLang="zh-CN" dirty="0"/>
+              </a:p>
+              <a:p>
+                <a:r>
+                  <a:rPr lang="zh-CN" altLang="en-US" dirty="0">
+                    <a:solidFill>
+                      <a:srgbClr val="FF0000"/>
+                    </a:solidFill>
+                  </a:rPr>
+                  <a:t>经验风险最小化</a:t>
+                </a:r>
+                <a:endParaRPr lang="en-US" altLang="zh-CN" dirty="0">
+                  <a:solidFill>
+                    <a:srgbClr val="FF0000"/>
+                  </a:solidFill>
+                </a:endParaRPr>
+              </a:p>
+              <a:p>
+                <a:pPr lvl="1"/>
+                <a:r>
+                  <a:rPr lang="zh-CN" altLang="en-US" dirty="0"/>
+                  <a:t>在选择合适的风险函数后，我们寻找一个参数</a:t>
+                </a:r>
+                <a:r>
+                  <a:rPr lang="en-US" altLang="zh-CN" dirty="0"/>
+                  <a:t>θ</a:t>
+                </a:r>
+                <a:r>
+                  <a:rPr lang="en-US" altLang="zh-CN" baseline="30000" dirty="0"/>
+                  <a:t>∗</a:t>
+                </a:r>
+                <a:r>
+                  <a:rPr lang="en-US" altLang="zh-CN" dirty="0"/>
+                  <a:t> </a:t>
+                </a:r>
+                <a:r>
+                  <a:rPr lang="zh-CN" altLang="en-US" dirty="0"/>
+                  <a:t>，使得经验风险函数最小化。</a:t>
+                </a:r>
+                <a:endParaRPr lang="en-US" altLang="zh-CN" dirty="0"/>
+              </a:p>
+              <a:p>
+                <a:endParaRPr lang="en-US" altLang="zh-CN" dirty="0"/>
+              </a:p>
+              <a:p>
+                <a:pPr marL="0" indent="0">
+                  <a:buNone/>
+                </a:pPr>
+                <a:endParaRPr lang="en-US" altLang="zh-CN" dirty="0"/>
+              </a:p>
+              <a:p>
+                <a:r>
+                  <a:rPr lang="zh-CN" altLang="en-US" dirty="0"/>
+                  <a:t>机器学习问题转化成为一个</a:t>
+                </a:r>
+                <a:r>
+                  <a:rPr lang="zh-CN" altLang="en-US" dirty="0">
+                    <a:solidFill>
+                      <a:srgbClr val="FF0000"/>
+                    </a:solidFill>
+                  </a:rPr>
+                  <a:t>最优化问题</a:t>
+                </a:r>
+              </a:p>
+            </p:txBody>
+          </p:sp>
+        </mc:Choice>
+        <mc:Fallback xmlns="">
+          <p:sp>
+            <p:nvSpPr>
+              <p:cNvPr id="3" name="内容占位符 2"/>
+              <p:cNvSpPr>
+                <a:spLocks noGrp="1" noRot="1" noChangeAspect="1" noMove="1" noResize="1" noEditPoints="1" noAdjustHandles="1" noChangeArrowheads="1" noChangeShapeType="1" noTextEdit="1"/>
+              </p:cNvSpPr>
+              <p:nvPr>
+                <p:ph sz="quarter" idx="1"/>
+              </p:nvPr>
+            </p:nvSpPr>
+            <p:spPr>
+              <a:blipFill>
+                <a:blip r:embed="rId4"/>
+                <a:stretch>
+                  <a:fillRect l="-741" t="-1235" r="-963" b="-7284"/>
+                </a:stretch>
+              </a:blipFill>
+            </p:spPr>
+            <p:txBody>
+              <a:bodyPr/>
+              <a:lstStyle/>
+              <a:p>
+                <a:r>
+                  <a:rPr lang="zh-CN" altLang="en-US">
+                    <a:noFill/>
+                  </a:rPr>
+                  <a:t> </a:t>
+                </a:r>
+              </a:p>
+            </p:txBody>
+          </p:sp>
+        </mc:Fallback>
+      </mc:AlternateContent>
       <p:pic>
         <p:nvPicPr>
-          <p:cNvPr id="4" name="图片 3" descr="屏幕剪辑"/>
+          <p:cNvPr id="7" name="图片 6" descr="屏幕剪辑"/>
           <p:cNvPicPr>
             <a:picLocks noChangeAspect="1"/>
           </p:cNvPicPr>
           <p:nvPr/>
         </p:nvPicPr>
         <p:blipFill>
-          <a:blip r:embed="rId2">
+          <a:blip r:embed="rId5">
             <a:extLst>
               <a:ext uri="{28A0092B-C50C-407E-A947-70E740481C1C}">
-                <a14:useLocalDpi xmlns:a14="http://schemas.microsoft.com/office/drawing/2010/main"/>
+                <a14:useLocalDpi xmlns:a14="http://schemas.microsoft.com/office/drawing/2010/main" val="0"/>
               </a:ext>
             </a:extLst>
           </a:blip>
@@ -8110,8 +8494,8 @@
         </p:blipFill>
         <p:spPr>
           <a:xfrm>
-            <a:off x="3886200" y="1676400"/>
-            <a:ext cx="3629532" cy="990738"/>
+            <a:off x="3505200" y="2350533"/>
+            <a:ext cx="4433826" cy="911689"/>
           </a:xfrm>
           <a:prstGeom prst="rect">
             <a:avLst/>
@@ -8120,17 +8504,17 @@
       </p:pic>
       <p:pic>
         <p:nvPicPr>
-          <p:cNvPr id="5" name="图片 4" descr="屏幕剪辑"/>
+          <p:cNvPr id="8" name="图片 7" descr="屏幕剪辑"/>
           <p:cNvPicPr>
             <a:picLocks noChangeAspect="1"/>
           </p:cNvPicPr>
           <p:nvPr/>
         </p:nvPicPr>
         <p:blipFill>
-          <a:blip r:embed="rId3">
+          <a:blip r:embed="rId6">
             <a:extLst>
               <a:ext uri="{28A0092B-C50C-407E-A947-70E740481C1C}">
-                <a14:useLocalDpi xmlns:a14="http://schemas.microsoft.com/office/drawing/2010/main"/>
+                <a14:useLocalDpi xmlns:a14="http://schemas.microsoft.com/office/drawing/2010/main" val="0"/>
               </a:ext>
             </a:extLst>
           </a:blip>
@@ -8140,8 +8524,8 @@
         </p:blipFill>
         <p:spPr>
           <a:xfrm>
-            <a:off x="4267200" y="3916680"/>
-            <a:ext cx="3200400" cy="665683"/>
+            <a:off x="4191000" y="4572000"/>
+            <a:ext cx="3227673" cy="848148"/>
           </a:xfrm>
           <a:prstGeom prst="rect">
             <a:avLst/>
@@ -8151,7 +8535,7 @@
     </p:spTree>
     <p:extLst>
       <p:ext uri="{BB962C8B-B14F-4D97-AF65-F5344CB8AC3E}">
-        <p14:creationId xmlns:p14="http://schemas.microsoft.com/office/powerpoint/2010/main" val="2729636745"/>
+        <p14:creationId xmlns:p14="http://schemas.microsoft.com/office/powerpoint/2010/main" val="30895941"/>
       </p:ext>
     </p:extLst>
   </p:cSld>
@@ -8893,28 +9277,6 @@
           <a:chExt cx="0" cy="0"/>
         </a:xfrm>
       </p:grpSpPr>
-      <p:sp>
-        <p:nvSpPr>
-          <p:cNvPr id="2" name="标题 1"/>
-          <p:cNvSpPr>
-            <a:spLocks noGrp="1"/>
-          </p:cNvSpPr>
-          <p:nvPr>
-            <p:ph type="title"/>
-          </p:nvPr>
-        </p:nvSpPr>
-        <p:spPr/>
-        <p:txBody>
-          <a:bodyPr/>
-          <a:lstStyle/>
-          <a:p>
-            <a:r>
-              <a:rPr lang="zh-CN" altLang="en-US" dirty="0"/>
-              <a:t> 随机梯度下降法</a:t>
-            </a:r>
-          </a:p>
-        </p:txBody>
-      </p:sp>
       <p:pic>
         <p:nvPicPr>
           <p:cNvPr id="5" name="图片 4">
@@ -8930,7 +9292,7 @@
           <p:nvPr/>
         </p:nvPicPr>
         <p:blipFill>
-          <a:blip r:embed="rId2">
+          <a:blip r:embed="rId3">
             <a:extLst>
               <a:ext uri="{28A0092B-C50C-407E-A947-70E740481C1C}">
                 <a14:useLocalDpi xmlns:a14="http://schemas.microsoft.com/office/drawing/2010/main" val="0"/>
@@ -8953,6 +9315,28 @@
       </p:pic>
       <p:sp>
         <p:nvSpPr>
+          <p:cNvPr id="2" name="标题 1"/>
+          <p:cNvSpPr>
+            <a:spLocks noGrp="1"/>
+          </p:cNvSpPr>
+          <p:nvPr>
+            <p:ph type="title"/>
+          </p:nvPr>
+        </p:nvSpPr>
+        <p:spPr/>
+        <p:txBody>
+          <a:bodyPr/>
+          <a:lstStyle/>
+          <a:p>
+            <a:r>
+              <a:rPr lang="zh-CN" altLang="en-US" dirty="0"/>
+              <a:t> 随机梯度下降法</a:t>
+            </a:r>
+          </a:p>
+        </p:txBody>
+      </p:sp>
+      <p:sp>
+        <p:nvSpPr>
           <p:cNvPr id="6" name="矩形 5">
             <a:extLst>
               <a:ext uri="{FF2B5EF4-FFF2-40B4-BE49-F238E27FC236}">
@@ -8965,8 +9349,8 @@
         </p:nvSpPr>
         <p:spPr>
           <a:xfrm>
-            <a:off x="5584535" y="4303069"/>
-            <a:ext cx="184731" cy="461665"/>
+            <a:off x="5486401" y="4267200"/>
+            <a:ext cx="152399" cy="497535"/>
           </a:xfrm>
           <a:prstGeom prst="rect">
             <a:avLst/>
@@ -8988,7 +9372,7 @@
           </a:fontRef>
         </p:style>
         <p:txBody>
-          <a:bodyPr wrap="none" rtlCol="0" anchor="ctr">
+          <a:bodyPr wrap="square" rtlCol="0" anchor="ctr">
             <a:spAutoFit/>
           </a:bodyPr>
           <a:lstStyle/>
@@ -9049,6 +9433,9 @@
         </p:txBody>
       </p:sp>
     </p:spTree>
+    <p:custDataLst>
+      <p:tags r:id="rId1"/>
+    </p:custDataLst>
     <p:extLst>
       <p:ext uri="{BB962C8B-B14F-4D97-AF65-F5344CB8AC3E}">
         <p14:creationId xmlns:p14="http://schemas.microsoft.com/office/powerpoint/2010/main" val="2297471300"/>
@@ -9291,7 +9678,7 @@
           <p:nvPr/>
         </p:nvPicPr>
         <p:blipFill>
-          <a:blip r:embed="rId2">
+          <a:blip r:embed="rId3">
             <a:extLst>
               <a:ext uri="{28A0092B-C50C-407E-A947-70E740481C1C}">
                 <a14:useLocalDpi xmlns:a14="http://schemas.microsoft.com/office/drawing/2010/main" val="0"/>
@@ -9403,6 +9790,9 @@
         </p:txBody>
       </p:sp>
     </p:spTree>
+    <p:custDataLst>
+      <p:tags r:id="rId1"/>
+    </p:custDataLst>
     <p:extLst>
       <p:ext uri="{BB962C8B-B14F-4D97-AF65-F5344CB8AC3E}">
         <p14:creationId xmlns:p14="http://schemas.microsoft.com/office/powerpoint/2010/main" val="3459532084"/>
@@ -9762,7 +10152,7 @@
           <p:nvPr/>
         </p:nvPicPr>
         <p:blipFill>
-          <a:blip r:embed="rId3">
+          <a:blip r:embed="rId4">
             <a:extLst>
               <a:ext uri="{28A0092B-C50C-407E-A947-70E740481C1C}">
                 <a14:useLocalDpi xmlns:a14="http://schemas.microsoft.com/office/drawing/2010/main"/>
@@ -9887,7 +10277,7 @@
           <p:nvPr/>
         </p:nvPicPr>
         <p:blipFill>
-          <a:blip r:embed="rId4" cstate="print">
+          <a:blip r:embed="rId5" cstate="print">
             <a:extLst>
               <a:ext uri="{28A0092B-C50C-407E-A947-70E740481C1C}">
                 <a14:useLocalDpi xmlns:a14="http://schemas.microsoft.com/office/drawing/2010/main"/>
@@ -9917,7 +10307,7 @@
           <p:nvPr/>
         </p:nvPicPr>
         <p:blipFill>
-          <a:blip r:embed="rId5">
+          <a:blip r:embed="rId6">
             <a:extLst>
               <a:ext uri="{28A0092B-C50C-407E-A947-70E740481C1C}">
                 <a14:useLocalDpi xmlns:a14="http://schemas.microsoft.com/office/drawing/2010/main"/>
@@ -9949,8 +10339,8 @@
           </a:extLst>
         </p:spPr>
       </p:pic>
-      <mc:AlternateContent xmlns:mc="http://schemas.openxmlformats.org/markup-compatibility/2006">
-        <mc:Choice xmlns:a14="http://schemas.microsoft.com/office/drawing/2010/main" Requires="a14">
+      <mc:AlternateContent xmlns:mc="http://schemas.openxmlformats.org/markup-compatibility/2006" xmlns:a14="http://schemas.microsoft.com/office/drawing/2010/main">
+        <mc:Choice Requires="a14">
           <p:sp>
             <p:nvSpPr>
               <p:cNvPr id="12" name="矩形 11"/>
@@ -10000,7 +10390,7 @@
             </p:txBody>
           </p:sp>
         </mc:Choice>
-        <mc:Fallback>
+        <mc:Fallback xmlns="">
           <p:sp>
             <p:nvSpPr>
               <p:cNvPr id="12" name="矩形 11"/>
@@ -10018,7 +10408,7 @@
                 <a:avLst/>
               </a:prstGeom>
               <a:blipFill>
-                <a:blip r:embed="rId6"/>
+                <a:blip r:embed="rId9"/>
                 <a:stretch>
                   <a:fillRect/>
                 </a:stretch>
@@ -10048,7 +10438,7 @@
           <p:nvPr/>
         </p:nvPicPr>
         <p:blipFill>
-          <a:blip r:embed="rId7">
+          <a:blip r:embed="rId10">
             <a:extLst>
               <a:ext uri="{28A0092B-C50C-407E-A947-70E740481C1C}">
                 <a14:useLocalDpi xmlns:a14="http://schemas.microsoft.com/office/drawing/2010/main" val="0"/>
@@ -10078,7 +10468,7 @@
           <p:nvPr/>
         </p:nvPicPr>
         <p:blipFill>
-          <a:blip r:embed="rId8">
+          <a:blip r:embed="rId11">
             <a:extLst>
               <a:ext uri="{28A0092B-C50C-407E-A947-70E740481C1C}">
                 <a14:useLocalDpi xmlns:a14="http://schemas.microsoft.com/office/drawing/2010/main" val="0"/>
@@ -10100,6 +10490,9 @@
         </p:spPr>
       </p:pic>
     </p:spTree>
+    <p:custDataLst>
+      <p:tags r:id="rId1"/>
+    </p:custDataLst>
     <p:extLst>
       <p:ext uri="{BB962C8B-B14F-4D97-AF65-F5344CB8AC3E}">
         <p14:creationId xmlns:p14="http://schemas.microsoft.com/office/powerpoint/2010/main" val="1941438020"/>
@@ -10547,7 +10940,23 @@
             <a:pPr lvl="1"/>
             <a:r>
               <a:rPr lang="zh-CN" altLang="en-US" dirty="0"/>
+              <a:t>经验风险最小化</a:t>
+            </a:r>
+            <a:endParaRPr lang="en-US" altLang="zh-CN" dirty="0"/>
+          </a:p>
+          <a:p>
+            <a:pPr lvl="2"/>
+            <a:r>
+              <a:rPr lang="zh-CN" altLang="en-US" dirty="0"/>
               <a:t>最小均方误差</a:t>
+            </a:r>
+            <a:endParaRPr lang="en-US" altLang="zh-CN" dirty="0"/>
+          </a:p>
+          <a:p>
+            <a:pPr lvl="1"/>
+            <a:r>
+              <a:rPr lang="zh-CN" altLang="en-US" dirty="0"/>
+              <a:t>结构风险最小化</a:t>
             </a:r>
             <a:endParaRPr lang="en-US" altLang="zh-CN" dirty="0"/>
           </a:p>
@@ -10661,7 +11070,7 @@
         </p:xfrm>
         <a:graphic>
           <a:graphicData uri="http://schemas.openxmlformats.org/drawingml/2006/diagram">
-            <dgm:relIds xmlns:dgm="http://schemas.openxmlformats.org/drawingml/2006/diagram" xmlns:r="http://schemas.openxmlformats.org/officeDocument/2006/relationships" r:dm="rId2" r:lo="rId3" r:qs="rId4" r:cs="rId5"/>
+            <dgm:relIds xmlns:dgm="http://schemas.openxmlformats.org/drawingml/2006/diagram" xmlns:r="http://schemas.openxmlformats.org/officeDocument/2006/relationships" r:dm="rId3" r:lo="rId4" r:qs="rId5" r:cs="rId6"/>
           </a:graphicData>
         </a:graphic>
       </p:graphicFrame>
@@ -10674,7 +11083,7 @@
           <p:nvPr/>
         </p:nvPicPr>
         <p:blipFill>
-          <a:blip r:embed="rId7">
+          <a:blip r:embed="rId8">
             <a:extLst>
               <a:ext uri="{28A0092B-C50C-407E-A947-70E740481C1C}">
                 <a14:useLocalDpi xmlns:a14="http://schemas.microsoft.com/office/drawing/2010/main"/>
@@ -10809,7 +11218,7 @@
           <p:nvPr/>
         </p:nvPicPr>
         <p:blipFill>
-          <a:blip r:embed="rId8">
+          <a:blip r:embed="rId9">
             <a:extLst>
               <a:ext uri="{28A0092B-C50C-407E-A947-70E740481C1C}">
                 <a14:useLocalDpi xmlns:a14="http://schemas.microsoft.com/office/drawing/2010/main" val="0"/>
@@ -10831,6 +11240,9 @@
         </p:spPr>
       </p:pic>
     </p:spTree>
+    <p:custDataLst>
+      <p:tags r:id="rId1"/>
+    </p:custDataLst>
     <p:extLst>
       <p:ext uri="{BB962C8B-B14F-4D97-AF65-F5344CB8AC3E}">
         <p14:creationId xmlns:p14="http://schemas.microsoft.com/office/powerpoint/2010/main" val="35053506"/>
@@ -11820,6 +12232,287 @@
           <p:cNvPr id="2" name="标题 1">
             <a:extLst>
               <a:ext uri="{FF2B5EF4-FFF2-40B4-BE49-F238E27FC236}">
+                <a16:creationId xmlns:a16="http://schemas.microsoft.com/office/drawing/2014/main" id="{06D319F9-C321-4581-9137-F329632356C2}"/>
+              </a:ext>
+            </a:extLst>
+          </p:cNvPr>
+          <p:cNvSpPr>
+            <a:spLocks noGrp="1"/>
+          </p:cNvSpPr>
+          <p:nvPr>
+            <p:ph type="ctrTitle"/>
+          </p:nvPr>
+        </p:nvSpPr>
+        <p:spPr/>
+        <p:txBody>
+          <a:bodyPr/>
+          <a:lstStyle/>
+          <a:p>
+            <a:r>
+              <a:rPr lang="zh-CN" altLang="en-US" dirty="0"/>
+              <a:t>经验风险最小化</a:t>
+            </a:r>
+          </a:p>
+        </p:txBody>
+      </p:sp>
+    </p:spTree>
+    <p:extLst>
+      <p:ext uri="{BB962C8B-B14F-4D97-AF65-F5344CB8AC3E}">
+        <p14:creationId xmlns:p14="http://schemas.microsoft.com/office/powerpoint/2010/main" val="3176470872"/>
+      </p:ext>
+    </p:extLst>
+  </p:cSld>
+  <p:clrMapOvr>
+    <a:masterClrMapping/>
+  </p:clrMapOvr>
+</p:sld>
+</file>
+
+<file path=ppt/slides/slide26.xml><?xml version="1.0" encoding="utf-8"?>
+<p:sld xmlns:a="http://schemas.openxmlformats.org/drawingml/2006/main" xmlns:r="http://schemas.openxmlformats.org/officeDocument/2006/relationships" xmlns:p="http://schemas.openxmlformats.org/presentationml/2006/main">
+  <p:cSld>
+    <p:spTree>
+      <p:nvGrpSpPr>
+        <p:cNvPr id="1" name=""/>
+        <p:cNvGrpSpPr/>
+        <p:nvPr/>
+      </p:nvGrpSpPr>
+      <p:grpSpPr>
+        <a:xfrm>
+          <a:off x="0" y="0"/>
+          <a:ext cx="0" cy="0"/>
+          <a:chOff x="0" y="0"/>
+          <a:chExt cx="0" cy="0"/>
+        </a:xfrm>
+      </p:grpSpPr>
+      <p:sp>
+        <p:nvSpPr>
+          <p:cNvPr id="2" name="标题 1">
+            <a:extLst>
+              <a:ext uri="{FF2B5EF4-FFF2-40B4-BE49-F238E27FC236}">
+                <a16:creationId xmlns:a16="http://schemas.microsoft.com/office/drawing/2014/main" id="{46DB9BF0-5CAB-4941-BFCC-FB6576DC619B}"/>
+              </a:ext>
+            </a:extLst>
+          </p:cNvPr>
+          <p:cNvSpPr>
+            <a:spLocks noGrp="1"/>
+          </p:cNvSpPr>
+          <p:nvPr>
+            <p:ph type="title"/>
+          </p:nvPr>
+        </p:nvSpPr>
+        <p:spPr/>
+        <p:txBody>
+          <a:bodyPr/>
+          <a:lstStyle/>
+          <a:p>
+            <a:r>
+              <a:rPr lang="zh-CN" altLang="en-US" dirty="0"/>
+              <a:t>矩阵微积分</a:t>
+            </a:r>
+          </a:p>
+        </p:txBody>
+      </p:sp>
+      <p:sp>
+        <p:nvSpPr>
+          <p:cNvPr id="3" name="内容占位符 2">
+            <a:extLst>
+              <a:ext uri="{FF2B5EF4-FFF2-40B4-BE49-F238E27FC236}">
+                <a16:creationId xmlns:a16="http://schemas.microsoft.com/office/drawing/2014/main" id="{35E38650-AFC7-49D1-9450-DFCCD8A302E8}"/>
+              </a:ext>
+            </a:extLst>
+          </p:cNvPr>
+          <p:cNvSpPr>
+            <a:spLocks noGrp="1"/>
+          </p:cNvSpPr>
+          <p:nvPr>
+            <p:ph sz="quarter" idx="1"/>
+          </p:nvPr>
+        </p:nvSpPr>
+        <p:spPr/>
+        <p:txBody>
+          <a:bodyPr/>
+          <a:lstStyle/>
+          <a:p>
+            <a:r>
+              <a:rPr lang="zh-CN" altLang="en-US" dirty="0"/>
+              <a:t>标量关于向量的偏导数</a:t>
+            </a:r>
+            <a:endParaRPr lang="en-US" altLang="zh-CN" dirty="0"/>
+          </a:p>
+          <a:p>
+            <a:endParaRPr lang="en-US" altLang="zh-CN" dirty="0"/>
+          </a:p>
+          <a:p>
+            <a:endParaRPr lang="en-US" altLang="zh-CN" dirty="0"/>
+          </a:p>
+          <a:p>
+            <a:r>
+              <a:rPr lang="zh-CN" altLang="en-US" dirty="0"/>
+              <a:t>向量关于向量的偏导数</a:t>
+            </a:r>
+            <a:endParaRPr lang="en-US" altLang="zh-CN" dirty="0"/>
+          </a:p>
+          <a:p>
+            <a:endParaRPr lang="en-US" altLang="zh-CN" dirty="0"/>
+          </a:p>
+          <a:p>
+            <a:endParaRPr lang="en-US" altLang="zh-CN" dirty="0"/>
+          </a:p>
+          <a:p>
+            <a:endParaRPr lang="en-US" altLang="zh-CN" dirty="0"/>
+          </a:p>
+          <a:p>
+            <a:r>
+              <a:rPr lang="zh-CN" altLang="en-US" dirty="0"/>
+              <a:t>向量函数及其导数</a:t>
+            </a:r>
+          </a:p>
+        </p:txBody>
+      </p:sp>
+      <p:pic>
+        <p:nvPicPr>
+          <p:cNvPr id="5" name="图片 4">
+            <a:extLst>
+              <a:ext uri="{FF2B5EF4-FFF2-40B4-BE49-F238E27FC236}">
+                <a16:creationId xmlns:a16="http://schemas.microsoft.com/office/drawing/2014/main" id="{59ED8545-71FB-4E86-8F98-FCE901A6F1A8}"/>
+              </a:ext>
+            </a:extLst>
+          </p:cNvPr>
+          <p:cNvPicPr>
+            <a:picLocks noChangeAspect="1"/>
+          </p:cNvPicPr>
+          <p:nvPr/>
+        </p:nvPicPr>
+        <p:blipFill>
+          <a:blip r:embed="rId2">
+            <a:extLst>
+              <a:ext uri="{28A0092B-C50C-407E-A947-70E740481C1C}">
+                <a14:useLocalDpi xmlns:a14="http://schemas.microsoft.com/office/drawing/2010/main" val="0"/>
+              </a:ext>
+            </a:extLst>
+          </a:blip>
+          <a:stretch>
+            <a:fillRect/>
+          </a:stretch>
+        </p:blipFill>
+        <p:spPr>
+          <a:xfrm>
+            <a:off x="4343400" y="1905000"/>
+            <a:ext cx="1964923" cy="593287"/>
+          </a:xfrm>
+          <a:prstGeom prst="rect">
+            <a:avLst/>
+          </a:prstGeom>
+        </p:spPr>
+      </p:pic>
+      <p:pic>
+        <p:nvPicPr>
+          <p:cNvPr id="7" name="图片 6">
+            <a:extLst>
+              <a:ext uri="{FF2B5EF4-FFF2-40B4-BE49-F238E27FC236}">
+                <a16:creationId xmlns:a16="http://schemas.microsoft.com/office/drawing/2014/main" id="{25446110-F5B9-4EEC-A881-FEFFC5A114D7}"/>
+              </a:ext>
+            </a:extLst>
+          </p:cNvPr>
+          <p:cNvPicPr>
+            <a:picLocks noChangeAspect="1"/>
+          </p:cNvPicPr>
+          <p:nvPr/>
+        </p:nvPicPr>
+        <p:blipFill>
+          <a:blip r:embed="rId3">
+            <a:extLst>
+              <a:ext uri="{28A0092B-C50C-407E-A947-70E740481C1C}">
+                <a14:useLocalDpi xmlns:a14="http://schemas.microsoft.com/office/drawing/2010/main" val="0"/>
+              </a:ext>
+            </a:extLst>
+          </a:blip>
+          <a:stretch>
+            <a:fillRect/>
+          </a:stretch>
+        </p:blipFill>
+        <p:spPr>
+          <a:xfrm>
+            <a:off x="5029200" y="5029200"/>
+            <a:ext cx="1219232" cy="1562141"/>
+          </a:xfrm>
+          <a:prstGeom prst="rect">
+            <a:avLst/>
+          </a:prstGeom>
+        </p:spPr>
+      </p:pic>
+      <p:pic>
+        <p:nvPicPr>
+          <p:cNvPr id="9" name="图片 8">
+            <a:extLst>
+              <a:ext uri="{FF2B5EF4-FFF2-40B4-BE49-F238E27FC236}">
+                <a16:creationId xmlns:a16="http://schemas.microsoft.com/office/drawing/2014/main" id="{00D9B588-5ACF-42B0-BB54-72B36B405C1E}"/>
+              </a:ext>
+            </a:extLst>
+          </p:cNvPr>
+          <p:cNvPicPr>
+            <a:picLocks noChangeAspect="1"/>
+          </p:cNvPicPr>
+          <p:nvPr/>
+        </p:nvPicPr>
+        <p:blipFill>
+          <a:blip r:embed="rId4">
+            <a:extLst>
+              <a:ext uri="{28A0092B-C50C-407E-A947-70E740481C1C}">
+                <a14:useLocalDpi xmlns:a14="http://schemas.microsoft.com/office/drawing/2010/main" val="0"/>
+              </a:ext>
+            </a:extLst>
+          </a:blip>
+          <a:stretch>
+            <a:fillRect/>
+          </a:stretch>
+        </p:blipFill>
+        <p:spPr>
+          <a:xfrm>
+            <a:off x="4252966" y="3276600"/>
+            <a:ext cx="2498337" cy="1491382"/>
+          </a:xfrm>
+          <a:prstGeom prst="rect">
+            <a:avLst/>
+          </a:prstGeom>
+        </p:spPr>
+      </p:pic>
+    </p:spTree>
+    <p:extLst>
+      <p:ext uri="{BB962C8B-B14F-4D97-AF65-F5344CB8AC3E}">
+        <p14:creationId xmlns:p14="http://schemas.microsoft.com/office/powerpoint/2010/main" val="1044423139"/>
+      </p:ext>
+    </p:extLst>
+  </p:cSld>
+  <p:clrMapOvr>
+    <a:masterClrMapping/>
+  </p:clrMapOvr>
+</p:sld>
+</file>
+
+<file path=ppt/slides/slide27.xml><?xml version="1.0" encoding="utf-8"?>
+<p:sld xmlns:a="http://schemas.openxmlformats.org/drawingml/2006/main" xmlns:r="http://schemas.openxmlformats.org/officeDocument/2006/relationships" xmlns:p="http://schemas.openxmlformats.org/presentationml/2006/main">
+  <p:cSld>
+    <p:spTree>
+      <p:nvGrpSpPr>
+        <p:cNvPr id="1" name=""/>
+        <p:cNvGrpSpPr/>
+        <p:nvPr/>
+      </p:nvGrpSpPr>
+      <p:grpSpPr>
+        <a:xfrm>
+          <a:off x="0" y="0"/>
+          <a:ext cx="0" cy="0"/>
+          <a:chOff x="0" y="0"/>
+          <a:chExt cx="0" cy="0"/>
+        </a:xfrm>
+      </p:grpSpPr>
+      <p:sp>
+        <p:nvSpPr>
+          <p:cNvPr id="2" name="标题 1">
+            <a:extLst>
+              <a:ext uri="{FF2B5EF4-FFF2-40B4-BE49-F238E27FC236}">
                 <a16:creationId xmlns:a16="http://schemas.microsoft.com/office/drawing/2014/main" id="{EB1AFBEE-5D6F-4A1E-AD09-2FAFD35E9F69}"/>
               </a:ext>
             </a:extLst>
@@ -11899,13 +12592,6 @@
             <a:endParaRPr lang="en-US" altLang="zh-CN" dirty="0"/>
           </a:p>
           <a:p>
-            <a:r>
-              <a:rPr lang="zh-CN" altLang="en-US" dirty="0"/>
-              <a:t>优化</a:t>
-            </a:r>
-            <a:endParaRPr lang="en-US" altLang="zh-CN" dirty="0"/>
-          </a:p>
-          <a:p>
             <a:endParaRPr lang="en-US" altLang="zh-CN" dirty="0"/>
           </a:p>
           <a:p>
@@ -11916,10 +12602,10 @@
       </p:sp>
       <p:pic>
         <p:nvPicPr>
-          <p:cNvPr id="5" name="图片 4">
+          <p:cNvPr id="7" name="图片 6">
             <a:extLst>
               <a:ext uri="{FF2B5EF4-FFF2-40B4-BE49-F238E27FC236}">
-                <a16:creationId xmlns:a16="http://schemas.microsoft.com/office/drawing/2014/main" id="{FC999F56-D6C4-4DA3-BB24-EA14A1616E38}"/>
+                <a16:creationId xmlns:a16="http://schemas.microsoft.com/office/drawing/2014/main" id="{86BBA2B6-ED83-4379-B852-D1167446F506}"/>
               </a:ext>
             </a:extLst>
           </p:cNvPr>
@@ -11929,15 +12615,234 @@
           <p:nvPr/>
         </p:nvPicPr>
         <p:blipFill>
-          <a:blip r:embed="rId3"/>
+          <a:blip r:embed="rId3">
+            <a:extLst>
+              <a:ext uri="{28A0092B-C50C-407E-A947-70E740481C1C}">
+                <a14:useLocalDpi xmlns:a14="http://schemas.microsoft.com/office/drawing/2010/main" val="0"/>
+              </a:ext>
+            </a:extLst>
+          </a:blip>
           <a:stretch>
             <a:fillRect/>
           </a:stretch>
         </p:blipFill>
         <p:spPr>
           <a:xfrm>
-            <a:off x="3352800" y="1447801"/>
-            <a:ext cx="2895600" cy="714375"/>
+            <a:off x="1414130" y="3342369"/>
+            <a:ext cx="3581400" cy="2296431"/>
+          </a:xfrm>
+          <a:prstGeom prst="rect">
+            <a:avLst/>
+          </a:prstGeom>
+        </p:spPr>
+      </p:pic>
+      <p:grpSp>
+        <p:nvGrpSpPr>
+          <p:cNvPr id="4" name="组合 3">
+            <a:extLst>
+              <a:ext uri="{FF2B5EF4-FFF2-40B4-BE49-F238E27FC236}">
+                <a16:creationId xmlns:a16="http://schemas.microsoft.com/office/drawing/2014/main" id="{EB1554C9-270B-4CE4-BBF1-FB3A670B4C63}"/>
+              </a:ext>
+            </a:extLst>
+          </p:cNvPr>
+          <p:cNvGrpSpPr/>
+          <p:nvPr/>
+        </p:nvGrpSpPr>
+        <p:grpSpPr>
+          <a:xfrm>
+            <a:off x="1828800" y="1694821"/>
+            <a:ext cx="2209800" cy="585964"/>
+            <a:chOff x="2895600" y="1617852"/>
+            <a:chExt cx="2209800" cy="585964"/>
+          </a:xfrm>
+        </p:grpSpPr>
+        <p:pic>
+          <p:nvPicPr>
+            <p:cNvPr id="5" name="图片 4">
+              <a:extLst>
+                <a:ext uri="{FF2B5EF4-FFF2-40B4-BE49-F238E27FC236}">
+                  <a16:creationId xmlns:a16="http://schemas.microsoft.com/office/drawing/2014/main" id="{FC999F56-D6C4-4DA3-BB24-EA14A1616E38}"/>
+                </a:ext>
+              </a:extLst>
+            </p:cNvPr>
+            <p:cNvPicPr>
+              <a:picLocks noChangeAspect="1"/>
+            </p:cNvPicPr>
+            <p:nvPr/>
+          </p:nvPicPr>
+          <p:blipFill>
+            <a:blip r:embed="rId4"/>
+            <a:stretch>
+              <a:fillRect/>
+            </a:stretch>
+          </p:blipFill>
+          <p:spPr>
+            <a:xfrm>
+              <a:off x="2895600" y="1617852"/>
+              <a:ext cx="2209800" cy="545181"/>
+            </a:xfrm>
+            <a:prstGeom prst="rect">
+              <a:avLst/>
+            </a:prstGeom>
+          </p:spPr>
+        </p:pic>
+        <p:pic>
+          <p:nvPicPr>
+            <p:cNvPr id="13" name="图片 12">
+              <a:extLst>
+                <a:ext uri="{FF2B5EF4-FFF2-40B4-BE49-F238E27FC236}">
+                  <a16:creationId xmlns:a16="http://schemas.microsoft.com/office/drawing/2014/main" id="{A461D68A-4D78-4500-80A3-8048125EE9AF}"/>
+                </a:ext>
+              </a:extLst>
+            </p:cNvPr>
+            <p:cNvPicPr>
+              <a:picLocks noChangeAspect="1"/>
+            </p:cNvPicPr>
+            <p:nvPr/>
+          </p:nvPicPr>
+          <p:blipFill>
+            <a:blip r:embed="rId5">
+              <a:extLst>
+                <a:ext uri="{28A0092B-C50C-407E-A947-70E740481C1C}">
+                  <a14:useLocalDpi xmlns:a14="http://schemas.microsoft.com/office/drawing/2010/main" val="0"/>
+                </a:ext>
+              </a:extLst>
+            </a:blip>
+            <a:stretch>
+              <a:fillRect/>
+            </a:stretch>
+          </p:blipFill>
+          <p:spPr>
+            <a:xfrm>
+              <a:off x="3124200" y="1678769"/>
+              <a:ext cx="1414128" cy="525047"/>
+            </a:xfrm>
+            <a:prstGeom prst="rect">
+              <a:avLst/>
+            </a:prstGeom>
+          </p:spPr>
+        </p:pic>
+      </p:grpSp>
+    </p:spTree>
+    <p:extLst>
+      <p:ext uri="{BB962C8B-B14F-4D97-AF65-F5344CB8AC3E}">
+        <p14:creationId xmlns:p14="http://schemas.microsoft.com/office/powerpoint/2010/main" val="1483125816"/>
+      </p:ext>
+    </p:extLst>
+  </p:cSld>
+  <p:clrMapOvr>
+    <a:masterClrMapping/>
+  </p:clrMapOvr>
+</p:sld>
+</file>
+
+<file path=ppt/slides/slide28.xml><?xml version="1.0" encoding="utf-8"?>
+<p:sld xmlns:a="http://schemas.openxmlformats.org/drawingml/2006/main" xmlns:r="http://schemas.openxmlformats.org/officeDocument/2006/relationships" xmlns:p="http://schemas.openxmlformats.org/presentationml/2006/main">
+  <p:cSld>
+    <p:spTree>
+      <p:nvGrpSpPr>
+        <p:cNvPr id="1" name=""/>
+        <p:cNvGrpSpPr/>
+        <p:nvPr/>
+      </p:nvGrpSpPr>
+      <p:grpSpPr>
+        <a:xfrm>
+          <a:off x="0" y="0"/>
+          <a:ext cx="0" cy="0"/>
+          <a:chOff x="0" y="0"/>
+          <a:chExt cx="0" cy="0"/>
+        </a:xfrm>
+      </p:grpSpPr>
+      <p:sp>
+        <p:nvSpPr>
+          <p:cNvPr id="2" name="标题 1">
+            <a:extLst>
+              <a:ext uri="{FF2B5EF4-FFF2-40B4-BE49-F238E27FC236}">
+                <a16:creationId xmlns:a16="http://schemas.microsoft.com/office/drawing/2014/main" id="{42984999-AE13-4DDC-B3F4-40CBC0775DC5}"/>
+              </a:ext>
+            </a:extLst>
+          </p:cNvPr>
+          <p:cNvSpPr>
+            <a:spLocks noGrp="1"/>
+          </p:cNvSpPr>
+          <p:nvPr>
+            <p:ph type="title"/>
+          </p:nvPr>
+        </p:nvSpPr>
+        <p:spPr/>
+        <p:txBody>
+          <a:bodyPr/>
+          <a:lstStyle/>
+          <a:p>
+            <a:r>
+              <a:rPr lang="zh-CN" altLang="en-US" dirty="0"/>
+              <a:t>经验风险最小化</a:t>
+            </a:r>
+          </a:p>
+        </p:txBody>
+      </p:sp>
+      <p:sp>
+        <p:nvSpPr>
+          <p:cNvPr id="3" name="内容占位符 2">
+            <a:extLst>
+              <a:ext uri="{FF2B5EF4-FFF2-40B4-BE49-F238E27FC236}">
+                <a16:creationId xmlns:a16="http://schemas.microsoft.com/office/drawing/2014/main" id="{FA603438-6C17-4B02-9F6A-9585E9EC6A23}"/>
+              </a:ext>
+            </a:extLst>
+          </p:cNvPr>
+          <p:cNvSpPr>
+            <a:spLocks noGrp="1"/>
+          </p:cNvSpPr>
+          <p:nvPr>
+            <p:ph sz="quarter" idx="1"/>
+          </p:nvPr>
+        </p:nvSpPr>
+        <p:spPr/>
+        <p:txBody>
+          <a:bodyPr/>
+          <a:lstStyle/>
+          <a:p>
+            <a:r>
+              <a:rPr lang="zh-CN" altLang="en-US" dirty="0"/>
+              <a:t>优化</a:t>
+            </a:r>
+            <a:endParaRPr lang="en-US" altLang="zh-CN" dirty="0"/>
+          </a:p>
+          <a:p>
+            <a:endParaRPr lang="zh-CN" altLang="en-US" dirty="0"/>
+          </a:p>
+        </p:txBody>
+      </p:sp>
+      <p:pic>
+        <p:nvPicPr>
+          <p:cNvPr id="4" name="图片 3">
+            <a:extLst>
+              <a:ext uri="{FF2B5EF4-FFF2-40B4-BE49-F238E27FC236}">
+                <a16:creationId xmlns:a16="http://schemas.microsoft.com/office/drawing/2014/main" id="{6D36ABDE-713D-464D-886A-93E1DCB42806}"/>
+              </a:ext>
+            </a:extLst>
+          </p:cNvPr>
+          <p:cNvPicPr>
+            <a:picLocks noChangeAspect="1"/>
+          </p:cNvPicPr>
+          <p:nvPr/>
+        </p:nvPicPr>
+        <p:blipFill>
+          <a:blip r:embed="rId3">
+            <a:extLst>
+              <a:ext uri="{28A0092B-C50C-407E-A947-70E740481C1C}">
+                <a14:useLocalDpi xmlns:a14="http://schemas.microsoft.com/office/drawing/2010/main" val="0"/>
+              </a:ext>
+            </a:extLst>
+          </a:blip>
+          <a:stretch>
+            <a:fillRect/>
+          </a:stretch>
+        </p:blipFill>
+        <p:spPr>
+          <a:xfrm>
+            <a:off x="2667000" y="1219200"/>
+            <a:ext cx="1981200" cy="1053998"/>
           </a:xfrm>
           <a:prstGeom prst="rect">
             <a:avLst/>
@@ -11946,10 +12851,10 @@
       </p:pic>
       <p:pic>
         <p:nvPicPr>
-          <p:cNvPr id="7" name="图片 6">
+          <p:cNvPr id="5" name="图片 4">
             <a:extLst>
               <a:ext uri="{FF2B5EF4-FFF2-40B4-BE49-F238E27FC236}">
-                <a16:creationId xmlns:a16="http://schemas.microsoft.com/office/drawing/2014/main" id="{86BBA2B6-ED83-4379-B852-D1167446F506}"/>
+                <a16:creationId xmlns:a16="http://schemas.microsoft.com/office/drawing/2014/main" id="{A638A9C3-9003-4C08-938A-6C70366B4A42}"/>
               </a:ext>
             </a:extLst>
           </p:cNvPr>
@@ -11972,20 +12877,234 @@
         </p:blipFill>
         <p:spPr>
           <a:xfrm>
-            <a:off x="3962400" y="2539865"/>
-            <a:ext cx="3581400" cy="2296431"/>
+            <a:off x="9131030" y="5257800"/>
+            <a:ext cx="2451370" cy="1058450"/>
           </a:xfrm>
           <a:prstGeom prst="rect">
             <a:avLst/>
           </a:prstGeom>
         </p:spPr>
       </p:pic>
+    </p:spTree>
+    <p:custDataLst>
+      <p:tags r:id="rId1"/>
+    </p:custDataLst>
+    <p:extLst>
+      <p:ext uri="{BB962C8B-B14F-4D97-AF65-F5344CB8AC3E}">
+        <p14:creationId xmlns:p14="http://schemas.microsoft.com/office/powerpoint/2010/main" val="2348513162"/>
+      </p:ext>
+    </p:extLst>
+  </p:cSld>
+  <p:clrMapOvr>
+    <a:masterClrMapping/>
+  </p:clrMapOvr>
+  <p:timing>
+    <p:tnLst>
+      <p:par>
+        <p:cTn id="1" dur="indefinite" restart="never" nodeType="tmRoot">
+          <p:childTnLst>
+            <p:seq concurrent="1" nextAc="seek">
+              <p:cTn id="2" dur="indefinite" nodeType="mainSeq">
+                <p:childTnLst>
+                  <p:par>
+                    <p:cTn id="3" fill="hold">
+                      <p:stCondLst>
+                        <p:cond delay="indefinite"/>
+                      </p:stCondLst>
+                      <p:childTnLst>
+                        <p:par>
+                          <p:cTn id="4" fill="hold">
+                            <p:stCondLst>
+                              <p:cond delay="0"/>
+                            </p:stCondLst>
+                            <p:childTnLst>
+                              <p:par>
+                                <p:cTn id="5" presetID="10" presetClass="entr" presetSubtype="0" fill="hold" nodeType="clickEffect">
+                                  <p:stCondLst>
+                                    <p:cond delay="0"/>
+                                  </p:stCondLst>
+                                  <p:childTnLst>
+                                    <p:set>
+                                      <p:cBhvr>
+                                        <p:cTn id="6" dur="1" fill="hold">
+                                          <p:stCondLst>
+                                            <p:cond delay="0"/>
+                                          </p:stCondLst>
+                                        </p:cTn>
+                                        <p:tgtEl>
+                                          <p:spTgt spid="5"/>
+                                        </p:tgtEl>
+                                        <p:attrNameLst>
+                                          <p:attrName>style.visibility</p:attrName>
+                                        </p:attrNameLst>
+                                      </p:cBhvr>
+                                      <p:to>
+                                        <p:strVal val="visible"/>
+                                      </p:to>
+                                    </p:set>
+                                    <p:animEffect transition="in" filter="fade">
+                                      <p:cBhvr>
+                                        <p:cTn id="7" dur="500"/>
+                                        <p:tgtEl>
+                                          <p:spTgt spid="5"/>
+                                        </p:tgtEl>
+                                      </p:cBhvr>
+                                    </p:animEffect>
+                                  </p:childTnLst>
+                                </p:cTn>
+                              </p:par>
+                            </p:childTnLst>
+                          </p:cTn>
+                        </p:par>
+                      </p:childTnLst>
+                    </p:cTn>
+                  </p:par>
+                </p:childTnLst>
+              </p:cTn>
+              <p:prevCondLst>
+                <p:cond evt="onPrev" delay="0">
+                  <p:tgtEl>
+                    <p:sldTgt/>
+                  </p:tgtEl>
+                </p:cond>
+              </p:prevCondLst>
+              <p:nextCondLst>
+                <p:cond evt="onNext" delay="0">
+                  <p:tgtEl>
+                    <p:sldTgt/>
+                  </p:tgtEl>
+                </p:cond>
+              </p:nextCondLst>
+            </p:seq>
+          </p:childTnLst>
+        </p:cTn>
+      </p:par>
+    </p:tnLst>
+  </p:timing>
+</p:sld>
+</file>
+
+<file path=ppt/slides/slide29.xml><?xml version="1.0" encoding="utf-8"?>
+<p:sld xmlns:a="http://schemas.openxmlformats.org/drawingml/2006/main" xmlns:r="http://schemas.openxmlformats.org/officeDocument/2006/relationships" xmlns:p="http://schemas.openxmlformats.org/presentationml/2006/main">
+  <p:cSld>
+    <p:spTree>
+      <p:nvGrpSpPr>
+        <p:cNvPr id="1" name=""/>
+        <p:cNvGrpSpPr/>
+        <p:nvPr/>
+      </p:nvGrpSpPr>
+      <p:grpSpPr>
+        <a:xfrm>
+          <a:off x="0" y="0"/>
+          <a:ext cx="0" cy="0"/>
+          <a:chOff x="0" y="0"/>
+          <a:chExt cx="0" cy="0"/>
+        </a:xfrm>
+      </p:grpSpPr>
+      <p:sp>
+        <p:nvSpPr>
+          <p:cNvPr id="2" name="标题 1">
+            <a:extLst>
+              <a:ext uri="{FF2B5EF4-FFF2-40B4-BE49-F238E27FC236}">
+                <a16:creationId xmlns:a16="http://schemas.microsoft.com/office/drawing/2014/main" id="{4A2AD4FD-8BC6-4CCE-9A17-4C2521F2AEA0}"/>
+              </a:ext>
+            </a:extLst>
+          </p:cNvPr>
+          <p:cNvSpPr>
+            <a:spLocks noGrp="1"/>
+          </p:cNvSpPr>
+          <p:nvPr>
+            <p:ph type="title"/>
+          </p:nvPr>
+        </p:nvSpPr>
+        <p:spPr/>
+        <p:txBody>
+          <a:bodyPr/>
+          <a:lstStyle/>
+          <a:p>
+            <a:r>
+              <a:rPr lang="zh-CN" altLang="en-US" dirty="0"/>
+              <a:t>结构风险最小化</a:t>
+            </a:r>
+          </a:p>
+        </p:txBody>
+      </p:sp>
+      <p:sp>
+        <p:nvSpPr>
+          <p:cNvPr id="3" name="内容占位符 2">
+            <a:extLst>
+              <a:ext uri="{FF2B5EF4-FFF2-40B4-BE49-F238E27FC236}">
+                <a16:creationId xmlns:a16="http://schemas.microsoft.com/office/drawing/2014/main" id="{EDD0F147-8871-48DA-8689-0031FB1813CA}"/>
+              </a:ext>
+            </a:extLst>
+          </p:cNvPr>
+          <p:cNvSpPr>
+            <a:spLocks noGrp="1"/>
+          </p:cNvSpPr>
+          <p:nvPr>
+            <p:ph sz="quarter" idx="1"/>
+          </p:nvPr>
+        </p:nvSpPr>
+        <p:spPr/>
+        <p:txBody>
+          <a:bodyPr/>
+          <a:lstStyle/>
+          <a:p>
+            <a:r>
+              <a:rPr lang="zh-CN" altLang="en-US" dirty="0"/>
+              <a:t>结构风险最小化准则</a:t>
+            </a:r>
+            <a:endParaRPr lang="en-US" altLang="zh-CN" dirty="0"/>
+          </a:p>
+          <a:p>
+            <a:endParaRPr lang="en-US" altLang="zh-CN" dirty="0"/>
+          </a:p>
+          <a:p>
+            <a:endParaRPr lang="en-US" altLang="zh-CN" dirty="0"/>
+          </a:p>
+          <a:p>
+            <a:endParaRPr lang="en-US" altLang="zh-CN" dirty="0"/>
+          </a:p>
+          <a:p>
+            <a:r>
+              <a:rPr lang="zh-CN" altLang="en-US" dirty="0"/>
+              <a:t>得到</a:t>
+            </a:r>
+            <a:endParaRPr lang="en-US" altLang="zh-CN" dirty="0"/>
+          </a:p>
+          <a:p>
+            <a:endParaRPr lang="en-US" altLang="zh-CN" dirty="0"/>
+          </a:p>
+          <a:p>
+            <a:endParaRPr lang="en-US" altLang="zh-CN" dirty="0"/>
+          </a:p>
+          <a:p>
+            <a:pPr lvl="1"/>
+            <a:r>
+              <a:rPr lang="zh-CN" altLang="en-US" dirty="0"/>
+              <a:t>岭回归（ </a:t>
+            </a:r>
+            <a:r>
+              <a:rPr lang="en-US" altLang="zh-CN" dirty="0"/>
+              <a:t>Ridge Regression </a:t>
+            </a:r>
+            <a:r>
+              <a:rPr lang="zh-CN" altLang="en-US" dirty="0"/>
+              <a:t>）</a:t>
+            </a:r>
+            <a:endParaRPr lang="en-US" altLang="zh-CN" dirty="0"/>
+          </a:p>
+          <a:p>
+            <a:endParaRPr lang="zh-CN" altLang="en-US" dirty="0"/>
+          </a:p>
+        </p:txBody>
+      </p:sp>
       <p:pic>
         <p:nvPicPr>
-          <p:cNvPr id="9" name="图片 8">
+          <p:cNvPr id="5" name="图片 4">
             <a:extLst>
               <a:ext uri="{FF2B5EF4-FFF2-40B4-BE49-F238E27FC236}">
-                <a16:creationId xmlns:a16="http://schemas.microsoft.com/office/drawing/2014/main" id="{142D1BA6-1548-44F7-B667-213B1736144D}"/>
+                <a16:creationId xmlns:a16="http://schemas.microsoft.com/office/drawing/2014/main" id="{C9B5E1EE-067E-4EAA-8E5B-8DCE9FCAA6B7}"/>
               </a:ext>
             </a:extLst>
           </p:cNvPr>
@@ -11995,7 +13114,7 @@
           <p:nvPr/>
         </p:nvPicPr>
         <p:blipFill>
-          <a:blip r:embed="rId5">
+          <a:blip r:embed="rId2">
             <a:extLst>
               <a:ext uri="{28A0092B-C50C-407E-A947-70E740481C1C}">
                 <a14:useLocalDpi xmlns:a14="http://schemas.microsoft.com/office/drawing/2010/main" val="0"/>
@@ -12008,8 +13127,8 @@
         </p:blipFill>
         <p:spPr>
           <a:xfrm>
-            <a:off x="4267200" y="5284299"/>
-            <a:ext cx="1981200" cy="1053998"/>
+            <a:off x="3392354" y="1828800"/>
+            <a:ext cx="5407291" cy="1219200"/>
           </a:xfrm>
           <a:prstGeom prst="rect">
             <a:avLst/>
@@ -12018,10 +13137,10 @@
       </p:pic>
       <p:pic>
         <p:nvPicPr>
-          <p:cNvPr id="11" name="图片 10">
+          <p:cNvPr id="7" name="图片 6">
             <a:extLst>
               <a:ext uri="{FF2B5EF4-FFF2-40B4-BE49-F238E27FC236}">
-                <a16:creationId xmlns:a16="http://schemas.microsoft.com/office/drawing/2014/main" id="{D587942F-0A59-4A6F-83EA-497447F834C8}"/>
+                <a16:creationId xmlns:a16="http://schemas.microsoft.com/office/drawing/2014/main" id="{12E5587A-260A-43D6-B666-0A875D433D26}"/>
               </a:ext>
             </a:extLst>
           </p:cNvPr>
@@ -12031,7 +13150,7 @@
           <p:nvPr/>
         </p:nvPicPr>
         <p:blipFill>
-          <a:blip r:embed="rId6">
+          <a:blip r:embed="rId3">
             <a:extLst>
               <a:ext uri="{28A0092B-C50C-407E-A947-70E740481C1C}">
                 <a14:useLocalDpi xmlns:a14="http://schemas.microsoft.com/office/drawing/2010/main" val="0"/>
@@ -12044,30 +13163,548 @@
         </p:blipFill>
         <p:spPr>
           <a:xfrm>
-            <a:off x="7759430" y="4953000"/>
-            <a:ext cx="2451370" cy="1058450"/>
+            <a:off x="3505200" y="3635829"/>
+            <a:ext cx="3510306" cy="713031"/>
           </a:xfrm>
           <a:prstGeom prst="rect">
             <a:avLst/>
           </a:prstGeom>
         </p:spPr>
       </p:pic>
+    </p:spTree>
+    <p:extLst>
+      <p:ext uri="{BB962C8B-B14F-4D97-AF65-F5344CB8AC3E}">
+        <p14:creationId xmlns:p14="http://schemas.microsoft.com/office/powerpoint/2010/main" val="1303628387"/>
+      </p:ext>
+    </p:extLst>
+  </p:cSld>
+  <p:clrMapOvr>
+    <a:masterClrMapping/>
+  </p:clrMapOvr>
+</p:sld>
+</file>
+
+<file path=ppt/slides/slide3.xml><?xml version="1.0" encoding="utf-8"?>
+<p:sld xmlns:a="http://schemas.openxmlformats.org/drawingml/2006/main" xmlns:r="http://schemas.openxmlformats.org/officeDocument/2006/relationships" xmlns:p="http://schemas.openxmlformats.org/presentationml/2006/main">
+  <p:cSld>
+    <p:spTree>
+      <p:nvGrpSpPr>
+        <p:cNvPr id="1" name=""/>
+        <p:cNvGrpSpPr/>
+        <p:nvPr/>
+      </p:nvGrpSpPr>
+      <p:grpSpPr>
+        <a:xfrm>
+          <a:off x="0" y="0"/>
+          <a:ext cx="0" cy="0"/>
+          <a:chOff x="0" y="0"/>
+          <a:chExt cx="0" cy="0"/>
+        </a:xfrm>
+      </p:grpSpPr>
+      <p:sp>
+        <p:nvSpPr>
+          <p:cNvPr id="2" name="標題 1"/>
+          <p:cNvSpPr>
+            <a:spLocks noGrp="1"/>
+          </p:cNvSpPr>
+          <p:nvPr>
+            <p:ph type="title"/>
+          </p:nvPr>
+        </p:nvSpPr>
+        <p:spPr/>
+        <p:txBody>
+          <a:bodyPr/>
+          <a:lstStyle/>
+          <a:p>
+            <a:r>
+              <a:rPr lang="zh-CN" altLang="en-US" dirty="0"/>
+              <a:t>机器学习 </a:t>
+            </a:r>
+            <a:r>
+              <a:rPr lang="en-US" altLang="zh-TW" dirty="0"/>
+              <a:t>≈ </a:t>
+            </a:r>
+            <a:r>
+              <a:rPr lang="zh-CN" altLang="en-US" dirty="0"/>
+              <a:t>构建一个映射函数</a:t>
+            </a:r>
+            <a:endParaRPr lang="zh-TW" altLang="en-US" dirty="0"/>
+          </a:p>
+        </p:txBody>
+      </p:sp>
+      <p:sp>
+        <p:nvSpPr>
+          <p:cNvPr id="3" name="內容版面配置區 2"/>
+          <p:cNvSpPr>
+            <a:spLocks noGrp="1"/>
+          </p:cNvSpPr>
+          <p:nvPr>
+            <p:ph sz="quarter" idx="1"/>
+          </p:nvPr>
+        </p:nvSpPr>
+        <p:spPr/>
+        <p:txBody>
+          <a:bodyPr>
+            <a:normAutofit/>
+          </a:bodyPr>
+          <a:lstStyle/>
+          <a:p>
+            <a:r>
+              <a:rPr lang="zh-CN" altLang="en-US" sz="3600" dirty="0"/>
+              <a:t>语音识别</a:t>
+            </a:r>
+            <a:endParaRPr lang="en-US" altLang="zh-TW" sz="3600" dirty="0"/>
+          </a:p>
+          <a:p>
+            <a:endParaRPr lang="en-US" altLang="zh-TW" sz="3600" dirty="0"/>
+          </a:p>
+          <a:p>
+            <a:r>
+              <a:rPr lang="zh-CN" altLang="en-US" sz="3600" dirty="0"/>
+              <a:t>图像识别</a:t>
+            </a:r>
+            <a:endParaRPr lang="en-US" altLang="zh-TW" sz="3600" dirty="0"/>
+          </a:p>
+          <a:p>
+            <a:endParaRPr lang="en-US" altLang="zh-TW" sz="3600" dirty="0"/>
+          </a:p>
+          <a:p>
+            <a:r>
+              <a:rPr lang="zh-CN" altLang="en-US" sz="3600" dirty="0"/>
+              <a:t>围棋</a:t>
+            </a:r>
+            <a:endParaRPr lang="en-US" altLang="zh-CN" sz="3600" dirty="0"/>
+          </a:p>
+          <a:p>
+            <a:endParaRPr lang="en-US" altLang="zh-TW" sz="3600" dirty="0"/>
+          </a:p>
+          <a:p>
+            <a:r>
+              <a:rPr lang="zh-CN" altLang="en-US" sz="3600" dirty="0"/>
+              <a:t>对话系统</a:t>
+            </a:r>
+            <a:endParaRPr lang="zh-TW" altLang="en-US" sz="3600" dirty="0"/>
+          </a:p>
+        </p:txBody>
+      </p:sp>
+      <p:graphicFrame>
+        <p:nvGraphicFramePr>
+          <p:cNvPr id="4" name="Object 12"/>
+          <p:cNvGraphicFramePr>
+            <a:graphicFrameLocks noChangeAspect="1"/>
+          </p:cNvGraphicFramePr>
+          <p:nvPr>
+            <p:extLst/>
+          </p:nvPr>
+        </p:nvGraphicFramePr>
+        <p:xfrm>
+          <a:off x="3553665" y="1823151"/>
+          <a:ext cx="3822700" cy="460375"/>
+        </p:xfrm>
+        <a:graphic>
+          <a:graphicData uri="http://schemas.openxmlformats.org/presentationml/2006/ole">
+            <mc:AlternateContent xmlns:mc="http://schemas.openxmlformats.org/markup-compatibility/2006">
+              <mc:Choice xmlns:v="urn:schemas-microsoft-com:vml" Requires="v">
+                <p:oleObj spid="_x0000_s1534" name="方程式" r:id="rId3" imgW="1790640" imgH="215640" progId="Equation.3">
+                  <p:embed/>
+                </p:oleObj>
+              </mc:Choice>
+              <mc:Fallback>
+                <p:oleObj name="方程式" r:id="rId3" imgW="1790640" imgH="215640" progId="Equation.3">
+                  <p:embed/>
+                  <p:pic>
+                    <p:nvPicPr>
+                      <p:cNvPr id="4" name="Object 12"/>
+                      <p:cNvPicPr>
+                        <a:picLocks noChangeAspect="1" noChangeArrowheads="1"/>
+                      </p:cNvPicPr>
+                      <p:nvPr/>
+                    </p:nvPicPr>
+                    <p:blipFill>
+                      <a:blip r:embed="rId4"/>
+                      <a:srcRect/>
+                      <a:stretch>
+                        <a:fillRect/>
+                      </a:stretch>
+                    </p:blipFill>
+                    <p:spPr bwMode="auto">
+                      <a:xfrm>
+                        <a:off x="3553665" y="1823151"/>
+                        <a:ext cx="3822700" cy="460375"/>
+                      </a:xfrm>
+                      <a:prstGeom prst="rect">
+                        <a:avLst/>
+                      </a:prstGeom>
+                      <a:noFill/>
+                      <a:extLst>
+                        <a:ext uri="{909E8E84-426E-40DD-AFC4-6F175D3DCCD1}">
+                          <a14:hiddenFill xmlns:a14="http://schemas.microsoft.com/office/drawing/2010/main">
+                            <a:solidFill>
+                              <a:srgbClr val="FFFFFF"/>
+                            </a:solidFill>
+                          </a14:hiddenFill>
+                        </a:ext>
+                      </a:extLst>
+                    </p:spPr>
+                  </p:pic>
+                </p:oleObj>
+              </mc:Fallback>
+            </mc:AlternateContent>
+          </a:graphicData>
+        </a:graphic>
+      </p:graphicFrame>
+      <p:graphicFrame>
+        <p:nvGraphicFramePr>
+          <p:cNvPr id="5" name="Object 12"/>
+          <p:cNvGraphicFramePr>
+            <a:graphicFrameLocks noChangeAspect="1"/>
+          </p:cNvGraphicFramePr>
+          <p:nvPr>
+            <p:extLst/>
+          </p:nvPr>
+        </p:nvGraphicFramePr>
+        <p:xfrm>
+          <a:off x="3505200" y="3191521"/>
+          <a:ext cx="3822700" cy="460375"/>
+        </p:xfrm>
+        <a:graphic>
+          <a:graphicData uri="http://schemas.openxmlformats.org/presentationml/2006/ole">
+            <mc:AlternateContent xmlns:mc="http://schemas.openxmlformats.org/markup-compatibility/2006">
+              <mc:Choice xmlns:v="urn:schemas-microsoft-com:vml" Requires="v">
+                <p:oleObj spid="_x0000_s1535" name="方程式" r:id="rId5" imgW="1790640" imgH="215640" progId="Equation.3">
+                  <p:embed/>
+                </p:oleObj>
+              </mc:Choice>
+              <mc:Fallback>
+                <p:oleObj name="方程式" r:id="rId5" imgW="1790640" imgH="215640" progId="Equation.3">
+                  <p:embed/>
+                  <p:pic>
+                    <p:nvPicPr>
+                      <p:cNvPr id="5" name="Object 12"/>
+                      <p:cNvPicPr>
+                        <a:picLocks noChangeAspect="1" noChangeArrowheads="1"/>
+                      </p:cNvPicPr>
+                      <p:nvPr/>
+                    </p:nvPicPr>
+                    <p:blipFill>
+                      <a:blip r:embed="rId4"/>
+                      <a:srcRect/>
+                      <a:stretch>
+                        <a:fillRect/>
+                      </a:stretch>
+                    </p:blipFill>
+                    <p:spPr bwMode="auto">
+                      <a:xfrm>
+                        <a:off x="3505200" y="3191521"/>
+                        <a:ext cx="3822700" cy="460375"/>
+                      </a:xfrm>
+                      <a:prstGeom prst="rect">
+                        <a:avLst/>
+                      </a:prstGeom>
+                      <a:noFill/>
+                      <a:extLst>
+                        <a:ext uri="{909E8E84-426E-40DD-AFC4-6F175D3DCCD1}">
+                          <a14:hiddenFill xmlns:a14="http://schemas.microsoft.com/office/drawing/2010/main">
+                            <a:solidFill>
+                              <a:srgbClr val="FFFFFF"/>
+                            </a:solidFill>
+                          </a14:hiddenFill>
+                        </a:ext>
+                      </a:extLst>
+                    </p:spPr>
+                  </p:pic>
+                </p:oleObj>
+              </mc:Fallback>
+            </mc:AlternateContent>
+          </a:graphicData>
+        </a:graphic>
+      </p:graphicFrame>
+      <p:graphicFrame>
+        <p:nvGraphicFramePr>
+          <p:cNvPr id="6" name="Object 12"/>
+          <p:cNvGraphicFramePr>
+            <a:graphicFrameLocks noChangeAspect="1"/>
+          </p:cNvGraphicFramePr>
+          <p:nvPr>
+            <p:extLst/>
+          </p:nvPr>
+        </p:nvGraphicFramePr>
+        <p:xfrm>
+          <a:off x="3505200" y="4269455"/>
+          <a:ext cx="3822700" cy="460375"/>
+        </p:xfrm>
+        <a:graphic>
+          <a:graphicData uri="http://schemas.openxmlformats.org/presentationml/2006/ole">
+            <mc:AlternateContent xmlns:mc="http://schemas.openxmlformats.org/markup-compatibility/2006">
+              <mc:Choice xmlns:v="urn:schemas-microsoft-com:vml" Requires="v">
+                <p:oleObj spid="_x0000_s1536" name="方程式" r:id="rId6" imgW="1790640" imgH="215640" progId="Equation.3">
+                  <p:embed/>
+                </p:oleObj>
+              </mc:Choice>
+              <mc:Fallback>
+                <p:oleObj name="方程式" r:id="rId6" imgW="1790640" imgH="215640" progId="Equation.3">
+                  <p:embed/>
+                  <p:pic>
+                    <p:nvPicPr>
+                      <p:cNvPr id="6" name="Object 12"/>
+                      <p:cNvPicPr>
+                        <a:picLocks noChangeAspect="1" noChangeArrowheads="1"/>
+                      </p:cNvPicPr>
+                      <p:nvPr/>
+                    </p:nvPicPr>
+                    <p:blipFill>
+                      <a:blip r:embed="rId4"/>
+                      <a:srcRect/>
+                      <a:stretch>
+                        <a:fillRect/>
+                      </a:stretch>
+                    </p:blipFill>
+                    <p:spPr bwMode="auto">
+                      <a:xfrm>
+                        <a:off x="3505200" y="4269455"/>
+                        <a:ext cx="3822700" cy="460375"/>
+                      </a:xfrm>
+                      <a:prstGeom prst="rect">
+                        <a:avLst/>
+                      </a:prstGeom>
+                      <a:noFill/>
+                      <a:extLst>
+                        <a:ext uri="{909E8E84-426E-40DD-AFC4-6F175D3DCCD1}">
+                          <a14:hiddenFill xmlns:a14="http://schemas.microsoft.com/office/drawing/2010/main">
+                            <a:solidFill>
+                              <a:srgbClr val="FFFFFF"/>
+                            </a:solidFill>
+                          </a14:hiddenFill>
+                        </a:ext>
+                      </a:extLst>
+                    </p:spPr>
+                  </p:pic>
+                </p:oleObj>
+              </mc:Fallback>
+            </mc:AlternateContent>
+          </a:graphicData>
+        </a:graphic>
+      </p:graphicFrame>
+      <p:graphicFrame>
+        <p:nvGraphicFramePr>
+          <p:cNvPr id="7" name="Object 12"/>
+          <p:cNvGraphicFramePr>
+            <a:graphicFrameLocks noChangeAspect="1"/>
+          </p:cNvGraphicFramePr>
+          <p:nvPr>
+            <p:extLst/>
+          </p:nvPr>
+        </p:nvGraphicFramePr>
+        <p:xfrm>
+          <a:off x="3536030" y="5504932"/>
+          <a:ext cx="3578225" cy="460375"/>
+        </p:xfrm>
+        <a:graphic>
+          <a:graphicData uri="http://schemas.openxmlformats.org/presentationml/2006/ole">
+            <mc:AlternateContent xmlns:mc="http://schemas.openxmlformats.org/markup-compatibility/2006">
+              <mc:Choice xmlns:v="urn:schemas-microsoft-com:vml" Requires="v">
+                <p:oleObj spid="_x0000_s1537" name="方程式" r:id="rId7" imgW="1676160" imgH="215640" progId="Equation.3">
+                  <p:embed/>
+                </p:oleObj>
+              </mc:Choice>
+              <mc:Fallback>
+                <p:oleObj name="方程式" r:id="rId7" imgW="1676160" imgH="215640" progId="Equation.3">
+                  <p:embed/>
+                  <p:pic>
+                    <p:nvPicPr>
+                      <p:cNvPr id="7" name="Object 12"/>
+                      <p:cNvPicPr>
+                        <a:picLocks noChangeAspect="1" noChangeArrowheads="1"/>
+                      </p:cNvPicPr>
+                      <p:nvPr/>
+                    </p:nvPicPr>
+                    <p:blipFill>
+                      <a:blip r:embed="rId8"/>
+                      <a:srcRect/>
+                      <a:stretch>
+                        <a:fillRect/>
+                      </a:stretch>
+                    </p:blipFill>
+                    <p:spPr bwMode="auto">
+                      <a:xfrm>
+                        <a:off x="3536030" y="5504932"/>
+                        <a:ext cx="3578225" cy="460375"/>
+                      </a:xfrm>
+                      <a:prstGeom prst="rect">
+                        <a:avLst/>
+                      </a:prstGeom>
+                      <a:noFill/>
+                      <a:extLst>
+                        <a:ext uri="{909E8E84-426E-40DD-AFC4-6F175D3DCCD1}">
+                          <a14:hiddenFill xmlns:a14="http://schemas.microsoft.com/office/drawing/2010/main">
+                            <a:solidFill>
+                              <a:srgbClr val="FFFFFF"/>
+                            </a:solidFill>
+                          </a14:hiddenFill>
+                        </a:ext>
+                      </a:extLst>
+                    </p:spPr>
+                  </p:pic>
+                </p:oleObj>
+              </mc:Fallback>
+            </mc:AlternateContent>
+          </a:graphicData>
+        </a:graphic>
+      </p:graphicFrame>
+      <p:sp>
+        <p:nvSpPr>
+          <p:cNvPr id="8" name="文字方塊 7"/>
+          <p:cNvSpPr txBox="1"/>
+          <p:nvPr/>
+        </p:nvSpPr>
+        <p:spPr>
+          <a:xfrm>
+            <a:off x="7327900" y="3160097"/>
+            <a:ext cx="947054" cy="523220"/>
+          </a:xfrm>
+          <a:prstGeom prst="rect">
+            <a:avLst/>
+          </a:prstGeom>
+          <a:noFill/>
+        </p:spPr>
+        <p:txBody>
+          <a:bodyPr wrap="square" rtlCol="0">
+            <a:spAutoFit/>
+          </a:bodyPr>
+          <a:lstStyle/>
+          <a:p>
+            <a:r>
+              <a:rPr lang="en-US" altLang="zh-TW" sz="2800" dirty="0"/>
+              <a:t>“</a:t>
+            </a:r>
+            <a:r>
+              <a:rPr lang="zh-CN" altLang="en-US" sz="2800" dirty="0"/>
+              <a:t>猫</a:t>
+            </a:r>
+            <a:r>
+              <a:rPr lang="en-US" altLang="zh-TW" sz="2800" dirty="0"/>
+              <a:t>”</a:t>
+            </a:r>
+            <a:endParaRPr lang="zh-TW" altLang="en-US" sz="2800" dirty="0"/>
+          </a:p>
+        </p:txBody>
+      </p:sp>
+      <p:sp>
+        <p:nvSpPr>
+          <p:cNvPr id="9" name="文字方塊 8"/>
+          <p:cNvSpPr txBox="1"/>
+          <p:nvPr/>
+        </p:nvSpPr>
+        <p:spPr>
+          <a:xfrm>
+            <a:off x="7376365" y="1791967"/>
+            <a:ext cx="2898395" cy="523220"/>
+          </a:xfrm>
+          <a:prstGeom prst="rect">
+            <a:avLst/>
+          </a:prstGeom>
+          <a:noFill/>
+        </p:spPr>
+        <p:txBody>
+          <a:bodyPr wrap="square" rtlCol="0">
+            <a:spAutoFit/>
+          </a:bodyPr>
+          <a:lstStyle/>
+          <a:p>
+            <a:r>
+              <a:rPr lang="en-US" altLang="zh-TW" sz="2800" dirty="0"/>
+              <a:t>“</a:t>
+            </a:r>
+            <a:r>
+              <a:rPr lang="zh-CN" altLang="en-US" sz="2800" dirty="0"/>
+              <a:t>你好</a:t>
+            </a:r>
+            <a:r>
+              <a:rPr lang="en-US" altLang="zh-TW" sz="2800" dirty="0"/>
+              <a:t>”</a:t>
+            </a:r>
+            <a:endParaRPr lang="zh-TW" altLang="en-US" sz="2800" dirty="0"/>
+          </a:p>
+        </p:txBody>
+      </p:sp>
+      <p:sp>
+        <p:nvSpPr>
+          <p:cNvPr id="10" name="文字方塊 9"/>
+          <p:cNvSpPr txBox="1"/>
+          <p:nvPr/>
+        </p:nvSpPr>
+        <p:spPr>
+          <a:xfrm>
+            <a:off x="7327901" y="4211765"/>
+            <a:ext cx="1239914" cy="523220"/>
+          </a:xfrm>
+          <a:prstGeom prst="rect">
+            <a:avLst/>
+          </a:prstGeom>
+          <a:noFill/>
+        </p:spPr>
+        <p:txBody>
+          <a:bodyPr wrap="square" rtlCol="0">
+            <a:spAutoFit/>
+          </a:bodyPr>
+          <a:lstStyle/>
+          <a:p>
+            <a:r>
+              <a:rPr lang="en-US" altLang="zh-TW" sz="2800" dirty="0"/>
+              <a:t>“5-5”</a:t>
+            </a:r>
+            <a:endParaRPr lang="zh-TW" altLang="en-US" sz="2800" dirty="0"/>
+          </a:p>
+        </p:txBody>
+      </p:sp>
+      <p:sp>
+        <p:nvSpPr>
+          <p:cNvPr id="11" name="文字方塊 10"/>
+          <p:cNvSpPr txBox="1"/>
+          <p:nvPr/>
+        </p:nvSpPr>
+        <p:spPr>
+          <a:xfrm>
+            <a:off x="7483708" y="5523781"/>
+            <a:ext cx="3031893" cy="523220"/>
+          </a:xfrm>
+          <a:prstGeom prst="rect">
+            <a:avLst/>
+          </a:prstGeom>
+          <a:noFill/>
+        </p:spPr>
+        <p:txBody>
+          <a:bodyPr wrap="square" rtlCol="0">
+            <a:spAutoFit/>
+          </a:bodyPr>
+          <a:lstStyle/>
+          <a:p>
+            <a:r>
+              <a:rPr lang="en-US" altLang="zh-TW" sz="2800" dirty="0"/>
+              <a:t>“</a:t>
+            </a:r>
+            <a:r>
+              <a:rPr lang="zh-CN" altLang="en-US" sz="2800" dirty="0"/>
+              <a:t>今天天气真不错</a:t>
+            </a:r>
+            <a:r>
+              <a:rPr lang="en-US" altLang="zh-TW" sz="2800" dirty="0"/>
+              <a:t>”</a:t>
+            </a:r>
+            <a:endParaRPr lang="zh-TW" altLang="en-US" sz="2800" dirty="0"/>
+          </a:p>
+        </p:txBody>
+      </p:sp>
       <p:pic>
         <p:nvPicPr>
-          <p:cNvPr id="13" name="图片 12">
-            <a:extLst>
-              <a:ext uri="{FF2B5EF4-FFF2-40B4-BE49-F238E27FC236}">
-                <a16:creationId xmlns:a16="http://schemas.microsoft.com/office/drawing/2014/main" id="{A461D68A-4D78-4500-80A3-8048125EE9AF}"/>
-              </a:ext>
-            </a:extLst>
-          </p:cNvPr>
+          <p:cNvPr id="12" name="圖片 11"/>
           <p:cNvPicPr>
             <a:picLocks noChangeAspect="1"/>
           </p:cNvPicPr>
           <p:nvPr/>
         </p:nvPicPr>
         <p:blipFill>
-          <a:blip r:embed="rId7">
+          <a:blip r:embed="rId9" cstate="print">
             <a:extLst>
               <a:ext uri="{28A0092B-C50C-407E-A947-70E740481C1C}">
                 <a14:useLocalDpi xmlns:a14="http://schemas.microsoft.com/office/drawing/2010/main" val="0"/>
@@ -12080,8 +13717,628 @@
         </p:blipFill>
         <p:spPr>
           <a:xfrm>
-            <a:off x="3581401" y="1498986"/>
-            <a:ext cx="1852995" cy="687993"/>
+            <a:off x="4047351" y="1766681"/>
+            <a:ext cx="2921108" cy="516844"/>
+          </a:xfrm>
+          <a:prstGeom prst="rect">
+            <a:avLst/>
+          </a:prstGeom>
+        </p:spPr>
+      </p:pic>
+      <p:sp>
+        <p:nvSpPr>
+          <p:cNvPr id="15" name="矩形 14"/>
+          <p:cNvSpPr/>
+          <p:nvPr/>
+        </p:nvSpPr>
+        <p:spPr>
+          <a:xfrm>
+            <a:off x="3975141" y="5458130"/>
+            <a:ext cx="2659840" cy="523220"/>
+          </a:xfrm>
+          <a:prstGeom prst="rect">
+            <a:avLst/>
+          </a:prstGeom>
+        </p:spPr>
+        <p:txBody>
+          <a:bodyPr wrap="square">
+            <a:spAutoFit/>
+          </a:bodyPr>
+          <a:lstStyle/>
+          <a:p>
+            <a:pPr algn="ctr"/>
+            <a:r>
+              <a:rPr lang="en-US" altLang="zh-TW" sz="2800" dirty="0"/>
+              <a:t>“</a:t>
+            </a:r>
+            <a:r>
+              <a:rPr lang="zh-CN" altLang="en-US" sz="2800" dirty="0"/>
+              <a:t>你好</a:t>
+            </a:r>
+            <a:r>
+              <a:rPr lang="en-US" altLang="zh-TW" sz="2800" dirty="0"/>
+              <a:t>”</a:t>
+            </a:r>
+            <a:endParaRPr lang="zh-TW" altLang="en-US" sz="2800" dirty="0"/>
+          </a:p>
+        </p:txBody>
+      </p:sp>
+      <p:pic>
+        <p:nvPicPr>
+          <p:cNvPr id="84994" name="Picture 2" descr="http://y2.ifengimg.com/a/2016_11/2c7ef418c729099.jpg"/>
+          <p:cNvPicPr>
+            <a:picLocks noChangeAspect="1" noChangeArrowheads="1"/>
+          </p:cNvPicPr>
+          <p:nvPr/>
+        </p:nvPicPr>
+        <p:blipFill>
+          <a:blip r:embed="rId10" cstate="print">
+            <a:extLst>
+              <a:ext uri="{28A0092B-C50C-407E-A947-70E740481C1C}">
+                <a14:useLocalDpi xmlns:a14="http://schemas.microsoft.com/office/drawing/2010/main" val="0"/>
+              </a:ext>
+            </a:extLst>
+          </a:blip>
+          <a:srcRect/>
+          <a:stretch>
+            <a:fillRect/>
+          </a:stretch>
+        </p:blipFill>
+        <p:spPr bwMode="auto">
+          <a:xfrm>
+            <a:off x="4832699" y="4094918"/>
+            <a:ext cx="1144109" cy="858082"/>
+          </a:xfrm>
+          <a:prstGeom prst="rect">
+            <a:avLst/>
+          </a:prstGeom>
+          <a:noFill/>
+          <a:extLst>
+            <a:ext uri="{909E8E84-426E-40DD-AFC4-6F175D3DCCD1}">
+              <a14:hiddenFill xmlns:a14="http://schemas.microsoft.com/office/drawing/2010/main">
+                <a:solidFill>
+                  <a:srgbClr val="FFFFFF"/>
+                </a:solidFill>
+              </a14:hiddenFill>
+            </a:ext>
+          </a:extLst>
+        </p:spPr>
+      </p:pic>
+      <p:sp>
+        <p:nvSpPr>
+          <p:cNvPr id="16" name="文字方塊 15"/>
+          <p:cNvSpPr txBox="1"/>
+          <p:nvPr/>
+        </p:nvSpPr>
+        <p:spPr>
+          <a:xfrm>
+            <a:off x="3896949" y="5939136"/>
+            <a:ext cx="2773299" cy="461665"/>
+          </a:xfrm>
+          <a:prstGeom prst="rect">
+            <a:avLst/>
+          </a:prstGeom>
+          <a:noFill/>
+        </p:spPr>
+        <p:txBody>
+          <a:bodyPr wrap="square" rtlCol="0">
+            <a:spAutoFit/>
+          </a:bodyPr>
+          <a:lstStyle/>
+          <a:p>
+            <a:pPr algn="ctr"/>
+            <a:r>
+              <a:rPr lang="zh-CN" altLang="en-US" sz="2400" dirty="0">
+                <a:solidFill>
+                  <a:schemeClr val="accent2">
+                    <a:lumMod val="60000"/>
+                    <a:lumOff val="40000"/>
+                  </a:schemeClr>
+                </a:solidFill>
+              </a:rPr>
+              <a:t>用户输入</a:t>
+            </a:r>
+            <a:endParaRPr lang="zh-TW" altLang="en-US" sz="2400" dirty="0">
+              <a:solidFill>
+                <a:schemeClr val="accent2">
+                  <a:lumMod val="60000"/>
+                  <a:lumOff val="40000"/>
+                </a:schemeClr>
+              </a:solidFill>
+            </a:endParaRPr>
+          </a:p>
+        </p:txBody>
+      </p:sp>
+      <p:sp>
+        <p:nvSpPr>
+          <p:cNvPr id="19" name="文字方塊 18"/>
+          <p:cNvSpPr txBox="1"/>
+          <p:nvPr/>
+        </p:nvSpPr>
+        <p:spPr>
+          <a:xfrm>
+            <a:off x="6713175" y="5939135"/>
+            <a:ext cx="2773299" cy="461665"/>
+          </a:xfrm>
+          <a:prstGeom prst="rect">
+            <a:avLst/>
+          </a:prstGeom>
+          <a:noFill/>
+        </p:spPr>
+        <p:txBody>
+          <a:bodyPr wrap="square" rtlCol="0">
+            <a:spAutoFit/>
+          </a:bodyPr>
+          <a:lstStyle/>
+          <a:p>
+            <a:pPr algn="ctr"/>
+            <a:r>
+              <a:rPr lang="zh-CN" altLang="en-US" sz="2400" dirty="0">
+                <a:solidFill>
+                  <a:schemeClr val="accent2">
+                    <a:lumMod val="60000"/>
+                    <a:lumOff val="40000"/>
+                  </a:schemeClr>
+                </a:solidFill>
+              </a:rPr>
+              <a:t>机器</a:t>
+            </a:r>
+            <a:endParaRPr lang="zh-TW" altLang="en-US" sz="2400" dirty="0">
+              <a:solidFill>
+                <a:schemeClr val="accent2">
+                  <a:lumMod val="60000"/>
+                  <a:lumOff val="40000"/>
+                </a:schemeClr>
+              </a:solidFill>
+            </a:endParaRPr>
+          </a:p>
+        </p:txBody>
+      </p:sp>
+      <p:pic>
+        <p:nvPicPr>
+          <p:cNvPr id="20" name="Picture 12" descr="https://encrypted-tbn1.gstatic.com/images?q=tbn:ANd9GcRcwlRKAlSIaCI4W5PRYVbuBQQXifF-56bFqAjh9DMe-_3Lh8_YKw"/>
+          <p:cNvPicPr>
+            <a:picLocks noChangeAspect="1" noChangeArrowheads="1"/>
+          </p:cNvPicPr>
+          <p:nvPr/>
+        </p:nvPicPr>
+        <p:blipFill>
+          <a:blip r:embed="rId11">
+            <a:extLst>
+              <a:ext uri="{28A0092B-C50C-407E-A947-70E740481C1C}">
+                <a14:useLocalDpi xmlns:a14="http://schemas.microsoft.com/office/drawing/2010/main" val="0"/>
+              </a:ext>
+            </a:extLst>
+          </a:blip>
+          <a:srcRect/>
+          <a:stretch>
+            <a:fillRect/>
+          </a:stretch>
+        </p:blipFill>
+        <p:spPr bwMode="auto">
+          <a:xfrm>
+            <a:off x="4873643" y="3046564"/>
+            <a:ext cx="1106043" cy="839637"/>
+          </a:xfrm>
+          <a:prstGeom prst="rect">
+            <a:avLst/>
+          </a:prstGeom>
+          <a:noFill/>
+          <a:extLst>
+            <a:ext uri="{909E8E84-426E-40DD-AFC4-6F175D3DCCD1}">
+              <a14:hiddenFill xmlns:a14="http://schemas.microsoft.com/office/drawing/2010/main">
+                <a:solidFill>
+                  <a:srgbClr val="FFFFFF"/>
+                </a:solidFill>
+              </a14:hiddenFill>
+            </a:ext>
+          </a:extLst>
+        </p:spPr>
+      </p:pic>
+      <p:sp>
+        <p:nvSpPr>
+          <p:cNvPr id="18" name="文字方塊 17"/>
+          <p:cNvSpPr txBox="1"/>
+          <p:nvPr/>
+        </p:nvSpPr>
+        <p:spPr>
+          <a:xfrm>
+            <a:off x="8124848" y="4242543"/>
+            <a:ext cx="2543153" cy="461665"/>
+          </a:xfrm>
+          <a:prstGeom prst="rect">
+            <a:avLst/>
+          </a:prstGeom>
+          <a:noFill/>
+        </p:spPr>
+        <p:txBody>
+          <a:bodyPr wrap="square" rtlCol="0">
+            <a:spAutoFit/>
+          </a:bodyPr>
+          <a:lstStyle/>
+          <a:p>
+            <a:pPr algn="ctr"/>
+            <a:r>
+              <a:rPr lang="en-US" altLang="zh-TW" sz="2400" dirty="0"/>
+              <a:t>(</a:t>
+            </a:r>
+            <a:r>
+              <a:rPr lang="zh-CN" altLang="en-US" sz="2400" dirty="0"/>
+              <a:t>落子位置</a:t>
+            </a:r>
+            <a:r>
+              <a:rPr lang="en-US" altLang="zh-TW" sz="2400" dirty="0"/>
+              <a:t>)</a:t>
+            </a:r>
+            <a:endParaRPr lang="zh-TW" altLang="en-US" sz="2400" dirty="0"/>
+          </a:p>
+        </p:txBody>
+      </p:sp>
+    </p:spTree>
+    <p:extLst>
+      <p:ext uri="{BB962C8B-B14F-4D97-AF65-F5344CB8AC3E}">
+        <p14:creationId xmlns:p14="http://schemas.microsoft.com/office/powerpoint/2010/main" val="1999908609"/>
+      </p:ext>
+    </p:extLst>
+  </p:cSld>
+  <p:clrMapOvr>
+    <a:masterClrMapping/>
+  </p:clrMapOvr>
+</p:sld>
+</file>
+
+<file path=ppt/slides/slide30.xml><?xml version="1.0" encoding="utf-8"?>
+<p:sld xmlns:a="http://schemas.openxmlformats.org/drawingml/2006/main" xmlns:r="http://schemas.openxmlformats.org/officeDocument/2006/relationships" xmlns:p="http://schemas.openxmlformats.org/presentationml/2006/main">
+  <p:cSld>
+    <p:spTree>
+      <p:nvGrpSpPr>
+        <p:cNvPr id="1" name=""/>
+        <p:cNvGrpSpPr/>
+        <p:nvPr/>
+      </p:nvGrpSpPr>
+      <p:grpSpPr>
+        <a:xfrm>
+          <a:off x="0" y="0"/>
+          <a:ext cx="0" cy="0"/>
+          <a:chOff x="0" y="0"/>
+          <a:chExt cx="0" cy="0"/>
+        </a:xfrm>
+      </p:grpSpPr>
+      <p:sp>
+        <p:nvSpPr>
+          <p:cNvPr id="2" name="标题 1">
+            <a:extLst>
+              <a:ext uri="{FF2B5EF4-FFF2-40B4-BE49-F238E27FC236}">
+                <a16:creationId xmlns:a16="http://schemas.microsoft.com/office/drawing/2014/main" id="{60BB8FF8-250B-4445-9B97-E32C368C2A5C}"/>
+              </a:ext>
+            </a:extLst>
+          </p:cNvPr>
+          <p:cNvSpPr>
+            <a:spLocks noGrp="1"/>
+          </p:cNvSpPr>
+          <p:nvPr>
+            <p:ph type="ctrTitle"/>
+          </p:nvPr>
+        </p:nvSpPr>
+        <p:spPr/>
+        <p:txBody>
+          <a:bodyPr/>
+          <a:lstStyle/>
+          <a:p>
+            <a:r>
+              <a:rPr lang="zh-CN" altLang="en-US" dirty="0"/>
+              <a:t>最大似然估计</a:t>
+            </a:r>
+          </a:p>
+        </p:txBody>
+      </p:sp>
+    </p:spTree>
+    <p:extLst>
+      <p:ext uri="{BB962C8B-B14F-4D97-AF65-F5344CB8AC3E}">
+        <p14:creationId xmlns:p14="http://schemas.microsoft.com/office/powerpoint/2010/main" val="4073205925"/>
+      </p:ext>
+    </p:extLst>
+  </p:cSld>
+  <p:clrMapOvr>
+    <a:masterClrMapping/>
+  </p:clrMapOvr>
+</p:sld>
+</file>
+
+<file path=ppt/slides/slide31.xml><?xml version="1.0" encoding="utf-8"?>
+<p:sld xmlns:a="http://schemas.openxmlformats.org/drawingml/2006/main" xmlns:r="http://schemas.openxmlformats.org/officeDocument/2006/relationships" xmlns:p="http://schemas.openxmlformats.org/presentationml/2006/main">
+  <p:cSld>
+    <p:spTree>
+      <p:nvGrpSpPr>
+        <p:cNvPr id="1" name=""/>
+        <p:cNvGrpSpPr/>
+        <p:nvPr/>
+      </p:nvGrpSpPr>
+      <p:grpSpPr>
+        <a:xfrm>
+          <a:off x="0" y="0"/>
+          <a:ext cx="0" cy="0"/>
+          <a:chOff x="0" y="0"/>
+          <a:chExt cx="0" cy="0"/>
+        </a:xfrm>
+      </p:grpSpPr>
+      <p:sp>
+        <p:nvSpPr>
+          <p:cNvPr id="2" name="标题 1">
+            <a:extLst>
+              <a:ext uri="{FF2B5EF4-FFF2-40B4-BE49-F238E27FC236}">
+                <a16:creationId xmlns:a16="http://schemas.microsoft.com/office/drawing/2014/main" id="{40668626-A45C-421B-A2CC-68C1235AFE1E}"/>
+              </a:ext>
+            </a:extLst>
+          </p:cNvPr>
+          <p:cNvSpPr>
+            <a:spLocks noGrp="1"/>
+          </p:cNvSpPr>
+          <p:nvPr>
+            <p:ph type="title"/>
+          </p:nvPr>
+        </p:nvSpPr>
+        <p:spPr/>
+        <p:txBody>
+          <a:bodyPr/>
+          <a:lstStyle/>
+          <a:p>
+            <a:r>
+              <a:rPr lang="zh-CN" altLang="en-US" dirty="0"/>
+              <a:t>关于概率的一些基本概念</a:t>
+            </a:r>
+          </a:p>
+        </p:txBody>
+      </p:sp>
+      <p:sp>
+        <p:nvSpPr>
+          <p:cNvPr id="3" name="内容占位符 2">
+            <a:extLst>
+              <a:ext uri="{FF2B5EF4-FFF2-40B4-BE49-F238E27FC236}">
+                <a16:creationId xmlns:a16="http://schemas.microsoft.com/office/drawing/2014/main" id="{138CA929-4908-46CD-ACF6-FAEF774C8B89}"/>
+              </a:ext>
+            </a:extLst>
+          </p:cNvPr>
+          <p:cNvSpPr>
+            <a:spLocks noGrp="1"/>
+          </p:cNvSpPr>
+          <p:nvPr>
+            <p:ph sz="quarter" idx="1"/>
+          </p:nvPr>
+        </p:nvSpPr>
+        <p:spPr/>
+        <p:txBody>
+          <a:bodyPr/>
+          <a:lstStyle/>
+          <a:p>
+            <a:r>
+              <a:rPr lang="zh-CN" altLang="en-US" dirty="0"/>
+              <a:t>概率（</a:t>
+            </a:r>
+            <a:r>
+              <a:rPr lang="en-US" altLang="zh-CN" dirty="0"/>
+              <a:t>Probability</a:t>
+            </a:r>
+            <a:r>
+              <a:rPr lang="zh-CN" altLang="en-US" dirty="0"/>
+              <a:t>）</a:t>
+            </a:r>
+            <a:endParaRPr lang="en-US" altLang="zh-CN" dirty="0"/>
+          </a:p>
+          <a:p>
+            <a:pPr lvl="1"/>
+            <a:r>
+              <a:rPr lang="zh-CN" altLang="en-US" dirty="0"/>
+              <a:t>一个随机事件发生的可能性大小，为</a:t>
+            </a:r>
+            <a:r>
+              <a:rPr lang="en-US" altLang="zh-CN" dirty="0"/>
+              <a:t>0</a:t>
+            </a:r>
+            <a:r>
+              <a:rPr lang="zh-CN" altLang="en-US" dirty="0"/>
+              <a:t>到</a:t>
+            </a:r>
+            <a:r>
+              <a:rPr lang="en-US" altLang="zh-CN" dirty="0"/>
+              <a:t>1</a:t>
+            </a:r>
+            <a:r>
+              <a:rPr lang="zh-CN" altLang="en-US" dirty="0"/>
+              <a:t>之间的实数。</a:t>
+            </a:r>
+            <a:endParaRPr lang="en-US" altLang="zh-CN" dirty="0"/>
+          </a:p>
+          <a:p>
+            <a:r>
+              <a:rPr lang="zh-CN" altLang="en-US" dirty="0"/>
+              <a:t>随机变量（</a:t>
+            </a:r>
+            <a:r>
+              <a:rPr lang="en-US" altLang="zh-CN" dirty="0"/>
+              <a:t>Random Variable</a:t>
+            </a:r>
+            <a:r>
+              <a:rPr lang="zh-CN" altLang="en-US" dirty="0"/>
+              <a:t>）</a:t>
+            </a:r>
+            <a:endParaRPr lang="en-US" altLang="zh-CN" dirty="0"/>
+          </a:p>
+          <a:p>
+            <a:pPr lvl="1"/>
+            <a:r>
+              <a:rPr lang="zh-CN" altLang="en-US" dirty="0"/>
+              <a:t>比如随机掷一个骰子，得到的点数就可以看成一个随机变量</a:t>
+            </a:r>
+            <a:r>
+              <a:rPr lang="en-US" altLang="zh-CN" dirty="0"/>
+              <a:t>X</a:t>
+            </a:r>
+            <a:r>
+              <a:rPr lang="zh-CN" altLang="en-US" dirty="0"/>
+              <a:t>，其取值为</a:t>
+            </a:r>
+            <a:r>
+              <a:rPr lang="en-US" altLang="zh-CN" dirty="0"/>
+              <a:t>{1,2,3,4,5,6}</a:t>
+            </a:r>
+            <a:r>
+              <a:rPr lang="zh-CN" altLang="en-US" dirty="0"/>
+              <a:t>。</a:t>
+            </a:r>
+            <a:endParaRPr lang="en-US" altLang="zh-CN" dirty="0"/>
+          </a:p>
+          <a:p>
+            <a:r>
+              <a:rPr lang="zh-CN" altLang="en-US" dirty="0"/>
+              <a:t>概率分布（</a:t>
+            </a:r>
+            <a:r>
+              <a:rPr lang="en-US" altLang="zh-CN" dirty="0"/>
+              <a:t>Probability Distribution</a:t>
+            </a:r>
+            <a:r>
+              <a:rPr lang="zh-CN" altLang="en-US" dirty="0"/>
+              <a:t>）</a:t>
+            </a:r>
+            <a:endParaRPr lang="en-US" altLang="zh-CN" dirty="0"/>
+          </a:p>
+          <a:p>
+            <a:pPr lvl="1"/>
+            <a:r>
+              <a:rPr lang="zh-CN" altLang="en-US" dirty="0"/>
+              <a:t>一个随机变量</a:t>
+            </a:r>
+            <a:r>
+              <a:rPr lang="en-US" altLang="zh-CN" dirty="0"/>
+              <a:t>X</a:t>
+            </a:r>
+            <a:r>
+              <a:rPr lang="zh-CN" altLang="en-US" dirty="0"/>
+              <a:t>取每种可能值的概率</a:t>
+            </a:r>
+            <a:endParaRPr lang="en-US" altLang="zh-CN" dirty="0"/>
+          </a:p>
+          <a:p>
+            <a:pPr lvl="1"/>
+            <a:endParaRPr lang="en-US" altLang="zh-CN" dirty="0"/>
+          </a:p>
+          <a:p>
+            <a:pPr lvl="1"/>
+            <a:r>
+              <a:rPr lang="zh-CN" altLang="en-US" dirty="0"/>
+              <a:t>并满足</a:t>
+            </a:r>
+            <a:endParaRPr lang="en-US" altLang="zh-CN" dirty="0"/>
+          </a:p>
+          <a:p>
+            <a:pPr lvl="1"/>
+            <a:endParaRPr lang="zh-CN" altLang="en-US" dirty="0"/>
+          </a:p>
+        </p:txBody>
+      </p:sp>
+      <p:pic>
+        <p:nvPicPr>
+          <p:cNvPr id="5" name="图片 4">
+            <a:extLst>
+              <a:ext uri="{FF2B5EF4-FFF2-40B4-BE49-F238E27FC236}">
+                <a16:creationId xmlns:a16="http://schemas.microsoft.com/office/drawing/2014/main" id="{9A23F156-D96E-466F-ACDC-072F57FCC205}"/>
+              </a:ext>
+            </a:extLst>
+          </p:cNvPr>
+          <p:cNvPicPr>
+            <a:picLocks noChangeAspect="1"/>
+          </p:cNvPicPr>
+          <p:nvPr/>
+        </p:nvPicPr>
+        <p:blipFill>
+          <a:blip r:embed="rId2">
+            <a:extLst>
+              <a:ext uri="{28A0092B-C50C-407E-A947-70E740481C1C}">
+                <a14:useLocalDpi xmlns:a14="http://schemas.microsoft.com/office/drawing/2010/main" val="0"/>
+              </a:ext>
+            </a:extLst>
+          </a:blip>
+          <a:stretch>
+            <a:fillRect/>
+          </a:stretch>
+        </p:blipFill>
+        <p:spPr>
+          <a:xfrm>
+            <a:off x="4191000" y="4437349"/>
+            <a:ext cx="3418204" cy="495313"/>
+          </a:xfrm>
+          <a:prstGeom prst="rect">
+            <a:avLst/>
+          </a:prstGeom>
+        </p:spPr>
+      </p:pic>
+      <p:pic>
+        <p:nvPicPr>
+          <p:cNvPr id="7" name="图片 6">
+            <a:extLst>
+              <a:ext uri="{FF2B5EF4-FFF2-40B4-BE49-F238E27FC236}">
+                <a16:creationId xmlns:a16="http://schemas.microsoft.com/office/drawing/2014/main" id="{6B4E0F74-C444-4D48-9B92-34C3C3294E2E}"/>
+              </a:ext>
+            </a:extLst>
+          </p:cNvPr>
+          <p:cNvPicPr>
+            <a:picLocks noChangeAspect="1"/>
+          </p:cNvPicPr>
+          <p:nvPr/>
+        </p:nvPicPr>
+        <p:blipFill>
+          <a:blip r:embed="rId3">
+            <a:extLst>
+              <a:ext uri="{28A0092B-C50C-407E-A947-70E740481C1C}">
+                <a14:useLocalDpi xmlns:a14="http://schemas.microsoft.com/office/drawing/2010/main" val="0"/>
+              </a:ext>
+            </a:extLst>
+          </a:blip>
+          <a:stretch>
+            <a:fillRect/>
+          </a:stretch>
+        </p:blipFill>
+        <p:spPr>
+          <a:xfrm>
+            <a:off x="3810001" y="5046315"/>
+            <a:ext cx="1616571" cy="718476"/>
+          </a:xfrm>
+          <a:prstGeom prst="rect">
+            <a:avLst/>
+          </a:prstGeom>
+        </p:spPr>
+      </p:pic>
+      <p:pic>
+        <p:nvPicPr>
+          <p:cNvPr id="9" name="图片 8">
+            <a:extLst>
+              <a:ext uri="{FF2B5EF4-FFF2-40B4-BE49-F238E27FC236}">
+                <a16:creationId xmlns:a16="http://schemas.microsoft.com/office/drawing/2014/main" id="{FC2BC48A-642C-4CB8-B5BD-3B642E0A7F4C}"/>
+              </a:ext>
+            </a:extLst>
+          </p:cNvPr>
+          <p:cNvPicPr>
+            <a:picLocks noChangeAspect="1"/>
+          </p:cNvPicPr>
+          <p:nvPr/>
+        </p:nvPicPr>
+        <p:blipFill>
+          <a:blip r:embed="rId4">
+            <a:extLst>
+              <a:ext uri="{28A0092B-C50C-407E-A947-70E740481C1C}">
+                <a14:useLocalDpi xmlns:a14="http://schemas.microsoft.com/office/drawing/2010/main" val="0"/>
+              </a:ext>
+            </a:extLst>
+          </a:blip>
+          <a:stretch>
+            <a:fillRect/>
+          </a:stretch>
+        </p:blipFill>
+        <p:spPr>
+          <a:xfrm>
+            <a:off x="3723404" y="5727518"/>
+            <a:ext cx="3406335" cy="625527"/>
           </a:xfrm>
           <a:prstGeom prst="rect">
             <a:avLst/>
@@ -12091,7 +14348,7 @@
     </p:spTree>
     <p:extLst>
       <p:ext uri="{BB962C8B-B14F-4D97-AF65-F5344CB8AC3E}">
-        <p14:creationId xmlns:p14="http://schemas.microsoft.com/office/powerpoint/2010/main" val="1483125816"/>
+        <p14:creationId xmlns:p14="http://schemas.microsoft.com/office/powerpoint/2010/main" val="1212917699"/>
       </p:ext>
     </p:extLst>
   </p:cSld>
@@ -12101,7 +14358,1912 @@
 </p:sld>
 </file>
 
-<file path=ppt/slides/slide26.xml><?xml version="1.0" encoding="utf-8"?>
+<file path=ppt/slides/slide32.xml><?xml version="1.0" encoding="utf-8"?>
+<p:sld xmlns:a="http://schemas.openxmlformats.org/drawingml/2006/main" xmlns:r="http://schemas.openxmlformats.org/officeDocument/2006/relationships" xmlns:p="http://schemas.openxmlformats.org/presentationml/2006/main">
+  <p:cSld>
+    <p:spTree>
+      <p:nvGrpSpPr>
+        <p:cNvPr id="1" name=""/>
+        <p:cNvGrpSpPr/>
+        <p:nvPr/>
+      </p:nvGrpSpPr>
+      <p:grpSpPr>
+        <a:xfrm>
+          <a:off x="0" y="0"/>
+          <a:ext cx="0" cy="0"/>
+          <a:chOff x="0" y="0"/>
+          <a:chExt cx="0" cy="0"/>
+        </a:xfrm>
+      </p:grpSpPr>
+      <p:sp>
+        <p:nvSpPr>
+          <p:cNvPr id="3" name="内容占位符 2">
+            <a:extLst>
+              <a:ext uri="{FF2B5EF4-FFF2-40B4-BE49-F238E27FC236}">
+                <a16:creationId xmlns:a16="http://schemas.microsoft.com/office/drawing/2014/main" id="{71549F39-C7A0-4345-8C66-D186757FDDD4}"/>
+              </a:ext>
+            </a:extLst>
+          </p:cNvPr>
+          <p:cNvSpPr>
+            <a:spLocks noGrp="1"/>
+          </p:cNvSpPr>
+          <p:nvPr>
+            <p:ph sz="quarter" idx="1"/>
+          </p:nvPr>
+        </p:nvSpPr>
+        <p:spPr/>
+        <p:txBody>
+          <a:bodyPr/>
+          <a:lstStyle/>
+          <a:p>
+            <a:r>
+              <a:rPr lang="zh-CN" altLang="en-US" dirty="0"/>
+              <a:t>伯努利分布（</a:t>
+            </a:r>
+            <a:r>
+              <a:rPr lang="en-US" altLang="zh-CN" dirty="0"/>
+              <a:t>Bernoulli Distribution</a:t>
+            </a:r>
+            <a:r>
+              <a:rPr lang="zh-CN" altLang="en-US" dirty="0"/>
+              <a:t>）</a:t>
+            </a:r>
+            <a:endParaRPr lang="en-US" altLang="zh-CN" dirty="0"/>
+          </a:p>
+          <a:p>
+            <a:pPr lvl="1"/>
+            <a:r>
+              <a:rPr lang="zh-CN" altLang="en-US" dirty="0"/>
+              <a:t>在一次试验中，事件</a:t>
+            </a:r>
+            <a:r>
+              <a:rPr lang="en-US" altLang="zh-CN" dirty="0"/>
+              <a:t>A</a:t>
+            </a:r>
+            <a:r>
+              <a:rPr lang="zh-CN" altLang="en-US" dirty="0"/>
+              <a:t>出现的概率为</a:t>
+            </a:r>
+            <a:r>
+              <a:rPr lang="en-US" altLang="zh-CN" dirty="0"/>
+              <a:t>µ</a:t>
+            </a:r>
+            <a:r>
+              <a:rPr lang="zh-CN" altLang="en-US" dirty="0"/>
+              <a:t>，不出现的概率为</a:t>
+            </a:r>
+            <a:r>
+              <a:rPr lang="en-US" altLang="zh-CN" dirty="0"/>
+              <a:t>1 − µ</a:t>
+            </a:r>
+            <a:r>
+              <a:rPr lang="zh-CN" altLang="en-US" dirty="0"/>
+              <a:t>。若用变量</a:t>
+            </a:r>
+            <a:r>
+              <a:rPr lang="en-US" altLang="zh-CN" dirty="0"/>
+              <a:t>X </a:t>
+            </a:r>
+            <a:r>
+              <a:rPr lang="zh-CN" altLang="en-US" dirty="0"/>
+              <a:t>表示事件</a:t>
+            </a:r>
+            <a:r>
+              <a:rPr lang="en-US" altLang="zh-CN" dirty="0"/>
+              <a:t>A</a:t>
+            </a:r>
+            <a:r>
+              <a:rPr lang="zh-CN" altLang="en-US" dirty="0"/>
+              <a:t>出现的次数，则</a:t>
+            </a:r>
+            <a:r>
+              <a:rPr lang="en-US" altLang="zh-CN" dirty="0"/>
+              <a:t>X </a:t>
+            </a:r>
+            <a:r>
+              <a:rPr lang="zh-CN" altLang="en-US" dirty="0"/>
+              <a:t>的取值为</a:t>
+            </a:r>
+            <a:r>
+              <a:rPr lang="en-US" altLang="zh-CN" dirty="0"/>
+              <a:t>0</a:t>
+            </a:r>
+            <a:r>
+              <a:rPr lang="zh-CN" altLang="en-US" dirty="0"/>
+              <a:t>和</a:t>
+            </a:r>
+            <a:r>
+              <a:rPr lang="en-US" altLang="zh-CN" dirty="0"/>
+              <a:t>1</a:t>
+            </a:r>
+            <a:r>
+              <a:rPr lang="zh-CN" altLang="en-US" dirty="0"/>
+              <a:t>，其相应的分布为</a:t>
+            </a:r>
+            <a:endParaRPr lang="en-US" altLang="zh-CN" dirty="0"/>
+          </a:p>
+          <a:p>
+            <a:pPr lvl="1"/>
+            <a:endParaRPr lang="en-US" altLang="zh-CN" dirty="0"/>
+          </a:p>
+          <a:p>
+            <a:endParaRPr lang="en-US" altLang="zh-CN" dirty="0"/>
+          </a:p>
+          <a:p>
+            <a:r>
+              <a:rPr lang="zh-CN" altLang="en-US" dirty="0"/>
+              <a:t>二项分布（</a:t>
+            </a:r>
+            <a:r>
+              <a:rPr lang="en-US" altLang="zh-CN" dirty="0"/>
+              <a:t>Binomial Distribution</a:t>
+            </a:r>
+            <a:r>
+              <a:rPr lang="zh-CN" altLang="en-US" dirty="0"/>
+              <a:t>）</a:t>
+            </a:r>
+            <a:endParaRPr lang="en-US" altLang="zh-CN" dirty="0"/>
+          </a:p>
+          <a:p>
+            <a:pPr lvl="1"/>
+            <a:r>
+              <a:rPr lang="zh-CN" altLang="en-US" dirty="0"/>
+              <a:t>在</a:t>
+            </a:r>
+            <a:r>
+              <a:rPr lang="en-US" altLang="zh-CN" dirty="0"/>
+              <a:t>n</a:t>
+            </a:r>
+            <a:r>
+              <a:rPr lang="zh-CN" altLang="en-US" dirty="0"/>
+              <a:t>次伯努利分布中，若以变量</a:t>
+            </a:r>
+            <a:r>
+              <a:rPr lang="en-US" altLang="zh-CN" dirty="0"/>
+              <a:t>X </a:t>
+            </a:r>
+            <a:r>
+              <a:rPr lang="zh-CN" altLang="en-US" dirty="0"/>
+              <a:t>表示事件</a:t>
+            </a:r>
+            <a:r>
+              <a:rPr lang="en-US" altLang="zh-CN" dirty="0"/>
+              <a:t>A</a:t>
+            </a:r>
+            <a:r>
+              <a:rPr lang="zh-CN" altLang="en-US" dirty="0"/>
+              <a:t>出现的次数，则</a:t>
+            </a:r>
+            <a:r>
+              <a:rPr lang="en-US" altLang="zh-CN" dirty="0"/>
+              <a:t>X </a:t>
+            </a:r>
+            <a:r>
+              <a:rPr lang="zh-CN" altLang="en-US" dirty="0"/>
+              <a:t>的取值为</a:t>
+            </a:r>
+            <a:r>
+              <a:rPr lang="en-US" altLang="zh-CN" dirty="0"/>
+              <a:t>{0,… ,n}</a:t>
+            </a:r>
+            <a:r>
+              <a:rPr lang="zh-CN" altLang="en-US" dirty="0"/>
+              <a:t>，其相应的分布</a:t>
+            </a:r>
+          </a:p>
+        </p:txBody>
+      </p:sp>
+      <p:pic>
+        <p:nvPicPr>
+          <p:cNvPr id="5" name="图片 4">
+            <a:extLst>
+              <a:ext uri="{FF2B5EF4-FFF2-40B4-BE49-F238E27FC236}">
+                <a16:creationId xmlns:a16="http://schemas.microsoft.com/office/drawing/2014/main" id="{2A60BF20-D777-4575-8720-4CE69CB685BE}"/>
+              </a:ext>
+            </a:extLst>
+          </p:cNvPr>
+          <p:cNvPicPr>
+            <a:picLocks noChangeAspect="1"/>
+          </p:cNvPicPr>
+          <p:nvPr/>
+        </p:nvPicPr>
+        <p:blipFill>
+          <a:blip r:embed="rId2">
+            <a:extLst>
+              <a:ext uri="{28A0092B-C50C-407E-A947-70E740481C1C}">
+                <a14:useLocalDpi xmlns:a14="http://schemas.microsoft.com/office/drawing/2010/main" val="0"/>
+              </a:ext>
+            </a:extLst>
+          </a:blip>
+          <a:stretch>
+            <a:fillRect/>
+          </a:stretch>
+        </p:blipFill>
+        <p:spPr>
+          <a:xfrm>
+            <a:off x="4191000" y="2514600"/>
+            <a:ext cx="3456263" cy="780446"/>
+          </a:xfrm>
+          <a:prstGeom prst="rect">
+            <a:avLst/>
+          </a:prstGeom>
+        </p:spPr>
+      </p:pic>
+      <p:sp>
+        <p:nvSpPr>
+          <p:cNvPr id="2" name="标题 1">
+            <a:extLst>
+              <a:ext uri="{FF2B5EF4-FFF2-40B4-BE49-F238E27FC236}">
+                <a16:creationId xmlns:a16="http://schemas.microsoft.com/office/drawing/2014/main" id="{41168F84-99F9-4CF6-BD39-B9B9E4785996}"/>
+              </a:ext>
+            </a:extLst>
+          </p:cNvPr>
+          <p:cNvSpPr>
+            <a:spLocks noGrp="1"/>
+          </p:cNvSpPr>
+          <p:nvPr>
+            <p:ph type="title"/>
+          </p:nvPr>
+        </p:nvSpPr>
+        <p:spPr/>
+        <p:txBody>
+          <a:bodyPr/>
+          <a:lstStyle/>
+          <a:p>
+            <a:r>
+              <a:rPr lang="zh-CN" altLang="en-US" dirty="0"/>
+              <a:t>概率的一些基本概念</a:t>
+            </a:r>
+          </a:p>
+        </p:txBody>
+      </p:sp>
+      <p:pic>
+        <p:nvPicPr>
+          <p:cNvPr id="11" name="图片 10">
+            <a:extLst>
+              <a:ext uri="{FF2B5EF4-FFF2-40B4-BE49-F238E27FC236}">
+                <a16:creationId xmlns:a16="http://schemas.microsoft.com/office/drawing/2014/main" id="{41EC19EA-D9BA-457C-9F2A-4BFFEA3FDC5C}"/>
+              </a:ext>
+            </a:extLst>
+          </p:cNvPr>
+          <p:cNvPicPr>
+            <a:picLocks noChangeAspect="1"/>
+          </p:cNvPicPr>
+          <p:nvPr/>
+        </p:nvPicPr>
+        <p:blipFill>
+          <a:blip r:embed="rId3">
+            <a:extLst>
+              <a:ext uri="{28A0092B-C50C-407E-A947-70E740481C1C}">
+                <a14:useLocalDpi xmlns:a14="http://schemas.microsoft.com/office/drawing/2010/main" val="0"/>
+              </a:ext>
+            </a:extLst>
+          </a:blip>
+          <a:stretch>
+            <a:fillRect/>
+          </a:stretch>
+        </p:blipFill>
+        <p:spPr>
+          <a:xfrm>
+            <a:off x="3352728" y="4746858"/>
+            <a:ext cx="5486544" cy="745691"/>
+          </a:xfrm>
+          <a:prstGeom prst="rect">
+            <a:avLst/>
+          </a:prstGeom>
+        </p:spPr>
+      </p:pic>
+      <p:sp>
+        <p:nvSpPr>
+          <p:cNvPr id="12" name="矩形 11">
+            <a:extLst>
+              <a:ext uri="{FF2B5EF4-FFF2-40B4-BE49-F238E27FC236}">
+                <a16:creationId xmlns:a16="http://schemas.microsoft.com/office/drawing/2014/main" id="{C8B8D7D3-720A-4014-9AEB-EEDF7920BE47}"/>
+              </a:ext>
+            </a:extLst>
+          </p:cNvPr>
+          <p:cNvSpPr/>
+          <p:nvPr/>
+        </p:nvSpPr>
+        <p:spPr>
+          <a:xfrm>
+            <a:off x="4547389" y="5658174"/>
+            <a:ext cx="4267344" cy="646331"/>
+          </a:xfrm>
+          <a:prstGeom prst="rect">
+            <a:avLst/>
+          </a:prstGeom>
+        </p:spPr>
+        <p:txBody>
+          <a:bodyPr wrap="square">
+            <a:spAutoFit/>
+          </a:bodyPr>
+          <a:lstStyle/>
+          <a:p>
+            <a:r>
+              <a:rPr lang="zh-CN" altLang="en-US" dirty="0">
+                <a:solidFill>
+                  <a:srgbClr val="FF0000"/>
+                </a:solidFill>
+              </a:rPr>
+              <a:t>二项式系数，表示从n个元素中取出k个元素而不考虑其顺序的组合的总数。</a:t>
+            </a:r>
+          </a:p>
+        </p:txBody>
+      </p:sp>
+    </p:spTree>
+    <p:extLst>
+      <p:ext uri="{BB962C8B-B14F-4D97-AF65-F5344CB8AC3E}">
+        <p14:creationId xmlns:p14="http://schemas.microsoft.com/office/powerpoint/2010/main" val="3255302227"/>
+      </p:ext>
+    </p:extLst>
+  </p:cSld>
+  <p:clrMapOvr>
+    <a:masterClrMapping/>
+  </p:clrMapOvr>
+</p:sld>
+</file>
+
+<file path=ppt/slides/slide33.xml><?xml version="1.0" encoding="utf-8"?>
+<p:sld xmlns:a="http://schemas.openxmlformats.org/drawingml/2006/main" xmlns:r="http://schemas.openxmlformats.org/officeDocument/2006/relationships" xmlns:p="http://schemas.openxmlformats.org/presentationml/2006/main">
+  <p:cSld>
+    <p:spTree>
+      <p:nvGrpSpPr>
+        <p:cNvPr id="1" name=""/>
+        <p:cNvGrpSpPr/>
+        <p:nvPr/>
+      </p:nvGrpSpPr>
+      <p:grpSpPr>
+        <a:xfrm>
+          <a:off x="0" y="0"/>
+          <a:ext cx="0" cy="0"/>
+          <a:chOff x="0" y="0"/>
+          <a:chExt cx="0" cy="0"/>
+        </a:xfrm>
+      </p:grpSpPr>
+      <p:sp>
+        <p:nvSpPr>
+          <p:cNvPr id="2" name="标题 1">
+            <a:extLst>
+              <a:ext uri="{FF2B5EF4-FFF2-40B4-BE49-F238E27FC236}">
+                <a16:creationId xmlns:a16="http://schemas.microsoft.com/office/drawing/2014/main" id="{B38719B1-EEF7-41B4-BC49-FD0AE54A4AA1}"/>
+              </a:ext>
+            </a:extLst>
+          </p:cNvPr>
+          <p:cNvSpPr>
+            <a:spLocks noGrp="1"/>
+          </p:cNvSpPr>
+          <p:nvPr>
+            <p:ph type="title"/>
+          </p:nvPr>
+        </p:nvSpPr>
+        <p:spPr/>
+        <p:txBody>
+          <a:bodyPr/>
+          <a:lstStyle/>
+          <a:p>
+            <a:r>
+              <a:rPr lang="zh-CN" altLang="en-US" dirty="0"/>
+              <a:t>概率的一些基本概念</a:t>
+            </a:r>
+          </a:p>
+        </p:txBody>
+      </p:sp>
+      <p:sp>
+        <p:nvSpPr>
+          <p:cNvPr id="3" name="内容占位符 2">
+            <a:extLst>
+              <a:ext uri="{FF2B5EF4-FFF2-40B4-BE49-F238E27FC236}">
+                <a16:creationId xmlns:a16="http://schemas.microsoft.com/office/drawing/2014/main" id="{B228BC64-F955-4DE7-997B-488E693E6911}"/>
+              </a:ext>
+            </a:extLst>
+          </p:cNvPr>
+          <p:cNvSpPr>
+            <a:spLocks noGrp="1"/>
+          </p:cNvSpPr>
+          <p:nvPr>
+            <p:ph sz="quarter" idx="1"/>
+          </p:nvPr>
+        </p:nvSpPr>
+        <p:spPr/>
+        <p:txBody>
+          <a:bodyPr/>
+          <a:lstStyle/>
+          <a:p>
+            <a:r>
+              <a:rPr lang="zh-CN" altLang="en-US" dirty="0"/>
+              <a:t>条件概率（</a:t>
+            </a:r>
+            <a:r>
+              <a:rPr lang="en-US" altLang="zh-CN" dirty="0"/>
+              <a:t>Conditional Probability</a:t>
+            </a:r>
+            <a:r>
+              <a:rPr lang="zh-CN" altLang="en-US" dirty="0"/>
+              <a:t>）</a:t>
+            </a:r>
+            <a:endParaRPr lang="en-US" altLang="zh-CN" dirty="0"/>
+          </a:p>
+          <a:p>
+            <a:pPr lvl="1"/>
+            <a:r>
+              <a:rPr lang="zh-CN" altLang="en-US" dirty="0"/>
+              <a:t>对于离散随机向量</a:t>
+            </a:r>
+            <a:r>
+              <a:rPr lang="en-US" altLang="zh-CN" dirty="0"/>
+              <a:t>(X,Y )</a:t>
+            </a:r>
+            <a:r>
+              <a:rPr lang="zh-CN" altLang="en-US" dirty="0"/>
+              <a:t>，已知</a:t>
+            </a:r>
+            <a:r>
+              <a:rPr lang="en-US" altLang="zh-CN" dirty="0"/>
+              <a:t>X = x</a:t>
+            </a:r>
+            <a:r>
+              <a:rPr lang="zh-CN" altLang="en-US" dirty="0"/>
+              <a:t>的条件下，随机变量</a:t>
+            </a:r>
+            <a:r>
+              <a:rPr lang="en-US" altLang="zh-CN" dirty="0"/>
+              <a:t>Y = y</a:t>
+            </a:r>
+            <a:r>
+              <a:rPr lang="zh-CN" altLang="en-US" dirty="0"/>
+              <a:t>的条件概率为：</a:t>
+            </a:r>
+            <a:endParaRPr lang="en-US" altLang="zh-CN" dirty="0"/>
+          </a:p>
+          <a:p>
+            <a:pPr lvl="1"/>
+            <a:endParaRPr lang="en-US" altLang="zh-CN" dirty="0"/>
+          </a:p>
+          <a:p>
+            <a:pPr lvl="1"/>
+            <a:endParaRPr lang="en-US" altLang="zh-CN" dirty="0"/>
+          </a:p>
+          <a:p>
+            <a:r>
+              <a:rPr lang="zh-CN" altLang="en-US" dirty="0"/>
+              <a:t>贝叶斯公式</a:t>
+            </a:r>
+            <a:endParaRPr lang="en-US" altLang="zh-CN" dirty="0"/>
+          </a:p>
+          <a:p>
+            <a:pPr lvl="1"/>
+            <a:r>
+              <a:rPr lang="zh-CN" altLang="en-US" dirty="0"/>
+              <a:t>两个条件概率</a:t>
+            </a:r>
+            <a:r>
+              <a:rPr lang="en-US" altLang="zh-CN" dirty="0"/>
+              <a:t>p(</a:t>
+            </a:r>
+            <a:r>
+              <a:rPr lang="en-US" altLang="zh-CN" dirty="0" err="1"/>
+              <a:t>y|x</a:t>
+            </a:r>
+            <a:r>
+              <a:rPr lang="en-US" altLang="zh-CN" dirty="0"/>
+              <a:t>)</a:t>
+            </a:r>
+            <a:r>
+              <a:rPr lang="zh-CN" altLang="en-US" dirty="0"/>
+              <a:t>和</a:t>
+            </a:r>
+            <a:r>
+              <a:rPr lang="en-US" altLang="zh-CN" dirty="0"/>
+              <a:t>p(</a:t>
+            </a:r>
+            <a:r>
+              <a:rPr lang="en-US" altLang="zh-CN" dirty="0" err="1"/>
+              <a:t>x|y</a:t>
+            </a:r>
+            <a:r>
+              <a:rPr lang="en-US" altLang="zh-CN" dirty="0"/>
+              <a:t>)</a:t>
+            </a:r>
+            <a:r>
+              <a:rPr lang="zh-CN" altLang="en-US" dirty="0"/>
+              <a:t>之间的关系</a:t>
+            </a:r>
+          </a:p>
+        </p:txBody>
+      </p:sp>
+      <p:pic>
+        <p:nvPicPr>
+          <p:cNvPr id="7" name="图片 6">
+            <a:extLst>
+              <a:ext uri="{FF2B5EF4-FFF2-40B4-BE49-F238E27FC236}">
+                <a16:creationId xmlns:a16="http://schemas.microsoft.com/office/drawing/2014/main" id="{FB3310A4-6EB4-4F21-B0A6-B469945A1E40}"/>
+              </a:ext>
+            </a:extLst>
+          </p:cNvPr>
+          <p:cNvPicPr>
+            <a:picLocks noChangeAspect="1"/>
+          </p:cNvPicPr>
+          <p:nvPr/>
+        </p:nvPicPr>
+        <p:blipFill>
+          <a:blip r:embed="rId3">
+            <a:extLst>
+              <a:ext uri="{28A0092B-C50C-407E-A947-70E740481C1C}">
+                <a14:useLocalDpi xmlns:a14="http://schemas.microsoft.com/office/drawing/2010/main" val="0"/>
+              </a:ext>
+            </a:extLst>
+          </a:blip>
+          <a:stretch>
+            <a:fillRect/>
+          </a:stretch>
+        </p:blipFill>
+        <p:spPr>
+          <a:xfrm>
+            <a:off x="3733801" y="2514601"/>
+            <a:ext cx="4087693" cy="800121"/>
+          </a:xfrm>
+          <a:prstGeom prst="rect">
+            <a:avLst/>
+          </a:prstGeom>
+        </p:spPr>
+      </p:pic>
+      <p:pic>
+        <p:nvPicPr>
+          <p:cNvPr id="9" name="图片 8">
+            <a:extLst>
+              <a:ext uri="{FF2B5EF4-FFF2-40B4-BE49-F238E27FC236}">
+                <a16:creationId xmlns:a16="http://schemas.microsoft.com/office/drawing/2014/main" id="{C71C2A67-8681-4496-A37A-66F100E3BB74}"/>
+              </a:ext>
+            </a:extLst>
+          </p:cNvPr>
+          <p:cNvPicPr>
+            <a:picLocks noChangeAspect="1"/>
+          </p:cNvPicPr>
+          <p:nvPr/>
+        </p:nvPicPr>
+        <p:blipFill>
+          <a:blip r:embed="rId4">
+            <a:extLst>
+              <a:ext uri="{28A0092B-C50C-407E-A947-70E740481C1C}">
+                <a14:useLocalDpi xmlns:a14="http://schemas.microsoft.com/office/drawing/2010/main" val="0"/>
+              </a:ext>
+            </a:extLst>
+          </a:blip>
+          <a:stretch>
+            <a:fillRect/>
+          </a:stretch>
+        </p:blipFill>
+        <p:spPr>
+          <a:xfrm>
+            <a:off x="4495801" y="4724400"/>
+            <a:ext cx="2280617" cy="685818"/>
+          </a:xfrm>
+          <a:prstGeom prst="rect">
+            <a:avLst/>
+          </a:prstGeom>
+        </p:spPr>
+      </p:pic>
+    </p:spTree>
+    <p:extLst>
+      <p:ext uri="{BB962C8B-B14F-4D97-AF65-F5344CB8AC3E}">
+        <p14:creationId xmlns:p14="http://schemas.microsoft.com/office/powerpoint/2010/main" val="471723592"/>
+      </p:ext>
+    </p:extLst>
+  </p:cSld>
+  <p:clrMapOvr>
+    <a:masterClrMapping/>
+  </p:clrMapOvr>
+</p:sld>
+</file>
+
+<file path=ppt/slides/slide34.xml><?xml version="1.0" encoding="utf-8"?>
+<p:sld xmlns:a="http://schemas.openxmlformats.org/drawingml/2006/main" xmlns:r="http://schemas.openxmlformats.org/officeDocument/2006/relationships" xmlns:p="http://schemas.openxmlformats.org/presentationml/2006/main">
+  <p:cSld>
+    <p:spTree>
+      <p:nvGrpSpPr>
+        <p:cNvPr id="1" name=""/>
+        <p:cNvGrpSpPr/>
+        <p:nvPr/>
+      </p:nvGrpSpPr>
+      <p:grpSpPr>
+        <a:xfrm>
+          <a:off x="0" y="0"/>
+          <a:ext cx="0" cy="0"/>
+          <a:chOff x="0" y="0"/>
+          <a:chExt cx="0" cy="0"/>
+        </a:xfrm>
+      </p:grpSpPr>
+      <p:sp>
+        <p:nvSpPr>
+          <p:cNvPr id="2" name="标题 1">
+            <a:extLst>
+              <a:ext uri="{FF2B5EF4-FFF2-40B4-BE49-F238E27FC236}">
+                <a16:creationId xmlns:a16="http://schemas.microsoft.com/office/drawing/2014/main" id="{347DA8B9-3FF2-488D-8746-3014FB8147E0}"/>
+              </a:ext>
+            </a:extLst>
+          </p:cNvPr>
+          <p:cNvSpPr>
+            <a:spLocks noGrp="1"/>
+          </p:cNvSpPr>
+          <p:nvPr>
+            <p:ph type="title"/>
+          </p:nvPr>
+        </p:nvSpPr>
+        <p:spPr/>
+        <p:txBody>
+          <a:bodyPr/>
+          <a:lstStyle/>
+          <a:p>
+            <a:r>
+              <a:rPr lang="zh-CN" altLang="en-US" dirty="0"/>
+              <a:t>例子</a:t>
+            </a:r>
+          </a:p>
+        </p:txBody>
+      </p:sp>
+      <p:pic>
+        <p:nvPicPr>
+          <p:cNvPr id="1026" name="Picture 2" descr="Image result for conditional probability example">
+            <a:extLst>
+              <a:ext uri="{FF2B5EF4-FFF2-40B4-BE49-F238E27FC236}">
+                <a16:creationId xmlns:a16="http://schemas.microsoft.com/office/drawing/2014/main" id="{D4B0F08A-7BE2-43E7-BA25-199A3813318F}"/>
+              </a:ext>
+            </a:extLst>
+          </p:cNvPr>
+          <p:cNvPicPr>
+            <a:picLocks noChangeAspect="1" noChangeArrowheads="1"/>
+          </p:cNvPicPr>
+          <p:nvPr/>
+        </p:nvPicPr>
+        <p:blipFill>
+          <a:blip r:embed="rId2">
+            <a:extLst>
+              <a:ext uri="{28A0092B-C50C-407E-A947-70E740481C1C}">
+                <a14:useLocalDpi xmlns:a14="http://schemas.microsoft.com/office/drawing/2010/main" val="0"/>
+              </a:ext>
+            </a:extLst>
+          </a:blip>
+          <a:srcRect/>
+          <a:stretch>
+            <a:fillRect/>
+          </a:stretch>
+        </p:blipFill>
+        <p:spPr bwMode="auto">
+          <a:xfrm>
+            <a:off x="7572375" y="457200"/>
+            <a:ext cx="2381250" cy="1619250"/>
+          </a:xfrm>
+          <a:prstGeom prst="rect">
+            <a:avLst/>
+          </a:prstGeom>
+          <a:noFill/>
+          <a:extLst>
+            <a:ext uri="{909E8E84-426E-40DD-AFC4-6F175D3DCCD1}">
+              <a14:hiddenFill xmlns:a14="http://schemas.microsoft.com/office/drawing/2010/main">
+                <a:solidFill>
+                  <a:srgbClr val="FFFFFF"/>
+                </a:solidFill>
+              </a14:hiddenFill>
+            </a:ext>
+          </a:extLst>
+        </p:spPr>
+      </p:pic>
+      <p:graphicFrame>
+        <p:nvGraphicFramePr>
+          <p:cNvPr id="4" name="表格 3">
+            <a:extLst>
+              <a:ext uri="{FF2B5EF4-FFF2-40B4-BE49-F238E27FC236}">
+                <a16:creationId xmlns:a16="http://schemas.microsoft.com/office/drawing/2014/main" id="{4ADC6BAD-50CE-4E82-9D30-46AAD6F7675D}"/>
+              </a:ext>
+            </a:extLst>
+          </p:cNvPr>
+          <p:cNvGraphicFramePr>
+            <a:graphicFrameLocks noGrp="1"/>
+          </p:cNvGraphicFramePr>
+          <p:nvPr>
+            <p:extLst/>
+          </p:nvPr>
+        </p:nvGraphicFramePr>
+        <p:xfrm>
+          <a:off x="3200400" y="2438400"/>
+          <a:ext cx="6096000" cy="1483360"/>
+        </p:xfrm>
+        <a:graphic>
+          <a:graphicData uri="http://schemas.openxmlformats.org/drawingml/2006/table">
+            <a:tbl>
+              <a:tblPr firstRow="1" firstCol="1">
+                <a:tableStyleId>{0E3FDE45-AF77-4B5C-9715-49D594BDF05E}</a:tableStyleId>
+              </a:tblPr>
+              <a:tblGrid>
+                <a:gridCol w="1524000">
+                  <a:extLst>
+                    <a:ext uri="{9D8B030D-6E8A-4147-A177-3AD203B41FA5}">
+                      <a16:colId xmlns:a16="http://schemas.microsoft.com/office/drawing/2014/main" val="214769087"/>
+                    </a:ext>
+                  </a:extLst>
+                </a:gridCol>
+                <a:gridCol w="1524000">
+                  <a:extLst>
+                    <a:ext uri="{9D8B030D-6E8A-4147-A177-3AD203B41FA5}">
+                      <a16:colId xmlns:a16="http://schemas.microsoft.com/office/drawing/2014/main" val="1119936280"/>
+                    </a:ext>
+                  </a:extLst>
+                </a:gridCol>
+                <a:gridCol w="1524000">
+                  <a:extLst>
+                    <a:ext uri="{9D8B030D-6E8A-4147-A177-3AD203B41FA5}">
+                      <a16:colId xmlns:a16="http://schemas.microsoft.com/office/drawing/2014/main" val="2674861709"/>
+                    </a:ext>
+                  </a:extLst>
+                </a:gridCol>
+                <a:gridCol w="1524000">
+                  <a:extLst>
+                    <a:ext uri="{9D8B030D-6E8A-4147-A177-3AD203B41FA5}">
+                      <a16:colId xmlns:a16="http://schemas.microsoft.com/office/drawing/2014/main" val="3697132587"/>
+                    </a:ext>
+                  </a:extLst>
+                </a:gridCol>
+              </a:tblGrid>
+              <a:tr h="370840">
+                <a:tc>
+                  <a:txBody>
+                    <a:bodyPr/>
+                    <a:lstStyle/>
+                    <a:p>
+                      <a:pPr algn="ctr"/>
+                      <a:r>
+                        <a:rPr lang="zh-CN" altLang="en-US" dirty="0"/>
+                        <a:t>性别</a:t>
+                      </a:r>
+                      <a:r>
+                        <a:rPr lang="en-US" altLang="zh-CN" dirty="0"/>
+                        <a:t>\</a:t>
+                      </a:r>
+                      <a:r>
+                        <a:rPr lang="zh-CN" altLang="en-US" dirty="0"/>
+                        <a:t>行业</a:t>
+                      </a:r>
+                    </a:p>
+                  </a:txBody>
+                  <a:tcPr>
+                    <a:lnL w="12700" cap="flat" cmpd="sng" algn="ctr">
+                      <a:solidFill>
+                        <a:schemeClr val="tx1"/>
+                      </a:solidFill>
+                      <a:prstDash val="solid"/>
+                      <a:round/>
+                      <a:headEnd type="none" w="med" len="med"/>
+                      <a:tailEnd type="none" w="med" len="med"/>
+                    </a:lnL>
+                    <a:lnR w="12700" cap="flat" cmpd="sng" algn="ctr">
+                      <a:solidFill>
+                        <a:schemeClr val="tx1"/>
+                      </a:solidFill>
+                      <a:prstDash val="solid"/>
+                      <a:round/>
+                      <a:headEnd type="none" w="med" len="med"/>
+                      <a:tailEnd type="none" w="med" len="med"/>
+                    </a:lnR>
+                    <a:lnT w="12700" cap="flat" cmpd="sng" algn="ctr">
+                      <a:solidFill>
+                        <a:schemeClr val="tx1"/>
+                      </a:solidFill>
+                      <a:prstDash val="solid"/>
+                      <a:round/>
+                      <a:headEnd type="none" w="med" len="med"/>
+                      <a:tailEnd type="none" w="med" len="med"/>
+                    </a:lnT>
+                    <a:lnB w="12700" cap="flat" cmpd="sng" algn="ctr">
+                      <a:solidFill>
+                        <a:schemeClr val="tx1"/>
+                      </a:solidFill>
+                      <a:prstDash val="solid"/>
+                      <a:round/>
+                      <a:headEnd type="none" w="med" len="med"/>
+                      <a:tailEnd type="none" w="med" len="med"/>
+                    </a:lnB>
+                    <a:lnTlToBr w="12700" cmpd="sng">
+                      <a:noFill/>
+                      <a:prstDash val="solid"/>
+                    </a:lnTlToBr>
+                    <a:lnBlToTr w="12700" cmpd="sng">
+                      <a:noFill/>
+                      <a:prstDash val="solid"/>
+                    </a:lnBlToTr>
+                  </a:tcPr>
+                </a:tc>
+                <a:tc>
+                  <a:txBody>
+                    <a:bodyPr/>
+                    <a:lstStyle/>
+                    <a:p>
+                      <a:pPr algn="ctr"/>
+                      <a:r>
+                        <a:rPr lang="zh-CN" altLang="en-US" dirty="0"/>
+                        <a:t>计算机</a:t>
+                      </a:r>
+                    </a:p>
+                  </a:txBody>
+                  <a:tcPr>
+                    <a:lnL w="12700" cap="flat" cmpd="sng" algn="ctr">
+                      <a:solidFill>
+                        <a:schemeClr val="tx1"/>
+                      </a:solidFill>
+                      <a:prstDash val="solid"/>
+                      <a:round/>
+                      <a:headEnd type="none" w="med" len="med"/>
+                      <a:tailEnd type="none" w="med" len="med"/>
+                    </a:lnL>
+                    <a:lnR w="12700" cap="flat" cmpd="sng" algn="ctr">
+                      <a:solidFill>
+                        <a:schemeClr val="tx1"/>
+                      </a:solidFill>
+                      <a:prstDash val="solid"/>
+                      <a:round/>
+                      <a:headEnd type="none" w="med" len="med"/>
+                      <a:tailEnd type="none" w="med" len="med"/>
+                    </a:lnR>
+                    <a:lnT w="12700" cap="flat" cmpd="sng" algn="ctr">
+                      <a:solidFill>
+                        <a:schemeClr val="tx1"/>
+                      </a:solidFill>
+                      <a:prstDash val="solid"/>
+                      <a:round/>
+                      <a:headEnd type="none" w="med" len="med"/>
+                      <a:tailEnd type="none" w="med" len="med"/>
+                    </a:lnT>
+                    <a:lnB w="12700" cap="flat" cmpd="sng" algn="ctr">
+                      <a:solidFill>
+                        <a:schemeClr val="tx1"/>
+                      </a:solidFill>
+                      <a:prstDash val="solid"/>
+                      <a:round/>
+                      <a:headEnd type="none" w="med" len="med"/>
+                      <a:tailEnd type="none" w="med" len="med"/>
+                    </a:lnB>
+                    <a:lnTlToBr w="12700" cmpd="sng">
+                      <a:noFill/>
+                      <a:prstDash val="solid"/>
+                    </a:lnTlToBr>
+                    <a:lnBlToTr w="12700" cmpd="sng">
+                      <a:noFill/>
+                      <a:prstDash val="solid"/>
+                    </a:lnBlToTr>
+                  </a:tcPr>
+                </a:tc>
+                <a:tc>
+                  <a:txBody>
+                    <a:bodyPr/>
+                    <a:lstStyle/>
+                    <a:p>
+                      <a:pPr algn="ctr"/>
+                      <a:r>
+                        <a:rPr lang="zh-CN" altLang="en-US" dirty="0"/>
+                        <a:t>教育</a:t>
+                      </a:r>
+                    </a:p>
+                  </a:txBody>
+                  <a:tcPr>
+                    <a:lnL w="12700" cap="flat" cmpd="sng" algn="ctr">
+                      <a:solidFill>
+                        <a:schemeClr val="tx1"/>
+                      </a:solidFill>
+                      <a:prstDash val="solid"/>
+                      <a:round/>
+                      <a:headEnd type="none" w="med" len="med"/>
+                      <a:tailEnd type="none" w="med" len="med"/>
+                    </a:lnL>
+                    <a:lnR w="12700" cap="flat" cmpd="sng" algn="ctr">
+                      <a:solidFill>
+                        <a:schemeClr val="tx1"/>
+                      </a:solidFill>
+                      <a:prstDash val="solid"/>
+                      <a:round/>
+                      <a:headEnd type="none" w="med" len="med"/>
+                      <a:tailEnd type="none" w="med" len="med"/>
+                    </a:lnR>
+                    <a:lnT w="12700" cap="flat" cmpd="sng" algn="ctr">
+                      <a:solidFill>
+                        <a:schemeClr val="tx1"/>
+                      </a:solidFill>
+                      <a:prstDash val="solid"/>
+                      <a:round/>
+                      <a:headEnd type="none" w="med" len="med"/>
+                      <a:tailEnd type="none" w="med" len="med"/>
+                    </a:lnT>
+                    <a:lnB w="12700" cap="flat" cmpd="sng" algn="ctr">
+                      <a:solidFill>
+                        <a:schemeClr val="tx1"/>
+                      </a:solidFill>
+                      <a:prstDash val="solid"/>
+                      <a:round/>
+                      <a:headEnd type="none" w="med" len="med"/>
+                      <a:tailEnd type="none" w="med" len="med"/>
+                    </a:lnB>
+                    <a:lnTlToBr w="12700" cmpd="sng">
+                      <a:noFill/>
+                      <a:prstDash val="solid"/>
+                    </a:lnTlToBr>
+                    <a:lnBlToTr w="12700" cmpd="sng">
+                      <a:noFill/>
+                      <a:prstDash val="solid"/>
+                    </a:lnBlToTr>
+                  </a:tcPr>
+                </a:tc>
+                <a:tc>
+                  <a:txBody>
+                    <a:bodyPr/>
+                    <a:lstStyle/>
+                    <a:p>
+                      <a:pPr algn="ctr"/>
+                      <a:endParaRPr lang="zh-CN" altLang="en-US" dirty="0"/>
+                    </a:p>
+                  </a:txBody>
+                  <a:tcPr>
+                    <a:lnL w="12700" cap="flat" cmpd="sng" algn="ctr">
+                      <a:solidFill>
+                        <a:schemeClr val="tx1"/>
+                      </a:solidFill>
+                      <a:prstDash val="solid"/>
+                      <a:round/>
+                      <a:headEnd type="none" w="med" len="med"/>
+                      <a:tailEnd type="none" w="med" len="med"/>
+                    </a:lnL>
+                    <a:lnR w="12700" cap="flat" cmpd="sng" algn="ctr">
+                      <a:solidFill>
+                        <a:schemeClr val="tx1"/>
+                      </a:solidFill>
+                      <a:prstDash val="solid"/>
+                      <a:round/>
+                      <a:headEnd type="none" w="med" len="med"/>
+                      <a:tailEnd type="none" w="med" len="med"/>
+                    </a:lnR>
+                    <a:lnT w="12700" cap="flat" cmpd="sng" algn="ctr">
+                      <a:solidFill>
+                        <a:schemeClr val="tx1"/>
+                      </a:solidFill>
+                      <a:prstDash val="solid"/>
+                      <a:round/>
+                      <a:headEnd type="none" w="med" len="med"/>
+                      <a:tailEnd type="none" w="med" len="med"/>
+                    </a:lnT>
+                    <a:lnB w="12700" cap="flat" cmpd="sng" algn="ctr">
+                      <a:solidFill>
+                        <a:schemeClr val="tx1"/>
+                      </a:solidFill>
+                      <a:prstDash val="solid"/>
+                      <a:round/>
+                      <a:headEnd type="none" w="med" len="med"/>
+                      <a:tailEnd type="none" w="med" len="med"/>
+                    </a:lnB>
+                    <a:lnTlToBr w="12700" cmpd="sng">
+                      <a:noFill/>
+                      <a:prstDash val="solid"/>
+                    </a:lnTlToBr>
+                    <a:lnBlToTr w="12700" cmpd="sng">
+                      <a:noFill/>
+                      <a:prstDash val="solid"/>
+                    </a:lnBlToTr>
+                    <a:solidFill>
+                      <a:srgbClr val="FBE0D1"/>
+                    </a:solidFill>
+                  </a:tcPr>
+                </a:tc>
+                <a:extLst>
+                  <a:ext uri="{0D108BD9-81ED-4DB2-BD59-A6C34878D82A}">
+                    <a16:rowId xmlns:a16="http://schemas.microsoft.com/office/drawing/2014/main" val="3642664734"/>
+                  </a:ext>
+                </a:extLst>
+              </a:tr>
+              <a:tr h="370840">
+                <a:tc>
+                  <a:txBody>
+                    <a:bodyPr/>
+                    <a:lstStyle/>
+                    <a:p>
+                      <a:pPr algn="ctr"/>
+                      <a:r>
+                        <a:rPr lang="zh-CN" altLang="en-US" dirty="0"/>
+                        <a:t>男</a:t>
+                      </a:r>
+                      <a:endParaRPr lang="en-US" altLang="zh-CN" dirty="0"/>
+                    </a:p>
+                  </a:txBody>
+                  <a:tcPr>
+                    <a:lnL w="12700" cap="flat" cmpd="sng" algn="ctr">
+                      <a:solidFill>
+                        <a:schemeClr val="tx1"/>
+                      </a:solidFill>
+                      <a:prstDash val="solid"/>
+                      <a:round/>
+                      <a:headEnd type="none" w="med" len="med"/>
+                      <a:tailEnd type="none" w="med" len="med"/>
+                    </a:lnL>
+                    <a:lnR w="12700" cap="flat" cmpd="sng" algn="ctr">
+                      <a:solidFill>
+                        <a:schemeClr val="tx1"/>
+                      </a:solidFill>
+                      <a:prstDash val="solid"/>
+                      <a:round/>
+                      <a:headEnd type="none" w="med" len="med"/>
+                      <a:tailEnd type="none" w="med" len="med"/>
+                    </a:lnR>
+                    <a:lnT w="12700" cap="flat" cmpd="sng" algn="ctr">
+                      <a:solidFill>
+                        <a:schemeClr val="tx1"/>
+                      </a:solidFill>
+                      <a:prstDash val="solid"/>
+                      <a:round/>
+                      <a:headEnd type="none" w="med" len="med"/>
+                      <a:tailEnd type="none" w="med" len="med"/>
+                    </a:lnT>
+                    <a:lnB w="12700" cap="flat" cmpd="sng" algn="ctr">
+                      <a:solidFill>
+                        <a:schemeClr val="tx1"/>
+                      </a:solidFill>
+                      <a:prstDash val="solid"/>
+                      <a:round/>
+                      <a:headEnd type="none" w="med" len="med"/>
+                      <a:tailEnd type="none" w="med" len="med"/>
+                    </a:lnB>
+                    <a:lnTlToBr w="12700" cmpd="sng">
+                      <a:noFill/>
+                      <a:prstDash val="solid"/>
+                    </a:lnTlToBr>
+                    <a:lnBlToTr w="12700" cmpd="sng">
+                      <a:noFill/>
+                      <a:prstDash val="solid"/>
+                    </a:lnBlToTr>
+                  </a:tcPr>
+                </a:tc>
+                <a:tc>
+                  <a:txBody>
+                    <a:bodyPr/>
+                    <a:lstStyle/>
+                    <a:p>
+                      <a:pPr algn="ctr"/>
+                      <a:r>
+                        <a:rPr lang="en-US" altLang="zh-CN" dirty="0"/>
+                        <a:t>0.4</a:t>
+                      </a:r>
+                      <a:endParaRPr lang="zh-CN" altLang="en-US" dirty="0"/>
+                    </a:p>
+                  </a:txBody>
+                  <a:tcPr>
+                    <a:lnL w="12700" cap="flat" cmpd="sng" algn="ctr">
+                      <a:solidFill>
+                        <a:schemeClr val="tx1"/>
+                      </a:solidFill>
+                      <a:prstDash val="solid"/>
+                      <a:round/>
+                      <a:headEnd type="none" w="med" len="med"/>
+                      <a:tailEnd type="none" w="med" len="med"/>
+                    </a:lnL>
+                    <a:lnR w="12700" cap="flat" cmpd="sng" algn="ctr">
+                      <a:solidFill>
+                        <a:schemeClr val="tx1"/>
+                      </a:solidFill>
+                      <a:prstDash val="solid"/>
+                      <a:round/>
+                      <a:headEnd type="none" w="med" len="med"/>
+                      <a:tailEnd type="none" w="med" len="med"/>
+                    </a:lnR>
+                    <a:lnT w="12700" cap="flat" cmpd="sng" algn="ctr">
+                      <a:solidFill>
+                        <a:schemeClr val="tx1"/>
+                      </a:solidFill>
+                      <a:prstDash val="solid"/>
+                      <a:round/>
+                      <a:headEnd type="none" w="med" len="med"/>
+                      <a:tailEnd type="none" w="med" len="med"/>
+                    </a:lnT>
+                    <a:lnB w="12700" cap="flat" cmpd="sng" algn="ctr">
+                      <a:solidFill>
+                        <a:schemeClr val="tx1"/>
+                      </a:solidFill>
+                      <a:prstDash val="solid"/>
+                      <a:round/>
+                      <a:headEnd type="none" w="med" len="med"/>
+                      <a:tailEnd type="none" w="med" len="med"/>
+                    </a:lnB>
+                    <a:lnTlToBr w="12700" cmpd="sng">
+                      <a:noFill/>
+                      <a:prstDash val="solid"/>
+                    </a:lnTlToBr>
+                    <a:lnBlToTr w="12700" cmpd="sng">
+                      <a:noFill/>
+                      <a:prstDash val="solid"/>
+                    </a:lnBlToTr>
+                  </a:tcPr>
+                </a:tc>
+                <a:tc>
+                  <a:txBody>
+                    <a:bodyPr/>
+                    <a:lstStyle/>
+                    <a:p>
+                      <a:pPr algn="ctr"/>
+                      <a:r>
+                        <a:rPr lang="en-US" altLang="zh-CN" dirty="0"/>
+                        <a:t>0.1</a:t>
+                      </a:r>
+                      <a:endParaRPr lang="zh-CN" altLang="en-US" dirty="0"/>
+                    </a:p>
+                  </a:txBody>
+                  <a:tcPr>
+                    <a:lnL w="12700" cap="flat" cmpd="sng" algn="ctr">
+                      <a:solidFill>
+                        <a:schemeClr val="tx1"/>
+                      </a:solidFill>
+                      <a:prstDash val="solid"/>
+                      <a:round/>
+                      <a:headEnd type="none" w="med" len="med"/>
+                      <a:tailEnd type="none" w="med" len="med"/>
+                    </a:lnL>
+                    <a:lnR w="12700" cap="flat" cmpd="sng" algn="ctr">
+                      <a:solidFill>
+                        <a:schemeClr val="tx1"/>
+                      </a:solidFill>
+                      <a:prstDash val="solid"/>
+                      <a:round/>
+                      <a:headEnd type="none" w="med" len="med"/>
+                      <a:tailEnd type="none" w="med" len="med"/>
+                    </a:lnR>
+                    <a:lnT w="12700" cap="flat" cmpd="sng" algn="ctr">
+                      <a:solidFill>
+                        <a:schemeClr val="tx1"/>
+                      </a:solidFill>
+                      <a:prstDash val="solid"/>
+                      <a:round/>
+                      <a:headEnd type="none" w="med" len="med"/>
+                      <a:tailEnd type="none" w="med" len="med"/>
+                    </a:lnT>
+                    <a:lnB w="12700" cap="flat" cmpd="sng" algn="ctr">
+                      <a:solidFill>
+                        <a:schemeClr val="tx1"/>
+                      </a:solidFill>
+                      <a:prstDash val="solid"/>
+                      <a:round/>
+                      <a:headEnd type="none" w="med" len="med"/>
+                      <a:tailEnd type="none" w="med" len="med"/>
+                    </a:lnB>
+                    <a:lnTlToBr w="12700" cmpd="sng">
+                      <a:noFill/>
+                      <a:prstDash val="solid"/>
+                    </a:lnTlToBr>
+                    <a:lnBlToTr w="12700" cmpd="sng">
+                      <a:noFill/>
+                      <a:prstDash val="solid"/>
+                    </a:lnBlToTr>
+                  </a:tcPr>
+                </a:tc>
+                <a:tc>
+                  <a:txBody>
+                    <a:bodyPr/>
+                    <a:lstStyle/>
+                    <a:p>
+                      <a:pPr algn="ctr"/>
+                      <a:r>
+                        <a:rPr lang="en-US" altLang="zh-CN" dirty="0"/>
+                        <a:t>0.5</a:t>
+                      </a:r>
+                      <a:endParaRPr lang="zh-CN" altLang="en-US" dirty="0"/>
+                    </a:p>
+                  </a:txBody>
+                  <a:tcPr>
+                    <a:lnL w="12700" cap="flat" cmpd="sng" algn="ctr">
+                      <a:solidFill>
+                        <a:schemeClr val="tx1"/>
+                      </a:solidFill>
+                      <a:prstDash val="solid"/>
+                      <a:round/>
+                      <a:headEnd type="none" w="med" len="med"/>
+                      <a:tailEnd type="none" w="med" len="med"/>
+                    </a:lnL>
+                    <a:lnR w="12700" cap="flat" cmpd="sng" algn="ctr">
+                      <a:solidFill>
+                        <a:schemeClr val="tx1"/>
+                      </a:solidFill>
+                      <a:prstDash val="solid"/>
+                      <a:round/>
+                      <a:headEnd type="none" w="med" len="med"/>
+                      <a:tailEnd type="none" w="med" len="med"/>
+                    </a:lnR>
+                    <a:lnT w="12700" cap="flat" cmpd="sng" algn="ctr">
+                      <a:solidFill>
+                        <a:schemeClr val="tx1"/>
+                      </a:solidFill>
+                      <a:prstDash val="solid"/>
+                      <a:round/>
+                      <a:headEnd type="none" w="med" len="med"/>
+                      <a:tailEnd type="none" w="med" len="med"/>
+                    </a:lnT>
+                    <a:lnB w="12700" cap="flat" cmpd="sng" algn="ctr">
+                      <a:solidFill>
+                        <a:schemeClr val="tx1"/>
+                      </a:solidFill>
+                      <a:prstDash val="solid"/>
+                      <a:round/>
+                      <a:headEnd type="none" w="med" len="med"/>
+                      <a:tailEnd type="none" w="med" len="med"/>
+                    </a:lnB>
+                    <a:lnTlToBr w="12700" cmpd="sng">
+                      <a:noFill/>
+                      <a:prstDash val="solid"/>
+                    </a:lnTlToBr>
+                    <a:lnBlToTr w="12700" cmpd="sng">
+                      <a:noFill/>
+                      <a:prstDash val="solid"/>
+                    </a:lnBlToTr>
+                    <a:solidFill>
+                      <a:srgbClr val="FBE0D1"/>
+                    </a:solidFill>
+                  </a:tcPr>
+                </a:tc>
+                <a:extLst>
+                  <a:ext uri="{0D108BD9-81ED-4DB2-BD59-A6C34878D82A}">
+                    <a16:rowId xmlns:a16="http://schemas.microsoft.com/office/drawing/2014/main" val="4060490578"/>
+                  </a:ext>
+                </a:extLst>
+              </a:tr>
+              <a:tr h="370840">
+                <a:tc>
+                  <a:txBody>
+                    <a:bodyPr/>
+                    <a:lstStyle/>
+                    <a:p>
+                      <a:pPr algn="ctr"/>
+                      <a:r>
+                        <a:rPr lang="zh-CN" altLang="en-US" dirty="0"/>
+                        <a:t>女</a:t>
+                      </a:r>
+                    </a:p>
+                  </a:txBody>
+                  <a:tcPr>
+                    <a:lnL w="12700" cap="flat" cmpd="sng" algn="ctr">
+                      <a:solidFill>
+                        <a:schemeClr val="tx1"/>
+                      </a:solidFill>
+                      <a:prstDash val="solid"/>
+                      <a:round/>
+                      <a:headEnd type="none" w="med" len="med"/>
+                      <a:tailEnd type="none" w="med" len="med"/>
+                    </a:lnL>
+                    <a:lnR w="12700" cap="flat" cmpd="sng" algn="ctr">
+                      <a:solidFill>
+                        <a:schemeClr val="tx1"/>
+                      </a:solidFill>
+                      <a:prstDash val="solid"/>
+                      <a:round/>
+                      <a:headEnd type="none" w="med" len="med"/>
+                      <a:tailEnd type="none" w="med" len="med"/>
+                    </a:lnR>
+                    <a:lnT w="12700" cap="flat" cmpd="sng" algn="ctr">
+                      <a:solidFill>
+                        <a:schemeClr val="tx1"/>
+                      </a:solidFill>
+                      <a:prstDash val="solid"/>
+                      <a:round/>
+                      <a:headEnd type="none" w="med" len="med"/>
+                      <a:tailEnd type="none" w="med" len="med"/>
+                    </a:lnT>
+                    <a:lnB w="12700" cap="flat" cmpd="sng" algn="ctr">
+                      <a:solidFill>
+                        <a:schemeClr val="tx1"/>
+                      </a:solidFill>
+                      <a:prstDash val="solid"/>
+                      <a:round/>
+                      <a:headEnd type="none" w="med" len="med"/>
+                      <a:tailEnd type="none" w="med" len="med"/>
+                    </a:lnB>
+                    <a:lnTlToBr w="12700" cmpd="sng">
+                      <a:noFill/>
+                      <a:prstDash val="solid"/>
+                    </a:lnTlToBr>
+                    <a:lnBlToTr w="12700" cmpd="sng">
+                      <a:noFill/>
+                      <a:prstDash val="solid"/>
+                    </a:lnBlToTr>
+                  </a:tcPr>
+                </a:tc>
+                <a:tc>
+                  <a:txBody>
+                    <a:bodyPr/>
+                    <a:lstStyle/>
+                    <a:p>
+                      <a:pPr algn="ctr"/>
+                      <a:r>
+                        <a:rPr lang="en-US" altLang="zh-CN" dirty="0"/>
+                        <a:t>0.1</a:t>
+                      </a:r>
+                      <a:endParaRPr lang="zh-CN" altLang="en-US" dirty="0"/>
+                    </a:p>
+                  </a:txBody>
+                  <a:tcPr>
+                    <a:lnL w="12700" cap="flat" cmpd="sng" algn="ctr">
+                      <a:solidFill>
+                        <a:schemeClr val="tx1"/>
+                      </a:solidFill>
+                      <a:prstDash val="solid"/>
+                      <a:round/>
+                      <a:headEnd type="none" w="med" len="med"/>
+                      <a:tailEnd type="none" w="med" len="med"/>
+                    </a:lnL>
+                    <a:lnR w="12700" cap="flat" cmpd="sng" algn="ctr">
+                      <a:solidFill>
+                        <a:schemeClr val="tx1"/>
+                      </a:solidFill>
+                      <a:prstDash val="solid"/>
+                      <a:round/>
+                      <a:headEnd type="none" w="med" len="med"/>
+                      <a:tailEnd type="none" w="med" len="med"/>
+                    </a:lnR>
+                    <a:lnT w="12700" cap="flat" cmpd="sng" algn="ctr">
+                      <a:solidFill>
+                        <a:schemeClr val="tx1"/>
+                      </a:solidFill>
+                      <a:prstDash val="solid"/>
+                      <a:round/>
+                      <a:headEnd type="none" w="med" len="med"/>
+                      <a:tailEnd type="none" w="med" len="med"/>
+                    </a:lnT>
+                    <a:lnB w="12700" cap="flat" cmpd="sng" algn="ctr">
+                      <a:solidFill>
+                        <a:schemeClr val="tx1"/>
+                      </a:solidFill>
+                      <a:prstDash val="solid"/>
+                      <a:round/>
+                      <a:headEnd type="none" w="med" len="med"/>
+                      <a:tailEnd type="none" w="med" len="med"/>
+                    </a:lnB>
+                    <a:lnTlToBr w="12700" cmpd="sng">
+                      <a:noFill/>
+                      <a:prstDash val="solid"/>
+                    </a:lnTlToBr>
+                    <a:lnBlToTr w="12700" cmpd="sng">
+                      <a:noFill/>
+                      <a:prstDash val="solid"/>
+                    </a:lnBlToTr>
+                  </a:tcPr>
+                </a:tc>
+                <a:tc>
+                  <a:txBody>
+                    <a:bodyPr/>
+                    <a:lstStyle/>
+                    <a:p>
+                      <a:pPr algn="ctr"/>
+                      <a:r>
+                        <a:rPr lang="en-US" altLang="zh-CN" dirty="0"/>
+                        <a:t>0.4</a:t>
+                      </a:r>
+                      <a:endParaRPr lang="zh-CN" altLang="en-US" dirty="0"/>
+                    </a:p>
+                  </a:txBody>
+                  <a:tcPr>
+                    <a:lnL w="12700" cap="flat" cmpd="sng" algn="ctr">
+                      <a:solidFill>
+                        <a:schemeClr val="tx1"/>
+                      </a:solidFill>
+                      <a:prstDash val="solid"/>
+                      <a:round/>
+                      <a:headEnd type="none" w="med" len="med"/>
+                      <a:tailEnd type="none" w="med" len="med"/>
+                    </a:lnL>
+                    <a:lnR w="12700" cap="flat" cmpd="sng" algn="ctr">
+                      <a:solidFill>
+                        <a:schemeClr val="tx1"/>
+                      </a:solidFill>
+                      <a:prstDash val="solid"/>
+                      <a:round/>
+                      <a:headEnd type="none" w="med" len="med"/>
+                      <a:tailEnd type="none" w="med" len="med"/>
+                    </a:lnR>
+                    <a:lnT w="12700" cap="flat" cmpd="sng" algn="ctr">
+                      <a:solidFill>
+                        <a:schemeClr val="tx1"/>
+                      </a:solidFill>
+                      <a:prstDash val="solid"/>
+                      <a:round/>
+                      <a:headEnd type="none" w="med" len="med"/>
+                      <a:tailEnd type="none" w="med" len="med"/>
+                    </a:lnT>
+                    <a:lnB w="12700" cap="flat" cmpd="sng" algn="ctr">
+                      <a:solidFill>
+                        <a:schemeClr val="tx1"/>
+                      </a:solidFill>
+                      <a:prstDash val="solid"/>
+                      <a:round/>
+                      <a:headEnd type="none" w="med" len="med"/>
+                      <a:tailEnd type="none" w="med" len="med"/>
+                    </a:lnB>
+                    <a:lnTlToBr w="12700" cmpd="sng">
+                      <a:noFill/>
+                      <a:prstDash val="solid"/>
+                    </a:lnTlToBr>
+                    <a:lnBlToTr w="12700" cmpd="sng">
+                      <a:noFill/>
+                      <a:prstDash val="solid"/>
+                    </a:lnBlToTr>
+                  </a:tcPr>
+                </a:tc>
+                <a:tc>
+                  <a:txBody>
+                    <a:bodyPr/>
+                    <a:lstStyle/>
+                    <a:p>
+                      <a:pPr algn="ctr"/>
+                      <a:r>
+                        <a:rPr lang="en-US" altLang="zh-CN" dirty="0"/>
+                        <a:t>0.5</a:t>
+                      </a:r>
+                      <a:endParaRPr lang="zh-CN" altLang="en-US" dirty="0"/>
+                    </a:p>
+                  </a:txBody>
+                  <a:tcPr>
+                    <a:lnL w="12700" cap="flat" cmpd="sng" algn="ctr">
+                      <a:solidFill>
+                        <a:schemeClr val="tx1"/>
+                      </a:solidFill>
+                      <a:prstDash val="solid"/>
+                      <a:round/>
+                      <a:headEnd type="none" w="med" len="med"/>
+                      <a:tailEnd type="none" w="med" len="med"/>
+                    </a:lnL>
+                    <a:lnR w="12700" cap="flat" cmpd="sng" algn="ctr">
+                      <a:solidFill>
+                        <a:schemeClr val="tx1"/>
+                      </a:solidFill>
+                      <a:prstDash val="solid"/>
+                      <a:round/>
+                      <a:headEnd type="none" w="med" len="med"/>
+                      <a:tailEnd type="none" w="med" len="med"/>
+                    </a:lnR>
+                    <a:lnT w="12700" cap="flat" cmpd="sng" algn="ctr">
+                      <a:solidFill>
+                        <a:schemeClr val="tx1"/>
+                      </a:solidFill>
+                      <a:prstDash val="solid"/>
+                      <a:round/>
+                      <a:headEnd type="none" w="med" len="med"/>
+                      <a:tailEnd type="none" w="med" len="med"/>
+                    </a:lnT>
+                    <a:lnB w="12700" cap="flat" cmpd="sng" algn="ctr">
+                      <a:solidFill>
+                        <a:schemeClr val="tx1"/>
+                      </a:solidFill>
+                      <a:prstDash val="solid"/>
+                      <a:round/>
+                      <a:headEnd type="none" w="med" len="med"/>
+                      <a:tailEnd type="none" w="med" len="med"/>
+                    </a:lnB>
+                    <a:lnTlToBr w="12700" cmpd="sng">
+                      <a:noFill/>
+                      <a:prstDash val="solid"/>
+                    </a:lnTlToBr>
+                    <a:lnBlToTr w="12700" cmpd="sng">
+                      <a:noFill/>
+                      <a:prstDash val="solid"/>
+                    </a:lnBlToTr>
+                    <a:solidFill>
+                      <a:srgbClr val="FBE0D1"/>
+                    </a:solidFill>
+                  </a:tcPr>
+                </a:tc>
+                <a:extLst>
+                  <a:ext uri="{0D108BD9-81ED-4DB2-BD59-A6C34878D82A}">
+                    <a16:rowId xmlns:a16="http://schemas.microsoft.com/office/drawing/2014/main" val="1673720994"/>
+                  </a:ext>
+                </a:extLst>
+              </a:tr>
+              <a:tr h="370840">
+                <a:tc>
+                  <a:txBody>
+                    <a:bodyPr/>
+                    <a:lstStyle/>
+                    <a:p>
+                      <a:pPr algn="ctr"/>
+                      <a:endParaRPr lang="zh-CN" altLang="en-US" dirty="0"/>
+                    </a:p>
+                  </a:txBody>
+                  <a:tcPr>
+                    <a:lnL w="12700" cap="flat" cmpd="sng" algn="ctr">
+                      <a:solidFill>
+                        <a:schemeClr val="tx1"/>
+                      </a:solidFill>
+                      <a:prstDash val="solid"/>
+                      <a:round/>
+                      <a:headEnd type="none" w="med" len="med"/>
+                      <a:tailEnd type="none" w="med" len="med"/>
+                    </a:lnL>
+                    <a:lnR w="12700" cap="flat" cmpd="sng" algn="ctr">
+                      <a:solidFill>
+                        <a:schemeClr val="tx1"/>
+                      </a:solidFill>
+                      <a:prstDash val="solid"/>
+                      <a:round/>
+                      <a:headEnd type="none" w="med" len="med"/>
+                      <a:tailEnd type="none" w="med" len="med"/>
+                    </a:lnR>
+                    <a:lnT w="12700" cap="flat" cmpd="sng" algn="ctr">
+                      <a:solidFill>
+                        <a:schemeClr val="tx1"/>
+                      </a:solidFill>
+                      <a:prstDash val="solid"/>
+                      <a:round/>
+                      <a:headEnd type="none" w="med" len="med"/>
+                      <a:tailEnd type="none" w="med" len="med"/>
+                    </a:lnT>
+                    <a:lnB w="12700" cap="flat" cmpd="sng" algn="ctr">
+                      <a:solidFill>
+                        <a:schemeClr val="tx1"/>
+                      </a:solidFill>
+                      <a:prstDash val="solid"/>
+                      <a:round/>
+                      <a:headEnd type="none" w="med" len="med"/>
+                      <a:tailEnd type="none" w="med" len="med"/>
+                    </a:lnB>
+                    <a:lnTlToBr w="12700" cmpd="sng">
+                      <a:noFill/>
+                      <a:prstDash val="solid"/>
+                    </a:lnTlToBr>
+                    <a:lnBlToTr w="12700" cmpd="sng">
+                      <a:noFill/>
+                      <a:prstDash val="solid"/>
+                    </a:lnBlToTr>
+                    <a:solidFill>
+                      <a:srgbClr val="FBE0D1"/>
+                    </a:solidFill>
+                  </a:tcPr>
+                </a:tc>
+                <a:tc>
+                  <a:txBody>
+                    <a:bodyPr/>
+                    <a:lstStyle/>
+                    <a:p>
+                      <a:pPr algn="ctr"/>
+                      <a:r>
+                        <a:rPr lang="en-US" altLang="zh-CN" dirty="0"/>
+                        <a:t>0.6</a:t>
+                      </a:r>
+                      <a:endParaRPr lang="zh-CN" altLang="en-US" dirty="0"/>
+                    </a:p>
+                  </a:txBody>
+                  <a:tcPr>
+                    <a:lnL w="12700" cap="flat" cmpd="sng" algn="ctr">
+                      <a:solidFill>
+                        <a:schemeClr val="tx1"/>
+                      </a:solidFill>
+                      <a:prstDash val="solid"/>
+                      <a:round/>
+                      <a:headEnd type="none" w="med" len="med"/>
+                      <a:tailEnd type="none" w="med" len="med"/>
+                    </a:lnL>
+                    <a:lnR w="12700" cap="flat" cmpd="sng" algn="ctr">
+                      <a:solidFill>
+                        <a:schemeClr val="tx1"/>
+                      </a:solidFill>
+                      <a:prstDash val="solid"/>
+                      <a:round/>
+                      <a:headEnd type="none" w="med" len="med"/>
+                      <a:tailEnd type="none" w="med" len="med"/>
+                    </a:lnR>
+                    <a:lnT w="12700" cap="flat" cmpd="sng" algn="ctr">
+                      <a:solidFill>
+                        <a:schemeClr val="tx1"/>
+                      </a:solidFill>
+                      <a:prstDash val="solid"/>
+                      <a:round/>
+                      <a:headEnd type="none" w="med" len="med"/>
+                      <a:tailEnd type="none" w="med" len="med"/>
+                    </a:lnT>
+                    <a:lnB w="12700" cap="flat" cmpd="sng" algn="ctr">
+                      <a:solidFill>
+                        <a:schemeClr val="tx1"/>
+                      </a:solidFill>
+                      <a:prstDash val="solid"/>
+                      <a:round/>
+                      <a:headEnd type="none" w="med" len="med"/>
+                      <a:tailEnd type="none" w="med" len="med"/>
+                    </a:lnB>
+                    <a:lnTlToBr w="12700" cmpd="sng">
+                      <a:noFill/>
+                      <a:prstDash val="solid"/>
+                    </a:lnTlToBr>
+                    <a:lnBlToTr w="12700" cmpd="sng">
+                      <a:noFill/>
+                      <a:prstDash val="solid"/>
+                    </a:lnBlToTr>
+                    <a:solidFill>
+                      <a:srgbClr val="FBE0D1"/>
+                    </a:solidFill>
+                  </a:tcPr>
+                </a:tc>
+                <a:tc>
+                  <a:txBody>
+                    <a:bodyPr/>
+                    <a:lstStyle/>
+                    <a:p>
+                      <a:pPr algn="ctr"/>
+                      <a:r>
+                        <a:rPr lang="en-US" altLang="zh-CN" dirty="0"/>
+                        <a:t>0.4</a:t>
+                      </a:r>
+                      <a:endParaRPr lang="zh-CN" altLang="en-US" dirty="0"/>
+                    </a:p>
+                  </a:txBody>
+                  <a:tcPr>
+                    <a:lnL w="12700" cap="flat" cmpd="sng" algn="ctr">
+                      <a:solidFill>
+                        <a:schemeClr val="tx1"/>
+                      </a:solidFill>
+                      <a:prstDash val="solid"/>
+                      <a:round/>
+                      <a:headEnd type="none" w="med" len="med"/>
+                      <a:tailEnd type="none" w="med" len="med"/>
+                    </a:lnL>
+                    <a:lnR w="12700" cap="flat" cmpd="sng" algn="ctr">
+                      <a:solidFill>
+                        <a:schemeClr val="tx1"/>
+                      </a:solidFill>
+                      <a:prstDash val="solid"/>
+                      <a:round/>
+                      <a:headEnd type="none" w="med" len="med"/>
+                      <a:tailEnd type="none" w="med" len="med"/>
+                    </a:lnR>
+                    <a:lnT w="12700" cap="flat" cmpd="sng" algn="ctr">
+                      <a:solidFill>
+                        <a:schemeClr val="tx1"/>
+                      </a:solidFill>
+                      <a:prstDash val="solid"/>
+                      <a:round/>
+                      <a:headEnd type="none" w="med" len="med"/>
+                      <a:tailEnd type="none" w="med" len="med"/>
+                    </a:lnT>
+                    <a:lnB w="12700" cap="flat" cmpd="sng" algn="ctr">
+                      <a:solidFill>
+                        <a:schemeClr val="tx1"/>
+                      </a:solidFill>
+                      <a:prstDash val="solid"/>
+                      <a:round/>
+                      <a:headEnd type="none" w="med" len="med"/>
+                      <a:tailEnd type="none" w="med" len="med"/>
+                    </a:lnB>
+                    <a:lnTlToBr w="12700" cmpd="sng">
+                      <a:noFill/>
+                      <a:prstDash val="solid"/>
+                    </a:lnTlToBr>
+                    <a:lnBlToTr w="12700" cmpd="sng">
+                      <a:noFill/>
+                      <a:prstDash val="solid"/>
+                    </a:lnBlToTr>
+                    <a:solidFill>
+                      <a:srgbClr val="FBE0D1"/>
+                    </a:solidFill>
+                  </a:tcPr>
+                </a:tc>
+                <a:tc>
+                  <a:txBody>
+                    <a:bodyPr/>
+                    <a:lstStyle/>
+                    <a:p>
+                      <a:pPr algn="ctr"/>
+                      <a:endParaRPr lang="zh-CN" altLang="en-US" dirty="0"/>
+                    </a:p>
+                  </a:txBody>
+                  <a:tcPr>
+                    <a:lnL w="12700" cap="flat" cmpd="sng" algn="ctr">
+                      <a:solidFill>
+                        <a:schemeClr val="tx1"/>
+                      </a:solidFill>
+                      <a:prstDash val="solid"/>
+                      <a:round/>
+                      <a:headEnd type="none" w="med" len="med"/>
+                      <a:tailEnd type="none" w="med" len="med"/>
+                    </a:lnL>
+                    <a:lnR w="12700" cap="flat" cmpd="sng" algn="ctr">
+                      <a:solidFill>
+                        <a:schemeClr val="tx1"/>
+                      </a:solidFill>
+                      <a:prstDash val="solid"/>
+                      <a:round/>
+                      <a:headEnd type="none" w="med" len="med"/>
+                      <a:tailEnd type="none" w="med" len="med"/>
+                    </a:lnR>
+                    <a:lnT w="12700" cap="flat" cmpd="sng" algn="ctr">
+                      <a:solidFill>
+                        <a:schemeClr val="tx1"/>
+                      </a:solidFill>
+                      <a:prstDash val="solid"/>
+                      <a:round/>
+                      <a:headEnd type="none" w="med" len="med"/>
+                      <a:tailEnd type="none" w="med" len="med"/>
+                    </a:lnT>
+                    <a:lnB w="12700" cap="flat" cmpd="sng" algn="ctr">
+                      <a:solidFill>
+                        <a:schemeClr val="tx1"/>
+                      </a:solidFill>
+                      <a:prstDash val="solid"/>
+                      <a:round/>
+                      <a:headEnd type="none" w="med" len="med"/>
+                      <a:tailEnd type="none" w="med" len="med"/>
+                    </a:lnB>
+                    <a:lnTlToBr w="12700" cmpd="sng">
+                      <a:noFill/>
+                      <a:prstDash val="solid"/>
+                    </a:lnTlToBr>
+                    <a:lnBlToTr w="12700" cmpd="sng">
+                      <a:noFill/>
+                      <a:prstDash val="solid"/>
+                    </a:lnBlToTr>
+                    <a:solidFill>
+                      <a:srgbClr val="FBE0D1"/>
+                    </a:solidFill>
+                  </a:tcPr>
+                </a:tc>
+                <a:extLst>
+                  <a:ext uri="{0D108BD9-81ED-4DB2-BD59-A6C34878D82A}">
+                    <a16:rowId xmlns:a16="http://schemas.microsoft.com/office/drawing/2014/main" val="2514758005"/>
+                  </a:ext>
+                </a:extLst>
+              </a:tr>
+            </a:tbl>
+          </a:graphicData>
+        </a:graphic>
+      </p:graphicFrame>
+      <p:sp>
+        <p:nvSpPr>
+          <p:cNvPr id="5" name="文本框 4">
+            <a:extLst>
+              <a:ext uri="{FF2B5EF4-FFF2-40B4-BE49-F238E27FC236}">
+                <a16:creationId xmlns:a16="http://schemas.microsoft.com/office/drawing/2014/main" id="{AFBE499D-5DC5-4EAC-888C-AEADC8E2C8C3}"/>
+              </a:ext>
+            </a:extLst>
+          </p:cNvPr>
+          <p:cNvSpPr txBox="1"/>
+          <p:nvPr/>
+        </p:nvSpPr>
+        <p:spPr>
+          <a:xfrm>
+            <a:off x="4114800" y="4572000"/>
+            <a:ext cx="1584088" cy="369332"/>
+          </a:xfrm>
+          <a:prstGeom prst="rect">
+            <a:avLst/>
+          </a:prstGeom>
+          <a:noFill/>
+        </p:spPr>
+        <p:txBody>
+          <a:bodyPr wrap="none" rtlCol="0">
+            <a:spAutoFit/>
+          </a:bodyPr>
+          <a:lstStyle/>
+          <a:p>
+            <a:r>
+              <a:rPr lang="en-US" altLang="zh-CN" dirty="0"/>
+              <a:t>p(</a:t>
+            </a:r>
+            <a:r>
+              <a:rPr lang="zh-CN" altLang="en-US" dirty="0"/>
+              <a:t>男</a:t>
+            </a:r>
+            <a:r>
+              <a:rPr lang="en-US" altLang="zh-CN" dirty="0"/>
+              <a:t>|</a:t>
+            </a:r>
+            <a:r>
+              <a:rPr lang="zh-CN" altLang="en-US" dirty="0"/>
+              <a:t>计算机</a:t>
+            </a:r>
+            <a:r>
+              <a:rPr lang="en-US" altLang="zh-CN" dirty="0"/>
+              <a:t>)=</a:t>
+            </a:r>
+            <a:endParaRPr lang="zh-CN" altLang="en-US" dirty="0"/>
+          </a:p>
+        </p:txBody>
+      </p:sp>
+      <p:sp>
+        <p:nvSpPr>
+          <p:cNvPr id="3" name="文本框 2">
+            <a:extLst>
+              <a:ext uri="{FF2B5EF4-FFF2-40B4-BE49-F238E27FC236}">
+                <a16:creationId xmlns:a16="http://schemas.microsoft.com/office/drawing/2014/main" id="{ABBF9005-F558-45E9-BF89-9B005FA1BB43}"/>
+              </a:ext>
+            </a:extLst>
+          </p:cNvPr>
+          <p:cNvSpPr txBox="1"/>
+          <p:nvPr/>
+        </p:nvSpPr>
+        <p:spPr>
+          <a:xfrm>
+            <a:off x="7696200" y="2093793"/>
+            <a:ext cx="1757212" cy="307777"/>
+          </a:xfrm>
+          <a:prstGeom prst="rect">
+            <a:avLst/>
+          </a:prstGeom>
+          <a:noFill/>
+        </p:spPr>
+        <p:txBody>
+          <a:bodyPr wrap="none" rtlCol="0">
+            <a:spAutoFit/>
+          </a:bodyPr>
+          <a:lstStyle/>
+          <a:p>
+            <a:r>
+              <a:rPr lang="en-US" altLang="zh-CN" sz="1400" dirty="0">
+                <a:solidFill>
+                  <a:srgbClr val="FF0000"/>
+                </a:solidFill>
+              </a:rPr>
+              <a:t>Marginal Probability</a:t>
+            </a:r>
+            <a:endParaRPr lang="zh-CN" altLang="en-US" sz="1400" dirty="0">
+              <a:solidFill>
+                <a:srgbClr val="FF0000"/>
+              </a:solidFill>
+            </a:endParaRPr>
+          </a:p>
+        </p:txBody>
+      </p:sp>
+      <p:sp>
+        <p:nvSpPr>
+          <p:cNvPr id="7" name="文本框 6">
+            <a:extLst>
+              <a:ext uri="{FF2B5EF4-FFF2-40B4-BE49-F238E27FC236}">
+                <a16:creationId xmlns:a16="http://schemas.microsoft.com/office/drawing/2014/main" id="{DCD29890-D5CB-4FD8-81CD-C2CFE83F9236}"/>
+              </a:ext>
+            </a:extLst>
+          </p:cNvPr>
+          <p:cNvSpPr txBox="1"/>
+          <p:nvPr/>
+        </p:nvSpPr>
+        <p:spPr>
+          <a:xfrm>
+            <a:off x="1476768" y="3613984"/>
+            <a:ext cx="1757212" cy="307777"/>
+          </a:xfrm>
+          <a:prstGeom prst="rect">
+            <a:avLst/>
+          </a:prstGeom>
+          <a:noFill/>
+        </p:spPr>
+        <p:txBody>
+          <a:bodyPr wrap="none" rtlCol="0">
+            <a:spAutoFit/>
+          </a:bodyPr>
+          <a:lstStyle/>
+          <a:p>
+            <a:r>
+              <a:rPr lang="en-US" altLang="zh-CN" sz="1400" dirty="0">
+                <a:solidFill>
+                  <a:srgbClr val="FF0000"/>
+                </a:solidFill>
+              </a:rPr>
+              <a:t>Marginal Probability</a:t>
+            </a:r>
+            <a:endParaRPr lang="zh-CN" altLang="en-US" sz="1400" dirty="0">
+              <a:solidFill>
+                <a:srgbClr val="FF0000"/>
+              </a:solidFill>
+            </a:endParaRPr>
+          </a:p>
+        </p:txBody>
+      </p:sp>
+    </p:spTree>
+    <p:extLst>
+      <p:ext uri="{BB962C8B-B14F-4D97-AF65-F5344CB8AC3E}">
+        <p14:creationId xmlns:p14="http://schemas.microsoft.com/office/powerpoint/2010/main" val="202472053"/>
+      </p:ext>
+    </p:extLst>
+  </p:cSld>
+  <p:clrMapOvr>
+    <a:masterClrMapping/>
+  </p:clrMapOvr>
+</p:sld>
+</file>
+
+<file path=ppt/slides/slide35.xml><?xml version="1.0" encoding="utf-8"?>
 <p:sld xmlns:a="http://schemas.openxmlformats.org/drawingml/2006/main" xmlns:r="http://schemas.openxmlformats.org/officeDocument/2006/relationships" xmlns:p="http://schemas.openxmlformats.org/presentationml/2006/main">
   <p:cSld>
     <p:spTree>
@@ -12156,40 +16318,738 @@
       </p:sp>
       <p:pic>
         <p:nvPicPr>
-          <p:cNvPr id="4" name="图片 3">
+          <p:cNvPr id="5" name="Content Placeholder 4">
             <a:extLst>
               <a:ext uri="{FF2B5EF4-FFF2-40B4-BE49-F238E27FC236}">
-                <a16:creationId xmlns:a16="http://schemas.microsoft.com/office/drawing/2014/main" id="{D6358610-621A-46E6-A5D9-46ED248FBA8E}"/>
+                <a16:creationId xmlns:a16="http://schemas.microsoft.com/office/drawing/2014/main" id="{C15BF037-B6EF-4C71-BC80-4C09C5D92C2B}"/>
               </a:ext>
             </a:extLst>
           </p:cNvPr>
           <p:cNvPicPr>
             <a:picLocks noChangeAspect="1"/>
           </p:cNvPicPr>
-          <p:nvPr/>
+          <p:nvPr>
+            <p:custDataLst>
+              <p:tags r:id="rId1"/>
+            </p:custDataLst>
+          </p:nvPr>
         </p:nvPicPr>
         <p:blipFill>
-          <a:blip r:embed="rId2">
+          <a:blip r:embed="rId3" cstate="print">
             <a:extLst>
               <a:ext uri="{28A0092B-C50C-407E-A947-70E740481C1C}">
                 <a14:useLocalDpi xmlns:a14="http://schemas.microsoft.com/office/drawing/2010/main" val="0"/>
               </a:ext>
             </a:extLst>
           </a:blip>
+          <a:srcRect/>
           <a:stretch>
             <a:fillRect/>
           </a:stretch>
         </p:blipFill>
         <p:spPr>
           <a:xfrm>
-            <a:off x="2895601" y="2057364"/>
-            <a:ext cx="5911097" cy="2743272"/>
+            <a:off x="3657600" y="1691563"/>
+            <a:ext cx="2590800" cy="633413"/>
+          </a:xfrm>
+          <a:prstGeom prst="rect">
+            <a:avLst/>
+          </a:prstGeom>
+          <a:gradFill rotWithShape="1">
+            <a:gsLst>
+              <a:gs pos="0">
+                <a:srgbClr val="0064C8"/>
+              </a:gs>
+              <a:gs pos="100000">
+                <a:srgbClr val="FFFFFF"/>
+              </a:gs>
+            </a:gsLst>
+            <a:lin ang="5400000" scaled="1"/>
+          </a:gradFill>
+          <a:extLst>
+            <a:ext uri="{91240B29-F687-4F45-9708-019B960494DF}">
+              <a14:hiddenLine xmlns:a14="http://schemas.microsoft.com/office/drawing/2010/main" w="9525" cap="flat" algn="ctr">
+                <a:solidFill>
+                  <a:srgbClr val="000000"/>
+                </a:solidFill>
+                <a:round/>
+                <a:headEnd type="none" w="med" len="med"/>
+                <a:tailEnd type="none" w="med" len="med"/>
+              </a14:hiddenLine>
+            </a:ext>
+          </a:extLst>
+        </p:spPr>
+      </p:pic>
+      <mc:AlternateContent xmlns:mc="http://schemas.openxmlformats.org/markup-compatibility/2006" xmlns:a14="http://schemas.microsoft.com/office/drawing/2010/main">
+        <mc:Choice Requires="a14">
+          <p:sp>
+            <p:nvSpPr>
+              <p:cNvPr id="7" name="TextBox 5">
+                <a:extLst>
+                  <a:ext uri="{FF2B5EF4-FFF2-40B4-BE49-F238E27FC236}">
+                    <a16:creationId xmlns:a16="http://schemas.microsoft.com/office/drawing/2014/main" id="{FDB506EB-1553-4F3E-B3F1-E67DD0A08E4E}"/>
+                  </a:ext>
+                </a:extLst>
+              </p:cNvPr>
+              <p:cNvSpPr txBox="1">
+                <a:spLocks noChangeArrowheads="1"/>
+              </p:cNvSpPr>
+              <p:nvPr/>
+            </p:nvSpPr>
+            <p:spPr bwMode="auto">
+              <a:xfrm>
+                <a:off x="3733800" y="4870285"/>
+                <a:ext cx="5591175" cy="461665"/>
+              </a:xfrm>
+              <a:prstGeom prst="rect">
+                <a:avLst/>
+              </a:prstGeom>
+              <a:noFill/>
+              <a:ln>
+                <a:noFill/>
+              </a:ln>
+              <a:extLst>
+                <a:ext uri="{909E8E84-426E-40DD-AFC4-6F175D3DCCD1}">
+                  <a14:hiddenFill>
+                    <a:solidFill>
+                      <a:srgbClr val="FFFFFF"/>
+                    </a:solidFill>
+                  </a14:hiddenFill>
+                </a:ext>
+                <a:ext uri="{91240B29-F687-4F45-9708-019B960494DF}">
+                  <a14:hiddenLine w="9525">
+                    <a:solidFill>
+                      <a:srgbClr val="000000"/>
+                    </a:solidFill>
+                    <a:miter lim="800000"/>
+                    <a:headEnd/>
+                    <a:tailEnd/>
+                  </a14:hiddenLine>
+                </a:ext>
+              </a:extLst>
+            </p:spPr>
+            <p:txBody>
+              <a:bodyPr wrap="square">
+                <a:spAutoFit/>
+              </a:bodyPr>
+              <a:lstStyle>
+                <a:lvl1pPr>
+                  <a:spcBef>
+                    <a:spcPct val="20000"/>
+                  </a:spcBef>
+                  <a:buFont typeface="Arial" panose="020B0604020202020204" pitchFamily="34" charset="0"/>
+                  <a:defRPr sz="3200" b="1">
+                    <a:solidFill>
+                      <a:schemeClr val="tx1"/>
+                    </a:solidFill>
+                    <a:latin typeface="Calibri" panose="020F0502020204030204" pitchFamily="34" charset="0"/>
+                  </a:defRPr>
+                </a:lvl1pPr>
+                <a:lvl2pPr marL="742950" indent="-285750">
+                  <a:spcBef>
+                    <a:spcPct val="20000"/>
+                  </a:spcBef>
+                  <a:buFont typeface="Arial" panose="020B0604020202020204" pitchFamily="34" charset="0"/>
+                  <a:defRPr sz="2800">
+                    <a:solidFill>
+                      <a:schemeClr val="tx1"/>
+                    </a:solidFill>
+                    <a:latin typeface="Calibri" panose="020F0502020204030204" pitchFamily="34" charset="0"/>
+                  </a:defRPr>
+                </a:lvl2pPr>
+                <a:lvl3pPr marL="1143000" indent="-228600">
+                  <a:spcBef>
+                    <a:spcPct val="20000"/>
+                  </a:spcBef>
+                  <a:buFont typeface="Arial" panose="020B0604020202020204" pitchFamily="34" charset="0"/>
+                  <a:defRPr sz="2400">
+                    <a:solidFill>
+                      <a:schemeClr val="tx1"/>
+                    </a:solidFill>
+                    <a:latin typeface="Calibri" panose="020F0502020204030204" pitchFamily="34" charset="0"/>
+                  </a:defRPr>
+                </a:lvl3pPr>
+                <a:lvl4pPr marL="1600200" indent="-228600">
+                  <a:spcBef>
+                    <a:spcPct val="20000"/>
+                  </a:spcBef>
+                  <a:buFont typeface="Arial" panose="020B0604020202020204" pitchFamily="34" charset="0"/>
+                  <a:defRPr sz="2000">
+                    <a:solidFill>
+                      <a:schemeClr val="tx1"/>
+                    </a:solidFill>
+                    <a:latin typeface="Calibri" panose="020F0502020204030204" pitchFamily="34" charset="0"/>
+                  </a:defRPr>
+                </a:lvl4pPr>
+                <a:lvl5pPr marL="2057400" indent="-228600">
+                  <a:spcBef>
+                    <a:spcPct val="20000"/>
+                  </a:spcBef>
+                  <a:buFont typeface="Arial" panose="020B0604020202020204" pitchFamily="34" charset="0"/>
+                  <a:defRPr sz="2000">
+                    <a:solidFill>
+                      <a:schemeClr val="tx1"/>
+                    </a:solidFill>
+                    <a:latin typeface="Calibri" panose="020F0502020204030204" pitchFamily="34" charset="0"/>
+                  </a:defRPr>
+                </a:lvl5pPr>
+                <a:lvl6pPr marL="2514600" indent="-228600" eaLnBrk="0" fontAlgn="base" hangingPunct="0">
+                  <a:spcBef>
+                    <a:spcPct val="20000"/>
+                  </a:spcBef>
+                  <a:spcAft>
+                    <a:spcPct val="0"/>
+                  </a:spcAft>
+                  <a:buFont typeface="Arial" panose="020B0604020202020204" pitchFamily="34" charset="0"/>
+                  <a:defRPr sz="2000">
+                    <a:solidFill>
+                      <a:schemeClr val="tx1"/>
+                    </a:solidFill>
+                    <a:latin typeface="Calibri" panose="020F0502020204030204" pitchFamily="34" charset="0"/>
+                  </a:defRPr>
+                </a:lvl6pPr>
+                <a:lvl7pPr marL="2971800" indent="-228600" eaLnBrk="0" fontAlgn="base" hangingPunct="0">
+                  <a:spcBef>
+                    <a:spcPct val="20000"/>
+                  </a:spcBef>
+                  <a:spcAft>
+                    <a:spcPct val="0"/>
+                  </a:spcAft>
+                  <a:buFont typeface="Arial" panose="020B0604020202020204" pitchFamily="34" charset="0"/>
+                  <a:defRPr sz="2000">
+                    <a:solidFill>
+                      <a:schemeClr val="tx1"/>
+                    </a:solidFill>
+                    <a:latin typeface="Calibri" panose="020F0502020204030204" pitchFamily="34" charset="0"/>
+                  </a:defRPr>
+                </a:lvl7pPr>
+                <a:lvl8pPr marL="3429000" indent="-228600" eaLnBrk="0" fontAlgn="base" hangingPunct="0">
+                  <a:spcBef>
+                    <a:spcPct val="20000"/>
+                  </a:spcBef>
+                  <a:spcAft>
+                    <a:spcPct val="0"/>
+                  </a:spcAft>
+                  <a:buFont typeface="Arial" panose="020B0604020202020204" pitchFamily="34" charset="0"/>
+                  <a:defRPr sz="2000">
+                    <a:solidFill>
+                      <a:schemeClr val="tx1"/>
+                    </a:solidFill>
+                    <a:latin typeface="Calibri" panose="020F0502020204030204" pitchFamily="34" charset="0"/>
+                  </a:defRPr>
+                </a:lvl8pPr>
+                <a:lvl9pPr marL="3886200" indent="-228600" eaLnBrk="0" fontAlgn="base" hangingPunct="0">
+                  <a:spcBef>
+                    <a:spcPct val="20000"/>
+                  </a:spcBef>
+                  <a:spcAft>
+                    <a:spcPct val="0"/>
+                  </a:spcAft>
+                  <a:buFont typeface="Arial" panose="020B0604020202020204" pitchFamily="34" charset="0"/>
+                  <a:defRPr sz="2000">
+                    <a:solidFill>
+                      <a:schemeClr val="tx1"/>
+                    </a:solidFill>
+                    <a:latin typeface="Calibri" panose="020F0502020204030204" pitchFamily="34" charset="0"/>
+                  </a:defRPr>
+                </a:lvl9pPr>
+              </a:lstStyle>
+              <a:p>
+                <a:pPr algn="ctr" eaLnBrk="1" hangingPunct="1">
+                  <a:spcBef>
+                    <a:spcPct val="0"/>
+                  </a:spcBef>
+                  <a:buFontTx/>
+                  <a:buNone/>
+                </a:pPr>
+                <a:r>
+                  <a:rPr lang="en-GB" altLang="zh-CN" sz="2400" b="0" dirty="0"/>
+                  <a:t>posterior </a:t>
+                </a:r>
+                <a14:m>
+                  <m:oMath xmlns:m="http://schemas.openxmlformats.org/officeDocument/2006/math">
+                    <m:r>
+                      <a:rPr lang="en-US" altLang="zh-CN" sz="2400" i="1">
+                        <a:latin typeface="Cambria Math" panose="02040503050406030204" pitchFamily="18" charset="0"/>
+                        <a:ea typeface="Cambria Math" panose="02040503050406030204" pitchFamily="18" charset="0"/>
+                      </a:rPr>
+                      <m:t>∝</m:t>
+                    </m:r>
+                  </m:oMath>
+                </a14:m>
+                <a:r>
+                  <a:rPr lang="en-GB" altLang="zh-CN" sz="2400" b="0" dirty="0">
+                    <a:sym typeface="Symbol" panose="05050102010706020507" pitchFamily="18" charset="2"/>
+                  </a:rPr>
+                  <a:t> likelihood × prior</a:t>
+                </a:r>
+                <a:endParaRPr lang="en-GB" altLang="zh-CN" sz="2400" b="0" dirty="0"/>
+              </a:p>
+            </p:txBody>
+          </p:sp>
+        </mc:Choice>
+        <mc:Fallback xmlns="">
+          <p:sp>
+            <p:nvSpPr>
+              <p:cNvPr id="7" name="TextBox 5">
+                <a:extLst>
+                  <a:ext uri="{FF2B5EF4-FFF2-40B4-BE49-F238E27FC236}">
+                    <a16:creationId xmlns:a16="http://schemas.microsoft.com/office/drawing/2014/main" id="{FDB506EB-1553-4F3E-B3F1-E67DD0A08E4E}"/>
+                  </a:ext>
+                </a:extLst>
+              </p:cNvPr>
+              <p:cNvSpPr txBox="1">
+                <a:spLocks noRot="1" noChangeAspect="1" noMove="1" noResize="1" noEditPoints="1" noAdjustHandles="1" noChangeArrowheads="1" noChangeShapeType="1" noTextEdit="1"/>
+              </p:cNvSpPr>
+              <p:nvPr/>
+            </p:nvSpPr>
+            <p:spPr bwMode="auto">
+              <a:xfrm>
+                <a:off x="3733800" y="4870285"/>
+                <a:ext cx="5591175" cy="461665"/>
+              </a:xfrm>
+              <a:prstGeom prst="rect">
+                <a:avLst/>
+              </a:prstGeom>
+              <a:blipFill>
+                <a:blip r:embed="rId6"/>
+                <a:stretch>
+                  <a:fillRect t="-11842" b="-28947"/>
+                </a:stretch>
+              </a:blipFill>
+              <a:ln>
+                <a:noFill/>
+              </a:ln>
+              <a:extLst>
+                <a:ext uri="{909E8E84-426E-40DD-AFC4-6F175D3DCCD1}">
+                  <a14:hiddenFill xmlns:a14="http://schemas.microsoft.com/office/drawing/2010/main">
+                    <a:solidFill>
+                      <a:srgbClr val="FFFFFF"/>
+                    </a:solidFill>
+                  </a14:hiddenFill>
+                </a:ext>
+                <a:ext uri="{91240B29-F687-4F45-9708-019B960494DF}">
+                  <a14:hiddenLine xmlns:a14="http://schemas.microsoft.com/office/drawing/2010/main" w="9525">
+                    <a:solidFill>
+                      <a:srgbClr val="000000"/>
+                    </a:solidFill>
+                    <a:miter lim="800000"/>
+                    <a:headEnd/>
+                    <a:tailEnd/>
+                  </a14:hiddenLine>
+                </a:ext>
+              </a:extLst>
+            </p:spPr>
+            <p:txBody>
+              <a:bodyPr/>
+              <a:lstStyle/>
+              <a:p>
+                <a:r>
+                  <a:rPr lang="zh-CN" altLang="en-US">
+                    <a:noFill/>
+                  </a:rPr>
+                  <a:t> </a:t>
+                </a:r>
+              </a:p>
+            </p:txBody>
+          </p:sp>
+        </mc:Fallback>
+      </mc:AlternateContent>
+      <mc:AlternateContent xmlns:mc="http://schemas.openxmlformats.org/markup-compatibility/2006" xmlns:a14="http://schemas.microsoft.com/office/drawing/2010/main">
+        <mc:Choice Requires="a14">
+          <p:sp>
+            <p:nvSpPr>
+              <p:cNvPr id="3" name="文本框 2">
+                <a:extLst>
+                  <a:ext uri="{FF2B5EF4-FFF2-40B4-BE49-F238E27FC236}">
+                    <a16:creationId xmlns:a16="http://schemas.microsoft.com/office/drawing/2014/main" id="{29C6DF8E-BEDE-43E1-AE0A-D4EF3E8BE687}"/>
+                  </a:ext>
+                </a:extLst>
+              </p:cNvPr>
+              <p:cNvSpPr txBox="1"/>
+              <p:nvPr/>
+            </p:nvSpPr>
+            <p:spPr>
+              <a:xfrm>
+                <a:off x="3628653" y="3048000"/>
+                <a:ext cx="4107856" cy="492443"/>
+              </a:xfrm>
+              <a:prstGeom prst="rect">
+                <a:avLst/>
+              </a:prstGeom>
+              <a:noFill/>
+            </p:spPr>
+            <p:txBody>
+              <a:bodyPr wrap="none" lIns="0" tIns="0" rIns="0" bIns="0" rtlCol="0">
+                <a:spAutoFit/>
+              </a:bodyPr>
+              <a:lstStyle/>
+              <a:p>
+                <a:pPr/>
+                <a14:m>
+                  <m:oMathPara xmlns:m="http://schemas.openxmlformats.org/officeDocument/2006/math">
+                    <m:oMathParaPr>
+                      <m:jc m:val="centerGroup"/>
+                    </m:oMathParaPr>
+                    <m:oMath xmlns:m="http://schemas.openxmlformats.org/officeDocument/2006/math">
+                      <m:r>
+                        <a:rPr lang="en-US" altLang="zh-CN" sz="3200" b="0" i="1" smtClean="0">
+                          <a:latin typeface="Cambria Math" panose="02040503050406030204" pitchFamily="18" charset="0"/>
+                        </a:rPr>
+                        <m:t>𝑝</m:t>
+                      </m:r>
+                      <m:d>
+                        <m:dPr>
+                          <m:ctrlPr>
+                            <a:rPr lang="en-US" altLang="zh-CN" sz="3200" b="0" i="1" smtClean="0">
+                              <a:latin typeface="Cambria Math" panose="02040503050406030204" pitchFamily="18" charset="0"/>
+                            </a:rPr>
+                          </m:ctrlPr>
+                        </m:dPr>
+                        <m:e>
+                          <m:r>
+                            <a:rPr lang="en-US" altLang="zh-CN" sz="3200" b="0" i="1" smtClean="0">
+                              <a:latin typeface="Cambria Math" panose="02040503050406030204" pitchFamily="18" charset="0"/>
+                            </a:rPr>
+                            <m:t>𝑤</m:t>
+                          </m:r>
+                        </m:e>
+                        <m:e>
+                          <m:r>
+                            <a:rPr lang="en-US" altLang="zh-CN" sz="3200" b="0" i="1" smtClean="0">
+                              <a:latin typeface="Cambria Math" panose="02040503050406030204" pitchFamily="18" charset="0"/>
+                            </a:rPr>
+                            <m:t>𝑋</m:t>
+                          </m:r>
+                        </m:e>
+                      </m:d>
+                      <m:r>
+                        <a:rPr lang="en-US" altLang="zh-CN" sz="3200" i="1">
+                          <a:latin typeface="Cambria Math" panose="02040503050406030204" pitchFamily="18" charset="0"/>
+                          <a:ea typeface="Cambria Math" panose="02040503050406030204" pitchFamily="18" charset="0"/>
+                        </a:rPr>
+                        <m:t>∝</m:t>
+                      </m:r>
+                      <m:r>
+                        <a:rPr lang="en-US" altLang="zh-CN" sz="3200" b="0" i="1" smtClean="0">
+                          <a:solidFill>
+                            <a:srgbClr val="FF0000"/>
+                          </a:solidFill>
+                          <a:latin typeface="Cambria Math" panose="02040503050406030204" pitchFamily="18" charset="0"/>
+                          <a:ea typeface="Cambria Math" panose="02040503050406030204" pitchFamily="18" charset="0"/>
+                        </a:rPr>
+                        <m:t>𝑝</m:t>
+                      </m:r>
+                      <m:d>
+                        <m:dPr>
+                          <m:ctrlPr>
+                            <a:rPr lang="en-US" altLang="zh-CN" sz="3200" b="0" i="1" smtClean="0">
+                              <a:solidFill>
+                                <a:srgbClr val="FF0000"/>
+                              </a:solidFill>
+                              <a:latin typeface="Cambria Math" panose="02040503050406030204" pitchFamily="18" charset="0"/>
+                              <a:ea typeface="Cambria Math" panose="02040503050406030204" pitchFamily="18" charset="0"/>
+                            </a:rPr>
+                          </m:ctrlPr>
+                        </m:dPr>
+                        <m:e>
+                          <m:r>
+                            <a:rPr lang="en-US" altLang="zh-CN" sz="3200" b="0" i="1" smtClean="0">
+                              <a:solidFill>
+                                <a:srgbClr val="FF0000"/>
+                              </a:solidFill>
+                              <a:latin typeface="Cambria Math" panose="02040503050406030204" pitchFamily="18" charset="0"/>
+                              <a:ea typeface="Cambria Math" panose="02040503050406030204" pitchFamily="18" charset="0"/>
+                            </a:rPr>
+                            <m:t>𝑋</m:t>
+                          </m:r>
+                        </m:e>
+                        <m:e>
+                          <m:r>
+                            <a:rPr lang="en-US" altLang="zh-CN" sz="3200" b="0" i="1" smtClean="0">
+                              <a:solidFill>
+                                <a:srgbClr val="FF0000"/>
+                              </a:solidFill>
+                              <a:latin typeface="Cambria Math" panose="02040503050406030204" pitchFamily="18" charset="0"/>
+                              <a:ea typeface="Cambria Math" panose="02040503050406030204" pitchFamily="18" charset="0"/>
+                            </a:rPr>
+                            <m:t>𝑤</m:t>
+                          </m:r>
+                        </m:e>
+                      </m:d>
+                      <m:r>
+                        <a:rPr lang="en-US" altLang="zh-CN" sz="3200" b="0" i="1" smtClean="0">
+                          <a:latin typeface="Cambria Math" panose="02040503050406030204" pitchFamily="18" charset="0"/>
+                          <a:ea typeface="Cambria Math" panose="02040503050406030204" pitchFamily="18" charset="0"/>
+                        </a:rPr>
+                        <m:t>𝑝</m:t>
+                      </m:r>
+                      <m:r>
+                        <a:rPr lang="en-US" altLang="zh-CN" sz="3200" b="0" i="1" smtClean="0">
+                          <a:latin typeface="Cambria Math" panose="02040503050406030204" pitchFamily="18" charset="0"/>
+                          <a:ea typeface="Cambria Math" panose="02040503050406030204" pitchFamily="18" charset="0"/>
+                        </a:rPr>
+                        <m:t>(</m:t>
+                      </m:r>
+                      <m:r>
+                        <a:rPr lang="en-US" altLang="zh-CN" sz="3200" b="0" i="1" smtClean="0">
+                          <a:latin typeface="Cambria Math" panose="02040503050406030204" pitchFamily="18" charset="0"/>
+                          <a:ea typeface="Cambria Math" panose="02040503050406030204" pitchFamily="18" charset="0"/>
+                        </a:rPr>
+                        <m:t>𝑤</m:t>
+                      </m:r>
+                      <m:r>
+                        <a:rPr lang="en-US" altLang="zh-CN" sz="3200" b="0" i="1" smtClean="0">
+                          <a:latin typeface="Cambria Math" panose="02040503050406030204" pitchFamily="18" charset="0"/>
+                          <a:ea typeface="Cambria Math" panose="02040503050406030204" pitchFamily="18" charset="0"/>
+                        </a:rPr>
+                        <m:t>)</m:t>
+                      </m:r>
+                    </m:oMath>
+                  </m:oMathPara>
+                </a14:m>
+                <a:endParaRPr lang="zh-CN" altLang="en-US" sz="3200" dirty="0"/>
+              </a:p>
+            </p:txBody>
+          </p:sp>
+        </mc:Choice>
+        <mc:Fallback xmlns="">
+          <p:sp>
+            <p:nvSpPr>
+              <p:cNvPr id="3" name="文本框 2">
+                <a:extLst>
+                  <a:ext uri="{FF2B5EF4-FFF2-40B4-BE49-F238E27FC236}">
+                    <a16:creationId xmlns:a16="http://schemas.microsoft.com/office/drawing/2014/main" id="{29C6DF8E-BEDE-43E1-AE0A-D4EF3E8BE687}"/>
+                  </a:ext>
+                </a:extLst>
+              </p:cNvPr>
+              <p:cNvSpPr txBox="1">
+                <a:spLocks noRot="1" noChangeAspect="1" noMove="1" noResize="1" noEditPoints="1" noAdjustHandles="1" noChangeArrowheads="1" noChangeShapeType="1" noTextEdit="1"/>
+              </p:cNvSpPr>
+              <p:nvPr/>
+            </p:nvSpPr>
+            <p:spPr>
+              <a:xfrm>
+                <a:off x="3628653" y="3048000"/>
+                <a:ext cx="4107856" cy="492443"/>
+              </a:xfrm>
+              <a:prstGeom prst="rect">
+                <a:avLst/>
+              </a:prstGeom>
+              <a:blipFill>
+                <a:blip r:embed="rId7"/>
+                <a:stretch>
+                  <a:fillRect/>
+                </a:stretch>
+              </a:blipFill>
+            </p:spPr>
+            <p:txBody>
+              <a:bodyPr/>
+              <a:lstStyle/>
+              <a:p>
+                <a:r>
+                  <a:rPr lang="zh-CN" altLang="en-US">
+                    <a:noFill/>
+                  </a:rPr>
+                  <a:t> </a:t>
+                </a:r>
+              </a:p>
+            </p:txBody>
+          </p:sp>
+        </mc:Fallback>
+      </mc:AlternateContent>
+      <p:sp>
+        <p:nvSpPr>
+          <p:cNvPr id="8" name="矩形 7">
+            <a:extLst>
+              <a:ext uri="{FF2B5EF4-FFF2-40B4-BE49-F238E27FC236}">
+                <a16:creationId xmlns:a16="http://schemas.microsoft.com/office/drawing/2014/main" id="{739289E9-AE99-47C9-A098-91845F91F667}"/>
+              </a:ext>
+            </a:extLst>
+          </p:cNvPr>
+          <p:cNvSpPr/>
+          <p:nvPr/>
+        </p:nvSpPr>
+        <p:spPr>
+          <a:xfrm>
+            <a:off x="5533653" y="3633218"/>
+            <a:ext cx="1146468" cy="646331"/>
           </a:xfrm>
           <a:prstGeom prst="rect">
             <a:avLst/>
           </a:prstGeom>
         </p:spPr>
-      </p:pic>
+        <p:txBody>
+          <a:bodyPr wrap="none">
+            <a:spAutoFit/>
+          </a:bodyPr>
+          <a:lstStyle/>
+          <a:p>
+            <a:pPr algn="ctr"/>
+            <a:r>
+              <a:rPr lang="zh-CN" altLang="en-US" dirty="0">
+                <a:solidFill>
+                  <a:srgbClr val="FF0000"/>
+                </a:solidFill>
+                <a:sym typeface="Symbol" panose="05050102010706020507" pitchFamily="18" charset="2"/>
+              </a:rPr>
+              <a:t>似然</a:t>
+            </a:r>
+            <a:endParaRPr lang="en-GB" altLang="zh-CN" dirty="0">
+              <a:solidFill>
+                <a:srgbClr val="FF0000"/>
+              </a:solidFill>
+              <a:sym typeface="Symbol" panose="05050102010706020507" pitchFamily="18" charset="2"/>
+            </a:endParaRPr>
+          </a:p>
+          <a:p>
+            <a:pPr algn="ctr"/>
+            <a:r>
+              <a:rPr lang="en-GB" altLang="zh-CN" dirty="0">
+                <a:solidFill>
+                  <a:srgbClr val="FF0000"/>
+                </a:solidFill>
+                <a:sym typeface="Symbol" panose="05050102010706020507" pitchFamily="18" charset="2"/>
+              </a:rPr>
+              <a:t>likelihood</a:t>
+            </a:r>
+            <a:endParaRPr lang="zh-CN" altLang="en-US" dirty="0">
+              <a:solidFill>
+                <a:srgbClr val="FF0000"/>
+              </a:solidFill>
+            </a:endParaRPr>
+          </a:p>
+        </p:txBody>
+      </p:sp>
+      <p:sp>
+        <p:nvSpPr>
+          <p:cNvPr id="9" name="矩形 8">
+            <a:extLst>
+              <a:ext uri="{FF2B5EF4-FFF2-40B4-BE49-F238E27FC236}">
+                <a16:creationId xmlns:a16="http://schemas.microsoft.com/office/drawing/2014/main" id="{714319F3-1F73-4A36-B871-17F666BD7B1C}"/>
+              </a:ext>
+            </a:extLst>
+          </p:cNvPr>
+          <p:cNvSpPr/>
+          <p:nvPr/>
+        </p:nvSpPr>
+        <p:spPr>
+          <a:xfrm>
+            <a:off x="6981453" y="3600014"/>
+            <a:ext cx="646331" cy="646331"/>
+          </a:xfrm>
+          <a:prstGeom prst="rect">
+            <a:avLst/>
+          </a:prstGeom>
+        </p:spPr>
+        <p:txBody>
+          <a:bodyPr wrap="none">
+            <a:spAutoFit/>
+          </a:bodyPr>
+          <a:lstStyle/>
+          <a:p>
+            <a:pPr algn="ctr"/>
+            <a:r>
+              <a:rPr lang="zh-CN" altLang="en-US" dirty="0">
+                <a:sym typeface="Symbol" panose="05050102010706020507" pitchFamily="18" charset="2"/>
+              </a:rPr>
+              <a:t>先验</a:t>
+            </a:r>
+            <a:endParaRPr lang="en-GB" altLang="zh-CN" dirty="0">
+              <a:sym typeface="Symbol" panose="05050102010706020507" pitchFamily="18" charset="2"/>
+            </a:endParaRPr>
+          </a:p>
+          <a:p>
+            <a:pPr algn="ctr"/>
+            <a:r>
+              <a:rPr lang="en-GB" altLang="zh-CN" dirty="0">
+                <a:sym typeface="Symbol" panose="05050102010706020507" pitchFamily="18" charset="2"/>
+              </a:rPr>
+              <a:t>prior</a:t>
+            </a:r>
+            <a:endParaRPr lang="zh-CN" altLang="en-US" dirty="0"/>
+          </a:p>
+        </p:txBody>
+      </p:sp>
+      <p:sp>
+        <p:nvSpPr>
+          <p:cNvPr id="10" name="矩形 9">
+            <a:extLst>
+              <a:ext uri="{FF2B5EF4-FFF2-40B4-BE49-F238E27FC236}">
+                <a16:creationId xmlns:a16="http://schemas.microsoft.com/office/drawing/2014/main" id="{C16DFB32-78C2-435B-BC80-3004A58094A0}"/>
+              </a:ext>
+            </a:extLst>
+          </p:cNvPr>
+          <p:cNvSpPr/>
+          <p:nvPr/>
+        </p:nvSpPr>
+        <p:spPr>
+          <a:xfrm>
+            <a:off x="3857253" y="3638326"/>
+            <a:ext cx="1082348" cy="646331"/>
+          </a:xfrm>
+          <a:prstGeom prst="rect">
+            <a:avLst/>
+          </a:prstGeom>
+        </p:spPr>
+        <p:txBody>
+          <a:bodyPr wrap="none">
+            <a:spAutoFit/>
+          </a:bodyPr>
+          <a:lstStyle/>
+          <a:p>
+            <a:pPr algn="ctr"/>
+            <a:r>
+              <a:rPr lang="zh-CN" altLang="en-US" dirty="0"/>
+              <a:t>后验</a:t>
+            </a:r>
+            <a:endParaRPr lang="en-GB" altLang="zh-CN" dirty="0"/>
+          </a:p>
+          <a:p>
+            <a:pPr algn="ctr"/>
+            <a:r>
+              <a:rPr lang="en-GB" altLang="zh-CN" dirty="0"/>
+              <a:t>posterior</a:t>
+            </a:r>
+            <a:endParaRPr lang="zh-CN" altLang="en-US" dirty="0"/>
+          </a:p>
+        </p:txBody>
+      </p:sp>
+      <p:sp>
+        <p:nvSpPr>
+          <p:cNvPr id="11" name="文本框 10">
+            <a:extLst>
+              <a:ext uri="{FF2B5EF4-FFF2-40B4-BE49-F238E27FC236}">
+                <a16:creationId xmlns:a16="http://schemas.microsoft.com/office/drawing/2014/main" id="{11FD5265-FDB5-439A-9D50-EED8FF2E1B44}"/>
+              </a:ext>
+            </a:extLst>
+          </p:cNvPr>
+          <p:cNvSpPr txBox="1"/>
+          <p:nvPr/>
+        </p:nvSpPr>
+        <p:spPr>
+          <a:xfrm>
+            <a:off x="1828800" y="1796534"/>
+            <a:ext cx="1569660" cy="369332"/>
+          </a:xfrm>
+          <a:prstGeom prst="rect">
+            <a:avLst/>
+          </a:prstGeom>
+          <a:noFill/>
+        </p:spPr>
+        <p:txBody>
+          <a:bodyPr wrap="none" rtlCol="0">
+            <a:spAutoFit/>
+          </a:bodyPr>
+          <a:lstStyle/>
+          <a:p>
+            <a:r>
+              <a:rPr lang="zh-CN" altLang="en-US" dirty="0"/>
+              <a:t>贝叶斯公式：</a:t>
+            </a:r>
+          </a:p>
+        </p:txBody>
+      </p:sp>
     </p:spTree>
     <p:extLst>
       <p:ext uri="{BB962C8B-B14F-4D97-AF65-F5344CB8AC3E}">
@@ -12203,7 +17063,7 @@
 </p:sld>
 </file>
 
-<file path=ppt/slides/slide27.xml><?xml version="1.0" encoding="utf-8"?>
+<file path=ppt/slides/slide36.xml><?xml version="1.0" encoding="utf-8"?>
 <p:sld xmlns:a="http://schemas.openxmlformats.org/drawingml/2006/main" xmlns:r="http://schemas.openxmlformats.org/officeDocument/2006/relationships" xmlns:p="http://schemas.openxmlformats.org/presentationml/2006/main">
   <p:cSld>
     <p:spTree>
@@ -12428,7 +17288,7 @@
             </p:nvSpPr>
             <p:spPr>
               <a:blipFill>
-                <a:blip r:embed="rId2"/>
+                <a:blip r:embed="rId4"/>
                 <a:stretch>
                   <a:fillRect l="-741" t="-1235"/>
                 </a:stretch>
@@ -12464,7 +17324,7 @@
           <p:nvPr/>
         </p:nvPicPr>
         <p:blipFill>
-          <a:blip r:embed="rId3">
+          <a:blip r:embed="rId5">
             <a:extLst>
               <a:ext uri="{28A0092B-C50C-407E-A947-70E740481C1C}">
                 <a14:useLocalDpi xmlns:a14="http://schemas.microsoft.com/office/drawing/2010/main" val="0"/>
@@ -12500,7 +17360,7 @@
           <p:nvPr/>
         </p:nvPicPr>
         <p:blipFill>
-          <a:blip r:embed="rId4"/>
+          <a:blip r:embed="rId6"/>
           <a:stretch>
             <a:fillRect/>
           </a:stretch>
@@ -12528,7 +17388,7 @@
 </p:sld>
 </file>
 
-<file path=ppt/slides/slide28.xml><?xml version="1.0" encoding="utf-8"?>
+<file path=ppt/slides/slide37.xml><?xml version="1.0" encoding="utf-8"?>
 <p:sld xmlns:a="http://schemas.openxmlformats.org/drawingml/2006/main" xmlns:r="http://schemas.openxmlformats.org/officeDocument/2006/relationships" xmlns:p="http://schemas.openxmlformats.org/presentationml/2006/main">
   <p:cSld>
     <p:spTree>
@@ -12692,7 +17552,7 @@
 </p:sld>
 </file>
 
-<file path=ppt/slides/slide29.xml><?xml version="1.0" encoding="utf-8"?>
+<file path=ppt/slides/slide38.xml><?xml version="1.0" encoding="utf-8"?>
 <p:sld xmlns:a="http://schemas.openxmlformats.org/drawingml/2006/main" xmlns:r="http://schemas.openxmlformats.org/officeDocument/2006/relationships" xmlns:p="http://schemas.openxmlformats.org/presentationml/2006/main">
   <p:cSld>
     <p:spTree>
@@ -12944,7 +17804,7 @@
 </p:sld>
 </file>
 
-<file path=ppt/slides/slide3.xml><?xml version="1.0" encoding="utf-8"?>
+<file path=ppt/slides/slide39.xml><?xml version="1.0" encoding="utf-8"?>
 <p:sld xmlns:a="http://schemas.openxmlformats.org/drawingml/2006/main" xmlns:r="http://schemas.openxmlformats.org/officeDocument/2006/relationships" xmlns:p="http://schemas.openxmlformats.org/presentationml/2006/main">
   <p:cSld>
     <p:spTree>
@@ -12963,7 +17823,65 @@
       </p:grpSpPr>
       <p:sp>
         <p:nvSpPr>
-          <p:cNvPr id="2" name="標題 1"/>
+          <p:cNvPr id="2" name="标题 1">
+            <a:extLst>
+              <a:ext uri="{FF2B5EF4-FFF2-40B4-BE49-F238E27FC236}">
+                <a16:creationId xmlns:a16="http://schemas.microsoft.com/office/drawing/2014/main" id="{3D99C8D0-0815-4E13-94B1-3D02D53EB295}"/>
+              </a:ext>
+            </a:extLst>
+          </p:cNvPr>
+          <p:cNvSpPr>
+            <a:spLocks noGrp="1"/>
+          </p:cNvSpPr>
+          <p:nvPr>
+            <p:ph type="ctrTitle"/>
+          </p:nvPr>
+        </p:nvSpPr>
+        <p:spPr/>
+        <p:txBody>
+          <a:bodyPr/>
+          <a:lstStyle/>
+          <a:p>
+            <a:r>
+              <a:rPr lang="zh-CN" altLang="en-US" dirty="0"/>
+              <a:t>最大后验估计</a:t>
+            </a:r>
+          </a:p>
+        </p:txBody>
+      </p:sp>
+    </p:spTree>
+    <p:extLst>
+      <p:ext uri="{BB962C8B-B14F-4D97-AF65-F5344CB8AC3E}">
+        <p14:creationId xmlns:p14="http://schemas.microsoft.com/office/powerpoint/2010/main" val="1036936824"/>
+      </p:ext>
+    </p:extLst>
+  </p:cSld>
+  <p:clrMapOvr>
+    <a:masterClrMapping/>
+  </p:clrMapOvr>
+</p:sld>
+</file>
+
+<file path=ppt/slides/slide4.xml><?xml version="1.0" encoding="utf-8"?>
+<p:sld xmlns:a="http://schemas.openxmlformats.org/drawingml/2006/main" xmlns:r="http://schemas.openxmlformats.org/officeDocument/2006/relationships" xmlns:p="http://schemas.openxmlformats.org/presentationml/2006/main">
+  <p:cSld>
+    <p:spTree>
+      <p:nvGrpSpPr>
+        <p:cNvPr id="1" name=""/>
+        <p:cNvGrpSpPr/>
+        <p:nvPr/>
+      </p:nvGrpSpPr>
+      <p:grpSpPr>
+        <a:xfrm>
+          <a:off x="0" y="0"/>
+          <a:ext cx="0" cy="0"/>
+          <a:chOff x="0" y="0"/>
+          <a:chExt cx="0" cy="0"/>
+        </a:xfrm>
+      </p:grpSpPr>
+      <p:sp>
+        <p:nvSpPr>
+          <p:cNvPr id="2" name="标题 1"/>
           <p:cNvSpPr>
             <a:spLocks noGrp="1"/>
           </p:cNvSpPr>
@@ -12977,24 +17895,22 @@
           <a:lstStyle/>
           <a:p>
             <a:r>
-              <a:rPr lang="zh-CN" altLang="en-US" dirty="0"/>
-              <a:t>机器学习 </a:t>
-            </a:r>
-            <a:r>
-              <a:rPr lang="en-US" altLang="zh-TW" dirty="0"/>
-              <a:t>≈ </a:t>
-            </a:r>
-            <a:r>
-              <a:rPr lang="zh-CN" altLang="en-US" dirty="0"/>
-              <a:t>构建一个映射函数</a:t>
-            </a:r>
-            <a:endParaRPr lang="zh-TW" altLang="en-US" dirty="0"/>
+              <a:rPr lang="zh-CN" altLang="en-US"/>
+              <a:t>为什么要“机器学习”？</a:t>
+            </a:r>
+            <a:endParaRPr lang="zh-CN" altLang="en-US" dirty="0"/>
           </a:p>
         </p:txBody>
       </p:sp>
       <p:sp>
         <p:nvSpPr>
-          <p:cNvPr id="3" name="內容版面配置區 2"/>
+          <p:cNvPr id="7" name="内容占位符 6">
+            <a:extLst>
+              <a:ext uri="{FF2B5EF4-FFF2-40B4-BE49-F238E27FC236}">
+                <a16:creationId xmlns:a16="http://schemas.microsoft.com/office/drawing/2014/main" id="{BF8B0512-B0CF-4489-A60A-6CFA645B4EF1}"/>
+              </a:ext>
+            </a:extLst>
+          </p:cNvPr>
           <p:cNvSpPr>
             <a:spLocks noGrp="1"/>
           </p:cNvSpPr>
@@ -13004,470 +17920,42 @@
         </p:nvSpPr>
         <p:spPr/>
         <p:txBody>
-          <a:bodyPr>
-            <a:normAutofit/>
-          </a:bodyPr>
+          <a:bodyPr/>
           <a:lstStyle/>
           <a:p>
             <a:r>
-              <a:rPr lang="zh-CN" altLang="en-US" sz="3600" dirty="0"/>
-              <a:t>语音识别</a:t>
-            </a:r>
-            <a:endParaRPr lang="en-US" altLang="zh-TW" sz="3600" dirty="0"/>
-          </a:p>
-          <a:p>
-            <a:endParaRPr lang="en-US" altLang="zh-TW" sz="3600" dirty="0"/>
-          </a:p>
-          <a:p>
-            <a:r>
-              <a:rPr lang="zh-CN" altLang="en-US" sz="3600" dirty="0"/>
-              <a:t>图像识别</a:t>
-            </a:r>
-            <a:endParaRPr lang="en-US" altLang="zh-TW" sz="3600" dirty="0"/>
-          </a:p>
-          <a:p>
-            <a:endParaRPr lang="en-US" altLang="zh-TW" sz="3600" dirty="0"/>
-          </a:p>
-          <a:p>
-            <a:r>
-              <a:rPr lang="zh-CN" altLang="en-US" sz="3600" dirty="0"/>
-              <a:t>围棋</a:t>
-            </a:r>
-            <a:endParaRPr lang="en-US" altLang="zh-CN" sz="3600" dirty="0"/>
-          </a:p>
-          <a:p>
-            <a:endParaRPr lang="en-US" altLang="zh-TW" sz="3600" dirty="0"/>
-          </a:p>
-          <a:p>
-            <a:r>
-              <a:rPr lang="zh-CN" altLang="en-US" sz="3600" dirty="0"/>
-              <a:t>对话系统</a:t>
-            </a:r>
-            <a:endParaRPr lang="zh-TW" altLang="en-US" sz="3600" dirty="0"/>
-          </a:p>
-        </p:txBody>
-      </p:sp>
-      <p:graphicFrame>
-        <p:nvGraphicFramePr>
-          <p:cNvPr id="4" name="Object 12"/>
-          <p:cNvGraphicFramePr>
-            <a:graphicFrameLocks noChangeAspect="1"/>
-          </p:cNvGraphicFramePr>
-          <p:nvPr>
-            <p:extLst/>
-          </p:nvPr>
-        </p:nvGraphicFramePr>
-        <p:xfrm>
-          <a:off x="3553665" y="1823151"/>
-          <a:ext cx="3822700" cy="460375"/>
-        </p:xfrm>
-        <a:graphic>
-          <a:graphicData uri="http://schemas.openxmlformats.org/presentationml/2006/ole">
-            <mc:AlternateContent xmlns:mc="http://schemas.openxmlformats.org/markup-compatibility/2006">
-              <mc:Choice xmlns:v="urn:schemas-microsoft-com:vml" Requires="v">
-                <p:oleObj spid="_x0000_s1426" name="方程式" r:id="rId3" imgW="1790640" imgH="215640" progId="Equation.3">
-                  <p:embed/>
-                </p:oleObj>
-              </mc:Choice>
-              <mc:Fallback>
-                <p:oleObj name="方程式" r:id="rId3" imgW="1790640" imgH="215640" progId="Equation.3">
-                  <p:embed/>
-                  <p:pic>
-                    <p:nvPicPr>
-                      <p:cNvPr id="4" name="Object 12"/>
-                      <p:cNvPicPr>
-                        <a:picLocks noChangeAspect="1" noChangeArrowheads="1"/>
-                      </p:cNvPicPr>
-                      <p:nvPr/>
-                    </p:nvPicPr>
-                    <p:blipFill>
-                      <a:blip r:embed="rId4"/>
-                      <a:srcRect/>
-                      <a:stretch>
-                        <a:fillRect/>
-                      </a:stretch>
-                    </p:blipFill>
-                    <p:spPr bwMode="auto">
-                      <a:xfrm>
-                        <a:off x="3553665" y="1823151"/>
-                        <a:ext cx="3822700" cy="460375"/>
-                      </a:xfrm>
-                      <a:prstGeom prst="rect">
-                        <a:avLst/>
-                      </a:prstGeom>
-                      <a:noFill/>
-                      <a:extLst>
-                        <a:ext uri="{909E8E84-426E-40DD-AFC4-6F175D3DCCD1}">
-                          <a14:hiddenFill xmlns:a14="http://schemas.microsoft.com/office/drawing/2010/main">
-                            <a:solidFill>
-                              <a:srgbClr val="FFFFFF"/>
-                            </a:solidFill>
-                          </a14:hiddenFill>
-                        </a:ext>
-                      </a:extLst>
-                    </p:spPr>
-                  </p:pic>
-                </p:oleObj>
-              </mc:Fallback>
-            </mc:AlternateContent>
-          </a:graphicData>
-        </a:graphic>
-      </p:graphicFrame>
-      <p:graphicFrame>
-        <p:nvGraphicFramePr>
-          <p:cNvPr id="5" name="Object 12"/>
-          <p:cNvGraphicFramePr>
-            <a:graphicFrameLocks noChangeAspect="1"/>
-          </p:cNvGraphicFramePr>
-          <p:nvPr>
-            <p:extLst/>
-          </p:nvPr>
-        </p:nvGraphicFramePr>
-        <p:xfrm>
-          <a:off x="3505200" y="3191521"/>
-          <a:ext cx="3822700" cy="460375"/>
-        </p:xfrm>
-        <a:graphic>
-          <a:graphicData uri="http://schemas.openxmlformats.org/presentationml/2006/ole">
-            <mc:AlternateContent xmlns:mc="http://schemas.openxmlformats.org/markup-compatibility/2006">
-              <mc:Choice xmlns:v="urn:schemas-microsoft-com:vml" Requires="v">
-                <p:oleObj spid="_x0000_s1427" name="方程式" r:id="rId5" imgW="1790640" imgH="215640" progId="Equation.3">
-                  <p:embed/>
-                </p:oleObj>
-              </mc:Choice>
-              <mc:Fallback>
-                <p:oleObj name="方程式" r:id="rId5" imgW="1790640" imgH="215640" progId="Equation.3">
-                  <p:embed/>
-                  <p:pic>
-                    <p:nvPicPr>
-                      <p:cNvPr id="5" name="Object 12"/>
-                      <p:cNvPicPr>
-                        <a:picLocks noChangeAspect="1" noChangeArrowheads="1"/>
-                      </p:cNvPicPr>
-                      <p:nvPr/>
-                    </p:nvPicPr>
-                    <p:blipFill>
-                      <a:blip r:embed="rId4"/>
-                      <a:srcRect/>
-                      <a:stretch>
-                        <a:fillRect/>
-                      </a:stretch>
-                    </p:blipFill>
-                    <p:spPr bwMode="auto">
-                      <a:xfrm>
-                        <a:off x="3505200" y="3191521"/>
-                        <a:ext cx="3822700" cy="460375"/>
-                      </a:xfrm>
-                      <a:prstGeom prst="rect">
-                        <a:avLst/>
-                      </a:prstGeom>
-                      <a:noFill/>
-                      <a:extLst>
-                        <a:ext uri="{909E8E84-426E-40DD-AFC4-6F175D3DCCD1}">
-                          <a14:hiddenFill xmlns:a14="http://schemas.microsoft.com/office/drawing/2010/main">
-                            <a:solidFill>
-                              <a:srgbClr val="FFFFFF"/>
-                            </a:solidFill>
-                          </a14:hiddenFill>
-                        </a:ext>
-                      </a:extLst>
-                    </p:spPr>
-                  </p:pic>
-                </p:oleObj>
-              </mc:Fallback>
-            </mc:AlternateContent>
-          </a:graphicData>
-        </a:graphic>
-      </p:graphicFrame>
-      <p:graphicFrame>
-        <p:nvGraphicFramePr>
-          <p:cNvPr id="6" name="Object 12"/>
-          <p:cNvGraphicFramePr>
-            <a:graphicFrameLocks noChangeAspect="1"/>
-          </p:cNvGraphicFramePr>
-          <p:nvPr>
-            <p:extLst/>
-          </p:nvPr>
-        </p:nvGraphicFramePr>
-        <p:xfrm>
-          <a:off x="3505200" y="4269455"/>
-          <a:ext cx="3822700" cy="460375"/>
-        </p:xfrm>
-        <a:graphic>
-          <a:graphicData uri="http://schemas.openxmlformats.org/presentationml/2006/ole">
-            <mc:AlternateContent xmlns:mc="http://schemas.openxmlformats.org/markup-compatibility/2006">
-              <mc:Choice xmlns:v="urn:schemas-microsoft-com:vml" Requires="v">
-                <p:oleObj spid="_x0000_s1428" name="方程式" r:id="rId6" imgW="1790640" imgH="215640" progId="Equation.3">
-                  <p:embed/>
-                </p:oleObj>
-              </mc:Choice>
-              <mc:Fallback>
-                <p:oleObj name="方程式" r:id="rId6" imgW="1790640" imgH="215640" progId="Equation.3">
-                  <p:embed/>
-                  <p:pic>
-                    <p:nvPicPr>
-                      <p:cNvPr id="6" name="Object 12"/>
-                      <p:cNvPicPr>
-                        <a:picLocks noChangeAspect="1" noChangeArrowheads="1"/>
-                      </p:cNvPicPr>
-                      <p:nvPr/>
-                    </p:nvPicPr>
-                    <p:blipFill>
-                      <a:blip r:embed="rId4"/>
-                      <a:srcRect/>
-                      <a:stretch>
-                        <a:fillRect/>
-                      </a:stretch>
-                    </p:blipFill>
-                    <p:spPr bwMode="auto">
-                      <a:xfrm>
-                        <a:off x="3505200" y="4269455"/>
-                        <a:ext cx="3822700" cy="460375"/>
-                      </a:xfrm>
-                      <a:prstGeom prst="rect">
-                        <a:avLst/>
-                      </a:prstGeom>
-                      <a:noFill/>
-                      <a:extLst>
-                        <a:ext uri="{909E8E84-426E-40DD-AFC4-6F175D3DCCD1}">
-                          <a14:hiddenFill xmlns:a14="http://schemas.microsoft.com/office/drawing/2010/main">
-                            <a:solidFill>
-                              <a:srgbClr val="FFFFFF"/>
-                            </a:solidFill>
-                          </a14:hiddenFill>
-                        </a:ext>
-                      </a:extLst>
-                    </p:spPr>
-                  </p:pic>
-                </p:oleObj>
-              </mc:Fallback>
-            </mc:AlternateContent>
-          </a:graphicData>
-        </a:graphic>
-      </p:graphicFrame>
-      <p:graphicFrame>
-        <p:nvGraphicFramePr>
-          <p:cNvPr id="7" name="Object 12"/>
-          <p:cNvGraphicFramePr>
-            <a:graphicFrameLocks noChangeAspect="1"/>
-          </p:cNvGraphicFramePr>
-          <p:nvPr>
-            <p:extLst/>
-          </p:nvPr>
-        </p:nvGraphicFramePr>
-        <p:xfrm>
-          <a:off x="3536030" y="5504932"/>
-          <a:ext cx="3578225" cy="460375"/>
-        </p:xfrm>
-        <a:graphic>
-          <a:graphicData uri="http://schemas.openxmlformats.org/presentationml/2006/ole">
-            <mc:AlternateContent xmlns:mc="http://schemas.openxmlformats.org/markup-compatibility/2006">
-              <mc:Choice xmlns:v="urn:schemas-microsoft-com:vml" Requires="v">
-                <p:oleObj spid="_x0000_s1429" name="方程式" r:id="rId7" imgW="1676160" imgH="215640" progId="Equation.3">
-                  <p:embed/>
-                </p:oleObj>
-              </mc:Choice>
-              <mc:Fallback>
-                <p:oleObj name="方程式" r:id="rId7" imgW="1676160" imgH="215640" progId="Equation.3">
-                  <p:embed/>
-                  <p:pic>
-                    <p:nvPicPr>
-                      <p:cNvPr id="7" name="Object 12"/>
-                      <p:cNvPicPr>
-                        <a:picLocks noChangeAspect="1" noChangeArrowheads="1"/>
-                      </p:cNvPicPr>
-                      <p:nvPr/>
-                    </p:nvPicPr>
-                    <p:blipFill>
-                      <a:blip r:embed="rId8"/>
-                      <a:srcRect/>
-                      <a:stretch>
-                        <a:fillRect/>
-                      </a:stretch>
-                    </p:blipFill>
-                    <p:spPr bwMode="auto">
-                      <a:xfrm>
-                        <a:off x="3536030" y="5504932"/>
-                        <a:ext cx="3578225" cy="460375"/>
-                      </a:xfrm>
-                      <a:prstGeom prst="rect">
-                        <a:avLst/>
-                      </a:prstGeom>
-                      <a:noFill/>
-                      <a:extLst>
-                        <a:ext uri="{909E8E84-426E-40DD-AFC4-6F175D3DCCD1}">
-                          <a14:hiddenFill xmlns:a14="http://schemas.microsoft.com/office/drawing/2010/main">
-                            <a:solidFill>
-                              <a:srgbClr val="FFFFFF"/>
-                            </a:solidFill>
-                          </a14:hiddenFill>
-                        </a:ext>
-                      </a:extLst>
-                    </p:spPr>
-                  </p:pic>
-                </p:oleObj>
-              </mc:Fallback>
-            </mc:AlternateContent>
-          </a:graphicData>
-        </a:graphic>
-      </p:graphicFrame>
-      <p:sp>
-        <p:nvSpPr>
-          <p:cNvPr id="8" name="文字方塊 7"/>
-          <p:cNvSpPr txBox="1"/>
-          <p:nvPr/>
-        </p:nvSpPr>
-        <p:spPr>
-          <a:xfrm>
-            <a:off x="7327900" y="3160097"/>
-            <a:ext cx="947054" cy="523220"/>
-          </a:xfrm>
-          <a:prstGeom prst="rect">
-            <a:avLst/>
-          </a:prstGeom>
-          <a:noFill/>
-        </p:spPr>
-        <p:txBody>
-          <a:bodyPr wrap="square" rtlCol="0">
-            <a:spAutoFit/>
-          </a:bodyPr>
-          <a:lstStyle/>
-          <a:p>
-            <a:r>
-              <a:rPr lang="en-US" altLang="zh-TW" sz="2800" dirty="0"/>
-              <a:t>“</a:t>
-            </a:r>
-            <a:r>
-              <a:rPr lang="zh-CN" altLang="en-US" sz="2800" dirty="0"/>
-              <a:t>猫</a:t>
-            </a:r>
-            <a:r>
-              <a:rPr lang="en-US" altLang="zh-TW" sz="2800" dirty="0"/>
-              <a:t>”</a:t>
-            </a:r>
-            <a:endParaRPr lang="zh-TW" altLang="en-US" sz="2800" dirty="0"/>
-          </a:p>
-        </p:txBody>
-      </p:sp>
-      <p:sp>
-        <p:nvSpPr>
-          <p:cNvPr id="9" name="文字方塊 8"/>
-          <p:cNvSpPr txBox="1"/>
-          <p:nvPr/>
-        </p:nvSpPr>
-        <p:spPr>
-          <a:xfrm>
-            <a:off x="7376365" y="1791967"/>
-            <a:ext cx="2898395" cy="523220"/>
-          </a:xfrm>
-          <a:prstGeom prst="rect">
-            <a:avLst/>
-          </a:prstGeom>
-          <a:noFill/>
-        </p:spPr>
-        <p:txBody>
-          <a:bodyPr wrap="square" rtlCol="0">
-            <a:spAutoFit/>
-          </a:bodyPr>
-          <a:lstStyle/>
-          <a:p>
-            <a:r>
-              <a:rPr lang="en-US" altLang="zh-TW" sz="2800" dirty="0"/>
-              <a:t>“</a:t>
-            </a:r>
-            <a:r>
-              <a:rPr lang="zh-CN" altLang="en-US" sz="2800" dirty="0"/>
-              <a:t>你好</a:t>
-            </a:r>
-            <a:r>
-              <a:rPr lang="en-US" altLang="zh-TW" sz="2800" dirty="0"/>
-              <a:t>”</a:t>
-            </a:r>
-            <a:endParaRPr lang="zh-TW" altLang="en-US" sz="2800" dirty="0"/>
-          </a:p>
-        </p:txBody>
-      </p:sp>
-      <p:sp>
-        <p:nvSpPr>
-          <p:cNvPr id="10" name="文字方塊 9"/>
-          <p:cNvSpPr txBox="1"/>
-          <p:nvPr/>
-        </p:nvSpPr>
-        <p:spPr>
-          <a:xfrm>
-            <a:off x="7327901" y="4211765"/>
-            <a:ext cx="1239914" cy="523220"/>
-          </a:xfrm>
-          <a:prstGeom prst="rect">
-            <a:avLst/>
-          </a:prstGeom>
-          <a:noFill/>
-        </p:spPr>
-        <p:txBody>
-          <a:bodyPr wrap="square" rtlCol="0">
-            <a:spAutoFit/>
-          </a:bodyPr>
-          <a:lstStyle/>
-          <a:p>
-            <a:r>
-              <a:rPr lang="en-US" altLang="zh-TW" sz="2800" dirty="0"/>
-              <a:t>“5-5”</a:t>
-            </a:r>
-            <a:endParaRPr lang="zh-TW" altLang="en-US" sz="2800" dirty="0"/>
-          </a:p>
-        </p:txBody>
-      </p:sp>
-      <p:sp>
-        <p:nvSpPr>
-          <p:cNvPr id="11" name="文字方塊 10"/>
-          <p:cNvSpPr txBox="1"/>
-          <p:nvPr/>
-        </p:nvSpPr>
-        <p:spPr>
-          <a:xfrm>
-            <a:off x="7483708" y="5523781"/>
-            <a:ext cx="3031893" cy="523220"/>
-          </a:xfrm>
-          <a:prstGeom prst="rect">
-            <a:avLst/>
-          </a:prstGeom>
-          <a:noFill/>
-        </p:spPr>
-        <p:txBody>
-          <a:bodyPr wrap="square" rtlCol="0">
-            <a:spAutoFit/>
-          </a:bodyPr>
-          <a:lstStyle/>
-          <a:p>
-            <a:r>
-              <a:rPr lang="en-US" altLang="zh-TW" sz="2800" dirty="0"/>
-              <a:t>“</a:t>
-            </a:r>
-            <a:r>
-              <a:rPr lang="zh-CN" altLang="en-US" sz="2800" dirty="0"/>
-              <a:t>今天天气真不错</a:t>
-            </a:r>
-            <a:r>
-              <a:rPr lang="en-US" altLang="zh-TW" sz="2800" dirty="0"/>
-              <a:t>”</a:t>
-            </a:r>
-            <a:endParaRPr lang="zh-TW" altLang="en-US" sz="2800" dirty="0"/>
+              <a:rPr lang="zh-CN" altLang="en-US" dirty="0"/>
+              <a:t>现实世界的问题都比较复杂</a:t>
+            </a:r>
+            <a:endParaRPr lang="en-US" altLang="zh-CN" dirty="0"/>
+          </a:p>
+          <a:p>
+            <a:pPr lvl="1"/>
+            <a:r>
+              <a:rPr lang="zh-CN" altLang="en-US" dirty="0"/>
+              <a:t>很难通过规则来手工实现</a:t>
+            </a:r>
+            <a:endParaRPr lang="en-US" altLang="zh-CN" dirty="0"/>
+          </a:p>
+          <a:p>
+            <a:pPr lvl="1"/>
+            <a:endParaRPr lang="en-US" altLang="zh-CN" dirty="0"/>
           </a:p>
         </p:txBody>
       </p:sp>
       <p:pic>
         <p:nvPicPr>
-          <p:cNvPr id="12" name="圖片 11"/>
+          <p:cNvPr id="3" name="图片 2" descr="屏幕剪辑"/>
           <p:cNvPicPr>
             <a:picLocks noChangeAspect="1"/>
           </p:cNvPicPr>
           <p:nvPr/>
         </p:nvPicPr>
         <p:blipFill>
-          <a:blip r:embed="rId9" cstate="print">
+          <a:blip r:embed="rId2">
             <a:extLst>
               <a:ext uri="{28A0092B-C50C-407E-A947-70E740481C1C}">
-                <a14:useLocalDpi xmlns:a14="http://schemas.microsoft.com/office/drawing/2010/main" val="0"/>
+                <a14:useLocalDpi xmlns:a14="http://schemas.microsoft.com/office/drawing/2010/main"/>
               </a:ext>
             </a:extLst>
           </a:blip>
@@ -13477,65 +17965,27 @@
         </p:blipFill>
         <p:spPr>
           <a:xfrm>
-            <a:off x="4047351" y="1766681"/>
-            <a:ext cx="2921108" cy="516844"/>
+            <a:off x="7290365" y="1538271"/>
+            <a:ext cx="4153009" cy="1534926"/>
           </a:xfrm>
           <a:prstGeom prst="rect">
             <a:avLst/>
           </a:prstGeom>
         </p:spPr>
       </p:pic>
-      <p:sp>
-        <p:nvSpPr>
-          <p:cNvPr id="15" name="矩形 14"/>
-          <p:cNvSpPr/>
-          <p:nvPr/>
-        </p:nvSpPr>
-        <p:spPr>
-          <a:xfrm>
-            <a:off x="3975141" y="5458130"/>
-            <a:ext cx="2659840" cy="523220"/>
-          </a:xfrm>
-          <a:prstGeom prst="rect">
-            <a:avLst/>
-          </a:prstGeom>
-        </p:spPr>
-        <p:txBody>
-          <a:bodyPr wrap="square">
-            <a:spAutoFit/>
-          </a:bodyPr>
-          <a:lstStyle/>
-          <a:p>
-            <a:pPr algn="ctr"/>
-            <a:r>
-              <a:rPr lang="en-US" altLang="zh-TW" sz="2800" dirty="0"/>
-              <a:t>“</a:t>
-            </a:r>
-            <a:r>
-              <a:rPr lang="zh-CN" altLang="en-US" sz="2800" dirty="0"/>
-              <a:t>你好</a:t>
-            </a:r>
-            <a:r>
-              <a:rPr lang="en-US" altLang="zh-TW" sz="2800" dirty="0"/>
-              <a:t>”</a:t>
-            </a:r>
-            <a:endParaRPr lang="zh-TW" altLang="en-US" sz="2800" dirty="0"/>
-          </a:p>
-        </p:txBody>
-      </p:sp>
       <p:pic>
         <p:nvPicPr>
-          <p:cNvPr id="84994" name="Picture 2" descr="http://y2.ifengimg.com/a/2016_11/2c7ef418c729099.jpg"/>
+          <p:cNvPr id="3074" name="Picture 2" descr="âPattern Recognition handwrite numberâçå¾çæç´¢ç»æ"/>
           <p:cNvPicPr>
             <a:picLocks noChangeAspect="1" noChangeArrowheads="1"/>
           </p:cNvPicPr>
           <p:nvPr/>
         </p:nvPicPr>
         <p:blipFill>
-          <a:blip r:embed="rId10" cstate="print">
+          <a:blip r:embed="rId3">
             <a:extLst>
               <a:ext uri="{28A0092B-C50C-407E-A947-70E740481C1C}">
-                <a14:useLocalDpi xmlns:a14="http://schemas.microsoft.com/office/drawing/2010/main" val="0"/>
+                <a14:useLocalDpi xmlns:a14="http://schemas.microsoft.com/office/drawing/2010/main"/>
               </a:ext>
             </a:extLst>
           </a:blip>
@@ -13546,8 +17996,8 @@
         </p:blipFill>
         <p:spPr bwMode="auto">
           <a:xfrm>
-            <a:off x="4832699" y="4094918"/>
-            <a:ext cx="1144109" cy="858082"/>
+            <a:off x="7772400" y="3581400"/>
+            <a:ext cx="3670974" cy="2164168"/>
           </a:xfrm>
           <a:prstGeom prst="rect">
             <a:avLst/>
@@ -13564,180 +18014,10 @@
           </a:extLst>
         </p:spPr>
       </p:pic>
-      <p:sp>
-        <p:nvSpPr>
-          <p:cNvPr id="16" name="文字方塊 15"/>
-          <p:cNvSpPr txBox="1"/>
-          <p:nvPr/>
-        </p:nvSpPr>
-        <p:spPr>
-          <a:xfrm>
-            <a:off x="3896949" y="5939136"/>
-            <a:ext cx="2773299" cy="461665"/>
-          </a:xfrm>
-          <a:prstGeom prst="rect">
-            <a:avLst/>
-          </a:prstGeom>
-          <a:noFill/>
-        </p:spPr>
-        <p:txBody>
-          <a:bodyPr wrap="square" rtlCol="0">
-            <a:spAutoFit/>
-          </a:bodyPr>
-          <a:lstStyle/>
-          <a:p>
-            <a:pPr algn="ctr"/>
-            <a:r>
-              <a:rPr lang="zh-CN" altLang="en-US" sz="2400" dirty="0">
-                <a:solidFill>
-                  <a:schemeClr val="accent2">
-                    <a:lumMod val="60000"/>
-                    <a:lumOff val="40000"/>
-                  </a:schemeClr>
-                </a:solidFill>
-              </a:rPr>
-              <a:t>用户输入</a:t>
-            </a:r>
-            <a:endParaRPr lang="zh-TW" altLang="en-US" sz="2400" dirty="0">
-              <a:solidFill>
-                <a:schemeClr val="accent2">
-                  <a:lumMod val="60000"/>
-                  <a:lumOff val="40000"/>
-                </a:schemeClr>
-              </a:solidFill>
-            </a:endParaRPr>
-          </a:p>
-        </p:txBody>
-      </p:sp>
-      <p:sp>
-        <p:nvSpPr>
-          <p:cNvPr id="19" name="文字方塊 18"/>
-          <p:cNvSpPr txBox="1"/>
-          <p:nvPr/>
-        </p:nvSpPr>
-        <p:spPr>
-          <a:xfrm>
-            <a:off x="6713175" y="5939135"/>
-            <a:ext cx="2773299" cy="461665"/>
-          </a:xfrm>
-          <a:prstGeom prst="rect">
-            <a:avLst/>
-          </a:prstGeom>
-          <a:noFill/>
-        </p:spPr>
-        <p:txBody>
-          <a:bodyPr wrap="square" rtlCol="0">
-            <a:spAutoFit/>
-          </a:bodyPr>
-          <a:lstStyle/>
-          <a:p>
-            <a:pPr algn="ctr"/>
-            <a:r>
-              <a:rPr lang="zh-CN" altLang="en-US" sz="2400" dirty="0">
-                <a:solidFill>
-                  <a:schemeClr val="accent2">
-                    <a:lumMod val="60000"/>
-                    <a:lumOff val="40000"/>
-                  </a:schemeClr>
-                </a:solidFill>
-              </a:rPr>
-              <a:t>机器</a:t>
-            </a:r>
-            <a:endParaRPr lang="zh-TW" altLang="en-US" sz="2400" dirty="0">
-              <a:solidFill>
-                <a:schemeClr val="accent2">
-                  <a:lumMod val="60000"/>
-                  <a:lumOff val="40000"/>
-                </a:schemeClr>
-              </a:solidFill>
-            </a:endParaRPr>
-          </a:p>
-        </p:txBody>
-      </p:sp>
-      <p:pic>
-        <p:nvPicPr>
-          <p:cNvPr id="20" name="Picture 12" descr="https://encrypted-tbn1.gstatic.com/images?q=tbn:ANd9GcRcwlRKAlSIaCI4W5PRYVbuBQQXifF-56bFqAjh9DMe-_3Lh8_YKw"/>
-          <p:cNvPicPr>
-            <a:picLocks noChangeAspect="1" noChangeArrowheads="1"/>
-          </p:cNvPicPr>
-          <p:nvPr/>
-        </p:nvPicPr>
-        <p:blipFill>
-          <a:blip r:embed="rId11">
-            <a:extLst>
-              <a:ext uri="{28A0092B-C50C-407E-A947-70E740481C1C}">
-                <a14:useLocalDpi xmlns:a14="http://schemas.microsoft.com/office/drawing/2010/main" val="0"/>
-              </a:ext>
-            </a:extLst>
-          </a:blip>
-          <a:srcRect/>
-          <a:stretch>
-            <a:fillRect/>
-          </a:stretch>
-        </p:blipFill>
-        <p:spPr bwMode="auto">
-          <a:xfrm>
-            <a:off x="4873643" y="3046564"/>
-            <a:ext cx="1106043" cy="839637"/>
-          </a:xfrm>
-          <a:prstGeom prst="rect">
-            <a:avLst/>
-          </a:prstGeom>
-          <a:noFill/>
-          <a:extLst>
-            <a:ext uri="{909E8E84-426E-40DD-AFC4-6F175D3DCCD1}">
-              <a14:hiddenFill xmlns:a14="http://schemas.microsoft.com/office/drawing/2010/main">
-                <a:solidFill>
-                  <a:srgbClr val="FFFFFF"/>
-                </a:solidFill>
-              </a14:hiddenFill>
-            </a:ext>
-          </a:extLst>
-        </p:spPr>
-      </p:pic>
-      <p:sp>
-        <p:nvSpPr>
-          <p:cNvPr id="18" name="文字方塊 17"/>
-          <p:cNvSpPr txBox="1"/>
-          <p:nvPr/>
-        </p:nvSpPr>
-        <p:spPr>
-          <a:xfrm>
-            <a:off x="8124848" y="4242543"/>
-            <a:ext cx="2543153" cy="461665"/>
-          </a:xfrm>
-          <a:prstGeom prst="rect">
-            <a:avLst/>
-          </a:prstGeom>
-          <a:noFill/>
-        </p:spPr>
-        <p:txBody>
-          <a:bodyPr wrap="square" rtlCol="0">
-            <a:spAutoFit/>
-          </a:bodyPr>
-          <a:lstStyle/>
-          <a:p>
-            <a:pPr algn="ctr"/>
-            <a:r>
-              <a:rPr lang="en-US" altLang="zh-TW" sz="2400" dirty="0"/>
-              <a:t>(</a:t>
-            </a:r>
-            <a:r>
-              <a:rPr lang="zh-CN" altLang="en-US" sz="2400" dirty="0"/>
-              <a:t>落子位置</a:t>
-            </a:r>
-            <a:r>
-              <a:rPr lang="en-US" altLang="zh-TW" sz="2400" dirty="0"/>
-              <a:t>)</a:t>
-            </a:r>
-            <a:endParaRPr lang="zh-TW" altLang="en-US" sz="2400" dirty="0"/>
-          </a:p>
-        </p:txBody>
-      </p:sp>
     </p:spTree>
     <p:extLst>
       <p:ext uri="{BB962C8B-B14F-4D97-AF65-F5344CB8AC3E}">
-        <p14:creationId xmlns:p14="http://schemas.microsoft.com/office/powerpoint/2010/main" val="1999908609"/>
+        <p14:creationId xmlns:p14="http://schemas.microsoft.com/office/powerpoint/2010/main" val="4186337664"/>
       </p:ext>
     </p:extLst>
   </p:cSld>
@@ -13747,7 +18027,659 @@
 </p:sld>
 </file>
 
-<file path=ppt/slides/slide30.xml><?xml version="1.0" encoding="utf-8"?>
+<file path=ppt/slides/slide40.xml><?xml version="1.0" encoding="utf-8"?>
+<p:sld xmlns:a="http://schemas.openxmlformats.org/drawingml/2006/main" xmlns:r="http://schemas.openxmlformats.org/officeDocument/2006/relationships" xmlns:p="http://schemas.openxmlformats.org/presentationml/2006/main">
+  <p:cSld>
+    <p:spTree>
+      <p:nvGrpSpPr>
+        <p:cNvPr id="1" name=""/>
+        <p:cNvGrpSpPr/>
+        <p:nvPr/>
+      </p:nvGrpSpPr>
+      <p:grpSpPr>
+        <a:xfrm>
+          <a:off x="0" y="0"/>
+          <a:ext cx="0" cy="0"/>
+          <a:chOff x="0" y="0"/>
+          <a:chExt cx="0" cy="0"/>
+        </a:xfrm>
+      </p:grpSpPr>
+      <p:sp>
+        <p:nvSpPr>
+          <p:cNvPr id="2" name="标题 1">
+            <a:extLst>
+              <a:ext uri="{FF2B5EF4-FFF2-40B4-BE49-F238E27FC236}">
+                <a16:creationId xmlns:a16="http://schemas.microsoft.com/office/drawing/2014/main" id="{B6A4AA8F-30EA-4324-87BE-7BFC41F8D63D}"/>
+              </a:ext>
+            </a:extLst>
+          </p:cNvPr>
+          <p:cNvSpPr>
+            <a:spLocks noGrp="1"/>
+          </p:cNvSpPr>
+          <p:nvPr>
+            <p:ph type="title"/>
+          </p:nvPr>
+        </p:nvSpPr>
+        <p:spPr/>
+        <p:txBody>
+          <a:bodyPr/>
+          <a:lstStyle/>
+          <a:p>
+            <a:r>
+              <a:rPr lang="zh-CN" altLang="en-US" dirty="0"/>
+              <a:t>最大后验估计</a:t>
+            </a:r>
+          </a:p>
+        </p:txBody>
+      </p:sp>
+      <p:sp>
+        <p:nvSpPr>
+          <p:cNvPr id="9" name="矩形 8">
+            <a:extLst>
+              <a:ext uri="{FF2B5EF4-FFF2-40B4-BE49-F238E27FC236}">
+                <a16:creationId xmlns:a16="http://schemas.microsoft.com/office/drawing/2014/main" id="{25EEB446-E898-4477-BDF9-C13FE80993DF}"/>
+              </a:ext>
+            </a:extLst>
+          </p:cNvPr>
+          <p:cNvSpPr/>
+          <p:nvPr/>
+        </p:nvSpPr>
+        <p:spPr>
+          <a:xfrm>
+            <a:off x="5522766" y="2918587"/>
+            <a:ext cx="1146468" cy="646331"/>
+          </a:xfrm>
+          <a:prstGeom prst="rect">
+            <a:avLst/>
+          </a:prstGeom>
+        </p:spPr>
+        <p:txBody>
+          <a:bodyPr wrap="none">
+            <a:spAutoFit/>
+          </a:bodyPr>
+          <a:lstStyle/>
+          <a:p>
+            <a:pPr algn="ctr"/>
+            <a:r>
+              <a:rPr lang="zh-CN" altLang="en-US" dirty="0">
+                <a:solidFill>
+                  <a:srgbClr val="FF0000"/>
+                </a:solidFill>
+                <a:sym typeface="Symbol" panose="05050102010706020507" pitchFamily="18" charset="2"/>
+              </a:rPr>
+              <a:t>似然</a:t>
+            </a:r>
+            <a:endParaRPr lang="en-GB" altLang="zh-CN" dirty="0">
+              <a:solidFill>
+                <a:srgbClr val="FF0000"/>
+              </a:solidFill>
+              <a:sym typeface="Symbol" panose="05050102010706020507" pitchFamily="18" charset="2"/>
+            </a:endParaRPr>
+          </a:p>
+          <a:p>
+            <a:pPr algn="ctr"/>
+            <a:r>
+              <a:rPr lang="en-GB" altLang="zh-CN" dirty="0">
+                <a:solidFill>
+                  <a:srgbClr val="FF0000"/>
+                </a:solidFill>
+                <a:sym typeface="Symbol" panose="05050102010706020507" pitchFamily="18" charset="2"/>
+              </a:rPr>
+              <a:t>likelihood</a:t>
+            </a:r>
+            <a:endParaRPr lang="zh-CN" altLang="en-US" dirty="0">
+              <a:solidFill>
+                <a:srgbClr val="FF0000"/>
+              </a:solidFill>
+            </a:endParaRPr>
+          </a:p>
+        </p:txBody>
+      </p:sp>
+      <p:sp>
+        <p:nvSpPr>
+          <p:cNvPr id="10" name="矩形 9">
+            <a:extLst>
+              <a:ext uri="{FF2B5EF4-FFF2-40B4-BE49-F238E27FC236}">
+                <a16:creationId xmlns:a16="http://schemas.microsoft.com/office/drawing/2014/main" id="{11BB01A8-3D66-42A5-9AE1-091E529C088C}"/>
+              </a:ext>
+            </a:extLst>
+          </p:cNvPr>
+          <p:cNvSpPr/>
+          <p:nvPr/>
+        </p:nvSpPr>
+        <p:spPr>
+          <a:xfrm>
+            <a:off x="7172185" y="2895600"/>
+            <a:ext cx="646331" cy="646331"/>
+          </a:xfrm>
+          <a:prstGeom prst="rect">
+            <a:avLst/>
+          </a:prstGeom>
+        </p:spPr>
+        <p:txBody>
+          <a:bodyPr wrap="none">
+            <a:spAutoFit/>
+          </a:bodyPr>
+          <a:lstStyle/>
+          <a:p>
+            <a:pPr algn="ctr"/>
+            <a:r>
+              <a:rPr lang="zh-CN" altLang="en-US" dirty="0">
+                <a:sym typeface="Symbol" panose="05050102010706020507" pitchFamily="18" charset="2"/>
+              </a:rPr>
+              <a:t>先验</a:t>
+            </a:r>
+            <a:endParaRPr lang="en-GB" altLang="zh-CN" dirty="0">
+              <a:sym typeface="Symbol" panose="05050102010706020507" pitchFamily="18" charset="2"/>
+            </a:endParaRPr>
+          </a:p>
+          <a:p>
+            <a:pPr algn="ctr"/>
+            <a:r>
+              <a:rPr lang="en-GB" altLang="zh-CN" dirty="0">
+                <a:sym typeface="Symbol" panose="05050102010706020507" pitchFamily="18" charset="2"/>
+              </a:rPr>
+              <a:t>prior</a:t>
+            </a:r>
+            <a:endParaRPr lang="zh-CN" altLang="en-US" dirty="0"/>
+          </a:p>
+        </p:txBody>
+      </p:sp>
+      <p:sp>
+        <p:nvSpPr>
+          <p:cNvPr id="11" name="矩形 10">
+            <a:extLst>
+              <a:ext uri="{FF2B5EF4-FFF2-40B4-BE49-F238E27FC236}">
+                <a16:creationId xmlns:a16="http://schemas.microsoft.com/office/drawing/2014/main" id="{42EF5C98-7868-4C20-8C6B-7E34B13CACB6}"/>
+              </a:ext>
+            </a:extLst>
+          </p:cNvPr>
+          <p:cNvSpPr/>
+          <p:nvPr/>
+        </p:nvSpPr>
+        <p:spPr>
+          <a:xfrm>
+            <a:off x="3505200" y="2878183"/>
+            <a:ext cx="1082348" cy="646331"/>
+          </a:xfrm>
+          <a:prstGeom prst="rect">
+            <a:avLst/>
+          </a:prstGeom>
+        </p:spPr>
+        <p:txBody>
+          <a:bodyPr wrap="none">
+            <a:spAutoFit/>
+          </a:bodyPr>
+          <a:lstStyle/>
+          <a:p>
+            <a:pPr algn="ctr"/>
+            <a:r>
+              <a:rPr lang="zh-CN" altLang="en-US" dirty="0"/>
+              <a:t>后验</a:t>
+            </a:r>
+            <a:endParaRPr lang="en-GB" altLang="zh-CN" dirty="0"/>
+          </a:p>
+          <a:p>
+            <a:pPr algn="ctr"/>
+            <a:r>
+              <a:rPr lang="en-GB" altLang="zh-CN" dirty="0"/>
+              <a:t>posterior</a:t>
+            </a:r>
+            <a:endParaRPr lang="zh-CN" altLang="en-US" dirty="0"/>
+          </a:p>
+        </p:txBody>
+      </p:sp>
+      <p:pic>
+        <p:nvPicPr>
+          <p:cNvPr id="13" name="图片 12">
+            <a:extLst>
+              <a:ext uri="{FF2B5EF4-FFF2-40B4-BE49-F238E27FC236}">
+                <a16:creationId xmlns:a16="http://schemas.microsoft.com/office/drawing/2014/main" id="{948ABDA2-1A63-48D2-8E68-9AABEFD9D7A2}"/>
+              </a:ext>
+            </a:extLst>
+          </p:cNvPr>
+          <p:cNvPicPr>
+            <a:picLocks noChangeAspect="1"/>
+          </p:cNvPicPr>
+          <p:nvPr/>
+        </p:nvPicPr>
+        <p:blipFill>
+          <a:blip r:embed="rId2">
+            <a:extLst>
+              <a:ext uri="{28A0092B-C50C-407E-A947-70E740481C1C}">
+                <a14:useLocalDpi xmlns:a14="http://schemas.microsoft.com/office/drawing/2010/main" val="0"/>
+              </a:ext>
+            </a:extLst>
+          </a:blip>
+          <a:stretch>
+            <a:fillRect/>
+          </a:stretch>
+        </p:blipFill>
+        <p:spPr>
+          <a:xfrm>
+            <a:off x="8914237" y="2135887"/>
+            <a:ext cx="2770487" cy="636831"/>
+          </a:xfrm>
+          <a:prstGeom prst="rect">
+            <a:avLst/>
+          </a:prstGeom>
+        </p:spPr>
+      </p:pic>
+      <p:pic>
+        <p:nvPicPr>
+          <p:cNvPr id="15" name="图片 14">
+            <a:extLst>
+              <a:ext uri="{FF2B5EF4-FFF2-40B4-BE49-F238E27FC236}">
+                <a16:creationId xmlns:a16="http://schemas.microsoft.com/office/drawing/2014/main" id="{3D3FE27A-3F81-4E6D-A9CE-FB31F4BE262F}"/>
+              </a:ext>
+            </a:extLst>
+          </p:cNvPr>
+          <p:cNvPicPr>
+            <a:picLocks noChangeAspect="1"/>
+          </p:cNvPicPr>
+          <p:nvPr/>
+        </p:nvPicPr>
+        <p:blipFill>
+          <a:blip r:embed="rId3">
+            <a:extLst>
+              <a:ext uri="{28A0092B-C50C-407E-A947-70E740481C1C}">
+                <a14:useLocalDpi xmlns:a14="http://schemas.microsoft.com/office/drawing/2010/main" val="0"/>
+              </a:ext>
+            </a:extLst>
+          </a:blip>
+          <a:stretch>
+            <a:fillRect/>
+          </a:stretch>
+        </p:blipFill>
+        <p:spPr>
+          <a:xfrm>
+            <a:off x="3276600" y="1379310"/>
+            <a:ext cx="5225280" cy="1393408"/>
+          </a:xfrm>
+          <a:prstGeom prst="rect">
+            <a:avLst/>
+          </a:prstGeom>
+        </p:spPr>
+      </p:pic>
+    </p:spTree>
+    <p:extLst>
+      <p:ext uri="{BB962C8B-B14F-4D97-AF65-F5344CB8AC3E}">
+        <p14:creationId xmlns:p14="http://schemas.microsoft.com/office/powerpoint/2010/main" val="3032848098"/>
+      </p:ext>
+    </p:extLst>
+  </p:cSld>
+  <p:clrMapOvr>
+    <a:masterClrMapping/>
+  </p:clrMapOvr>
+</p:sld>
+</file>
+
+<file path=ppt/slides/slide41.xml><?xml version="1.0" encoding="utf-8"?>
+<p:sld xmlns:a="http://schemas.openxmlformats.org/drawingml/2006/main" xmlns:r="http://schemas.openxmlformats.org/officeDocument/2006/relationships" xmlns:p="http://schemas.openxmlformats.org/presentationml/2006/main">
+  <p:cSld>
+    <p:spTree>
+      <p:nvGrpSpPr>
+        <p:cNvPr id="1" name=""/>
+        <p:cNvGrpSpPr/>
+        <p:nvPr/>
+      </p:nvGrpSpPr>
+      <p:grpSpPr>
+        <a:xfrm>
+          <a:off x="0" y="0"/>
+          <a:ext cx="0" cy="0"/>
+          <a:chOff x="0" y="0"/>
+          <a:chExt cx="0" cy="0"/>
+        </a:xfrm>
+      </p:grpSpPr>
+      <p:sp>
+        <p:nvSpPr>
+          <p:cNvPr id="2" name="标题 1">
+            <a:extLst>
+              <a:ext uri="{FF2B5EF4-FFF2-40B4-BE49-F238E27FC236}">
+                <a16:creationId xmlns:a16="http://schemas.microsoft.com/office/drawing/2014/main" id="{043A8985-E8AB-4BCB-BD97-08298E7DED9A}"/>
+              </a:ext>
+            </a:extLst>
+          </p:cNvPr>
+          <p:cNvSpPr>
+            <a:spLocks noGrp="1"/>
+          </p:cNvSpPr>
+          <p:nvPr>
+            <p:ph type="title"/>
+          </p:nvPr>
+        </p:nvSpPr>
+        <p:spPr/>
+        <p:txBody>
+          <a:bodyPr/>
+          <a:lstStyle/>
+          <a:p>
+            <a:r>
+              <a:rPr lang="zh-CN" altLang="en-US" dirty="0"/>
+              <a:t>总结</a:t>
+            </a:r>
+          </a:p>
+        </p:txBody>
+      </p:sp>
+      <p:graphicFrame>
+        <p:nvGraphicFramePr>
+          <p:cNvPr id="3" name="表格 2">
+            <a:extLst>
+              <a:ext uri="{FF2B5EF4-FFF2-40B4-BE49-F238E27FC236}">
+                <a16:creationId xmlns:a16="http://schemas.microsoft.com/office/drawing/2014/main" id="{5E7D4335-D978-4CDF-A666-F6CFC565B302}"/>
+              </a:ext>
+            </a:extLst>
+          </p:cNvPr>
+          <p:cNvGraphicFramePr>
+            <a:graphicFrameLocks noGrp="1"/>
+          </p:cNvGraphicFramePr>
+          <p:nvPr>
+            <p:extLst>
+              <p:ext uri="{D42A27DB-BD31-4B8C-83A1-F6EECF244321}">
+                <p14:modId xmlns:p14="http://schemas.microsoft.com/office/powerpoint/2010/main" val="3791314197"/>
+              </p:ext>
+            </p:extLst>
+          </p:nvPr>
+        </p:nvGraphicFramePr>
+        <p:xfrm>
+          <a:off x="1524000" y="2316480"/>
+          <a:ext cx="8127999" cy="2225040"/>
+        </p:xfrm>
+        <a:graphic>
+          <a:graphicData uri="http://schemas.openxmlformats.org/drawingml/2006/table">
+            <a:tbl>
+              <a:tblPr firstRow="1" bandRow="1">
+                <a:tableStyleId>{5C22544A-7EE6-4342-B048-85BDC9FD1C3A}</a:tableStyleId>
+              </a:tblPr>
+              <a:tblGrid>
+                <a:gridCol w="2709333">
+                  <a:extLst>
+                    <a:ext uri="{9D8B030D-6E8A-4147-A177-3AD203B41FA5}">
+                      <a16:colId xmlns:a16="http://schemas.microsoft.com/office/drawing/2014/main" val="4005463710"/>
+                    </a:ext>
+                  </a:extLst>
+                </a:gridCol>
+                <a:gridCol w="2709333">
+                  <a:extLst>
+                    <a:ext uri="{9D8B030D-6E8A-4147-A177-3AD203B41FA5}">
+                      <a16:colId xmlns:a16="http://schemas.microsoft.com/office/drawing/2014/main" val="111326869"/>
+                    </a:ext>
+                  </a:extLst>
+                </a:gridCol>
+                <a:gridCol w="2709333">
+                  <a:extLst>
+                    <a:ext uri="{9D8B030D-6E8A-4147-A177-3AD203B41FA5}">
+                      <a16:colId xmlns:a16="http://schemas.microsoft.com/office/drawing/2014/main" val="3585889453"/>
+                    </a:ext>
+                  </a:extLst>
+                </a:gridCol>
+              </a:tblGrid>
+              <a:tr h="370840">
+                <a:tc>
+                  <a:txBody>
+                    <a:bodyPr/>
+                    <a:lstStyle/>
+                    <a:p>
+                      <a:pPr algn="ctr"/>
+                      <a:endParaRPr lang="zh-CN" altLang="en-US" sz="3200" dirty="0"/>
+                    </a:p>
+                  </a:txBody>
+                  <a:tcPr/>
+                </a:tc>
+                <a:tc>
+                  <a:txBody>
+                    <a:bodyPr/>
+                    <a:lstStyle/>
+                    <a:p>
+                      <a:pPr algn="ctr"/>
+                      <a:r>
+                        <a:rPr lang="zh-CN" altLang="en-US" sz="3200" dirty="0"/>
+                        <a:t>无先验</a:t>
+                      </a:r>
+                    </a:p>
+                  </a:txBody>
+                  <a:tcPr/>
+                </a:tc>
+                <a:tc>
+                  <a:txBody>
+                    <a:bodyPr/>
+                    <a:lstStyle/>
+                    <a:p>
+                      <a:pPr algn="ctr"/>
+                      <a:r>
+                        <a:rPr lang="zh-CN" altLang="en-US" sz="3200" dirty="0"/>
+                        <a:t>引入先验</a:t>
+                      </a:r>
+                    </a:p>
+                  </a:txBody>
+                  <a:tcPr/>
+                </a:tc>
+                <a:extLst>
+                  <a:ext uri="{0D108BD9-81ED-4DB2-BD59-A6C34878D82A}">
+                    <a16:rowId xmlns:a16="http://schemas.microsoft.com/office/drawing/2014/main" val="4258838540"/>
+                  </a:ext>
+                </a:extLst>
+              </a:tr>
+              <a:tr h="370840">
+                <a:tc>
+                  <a:txBody>
+                    <a:bodyPr/>
+                    <a:lstStyle/>
+                    <a:p>
+                      <a:pPr algn="ctr"/>
+                      <a:r>
+                        <a:rPr lang="zh-CN" altLang="en-US" sz="3200" dirty="0"/>
+                        <a:t>平方误差</a:t>
+                      </a:r>
+                    </a:p>
+                  </a:txBody>
+                  <a:tcPr/>
+                </a:tc>
+                <a:tc>
+                  <a:txBody>
+                    <a:bodyPr/>
+                    <a:lstStyle/>
+                    <a:p>
+                      <a:pPr algn="ctr"/>
+                      <a:r>
+                        <a:rPr lang="zh-CN" altLang="en-US" sz="3200" dirty="0"/>
+                        <a:t>经验风险</a:t>
+                      </a:r>
+                      <a:endParaRPr lang="en-US" altLang="zh-CN" sz="3200" dirty="0"/>
+                    </a:p>
+                    <a:p>
+                      <a:pPr algn="ctr"/>
+                      <a:r>
+                        <a:rPr lang="zh-CN" altLang="en-US" sz="3200" dirty="0"/>
+                        <a:t>最小化</a:t>
+                      </a:r>
+                    </a:p>
+                  </a:txBody>
+                  <a:tcPr/>
+                </a:tc>
+                <a:tc>
+                  <a:txBody>
+                    <a:bodyPr/>
+                    <a:lstStyle/>
+                    <a:p>
+                      <a:pPr marL="0" marR="0" lvl="0" indent="0" algn="ctr" defTabSz="914400" rtl="0" eaLnBrk="1" fontAlgn="auto" latinLnBrk="0" hangingPunct="1">
+                        <a:lnSpc>
+                          <a:spcPct val="100000"/>
+                        </a:lnSpc>
+                        <a:spcBef>
+                          <a:spcPts val="0"/>
+                        </a:spcBef>
+                        <a:spcAft>
+                          <a:spcPts val="0"/>
+                        </a:spcAft>
+                        <a:buClrTx/>
+                        <a:buSzTx/>
+                        <a:buFontTx/>
+                        <a:buNone/>
+                        <a:tabLst/>
+                        <a:defRPr/>
+                      </a:pPr>
+                      <a:r>
+                        <a:rPr lang="zh-CN" altLang="en-US" sz="3200" dirty="0"/>
+                        <a:t>结构风险</a:t>
+                      </a:r>
+                      <a:endParaRPr lang="en-US" altLang="zh-CN" sz="3200" dirty="0"/>
+                    </a:p>
+                    <a:p>
+                      <a:pPr marL="0" marR="0" lvl="0" indent="0" algn="ctr" defTabSz="914400" rtl="0" eaLnBrk="1" fontAlgn="auto" latinLnBrk="0" hangingPunct="1">
+                        <a:lnSpc>
+                          <a:spcPct val="100000"/>
+                        </a:lnSpc>
+                        <a:spcBef>
+                          <a:spcPts val="0"/>
+                        </a:spcBef>
+                        <a:spcAft>
+                          <a:spcPts val="0"/>
+                        </a:spcAft>
+                        <a:buClrTx/>
+                        <a:buSzTx/>
+                        <a:buFontTx/>
+                        <a:buNone/>
+                        <a:tabLst/>
+                        <a:defRPr/>
+                      </a:pPr>
+                      <a:r>
+                        <a:rPr lang="zh-CN" altLang="en-US" sz="3200" dirty="0"/>
+                        <a:t>最小化</a:t>
+                      </a:r>
+                    </a:p>
+                  </a:txBody>
+                  <a:tcPr/>
+                </a:tc>
+                <a:extLst>
+                  <a:ext uri="{0D108BD9-81ED-4DB2-BD59-A6C34878D82A}">
+                    <a16:rowId xmlns:a16="http://schemas.microsoft.com/office/drawing/2014/main" val="2423741835"/>
+                  </a:ext>
+                </a:extLst>
+              </a:tr>
+              <a:tr h="370840">
+                <a:tc>
+                  <a:txBody>
+                    <a:bodyPr/>
+                    <a:lstStyle/>
+                    <a:p>
+                      <a:pPr algn="ctr"/>
+                      <a:r>
+                        <a:rPr lang="zh-CN" altLang="en-US" sz="3200" dirty="0"/>
+                        <a:t>概率</a:t>
+                      </a:r>
+                    </a:p>
+                  </a:txBody>
+                  <a:tcPr/>
+                </a:tc>
+                <a:tc>
+                  <a:txBody>
+                    <a:bodyPr/>
+                    <a:lstStyle/>
+                    <a:p>
+                      <a:pPr algn="ctr"/>
+                      <a:r>
+                        <a:rPr lang="zh-CN" altLang="en-US" sz="3200" dirty="0"/>
+                        <a:t>最大似然估计</a:t>
+                      </a:r>
+                    </a:p>
+                  </a:txBody>
+                  <a:tcPr/>
+                </a:tc>
+                <a:tc>
+                  <a:txBody>
+                    <a:bodyPr/>
+                    <a:lstStyle/>
+                    <a:p>
+                      <a:pPr algn="ctr"/>
+                      <a:r>
+                        <a:rPr lang="zh-CN" altLang="en-US" sz="3200" dirty="0"/>
+                        <a:t>最大后验估计</a:t>
+                      </a:r>
+                    </a:p>
+                  </a:txBody>
+                  <a:tcPr/>
+                </a:tc>
+                <a:extLst>
+                  <a:ext uri="{0D108BD9-81ED-4DB2-BD59-A6C34878D82A}">
+                    <a16:rowId xmlns:a16="http://schemas.microsoft.com/office/drawing/2014/main" val="2655689301"/>
+                  </a:ext>
+                </a:extLst>
+              </a:tr>
+            </a:tbl>
+          </a:graphicData>
+        </a:graphic>
+      </p:graphicFrame>
+    </p:spTree>
+    <p:extLst>
+      <p:ext uri="{BB962C8B-B14F-4D97-AF65-F5344CB8AC3E}">
+        <p14:creationId xmlns:p14="http://schemas.microsoft.com/office/powerpoint/2010/main" val="3549857237"/>
+      </p:ext>
+    </p:extLst>
+  </p:cSld>
+  <p:clrMapOvr>
+    <a:masterClrMapping/>
+  </p:clrMapOvr>
+</p:sld>
+</file>
+
+<file path=ppt/slides/slide42.xml><?xml version="1.0" encoding="utf-8"?>
+<p:sld xmlns:a="http://schemas.openxmlformats.org/drawingml/2006/main" xmlns:r="http://schemas.openxmlformats.org/officeDocument/2006/relationships" xmlns:p="http://schemas.openxmlformats.org/presentationml/2006/main">
+  <p:cSld>
+    <p:spTree>
+      <p:nvGrpSpPr>
+        <p:cNvPr id="1" name=""/>
+        <p:cNvGrpSpPr/>
+        <p:nvPr/>
+      </p:nvGrpSpPr>
+      <p:grpSpPr>
+        <a:xfrm>
+          <a:off x="0" y="0"/>
+          <a:ext cx="0" cy="0"/>
+          <a:chOff x="0" y="0"/>
+          <a:chExt cx="0" cy="0"/>
+        </a:xfrm>
+      </p:grpSpPr>
+      <p:sp>
+        <p:nvSpPr>
+          <p:cNvPr id="2" name="标题 1">
+            <a:extLst>
+              <a:ext uri="{FF2B5EF4-FFF2-40B4-BE49-F238E27FC236}">
+                <a16:creationId xmlns:a16="http://schemas.microsoft.com/office/drawing/2014/main" id="{201AE674-BF5F-479C-AFD9-05D79F14A3F1}"/>
+              </a:ext>
+            </a:extLst>
+          </p:cNvPr>
+          <p:cNvSpPr>
+            <a:spLocks noGrp="1"/>
+          </p:cNvSpPr>
+          <p:nvPr>
+            <p:ph type="ctrTitle"/>
+          </p:nvPr>
+        </p:nvSpPr>
+        <p:spPr/>
+        <p:txBody>
+          <a:bodyPr/>
+          <a:lstStyle/>
+          <a:p>
+            <a:r>
+              <a:rPr lang="zh-CN" altLang="en-US" dirty="0"/>
+              <a:t>多项式回归</a:t>
+            </a:r>
+          </a:p>
+        </p:txBody>
+      </p:sp>
+    </p:spTree>
+    <p:extLst>
+      <p:ext uri="{BB962C8B-B14F-4D97-AF65-F5344CB8AC3E}">
+        <p14:creationId xmlns:p14="http://schemas.microsoft.com/office/powerpoint/2010/main" val="2550698001"/>
+      </p:ext>
+    </p:extLst>
+  </p:cSld>
+  <p:clrMapOvr>
+    <a:masterClrMapping/>
+  </p:clrMapOvr>
+</p:sld>
+</file>
+
+<file path=ppt/slides/slide43.xml><?xml version="1.0" encoding="utf-8"?>
 <p:sld xmlns:a="http://schemas.openxmlformats.org/drawingml/2006/main" xmlns:r="http://schemas.openxmlformats.org/officeDocument/2006/relationships" xmlns:p="http://schemas.openxmlformats.org/presentationml/2006/main">
   <p:cSld>
     <p:spTree>
@@ -14032,7 +18964,7 @@
 </p:sld>
 </file>
 
-<file path=ppt/slides/slide31.xml><?xml version="1.0" encoding="utf-8"?>
+<file path=ppt/slides/slide44.xml><?xml version="1.0" encoding="utf-8"?>
 <p:sld xmlns:a="http://schemas.openxmlformats.org/drawingml/2006/main" xmlns:r="http://schemas.openxmlformats.org/officeDocument/2006/relationships" xmlns:p="http://schemas.openxmlformats.org/presentationml/2006/main">
   <p:cSld>
     <p:spTree>
@@ -14301,7 +19233,7 @@
 </p:sld>
 </file>
 
-<file path=ppt/slides/slide32.xml><?xml version="1.0" encoding="utf-8"?>
+<file path=ppt/slides/slide45.xml><?xml version="1.0" encoding="utf-8"?>
 <p:sld xmlns:a="http://schemas.openxmlformats.org/drawingml/2006/main" xmlns:r="http://schemas.openxmlformats.org/officeDocument/2006/relationships" xmlns:p="http://schemas.openxmlformats.org/presentationml/2006/main">
   <p:cSld>
     <p:spTree>
@@ -14362,7 +19294,7 @@
           <p:nvPr/>
         </p:nvPicPr>
         <p:blipFill>
-          <a:blip r:embed="rId2">
+          <a:blip r:embed="rId3">
             <a:extLst>
               <a:ext uri="{28A0092B-C50C-407E-A947-70E740481C1C}">
                 <a14:useLocalDpi xmlns:a14="http://schemas.microsoft.com/office/drawing/2010/main" val="0"/>
@@ -14460,7 +19392,7 @@
           <p:nvPr/>
         </p:nvPicPr>
         <p:blipFill>
-          <a:blip r:embed="rId3" cstate="print">
+          <a:blip r:embed="rId4" cstate="print">
             <a:extLst>
               <a:ext uri="{28A0092B-C50C-407E-A947-70E740481C1C}">
                 <a14:useLocalDpi xmlns:a14="http://schemas.microsoft.com/office/drawing/2010/main" val="0"/>
@@ -14521,6 +19453,9 @@
         </p:txBody>
       </p:sp>
     </p:spTree>
+    <p:custDataLst>
+      <p:tags r:id="rId1"/>
+    </p:custDataLst>
     <p:extLst>
       <p:ext uri="{BB962C8B-B14F-4D97-AF65-F5344CB8AC3E}">
         <p14:creationId xmlns:p14="http://schemas.microsoft.com/office/powerpoint/2010/main" val="3253750970"/>
@@ -14654,7 +19589,7 @@
 </p:sld>
 </file>
 
-<file path=ppt/slides/slide33.xml><?xml version="1.0" encoding="utf-8"?>
+<file path=ppt/slides/slide46.xml><?xml version="1.0" encoding="utf-8"?>
 <p:sld xmlns:a="http://schemas.openxmlformats.org/drawingml/2006/main" xmlns:r="http://schemas.openxmlformats.org/officeDocument/2006/relationships" xmlns:p="http://schemas.openxmlformats.org/presentationml/2006/main">
   <p:cSld>
     <p:spTree>
@@ -14821,7 +19756,7 @@
 </p:sld>
 </file>
 
-<file path=ppt/slides/slide34.xml><?xml version="1.0" encoding="utf-8"?>
+<file path=ppt/slides/slide47.xml><?xml version="1.0" encoding="utf-8"?>
 <p:sld xmlns:a="http://schemas.openxmlformats.org/drawingml/2006/main" xmlns:r="http://schemas.openxmlformats.org/officeDocument/2006/relationships" xmlns:p="http://schemas.openxmlformats.org/presentationml/2006/main">
   <p:cSld>
     <p:spTree>
@@ -14920,7 +19855,7 @@
 </p:sld>
 </file>
 
-<file path=ppt/slides/slide35.xml><?xml version="1.0" encoding="utf-8"?>
+<file path=ppt/slides/slide48.xml><?xml version="1.0" encoding="utf-8"?>
 <p:sld xmlns:a="http://schemas.openxmlformats.org/drawingml/2006/main" xmlns:r="http://schemas.openxmlformats.org/officeDocument/2006/relationships" xmlns:p="http://schemas.openxmlformats.org/presentationml/2006/main">
   <p:cSld>
     <p:spTree>
@@ -14972,7 +19907,7 @@
 </p:sld>
 </file>
 
-<file path=ppt/slides/slide36.xml><?xml version="1.0" encoding="utf-8"?>
+<file path=ppt/slides/slide49.xml><?xml version="1.0" encoding="utf-8"?>
 <p:sld xmlns:a="http://schemas.openxmlformats.org/drawingml/2006/main" xmlns:r="http://schemas.openxmlformats.org/officeDocument/2006/relationships" xmlns:p="http://schemas.openxmlformats.org/presentationml/2006/main">
   <p:cSld>
     <p:spTree>
@@ -15054,7 +19989,198 @@
 </p:sld>
 </file>
 
-<file path=ppt/slides/slide37.xml><?xml version="1.0" encoding="utf-8"?>
+<file path=ppt/slides/slide5.xml><?xml version="1.0" encoding="utf-8"?>
+<p:sld xmlns:a="http://schemas.openxmlformats.org/drawingml/2006/main" xmlns:r="http://schemas.openxmlformats.org/officeDocument/2006/relationships" xmlns:p="http://schemas.openxmlformats.org/presentationml/2006/main">
+  <p:cSld>
+    <p:spTree>
+      <p:nvGrpSpPr>
+        <p:cNvPr id="1" name=""/>
+        <p:cNvGrpSpPr/>
+        <p:nvPr/>
+      </p:nvGrpSpPr>
+      <p:grpSpPr>
+        <a:xfrm>
+          <a:off x="0" y="0"/>
+          <a:ext cx="0" cy="0"/>
+          <a:chOff x="0" y="0"/>
+          <a:chExt cx="0" cy="0"/>
+        </a:xfrm>
+      </p:grpSpPr>
+      <p:sp>
+        <p:nvSpPr>
+          <p:cNvPr id="2" name="标题 1"/>
+          <p:cNvSpPr>
+            <a:spLocks noGrp="1"/>
+          </p:cNvSpPr>
+          <p:nvPr>
+            <p:ph type="title"/>
+          </p:nvPr>
+        </p:nvSpPr>
+        <p:spPr/>
+        <p:txBody>
+          <a:bodyPr/>
+          <a:lstStyle/>
+          <a:p>
+            <a:r>
+              <a:rPr lang="zh-CN" altLang="en-US"/>
+              <a:t>什么是机器学习？</a:t>
+            </a:r>
+            <a:endParaRPr lang="zh-CN" altLang="en-US" dirty="0"/>
+          </a:p>
+        </p:txBody>
+      </p:sp>
+      <p:sp>
+        <p:nvSpPr>
+          <p:cNvPr id="5" name="内容占位符 4">
+            <a:extLst>
+              <a:ext uri="{FF2B5EF4-FFF2-40B4-BE49-F238E27FC236}">
+                <a16:creationId xmlns:a16="http://schemas.microsoft.com/office/drawing/2014/main" id="{97D2FDD4-4272-44F1-BA13-96DF721AA0A5}"/>
+              </a:ext>
+            </a:extLst>
+          </p:cNvPr>
+          <p:cNvSpPr>
+            <a:spLocks noGrp="1"/>
+          </p:cNvSpPr>
+          <p:nvPr>
+            <p:ph sz="quarter" idx="1"/>
+          </p:nvPr>
+        </p:nvSpPr>
+        <p:spPr/>
+        <p:txBody>
+          <a:bodyPr/>
+          <a:lstStyle/>
+          <a:p>
+            <a:r>
+              <a:rPr lang="zh-CN" altLang="en-US" dirty="0"/>
+              <a:t>机器学习：通过算法使得机器能从大量数据中学习规律从而对新的样本做决策。</a:t>
+            </a:r>
+            <a:endParaRPr lang="en-US" altLang="zh-CN" dirty="0"/>
+          </a:p>
+          <a:p>
+            <a:pPr lvl="1"/>
+            <a:r>
+              <a:rPr lang="zh-CN" altLang="en-US" dirty="0"/>
+              <a:t>规律：决策（预测）函数</a:t>
+            </a:r>
+            <a:endParaRPr lang="en-US" altLang="zh-CN" dirty="0"/>
+          </a:p>
+          <a:p>
+            <a:endParaRPr lang="zh-CN" altLang="en-US" dirty="0"/>
+          </a:p>
+        </p:txBody>
+      </p:sp>
+      <p:sp>
+        <p:nvSpPr>
+          <p:cNvPr id="6" name="文本框 5"/>
+          <p:cNvSpPr txBox="1"/>
+          <p:nvPr/>
+        </p:nvSpPr>
+        <p:spPr>
+          <a:xfrm>
+            <a:off x="2438400" y="5231218"/>
+            <a:ext cx="1980029" cy="369332"/>
+          </a:xfrm>
+          <a:prstGeom prst="rect">
+            <a:avLst/>
+          </a:prstGeom>
+          <a:noFill/>
+        </p:spPr>
+        <p:txBody>
+          <a:bodyPr wrap="none" rtlCol="0">
+            <a:spAutoFit/>
+          </a:bodyPr>
+          <a:lstStyle/>
+          <a:p>
+            <a:r>
+              <a:rPr lang="zh-CN" altLang="en-US" dirty="0">
+                <a:solidFill>
+                  <a:srgbClr val="FF0000"/>
+                </a:solidFill>
+              </a:rPr>
+              <a:t>独立同分布 </a:t>
+            </a:r>
+            <a:r>
+              <a:rPr lang="en-US" altLang="zh-CN" dirty="0">
+                <a:solidFill>
+                  <a:srgbClr val="FF0000"/>
+                </a:solidFill>
+              </a:rPr>
+              <a:t>p(</a:t>
+            </a:r>
+            <a:r>
+              <a:rPr lang="en-US" altLang="zh-CN" dirty="0" err="1">
+                <a:solidFill>
+                  <a:srgbClr val="FF0000"/>
+                </a:solidFill>
+              </a:rPr>
+              <a:t>x,y</a:t>
+            </a:r>
+            <a:r>
+              <a:rPr lang="en-US" altLang="zh-CN" dirty="0">
+                <a:solidFill>
+                  <a:srgbClr val="FF0000"/>
+                </a:solidFill>
+              </a:rPr>
+              <a:t>)</a:t>
+            </a:r>
+            <a:endParaRPr lang="zh-CN" altLang="en-US" dirty="0">
+              <a:solidFill>
+                <a:srgbClr val="FF0000"/>
+              </a:solidFill>
+            </a:endParaRPr>
+          </a:p>
+        </p:txBody>
+      </p:sp>
+      <p:pic>
+        <p:nvPicPr>
+          <p:cNvPr id="9" name="图片 8">
+            <a:extLst>
+              <a:ext uri="{FF2B5EF4-FFF2-40B4-BE49-F238E27FC236}">
+                <a16:creationId xmlns:a16="http://schemas.microsoft.com/office/drawing/2014/main" id="{AD1E55F4-CCBD-4EB9-B7FC-D063FD23CC43}"/>
+              </a:ext>
+            </a:extLst>
+          </p:cNvPr>
+          <p:cNvPicPr>
+            <a:picLocks noChangeAspect="1"/>
+          </p:cNvPicPr>
+          <p:nvPr/>
+        </p:nvPicPr>
+        <p:blipFill>
+          <a:blip r:embed="rId2">
+            <a:extLst>
+              <a:ext uri="{28A0092B-C50C-407E-A947-70E740481C1C}">
+                <a14:useLocalDpi xmlns:a14="http://schemas.microsoft.com/office/drawing/2010/main" val="0"/>
+              </a:ext>
+            </a:extLst>
+          </a:blip>
+          <a:stretch>
+            <a:fillRect/>
+          </a:stretch>
+        </p:blipFill>
+        <p:spPr>
+          <a:xfrm>
+            <a:off x="2220585" y="2743200"/>
+            <a:ext cx="7750831" cy="2264288"/>
+          </a:xfrm>
+          <a:prstGeom prst="rect">
+            <a:avLst/>
+          </a:prstGeom>
+        </p:spPr>
+      </p:pic>
+    </p:spTree>
+    <p:extLst>
+      <p:ext uri="{BB962C8B-B14F-4D97-AF65-F5344CB8AC3E}">
+        <p14:creationId xmlns:p14="http://schemas.microsoft.com/office/powerpoint/2010/main" val="1559860817"/>
+      </p:ext>
+    </p:extLst>
+  </p:cSld>
+  <p:clrMapOvr>
+    <a:masterClrMapping/>
+  </p:clrMapOvr>
+</p:sld>
+</file>
+
+<file path=ppt/slides/slide50.xml><?xml version="1.0" encoding="utf-8"?>
 <p:sld xmlns:a="http://schemas.openxmlformats.org/drawingml/2006/main" xmlns:r="http://schemas.openxmlformats.org/officeDocument/2006/relationships" xmlns:p="http://schemas.openxmlformats.org/presentationml/2006/main">
   <p:cSld>
     <p:spTree>
@@ -15390,7 +20516,7 @@
 </p:sld>
 </file>
 
-<file path=ppt/slides/slide38.xml><?xml version="1.0" encoding="utf-8"?>
+<file path=ppt/slides/slide51.xml><?xml version="1.0" encoding="utf-8"?>
 <p:sld xmlns:a="http://schemas.openxmlformats.org/drawingml/2006/main" xmlns:r="http://schemas.openxmlformats.org/officeDocument/2006/relationships" xmlns:p="http://schemas.openxmlformats.org/presentationml/2006/main">
   <p:cSld>
     <p:spTree>
@@ -15438,7 +20564,7 @@
           <p:nvPr/>
         </p:nvPicPr>
         <p:blipFill>
-          <a:blip r:embed="rId3">
+          <a:blip r:embed="rId4">
             <a:extLst>
               <a:ext uri="{28A0092B-C50C-407E-A947-70E740481C1C}">
                 <a14:useLocalDpi xmlns:a14="http://schemas.microsoft.com/office/drawing/2010/main"/>
@@ -15499,7 +20625,7 @@
           <p:nvPr/>
         </p:nvPicPr>
         <p:blipFill>
-          <a:blip r:embed="rId4" cstate="print">
+          <a:blip r:embed="rId5" cstate="print">
             <a:extLst>
               <a:ext uri="{28A0092B-C50C-407E-A947-70E740481C1C}">
                 <a14:useLocalDpi xmlns:a14="http://schemas.microsoft.com/office/drawing/2010/main" val="0"/>
@@ -15521,6 +20647,9 @@
         </p:spPr>
       </p:pic>
     </p:spTree>
+    <p:custDataLst>
+      <p:tags r:id="rId1"/>
+    </p:custDataLst>
     <p:extLst>
       <p:ext uri="{BB962C8B-B14F-4D97-AF65-F5344CB8AC3E}">
         <p14:creationId xmlns:p14="http://schemas.microsoft.com/office/powerpoint/2010/main" val="3643556202"/>
@@ -15672,7 +20801,7 @@
 </p:sld>
 </file>
 
-<file path=ppt/slides/slide39.xml><?xml version="1.0" encoding="utf-8"?>
+<file path=ppt/slides/slide52.xml><?xml version="1.0" encoding="utf-8"?>
 <p:sld xmlns:a="http://schemas.openxmlformats.org/drawingml/2006/main" xmlns:r="http://schemas.openxmlformats.org/officeDocument/2006/relationships" xmlns:p="http://schemas.openxmlformats.org/presentationml/2006/main">
   <p:cSld>
     <p:spTree>
@@ -15843,172 +20972,7 @@
 </p:sld>
 </file>
 
-<file path=ppt/slides/slide4.xml><?xml version="1.0" encoding="utf-8"?>
-<p:sld xmlns:a="http://schemas.openxmlformats.org/drawingml/2006/main" xmlns:r="http://schemas.openxmlformats.org/officeDocument/2006/relationships" xmlns:p="http://schemas.openxmlformats.org/presentationml/2006/main">
-  <p:cSld>
-    <p:spTree>
-      <p:nvGrpSpPr>
-        <p:cNvPr id="1" name=""/>
-        <p:cNvGrpSpPr/>
-        <p:nvPr/>
-      </p:nvGrpSpPr>
-      <p:grpSpPr>
-        <a:xfrm>
-          <a:off x="0" y="0"/>
-          <a:ext cx="0" cy="0"/>
-          <a:chOff x="0" y="0"/>
-          <a:chExt cx="0" cy="0"/>
-        </a:xfrm>
-      </p:grpSpPr>
-      <p:sp>
-        <p:nvSpPr>
-          <p:cNvPr id="2" name="标题 1"/>
-          <p:cNvSpPr>
-            <a:spLocks noGrp="1"/>
-          </p:cNvSpPr>
-          <p:nvPr>
-            <p:ph type="title"/>
-          </p:nvPr>
-        </p:nvSpPr>
-        <p:spPr/>
-        <p:txBody>
-          <a:bodyPr/>
-          <a:lstStyle/>
-          <a:p>
-            <a:r>
-              <a:rPr lang="zh-CN" altLang="en-US"/>
-              <a:t>为什么要“机器学习”？</a:t>
-            </a:r>
-            <a:endParaRPr lang="zh-CN" altLang="en-US" dirty="0"/>
-          </a:p>
-        </p:txBody>
-      </p:sp>
-      <p:sp>
-        <p:nvSpPr>
-          <p:cNvPr id="7" name="内容占位符 6">
-            <a:extLst>
-              <a:ext uri="{FF2B5EF4-FFF2-40B4-BE49-F238E27FC236}">
-                <a16:creationId xmlns:a16="http://schemas.microsoft.com/office/drawing/2014/main" id="{BF8B0512-B0CF-4489-A60A-6CFA645B4EF1}"/>
-              </a:ext>
-            </a:extLst>
-          </p:cNvPr>
-          <p:cNvSpPr>
-            <a:spLocks noGrp="1"/>
-          </p:cNvSpPr>
-          <p:nvPr>
-            <p:ph sz="quarter" idx="1"/>
-          </p:nvPr>
-        </p:nvSpPr>
-        <p:spPr/>
-        <p:txBody>
-          <a:bodyPr/>
-          <a:lstStyle/>
-          <a:p>
-            <a:r>
-              <a:rPr lang="zh-CN" altLang="en-US" dirty="0"/>
-              <a:t>现实世界的问题都比较复杂</a:t>
-            </a:r>
-            <a:endParaRPr lang="en-US" altLang="zh-CN" dirty="0"/>
-          </a:p>
-          <a:p>
-            <a:pPr lvl="1"/>
-            <a:r>
-              <a:rPr lang="zh-CN" altLang="en-US" dirty="0"/>
-              <a:t>很难通过规则来手工实现</a:t>
-            </a:r>
-            <a:endParaRPr lang="en-US" altLang="zh-CN" dirty="0"/>
-          </a:p>
-          <a:p>
-            <a:pPr lvl="1"/>
-            <a:endParaRPr lang="en-US" altLang="zh-CN" dirty="0"/>
-          </a:p>
-        </p:txBody>
-      </p:sp>
-      <p:pic>
-        <p:nvPicPr>
-          <p:cNvPr id="3" name="图片 2" descr="屏幕剪辑"/>
-          <p:cNvPicPr>
-            <a:picLocks noChangeAspect="1"/>
-          </p:cNvPicPr>
-          <p:nvPr/>
-        </p:nvPicPr>
-        <p:blipFill>
-          <a:blip r:embed="rId2">
-            <a:extLst>
-              <a:ext uri="{28A0092B-C50C-407E-A947-70E740481C1C}">
-                <a14:useLocalDpi xmlns:a14="http://schemas.microsoft.com/office/drawing/2010/main"/>
-              </a:ext>
-            </a:extLst>
-          </a:blip>
-          <a:stretch>
-            <a:fillRect/>
-          </a:stretch>
-        </p:blipFill>
-        <p:spPr>
-          <a:xfrm>
-            <a:off x="7290365" y="1538271"/>
-            <a:ext cx="4153009" cy="1534926"/>
-          </a:xfrm>
-          <a:prstGeom prst="rect">
-            <a:avLst/>
-          </a:prstGeom>
-        </p:spPr>
-      </p:pic>
-      <p:pic>
-        <p:nvPicPr>
-          <p:cNvPr id="3074" name="Picture 2" descr="âPattern Recognition handwrite numberâçå¾çæç´¢ç»æ"/>
-          <p:cNvPicPr>
-            <a:picLocks noChangeAspect="1" noChangeArrowheads="1"/>
-          </p:cNvPicPr>
-          <p:nvPr/>
-        </p:nvPicPr>
-        <p:blipFill>
-          <a:blip r:embed="rId3">
-            <a:extLst>
-              <a:ext uri="{28A0092B-C50C-407E-A947-70E740481C1C}">
-                <a14:useLocalDpi xmlns:a14="http://schemas.microsoft.com/office/drawing/2010/main"/>
-              </a:ext>
-            </a:extLst>
-          </a:blip>
-          <a:srcRect/>
-          <a:stretch>
-            <a:fillRect/>
-          </a:stretch>
-        </p:blipFill>
-        <p:spPr bwMode="auto">
-          <a:xfrm>
-            <a:off x="7772400" y="3581400"/>
-            <a:ext cx="3670974" cy="2164168"/>
-          </a:xfrm>
-          <a:prstGeom prst="rect">
-            <a:avLst/>
-          </a:prstGeom>
-          <a:noFill/>
-          <a:extLst>
-            <a:ext uri="{909E8E84-426E-40DD-AFC4-6F175D3DCCD1}">
-              <a14:hiddenFill xmlns:a14="http://schemas.microsoft.com/office/drawing/2010/main">
-                <a:solidFill>
-                  <a:srgbClr val="FFFFFF"/>
-                </a:solidFill>
-              </a14:hiddenFill>
-            </a:ext>
-          </a:extLst>
-        </p:spPr>
-      </p:pic>
-    </p:spTree>
-    <p:extLst>
-      <p:ext uri="{BB962C8B-B14F-4D97-AF65-F5344CB8AC3E}">
-        <p14:creationId xmlns:p14="http://schemas.microsoft.com/office/powerpoint/2010/main" val="4186337664"/>
-      </p:ext>
-    </p:extLst>
-  </p:cSld>
-  <p:clrMapOvr>
-    <a:masterClrMapping/>
-  </p:clrMapOvr>
-</p:sld>
-</file>
-
-<file path=ppt/slides/slide40.xml><?xml version="1.0" encoding="utf-8"?>
+<file path=ppt/slides/slide53.xml><?xml version="1.0" encoding="utf-8"?>
 <p:sld xmlns:a="http://schemas.openxmlformats.org/drawingml/2006/main" xmlns:r="http://schemas.openxmlformats.org/officeDocument/2006/relationships" xmlns:p="http://schemas.openxmlformats.org/presentationml/2006/main">
   <p:cSld>
     <p:spTree>
@@ -16375,7 +21339,7 @@
 </p:sld>
 </file>
 
-<file path=ppt/slides/slide41.xml><?xml version="1.0" encoding="utf-8"?>
+<file path=ppt/slides/slide54.xml><?xml version="1.0" encoding="utf-8"?>
 <p:sld xmlns:a="http://schemas.openxmlformats.org/drawingml/2006/main" xmlns:r="http://schemas.openxmlformats.org/officeDocument/2006/relationships" xmlns:p="http://schemas.openxmlformats.org/presentationml/2006/main">
   <p:cSld>
     <p:spTree>
@@ -16537,7 +21501,7 @@
             </p:nvSpPr>
             <p:spPr>
               <a:blipFill>
-                <a:blip r:embed="rId3"/>
+                <a:blip r:embed="rId5"/>
                 <a:stretch>
                   <a:fillRect l="-741" t="-1605"/>
                 </a:stretch>
@@ -16567,7 +21531,7 @@
           <p:nvPr/>
         </p:nvPicPr>
         <p:blipFill>
-          <a:blip r:embed="rId4">
+          <a:blip r:embed="rId6">
             <a:extLst>
               <a:ext uri="{28A0092B-C50C-407E-A947-70E740481C1C}">
                 <a14:useLocalDpi xmlns:a14="http://schemas.microsoft.com/office/drawing/2010/main" val="0"/>
@@ -16601,7 +21565,7 @@
 </p:sld>
 </file>
 
-<file path=ppt/slides/slide42.xml><?xml version="1.0" encoding="utf-8"?>
+<file path=ppt/slides/slide55.xml><?xml version="1.0" encoding="utf-8"?>
 <p:sld xmlns:a="http://schemas.openxmlformats.org/drawingml/2006/main" xmlns:r="http://schemas.openxmlformats.org/officeDocument/2006/relationships" xmlns:p="http://schemas.openxmlformats.org/presentationml/2006/main">
   <p:cSld>
     <p:spTree>
@@ -16659,7 +21623,7 @@
 </p:sld>
 </file>
 
-<file path=ppt/slides/slide43.xml><?xml version="1.0" encoding="utf-8"?>
+<file path=ppt/slides/slide56.xml><?xml version="1.0" encoding="utf-8"?>
 <p:sld xmlns:a="http://schemas.openxmlformats.org/drawingml/2006/main" xmlns:r="http://schemas.openxmlformats.org/officeDocument/2006/relationships" xmlns:p="http://schemas.openxmlformats.org/presentationml/2006/main">
   <p:cSld>
     <p:spTree>
@@ -16810,7 +21774,7 @@
 </p:sld>
 </file>
 
-<file path=ppt/slides/slide44.xml><?xml version="1.0" encoding="utf-8"?>
+<file path=ppt/slides/slide57.xml><?xml version="1.0" encoding="utf-8"?>
 <p:sld xmlns:a="http://schemas.openxmlformats.org/drawingml/2006/main" xmlns:r="http://schemas.openxmlformats.org/officeDocument/2006/relationships" xmlns:p="http://schemas.openxmlformats.org/presentationml/2006/main">
   <p:cSld>
     <p:spTree>
@@ -16947,7 +21911,7 @@
 </p:sld>
 </file>
 
-<file path=ppt/slides/slide45.xml><?xml version="1.0" encoding="utf-8"?>
+<file path=ppt/slides/slide58.xml><?xml version="1.0" encoding="utf-8"?>
 <p:sld xmlns:a="http://schemas.openxmlformats.org/drawingml/2006/main" xmlns:r="http://schemas.openxmlformats.org/officeDocument/2006/relationships" xmlns:p="http://schemas.openxmlformats.org/presentationml/2006/main">
   <p:cSld>
     <p:spTree>
@@ -16996,186 +21960,6 @@
     <p:extLst>
       <p:ext uri="{BB962C8B-B14F-4D97-AF65-F5344CB8AC3E}">
         <p14:creationId xmlns:p14="http://schemas.microsoft.com/office/powerpoint/2010/main" val="1784997421"/>
-      </p:ext>
-    </p:extLst>
-  </p:cSld>
-  <p:clrMapOvr>
-    <a:masterClrMapping/>
-  </p:clrMapOvr>
-</p:sld>
-</file>
-
-<file path=ppt/slides/slide5.xml><?xml version="1.0" encoding="utf-8"?>
-<p:sld xmlns:a="http://schemas.openxmlformats.org/drawingml/2006/main" xmlns:r="http://schemas.openxmlformats.org/officeDocument/2006/relationships" xmlns:p="http://schemas.openxmlformats.org/presentationml/2006/main">
-  <p:cSld>
-    <p:spTree>
-      <p:nvGrpSpPr>
-        <p:cNvPr id="1" name=""/>
-        <p:cNvGrpSpPr/>
-        <p:nvPr/>
-      </p:nvGrpSpPr>
-      <p:grpSpPr>
-        <a:xfrm>
-          <a:off x="0" y="0"/>
-          <a:ext cx="0" cy="0"/>
-          <a:chOff x="0" y="0"/>
-          <a:chExt cx="0" cy="0"/>
-        </a:xfrm>
-      </p:grpSpPr>
-      <p:sp>
-        <p:nvSpPr>
-          <p:cNvPr id="2" name="标题 1"/>
-          <p:cNvSpPr>
-            <a:spLocks noGrp="1"/>
-          </p:cNvSpPr>
-          <p:nvPr>
-            <p:ph type="title"/>
-          </p:nvPr>
-        </p:nvSpPr>
-        <p:spPr/>
-        <p:txBody>
-          <a:bodyPr/>
-          <a:lstStyle/>
-          <a:p>
-            <a:r>
-              <a:rPr lang="zh-CN" altLang="en-US"/>
-              <a:t>什么是机器学习？</a:t>
-            </a:r>
-            <a:endParaRPr lang="zh-CN" altLang="en-US" dirty="0"/>
-          </a:p>
-        </p:txBody>
-      </p:sp>
-      <p:sp>
-        <p:nvSpPr>
-          <p:cNvPr id="6" name="文本框 5"/>
-          <p:cNvSpPr txBox="1"/>
-          <p:nvPr/>
-        </p:nvSpPr>
-        <p:spPr>
-          <a:xfrm>
-            <a:off x="2438400" y="5231218"/>
-            <a:ext cx="1980029" cy="369332"/>
-          </a:xfrm>
-          <a:prstGeom prst="rect">
-            <a:avLst/>
-          </a:prstGeom>
-          <a:noFill/>
-        </p:spPr>
-        <p:txBody>
-          <a:bodyPr wrap="none" rtlCol="0">
-            <a:spAutoFit/>
-          </a:bodyPr>
-          <a:lstStyle/>
-          <a:p>
-            <a:r>
-              <a:rPr lang="zh-CN" altLang="en-US" dirty="0">
-                <a:solidFill>
-                  <a:srgbClr val="FF0000"/>
-                </a:solidFill>
-              </a:rPr>
-              <a:t>独立同分布 </a:t>
-            </a:r>
-            <a:r>
-              <a:rPr lang="en-US" altLang="zh-CN" dirty="0">
-                <a:solidFill>
-                  <a:srgbClr val="FF0000"/>
-                </a:solidFill>
-              </a:rPr>
-              <a:t>p(</a:t>
-            </a:r>
-            <a:r>
-              <a:rPr lang="en-US" altLang="zh-CN" dirty="0" err="1">
-                <a:solidFill>
-                  <a:srgbClr val="FF0000"/>
-                </a:solidFill>
-              </a:rPr>
-              <a:t>x,y</a:t>
-            </a:r>
-            <a:r>
-              <a:rPr lang="en-US" altLang="zh-CN" dirty="0">
-                <a:solidFill>
-                  <a:srgbClr val="FF0000"/>
-                </a:solidFill>
-              </a:rPr>
-              <a:t>)</a:t>
-            </a:r>
-            <a:endParaRPr lang="zh-CN" altLang="en-US" dirty="0">
-              <a:solidFill>
-                <a:srgbClr val="FF0000"/>
-              </a:solidFill>
-            </a:endParaRPr>
-          </a:p>
-        </p:txBody>
-      </p:sp>
-      <p:sp>
-        <p:nvSpPr>
-          <p:cNvPr id="7" name="矩形 6"/>
-          <p:cNvSpPr/>
-          <p:nvPr/>
-        </p:nvSpPr>
-        <p:spPr>
-          <a:xfrm>
-            <a:off x="2286000" y="1279654"/>
-            <a:ext cx="7924800" cy="1015663"/>
-          </a:xfrm>
-          <a:prstGeom prst="rect">
-            <a:avLst/>
-          </a:prstGeom>
-        </p:spPr>
-        <p:txBody>
-          <a:bodyPr wrap="square">
-            <a:spAutoFit/>
-          </a:bodyPr>
-          <a:lstStyle/>
-          <a:p>
-            <a:r>
-              <a:rPr lang="zh-CN" altLang="en-US" sz="2000" dirty="0"/>
-              <a:t>机器学习：从数据中获得决策（预测）函数使得机器可以根据数据进行自动学习，通过算法使得机器能从大量历史数据中学习规律从而对新的样本做决策。</a:t>
-            </a:r>
-            <a:endParaRPr lang="en-US" altLang="zh-CN" sz="2000" dirty="0"/>
-          </a:p>
-        </p:txBody>
-      </p:sp>
-      <p:pic>
-        <p:nvPicPr>
-          <p:cNvPr id="9" name="图片 8">
-            <a:extLst>
-              <a:ext uri="{FF2B5EF4-FFF2-40B4-BE49-F238E27FC236}">
-                <a16:creationId xmlns:a16="http://schemas.microsoft.com/office/drawing/2014/main" id="{AD1E55F4-CCBD-4EB9-B7FC-D063FD23CC43}"/>
-              </a:ext>
-            </a:extLst>
-          </p:cNvPr>
-          <p:cNvPicPr>
-            <a:picLocks noChangeAspect="1"/>
-          </p:cNvPicPr>
-          <p:nvPr/>
-        </p:nvPicPr>
-        <p:blipFill>
-          <a:blip r:embed="rId2">
-            <a:extLst>
-              <a:ext uri="{28A0092B-C50C-407E-A947-70E740481C1C}">
-                <a14:useLocalDpi xmlns:a14="http://schemas.microsoft.com/office/drawing/2010/main" val="0"/>
-              </a:ext>
-            </a:extLst>
-          </a:blip>
-          <a:stretch>
-            <a:fillRect/>
-          </a:stretch>
-        </p:blipFill>
-        <p:spPr>
-          <a:xfrm>
-            <a:off x="2220585" y="2743200"/>
-            <a:ext cx="7750831" cy="2264288"/>
-          </a:xfrm>
-          <a:prstGeom prst="rect">
-            <a:avLst/>
-          </a:prstGeom>
-        </p:spPr>
-      </p:pic>
-    </p:spTree>
-    <p:extLst>
-      <p:ext uri="{BB962C8B-B14F-4D97-AF65-F5344CB8AC3E}">
-        <p14:creationId xmlns:p14="http://schemas.microsoft.com/office/powerpoint/2010/main" val="1559860817"/>
       </p:ext>
     </p:extLst>
   </p:cSld>
@@ -17219,175 +22003,8 @@
           <a:p>
             <a:r>
               <a:rPr lang="zh-CN" altLang="en-US" dirty="0"/>
-              <a:t>常见的机器学习问题</a:t>
-            </a:r>
-          </a:p>
-        </p:txBody>
-      </p:sp>
-      <p:pic>
-        <p:nvPicPr>
-          <p:cNvPr id="3" name="图片 2" descr="屏幕剪辑"/>
-          <p:cNvPicPr>
-            <a:picLocks noChangeAspect="1"/>
-          </p:cNvPicPr>
-          <p:nvPr/>
-        </p:nvPicPr>
-        <p:blipFill>
-          <a:blip r:embed="rId2">
-            <a:extLst>
-              <a:ext uri="{28A0092B-C50C-407E-A947-70E740481C1C}">
-                <a14:useLocalDpi xmlns:a14="http://schemas.microsoft.com/office/drawing/2010/main" val="0"/>
-              </a:ext>
-            </a:extLst>
-          </a:blip>
-          <a:stretch>
-            <a:fillRect/>
-          </a:stretch>
-        </p:blipFill>
-        <p:spPr>
-          <a:xfrm>
-            <a:off x="2286000" y="2133600"/>
-            <a:ext cx="2966012" cy="2286000"/>
-          </a:xfrm>
-          <a:prstGeom prst="rect">
-            <a:avLst/>
-          </a:prstGeom>
-        </p:spPr>
-      </p:pic>
-      <p:sp>
-        <p:nvSpPr>
-          <p:cNvPr id="5" name="文本框 4"/>
-          <p:cNvSpPr txBox="1"/>
-          <p:nvPr/>
-        </p:nvSpPr>
-        <p:spPr>
-          <a:xfrm>
-            <a:off x="2438399" y="4980214"/>
-            <a:ext cx="2362200" cy="523220"/>
-          </a:xfrm>
-          <a:prstGeom prst="rect">
-            <a:avLst/>
-          </a:prstGeom>
-          <a:noFill/>
-        </p:spPr>
-        <p:txBody>
-          <a:bodyPr wrap="square" rtlCol="0">
-            <a:spAutoFit/>
-          </a:bodyPr>
-          <a:lstStyle/>
-          <a:p>
-            <a:pPr algn="ctr"/>
-            <a:r>
-              <a:rPr lang="zh-CN" altLang="en-US" sz="2800" dirty="0"/>
-              <a:t>分类</a:t>
-            </a:r>
-          </a:p>
-        </p:txBody>
-      </p:sp>
-      <p:pic>
-        <p:nvPicPr>
-          <p:cNvPr id="8" name="图片 7"/>
-          <p:cNvPicPr>
-            <a:picLocks noChangeAspect="1"/>
-          </p:cNvPicPr>
-          <p:nvPr/>
-        </p:nvPicPr>
-        <p:blipFill>
-          <a:blip r:embed="rId3"/>
-          <a:stretch>
-            <a:fillRect/>
-          </a:stretch>
-        </p:blipFill>
-        <p:spPr>
-          <a:xfrm>
-            <a:off x="6553200" y="2895600"/>
-            <a:ext cx="3324225" cy="1371600"/>
-          </a:xfrm>
-          <a:prstGeom prst="rect">
-            <a:avLst/>
-          </a:prstGeom>
-        </p:spPr>
-      </p:pic>
-      <p:sp>
-        <p:nvSpPr>
-          <p:cNvPr id="9" name="文本框 8"/>
-          <p:cNvSpPr txBox="1"/>
-          <p:nvPr/>
-        </p:nvSpPr>
-        <p:spPr>
-          <a:xfrm>
-            <a:off x="7034211" y="4969328"/>
-            <a:ext cx="2362200" cy="523220"/>
-          </a:xfrm>
-          <a:prstGeom prst="rect">
-            <a:avLst/>
-          </a:prstGeom>
-          <a:noFill/>
-        </p:spPr>
-        <p:txBody>
-          <a:bodyPr wrap="square" rtlCol="0">
-            <a:spAutoFit/>
-          </a:bodyPr>
-          <a:lstStyle/>
-          <a:p>
-            <a:pPr algn="ctr"/>
-            <a:r>
-              <a:rPr lang="zh-CN" altLang="en-US" sz="2800" dirty="0"/>
-              <a:t>聚类</a:t>
-            </a:r>
-          </a:p>
-        </p:txBody>
-      </p:sp>
-    </p:spTree>
-    <p:extLst>
-      <p:ext uri="{BB962C8B-B14F-4D97-AF65-F5344CB8AC3E}">
-        <p14:creationId xmlns:p14="http://schemas.microsoft.com/office/powerpoint/2010/main" val="3191425230"/>
-      </p:ext>
-    </p:extLst>
-  </p:cSld>
-  <p:clrMapOvr>
-    <a:masterClrMapping/>
-  </p:clrMapOvr>
-</p:sld>
-</file>
-
-<file path=ppt/slides/slide7.xml><?xml version="1.0" encoding="utf-8"?>
-<p:sld xmlns:a="http://schemas.openxmlformats.org/drawingml/2006/main" xmlns:r="http://schemas.openxmlformats.org/officeDocument/2006/relationships" xmlns:p="http://schemas.openxmlformats.org/presentationml/2006/main">
-  <p:cSld>
-    <p:spTree>
-      <p:nvGrpSpPr>
-        <p:cNvPr id="1" name=""/>
-        <p:cNvGrpSpPr/>
-        <p:nvPr/>
-      </p:nvGrpSpPr>
-      <p:grpSpPr>
-        <a:xfrm>
-          <a:off x="0" y="0"/>
-          <a:ext cx="0" cy="0"/>
-          <a:chOff x="0" y="0"/>
-          <a:chExt cx="0" cy="0"/>
-        </a:xfrm>
-      </p:grpSpPr>
-      <p:sp>
-        <p:nvSpPr>
-          <p:cNvPr id="2" name="标题 1"/>
-          <p:cNvSpPr>
-            <a:spLocks noGrp="1"/>
-          </p:cNvSpPr>
-          <p:nvPr>
-            <p:ph type="title"/>
-          </p:nvPr>
-        </p:nvSpPr>
-        <p:spPr/>
-        <p:txBody>
-          <a:bodyPr/>
-          <a:lstStyle/>
-          <a:p>
-            <a:r>
-              <a:rPr lang="zh-CN" altLang="en-US"/>
               <a:t>机器学习的三要素</a:t>
             </a:r>
-            <a:endParaRPr lang="zh-CN" altLang="en-US" dirty="0"/>
           </a:p>
         </p:txBody>
       </p:sp>
@@ -17573,7 +22190,7 @@
             </p:nvSpPr>
             <p:spPr>
               <a:blipFill>
-                <a:blip r:embed="rId3"/>
+                <a:blip r:embed="rId5"/>
                 <a:stretch>
                   <a:fillRect l="-741" t="-1235" b="-2593"/>
                 </a:stretch>
@@ -17603,7 +22220,7 @@
           <p:nvPr/>
         </p:nvPicPr>
         <p:blipFill>
-          <a:blip r:embed="rId4">
+          <a:blip r:embed="rId6">
             <a:extLst>
               <a:ext uri="{28A0092B-C50C-407E-A947-70E740481C1C}">
                 <a14:useLocalDpi xmlns:a14="http://schemas.microsoft.com/office/drawing/2010/main"/>
@@ -17616,7 +22233,7 @@
         </p:blipFill>
         <p:spPr>
           <a:xfrm>
-            <a:off x="4419601" y="4495801"/>
+            <a:off x="3733800" y="4191000"/>
             <a:ext cx="4219401" cy="619861"/>
           </a:xfrm>
           <a:prstGeom prst="rect">
@@ -17633,7 +22250,7 @@
           <p:nvPr/>
         </p:nvPicPr>
         <p:blipFill>
-          <a:blip r:embed="rId5">
+          <a:blip r:embed="rId7">
             <a:extLst>
               <a:ext uri="{28A0092B-C50C-407E-A947-70E740481C1C}">
                 <a14:useLocalDpi xmlns:a14="http://schemas.microsoft.com/office/drawing/2010/main" val="0"/>
@@ -17663,7 +22280,7 @@
           <p:nvPr/>
         </p:nvPicPr>
         <p:blipFill>
-          <a:blip r:embed="rId6">
+          <a:blip r:embed="rId8">
             <a:extLst>
               <a:ext uri="{28A0092B-C50C-407E-A947-70E740481C1C}">
                 <a14:useLocalDpi xmlns:a14="http://schemas.microsoft.com/office/drawing/2010/main" val="0"/>
@@ -17694,6 +22311,366 @@
   <p:clrMapOvr>
     <a:masterClrMapping/>
   </p:clrMapOvr>
+</p:sld>
+</file>
+
+<file path=ppt/slides/slide7.xml><?xml version="1.0" encoding="utf-8"?>
+<p:sld xmlns:a="http://schemas.openxmlformats.org/drawingml/2006/main" xmlns:r="http://schemas.openxmlformats.org/officeDocument/2006/relationships" xmlns:p="http://schemas.openxmlformats.org/presentationml/2006/main">
+  <p:cSld>
+    <p:spTree>
+      <p:nvGrpSpPr>
+        <p:cNvPr id="1" name=""/>
+        <p:cNvGrpSpPr/>
+        <p:nvPr/>
+      </p:nvGrpSpPr>
+      <p:grpSpPr>
+        <a:xfrm>
+          <a:off x="0" y="0"/>
+          <a:ext cx="0" cy="0"/>
+          <a:chOff x="0" y="0"/>
+          <a:chExt cx="0" cy="0"/>
+        </a:xfrm>
+      </p:grpSpPr>
+      <p:sp>
+        <p:nvSpPr>
+          <p:cNvPr id="2" name="标题 1"/>
+          <p:cNvSpPr>
+            <a:spLocks noGrp="1"/>
+          </p:cNvSpPr>
+          <p:nvPr>
+            <p:ph type="title"/>
+          </p:nvPr>
+        </p:nvSpPr>
+        <p:spPr/>
+        <p:txBody>
+          <a:bodyPr/>
+          <a:lstStyle/>
+          <a:p>
+            <a:r>
+              <a:rPr lang="zh-CN" altLang="en-US" dirty="0"/>
+              <a:t>常见的机器学习问题</a:t>
+            </a:r>
+          </a:p>
+        </p:txBody>
+      </p:sp>
+      <p:pic>
+        <p:nvPicPr>
+          <p:cNvPr id="3" name="图片 2" descr="屏幕剪辑"/>
+          <p:cNvPicPr>
+            <a:picLocks noChangeAspect="1"/>
+          </p:cNvPicPr>
+          <p:nvPr/>
+        </p:nvPicPr>
+        <p:blipFill>
+          <a:blip r:embed="rId3">
+            <a:extLst>
+              <a:ext uri="{28A0092B-C50C-407E-A947-70E740481C1C}">
+                <a14:useLocalDpi xmlns:a14="http://schemas.microsoft.com/office/drawing/2010/main" val="0"/>
+              </a:ext>
+            </a:extLst>
+          </a:blip>
+          <a:stretch>
+            <a:fillRect/>
+          </a:stretch>
+        </p:blipFill>
+        <p:spPr>
+          <a:xfrm>
+            <a:off x="4571999" y="2286000"/>
+            <a:ext cx="2966012" cy="2286000"/>
+          </a:xfrm>
+          <a:prstGeom prst="rect">
+            <a:avLst/>
+          </a:prstGeom>
+        </p:spPr>
+      </p:pic>
+      <p:sp>
+        <p:nvSpPr>
+          <p:cNvPr id="5" name="文本框 4"/>
+          <p:cNvSpPr txBox="1"/>
+          <p:nvPr/>
+        </p:nvSpPr>
+        <p:spPr>
+          <a:xfrm>
+            <a:off x="5029200" y="5029200"/>
+            <a:ext cx="2362200" cy="523220"/>
+          </a:xfrm>
+          <a:prstGeom prst="rect">
+            <a:avLst/>
+          </a:prstGeom>
+          <a:noFill/>
+        </p:spPr>
+        <p:txBody>
+          <a:bodyPr wrap="square" rtlCol="0">
+            <a:spAutoFit/>
+          </a:bodyPr>
+          <a:lstStyle/>
+          <a:p>
+            <a:pPr algn="ctr"/>
+            <a:r>
+              <a:rPr lang="zh-CN" altLang="en-US" sz="2800" dirty="0"/>
+              <a:t>分类</a:t>
+            </a:r>
+          </a:p>
+        </p:txBody>
+      </p:sp>
+      <p:pic>
+        <p:nvPicPr>
+          <p:cNvPr id="8" name="图片 7"/>
+          <p:cNvPicPr>
+            <a:picLocks noChangeAspect="1"/>
+          </p:cNvPicPr>
+          <p:nvPr/>
+        </p:nvPicPr>
+        <p:blipFill>
+          <a:blip r:embed="rId4"/>
+          <a:stretch>
+            <a:fillRect/>
+          </a:stretch>
+        </p:blipFill>
+        <p:spPr>
+          <a:xfrm>
+            <a:off x="8275203" y="2762928"/>
+            <a:ext cx="3324225" cy="1371600"/>
+          </a:xfrm>
+          <a:prstGeom prst="rect">
+            <a:avLst/>
+          </a:prstGeom>
+        </p:spPr>
+      </p:pic>
+      <p:sp>
+        <p:nvSpPr>
+          <p:cNvPr id="9" name="文本框 8"/>
+          <p:cNvSpPr txBox="1"/>
+          <p:nvPr/>
+        </p:nvSpPr>
+        <p:spPr>
+          <a:xfrm>
+            <a:off x="9167811" y="5121728"/>
+            <a:ext cx="2362200" cy="523220"/>
+          </a:xfrm>
+          <a:prstGeom prst="rect">
+            <a:avLst/>
+          </a:prstGeom>
+          <a:noFill/>
+        </p:spPr>
+        <p:txBody>
+          <a:bodyPr wrap="square" rtlCol="0">
+            <a:spAutoFit/>
+          </a:bodyPr>
+          <a:lstStyle/>
+          <a:p>
+            <a:pPr algn="ctr"/>
+            <a:r>
+              <a:rPr lang="zh-CN" altLang="en-US" sz="2800" dirty="0"/>
+              <a:t>聚类</a:t>
+            </a:r>
+          </a:p>
+        </p:txBody>
+      </p:sp>
+      <p:pic>
+        <p:nvPicPr>
+          <p:cNvPr id="7" name="图片 6" descr="屏幕剪辑">
+            <a:extLst>
+              <a:ext uri="{FF2B5EF4-FFF2-40B4-BE49-F238E27FC236}">
+                <a16:creationId xmlns:a16="http://schemas.microsoft.com/office/drawing/2014/main" id="{9A6F91CB-1315-47B9-961E-F4AED0A905F2}"/>
+              </a:ext>
+            </a:extLst>
+          </p:cNvPr>
+          <p:cNvPicPr>
+            <a:picLocks noChangeAspect="1"/>
+          </p:cNvPicPr>
+          <p:nvPr/>
+        </p:nvPicPr>
+        <p:blipFill>
+          <a:blip r:embed="rId5" cstate="print">
+            <a:extLst>
+              <a:ext uri="{28A0092B-C50C-407E-A947-70E740481C1C}">
+                <a14:useLocalDpi xmlns:a14="http://schemas.microsoft.com/office/drawing/2010/main" val="0"/>
+              </a:ext>
+            </a:extLst>
+          </a:blip>
+          <a:stretch>
+            <a:fillRect/>
+          </a:stretch>
+        </p:blipFill>
+        <p:spPr>
+          <a:xfrm>
+            <a:off x="609600" y="2438400"/>
+            <a:ext cx="3373138" cy="2020657"/>
+          </a:xfrm>
+          <a:prstGeom prst="rect">
+            <a:avLst/>
+          </a:prstGeom>
+        </p:spPr>
+      </p:pic>
+      <p:sp>
+        <p:nvSpPr>
+          <p:cNvPr id="10" name="文本框 9">
+            <a:extLst>
+              <a:ext uri="{FF2B5EF4-FFF2-40B4-BE49-F238E27FC236}">
+                <a16:creationId xmlns:a16="http://schemas.microsoft.com/office/drawing/2014/main" id="{AFFE3A64-3C05-480D-9033-0A5645863432}"/>
+              </a:ext>
+            </a:extLst>
+          </p:cNvPr>
+          <p:cNvSpPr txBox="1"/>
+          <p:nvPr/>
+        </p:nvSpPr>
+        <p:spPr>
+          <a:xfrm>
+            <a:off x="1092993" y="5029200"/>
+            <a:ext cx="2362200" cy="523220"/>
+          </a:xfrm>
+          <a:prstGeom prst="rect">
+            <a:avLst/>
+          </a:prstGeom>
+          <a:noFill/>
+        </p:spPr>
+        <p:txBody>
+          <a:bodyPr wrap="square" rtlCol="0">
+            <a:spAutoFit/>
+          </a:bodyPr>
+          <a:lstStyle/>
+          <a:p>
+            <a:pPr algn="ctr"/>
+            <a:r>
+              <a:rPr lang="zh-CN" altLang="en-US" sz="2800" dirty="0"/>
+              <a:t>回归</a:t>
+            </a:r>
+          </a:p>
+        </p:txBody>
+      </p:sp>
+      <p:cxnSp>
+        <p:nvCxnSpPr>
+          <p:cNvPr id="6" name="直接连接符 5">
+            <a:extLst>
+              <a:ext uri="{FF2B5EF4-FFF2-40B4-BE49-F238E27FC236}">
+                <a16:creationId xmlns:a16="http://schemas.microsoft.com/office/drawing/2014/main" id="{C9BD704F-7FBF-4868-AFDF-6A931AEDEA58}"/>
+              </a:ext>
+            </a:extLst>
+          </p:cNvPr>
+          <p:cNvCxnSpPr/>
+          <p:nvPr/>
+        </p:nvCxnSpPr>
+        <p:spPr>
+          <a:xfrm>
+            <a:off x="685800" y="5644948"/>
+            <a:ext cx="3352800" cy="0"/>
+          </a:xfrm>
+          <a:prstGeom prst="line">
+            <a:avLst/>
+          </a:prstGeom>
+        </p:spPr>
+        <p:style>
+          <a:lnRef idx="3">
+            <a:schemeClr val="accent2"/>
+          </a:lnRef>
+          <a:fillRef idx="0">
+            <a:schemeClr val="accent2"/>
+          </a:fillRef>
+          <a:effectRef idx="2">
+            <a:schemeClr val="accent2"/>
+          </a:effectRef>
+          <a:fontRef idx="minor">
+            <a:schemeClr val="tx1"/>
+          </a:fontRef>
+        </p:style>
+      </p:cxnSp>
+    </p:spTree>
+    <p:custDataLst>
+      <p:tags r:id="rId1"/>
+    </p:custDataLst>
+    <p:extLst>
+      <p:ext uri="{BB962C8B-B14F-4D97-AF65-F5344CB8AC3E}">
+        <p14:creationId xmlns:p14="http://schemas.microsoft.com/office/powerpoint/2010/main" val="3191425230"/>
+      </p:ext>
+    </p:extLst>
+  </p:cSld>
+  <p:clrMapOvr>
+    <a:masterClrMapping/>
+  </p:clrMapOvr>
+  <p:timing>
+    <p:tnLst>
+      <p:par>
+        <p:cTn id="1" dur="indefinite" restart="never" nodeType="tmRoot">
+          <p:childTnLst>
+            <p:seq concurrent="1" nextAc="seek">
+              <p:cTn id="2" dur="indefinite" nodeType="mainSeq">
+                <p:childTnLst>
+                  <p:par>
+                    <p:cTn id="3" fill="hold">
+                      <p:stCondLst>
+                        <p:cond delay="indefinite"/>
+                      </p:stCondLst>
+                      <p:childTnLst>
+                        <p:par>
+                          <p:cTn id="4" fill="hold">
+                            <p:stCondLst>
+                              <p:cond delay="0"/>
+                            </p:stCondLst>
+                            <p:childTnLst>
+                              <p:par>
+                                <p:cTn id="5" presetID="10" presetClass="entr" presetSubtype="0" fill="hold" nodeType="clickEffect">
+                                  <p:stCondLst>
+                                    <p:cond delay="0"/>
+                                  </p:stCondLst>
+                                  <p:childTnLst>
+                                    <p:set>
+                                      <p:cBhvr>
+                                        <p:cTn id="6" dur="1" fill="hold">
+                                          <p:stCondLst>
+                                            <p:cond delay="0"/>
+                                          </p:stCondLst>
+                                        </p:cTn>
+                                        <p:tgtEl>
+                                          <p:spTgt spid="6"/>
+                                        </p:tgtEl>
+                                        <p:attrNameLst>
+                                          <p:attrName>style.visibility</p:attrName>
+                                        </p:attrNameLst>
+                                      </p:cBhvr>
+                                      <p:to>
+                                        <p:strVal val="visible"/>
+                                      </p:to>
+                                    </p:set>
+                                    <p:animEffect transition="in" filter="fade">
+                                      <p:cBhvr>
+                                        <p:cTn id="7" dur="500"/>
+                                        <p:tgtEl>
+                                          <p:spTgt spid="6"/>
+                                        </p:tgtEl>
+                                      </p:cBhvr>
+                                    </p:animEffect>
+                                  </p:childTnLst>
+                                </p:cTn>
+                              </p:par>
+                            </p:childTnLst>
+                          </p:cTn>
+                        </p:par>
+                      </p:childTnLst>
+                    </p:cTn>
+                  </p:par>
+                </p:childTnLst>
+              </p:cTn>
+              <p:prevCondLst>
+                <p:cond evt="onPrev" delay="0">
+                  <p:tgtEl>
+                    <p:sldTgt/>
+                  </p:tgtEl>
+                </p:cond>
+              </p:prevCondLst>
+              <p:nextCondLst>
+                <p:cond evt="onNext" delay="0">
+                  <p:tgtEl>
+                    <p:sldTgt/>
+                  </p:tgtEl>
+                </p:cond>
+              </p:nextCondLst>
+            </p:seq>
+          </p:childTnLst>
+        </p:cTn>
+      </p:par>
+    </p:tnLst>
+  </p:timing>
 </p:sld>
 </file>
 
@@ -17731,319 +22708,73 @@
           <a:p>
             <a:r>
               <a:rPr lang="zh-CN" altLang="en-US" dirty="0"/>
-              <a:t>参数学习</a:t>
+              <a:t>模型</a:t>
             </a:r>
           </a:p>
         </p:txBody>
       </p:sp>
-      <mc:AlternateContent xmlns:mc="http://schemas.openxmlformats.org/markup-compatibility/2006" xmlns:a14="http://schemas.microsoft.com/office/drawing/2010/main">
-        <mc:Choice Requires="a14">
-          <p:sp>
-            <p:nvSpPr>
-              <p:cNvPr id="3" name="内容占位符 2"/>
-              <p:cNvSpPr>
-                <a:spLocks noGrp="1"/>
-              </p:cNvSpPr>
-              <p:nvPr>
-                <p:ph sz="quarter" idx="1"/>
-              </p:nvPr>
-            </p:nvSpPr>
-            <p:spPr/>
-            <p:txBody>
-              <a:bodyPr/>
-              <a:lstStyle/>
-              <a:p>
-                <a:r>
-                  <a:rPr lang="zh-CN" altLang="en-US" dirty="0"/>
-                  <a:t>期望风险未知，通过</a:t>
-                </a:r>
-                <a:r>
-                  <a:rPr lang="zh-CN" altLang="en-US" dirty="0">
-                    <a:solidFill>
-                      <a:srgbClr val="FF0000"/>
-                    </a:solidFill>
-                  </a:rPr>
-                  <a:t>经验风险</a:t>
-                </a:r>
-                <a:r>
-                  <a:rPr lang="zh-CN" altLang="en-US" dirty="0"/>
-                  <a:t>近似</a:t>
-                </a:r>
-                <a:endParaRPr lang="en-US" altLang="zh-CN" dirty="0"/>
-              </a:p>
-              <a:p>
-                <a:pPr lvl="1"/>
-                <a:r>
-                  <a:rPr lang="zh-CN" altLang="en-US" dirty="0"/>
-                  <a:t>训练数据：</a:t>
-                </a:r>
-                <a14:m>
-                  <m:oMath xmlns:m="http://schemas.openxmlformats.org/officeDocument/2006/math">
-                    <m:r>
-                      <a:rPr lang="zh-CN" altLang="en-US" i="1" dirty="0">
-                        <a:latin typeface="Cambria Math" panose="02040503050406030204" pitchFamily="18" charset="0"/>
-                      </a:rPr>
-                      <m:t>𝒟</m:t>
-                    </m:r>
-                    <m:r>
-                      <a:rPr lang="en-US" altLang="zh-CN" dirty="0">
-                        <a:latin typeface="Cambria Math" panose="02040503050406030204" pitchFamily="18" charset="0"/>
-                      </a:rPr>
-                      <m:t>=</m:t>
-                    </m:r>
-                    <m:d>
-                      <m:dPr>
-                        <m:begChr m:val="{"/>
-                        <m:endChr m:val="}"/>
-                        <m:ctrlPr>
-                          <a:rPr lang="en-US" altLang="zh-CN" i="1" dirty="0">
-                            <a:latin typeface="Cambria Math" panose="02040503050406030204" pitchFamily="18" charset="0"/>
-                          </a:rPr>
-                        </m:ctrlPr>
-                      </m:dPr>
-                      <m:e>
-                        <m:sSup>
-                          <m:sSupPr>
-                            <m:ctrlPr>
-                              <a:rPr lang="en-US" altLang="zh-CN" i="1" dirty="0">
-                                <a:latin typeface="Cambria Math" panose="02040503050406030204" pitchFamily="18" charset="0"/>
-                              </a:rPr>
-                            </m:ctrlPr>
-                          </m:sSupPr>
-                          <m:e>
-                            <m:r>
-                              <m:rPr>
-                                <m:sty m:val="p"/>
-                              </m:rPr>
-                              <a:rPr lang="en-US" altLang="zh-CN" dirty="0">
-                                <a:latin typeface="Cambria Math" panose="02040503050406030204" pitchFamily="18" charset="0"/>
-                              </a:rPr>
-                              <m:t>x</m:t>
-                            </m:r>
-                          </m:e>
-                          <m:sup>
-                            <m:d>
-                              <m:dPr>
-                                <m:ctrlPr>
-                                  <a:rPr lang="en-US" altLang="zh-CN" i="1" dirty="0">
-                                    <a:latin typeface="Cambria Math" panose="02040503050406030204" pitchFamily="18" charset="0"/>
-                                  </a:rPr>
-                                </m:ctrlPr>
-                              </m:dPr>
-                              <m:e>
-                                <m:r>
-                                  <m:rPr>
-                                    <m:sty m:val="p"/>
-                                  </m:rPr>
-                                  <a:rPr lang="en-US" altLang="zh-CN" i="1" dirty="0">
-                                    <a:latin typeface="Cambria Math" panose="02040503050406030204" pitchFamily="18" charset="0"/>
-                                  </a:rPr>
-                                  <m:t>n</m:t>
-                                </m:r>
-                              </m:e>
-                            </m:d>
-                          </m:sup>
-                        </m:sSup>
-                        <m:r>
-                          <a:rPr lang="en-US" altLang="zh-CN" dirty="0">
-                            <a:latin typeface="Cambria Math" panose="02040503050406030204" pitchFamily="18" charset="0"/>
-                          </a:rPr>
-                          <m:t>,</m:t>
-                        </m:r>
-                        <m:sSup>
-                          <m:sSupPr>
-                            <m:ctrlPr>
-                              <a:rPr lang="en-US" altLang="zh-CN" i="1" dirty="0">
-                                <a:latin typeface="Cambria Math" panose="02040503050406030204" pitchFamily="18" charset="0"/>
-                              </a:rPr>
-                            </m:ctrlPr>
-                          </m:sSupPr>
-                          <m:e>
-                            <m:r>
-                              <a:rPr lang="en-US" altLang="zh-CN" dirty="0">
-                                <a:latin typeface="Cambria Math" panose="02040503050406030204" pitchFamily="18" charset="0"/>
-                              </a:rPr>
-                              <m:t>𝑦</m:t>
-                            </m:r>
-                          </m:e>
-                          <m:sup>
-                            <m:d>
-                              <m:dPr>
-                                <m:ctrlPr>
-                                  <a:rPr lang="en-US" altLang="zh-CN" i="1" dirty="0">
-                                    <a:latin typeface="Cambria Math" panose="02040503050406030204" pitchFamily="18" charset="0"/>
-                                  </a:rPr>
-                                </m:ctrlPr>
-                              </m:dPr>
-                              <m:e>
-                                <m:r>
-                                  <m:rPr>
-                                    <m:sty m:val="p"/>
-                                  </m:rPr>
-                                  <a:rPr lang="en-US" altLang="zh-CN" i="1" dirty="0">
-                                    <a:latin typeface="Cambria Math" panose="02040503050406030204" pitchFamily="18" charset="0"/>
-                                  </a:rPr>
-                                  <m:t>n</m:t>
-                                </m:r>
-                              </m:e>
-                            </m:d>
-                          </m:sup>
-                        </m:sSup>
-                      </m:e>
-                    </m:d>
-                    <m:r>
-                      <a:rPr lang="en-US" altLang="zh-CN" dirty="0">
-                        <a:latin typeface="Cambria Math" panose="02040503050406030204" pitchFamily="18" charset="0"/>
-                      </a:rPr>
-                      <m:t>, </m:t>
-                    </m:r>
-                    <m:r>
-                      <a:rPr lang="en-US" altLang="zh-CN" dirty="0">
-                        <a:latin typeface="Cambria Math" panose="02040503050406030204" pitchFamily="18" charset="0"/>
-                      </a:rPr>
-                      <m:t>𝑖</m:t>
-                    </m:r>
-                    <m:r>
-                      <a:rPr lang="en-US" altLang="zh-CN" dirty="0">
-                        <a:latin typeface="Cambria Math" panose="02040503050406030204" pitchFamily="18" charset="0"/>
-                      </a:rPr>
-                      <m:t>∈[1,</m:t>
-                    </m:r>
-                    <m:r>
-                      <a:rPr lang="en-US" altLang="zh-CN" dirty="0">
-                        <a:latin typeface="Cambria Math" panose="02040503050406030204" pitchFamily="18" charset="0"/>
-                      </a:rPr>
-                      <m:t>𝑁</m:t>
-                    </m:r>
-                    <m:r>
-                      <a:rPr lang="en-US" altLang="zh-CN" dirty="0">
-                        <a:latin typeface="Cambria Math" panose="02040503050406030204" pitchFamily="18" charset="0"/>
-                      </a:rPr>
-                      <m:t>]</m:t>
-                    </m:r>
-                  </m:oMath>
-                </a14:m>
-                <a:endParaRPr lang="en-US" altLang="zh-CN" dirty="0"/>
-              </a:p>
-              <a:p>
-                <a:pPr lvl="1"/>
-                <a:endParaRPr lang="en-US" altLang="zh-CN" dirty="0"/>
-              </a:p>
-              <a:p>
-                <a:endParaRPr lang="en-US" altLang="zh-CN" dirty="0"/>
-              </a:p>
-              <a:p>
-                <a:endParaRPr lang="en-US" altLang="zh-CN" dirty="0"/>
-              </a:p>
-              <a:p>
-                <a:r>
-                  <a:rPr lang="zh-CN" altLang="en-US" dirty="0">
-                    <a:solidFill>
-                      <a:srgbClr val="FF0000"/>
-                    </a:solidFill>
-                  </a:rPr>
-                  <a:t>经验风险最小化</a:t>
-                </a:r>
-                <a:endParaRPr lang="en-US" altLang="zh-CN" dirty="0">
-                  <a:solidFill>
-                    <a:srgbClr val="FF0000"/>
-                  </a:solidFill>
-                </a:endParaRPr>
-              </a:p>
-              <a:p>
-                <a:pPr lvl="1"/>
-                <a:r>
-                  <a:rPr lang="zh-CN" altLang="en-US" dirty="0"/>
-                  <a:t>在选择合适的风险函数后，我们寻找一个参数</a:t>
-                </a:r>
-                <a:r>
-                  <a:rPr lang="en-US" altLang="zh-CN" dirty="0"/>
-                  <a:t>θ</a:t>
-                </a:r>
-                <a:r>
-                  <a:rPr lang="en-US" altLang="zh-CN" baseline="30000" dirty="0"/>
-                  <a:t>∗</a:t>
-                </a:r>
-                <a:r>
-                  <a:rPr lang="en-US" altLang="zh-CN" dirty="0"/>
-                  <a:t> </a:t>
-                </a:r>
-                <a:r>
-                  <a:rPr lang="zh-CN" altLang="en-US" dirty="0"/>
-                  <a:t>，使得经验风险函数最小化。</a:t>
-                </a:r>
-                <a:endParaRPr lang="en-US" altLang="zh-CN" dirty="0"/>
-              </a:p>
-              <a:p>
-                <a:endParaRPr lang="en-US" altLang="zh-CN" dirty="0"/>
-              </a:p>
-              <a:p>
-                <a:pPr marL="0" indent="0">
-                  <a:buNone/>
-                </a:pPr>
-                <a:endParaRPr lang="en-US" altLang="zh-CN" dirty="0"/>
-              </a:p>
-              <a:p>
-                <a:r>
-                  <a:rPr lang="zh-CN" altLang="en-US" dirty="0"/>
-                  <a:t>机器学习问题转化成为一个</a:t>
-                </a:r>
-                <a:r>
-                  <a:rPr lang="zh-CN" altLang="en-US" dirty="0">
-                    <a:solidFill>
-                      <a:srgbClr val="FF0000"/>
-                    </a:solidFill>
-                  </a:rPr>
-                  <a:t>最优化问题</a:t>
-                </a:r>
-              </a:p>
-            </p:txBody>
-          </p:sp>
-        </mc:Choice>
-        <mc:Fallback xmlns="">
-          <p:sp>
-            <p:nvSpPr>
-              <p:cNvPr id="3" name="内容占位符 2"/>
-              <p:cNvSpPr>
-                <a:spLocks noGrp="1" noRot="1" noChangeAspect="1" noMove="1" noResize="1" noEditPoints="1" noAdjustHandles="1" noChangeArrowheads="1" noChangeShapeType="1" noTextEdit="1"/>
-              </p:cNvSpPr>
-              <p:nvPr>
-                <p:ph sz="quarter" idx="1"/>
-              </p:nvPr>
-            </p:nvSpPr>
-            <p:spPr>
-              <a:blipFill>
-                <a:blip r:embed="rId2"/>
-                <a:stretch>
-                  <a:fillRect l="-741" t="-1235" r="-963" b="-7284"/>
-                </a:stretch>
-              </a:blipFill>
-            </p:spPr>
-            <p:txBody>
-              <a:bodyPr/>
-              <a:lstStyle/>
-              <a:p>
-                <a:r>
-                  <a:rPr lang="zh-CN" altLang="en-US">
-                    <a:noFill/>
-                  </a:rPr>
-                  <a:t> </a:t>
-                </a:r>
-              </a:p>
-            </p:txBody>
-          </p:sp>
-        </mc:Fallback>
-      </mc:AlternateContent>
+      <p:sp>
+        <p:nvSpPr>
+          <p:cNvPr id="3" name="内容占位符 2"/>
+          <p:cNvSpPr>
+            <a:spLocks noGrp="1"/>
+          </p:cNvSpPr>
+          <p:nvPr>
+            <p:ph sz="quarter" idx="1"/>
+          </p:nvPr>
+        </p:nvSpPr>
+        <p:spPr/>
+        <p:txBody>
+          <a:bodyPr/>
+          <a:lstStyle/>
+          <a:p>
+            <a:r>
+              <a:rPr lang="zh-CN" altLang="en-US" dirty="0"/>
+              <a:t>以线性回归（</a:t>
+            </a:r>
+            <a:r>
+              <a:rPr lang="en-US" altLang="zh-CN" dirty="0"/>
+              <a:t>Linear Regression</a:t>
+            </a:r>
+            <a:r>
+              <a:rPr lang="zh-CN" altLang="en-US" dirty="0"/>
+              <a:t>）为例</a:t>
+            </a:r>
+            <a:endParaRPr lang="en-US" altLang="zh-CN" dirty="0"/>
+          </a:p>
+          <a:p>
+            <a:r>
+              <a:rPr lang="zh-CN" altLang="en-US" dirty="0"/>
+              <a:t>模型：</a:t>
+            </a:r>
+            <a:endParaRPr lang="en-US" altLang="zh-CN" dirty="0"/>
+          </a:p>
+          <a:p>
+            <a:pPr marL="205978" lvl="1" indent="0">
+              <a:buNone/>
+            </a:pPr>
+            <a:endParaRPr lang="en-US" altLang="zh-CN" sz="2000" dirty="0"/>
+          </a:p>
+          <a:p>
+            <a:pPr lvl="1"/>
+            <a:endParaRPr lang="en-US" altLang="zh-CN" sz="2000" dirty="0"/>
+          </a:p>
+          <a:p>
+            <a:pPr lvl="1"/>
+            <a:endParaRPr lang="en-US" altLang="zh-CN" sz="2000" dirty="0"/>
+          </a:p>
+        </p:txBody>
+      </p:sp>
       <p:pic>
         <p:nvPicPr>
-          <p:cNvPr id="7" name="图片 6" descr="屏幕剪辑"/>
+          <p:cNvPr id="4" name="图片 3" descr="屏幕剪辑"/>
           <p:cNvPicPr>
             <a:picLocks noChangeAspect="1"/>
           </p:cNvPicPr>
           <p:nvPr/>
         </p:nvPicPr>
         <p:blipFill>
-          <a:blip r:embed="rId3">
+          <a:blip r:embed="rId2">
             <a:extLst>
               <a:ext uri="{28A0092B-C50C-407E-A947-70E740481C1C}">
                 <a14:useLocalDpi xmlns:a14="http://schemas.microsoft.com/office/drawing/2010/main" val="0"/>
@@ -18056,8 +22787,8 @@
         </p:blipFill>
         <p:spPr>
           <a:xfrm>
-            <a:off x="3505200" y="2350533"/>
-            <a:ext cx="4433826" cy="911689"/>
+            <a:off x="2438400" y="2133600"/>
+            <a:ext cx="3530989" cy="711278"/>
           </a:xfrm>
           <a:prstGeom prst="rect">
             <a:avLst/>
@@ -18066,14 +22797,14 @@
       </p:pic>
       <p:pic>
         <p:nvPicPr>
-          <p:cNvPr id="8" name="图片 7" descr="屏幕剪辑"/>
+          <p:cNvPr id="6" name="图片 5" descr="屏幕剪辑"/>
           <p:cNvPicPr>
             <a:picLocks noChangeAspect="1"/>
           </p:cNvPicPr>
           <p:nvPr/>
         </p:nvPicPr>
         <p:blipFill>
-          <a:blip r:embed="rId4">
+          <a:blip r:embed="rId3" cstate="print">
             <a:extLst>
               <a:ext uri="{28A0092B-C50C-407E-A947-70E740481C1C}">
                 <a14:useLocalDpi xmlns:a14="http://schemas.microsoft.com/office/drawing/2010/main" val="0"/>
@@ -18086,8 +22817,8 @@
         </p:blipFill>
         <p:spPr>
           <a:xfrm>
-            <a:off x="4191000" y="4572000"/>
-            <a:ext cx="3227673" cy="848148"/>
+            <a:off x="3581400" y="3505200"/>
+            <a:ext cx="3962400" cy="2373651"/>
           </a:xfrm>
           <a:prstGeom prst="rect">
             <a:avLst/>
@@ -18097,7 +22828,7 @@
     </p:spTree>
     <p:extLst>
       <p:ext uri="{BB962C8B-B14F-4D97-AF65-F5344CB8AC3E}">
-        <p14:creationId xmlns:p14="http://schemas.microsoft.com/office/powerpoint/2010/main" val="2316915158"/>
+        <p14:creationId xmlns:p14="http://schemas.microsoft.com/office/powerpoint/2010/main" val="3755236446"/>
       </p:ext>
     </p:extLst>
   </p:cSld>
@@ -18141,15 +22872,7 @@
           <a:p>
             <a:r>
               <a:rPr lang="zh-CN" altLang="en-US" dirty="0"/>
-              <a:t>线性回归（</a:t>
-            </a:r>
-            <a:r>
-              <a:rPr lang="en-US" altLang="zh-CN" dirty="0"/>
-              <a:t>Linear Regression</a:t>
-            </a:r>
-            <a:r>
-              <a:rPr lang="zh-CN" altLang="en-US" dirty="0"/>
-              <a:t>）</a:t>
+              <a:t>学习准则</a:t>
             </a:r>
           </a:p>
         </p:txBody>
@@ -18171,32 +22894,41 @@
           <a:p>
             <a:r>
               <a:rPr lang="zh-CN" altLang="en-US" dirty="0"/>
-              <a:t>模型：</a:t>
+              <a:t>损失函数</a:t>
             </a:r>
             <a:endParaRPr lang="en-US" altLang="zh-CN" dirty="0"/>
           </a:p>
           <a:p>
+            <a:pPr lvl="1"/>
+            <a:r>
+              <a:rPr lang="en-US" altLang="zh-CN" dirty="0"/>
+              <a:t>0-1</a:t>
+            </a:r>
+            <a:r>
+              <a:rPr lang="zh-CN" altLang="en-US" dirty="0"/>
+              <a:t>损失函数</a:t>
+            </a:r>
             <a:endParaRPr lang="en-US" altLang="zh-CN" dirty="0"/>
           </a:p>
           <a:p>
+            <a:endParaRPr lang="en-US" altLang="zh-CN" dirty="0"/>
+          </a:p>
+          <a:p>
+            <a:endParaRPr lang="en-US" altLang="zh-CN" dirty="0"/>
+          </a:p>
+          <a:p>
             <a:pPr lvl="1"/>
             <a:r>
-              <a:rPr lang="zh-CN" altLang="en-US" sz="2000" dirty="0"/>
-              <a:t>增广权重向量和增广特征向量</a:t>
-            </a:r>
-            <a:endParaRPr lang="en-US" altLang="zh-CN" sz="2000" dirty="0"/>
-          </a:p>
-          <a:p>
-            <a:pPr lvl="1"/>
-            <a:endParaRPr lang="en-US" altLang="zh-CN" sz="2000" dirty="0"/>
-          </a:p>
-          <a:p>
-            <a:pPr lvl="1"/>
-            <a:endParaRPr lang="en-US" altLang="zh-CN" sz="2000" dirty="0"/>
-          </a:p>
-          <a:p>
-            <a:pPr lvl="1"/>
-            <a:endParaRPr lang="en-US" altLang="zh-CN" sz="2000" dirty="0"/>
+              <a:rPr lang="zh-CN" altLang="en-US" dirty="0"/>
+              <a:t>平方损失函数</a:t>
+            </a:r>
+            <a:endParaRPr lang="en-US" altLang="zh-CN" dirty="0"/>
+          </a:p>
+          <a:p>
+            <a:pPr marL="0" indent="0">
+              <a:buNone/>
+            </a:pPr>
+            <a:endParaRPr lang="en-US" altLang="zh-CN" dirty="0"/>
           </a:p>
         </p:txBody>
       </p:sp>
@@ -18212,7 +22944,7 @@
           <a:blip r:embed="rId2">
             <a:extLst>
               <a:ext uri="{28A0092B-C50C-407E-A947-70E740481C1C}">
-                <a14:useLocalDpi xmlns:a14="http://schemas.microsoft.com/office/drawing/2010/main" val="0"/>
+                <a14:useLocalDpi xmlns:a14="http://schemas.microsoft.com/office/drawing/2010/main"/>
               </a:ext>
             </a:extLst>
           </a:blip>
@@ -18222,8 +22954,8 @@
         </p:blipFill>
         <p:spPr>
           <a:xfrm>
-            <a:off x="3733801" y="1371600"/>
-            <a:ext cx="3530989" cy="711278"/>
+            <a:off x="3962400" y="2103221"/>
+            <a:ext cx="3629532" cy="990738"/>
           </a:xfrm>
           <a:prstGeom prst="rect">
             <a:avLst/>
@@ -18239,10 +22971,10 @@
           <p:nvPr/>
         </p:nvPicPr>
         <p:blipFill>
-          <a:blip r:embed="rId3" cstate="print">
+          <a:blip r:embed="rId3">
             <a:extLst>
               <a:ext uri="{28A0092B-C50C-407E-A947-70E740481C1C}">
-                <a14:useLocalDpi xmlns:a14="http://schemas.microsoft.com/office/drawing/2010/main" val="0"/>
+                <a14:useLocalDpi xmlns:a14="http://schemas.microsoft.com/office/drawing/2010/main"/>
               </a:ext>
             </a:extLst>
           </a:blip>
@@ -18252,38 +22984,8 @@
         </p:blipFill>
         <p:spPr>
           <a:xfrm>
-            <a:off x="6067498" y="2180591"/>
-            <a:ext cx="2743200" cy="672084"/>
-          </a:xfrm>
-          <a:prstGeom prst="rect">
-            <a:avLst/>
-          </a:prstGeom>
-        </p:spPr>
-      </p:pic>
-      <p:pic>
-        <p:nvPicPr>
-          <p:cNvPr id="6" name="图片 5" descr="屏幕剪辑"/>
-          <p:cNvPicPr>
-            <a:picLocks noChangeAspect="1"/>
-          </p:cNvPicPr>
-          <p:nvPr/>
-        </p:nvPicPr>
-        <p:blipFill>
-          <a:blip r:embed="rId4" cstate="print">
-            <a:extLst>
-              <a:ext uri="{28A0092B-C50C-407E-A947-70E740481C1C}">
-                <a14:useLocalDpi xmlns:a14="http://schemas.microsoft.com/office/drawing/2010/main" val="0"/>
-              </a:ext>
-            </a:extLst>
-          </a:blip>
-          <a:stretch>
-            <a:fillRect/>
-          </a:stretch>
-        </p:blipFill>
-        <p:spPr>
-          <a:xfrm>
-            <a:off x="3048000" y="2971800"/>
-            <a:ext cx="5126954" cy="3071270"/>
+            <a:off x="4267200" y="3916681"/>
+            <a:ext cx="3048000" cy="633984"/>
           </a:xfrm>
           <a:prstGeom prst="rect">
             <a:avLst/>
@@ -18293,7 +22995,7 @@
     </p:spTree>
     <p:extLst>
       <p:ext uri="{BB962C8B-B14F-4D97-AF65-F5344CB8AC3E}">
-        <p14:creationId xmlns:p14="http://schemas.microsoft.com/office/powerpoint/2010/main" val="3755236446"/>
+        <p14:creationId xmlns:p14="http://schemas.microsoft.com/office/powerpoint/2010/main" val="2729636745"/>
       </p:ext>
     </p:extLst>
   </p:cSld>
@@ -18301,6 +23003,70 @@
     <a:masterClrMapping/>
   </p:clrMapOvr>
 </p:sld>
+</file>
+
+<file path=ppt/tags/tag1.xml><?xml version="1.0" encoding="utf-8"?>
+<p:tagLst xmlns:a="http://schemas.openxmlformats.org/drawingml/2006/main" xmlns:r="http://schemas.openxmlformats.org/officeDocument/2006/relationships" xmlns:p="http://schemas.openxmlformats.org/presentationml/2006/main">
+  <p:tag name="TIMING" val="|7.6"/>
+</p:tagLst>
+</file>
+
+<file path=ppt/tags/tag2.xml><?xml version="1.0" encoding="utf-8"?>
+<p:tagLst xmlns:a="http://schemas.openxmlformats.org/drawingml/2006/main" xmlns:r="http://schemas.openxmlformats.org/officeDocument/2006/relationships" xmlns:p="http://schemas.openxmlformats.org/presentationml/2006/main">
+  <p:tag name="TIMING" val="|82.4"/>
+</p:tagLst>
+</file>
+
+<file path=ppt/tags/tag3.xml><?xml version="1.0" encoding="utf-8"?>
+<p:tagLst xmlns:a="http://schemas.openxmlformats.org/drawingml/2006/main" xmlns:r="http://schemas.openxmlformats.org/officeDocument/2006/relationships" xmlns:p="http://schemas.openxmlformats.org/presentationml/2006/main">
+  <p:tag name="TIMING" val="|8.3|147.8"/>
+</p:tagLst>
+</file>
+
+<file path=ppt/tags/tag4.xml><?xml version="1.0" encoding="utf-8"?>
+<p:tagLst xmlns:a="http://schemas.openxmlformats.org/drawingml/2006/main" xmlns:r="http://schemas.openxmlformats.org/officeDocument/2006/relationships" xmlns:p="http://schemas.openxmlformats.org/presentationml/2006/main">
+  <p:tag name="TIMING" val="|54.9"/>
+</p:tagLst>
+</file>
+
+<file path=ppt/tags/tag5.xml><?xml version="1.0" encoding="utf-8"?>
+<p:tagLst xmlns:a="http://schemas.openxmlformats.org/drawingml/2006/main" xmlns:r="http://schemas.openxmlformats.org/officeDocument/2006/relationships" xmlns:p="http://schemas.openxmlformats.org/presentationml/2006/main">
+  <p:tag name="TIMING" val="|3.4|29.3|3"/>
+</p:tagLst>
+</file>
+
+<file path=ppt/tags/tag6.xml><?xml version="1.0" encoding="utf-8"?>
+<p:tagLst xmlns:a="http://schemas.openxmlformats.org/drawingml/2006/main" xmlns:r="http://schemas.openxmlformats.org/officeDocument/2006/relationships" xmlns:p="http://schemas.openxmlformats.org/presentationml/2006/main">
+  <p:tag name="TIMING" val="|221.4"/>
+</p:tagLst>
+</file>
+
+<file path=ppt/tags/tag7.xml><?xml version="1.0" encoding="utf-8"?>
+<p:tagLst xmlns:a="http://schemas.openxmlformats.org/drawingml/2006/main" xmlns:r="http://schemas.openxmlformats.org/officeDocument/2006/relationships" xmlns:p="http://schemas.openxmlformats.org/presentationml/2006/main">
+  <p:tag name="TEXPOINT" val="latex"/>
+  <p:tag name="SOURCE" val="\documentclass{book}&#10;\pagestyle{empty}&#10;\input{C:/Users/markussv/depots/CMBBOOK/latex/prml-utils}&#10;\begin{document}&#10;\[&#10;    p(Y|X) = \frac{p(X|Y)p(Y)}{p(X)}&#10;\]&#10;\end{document}&#10;"/>
+  <p:tag name="FILENAME" val="TP_tmp"/>
+  <p:tag name="FORMAT" val="png256"/>
+  <p:tag name="RES" val="600"/>
+  <p:tag name="BLEND" val="0"/>
+  <p:tag name="TRANSPARENT" val="0"/>
+  <p:tag name="TBUG" val="0"/>
+  <p:tag name="ALLOWFS" val="0"/>
+  <p:tag name="ORIGWIDTH" val="102"/>
+  <p:tag name="PICTUREFILESIZE" val="4991"/>
+</p:tagLst>
+</file>
+
+<file path=ppt/tags/tag8.xml><?xml version="1.0" encoding="utf-8"?>
+<p:tagLst xmlns:a="http://schemas.openxmlformats.org/drawingml/2006/main" xmlns:r="http://schemas.openxmlformats.org/officeDocument/2006/relationships" xmlns:p="http://schemas.openxmlformats.org/presentationml/2006/main">
+  <p:tag name="TIMING" val="|99.9"/>
+</p:tagLst>
+</file>
+
+<file path=ppt/tags/tag9.xml><?xml version="1.0" encoding="utf-8"?>
+<p:tagLst xmlns:a="http://schemas.openxmlformats.org/drawingml/2006/main" xmlns:r="http://schemas.openxmlformats.org/officeDocument/2006/relationships" xmlns:p="http://schemas.openxmlformats.org/presentationml/2006/main">
+  <p:tag name="TIMING" val="|118.5|1.3"/>
+</p:tagLst>
 </file>
 
 <file path=ppt/theme/theme1.xml><?xml version="1.0" encoding="utf-8"?>

--- a/ppt/chap-机器学习概述.pptx
+++ b/ppt/chap-机器学习概述.pptx
@@ -5,7 +5,7 @@
     <p:sldMasterId id="2147483756" r:id="rId1"/>
   </p:sldMasterIdLst>
   <p:notesMasterIdLst>
-    <p:notesMasterId r:id="rId60"/>
+    <p:notesMasterId r:id="rId62"/>
   </p:notesMasterIdLst>
   <p:sldIdLst>
     <p:sldId id="256" r:id="rId2"/>
@@ -24,22 +24,22 @@
     <p:sldId id="487" r:id="rId15"/>
     <p:sldId id="483" r:id="rId16"/>
     <p:sldId id="473" r:id="rId17"/>
-    <p:sldId id="505" r:id="rId18"/>
-    <p:sldId id="474" r:id="rId19"/>
-    <p:sldId id="477" r:id="rId20"/>
-    <p:sldId id="478" r:id="rId21"/>
-    <p:sldId id="488" r:id="rId22"/>
-    <p:sldId id="496" r:id="rId23"/>
-    <p:sldId id="709" r:id="rId24"/>
-    <p:sldId id="498" r:id="rId25"/>
-    <p:sldId id="724" r:id="rId26"/>
-    <p:sldId id="727" r:id="rId27"/>
-    <p:sldId id="710" r:id="rId28"/>
-    <p:sldId id="728" r:id="rId29"/>
-    <p:sldId id="1303" r:id="rId30"/>
-    <p:sldId id="725" r:id="rId31"/>
-    <p:sldId id="1298" r:id="rId32"/>
-    <p:sldId id="1299" r:id="rId33"/>
+    <p:sldId id="474" r:id="rId18"/>
+    <p:sldId id="477" r:id="rId19"/>
+    <p:sldId id="478" r:id="rId20"/>
+    <p:sldId id="488" r:id="rId21"/>
+    <p:sldId id="496" r:id="rId22"/>
+    <p:sldId id="709" r:id="rId23"/>
+    <p:sldId id="498" r:id="rId24"/>
+    <p:sldId id="724" r:id="rId25"/>
+    <p:sldId id="727" r:id="rId26"/>
+    <p:sldId id="710" r:id="rId27"/>
+    <p:sldId id="728" r:id="rId28"/>
+    <p:sldId id="1303" r:id="rId29"/>
+    <p:sldId id="725" r:id="rId30"/>
+    <p:sldId id="1298" r:id="rId31"/>
+    <p:sldId id="1299" r:id="rId32"/>
+    <p:sldId id="1310" r:id="rId33"/>
     <p:sldId id="1300" r:id="rId34"/>
     <p:sldId id="1301" r:id="rId35"/>
     <p:sldId id="719" r:id="rId36"/>
@@ -59,13 +59,15 @@
     <p:sldId id="510" r:id="rId50"/>
     <p:sldId id="504" r:id="rId51"/>
     <p:sldId id="480" r:id="rId52"/>
-    <p:sldId id="481" r:id="rId53"/>
-    <p:sldId id="502" r:id="rId54"/>
-    <p:sldId id="503" r:id="rId55"/>
-    <p:sldId id="712" r:id="rId56"/>
-    <p:sldId id="713" r:id="rId57"/>
-    <p:sldId id="711" r:id="rId58"/>
-    <p:sldId id="447" r:id="rId59"/>
+    <p:sldId id="502" r:id="rId53"/>
+    <p:sldId id="503" r:id="rId54"/>
+    <p:sldId id="712" r:id="rId55"/>
+    <p:sldId id="713" r:id="rId56"/>
+    <p:sldId id="1307" r:id="rId57"/>
+    <p:sldId id="1308" r:id="rId58"/>
+    <p:sldId id="1309" r:id="rId59"/>
+    <p:sldId id="711" r:id="rId60"/>
+    <p:sldId id="447" r:id="rId61"/>
   </p:sldIdLst>
   <p:sldSz cx="12192000" cy="6858000"/>
   <p:notesSz cx="6858000" cy="9144000"/>
@@ -215,7 +217,6 @@
             <p14:sldId id="487"/>
             <p14:sldId id="483"/>
             <p14:sldId id="473"/>
-            <p14:sldId id="505"/>
             <p14:sldId id="474"/>
             <p14:sldId id="477"/>
             <p14:sldId id="478"/>
@@ -231,6 +232,7 @@
             <p14:sldId id="725"/>
             <p14:sldId id="1298"/>
             <p14:sldId id="1299"/>
+            <p14:sldId id="1310"/>
             <p14:sldId id="1300"/>
             <p14:sldId id="1301"/>
             <p14:sldId id="719"/>
@@ -250,11 +252,13 @@
             <p14:sldId id="510"/>
             <p14:sldId id="504"/>
             <p14:sldId id="480"/>
-            <p14:sldId id="481"/>
             <p14:sldId id="502"/>
             <p14:sldId id="503"/>
             <p14:sldId id="712"/>
             <p14:sldId id="713"/>
+            <p14:sldId id="1307"/>
+            <p14:sldId id="1308"/>
+            <p14:sldId id="1309"/>
             <p14:sldId id="711"/>
             <p14:sldId id="447"/>
           </p14:sldIdLst>
@@ -3926,6 +3930,34 @@
 </dgm:styleDef>
 </file>
 
+<file path=ppt/ink/ink1.xml><?xml version="1.0" encoding="utf-8"?>
+<inkml:ink xmlns:inkml="http://www.w3.org/2003/InkML">
+  <inkml:definitions>
+    <inkml:context xml:id="ctx0">
+      <inkml:inkSource xml:id="inkSrc0">
+        <inkml:traceFormat>
+          <inkml:channel name="X" type="integer" max="2736" units="cm"/>
+          <inkml:channel name="Y" type="integer" max="1824" units="cm"/>
+          <inkml:channel name="T" type="integer" max="2.14748E9" units="dev"/>
+        </inkml:traceFormat>
+        <inkml:channelProperties>
+          <inkml:channelProperty channel="X" name="resolution" value="105.23077" units="1/cm"/>
+          <inkml:channelProperty channel="Y" name="resolution" value="105.43353" units="1/cm"/>
+          <inkml:channelProperty channel="T" name="resolution" value="1" units="1/dev"/>
+        </inkml:channelProperties>
+      </inkml:inkSource>
+      <inkml:timestamp xml:id="ts0" timeString="2020-03-07T16:12:10.577"/>
+    </inkml:context>
+    <inkml:brush xml:id="br0">
+      <inkml:brushProperty name="width" value="0.05292" units="cm"/>
+      <inkml:brushProperty name="height" value="0.05292" units="cm"/>
+      <inkml:brushProperty name="color" value="#FF0000"/>
+    </inkml:brush>
+  </inkml:definitions>
+  <inkml:trace contextRef="#ctx0" brushRef="#br0">11004 3924 0</inkml:trace>
+</inkml:ink>
+</file>
+
 <file path=ppt/notesMasters/notesMaster1.xml><?xml version="1.0" encoding="utf-8"?>
 <p:notesMaster xmlns:a="http://schemas.openxmlformats.org/drawingml/2006/main" xmlns:r="http://schemas.openxmlformats.org/officeDocument/2006/relationships" xmlns:p="http://schemas.openxmlformats.org/presentationml/2006/main">
   <p:cSld>
@@ -4029,7 +4061,7 @@
               <a:pPr>
                 <a:defRPr/>
               </a:pPr>
-              <a:t>3/7/2020</a:t>
+              <a:t>3/8/2020</a:t>
             </a:fld>
             <a:endParaRPr lang="en-US" altLang="zh-CN"/>
           </a:p>
@@ -4808,7 +4840,7 @@
               <a:pPr>
                 <a:defRPr/>
               </a:pPr>
-              <a:t>18</a:t>
+              <a:t>17</a:t>
             </a:fld>
             <a:endParaRPr lang="en-US" altLang="zh-CN"/>
           </a:p>
@@ -4926,7 +4958,7 @@
               <a:pPr>
                 <a:defRPr/>
               </a:pPr>
-              <a:t>19</a:t>
+              <a:t>18</a:t>
             </a:fld>
             <a:endParaRPr lang="en-US" altLang="zh-CN"/>
           </a:p>
@@ -5021,7 +5053,7 @@
               <a:pPr>
                 <a:defRPr/>
               </a:pPr>
-              <a:t>27</a:t>
+              <a:t>26</a:t>
             </a:fld>
             <a:endParaRPr lang="en-US" altLang="zh-CN"/>
           </a:p>
@@ -5356,7 +5388,7 @@
               <a:pPr>
                 <a:defRPr/>
               </a:pPr>
-              <a:t>54</a:t>
+              <a:t>53</a:t>
             </a:fld>
             <a:endParaRPr lang="en-US" altLang="zh-CN"/>
           </a:p>
@@ -9432,6 +9464,57 @@
           </a:p>
         </p:txBody>
       </p:sp>
+      <mc:AlternateContent xmlns:mc="http://schemas.openxmlformats.org/markup-compatibility/2006" xmlns:p14="http://schemas.microsoft.com/office/powerpoint/2010/main">
+        <mc:Choice Requires="p14">
+          <p:contentPart p14:bwMode="auto" r:id="rId4">
+            <p14:nvContentPartPr>
+              <p14:cNvPr id="4" name="墨迹 3">
+                <a:extLst>
+                  <a:ext uri="{FF2B5EF4-FFF2-40B4-BE49-F238E27FC236}">
+                    <a16:creationId xmlns:a16="http://schemas.microsoft.com/office/drawing/2014/main" id="{ECA31968-3A59-4254-9C2C-61AD8A58561A}"/>
+                  </a:ext>
+                </a:extLst>
+              </p14:cNvPr>
+              <p14:cNvContentPartPr/>
+              <p14:nvPr/>
+            </p14:nvContentPartPr>
+            <p14:xfrm>
+              <a:off x="3961440" y="1412640"/>
+              <a:ext cx="360" cy="360"/>
+            </p14:xfrm>
+          </p:contentPart>
+        </mc:Choice>
+        <mc:Fallback xmlns="">
+          <p:pic>
+            <p:nvPicPr>
+              <p:cNvPr id="4" name="墨迹 3">
+                <a:extLst>
+                  <a:ext uri="{FF2B5EF4-FFF2-40B4-BE49-F238E27FC236}">
+                    <a16:creationId xmlns:a16="http://schemas.microsoft.com/office/drawing/2014/main" id="{ECA31968-3A59-4254-9C2C-61AD8A58561A}"/>
+                  </a:ext>
+                </a:extLst>
+              </p:cNvPr>
+              <p:cNvPicPr/>
+              <p:nvPr/>
+            </p:nvPicPr>
+            <p:blipFill>
+              <a:blip r:embed="rId7"/>
+              <a:stretch>
+                <a:fillRect/>
+              </a:stretch>
+            </p:blipFill>
+            <p:spPr>
+              <a:xfrm>
+                <a:off x="3952080" y="1403280"/>
+                <a:ext cx="19080" cy="19080"/>
+              </a:xfrm>
+              <a:prstGeom prst="rect">
+                <a:avLst/>
+              </a:prstGeom>
+            </p:spPr>
+          </p:pic>
+        </mc:Fallback>
+      </mc:AlternateContent>
     </p:spTree>
     <p:custDataLst>
       <p:tags r:id="rId1"/>
@@ -9707,15 +9790,15 @@
         </p:nvSpPr>
         <p:spPr>
           <a:xfrm>
-            <a:off x="3829396" y="4778431"/>
-            <a:ext cx="4572000" cy="923330"/>
+            <a:off x="1066800" y="5029200"/>
+            <a:ext cx="9525000" cy="923330"/>
           </a:xfrm>
           <a:prstGeom prst="rect">
             <a:avLst/>
           </a:prstGeom>
         </p:spPr>
         <p:txBody>
-          <a:bodyPr>
+          <a:bodyPr wrap="square">
             <a:spAutoFit/>
           </a:bodyPr>
           <a:lstStyle/>
@@ -9735,6 +9818,13 @@
             <a:r>
               <a:rPr lang="zh-CN" altLang="en-US" dirty="0"/>
               <a:t>很容易导致模型在训练集上错误率很低，但是在未知数据上错误率很高。</a:t>
+            </a:r>
+            <a:endParaRPr lang="en-US" altLang="zh-CN" dirty="0"/>
+          </a:p>
+          <a:p>
+            <a:r>
+              <a:rPr lang="zh-CN" altLang="en-US" dirty="0"/>
+              <a:t>过拟合问题往往是由于训练数据少和噪声等原因造成的。</a:t>
             </a:r>
             <a:endParaRPr lang="en-US" altLang="zh-CN" dirty="0"/>
           </a:p>
@@ -9981,130 +10071,6 @@
 </file>
 
 <file path=ppt/slides/slide17.xml><?xml version="1.0" encoding="utf-8"?>
-<p:sld xmlns:a="http://schemas.openxmlformats.org/drawingml/2006/main" xmlns:r="http://schemas.openxmlformats.org/officeDocument/2006/relationships" xmlns:p="http://schemas.openxmlformats.org/presentationml/2006/main">
-  <p:cSld>
-    <p:spTree>
-      <p:nvGrpSpPr>
-        <p:cNvPr id="1" name=""/>
-        <p:cNvGrpSpPr/>
-        <p:nvPr/>
-      </p:nvGrpSpPr>
-      <p:grpSpPr>
-        <a:xfrm>
-          <a:off x="0" y="0"/>
-          <a:ext cx="0" cy="0"/>
-          <a:chOff x="0" y="0"/>
-          <a:chExt cx="0" cy="0"/>
-        </a:xfrm>
-      </p:grpSpPr>
-      <p:sp>
-        <p:nvSpPr>
-          <p:cNvPr id="2" name="标题 1"/>
-          <p:cNvSpPr>
-            <a:spLocks noGrp="1"/>
-          </p:cNvSpPr>
-          <p:nvPr>
-            <p:ph type="title"/>
-          </p:nvPr>
-        </p:nvSpPr>
-        <p:spPr/>
-        <p:txBody>
-          <a:bodyPr/>
-          <a:lstStyle/>
-          <a:p>
-            <a:r>
-              <a:rPr lang="zh-CN" altLang="en-US" dirty="0"/>
-              <a:t>过拟合</a:t>
-            </a:r>
-          </a:p>
-        </p:txBody>
-      </p:sp>
-      <p:sp>
-        <p:nvSpPr>
-          <p:cNvPr id="3" name="内容占位符 2"/>
-          <p:cNvSpPr>
-            <a:spLocks noGrp="1"/>
-          </p:cNvSpPr>
-          <p:nvPr>
-            <p:ph sz="quarter" idx="1"/>
-          </p:nvPr>
-        </p:nvSpPr>
-        <p:spPr/>
-        <p:txBody>
-          <a:bodyPr/>
-          <a:lstStyle/>
-          <a:p>
-            <a:r>
-              <a:rPr lang="zh-CN" altLang="en-US" dirty="0"/>
-              <a:t>过拟合：</a:t>
-            </a:r>
-            <a:r>
-              <a:rPr lang="zh-CN" altLang="en-US" dirty="0">
-                <a:solidFill>
-                  <a:srgbClr val="FF0000"/>
-                </a:solidFill>
-              </a:rPr>
-              <a:t>经验风险最小化原则</a:t>
-            </a:r>
-            <a:r>
-              <a:rPr lang="zh-CN" altLang="en-US" dirty="0"/>
-              <a:t>很容易导致模型在训练集上错误率很低，但是在未知数据上错误率很高。</a:t>
-            </a:r>
-            <a:endParaRPr lang="en-US" altLang="zh-CN" dirty="0"/>
-          </a:p>
-          <a:p>
-            <a:pPr lvl="1"/>
-            <a:r>
-              <a:rPr lang="zh-CN" altLang="en-US" dirty="0"/>
-              <a:t>过拟合问题往往是由于训练数据少和噪声等原因造成的。</a:t>
-            </a:r>
-          </a:p>
-        </p:txBody>
-      </p:sp>
-      <p:pic>
-        <p:nvPicPr>
-          <p:cNvPr id="4" name="图片 3"/>
-          <p:cNvPicPr>
-            <a:picLocks noChangeAspect="1"/>
-          </p:cNvPicPr>
-          <p:nvPr/>
-        </p:nvPicPr>
-        <p:blipFill>
-          <a:blip r:embed="rId2">
-            <a:extLst>
-              <a:ext uri="{28A0092B-C50C-407E-A947-70E740481C1C}">
-                <a14:useLocalDpi xmlns:a14="http://schemas.microsoft.com/office/drawing/2010/main"/>
-              </a:ext>
-            </a:extLst>
-          </a:blip>
-          <a:stretch>
-            <a:fillRect/>
-          </a:stretch>
-        </p:blipFill>
-        <p:spPr>
-          <a:xfrm>
-            <a:off x="2590800" y="3719564"/>
-            <a:ext cx="6307494" cy="2524482"/>
-          </a:xfrm>
-          <a:prstGeom prst="rect">
-            <a:avLst/>
-          </a:prstGeom>
-        </p:spPr>
-      </p:pic>
-    </p:spTree>
-    <p:extLst>
-      <p:ext uri="{BB962C8B-B14F-4D97-AF65-F5344CB8AC3E}">
-        <p14:creationId xmlns:p14="http://schemas.microsoft.com/office/powerpoint/2010/main" val="3931367432"/>
-      </p:ext>
-    </p:extLst>
-  </p:cSld>
-  <p:clrMapOvr>
-    <a:masterClrMapping/>
-  </p:clrMapOvr>
-</p:sld>
-</file>
-
-<file path=ppt/slides/slide18.xml><?xml version="1.0" encoding="utf-8"?>
 <p:sld xmlns:a="http://schemas.openxmlformats.org/drawingml/2006/main" xmlns:r="http://schemas.openxmlformats.org/officeDocument/2006/relationships" xmlns:p="http://schemas.openxmlformats.org/presentationml/2006/main">
   <p:cSld>
     <p:spTree>
@@ -10626,7 +10592,7 @@
 </p:sld>
 </file>
 
-<file path=ppt/slides/slide19.xml><?xml version="1.0" encoding="utf-8"?>
+<file path=ppt/slides/slide18.xml><?xml version="1.0" encoding="utf-8"?>
 <p:sld xmlns:a="http://schemas.openxmlformats.org/drawingml/2006/main" xmlns:r="http://schemas.openxmlformats.org/officeDocument/2006/relationships" xmlns:p="http://schemas.openxmlformats.org/presentationml/2006/main">
   <p:cSld>
     <p:spTree>
@@ -10833,180 +10799,7 @@
 </p:sld>
 </file>
 
-<file path=ppt/slides/slide2.xml><?xml version="1.0" encoding="utf-8"?>
-<p:sld xmlns:a="http://schemas.openxmlformats.org/drawingml/2006/main" xmlns:r="http://schemas.openxmlformats.org/officeDocument/2006/relationships" xmlns:p="http://schemas.openxmlformats.org/presentationml/2006/main">
-  <p:cSld>
-    <p:spTree>
-      <p:nvGrpSpPr>
-        <p:cNvPr id="1" name=""/>
-        <p:cNvGrpSpPr/>
-        <p:nvPr/>
-      </p:nvGrpSpPr>
-      <p:grpSpPr>
-        <a:xfrm>
-          <a:off x="0" y="0"/>
-          <a:ext cx="0" cy="0"/>
-          <a:chOff x="0" y="0"/>
-          <a:chExt cx="0" cy="0"/>
-        </a:xfrm>
-      </p:grpSpPr>
-      <p:sp>
-        <p:nvSpPr>
-          <p:cNvPr id="2" name="标题 1">
-            <a:extLst>
-              <a:ext uri="{FF2B5EF4-FFF2-40B4-BE49-F238E27FC236}">
-                <a16:creationId xmlns:a16="http://schemas.microsoft.com/office/drawing/2014/main" id="{ACB6DC18-8714-4A33-AE48-218B03A5A098}"/>
-              </a:ext>
-            </a:extLst>
-          </p:cNvPr>
-          <p:cNvSpPr>
-            <a:spLocks noGrp="1"/>
-          </p:cNvSpPr>
-          <p:nvPr>
-            <p:ph type="title"/>
-          </p:nvPr>
-        </p:nvSpPr>
-        <p:spPr/>
-        <p:txBody>
-          <a:bodyPr/>
-          <a:lstStyle/>
-          <a:p>
-            <a:r>
-              <a:rPr lang="zh-CN" altLang="en-US" dirty="0"/>
-              <a:t>教学内容</a:t>
-            </a:r>
-          </a:p>
-        </p:txBody>
-      </p:sp>
-      <p:sp>
-        <p:nvSpPr>
-          <p:cNvPr id="3" name="内容占位符 2">
-            <a:extLst>
-              <a:ext uri="{FF2B5EF4-FFF2-40B4-BE49-F238E27FC236}">
-                <a16:creationId xmlns:a16="http://schemas.microsoft.com/office/drawing/2014/main" id="{AD1FBE78-11B0-4016-AC29-9A4845FDE103}"/>
-              </a:ext>
-            </a:extLst>
-          </p:cNvPr>
-          <p:cNvSpPr>
-            <a:spLocks noGrp="1"/>
-          </p:cNvSpPr>
-          <p:nvPr>
-            <p:ph sz="quarter" idx="1"/>
-          </p:nvPr>
-        </p:nvSpPr>
-        <p:spPr/>
-        <p:txBody>
-          <a:bodyPr/>
-          <a:lstStyle/>
-          <a:p>
-            <a:r>
-              <a:rPr lang="zh-CN" altLang="en-US" dirty="0"/>
-              <a:t>机器学习</a:t>
-            </a:r>
-            <a:endParaRPr lang="en-US" altLang="zh-CN" dirty="0"/>
-          </a:p>
-          <a:p>
-            <a:pPr lvl="1"/>
-            <a:r>
-              <a:rPr lang="zh-CN" altLang="en-US" dirty="0"/>
-              <a:t>概念</a:t>
-            </a:r>
-            <a:endParaRPr lang="en-US" altLang="zh-CN" dirty="0"/>
-          </a:p>
-          <a:p>
-            <a:pPr lvl="1"/>
-            <a:r>
-              <a:rPr lang="zh-CN" altLang="en-US" dirty="0"/>
-              <a:t>原理</a:t>
-            </a:r>
-            <a:endParaRPr lang="en-US" altLang="zh-CN" dirty="0"/>
-          </a:p>
-          <a:p>
-            <a:r>
-              <a:rPr lang="zh-CN" altLang="en-US" dirty="0"/>
-              <a:t>线性回归</a:t>
-            </a:r>
-            <a:endParaRPr lang="en-US" altLang="zh-CN" dirty="0"/>
-          </a:p>
-          <a:p>
-            <a:pPr lvl="1"/>
-            <a:r>
-              <a:rPr lang="zh-CN" altLang="en-US" dirty="0"/>
-              <a:t>定义</a:t>
-            </a:r>
-            <a:endParaRPr lang="en-US" altLang="zh-CN" dirty="0"/>
-          </a:p>
-          <a:p>
-            <a:pPr lvl="1"/>
-            <a:r>
-              <a:rPr lang="zh-CN" altLang="en-US" dirty="0"/>
-              <a:t>经验风险最小化</a:t>
-            </a:r>
-            <a:endParaRPr lang="en-US" altLang="zh-CN" dirty="0"/>
-          </a:p>
-          <a:p>
-            <a:pPr lvl="2"/>
-            <a:r>
-              <a:rPr lang="zh-CN" altLang="en-US" dirty="0"/>
-              <a:t>最小均方误差</a:t>
-            </a:r>
-            <a:endParaRPr lang="en-US" altLang="zh-CN" dirty="0"/>
-          </a:p>
-          <a:p>
-            <a:pPr lvl="1"/>
-            <a:r>
-              <a:rPr lang="zh-CN" altLang="en-US" dirty="0"/>
-              <a:t>结构风险最小化</a:t>
-            </a:r>
-            <a:endParaRPr lang="en-US" altLang="zh-CN" dirty="0"/>
-          </a:p>
-          <a:p>
-            <a:pPr lvl="1"/>
-            <a:r>
-              <a:rPr lang="zh-CN" altLang="en-US" dirty="0"/>
-              <a:t>最大似然估计</a:t>
-            </a:r>
-            <a:endParaRPr lang="en-US" altLang="zh-CN" dirty="0"/>
-          </a:p>
-          <a:p>
-            <a:pPr lvl="1"/>
-            <a:r>
-              <a:rPr lang="zh-CN" altLang="en-US" dirty="0"/>
-              <a:t>最大后验估计</a:t>
-            </a:r>
-            <a:endParaRPr lang="en-US" altLang="zh-CN" dirty="0"/>
-          </a:p>
-          <a:p>
-            <a:r>
-              <a:rPr lang="zh-CN" altLang="en-US" dirty="0"/>
-              <a:t>机器学习的几个关键点</a:t>
-            </a:r>
-            <a:endParaRPr lang="en-US" altLang="zh-CN" dirty="0"/>
-          </a:p>
-          <a:p>
-            <a:pPr lvl="1"/>
-            <a:endParaRPr lang="en-US" altLang="zh-CN" dirty="0"/>
-          </a:p>
-          <a:p>
-            <a:pPr lvl="1"/>
-            <a:endParaRPr lang="zh-CN" altLang="en-US" dirty="0"/>
-          </a:p>
-        </p:txBody>
-      </p:sp>
-    </p:spTree>
-    <p:extLst>
-      <p:ext uri="{BB962C8B-B14F-4D97-AF65-F5344CB8AC3E}">
-        <p14:creationId xmlns:p14="http://schemas.microsoft.com/office/powerpoint/2010/main" val="370502069"/>
-      </p:ext>
-    </p:extLst>
-  </p:cSld>
-  <p:clrMapOvr>
-    <a:masterClrMapping/>
-  </p:clrMapOvr>
-</p:sld>
-</file>
-
-<file path=ppt/slides/slide20.xml><?xml version="1.0" encoding="utf-8"?>
+<file path=ppt/slides/slide19.xml><?xml version="1.0" encoding="utf-8"?>
 <p:sld xmlns:a="http://schemas.openxmlformats.org/drawingml/2006/main" xmlns:r="http://schemas.openxmlformats.org/officeDocument/2006/relationships" xmlns:p="http://schemas.openxmlformats.org/presentationml/2006/main">
   <p:cSld>
     <p:spTree>
@@ -11634,6 +11427,59 @@
                       </p:childTnLst>
                     </p:cTn>
                   </p:par>
+                  <p:par>
+                    <p:cTn id="33" fill="hold">
+                      <p:stCondLst>
+                        <p:cond delay="indefinite"/>
+                      </p:stCondLst>
+                      <p:childTnLst>
+                        <p:par>
+                          <p:cTn id="34" fill="hold">
+                            <p:stCondLst>
+                              <p:cond delay="0"/>
+                            </p:stCondLst>
+                            <p:childTnLst>
+                              <p:par>
+                                <p:cTn id="35" presetID="10" presetClass="entr" presetSubtype="0" fill="hold" nodeType="clickEffect">
+                                  <p:stCondLst>
+                                    <p:cond delay="0"/>
+                                  </p:stCondLst>
+                                  <p:childTnLst>
+                                    <p:set>
+                                      <p:cBhvr>
+                                        <p:cTn id="36" dur="1" fill="hold">
+                                          <p:stCondLst>
+                                            <p:cond delay="0"/>
+                                          </p:stCondLst>
+                                        </p:cTn>
+                                        <p:tgtEl>
+                                          <p:spTgt spid="9"/>
+                                        </p:tgtEl>
+                                        <p:attrNameLst>
+                                          <p:attrName>style.visibility</p:attrName>
+                                        </p:attrNameLst>
+                                      </p:cBhvr>
+                                      <p:to>
+                                        <p:strVal val="visible"/>
+                                      </p:to>
+                                    </p:set>
+                                    <p:animEffect transition="in" filter="fade">
+                                      <p:cBhvr>
+                                        <p:cTn id="37" dur="500"/>
+                                        <p:tgtEl>
+                                          <p:spTgt spid="9"/>
+                                        </p:tgtEl>
+                                      </p:cBhvr>
+                                    </p:animEffect>
+                                  </p:childTnLst>
+                                </p:cTn>
+                              </p:par>
+                            </p:childTnLst>
+                          </p:cTn>
+                        </p:par>
+                      </p:childTnLst>
+                    </p:cTn>
+                  </p:par>
                 </p:childTnLst>
               </p:cTn>
               <p:prevCondLst>
@@ -11668,7 +11514,180 @@
 </p:sld>
 </file>
 
-<file path=ppt/slides/slide21.xml><?xml version="1.0" encoding="utf-8"?>
+<file path=ppt/slides/slide2.xml><?xml version="1.0" encoding="utf-8"?>
+<p:sld xmlns:a="http://schemas.openxmlformats.org/drawingml/2006/main" xmlns:r="http://schemas.openxmlformats.org/officeDocument/2006/relationships" xmlns:p="http://schemas.openxmlformats.org/presentationml/2006/main">
+  <p:cSld>
+    <p:spTree>
+      <p:nvGrpSpPr>
+        <p:cNvPr id="1" name=""/>
+        <p:cNvGrpSpPr/>
+        <p:nvPr/>
+      </p:nvGrpSpPr>
+      <p:grpSpPr>
+        <a:xfrm>
+          <a:off x="0" y="0"/>
+          <a:ext cx="0" cy="0"/>
+          <a:chOff x="0" y="0"/>
+          <a:chExt cx="0" cy="0"/>
+        </a:xfrm>
+      </p:grpSpPr>
+      <p:sp>
+        <p:nvSpPr>
+          <p:cNvPr id="2" name="标题 1">
+            <a:extLst>
+              <a:ext uri="{FF2B5EF4-FFF2-40B4-BE49-F238E27FC236}">
+                <a16:creationId xmlns:a16="http://schemas.microsoft.com/office/drawing/2014/main" id="{ACB6DC18-8714-4A33-AE48-218B03A5A098}"/>
+              </a:ext>
+            </a:extLst>
+          </p:cNvPr>
+          <p:cNvSpPr>
+            <a:spLocks noGrp="1"/>
+          </p:cNvSpPr>
+          <p:nvPr>
+            <p:ph type="title"/>
+          </p:nvPr>
+        </p:nvSpPr>
+        <p:spPr/>
+        <p:txBody>
+          <a:bodyPr/>
+          <a:lstStyle/>
+          <a:p>
+            <a:r>
+              <a:rPr lang="zh-CN" altLang="en-US" dirty="0"/>
+              <a:t>教学内容</a:t>
+            </a:r>
+          </a:p>
+        </p:txBody>
+      </p:sp>
+      <p:sp>
+        <p:nvSpPr>
+          <p:cNvPr id="3" name="内容占位符 2">
+            <a:extLst>
+              <a:ext uri="{FF2B5EF4-FFF2-40B4-BE49-F238E27FC236}">
+                <a16:creationId xmlns:a16="http://schemas.microsoft.com/office/drawing/2014/main" id="{AD1FBE78-11B0-4016-AC29-9A4845FDE103}"/>
+              </a:ext>
+            </a:extLst>
+          </p:cNvPr>
+          <p:cNvSpPr>
+            <a:spLocks noGrp="1"/>
+          </p:cNvSpPr>
+          <p:nvPr>
+            <p:ph sz="quarter" idx="1"/>
+          </p:nvPr>
+        </p:nvSpPr>
+        <p:spPr/>
+        <p:txBody>
+          <a:bodyPr/>
+          <a:lstStyle/>
+          <a:p>
+            <a:r>
+              <a:rPr lang="zh-CN" altLang="en-US" dirty="0"/>
+              <a:t>机器学习</a:t>
+            </a:r>
+            <a:endParaRPr lang="en-US" altLang="zh-CN" dirty="0"/>
+          </a:p>
+          <a:p>
+            <a:pPr lvl="1"/>
+            <a:r>
+              <a:rPr lang="zh-CN" altLang="en-US" dirty="0"/>
+              <a:t>概念</a:t>
+            </a:r>
+            <a:endParaRPr lang="en-US" altLang="zh-CN" dirty="0"/>
+          </a:p>
+          <a:p>
+            <a:pPr lvl="1"/>
+            <a:r>
+              <a:rPr lang="zh-CN" altLang="en-US" dirty="0"/>
+              <a:t>原理</a:t>
+            </a:r>
+            <a:endParaRPr lang="en-US" altLang="zh-CN" dirty="0"/>
+          </a:p>
+          <a:p>
+            <a:r>
+              <a:rPr lang="zh-CN" altLang="en-US" dirty="0"/>
+              <a:t>线性回归</a:t>
+            </a:r>
+            <a:endParaRPr lang="en-US" altLang="zh-CN" dirty="0"/>
+          </a:p>
+          <a:p>
+            <a:pPr lvl="1"/>
+            <a:r>
+              <a:rPr lang="zh-CN" altLang="en-US" dirty="0"/>
+              <a:t>定义</a:t>
+            </a:r>
+            <a:endParaRPr lang="en-US" altLang="zh-CN" dirty="0"/>
+          </a:p>
+          <a:p>
+            <a:pPr lvl="1"/>
+            <a:r>
+              <a:rPr lang="zh-CN" altLang="en-US" dirty="0"/>
+              <a:t>经验风险最小化</a:t>
+            </a:r>
+            <a:endParaRPr lang="en-US" altLang="zh-CN" dirty="0"/>
+          </a:p>
+          <a:p>
+            <a:pPr lvl="2"/>
+            <a:r>
+              <a:rPr lang="zh-CN" altLang="en-US" dirty="0"/>
+              <a:t>最小均方误差</a:t>
+            </a:r>
+            <a:endParaRPr lang="en-US" altLang="zh-CN" dirty="0"/>
+          </a:p>
+          <a:p>
+            <a:pPr lvl="1"/>
+            <a:r>
+              <a:rPr lang="zh-CN" altLang="en-US" dirty="0"/>
+              <a:t>结构风险最小化</a:t>
+            </a:r>
+            <a:endParaRPr lang="en-US" altLang="zh-CN" dirty="0"/>
+          </a:p>
+          <a:p>
+            <a:pPr lvl="1"/>
+            <a:r>
+              <a:rPr lang="zh-CN" altLang="en-US" dirty="0"/>
+              <a:t>最大似然估计</a:t>
+            </a:r>
+            <a:endParaRPr lang="en-US" altLang="zh-CN" dirty="0"/>
+          </a:p>
+          <a:p>
+            <a:pPr lvl="1"/>
+            <a:r>
+              <a:rPr lang="zh-CN" altLang="en-US" dirty="0"/>
+              <a:t>最大后验估计</a:t>
+            </a:r>
+            <a:endParaRPr lang="en-US" altLang="zh-CN" dirty="0"/>
+          </a:p>
+          <a:p>
+            <a:r>
+              <a:rPr lang="zh-CN" altLang="en-US" dirty="0"/>
+              <a:t>机器学习的几个关键点</a:t>
+            </a:r>
+            <a:endParaRPr lang="en-US" altLang="zh-CN" dirty="0"/>
+          </a:p>
+          <a:p>
+            <a:pPr lvl="1"/>
+            <a:endParaRPr lang="en-US" altLang="zh-CN" dirty="0"/>
+          </a:p>
+          <a:p>
+            <a:pPr lvl="1"/>
+            <a:endParaRPr lang="zh-CN" altLang="en-US" dirty="0"/>
+          </a:p>
+        </p:txBody>
+      </p:sp>
+    </p:spTree>
+    <p:extLst>
+      <p:ext uri="{BB962C8B-B14F-4D97-AF65-F5344CB8AC3E}">
+        <p14:creationId xmlns:p14="http://schemas.microsoft.com/office/powerpoint/2010/main" val="370502069"/>
+      </p:ext>
+    </p:extLst>
+  </p:cSld>
+  <p:clrMapOvr>
+    <a:masterClrMapping/>
+  </p:clrMapOvr>
+</p:sld>
+</file>
+
+<file path=ppt/slides/slide20.xml><?xml version="1.0" encoding="utf-8"?>
 <p:sld xmlns:a="http://schemas.openxmlformats.org/drawingml/2006/main" xmlns:r="http://schemas.openxmlformats.org/officeDocument/2006/relationships" xmlns:p="http://schemas.openxmlformats.org/presentationml/2006/main">
   <p:cSld>
     <p:spTree>
@@ -11786,7 +11805,7 @@
 </p:sld>
 </file>
 
-<file path=ppt/slides/slide22.xml><?xml version="1.0" encoding="utf-8"?>
+<file path=ppt/slides/slide21.xml><?xml version="1.0" encoding="utf-8"?>
 <p:sld xmlns:a="http://schemas.openxmlformats.org/drawingml/2006/main" xmlns:r="http://schemas.openxmlformats.org/officeDocument/2006/relationships" xmlns:p="http://schemas.openxmlformats.org/presentationml/2006/main">
   <p:cSld>
     <p:spTree>
@@ -11838,7 +11857,7 @@
 </p:sld>
 </file>
 
-<file path=ppt/slides/slide23.xml><?xml version="1.0" encoding="utf-8"?>
+<file path=ppt/slides/slide22.xml><?xml version="1.0" encoding="utf-8"?>
 <p:sld xmlns:a="http://schemas.openxmlformats.org/drawingml/2006/main" xmlns:r="http://schemas.openxmlformats.org/officeDocument/2006/relationships" xmlns:p="http://schemas.openxmlformats.org/presentationml/2006/main">
   <p:cSld>
     <p:spTree>
@@ -12115,7 +12134,7 @@
 </p:sld>
 </file>
 
-<file path=ppt/slides/slide24.xml><?xml version="1.0" encoding="utf-8"?>
+<file path=ppt/slides/slide23.xml><?xml version="1.0" encoding="utf-8"?>
 <p:sld xmlns:a="http://schemas.openxmlformats.org/drawingml/2006/main" xmlns:r="http://schemas.openxmlformats.org/officeDocument/2006/relationships" xmlns:p="http://schemas.openxmlformats.org/presentationml/2006/main">
   <p:cSld>
     <p:spTree>
@@ -12210,7 +12229,7 @@
 </p:sld>
 </file>
 
-<file path=ppt/slides/slide25.xml><?xml version="1.0" encoding="utf-8"?>
+<file path=ppt/slides/slide24.xml><?xml version="1.0" encoding="utf-8"?>
 <p:sld xmlns:a="http://schemas.openxmlformats.org/drawingml/2006/main" xmlns:r="http://schemas.openxmlformats.org/officeDocument/2006/relationships" xmlns:p="http://schemas.openxmlformats.org/presentationml/2006/main">
   <p:cSld>
     <p:spTree>
@@ -12268,7 +12287,7 @@
 </p:sld>
 </file>
 
-<file path=ppt/slides/slide26.xml><?xml version="1.0" encoding="utf-8"?>
+<file path=ppt/slides/slide25.xml><?xml version="1.0" encoding="utf-8"?>
 <p:sld xmlns:a="http://schemas.openxmlformats.org/drawingml/2006/main" xmlns:r="http://schemas.openxmlformats.org/officeDocument/2006/relationships" xmlns:p="http://schemas.openxmlformats.org/presentationml/2006/main">
   <p:cSld>
     <p:spTree>
@@ -12491,7 +12510,7 @@
 </p:sld>
 </file>
 
-<file path=ppt/slides/slide27.xml><?xml version="1.0" encoding="utf-8"?>
+<file path=ppt/slides/slide26.xml><?xml version="1.0" encoding="utf-8"?>
 <p:sld xmlns:a="http://schemas.openxmlformats.org/drawingml/2006/main" xmlns:r="http://schemas.openxmlformats.org/officeDocument/2006/relationships" xmlns:p="http://schemas.openxmlformats.org/presentationml/2006/main">
   <p:cSld>
     <p:spTree>
@@ -12736,7 +12755,7 @@
 </p:sld>
 </file>
 
-<file path=ppt/slides/slide28.xml><?xml version="1.0" encoding="utf-8"?>
+<file path=ppt/slides/slide27.xml><?xml version="1.0" encoding="utf-8"?>
 <p:sld xmlns:a="http://schemas.openxmlformats.org/drawingml/2006/main" xmlns:r="http://schemas.openxmlformats.org/officeDocument/2006/relationships" xmlns:p="http://schemas.openxmlformats.org/presentationml/2006/main">
   <p:cSld>
     <p:spTree>
@@ -12984,7 +13003,7 @@
 </p:sld>
 </file>
 
-<file path=ppt/slides/slide29.xml><?xml version="1.0" encoding="utf-8"?>
+<file path=ppt/slides/slide28.xml><?xml version="1.0" encoding="utf-8"?>
 <p:sld xmlns:a="http://schemas.openxmlformats.org/drawingml/2006/main" xmlns:r="http://schemas.openxmlformats.org/officeDocument/2006/relationships" xmlns:p="http://schemas.openxmlformats.org/presentationml/2006/main">
   <p:cSld>
     <p:spTree>
@@ -13184,6 +13203,64 @@
 </p:sld>
 </file>
 
+<file path=ppt/slides/slide29.xml><?xml version="1.0" encoding="utf-8"?>
+<p:sld xmlns:a="http://schemas.openxmlformats.org/drawingml/2006/main" xmlns:r="http://schemas.openxmlformats.org/officeDocument/2006/relationships" xmlns:p="http://schemas.openxmlformats.org/presentationml/2006/main">
+  <p:cSld>
+    <p:spTree>
+      <p:nvGrpSpPr>
+        <p:cNvPr id="1" name=""/>
+        <p:cNvGrpSpPr/>
+        <p:nvPr/>
+      </p:nvGrpSpPr>
+      <p:grpSpPr>
+        <a:xfrm>
+          <a:off x="0" y="0"/>
+          <a:ext cx="0" cy="0"/>
+          <a:chOff x="0" y="0"/>
+          <a:chExt cx="0" cy="0"/>
+        </a:xfrm>
+      </p:grpSpPr>
+      <p:sp>
+        <p:nvSpPr>
+          <p:cNvPr id="2" name="标题 1">
+            <a:extLst>
+              <a:ext uri="{FF2B5EF4-FFF2-40B4-BE49-F238E27FC236}">
+                <a16:creationId xmlns:a16="http://schemas.microsoft.com/office/drawing/2014/main" id="{60BB8FF8-250B-4445-9B97-E32C368C2A5C}"/>
+              </a:ext>
+            </a:extLst>
+          </p:cNvPr>
+          <p:cNvSpPr>
+            <a:spLocks noGrp="1"/>
+          </p:cNvSpPr>
+          <p:nvPr>
+            <p:ph type="ctrTitle"/>
+          </p:nvPr>
+        </p:nvSpPr>
+        <p:spPr/>
+        <p:txBody>
+          <a:bodyPr/>
+          <a:lstStyle/>
+          <a:p>
+            <a:r>
+              <a:rPr lang="zh-CN" altLang="en-US" dirty="0"/>
+              <a:t>最大似然估计</a:t>
+            </a:r>
+          </a:p>
+        </p:txBody>
+      </p:sp>
+    </p:spTree>
+    <p:extLst>
+      <p:ext uri="{BB962C8B-B14F-4D97-AF65-F5344CB8AC3E}">
+        <p14:creationId xmlns:p14="http://schemas.microsoft.com/office/powerpoint/2010/main" val="4073205925"/>
+      </p:ext>
+    </p:extLst>
+  </p:cSld>
+  <p:clrMapOvr>
+    <a:masterClrMapping/>
+  </p:clrMapOvr>
+</p:sld>
+</file>
+
 <file path=ppt/slides/slide3.xml><?xml version="1.0" encoding="utf-8"?>
 <p:sld xmlns:a="http://schemas.openxmlformats.org/drawingml/2006/main" xmlns:r="http://schemas.openxmlformats.org/officeDocument/2006/relationships" xmlns:p="http://schemas.openxmlformats.org/presentationml/2006/main">
   <p:cSld>
@@ -13305,7 +13382,7 @@
           <a:graphicData uri="http://schemas.openxmlformats.org/presentationml/2006/ole">
             <mc:AlternateContent xmlns:mc="http://schemas.openxmlformats.org/markup-compatibility/2006">
               <mc:Choice xmlns:v="urn:schemas-microsoft-com:vml" Requires="v">
-                <p:oleObj spid="_x0000_s1534" name="方程式" r:id="rId3" imgW="1790640" imgH="215640" progId="Equation.3">
+                <p:oleObj spid="_x0000_s1614" name="方程式" r:id="rId3" imgW="1790640" imgH="215640" progId="Equation.3">
                   <p:embed/>
                 </p:oleObj>
               </mc:Choice>
@@ -13371,7 +13448,7 @@
           <a:graphicData uri="http://schemas.openxmlformats.org/presentationml/2006/ole">
             <mc:AlternateContent xmlns:mc="http://schemas.openxmlformats.org/markup-compatibility/2006">
               <mc:Choice xmlns:v="urn:schemas-microsoft-com:vml" Requires="v">
-                <p:oleObj spid="_x0000_s1535" name="方程式" r:id="rId5" imgW="1790640" imgH="215640" progId="Equation.3">
+                <p:oleObj spid="_x0000_s1615" name="方程式" r:id="rId5" imgW="1790640" imgH="215640" progId="Equation.3">
                   <p:embed/>
                 </p:oleObj>
               </mc:Choice>
@@ -13437,7 +13514,7 @@
           <a:graphicData uri="http://schemas.openxmlformats.org/presentationml/2006/ole">
             <mc:AlternateContent xmlns:mc="http://schemas.openxmlformats.org/markup-compatibility/2006">
               <mc:Choice xmlns:v="urn:schemas-microsoft-com:vml" Requires="v">
-                <p:oleObj spid="_x0000_s1536" name="方程式" r:id="rId6" imgW="1790640" imgH="215640" progId="Equation.3">
+                <p:oleObj spid="_x0000_s1616" name="方程式" r:id="rId6" imgW="1790640" imgH="215640" progId="Equation.3">
                   <p:embed/>
                 </p:oleObj>
               </mc:Choice>
@@ -13503,7 +13580,7 @@
           <a:graphicData uri="http://schemas.openxmlformats.org/presentationml/2006/ole">
             <mc:AlternateContent xmlns:mc="http://schemas.openxmlformats.org/markup-compatibility/2006">
               <mc:Choice xmlns:v="urn:schemas-microsoft-com:vml" Requires="v">
-                <p:oleObj spid="_x0000_s1537" name="方程式" r:id="rId7" imgW="1676160" imgH="215640" progId="Equation.3">
+                <p:oleObj spid="_x0000_s1617" name="方程式" r:id="rId7" imgW="1676160" imgH="215640" progId="Equation.3">
                   <p:embed/>
                 </p:oleObj>
               </mc:Choice>
@@ -13988,64 +14065,6 @@
 </file>
 
 <file path=ppt/slides/slide30.xml><?xml version="1.0" encoding="utf-8"?>
-<p:sld xmlns:a="http://schemas.openxmlformats.org/drawingml/2006/main" xmlns:r="http://schemas.openxmlformats.org/officeDocument/2006/relationships" xmlns:p="http://schemas.openxmlformats.org/presentationml/2006/main">
-  <p:cSld>
-    <p:spTree>
-      <p:nvGrpSpPr>
-        <p:cNvPr id="1" name=""/>
-        <p:cNvGrpSpPr/>
-        <p:nvPr/>
-      </p:nvGrpSpPr>
-      <p:grpSpPr>
-        <a:xfrm>
-          <a:off x="0" y="0"/>
-          <a:ext cx="0" cy="0"/>
-          <a:chOff x="0" y="0"/>
-          <a:chExt cx="0" cy="0"/>
-        </a:xfrm>
-      </p:grpSpPr>
-      <p:sp>
-        <p:nvSpPr>
-          <p:cNvPr id="2" name="标题 1">
-            <a:extLst>
-              <a:ext uri="{FF2B5EF4-FFF2-40B4-BE49-F238E27FC236}">
-                <a16:creationId xmlns:a16="http://schemas.microsoft.com/office/drawing/2014/main" id="{60BB8FF8-250B-4445-9B97-E32C368C2A5C}"/>
-              </a:ext>
-            </a:extLst>
-          </p:cNvPr>
-          <p:cNvSpPr>
-            <a:spLocks noGrp="1"/>
-          </p:cNvSpPr>
-          <p:nvPr>
-            <p:ph type="ctrTitle"/>
-          </p:nvPr>
-        </p:nvSpPr>
-        <p:spPr/>
-        <p:txBody>
-          <a:bodyPr/>
-          <a:lstStyle/>
-          <a:p>
-            <a:r>
-              <a:rPr lang="zh-CN" altLang="en-US" dirty="0"/>
-              <a:t>最大似然估计</a:t>
-            </a:r>
-          </a:p>
-        </p:txBody>
-      </p:sp>
-    </p:spTree>
-    <p:extLst>
-      <p:ext uri="{BB962C8B-B14F-4D97-AF65-F5344CB8AC3E}">
-        <p14:creationId xmlns:p14="http://schemas.microsoft.com/office/powerpoint/2010/main" val="4073205925"/>
-      </p:ext>
-    </p:extLst>
-  </p:cSld>
-  <p:clrMapOvr>
-    <a:masterClrMapping/>
-  </p:clrMapOvr>
-</p:sld>
-</file>
-
-<file path=ppt/slides/slide31.xml><?xml version="1.0" encoding="utf-8"?>
 <p:sld xmlns:a="http://schemas.openxmlformats.org/drawingml/2006/main" xmlns:r="http://schemas.openxmlformats.org/officeDocument/2006/relationships" xmlns:p="http://schemas.openxmlformats.org/presentationml/2006/main">
   <p:cSld>
     <p:spTree>
@@ -14358,7 +14377,7 @@
 </p:sld>
 </file>
 
-<file path=ppt/slides/slide32.xml><?xml version="1.0" encoding="utf-8"?>
+<file path=ppt/slides/slide31.xml><?xml version="1.0" encoding="utf-8"?>
 <p:sld xmlns:a="http://schemas.openxmlformats.org/drawingml/2006/main" xmlns:r="http://schemas.openxmlformats.org/officeDocument/2006/relationships" xmlns:p="http://schemas.openxmlformats.org/presentationml/2006/main">
   <p:cSld>
     <p:spTree>
@@ -14695,6 +14714,369 @@
     <p:extLst>
       <p:ext uri="{BB962C8B-B14F-4D97-AF65-F5344CB8AC3E}">
         <p14:creationId xmlns:p14="http://schemas.microsoft.com/office/powerpoint/2010/main" val="3255302227"/>
+      </p:ext>
+    </p:extLst>
+  </p:cSld>
+  <p:clrMapOvr>
+    <a:masterClrMapping/>
+  </p:clrMapOvr>
+</p:sld>
+</file>
+
+<file path=ppt/slides/slide32.xml><?xml version="1.0" encoding="utf-8"?>
+<p:sld xmlns:a="http://schemas.openxmlformats.org/drawingml/2006/main" xmlns:r="http://schemas.openxmlformats.org/officeDocument/2006/relationships" xmlns:p="http://schemas.openxmlformats.org/presentationml/2006/main">
+  <p:cSld>
+    <p:spTree>
+      <p:nvGrpSpPr>
+        <p:cNvPr id="1" name=""/>
+        <p:cNvGrpSpPr/>
+        <p:nvPr/>
+      </p:nvGrpSpPr>
+      <p:grpSpPr>
+        <a:xfrm>
+          <a:off x="0" y="0"/>
+          <a:ext cx="0" cy="0"/>
+          <a:chOff x="0" y="0"/>
+          <a:chExt cx="0" cy="0"/>
+        </a:xfrm>
+      </p:grpSpPr>
+      <p:sp>
+        <p:nvSpPr>
+          <p:cNvPr id="2" name="标题 1">
+            <a:extLst>
+              <a:ext uri="{FF2B5EF4-FFF2-40B4-BE49-F238E27FC236}">
+                <a16:creationId xmlns:a16="http://schemas.microsoft.com/office/drawing/2014/main" id="{FB837876-D7C4-4675-BBC9-DF30D849B1FB}"/>
+              </a:ext>
+            </a:extLst>
+          </p:cNvPr>
+          <p:cNvSpPr>
+            <a:spLocks noGrp="1"/>
+          </p:cNvSpPr>
+          <p:nvPr>
+            <p:ph type="title"/>
+          </p:nvPr>
+        </p:nvSpPr>
+        <p:spPr/>
+        <p:txBody>
+          <a:bodyPr/>
+          <a:lstStyle/>
+          <a:p>
+            <a:r>
+              <a:rPr lang="zh-CN" altLang="en-US" dirty="0"/>
+              <a:t>概率的一些基本概念</a:t>
+            </a:r>
+          </a:p>
+        </p:txBody>
+      </p:sp>
+      <mc:AlternateContent xmlns:mc="http://schemas.openxmlformats.org/markup-compatibility/2006" xmlns:a14="http://schemas.microsoft.com/office/drawing/2010/main">
+        <mc:Choice Requires="a14">
+          <p:sp>
+            <p:nvSpPr>
+              <p:cNvPr id="3" name="内容占位符 2">
+                <a:extLst>
+                  <a:ext uri="{FF2B5EF4-FFF2-40B4-BE49-F238E27FC236}">
+                    <a16:creationId xmlns:a16="http://schemas.microsoft.com/office/drawing/2014/main" id="{C0001CD4-3AA8-4F3C-A8A1-5A118523874D}"/>
+                  </a:ext>
+                </a:extLst>
+              </p:cNvPr>
+              <p:cNvSpPr>
+                <a:spLocks noGrp="1"/>
+              </p:cNvSpPr>
+              <p:nvPr>
+                <p:ph sz="quarter" idx="1"/>
+              </p:nvPr>
+            </p:nvSpPr>
+            <p:spPr/>
+            <p:txBody>
+              <a:bodyPr/>
+              <a:lstStyle/>
+              <a:p>
+                <a:r>
+                  <a:rPr lang="zh-CN" altLang="en-US" dirty="0"/>
+                  <a:t>连续随机变量 𝑌 的概率分布一般用概率密度函数（ </a:t>
+                </a:r>
+                <a:r>
+                  <a:rPr lang="en-US" altLang="zh-CN" dirty="0"/>
+                  <a:t>Probability Density Function </a:t>
+                </a:r>
+                <a:r>
+                  <a:rPr lang="zh-CN" altLang="en-US" dirty="0"/>
+                  <a:t>， </a:t>
+                </a:r>
+                <a:r>
+                  <a:rPr lang="en-US" altLang="zh-CN" dirty="0"/>
+                  <a:t>PDF </a:t>
+                </a:r>
+                <a:r>
+                  <a:rPr lang="zh-CN" altLang="en-US" dirty="0"/>
+                  <a:t>）</a:t>
+                </a:r>
+                <a14:m>
+                  <m:oMath xmlns:m="http://schemas.openxmlformats.org/officeDocument/2006/math">
+                    <m:r>
+                      <a:rPr lang="en-US" altLang="zh-CN" b="0" i="1" smtClean="0">
+                        <a:latin typeface="STIX Two Math" panose="02020603050405020304" pitchFamily="18" charset="0"/>
+                        <a:ea typeface="STIX Two Math" panose="02020603050405020304" pitchFamily="18" charset="0"/>
+                        <a:cs typeface="STIX Two Math" panose="02020603050405020304" pitchFamily="18" charset="0"/>
+                      </a:rPr>
+                      <m:t>𝑝</m:t>
+                    </m:r>
+                    <m:r>
+                      <a:rPr lang="en-US" altLang="zh-CN" b="0" i="1" smtClean="0">
+                        <a:latin typeface="STIX Two Math" panose="02020603050405020304" pitchFamily="18" charset="0"/>
+                        <a:ea typeface="STIX Two Math" panose="02020603050405020304" pitchFamily="18" charset="0"/>
+                        <a:cs typeface="STIX Two Math" panose="02020603050405020304" pitchFamily="18" charset="0"/>
+                      </a:rPr>
+                      <m:t>(</m:t>
+                    </m:r>
+                    <m:r>
+                      <a:rPr lang="en-US" altLang="zh-CN" b="0" i="1" smtClean="0">
+                        <a:latin typeface="STIX Two Math" panose="02020603050405020304" pitchFamily="18" charset="0"/>
+                        <a:ea typeface="STIX Two Math" panose="02020603050405020304" pitchFamily="18" charset="0"/>
+                        <a:cs typeface="STIX Two Math" panose="02020603050405020304" pitchFamily="18" charset="0"/>
+                      </a:rPr>
+                      <m:t>𝑥</m:t>
+                    </m:r>
+                    <m:r>
+                      <a:rPr lang="en-US" altLang="zh-CN" b="0" i="1" smtClean="0">
+                        <a:latin typeface="STIX Two Math" panose="02020603050405020304" pitchFamily="18" charset="0"/>
+                        <a:ea typeface="STIX Two Math" panose="02020603050405020304" pitchFamily="18" charset="0"/>
+                        <a:cs typeface="STIX Two Math" panose="02020603050405020304" pitchFamily="18" charset="0"/>
+                      </a:rPr>
+                      <m:t>)</m:t>
+                    </m:r>
+                  </m:oMath>
+                </a14:m>
+                <a:r>
+                  <a:rPr lang="en-US" altLang="zh-CN" dirty="0"/>
+                  <a:t> </a:t>
+                </a:r>
+                <a:r>
+                  <a:rPr lang="zh-CN" altLang="en-US" dirty="0"/>
+                  <a:t>来描述。</a:t>
+                </a:r>
+                <a:endParaRPr lang="en-US" altLang="zh-CN" dirty="0"/>
+              </a:p>
+              <a:p>
+                <a:endParaRPr lang="en-US" altLang="zh-CN" dirty="0"/>
+              </a:p>
+              <a:p>
+                <a:pPr marL="0" indent="0">
+                  <a:buNone/>
+                </a:pPr>
+                <a:endParaRPr lang="en-US" altLang="zh-CN" dirty="0"/>
+              </a:p>
+              <a:p>
+                <a:pPr marL="0" indent="0">
+                  <a:buNone/>
+                </a:pPr>
+                <a:endParaRPr lang="en-US" altLang="zh-CN" dirty="0"/>
+              </a:p>
+              <a:p>
+                <a:r>
+                  <a:rPr lang="zh-CN" altLang="en-US" dirty="0"/>
+                  <a:t>高斯分布（</a:t>
+                </a:r>
+                <a:r>
+                  <a:rPr lang="en-US" altLang="zh-CN" dirty="0"/>
+                  <a:t>Gaussian Distribution</a:t>
+                </a:r>
+                <a:r>
+                  <a:rPr lang="zh-CN" altLang="en-US" dirty="0"/>
+                  <a:t>）</a:t>
+                </a:r>
+              </a:p>
+            </p:txBody>
+          </p:sp>
+        </mc:Choice>
+        <mc:Fallback xmlns="">
+          <p:sp>
+            <p:nvSpPr>
+              <p:cNvPr id="3" name="内容占位符 2">
+                <a:extLst>
+                  <a:ext uri="{FF2B5EF4-FFF2-40B4-BE49-F238E27FC236}">
+                    <a16:creationId xmlns:a16="http://schemas.microsoft.com/office/drawing/2014/main" id="{C0001CD4-3AA8-4F3C-A8A1-5A118523874D}"/>
+                  </a:ext>
+                </a:extLst>
+              </p:cNvPr>
+              <p:cNvSpPr>
+                <a:spLocks noGrp="1" noRot="1" noChangeAspect="1" noMove="1" noResize="1" noEditPoints="1" noAdjustHandles="1" noChangeArrowheads="1" noChangeShapeType="1" noTextEdit="1"/>
+              </p:cNvSpPr>
+              <p:nvPr>
+                <p:ph sz="quarter" idx="1"/>
+              </p:nvPr>
+            </p:nvSpPr>
+            <p:spPr>
+              <a:blipFill>
+                <a:blip r:embed="rId4"/>
+                <a:stretch>
+                  <a:fillRect l="-556" t="-1605"/>
+                </a:stretch>
+              </a:blipFill>
+            </p:spPr>
+            <p:txBody>
+              <a:bodyPr/>
+              <a:lstStyle/>
+              <a:p>
+                <a:r>
+                  <a:rPr lang="zh-CN" altLang="en-US">
+                    <a:noFill/>
+                  </a:rPr>
+                  <a:t> </a:t>
+                </a:r>
+              </a:p>
+            </p:txBody>
+          </p:sp>
+        </mc:Fallback>
+      </mc:AlternateContent>
+      <p:pic>
+        <p:nvPicPr>
+          <p:cNvPr id="5" name="图片 4">
+            <a:extLst>
+              <a:ext uri="{FF2B5EF4-FFF2-40B4-BE49-F238E27FC236}">
+                <a16:creationId xmlns:a16="http://schemas.microsoft.com/office/drawing/2014/main" id="{C93672E7-C8F7-4219-9112-F4E17A4BAFCD}"/>
+              </a:ext>
+            </a:extLst>
+          </p:cNvPr>
+          <p:cNvPicPr>
+            <a:picLocks noChangeAspect="1"/>
+          </p:cNvPicPr>
+          <p:nvPr/>
+        </p:nvPicPr>
+        <p:blipFill>
+          <a:blip r:embed="rId5">
+            <a:extLst>
+              <a:ext uri="{28A0092B-C50C-407E-A947-70E740481C1C}">
+                <a14:useLocalDpi xmlns:a14="http://schemas.microsoft.com/office/drawing/2010/main" val="0"/>
+              </a:ext>
+            </a:extLst>
+          </a:blip>
+          <a:stretch>
+            <a:fillRect/>
+          </a:stretch>
+        </p:blipFill>
+        <p:spPr>
+          <a:xfrm>
+            <a:off x="8915400" y="4038600"/>
+            <a:ext cx="2509223" cy="1997581"/>
+          </a:xfrm>
+          <a:prstGeom prst="rect">
+            <a:avLst/>
+          </a:prstGeom>
+        </p:spPr>
+      </p:pic>
+      <p:pic>
+        <p:nvPicPr>
+          <p:cNvPr id="7" name="图片 6">
+            <a:extLst>
+              <a:ext uri="{FF2B5EF4-FFF2-40B4-BE49-F238E27FC236}">
+                <a16:creationId xmlns:a16="http://schemas.microsoft.com/office/drawing/2014/main" id="{BE43C62B-E884-416D-BAFB-E57A95D3C25B}"/>
+              </a:ext>
+            </a:extLst>
+          </p:cNvPr>
+          <p:cNvPicPr>
+            <a:picLocks noChangeAspect="1"/>
+          </p:cNvPicPr>
+          <p:nvPr/>
+        </p:nvPicPr>
+        <p:blipFill>
+          <a:blip r:embed="rId6">
+            <a:extLst>
+              <a:ext uri="{28A0092B-C50C-407E-A947-70E740481C1C}">
+                <a14:useLocalDpi xmlns:a14="http://schemas.microsoft.com/office/drawing/2010/main" val="0"/>
+              </a:ext>
+            </a:extLst>
+          </a:blip>
+          <a:stretch>
+            <a:fillRect/>
+          </a:stretch>
+        </p:blipFill>
+        <p:spPr>
+          <a:xfrm>
+            <a:off x="3760946" y="4904354"/>
+            <a:ext cx="3592436" cy="944044"/>
+          </a:xfrm>
+          <a:prstGeom prst="rect">
+            <a:avLst/>
+          </a:prstGeom>
+        </p:spPr>
+      </p:pic>
+      <p:pic>
+        <p:nvPicPr>
+          <p:cNvPr id="9" name="图片 8">
+            <a:extLst>
+              <a:ext uri="{FF2B5EF4-FFF2-40B4-BE49-F238E27FC236}">
+                <a16:creationId xmlns:a16="http://schemas.microsoft.com/office/drawing/2014/main" id="{A2E91332-AF85-41B4-A2FF-BD0CE150B4C4}"/>
+              </a:ext>
+            </a:extLst>
+          </p:cNvPr>
+          <p:cNvPicPr>
+            <a:picLocks noChangeAspect="1"/>
+          </p:cNvPicPr>
+          <p:nvPr/>
+        </p:nvPicPr>
+        <p:blipFill>
+          <a:blip r:embed="rId7">
+            <a:extLst>
+              <a:ext uri="{28A0092B-C50C-407E-A947-70E740481C1C}">
+                <a14:useLocalDpi xmlns:a14="http://schemas.microsoft.com/office/drawing/2010/main" val="0"/>
+              </a:ext>
+            </a:extLst>
+          </a:blip>
+          <a:stretch>
+            <a:fillRect/>
+          </a:stretch>
+        </p:blipFill>
+        <p:spPr>
+          <a:xfrm>
+            <a:off x="1594556" y="5181600"/>
+            <a:ext cx="1632473" cy="557934"/>
+          </a:xfrm>
+          <a:prstGeom prst="rect">
+            <a:avLst/>
+          </a:prstGeom>
+        </p:spPr>
+      </p:pic>
+      <p:pic>
+        <p:nvPicPr>
+          <p:cNvPr id="11" name="图片 10">
+            <a:extLst>
+              <a:ext uri="{FF2B5EF4-FFF2-40B4-BE49-F238E27FC236}">
+                <a16:creationId xmlns:a16="http://schemas.microsoft.com/office/drawing/2014/main" id="{41FC6C29-DF85-46C0-92B8-05622B6291B1}"/>
+              </a:ext>
+            </a:extLst>
+          </p:cNvPr>
+          <p:cNvPicPr>
+            <a:picLocks noChangeAspect="1"/>
+          </p:cNvPicPr>
+          <p:nvPr/>
+        </p:nvPicPr>
+        <p:blipFill>
+          <a:blip r:embed="rId8">
+            <a:extLst>
+              <a:ext uri="{28A0092B-C50C-407E-A947-70E740481C1C}">
+                <a14:useLocalDpi xmlns:a14="http://schemas.microsoft.com/office/drawing/2010/main" val="0"/>
+              </a:ext>
+            </a:extLst>
+          </a:blip>
+          <a:stretch>
+            <a:fillRect/>
+          </a:stretch>
+        </p:blipFill>
+        <p:spPr>
+          <a:xfrm>
+            <a:off x="4191000" y="2286000"/>
+            <a:ext cx="2743200" cy="944044"/>
+          </a:xfrm>
+          <a:prstGeom prst="rect">
+            <a:avLst/>
+          </a:prstGeom>
+        </p:spPr>
+      </p:pic>
+    </p:spTree>
+    <p:extLst>
+      <p:ext uri="{BB962C8B-B14F-4D97-AF65-F5344CB8AC3E}">
+        <p14:creationId xmlns:p14="http://schemas.microsoft.com/office/powerpoint/2010/main" val="2328961492"/>
       </p:ext>
     </p:extLst>
   </p:cSld>
@@ -17147,37 +17529,49 @@
                   <m:oMath xmlns:m="http://schemas.openxmlformats.org/officeDocument/2006/math">
                     <m:r>
                       <a:rPr lang="en-US" altLang="zh-CN" i="1" dirty="0" smtClean="0">
-                        <a:latin typeface="Cambria Math" panose="02040503050406030204" pitchFamily="18" charset="0"/>
+                        <a:latin typeface="STIX Two Math" panose="02020603050405020304" pitchFamily="18" charset="0"/>
+                        <a:ea typeface="STIX Two Math" panose="02020603050405020304" pitchFamily="18" charset="0"/>
+                        <a:cs typeface="STIX Two Math" panose="02020603050405020304" pitchFamily="18" charset="0"/>
                       </a:rPr>
                       <m:t>𝑓</m:t>
                     </m:r>
                     <m:r>
                       <a:rPr lang="en-US" altLang="zh-CN" i="1" dirty="0" smtClean="0">
-                        <a:latin typeface="Cambria Math" panose="02040503050406030204" pitchFamily="18" charset="0"/>
+                        <a:latin typeface="STIX Two Math" panose="02020603050405020304" pitchFamily="18" charset="0"/>
+                        <a:ea typeface="STIX Two Math" panose="02020603050405020304" pitchFamily="18" charset="0"/>
+                        <a:cs typeface="STIX Two Math" panose="02020603050405020304" pitchFamily="18" charset="0"/>
                       </a:rPr>
                       <m:t>(</m:t>
                     </m:r>
                     <m:r>
                       <a:rPr lang="en-US" altLang="zh-CN" i="1" dirty="0" err="1">
-                        <a:latin typeface="Cambria Math" panose="02040503050406030204" pitchFamily="18" charset="0"/>
+                        <a:latin typeface="STIX Two Math" panose="02020603050405020304" pitchFamily="18" charset="0"/>
+                        <a:ea typeface="STIX Two Math" panose="02020603050405020304" pitchFamily="18" charset="0"/>
+                        <a:cs typeface="STIX Two Math" panose="02020603050405020304" pitchFamily="18" charset="0"/>
                       </a:rPr>
                       <m:t>𝑥</m:t>
                     </m:r>
                     <m:r>
                       <a:rPr lang="en-US" altLang="zh-CN" i="1" dirty="0" err="1">
-                        <a:latin typeface="Cambria Math" panose="02040503050406030204" pitchFamily="18" charset="0"/>
+                        <a:latin typeface="STIX Two Math" panose="02020603050405020304" pitchFamily="18" charset="0"/>
+                        <a:ea typeface="STIX Two Math" panose="02020603050405020304" pitchFamily="18" charset="0"/>
+                        <a:cs typeface="STIX Two Math" panose="02020603050405020304" pitchFamily="18" charset="0"/>
                       </a:rPr>
                       <m:t>;</m:t>
                     </m:r>
                     <m:r>
                       <a:rPr lang="en-US" altLang="zh-CN" i="1" dirty="0" err="1">
-                        <a:latin typeface="Cambria Math" panose="02040503050406030204" pitchFamily="18" charset="0"/>
+                        <a:latin typeface="STIX Two Math" panose="02020603050405020304" pitchFamily="18" charset="0"/>
+                        <a:ea typeface="STIX Two Math" panose="02020603050405020304" pitchFamily="18" charset="0"/>
+                        <a:cs typeface="STIX Two Math" panose="02020603050405020304" pitchFamily="18" charset="0"/>
                       </a:rPr>
                       <m:t>𝑤</m:t>
                     </m:r>
                     <m:r>
                       <a:rPr lang="en-US" altLang="zh-CN" i="1" dirty="0">
-                        <a:latin typeface="Cambria Math" panose="02040503050406030204" pitchFamily="18" charset="0"/>
+                        <a:latin typeface="STIX Two Math" panose="02020603050405020304" pitchFamily="18" charset="0"/>
+                        <a:ea typeface="STIX Two Math" panose="02020603050405020304" pitchFamily="18" charset="0"/>
+                        <a:cs typeface="STIX Two Math" panose="02020603050405020304" pitchFamily="18" charset="0"/>
                       </a:rPr>
                       <m:t>) = </m:t>
                     </m:r>
@@ -17186,13 +17580,17 @@
                         <m:ctrlPr>
                           <a:rPr lang="en-US" altLang="zh-CN" b="0" i="1" dirty="0" smtClean="0">
                             <a:latin typeface="Cambria Math" panose="02040503050406030204" pitchFamily="18" charset="0"/>
+                            <a:ea typeface="STIX Two Math" panose="02020603050405020304" pitchFamily="18" charset="0"/>
+                            <a:cs typeface="STIX Two Math" panose="02020603050405020304" pitchFamily="18" charset="0"/>
                           </a:rPr>
                         </m:ctrlPr>
                       </m:sSupPr>
                       <m:e>
                         <m:r>
                           <a:rPr lang="en-US" altLang="zh-CN" i="1" dirty="0">
-                            <a:latin typeface="Cambria Math" panose="02040503050406030204" pitchFamily="18" charset="0"/>
+                            <a:latin typeface="STIX Two Math" panose="02020603050405020304" pitchFamily="18" charset="0"/>
+                            <a:ea typeface="STIX Two Math" panose="02020603050405020304" pitchFamily="18" charset="0"/>
+                            <a:cs typeface="STIX Two Math" panose="02020603050405020304" pitchFamily="18" charset="0"/>
                           </a:rPr>
                           <m:t>𝑤</m:t>
                         </m:r>
@@ -17200,7 +17598,9 @@
                       <m:sup>
                         <m:r>
                           <a:rPr lang="en-US" altLang="zh-CN" i="1" dirty="0">
-                            <a:latin typeface="Cambria Math" panose="02040503050406030204" pitchFamily="18" charset="0"/>
+                            <a:latin typeface="STIX Two Math" panose="02020603050405020304" pitchFamily="18" charset="0"/>
+                            <a:ea typeface="STIX Two Math" panose="02020603050405020304" pitchFamily="18" charset="0"/>
+                            <a:cs typeface="STIX Two Math" panose="02020603050405020304" pitchFamily="18" charset="0"/>
                           </a:rPr>
                           <m:t>𝑇</m:t>
                         </m:r>
@@ -17208,7 +17608,9 @@
                     </m:sSup>
                     <m:r>
                       <a:rPr lang="en-US" altLang="zh-CN" i="1" dirty="0">
-                        <a:latin typeface="Cambria Math" panose="02040503050406030204" pitchFamily="18" charset="0"/>
+                        <a:latin typeface="STIX Two Math" panose="02020603050405020304" pitchFamily="18" charset="0"/>
+                        <a:ea typeface="STIX Two Math" panose="02020603050405020304" pitchFamily="18" charset="0"/>
+                        <a:cs typeface="STIX Two Math" panose="02020603050405020304" pitchFamily="18" charset="0"/>
                       </a:rPr>
                       <m:t>𝑥</m:t>
                     </m:r>
@@ -17290,7 +17692,7 @@
               <a:blipFill>
                 <a:blip r:embed="rId4"/>
                 <a:stretch>
-                  <a:fillRect l="-741" t="-1235"/>
+                  <a:fillRect l="-556" t="-1111"/>
                 </a:stretch>
               </a:blipFill>
             </p:spPr>
@@ -18086,7 +18488,7 @@
         </p:nvSpPr>
         <p:spPr>
           <a:xfrm>
-            <a:off x="5522766" y="2918587"/>
+            <a:off x="5446566" y="2586348"/>
             <a:ext cx="1146468" cy="646331"/>
           </a:xfrm>
           <a:prstGeom prst="rect">
@@ -18149,7 +18551,7 @@
         </p:nvSpPr>
         <p:spPr>
           <a:xfrm>
-            <a:off x="7172185" y="2895600"/>
+            <a:off x="7095985" y="2563361"/>
             <a:ext cx="646331" cy="646331"/>
           </a:xfrm>
           <a:prstGeom prst="rect">
@@ -18199,7 +18601,7 @@
         </p:nvSpPr>
         <p:spPr>
           <a:xfrm>
-            <a:off x="3505200" y="2878183"/>
+            <a:off x="3429000" y="2545944"/>
             <a:ext cx="1082348" cy="646331"/>
           </a:xfrm>
           <a:prstGeom prst="rect">
@@ -18244,7 +18646,7 @@
           <p:nvPr/>
         </p:nvPicPr>
         <p:blipFill>
-          <a:blip r:embed="rId2">
+          <a:blip r:embed="rId3">
             <a:extLst>
               <a:ext uri="{28A0092B-C50C-407E-A947-70E740481C1C}">
                 <a14:useLocalDpi xmlns:a14="http://schemas.microsoft.com/office/drawing/2010/main" val="0"/>
@@ -18280,7 +18682,7 @@
           <p:nvPr/>
         </p:nvPicPr>
         <p:blipFill>
-          <a:blip r:embed="rId3">
+          <a:blip r:embed="rId4">
             <a:extLst>
               <a:ext uri="{28A0092B-C50C-407E-A947-70E740481C1C}">
                 <a14:useLocalDpi xmlns:a14="http://schemas.microsoft.com/office/drawing/2010/main" val="0"/>
@@ -18293,8 +18695,224 @@
         </p:blipFill>
         <p:spPr>
           <a:xfrm>
-            <a:off x="3276600" y="1379310"/>
-            <a:ext cx="5225280" cy="1393408"/>
+            <a:off x="3733800" y="1219200"/>
+            <a:ext cx="4310880" cy="1149568"/>
+          </a:xfrm>
+          <a:prstGeom prst="rect">
+            <a:avLst/>
+          </a:prstGeom>
+        </p:spPr>
+      </p:pic>
+      <p:pic>
+        <p:nvPicPr>
+          <p:cNvPr id="4" name="图片 3">
+            <a:extLst>
+              <a:ext uri="{FF2B5EF4-FFF2-40B4-BE49-F238E27FC236}">
+                <a16:creationId xmlns:a16="http://schemas.microsoft.com/office/drawing/2014/main" id="{24C333C4-AEA0-4819-AD03-DB3F85DBE63E}"/>
+              </a:ext>
+            </a:extLst>
+          </p:cNvPr>
+          <p:cNvPicPr>
+            <a:picLocks noChangeAspect="1"/>
+          </p:cNvPicPr>
+          <p:nvPr/>
+        </p:nvPicPr>
+        <p:blipFill>
+          <a:blip r:embed="rId5">
+            <a:extLst>
+              <a:ext uri="{28A0092B-C50C-407E-A947-70E740481C1C}">
+                <a14:useLocalDpi xmlns:a14="http://schemas.microsoft.com/office/drawing/2010/main" val="0"/>
+              </a:ext>
+            </a:extLst>
+          </a:blip>
+          <a:stretch>
+            <a:fillRect/>
+          </a:stretch>
+        </p:blipFill>
+        <p:spPr>
+          <a:xfrm>
+            <a:off x="2895600" y="3835711"/>
+            <a:ext cx="6610800" cy="2133600"/>
+          </a:xfrm>
+          <a:prstGeom prst="rect">
+            <a:avLst/>
+          </a:prstGeom>
+        </p:spPr>
+      </p:pic>
+      <p:cxnSp>
+        <p:nvCxnSpPr>
+          <p:cNvPr id="7" name="直接连接符 6">
+            <a:extLst>
+              <a:ext uri="{FF2B5EF4-FFF2-40B4-BE49-F238E27FC236}">
+                <a16:creationId xmlns:a16="http://schemas.microsoft.com/office/drawing/2014/main" id="{3F2D60C5-8A3B-4CA7-81CA-A06D78D7D171}"/>
+              </a:ext>
+            </a:extLst>
+          </p:cNvPr>
+          <p:cNvCxnSpPr/>
+          <p:nvPr/>
+        </p:nvCxnSpPr>
+        <p:spPr>
+          <a:xfrm>
+            <a:off x="5446566" y="2438400"/>
+            <a:ext cx="1335234" cy="0"/>
+          </a:xfrm>
+          <a:prstGeom prst="line">
+            <a:avLst/>
+          </a:prstGeom>
+        </p:spPr>
+        <p:style>
+          <a:lnRef idx="3">
+            <a:schemeClr val="accent3"/>
+          </a:lnRef>
+          <a:fillRef idx="0">
+            <a:schemeClr val="accent3"/>
+          </a:fillRef>
+          <a:effectRef idx="2">
+            <a:schemeClr val="accent3"/>
+          </a:effectRef>
+          <a:fontRef idx="minor">
+            <a:schemeClr val="tx1"/>
+          </a:fontRef>
+        </p:style>
+      </p:cxnSp>
+      <p:cxnSp>
+        <p:nvCxnSpPr>
+          <p:cNvPr id="12" name="直接连接符 11">
+            <a:extLst>
+              <a:ext uri="{FF2B5EF4-FFF2-40B4-BE49-F238E27FC236}">
+                <a16:creationId xmlns:a16="http://schemas.microsoft.com/office/drawing/2014/main" id="{C047FA0A-D543-4B57-9A21-BA9DECC504FD}"/>
+              </a:ext>
+            </a:extLst>
+          </p:cNvPr>
+          <p:cNvCxnSpPr/>
+          <p:nvPr/>
+        </p:nvCxnSpPr>
+        <p:spPr>
+          <a:xfrm>
+            <a:off x="5105400" y="5969311"/>
+            <a:ext cx="1828800" cy="0"/>
+          </a:xfrm>
+          <a:prstGeom prst="line">
+            <a:avLst/>
+          </a:prstGeom>
+        </p:spPr>
+        <p:style>
+          <a:lnRef idx="3">
+            <a:schemeClr val="accent3"/>
+          </a:lnRef>
+          <a:fillRef idx="0">
+            <a:schemeClr val="accent3"/>
+          </a:fillRef>
+          <a:effectRef idx="2">
+            <a:schemeClr val="accent3"/>
+          </a:effectRef>
+          <a:fontRef idx="minor">
+            <a:schemeClr val="tx1"/>
+          </a:fontRef>
+        </p:style>
+      </p:cxnSp>
+      <p:cxnSp>
+        <p:nvCxnSpPr>
+          <p:cNvPr id="16" name="直接连接符 15">
+            <a:extLst>
+              <a:ext uri="{FF2B5EF4-FFF2-40B4-BE49-F238E27FC236}">
+                <a16:creationId xmlns:a16="http://schemas.microsoft.com/office/drawing/2014/main" id="{3F85D5D1-B3F4-461B-9E4A-E58D3F0F38EE}"/>
+              </a:ext>
+            </a:extLst>
+          </p:cNvPr>
+          <p:cNvCxnSpPr>
+            <a:cxnSpLocks/>
+          </p:cNvCxnSpPr>
+          <p:nvPr/>
+        </p:nvCxnSpPr>
+        <p:spPr>
+          <a:xfrm>
+            <a:off x="7315200" y="5962825"/>
+            <a:ext cx="914400" cy="0"/>
+          </a:xfrm>
+          <a:prstGeom prst="line">
+            <a:avLst/>
+          </a:prstGeom>
+        </p:spPr>
+        <p:style>
+          <a:lnRef idx="3">
+            <a:schemeClr val="accent3"/>
+          </a:lnRef>
+          <a:fillRef idx="0">
+            <a:schemeClr val="accent3"/>
+          </a:fillRef>
+          <a:effectRef idx="2">
+            <a:schemeClr val="accent3"/>
+          </a:effectRef>
+          <a:fontRef idx="minor">
+            <a:schemeClr val="tx1"/>
+          </a:fontRef>
+        </p:style>
+      </p:cxnSp>
+      <p:sp>
+        <p:nvSpPr>
+          <p:cNvPr id="17" name="矩形 16">
+            <a:extLst>
+              <a:ext uri="{FF2B5EF4-FFF2-40B4-BE49-F238E27FC236}">
+                <a16:creationId xmlns:a16="http://schemas.microsoft.com/office/drawing/2014/main" id="{3065F08E-3352-44E3-81BB-1AA20481C337}"/>
+              </a:ext>
+            </a:extLst>
+          </p:cNvPr>
+          <p:cNvSpPr/>
+          <p:nvPr/>
+        </p:nvSpPr>
+        <p:spPr>
+          <a:xfrm>
+            <a:off x="8968165" y="5715000"/>
+            <a:ext cx="1338828" cy="369332"/>
+          </a:xfrm>
+          <a:prstGeom prst="rect">
+            <a:avLst/>
+          </a:prstGeom>
+        </p:spPr>
+        <p:txBody>
+          <a:bodyPr wrap="none">
+            <a:spAutoFit/>
+          </a:bodyPr>
+          <a:lstStyle/>
+          <a:p>
+            <a:r>
+              <a:rPr lang="zh-CN" altLang="en-US" dirty="0"/>
+              <a:t>正则化系数</a:t>
+            </a:r>
+          </a:p>
+        </p:txBody>
+      </p:sp>
+      <p:pic>
+        <p:nvPicPr>
+          <p:cNvPr id="19" name="图片 18">
+            <a:extLst>
+              <a:ext uri="{FF2B5EF4-FFF2-40B4-BE49-F238E27FC236}">
+                <a16:creationId xmlns:a16="http://schemas.microsoft.com/office/drawing/2014/main" id="{65C2D406-C8C1-4792-ACE9-0F4B9CA77786}"/>
+              </a:ext>
+            </a:extLst>
+          </p:cNvPr>
+          <p:cNvPicPr>
+            <a:picLocks noChangeAspect="1"/>
+          </p:cNvPicPr>
+          <p:nvPr/>
+        </p:nvPicPr>
+        <p:blipFill>
+          <a:blip r:embed="rId6">
+            <a:extLst>
+              <a:ext uri="{28A0092B-C50C-407E-A947-70E740481C1C}">
+                <a14:useLocalDpi xmlns:a14="http://schemas.microsoft.com/office/drawing/2010/main" val="0"/>
+              </a:ext>
+            </a:extLst>
+          </a:blip>
+          <a:stretch>
+            <a:fillRect/>
+          </a:stretch>
+        </p:blipFill>
+        <p:spPr>
+          <a:xfrm>
+            <a:off x="10363200" y="5736940"/>
+            <a:ext cx="1066828" cy="451769"/>
           </a:xfrm>
           <a:prstGeom prst="rect">
             <a:avLst/>
@@ -18302,6 +18920,9 @@
         </p:spPr>
       </p:pic>
     </p:spTree>
+    <p:custDataLst>
+      <p:tags r:id="rId1"/>
+    </p:custDataLst>
     <p:extLst>
       <p:ext uri="{BB962C8B-B14F-4D97-AF65-F5344CB8AC3E}">
         <p14:creationId xmlns:p14="http://schemas.microsoft.com/office/powerpoint/2010/main" val="3032848098"/>
@@ -18311,6 +18932,232 @@
   <p:clrMapOvr>
     <a:masterClrMapping/>
   </p:clrMapOvr>
+  <p:timing>
+    <p:tnLst>
+      <p:par>
+        <p:cTn id="1" dur="indefinite" restart="never" nodeType="tmRoot">
+          <p:childTnLst>
+            <p:seq concurrent="1" nextAc="seek">
+              <p:cTn id="2" dur="indefinite" nodeType="mainSeq">
+                <p:childTnLst>
+                  <p:par>
+                    <p:cTn id="3" fill="hold">
+                      <p:stCondLst>
+                        <p:cond delay="indefinite"/>
+                      </p:stCondLst>
+                      <p:childTnLst>
+                        <p:par>
+                          <p:cTn id="4" fill="hold">
+                            <p:stCondLst>
+                              <p:cond delay="0"/>
+                            </p:stCondLst>
+                            <p:childTnLst>
+                              <p:par>
+                                <p:cTn id="5" presetID="10" presetClass="entr" presetSubtype="0" fill="hold" nodeType="clickEffect">
+                                  <p:stCondLst>
+                                    <p:cond delay="0"/>
+                                  </p:stCondLst>
+                                  <p:childTnLst>
+                                    <p:set>
+                                      <p:cBhvr>
+                                        <p:cTn id="6" dur="1" fill="hold">
+                                          <p:stCondLst>
+                                            <p:cond delay="0"/>
+                                          </p:stCondLst>
+                                        </p:cTn>
+                                        <p:tgtEl>
+                                          <p:spTgt spid="4"/>
+                                        </p:tgtEl>
+                                        <p:attrNameLst>
+                                          <p:attrName>style.visibility</p:attrName>
+                                        </p:attrNameLst>
+                                      </p:cBhvr>
+                                      <p:to>
+                                        <p:strVal val="visible"/>
+                                      </p:to>
+                                    </p:set>
+                                    <p:animEffect transition="in" filter="fade">
+                                      <p:cBhvr>
+                                        <p:cTn id="7" dur="500"/>
+                                        <p:tgtEl>
+                                          <p:spTgt spid="4"/>
+                                        </p:tgtEl>
+                                      </p:cBhvr>
+                                    </p:animEffect>
+                                  </p:childTnLst>
+                                </p:cTn>
+                              </p:par>
+                              <p:par>
+                                <p:cTn id="8" presetID="10" presetClass="entr" presetSubtype="0" fill="hold" nodeType="withEffect">
+                                  <p:stCondLst>
+                                    <p:cond delay="0"/>
+                                  </p:stCondLst>
+                                  <p:childTnLst>
+                                    <p:set>
+                                      <p:cBhvr>
+                                        <p:cTn id="9" dur="1" fill="hold">
+                                          <p:stCondLst>
+                                            <p:cond delay="0"/>
+                                          </p:stCondLst>
+                                        </p:cTn>
+                                        <p:tgtEl>
+                                          <p:spTgt spid="12"/>
+                                        </p:tgtEl>
+                                        <p:attrNameLst>
+                                          <p:attrName>style.visibility</p:attrName>
+                                        </p:attrNameLst>
+                                      </p:cBhvr>
+                                      <p:to>
+                                        <p:strVal val="visible"/>
+                                      </p:to>
+                                    </p:set>
+                                    <p:animEffect transition="in" filter="fade">
+                                      <p:cBhvr>
+                                        <p:cTn id="10" dur="500"/>
+                                        <p:tgtEl>
+                                          <p:spTgt spid="12"/>
+                                        </p:tgtEl>
+                                      </p:cBhvr>
+                                    </p:animEffect>
+                                  </p:childTnLst>
+                                </p:cTn>
+                              </p:par>
+                              <p:par>
+                                <p:cTn id="11" presetID="10" presetClass="entr" presetSubtype="0" fill="hold" nodeType="withEffect">
+                                  <p:stCondLst>
+                                    <p:cond delay="0"/>
+                                  </p:stCondLst>
+                                  <p:childTnLst>
+                                    <p:set>
+                                      <p:cBhvr>
+                                        <p:cTn id="12" dur="1" fill="hold">
+                                          <p:stCondLst>
+                                            <p:cond delay="0"/>
+                                          </p:stCondLst>
+                                        </p:cTn>
+                                        <p:tgtEl>
+                                          <p:spTgt spid="16"/>
+                                        </p:tgtEl>
+                                        <p:attrNameLst>
+                                          <p:attrName>style.visibility</p:attrName>
+                                        </p:attrNameLst>
+                                      </p:cBhvr>
+                                      <p:to>
+                                        <p:strVal val="visible"/>
+                                      </p:to>
+                                    </p:set>
+                                    <p:animEffect transition="in" filter="fade">
+                                      <p:cBhvr>
+                                        <p:cTn id="13" dur="500"/>
+                                        <p:tgtEl>
+                                          <p:spTgt spid="16"/>
+                                        </p:tgtEl>
+                                      </p:cBhvr>
+                                    </p:animEffect>
+                                  </p:childTnLst>
+                                </p:cTn>
+                              </p:par>
+                              <p:par>
+                                <p:cTn id="14" presetID="10" presetClass="entr" presetSubtype="0" fill="hold" grpId="0" nodeType="withEffect">
+                                  <p:stCondLst>
+                                    <p:cond delay="0"/>
+                                  </p:stCondLst>
+                                  <p:childTnLst>
+                                    <p:set>
+                                      <p:cBhvr>
+                                        <p:cTn id="15" dur="1" fill="hold">
+                                          <p:stCondLst>
+                                            <p:cond delay="0"/>
+                                          </p:stCondLst>
+                                        </p:cTn>
+                                        <p:tgtEl>
+                                          <p:spTgt spid="17"/>
+                                        </p:tgtEl>
+                                        <p:attrNameLst>
+                                          <p:attrName>style.visibility</p:attrName>
+                                        </p:attrNameLst>
+                                      </p:cBhvr>
+                                      <p:to>
+                                        <p:strVal val="visible"/>
+                                      </p:to>
+                                    </p:set>
+                                    <p:animEffect transition="in" filter="fade">
+                                      <p:cBhvr>
+                                        <p:cTn id="16" dur="500"/>
+                                        <p:tgtEl>
+                                          <p:spTgt spid="17"/>
+                                        </p:tgtEl>
+                                      </p:cBhvr>
+                                    </p:animEffect>
+                                  </p:childTnLst>
+                                </p:cTn>
+                              </p:par>
+                              <p:par>
+                                <p:cTn id="17" presetID="10" presetClass="entr" presetSubtype="0" fill="hold" nodeType="withEffect">
+                                  <p:stCondLst>
+                                    <p:cond delay="0"/>
+                                  </p:stCondLst>
+                                  <p:childTnLst>
+                                    <p:set>
+                                      <p:cBhvr>
+                                        <p:cTn id="18" dur="1" fill="hold">
+                                          <p:stCondLst>
+                                            <p:cond delay="0"/>
+                                          </p:stCondLst>
+                                        </p:cTn>
+                                        <p:tgtEl>
+                                          <p:spTgt spid="19"/>
+                                        </p:tgtEl>
+                                        <p:attrNameLst>
+                                          <p:attrName>style.visibility</p:attrName>
+                                        </p:attrNameLst>
+                                      </p:cBhvr>
+                                      <p:to>
+                                        <p:strVal val="visible"/>
+                                      </p:to>
+                                    </p:set>
+                                    <p:animEffect transition="in" filter="fade">
+                                      <p:cBhvr>
+                                        <p:cTn id="19" dur="500"/>
+                                        <p:tgtEl>
+                                          <p:spTgt spid="19"/>
+                                        </p:tgtEl>
+                                      </p:cBhvr>
+                                    </p:animEffect>
+                                  </p:childTnLst>
+                                </p:cTn>
+                              </p:par>
+                            </p:childTnLst>
+                          </p:cTn>
+                        </p:par>
+                      </p:childTnLst>
+                    </p:cTn>
+                  </p:par>
+                </p:childTnLst>
+              </p:cTn>
+              <p:prevCondLst>
+                <p:cond evt="onPrev" delay="0">
+                  <p:tgtEl>
+                    <p:sldTgt/>
+                  </p:tgtEl>
+                </p:cond>
+              </p:prevCondLst>
+              <p:nextCondLst>
+                <p:cond evt="onNext" delay="0">
+                  <p:tgtEl>
+                    <p:sldTgt/>
+                  </p:tgtEl>
+                </p:cond>
+              </p:nextCondLst>
+            </p:seq>
+          </p:childTnLst>
+        </p:cTn>
+      </p:par>
+    </p:tnLst>
+    <p:bldLst>
+      <p:bldP spid="17" grpId="0"/>
+    </p:bldLst>
+  </p:timing>
 </p:sld>
 </file>
 
@@ -18374,14 +19221,14 @@
           <p:nvPr>
             <p:extLst>
               <p:ext uri="{D42A27DB-BD31-4B8C-83A1-F6EECF244321}">
-                <p14:modId xmlns:p14="http://schemas.microsoft.com/office/powerpoint/2010/main" val="3791314197"/>
+                <p14:modId xmlns:p14="http://schemas.microsoft.com/office/powerpoint/2010/main" val="3572393348"/>
               </p:ext>
             </p:extLst>
           </p:nvPr>
         </p:nvGraphicFramePr>
         <p:xfrm>
-          <a:off x="1524000" y="2316480"/>
-          <a:ext cx="8127999" cy="2225040"/>
+          <a:off x="838200" y="1901291"/>
+          <a:ext cx="9144000" cy="2225040"/>
         </p:xfrm>
         <a:graphic>
           <a:graphicData uri="http://schemas.openxmlformats.org/drawingml/2006/table">
@@ -18390,21 +19237,21 @@
                 <a:tableStyleId>{5C22544A-7EE6-4342-B048-85BDC9FD1C3A}</a:tableStyleId>
               </a:tblPr>
               <a:tblGrid>
-                <a:gridCol w="2709333">
+                <a:gridCol w="3048000">
                   <a:extLst>
                     <a:ext uri="{9D8B030D-6E8A-4147-A177-3AD203B41FA5}">
                       <a16:colId xmlns:a16="http://schemas.microsoft.com/office/drawing/2014/main" val="4005463710"/>
                     </a:ext>
                   </a:extLst>
                 </a:gridCol>
-                <a:gridCol w="2709333">
+                <a:gridCol w="3048000">
                   <a:extLst>
                     <a:ext uri="{9D8B030D-6E8A-4147-A177-3AD203B41FA5}">
                       <a16:colId xmlns:a16="http://schemas.microsoft.com/office/drawing/2014/main" val="111326869"/>
                     </a:ext>
                   </a:extLst>
                 </a:gridCol>
-                <a:gridCol w="2709333">
+                <a:gridCol w="3048000">
                   <a:extLst>
                     <a:ext uri="{9D8B030D-6E8A-4147-A177-3AD203B41FA5}">
                       <a16:colId xmlns:a16="http://schemas.microsoft.com/office/drawing/2014/main" val="3585889453"/>
@@ -18608,6 +19455,78 @@
           </a:graphicData>
         </a:graphic>
       </p:graphicFrame>
+      <p:pic>
+        <p:nvPicPr>
+          <p:cNvPr id="5" name="图片 4">
+            <a:extLst>
+              <a:ext uri="{FF2B5EF4-FFF2-40B4-BE49-F238E27FC236}">
+                <a16:creationId xmlns:a16="http://schemas.microsoft.com/office/drawing/2014/main" id="{A1491AC4-F35C-4D5F-A6FE-DECB099CA130}"/>
+              </a:ext>
+            </a:extLst>
+          </p:cNvPr>
+          <p:cNvPicPr>
+            <a:picLocks noChangeAspect="1"/>
+          </p:cNvPicPr>
+          <p:nvPr/>
+        </p:nvPicPr>
+        <p:blipFill>
+          <a:blip r:embed="rId2">
+            <a:extLst>
+              <a:ext uri="{28A0092B-C50C-407E-A947-70E740481C1C}">
+                <a14:useLocalDpi xmlns:a14="http://schemas.microsoft.com/office/drawing/2010/main" val="0"/>
+              </a:ext>
+            </a:extLst>
+          </a:blip>
+          <a:stretch>
+            <a:fillRect/>
+          </a:stretch>
+        </p:blipFill>
+        <p:spPr>
+          <a:xfrm>
+            <a:off x="4114800" y="4301961"/>
+            <a:ext cx="2193529" cy="615059"/>
+          </a:xfrm>
+          <a:prstGeom prst="rect">
+            <a:avLst/>
+          </a:prstGeom>
+        </p:spPr>
+      </p:pic>
+      <p:pic>
+        <p:nvPicPr>
+          <p:cNvPr id="7" name="图片 6">
+            <a:extLst>
+              <a:ext uri="{FF2B5EF4-FFF2-40B4-BE49-F238E27FC236}">
+                <a16:creationId xmlns:a16="http://schemas.microsoft.com/office/drawing/2014/main" id="{4DF4DD0D-A204-4FC6-82FD-13A3301EAE3C}"/>
+              </a:ext>
+            </a:extLst>
+          </p:cNvPr>
+          <p:cNvPicPr>
+            <a:picLocks noChangeAspect="1"/>
+          </p:cNvPicPr>
+          <p:nvPr/>
+        </p:nvPicPr>
+        <p:blipFill>
+          <a:blip r:embed="rId3">
+            <a:extLst>
+              <a:ext uri="{28A0092B-C50C-407E-A947-70E740481C1C}">
+                <a14:useLocalDpi xmlns:a14="http://schemas.microsoft.com/office/drawing/2010/main" val="0"/>
+              </a:ext>
+            </a:extLst>
+          </a:blip>
+          <a:stretch>
+            <a:fillRect/>
+          </a:stretch>
+        </p:blipFill>
+        <p:spPr>
+          <a:xfrm>
+            <a:off x="7315200" y="4367537"/>
+            <a:ext cx="2427578" cy="517085"/>
+          </a:xfrm>
+          <a:prstGeom prst="rect">
+            <a:avLst/>
+          </a:prstGeom>
+        </p:spPr>
+      </p:pic>
     </p:spTree>
     <p:extLst>
       <p:ext uri="{BB962C8B-B14F-4D97-AF65-F5344CB8AC3E}">
@@ -20593,8 +21512,8 @@
         </p:nvSpPr>
         <p:spPr>
           <a:xfrm>
-            <a:off x="1688109" y="2474267"/>
-            <a:ext cx="2362200" cy="461665"/>
+            <a:off x="1447800" y="1447800"/>
+            <a:ext cx="2819400" cy="2285999"/>
           </a:xfrm>
           <a:prstGeom prst="rect">
             <a:avLst/>
@@ -20646,6 +21565,44 @@
           </a:prstGeom>
         </p:spPr>
       </p:pic>
+      <p:sp>
+        <p:nvSpPr>
+          <p:cNvPr id="8" name="矩形 7">
+            <a:extLst>
+              <a:ext uri="{FF2B5EF4-FFF2-40B4-BE49-F238E27FC236}">
+                <a16:creationId xmlns:a16="http://schemas.microsoft.com/office/drawing/2014/main" id="{490363D2-E4B5-4D18-80AE-DF0A8B384B68}"/>
+              </a:ext>
+            </a:extLst>
+          </p:cNvPr>
+          <p:cNvSpPr/>
+          <p:nvPr/>
+        </p:nvSpPr>
+        <p:spPr>
+          <a:xfrm>
+            <a:off x="685800" y="5867400"/>
+            <a:ext cx="3647152" cy="369332"/>
+          </a:xfrm>
+          <a:prstGeom prst="rect">
+            <a:avLst/>
+          </a:prstGeom>
+        </p:spPr>
+        <p:txBody>
+          <a:bodyPr wrap="none">
+            <a:spAutoFit/>
+          </a:bodyPr>
+          <a:lstStyle/>
+          <a:p>
+            <a:r>
+              <a:rPr lang="zh-CN" altLang="en-US" dirty="0">
+                <a:solidFill>
+                  <a:srgbClr val="FF0000"/>
+                </a:solidFill>
+              </a:rPr>
+              <a:t>集成模型：有效的降低方差的方法</a:t>
+            </a:r>
+          </a:p>
+        </p:txBody>
+      </p:sp>
     </p:spTree>
     <p:custDataLst>
       <p:tags r:id="rId1"/>
@@ -20834,177 +21791,6 @@
           <a:lstStyle/>
           <a:p>
             <a:r>
-              <a:rPr lang="zh-CN" altLang="en-US" dirty="0"/>
-              <a:t>集成模型：有效的降低方差的方法</a:t>
-            </a:r>
-          </a:p>
-        </p:txBody>
-      </p:sp>
-      <p:sp>
-        <p:nvSpPr>
-          <p:cNvPr id="3" name="内容占位符 2"/>
-          <p:cNvSpPr>
-            <a:spLocks noGrp="1"/>
-          </p:cNvSpPr>
-          <p:nvPr>
-            <p:ph sz="quarter" idx="1"/>
-          </p:nvPr>
-        </p:nvSpPr>
-        <p:spPr>
-          <a:xfrm>
-            <a:off x="1962150" y="1219200"/>
-            <a:ext cx="8229600" cy="4937760"/>
-          </a:xfrm>
-        </p:spPr>
-        <p:txBody>
-          <a:bodyPr/>
-          <a:lstStyle/>
-          <a:p>
-            <a:r>
-              <a:rPr lang="zh-CN" altLang="en-US" dirty="0"/>
-              <a:t>集成模型</a:t>
-            </a:r>
-            <a:endParaRPr lang="en-US" altLang="zh-CN" dirty="0"/>
-          </a:p>
-          <a:p>
-            <a:endParaRPr lang="en-US" altLang="zh-CN" dirty="0"/>
-          </a:p>
-          <a:p>
-            <a:endParaRPr lang="en-US" altLang="zh-CN" dirty="0"/>
-          </a:p>
-          <a:p>
-            <a:pPr lvl="1"/>
-            <a:r>
-              <a:rPr lang="zh-CN" altLang="en-US" dirty="0"/>
-              <a:t>通过多个高方差模型的平均来降低方差。</a:t>
-            </a:r>
-            <a:endParaRPr lang="en-US" altLang="zh-CN" dirty="0"/>
-          </a:p>
-          <a:p>
-            <a:endParaRPr lang="en-US" altLang="zh-CN" dirty="0"/>
-          </a:p>
-          <a:p>
-            <a:r>
-              <a:rPr lang="zh-CN" altLang="en-US" dirty="0"/>
-              <a:t>集成模型的期望错误大于等于所有模型的平均期望错误的</a:t>
-            </a:r>
-            <a:r>
-              <a:rPr lang="en-US" altLang="zh-CN" dirty="0"/>
-              <a:t>1/M</a:t>
-            </a:r>
-            <a:r>
-              <a:rPr lang="zh-CN" altLang="en-US" dirty="0"/>
-              <a:t>，小于等于所有模型的平均期望错误。</a:t>
-            </a:r>
-          </a:p>
-        </p:txBody>
-      </p:sp>
-      <p:pic>
-        <p:nvPicPr>
-          <p:cNvPr id="4" name="图片 3" descr="屏幕剪辑"/>
-          <p:cNvPicPr>
-            <a:picLocks noChangeAspect="1"/>
-          </p:cNvPicPr>
-          <p:nvPr/>
-        </p:nvPicPr>
-        <p:blipFill>
-          <a:blip r:embed="rId2">
-            <a:extLst>
-              <a:ext uri="{28A0092B-C50C-407E-A947-70E740481C1C}">
-                <a14:useLocalDpi xmlns:a14="http://schemas.microsoft.com/office/drawing/2010/main" val="0"/>
-              </a:ext>
-            </a:extLst>
-          </a:blip>
-          <a:stretch>
-            <a:fillRect/>
-          </a:stretch>
-        </p:blipFill>
-        <p:spPr>
-          <a:xfrm>
-            <a:off x="3962401" y="1676400"/>
-            <a:ext cx="2770487" cy="827336"/>
-          </a:xfrm>
-          <a:prstGeom prst="rect">
-            <a:avLst/>
-          </a:prstGeom>
-        </p:spPr>
-      </p:pic>
-      <p:pic>
-        <p:nvPicPr>
-          <p:cNvPr id="5" name="图片 4" descr="屏幕剪辑"/>
-          <p:cNvPicPr>
-            <a:picLocks noChangeAspect="1"/>
-          </p:cNvPicPr>
-          <p:nvPr/>
-        </p:nvPicPr>
-        <p:blipFill>
-          <a:blip r:embed="rId3">
-            <a:extLst>
-              <a:ext uri="{28A0092B-C50C-407E-A947-70E740481C1C}">
-                <a14:useLocalDpi xmlns:a14="http://schemas.microsoft.com/office/drawing/2010/main" val="0"/>
-              </a:ext>
-            </a:extLst>
-          </a:blip>
-          <a:stretch>
-            <a:fillRect/>
-          </a:stretch>
-        </p:blipFill>
-        <p:spPr>
-          <a:xfrm>
-            <a:off x="3733800" y="4800600"/>
-            <a:ext cx="3929862" cy="758642"/>
-          </a:xfrm>
-          <a:prstGeom prst="rect">
-            <a:avLst/>
-          </a:prstGeom>
-        </p:spPr>
-      </p:pic>
-    </p:spTree>
-    <p:extLst>
-      <p:ext uri="{BB962C8B-B14F-4D97-AF65-F5344CB8AC3E}">
-        <p14:creationId xmlns:p14="http://schemas.microsoft.com/office/powerpoint/2010/main" val="3225584536"/>
-      </p:ext>
-    </p:extLst>
-  </p:cSld>
-  <p:clrMapOvr>
-    <a:masterClrMapping/>
-  </p:clrMapOvr>
-</p:sld>
-</file>
-
-<file path=ppt/slides/slide53.xml><?xml version="1.0" encoding="utf-8"?>
-<p:sld xmlns:a="http://schemas.openxmlformats.org/drawingml/2006/main" xmlns:r="http://schemas.openxmlformats.org/officeDocument/2006/relationships" xmlns:p="http://schemas.openxmlformats.org/presentationml/2006/main">
-  <p:cSld>
-    <p:spTree>
-      <p:nvGrpSpPr>
-        <p:cNvPr id="1" name=""/>
-        <p:cNvGrpSpPr/>
-        <p:nvPr/>
-      </p:nvGrpSpPr>
-      <p:grpSpPr>
-        <a:xfrm>
-          <a:off x="0" y="0"/>
-          <a:ext cx="0" cy="0"/>
-          <a:chOff x="0" y="0"/>
-          <a:chExt cx="0" cy="0"/>
-        </a:xfrm>
-      </p:grpSpPr>
-      <p:sp>
-        <p:nvSpPr>
-          <p:cNvPr id="2" name="标题 1"/>
-          <p:cNvSpPr>
-            <a:spLocks noGrp="1"/>
-          </p:cNvSpPr>
-          <p:nvPr>
-            <p:ph type="title"/>
-          </p:nvPr>
-        </p:nvSpPr>
-        <p:spPr/>
-        <p:txBody>
-          <a:bodyPr/>
-          <a:lstStyle/>
-          <a:p>
-            <a:r>
               <a:rPr lang="en-US" altLang="zh-CN" dirty="0"/>
               <a:t>PAC</a:t>
             </a:r>
@@ -21339,7 +22125,7 @@
 </p:sld>
 </file>
 
-<file path=ppt/slides/slide54.xml><?xml version="1.0" encoding="utf-8"?>
+<file path=ppt/slides/slide53.xml><?xml version="1.0" encoding="utf-8"?>
 <p:sld xmlns:a="http://schemas.openxmlformats.org/drawingml/2006/main" xmlns:r="http://schemas.openxmlformats.org/officeDocument/2006/relationships" xmlns:p="http://schemas.openxmlformats.org/presentationml/2006/main">
   <p:cSld>
     <p:spTree>
@@ -21565,7 +22351,7 @@
 </p:sld>
 </file>
 
-<file path=ppt/slides/slide55.xml><?xml version="1.0" encoding="utf-8"?>
+<file path=ppt/slides/slide54.xml><?xml version="1.0" encoding="utf-8"?>
 <p:sld xmlns:a="http://schemas.openxmlformats.org/drawingml/2006/main" xmlns:r="http://schemas.openxmlformats.org/officeDocument/2006/relationships" xmlns:p="http://schemas.openxmlformats.org/presentationml/2006/main">
   <p:cSld>
     <p:spTree>
@@ -21623,7 +22409,7 @@
 </p:sld>
 </file>
 
-<file path=ppt/slides/slide56.xml><?xml version="1.0" encoding="utf-8"?>
+<file path=ppt/slides/slide55.xml><?xml version="1.0" encoding="utf-8"?>
 <p:sld xmlns:a="http://schemas.openxmlformats.org/drawingml/2006/main" xmlns:r="http://schemas.openxmlformats.org/officeDocument/2006/relationships" xmlns:p="http://schemas.openxmlformats.org/presentationml/2006/main">
   <p:cSld>
     <p:spTree>
@@ -21663,23 +22449,7 @@
           <a:p>
             <a:r>
               <a:rPr lang="zh-CN" altLang="en-US" dirty="0"/>
-              <a:t>没有免费午餐定理（</a:t>
-            </a:r>
-            <a:r>
-              <a:rPr lang="en-US" altLang="zh-CN" dirty="0"/>
-              <a:t>No Free Lunch Theorem</a:t>
-            </a:r>
-            <a:r>
-              <a:rPr lang="zh-CN" altLang="en-US" dirty="0"/>
-              <a:t>，</a:t>
-            </a:r>
-            <a:r>
-              <a:rPr lang="en-US" altLang="zh-CN" dirty="0"/>
-              <a:t>NFL</a:t>
-            </a:r>
-            <a:r>
-              <a:rPr lang="zh-CN" altLang="en-US" dirty="0"/>
-              <a:t>）</a:t>
+              <a:t>常用的定理</a:t>
             </a:r>
             <a:endParaRPr lang="en-US" altLang="zh-CN" dirty="0"/>
           </a:p>
@@ -21706,6 +22476,30 @@
           <a:bodyPr/>
           <a:lstStyle/>
           <a:p>
+            <a:r>
+              <a:rPr lang="zh-CN" altLang="en-US" dirty="0"/>
+              <a:t>没有免费午餐定理（</a:t>
+            </a:r>
+            <a:r>
+              <a:rPr lang="en-US" altLang="zh-CN" dirty="0"/>
+              <a:t>No Free Lunch Theorem</a:t>
+            </a:r>
+            <a:r>
+              <a:rPr lang="zh-CN" altLang="en-US" dirty="0"/>
+              <a:t>，</a:t>
+            </a:r>
+            <a:r>
+              <a:rPr lang="en-US" altLang="zh-CN" dirty="0"/>
+              <a:t>NFL</a:t>
+            </a:r>
+            <a:r>
+              <a:rPr lang="zh-CN" altLang="en-US" dirty="0"/>
+              <a:t>）</a:t>
+            </a:r>
+            <a:endParaRPr lang="en-US" altLang="zh-CN" dirty="0"/>
+          </a:p>
+          <a:p>
+            <a:pPr lvl="1"/>
             <a:r>
               <a:rPr lang="zh-CN" altLang="en-US" dirty="0"/>
               <a:t>对于基于迭代的最优化算法，不存在某种算法对所有问题（有限的搜索空间内）都有效。如果一个算法对某些问题有效，那么它一定在另外一些问题上比纯随机搜索算法更差。</a:t>
@@ -21774,7 +22568,457 @@
 </p:sld>
 </file>
 
+<file path=ppt/slides/slide56.xml><?xml version="1.0" encoding="utf-8"?>
+<p:sld xmlns:a="http://schemas.openxmlformats.org/drawingml/2006/main" xmlns:r="http://schemas.openxmlformats.org/officeDocument/2006/relationships" xmlns:p="http://schemas.openxmlformats.org/presentationml/2006/main">
+  <p:cSld>
+    <p:spTree>
+      <p:nvGrpSpPr>
+        <p:cNvPr id="1" name=""/>
+        <p:cNvGrpSpPr/>
+        <p:nvPr/>
+      </p:nvGrpSpPr>
+      <p:grpSpPr>
+        <a:xfrm>
+          <a:off x="0" y="0"/>
+          <a:ext cx="0" cy="0"/>
+          <a:chOff x="0" y="0"/>
+          <a:chExt cx="0" cy="0"/>
+        </a:xfrm>
+      </p:grpSpPr>
+      <p:sp>
+        <p:nvSpPr>
+          <p:cNvPr id="3" name="标题 2">
+            <a:extLst>
+              <a:ext uri="{FF2B5EF4-FFF2-40B4-BE49-F238E27FC236}">
+                <a16:creationId xmlns:a16="http://schemas.microsoft.com/office/drawing/2014/main" id="{BDC66698-B80A-4D1B-8D74-401ECC133D24}"/>
+              </a:ext>
+            </a:extLst>
+          </p:cNvPr>
+          <p:cNvSpPr>
+            <a:spLocks noGrp="1"/>
+          </p:cNvSpPr>
+          <p:nvPr>
+            <p:ph type="title"/>
+          </p:nvPr>
+        </p:nvSpPr>
+        <p:spPr/>
+        <p:txBody>
+          <a:bodyPr/>
+          <a:lstStyle/>
+          <a:p>
+            <a:r>
+              <a:rPr lang="zh-CN" altLang="en-US" dirty="0"/>
+              <a:t>常用的定理</a:t>
+            </a:r>
+            <a:endParaRPr lang="en-US" altLang="zh-CN" dirty="0"/>
+          </a:p>
+        </p:txBody>
+      </p:sp>
+      <p:sp>
+        <p:nvSpPr>
+          <p:cNvPr id="4" name="内容占位符 3">
+            <a:extLst>
+              <a:ext uri="{FF2B5EF4-FFF2-40B4-BE49-F238E27FC236}">
+                <a16:creationId xmlns:a16="http://schemas.microsoft.com/office/drawing/2014/main" id="{941630B4-0CEF-4C2F-8F32-30E389C98F00}"/>
+              </a:ext>
+            </a:extLst>
+          </p:cNvPr>
+          <p:cNvSpPr>
+            <a:spLocks noGrp="1"/>
+          </p:cNvSpPr>
+          <p:nvPr>
+            <p:ph sz="quarter" idx="1"/>
+          </p:nvPr>
+        </p:nvSpPr>
+        <p:spPr/>
+        <p:txBody>
+          <a:bodyPr/>
+          <a:lstStyle/>
+          <a:p>
+            <a:r>
+              <a:rPr lang="zh-CN" altLang="en-US" dirty="0"/>
+              <a:t>丑小鸭定理</a:t>
+            </a:r>
+            <a:r>
+              <a:rPr lang="en-US" altLang="zh-CN" dirty="0"/>
+              <a:t>(Ugly Duckling Theorem)</a:t>
+            </a:r>
+          </a:p>
+          <a:p>
+            <a:pPr lvl="1"/>
+            <a:r>
+              <a:rPr lang="zh-CN" altLang="en-US" dirty="0"/>
+              <a:t>丑小鸭与白天鹅之间的区别和两只白天鹅之间的区别一样大</a:t>
+            </a:r>
+            <a:r>
+              <a:rPr lang="en-US" altLang="zh-CN" dirty="0"/>
+              <a:t>.</a:t>
+            </a:r>
+            <a:endParaRPr lang="zh-CN" altLang="en-US" dirty="0"/>
+          </a:p>
+        </p:txBody>
+      </p:sp>
+      <p:pic>
+        <p:nvPicPr>
+          <p:cNvPr id="2" name="Picture 2" descr="“Ugly Duckling Theorem”的图片搜索结果">
+            <a:extLst>
+              <a:ext uri="{FF2B5EF4-FFF2-40B4-BE49-F238E27FC236}">
+                <a16:creationId xmlns:a16="http://schemas.microsoft.com/office/drawing/2014/main" id="{EB1DCDBB-1BAE-4C6F-8DE6-FEA2AB7E554A}"/>
+              </a:ext>
+            </a:extLst>
+          </p:cNvPr>
+          <p:cNvPicPr>
+            <a:picLocks noChangeAspect="1" noChangeArrowheads="1"/>
+          </p:cNvPicPr>
+          <p:nvPr/>
+        </p:nvPicPr>
+        <p:blipFill>
+          <a:blip r:embed="rId2">
+            <a:extLst>
+              <a:ext uri="{28A0092B-C50C-407E-A947-70E740481C1C}">
+                <a14:useLocalDpi xmlns:a14="http://schemas.microsoft.com/office/drawing/2010/main" val="0"/>
+              </a:ext>
+            </a:extLst>
+          </a:blip>
+          <a:srcRect/>
+          <a:stretch>
+            <a:fillRect/>
+          </a:stretch>
+        </p:blipFill>
+        <p:spPr bwMode="auto">
+          <a:xfrm>
+            <a:off x="3810000" y="2914650"/>
+            <a:ext cx="4876800" cy="2724150"/>
+          </a:xfrm>
+          <a:prstGeom prst="rect">
+            <a:avLst/>
+          </a:prstGeom>
+          <a:noFill/>
+          <a:extLst>
+            <a:ext uri="{909E8E84-426E-40DD-AFC4-6F175D3DCCD1}">
+              <a14:hiddenFill xmlns:a14="http://schemas.microsoft.com/office/drawing/2010/main">
+                <a:solidFill>
+                  <a:srgbClr val="FFFFFF"/>
+                </a:solidFill>
+              </a14:hiddenFill>
+            </a:ext>
+          </a:extLst>
+        </p:spPr>
+      </p:pic>
+    </p:spTree>
+    <p:extLst>
+      <p:ext uri="{BB962C8B-B14F-4D97-AF65-F5344CB8AC3E}">
+        <p14:creationId xmlns:p14="http://schemas.microsoft.com/office/powerpoint/2010/main" val="1214248643"/>
+      </p:ext>
+    </p:extLst>
+  </p:cSld>
+  <p:clrMapOvr>
+    <a:masterClrMapping/>
+  </p:clrMapOvr>
+</p:sld>
+</file>
+
 <file path=ppt/slides/slide57.xml><?xml version="1.0" encoding="utf-8"?>
+<p:sld xmlns:a="http://schemas.openxmlformats.org/drawingml/2006/main" xmlns:r="http://schemas.openxmlformats.org/officeDocument/2006/relationships" xmlns:p="http://schemas.openxmlformats.org/presentationml/2006/main">
+  <p:cSld>
+    <p:spTree>
+      <p:nvGrpSpPr>
+        <p:cNvPr id="1" name=""/>
+        <p:cNvGrpSpPr/>
+        <p:nvPr/>
+      </p:nvGrpSpPr>
+      <p:grpSpPr>
+        <a:xfrm>
+          <a:off x="0" y="0"/>
+          <a:ext cx="0" cy="0"/>
+          <a:chOff x="0" y="0"/>
+          <a:chExt cx="0" cy="0"/>
+        </a:xfrm>
+      </p:grpSpPr>
+      <p:sp>
+        <p:nvSpPr>
+          <p:cNvPr id="3" name="标题 2">
+            <a:extLst>
+              <a:ext uri="{FF2B5EF4-FFF2-40B4-BE49-F238E27FC236}">
+                <a16:creationId xmlns:a16="http://schemas.microsoft.com/office/drawing/2014/main" id="{BDC66698-B80A-4D1B-8D74-401ECC133D24}"/>
+              </a:ext>
+            </a:extLst>
+          </p:cNvPr>
+          <p:cNvSpPr>
+            <a:spLocks noGrp="1"/>
+          </p:cNvSpPr>
+          <p:nvPr>
+            <p:ph type="title"/>
+          </p:nvPr>
+        </p:nvSpPr>
+        <p:spPr/>
+        <p:txBody>
+          <a:bodyPr/>
+          <a:lstStyle/>
+          <a:p>
+            <a:r>
+              <a:rPr lang="zh-CN" altLang="en-US" dirty="0"/>
+              <a:t>常用的定理</a:t>
+            </a:r>
+            <a:endParaRPr lang="en-US" altLang="zh-CN" dirty="0"/>
+          </a:p>
+        </p:txBody>
+      </p:sp>
+      <p:sp>
+        <p:nvSpPr>
+          <p:cNvPr id="4" name="内容占位符 3">
+            <a:extLst>
+              <a:ext uri="{FF2B5EF4-FFF2-40B4-BE49-F238E27FC236}">
+                <a16:creationId xmlns:a16="http://schemas.microsoft.com/office/drawing/2014/main" id="{941630B4-0CEF-4C2F-8F32-30E389C98F00}"/>
+              </a:ext>
+            </a:extLst>
+          </p:cNvPr>
+          <p:cNvSpPr>
+            <a:spLocks noGrp="1"/>
+          </p:cNvSpPr>
+          <p:nvPr>
+            <p:ph sz="quarter" idx="1"/>
+          </p:nvPr>
+        </p:nvSpPr>
+        <p:spPr/>
+        <p:txBody>
+          <a:bodyPr/>
+          <a:lstStyle/>
+          <a:p>
+            <a:r>
+              <a:rPr lang="zh-CN" altLang="en-US" dirty="0"/>
+              <a:t>奥卡姆剃刀原理</a:t>
+            </a:r>
+            <a:r>
+              <a:rPr lang="en-US" altLang="zh-CN" dirty="0"/>
+              <a:t>(Occam's Razor)</a:t>
+            </a:r>
+          </a:p>
+          <a:p>
+            <a:pPr lvl="1"/>
+            <a:r>
+              <a:rPr lang="zh-CN" altLang="en-US" dirty="0"/>
+              <a:t>如无必要，勿增实体</a:t>
+            </a:r>
+          </a:p>
+        </p:txBody>
+      </p:sp>
+      <p:pic>
+        <p:nvPicPr>
+          <p:cNvPr id="3074" name="Picture 2" descr="“Occam's Razor”的图片搜索结果">
+            <a:extLst>
+              <a:ext uri="{FF2B5EF4-FFF2-40B4-BE49-F238E27FC236}">
+                <a16:creationId xmlns:a16="http://schemas.microsoft.com/office/drawing/2014/main" id="{0AB42BDC-1ED0-4983-A79E-B7F63C5FE180}"/>
+              </a:ext>
+            </a:extLst>
+          </p:cNvPr>
+          <p:cNvPicPr>
+            <a:picLocks noChangeAspect="1" noChangeArrowheads="1"/>
+          </p:cNvPicPr>
+          <p:nvPr/>
+        </p:nvPicPr>
+        <p:blipFill>
+          <a:blip r:embed="rId2">
+            <a:extLst>
+              <a:ext uri="{28A0092B-C50C-407E-A947-70E740481C1C}">
+                <a14:useLocalDpi xmlns:a14="http://schemas.microsoft.com/office/drawing/2010/main" val="0"/>
+              </a:ext>
+            </a:extLst>
+          </a:blip>
+          <a:srcRect/>
+          <a:stretch>
+            <a:fillRect/>
+          </a:stretch>
+        </p:blipFill>
+        <p:spPr bwMode="auto">
+          <a:xfrm>
+            <a:off x="4572000" y="2819400"/>
+            <a:ext cx="3333750" cy="2905125"/>
+          </a:xfrm>
+          <a:prstGeom prst="rect">
+            <a:avLst/>
+          </a:prstGeom>
+          <a:noFill/>
+          <a:extLst>
+            <a:ext uri="{909E8E84-426E-40DD-AFC4-6F175D3DCCD1}">
+              <a14:hiddenFill xmlns:a14="http://schemas.microsoft.com/office/drawing/2010/main">
+                <a:solidFill>
+                  <a:srgbClr val="FFFFFF"/>
+                </a:solidFill>
+              </a14:hiddenFill>
+            </a:ext>
+          </a:extLst>
+        </p:spPr>
+      </p:pic>
+    </p:spTree>
+    <p:extLst>
+      <p:ext uri="{BB962C8B-B14F-4D97-AF65-F5344CB8AC3E}">
+        <p14:creationId xmlns:p14="http://schemas.microsoft.com/office/powerpoint/2010/main" val="1203628846"/>
+      </p:ext>
+    </p:extLst>
+  </p:cSld>
+  <p:clrMapOvr>
+    <a:masterClrMapping/>
+  </p:clrMapOvr>
+</p:sld>
+</file>
+
+<file path=ppt/slides/slide58.xml><?xml version="1.0" encoding="utf-8"?>
+<p:sld xmlns:a="http://schemas.openxmlformats.org/drawingml/2006/main" xmlns:r="http://schemas.openxmlformats.org/officeDocument/2006/relationships" xmlns:p="http://schemas.openxmlformats.org/presentationml/2006/main">
+  <p:cSld>
+    <p:spTree>
+      <p:nvGrpSpPr>
+        <p:cNvPr id="1" name=""/>
+        <p:cNvGrpSpPr/>
+        <p:nvPr/>
+      </p:nvGrpSpPr>
+      <p:grpSpPr>
+        <a:xfrm>
+          <a:off x="0" y="0"/>
+          <a:ext cx="0" cy="0"/>
+          <a:chOff x="0" y="0"/>
+          <a:chExt cx="0" cy="0"/>
+        </a:xfrm>
+      </p:grpSpPr>
+      <p:sp>
+        <p:nvSpPr>
+          <p:cNvPr id="2" name="标题 1">
+            <a:extLst>
+              <a:ext uri="{FF2B5EF4-FFF2-40B4-BE49-F238E27FC236}">
+                <a16:creationId xmlns:a16="http://schemas.microsoft.com/office/drawing/2014/main" id="{BDB3C017-E9EF-4573-930C-A69A225A4B4A}"/>
+              </a:ext>
+            </a:extLst>
+          </p:cNvPr>
+          <p:cNvSpPr>
+            <a:spLocks noGrp="1"/>
+          </p:cNvSpPr>
+          <p:nvPr>
+            <p:ph type="title"/>
+          </p:nvPr>
+        </p:nvSpPr>
+        <p:spPr/>
+        <p:txBody>
+          <a:bodyPr/>
+          <a:lstStyle/>
+          <a:p>
+            <a:r>
+              <a:rPr lang="zh-CN" altLang="en-US" dirty="0"/>
+              <a:t>归纳偏置</a:t>
+            </a:r>
+            <a:r>
+              <a:rPr lang="en-US" altLang="zh-CN" dirty="0"/>
+              <a:t>(Inductive Bias)</a:t>
+            </a:r>
+            <a:endParaRPr lang="zh-CN" altLang="en-US" dirty="0"/>
+          </a:p>
+        </p:txBody>
+      </p:sp>
+      <p:sp>
+        <p:nvSpPr>
+          <p:cNvPr id="3" name="内容占位符 2">
+            <a:extLst>
+              <a:ext uri="{FF2B5EF4-FFF2-40B4-BE49-F238E27FC236}">
+                <a16:creationId xmlns:a16="http://schemas.microsoft.com/office/drawing/2014/main" id="{4DE381D8-FE42-4FE0-89D1-13F252A87963}"/>
+              </a:ext>
+            </a:extLst>
+          </p:cNvPr>
+          <p:cNvSpPr>
+            <a:spLocks noGrp="1"/>
+          </p:cNvSpPr>
+          <p:nvPr>
+            <p:ph sz="quarter" idx="1"/>
+          </p:nvPr>
+        </p:nvSpPr>
+        <p:spPr/>
+        <p:txBody>
+          <a:bodyPr/>
+          <a:lstStyle/>
+          <a:p>
+            <a:r>
+              <a:rPr lang="zh-CN" altLang="en-US" dirty="0"/>
+              <a:t>很多学习算法经常会对学习的问题做一些假设，这些假设就称为</a:t>
+            </a:r>
+            <a:r>
+              <a:rPr lang="zh-CN" altLang="en-US" b="1" dirty="0">
+                <a:solidFill>
+                  <a:srgbClr val="FF0000"/>
+                </a:solidFill>
+              </a:rPr>
+              <a:t>归纳偏置</a:t>
+            </a:r>
+            <a:r>
+              <a:rPr lang="zh-CN" altLang="en-US" dirty="0"/>
+              <a:t>。</a:t>
+            </a:r>
+            <a:endParaRPr lang="en-US" altLang="zh-CN" dirty="0"/>
+          </a:p>
+          <a:p>
+            <a:pPr lvl="1"/>
+            <a:r>
+              <a:rPr lang="zh-CN" altLang="en-US" dirty="0"/>
+              <a:t>在最近邻分类器中，我们会假设在特征空间中，一个小的局部区域中的大部分样本都同属一类。</a:t>
+            </a:r>
+            <a:endParaRPr lang="en-US" altLang="zh-CN" dirty="0"/>
+          </a:p>
+          <a:p>
+            <a:pPr lvl="1"/>
+            <a:r>
+              <a:rPr lang="zh-CN" altLang="en-US" dirty="0"/>
+              <a:t>在朴素贝叶斯分类器中，我们会假设每个特征的条件概率是互相独立的。</a:t>
+            </a:r>
+            <a:endParaRPr lang="en-US" altLang="zh-CN" dirty="0"/>
+          </a:p>
+          <a:p>
+            <a:pPr lvl="1"/>
+            <a:endParaRPr lang="en-US" altLang="zh-CN" dirty="0"/>
+          </a:p>
+          <a:p>
+            <a:pPr lvl="1"/>
+            <a:endParaRPr lang="en-US" altLang="zh-CN" dirty="0"/>
+          </a:p>
+          <a:p>
+            <a:pPr lvl="1"/>
+            <a:r>
+              <a:rPr lang="zh-CN" altLang="en-US" dirty="0"/>
+              <a:t>归纳偏置在贝叶斯学习中也经常称为</a:t>
+            </a:r>
+            <a:r>
+              <a:rPr lang="zh-CN" altLang="en-US" dirty="0">
+                <a:solidFill>
+                  <a:srgbClr val="FF0000"/>
+                </a:solidFill>
+              </a:rPr>
+              <a:t>先验</a:t>
+            </a:r>
+            <a:r>
+              <a:rPr lang="zh-CN" altLang="en-US" dirty="0"/>
+              <a:t>（</a:t>
+            </a:r>
+            <a:r>
+              <a:rPr lang="en-US" altLang="zh-CN" dirty="0"/>
+              <a:t>Prior</a:t>
+            </a:r>
+            <a:r>
+              <a:rPr lang="zh-CN" altLang="en-US" dirty="0"/>
+              <a:t>）。</a:t>
+            </a:r>
+          </a:p>
+        </p:txBody>
+      </p:sp>
+    </p:spTree>
+    <p:extLst>
+      <p:ext uri="{BB962C8B-B14F-4D97-AF65-F5344CB8AC3E}">
+        <p14:creationId xmlns:p14="http://schemas.microsoft.com/office/powerpoint/2010/main" val="4044387453"/>
+      </p:ext>
+    </p:extLst>
+  </p:cSld>
+  <p:clrMapOvr>
+    <a:masterClrMapping/>
+  </p:clrMapOvr>
+</p:sld>
+</file>
+
+<file path=ppt/slides/slide59.xml><?xml version="1.0" encoding="utf-8"?>
 <p:sld xmlns:a="http://schemas.openxmlformats.org/drawingml/2006/main" xmlns:r="http://schemas.openxmlformats.org/officeDocument/2006/relationships" xmlns:p="http://schemas.openxmlformats.org/presentationml/2006/main">
   <p:cSld>
     <p:spTree>
@@ -21902,64 +23146,6 @@
     <p:extLst>
       <p:ext uri="{BB962C8B-B14F-4D97-AF65-F5344CB8AC3E}">
         <p14:creationId xmlns:p14="http://schemas.microsoft.com/office/powerpoint/2010/main" val="346742456"/>
-      </p:ext>
-    </p:extLst>
-  </p:cSld>
-  <p:clrMapOvr>
-    <a:masterClrMapping/>
-  </p:clrMapOvr>
-</p:sld>
-</file>
-
-<file path=ppt/slides/slide58.xml><?xml version="1.0" encoding="utf-8"?>
-<p:sld xmlns:a="http://schemas.openxmlformats.org/drawingml/2006/main" xmlns:r="http://schemas.openxmlformats.org/officeDocument/2006/relationships" xmlns:p="http://schemas.openxmlformats.org/presentationml/2006/main">
-  <p:cSld>
-    <p:spTree>
-      <p:nvGrpSpPr>
-        <p:cNvPr id="1" name=""/>
-        <p:cNvGrpSpPr/>
-        <p:nvPr/>
-      </p:nvGrpSpPr>
-      <p:grpSpPr>
-        <a:xfrm>
-          <a:off x="0" y="0"/>
-          <a:ext cx="0" cy="0"/>
-          <a:chOff x="0" y="0"/>
-          <a:chExt cx="0" cy="0"/>
-        </a:xfrm>
-      </p:grpSpPr>
-      <p:sp>
-        <p:nvSpPr>
-          <p:cNvPr id="2" name="矩形 1"/>
-          <p:cNvSpPr/>
-          <p:nvPr/>
-        </p:nvSpPr>
-        <p:spPr>
-          <a:xfrm>
-            <a:off x="4876800" y="4038600"/>
-            <a:ext cx="2313454" cy="369332"/>
-          </a:xfrm>
-          <a:prstGeom prst="rect">
-            <a:avLst/>
-          </a:prstGeom>
-        </p:spPr>
-        <p:txBody>
-          <a:bodyPr wrap="none">
-            <a:spAutoFit/>
-          </a:bodyPr>
-          <a:lstStyle/>
-          <a:p>
-            <a:r>
-              <a:rPr lang="zh-CN" altLang="en-US" dirty="0"/>
-              <a:t>https://nndl.github.io/</a:t>
-            </a:r>
-          </a:p>
-        </p:txBody>
-      </p:sp>
-    </p:spTree>
-    <p:extLst>
-      <p:ext uri="{BB962C8B-B14F-4D97-AF65-F5344CB8AC3E}">
-        <p14:creationId xmlns:p14="http://schemas.microsoft.com/office/powerpoint/2010/main" val="1784997421"/>
       </p:ext>
     </p:extLst>
   </p:cSld>
@@ -22314,6 +23500,64 @@
 </p:sld>
 </file>
 
+<file path=ppt/slides/slide60.xml><?xml version="1.0" encoding="utf-8"?>
+<p:sld xmlns:a="http://schemas.openxmlformats.org/drawingml/2006/main" xmlns:r="http://schemas.openxmlformats.org/officeDocument/2006/relationships" xmlns:p="http://schemas.openxmlformats.org/presentationml/2006/main">
+  <p:cSld>
+    <p:spTree>
+      <p:nvGrpSpPr>
+        <p:cNvPr id="1" name=""/>
+        <p:cNvGrpSpPr/>
+        <p:nvPr/>
+      </p:nvGrpSpPr>
+      <p:grpSpPr>
+        <a:xfrm>
+          <a:off x="0" y="0"/>
+          <a:ext cx="0" cy="0"/>
+          <a:chOff x="0" y="0"/>
+          <a:chExt cx="0" cy="0"/>
+        </a:xfrm>
+      </p:grpSpPr>
+      <p:sp>
+        <p:nvSpPr>
+          <p:cNvPr id="2" name="矩形 1"/>
+          <p:cNvSpPr/>
+          <p:nvPr/>
+        </p:nvSpPr>
+        <p:spPr>
+          <a:xfrm>
+            <a:off x="4876800" y="4038600"/>
+            <a:ext cx="2313454" cy="369332"/>
+          </a:xfrm>
+          <a:prstGeom prst="rect">
+            <a:avLst/>
+          </a:prstGeom>
+        </p:spPr>
+        <p:txBody>
+          <a:bodyPr wrap="none">
+            <a:spAutoFit/>
+          </a:bodyPr>
+          <a:lstStyle/>
+          <a:p>
+            <a:r>
+              <a:rPr lang="zh-CN" altLang="en-US" dirty="0"/>
+              <a:t>https://nndl.github.io/</a:t>
+            </a:r>
+          </a:p>
+        </p:txBody>
+      </p:sp>
+    </p:spTree>
+    <p:extLst>
+      <p:ext uri="{BB962C8B-B14F-4D97-AF65-F5344CB8AC3E}">
+        <p14:creationId xmlns:p14="http://schemas.microsoft.com/office/powerpoint/2010/main" val="1784997421"/>
+      </p:ext>
+    </p:extLst>
+  </p:cSld>
+  <p:clrMapOvr>
+    <a:masterClrMapping/>
+  </p:clrMapOvr>
+</p:sld>
+</file>
+
 <file path=ppt/slides/slide7.xml><?xml version="1.0" encoding="utf-8"?>
 <p:sld xmlns:a="http://schemas.openxmlformats.org/drawingml/2006/main" xmlns:r="http://schemas.openxmlformats.org/officeDocument/2006/relationships" xmlns:p="http://schemas.openxmlformats.org/presentationml/2006/main">
   <p:cSld>
@@ -23007,37 +24251,43 @@
 
 <file path=ppt/tags/tag1.xml><?xml version="1.0" encoding="utf-8"?>
 <p:tagLst xmlns:a="http://schemas.openxmlformats.org/drawingml/2006/main" xmlns:r="http://schemas.openxmlformats.org/officeDocument/2006/relationships" xmlns:p="http://schemas.openxmlformats.org/presentationml/2006/main">
-  <p:tag name="TIMING" val="|7.6"/>
+  <p:tag name="TIMING" val="|52.4"/>
+</p:tagLst>
+</file>
+
+<file path=ppt/tags/tag10.xml><?xml version="1.0" encoding="utf-8"?>
+<p:tagLst xmlns:a="http://schemas.openxmlformats.org/drawingml/2006/main" xmlns:r="http://schemas.openxmlformats.org/officeDocument/2006/relationships" xmlns:p="http://schemas.openxmlformats.org/presentationml/2006/main">
+  <p:tag name="TIMING" val="|20.9|88.4"/>
 </p:tagLst>
 </file>
 
 <file path=ppt/tags/tag2.xml><?xml version="1.0" encoding="utf-8"?>
 <p:tagLst xmlns:a="http://schemas.openxmlformats.org/drawingml/2006/main" xmlns:r="http://schemas.openxmlformats.org/officeDocument/2006/relationships" xmlns:p="http://schemas.openxmlformats.org/presentationml/2006/main">
-  <p:tag name="TIMING" val="|82.4"/>
+  <p:tag name="TIMING" val="|85.8"/>
 </p:tagLst>
 </file>
 
 <file path=ppt/tags/tag3.xml><?xml version="1.0" encoding="utf-8"?>
 <p:tagLst xmlns:a="http://schemas.openxmlformats.org/drawingml/2006/main" xmlns:r="http://schemas.openxmlformats.org/officeDocument/2006/relationships" xmlns:p="http://schemas.openxmlformats.org/presentationml/2006/main">
-  <p:tag name="TIMING" val="|8.3|147.8"/>
+  <p:tag name="TIMING" val="|25.6|74.9"/>
 </p:tagLst>
 </file>
 
 <file path=ppt/tags/tag4.xml><?xml version="1.0" encoding="utf-8"?>
 <p:tagLst xmlns:a="http://schemas.openxmlformats.org/drawingml/2006/main" xmlns:r="http://schemas.openxmlformats.org/officeDocument/2006/relationships" xmlns:p="http://schemas.openxmlformats.org/presentationml/2006/main">
-  <p:tag name="TIMING" val="|54.9"/>
+  <p:tag name="TIMING" val="|31.6"/>
 </p:tagLst>
 </file>
 
 <file path=ppt/tags/tag5.xml><?xml version="1.0" encoding="utf-8"?>
 <p:tagLst xmlns:a="http://schemas.openxmlformats.org/drawingml/2006/main" xmlns:r="http://schemas.openxmlformats.org/officeDocument/2006/relationships" xmlns:p="http://schemas.openxmlformats.org/presentationml/2006/main">
-  <p:tag name="TIMING" val="|3.4|29.3|3"/>
+  <p:tag name="TIMING" val="|3.6|4.6|53.4|13.1"/>
 </p:tagLst>
 </file>
 
 <file path=ppt/tags/tag6.xml><?xml version="1.0" encoding="utf-8"?>
 <p:tagLst xmlns:a="http://schemas.openxmlformats.org/drawingml/2006/main" xmlns:r="http://schemas.openxmlformats.org/officeDocument/2006/relationships" xmlns:p="http://schemas.openxmlformats.org/presentationml/2006/main">
-  <p:tag name="TIMING" val="|221.4"/>
+  <p:tag name="TIMING" val="|234.3"/>
 </p:tagLst>
 </file>
 
@@ -23059,13 +24309,13 @@
 
 <file path=ppt/tags/tag8.xml><?xml version="1.0" encoding="utf-8"?>
 <p:tagLst xmlns:a="http://schemas.openxmlformats.org/drawingml/2006/main" xmlns:r="http://schemas.openxmlformats.org/officeDocument/2006/relationships" xmlns:p="http://schemas.openxmlformats.org/presentationml/2006/main">
-  <p:tag name="TIMING" val="|99.9"/>
+  <p:tag name="TIMING" val="|132.2"/>
 </p:tagLst>
 </file>
 
 <file path=ppt/tags/tag9.xml><?xml version="1.0" encoding="utf-8"?>
 <p:tagLst xmlns:a="http://schemas.openxmlformats.org/drawingml/2006/main" xmlns:r="http://schemas.openxmlformats.org/officeDocument/2006/relationships" xmlns:p="http://schemas.openxmlformats.org/presentationml/2006/main">
-  <p:tag name="TIMING" val="|118.5|1.3"/>
+  <p:tag name="TIMING" val="|57.2"/>
 </p:tagLst>
 </file>
 

--- a/ppt/chap-机器学习概述.pptx
+++ b/ppt/chap-机器学习概述.pptx
@@ -2,10 +2,10 @@
 <file path=ppt/presentation.xml><?xml version="1.0" encoding="utf-8"?>
 <p:presentation xmlns:a="http://schemas.openxmlformats.org/drawingml/2006/main" xmlns:r="http://schemas.openxmlformats.org/officeDocument/2006/relationships" xmlns:p="http://schemas.openxmlformats.org/presentationml/2006/main" saveSubsetFonts="1">
   <p:sldMasterIdLst>
-    <p:sldMasterId id="2147483756" r:id="rId1"/>
+    <p:sldMasterId id="2147483833" r:id="rId1"/>
   </p:sldMasterIdLst>
   <p:notesMasterIdLst>
-    <p:notesMasterId r:id="rId62"/>
+    <p:notesMasterId r:id="rId61"/>
   </p:notesMasterIdLst>
   <p:sldIdLst>
     <p:sldId id="256" r:id="rId2"/>
@@ -67,7 +67,6 @@
     <p:sldId id="1308" r:id="rId58"/>
     <p:sldId id="1309" r:id="rId59"/>
     <p:sldId id="711" r:id="rId60"/>
-    <p:sldId id="447" r:id="rId61"/>
   </p:sldIdLst>
   <p:sldSz cx="12192000" cy="6858000"/>
   <p:notesSz cx="6858000" cy="9144000"/>
@@ -197,74 +196,6 @@
     </a:lvl9pPr>
   </p:defaultTextStyle>
   <p:extLst>
-    <p:ext uri="{521415D9-36F7-43E2-AB2F-B90AF26B5E84}">
-      <p14:sectionLst xmlns:p14="http://schemas.microsoft.com/office/powerpoint/2010/main">
-        <p14:section name="默认节" id="{F7C6C2FB-27F1-4C54-84AD-CB6625FEB4C3}">
-          <p14:sldIdLst>
-            <p14:sldId id="256"/>
-            <p14:sldId id="723"/>
-            <p14:sldId id="448"/>
-            <p14:sldId id="466"/>
-            <p14:sldId id="468"/>
-            <p14:sldId id="469"/>
-            <p14:sldId id="511"/>
-            <p14:sldId id="512"/>
-            <p14:sldId id="506"/>
-            <p14:sldId id="708"/>
-            <p14:sldId id="514"/>
-            <p14:sldId id="482"/>
-            <p14:sldId id="486"/>
-            <p14:sldId id="487"/>
-            <p14:sldId id="483"/>
-            <p14:sldId id="473"/>
-            <p14:sldId id="474"/>
-            <p14:sldId id="477"/>
-            <p14:sldId id="478"/>
-            <p14:sldId id="488"/>
-            <p14:sldId id="496"/>
-            <p14:sldId id="709"/>
-            <p14:sldId id="498"/>
-            <p14:sldId id="724"/>
-            <p14:sldId id="727"/>
-            <p14:sldId id="710"/>
-            <p14:sldId id="728"/>
-            <p14:sldId id="1303"/>
-            <p14:sldId id="725"/>
-            <p14:sldId id="1298"/>
-            <p14:sldId id="1299"/>
-            <p14:sldId id="1310"/>
-            <p14:sldId id="1300"/>
-            <p14:sldId id="1301"/>
-            <p14:sldId id="719"/>
-            <p14:sldId id="720"/>
-            <p14:sldId id="722"/>
-            <p14:sldId id="721"/>
-            <p14:sldId id="726"/>
-            <p14:sldId id="1304"/>
-            <p14:sldId id="1305"/>
-            <p14:sldId id="1306"/>
-            <p14:sldId id="714"/>
-            <p14:sldId id="715"/>
-            <p14:sldId id="716"/>
-            <p14:sldId id="717"/>
-            <p14:sldId id="718"/>
-            <p14:sldId id="499"/>
-            <p14:sldId id="510"/>
-            <p14:sldId id="504"/>
-            <p14:sldId id="480"/>
-            <p14:sldId id="502"/>
-            <p14:sldId id="503"/>
-            <p14:sldId id="712"/>
-            <p14:sldId id="713"/>
-            <p14:sldId id="1307"/>
-            <p14:sldId id="1308"/>
-            <p14:sldId id="1309"/>
-            <p14:sldId id="711"/>
-            <p14:sldId id="447"/>
-          </p14:sldIdLst>
-        </p14:section>
-      </p14:sectionLst>
-    </p:ext>
     <p:ext uri="{EFAFB233-063F-42B5-8137-9DF3F51BA10A}">
       <p15:sldGuideLst xmlns:p15="http://schemas.microsoft.com/office/powerpoint/2012/main">
         <p15:guide id="1" orient="horz" pos="2160" userDrawn="1">
@@ -4061,7 +3992,7 @@
               <a:pPr>
                 <a:defRPr/>
               </a:pPr>
-              <a:t>3/8/2020</a:t>
+              <a:t>9/24/2020</a:t>
             </a:fld>
             <a:endParaRPr lang="en-US" altLang="zh-CN"/>
           </a:p>
@@ -5408,8 +5339,8 @@
 </file>
 
 <file path=ppt/slideLayouts/slideLayout1.xml><?xml version="1.0" encoding="utf-8"?>
-<p:sldLayout xmlns:a="http://schemas.openxmlformats.org/drawingml/2006/main" xmlns:r="http://schemas.openxmlformats.org/officeDocument/2006/relationships" xmlns:p="http://schemas.openxmlformats.org/presentationml/2006/main" showMasterSp="0" preserve="1" userDrawn="1">
-  <p:cSld name="Title Slide">
+<p:sldLayout xmlns:a="http://schemas.openxmlformats.org/drawingml/2006/main" xmlns:r="http://schemas.openxmlformats.org/officeDocument/2006/relationships" xmlns:p="http://schemas.openxmlformats.org/presentationml/2006/main" showMasterSp="0" preserve="1">
+  <p:cSld name="标题幻灯片">
     <p:spTree>
       <p:nvGrpSpPr>
         <p:cNvPr id="1" name=""/>
@@ -5424,6 +5355,42 @@
           <a:chExt cx="0" cy="0"/>
         </a:xfrm>
       </p:grpSpPr>
+      <p:pic>
+        <p:nvPicPr>
+          <p:cNvPr id="3" name="图片 2">
+            <a:extLst>
+              <a:ext uri="{FF2B5EF4-FFF2-40B4-BE49-F238E27FC236}">
+                <a16:creationId xmlns:a16="http://schemas.microsoft.com/office/drawing/2014/main" id="{2966F891-39E4-4949-84B5-293BD1F65EA1}"/>
+              </a:ext>
+            </a:extLst>
+          </p:cNvPr>
+          <p:cNvPicPr>
+            <a:picLocks noChangeAspect="1"/>
+          </p:cNvPicPr>
+          <p:nvPr/>
+        </p:nvPicPr>
+        <p:blipFill>
+          <a:blip r:embed="rId2">
+            <a:extLst>
+              <a:ext uri="{28A0092B-C50C-407E-A947-70E740481C1C}">
+                <a14:useLocalDpi xmlns:a14="http://schemas.microsoft.com/office/drawing/2010/main" val="0"/>
+              </a:ext>
+            </a:extLst>
+          </a:blip>
+          <a:stretch>
+            <a:fillRect/>
+          </a:stretch>
+        </p:blipFill>
+        <p:spPr>
+          <a:xfrm>
+            <a:off x="359807" y="1524000"/>
+            <a:ext cx="6117446" cy="4684464"/>
+          </a:xfrm>
+          <a:prstGeom prst="rect">
+            <a:avLst/>
+          </a:prstGeom>
+        </p:spPr>
+      </p:pic>
       <p:sp>
         <p:nvSpPr>
           <p:cNvPr id="4" name="Rectangle 10"/>
@@ -5432,8 +5399,8 @@
         </p:nvSpPr>
         <p:spPr>
           <a:xfrm>
-            <a:off x="999067" y="2438403"/>
-            <a:ext cx="9753600" cy="1956197"/>
+            <a:off x="4038600" y="3657600"/>
+            <a:ext cx="6637866" cy="1654481"/>
           </a:xfrm>
           <a:prstGeom prst="rect">
             <a:avLst/>
@@ -5581,8 +5548,8 @@
         </p:nvSpPr>
         <p:spPr>
           <a:xfrm>
-            <a:off x="304800" y="673896"/>
-            <a:ext cx="7213600" cy="719623"/>
+            <a:off x="304800" y="673897"/>
+            <a:ext cx="6117446" cy="719623"/>
           </a:xfrm>
           <a:prstGeom prst="rect">
             <a:avLst/>
@@ -5714,7 +5681,7 @@
             <a:pPr algn="ctr" eaLnBrk="1" hangingPunct="1">
               <a:defRPr/>
             </a:pPr>
-            <a:endParaRPr lang="zh-CN" altLang="zh-CN" sz="3600">
+            <a:endParaRPr lang="zh-CN" altLang="zh-CN" sz="2700">
               <a:solidFill>
                 <a:srgbClr val="FFFFFF"/>
               </a:solidFill>
@@ -5730,14 +5697,14 @@
         </p:nvSpPr>
         <p:spPr>
           <a:xfrm>
-            <a:off x="999067" y="2438403"/>
-            <a:ext cx="304800" cy="1956197"/>
+            <a:off x="4038600" y="3657600"/>
+            <a:ext cx="304800" cy="1654481"/>
           </a:xfrm>
           <a:prstGeom prst="rect">
             <a:avLst/>
           </a:prstGeom>
           <a:solidFill>
-            <a:schemeClr val="accent1"/>
+            <a:srgbClr val="EB641B"/>
           </a:solidFill>
           <a:ln w="6350" cap="rnd" cmpd="sng" algn="ctr">
             <a:noFill/>
@@ -5879,7 +5846,7 @@
         </p:nvSpPr>
         <p:spPr>
           <a:xfrm>
-            <a:off x="359806" y="665099"/>
+            <a:off x="359807" y="665099"/>
             <a:ext cx="187820" cy="731230"/>
           </a:xfrm>
           <a:prstGeom prst="rect">
@@ -6012,7 +5979,7 @@
             <a:pPr algn="ctr" eaLnBrk="1" hangingPunct="1">
               <a:defRPr/>
             </a:pPr>
-            <a:endParaRPr lang="zh-CN" altLang="zh-CN">
+            <a:endParaRPr lang="zh-CN" altLang="zh-CN" dirty="0">
               <a:solidFill>
                 <a:srgbClr val="FFFFFF"/>
               </a:solidFill>
@@ -6032,24 +5999,28 @@
         </p:nvSpPr>
         <p:spPr>
           <a:xfrm>
-            <a:off x="1418167" y="2676527"/>
-            <a:ext cx="9144000" cy="1514475"/>
+            <a:off x="4343400" y="3827594"/>
+            <a:ext cx="6142566" cy="1280888"/>
           </a:xfrm>
         </p:spPr>
         <p:txBody>
           <a:bodyPr anchor="ctr"/>
           <a:lstStyle>
             <a:lvl1pPr algn="ctr">
-              <a:defRPr sz="3600">
+              <a:defRPr sz="2800" baseline="0">
                 <a:solidFill>
                   <a:schemeClr val="tx1"/>
                 </a:solidFill>
-                <a:latin typeface="微软雅黑" panose="020B0503020204020204" pitchFamily="34" charset="-122"/>
-                <a:ea typeface="微软雅黑" panose="020B0503020204020204" pitchFamily="34" charset="-122"/>
+                <a:latin typeface="+mj-lt"/>
+                <a:ea typeface="+mj-ea"/>
               </a:defRPr>
             </a:lvl1pPr>
           </a:lstStyle>
           <a:p>
+            <a:r>
+              <a:rPr lang="zh-CN" altLang="en-US"/>
+              <a:t>单击此处编辑母版标题样式</a:t>
+            </a:r>
             <a:endParaRPr lang="en-US" dirty="0"/>
           </a:p>
         </p:txBody>
@@ -6067,49 +6038,56 @@
         <p:spPr>
           <a:xfrm>
             <a:off x="563006" y="726666"/>
-            <a:ext cx="6853796" cy="568735"/>
+            <a:ext cx="5812317" cy="568735"/>
           </a:xfrm>
+          <a:prstGeom prst="rect">
+            <a:avLst/>
+          </a:prstGeom>
         </p:spPr>
         <p:txBody>
           <a:bodyPr anchor="ctr"/>
           <a:lstStyle>
             <a:lvl1pPr marL="0" indent="0" algn="ctr">
               <a:buNone/>
-              <a:defRPr sz="2400">
+              <a:defRPr sz="2400" baseline="0">
                 <a:solidFill>
                   <a:schemeClr val="tx2"/>
                 </a:solidFill>
-                <a:latin typeface="华文细黑" panose="02010600040101010101" pitchFamily="2" charset="-122"/>
-                <a:ea typeface="华文细黑" panose="02010600040101010101" pitchFamily="2" charset="-122"/>
+                <a:latin typeface="+mn-lt"/>
+                <a:ea typeface="+mn-ea"/>
                 <a:cs typeface="+mj-cs"/>
               </a:defRPr>
             </a:lvl1pPr>
-            <a:lvl2pPr marL="342900" indent="0" algn="ctr">
+            <a:lvl2pPr marL="257175" indent="0" algn="ctr">
               <a:buNone/>
             </a:lvl2pPr>
-            <a:lvl3pPr marL="685800" indent="0" algn="ctr">
+            <a:lvl3pPr marL="514350" indent="0" algn="ctr">
               <a:buNone/>
             </a:lvl3pPr>
-            <a:lvl4pPr marL="1028700" indent="0" algn="ctr">
+            <a:lvl4pPr marL="771525" indent="0" algn="ctr">
               <a:buNone/>
             </a:lvl4pPr>
-            <a:lvl5pPr marL="1371600" indent="0" algn="ctr">
+            <a:lvl5pPr marL="1028700" indent="0" algn="ctr">
               <a:buNone/>
             </a:lvl5pPr>
-            <a:lvl6pPr marL="1714500" indent="0" algn="ctr">
+            <a:lvl6pPr marL="1285875" indent="0" algn="ctr">
               <a:buNone/>
             </a:lvl6pPr>
-            <a:lvl7pPr marL="2057400" indent="0" algn="ctr">
+            <a:lvl7pPr marL="1543050" indent="0" algn="ctr">
               <a:buNone/>
             </a:lvl7pPr>
-            <a:lvl8pPr marL="2400300" indent="0" algn="ctr">
+            <a:lvl8pPr marL="1800225" indent="0" algn="ctr">
               <a:buNone/>
             </a:lvl8pPr>
-            <a:lvl9pPr marL="2743200" indent="0" algn="ctr">
+            <a:lvl9pPr marL="2057400" indent="0" algn="ctr">
               <a:buNone/>
             </a:lvl9pPr>
           </a:lstStyle>
           <a:p>
+            <a:r>
+              <a:rPr lang="zh-CN" altLang="en-US"/>
+              <a:t>单击此处编辑母版副标题样式</a:t>
+            </a:r>
             <a:endParaRPr lang="en-US" dirty="0"/>
           </a:p>
         </p:txBody>
@@ -6126,48 +6104,55 @@
         </p:nvSpPr>
         <p:spPr>
           <a:xfrm>
-            <a:off x="2946402" y="4800600"/>
-            <a:ext cx="6737351" cy="1600200"/>
+            <a:off x="5280025" y="5550204"/>
+            <a:ext cx="4273554" cy="790860"/>
           </a:xfrm>
+          <a:prstGeom prst="rect">
+            <a:avLst/>
+          </a:prstGeom>
         </p:spPr>
         <p:txBody>
           <a:bodyPr/>
           <a:lstStyle>
             <a:lvl1pPr marL="0" indent="0" algn="ctr">
               <a:buNone/>
-              <a:defRPr sz="2400">
+              <a:defRPr sz="2400" baseline="0">
                 <a:solidFill>
                   <a:schemeClr val="accent1">
                     <a:lumMod val="60000"/>
                     <a:lumOff val="40000"/>
                   </a:schemeClr>
                 </a:solidFill>
-                <a:latin typeface="+mn-ea"/>
+                <a:latin typeface="+mn-lt"/>
                 <a:ea typeface="+mn-ea"/>
               </a:defRPr>
             </a:lvl1pPr>
           </a:lstStyle>
           <a:p>
             <a:pPr lvl="0"/>
-            <a:endParaRPr lang="zh-CN" altLang="en-US" dirty="0"/>
+            <a:r>
+              <a:rPr lang="zh-CN" altLang="en-US"/>
+              <a:t>编辑母版文本样式</a:t>
+            </a:r>
           </a:p>
         </p:txBody>
       </p:sp>
     </p:spTree>
     <p:extLst>
       <p:ext uri="{BB962C8B-B14F-4D97-AF65-F5344CB8AC3E}">
-        <p14:creationId xmlns:p14="http://schemas.microsoft.com/office/powerpoint/2010/main" val="3246728447"/>
+        <p14:creationId xmlns:p14="http://schemas.microsoft.com/office/powerpoint/2010/main" val="3714432048"/>
       </p:ext>
     </p:extLst>
   </p:cSld>
   <p:clrMapOvr>
     <a:masterClrMapping/>
   </p:clrMapOvr>
+  <p:hf hdr="0" ftr="0" dt="0"/>
 </p:sldLayout>
 </file>
 
 <file path=ppt/slideLayouts/slideLayout2.xml><?xml version="1.0" encoding="utf-8"?>
-<p:sldLayout xmlns:a="http://schemas.openxmlformats.org/drawingml/2006/main" xmlns:r="http://schemas.openxmlformats.org/officeDocument/2006/relationships" xmlns:p="http://schemas.openxmlformats.org/presentationml/2006/main" preserve="1" userDrawn="1">
+<p:sldLayout xmlns:a="http://schemas.openxmlformats.org/drawingml/2006/main" xmlns:r="http://schemas.openxmlformats.org/officeDocument/2006/relationships" xmlns:p="http://schemas.openxmlformats.org/presentationml/2006/main" showMasterSp="0" preserve="1">
   <p:cSld name="Subsection">
     <p:spTree>
       <p:nvGrpSpPr>
@@ -6183,16 +6168,58 @@
           <a:chExt cx="0" cy="0"/>
         </a:xfrm>
       </p:grpSpPr>
+      <p:pic>
+        <p:nvPicPr>
+          <p:cNvPr id="12" name="图片 11">
+            <a:extLst>
+              <a:ext uri="{FF2B5EF4-FFF2-40B4-BE49-F238E27FC236}">
+                <a16:creationId xmlns:a16="http://schemas.microsoft.com/office/drawing/2014/main" id="{22BBD6FA-A54A-485F-87D9-C9652F586CB9}"/>
+              </a:ext>
+            </a:extLst>
+          </p:cNvPr>
+          <p:cNvPicPr>
+            <a:picLocks noChangeAspect="1"/>
+          </p:cNvPicPr>
+          <p:nvPr/>
+        </p:nvPicPr>
+        <p:blipFill>
+          <a:blip r:embed="rId2">
+            <a:extLst>
+              <a:ext uri="{28A0092B-C50C-407E-A947-70E740481C1C}">
+                <a14:useLocalDpi xmlns:a14="http://schemas.microsoft.com/office/drawing/2010/main" val="0"/>
+              </a:ext>
+            </a:extLst>
+          </a:blip>
+          <a:stretch>
+            <a:fillRect/>
+          </a:stretch>
+        </p:blipFill>
+        <p:spPr>
+          <a:xfrm>
+            <a:off x="359807" y="1524000"/>
+            <a:ext cx="6117446" cy="4684464"/>
+          </a:xfrm>
+          <a:prstGeom prst="rect">
+            <a:avLst/>
+          </a:prstGeom>
+        </p:spPr>
+      </p:pic>
       <p:sp>
         <p:nvSpPr>
-          <p:cNvPr id="4" name="Rectangle 10"/>
+          <p:cNvPr id="16" name="Rectangle 10">
+            <a:extLst>
+              <a:ext uri="{FF2B5EF4-FFF2-40B4-BE49-F238E27FC236}">
+                <a16:creationId xmlns:a16="http://schemas.microsoft.com/office/drawing/2014/main" id="{80B6937C-32A7-4CC7-BE4A-AB7A564C7186}"/>
+              </a:ext>
+            </a:extLst>
+          </p:cNvPr>
           <p:cNvSpPr/>
           <p:nvPr/>
         </p:nvSpPr>
         <p:spPr>
           <a:xfrm>
-            <a:off x="999067" y="2438403"/>
-            <a:ext cx="9753600" cy="1956197"/>
+            <a:off x="4038600" y="3657600"/>
+            <a:ext cx="6637866" cy="1654481"/>
           </a:xfrm>
           <a:prstGeom prst="rect">
             <a:avLst/>
@@ -6334,20 +6361,26 @@
       </p:sp>
       <p:sp>
         <p:nvSpPr>
-          <p:cNvPr id="6" name="Rectangle 14"/>
+          <p:cNvPr id="17" name="Rectangle 14">
+            <a:extLst>
+              <a:ext uri="{FF2B5EF4-FFF2-40B4-BE49-F238E27FC236}">
+                <a16:creationId xmlns:a16="http://schemas.microsoft.com/office/drawing/2014/main" id="{EDC16F34-8BA1-4A4E-B0D4-81397E1E7CD0}"/>
+              </a:ext>
+            </a:extLst>
+          </p:cNvPr>
           <p:cNvSpPr/>
           <p:nvPr/>
         </p:nvSpPr>
         <p:spPr>
           <a:xfrm>
-            <a:off x="999067" y="2438403"/>
-            <a:ext cx="304800" cy="1956197"/>
+            <a:off x="4038600" y="3657600"/>
+            <a:ext cx="304800" cy="1654481"/>
           </a:xfrm>
           <a:prstGeom prst="rect">
             <a:avLst/>
           </a:prstGeom>
           <a:solidFill>
-            <a:schemeClr val="accent1"/>
+            <a:srgbClr val="EB641B"/>
           </a:solidFill>
           <a:ln w="6350" cap="rnd" cmpd="sng" algn="ctr">
             <a:noFill/>
@@ -6483,7 +6516,13 @@
       </p:sp>
       <p:sp>
         <p:nvSpPr>
-          <p:cNvPr id="8" name="Title 7"/>
+          <p:cNvPr id="18" name="Title 7">
+            <a:extLst>
+              <a:ext uri="{FF2B5EF4-FFF2-40B4-BE49-F238E27FC236}">
+                <a16:creationId xmlns:a16="http://schemas.microsoft.com/office/drawing/2014/main" id="{66A552C8-61F4-43FC-A974-9DE54534BA38}"/>
+              </a:ext>
+            </a:extLst>
+          </p:cNvPr>
           <p:cNvSpPr>
             <a:spLocks noGrp="1"/>
           </p:cNvSpPr>
@@ -6493,24 +6532,28 @@
         </p:nvSpPr>
         <p:spPr>
           <a:xfrm>
-            <a:off x="1418167" y="2676527"/>
-            <a:ext cx="9144000" cy="1514475"/>
+            <a:off x="4343400" y="3827594"/>
+            <a:ext cx="6142566" cy="1280888"/>
           </a:xfrm>
         </p:spPr>
         <p:txBody>
           <a:bodyPr anchor="ctr"/>
           <a:lstStyle>
             <a:lvl1pPr algn="ctr">
-              <a:defRPr sz="2800">
+              <a:defRPr sz="2800" baseline="0">
                 <a:solidFill>
                   <a:schemeClr val="tx1"/>
                 </a:solidFill>
-                <a:latin typeface="微软雅黑" panose="020B0503020204020204" pitchFamily="34" charset="-122"/>
-                <a:ea typeface="微软雅黑" panose="020B0503020204020204" pitchFamily="34" charset="-122"/>
+                <a:latin typeface="+mj-lt"/>
+                <a:ea typeface="+mj-ea"/>
               </a:defRPr>
             </a:lvl1pPr>
           </a:lstStyle>
           <a:p>
+            <a:r>
+              <a:rPr lang="zh-CN" altLang="en-US"/>
+              <a:t>单击此处编辑母版标题样式</a:t>
+            </a:r>
             <a:endParaRPr lang="en-US" dirty="0"/>
           </a:p>
         </p:txBody>
@@ -6518,7 +6561,7 @@
     </p:spTree>
     <p:extLst>
       <p:ext uri="{BB962C8B-B14F-4D97-AF65-F5344CB8AC3E}">
-        <p14:creationId xmlns:p14="http://schemas.microsoft.com/office/powerpoint/2010/main" val="802082747"/>
+        <p14:creationId xmlns:p14="http://schemas.microsoft.com/office/powerpoint/2010/main" val="4185626081"/>
       </p:ext>
     </p:extLst>
   </p:cSld>
@@ -6529,7 +6572,757 @@
 </file>
 
 <file path=ppt/slideLayouts/slideLayout3.xml><?xml version="1.0" encoding="utf-8"?>
-<p:sldLayout xmlns:a="http://schemas.openxmlformats.org/drawingml/2006/main" xmlns:r="http://schemas.openxmlformats.org/officeDocument/2006/relationships" xmlns:p="http://schemas.openxmlformats.org/presentationml/2006/main" preserve="1" userDrawn="1">
+<p:sldLayout xmlns:a="http://schemas.openxmlformats.org/drawingml/2006/main" xmlns:r="http://schemas.openxmlformats.org/officeDocument/2006/relationships" xmlns:p="http://schemas.openxmlformats.org/presentationml/2006/main" preserve="1">
+  <p:cSld name="标题和内容">
+    <p:spTree>
+      <p:nvGrpSpPr>
+        <p:cNvPr id="1" name=""/>
+        <p:cNvGrpSpPr/>
+        <p:nvPr/>
+      </p:nvGrpSpPr>
+      <p:grpSpPr>
+        <a:xfrm>
+          <a:off x="0" y="0"/>
+          <a:ext cx="0" cy="0"/>
+          <a:chOff x="0" y="0"/>
+          <a:chExt cx="0" cy="0"/>
+        </a:xfrm>
+      </p:grpSpPr>
+      <p:sp>
+        <p:nvSpPr>
+          <p:cNvPr id="4" name="标题 3">
+            <a:extLst>
+              <a:ext uri="{FF2B5EF4-FFF2-40B4-BE49-F238E27FC236}">
+                <a16:creationId xmlns:a16="http://schemas.microsoft.com/office/drawing/2014/main" id="{45050A8B-65E7-4672-9976-F9678ACCF210}"/>
+              </a:ext>
+            </a:extLst>
+          </p:cNvPr>
+          <p:cNvSpPr>
+            <a:spLocks noGrp="1"/>
+          </p:cNvSpPr>
+          <p:nvPr>
+            <p:ph type="title"/>
+          </p:nvPr>
+        </p:nvSpPr>
+        <p:spPr/>
+        <p:txBody>
+          <a:bodyPr/>
+          <a:lstStyle/>
+          <a:p>
+            <a:r>
+              <a:rPr lang="zh-CN" altLang="en-US"/>
+              <a:t>单击此处编辑母版标题样式</a:t>
+            </a:r>
+          </a:p>
+        </p:txBody>
+      </p:sp>
+      <p:sp>
+        <p:nvSpPr>
+          <p:cNvPr id="8" name="Text Placeholder 12">
+            <a:extLst>
+              <a:ext uri="{FF2B5EF4-FFF2-40B4-BE49-F238E27FC236}">
+                <a16:creationId xmlns:a16="http://schemas.microsoft.com/office/drawing/2014/main" id="{B69B4C9B-667A-475B-923C-B441E63112E2}"/>
+              </a:ext>
+            </a:extLst>
+          </p:cNvPr>
+          <p:cNvSpPr>
+            <a:spLocks noGrp="1"/>
+          </p:cNvSpPr>
+          <p:nvPr>
+            <p:ph idx="1"/>
+          </p:nvPr>
+        </p:nvSpPr>
+        <p:spPr bwMode="auto">
+          <a:xfrm>
+            <a:off x="609600" y="990600"/>
+            <a:ext cx="10972800" cy="5410200"/>
+          </a:xfrm>
+          <a:prstGeom prst="rect">
+            <a:avLst/>
+          </a:prstGeom>
+          <a:noFill/>
+          <a:ln>
+            <a:noFill/>
+          </a:ln>
+          <a:extLst>
+            <a:ext uri="{909E8E84-426E-40DD-AFC4-6F175D3DCCD1}">
+              <a14:hiddenFill xmlns:a14="http://schemas.microsoft.com/office/drawing/2010/main">
+                <a:solidFill>
+                  <a:srgbClr val="FFFFFF"/>
+                </a:solidFill>
+              </a14:hiddenFill>
+            </a:ext>
+            <a:ext uri="{91240B29-F687-4F45-9708-019B960494DF}">
+              <a14:hiddenLine xmlns:a14="http://schemas.microsoft.com/office/drawing/2010/main" w="9525">
+                <a:solidFill>
+                  <a:srgbClr val="000000"/>
+                </a:solidFill>
+                <a:miter lim="800000"/>
+                <a:headEnd/>
+                <a:tailEnd/>
+              </a14:hiddenLine>
+            </a:ext>
+          </a:extLst>
+        </p:spPr>
+        <p:txBody>
+          <a:bodyPr vert="horz" wrap="square" lIns="91440" tIns="45720" rIns="91440" bIns="45720" numCol="1" anchor="t" anchorCtr="0" compatLnSpc="1">
+            <a:prstTxWarp prst="textNoShape">
+              <a:avLst/>
+            </a:prstTxWarp>
+          </a:bodyPr>
+          <a:lstStyle>
+            <a:lvl1pPr>
+              <a:defRPr baseline="0">
+                <a:latin typeface="+mn-lt"/>
+              </a:defRPr>
+            </a:lvl1pPr>
+            <a:lvl2pPr>
+              <a:defRPr baseline="0">
+                <a:latin typeface="+mn-lt"/>
+              </a:defRPr>
+            </a:lvl2pPr>
+            <a:lvl3pPr>
+              <a:defRPr baseline="0">
+                <a:latin typeface="+mn-lt"/>
+              </a:defRPr>
+            </a:lvl3pPr>
+            <a:lvl4pPr>
+              <a:defRPr baseline="0">
+                <a:latin typeface="+mn-lt"/>
+              </a:defRPr>
+            </a:lvl4pPr>
+            <a:lvl5pPr>
+              <a:defRPr baseline="0">
+                <a:latin typeface="+mn-lt"/>
+              </a:defRPr>
+            </a:lvl5pPr>
+          </a:lstStyle>
+          <a:p>
+            <a:pPr lvl="0"/>
+            <a:r>
+              <a:rPr lang="zh-CN" altLang="en-US"/>
+              <a:t>编辑母版文本样式</a:t>
+            </a:r>
+          </a:p>
+          <a:p>
+            <a:pPr lvl="1"/>
+            <a:r>
+              <a:rPr lang="zh-CN" altLang="en-US"/>
+              <a:t>第二级</a:t>
+            </a:r>
+          </a:p>
+          <a:p>
+            <a:pPr lvl="2"/>
+            <a:r>
+              <a:rPr lang="zh-CN" altLang="en-US"/>
+              <a:t>第三级</a:t>
+            </a:r>
+          </a:p>
+        </p:txBody>
+      </p:sp>
+    </p:spTree>
+    <p:extLst>
+      <p:ext uri="{BB962C8B-B14F-4D97-AF65-F5344CB8AC3E}">
+        <p14:creationId xmlns:p14="http://schemas.microsoft.com/office/powerpoint/2010/main" val="2130923141"/>
+      </p:ext>
+    </p:extLst>
+  </p:cSld>
+  <p:clrMapOvr>
+    <a:masterClrMapping/>
+  </p:clrMapOvr>
+  <p:hf hdr="0" ftr="0" dt="0"/>
+</p:sldLayout>
+</file>
+
+<file path=ppt/slideLayouts/slideLayout4.xml><?xml version="1.0" encoding="utf-8"?>
+<p:sldLayout xmlns:a="http://schemas.openxmlformats.org/drawingml/2006/main" xmlns:r="http://schemas.openxmlformats.org/officeDocument/2006/relationships" xmlns:p="http://schemas.openxmlformats.org/presentationml/2006/main" preserve="1">
+  <p:cSld name="Just Title">
+    <p:spTree>
+      <p:nvGrpSpPr>
+        <p:cNvPr id="1" name=""/>
+        <p:cNvGrpSpPr/>
+        <p:nvPr/>
+      </p:nvGrpSpPr>
+      <p:grpSpPr>
+        <a:xfrm>
+          <a:off x="0" y="0"/>
+          <a:ext cx="0" cy="0"/>
+          <a:chOff x="0" y="0"/>
+          <a:chExt cx="0" cy="0"/>
+        </a:xfrm>
+      </p:grpSpPr>
+      <p:sp>
+        <p:nvSpPr>
+          <p:cNvPr id="2" name="标题 1">
+            <a:extLst>
+              <a:ext uri="{FF2B5EF4-FFF2-40B4-BE49-F238E27FC236}">
+                <a16:creationId xmlns:a16="http://schemas.microsoft.com/office/drawing/2014/main" id="{A7A3B309-5F91-4EC3-B303-AAA2C66728F2}"/>
+              </a:ext>
+            </a:extLst>
+          </p:cNvPr>
+          <p:cNvSpPr>
+            <a:spLocks noGrp="1"/>
+          </p:cNvSpPr>
+          <p:nvPr>
+            <p:ph type="title"/>
+          </p:nvPr>
+        </p:nvSpPr>
+        <p:spPr/>
+        <p:txBody>
+          <a:bodyPr/>
+          <a:lstStyle/>
+          <a:p>
+            <a:r>
+              <a:rPr lang="zh-CN" altLang="en-US"/>
+              <a:t>单击此处编辑母版标题样式</a:t>
+            </a:r>
+          </a:p>
+        </p:txBody>
+      </p:sp>
+    </p:spTree>
+    <p:extLst>
+      <p:ext uri="{BB962C8B-B14F-4D97-AF65-F5344CB8AC3E}">
+        <p14:creationId xmlns:p14="http://schemas.microsoft.com/office/powerpoint/2010/main" val="772598474"/>
+      </p:ext>
+    </p:extLst>
+  </p:cSld>
+  <p:clrMapOvr>
+    <a:masterClrMapping/>
+  </p:clrMapOvr>
+</p:sldLayout>
+</file>
+
+<file path=ppt/slideLayouts/slideLayout5.xml><?xml version="1.0" encoding="utf-8"?>
+<p:sldLayout xmlns:a="http://schemas.openxmlformats.org/drawingml/2006/main" xmlns:r="http://schemas.openxmlformats.org/officeDocument/2006/relationships" xmlns:p="http://schemas.openxmlformats.org/presentationml/2006/main" preserve="1">
+  <p:cSld name="两栏内容">
+    <p:spTree>
+      <p:nvGrpSpPr>
+        <p:cNvPr id="1" name=""/>
+        <p:cNvGrpSpPr/>
+        <p:nvPr/>
+      </p:nvGrpSpPr>
+      <p:grpSpPr>
+        <a:xfrm>
+          <a:off x="0" y="0"/>
+          <a:ext cx="0" cy="0"/>
+          <a:chOff x="0" y="0"/>
+          <a:chExt cx="0" cy="0"/>
+        </a:xfrm>
+      </p:grpSpPr>
+      <p:sp>
+        <p:nvSpPr>
+          <p:cNvPr id="7" name="Text Placeholder 12">
+            <a:extLst>
+              <a:ext uri="{FF2B5EF4-FFF2-40B4-BE49-F238E27FC236}">
+                <a16:creationId xmlns:a16="http://schemas.microsoft.com/office/drawing/2014/main" id="{82554C09-2158-4702-9B4A-E0C68913C689}"/>
+              </a:ext>
+            </a:extLst>
+          </p:cNvPr>
+          <p:cNvSpPr>
+            <a:spLocks noGrp="1"/>
+          </p:cNvSpPr>
+          <p:nvPr>
+            <p:ph idx="1"/>
+          </p:nvPr>
+        </p:nvSpPr>
+        <p:spPr bwMode="auto">
+          <a:xfrm>
+            <a:off x="609600" y="1066799"/>
+            <a:ext cx="5486400" cy="5181599"/>
+          </a:xfrm>
+          <a:prstGeom prst="rect">
+            <a:avLst/>
+          </a:prstGeom>
+          <a:noFill/>
+          <a:ln>
+            <a:noFill/>
+          </a:ln>
+          <a:extLst>
+            <a:ext uri="{909E8E84-426E-40DD-AFC4-6F175D3DCCD1}">
+              <a14:hiddenFill xmlns:a14="http://schemas.microsoft.com/office/drawing/2010/main">
+                <a:solidFill>
+                  <a:srgbClr val="FFFFFF"/>
+                </a:solidFill>
+              </a14:hiddenFill>
+            </a:ext>
+            <a:ext uri="{91240B29-F687-4F45-9708-019B960494DF}">
+              <a14:hiddenLine xmlns:a14="http://schemas.microsoft.com/office/drawing/2010/main" w="9525">
+                <a:solidFill>
+                  <a:srgbClr val="000000"/>
+                </a:solidFill>
+                <a:miter lim="800000"/>
+                <a:headEnd/>
+                <a:tailEnd/>
+              </a14:hiddenLine>
+            </a:ext>
+          </a:extLst>
+        </p:spPr>
+        <p:txBody>
+          <a:bodyPr vert="horz" wrap="square" lIns="91440" tIns="45720" rIns="91440" bIns="45720" numCol="1" anchor="t" anchorCtr="0" compatLnSpc="1">
+            <a:prstTxWarp prst="textNoShape">
+              <a:avLst/>
+            </a:prstTxWarp>
+          </a:bodyPr>
+          <a:lstStyle>
+            <a:lvl1pPr>
+              <a:defRPr baseline="0">
+                <a:latin typeface="+mn-lt"/>
+              </a:defRPr>
+            </a:lvl1pPr>
+            <a:lvl2pPr>
+              <a:defRPr baseline="0">
+                <a:latin typeface="+mn-lt"/>
+              </a:defRPr>
+            </a:lvl2pPr>
+            <a:lvl3pPr>
+              <a:defRPr baseline="0">
+                <a:latin typeface="+mn-lt"/>
+              </a:defRPr>
+            </a:lvl3pPr>
+            <a:lvl4pPr>
+              <a:defRPr baseline="0">
+                <a:latin typeface="+mn-lt"/>
+              </a:defRPr>
+            </a:lvl4pPr>
+            <a:lvl5pPr>
+              <a:defRPr baseline="0">
+                <a:latin typeface="+mn-lt"/>
+              </a:defRPr>
+            </a:lvl5pPr>
+          </a:lstStyle>
+          <a:p>
+            <a:pPr lvl="0"/>
+            <a:r>
+              <a:rPr lang="zh-CN" altLang="en-US"/>
+              <a:t>编辑母版文本样式</a:t>
+            </a:r>
+          </a:p>
+          <a:p>
+            <a:pPr lvl="1"/>
+            <a:r>
+              <a:rPr lang="zh-CN" altLang="en-US"/>
+              <a:t>第二级</a:t>
+            </a:r>
+          </a:p>
+          <a:p>
+            <a:pPr lvl="2"/>
+            <a:r>
+              <a:rPr lang="zh-CN" altLang="en-US"/>
+              <a:t>第三级</a:t>
+            </a:r>
+          </a:p>
+          <a:p>
+            <a:pPr lvl="3"/>
+            <a:r>
+              <a:rPr lang="zh-CN" altLang="en-US"/>
+              <a:t>第四级</a:t>
+            </a:r>
+          </a:p>
+        </p:txBody>
+      </p:sp>
+      <p:sp>
+        <p:nvSpPr>
+          <p:cNvPr id="8" name="Text Placeholder 12">
+            <a:extLst>
+              <a:ext uri="{FF2B5EF4-FFF2-40B4-BE49-F238E27FC236}">
+                <a16:creationId xmlns:a16="http://schemas.microsoft.com/office/drawing/2014/main" id="{6DDB8618-EAD8-4F6C-91B0-8D6B79685A8E}"/>
+              </a:ext>
+            </a:extLst>
+          </p:cNvPr>
+          <p:cNvSpPr>
+            <a:spLocks noGrp="1"/>
+          </p:cNvSpPr>
+          <p:nvPr>
+            <p:ph idx="10"/>
+          </p:nvPr>
+        </p:nvSpPr>
+        <p:spPr bwMode="auto">
+          <a:xfrm>
+            <a:off x="6248400" y="1066800"/>
+            <a:ext cx="5334000" cy="5181598"/>
+          </a:xfrm>
+          <a:prstGeom prst="rect">
+            <a:avLst/>
+          </a:prstGeom>
+          <a:noFill/>
+          <a:ln>
+            <a:noFill/>
+          </a:ln>
+          <a:extLst>
+            <a:ext uri="{909E8E84-426E-40DD-AFC4-6F175D3DCCD1}">
+              <a14:hiddenFill xmlns:a14="http://schemas.microsoft.com/office/drawing/2010/main">
+                <a:solidFill>
+                  <a:srgbClr val="FFFFFF"/>
+                </a:solidFill>
+              </a14:hiddenFill>
+            </a:ext>
+            <a:ext uri="{91240B29-F687-4F45-9708-019B960494DF}">
+              <a14:hiddenLine xmlns:a14="http://schemas.microsoft.com/office/drawing/2010/main" w="9525">
+                <a:solidFill>
+                  <a:srgbClr val="000000"/>
+                </a:solidFill>
+                <a:miter lim="800000"/>
+                <a:headEnd/>
+                <a:tailEnd/>
+              </a14:hiddenLine>
+            </a:ext>
+          </a:extLst>
+        </p:spPr>
+        <p:txBody>
+          <a:bodyPr vert="horz" wrap="square" lIns="91440" tIns="45720" rIns="91440" bIns="45720" numCol="1" anchor="t" anchorCtr="0" compatLnSpc="1">
+            <a:prstTxWarp prst="textNoShape">
+              <a:avLst/>
+            </a:prstTxWarp>
+          </a:bodyPr>
+          <a:lstStyle/>
+          <a:p>
+            <a:pPr lvl="0"/>
+            <a:r>
+              <a:rPr lang="zh-CN" altLang="en-US"/>
+              <a:t>编辑母版文本样式</a:t>
+            </a:r>
+          </a:p>
+          <a:p>
+            <a:pPr lvl="1"/>
+            <a:r>
+              <a:rPr lang="zh-CN" altLang="en-US"/>
+              <a:t>第二级</a:t>
+            </a:r>
+          </a:p>
+          <a:p>
+            <a:pPr lvl="2"/>
+            <a:r>
+              <a:rPr lang="zh-CN" altLang="en-US"/>
+              <a:t>第三级</a:t>
+            </a:r>
+          </a:p>
+          <a:p>
+            <a:pPr lvl="3"/>
+            <a:r>
+              <a:rPr lang="zh-CN" altLang="en-US"/>
+              <a:t>第四级</a:t>
+            </a:r>
+          </a:p>
+        </p:txBody>
+      </p:sp>
+      <p:sp>
+        <p:nvSpPr>
+          <p:cNvPr id="3" name="标题 2">
+            <a:extLst>
+              <a:ext uri="{FF2B5EF4-FFF2-40B4-BE49-F238E27FC236}">
+                <a16:creationId xmlns:a16="http://schemas.microsoft.com/office/drawing/2014/main" id="{63866493-C33C-47CF-99CE-6E19EE056D71}"/>
+              </a:ext>
+            </a:extLst>
+          </p:cNvPr>
+          <p:cNvSpPr>
+            <a:spLocks noGrp="1"/>
+          </p:cNvSpPr>
+          <p:nvPr>
+            <p:ph type="title"/>
+          </p:nvPr>
+        </p:nvSpPr>
+        <p:spPr/>
+        <p:txBody>
+          <a:bodyPr/>
+          <a:lstStyle/>
+          <a:p>
+            <a:r>
+              <a:rPr lang="zh-CN" altLang="en-US"/>
+              <a:t>单击此处编辑母版标题样式</a:t>
+            </a:r>
+            <a:endParaRPr lang="zh-CN" altLang="en-US" dirty="0"/>
+          </a:p>
+        </p:txBody>
+      </p:sp>
+      <p:cxnSp>
+        <p:nvCxnSpPr>
+          <p:cNvPr id="6" name="直接连接符 5">
+            <a:extLst>
+              <a:ext uri="{FF2B5EF4-FFF2-40B4-BE49-F238E27FC236}">
+                <a16:creationId xmlns:a16="http://schemas.microsoft.com/office/drawing/2014/main" id="{8BBF6941-949E-4A04-9A27-6C5758225CF1}"/>
+              </a:ext>
+            </a:extLst>
+          </p:cNvPr>
+          <p:cNvCxnSpPr/>
+          <p:nvPr/>
+        </p:nvCxnSpPr>
+        <p:spPr>
+          <a:xfrm>
+            <a:off x="6172200" y="1066800"/>
+            <a:ext cx="0" cy="5181600"/>
+          </a:xfrm>
+          <a:prstGeom prst="line">
+            <a:avLst/>
+          </a:prstGeom>
+        </p:spPr>
+        <p:style>
+          <a:lnRef idx="1">
+            <a:schemeClr val="accent1"/>
+          </a:lnRef>
+          <a:fillRef idx="0">
+            <a:schemeClr val="accent1"/>
+          </a:fillRef>
+          <a:effectRef idx="0">
+            <a:schemeClr val="accent1"/>
+          </a:effectRef>
+          <a:fontRef idx="minor">
+            <a:schemeClr val="tx1"/>
+          </a:fontRef>
+        </p:style>
+      </p:cxnSp>
+    </p:spTree>
+    <p:extLst>
+      <p:ext uri="{BB962C8B-B14F-4D97-AF65-F5344CB8AC3E}">
+        <p14:creationId xmlns:p14="http://schemas.microsoft.com/office/powerpoint/2010/main" val="2203950341"/>
+      </p:ext>
+    </p:extLst>
+  </p:cSld>
+  <p:clrMapOvr>
+    <a:masterClrMapping/>
+  </p:clrMapOvr>
+  <p:hf hdr="0" ftr="0" dt="0"/>
+</p:sldLayout>
+</file>
+
+<file path=ppt/slideLayouts/slideLayout6.xml><?xml version="1.0" encoding="utf-8"?>
+<p:sldLayout xmlns:a="http://schemas.openxmlformats.org/drawingml/2006/main" xmlns:r="http://schemas.openxmlformats.org/officeDocument/2006/relationships" xmlns:p="http://schemas.openxmlformats.org/presentationml/2006/main" preserve="1">
+  <p:cSld name="Two Content Text_IMG">
+    <p:spTree>
+      <p:nvGrpSpPr>
+        <p:cNvPr id="1" name=""/>
+        <p:cNvGrpSpPr/>
+        <p:nvPr/>
+      </p:nvGrpSpPr>
+      <p:grpSpPr>
+        <a:xfrm>
+          <a:off x="0" y="0"/>
+          <a:ext cx="0" cy="0"/>
+          <a:chOff x="0" y="0"/>
+          <a:chExt cx="0" cy="0"/>
+        </a:xfrm>
+      </p:grpSpPr>
+      <p:sp>
+        <p:nvSpPr>
+          <p:cNvPr id="7" name="Text Placeholder 12">
+            <a:extLst>
+              <a:ext uri="{FF2B5EF4-FFF2-40B4-BE49-F238E27FC236}">
+                <a16:creationId xmlns:a16="http://schemas.microsoft.com/office/drawing/2014/main" id="{82554C09-2158-4702-9B4A-E0C68913C689}"/>
+              </a:ext>
+            </a:extLst>
+          </p:cNvPr>
+          <p:cNvSpPr>
+            <a:spLocks noGrp="1"/>
+          </p:cNvSpPr>
+          <p:nvPr>
+            <p:ph idx="1"/>
+          </p:nvPr>
+        </p:nvSpPr>
+        <p:spPr bwMode="auto">
+          <a:xfrm>
+            <a:off x="609599" y="990600"/>
+            <a:ext cx="5885794" cy="5410200"/>
+          </a:xfrm>
+          <a:prstGeom prst="rect">
+            <a:avLst/>
+          </a:prstGeom>
+          <a:noFill/>
+          <a:ln>
+            <a:noFill/>
+          </a:ln>
+          <a:extLst>
+            <a:ext uri="{909E8E84-426E-40DD-AFC4-6F175D3DCCD1}">
+              <a14:hiddenFill xmlns:a14="http://schemas.microsoft.com/office/drawing/2010/main">
+                <a:solidFill>
+                  <a:srgbClr val="FFFFFF"/>
+                </a:solidFill>
+              </a14:hiddenFill>
+            </a:ext>
+            <a:ext uri="{91240B29-F687-4F45-9708-019B960494DF}">
+              <a14:hiddenLine xmlns:a14="http://schemas.microsoft.com/office/drawing/2010/main" w="9525">
+                <a:solidFill>
+                  <a:srgbClr val="000000"/>
+                </a:solidFill>
+                <a:miter lim="800000"/>
+                <a:headEnd/>
+                <a:tailEnd/>
+              </a14:hiddenLine>
+            </a:ext>
+          </a:extLst>
+        </p:spPr>
+        <p:txBody>
+          <a:bodyPr vert="horz" wrap="square" lIns="91440" tIns="45720" rIns="91440" bIns="45720" numCol="1" anchor="t" anchorCtr="0" compatLnSpc="1">
+            <a:prstTxWarp prst="textNoShape">
+              <a:avLst/>
+            </a:prstTxWarp>
+          </a:bodyPr>
+          <a:lstStyle>
+            <a:lvl1pPr>
+              <a:defRPr baseline="0">
+                <a:latin typeface="+mn-lt"/>
+              </a:defRPr>
+            </a:lvl1pPr>
+            <a:lvl2pPr>
+              <a:defRPr baseline="0">
+                <a:latin typeface="+mn-lt"/>
+              </a:defRPr>
+            </a:lvl2pPr>
+            <a:lvl3pPr>
+              <a:defRPr baseline="0">
+                <a:latin typeface="+mn-lt"/>
+              </a:defRPr>
+            </a:lvl3pPr>
+            <a:lvl4pPr>
+              <a:defRPr baseline="0">
+                <a:latin typeface="+mn-lt"/>
+              </a:defRPr>
+            </a:lvl4pPr>
+            <a:lvl5pPr>
+              <a:defRPr baseline="0">
+                <a:latin typeface="+mn-lt"/>
+              </a:defRPr>
+            </a:lvl5pPr>
+          </a:lstStyle>
+          <a:p>
+            <a:pPr lvl="0"/>
+            <a:r>
+              <a:rPr lang="zh-CN" altLang="en-US"/>
+              <a:t>编辑母版文本样式</a:t>
+            </a:r>
+          </a:p>
+          <a:p>
+            <a:pPr lvl="1"/>
+            <a:r>
+              <a:rPr lang="zh-CN" altLang="en-US"/>
+              <a:t>第二级</a:t>
+            </a:r>
+          </a:p>
+          <a:p>
+            <a:pPr lvl="2"/>
+            <a:r>
+              <a:rPr lang="zh-CN" altLang="en-US"/>
+              <a:t>第三级</a:t>
+            </a:r>
+          </a:p>
+          <a:p>
+            <a:pPr lvl="3"/>
+            <a:r>
+              <a:rPr lang="zh-CN" altLang="en-US"/>
+              <a:t>第四级</a:t>
+            </a:r>
+          </a:p>
+        </p:txBody>
+      </p:sp>
+      <p:sp>
+        <p:nvSpPr>
+          <p:cNvPr id="3" name="标题 2">
+            <a:extLst>
+              <a:ext uri="{FF2B5EF4-FFF2-40B4-BE49-F238E27FC236}">
+                <a16:creationId xmlns:a16="http://schemas.microsoft.com/office/drawing/2014/main" id="{63866493-C33C-47CF-99CE-6E19EE056D71}"/>
+              </a:ext>
+            </a:extLst>
+          </p:cNvPr>
+          <p:cNvSpPr>
+            <a:spLocks noGrp="1"/>
+          </p:cNvSpPr>
+          <p:nvPr>
+            <p:ph type="title"/>
+          </p:nvPr>
+        </p:nvSpPr>
+        <p:spPr/>
+        <p:txBody>
+          <a:bodyPr/>
+          <a:lstStyle/>
+          <a:p>
+            <a:r>
+              <a:rPr lang="zh-CN" altLang="en-US"/>
+              <a:t>单击此处编辑母版标题样式</a:t>
+            </a:r>
+          </a:p>
+        </p:txBody>
+      </p:sp>
+      <p:cxnSp>
+        <p:nvCxnSpPr>
+          <p:cNvPr id="4" name="直接连接符 3">
+            <a:extLst>
+              <a:ext uri="{FF2B5EF4-FFF2-40B4-BE49-F238E27FC236}">
+                <a16:creationId xmlns:a16="http://schemas.microsoft.com/office/drawing/2014/main" id="{F4E9E31A-5EEF-4165-B7AF-A4322917E67F}"/>
+              </a:ext>
+            </a:extLst>
+          </p:cNvPr>
+          <p:cNvCxnSpPr>
+            <a:cxnSpLocks/>
+          </p:cNvCxnSpPr>
+          <p:nvPr/>
+        </p:nvCxnSpPr>
+        <p:spPr>
+          <a:xfrm>
+            <a:off x="6553200" y="1066800"/>
+            <a:ext cx="0" cy="5334000"/>
+          </a:xfrm>
+          <a:prstGeom prst="line">
+            <a:avLst/>
+          </a:prstGeom>
+        </p:spPr>
+        <p:style>
+          <a:lnRef idx="1">
+            <a:schemeClr val="accent1"/>
+          </a:lnRef>
+          <a:fillRef idx="0">
+            <a:schemeClr val="accent1"/>
+          </a:fillRef>
+          <a:effectRef idx="0">
+            <a:schemeClr val="accent1"/>
+          </a:effectRef>
+          <a:fontRef idx="minor">
+            <a:schemeClr val="tx1"/>
+          </a:fontRef>
+        </p:style>
+      </p:cxnSp>
+    </p:spTree>
+    <p:extLst>
+      <p:ext uri="{BB962C8B-B14F-4D97-AF65-F5344CB8AC3E}">
+        <p14:creationId xmlns:p14="http://schemas.microsoft.com/office/powerpoint/2010/main" val="1814016554"/>
+      </p:ext>
+    </p:extLst>
+  </p:cSld>
+  <p:clrMapOvr>
+    <a:masterClrMapping/>
+  </p:clrMapOvr>
+</p:sldLayout>
+</file>
+
+<file path=ppt/slideLayouts/slideLayout7.xml><?xml version="1.0" encoding="utf-8"?>
+<p:sldLayout xmlns:a="http://schemas.openxmlformats.org/drawingml/2006/main" xmlns:r="http://schemas.openxmlformats.org/officeDocument/2006/relationships" xmlns:p="http://schemas.openxmlformats.org/presentationml/2006/main" showMasterSp="0" preserve="1">
+  <p:cSld name="empty">
+    <p:spTree>
+      <p:nvGrpSpPr>
+        <p:cNvPr id="1" name=""/>
+        <p:cNvGrpSpPr/>
+        <p:nvPr/>
+      </p:nvGrpSpPr>
+      <p:grpSpPr>
+        <a:xfrm>
+          <a:off x="0" y="0"/>
+          <a:ext cx="0" cy="0"/>
+          <a:chOff x="0" y="0"/>
+          <a:chExt cx="0" cy="0"/>
+        </a:xfrm>
+      </p:grpSpPr>
+    </p:spTree>
+    <p:extLst>
+      <p:ext uri="{BB962C8B-B14F-4D97-AF65-F5344CB8AC3E}">
+        <p14:creationId xmlns:p14="http://schemas.microsoft.com/office/powerpoint/2010/main" val="1976447343"/>
+      </p:ext>
+    </p:extLst>
+  </p:cSld>
+  <p:clrMapOvr>
+    <a:masterClrMapping/>
+  </p:clrMapOvr>
+</p:sldLayout>
+</file>
+
+<file path=ppt/slideLayouts/slideLayout8.xml><?xml version="1.0" encoding="utf-8"?>
+<p:sldLayout xmlns:a="http://schemas.openxmlformats.org/drawingml/2006/main" xmlns:r="http://schemas.openxmlformats.org/officeDocument/2006/relationships" xmlns:p="http://schemas.openxmlformats.org/presentationml/2006/main" userDrawn="1">
   <p:cSld name="Title and Content">
     <p:spTree>
       <p:nvGrpSpPr>
@@ -6664,474 +7457,7 @@
     </p:spTree>
     <p:extLst>
       <p:ext uri="{BB962C8B-B14F-4D97-AF65-F5344CB8AC3E}">
-        <p14:creationId xmlns:p14="http://schemas.microsoft.com/office/powerpoint/2010/main" val="2163955103"/>
-      </p:ext>
-    </p:extLst>
-  </p:cSld>
-  <p:clrMapOvr>
-    <a:masterClrMapping/>
-  </p:clrMapOvr>
-</p:sldLayout>
-</file>
-
-<file path=ppt/slideLayouts/slideLayout4.xml><?xml version="1.0" encoding="utf-8"?>
-<p:sldLayout xmlns:a="http://schemas.openxmlformats.org/drawingml/2006/main" xmlns:r="http://schemas.openxmlformats.org/officeDocument/2006/relationships" xmlns:p="http://schemas.openxmlformats.org/presentationml/2006/main" preserve="1" userDrawn="1">
-  <p:cSld name="Just Title">
-    <p:spTree>
-      <p:nvGrpSpPr>
-        <p:cNvPr id="1" name=""/>
-        <p:cNvGrpSpPr/>
-        <p:nvPr/>
-      </p:nvGrpSpPr>
-      <p:grpSpPr>
-        <a:xfrm>
-          <a:off x="0" y="0"/>
-          <a:ext cx="0" cy="0"/>
-          <a:chOff x="0" y="0"/>
-          <a:chExt cx="0" cy="0"/>
-        </a:xfrm>
-      </p:grpSpPr>
-      <p:sp>
-        <p:nvSpPr>
-          <p:cNvPr id="2" name="Title 1"/>
-          <p:cNvSpPr>
-            <a:spLocks noGrp="1"/>
-          </p:cNvSpPr>
-          <p:nvPr>
-            <p:ph type="title"/>
-          </p:nvPr>
-        </p:nvSpPr>
-        <p:spPr/>
-        <p:txBody>
-          <a:bodyPr/>
-          <a:lstStyle>
-            <a:lvl1pPr>
-              <a:defRPr>
-                <a:latin typeface="微软雅黑" panose="020B0503020204020204" pitchFamily="34" charset="-122"/>
-                <a:ea typeface="微软雅黑" panose="020B0503020204020204" pitchFamily="34" charset="-122"/>
-              </a:defRPr>
-            </a:lvl1pPr>
-          </a:lstStyle>
-          <a:p>
-            <a:r>
-              <a:rPr lang="en-US" altLang="zh-CN" dirty="0"/>
-              <a:t>Click to edit Master title style</a:t>
-            </a:r>
-            <a:endParaRPr lang="zh-CN" altLang="en-US" dirty="0"/>
-          </a:p>
-        </p:txBody>
-      </p:sp>
-    </p:spTree>
-    <p:extLst>
-      <p:ext uri="{BB962C8B-B14F-4D97-AF65-F5344CB8AC3E}">
-        <p14:creationId xmlns:p14="http://schemas.microsoft.com/office/powerpoint/2010/main" val="2531258794"/>
-      </p:ext>
-    </p:extLst>
-  </p:cSld>
-  <p:clrMapOvr>
-    <a:masterClrMapping/>
-  </p:clrMapOvr>
-</p:sldLayout>
-</file>
-
-<file path=ppt/slideLayouts/slideLayout5.xml><?xml version="1.0" encoding="utf-8"?>
-<p:sldLayout xmlns:a="http://schemas.openxmlformats.org/drawingml/2006/main" xmlns:r="http://schemas.openxmlformats.org/officeDocument/2006/relationships" xmlns:p="http://schemas.openxmlformats.org/presentationml/2006/main" type="twoObj" preserve="1">
-  <p:cSld name="Two Content">
-    <p:spTree>
-      <p:nvGrpSpPr>
-        <p:cNvPr id="1" name=""/>
-        <p:cNvGrpSpPr/>
-        <p:nvPr/>
-      </p:nvGrpSpPr>
-      <p:grpSpPr>
-        <a:xfrm>
-          <a:off x="0" y="0"/>
-          <a:ext cx="0" cy="0"/>
-          <a:chOff x="0" y="0"/>
-          <a:chExt cx="0" cy="0"/>
-        </a:xfrm>
-      </p:grpSpPr>
-      <p:sp>
-        <p:nvSpPr>
-          <p:cNvPr id="2" name="Title 1"/>
-          <p:cNvSpPr>
-            <a:spLocks noGrp="1"/>
-          </p:cNvSpPr>
-          <p:nvPr>
-            <p:ph type="title"/>
-          </p:nvPr>
-        </p:nvSpPr>
-        <p:spPr>
-          <a:xfrm>
-            <a:off x="609600" y="228600"/>
-            <a:ext cx="10972800" cy="914400"/>
-          </a:xfrm>
-        </p:spPr>
-        <p:txBody>
-          <a:bodyPr/>
-          <a:lstStyle/>
-          <a:p>
-            <a:r>
-              <a:rPr lang="en-US" dirty="0"/>
-              <a:t>Click to edit Master title style</a:t>
-            </a:r>
-          </a:p>
-        </p:txBody>
-      </p:sp>
-      <p:sp>
-        <p:nvSpPr>
-          <p:cNvPr id="9" name="Content Placeholder 8"/>
-          <p:cNvSpPr>
-            <a:spLocks noGrp="1"/>
-          </p:cNvSpPr>
-          <p:nvPr>
-            <p:ph sz="quarter" idx="1"/>
-          </p:nvPr>
-        </p:nvSpPr>
-        <p:spPr>
-          <a:xfrm>
-            <a:off x="609600" y="1219200"/>
-            <a:ext cx="5388864" cy="4937760"/>
-          </a:xfrm>
-        </p:spPr>
-        <p:txBody>
-          <a:bodyPr/>
-          <a:lstStyle/>
-          <a:p>
-            <a:pPr lvl="0"/>
-            <a:r>
-              <a:rPr lang="en-US" dirty="0"/>
-              <a:t>Click to edit Master text styles</a:t>
-            </a:r>
-          </a:p>
-          <a:p>
-            <a:pPr lvl="1"/>
-            <a:r>
-              <a:rPr lang="en-US" dirty="0"/>
-              <a:t>Second level</a:t>
-            </a:r>
-          </a:p>
-          <a:p>
-            <a:pPr lvl="2"/>
-            <a:r>
-              <a:rPr lang="en-US" dirty="0"/>
-              <a:t>Third level</a:t>
-            </a:r>
-          </a:p>
-          <a:p>
-            <a:pPr lvl="3"/>
-            <a:r>
-              <a:rPr lang="en-US" dirty="0"/>
-              <a:t>Fourth level</a:t>
-            </a:r>
-          </a:p>
-          <a:p>
-            <a:pPr lvl="4"/>
-            <a:r>
-              <a:rPr lang="en-US" dirty="0"/>
-              <a:t>Fifth level</a:t>
-            </a:r>
-          </a:p>
-        </p:txBody>
-      </p:sp>
-      <p:sp>
-        <p:nvSpPr>
-          <p:cNvPr id="11" name="Content Placeholder 10"/>
-          <p:cNvSpPr>
-            <a:spLocks noGrp="1"/>
-          </p:cNvSpPr>
-          <p:nvPr>
-            <p:ph sz="quarter" idx="2"/>
-          </p:nvPr>
-        </p:nvSpPr>
-        <p:spPr>
-          <a:xfrm>
-            <a:off x="6176264" y="1216152"/>
-            <a:ext cx="5388864" cy="4937760"/>
-          </a:xfrm>
-        </p:spPr>
-        <p:txBody>
-          <a:bodyPr/>
-          <a:lstStyle/>
-          <a:p>
-            <a:pPr lvl="0"/>
-            <a:r>
-              <a:rPr lang="en-US" dirty="0"/>
-              <a:t>Click to edit Master text styles</a:t>
-            </a:r>
-          </a:p>
-          <a:p>
-            <a:pPr lvl="1"/>
-            <a:r>
-              <a:rPr lang="en-US" dirty="0"/>
-              <a:t>Second level</a:t>
-            </a:r>
-          </a:p>
-          <a:p>
-            <a:pPr lvl="2"/>
-            <a:r>
-              <a:rPr lang="en-US" dirty="0"/>
-              <a:t>Third level</a:t>
-            </a:r>
-          </a:p>
-          <a:p>
-            <a:pPr lvl="3"/>
-            <a:r>
-              <a:rPr lang="en-US" dirty="0"/>
-              <a:t>Fourth level</a:t>
-            </a:r>
-          </a:p>
-          <a:p>
-            <a:pPr lvl="4"/>
-            <a:r>
-              <a:rPr lang="en-US" dirty="0"/>
-              <a:t>Fifth level</a:t>
-            </a:r>
-          </a:p>
-        </p:txBody>
-      </p:sp>
-    </p:spTree>
-    <p:extLst>
-      <p:ext uri="{BB962C8B-B14F-4D97-AF65-F5344CB8AC3E}">
-        <p14:creationId xmlns:p14="http://schemas.microsoft.com/office/powerpoint/2010/main" val="3267187488"/>
-      </p:ext>
-    </p:extLst>
-  </p:cSld>
-  <p:clrMapOvr>
-    <a:masterClrMapping/>
-  </p:clrMapOvr>
-</p:sldLayout>
-</file>
-
-<file path=ppt/slideLayouts/slideLayout6.xml><?xml version="1.0" encoding="utf-8"?>
-<p:sldLayout xmlns:a="http://schemas.openxmlformats.org/drawingml/2006/main" xmlns:r="http://schemas.openxmlformats.org/officeDocument/2006/relationships" xmlns:p="http://schemas.openxmlformats.org/presentationml/2006/main" preserve="1" userDrawn="1">
-  <p:cSld name="Two Content Text_IMG">
-    <p:spTree>
-      <p:nvGrpSpPr>
-        <p:cNvPr id="1" name=""/>
-        <p:cNvGrpSpPr/>
-        <p:nvPr/>
-      </p:nvGrpSpPr>
-      <p:grpSpPr>
-        <a:xfrm>
-          <a:off x="0" y="0"/>
-          <a:ext cx="0" cy="0"/>
-          <a:chOff x="0" y="0"/>
-          <a:chExt cx="0" cy="0"/>
-        </a:xfrm>
-      </p:grpSpPr>
-      <p:sp>
-        <p:nvSpPr>
-          <p:cNvPr id="2" name="Title 1"/>
-          <p:cNvSpPr>
-            <a:spLocks noGrp="1"/>
-          </p:cNvSpPr>
-          <p:nvPr>
-            <p:ph type="title"/>
-          </p:nvPr>
-        </p:nvSpPr>
-        <p:spPr>
-          <a:xfrm>
-            <a:off x="609600" y="228600"/>
-            <a:ext cx="10972800" cy="914400"/>
-          </a:xfrm>
-        </p:spPr>
-        <p:txBody>
-          <a:bodyPr/>
-          <a:lstStyle/>
-          <a:p>
-            <a:r>
-              <a:rPr lang="en-US" dirty="0"/>
-              <a:t>Click to edit Master title style</a:t>
-            </a:r>
-          </a:p>
-        </p:txBody>
-      </p:sp>
-      <p:sp>
-        <p:nvSpPr>
-          <p:cNvPr id="9" name="Content Placeholder 8"/>
-          <p:cNvSpPr>
-            <a:spLocks noGrp="1"/>
-          </p:cNvSpPr>
-          <p:nvPr>
-            <p:ph sz="quarter" idx="1"/>
-          </p:nvPr>
-        </p:nvSpPr>
-        <p:spPr>
-          <a:xfrm>
-            <a:off x="609600" y="1219200"/>
-            <a:ext cx="6299200" cy="4937760"/>
-          </a:xfrm>
-        </p:spPr>
-        <p:txBody>
-          <a:bodyPr/>
-          <a:lstStyle/>
-          <a:p>
-            <a:pPr lvl="0"/>
-            <a:r>
-              <a:rPr lang="en-US" dirty="0"/>
-              <a:t>Click to edit Master text styles</a:t>
-            </a:r>
-          </a:p>
-          <a:p>
-            <a:pPr lvl="1"/>
-            <a:r>
-              <a:rPr lang="en-US" dirty="0"/>
-              <a:t>Second level</a:t>
-            </a:r>
-          </a:p>
-          <a:p>
-            <a:pPr lvl="2"/>
-            <a:r>
-              <a:rPr lang="en-US" dirty="0"/>
-              <a:t>Third level</a:t>
-            </a:r>
-          </a:p>
-          <a:p>
-            <a:pPr lvl="3"/>
-            <a:r>
-              <a:rPr lang="en-US" dirty="0"/>
-              <a:t>Fourth level</a:t>
-            </a:r>
-          </a:p>
-          <a:p>
-            <a:pPr lvl="4"/>
-            <a:r>
-              <a:rPr lang="en-US" dirty="0"/>
-              <a:t>Fifth level</a:t>
-            </a:r>
-          </a:p>
-        </p:txBody>
-      </p:sp>
-      <p:cxnSp>
-        <p:nvCxnSpPr>
-          <p:cNvPr id="4" name="直接连接符 3"/>
-          <p:cNvCxnSpPr/>
-          <p:nvPr userDrawn="1"/>
-        </p:nvCxnSpPr>
-        <p:spPr>
-          <a:xfrm>
-            <a:off x="7112000" y="1219200"/>
-            <a:ext cx="0" cy="4937760"/>
-          </a:xfrm>
-          <a:prstGeom prst="line">
-            <a:avLst/>
-          </a:prstGeom>
-        </p:spPr>
-        <p:style>
-          <a:lnRef idx="1">
-            <a:schemeClr val="accent1"/>
-          </a:lnRef>
-          <a:fillRef idx="0">
-            <a:schemeClr val="accent1"/>
-          </a:fillRef>
-          <a:effectRef idx="0">
-            <a:schemeClr val="accent1"/>
-          </a:effectRef>
-          <a:fontRef idx="minor">
-            <a:schemeClr val="tx1"/>
-          </a:fontRef>
-        </p:style>
-      </p:cxnSp>
-    </p:spTree>
-    <p:extLst>
-      <p:ext uri="{BB962C8B-B14F-4D97-AF65-F5344CB8AC3E}">
-        <p14:creationId xmlns:p14="http://schemas.microsoft.com/office/powerpoint/2010/main" val="2635019372"/>
-      </p:ext>
-    </p:extLst>
-  </p:cSld>
-  <p:clrMapOvr>
-    <a:masterClrMapping/>
-  </p:clrMapOvr>
-</p:sldLayout>
-</file>
-
-<file path=ppt/slideLayouts/slideLayout7.xml><?xml version="1.0" encoding="utf-8"?>
-<p:sldLayout xmlns:a="http://schemas.openxmlformats.org/drawingml/2006/main" xmlns:r="http://schemas.openxmlformats.org/officeDocument/2006/relationships" xmlns:p="http://schemas.openxmlformats.org/presentationml/2006/main" showMasterSp="0" preserve="1" userDrawn="1">
-  <p:cSld name="empty">
-    <p:spTree>
-      <p:nvGrpSpPr>
-        <p:cNvPr id="1" name=""/>
-        <p:cNvGrpSpPr/>
-        <p:nvPr/>
-      </p:nvGrpSpPr>
-      <p:grpSpPr>
-        <a:xfrm>
-          <a:off x="0" y="0"/>
-          <a:ext cx="0" cy="0"/>
-          <a:chOff x="0" y="0"/>
-          <a:chExt cx="0" cy="0"/>
-        </a:xfrm>
-      </p:grpSpPr>
-    </p:spTree>
-    <p:extLst>
-      <p:ext uri="{BB962C8B-B14F-4D97-AF65-F5344CB8AC3E}">
-        <p14:creationId xmlns:p14="http://schemas.microsoft.com/office/powerpoint/2010/main" val="882683792"/>
-      </p:ext>
-    </p:extLst>
-  </p:cSld>
-  <p:clrMapOvr>
-    <a:masterClrMapping/>
-  </p:clrMapOvr>
-</p:sldLayout>
-</file>
-
-<file path=ppt/slideLayouts/slideLayout8.xml><?xml version="1.0" encoding="utf-8"?>
-<p:sldLayout xmlns:a="http://schemas.openxmlformats.org/drawingml/2006/main" xmlns:r="http://schemas.openxmlformats.org/officeDocument/2006/relationships" xmlns:p="http://schemas.openxmlformats.org/presentationml/2006/main" preserve="1" userDrawn="1">
-  <p:cSld name="End">
-    <p:spTree>
-      <p:nvGrpSpPr>
-        <p:cNvPr id="1" name=""/>
-        <p:cNvGrpSpPr/>
-        <p:nvPr/>
-      </p:nvGrpSpPr>
-      <p:grpSpPr>
-        <a:xfrm>
-          <a:off x="0" y="0"/>
-          <a:ext cx="0" cy="0"/>
-          <a:chOff x="0" y="0"/>
-          <a:chExt cx="0" cy="0"/>
-        </a:xfrm>
-      </p:grpSpPr>
-      <p:sp>
-        <p:nvSpPr>
-          <p:cNvPr id="4" name="Rectangle 3"/>
-          <p:cNvSpPr/>
-          <p:nvPr userDrawn="1"/>
-        </p:nvSpPr>
-        <p:spPr>
-          <a:xfrm>
-            <a:off x="4876800" y="3048003"/>
-            <a:ext cx="3048000" cy="646331"/>
-          </a:xfrm>
-          <a:prstGeom prst="rect">
-            <a:avLst/>
-          </a:prstGeom>
-        </p:spPr>
-        <p:txBody>
-          <a:bodyPr wrap="square">
-            <a:spAutoFit/>
-          </a:bodyPr>
-          <a:lstStyle/>
-          <a:p>
-            <a:r>
-              <a:rPr lang="zh-CN" altLang="en-US" sz="3600" dirty="0">
-                <a:latin typeface="华文楷体" panose="02010600040101010101" pitchFamily="2" charset="-122"/>
-                <a:ea typeface="华文楷体" panose="02010600040101010101" pitchFamily="2" charset="-122"/>
-              </a:rPr>
-              <a:t>谢  谢</a:t>
-            </a:r>
-            <a:endParaRPr lang="en-US" altLang="zh-CN" sz="3600" dirty="0">
-              <a:latin typeface="华文楷体" panose="02010600040101010101" pitchFamily="2" charset="-122"/>
-              <a:ea typeface="华文楷体" panose="02010600040101010101" pitchFamily="2" charset="-122"/>
-            </a:endParaRPr>
-          </a:p>
-        </p:txBody>
-      </p:sp>
-    </p:spTree>
-    <p:extLst>
-      <p:ext uri="{BB962C8B-B14F-4D97-AF65-F5344CB8AC3E}">
-        <p14:creationId xmlns:p14="http://schemas.microsoft.com/office/powerpoint/2010/main" val="1698082951"/>
+        <p14:creationId xmlns:p14="http://schemas.microsoft.com/office/powerpoint/2010/main" val="1954537802"/>
       </p:ext>
     </p:extLst>
   </p:cSld>
@@ -7142,7 +7468,7 @@
 </file>
 
 <file path=ppt/slideMasters/slideMaster1.xml><?xml version="1.0" encoding="utf-8"?>
-<p:sldMaster xmlns:a="http://schemas.openxmlformats.org/drawingml/2006/main" xmlns:r="http://schemas.openxmlformats.org/officeDocument/2006/relationships" xmlns:p="http://schemas.openxmlformats.org/presentationml/2006/main">
+<p:sldMaster xmlns:a="http://schemas.openxmlformats.org/drawingml/2006/main" xmlns:r="http://schemas.openxmlformats.org/officeDocument/2006/relationships" xmlns:p="http://schemas.openxmlformats.org/presentationml/2006/main" preserve="1">
   <p:cSld>
     <p:bg>
       <p:bgPr>
@@ -7178,8 +7504,8 @@
         </p:nvSpPr>
         <p:spPr bwMode="auto">
           <a:xfrm>
-            <a:off x="609600" y="152400"/>
-            <a:ext cx="10972800" cy="990600"/>
+            <a:off x="609600" y="152401"/>
+            <a:ext cx="10972800" cy="733410"/>
           </a:xfrm>
           <a:prstGeom prst="rect">
             <a:avLst/>
@@ -7218,9 +7544,10 @@
           <a:p>
             <a:pPr lvl="0"/>
             <a:r>
-              <a:rPr lang="en-US" altLang="zh-CN" dirty="0"/>
-              <a:t>Click to edit Master title style</a:t>
-            </a:r>
+              <a:rPr lang="zh-CN" altLang="en-US" dirty="0"/>
+              <a:t>单击此处编辑母版标题样式</a:t>
+            </a:r>
+            <a:endParaRPr lang="en-US" altLang="zh-CN" dirty="0"/>
           </a:p>
         </p:txBody>
       </p:sp>
@@ -7236,8 +7563,8 @@
         </p:nvSpPr>
         <p:spPr bwMode="auto">
           <a:xfrm>
-            <a:off x="609600" y="1219200"/>
-            <a:ext cx="10972800" cy="4910138"/>
+            <a:off x="609600" y="990599"/>
+            <a:ext cx="10972800" cy="5410197"/>
           </a:xfrm>
           <a:prstGeom prst="rect">
             <a:avLst/>
@@ -7276,37 +7603,24 @@
           <a:p>
             <a:pPr lvl="0"/>
             <a:r>
-              <a:rPr lang="en-US" altLang="zh-CN" dirty="0"/>
-              <a:t>Click to edit Master text styles</a:t>
+              <a:rPr lang="zh-CN" altLang="en-US" dirty="0"/>
+              <a:t>编辑母版文本样式</a:t>
             </a:r>
           </a:p>
           <a:p>
             <a:pPr lvl="1"/>
             <a:r>
-              <a:rPr lang="en-US" altLang="zh-CN" dirty="0"/>
-              <a:t>Second level</a:t>
+              <a:rPr lang="zh-CN" altLang="en-US" dirty="0"/>
+              <a:t>第二级</a:t>
             </a:r>
           </a:p>
           <a:p>
             <a:pPr lvl="2"/>
             <a:r>
-              <a:rPr lang="en-US" altLang="zh-CN" dirty="0"/>
-              <a:t>Third level</a:t>
-            </a:r>
-          </a:p>
-          <a:p>
-            <a:pPr lvl="3"/>
-            <a:r>
-              <a:rPr lang="en-US" altLang="zh-CN" dirty="0"/>
-              <a:t>Fourth level</a:t>
-            </a:r>
-          </a:p>
-          <a:p>
-            <a:pPr lvl="4"/>
-            <a:r>
-              <a:rPr lang="en-US" altLang="zh-CN" dirty="0"/>
-              <a:t>Fifth level</a:t>
-            </a:r>
+              <a:rPr lang="zh-CN" altLang="en-US" dirty="0"/>
+              <a:t>第三级</a:t>
+            </a:r>
+            <a:endParaRPr lang="en-US" altLang="zh-CN" dirty="0"/>
           </a:p>
         </p:txBody>
       </p:sp>
@@ -7320,7 +7634,7 @@
         </p:nvSpPr>
         <p:spPr bwMode="auto">
           <a:xfrm>
-            <a:off x="609600" y="1143000"/>
+            <a:off x="609600" y="898949"/>
             <a:ext cx="10972800" cy="0"/>
           </a:xfrm>
           <a:prstGeom prst="line">
@@ -7354,60 +7668,21 @@
       </p:sp>
       <p:sp>
         <p:nvSpPr>
-          <p:cNvPr id="15" name="Straight Connector 27"/>
-          <p:cNvSpPr>
-            <a:spLocks noChangeShapeType="1"/>
-          </p:cNvSpPr>
-          <p:nvPr userDrawn="1"/>
-        </p:nvSpPr>
-        <p:spPr bwMode="auto">
-          <a:xfrm>
-            <a:off x="609600" y="6353175"/>
-            <a:ext cx="10972800" cy="0"/>
-          </a:xfrm>
-          <a:prstGeom prst="line">
-            <a:avLst/>
-          </a:prstGeom>
-          <a:noFill/>
-          <a:ln w="9525" algn="ctr">
-            <a:solidFill>
-              <a:schemeClr val="accent2"/>
-            </a:solidFill>
-            <a:prstDash val="dash"/>
-            <a:round/>
-            <a:headEnd/>
-            <a:tailEnd/>
-          </a:ln>
-          <a:extLst>
-            <a:ext uri="{909E8E84-426E-40DD-AFC4-6F175D3DCCD1}">
-              <a14:hiddenFill xmlns:a14="http://schemas.microsoft.com/office/drawing/2010/main">
-                <a:noFill/>
-              </a14:hiddenFill>
-            </a:ext>
-          </a:extLst>
-        </p:spPr>
-        <p:txBody>
-          <a:bodyPr/>
-          <a:lstStyle/>
-          <a:p>
-            <a:endParaRPr lang="zh-CN" altLang="en-US" sz="1400">
-              <a:latin typeface="+mn-ea"/>
-              <a:ea typeface="+mn-ea"/>
-            </a:endParaRPr>
-          </a:p>
-        </p:txBody>
-      </p:sp>
-      <p:sp>
-        <p:nvSpPr>
-          <p:cNvPr id="16" name="Footer Placeholder 2"/>
+          <p:cNvPr id="9" name="Footer Placeholder 2">
+            <a:extLst>
+              <a:ext uri="{FF2B5EF4-FFF2-40B4-BE49-F238E27FC236}">
+                <a16:creationId xmlns:a16="http://schemas.microsoft.com/office/drawing/2014/main" id="{B4DA9BC6-43CA-408A-BEB7-8746EA49C870}"/>
+              </a:ext>
+            </a:extLst>
+          </p:cNvPr>
           <p:cNvSpPr txBox="1">
             <a:spLocks/>
           </p:cNvSpPr>
-          <p:nvPr userDrawn="1"/>
+          <p:nvPr/>
         </p:nvSpPr>
         <p:spPr>
           <a:xfrm>
-            <a:off x="4064000" y="6362437"/>
+            <a:off x="4114800" y="6492875"/>
             <a:ext cx="3962400" cy="365125"/>
           </a:xfrm>
           <a:prstGeom prst="rect">
@@ -7415,7 +7690,7 @@
           </a:prstGeom>
         </p:spPr>
         <p:txBody>
-          <a:bodyPr vert="horz" wrap="square" lIns="68580" tIns="34290" rIns="68580" bIns="34290" numCol="1" anchor="t" anchorCtr="0" compatLnSpc="1">
+          <a:bodyPr vert="horz" wrap="square" lIns="0" tIns="0" rIns="0" bIns="0" numCol="1" anchor="ctr" anchorCtr="0" compatLnSpc="1">
             <a:prstTxWarp prst="textNoShape">
               <a:avLst/>
             </a:prstTxWarp>
@@ -7579,13 +7854,19 @@
       </p:sp>
       <p:sp>
         <p:nvSpPr>
-          <p:cNvPr id="18" name="Rectangle 17"/>
+          <p:cNvPr id="13" name="Rectangle 17">
+            <a:extLst>
+              <a:ext uri="{FF2B5EF4-FFF2-40B4-BE49-F238E27FC236}">
+                <a16:creationId xmlns:a16="http://schemas.microsoft.com/office/drawing/2014/main" id="{5ED38AFC-6FCA-41F0-B286-064BF4E13FFB}"/>
+              </a:ext>
+            </a:extLst>
+          </p:cNvPr>
           <p:cNvSpPr/>
-          <p:nvPr userDrawn="1"/>
+          <p:nvPr/>
         </p:nvSpPr>
         <p:spPr>
           <a:xfrm>
-            <a:off x="10972800" y="6362437"/>
+            <a:off x="10972800" y="6521549"/>
             <a:ext cx="375424" cy="307777"/>
           </a:xfrm>
           <a:prstGeom prst="rect">
@@ -7593,7 +7874,7 @@
           </a:prstGeom>
         </p:spPr>
         <p:txBody>
-          <a:bodyPr wrap="none">
+          <a:bodyPr wrap="none" anchor="ctr">
             <a:spAutoFit/>
           </a:bodyPr>
           <a:lstStyle/>
@@ -7626,144 +7907,200 @@
           </a:p>
         </p:txBody>
       </p:sp>
+      <p:sp>
+        <p:nvSpPr>
+          <p:cNvPr id="12" name="Straight Connector 27">
+            <a:extLst>
+              <a:ext uri="{FF2B5EF4-FFF2-40B4-BE49-F238E27FC236}">
+                <a16:creationId xmlns:a16="http://schemas.microsoft.com/office/drawing/2014/main" id="{D59285DE-C1F6-4B21-8CFE-2BDB4A08D1BB}"/>
+              </a:ext>
+            </a:extLst>
+          </p:cNvPr>
+          <p:cNvSpPr>
+            <a:spLocks noChangeShapeType="1"/>
+          </p:cNvSpPr>
+          <p:nvPr userDrawn="1"/>
+        </p:nvSpPr>
+        <p:spPr bwMode="auto">
+          <a:xfrm>
+            <a:off x="609600" y="6477000"/>
+            <a:ext cx="10972800" cy="0"/>
+          </a:xfrm>
+          <a:prstGeom prst="line">
+            <a:avLst/>
+          </a:prstGeom>
+          <a:noFill/>
+          <a:ln w="9525" algn="ctr">
+            <a:solidFill>
+              <a:schemeClr val="accent2"/>
+            </a:solidFill>
+            <a:prstDash val="dash"/>
+            <a:round/>
+            <a:headEnd/>
+            <a:tailEnd/>
+          </a:ln>
+          <a:extLst>
+            <a:ext uri="{909E8E84-426E-40dd-AFC4-6F175D3DCCD1}">
+              <a14:hiddenFill xmlns="" xmlns:a14="http://schemas.microsoft.com/office/drawing/2010/main">
+                <a:noFill/>
+              </a14:hiddenFill>
+            </a:ext>
+          </a:extLst>
+        </p:spPr>
+        <p:txBody>
+          <a:bodyPr/>
+          <a:lstStyle/>
+          <a:p>
+            <a:endParaRPr lang="zh-CN" altLang="en-US" sz="1400">
+              <a:latin typeface="+mn-ea"/>
+              <a:ea typeface="+mn-ea"/>
+            </a:endParaRPr>
+          </a:p>
+        </p:txBody>
+      </p:sp>
     </p:spTree>
+    <p:extLst>
+      <p:ext uri="{BB962C8B-B14F-4D97-AF65-F5344CB8AC3E}">
+        <p14:creationId xmlns:p14="http://schemas.microsoft.com/office/powerpoint/2010/main" val="2895734499"/>
+      </p:ext>
+    </p:extLst>
   </p:cSld>
   <p:clrMap bg1="lt1" tx1="dk1" bg2="lt2" tx2="dk2" accent1="accent1" accent2="accent2" accent3="accent3" accent4="accent4" accent5="accent5" accent6="accent6" hlink="hlink" folHlink="folHlink"/>
   <p:sldLayoutIdLst>
-    <p:sldLayoutId id="2147483823" r:id="rId1"/>
-    <p:sldLayoutId id="2147483831" r:id="rId2"/>
-    <p:sldLayoutId id="2147483824" r:id="rId3"/>
-    <p:sldLayoutId id="2147483828" r:id="rId4"/>
-    <p:sldLayoutId id="2147483826" r:id="rId5"/>
-    <p:sldLayoutId id="2147483832" r:id="rId6"/>
-    <p:sldLayoutId id="2147483830" r:id="rId7"/>
-    <p:sldLayoutId id="2147483829" r:id="rId8"/>
+    <p:sldLayoutId id="2147483834" r:id="rId1"/>
+    <p:sldLayoutId id="2147483835" r:id="rId2"/>
+    <p:sldLayoutId id="2147483836" r:id="rId3"/>
+    <p:sldLayoutId id="2147483837" r:id="rId4"/>
+    <p:sldLayoutId id="2147483838" r:id="rId5"/>
+    <p:sldLayoutId id="2147483839" r:id="rId6"/>
+    <p:sldLayoutId id="2147483840" r:id="rId7"/>
+    <p:sldLayoutId id="2147483843" r:id="rId8"/>
   </p:sldLayoutIdLst>
   <p:hf hdr="0" ftr="0" dt="0"/>
   <p:txStyles>
     <p:titleStyle>
-      <a:lvl1pPr algn="l" rtl="0" eaLnBrk="0" fontAlgn="base" hangingPunct="0">
+      <a:lvl1pPr algn="l" rtl="0" eaLnBrk="1" fontAlgn="base" hangingPunct="1">
         <a:spcBef>
           <a:spcPct val="0"/>
         </a:spcBef>
         <a:spcAft>
           <a:spcPct val="0"/>
         </a:spcAft>
-        <a:defRPr sz="3600" kern="1200">
+        <a:defRPr sz="3200" kern="1200">
           <a:solidFill>
-            <a:schemeClr val="tx2"/>
+            <a:srgbClr val="000000"/>
           </a:solidFill>
           <a:latin typeface="+mj-lt"/>
           <a:ea typeface="+mj-ea"/>
           <a:cs typeface="+mj-cs"/>
         </a:defRPr>
       </a:lvl1pPr>
-      <a:lvl2pPr algn="l" rtl="0" eaLnBrk="0" fontAlgn="base" hangingPunct="0">
+      <a:lvl2pPr algn="l" rtl="0" eaLnBrk="1" fontAlgn="base" hangingPunct="1">
         <a:spcBef>
           <a:spcPct val="0"/>
         </a:spcBef>
         <a:spcAft>
           <a:spcPct val="0"/>
         </a:spcAft>
-        <a:defRPr sz="2700">
+        <a:defRPr sz="2025">
           <a:solidFill>
             <a:schemeClr val="tx2"/>
           </a:solidFill>
           <a:latin typeface="Calibri" panose="020F0502020204030204" pitchFamily="34" charset="0"/>
         </a:defRPr>
       </a:lvl2pPr>
-      <a:lvl3pPr algn="l" rtl="0" eaLnBrk="0" fontAlgn="base" hangingPunct="0">
+      <a:lvl3pPr algn="l" rtl="0" eaLnBrk="1" fontAlgn="base" hangingPunct="1">
         <a:spcBef>
           <a:spcPct val="0"/>
         </a:spcBef>
         <a:spcAft>
           <a:spcPct val="0"/>
         </a:spcAft>
-        <a:defRPr sz="2700">
+        <a:defRPr sz="2025">
           <a:solidFill>
             <a:schemeClr val="tx2"/>
           </a:solidFill>
           <a:latin typeface="Calibri" panose="020F0502020204030204" pitchFamily="34" charset="0"/>
         </a:defRPr>
       </a:lvl3pPr>
-      <a:lvl4pPr algn="l" rtl="0" eaLnBrk="0" fontAlgn="base" hangingPunct="0">
+      <a:lvl4pPr algn="l" rtl="0" eaLnBrk="1" fontAlgn="base" hangingPunct="1">
         <a:spcBef>
           <a:spcPct val="0"/>
         </a:spcBef>
         <a:spcAft>
           <a:spcPct val="0"/>
         </a:spcAft>
-        <a:defRPr sz="2700">
+        <a:defRPr sz="2025">
           <a:solidFill>
             <a:schemeClr val="tx2"/>
           </a:solidFill>
           <a:latin typeface="Calibri" panose="020F0502020204030204" pitchFamily="34" charset="0"/>
         </a:defRPr>
       </a:lvl4pPr>
-      <a:lvl5pPr algn="l" rtl="0" eaLnBrk="0" fontAlgn="base" hangingPunct="0">
+      <a:lvl5pPr algn="l" rtl="0" eaLnBrk="1" fontAlgn="base" hangingPunct="1">
         <a:spcBef>
           <a:spcPct val="0"/>
         </a:spcBef>
         <a:spcAft>
           <a:spcPct val="0"/>
         </a:spcAft>
-        <a:defRPr sz="2700">
+        <a:defRPr sz="2025">
           <a:solidFill>
             <a:schemeClr val="tx2"/>
           </a:solidFill>
           <a:latin typeface="Calibri" panose="020F0502020204030204" pitchFamily="34" charset="0"/>
         </a:defRPr>
       </a:lvl5pPr>
-      <a:lvl6pPr marL="342900" algn="l" rtl="0" fontAlgn="base">
+      <a:lvl6pPr marL="257175" algn="l" rtl="0" eaLnBrk="1" fontAlgn="base" hangingPunct="1">
         <a:spcBef>
           <a:spcPct val="0"/>
         </a:spcBef>
         <a:spcAft>
           <a:spcPct val="0"/>
         </a:spcAft>
-        <a:defRPr sz="2400">
+        <a:defRPr sz="1800">
           <a:solidFill>
             <a:schemeClr val="tx2"/>
           </a:solidFill>
           <a:latin typeface="Calibri" panose="020F0502020204030204" pitchFamily="34" charset="0"/>
         </a:defRPr>
       </a:lvl6pPr>
-      <a:lvl7pPr marL="685800" algn="l" rtl="0" fontAlgn="base">
+      <a:lvl7pPr marL="514350" algn="l" rtl="0" eaLnBrk="1" fontAlgn="base" hangingPunct="1">
         <a:spcBef>
           <a:spcPct val="0"/>
         </a:spcBef>
         <a:spcAft>
           <a:spcPct val="0"/>
         </a:spcAft>
-        <a:defRPr sz="2400">
+        <a:defRPr sz="1800">
           <a:solidFill>
             <a:schemeClr val="tx2"/>
           </a:solidFill>
           <a:latin typeface="Calibri" panose="020F0502020204030204" pitchFamily="34" charset="0"/>
         </a:defRPr>
       </a:lvl7pPr>
-      <a:lvl8pPr marL="1028700" algn="l" rtl="0" fontAlgn="base">
+      <a:lvl8pPr marL="771525" algn="l" rtl="0" eaLnBrk="1" fontAlgn="base" hangingPunct="1">
         <a:spcBef>
           <a:spcPct val="0"/>
         </a:spcBef>
         <a:spcAft>
           <a:spcPct val="0"/>
         </a:spcAft>
-        <a:defRPr sz="2400">
+        <a:defRPr sz="1800">
           <a:solidFill>
             <a:schemeClr val="tx2"/>
           </a:solidFill>
           <a:latin typeface="Calibri" panose="020F0502020204030204" pitchFamily="34" charset="0"/>
         </a:defRPr>
       </a:lvl8pPr>
-      <a:lvl9pPr marL="1371600" algn="l" rtl="0" fontAlgn="base">
+      <a:lvl9pPr marL="1028700" algn="l" rtl="0" eaLnBrk="1" fontAlgn="base" hangingPunct="1">
         <a:spcBef>
           <a:spcPct val="0"/>
         </a:spcBef>
         <a:spcAft>
           <a:spcPct val="0"/>
         </a:spcAft>
-        <a:defRPr sz="2400">
+        <a:defRPr sz="1800">
           <a:solidFill>
             <a:schemeClr val="tx2"/>
           </a:solidFill>
@@ -7772,75 +8109,75 @@
       </a:lvl9pPr>
     </p:titleStyle>
     <p:bodyStyle>
-      <a:lvl1pPr marL="204788" indent="-204788" algn="l" rtl="0" eaLnBrk="0" fontAlgn="base" hangingPunct="0">
+      <a:lvl1pPr marL="153591" indent="-153591" algn="l" rtl="0" eaLnBrk="1" fontAlgn="base" hangingPunct="1">
         <a:spcBef>
-          <a:spcPts val="450"/>
+          <a:spcPts val="338"/>
         </a:spcBef>
         <a:spcAft>
           <a:spcPct val="0"/>
         </a:spcAft>
         <a:buClr>
-          <a:schemeClr val="accent1"/>
+          <a:srgbClr val="000000"/>
         </a:buClr>
         <a:buSzPct val="76000"/>
         <a:buFont typeface="Wingdings 3" panose="05040102010807070707" pitchFamily="18" charset="2"/>
         <a:buChar char=""/>
-        <a:defRPr lang="en-US" altLang="zh-CN" sz="2800" kern="1200" dirty="0" smtClean="0">
+        <a:defRPr lang="en-US" altLang="zh-CN" sz="3200" kern="1200" baseline="0" dirty="0" smtClean="0">
           <a:solidFill>
-            <a:schemeClr val="accent2"/>
+            <a:srgbClr val="C00000"/>
           </a:solidFill>
-          <a:latin typeface="+mn-ea"/>
+          <a:latin typeface="+mn-lt"/>
           <a:ea typeface="+mn-ea"/>
           <a:cs typeface="Arial" panose="020B0604020202020204" pitchFamily="34" charset="0"/>
         </a:defRPr>
       </a:lvl1pPr>
-      <a:lvl2pPr marL="410766" indent="-204788" algn="l" rtl="0" eaLnBrk="0" fontAlgn="base" hangingPunct="0">
+      <a:lvl2pPr marL="308075" indent="-153591" algn="l" rtl="0" eaLnBrk="1" fontAlgn="base" hangingPunct="1">
         <a:spcBef>
-          <a:spcPts val="375"/>
+          <a:spcPts val="281"/>
         </a:spcBef>
         <a:spcAft>
           <a:spcPct val="0"/>
         </a:spcAft>
         <a:buClr>
-          <a:schemeClr val="accent2"/>
+          <a:srgbClr val="000000"/>
         </a:buClr>
         <a:buSzPct val="76000"/>
         <a:buFont typeface="Wingdings 3" panose="05040102010807070707" pitchFamily="18" charset="2"/>
         <a:buChar char=""/>
-        <a:defRPr sz="2400" kern="1200">
+        <a:defRPr sz="2800" kern="1200" baseline="0">
           <a:solidFill>
-            <a:schemeClr val="tx2"/>
+            <a:srgbClr val="000000"/>
           </a:solidFill>
-          <a:latin typeface="华文楷体" panose="02010600040101010101" pitchFamily="2" charset="-122"/>
-          <a:ea typeface="华文楷体" panose="02010600040101010101" pitchFamily="2" charset="-122"/>
+          <a:latin typeface="+mn-lt"/>
+          <a:ea typeface="+mn-ea"/>
           <a:cs typeface="+mn-cs"/>
         </a:defRPr>
       </a:lvl2pPr>
-      <a:lvl3pPr marL="616744" indent="-171450" algn="l" rtl="0" eaLnBrk="0" fontAlgn="base" hangingPunct="0">
+      <a:lvl3pPr marL="462558" indent="-128588" algn="l" rtl="0" eaLnBrk="1" fontAlgn="base" hangingPunct="1">
         <a:spcBef>
-          <a:spcPts val="375"/>
+          <a:spcPts val="281"/>
         </a:spcBef>
         <a:spcAft>
           <a:spcPct val="0"/>
         </a:spcAft>
         <a:buClr>
-          <a:srgbClr val="BCBCBC"/>
+          <a:srgbClr val="000000"/>
         </a:buClr>
         <a:buSzPct val="76000"/>
         <a:buFont typeface="Wingdings 3" panose="05040102010807070707" pitchFamily="18" charset="2"/>
         <a:buChar char=""/>
-        <a:defRPr sz="2400" kern="1200">
+        <a:defRPr sz="2400" kern="1200" baseline="0">
           <a:solidFill>
-            <a:schemeClr val="tx1"/>
+            <a:schemeClr val="accent1"/>
           </a:solidFill>
-          <a:latin typeface="华文楷体" panose="02010600040101010101" pitchFamily="2" charset="-122"/>
-          <a:ea typeface="华文楷体" panose="02010600040101010101" pitchFamily="2" charset="-122"/>
+          <a:latin typeface="+mn-lt"/>
+          <a:ea typeface="+mn-ea"/>
           <a:cs typeface="+mn-cs"/>
         </a:defRPr>
       </a:lvl3pPr>
-      <a:lvl4pPr marL="822722" indent="-171450" algn="l" rtl="0" eaLnBrk="0" fontAlgn="base" hangingPunct="0">
+      <a:lvl4pPr marL="617042" indent="-128588" algn="l" rtl="0" eaLnBrk="1" fontAlgn="base" hangingPunct="1">
         <a:spcBef>
-          <a:spcPts val="300"/>
+          <a:spcPts val="225"/>
         </a:spcBef>
         <a:spcAft>
           <a:spcPct val="0"/>
@@ -7851,18 +8188,18 @@
         <a:buSzPct val="70000"/>
         <a:buFont typeface="Wingdings" panose="05000000000000000000" pitchFamily="2" charset="2"/>
         <a:buChar char=""/>
-        <a:defRPr sz="1800" kern="1200">
+        <a:defRPr sz="2000" kern="1200" baseline="0">
           <a:solidFill>
             <a:schemeClr val="tx1"/>
           </a:solidFill>
-          <a:latin typeface="华文楷体" panose="02010600040101010101" pitchFamily="2" charset="-122"/>
-          <a:ea typeface="华文楷体" panose="02010600040101010101" pitchFamily="2" charset="-122"/>
+          <a:latin typeface="+mn-lt"/>
+          <a:ea typeface="+mn-ea"/>
           <a:cs typeface="+mn-cs"/>
         </a:defRPr>
       </a:lvl4pPr>
-      <a:lvl5pPr marL="1028700" indent="-171450" algn="l" rtl="0" eaLnBrk="0" fontAlgn="base" hangingPunct="0">
+      <a:lvl5pPr marL="771525" indent="-128588" algn="l" rtl="0" eaLnBrk="1" fontAlgn="base" hangingPunct="1">
         <a:spcBef>
-          <a:spcPts val="225"/>
+          <a:spcPts val="169"/>
         </a:spcBef>
         <a:spcAft>
           <a:spcPct val="0"/>
@@ -7873,18 +8210,18 @@
         <a:buSzPct val="70000"/>
         <a:buFont typeface="Wingdings" panose="05000000000000000000" pitchFamily="2" charset="2"/>
         <a:buChar char=""/>
-        <a:defRPr sz="1600" kern="1200">
+        <a:defRPr sz="1350" kern="1200" baseline="0">
           <a:solidFill>
             <a:schemeClr val="tx1"/>
           </a:solidFill>
-          <a:latin typeface="华文楷体" panose="02010600040101010101" pitchFamily="2" charset="-122"/>
-          <a:ea typeface="华文楷体" panose="02010600040101010101" pitchFamily="2" charset="-122"/>
+          <a:latin typeface="+mn-ea"/>
+          <a:ea typeface="+mn-ea"/>
           <a:cs typeface="+mn-cs"/>
         </a:defRPr>
       </a:lvl5pPr>
-      <a:lvl6pPr marL="1234440" indent="-137160" algn="l" rtl="0" eaLnBrk="1" latinLnBrk="0" hangingPunct="1">
+      <a:lvl6pPr marL="925830" indent="-102870" algn="l" rtl="0" eaLnBrk="1" latinLnBrk="0" hangingPunct="1">
         <a:spcBef>
-          <a:spcPts val="225"/>
+          <a:spcPts val="169"/>
         </a:spcBef>
         <a:buClr>
           <a:srgbClr val="9FB8CD">
@@ -7894,7 +8231,7 @@
         <a:buSzPct val="75000"/>
         <a:buFont typeface="Wingdings 3"/>
         <a:buChar char=""/>
-        <a:defRPr kumimoji="0" lang="en-US" sz="1200" kern="1200" smtClean="0">
+        <a:defRPr kumimoji="0" lang="en-US" sz="900" kern="1200" smtClean="0">
           <a:solidFill>
             <a:schemeClr val="tx1"/>
           </a:solidFill>
@@ -7903,9 +8240,9 @@
           <a:cs typeface="+mn-cs"/>
         </a:defRPr>
       </a:lvl6pPr>
-      <a:lvl7pPr marL="1371600" indent="-137160" algn="l" rtl="0" eaLnBrk="1" latinLnBrk="0" hangingPunct="1">
+      <a:lvl7pPr marL="1028700" indent="-102870" algn="l" rtl="0" eaLnBrk="1" latinLnBrk="0" hangingPunct="1">
         <a:spcBef>
-          <a:spcPts val="225"/>
+          <a:spcPts val="169"/>
         </a:spcBef>
         <a:buClr>
           <a:srgbClr val="727CA3">
@@ -7915,7 +8252,7 @@
         <a:buSzPct val="75000"/>
         <a:buFont typeface="Wingdings 3"/>
         <a:buChar char=""/>
-        <a:defRPr kumimoji="0" lang="en-US" sz="1050" kern="1200" smtClean="0">
+        <a:defRPr kumimoji="0" lang="en-US" sz="788" kern="1200" smtClean="0">
           <a:solidFill>
             <a:schemeClr val="tx1"/>
           </a:solidFill>
@@ -7924,9 +8261,9 @@
           <a:cs typeface="+mn-cs"/>
         </a:defRPr>
       </a:lvl7pPr>
-      <a:lvl8pPr marL="1508760" indent="-137160" algn="l" rtl="0" eaLnBrk="1" latinLnBrk="0" hangingPunct="1">
+      <a:lvl8pPr marL="1131570" indent="-102870" algn="l" rtl="0" eaLnBrk="1" latinLnBrk="0" hangingPunct="1">
         <a:spcBef>
-          <a:spcPts val="225"/>
+          <a:spcPts val="169"/>
         </a:spcBef>
         <a:buClr>
           <a:prstClr val="white">
@@ -7936,7 +8273,7 @@
         <a:buSzPct val="75000"/>
         <a:buFont typeface="Wingdings 3"/>
         <a:buChar char=""/>
-        <a:defRPr kumimoji="0" lang="en-US" sz="1050" kern="1200" smtClean="0">
+        <a:defRPr kumimoji="0" lang="en-US" sz="788" kern="1200" smtClean="0">
           <a:solidFill>
             <a:schemeClr val="tx1"/>
           </a:solidFill>
@@ -7945,9 +8282,9 @@
           <a:cs typeface="+mn-cs"/>
         </a:defRPr>
       </a:lvl8pPr>
-      <a:lvl9pPr marL="1645920" indent="-137160" algn="l" rtl="0" eaLnBrk="1" latinLnBrk="0" hangingPunct="1">
+      <a:lvl9pPr marL="1234440" indent="-102870" algn="l" rtl="0" eaLnBrk="1" latinLnBrk="0" hangingPunct="1">
         <a:spcBef>
-          <a:spcPts val="225"/>
+          <a:spcPts val="169"/>
         </a:spcBef>
         <a:buClr>
           <a:srgbClr val="9FB8CD"/>
@@ -7955,7 +8292,7 @@
         <a:buSzPct val="75000"/>
         <a:buFont typeface="Wingdings 3"/>
         <a:buChar char=""/>
-        <a:defRPr kumimoji="0" lang="en-US" sz="900" kern="1200" smtClean="0">
+        <a:defRPr kumimoji="0" lang="en-US" sz="675" kern="1200" smtClean="0">
           <a:solidFill>
             <a:schemeClr val="tx1"/>
           </a:solidFill>
@@ -7976,7 +8313,7 @@
           <a:cs typeface="+mn-cs"/>
         </a:defRPr>
       </a:lvl1pPr>
-      <a:lvl2pPr marL="342900" algn="l" rtl="0" eaLnBrk="1" latinLnBrk="0" hangingPunct="1">
+      <a:lvl2pPr marL="257175" algn="l" rtl="0" eaLnBrk="1" latinLnBrk="0" hangingPunct="1">
         <a:defRPr kumimoji="0" kern="1200">
           <a:solidFill>
             <a:schemeClr val="tx1"/>
@@ -7986,7 +8323,7 @@
           <a:cs typeface="+mn-cs"/>
         </a:defRPr>
       </a:lvl2pPr>
-      <a:lvl3pPr marL="685800" algn="l" rtl="0" eaLnBrk="1" latinLnBrk="0" hangingPunct="1">
+      <a:lvl3pPr marL="514350" algn="l" rtl="0" eaLnBrk="1" latinLnBrk="0" hangingPunct="1">
         <a:defRPr kumimoji="0" kern="1200">
           <a:solidFill>
             <a:schemeClr val="tx1"/>
@@ -7996,7 +8333,7 @@
           <a:cs typeface="+mn-cs"/>
         </a:defRPr>
       </a:lvl3pPr>
-      <a:lvl4pPr marL="1028700" algn="l" rtl="0" eaLnBrk="1" latinLnBrk="0" hangingPunct="1">
+      <a:lvl4pPr marL="771525" algn="l" rtl="0" eaLnBrk="1" latinLnBrk="0" hangingPunct="1">
         <a:defRPr kumimoji="0" kern="1200">
           <a:solidFill>
             <a:schemeClr val="tx1"/>
@@ -8006,7 +8343,7 @@
           <a:cs typeface="+mn-cs"/>
         </a:defRPr>
       </a:lvl4pPr>
-      <a:lvl5pPr marL="1371600" algn="l" rtl="0" eaLnBrk="1" latinLnBrk="0" hangingPunct="1">
+      <a:lvl5pPr marL="1028700" algn="l" rtl="0" eaLnBrk="1" latinLnBrk="0" hangingPunct="1">
         <a:defRPr kumimoji="0" kern="1200">
           <a:solidFill>
             <a:schemeClr val="tx1"/>
@@ -8016,7 +8353,7 @@
           <a:cs typeface="+mn-cs"/>
         </a:defRPr>
       </a:lvl5pPr>
-      <a:lvl6pPr marL="1714500" algn="l" rtl="0" eaLnBrk="1" latinLnBrk="0" hangingPunct="1">
+      <a:lvl6pPr marL="1285875" algn="l" rtl="0" eaLnBrk="1" latinLnBrk="0" hangingPunct="1">
         <a:defRPr kumimoji="0" kern="1200">
           <a:solidFill>
             <a:schemeClr val="tx1"/>
@@ -8026,7 +8363,7 @@
           <a:cs typeface="+mn-cs"/>
         </a:defRPr>
       </a:lvl6pPr>
-      <a:lvl7pPr marL="2057400" algn="l" rtl="0" eaLnBrk="1" latinLnBrk="0" hangingPunct="1">
+      <a:lvl7pPr marL="1543050" algn="l" rtl="0" eaLnBrk="1" latinLnBrk="0" hangingPunct="1">
         <a:defRPr kumimoji="0" kern="1200">
           <a:solidFill>
             <a:schemeClr val="tx1"/>
@@ -8036,7 +8373,7 @@
           <a:cs typeface="+mn-cs"/>
         </a:defRPr>
       </a:lvl7pPr>
-      <a:lvl8pPr marL="2400300" algn="l" rtl="0" eaLnBrk="1" latinLnBrk="0" hangingPunct="1">
+      <a:lvl8pPr marL="1800225" algn="l" rtl="0" eaLnBrk="1" latinLnBrk="0" hangingPunct="1">
         <a:defRPr kumimoji="0" kern="1200">
           <a:solidFill>
             <a:schemeClr val="tx1"/>
@@ -8046,7 +8383,7 @@
           <a:cs typeface="+mn-cs"/>
         </a:defRPr>
       </a:lvl8pPr>
-      <a:lvl9pPr marL="2743200" algn="l" rtl="0" eaLnBrk="1" latinLnBrk="0" hangingPunct="1">
+      <a:lvl9pPr marL="2057400" algn="l" rtl="0" eaLnBrk="1" latinLnBrk="0" hangingPunct="1">
         <a:defRPr kumimoji="0" kern="1200">
           <a:solidFill>
             <a:schemeClr val="tx1"/>
@@ -8094,9 +8431,10 @@
           <a:lstStyle/>
           <a:p>
             <a:r>
-              <a:rPr lang="zh-CN" altLang="en-US" dirty="0"/>
+              <a:rPr lang="zh-CN" altLang="en-US"/>
               <a:t>机器学习概述</a:t>
             </a:r>
+            <a:endParaRPr lang="zh-CN" altLang="en-US" dirty="0"/>
           </a:p>
         </p:txBody>
       </p:sp>
@@ -8116,15 +8454,15 @@
           <a:lstStyle/>
           <a:p>
             <a:r>
-              <a:rPr lang="en-US" altLang="zh-CN" dirty="0"/>
+              <a:rPr lang="en-US" altLang="zh-CN"/>
               <a:t>《</a:t>
             </a:r>
             <a:r>
-              <a:rPr lang="zh-CN" altLang="en-US" dirty="0"/>
+              <a:rPr lang="zh-CN" altLang="en-US"/>
               <a:t>神经网络与深度学习</a:t>
             </a:r>
             <a:r>
-              <a:rPr lang="en-US" altLang="zh-CN" dirty="0"/>
+              <a:rPr lang="en-US" altLang="zh-CN"/>
               <a:t>》</a:t>
             </a:r>
             <a:endParaRPr lang="zh-CN" altLang="en-US" dirty="0"/>
@@ -8147,12 +8485,12 @@
           <a:lstStyle/>
           <a:p>
             <a:r>
-              <a:rPr lang="en-US" altLang="zh-CN" dirty="0">
+              <a:rPr lang="en-US" altLang="zh-CN">
                 <a:hlinkClick r:id="rId3"/>
               </a:rPr>
               <a:t>https://nndl.github.io/</a:t>
             </a:r>
-            <a:endParaRPr lang="en-US" altLang="zh-CN" dirty="0"/>
+            <a:endParaRPr lang="en-US" altLang="zh-CN"/>
           </a:p>
           <a:p>
             <a:endParaRPr lang="en-US" altLang="zh-CN" dirty="0"/>
@@ -8200,14 +8538,15 @@
           <a:lstStyle/>
           <a:p>
             <a:r>
-              <a:rPr lang="zh-CN" altLang="en-US" dirty="0"/>
+              <a:rPr lang="zh-CN" altLang="en-US"/>
               <a:t>学习准则</a:t>
             </a:r>
+            <a:endParaRPr lang="zh-CN" altLang="en-US" dirty="0"/>
           </a:p>
         </p:txBody>
       </p:sp>
-      <mc:AlternateContent xmlns:mc="http://schemas.openxmlformats.org/markup-compatibility/2006" xmlns:a14="http://schemas.microsoft.com/office/drawing/2010/main">
-        <mc:Choice Requires="a14">
+      <mc:AlternateContent xmlns:mc="http://schemas.openxmlformats.org/markup-compatibility/2006">
+        <mc:Choice xmlns:a14="http://schemas.microsoft.com/office/drawing/2010/main" Requires="a14">
           <p:sp>
             <p:nvSpPr>
               <p:cNvPr id="3" name="内容占位符 2"/>
@@ -8215,7 +8554,7 @@
                 <a:spLocks noGrp="1"/>
               </p:cNvSpPr>
               <p:nvPr>
-                <p:ph sz="quarter" idx="1"/>
+                <p:ph idx="1"/>
               </p:nvPr>
             </p:nvSpPr>
             <p:spPr/>
@@ -8225,19 +8564,7 @@
               <a:p>
                 <a:r>
                   <a:rPr lang="zh-CN" altLang="en-US" dirty="0"/>
-                  <a:t>期望风险未知，通过</a:t>
-                </a:r>
-                <a:r>
-                  <a:rPr lang="zh-CN" altLang="en-US" dirty="0">
-                    <a:solidFill>
-                      <a:srgbClr val="FF0000"/>
-                    </a:solidFill>
-                  </a:rPr>
-                  <a:t>经验风险</a:t>
-                </a:r>
-                <a:r>
-                  <a:rPr lang="zh-CN" altLang="en-US" dirty="0"/>
-                  <a:t>近似</a:t>
+                  <a:t>期望风险未知，通过经验风险近似</a:t>
                 </a:r>
                 <a:endParaRPr lang="en-US" altLang="zh-CN" dirty="0"/>
               </a:p>
@@ -8250,15 +8577,11 @@
                 <a14:m>
                   <m:oMath xmlns:m="http://schemas.openxmlformats.org/officeDocument/2006/math">
                     <m:r>
-                      <a:rPr lang="zh-CN" altLang="en-US" i="1" dirty="0">
-                        <a:latin typeface="Cambria Math" panose="02040503050406030204" pitchFamily="18" charset="0"/>
-                      </a:rPr>
+                      <a:rPr lang="zh-CN" altLang="en-US" dirty="0"/>
                       <m:t>𝒟</m:t>
                     </m:r>
                     <m:r>
-                      <a:rPr lang="en-US" altLang="zh-CN" dirty="0">
-                        <a:latin typeface="Cambria Math" panose="02040503050406030204" pitchFamily="18" charset="0"/>
-                      </a:rPr>
+                      <a:rPr lang="en-US" altLang="zh-CN" dirty="0"/>
                       <m:t>=</m:t>
                     </m:r>
                     <m:d>
@@ -8266,18 +8589,14 @@
                         <m:begChr m:val="{"/>
                         <m:endChr m:val="}"/>
                         <m:ctrlPr>
-                          <a:rPr lang="en-US" altLang="zh-CN" i="1" dirty="0">
-                            <a:latin typeface="Cambria Math" panose="02040503050406030204" pitchFamily="18" charset="0"/>
-                          </a:rPr>
+                          <a:rPr lang="en-US" altLang="zh-CN" dirty="0"/>
                         </m:ctrlPr>
                       </m:dPr>
                       <m:e>
                         <m:sSup>
                           <m:sSupPr>
                             <m:ctrlPr>
-                              <a:rPr lang="en-US" altLang="zh-CN" i="1" dirty="0">
-                                <a:latin typeface="Cambria Math" panose="02040503050406030204" pitchFamily="18" charset="0"/>
-                              </a:rPr>
+                              <a:rPr lang="en-US" altLang="zh-CN" dirty="0"/>
                             </m:ctrlPr>
                           </m:sSupPr>
                           <m:e>
@@ -8285,9 +8604,7 @@
                               <m:rPr>
                                 <m:sty m:val="p"/>
                               </m:rPr>
-                              <a:rPr lang="en-US" altLang="zh-CN" dirty="0">
-                                <a:latin typeface="Cambria Math" panose="02040503050406030204" pitchFamily="18" charset="0"/>
-                              </a:rPr>
+                              <a:rPr lang="en-US" altLang="zh-CN" dirty="0"/>
                               <m:t>x</m:t>
                             </m:r>
                           </m:e>
@@ -8295,9 +8612,7 @@
                             <m:d>
                               <m:dPr>
                                 <m:ctrlPr>
-                                  <a:rPr lang="en-US" altLang="zh-CN" i="1" dirty="0">
-                                    <a:latin typeface="Cambria Math" panose="02040503050406030204" pitchFamily="18" charset="0"/>
-                                  </a:rPr>
+                                  <a:rPr lang="en-US" altLang="zh-CN" dirty="0"/>
                                 </m:ctrlPr>
                               </m:dPr>
                               <m:e>
@@ -8305,9 +8620,7 @@
                                   <m:rPr>
                                     <m:sty m:val="p"/>
                                   </m:rPr>
-                                  <a:rPr lang="en-US" altLang="zh-CN" i="1" dirty="0">
-                                    <a:latin typeface="Cambria Math" panose="02040503050406030204" pitchFamily="18" charset="0"/>
-                                  </a:rPr>
+                                  <a:rPr lang="en-US" altLang="zh-CN" dirty="0"/>
                                   <m:t>n</m:t>
                                 </m:r>
                               </m:e>
@@ -8315,24 +8628,18 @@
                           </m:sup>
                         </m:sSup>
                         <m:r>
-                          <a:rPr lang="en-US" altLang="zh-CN" dirty="0">
-                            <a:latin typeface="Cambria Math" panose="02040503050406030204" pitchFamily="18" charset="0"/>
-                          </a:rPr>
+                          <a:rPr lang="en-US" altLang="zh-CN" dirty="0"/>
                           <m:t>,</m:t>
                         </m:r>
                         <m:sSup>
                           <m:sSupPr>
                             <m:ctrlPr>
-                              <a:rPr lang="en-US" altLang="zh-CN" i="1" dirty="0">
-                                <a:latin typeface="Cambria Math" panose="02040503050406030204" pitchFamily="18" charset="0"/>
-                              </a:rPr>
+                              <a:rPr lang="en-US" altLang="zh-CN" dirty="0"/>
                             </m:ctrlPr>
                           </m:sSupPr>
                           <m:e>
                             <m:r>
-                              <a:rPr lang="en-US" altLang="zh-CN" dirty="0">
-                                <a:latin typeface="Cambria Math" panose="02040503050406030204" pitchFamily="18" charset="0"/>
-                              </a:rPr>
+                              <a:rPr lang="en-US" altLang="zh-CN" dirty="0"/>
                               <m:t>𝑦</m:t>
                             </m:r>
                           </m:e>
@@ -8340,9 +8647,7 @@
                             <m:d>
                               <m:dPr>
                                 <m:ctrlPr>
-                                  <a:rPr lang="en-US" altLang="zh-CN" i="1" dirty="0">
-                                    <a:latin typeface="Cambria Math" panose="02040503050406030204" pitchFamily="18" charset="0"/>
-                                  </a:rPr>
+                                  <a:rPr lang="en-US" altLang="zh-CN" dirty="0"/>
                                 </m:ctrlPr>
                               </m:dPr>
                               <m:e>
@@ -8350,9 +8655,7 @@
                                   <m:rPr>
                                     <m:sty m:val="p"/>
                                   </m:rPr>
-                                  <a:rPr lang="en-US" altLang="zh-CN" i="1" dirty="0">
-                                    <a:latin typeface="Cambria Math" panose="02040503050406030204" pitchFamily="18" charset="0"/>
-                                  </a:rPr>
+                                  <a:rPr lang="en-US" altLang="zh-CN" dirty="0"/>
                                   <m:t>n</m:t>
                                 </m:r>
                               </m:e>
@@ -8362,33 +8665,23 @@
                       </m:e>
                     </m:d>
                     <m:r>
-                      <a:rPr lang="en-US" altLang="zh-CN" dirty="0">
-                        <a:latin typeface="Cambria Math" panose="02040503050406030204" pitchFamily="18" charset="0"/>
-                      </a:rPr>
+                      <a:rPr lang="en-US" altLang="zh-CN" dirty="0"/>
                       <m:t>, </m:t>
                     </m:r>
                     <m:r>
-                      <a:rPr lang="en-US" altLang="zh-CN" dirty="0">
-                        <a:latin typeface="Cambria Math" panose="02040503050406030204" pitchFamily="18" charset="0"/>
-                      </a:rPr>
+                      <a:rPr lang="en-US" altLang="zh-CN" dirty="0"/>
                       <m:t>𝑖</m:t>
                     </m:r>
                     <m:r>
-                      <a:rPr lang="en-US" altLang="zh-CN" dirty="0">
-                        <a:latin typeface="Cambria Math" panose="02040503050406030204" pitchFamily="18" charset="0"/>
-                      </a:rPr>
+                      <a:rPr lang="en-US" altLang="zh-CN" dirty="0"/>
                       <m:t>∈[1,</m:t>
                     </m:r>
                     <m:r>
-                      <a:rPr lang="en-US" altLang="zh-CN" dirty="0">
-                        <a:latin typeface="Cambria Math" panose="02040503050406030204" pitchFamily="18" charset="0"/>
-                      </a:rPr>
+                      <a:rPr lang="en-US" altLang="zh-CN" dirty="0"/>
                       <m:t>𝑁</m:t>
                     </m:r>
                     <m:r>
-                      <a:rPr lang="en-US" altLang="zh-CN" dirty="0">
-                        <a:latin typeface="Cambria Math" panose="02040503050406030204" pitchFamily="18" charset="0"/>
-                      </a:rPr>
+                      <a:rPr lang="en-US" altLang="zh-CN" dirty="0"/>
                       <m:t>]</m:t>
                     </m:r>
                   </m:oMath>
@@ -8407,18 +8700,10 @@
               </a:p>
               <a:p>
                 <a:r>
-                  <a:rPr lang="zh-CN" altLang="en-US" dirty="0">
-                    <a:solidFill>
-                      <a:srgbClr val="FF0000"/>
-                    </a:solidFill>
-                  </a:rPr>
+                  <a:rPr lang="zh-CN" altLang="en-US" dirty="0"/>
                   <a:t>经验风险最小化</a:t>
                 </a:r>
-                <a:endParaRPr lang="en-US" altLang="zh-CN" dirty="0">
-                  <a:solidFill>
-                    <a:srgbClr val="FF0000"/>
-                  </a:solidFill>
-                </a:endParaRPr>
+                <a:endParaRPr lang="en-US" altLang="zh-CN" dirty="0"/>
               </a:p>
               <a:p>
                 <a:pPr lvl="1"/>
@@ -8428,15 +8713,7 @@
                 </a:r>
                 <a:r>
                   <a:rPr lang="en-US" altLang="zh-CN" dirty="0"/>
-                  <a:t>θ</a:t>
-                </a:r>
-                <a:r>
-                  <a:rPr lang="en-US" altLang="zh-CN" baseline="30000" dirty="0"/>
-                  <a:t>∗</a:t>
-                </a:r>
-                <a:r>
-                  <a:rPr lang="en-US" altLang="zh-CN" dirty="0"/>
-                  <a:t> </a:t>
+                  <a:t>θ∗ </a:t>
                 </a:r>
                 <a:r>
                   <a:rPr lang="zh-CN" altLang="en-US" dirty="0"/>
@@ -8448,29 +8725,15 @@
                 <a:endParaRPr lang="en-US" altLang="zh-CN" dirty="0"/>
               </a:p>
               <a:p>
-                <a:pPr marL="0" indent="0">
-                  <a:buNone/>
-                </a:pPr>
-                <a:endParaRPr lang="en-US" altLang="zh-CN" dirty="0"/>
-              </a:p>
-              <a:p>
                 <a:r>
                   <a:rPr lang="zh-CN" altLang="en-US" dirty="0"/>
-                  <a:t>机器学习问题转化成为一个</a:t>
-                </a:r>
-                <a:r>
-                  <a:rPr lang="zh-CN" altLang="en-US" dirty="0">
-                    <a:solidFill>
-                      <a:srgbClr val="FF0000"/>
-                    </a:solidFill>
-                  </a:rPr>
-                  <a:t>最优化问题</a:t>
+                  <a:t>机器学习问题转化成为一个最优化问题</a:t>
                 </a:r>
               </a:p>
             </p:txBody>
           </p:sp>
         </mc:Choice>
-        <mc:Fallback xmlns="">
+        <mc:Fallback>
           <p:sp>
             <p:nvSpPr>
               <p:cNvPr id="3" name="内容占位符 2"/>
@@ -8478,14 +8741,14 @@
                 <a:spLocks noGrp="1" noRot="1" noChangeAspect="1" noMove="1" noResize="1" noEditPoints="1" noAdjustHandles="1" noChangeArrowheads="1" noChangeShapeType="1" noTextEdit="1"/>
               </p:cNvSpPr>
               <p:nvPr>
-                <p:ph sz="quarter" idx="1"/>
+                <p:ph idx="1"/>
               </p:nvPr>
             </p:nvSpPr>
             <p:spPr>
               <a:blipFill>
-                <a:blip r:embed="rId4"/>
+                <a:blip r:embed="rId2"/>
                 <a:stretch>
-                  <a:fillRect l="-741" t="-1235" r="-963" b="-7284"/>
+                  <a:fillRect l="-778" t="-1466" r="-111"/>
                 </a:stretch>
               </a:blipFill>
             </p:spPr>
@@ -8513,7 +8776,7 @@
           <p:nvPr/>
         </p:nvPicPr>
         <p:blipFill>
-          <a:blip r:embed="rId5">
+          <a:blip r:embed="rId3">
             <a:extLst>
               <a:ext uri="{28A0092B-C50C-407E-A947-70E740481C1C}">
                 <a14:useLocalDpi xmlns:a14="http://schemas.microsoft.com/office/drawing/2010/main" val="0"/>
@@ -8543,7 +8806,7 @@
           <p:nvPr/>
         </p:nvPicPr>
         <p:blipFill>
-          <a:blip r:embed="rId6">
+          <a:blip r:embed="rId4">
             <a:extLst>
               <a:ext uri="{28A0092B-C50C-407E-A947-70E740481C1C}">
                 <a14:useLocalDpi xmlns:a14="http://schemas.microsoft.com/office/drawing/2010/main" val="0"/>
@@ -8616,9 +8879,10 @@
           <a:lstStyle/>
           <a:p>
             <a:r>
-              <a:rPr lang="zh-CN" altLang="en-US" dirty="0"/>
+              <a:rPr lang="zh-CN" altLang="en-US"/>
               <a:t>最优化问题</a:t>
             </a:r>
+            <a:endParaRPr lang="zh-CN" altLang="en-US" dirty="0"/>
           </a:p>
         </p:txBody>
       </p:sp>
@@ -8635,7 +8899,7 @@
             <a:spLocks noGrp="1"/>
           </p:cNvSpPr>
           <p:nvPr>
-            <p:ph sz="quarter" idx="1"/>
+            <p:ph idx="1"/>
           </p:nvPr>
         </p:nvSpPr>
         <p:spPr/>
@@ -8645,15 +8909,7 @@
           <a:p>
             <a:r>
               <a:rPr lang="zh-CN" altLang="en-US" dirty="0"/>
-              <a:t>机器学习问题转化成为一个</a:t>
-            </a:r>
-            <a:r>
-              <a:rPr lang="zh-CN" altLang="en-US" dirty="0">
-                <a:solidFill>
-                  <a:srgbClr val="FF0000"/>
-                </a:solidFill>
-              </a:rPr>
-              <a:t>最优化问题</a:t>
+              <a:t>机器学习问题转化成为一个最优化问题</a:t>
             </a:r>
           </a:p>
           <a:p>
@@ -9022,35 +9278,6 @@
       </p:sp>
       <p:pic>
         <p:nvPicPr>
-          <p:cNvPr id="4" name="内容占位符 3"/>
-          <p:cNvPicPr>
-            <a:picLocks noGrp="1" noChangeAspect="1"/>
-          </p:cNvPicPr>
-          <p:nvPr>
-            <p:ph sz="quarter" idx="1"/>
-          </p:nvPr>
-        </p:nvPicPr>
-        <p:blipFill>
-          <a:blip r:embed="rId2">
-            <a:extLst>
-              <a:ext uri="{28A0092B-C50C-407E-A947-70E740481C1C}">
-                <a14:useLocalDpi xmlns:a14="http://schemas.microsoft.com/office/drawing/2010/main"/>
-              </a:ext>
-            </a:extLst>
-          </a:blip>
-          <a:stretch>
-            <a:fillRect/>
-          </a:stretch>
-        </p:blipFill>
-        <p:spPr>
-          <a:xfrm>
-            <a:off x="4876800" y="3922745"/>
-            <a:ext cx="2786270" cy="2513106"/>
-          </a:xfrm>
-        </p:spPr>
-      </p:pic>
-      <p:pic>
-        <p:nvPicPr>
           <p:cNvPr id="8" name="Picture 2" descr="Goldilocks of learning rates">
             <a:extLst>
               <a:ext uri="{FF2B5EF4-FFF2-40B4-BE49-F238E27FC236}">
@@ -9064,7 +9291,7 @@
           <p:nvPr/>
         </p:nvPicPr>
         <p:blipFill>
-          <a:blip r:embed="rId3" cstate="print">
+          <a:blip r:embed="rId2" cstate="print">
             <a:extLst>
               <a:ext uri="{28A0092B-C50C-407E-A947-70E740481C1C}">
                 <a14:useLocalDpi xmlns:a14="http://schemas.microsoft.com/office/drawing/2010/main" val="0"/>
@@ -9078,7 +9305,7 @@
         </p:blipFill>
         <p:spPr bwMode="auto">
           <a:xfrm>
-            <a:off x="3429001" y="1333237"/>
+            <a:off x="5638800" y="2819400"/>
             <a:ext cx="6152827" cy="2386356"/>
           </a:xfrm>
           <a:prstGeom prst="rect">
@@ -9096,42 +9323,65 @@
           </a:extLst>
         </p:spPr>
       </p:pic>
-      <p:cxnSp>
-        <p:nvCxnSpPr>
-          <p:cNvPr id="5" name="直接连接符 4">
+      <p:pic>
+        <p:nvPicPr>
+          <p:cNvPr id="6" name="内容占位符 3">
             <a:extLst>
               <a:ext uri="{FF2B5EF4-FFF2-40B4-BE49-F238E27FC236}">
-                <a16:creationId xmlns:a16="http://schemas.microsoft.com/office/drawing/2014/main" id="{3CD3507E-4DC7-41BF-A0F6-5E7CF3B1F0D6}"/>
+                <a16:creationId xmlns:a16="http://schemas.microsoft.com/office/drawing/2014/main" id="{41890622-A37C-4A1F-8AB4-C55B4D319CBC}"/>
               </a:ext>
             </a:extLst>
           </p:cNvPr>
-          <p:cNvCxnSpPr/>
+          <p:cNvPicPr>
+            <a:picLocks noChangeAspect="1"/>
+          </p:cNvPicPr>
           <p:nvPr/>
-        </p:nvCxnSpPr>
-        <p:spPr>
+        </p:nvPicPr>
+        <p:blipFill>
+          <a:blip r:embed="rId3">
+            <a:extLst>
+              <a:ext uri="{28A0092B-C50C-407E-A947-70E740481C1C}">
+                <a14:useLocalDpi xmlns:a14="http://schemas.microsoft.com/office/drawing/2010/main"/>
+              </a:ext>
+            </a:extLst>
+          </a:blip>
+          <a:stretch>
+            <a:fillRect/>
+          </a:stretch>
+        </p:blipFill>
+        <p:spPr bwMode="auto">
           <a:xfrm>
-            <a:off x="2307535" y="3719593"/>
-            <a:ext cx="7772400" cy="0"/>
+            <a:off x="304800" y="1600200"/>
+            <a:ext cx="4705673" cy="4244332"/>
           </a:xfrm>
-          <a:prstGeom prst="line">
+          <a:prstGeom prst="rect">
             <a:avLst/>
           </a:prstGeom>
+          <a:noFill/>
+          <a:ln>
+            <a:noFill/>
+          </a:ln>
+          <a:extLst>
+            <a:ext uri="{909E8E84-426E-40DD-AFC4-6F175D3DCCD1}">
+              <a14:hiddenFill xmlns:a14="http://schemas.microsoft.com/office/drawing/2010/main">
+                <a:solidFill>
+                  <a:srgbClr val="FFFFFF"/>
+                </a:solidFill>
+              </a14:hiddenFill>
+            </a:ext>
+            <a:ext uri="{91240B29-F687-4F45-9708-019B960494DF}">
+              <a14:hiddenLine xmlns:a14="http://schemas.microsoft.com/office/drawing/2010/main" w="9525">
+                <a:solidFill>
+                  <a:srgbClr val="000000"/>
+                </a:solidFill>
+                <a:miter lim="800000"/>
+                <a:headEnd/>
+                <a:tailEnd/>
+              </a14:hiddenLine>
+            </a:ext>
+          </a:extLst>
         </p:spPr>
-        <p:style>
-          <a:lnRef idx="1">
-            <a:schemeClr val="accent1"/>
-          </a:lnRef>
-          <a:fillRef idx="0">
-            <a:schemeClr val="accent1"/>
-          </a:fillRef>
-          <a:effectRef idx="0">
-            <a:schemeClr val="accent1"/>
-          </a:effectRef>
-          <a:fontRef idx="minor">
-            <a:schemeClr val="tx1"/>
-          </a:fontRef>
-        </p:style>
-      </p:cxnSp>
+      </p:pic>
     </p:spTree>
     <p:extLst>
       <p:ext uri="{BB962C8B-B14F-4D97-AF65-F5344CB8AC3E}">
@@ -9178,9 +9428,10 @@
           <a:lstStyle/>
           <a:p>
             <a:r>
-              <a:rPr lang="zh-CN" altLang="en-US" dirty="0"/>
+              <a:rPr lang="zh-CN" altLang="en-US"/>
               <a:t>随机梯度下降法</a:t>
             </a:r>
+            <a:endParaRPr lang="zh-CN" altLang="en-US" dirty="0"/>
           </a:p>
         </p:txBody>
       </p:sp>
@@ -9191,7 +9442,7 @@
             <a:spLocks noGrp="1"/>
           </p:cNvSpPr>
           <p:nvPr>
-            <p:ph sz="quarter" idx="1"/>
+            <p:ph idx="1"/>
           </p:nvPr>
         </p:nvSpPr>
         <p:spPr/>
@@ -9200,52 +9451,53 @@
           <a:lstStyle/>
           <a:p>
             <a:r>
-              <a:rPr lang="zh-CN" altLang="en-US" dirty="0"/>
+              <a:rPr lang="zh-CN" altLang="en-US"/>
               <a:t>随机梯度下降法（</a:t>
             </a:r>
             <a:r>
-              <a:rPr lang="en-US" altLang="zh-CN" dirty="0"/>
+              <a:rPr lang="en-US" altLang="zh-CN"/>
               <a:t>Stochastic Gradient Descent</a:t>
             </a:r>
             <a:r>
-              <a:rPr lang="zh-CN" altLang="en-US" dirty="0"/>
+              <a:rPr lang="zh-CN" altLang="en-US"/>
               <a:t>，</a:t>
             </a:r>
             <a:r>
-              <a:rPr lang="en-US" altLang="zh-CN" dirty="0"/>
+              <a:rPr lang="en-US" altLang="zh-CN"/>
               <a:t>SGD</a:t>
             </a:r>
             <a:r>
-              <a:rPr lang="zh-CN" altLang="en-US" dirty="0"/>
+              <a:rPr lang="zh-CN" altLang="en-US"/>
               <a:t>）也叫增量梯度下降，每个样本都进行更新</a:t>
             </a:r>
-            <a:endParaRPr lang="en-US" altLang="zh-CN" dirty="0"/>
-          </a:p>
-          <a:p>
-            <a:endParaRPr lang="en-US" altLang="zh-CN" dirty="0"/>
-          </a:p>
-          <a:p>
-            <a:endParaRPr lang="en-US" altLang="zh-CN" dirty="0"/>
-          </a:p>
-          <a:p>
-            <a:endParaRPr lang="en-US" altLang="zh-CN" dirty="0"/>
-          </a:p>
-          <a:p>
-            <a:endParaRPr lang="en-US" altLang="zh-CN" dirty="0"/>
-          </a:p>
-          <a:p>
-            <a:r>
-              <a:rPr lang="zh-CN" altLang="en-US" dirty="0"/>
+            <a:endParaRPr lang="en-US" altLang="zh-CN"/>
+          </a:p>
+          <a:p>
+            <a:endParaRPr lang="en-US" altLang="zh-CN"/>
+          </a:p>
+          <a:p>
+            <a:endParaRPr lang="en-US" altLang="zh-CN"/>
+          </a:p>
+          <a:p>
+            <a:endParaRPr lang="en-US" altLang="zh-CN"/>
+          </a:p>
+          <a:p>
+            <a:endParaRPr lang="en-US" altLang="zh-CN"/>
+          </a:p>
+          <a:p>
+            <a:r>
+              <a:rPr lang="zh-CN" altLang="en-US"/>
               <a:t>小批量（</a:t>
             </a:r>
             <a:r>
-              <a:rPr lang="en-US" altLang="zh-CN" dirty="0"/>
+              <a:rPr lang="en-US" altLang="zh-CN"/>
               <a:t>Mini-Batch</a:t>
             </a:r>
             <a:r>
-              <a:rPr lang="zh-CN" altLang="en-US" dirty="0"/>
+              <a:rPr lang="zh-CN" altLang="en-US"/>
               <a:t>）随机梯度下降法</a:t>
             </a:r>
+            <a:endParaRPr lang="zh-CN" altLang="en-US" dirty="0"/>
           </a:p>
         </p:txBody>
       </p:sp>
@@ -9271,7 +9523,7 @@
         </p:blipFill>
         <p:spPr>
           <a:xfrm>
-            <a:off x="3886201" y="2667000"/>
+            <a:off x="3886200" y="2438400"/>
             <a:ext cx="4219303" cy="914400"/>
           </a:xfrm>
           <a:prstGeom prst="rect">
@@ -9337,8 +9589,8 @@
         </p:blipFill>
         <p:spPr>
           <a:xfrm>
-            <a:off x="3124201" y="1752600"/>
-            <a:ext cx="5221559" cy="3211322"/>
+            <a:off x="1905000" y="952806"/>
+            <a:ext cx="8858351" cy="5447993"/>
           </a:xfrm>
           <a:prstGeom prst="rect">
             <a:avLst/>
@@ -9381,8 +9633,8 @@
         </p:nvSpPr>
         <p:spPr>
           <a:xfrm>
-            <a:off x="5486401" y="4267200"/>
-            <a:ext cx="152399" cy="497535"/>
+            <a:off x="5943601" y="5334000"/>
+            <a:ext cx="228599" cy="571194"/>
           </a:xfrm>
           <a:prstGeom prst="rect">
             <a:avLst/>
@@ -9686,17 +9938,18 @@
           <a:lstStyle/>
           <a:p>
             <a:r>
-              <a:rPr lang="zh-CN" altLang="en-US" dirty="0"/>
+              <a:rPr lang="zh-CN" altLang="en-US"/>
               <a:t>机器学习 </a:t>
             </a:r>
             <a:r>
-              <a:rPr lang="en-US" altLang="zh-CN" dirty="0"/>
+              <a:rPr lang="en-US" altLang="zh-CN"/>
               <a:t>= </a:t>
             </a:r>
             <a:r>
-              <a:rPr lang="zh-CN" altLang="en-US" dirty="0"/>
+              <a:rPr lang="zh-CN" altLang="en-US"/>
               <a:t>优化？</a:t>
             </a:r>
+            <a:endParaRPr lang="zh-CN" altLang="en-US" dirty="0"/>
           </a:p>
         </p:txBody>
       </p:sp>
@@ -11553,9 +11806,10 @@
           <a:lstStyle/>
           <a:p>
             <a:r>
-              <a:rPr lang="zh-CN" altLang="en-US" dirty="0"/>
+              <a:rPr lang="zh-CN" altLang="en-US"/>
               <a:t>教学内容</a:t>
             </a:r>
+            <a:endParaRPr lang="zh-CN" altLang="en-US" dirty="0"/>
           </a:p>
         </p:txBody>
       </p:sp>
@@ -11572,7 +11826,7 @@
             <a:spLocks noGrp="1"/>
           </p:cNvSpPr>
           <p:nvPr>
-            <p:ph sz="quarter" idx="1"/>
+            <p:ph idx="1"/>
           </p:nvPr>
         </p:nvSpPr>
         <p:spPr/>
@@ -11581,92 +11835,92 @@
           <a:lstStyle/>
           <a:p>
             <a:r>
-              <a:rPr lang="zh-CN" altLang="en-US" dirty="0"/>
+              <a:rPr lang="zh-CN" altLang="en-US"/>
               <a:t>机器学习</a:t>
             </a:r>
-            <a:endParaRPr lang="en-US" altLang="zh-CN" dirty="0"/>
+            <a:endParaRPr lang="en-US" altLang="zh-CN"/>
           </a:p>
           <a:p>
             <a:pPr lvl="1"/>
             <a:r>
-              <a:rPr lang="zh-CN" altLang="en-US" dirty="0"/>
+              <a:rPr lang="zh-CN" altLang="en-US"/>
               <a:t>概念</a:t>
             </a:r>
-            <a:endParaRPr lang="en-US" altLang="zh-CN" dirty="0"/>
+            <a:endParaRPr lang="en-US" altLang="zh-CN"/>
           </a:p>
           <a:p>
             <a:pPr lvl="1"/>
             <a:r>
-              <a:rPr lang="zh-CN" altLang="en-US" dirty="0"/>
+              <a:rPr lang="zh-CN" altLang="en-US"/>
               <a:t>原理</a:t>
             </a:r>
-            <a:endParaRPr lang="en-US" altLang="zh-CN" dirty="0"/>
-          </a:p>
-          <a:p>
-            <a:r>
-              <a:rPr lang="zh-CN" altLang="en-US" dirty="0"/>
+            <a:endParaRPr lang="en-US" altLang="zh-CN"/>
+          </a:p>
+          <a:p>
+            <a:r>
+              <a:rPr lang="zh-CN" altLang="en-US"/>
               <a:t>线性回归</a:t>
             </a:r>
-            <a:endParaRPr lang="en-US" altLang="zh-CN" dirty="0"/>
+            <a:endParaRPr lang="en-US" altLang="zh-CN"/>
           </a:p>
           <a:p>
             <a:pPr lvl="1"/>
             <a:r>
-              <a:rPr lang="zh-CN" altLang="en-US" dirty="0"/>
+              <a:rPr lang="zh-CN" altLang="en-US"/>
               <a:t>定义</a:t>
             </a:r>
-            <a:endParaRPr lang="en-US" altLang="zh-CN" dirty="0"/>
+            <a:endParaRPr lang="en-US" altLang="zh-CN"/>
           </a:p>
           <a:p>
             <a:pPr lvl="1"/>
             <a:r>
-              <a:rPr lang="zh-CN" altLang="en-US" dirty="0"/>
+              <a:rPr lang="zh-CN" altLang="en-US"/>
               <a:t>经验风险最小化</a:t>
             </a:r>
-            <a:endParaRPr lang="en-US" altLang="zh-CN" dirty="0"/>
+            <a:endParaRPr lang="en-US" altLang="zh-CN"/>
           </a:p>
           <a:p>
             <a:pPr lvl="2"/>
             <a:r>
-              <a:rPr lang="zh-CN" altLang="en-US" dirty="0"/>
+              <a:rPr lang="zh-CN" altLang="en-US"/>
               <a:t>最小均方误差</a:t>
             </a:r>
-            <a:endParaRPr lang="en-US" altLang="zh-CN" dirty="0"/>
+            <a:endParaRPr lang="en-US" altLang="zh-CN"/>
           </a:p>
           <a:p>
             <a:pPr lvl="1"/>
             <a:r>
-              <a:rPr lang="zh-CN" altLang="en-US" dirty="0"/>
+              <a:rPr lang="zh-CN" altLang="en-US"/>
               <a:t>结构风险最小化</a:t>
             </a:r>
-            <a:endParaRPr lang="en-US" altLang="zh-CN" dirty="0"/>
+            <a:endParaRPr lang="en-US" altLang="zh-CN"/>
           </a:p>
           <a:p>
             <a:pPr lvl="1"/>
             <a:r>
-              <a:rPr lang="zh-CN" altLang="en-US" dirty="0"/>
+              <a:rPr lang="zh-CN" altLang="en-US"/>
               <a:t>最大似然估计</a:t>
             </a:r>
-            <a:endParaRPr lang="en-US" altLang="zh-CN" dirty="0"/>
+            <a:endParaRPr lang="en-US" altLang="zh-CN"/>
           </a:p>
           <a:p>
             <a:pPr lvl="1"/>
             <a:r>
-              <a:rPr lang="zh-CN" altLang="en-US" dirty="0"/>
+              <a:rPr lang="zh-CN" altLang="en-US"/>
               <a:t>最大后验估计</a:t>
             </a:r>
-            <a:endParaRPr lang="en-US" altLang="zh-CN" dirty="0"/>
-          </a:p>
-          <a:p>
-            <a:r>
-              <a:rPr lang="zh-CN" altLang="en-US" dirty="0"/>
+            <a:endParaRPr lang="en-US" altLang="zh-CN"/>
+          </a:p>
+          <a:p>
+            <a:r>
+              <a:rPr lang="zh-CN" altLang="en-US"/>
               <a:t>机器学习的几个关键点</a:t>
             </a:r>
-            <a:endParaRPr lang="en-US" altLang="zh-CN" dirty="0"/>
+            <a:endParaRPr lang="en-US" altLang="zh-CN"/>
           </a:p>
           <a:p>
             <a:pPr lvl="1"/>
-            <a:endParaRPr lang="en-US" altLang="zh-CN" dirty="0"/>
+            <a:endParaRPr lang="en-US" altLang="zh-CN"/>
           </a:p>
           <a:p>
             <a:pPr lvl="1"/>
@@ -11733,7 +11987,7 @@
             <a:spLocks noGrp="1"/>
           </p:cNvSpPr>
           <p:nvPr>
-            <p:ph sz="quarter" idx="1"/>
+            <p:ph idx="1"/>
           </p:nvPr>
         </p:nvSpPr>
         <p:spPr/>
@@ -11784,8 +12038,8 @@
         </p:blipFill>
         <p:spPr>
           <a:xfrm>
-            <a:off x="4267201" y="3124201"/>
-            <a:ext cx="3382775" cy="2616511"/>
+            <a:off x="3733800" y="2598563"/>
+            <a:ext cx="4876800" cy="3772111"/>
           </a:xfrm>
           <a:prstGeom prst="rect">
             <a:avLst/>
@@ -12326,9 +12580,10 @@
           <a:lstStyle/>
           <a:p>
             <a:r>
-              <a:rPr lang="zh-CN" altLang="en-US" dirty="0"/>
+              <a:rPr lang="zh-CN" altLang="en-US"/>
               <a:t>矩阵微积分</a:t>
             </a:r>
+            <a:endParaRPr lang="zh-CN" altLang="en-US" dirty="0"/>
           </a:p>
         </p:txBody>
       </p:sp>
@@ -12345,7 +12600,7 @@
             <a:spLocks noGrp="1"/>
           </p:cNvSpPr>
           <p:nvPr>
-            <p:ph sz="quarter" idx="1"/>
+            <p:ph idx="1"/>
           </p:nvPr>
         </p:nvSpPr>
         <p:spPr/>
@@ -12370,9 +12625,6 @@
               <a:rPr lang="zh-CN" altLang="en-US" dirty="0"/>
               <a:t>向量关于向量的偏导数</a:t>
             </a:r>
-            <a:endParaRPr lang="en-US" altLang="zh-CN" dirty="0"/>
-          </a:p>
-          <a:p>
             <a:endParaRPr lang="en-US" altLang="zh-CN" dirty="0"/>
           </a:p>
           <a:p>
@@ -12417,8 +12669,8 @@
         </p:blipFill>
         <p:spPr>
           <a:xfrm>
-            <a:off x="4343400" y="1905000"/>
-            <a:ext cx="1964923" cy="593287"/>
+            <a:off x="5410200" y="1108932"/>
+            <a:ext cx="2636519" cy="796068"/>
           </a:xfrm>
           <a:prstGeom prst="rect">
             <a:avLst/>
@@ -12453,8 +12705,8 @@
         </p:blipFill>
         <p:spPr>
           <a:xfrm>
-            <a:off x="5029200" y="5029200"/>
-            <a:ext cx="1219232" cy="1562141"/>
+            <a:off x="5329869" y="4648200"/>
+            <a:ext cx="1400361" cy="1794213"/>
           </a:xfrm>
           <a:prstGeom prst="rect">
             <a:avLst/>
@@ -12489,8 +12741,8 @@
         </p:blipFill>
         <p:spPr>
           <a:xfrm>
-            <a:off x="4252966" y="3276600"/>
-            <a:ext cx="2498337" cy="1491382"/>
+            <a:off x="5410200" y="2633330"/>
+            <a:ext cx="2841404" cy="1696176"/>
           </a:xfrm>
           <a:prstGeom prst="rect">
             <a:avLst/>
@@ -12568,7 +12820,7 @@
             <a:spLocks noGrp="1"/>
           </p:cNvSpPr>
           <p:nvPr>
-            <p:ph sz="quarter" idx="1"/>
+            <p:ph idx="1"/>
           </p:nvPr>
         </p:nvSpPr>
         <p:spPr/>
@@ -12813,7 +13065,7 @@
             <a:spLocks noGrp="1"/>
           </p:cNvSpPr>
           <p:nvPr>
-            <p:ph sz="quarter" idx="1"/>
+            <p:ph idx="1"/>
           </p:nvPr>
         </p:nvSpPr>
         <p:spPr/>
@@ -13061,7 +13313,7 @@
             <a:spLocks noGrp="1"/>
           </p:cNvSpPr>
           <p:nvPr>
-            <p:ph sz="quarter" idx="1"/>
+            <p:ph idx="1"/>
           </p:nvPr>
         </p:nvSpPr>
         <p:spPr/>
@@ -13294,73 +13546,18 @@
           <a:lstStyle/>
           <a:p>
             <a:r>
-              <a:rPr lang="zh-CN" altLang="en-US" dirty="0"/>
+              <a:rPr lang="zh-CN" altLang="en-US"/>
               <a:t>机器学习 </a:t>
             </a:r>
             <a:r>
-              <a:rPr lang="en-US" altLang="zh-TW" dirty="0"/>
+              <a:rPr lang="en-US" altLang="zh-TW"/>
               <a:t>≈ </a:t>
             </a:r>
             <a:r>
-              <a:rPr lang="zh-CN" altLang="en-US" dirty="0"/>
+              <a:rPr lang="zh-CN" altLang="en-US"/>
               <a:t>构建一个映射函数</a:t>
             </a:r>
             <a:endParaRPr lang="zh-TW" altLang="en-US" dirty="0"/>
-          </a:p>
-        </p:txBody>
-      </p:sp>
-      <p:sp>
-        <p:nvSpPr>
-          <p:cNvPr id="3" name="內容版面配置區 2"/>
-          <p:cNvSpPr>
-            <a:spLocks noGrp="1"/>
-          </p:cNvSpPr>
-          <p:nvPr>
-            <p:ph sz="quarter" idx="1"/>
-          </p:nvPr>
-        </p:nvSpPr>
-        <p:spPr/>
-        <p:txBody>
-          <a:bodyPr>
-            <a:normAutofit/>
-          </a:bodyPr>
-          <a:lstStyle/>
-          <a:p>
-            <a:r>
-              <a:rPr lang="zh-CN" altLang="en-US" sz="3600" dirty="0"/>
-              <a:t>语音识别</a:t>
-            </a:r>
-            <a:endParaRPr lang="en-US" altLang="zh-TW" sz="3600" dirty="0"/>
-          </a:p>
-          <a:p>
-            <a:endParaRPr lang="en-US" altLang="zh-TW" sz="3600" dirty="0"/>
-          </a:p>
-          <a:p>
-            <a:r>
-              <a:rPr lang="zh-CN" altLang="en-US" sz="3600" dirty="0"/>
-              <a:t>图像识别</a:t>
-            </a:r>
-            <a:endParaRPr lang="en-US" altLang="zh-TW" sz="3600" dirty="0"/>
-          </a:p>
-          <a:p>
-            <a:endParaRPr lang="en-US" altLang="zh-TW" sz="3600" dirty="0"/>
-          </a:p>
-          <a:p>
-            <a:r>
-              <a:rPr lang="zh-CN" altLang="en-US" sz="3600" dirty="0"/>
-              <a:t>围棋</a:t>
-            </a:r>
-            <a:endParaRPr lang="en-US" altLang="zh-CN" sz="3600" dirty="0"/>
-          </a:p>
-          <a:p>
-            <a:endParaRPr lang="en-US" altLang="zh-TW" sz="3600" dirty="0"/>
-          </a:p>
-          <a:p>
-            <a:r>
-              <a:rPr lang="zh-CN" altLang="en-US" sz="3600" dirty="0"/>
-              <a:t>对话系统</a:t>
-            </a:r>
-            <a:endParaRPr lang="zh-TW" altLang="en-US" sz="3600" dirty="0"/>
           </a:p>
         </p:txBody>
       </p:sp>
@@ -13371,18 +13568,22 @@
             <a:graphicFrameLocks noChangeAspect="1"/>
           </p:cNvGraphicFramePr>
           <p:nvPr>
-            <p:extLst/>
+            <p:extLst>
+              <p:ext uri="{D42A27DB-BD31-4B8C-83A1-F6EECF244321}">
+                <p14:modId xmlns:p14="http://schemas.microsoft.com/office/powerpoint/2010/main" val="648749179"/>
+              </p:ext>
+            </p:extLst>
           </p:nvPr>
         </p:nvGraphicFramePr>
         <p:xfrm>
-          <a:off x="3553665" y="1823151"/>
+          <a:off x="3544914" y="1357635"/>
           <a:ext cx="3822700" cy="460375"/>
         </p:xfrm>
         <a:graphic>
           <a:graphicData uri="http://schemas.openxmlformats.org/presentationml/2006/ole">
             <mc:AlternateContent xmlns:mc="http://schemas.openxmlformats.org/markup-compatibility/2006">
               <mc:Choice xmlns:v="urn:schemas-microsoft-com:vml" Requires="v">
-                <p:oleObj spid="_x0000_s1614" name="方程式" r:id="rId3" imgW="1790640" imgH="215640" progId="Equation.3">
+                <p:oleObj spid="_x0000_s1682" name="方程式" r:id="rId3" imgW="1790640" imgH="215640" progId="Equation.3">
                   <p:embed/>
                 </p:oleObj>
               </mc:Choice>
@@ -13406,7 +13607,7 @@
                     </p:blipFill>
                     <p:spPr bwMode="auto">
                       <a:xfrm>
-                        <a:off x="3553665" y="1823151"/>
+                        <a:off x="3544914" y="1357635"/>
                         <a:ext cx="3822700" cy="460375"/>
                       </a:xfrm>
                       <a:prstGeom prst="rect">
@@ -13437,18 +13638,22 @@
             <a:graphicFrameLocks noChangeAspect="1"/>
           </p:cNvGraphicFramePr>
           <p:nvPr>
-            <p:extLst/>
+            <p:extLst>
+              <p:ext uri="{D42A27DB-BD31-4B8C-83A1-F6EECF244321}">
+                <p14:modId xmlns:p14="http://schemas.microsoft.com/office/powerpoint/2010/main" val="181177167"/>
+              </p:ext>
+            </p:extLst>
           </p:nvPr>
         </p:nvGraphicFramePr>
         <p:xfrm>
-          <a:off x="3505200" y="3191521"/>
+          <a:off x="3483196" y="2422668"/>
           <a:ext cx="3822700" cy="460375"/>
         </p:xfrm>
         <a:graphic>
           <a:graphicData uri="http://schemas.openxmlformats.org/presentationml/2006/ole">
             <mc:AlternateContent xmlns:mc="http://schemas.openxmlformats.org/markup-compatibility/2006">
               <mc:Choice xmlns:v="urn:schemas-microsoft-com:vml" Requires="v">
-                <p:oleObj spid="_x0000_s1615" name="方程式" r:id="rId5" imgW="1790640" imgH="215640" progId="Equation.3">
+                <p:oleObj spid="_x0000_s1683" name="方程式" r:id="rId5" imgW="1790640" imgH="215640" progId="Equation.3">
                   <p:embed/>
                 </p:oleObj>
               </mc:Choice>
@@ -13472,7 +13677,7 @@
                     </p:blipFill>
                     <p:spPr bwMode="auto">
                       <a:xfrm>
-                        <a:off x="3505200" y="3191521"/>
+                        <a:off x="3483196" y="2422668"/>
                         <a:ext cx="3822700" cy="460375"/>
                       </a:xfrm>
                       <a:prstGeom prst="rect">
@@ -13503,18 +13708,22 @@
             <a:graphicFrameLocks noChangeAspect="1"/>
           </p:cNvGraphicFramePr>
           <p:nvPr>
-            <p:extLst/>
+            <p:extLst>
+              <p:ext uri="{D42A27DB-BD31-4B8C-83A1-F6EECF244321}">
+                <p14:modId xmlns:p14="http://schemas.microsoft.com/office/powerpoint/2010/main" val="1857636291"/>
+              </p:ext>
+            </p:extLst>
           </p:nvPr>
         </p:nvGraphicFramePr>
         <p:xfrm>
-          <a:off x="3505200" y="4269455"/>
+          <a:off x="3461931" y="3575606"/>
           <a:ext cx="3822700" cy="460375"/>
         </p:xfrm>
         <a:graphic>
           <a:graphicData uri="http://schemas.openxmlformats.org/presentationml/2006/ole">
             <mc:AlternateContent xmlns:mc="http://schemas.openxmlformats.org/markup-compatibility/2006">
               <mc:Choice xmlns:v="urn:schemas-microsoft-com:vml" Requires="v">
-                <p:oleObj spid="_x0000_s1616" name="方程式" r:id="rId6" imgW="1790640" imgH="215640" progId="Equation.3">
+                <p:oleObj spid="_x0000_s1684" name="方程式" r:id="rId6" imgW="1790640" imgH="215640" progId="Equation.3">
                   <p:embed/>
                 </p:oleObj>
               </mc:Choice>
@@ -13538,7 +13747,7 @@
                     </p:blipFill>
                     <p:spPr bwMode="auto">
                       <a:xfrm>
-                        <a:off x="3505200" y="4269455"/>
+                        <a:off x="3461931" y="3575606"/>
                         <a:ext cx="3822700" cy="460375"/>
                       </a:xfrm>
                       <a:prstGeom prst="rect">
@@ -13569,18 +13778,22 @@
             <a:graphicFrameLocks noChangeAspect="1"/>
           </p:cNvGraphicFramePr>
           <p:nvPr>
-            <p:extLst/>
+            <p:extLst>
+              <p:ext uri="{D42A27DB-BD31-4B8C-83A1-F6EECF244321}">
+                <p14:modId xmlns:p14="http://schemas.microsoft.com/office/powerpoint/2010/main" val="3017081517"/>
+              </p:ext>
+            </p:extLst>
           </p:nvPr>
         </p:nvGraphicFramePr>
         <p:xfrm>
-          <a:off x="3536030" y="5504932"/>
+          <a:off x="3381483" y="4768046"/>
           <a:ext cx="3578225" cy="460375"/>
         </p:xfrm>
         <a:graphic>
           <a:graphicData uri="http://schemas.openxmlformats.org/presentationml/2006/ole">
             <mc:AlternateContent xmlns:mc="http://schemas.openxmlformats.org/markup-compatibility/2006">
               <mc:Choice xmlns:v="urn:schemas-microsoft-com:vml" Requires="v">
-                <p:oleObj spid="_x0000_s1617" name="方程式" r:id="rId7" imgW="1676160" imgH="215640" progId="Equation.3">
+                <p:oleObj spid="_x0000_s1685" name="方程式" r:id="rId7" imgW="1676160" imgH="215640" progId="Equation.3">
                   <p:embed/>
                 </p:oleObj>
               </mc:Choice>
@@ -13604,7 +13817,7 @@
                     </p:blipFill>
                     <p:spPr bwMode="auto">
                       <a:xfrm>
-                        <a:off x="3536030" y="5504932"/>
+                        <a:off x="3381483" y="4768046"/>
                         <a:ext cx="3578225" cy="460375"/>
                       </a:xfrm>
                       <a:prstGeom prst="rect">
@@ -13636,7 +13849,7 @@
         </p:nvSpPr>
         <p:spPr>
           <a:xfrm>
-            <a:off x="7327900" y="3160097"/>
+            <a:off x="7305896" y="2391244"/>
             <a:ext cx="947054" cy="523220"/>
           </a:xfrm>
           <a:prstGeom prst="rect">
@@ -13674,7 +13887,7 @@
         </p:nvSpPr>
         <p:spPr>
           <a:xfrm>
-            <a:off x="7376365" y="1791967"/>
+            <a:off x="7367614" y="1326451"/>
             <a:ext cx="2898395" cy="523220"/>
           </a:xfrm>
           <a:prstGeom prst="rect">
@@ -13712,7 +13925,7 @@
         </p:nvSpPr>
         <p:spPr>
           <a:xfrm>
-            <a:off x="7327901" y="4211765"/>
+            <a:off x="7284632" y="3517916"/>
             <a:ext cx="1239914" cy="523220"/>
           </a:xfrm>
           <a:prstGeom prst="rect">
@@ -13742,7 +13955,7 @@
         </p:nvSpPr>
         <p:spPr>
           <a:xfrm>
-            <a:off x="7483708" y="5523781"/>
+            <a:off x="7329161" y="4786895"/>
             <a:ext cx="3031893" cy="523220"/>
           </a:xfrm>
           <a:prstGeom prst="rect">
@@ -13794,7 +14007,7 @@
         </p:blipFill>
         <p:spPr>
           <a:xfrm>
-            <a:off x="4047351" y="1766681"/>
+            <a:off x="4038600" y="1301165"/>
             <a:ext cx="2921108" cy="516844"/>
           </a:xfrm>
           <a:prstGeom prst="rect">
@@ -13810,7 +14023,7 @@
         </p:nvSpPr>
         <p:spPr>
           <a:xfrm>
-            <a:off x="3975141" y="5458130"/>
+            <a:off x="3820594" y="4721244"/>
             <a:ext cx="2659840" cy="523220"/>
           </a:xfrm>
           <a:prstGeom prst="rect">
@@ -13863,7 +14076,7 @@
         </p:blipFill>
         <p:spPr bwMode="auto">
           <a:xfrm>
-            <a:off x="4832699" y="4094918"/>
+            <a:off x="4789430" y="3401069"/>
             <a:ext cx="1144109" cy="858082"/>
           </a:xfrm>
           <a:prstGeom prst="rect">
@@ -13994,7 +14207,7 @@
         </p:blipFill>
         <p:spPr bwMode="auto">
           <a:xfrm>
-            <a:off x="4873643" y="3046564"/>
+            <a:off x="4851639" y="2277711"/>
             <a:ext cx="1106043" cy="839637"/>
           </a:xfrm>
           <a:prstGeom prst="rect">
@@ -14020,7 +14233,7 @@
         </p:nvSpPr>
         <p:spPr>
           <a:xfrm>
-            <a:off x="8124848" y="4242543"/>
+            <a:off x="8081579" y="3548694"/>
             <a:ext cx="2543153" cy="461665"/>
           </a:xfrm>
           <a:prstGeom prst="rect">
@@ -14048,6 +14261,288 @@
               <a:t>)</a:t>
             </a:r>
             <a:endParaRPr lang="zh-TW" altLang="en-US" sz="2400" dirty="0"/>
+          </a:p>
+        </p:txBody>
+      </p:sp>
+      <p:sp>
+        <p:nvSpPr>
+          <p:cNvPr id="21" name="內容版面配置區 2">
+            <a:extLst>
+              <a:ext uri="{FF2B5EF4-FFF2-40B4-BE49-F238E27FC236}">
+                <a16:creationId xmlns:a16="http://schemas.microsoft.com/office/drawing/2014/main" id="{911A55F3-5FAC-4AEE-87B0-9B03C25086C0}"/>
+              </a:ext>
+            </a:extLst>
+          </p:cNvPr>
+          <p:cNvSpPr txBox="1">
+            <a:spLocks/>
+          </p:cNvSpPr>
+          <p:nvPr/>
+        </p:nvSpPr>
+        <p:spPr bwMode="auto">
+          <a:xfrm>
+            <a:off x="709897" y="1109876"/>
+            <a:ext cx="2773299" cy="4937125"/>
+          </a:xfrm>
+          <a:prstGeom prst="rect">
+            <a:avLst/>
+          </a:prstGeom>
+          <a:noFill/>
+          <a:ln>
+            <a:noFill/>
+          </a:ln>
+          <a:extLst>
+            <a:ext uri="{909E8E84-426E-40DD-AFC4-6F175D3DCCD1}">
+              <a14:hiddenFill xmlns:a14="http://schemas.microsoft.com/office/drawing/2010/main">
+                <a:solidFill>
+                  <a:srgbClr val="FFFFFF"/>
+                </a:solidFill>
+              </a14:hiddenFill>
+            </a:ext>
+            <a:ext uri="{91240B29-F687-4F45-9708-019B960494DF}">
+              <a14:hiddenLine xmlns:a14="http://schemas.microsoft.com/office/drawing/2010/main" w="9525">
+                <a:solidFill>
+                  <a:srgbClr val="000000"/>
+                </a:solidFill>
+                <a:miter lim="800000"/>
+                <a:headEnd/>
+                <a:tailEnd/>
+              </a14:hiddenLine>
+            </a:ext>
+          </a:extLst>
+        </p:spPr>
+        <p:txBody>
+          <a:bodyPr vert="horz" wrap="square" lIns="91440" tIns="45720" rIns="91440" bIns="45720" numCol="1" anchor="t" anchorCtr="0" compatLnSpc="1">
+            <a:prstTxWarp prst="textNoShape">
+              <a:avLst/>
+            </a:prstTxWarp>
+            <a:normAutofit/>
+          </a:bodyPr>
+          <a:lstStyle>
+            <a:lvl1pPr marL="153591" indent="-153591" algn="l" rtl="0" eaLnBrk="1" fontAlgn="base" hangingPunct="1">
+              <a:spcBef>
+                <a:spcPts val="338"/>
+              </a:spcBef>
+              <a:spcAft>
+                <a:spcPct val="0"/>
+              </a:spcAft>
+              <a:buClr>
+                <a:srgbClr val="000000"/>
+              </a:buClr>
+              <a:buSzPct val="76000"/>
+              <a:buFont typeface="Wingdings 3" panose="05040102010807070707" pitchFamily="18" charset="2"/>
+              <a:buChar char=""/>
+              <a:defRPr lang="en-US" altLang="zh-CN" sz="3200" kern="1200" baseline="0" dirty="0" smtClean="0">
+                <a:solidFill>
+                  <a:srgbClr val="C00000"/>
+                </a:solidFill>
+                <a:latin typeface="+mn-lt"/>
+                <a:ea typeface="+mn-ea"/>
+                <a:cs typeface="Arial" panose="020B0604020202020204" pitchFamily="34" charset="0"/>
+              </a:defRPr>
+            </a:lvl1pPr>
+            <a:lvl2pPr marL="308075" indent="-153591" algn="l" rtl="0" eaLnBrk="1" fontAlgn="base" hangingPunct="1">
+              <a:spcBef>
+                <a:spcPts val="281"/>
+              </a:spcBef>
+              <a:spcAft>
+                <a:spcPct val="0"/>
+              </a:spcAft>
+              <a:buClr>
+                <a:srgbClr val="000000"/>
+              </a:buClr>
+              <a:buSzPct val="76000"/>
+              <a:buFont typeface="Wingdings 3" panose="05040102010807070707" pitchFamily="18" charset="2"/>
+              <a:buChar char=""/>
+              <a:defRPr sz="2800" kern="1200" baseline="0">
+                <a:solidFill>
+                  <a:srgbClr val="000000"/>
+                </a:solidFill>
+                <a:latin typeface="+mn-lt"/>
+                <a:ea typeface="+mn-ea"/>
+                <a:cs typeface="+mn-cs"/>
+              </a:defRPr>
+            </a:lvl2pPr>
+            <a:lvl3pPr marL="462558" indent="-128588" algn="l" rtl="0" eaLnBrk="1" fontAlgn="base" hangingPunct="1">
+              <a:spcBef>
+                <a:spcPts val="281"/>
+              </a:spcBef>
+              <a:spcAft>
+                <a:spcPct val="0"/>
+              </a:spcAft>
+              <a:buClr>
+                <a:srgbClr val="000000"/>
+              </a:buClr>
+              <a:buSzPct val="76000"/>
+              <a:buFont typeface="Wingdings 3" panose="05040102010807070707" pitchFamily="18" charset="2"/>
+              <a:buChar char=""/>
+              <a:defRPr sz="2400" kern="1200" baseline="0">
+                <a:solidFill>
+                  <a:schemeClr val="accent1"/>
+                </a:solidFill>
+                <a:latin typeface="+mn-lt"/>
+                <a:ea typeface="+mn-ea"/>
+                <a:cs typeface="+mn-cs"/>
+              </a:defRPr>
+            </a:lvl3pPr>
+            <a:lvl4pPr marL="617042" indent="-128588" algn="l" rtl="0" eaLnBrk="1" fontAlgn="base" hangingPunct="1">
+              <a:spcBef>
+                <a:spcPts val="225"/>
+              </a:spcBef>
+              <a:spcAft>
+                <a:spcPct val="0"/>
+              </a:spcAft>
+              <a:buClr>
+                <a:srgbClr val="CF5716"/>
+              </a:buClr>
+              <a:buSzPct val="70000"/>
+              <a:buFont typeface="Wingdings" panose="05000000000000000000" pitchFamily="2" charset="2"/>
+              <a:buChar char=""/>
+              <a:defRPr sz="2000" kern="1200" baseline="0">
+                <a:solidFill>
+                  <a:schemeClr val="tx1"/>
+                </a:solidFill>
+                <a:latin typeface="+mn-lt"/>
+                <a:ea typeface="+mn-ea"/>
+                <a:cs typeface="+mn-cs"/>
+              </a:defRPr>
+            </a:lvl4pPr>
+            <a:lvl5pPr marL="771525" indent="-128588" algn="l" rtl="0" eaLnBrk="1" fontAlgn="base" hangingPunct="1">
+              <a:spcBef>
+                <a:spcPts val="169"/>
+              </a:spcBef>
+              <a:spcAft>
+                <a:spcPct val="0"/>
+              </a:spcAft>
+              <a:buClr>
+                <a:schemeClr val="accent2"/>
+              </a:buClr>
+              <a:buSzPct val="70000"/>
+              <a:buFont typeface="Wingdings" panose="05000000000000000000" pitchFamily="2" charset="2"/>
+              <a:buChar char=""/>
+              <a:defRPr sz="1350" kern="1200" baseline="0">
+                <a:solidFill>
+                  <a:schemeClr val="tx1"/>
+                </a:solidFill>
+                <a:latin typeface="+mn-ea"/>
+                <a:ea typeface="+mn-ea"/>
+                <a:cs typeface="+mn-cs"/>
+              </a:defRPr>
+            </a:lvl5pPr>
+            <a:lvl6pPr marL="925830" indent="-102870" algn="l" rtl="0" eaLnBrk="1" latinLnBrk="0" hangingPunct="1">
+              <a:spcBef>
+                <a:spcPts val="169"/>
+              </a:spcBef>
+              <a:buClr>
+                <a:srgbClr val="9FB8CD">
+                  <a:shade val="75000"/>
+                </a:srgbClr>
+              </a:buClr>
+              <a:buSzPct val="75000"/>
+              <a:buFont typeface="Wingdings 3"/>
+              <a:buChar char=""/>
+              <a:defRPr kumimoji="0" lang="en-US" sz="900" kern="1200" smtClean="0">
+                <a:solidFill>
+                  <a:schemeClr val="tx1"/>
+                </a:solidFill>
+                <a:latin typeface="+mn-lt"/>
+                <a:ea typeface="+mn-ea"/>
+                <a:cs typeface="+mn-cs"/>
+              </a:defRPr>
+            </a:lvl6pPr>
+            <a:lvl7pPr marL="1028700" indent="-102870" algn="l" rtl="0" eaLnBrk="1" latinLnBrk="0" hangingPunct="1">
+              <a:spcBef>
+                <a:spcPts val="169"/>
+              </a:spcBef>
+              <a:buClr>
+                <a:srgbClr val="727CA3">
+                  <a:shade val="75000"/>
+                </a:srgbClr>
+              </a:buClr>
+              <a:buSzPct val="75000"/>
+              <a:buFont typeface="Wingdings 3"/>
+              <a:buChar char=""/>
+              <a:defRPr kumimoji="0" lang="en-US" sz="788" kern="1200" smtClean="0">
+                <a:solidFill>
+                  <a:schemeClr val="tx1"/>
+                </a:solidFill>
+                <a:latin typeface="+mn-lt"/>
+                <a:ea typeface="+mn-ea"/>
+                <a:cs typeface="+mn-cs"/>
+              </a:defRPr>
+            </a:lvl7pPr>
+            <a:lvl8pPr marL="1131570" indent="-102870" algn="l" rtl="0" eaLnBrk="1" latinLnBrk="0" hangingPunct="1">
+              <a:spcBef>
+                <a:spcPts val="169"/>
+              </a:spcBef>
+              <a:buClr>
+                <a:prstClr val="white">
+                  <a:shade val="50000"/>
+                </a:prstClr>
+              </a:buClr>
+              <a:buSzPct val="75000"/>
+              <a:buFont typeface="Wingdings 3"/>
+              <a:buChar char=""/>
+              <a:defRPr kumimoji="0" lang="en-US" sz="788" kern="1200" smtClean="0">
+                <a:solidFill>
+                  <a:schemeClr val="tx1"/>
+                </a:solidFill>
+                <a:latin typeface="+mn-lt"/>
+                <a:ea typeface="+mn-ea"/>
+                <a:cs typeface="+mn-cs"/>
+              </a:defRPr>
+            </a:lvl8pPr>
+            <a:lvl9pPr marL="1234440" indent="-102870" algn="l" rtl="0" eaLnBrk="1" latinLnBrk="0" hangingPunct="1">
+              <a:spcBef>
+                <a:spcPts val="169"/>
+              </a:spcBef>
+              <a:buClr>
+                <a:srgbClr val="9FB8CD"/>
+              </a:buClr>
+              <a:buSzPct val="75000"/>
+              <a:buFont typeface="Wingdings 3"/>
+              <a:buChar char=""/>
+              <a:defRPr kumimoji="0" lang="en-US" sz="675" kern="1200" smtClean="0">
+                <a:solidFill>
+                  <a:schemeClr val="tx1"/>
+                </a:solidFill>
+                <a:latin typeface="+mn-lt"/>
+                <a:ea typeface="+mn-ea"/>
+                <a:cs typeface="+mn-cs"/>
+              </a:defRPr>
+            </a:lvl9pPr>
+          </a:lstStyle>
+          <a:p>
+            <a:r>
+              <a:rPr lang="zh-CN" altLang="en-US" sz="3600" dirty="0"/>
+              <a:t>语音识别</a:t>
+            </a:r>
+          </a:p>
+          <a:p>
+            <a:endParaRPr lang="zh-CN" altLang="en-US" sz="3600" dirty="0"/>
+          </a:p>
+          <a:p>
+            <a:r>
+              <a:rPr lang="zh-CN" altLang="en-US" sz="3600" dirty="0"/>
+              <a:t>图像识别</a:t>
+            </a:r>
+          </a:p>
+          <a:p>
+            <a:endParaRPr lang="zh-CN" altLang="en-US" sz="3600" dirty="0"/>
+          </a:p>
+          <a:p>
+            <a:r>
+              <a:rPr lang="zh-CN" altLang="en-US" sz="3600" dirty="0"/>
+              <a:t>围棋</a:t>
+            </a:r>
+          </a:p>
+          <a:p>
+            <a:endParaRPr lang="zh-CN" altLang="en-US" sz="3600" dirty="0"/>
+          </a:p>
+          <a:p>
+            <a:r>
+              <a:rPr lang="zh-CN" altLang="en-US" sz="3600" dirty="0"/>
+              <a:t>对话系统</a:t>
+            </a:r>
           </a:p>
         </p:txBody>
       </p:sp>
@@ -14122,7 +14617,7 @@
             <a:spLocks noGrp="1"/>
           </p:cNvSpPr>
           <p:nvPr>
-            <p:ph sz="quarter" idx="1"/>
+            <p:ph idx="1"/>
           </p:nvPr>
         </p:nvSpPr>
         <p:spPr/>
@@ -14284,8 +14779,8 @@
         </p:blipFill>
         <p:spPr>
           <a:xfrm>
-            <a:off x="4191000" y="4437349"/>
-            <a:ext cx="3418204" cy="495313"/>
+            <a:off x="3871083" y="4437349"/>
+            <a:ext cx="3872973" cy="561211"/>
           </a:xfrm>
           <a:prstGeom prst="rect">
             <a:avLst/>
@@ -14396,10 +14891,10 @@
       </p:grpSpPr>
       <p:sp>
         <p:nvSpPr>
-          <p:cNvPr id="3" name="内容占位符 2">
+          <p:cNvPr id="2" name="标题 1">
             <a:extLst>
               <a:ext uri="{FF2B5EF4-FFF2-40B4-BE49-F238E27FC236}">
-                <a16:creationId xmlns:a16="http://schemas.microsoft.com/office/drawing/2014/main" id="{71549F39-C7A0-4345-8C66-D186757FDDD4}"/>
+                <a16:creationId xmlns:a16="http://schemas.microsoft.com/office/drawing/2014/main" id="{41168F84-99F9-4CF6-BD39-B9B9E4785996}"/>
               </a:ext>
             </a:extLst>
           </p:cNvPr>
@@ -14407,7 +14902,7 @@
             <a:spLocks noGrp="1"/>
           </p:cNvSpPr>
           <p:nvPr>
-            <p:ph sz="quarter" idx="1"/>
+            <p:ph type="title"/>
           </p:nvPr>
         </p:nvSpPr>
         <p:spPr/>
@@ -14416,159 +14911,189 @@
           <a:lstStyle/>
           <a:p>
             <a:r>
-              <a:rPr lang="zh-CN" altLang="en-US" dirty="0"/>
+              <a:rPr lang="zh-CN" altLang="en-US"/>
+              <a:t>概率的一些基本概念</a:t>
+            </a:r>
+            <a:endParaRPr lang="zh-CN" altLang="en-US" dirty="0"/>
+          </a:p>
+        </p:txBody>
+      </p:sp>
+      <p:sp>
+        <p:nvSpPr>
+          <p:cNvPr id="3" name="内容占位符 2">
+            <a:extLst>
+              <a:ext uri="{FF2B5EF4-FFF2-40B4-BE49-F238E27FC236}">
+                <a16:creationId xmlns:a16="http://schemas.microsoft.com/office/drawing/2014/main" id="{71549F39-C7A0-4345-8C66-D186757FDDD4}"/>
+              </a:ext>
+            </a:extLst>
+          </p:cNvPr>
+          <p:cNvSpPr>
+            <a:spLocks noGrp="1"/>
+          </p:cNvSpPr>
+          <p:nvPr>
+            <p:ph idx="1"/>
+          </p:nvPr>
+        </p:nvSpPr>
+        <p:spPr/>
+        <p:txBody>
+          <a:bodyPr/>
+          <a:lstStyle/>
+          <a:p>
+            <a:r>
+              <a:rPr lang="zh-CN" altLang="en-US"/>
               <a:t>伯努利分布（</a:t>
             </a:r>
             <a:r>
-              <a:rPr lang="en-US" altLang="zh-CN" dirty="0"/>
+              <a:rPr lang="en-US" altLang="zh-CN"/>
               <a:t>Bernoulli Distribution</a:t>
             </a:r>
             <a:r>
-              <a:rPr lang="zh-CN" altLang="en-US" dirty="0"/>
+              <a:rPr lang="zh-CN" altLang="en-US"/>
               <a:t>）</a:t>
             </a:r>
-            <a:endParaRPr lang="en-US" altLang="zh-CN" dirty="0"/>
+            <a:endParaRPr lang="en-US" altLang="zh-CN"/>
           </a:p>
           <a:p>
             <a:pPr lvl="1"/>
             <a:r>
-              <a:rPr lang="zh-CN" altLang="en-US" dirty="0"/>
+              <a:rPr lang="zh-CN" altLang="en-US"/>
               <a:t>在一次试验中，事件</a:t>
             </a:r>
             <a:r>
-              <a:rPr lang="en-US" altLang="zh-CN" dirty="0"/>
+              <a:rPr lang="en-US" altLang="zh-CN"/>
               <a:t>A</a:t>
             </a:r>
             <a:r>
-              <a:rPr lang="zh-CN" altLang="en-US" dirty="0"/>
+              <a:rPr lang="zh-CN" altLang="en-US"/>
               <a:t>出现的概率为</a:t>
             </a:r>
             <a:r>
-              <a:rPr lang="en-US" altLang="zh-CN" dirty="0"/>
+              <a:rPr lang="en-US" altLang="zh-CN"/>
               <a:t>µ</a:t>
             </a:r>
             <a:r>
-              <a:rPr lang="zh-CN" altLang="en-US" dirty="0"/>
+              <a:rPr lang="zh-CN" altLang="en-US"/>
               <a:t>，不出现的概率为</a:t>
             </a:r>
             <a:r>
-              <a:rPr lang="en-US" altLang="zh-CN" dirty="0"/>
+              <a:rPr lang="en-US" altLang="zh-CN"/>
               <a:t>1 − µ</a:t>
             </a:r>
             <a:r>
-              <a:rPr lang="zh-CN" altLang="en-US" dirty="0"/>
+              <a:rPr lang="zh-CN" altLang="en-US"/>
               <a:t>。若用变量</a:t>
             </a:r>
             <a:r>
-              <a:rPr lang="en-US" altLang="zh-CN" dirty="0"/>
+              <a:rPr lang="en-US" altLang="zh-CN"/>
               <a:t>X </a:t>
             </a:r>
             <a:r>
-              <a:rPr lang="zh-CN" altLang="en-US" dirty="0"/>
+              <a:rPr lang="zh-CN" altLang="en-US"/>
               <a:t>表示事件</a:t>
             </a:r>
             <a:r>
-              <a:rPr lang="en-US" altLang="zh-CN" dirty="0"/>
+              <a:rPr lang="en-US" altLang="zh-CN"/>
               <a:t>A</a:t>
             </a:r>
             <a:r>
-              <a:rPr lang="zh-CN" altLang="en-US" dirty="0"/>
+              <a:rPr lang="zh-CN" altLang="en-US"/>
               <a:t>出现的次数，则</a:t>
             </a:r>
             <a:r>
-              <a:rPr lang="en-US" altLang="zh-CN" dirty="0"/>
+              <a:rPr lang="en-US" altLang="zh-CN"/>
               <a:t>X </a:t>
             </a:r>
             <a:r>
-              <a:rPr lang="zh-CN" altLang="en-US" dirty="0"/>
+              <a:rPr lang="zh-CN" altLang="en-US"/>
               <a:t>的取值为</a:t>
             </a:r>
             <a:r>
-              <a:rPr lang="en-US" altLang="zh-CN" dirty="0"/>
+              <a:rPr lang="en-US" altLang="zh-CN"/>
               <a:t>0</a:t>
             </a:r>
             <a:r>
-              <a:rPr lang="zh-CN" altLang="en-US" dirty="0"/>
+              <a:rPr lang="zh-CN" altLang="en-US"/>
               <a:t>和</a:t>
             </a:r>
             <a:r>
-              <a:rPr lang="en-US" altLang="zh-CN" dirty="0"/>
+              <a:rPr lang="en-US" altLang="zh-CN"/>
               <a:t>1</a:t>
             </a:r>
             <a:r>
-              <a:rPr lang="zh-CN" altLang="en-US" dirty="0"/>
+              <a:rPr lang="zh-CN" altLang="en-US"/>
               <a:t>，其相应的分布为</a:t>
             </a:r>
-            <a:endParaRPr lang="en-US" altLang="zh-CN" dirty="0"/>
+            <a:endParaRPr lang="en-US" altLang="zh-CN"/>
           </a:p>
           <a:p>
             <a:pPr lvl="1"/>
-            <a:endParaRPr lang="en-US" altLang="zh-CN" dirty="0"/>
-          </a:p>
-          <a:p>
-            <a:endParaRPr lang="en-US" altLang="zh-CN" dirty="0"/>
-          </a:p>
-          <a:p>
-            <a:r>
-              <a:rPr lang="zh-CN" altLang="en-US" dirty="0"/>
+            <a:endParaRPr lang="en-US" altLang="zh-CN"/>
+          </a:p>
+          <a:p>
+            <a:endParaRPr lang="en-US" altLang="zh-CN"/>
+          </a:p>
+          <a:p>
+            <a:r>
+              <a:rPr lang="zh-CN" altLang="en-US"/>
               <a:t>二项分布（</a:t>
             </a:r>
             <a:r>
-              <a:rPr lang="en-US" altLang="zh-CN" dirty="0"/>
+              <a:rPr lang="en-US" altLang="zh-CN"/>
               <a:t>Binomial Distribution</a:t>
             </a:r>
             <a:r>
-              <a:rPr lang="zh-CN" altLang="en-US" dirty="0"/>
+              <a:rPr lang="zh-CN" altLang="en-US"/>
               <a:t>）</a:t>
             </a:r>
-            <a:endParaRPr lang="en-US" altLang="zh-CN" dirty="0"/>
+            <a:endParaRPr lang="en-US" altLang="zh-CN"/>
           </a:p>
           <a:p>
             <a:pPr lvl="1"/>
             <a:r>
-              <a:rPr lang="zh-CN" altLang="en-US" dirty="0"/>
+              <a:rPr lang="zh-CN" altLang="en-US"/>
               <a:t>在</a:t>
             </a:r>
             <a:r>
-              <a:rPr lang="en-US" altLang="zh-CN" dirty="0"/>
+              <a:rPr lang="en-US" altLang="zh-CN"/>
               <a:t>n</a:t>
             </a:r>
             <a:r>
-              <a:rPr lang="zh-CN" altLang="en-US" dirty="0"/>
+              <a:rPr lang="zh-CN" altLang="en-US"/>
               <a:t>次伯努利分布中，若以变量</a:t>
             </a:r>
             <a:r>
-              <a:rPr lang="en-US" altLang="zh-CN" dirty="0"/>
+              <a:rPr lang="en-US" altLang="zh-CN"/>
               <a:t>X </a:t>
             </a:r>
             <a:r>
-              <a:rPr lang="zh-CN" altLang="en-US" dirty="0"/>
+              <a:rPr lang="zh-CN" altLang="en-US"/>
               <a:t>表示事件</a:t>
             </a:r>
             <a:r>
-              <a:rPr lang="en-US" altLang="zh-CN" dirty="0"/>
+              <a:rPr lang="en-US" altLang="zh-CN"/>
               <a:t>A</a:t>
             </a:r>
             <a:r>
-              <a:rPr lang="zh-CN" altLang="en-US" dirty="0"/>
+              <a:rPr lang="zh-CN" altLang="en-US"/>
               <a:t>出现的次数，则</a:t>
             </a:r>
             <a:r>
-              <a:rPr lang="en-US" altLang="zh-CN" dirty="0"/>
+              <a:rPr lang="en-US" altLang="zh-CN"/>
               <a:t>X </a:t>
             </a:r>
             <a:r>
-              <a:rPr lang="zh-CN" altLang="en-US" dirty="0"/>
+              <a:rPr lang="zh-CN" altLang="en-US"/>
               <a:t>的取值为</a:t>
             </a:r>
             <a:r>
-              <a:rPr lang="en-US" altLang="zh-CN" dirty="0"/>
+              <a:rPr lang="en-US" altLang="zh-CN"/>
               <a:t>{0,… ,n}</a:t>
             </a:r>
             <a:r>
-              <a:rPr lang="zh-CN" altLang="en-US" dirty="0"/>
+              <a:rPr lang="zh-CN" altLang="en-US"/>
               <a:t>，其相应的分布</a:t>
             </a:r>
+            <a:endParaRPr lang="zh-CN" altLang="en-US" dirty="0"/>
           </a:p>
         </p:txBody>
       </p:sp>
@@ -14608,34 +15133,6 @@
           </a:prstGeom>
         </p:spPr>
       </p:pic>
-      <p:sp>
-        <p:nvSpPr>
-          <p:cNvPr id="2" name="标题 1">
-            <a:extLst>
-              <a:ext uri="{FF2B5EF4-FFF2-40B4-BE49-F238E27FC236}">
-                <a16:creationId xmlns:a16="http://schemas.microsoft.com/office/drawing/2014/main" id="{41168F84-99F9-4CF6-BD39-B9B9E4785996}"/>
-              </a:ext>
-            </a:extLst>
-          </p:cNvPr>
-          <p:cNvSpPr>
-            <a:spLocks noGrp="1"/>
-          </p:cNvSpPr>
-          <p:nvPr>
-            <p:ph type="title"/>
-          </p:nvPr>
-        </p:nvSpPr>
-        <p:spPr/>
-        <p:txBody>
-          <a:bodyPr/>
-          <a:lstStyle/>
-          <a:p>
-            <a:r>
-              <a:rPr lang="zh-CN" altLang="en-US" dirty="0"/>
-              <a:t>概率的一些基本概念</a:t>
-            </a:r>
-          </a:p>
-        </p:txBody>
-      </p:sp>
       <p:pic>
         <p:nvPicPr>
           <p:cNvPr id="11" name="图片 10">
@@ -14686,8 +15183,8 @@
         </p:nvSpPr>
         <p:spPr>
           <a:xfrm>
-            <a:off x="4547389" y="5658174"/>
-            <a:ext cx="4267344" cy="646331"/>
+            <a:off x="4547388" y="5658174"/>
+            <a:ext cx="6273012" cy="830997"/>
           </a:xfrm>
           <a:prstGeom prst="rect">
             <a:avLst/>
@@ -14700,7 +15197,7 @@
           <a:lstStyle/>
           <a:p>
             <a:r>
-              <a:rPr lang="zh-CN" altLang="en-US" dirty="0">
+              <a:rPr lang="zh-CN" altLang="en-US" sz="2400" dirty="0">
                 <a:solidFill>
                   <a:srgbClr val="FF0000"/>
                 </a:solidFill>
@@ -14783,7 +15280,7 @@
                 <a:spLocks noGrp="1"/>
               </p:cNvSpPr>
               <p:nvPr>
-                <p:ph sz="quarter" idx="1"/>
+                <p:ph idx="1"/>
               </p:nvPr>
             </p:nvSpPr>
             <p:spPr/>
@@ -15144,7 +15641,7 @@
             <a:spLocks noGrp="1"/>
           </p:cNvSpPr>
           <p:nvPr>
-            <p:ph sz="quarter" idx="1"/>
+            <p:ph idx="1"/>
           </p:nvPr>
         </p:nvSpPr>
         <p:spPr/>
@@ -17505,7 +18002,7 @@
                 <a:spLocks noGrp="1"/>
               </p:cNvSpPr>
               <p:nvPr>
-                <p:ph sz="quarter" idx="1"/>
+                <p:ph idx="1"/>
               </p:nvPr>
             </p:nvSpPr>
             <p:spPr/>
@@ -17848,7 +18345,7 @@
             <a:spLocks noGrp="1"/>
           </p:cNvSpPr>
           <p:nvPr>
-            <p:ph sz="quarter" idx="1"/>
+            <p:ph idx="1"/>
           </p:nvPr>
         </p:nvSpPr>
         <p:spPr/>
@@ -17993,9 +18490,10 @@
           <a:lstStyle/>
           <a:p>
             <a:r>
-              <a:rPr lang="zh-CN" altLang="en-US" sz="3200" dirty="0"/>
+              <a:rPr lang="zh-CN" altLang="en-US"/>
               <a:t>最大似然估计</a:t>
             </a:r>
+            <a:endParaRPr lang="zh-CN" altLang="en-US" dirty="0"/>
           </a:p>
         </p:txBody>
       </p:sp>
@@ -18012,7 +18510,7 @@
             <a:spLocks noGrp="1"/>
           </p:cNvSpPr>
           <p:nvPr>
-            <p:ph sz="quarter" idx="1"/>
+            <p:ph idx="1"/>
           </p:nvPr>
         </p:nvSpPr>
         <p:spPr/>
@@ -18021,57 +18519,50 @@
           <a:lstStyle/>
           <a:p>
             <a:r>
-              <a:rPr lang="zh-CN" altLang="en-US" dirty="0"/>
+              <a:rPr lang="zh-CN" altLang="en-US"/>
               <a:t>最大似然估计（</a:t>
             </a:r>
             <a:r>
-              <a:rPr lang="en-US" altLang="zh-CN" dirty="0"/>
+              <a:rPr lang="en-US" altLang="zh-CN"/>
               <a:t>Maximum Likelihood Estimate</a:t>
             </a:r>
             <a:r>
-              <a:rPr lang="zh-CN" altLang="en-US" dirty="0"/>
+              <a:rPr lang="zh-CN" altLang="en-US"/>
               <a:t>，</a:t>
             </a:r>
             <a:r>
-              <a:rPr lang="en-US" altLang="zh-CN" dirty="0"/>
+              <a:rPr lang="en-US" altLang="zh-CN"/>
               <a:t>MLE</a:t>
             </a:r>
             <a:r>
-              <a:rPr lang="zh-CN" altLang="en-US" dirty="0"/>
+              <a:rPr lang="zh-CN" altLang="en-US"/>
               <a:t>）</a:t>
             </a:r>
-            <a:endParaRPr lang="en-US" altLang="zh-CN" dirty="0"/>
+            <a:endParaRPr lang="en-US" altLang="zh-CN"/>
           </a:p>
           <a:p>
             <a:pPr lvl="1"/>
             <a:r>
-              <a:rPr lang="zh-CN" altLang="en-US" dirty="0"/>
+              <a:rPr lang="zh-CN" altLang="en-US"/>
               <a:t>是指找到一组参数</a:t>
             </a:r>
             <a:r>
-              <a:rPr lang="en-US" altLang="zh-CN" dirty="0"/>
+              <a:rPr lang="en-US" altLang="zh-CN"/>
               <a:t>w</a:t>
             </a:r>
             <a:r>
-              <a:rPr lang="zh-CN" altLang="en-US" dirty="0"/>
+              <a:rPr lang="zh-CN" altLang="en-US"/>
               <a:t>使得似然函数</a:t>
             </a:r>
             <a:r>
-              <a:rPr lang="en-US" altLang="zh-CN" dirty="0"/>
-              <a:t>p(</a:t>
-            </a:r>
-            <a:r>
-              <a:rPr lang="en-US" altLang="zh-CN" dirty="0" err="1"/>
-              <a:t>y|X;w,σ</a:t>
-            </a:r>
-            <a:r>
-              <a:rPr lang="en-US" altLang="zh-CN" dirty="0"/>
-              <a:t>)</a:t>
-            </a:r>
-            <a:r>
-              <a:rPr lang="zh-CN" altLang="en-US" dirty="0"/>
+              <a:rPr lang="en-US" altLang="zh-CN"/>
+              <a:t>p(y|X;w,σ)</a:t>
+            </a:r>
+            <a:r>
+              <a:rPr lang="zh-CN" altLang="en-US"/>
               <a:t>最大</a:t>
             </a:r>
+            <a:endParaRPr lang="zh-CN" altLang="en-US" dirty="0"/>
           </a:p>
         </p:txBody>
       </p:sp>
@@ -18283,6 +18774,47 @@
       </p:grpSpPr>
       <p:sp>
         <p:nvSpPr>
+          <p:cNvPr id="7" name="内容占位符 6">
+            <a:extLst>
+              <a:ext uri="{FF2B5EF4-FFF2-40B4-BE49-F238E27FC236}">
+                <a16:creationId xmlns:a16="http://schemas.microsoft.com/office/drawing/2014/main" id="{BF8B0512-B0CF-4489-A60A-6CFA645B4EF1}"/>
+              </a:ext>
+            </a:extLst>
+          </p:cNvPr>
+          <p:cNvSpPr>
+            <a:spLocks noGrp="1"/>
+          </p:cNvSpPr>
+          <p:nvPr>
+            <p:ph idx="1"/>
+          </p:nvPr>
+        </p:nvSpPr>
+        <p:spPr/>
+        <p:txBody>
+          <a:bodyPr/>
+          <a:lstStyle/>
+          <a:p>
+            <a:r>
+              <a:rPr lang="zh-CN" altLang="en-US" dirty="0"/>
+              <a:t>现实世界的问题都比较复杂</a:t>
+            </a:r>
+            <a:endParaRPr lang="en-US" altLang="zh-CN" dirty="0"/>
+          </a:p>
+          <a:p>
+            <a:pPr lvl="1"/>
+            <a:r>
+              <a:rPr lang="zh-CN" altLang="en-US" dirty="0"/>
+              <a:t>很难通过规则来手工实现</a:t>
+            </a:r>
+            <a:endParaRPr lang="en-US" altLang="zh-CN" dirty="0"/>
+          </a:p>
+          <a:p>
+            <a:pPr lvl="1"/>
+            <a:endParaRPr lang="en-US" altLang="zh-CN" dirty="0"/>
+          </a:p>
+        </p:txBody>
+      </p:sp>
+      <p:sp>
+        <p:nvSpPr>
           <p:cNvPr id="2" name="标题 1"/>
           <p:cNvSpPr>
             <a:spLocks noGrp="1"/>
@@ -18301,47 +18833,6 @@
               <a:t>为什么要“机器学习”？</a:t>
             </a:r>
             <a:endParaRPr lang="zh-CN" altLang="en-US" dirty="0"/>
-          </a:p>
-        </p:txBody>
-      </p:sp>
-      <p:sp>
-        <p:nvSpPr>
-          <p:cNvPr id="7" name="内容占位符 6">
-            <a:extLst>
-              <a:ext uri="{FF2B5EF4-FFF2-40B4-BE49-F238E27FC236}">
-                <a16:creationId xmlns:a16="http://schemas.microsoft.com/office/drawing/2014/main" id="{BF8B0512-B0CF-4489-A60A-6CFA645B4EF1}"/>
-              </a:ext>
-            </a:extLst>
-          </p:cNvPr>
-          <p:cNvSpPr>
-            <a:spLocks noGrp="1"/>
-          </p:cNvSpPr>
-          <p:nvPr>
-            <p:ph sz="quarter" idx="1"/>
-          </p:nvPr>
-        </p:nvSpPr>
-        <p:spPr/>
-        <p:txBody>
-          <a:bodyPr/>
-          <a:lstStyle/>
-          <a:p>
-            <a:r>
-              <a:rPr lang="zh-CN" altLang="en-US" dirty="0"/>
-              <a:t>现实世界的问题都比较复杂</a:t>
-            </a:r>
-            <a:endParaRPr lang="en-US" altLang="zh-CN" dirty="0"/>
-          </a:p>
-          <a:p>
-            <a:pPr lvl="1"/>
-            <a:r>
-              <a:rPr lang="zh-CN" altLang="en-US" dirty="0"/>
-              <a:t>很难通过规则来手工实现</a:t>
-            </a:r>
-            <a:endParaRPr lang="en-US" altLang="zh-CN" dirty="0"/>
-          </a:p>
-          <a:p>
-            <a:pPr lvl="1"/>
-            <a:endParaRPr lang="en-US" altLang="zh-CN" dirty="0"/>
           </a:p>
         </p:txBody>
       </p:sp>
@@ -20226,8 +20717,8 @@
         </p:blipFill>
         <p:spPr>
           <a:xfrm>
-            <a:off x="2544443" y="1600200"/>
-            <a:ext cx="7103114" cy="2579982"/>
+            <a:off x="1981200" y="1069422"/>
+            <a:ext cx="8571652" cy="3113382"/>
           </a:xfrm>
           <a:prstGeom prst="rect">
             <a:avLst/>
@@ -20324,8 +20815,8 @@
         </p:blipFill>
         <p:spPr>
           <a:xfrm>
-            <a:off x="4177267" y="5181600"/>
-            <a:ext cx="3837466" cy="832812"/>
+            <a:off x="3429000" y="4784283"/>
+            <a:ext cx="4890819" cy="1061412"/>
           </a:xfrm>
           <a:prstGeom prst="rect">
             <a:avLst/>
@@ -20347,7 +20838,7 @@
         <p:spPr>
           <a:xfrm>
             <a:off x="7086600" y="5829746"/>
-            <a:ext cx="2262158" cy="369332"/>
+            <a:ext cx="2954655" cy="461665"/>
           </a:xfrm>
           <a:prstGeom prst="rect">
             <a:avLst/>
@@ -20361,7 +20852,7 @@
           <a:lstStyle/>
           <a:p>
             <a:r>
-              <a:rPr lang="zh-CN" altLang="en-US" dirty="0">
+              <a:rPr lang="zh-CN" altLang="en-US" sz="2400" dirty="0">
                 <a:solidFill>
                   <a:srgbClr val="FF0000"/>
                 </a:solidFill>
@@ -20582,8 +21073,8 @@
         </p:blipFill>
         <p:spPr>
           <a:xfrm>
-            <a:off x="4177267" y="1447800"/>
-            <a:ext cx="3837466" cy="832812"/>
+            <a:off x="3657600" y="1247790"/>
+            <a:ext cx="4915646" cy="1066800"/>
           </a:xfrm>
           <a:prstGeom prst="rect">
             <a:avLst/>
@@ -20619,7 +21110,7 @@
         <p:spPr>
           <a:xfrm>
             <a:off x="6705600" y="2667001"/>
-            <a:ext cx="3352888" cy="2487451"/>
+            <a:ext cx="4572000" cy="3391890"/>
           </a:xfrm>
           <a:prstGeom prst="rect">
             <a:avLst/>
@@ -20654,8 +21145,8 @@
         </p:blipFill>
         <p:spPr>
           <a:xfrm>
-            <a:off x="1752601" y="3124200"/>
-            <a:ext cx="4897893" cy="1862238"/>
+            <a:off x="394173" y="3343703"/>
+            <a:ext cx="6300794" cy="2395638"/>
           </a:xfrm>
           <a:prstGeom prst="rect">
             <a:avLst/>
@@ -20753,8 +21244,8 @@
         </p:blipFill>
         <p:spPr>
           <a:xfrm>
-            <a:off x="2215142" y="2286000"/>
-            <a:ext cx="7761717" cy="2808588"/>
+            <a:off x="1219200" y="1981200"/>
+            <a:ext cx="9476266" cy="3429000"/>
           </a:xfrm>
           <a:prstGeom prst="rect">
             <a:avLst/>
@@ -20961,7 +21452,7 @@
             <a:spLocks noGrp="1"/>
           </p:cNvSpPr>
           <p:nvPr>
-            <p:ph sz="quarter" idx="1"/>
+            <p:ph idx="1"/>
           </p:nvPr>
         </p:nvSpPr>
         <p:spPr/>
@@ -20970,18 +21461,18 @@
           <a:lstStyle/>
           <a:p>
             <a:r>
-              <a:rPr lang="zh-CN" altLang="en-US" dirty="0"/>
+              <a:rPr lang="zh-CN" altLang="en-US"/>
               <a:t>机器学习：通过算法使得机器能从大量数据中学习规律从而对新的样本做决策。</a:t>
             </a:r>
-            <a:endParaRPr lang="en-US" altLang="zh-CN" dirty="0"/>
+            <a:endParaRPr lang="en-US" altLang="zh-CN"/>
           </a:p>
           <a:p>
             <a:pPr lvl="1"/>
             <a:r>
-              <a:rPr lang="zh-CN" altLang="en-US" dirty="0"/>
+              <a:rPr lang="zh-CN" altLang="en-US"/>
               <a:t>规律：决策（预测）函数</a:t>
             </a:r>
-            <a:endParaRPr lang="en-US" altLang="zh-CN" dirty="0"/>
+            <a:endParaRPr lang="en-US" altLang="zh-CN"/>
           </a:p>
           <a:p>
             <a:endParaRPr lang="zh-CN" altLang="en-US" dirty="0"/>
@@ -21132,9 +21623,10 @@
           <a:lstStyle/>
           <a:p>
             <a:r>
-              <a:rPr lang="zh-CN" altLang="en-US" dirty="0"/>
+              <a:rPr lang="zh-CN" altLang="en-US"/>
               <a:t>如何选择一个合适的模型？</a:t>
             </a:r>
+            <a:endParaRPr lang="zh-CN" altLang="en-US" dirty="0"/>
           </a:p>
         </p:txBody>
       </p:sp>
@@ -21145,7 +21637,7 @@
             <a:spLocks noGrp="1"/>
           </p:cNvSpPr>
           <p:nvPr>
-            <p:ph sz="quarter" idx="1"/>
+            <p:ph idx="1"/>
           </p:nvPr>
         </p:nvSpPr>
         <p:spPr/>
@@ -21154,40 +21646,41 @@
           <a:lstStyle/>
           <a:p>
             <a:r>
-              <a:rPr lang="zh-CN" altLang="en-US" dirty="0"/>
+              <a:rPr lang="zh-CN" altLang="en-US"/>
               <a:t>模型选择</a:t>
             </a:r>
-            <a:endParaRPr lang="en-US" altLang="zh-CN" dirty="0"/>
+            <a:endParaRPr lang="en-US" altLang="zh-CN"/>
           </a:p>
           <a:p>
             <a:pPr lvl="1"/>
             <a:r>
-              <a:rPr lang="zh-CN" altLang="en-US" dirty="0"/>
+              <a:rPr lang="zh-CN" altLang="en-US"/>
               <a:t>拟合能力强的模型一般复杂度会比较高，容易过拟合。</a:t>
             </a:r>
-            <a:endParaRPr lang="en-US" altLang="zh-CN" dirty="0"/>
+            <a:endParaRPr lang="en-US" altLang="zh-CN"/>
           </a:p>
           <a:p>
             <a:pPr lvl="1"/>
             <a:r>
-              <a:rPr lang="zh-CN" altLang="en-US" dirty="0"/>
+              <a:rPr lang="zh-CN" altLang="en-US"/>
               <a:t>如果限制模型复杂度，降低拟合能力，可能会欠拟合。</a:t>
             </a:r>
-            <a:endParaRPr lang="en-US" altLang="zh-CN" dirty="0"/>
-          </a:p>
-          <a:p>
-            <a:r>
-              <a:rPr lang="zh-CN" altLang="en-US" dirty="0"/>
+            <a:endParaRPr lang="en-US" altLang="zh-CN"/>
+          </a:p>
+          <a:p>
+            <a:r>
+              <a:rPr lang="zh-CN" altLang="en-US"/>
               <a:t>偏差与方差分解</a:t>
             </a:r>
-            <a:endParaRPr lang="en-US" altLang="zh-CN" dirty="0"/>
+            <a:endParaRPr lang="en-US" altLang="zh-CN"/>
           </a:p>
           <a:p>
             <a:pPr lvl="1"/>
             <a:r>
-              <a:rPr lang="zh-CN" altLang="en-US" dirty="0"/>
+              <a:rPr lang="zh-CN" altLang="en-US"/>
               <a:t>期望错误可以分解为</a:t>
             </a:r>
+            <a:endParaRPr lang="zh-CN" altLang="en-US" dirty="0"/>
           </a:p>
         </p:txBody>
       </p:sp>
@@ -21580,7 +22073,7 @@
         <p:spPr>
           <a:xfrm>
             <a:off x="685800" y="5867400"/>
-            <a:ext cx="3647152" cy="369332"/>
+            <a:ext cx="4801314" cy="461665"/>
           </a:xfrm>
           <a:prstGeom prst="rect">
             <a:avLst/>
@@ -21593,7 +22086,7 @@
           <a:lstStyle/>
           <a:p>
             <a:r>
-              <a:rPr lang="zh-CN" altLang="en-US" dirty="0">
+              <a:rPr lang="zh-CN" altLang="en-US" sz="2400" dirty="0">
                 <a:solidFill>
                   <a:srgbClr val="FF0000"/>
                 </a:solidFill>
@@ -21798,17 +22291,6 @@
               <a:rPr lang="zh-CN" altLang="en-US" dirty="0"/>
               <a:t>学习</a:t>
             </a:r>
-            <a:br>
-              <a:rPr lang="en-US" altLang="zh-CN" dirty="0"/>
-            </a:br>
-            <a:r>
-              <a:rPr lang="en-US" altLang="zh-CN" sz="2400" dirty="0">
-                <a:solidFill>
-                  <a:srgbClr val="FF0000"/>
-                </a:solidFill>
-              </a:rPr>
-              <a:t>Probably Approximately Correct</a:t>
-            </a:r>
             <a:endParaRPr lang="zh-CN" altLang="en-US" dirty="0">
               <a:solidFill>
                 <a:srgbClr val="FF0000"/>
@@ -21824,13 +22306,35 @@
             <a:spLocks noGrp="1"/>
           </p:cNvSpPr>
           <p:nvPr>
-            <p:ph sz="quarter" idx="1"/>
+            <p:ph idx="1"/>
           </p:nvPr>
         </p:nvSpPr>
         <p:spPr/>
         <p:txBody>
           <a:bodyPr/>
           <a:lstStyle/>
+          <a:p>
+            <a:r>
+              <a:rPr lang="en-US" altLang="zh-CN" dirty="0"/>
+              <a:t>PAC</a:t>
+            </a:r>
+            <a:r>
+              <a:rPr lang="zh-CN" altLang="en-US" dirty="0"/>
+              <a:t>：</a:t>
+            </a:r>
+            <a:r>
+              <a:rPr lang="en-US" altLang="zh-CN" dirty="0">
+                <a:solidFill>
+                  <a:srgbClr val="FF0000"/>
+                </a:solidFill>
+              </a:rPr>
+              <a:t> Probably Approximately Correct</a:t>
+            </a:r>
+            <a:endParaRPr lang="en-US" altLang="zh-CN" dirty="0"/>
+          </a:p>
+          <a:p>
+            <a:endParaRPr lang="en-US" altLang="zh-CN" dirty="0"/>
+          </a:p>
           <a:p>
             <a:r>
               <a:rPr lang="zh-CN" altLang="en-US" dirty="0"/>
@@ -21898,7 +22402,7 @@
         </p:blipFill>
         <p:spPr>
           <a:xfrm>
-            <a:off x="4343400" y="2286000"/>
+            <a:off x="4419600" y="3318738"/>
             <a:ext cx="3309344" cy="609616"/>
           </a:xfrm>
           <a:prstGeom prst="rect">
@@ -21928,7 +22432,7 @@
         </p:blipFill>
         <p:spPr>
           <a:xfrm>
-            <a:off x="3962401" y="3810000"/>
+            <a:off x="3962400" y="4419600"/>
             <a:ext cx="4521591" cy="883920"/>
           </a:xfrm>
           <a:prstGeom prst="rect">
@@ -21944,7 +22448,7 @@
         </p:nvSpPr>
         <p:spPr>
           <a:xfrm>
-            <a:off x="5140404" y="4693920"/>
+            <a:off x="5140403" y="5303520"/>
             <a:ext cx="2351926" cy="369332"/>
           </a:xfrm>
           <a:prstGeom prst="rect">
@@ -21997,7 +22501,7 @@
         </p:nvCxnSpPr>
         <p:spPr>
           <a:xfrm>
-            <a:off x="4572000" y="4693920"/>
+            <a:off x="4571999" y="5303520"/>
             <a:ext cx="2438400" cy="0"/>
           </a:xfrm>
           <a:prstGeom prst="line">
@@ -22032,7 +22536,7 @@
         </p:nvCxnSpPr>
         <p:spPr>
           <a:xfrm flipV="1">
-            <a:off x="4114800" y="5063252"/>
+            <a:off x="4114799" y="5672852"/>
             <a:ext cx="4572000" cy="34834"/>
           </a:xfrm>
           <a:prstGeom prst="line">
@@ -22067,7 +22571,7 @@
         </p:nvSpPr>
         <p:spPr>
           <a:xfrm>
-            <a:off x="5902404" y="5180092"/>
+            <a:off x="5902403" y="5789692"/>
             <a:ext cx="2098596" cy="369332"/>
           </a:xfrm>
           <a:prstGeom prst="rect">
@@ -22173,7 +22677,7 @@
                 <a:spLocks noGrp="1"/>
               </p:cNvSpPr>
               <p:nvPr>
-                <p:ph sz="quarter" idx="1"/>
+                <p:ph idx="1"/>
               </p:nvPr>
             </p:nvSpPr>
             <p:spPr/>
@@ -22468,7 +22972,7 @@
             <a:spLocks noGrp="1"/>
           </p:cNvSpPr>
           <p:nvPr>
-            <p:ph sz="quarter" idx="1"/>
+            <p:ph idx="1"/>
           </p:nvPr>
         </p:nvSpPr>
         <p:spPr/>
@@ -22627,7 +23131,7 @@
             <a:spLocks noGrp="1"/>
           </p:cNvSpPr>
           <p:nvPr>
-            <p:ph sz="quarter" idx="1"/>
+            <p:ph idx="1"/>
           </p:nvPr>
         </p:nvSpPr>
         <p:spPr/>
@@ -22777,7 +23281,7 @@
             <a:spLocks noGrp="1"/>
           </p:cNvSpPr>
           <p:nvPr>
-            <p:ph sz="quarter" idx="1"/>
+            <p:ph idx="1"/>
           </p:nvPr>
         </p:nvSpPr>
         <p:spPr/>
@@ -22926,7 +23430,7 @@
             <a:spLocks noGrp="1"/>
           </p:cNvSpPr>
           <p:nvPr>
-            <p:ph sz="quarter" idx="1"/>
+            <p:ph idx="1"/>
           </p:nvPr>
         </p:nvSpPr>
         <p:spPr/>
@@ -23077,7 +23581,7 @@
             <a:spLocks noGrp="1"/>
           </p:cNvSpPr>
           <p:nvPr>
-            <p:ph sz="quarter" idx="1"/>
+            <p:ph idx="1"/>
           </p:nvPr>
         </p:nvSpPr>
         <p:spPr/>
@@ -23188,9 +23692,10 @@
           <a:lstStyle/>
           <a:p>
             <a:r>
-              <a:rPr lang="zh-CN" altLang="en-US" dirty="0"/>
+              <a:rPr lang="zh-CN" altLang="en-US"/>
               <a:t>机器学习的三要素</a:t>
             </a:r>
+            <a:endParaRPr lang="zh-CN" altLang="en-US" dirty="0"/>
           </a:p>
         </p:txBody>
       </p:sp>
@@ -23203,7 +23708,7 @@
                 <a:spLocks noGrp="1"/>
               </p:cNvSpPr>
               <p:nvPr>
-                <p:ph sz="quarter" idx="1"/>
+                <p:ph idx="1"/>
               </p:nvPr>
             </p:nvSpPr>
             <p:spPr/>
@@ -23500,64 +24005,6 @@
 </p:sld>
 </file>
 
-<file path=ppt/slides/slide60.xml><?xml version="1.0" encoding="utf-8"?>
-<p:sld xmlns:a="http://schemas.openxmlformats.org/drawingml/2006/main" xmlns:r="http://schemas.openxmlformats.org/officeDocument/2006/relationships" xmlns:p="http://schemas.openxmlformats.org/presentationml/2006/main">
-  <p:cSld>
-    <p:spTree>
-      <p:nvGrpSpPr>
-        <p:cNvPr id="1" name=""/>
-        <p:cNvGrpSpPr/>
-        <p:nvPr/>
-      </p:nvGrpSpPr>
-      <p:grpSpPr>
-        <a:xfrm>
-          <a:off x="0" y="0"/>
-          <a:ext cx="0" cy="0"/>
-          <a:chOff x="0" y="0"/>
-          <a:chExt cx="0" cy="0"/>
-        </a:xfrm>
-      </p:grpSpPr>
-      <p:sp>
-        <p:nvSpPr>
-          <p:cNvPr id="2" name="矩形 1"/>
-          <p:cNvSpPr/>
-          <p:nvPr/>
-        </p:nvSpPr>
-        <p:spPr>
-          <a:xfrm>
-            <a:off x="4876800" y="4038600"/>
-            <a:ext cx="2313454" cy="369332"/>
-          </a:xfrm>
-          <a:prstGeom prst="rect">
-            <a:avLst/>
-          </a:prstGeom>
-        </p:spPr>
-        <p:txBody>
-          <a:bodyPr wrap="none">
-            <a:spAutoFit/>
-          </a:bodyPr>
-          <a:lstStyle/>
-          <a:p>
-            <a:r>
-              <a:rPr lang="zh-CN" altLang="en-US" dirty="0"/>
-              <a:t>https://nndl.github.io/</a:t>
-            </a:r>
-          </a:p>
-        </p:txBody>
-      </p:sp>
-    </p:spTree>
-    <p:extLst>
-      <p:ext uri="{BB962C8B-B14F-4D97-AF65-F5344CB8AC3E}">
-        <p14:creationId xmlns:p14="http://schemas.microsoft.com/office/powerpoint/2010/main" val="1784997421"/>
-      </p:ext>
-    </p:extLst>
-  </p:cSld>
-  <p:clrMapOvr>
-    <a:masterClrMapping/>
-  </p:clrMapOvr>
-</p:sld>
-</file>
-
 <file path=ppt/slides/slide7.xml><?xml version="1.0" encoding="utf-8"?>
 <p:sld xmlns:a="http://schemas.openxmlformats.org/drawingml/2006/main" xmlns:r="http://schemas.openxmlformats.org/officeDocument/2006/relationships" xmlns:p="http://schemas.openxmlformats.org/presentationml/2006/main">
   <p:cSld>
@@ -23591,9 +24038,10 @@
           <a:lstStyle/>
           <a:p>
             <a:r>
-              <a:rPr lang="zh-CN" altLang="en-US" dirty="0"/>
+              <a:rPr lang="zh-CN" altLang="en-US"/>
               <a:t>常见的机器学习问题</a:t>
             </a:r>
+            <a:endParaRPr lang="zh-CN" altLang="en-US" dirty="0"/>
           </a:p>
         </p:txBody>
       </p:sp>
@@ -23951,9 +24399,10 @@
           <a:lstStyle/>
           <a:p>
             <a:r>
-              <a:rPr lang="zh-CN" altLang="en-US" dirty="0"/>
+              <a:rPr lang="zh-CN" altLang="en-US"/>
               <a:t>模型</a:t>
             </a:r>
+            <a:endParaRPr lang="zh-CN" altLang="en-US" dirty="0"/>
           </a:p>
         </p:txBody>
       </p:sp>
@@ -23964,7 +24413,7 @@
             <a:spLocks noGrp="1"/>
           </p:cNvSpPr>
           <p:nvPr>
-            <p:ph sz="quarter" idx="1"/>
+            <p:ph idx="1"/>
           </p:nvPr>
         </p:nvSpPr>
         <p:spPr/>
@@ -23973,39 +24422,37 @@
           <a:lstStyle/>
           <a:p>
             <a:r>
-              <a:rPr lang="zh-CN" altLang="en-US" dirty="0"/>
+              <a:rPr lang="zh-CN" altLang="en-US"/>
               <a:t>以线性回归（</a:t>
             </a:r>
             <a:r>
-              <a:rPr lang="en-US" altLang="zh-CN" dirty="0"/>
+              <a:rPr lang="en-US" altLang="zh-CN"/>
               <a:t>Linear Regression</a:t>
             </a:r>
             <a:r>
-              <a:rPr lang="zh-CN" altLang="en-US" dirty="0"/>
+              <a:rPr lang="zh-CN" altLang="en-US"/>
               <a:t>）为例</a:t>
             </a:r>
+            <a:endParaRPr lang="en-US" altLang="zh-CN"/>
+          </a:p>
+          <a:p>
+            <a:r>
+              <a:rPr lang="zh-CN" altLang="en-US"/>
+              <a:t>模型：</a:t>
+            </a:r>
+            <a:endParaRPr lang="en-US" altLang="zh-CN"/>
+          </a:p>
+          <a:p>
+            <a:pPr lvl="1"/>
+            <a:endParaRPr lang="en-US" altLang="zh-CN"/>
+          </a:p>
+          <a:p>
+            <a:pPr lvl="1"/>
+            <a:endParaRPr lang="en-US" altLang="zh-CN"/>
+          </a:p>
+          <a:p>
+            <a:pPr lvl="1"/>
             <a:endParaRPr lang="en-US" altLang="zh-CN" dirty="0"/>
-          </a:p>
-          <a:p>
-            <a:r>
-              <a:rPr lang="zh-CN" altLang="en-US" dirty="0"/>
-              <a:t>模型：</a:t>
-            </a:r>
-            <a:endParaRPr lang="en-US" altLang="zh-CN" dirty="0"/>
-          </a:p>
-          <a:p>
-            <a:pPr marL="205978" lvl="1" indent="0">
-              <a:buNone/>
-            </a:pPr>
-            <a:endParaRPr lang="en-US" altLang="zh-CN" sz="2000" dirty="0"/>
-          </a:p>
-          <a:p>
-            <a:pPr lvl="1"/>
-            <a:endParaRPr lang="en-US" altLang="zh-CN" sz="2000" dirty="0"/>
-          </a:p>
-          <a:p>
-            <a:pPr lvl="1"/>
-            <a:endParaRPr lang="en-US" altLang="zh-CN" sz="2000" dirty="0"/>
           </a:p>
         </p:txBody>
       </p:sp>
@@ -24128,7 +24575,7 @@
             <a:spLocks noGrp="1"/>
           </p:cNvSpPr>
           <p:nvPr>
-            <p:ph sz="quarter" idx="1"/>
+            <p:ph idx="1"/>
           </p:nvPr>
         </p:nvSpPr>
         <p:spPr/>
@@ -24320,7 +24767,7 @@
 </file>
 
 <file path=ppt/theme/theme1.xml><?xml version="1.0" encoding="utf-8"?>
-<a:theme xmlns:a="http://schemas.openxmlformats.org/drawingml/2006/main" name="Origin">
+<a:theme xmlns:a="http://schemas.openxmlformats.org/drawingml/2006/main" name="my">
   <a:themeElements>
     <a:clrScheme name="qxp">
       <a:dk1>
@@ -24360,19 +24807,19 @@
         <a:srgbClr val="44B9E8"/>
       </a:folHlink>
     </a:clrScheme>
-    <a:fontScheme name="qxp">
+    <a:fontScheme name="myfont">
       <a:majorFont>
         <a:latin typeface="Helvetica"/>
         <a:ea typeface="微软雅黑"/>
         <a:cs typeface=""/>
       </a:majorFont>
       <a:minorFont>
-        <a:latin typeface="Helvetica"/>
+        <a:latin typeface="Times New Roman"/>
         <a:ea typeface="华文楷体"/>
         <a:cs typeface=""/>
       </a:minorFont>
     </a:fontScheme>
-    <a:fmtScheme name="Origin">
+    <a:fmtScheme name="质朴">
       <a:fillStyleLst>
         <a:solidFill>
           <a:schemeClr val="phClr"/>
@@ -24598,6 +25045,11 @@
     </a:spDef>
   </a:objectDefaults>
   <a:extraClrSchemeLst/>
+  <a:extLst>
+    <a:ext uri="{05A4C25C-085E-4340-85A3-A5531E510DB2}">
+      <thm15:themeFamily xmlns:thm15="http://schemas.microsoft.com/office/thememl/2012/main" name="my" id="{6EB9692D-8045-443B-AEB9-012519818B04}" vid="{967F5D7D-80AE-461F-85CA-6AF28F3118BC}"/>
+    </a:ext>
+  </a:extLst>
 </a:theme>
 </file>
 

--- a/ppt/chap-机器学习概述.pptx
+++ b/ppt/chap-机器学习概述.pptx
@@ -1306,7 +1306,7 @@
   <dgm:whole/>
   <dgm:extLst>
     <a:ext uri="http://schemas.microsoft.com/office/drawing/2008/diagram">
-      <dsp:dataModelExt xmlns:dsp="http://schemas.microsoft.com/office/drawing/2008/diagram" relId="rId7" minVer="http://schemas.openxmlformats.org/drawingml/2006/diagram"/>
+      <dsp:dataModelExt xmlns:dsp="http://schemas.microsoft.com/office/drawing/2008/diagram" relId="rId9" minVer="http://schemas.openxmlformats.org/drawingml/2006/diagram"/>
     </a:ext>
   </dgm:extLst>
 </dgm:dataModel>
@@ -3992,7 +3992,7 @@
               <a:pPr>
                 <a:defRPr/>
               </a:pPr>
-              <a:t>9/24/2020</a:t>
+              <a:t>10/22/2020</a:t>
             </a:fld>
             <a:endParaRPr lang="en-US" altLang="zh-CN"/>
           </a:p>
@@ -7321,152 +7321,6 @@
 </p:sldLayout>
 </file>
 
-<file path=ppt/slideLayouts/slideLayout8.xml><?xml version="1.0" encoding="utf-8"?>
-<p:sldLayout xmlns:a="http://schemas.openxmlformats.org/drawingml/2006/main" xmlns:r="http://schemas.openxmlformats.org/officeDocument/2006/relationships" xmlns:p="http://schemas.openxmlformats.org/presentationml/2006/main" userDrawn="1">
-  <p:cSld name="Title and Content">
-    <p:spTree>
-      <p:nvGrpSpPr>
-        <p:cNvPr id="1" name=""/>
-        <p:cNvGrpSpPr/>
-        <p:nvPr/>
-      </p:nvGrpSpPr>
-      <p:grpSpPr>
-        <a:xfrm>
-          <a:off x="0" y="0"/>
-          <a:ext cx="0" cy="0"/>
-          <a:chOff x="0" y="0"/>
-          <a:chExt cx="0" cy="0"/>
-        </a:xfrm>
-      </p:grpSpPr>
-      <p:sp>
-        <p:nvSpPr>
-          <p:cNvPr id="2" name="Title 1"/>
-          <p:cNvSpPr>
-            <a:spLocks noGrp="1"/>
-          </p:cNvSpPr>
-          <p:nvPr>
-            <p:ph type="title"/>
-          </p:nvPr>
-        </p:nvSpPr>
-        <p:spPr/>
-        <p:txBody>
-          <a:bodyPr/>
-          <a:lstStyle>
-            <a:lvl1pPr>
-              <a:defRPr>
-                <a:latin typeface="微软雅黑" panose="020B0503020204020204" pitchFamily="34" charset="-122"/>
-                <a:ea typeface="微软雅黑" panose="020B0503020204020204" pitchFamily="34" charset="-122"/>
-              </a:defRPr>
-            </a:lvl1pPr>
-          </a:lstStyle>
-          <a:p>
-            <a:r>
-              <a:rPr lang="en-US" dirty="0"/>
-              <a:t>Click to edit Master title style</a:t>
-            </a:r>
-          </a:p>
-        </p:txBody>
-      </p:sp>
-      <p:sp>
-        <p:nvSpPr>
-          <p:cNvPr id="8" name="Content Placeholder 7"/>
-          <p:cNvSpPr>
-            <a:spLocks noGrp="1"/>
-          </p:cNvSpPr>
-          <p:nvPr>
-            <p:ph sz="quarter" idx="1"/>
-          </p:nvPr>
-        </p:nvSpPr>
-        <p:spPr>
-          <a:xfrm>
-            <a:off x="609600" y="1219200"/>
-            <a:ext cx="10972800" cy="4937760"/>
-          </a:xfrm>
-        </p:spPr>
-        <p:txBody>
-          <a:bodyPr/>
-          <a:lstStyle>
-            <a:lvl1pPr>
-              <a:defRPr>
-                <a:latin typeface="华文楷体" panose="02010600040101010101" pitchFamily="2" charset="-122"/>
-                <a:ea typeface="华文楷体" panose="02010600040101010101" pitchFamily="2" charset="-122"/>
-              </a:defRPr>
-            </a:lvl1pPr>
-            <a:lvl2pPr>
-              <a:defRPr sz="2400">
-                <a:latin typeface="华文楷体" panose="02010600040101010101" pitchFamily="2" charset="-122"/>
-                <a:ea typeface="华文楷体" panose="02010600040101010101" pitchFamily="2" charset="-122"/>
-              </a:defRPr>
-            </a:lvl2pPr>
-            <a:lvl3pPr>
-              <a:defRPr sz="2400">
-                <a:latin typeface="华文楷体" panose="02010600040101010101" pitchFamily="2" charset="-122"/>
-                <a:ea typeface="华文楷体" panose="02010600040101010101" pitchFamily="2" charset="-122"/>
-              </a:defRPr>
-            </a:lvl3pPr>
-            <a:lvl4pPr>
-              <a:defRPr sz="1800">
-                <a:latin typeface="华文楷体" panose="02010600040101010101" pitchFamily="2" charset="-122"/>
-                <a:ea typeface="华文楷体" panose="02010600040101010101" pitchFamily="2" charset="-122"/>
-              </a:defRPr>
-            </a:lvl4pPr>
-            <a:lvl5pPr>
-              <a:defRPr sz="1600">
-                <a:latin typeface="华文楷体" panose="02010600040101010101" pitchFamily="2" charset="-122"/>
-                <a:ea typeface="华文楷体" panose="02010600040101010101" pitchFamily="2" charset="-122"/>
-              </a:defRPr>
-            </a:lvl5pPr>
-          </a:lstStyle>
-          <a:p>
-            <a:pPr lvl="0"/>
-            <a:r>
-              <a:rPr lang="en-US" dirty="0"/>
-              <a:t>Click to edit Master text styles</a:t>
-            </a:r>
-          </a:p>
-          <a:p>
-            <a:pPr lvl="1"/>
-            <a:r>
-              <a:rPr lang="en-US" dirty="0"/>
-              <a:t>Second level</a:t>
-            </a:r>
-          </a:p>
-          <a:p>
-            <a:pPr lvl="2"/>
-            <a:r>
-              <a:rPr lang="en-US" dirty="0"/>
-              <a:t>Third level</a:t>
-            </a:r>
-          </a:p>
-          <a:p>
-            <a:pPr lvl="3"/>
-            <a:r>
-              <a:rPr lang="en-US" dirty="0"/>
-              <a:t>Fourth level</a:t>
-            </a:r>
-          </a:p>
-          <a:p>
-            <a:pPr lvl="4"/>
-            <a:r>
-              <a:rPr lang="en-US" dirty="0"/>
-              <a:t>Fifth level</a:t>
-            </a:r>
-          </a:p>
-        </p:txBody>
-      </p:sp>
-    </p:spTree>
-    <p:extLst>
-      <p:ext uri="{BB962C8B-B14F-4D97-AF65-F5344CB8AC3E}">
-        <p14:creationId xmlns:p14="http://schemas.microsoft.com/office/powerpoint/2010/main" val="1954537802"/>
-      </p:ext>
-    </p:extLst>
-  </p:cSld>
-  <p:clrMapOvr>
-    <a:masterClrMapping/>
-  </p:clrMapOvr>
-</p:sldLayout>
-</file>
-
 <file path=ppt/slideMasters/slideMaster1.xml><?xml version="1.0" encoding="utf-8"?>
 <p:sldMaster xmlns:a="http://schemas.openxmlformats.org/drawingml/2006/main" xmlns:r="http://schemas.openxmlformats.org/officeDocument/2006/relationships" xmlns:p="http://schemas.openxmlformats.org/presentationml/2006/main" preserve="1">
   <p:cSld>
@@ -7941,7 +7795,7 @@
           </a:ln>
           <a:extLst>
             <a:ext uri="{909E8E84-426E-40dd-AFC4-6F175D3DCCD1}">
-              <a14:hiddenFill xmlns="" xmlns:a14="http://schemas.microsoft.com/office/drawing/2010/main">
+              <a14:hiddenFill xmlns:a14="http://schemas.microsoft.com/office/drawing/2010/main" xmlns="">
                 <a:noFill/>
               </a14:hiddenFill>
             </a:ext>
@@ -7974,7 +7828,6 @@
     <p:sldLayoutId id="2147483838" r:id="rId5"/>
     <p:sldLayoutId id="2147483839" r:id="rId6"/>
     <p:sldLayoutId id="2147483840" r:id="rId7"/>
-    <p:sldLayoutId id="2147483843" r:id="rId8"/>
   </p:sldLayoutIdLst>
   <p:hf hdr="0" ftr="0" dt="0"/>
   <p:txStyles>
@@ -8545,8 +8398,8 @@
           </a:p>
         </p:txBody>
       </p:sp>
-      <mc:AlternateContent xmlns:mc="http://schemas.openxmlformats.org/markup-compatibility/2006">
-        <mc:Choice xmlns:a14="http://schemas.microsoft.com/office/drawing/2010/main" Requires="a14">
+      <mc:AlternateContent xmlns:mc="http://schemas.openxmlformats.org/markup-compatibility/2006" xmlns:a14="http://schemas.microsoft.com/office/drawing/2010/main">
+        <mc:Choice Requires="a14">
           <p:sp>
             <p:nvSpPr>
               <p:cNvPr id="3" name="内容占位符 2"/>
@@ -8577,11 +8430,15 @@
                 <a14:m>
                   <m:oMath xmlns:m="http://schemas.openxmlformats.org/officeDocument/2006/math">
                     <m:r>
-                      <a:rPr lang="zh-CN" altLang="en-US" dirty="0"/>
+                      <a:rPr lang="zh-CN" altLang="en-US" dirty="0">
+                        <a:latin typeface="Cambria Math" panose="02040503050406030204" pitchFamily="18" charset="0"/>
+                      </a:rPr>
                       <m:t>𝒟</m:t>
                     </m:r>
                     <m:r>
-                      <a:rPr lang="en-US" altLang="zh-CN" dirty="0"/>
+                      <a:rPr lang="en-US" altLang="zh-CN" dirty="0">
+                        <a:latin typeface="Cambria Math" panose="02040503050406030204" pitchFamily="18" charset="0"/>
+                      </a:rPr>
                       <m:t>=</m:t>
                     </m:r>
                     <m:d>
@@ -8589,14 +8446,18 @@
                         <m:begChr m:val="{"/>
                         <m:endChr m:val="}"/>
                         <m:ctrlPr>
-                          <a:rPr lang="en-US" altLang="zh-CN" dirty="0"/>
+                          <a:rPr lang="en-US" altLang="zh-CN" i="1" dirty="0">
+                            <a:latin typeface="Cambria Math" panose="02040503050406030204" pitchFamily="18" charset="0"/>
+                          </a:rPr>
                         </m:ctrlPr>
                       </m:dPr>
                       <m:e>
                         <m:sSup>
                           <m:sSupPr>
                             <m:ctrlPr>
-                              <a:rPr lang="en-US" altLang="zh-CN" dirty="0"/>
+                              <a:rPr lang="en-US" altLang="zh-CN" i="1" dirty="0">
+                                <a:latin typeface="Cambria Math" panose="02040503050406030204" pitchFamily="18" charset="0"/>
+                              </a:rPr>
                             </m:ctrlPr>
                           </m:sSupPr>
                           <m:e>
@@ -8604,7 +8465,9 @@
                               <m:rPr>
                                 <m:sty m:val="p"/>
                               </m:rPr>
-                              <a:rPr lang="en-US" altLang="zh-CN" dirty="0"/>
+                              <a:rPr lang="en-US" altLang="zh-CN" dirty="0">
+                                <a:latin typeface="Cambria Math" panose="02040503050406030204" pitchFamily="18" charset="0"/>
+                              </a:rPr>
                               <m:t>x</m:t>
                             </m:r>
                           </m:e>
@@ -8612,7 +8475,9 @@
                             <m:d>
                               <m:dPr>
                                 <m:ctrlPr>
-                                  <a:rPr lang="en-US" altLang="zh-CN" dirty="0"/>
+                                  <a:rPr lang="en-US" altLang="zh-CN" i="1" dirty="0">
+                                    <a:latin typeface="Cambria Math" panose="02040503050406030204" pitchFamily="18" charset="0"/>
+                                  </a:rPr>
                                 </m:ctrlPr>
                               </m:dPr>
                               <m:e>
@@ -8620,7 +8485,9 @@
                                   <m:rPr>
                                     <m:sty m:val="p"/>
                                   </m:rPr>
-                                  <a:rPr lang="en-US" altLang="zh-CN" dirty="0"/>
+                                  <a:rPr lang="en-US" altLang="zh-CN" dirty="0">
+                                    <a:latin typeface="Cambria Math" panose="02040503050406030204" pitchFamily="18" charset="0"/>
+                                  </a:rPr>
                                   <m:t>n</m:t>
                                 </m:r>
                               </m:e>
@@ -8628,18 +8495,24 @@
                           </m:sup>
                         </m:sSup>
                         <m:r>
-                          <a:rPr lang="en-US" altLang="zh-CN" dirty="0"/>
+                          <a:rPr lang="en-US" altLang="zh-CN" dirty="0">
+                            <a:latin typeface="Cambria Math" panose="02040503050406030204" pitchFamily="18" charset="0"/>
+                          </a:rPr>
                           <m:t>,</m:t>
                         </m:r>
                         <m:sSup>
                           <m:sSupPr>
                             <m:ctrlPr>
-                              <a:rPr lang="en-US" altLang="zh-CN" dirty="0"/>
+                              <a:rPr lang="en-US" altLang="zh-CN" i="1" dirty="0">
+                                <a:latin typeface="Cambria Math" panose="02040503050406030204" pitchFamily="18" charset="0"/>
+                              </a:rPr>
                             </m:ctrlPr>
                           </m:sSupPr>
                           <m:e>
                             <m:r>
-                              <a:rPr lang="en-US" altLang="zh-CN" dirty="0"/>
+                              <a:rPr lang="en-US" altLang="zh-CN" dirty="0">
+                                <a:latin typeface="Cambria Math" panose="02040503050406030204" pitchFamily="18" charset="0"/>
+                              </a:rPr>
                               <m:t>𝑦</m:t>
                             </m:r>
                           </m:e>
@@ -8647,7 +8520,9 @@
                             <m:d>
                               <m:dPr>
                                 <m:ctrlPr>
-                                  <a:rPr lang="en-US" altLang="zh-CN" dirty="0"/>
+                                  <a:rPr lang="en-US" altLang="zh-CN" i="1" dirty="0">
+                                    <a:latin typeface="Cambria Math" panose="02040503050406030204" pitchFamily="18" charset="0"/>
+                                  </a:rPr>
                                 </m:ctrlPr>
                               </m:dPr>
                               <m:e>
@@ -8655,7 +8530,9 @@
                                   <m:rPr>
                                     <m:sty m:val="p"/>
                                   </m:rPr>
-                                  <a:rPr lang="en-US" altLang="zh-CN" dirty="0"/>
+                                  <a:rPr lang="en-US" altLang="zh-CN" dirty="0">
+                                    <a:latin typeface="Cambria Math" panose="02040503050406030204" pitchFamily="18" charset="0"/>
+                                  </a:rPr>
                                   <m:t>n</m:t>
                                 </m:r>
                               </m:e>
@@ -8665,23 +8542,33 @@
                       </m:e>
                     </m:d>
                     <m:r>
-                      <a:rPr lang="en-US" altLang="zh-CN" dirty="0"/>
+                      <a:rPr lang="en-US" altLang="zh-CN" dirty="0">
+                        <a:latin typeface="Cambria Math" panose="02040503050406030204" pitchFamily="18" charset="0"/>
+                      </a:rPr>
                       <m:t>, </m:t>
                     </m:r>
                     <m:r>
-                      <a:rPr lang="en-US" altLang="zh-CN" dirty="0"/>
+                      <a:rPr lang="en-US" altLang="zh-CN" dirty="0">
+                        <a:latin typeface="Cambria Math" panose="02040503050406030204" pitchFamily="18" charset="0"/>
+                      </a:rPr>
                       <m:t>𝑖</m:t>
                     </m:r>
                     <m:r>
-                      <a:rPr lang="en-US" altLang="zh-CN" dirty="0"/>
+                      <a:rPr lang="en-US" altLang="zh-CN" dirty="0">
+                        <a:latin typeface="Cambria Math" panose="02040503050406030204" pitchFamily="18" charset="0"/>
+                      </a:rPr>
                       <m:t>∈[1,</m:t>
                     </m:r>
                     <m:r>
-                      <a:rPr lang="en-US" altLang="zh-CN" dirty="0"/>
+                      <a:rPr lang="en-US" altLang="zh-CN" dirty="0">
+                        <a:latin typeface="Cambria Math" panose="02040503050406030204" pitchFamily="18" charset="0"/>
+                      </a:rPr>
                       <m:t>𝑁</m:t>
                     </m:r>
                     <m:r>
-                      <a:rPr lang="en-US" altLang="zh-CN" dirty="0"/>
+                      <a:rPr lang="en-US" altLang="zh-CN" dirty="0">
+                        <a:latin typeface="Cambria Math" panose="02040503050406030204" pitchFamily="18" charset="0"/>
+                      </a:rPr>
                       <m:t>]</m:t>
                     </m:r>
                   </m:oMath>
@@ -8733,7 +8620,7 @@
             </p:txBody>
           </p:sp>
         </mc:Choice>
-        <mc:Fallback>
+        <mc:Fallback xmlns="">
           <p:sp>
             <p:nvSpPr>
               <p:cNvPr id="3" name="内容占位符 2"/>
@@ -11085,41 +10972,21 @@
           <a:lstStyle/>
           <a:p>
             <a:r>
-              <a:rPr lang="zh-CN" altLang="en-US" dirty="0"/>
+              <a:rPr lang="zh-CN" altLang="en-US"/>
               <a:t>正则化（</a:t>
             </a:r>
             <a:r>
-              <a:rPr lang="en-US" altLang="zh-CN" dirty="0"/>
+              <a:rPr lang="en-US" altLang="zh-CN"/>
               <a:t>regularization</a:t>
             </a:r>
             <a:r>
-              <a:rPr lang="zh-CN" altLang="en-US" dirty="0"/>
+              <a:rPr lang="zh-CN" altLang="en-US"/>
               <a:t>）</a:t>
             </a:r>
+            <a:endParaRPr lang="zh-CN" altLang="en-US" dirty="0"/>
           </a:p>
         </p:txBody>
       </p:sp>
-      <p:graphicFrame>
-        <p:nvGraphicFramePr>
-          <p:cNvPr id="5" name="内容占位符 4"/>
-          <p:cNvGraphicFramePr>
-            <a:graphicFrameLocks noGrp="1"/>
-          </p:cNvGraphicFramePr>
-          <p:nvPr>
-            <p:ph sz="quarter" idx="1"/>
-            <p:extLst/>
-          </p:nvPr>
-        </p:nvGraphicFramePr>
-        <p:xfrm>
-          <a:off x="2667000" y="1066800"/>
-          <a:ext cx="6705600" cy="1981200"/>
-        </p:xfrm>
-        <a:graphic>
-          <a:graphicData uri="http://schemas.openxmlformats.org/drawingml/2006/diagram">
-            <dgm:relIds xmlns:dgm="http://schemas.openxmlformats.org/drawingml/2006/diagram" xmlns:r="http://schemas.openxmlformats.org/officeDocument/2006/relationships" r:dm="rId3" r:lo="rId4" r:qs="rId5" r:cs="rId6"/>
-          </a:graphicData>
-        </a:graphic>
-      </p:graphicFrame>
       <p:pic>
         <p:nvPicPr>
           <p:cNvPr id="2050" name="Picture 2" descr="âl2 regularizationâçå¾çæç´¢ç»æ"/>
@@ -11129,7 +10996,7 @@
           <p:nvPr/>
         </p:nvPicPr>
         <p:blipFill>
-          <a:blip r:embed="rId8">
+          <a:blip r:embed="rId3">
             <a:extLst>
               <a:ext uri="{28A0092B-C50C-407E-A947-70E740481C1C}">
                 <a14:useLocalDpi xmlns:a14="http://schemas.microsoft.com/office/drawing/2010/main"/>
@@ -11264,7 +11131,7 @@
           <p:nvPr/>
         </p:nvPicPr>
         <p:blipFill>
-          <a:blip r:embed="rId9">
+          <a:blip r:embed="rId4">
             <a:extLst>
               <a:ext uri="{28A0092B-C50C-407E-A947-70E740481C1C}">
                 <a14:useLocalDpi xmlns:a14="http://schemas.microsoft.com/office/drawing/2010/main" val="0"/>
@@ -11285,6 +11152,36 @@
           </a:prstGeom>
         </p:spPr>
       </p:pic>
+      <p:graphicFrame>
+        <p:nvGraphicFramePr>
+          <p:cNvPr id="8" name="内容占位符 4">
+            <a:extLst>
+              <a:ext uri="{FF2B5EF4-FFF2-40B4-BE49-F238E27FC236}">
+                <a16:creationId xmlns:a16="http://schemas.microsoft.com/office/drawing/2014/main" id="{73A52C5C-B698-4054-A92B-73BD27E8DE4C}"/>
+              </a:ext>
+            </a:extLst>
+          </p:cNvPr>
+          <p:cNvGraphicFramePr>
+            <a:graphicFrameLocks/>
+          </p:cNvGraphicFramePr>
+          <p:nvPr>
+            <p:extLst>
+              <p:ext uri="{D42A27DB-BD31-4B8C-83A1-F6EECF244321}">
+                <p14:modId xmlns:p14="http://schemas.microsoft.com/office/powerpoint/2010/main" val="77298337"/>
+              </p:ext>
+            </p:extLst>
+          </p:nvPr>
+        </p:nvGraphicFramePr>
+        <p:xfrm>
+          <a:off x="2819400" y="1066800"/>
+          <a:ext cx="6705600" cy="1981200"/>
+        </p:xfrm>
+        <a:graphic>
+          <a:graphicData uri="http://schemas.openxmlformats.org/drawingml/2006/diagram">
+            <dgm:relIds xmlns:dgm="http://schemas.openxmlformats.org/drawingml/2006/diagram" xmlns:r="http://schemas.openxmlformats.org/officeDocument/2006/relationships" r:dm="rId5" r:lo="rId6" r:qs="rId7" r:cs="rId8"/>
+          </a:graphicData>
+        </a:graphic>
+      </p:graphicFrame>
     </p:spTree>
     <p:custDataLst>
       <p:tags r:id="rId1"/>
@@ -11310,6 +11207,9 @@
                     <p:cTn id="3" fill="hold">
                       <p:stCondLst>
                         <p:cond delay="indefinite"/>
+                        <p:cond evt="onBegin" delay="0">
+                          <p:tn val="2"/>
+                        </p:cond>
                       </p:stCondLst>
                       <p:childTnLst>
                         <p:par>
@@ -11319,7 +11219,7 @@
                             </p:stCondLst>
                             <p:childTnLst>
                               <p:par>
-                                <p:cTn id="5" presetID="10" presetClass="entr" presetSubtype="0" fill="hold" grpId="0" nodeType="clickEffect">
+                                <p:cTn id="5" presetID="10" presetClass="entr" presetSubtype="0" fill="hold" nodeType="withEffect">
                                   <p:stCondLst>
                                     <p:cond delay="0"/>
                                   </p:stCondLst>
@@ -11332,7 +11232,183 @@
                                           </p:stCondLst>
                                         </p:cTn>
                                         <p:tgtEl>
-                                          <p:spTgt spid="5">
+                                          <p:spTgt spid="2050"/>
+                                        </p:tgtEl>
+                                        <p:attrNameLst>
+                                          <p:attrName>style.visibility</p:attrName>
+                                        </p:attrNameLst>
+                                      </p:cBhvr>
+                                      <p:to>
+                                        <p:strVal val="visible"/>
+                                      </p:to>
+                                    </p:set>
+                                    <p:animEffect transition="in" filter="fade">
+                                      <p:cBhvr>
+                                        <p:cTn id="7" dur="500"/>
+                                        <p:tgtEl>
+                                          <p:spTgt spid="2050"/>
+                                        </p:tgtEl>
+                                      </p:cBhvr>
+                                    </p:animEffect>
+                                  </p:childTnLst>
+                                </p:cTn>
+                              </p:par>
+                              <p:par>
+                                <p:cTn id="8" presetID="10" presetClass="entr" presetSubtype="0" fill="hold" grpId="0" nodeType="withEffect">
+                                  <p:stCondLst>
+                                    <p:cond delay="0"/>
+                                  </p:stCondLst>
+                                  <p:childTnLst>
+                                    <p:set>
+                                      <p:cBhvr>
+                                        <p:cTn id="9" dur="1" fill="hold">
+                                          <p:stCondLst>
+                                            <p:cond delay="0"/>
+                                          </p:stCondLst>
+                                        </p:cTn>
+                                        <p:tgtEl>
+                                          <p:spTgt spid="2"/>
+                                        </p:tgtEl>
+                                        <p:attrNameLst>
+                                          <p:attrName>style.visibility</p:attrName>
+                                        </p:attrNameLst>
+                                      </p:cBhvr>
+                                      <p:to>
+                                        <p:strVal val="visible"/>
+                                      </p:to>
+                                    </p:set>
+                                    <p:animEffect transition="in" filter="fade">
+                                      <p:cBhvr>
+                                        <p:cTn id="10" dur="500"/>
+                                        <p:tgtEl>
+                                          <p:spTgt spid="2"/>
+                                        </p:tgtEl>
+                                      </p:cBhvr>
+                                    </p:animEffect>
+                                  </p:childTnLst>
+                                </p:cTn>
+                              </p:par>
+                              <p:par>
+                                <p:cTn id="11" presetID="10" presetClass="entr" presetSubtype="0" fill="hold" grpId="0" nodeType="withEffect">
+                                  <p:stCondLst>
+                                    <p:cond delay="0"/>
+                                  </p:stCondLst>
+                                  <p:childTnLst>
+                                    <p:set>
+                                      <p:cBhvr>
+                                        <p:cTn id="12" dur="1" fill="hold">
+                                          <p:stCondLst>
+                                            <p:cond delay="0"/>
+                                          </p:stCondLst>
+                                        </p:cTn>
+                                        <p:tgtEl>
+                                          <p:spTgt spid="7"/>
+                                        </p:tgtEl>
+                                        <p:attrNameLst>
+                                          <p:attrName>style.visibility</p:attrName>
+                                        </p:attrNameLst>
+                                      </p:cBhvr>
+                                      <p:to>
+                                        <p:strVal val="visible"/>
+                                      </p:to>
+                                    </p:set>
+                                    <p:animEffect transition="in" filter="fade">
+                                      <p:cBhvr>
+                                        <p:cTn id="13" dur="500"/>
+                                        <p:tgtEl>
+                                          <p:spTgt spid="7"/>
+                                        </p:tgtEl>
+                                      </p:cBhvr>
+                                    </p:animEffect>
+                                  </p:childTnLst>
+                                </p:cTn>
+                              </p:par>
+                            </p:childTnLst>
+                          </p:cTn>
+                        </p:par>
+                      </p:childTnLst>
+                    </p:cTn>
+                  </p:par>
+                  <p:par>
+                    <p:cTn id="14" fill="hold">
+                      <p:stCondLst>
+                        <p:cond delay="indefinite"/>
+                      </p:stCondLst>
+                      <p:childTnLst>
+                        <p:par>
+                          <p:cTn id="15" fill="hold">
+                            <p:stCondLst>
+                              <p:cond delay="0"/>
+                            </p:stCondLst>
+                            <p:childTnLst>
+                              <p:par>
+                                <p:cTn id="16" presetID="10" presetClass="entr" presetSubtype="0" fill="hold" nodeType="clickEffect">
+                                  <p:stCondLst>
+                                    <p:cond delay="0"/>
+                                  </p:stCondLst>
+                                  <p:childTnLst>
+                                    <p:set>
+                                      <p:cBhvr>
+                                        <p:cTn id="17" dur="1" fill="hold">
+                                          <p:stCondLst>
+                                            <p:cond delay="0"/>
+                                          </p:stCondLst>
+                                        </p:cTn>
+                                        <p:tgtEl>
+                                          <p:spTgt spid="9"/>
+                                        </p:tgtEl>
+                                        <p:attrNameLst>
+                                          <p:attrName>style.visibility</p:attrName>
+                                        </p:attrNameLst>
+                                      </p:cBhvr>
+                                      <p:to>
+                                        <p:strVal val="visible"/>
+                                      </p:to>
+                                    </p:set>
+                                    <p:animEffect transition="in" filter="fade">
+                                      <p:cBhvr>
+                                        <p:cTn id="18" dur="500"/>
+                                        <p:tgtEl>
+                                          <p:spTgt spid="9"/>
+                                        </p:tgtEl>
+                                      </p:cBhvr>
+                                    </p:animEffect>
+                                  </p:childTnLst>
+                                </p:cTn>
+                              </p:par>
+                            </p:childTnLst>
+                          </p:cTn>
+                        </p:par>
+                      </p:childTnLst>
+                    </p:cTn>
+                  </p:par>
+                  <p:par>
+                    <p:cTn id="19" fill="hold">
+                      <p:stCondLst>
+                        <p:cond delay="indefinite"/>
+                      </p:stCondLst>
+                      <p:childTnLst>
+                        <p:par>
+                          <p:cTn id="20" fill="hold">
+                            <p:stCondLst>
+                              <p:cond delay="0"/>
+                            </p:stCondLst>
+                            <p:childTnLst>
+                              <p:par>
+                                <p:cTn id="21" presetID="10" presetClass="entr" presetSubtype="0" fill="hold" grpId="0" nodeType="clickEffect">
+                                  <p:stCondLst>
+                                    <p:cond delay="0"/>
+                                  </p:stCondLst>
+                                  <p:childTnLst>
+                                    <p:set>
+                                      <p:cBhvr>
+                                        <p:cTn id="22" dur="1" fill="hold">
+                                          <p:stCondLst>
+                                            <p:cond delay="0"/>
+                                          </p:stCondLst>
+                                        </p:cTn>
+                                        <p:tgtEl>
+                                          <p:spTgt spid="8">
                                             <p:graphicEl>
                                               <a:dgm id="{D05EC9E0-8F5D-45CB-A733-A5612A87189B}"/>
                                             </p:graphicEl>
@@ -11348,9 +11424,9 @@
                                     </p:set>
                                     <p:animEffect transition="in" filter="fade">
                                       <p:cBhvr>
-                                        <p:cTn id="7" dur="500"/>
+                                        <p:cTn id="23" dur="500"/>
                                         <p:tgtEl>
-                                          <p:spTgt spid="5">
+                                          <p:spTgt spid="8">
                                             <p:graphicEl>
                                               <a:dgm id="{D05EC9E0-8F5D-45CB-A733-A5612A87189B}"/>
                                             </p:graphicEl>
@@ -11368,32 +11444,32 @@
                     </p:cTn>
                   </p:par>
                   <p:par>
-                    <p:cTn id="8" fill="hold">
+                    <p:cTn id="24" fill="hold">
                       <p:stCondLst>
                         <p:cond delay="indefinite"/>
                       </p:stCondLst>
                       <p:childTnLst>
                         <p:par>
-                          <p:cTn id="9" fill="hold">
+                          <p:cTn id="25" fill="hold">
                             <p:stCondLst>
                               <p:cond delay="0"/>
                             </p:stCondLst>
                             <p:childTnLst>
                               <p:par>
-                                <p:cTn id="10" presetID="10" presetClass="entr" presetSubtype="0" fill="hold" grpId="0" nodeType="clickEffect">
+                                <p:cTn id="26" presetID="10" presetClass="entr" presetSubtype="0" fill="hold" grpId="0" nodeType="clickEffect">
                                   <p:stCondLst>
                                     <p:cond delay="0"/>
                                   </p:stCondLst>
                                   <p:childTnLst>
                                     <p:set>
                                       <p:cBhvr>
-                                        <p:cTn id="11" dur="1" fill="hold">
+                                        <p:cTn id="27" dur="1" fill="hold">
                                           <p:stCondLst>
                                             <p:cond delay="0"/>
                                           </p:stCondLst>
                                         </p:cTn>
                                         <p:tgtEl>
-                                          <p:spTgt spid="5">
+                                          <p:spTgt spid="8">
                                             <p:graphicEl>
                                               <a:dgm id="{AF461715-315F-4B67-AE64-A74F48E9AF89}"/>
                                             </p:graphicEl>
@@ -11409,9 +11485,9 @@
                                     </p:set>
                                     <p:animEffect transition="in" filter="fade">
                                       <p:cBhvr>
-                                        <p:cTn id="12" dur="500"/>
+                                        <p:cTn id="28" dur="500"/>
                                         <p:tgtEl>
-                                          <p:spTgt spid="5">
+                                          <p:spTgt spid="8">
                                             <p:graphicEl>
                                               <a:dgm id="{AF461715-315F-4B67-AE64-A74F48E9AF89}"/>
                                             </p:graphicEl>
@@ -11423,20 +11499,20 @@
                                 </p:cTn>
                               </p:par>
                               <p:par>
-                                <p:cTn id="13" presetID="10" presetClass="entr" presetSubtype="0" fill="hold" grpId="0" nodeType="withEffect">
+                                <p:cTn id="29" presetID="10" presetClass="entr" presetSubtype="0" fill="hold" grpId="0" nodeType="withEffect">
                                   <p:stCondLst>
                                     <p:cond delay="0"/>
                                   </p:stCondLst>
                                   <p:childTnLst>
                                     <p:set>
                                       <p:cBhvr>
-                                        <p:cTn id="14" dur="1" fill="hold">
+                                        <p:cTn id="30" dur="1" fill="hold">
                                           <p:stCondLst>
                                             <p:cond delay="0"/>
                                           </p:stCondLst>
                                         </p:cTn>
                                         <p:tgtEl>
-                                          <p:spTgt spid="5">
+                                          <p:spTgt spid="8">
                                             <p:graphicEl>
                                               <a:dgm id="{D2B477F3-791F-46FC-A50D-FA3601860E25}"/>
                                             </p:graphicEl>
@@ -11452,83 +11528,13 @@
                                     </p:set>
                                     <p:animEffect transition="in" filter="fade">
                                       <p:cBhvr>
-                                        <p:cTn id="15" dur="500"/>
+                                        <p:cTn id="31" dur="500"/>
                                         <p:tgtEl>
-                                          <p:spTgt spid="5">
+                                          <p:spTgt spid="8">
                                             <p:graphicEl>
                                               <a:dgm id="{D2B477F3-791F-46FC-A50D-FA3601860E25}"/>
                                             </p:graphicEl>
                                           </p:spTgt>
-                                        </p:tgtEl>
-                                      </p:cBhvr>
-                                    </p:animEffect>
-                                  </p:childTnLst>
-                                </p:cTn>
-                              </p:par>
-                              <p:par>
-                                <p:cTn id="16" presetID="10" presetClass="entr" presetSubtype="0" fill="hold" nodeType="withEffect">
-                                  <p:stCondLst>
-                                    <p:cond delay="0"/>
-                                  </p:stCondLst>
-                                  <p:childTnLst>
-                                    <p:set>
-                                      <p:cBhvr>
-                                        <p:cTn id="17" dur="1" fill="hold">
-                                          <p:stCondLst>
-                                            <p:cond delay="0"/>
-                                          </p:stCondLst>
-                                        </p:cTn>
-                                        <p:tgtEl>
-                                          <p:spTgt spid="2050"/>
-                                        </p:tgtEl>
-                                        <p:attrNameLst>
-                                          <p:attrName>style.visibility</p:attrName>
-                                        </p:attrNameLst>
-                                      </p:cBhvr>
-                                      <p:to>
-                                        <p:strVal val="visible"/>
-                                      </p:to>
-                                    </p:set>
-                                    <p:animEffect transition="in" filter="fade">
-                                      <p:cBhvr>
-                                        <p:cTn id="18" dur="500"/>
-                                        <p:tgtEl>
-                                          <p:spTgt spid="2050"/>
-                                        </p:tgtEl>
-                                      </p:cBhvr>
-                                    </p:animEffect>
-                                  </p:childTnLst>
-                                </p:cTn>
-                              </p:par>
-                              <p:par>
-                                <p:cTn id="19" presetID="10" presetClass="entr" presetSubtype="0" fill="hold" grpId="0" nodeType="withEffect">
-                                  <p:stCondLst>
-                                    <p:cond delay="0"/>
-                                  </p:stCondLst>
-                                  <p:childTnLst>
-                                    <p:set>
-                                      <p:cBhvr>
-                                        <p:cTn id="20" dur="1" fill="hold">
-                                          <p:stCondLst>
-                                            <p:cond delay="0"/>
-                                          </p:stCondLst>
-                                        </p:cTn>
-                                        <p:tgtEl>
-                                          <p:spTgt spid="2"/>
-                                        </p:tgtEl>
-                                        <p:attrNameLst>
-                                          <p:attrName>style.visibility</p:attrName>
-                                        </p:attrNameLst>
-                                      </p:cBhvr>
-                                      <p:to>
-                                        <p:strVal val="visible"/>
-                                      </p:to>
-                                    </p:set>
-                                    <p:animEffect transition="in" filter="fade">
-                                      <p:cBhvr>
-                                        <p:cTn id="21" dur="500"/>
-                                        <p:tgtEl>
-                                          <p:spTgt spid="2"/>
                                         </p:tgtEl>
                                       </p:cBhvr>
                                     </p:animEffect>
@@ -11542,32 +11548,32 @@
                     </p:cTn>
                   </p:par>
                   <p:par>
-                    <p:cTn id="22" fill="hold">
+                    <p:cTn id="32" fill="hold">
                       <p:stCondLst>
                         <p:cond delay="indefinite"/>
                       </p:stCondLst>
                       <p:childTnLst>
                         <p:par>
-                          <p:cTn id="23" fill="hold">
+                          <p:cTn id="33" fill="hold">
                             <p:stCondLst>
                               <p:cond delay="0"/>
                             </p:stCondLst>
                             <p:childTnLst>
                               <p:par>
-                                <p:cTn id="24" presetID="10" presetClass="entr" presetSubtype="0" fill="hold" grpId="0" nodeType="clickEffect">
+                                <p:cTn id="34" presetID="10" presetClass="entr" presetSubtype="0" fill="hold" grpId="0" nodeType="clickEffect">
                                   <p:stCondLst>
                                     <p:cond delay="0"/>
                                   </p:stCondLst>
                                   <p:childTnLst>
                                     <p:set>
                                       <p:cBhvr>
-                                        <p:cTn id="25" dur="1" fill="hold">
+                                        <p:cTn id="35" dur="1" fill="hold">
                                           <p:stCondLst>
                                             <p:cond delay="0"/>
                                           </p:stCondLst>
                                         </p:cTn>
                                         <p:tgtEl>
-                                          <p:spTgt spid="5">
+                                          <p:spTgt spid="8">
                                             <p:graphicEl>
                                               <a:dgm id="{E5BF9C94-5509-4F79-AC82-D0991D6614CC}"/>
                                             </p:graphicEl>
@@ -11583,9 +11589,9 @@
                                     </p:set>
                                     <p:animEffect transition="in" filter="fade">
                                       <p:cBhvr>
-                                        <p:cTn id="26" dur="500"/>
+                                        <p:cTn id="36" dur="500"/>
                                         <p:tgtEl>
-                                          <p:spTgt spid="5">
+                                          <p:spTgt spid="8">
                                             <p:graphicEl>
                                               <a:dgm id="{E5BF9C94-5509-4F79-AC82-D0991D6614CC}"/>
                                             </p:graphicEl>
@@ -11597,55 +11603,20 @@
                                 </p:cTn>
                               </p:par>
                               <p:par>
-                                <p:cTn id="27" presetID="10" presetClass="entr" presetSubtype="0" fill="hold" grpId="0" nodeType="withEffect">
+                                <p:cTn id="37" presetID="10" presetClass="entr" presetSubtype="0" fill="hold" grpId="0" nodeType="withEffect">
                                   <p:stCondLst>
                                     <p:cond delay="0"/>
                                   </p:stCondLst>
                                   <p:childTnLst>
                                     <p:set>
                                       <p:cBhvr>
-                                        <p:cTn id="28" dur="1" fill="hold">
+                                        <p:cTn id="38" dur="1" fill="hold">
                                           <p:stCondLst>
                                             <p:cond delay="0"/>
                                           </p:stCondLst>
                                         </p:cTn>
                                         <p:tgtEl>
-                                          <p:spTgt spid="7"/>
-                                        </p:tgtEl>
-                                        <p:attrNameLst>
-                                          <p:attrName>style.visibility</p:attrName>
-                                        </p:attrNameLst>
-                                      </p:cBhvr>
-                                      <p:to>
-                                        <p:strVal val="visible"/>
-                                      </p:to>
-                                    </p:set>
-                                    <p:animEffect transition="in" filter="fade">
-                                      <p:cBhvr>
-                                        <p:cTn id="29" dur="500"/>
-                                        <p:tgtEl>
-                                          <p:spTgt spid="7"/>
-                                        </p:tgtEl>
-                                      </p:cBhvr>
-                                    </p:animEffect>
-                                  </p:childTnLst>
-                                </p:cTn>
-                              </p:par>
-                              <p:par>
-                                <p:cTn id="30" presetID="10" presetClass="entr" presetSubtype="0" fill="hold" grpId="0" nodeType="withEffect">
-                                  <p:stCondLst>
-                                    <p:cond delay="0"/>
-                                  </p:stCondLst>
-                                  <p:childTnLst>
-                                    <p:set>
-                                      <p:cBhvr>
-                                        <p:cTn id="31" dur="1" fill="hold">
-                                          <p:stCondLst>
-                                            <p:cond delay="0"/>
-                                          </p:stCondLst>
-                                        </p:cTn>
-                                        <p:tgtEl>
-                                          <p:spTgt spid="5">
+                                          <p:spTgt spid="8">
                                             <p:graphicEl>
                                               <a:dgm id="{7509D6B6-898D-4FC7-8441-00720BF18D07}"/>
                                             </p:graphicEl>
@@ -11661,66 +11632,13 @@
                                     </p:set>
                                     <p:animEffect transition="in" filter="fade">
                                       <p:cBhvr>
-                                        <p:cTn id="32" dur="500"/>
+                                        <p:cTn id="39" dur="500"/>
                                         <p:tgtEl>
-                                          <p:spTgt spid="5">
+                                          <p:spTgt spid="8">
                                             <p:graphicEl>
                                               <a:dgm id="{7509D6B6-898D-4FC7-8441-00720BF18D07}"/>
                                             </p:graphicEl>
                                           </p:spTgt>
-                                        </p:tgtEl>
-                                      </p:cBhvr>
-                                    </p:animEffect>
-                                  </p:childTnLst>
-                                </p:cTn>
-                              </p:par>
-                            </p:childTnLst>
-                          </p:cTn>
-                        </p:par>
-                      </p:childTnLst>
-                    </p:cTn>
-                  </p:par>
-                  <p:par>
-                    <p:cTn id="33" fill="hold">
-                      <p:stCondLst>
-                        <p:cond delay="indefinite"/>
-                      </p:stCondLst>
-                      <p:childTnLst>
-                        <p:par>
-                          <p:cTn id="34" fill="hold">
-                            <p:stCondLst>
-                              <p:cond delay="0"/>
-                            </p:stCondLst>
-                            <p:childTnLst>
-                              <p:par>
-                                <p:cTn id="35" presetID="10" presetClass="entr" presetSubtype="0" fill="hold" nodeType="clickEffect">
-                                  <p:stCondLst>
-                                    <p:cond delay="0"/>
-                                  </p:stCondLst>
-                                  <p:childTnLst>
-                                    <p:set>
-                                      <p:cBhvr>
-                                        <p:cTn id="36" dur="1" fill="hold">
-                                          <p:stCondLst>
-                                            <p:cond delay="0"/>
-                                          </p:stCondLst>
-                                        </p:cTn>
-                                        <p:tgtEl>
-                                          <p:spTgt spid="9"/>
-                                        </p:tgtEl>
-                                        <p:attrNameLst>
-                                          <p:attrName>style.visibility</p:attrName>
-                                        </p:attrNameLst>
-                                      </p:cBhvr>
-                                      <p:to>
-                                        <p:strVal val="visible"/>
-                                      </p:to>
-                                    </p:set>
-                                    <p:animEffect transition="in" filter="fade">
-                                      <p:cBhvr>
-                                        <p:cTn id="37" dur="500"/>
-                                        <p:tgtEl>
-                                          <p:spTgt spid="9"/>
                                         </p:tgtEl>
                                       </p:cBhvr>
                                     </p:animEffect>
@@ -11755,13 +11673,13 @@
       </p:par>
     </p:tnLst>
     <p:bldLst>
-      <p:bldGraphic spid="5" grpId="0" uiExpand="1">
+      <p:bldP spid="2" grpId="0"/>
+      <p:bldP spid="7" grpId="0"/>
+      <p:bldGraphic spid="8" grpId="0" uiExpand="1">
         <p:bldSub>
           <a:bldDgm bld="one"/>
         </p:bldSub>
       </p:bldGraphic>
-      <p:bldP spid="2" grpId="0"/>
-      <p:bldP spid="7" grpId="0"/>
     </p:bldLst>
   </p:timing>
 </p:sld>
@@ -12158,52 +12076,6 @@
           </a:p>
         </p:txBody>
       </p:sp>
-      <p:sp>
-        <p:nvSpPr>
-          <p:cNvPr id="3" name="内容占位符 2"/>
-          <p:cNvSpPr>
-            <a:spLocks noGrp="1"/>
-          </p:cNvSpPr>
-          <p:nvPr>
-            <p:ph sz="quarter" idx="1"/>
-          </p:nvPr>
-        </p:nvSpPr>
-        <p:spPr/>
-        <p:txBody>
-          <a:bodyPr/>
-          <a:lstStyle/>
-          <a:p>
-            <a:r>
-              <a:rPr lang="zh-CN" altLang="en-US" dirty="0"/>
-              <a:t>模型：</a:t>
-            </a:r>
-            <a:endParaRPr lang="en-US" altLang="zh-CN" dirty="0"/>
-          </a:p>
-          <a:p>
-            <a:endParaRPr lang="en-US" altLang="zh-CN" dirty="0"/>
-          </a:p>
-          <a:p>
-            <a:pPr lvl="1"/>
-            <a:r>
-              <a:rPr lang="zh-CN" altLang="en-US" sz="2000" dirty="0"/>
-              <a:t>增广权重向量和增广特征向量</a:t>
-            </a:r>
-            <a:endParaRPr lang="en-US" altLang="zh-CN" sz="2000" dirty="0"/>
-          </a:p>
-          <a:p>
-            <a:pPr lvl="1"/>
-            <a:endParaRPr lang="en-US" altLang="zh-CN" sz="2000" dirty="0"/>
-          </a:p>
-          <a:p>
-            <a:pPr lvl="1"/>
-            <a:endParaRPr lang="en-US" altLang="zh-CN" sz="2000" dirty="0"/>
-          </a:p>
-          <a:p>
-            <a:pPr lvl="1"/>
-            <a:endParaRPr lang="en-US" altLang="zh-CN" sz="2000" dirty="0"/>
-          </a:p>
-        </p:txBody>
-      </p:sp>
       <p:pic>
         <p:nvPicPr>
           <p:cNvPr id="4" name="图片 3" descr="屏幕剪辑"/>
@@ -12375,6 +12247,282 @@
           </a:fontRef>
         </p:style>
       </p:cxnSp>
+      <p:sp>
+        <p:nvSpPr>
+          <p:cNvPr id="9" name="内容占位符 2">
+            <a:extLst>
+              <a:ext uri="{FF2B5EF4-FFF2-40B4-BE49-F238E27FC236}">
+                <a16:creationId xmlns:a16="http://schemas.microsoft.com/office/drawing/2014/main" id="{A8DABE59-5159-4207-82A5-BC79BFC5B9AA}"/>
+              </a:ext>
+            </a:extLst>
+          </p:cNvPr>
+          <p:cNvSpPr txBox="1">
+            <a:spLocks/>
+          </p:cNvSpPr>
+          <p:nvPr/>
+        </p:nvSpPr>
+        <p:spPr bwMode="auto">
+          <a:xfrm>
+            <a:off x="762000" y="1219199"/>
+            <a:ext cx="10972800" cy="4937125"/>
+          </a:xfrm>
+          <a:prstGeom prst="rect">
+            <a:avLst/>
+          </a:prstGeom>
+          <a:noFill/>
+          <a:ln>
+            <a:noFill/>
+          </a:ln>
+          <a:extLst>
+            <a:ext uri="{909E8E84-426E-40DD-AFC4-6F175D3DCCD1}">
+              <a14:hiddenFill xmlns:a14="http://schemas.microsoft.com/office/drawing/2010/main">
+                <a:solidFill>
+                  <a:srgbClr val="FFFFFF"/>
+                </a:solidFill>
+              </a14:hiddenFill>
+            </a:ext>
+            <a:ext uri="{91240B29-F687-4F45-9708-019B960494DF}">
+              <a14:hiddenLine xmlns:a14="http://schemas.microsoft.com/office/drawing/2010/main" w="9525">
+                <a:solidFill>
+                  <a:srgbClr val="000000"/>
+                </a:solidFill>
+                <a:miter lim="800000"/>
+                <a:headEnd/>
+                <a:tailEnd/>
+              </a14:hiddenLine>
+            </a:ext>
+          </a:extLst>
+        </p:spPr>
+        <p:txBody>
+          <a:bodyPr vert="horz" wrap="square" lIns="91440" tIns="45720" rIns="91440" bIns="45720" numCol="1" anchor="t" anchorCtr="0" compatLnSpc="1">
+            <a:prstTxWarp prst="textNoShape">
+              <a:avLst/>
+            </a:prstTxWarp>
+          </a:bodyPr>
+          <a:lstStyle>
+            <a:lvl1pPr marL="153591" indent="-153591" algn="l" rtl="0" eaLnBrk="1" fontAlgn="base" hangingPunct="1">
+              <a:spcBef>
+                <a:spcPts val="338"/>
+              </a:spcBef>
+              <a:spcAft>
+                <a:spcPct val="0"/>
+              </a:spcAft>
+              <a:buClr>
+                <a:srgbClr val="000000"/>
+              </a:buClr>
+              <a:buSzPct val="76000"/>
+              <a:buFont typeface="Wingdings 3" panose="05040102010807070707" pitchFamily="18" charset="2"/>
+              <a:buChar char=""/>
+              <a:defRPr lang="en-US" altLang="zh-CN" sz="3200" kern="1200" baseline="0" dirty="0" smtClean="0">
+                <a:solidFill>
+                  <a:srgbClr val="C00000"/>
+                </a:solidFill>
+                <a:latin typeface="+mn-lt"/>
+                <a:ea typeface="+mn-ea"/>
+                <a:cs typeface="Arial" panose="020B0604020202020204" pitchFamily="34" charset="0"/>
+              </a:defRPr>
+            </a:lvl1pPr>
+            <a:lvl2pPr marL="308075" indent="-153591" algn="l" rtl="0" eaLnBrk="1" fontAlgn="base" hangingPunct="1">
+              <a:spcBef>
+                <a:spcPts val="281"/>
+              </a:spcBef>
+              <a:spcAft>
+                <a:spcPct val="0"/>
+              </a:spcAft>
+              <a:buClr>
+                <a:srgbClr val="000000"/>
+              </a:buClr>
+              <a:buSzPct val="76000"/>
+              <a:buFont typeface="Wingdings 3" panose="05040102010807070707" pitchFamily="18" charset="2"/>
+              <a:buChar char=""/>
+              <a:defRPr sz="2800" kern="1200" baseline="0">
+                <a:solidFill>
+                  <a:srgbClr val="000000"/>
+                </a:solidFill>
+                <a:latin typeface="+mn-lt"/>
+                <a:ea typeface="+mn-ea"/>
+                <a:cs typeface="+mn-cs"/>
+              </a:defRPr>
+            </a:lvl2pPr>
+            <a:lvl3pPr marL="462558" indent="-128588" algn="l" rtl="0" eaLnBrk="1" fontAlgn="base" hangingPunct="1">
+              <a:spcBef>
+                <a:spcPts val="281"/>
+              </a:spcBef>
+              <a:spcAft>
+                <a:spcPct val="0"/>
+              </a:spcAft>
+              <a:buClr>
+                <a:srgbClr val="000000"/>
+              </a:buClr>
+              <a:buSzPct val="76000"/>
+              <a:buFont typeface="Wingdings 3" panose="05040102010807070707" pitchFamily="18" charset="2"/>
+              <a:buChar char=""/>
+              <a:defRPr sz="2400" kern="1200" baseline="0">
+                <a:solidFill>
+                  <a:schemeClr val="accent1"/>
+                </a:solidFill>
+                <a:latin typeface="+mn-lt"/>
+                <a:ea typeface="+mn-ea"/>
+                <a:cs typeface="+mn-cs"/>
+              </a:defRPr>
+            </a:lvl3pPr>
+            <a:lvl4pPr marL="617042" indent="-128588" algn="l" rtl="0" eaLnBrk="1" fontAlgn="base" hangingPunct="1">
+              <a:spcBef>
+                <a:spcPts val="225"/>
+              </a:spcBef>
+              <a:spcAft>
+                <a:spcPct val="0"/>
+              </a:spcAft>
+              <a:buClr>
+                <a:srgbClr val="CF5716"/>
+              </a:buClr>
+              <a:buSzPct val="70000"/>
+              <a:buFont typeface="Wingdings" panose="05000000000000000000" pitchFamily="2" charset="2"/>
+              <a:buChar char=""/>
+              <a:defRPr sz="2000" kern="1200" baseline="0">
+                <a:solidFill>
+                  <a:schemeClr val="tx1"/>
+                </a:solidFill>
+                <a:latin typeface="+mn-lt"/>
+                <a:ea typeface="+mn-ea"/>
+                <a:cs typeface="+mn-cs"/>
+              </a:defRPr>
+            </a:lvl4pPr>
+            <a:lvl5pPr marL="771525" indent="-128588" algn="l" rtl="0" eaLnBrk="1" fontAlgn="base" hangingPunct="1">
+              <a:spcBef>
+                <a:spcPts val="169"/>
+              </a:spcBef>
+              <a:spcAft>
+                <a:spcPct val="0"/>
+              </a:spcAft>
+              <a:buClr>
+                <a:schemeClr val="accent2"/>
+              </a:buClr>
+              <a:buSzPct val="70000"/>
+              <a:buFont typeface="Wingdings" panose="05000000000000000000" pitchFamily="2" charset="2"/>
+              <a:buChar char=""/>
+              <a:defRPr sz="1350" kern="1200" baseline="0">
+                <a:solidFill>
+                  <a:schemeClr val="tx1"/>
+                </a:solidFill>
+                <a:latin typeface="+mn-ea"/>
+                <a:ea typeface="+mn-ea"/>
+                <a:cs typeface="+mn-cs"/>
+              </a:defRPr>
+            </a:lvl5pPr>
+            <a:lvl6pPr marL="925830" indent="-102870" algn="l" rtl="0" eaLnBrk="1" latinLnBrk="0" hangingPunct="1">
+              <a:spcBef>
+                <a:spcPts val="169"/>
+              </a:spcBef>
+              <a:buClr>
+                <a:srgbClr val="9FB8CD">
+                  <a:shade val="75000"/>
+                </a:srgbClr>
+              </a:buClr>
+              <a:buSzPct val="75000"/>
+              <a:buFont typeface="Wingdings 3"/>
+              <a:buChar char=""/>
+              <a:defRPr kumimoji="0" lang="en-US" sz="900" kern="1200" smtClean="0">
+                <a:solidFill>
+                  <a:schemeClr val="tx1"/>
+                </a:solidFill>
+                <a:latin typeface="+mn-lt"/>
+                <a:ea typeface="+mn-ea"/>
+                <a:cs typeface="+mn-cs"/>
+              </a:defRPr>
+            </a:lvl6pPr>
+            <a:lvl7pPr marL="1028700" indent="-102870" algn="l" rtl="0" eaLnBrk="1" latinLnBrk="0" hangingPunct="1">
+              <a:spcBef>
+                <a:spcPts val="169"/>
+              </a:spcBef>
+              <a:buClr>
+                <a:srgbClr val="727CA3">
+                  <a:shade val="75000"/>
+                </a:srgbClr>
+              </a:buClr>
+              <a:buSzPct val="75000"/>
+              <a:buFont typeface="Wingdings 3"/>
+              <a:buChar char=""/>
+              <a:defRPr kumimoji="0" lang="en-US" sz="788" kern="1200" smtClean="0">
+                <a:solidFill>
+                  <a:schemeClr val="tx1"/>
+                </a:solidFill>
+                <a:latin typeface="+mn-lt"/>
+                <a:ea typeface="+mn-ea"/>
+                <a:cs typeface="+mn-cs"/>
+              </a:defRPr>
+            </a:lvl7pPr>
+            <a:lvl8pPr marL="1131570" indent="-102870" algn="l" rtl="0" eaLnBrk="1" latinLnBrk="0" hangingPunct="1">
+              <a:spcBef>
+                <a:spcPts val="169"/>
+              </a:spcBef>
+              <a:buClr>
+                <a:prstClr val="white">
+                  <a:shade val="50000"/>
+                </a:prstClr>
+              </a:buClr>
+              <a:buSzPct val="75000"/>
+              <a:buFont typeface="Wingdings 3"/>
+              <a:buChar char=""/>
+              <a:defRPr kumimoji="0" lang="en-US" sz="788" kern="1200" smtClean="0">
+                <a:solidFill>
+                  <a:schemeClr val="tx1"/>
+                </a:solidFill>
+                <a:latin typeface="+mn-lt"/>
+                <a:ea typeface="+mn-ea"/>
+                <a:cs typeface="+mn-cs"/>
+              </a:defRPr>
+            </a:lvl8pPr>
+            <a:lvl9pPr marL="1234440" indent="-102870" algn="l" rtl="0" eaLnBrk="1" latinLnBrk="0" hangingPunct="1">
+              <a:spcBef>
+                <a:spcPts val="169"/>
+              </a:spcBef>
+              <a:buClr>
+                <a:srgbClr val="9FB8CD"/>
+              </a:buClr>
+              <a:buSzPct val="75000"/>
+              <a:buFont typeface="Wingdings 3"/>
+              <a:buChar char=""/>
+              <a:defRPr kumimoji="0" lang="en-US" sz="675" kern="1200" smtClean="0">
+                <a:solidFill>
+                  <a:schemeClr val="tx1"/>
+                </a:solidFill>
+                <a:latin typeface="+mn-lt"/>
+                <a:ea typeface="+mn-ea"/>
+                <a:cs typeface="+mn-cs"/>
+              </a:defRPr>
+            </a:lvl9pPr>
+          </a:lstStyle>
+          <a:p>
+            <a:r>
+              <a:rPr lang="zh-CN" altLang="en-US"/>
+              <a:t>模型：</a:t>
+            </a:r>
+          </a:p>
+          <a:p>
+            <a:endParaRPr lang="zh-CN" altLang="en-US"/>
+          </a:p>
+          <a:p>
+            <a:pPr lvl="1"/>
+            <a:r>
+              <a:rPr lang="zh-CN" altLang="en-US" sz="2000"/>
+              <a:t>增广权重向量和增广特征向量</a:t>
+            </a:r>
+          </a:p>
+          <a:p>
+            <a:pPr lvl="1"/>
+            <a:endParaRPr lang="zh-CN" altLang="en-US" sz="2000"/>
+          </a:p>
+          <a:p>
+            <a:pPr lvl="1"/>
+            <a:endParaRPr lang="zh-CN" altLang="en-US" sz="2000"/>
+          </a:p>
+          <a:p>
+            <a:pPr lvl="1"/>
+            <a:endParaRPr lang="zh-CN" altLang="en-US" sz="2000" dirty="0"/>
+          </a:p>
+        </p:txBody>
+      </p:sp>
     </p:spTree>
     <p:extLst>
       <p:ext uri="{BB962C8B-B14F-4D97-AF65-F5344CB8AC3E}">
@@ -12434,7 +12582,7 @@
             <a:spLocks noGrp="1"/>
           </p:cNvSpPr>
           <p:nvPr>
-            <p:ph sz="quarter" idx="1"/>
+            <p:ph idx="1"/>
           </p:nvPr>
         </p:nvSpPr>
         <p:spPr/>
@@ -13583,7 +13731,7 @@
           <a:graphicData uri="http://schemas.openxmlformats.org/presentationml/2006/ole">
             <mc:AlternateContent xmlns:mc="http://schemas.openxmlformats.org/markup-compatibility/2006">
               <mc:Choice xmlns:v="urn:schemas-microsoft-com:vml" Requires="v">
-                <p:oleObj spid="_x0000_s1682" name="方程式" r:id="rId3" imgW="1790640" imgH="215640" progId="Equation.3">
+                <p:oleObj spid="_x0000_s1690" name="方程式" r:id="rId3" imgW="1790640" imgH="215640" progId="Equation.3">
                   <p:embed/>
                 </p:oleObj>
               </mc:Choice>
@@ -13653,7 +13801,7 @@
           <a:graphicData uri="http://schemas.openxmlformats.org/presentationml/2006/ole">
             <mc:AlternateContent xmlns:mc="http://schemas.openxmlformats.org/markup-compatibility/2006">
               <mc:Choice xmlns:v="urn:schemas-microsoft-com:vml" Requires="v">
-                <p:oleObj spid="_x0000_s1683" name="方程式" r:id="rId5" imgW="1790640" imgH="215640" progId="Equation.3">
+                <p:oleObj spid="_x0000_s1691" name="方程式" r:id="rId5" imgW="1790640" imgH="215640" progId="Equation.3">
                   <p:embed/>
                 </p:oleObj>
               </mc:Choice>
@@ -13723,7 +13871,7 @@
           <a:graphicData uri="http://schemas.openxmlformats.org/presentationml/2006/ole">
             <mc:AlternateContent xmlns:mc="http://schemas.openxmlformats.org/markup-compatibility/2006">
               <mc:Choice xmlns:v="urn:schemas-microsoft-com:vml" Requires="v">
-                <p:oleObj spid="_x0000_s1684" name="方程式" r:id="rId6" imgW="1790640" imgH="215640" progId="Equation.3">
+                <p:oleObj spid="_x0000_s1692" name="方程式" r:id="rId6" imgW="1790640" imgH="215640" progId="Equation.3">
                   <p:embed/>
                 </p:oleObj>
               </mc:Choice>
@@ -13793,7 +13941,7 @@
           <a:graphicData uri="http://schemas.openxmlformats.org/presentationml/2006/ole">
             <mc:AlternateContent xmlns:mc="http://schemas.openxmlformats.org/markup-compatibility/2006">
               <mc:Choice xmlns:v="urn:schemas-microsoft-com:vml" Requires="v">
-                <p:oleObj spid="_x0000_s1685" name="方程式" r:id="rId7" imgW="1676160" imgH="215640" progId="Equation.3">
+                <p:oleObj spid="_x0000_s1693" name="方程式" r:id="rId7" imgW="1676160" imgH="215640" progId="Equation.3">
                   <p:embed/>
                 </p:oleObj>
               </mc:Choice>
